--- a/ppt/JavaScript基础一.pptx
+++ b/ppt/JavaScript基础一.pptx
@@ -5,10 +5,10 @@
     <p:sldMasterId id="2147483686" r:id="rId1"/>
   </p:sldMasterIdLst>
   <p:notesMasterIdLst>
-    <p:notesMasterId r:id="rId12"/>
+    <p:notesMasterId r:id="rId22"/>
   </p:notesMasterIdLst>
   <p:handoutMasterIdLst>
-    <p:handoutMasterId r:id="rId13"/>
+    <p:handoutMasterId r:id="rId23"/>
   </p:handoutMasterIdLst>
   <p:sldIdLst>
     <p:sldId id="256" r:id="rId2"/>
@@ -20,21 +20,31 @@
     <p:sldId id="264" r:id="rId8"/>
     <p:sldId id="266" r:id="rId9"/>
     <p:sldId id="267" r:id="rId10"/>
-    <p:sldId id="263" r:id="rId11"/>
+    <p:sldId id="270" r:id="rId11"/>
+    <p:sldId id="275" r:id="rId12"/>
+    <p:sldId id="268" r:id="rId13"/>
+    <p:sldId id="269" r:id="rId14"/>
+    <p:sldId id="271" r:id="rId15"/>
+    <p:sldId id="272" r:id="rId16"/>
+    <p:sldId id="273" r:id="rId17"/>
+    <p:sldId id="274" r:id="rId18"/>
+    <p:sldId id="276" r:id="rId19"/>
+    <p:sldId id="277" r:id="rId20"/>
+    <p:sldId id="263" r:id="rId21"/>
   </p:sldIdLst>
   <p:sldSz cx="12192000" cy="6858000"/>
   <p:notesSz cx="6858000" cy="9144000"/>
   <p:embeddedFontLst>
     <p:embeddedFont>
       <p:font typeface="Calibri" panose="020F0502020204030204" pitchFamily="34" charset="0"/>
-      <p:regular r:id="rId14"/>
-      <p:bold r:id="rId15"/>
-      <p:italic r:id="rId16"/>
-      <p:boldItalic r:id="rId17"/>
+      <p:regular r:id="rId24"/>
+      <p:bold r:id="rId25"/>
+      <p:italic r:id="rId26"/>
+      <p:boldItalic r:id="rId27"/>
     </p:embeddedFont>
     <p:embeddedFont>
       <p:font typeface="冬青黑体简体中文 W3" panose="020B0300000000000000" pitchFamily="34" charset="-122"/>
-      <p:regular r:id="rId18"/>
+      <p:regular r:id="rId28"/>
     </p:embeddedFont>
   </p:embeddedFontLst>
   <p:defaultTextStyle>
@@ -265,7 +275,7 @@
           <a:p>
             <a:fld id="{EF39233F-B0BB-44DE-A7B3-17CA56738593}" type="datetimeFigureOut">
               <a:rPr lang="zh-CN" altLang="en-US" smtClean="0"/>
-              <a:t>2018/9/2</a:t>
+              <a:t>2018/9/3</a:t>
             </a:fld>
             <a:endParaRPr lang="zh-CN" altLang="en-US"/>
           </a:p>
@@ -431,7 +441,7 @@
           <a:p>
             <a:fld id="{8E7218B8-0759-4EF6-915F-DEF35E047769}" type="datetimeFigureOut">
               <a:rPr lang="zh-CN" altLang="en-US" smtClean="0"/>
-              <a:t>2018/9/2</a:t>
+              <a:t>2018/9/3</a:t>
             </a:fld>
             <a:endParaRPr lang="zh-CN" altLang="en-US"/>
           </a:p>
@@ -746,120 +756,33 @@
           <a:bodyPr/>
           <a:lstStyle/>
           <a:p>
-            <a:pPr marL="228600" lvl="0" indent="-228600">
-              <a:buFont typeface="+mj-lt"/>
-              <a:buAutoNum type="arabicPeriod"/>
-            </a:pPr>
             <a:r>
               <a:rPr lang="zh-CN" altLang="en-US" dirty="0" smtClean="0"/>
-              <a:t>解释</a:t>
-            </a:r>
-            <a:r>
-              <a:rPr lang="en-US" altLang="zh-CN" dirty="0" smtClean="0"/>
-              <a:t>this</a:t>
-            </a:r>
-            <a:r>
-              <a:rPr lang="zh-CN" altLang="en-US" dirty="0" smtClean="0"/>
-              <a:t>的含义：</a:t>
+              <a:t>为什么要先讲这三个知识点</a:t>
             </a:r>
             <a:endParaRPr lang="en-US" altLang="zh-CN" dirty="0" smtClean="0"/>
           </a:p>
           <a:p>
-            <a:pPr marL="457200" lvl="1" indent="0">
-              <a:buFont typeface="+mj-lt"/>
-              <a:buNone/>
-            </a:pPr>
             <a:endParaRPr lang="en-US" altLang="zh-CN" dirty="0" smtClean="0"/>
           </a:p>
           <a:p>
-            <a:pPr marL="685800" lvl="1" indent="-228600">
-              <a:buFont typeface="+mj-lt"/>
-              <a:buAutoNum type="arabicPeriod"/>
-            </a:pPr>
-            <a:r>
-              <a:rPr lang="zh-CN" altLang="en-US" dirty="0" smtClean="0"/>
-              <a:t>语言中定义的一个关键字。</a:t>
+            <a:r>
+              <a:rPr lang="en-US" altLang="zh-CN" baseline="0" dirty="0" smtClean="0"/>
+              <a:t>        </a:t>
+            </a:r>
+            <a:r>
+              <a:rPr lang="zh-CN" altLang="en-US" baseline="0" dirty="0" smtClean="0"/>
+              <a:t>因为最常用。并且如果需要阅读一些</a:t>
+            </a:r>
+            <a:r>
+              <a:rPr lang="en-US" altLang="zh-CN" baseline="0" dirty="0" smtClean="0"/>
+              <a:t>js</a:t>
+            </a:r>
+            <a:r>
+              <a:rPr lang="zh-CN" altLang="en-US" baseline="0" dirty="0" smtClean="0"/>
+              <a:t>库，这三个知识点是必不可少的。</a:t>
             </a:r>
             <a:endParaRPr lang="en-US" altLang="zh-CN" dirty="0" smtClean="0"/>
-          </a:p>
-          <a:p>
-            <a:pPr marL="685800" lvl="1" indent="-228600">
-              <a:buFont typeface="+mj-lt"/>
-              <a:buAutoNum type="arabicPeriod"/>
-            </a:pPr>
-            <a:r>
-              <a:rPr lang="zh-CN" altLang="en-US" dirty="0" smtClean="0"/>
-              <a:t>执行上下文的一个属性。</a:t>
-            </a:r>
-            <a:r>
-              <a:rPr lang="en-US" altLang="zh-CN" dirty="0" smtClean="0"/>
-              <a:t/>
-            </a:r>
-            <a:br>
-              <a:rPr lang="en-US" altLang="zh-CN" dirty="0" smtClean="0"/>
-            </a:br>
-            <a:endParaRPr lang="en-US" altLang="zh-CN" dirty="0" smtClean="0"/>
-          </a:p>
-          <a:p>
-            <a:pPr marL="228600" lvl="0" indent="-228600">
-              <a:buFont typeface="+mj-lt"/>
-              <a:buAutoNum type="arabicPeriod"/>
-            </a:pPr>
-            <a:r>
-              <a:rPr lang="zh-CN" altLang="en-US" dirty="0" smtClean="0"/>
-              <a:t>下面，我们开始介绍几种情况下的</a:t>
-            </a:r>
-            <a:r>
-              <a:rPr lang="en-US" altLang="zh-CN" dirty="0" smtClean="0"/>
-              <a:t>this</a:t>
-            </a:r>
-            <a:r>
-              <a:rPr lang="zh-CN" altLang="en-US" dirty="0" smtClean="0"/>
-              <a:t>指向查找方法，进入下一页。</a:t>
-            </a:r>
-            <a:endParaRPr lang="en-US" altLang="zh-CN" dirty="0" smtClean="0"/>
-          </a:p>
-          <a:p>
-            <a:pPr marL="228600" lvl="0" indent="-228600">
-              <a:buFont typeface="+mj-lt"/>
-              <a:buAutoNum type="arabicPeriod"/>
-            </a:pPr>
-            <a:endParaRPr lang="en-US" altLang="zh-CN" dirty="0" smtClean="0"/>
-          </a:p>
-          <a:p>
-            <a:pPr marL="457200" lvl="1" indent="0">
-              <a:buFont typeface="+mj-lt"/>
-              <a:buNone/>
-            </a:pPr>
-            <a:r>
-              <a:rPr lang="zh-CN" altLang="en-US" dirty="0" smtClean="0"/>
-              <a:t>代码参考：</a:t>
-            </a:r>
-            <a:r>
-              <a:rPr lang="en-US" altLang="zh-CN" dirty="0" smtClean="0"/>
-              <a:t>http://git.pcstele.com/pcs/zhhw-operation-client-vue/blob/dev/docs/knowledge/js%E4%B8%AD%E7%9A%84this.md</a:t>
-            </a:r>
-          </a:p>
-          <a:p>
-            <a:endParaRPr lang="en-US" altLang="zh-CN" dirty="0" smtClean="0"/>
-          </a:p>
-          <a:p>
-            <a:pPr marL="685800" lvl="1" indent="-228600">
-              <a:buAutoNum type="arabicPeriod"/>
-            </a:pPr>
-            <a:endParaRPr lang="en-US" altLang="zh-CN" baseline="0" dirty="0" smtClean="0"/>
-          </a:p>
-          <a:p>
-            <a:pPr marL="228600" lvl="0" indent="-228600">
-              <a:buAutoNum type="arabicPeriod"/>
-            </a:pPr>
-            <a:endParaRPr lang="en-US" altLang="zh-CN" baseline="0" dirty="0" smtClean="0"/>
-          </a:p>
-          <a:p>
-            <a:pPr marL="0" lvl="0" indent="0">
-              <a:buNone/>
-            </a:pPr>
-            <a:endParaRPr lang="en-US" altLang="zh-CN" baseline="0" dirty="0" smtClean="0"/>
           </a:p>
         </p:txBody>
       </p:sp>
@@ -880,7 +803,7 @@
           <a:p>
             <a:fld id="{63D66438-32C0-4A55-81A6-6429864AD78C}" type="slidenum">
               <a:rPr lang="zh-CN" altLang="en-US" smtClean="0"/>
-              <a:t>2</a:t>
+              <a:t>1</a:t>
             </a:fld>
             <a:endParaRPr lang="zh-CN" altLang="en-US"/>
           </a:p>
@@ -889,7 +812,201 @@
     </p:spTree>
     <p:extLst>
       <p:ext uri="{BB962C8B-B14F-4D97-AF65-F5344CB8AC3E}">
-        <p14:creationId xmlns:p14="http://schemas.microsoft.com/office/powerpoint/2010/main" val="4072585816"/>
+        <p14:creationId xmlns:p14="http://schemas.microsoft.com/office/powerpoint/2010/main" val="1854766241"/>
+      </p:ext>
+    </p:extLst>
+  </p:cSld>
+  <p:clrMapOvr>
+    <a:masterClrMapping/>
+  </p:clrMapOvr>
+</p:notes>
+</file>
+
+<file path=ppt/notesSlides/notesSlide10.xml><?xml version="1.0" encoding="utf-8"?>
+<p:notes xmlns:a="http://schemas.openxmlformats.org/drawingml/2006/main" xmlns:r="http://schemas.openxmlformats.org/officeDocument/2006/relationships" xmlns:p="http://schemas.openxmlformats.org/presentationml/2006/main">
+  <p:cSld>
+    <p:spTree>
+      <p:nvGrpSpPr>
+        <p:cNvPr id="1" name=""/>
+        <p:cNvGrpSpPr/>
+        <p:nvPr/>
+      </p:nvGrpSpPr>
+      <p:grpSpPr>
+        <a:xfrm>
+          <a:off x="0" y="0"/>
+          <a:ext cx="0" cy="0"/>
+          <a:chOff x="0" y="0"/>
+          <a:chExt cx="0" cy="0"/>
+        </a:xfrm>
+      </p:grpSpPr>
+      <p:sp>
+        <p:nvSpPr>
+          <p:cNvPr id="2" name="幻灯片图像占位符 1"/>
+          <p:cNvSpPr>
+            <a:spLocks noGrp="1" noRot="1" noChangeAspect="1"/>
+          </p:cNvSpPr>
+          <p:nvPr>
+            <p:ph type="sldImg"/>
+          </p:nvPr>
+        </p:nvSpPr>
+        <p:spPr/>
+      </p:sp>
+      <p:sp>
+        <p:nvSpPr>
+          <p:cNvPr id="3" name="备注占位符 2"/>
+          <p:cNvSpPr>
+            <a:spLocks noGrp="1"/>
+          </p:cNvSpPr>
+          <p:nvPr>
+            <p:ph type="body" idx="1"/>
+          </p:nvPr>
+        </p:nvSpPr>
+        <p:spPr/>
+        <p:txBody>
+          <a:bodyPr/>
+          <a:lstStyle/>
+          <a:p>
+            <a:endParaRPr lang="zh-CN" altLang="en-US" dirty="0"/>
+          </a:p>
+        </p:txBody>
+      </p:sp>
+      <p:sp>
+        <p:nvSpPr>
+          <p:cNvPr id="4" name="灯片编号占位符 3"/>
+          <p:cNvSpPr>
+            <a:spLocks noGrp="1"/>
+          </p:cNvSpPr>
+          <p:nvPr>
+            <p:ph type="sldNum" sz="quarter" idx="10"/>
+          </p:nvPr>
+        </p:nvSpPr>
+        <p:spPr/>
+        <p:txBody>
+          <a:bodyPr/>
+          <a:lstStyle/>
+          <a:p>
+            <a:fld id="{63D66438-32C0-4A55-81A6-6429864AD78C}" type="slidenum">
+              <a:rPr lang="zh-CN" altLang="en-US" smtClean="0"/>
+              <a:t>16</a:t>
+            </a:fld>
+            <a:endParaRPr lang="zh-CN" altLang="en-US"/>
+          </a:p>
+        </p:txBody>
+      </p:sp>
+    </p:spTree>
+    <p:extLst>
+      <p:ext uri="{BB962C8B-B14F-4D97-AF65-F5344CB8AC3E}">
+        <p14:creationId xmlns:p14="http://schemas.microsoft.com/office/powerpoint/2010/main" val="1228780232"/>
+      </p:ext>
+    </p:extLst>
+  </p:cSld>
+  <p:clrMapOvr>
+    <a:masterClrMapping/>
+  </p:clrMapOvr>
+</p:notes>
+</file>
+
+<file path=ppt/notesSlides/notesSlide11.xml><?xml version="1.0" encoding="utf-8"?>
+<p:notes xmlns:a="http://schemas.openxmlformats.org/drawingml/2006/main" xmlns:r="http://schemas.openxmlformats.org/officeDocument/2006/relationships" xmlns:p="http://schemas.openxmlformats.org/presentationml/2006/main">
+  <p:cSld>
+    <p:spTree>
+      <p:nvGrpSpPr>
+        <p:cNvPr id="1" name=""/>
+        <p:cNvGrpSpPr/>
+        <p:nvPr/>
+      </p:nvGrpSpPr>
+      <p:grpSpPr>
+        <a:xfrm>
+          <a:off x="0" y="0"/>
+          <a:ext cx="0" cy="0"/>
+          <a:chOff x="0" y="0"/>
+          <a:chExt cx="0" cy="0"/>
+        </a:xfrm>
+      </p:grpSpPr>
+      <p:sp>
+        <p:nvSpPr>
+          <p:cNvPr id="2" name="幻灯片图像占位符 1"/>
+          <p:cNvSpPr>
+            <a:spLocks noGrp="1" noRot="1" noChangeAspect="1"/>
+          </p:cNvSpPr>
+          <p:nvPr>
+            <p:ph type="sldImg"/>
+          </p:nvPr>
+        </p:nvSpPr>
+        <p:spPr/>
+      </p:sp>
+      <p:sp>
+        <p:nvSpPr>
+          <p:cNvPr id="3" name="备注占位符 2"/>
+          <p:cNvSpPr>
+            <a:spLocks noGrp="1"/>
+          </p:cNvSpPr>
+          <p:nvPr>
+            <p:ph type="body" idx="1"/>
+          </p:nvPr>
+        </p:nvSpPr>
+        <p:spPr/>
+        <p:txBody>
+          <a:bodyPr/>
+          <a:lstStyle/>
+          <a:p>
+            <a:r>
+              <a:rPr lang="zh-CN" altLang="en-US" dirty="0" smtClean="0"/>
+              <a:t>前面所讲的相当于经验总结，并不是按照规范解读，所以难免存在不严谨的地方。</a:t>
+            </a:r>
+            <a:endParaRPr lang="en-US" altLang="zh-CN" dirty="0" smtClean="0"/>
+          </a:p>
+          <a:p>
+            <a:r>
+              <a:rPr lang="zh-CN" altLang="en-US" dirty="0" smtClean="0"/>
+              <a:t>更细节具体的</a:t>
+            </a:r>
+            <a:r>
+              <a:rPr lang="en-US" altLang="zh-CN" dirty="0" smtClean="0"/>
+              <a:t>this</a:t>
+            </a:r>
+            <a:r>
+              <a:rPr lang="zh-CN" altLang="en-US" dirty="0" smtClean="0"/>
+              <a:t>查找过程可以参考后面给出的资料。</a:t>
+            </a:r>
+            <a:endParaRPr lang="en-US" altLang="zh-CN" dirty="0" smtClean="0"/>
+          </a:p>
+          <a:p>
+            <a:r>
+              <a:rPr lang="en-US" altLang="zh-CN" dirty="0" smtClean="0"/>
+              <a:t>https://github.com/mqyqingfeng/Blog/issues/7</a:t>
+            </a:r>
+            <a:endParaRPr lang="zh-CN" altLang="en-US" dirty="0"/>
+          </a:p>
+        </p:txBody>
+      </p:sp>
+      <p:sp>
+        <p:nvSpPr>
+          <p:cNvPr id="4" name="灯片编号占位符 3"/>
+          <p:cNvSpPr>
+            <a:spLocks noGrp="1"/>
+          </p:cNvSpPr>
+          <p:nvPr>
+            <p:ph type="sldNum" sz="quarter" idx="10"/>
+          </p:nvPr>
+        </p:nvSpPr>
+        <p:spPr/>
+        <p:txBody>
+          <a:bodyPr/>
+          <a:lstStyle/>
+          <a:p>
+            <a:fld id="{63D66438-32C0-4A55-81A6-6429864AD78C}" type="slidenum">
+              <a:rPr lang="zh-CN" altLang="en-US" smtClean="0"/>
+              <a:t>18</a:t>
+            </a:fld>
+            <a:endParaRPr lang="zh-CN" altLang="en-US"/>
+          </a:p>
+        </p:txBody>
+      </p:sp>
+    </p:spTree>
+    <p:extLst>
+      <p:ext uri="{BB962C8B-B14F-4D97-AF65-F5344CB8AC3E}">
+        <p14:creationId xmlns:p14="http://schemas.microsoft.com/office/powerpoint/2010/main" val="2793922908"/>
       </p:ext>
     </p:extLst>
   </p:cSld>
@@ -943,11 +1060,120 @@
           <a:bodyPr/>
           <a:lstStyle/>
           <a:p>
+            <a:pPr marL="228600" lvl="0" indent="-228600">
+              <a:buFont typeface="+mj-lt"/>
+              <a:buAutoNum type="arabicPeriod"/>
+            </a:pPr>
             <a:r>
               <a:rPr lang="zh-CN" altLang="en-US" dirty="0" smtClean="0"/>
-              <a:t>进入下一页，代码示例。。</a:t>
-            </a:r>
-            <a:endParaRPr lang="zh-CN" altLang="en-US" dirty="0"/>
+              <a:t>解释</a:t>
+            </a:r>
+            <a:r>
+              <a:rPr lang="en-US" altLang="zh-CN" dirty="0" smtClean="0"/>
+              <a:t>this</a:t>
+            </a:r>
+            <a:r>
+              <a:rPr lang="zh-CN" altLang="en-US" dirty="0" smtClean="0"/>
+              <a:t>的含义：</a:t>
+            </a:r>
+            <a:endParaRPr lang="en-US" altLang="zh-CN" dirty="0" smtClean="0"/>
+          </a:p>
+          <a:p>
+            <a:pPr marL="457200" lvl="1" indent="0">
+              <a:buFont typeface="+mj-lt"/>
+              <a:buNone/>
+            </a:pPr>
+            <a:endParaRPr lang="en-US" altLang="zh-CN" dirty="0" smtClean="0"/>
+          </a:p>
+          <a:p>
+            <a:pPr marL="685800" lvl="1" indent="-228600">
+              <a:buFont typeface="+mj-lt"/>
+              <a:buAutoNum type="arabicPeriod"/>
+            </a:pPr>
+            <a:r>
+              <a:rPr lang="zh-CN" altLang="en-US" dirty="0" smtClean="0"/>
+              <a:t>语言中定义的一个关键字。</a:t>
+            </a:r>
+            <a:endParaRPr lang="en-US" altLang="zh-CN" dirty="0" smtClean="0"/>
+          </a:p>
+          <a:p>
+            <a:pPr marL="685800" lvl="1" indent="-228600">
+              <a:buFont typeface="+mj-lt"/>
+              <a:buAutoNum type="arabicPeriod"/>
+            </a:pPr>
+            <a:r>
+              <a:rPr lang="zh-CN" altLang="en-US" dirty="0" smtClean="0"/>
+              <a:t>执行上下文的一个属性。</a:t>
+            </a:r>
+            <a:r>
+              <a:rPr lang="en-US" altLang="zh-CN" dirty="0" smtClean="0"/>
+              <a:t/>
+            </a:r>
+            <a:br>
+              <a:rPr lang="en-US" altLang="zh-CN" dirty="0" smtClean="0"/>
+            </a:br>
+            <a:endParaRPr lang="en-US" altLang="zh-CN" dirty="0" smtClean="0"/>
+          </a:p>
+          <a:p>
+            <a:pPr marL="228600" lvl="0" indent="-228600">
+              <a:buFont typeface="+mj-lt"/>
+              <a:buAutoNum type="arabicPeriod"/>
+            </a:pPr>
+            <a:r>
+              <a:rPr lang="zh-CN" altLang="en-US" dirty="0" smtClean="0"/>
+              <a:t>下面，我们开始介绍几种情况下的</a:t>
+            </a:r>
+            <a:r>
+              <a:rPr lang="en-US" altLang="zh-CN" dirty="0" smtClean="0"/>
+              <a:t>this</a:t>
+            </a:r>
+            <a:r>
+              <a:rPr lang="zh-CN" altLang="en-US" dirty="0" smtClean="0"/>
+              <a:t>指向查找方法，进入下一页。</a:t>
+            </a:r>
+            <a:endParaRPr lang="en-US" altLang="zh-CN" dirty="0" smtClean="0"/>
+          </a:p>
+          <a:p>
+            <a:pPr marL="228600" lvl="0" indent="-228600">
+              <a:buFont typeface="+mj-lt"/>
+              <a:buAutoNum type="arabicPeriod"/>
+            </a:pPr>
+            <a:endParaRPr lang="en-US" altLang="zh-CN" dirty="0" smtClean="0"/>
+          </a:p>
+          <a:p>
+            <a:pPr marL="457200" lvl="1" indent="0">
+              <a:buFont typeface="+mj-lt"/>
+              <a:buNone/>
+            </a:pPr>
+            <a:r>
+              <a:rPr lang="zh-CN" altLang="en-US" dirty="0" smtClean="0"/>
+              <a:t>代码参考：</a:t>
+            </a:r>
+            <a:r>
+              <a:rPr lang="en-US" altLang="zh-CN" dirty="0" smtClean="0"/>
+              <a:t>http://git.pcstele.com/pcs/zhhw-operation-client-vue/blob/dev/docs/knowledge/js%E4%B8%AD%E7%9A%84this.md</a:t>
+            </a:r>
+          </a:p>
+          <a:p>
+            <a:endParaRPr lang="en-US" altLang="zh-CN" dirty="0" smtClean="0"/>
+          </a:p>
+          <a:p>
+            <a:pPr marL="685800" lvl="1" indent="-228600">
+              <a:buAutoNum type="arabicPeriod"/>
+            </a:pPr>
+            <a:endParaRPr lang="en-US" altLang="zh-CN" baseline="0" dirty="0" smtClean="0"/>
+          </a:p>
+          <a:p>
+            <a:pPr marL="228600" lvl="0" indent="-228600">
+              <a:buAutoNum type="arabicPeriod"/>
+            </a:pPr>
+            <a:endParaRPr lang="en-US" altLang="zh-CN" baseline="0" dirty="0" smtClean="0"/>
+          </a:p>
+          <a:p>
+            <a:pPr marL="0" lvl="0" indent="0">
+              <a:buNone/>
+            </a:pPr>
+            <a:endParaRPr lang="en-US" altLang="zh-CN" baseline="0" dirty="0" smtClean="0"/>
           </a:p>
         </p:txBody>
       </p:sp>
@@ -968,7 +1194,7 @@
           <a:p>
             <a:fld id="{63D66438-32C0-4A55-81A6-6429864AD78C}" type="slidenum">
               <a:rPr lang="zh-CN" altLang="en-US" smtClean="0"/>
-              <a:t>3</a:t>
+              <a:t>2</a:t>
             </a:fld>
             <a:endParaRPr lang="zh-CN" altLang="en-US"/>
           </a:p>
@@ -977,7 +1203,7 @@
     </p:spTree>
     <p:extLst>
       <p:ext uri="{BB962C8B-B14F-4D97-AF65-F5344CB8AC3E}">
-        <p14:creationId xmlns:p14="http://schemas.microsoft.com/office/powerpoint/2010/main" val="548124679"/>
+        <p14:creationId xmlns:p14="http://schemas.microsoft.com/office/powerpoint/2010/main" val="4072585816"/>
       </p:ext>
     </p:extLst>
   </p:cSld>
@@ -1031,6 +1257,10 @@
           <a:bodyPr/>
           <a:lstStyle/>
           <a:p>
+            <a:r>
+              <a:rPr lang="zh-CN" altLang="en-US" dirty="0" smtClean="0"/>
+              <a:t>进入下一页，代码示例。。</a:t>
+            </a:r>
             <a:endParaRPr lang="zh-CN" altLang="en-US" dirty="0"/>
           </a:p>
         </p:txBody>
@@ -1052,7 +1282,7 @@
           <a:p>
             <a:fld id="{63D66438-32C0-4A55-81A6-6429864AD78C}" type="slidenum">
               <a:rPr lang="zh-CN" altLang="en-US" smtClean="0"/>
-              <a:t>4</a:t>
+              <a:t>3</a:t>
             </a:fld>
             <a:endParaRPr lang="zh-CN" altLang="en-US"/>
           </a:p>
@@ -1061,7 +1291,7 @@
     </p:spTree>
     <p:extLst>
       <p:ext uri="{BB962C8B-B14F-4D97-AF65-F5344CB8AC3E}">
-        <p14:creationId xmlns:p14="http://schemas.microsoft.com/office/powerpoint/2010/main" val="2697178603"/>
+        <p14:creationId xmlns:p14="http://schemas.microsoft.com/office/powerpoint/2010/main" val="548124679"/>
       </p:ext>
     </p:extLst>
   </p:cSld>
@@ -1115,17 +1345,6 @@
           <a:bodyPr/>
           <a:lstStyle/>
           <a:p>
-            <a:r>
-              <a:rPr lang="zh-CN" altLang="en-US" dirty="0" smtClean="0"/>
-              <a:t>没有为什么，规定。</a:t>
-            </a:r>
-            <a:endParaRPr lang="en-US" altLang="zh-CN" dirty="0" smtClean="0"/>
-          </a:p>
-          <a:p>
-            <a:r>
-              <a:rPr lang="zh-CN" altLang="en-US" dirty="0" smtClean="0"/>
-              <a:t>进入下一页，代码示例。</a:t>
-            </a:r>
             <a:endParaRPr lang="zh-CN" altLang="en-US" dirty="0"/>
           </a:p>
         </p:txBody>
@@ -1147,7 +1366,7 @@
           <a:p>
             <a:fld id="{63D66438-32C0-4A55-81A6-6429864AD78C}" type="slidenum">
               <a:rPr lang="zh-CN" altLang="en-US" smtClean="0"/>
-              <a:t>5</a:t>
+              <a:t>4</a:t>
             </a:fld>
             <a:endParaRPr lang="zh-CN" altLang="en-US"/>
           </a:p>
@@ -1156,7 +1375,7 @@
     </p:spTree>
     <p:extLst>
       <p:ext uri="{BB962C8B-B14F-4D97-AF65-F5344CB8AC3E}">
-        <p14:creationId xmlns:p14="http://schemas.microsoft.com/office/powerpoint/2010/main" val="4147421230"/>
+        <p14:creationId xmlns:p14="http://schemas.microsoft.com/office/powerpoint/2010/main" val="2697178603"/>
       </p:ext>
     </p:extLst>
   </p:cSld>
@@ -1212,30 +1431,14 @@
           <a:p>
             <a:r>
               <a:rPr lang="zh-CN" altLang="en-US" dirty="0" smtClean="0"/>
-              <a:t>台词：其实在日常开发中，最常用的肯定是在函数用使用</a:t>
-            </a:r>
-            <a:r>
-              <a:rPr lang="en-US" altLang="zh-CN" dirty="0" smtClean="0"/>
-              <a:t>this</a:t>
-            </a:r>
+              <a:t>没有为什么，规定。</a:t>
+            </a:r>
+            <a:endParaRPr lang="en-US" altLang="zh-CN" dirty="0" smtClean="0"/>
+          </a:p>
+          <a:p>
             <a:r>
               <a:rPr lang="zh-CN" altLang="en-US" dirty="0" smtClean="0"/>
-              <a:t>访问属性；</a:t>
-            </a:r>
-            <a:endParaRPr lang="en-US" altLang="zh-CN" dirty="0" smtClean="0"/>
-          </a:p>
-          <a:p>
-            <a:r>
-              <a:rPr lang="zh-CN" altLang="en-US" dirty="0" smtClean="0"/>
-              <a:t>下面我们先简单了解一下普通函数中的</a:t>
-            </a:r>
-            <a:r>
-              <a:rPr lang="en-US" altLang="zh-CN" dirty="0" smtClean="0"/>
-              <a:t>this</a:t>
-            </a:r>
-            <a:r>
-              <a:rPr lang="zh-CN" altLang="en-US" dirty="0" smtClean="0"/>
-              <a:t>指向问题。</a:t>
+              <a:t>进入下一页，代码示例。</a:t>
             </a:r>
             <a:endParaRPr lang="zh-CN" altLang="en-US" dirty="0"/>
           </a:p>
@@ -1258,7 +1461,7 @@
           <a:p>
             <a:fld id="{63D66438-32C0-4A55-81A6-6429864AD78C}" type="slidenum">
               <a:rPr lang="zh-CN" altLang="en-US" smtClean="0"/>
-              <a:t>7</a:t>
+              <a:t>5</a:t>
             </a:fld>
             <a:endParaRPr lang="zh-CN" altLang="en-US"/>
           </a:p>
@@ -1267,7 +1470,7 @@
     </p:spTree>
     <p:extLst>
       <p:ext uri="{BB962C8B-B14F-4D97-AF65-F5344CB8AC3E}">
-        <p14:creationId xmlns:p14="http://schemas.microsoft.com/office/powerpoint/2010/main" val="955713198"/>
+        <p14:creationId xmlns:p14="http://schemas.microsoft.com/office/powerpoint/2010/main" val="4147421230"/>
       </p:ext>
     </p:extLst>
   </p:cSld>
@@ -1321,7 +1524,34 @@
           <a:bodyPr/>
           <a:lstStyle/>
           <a:p>
+            <a:r>
+              <a:rPr lang="zh-CN" altLang="en-US" dirty="0" smtClean="0"/>
+              <a:t>台词：其实在日常开发中，最常用的肯定是在函数用使用</a:t>
+            </a:r>
+            <a:r>
+              <a:rPr lang="en-US" altLang="zh-CN" dirty="0" smtClean="0"/>
+              <a:t>this</a:t>
+            </a:r>
+            <a:r>
+              <a:rPr lang="zh-CN" altLang="en-US" dirty="0" smtClean="0"/>
+              <a:t>访问属性；</a:t>
+            </a:r>
             <a:endParaRPr lang="en-US" altLang="zh-CN" dirty="0" smtClean="0"/>
+          </a:p>
+          <a:p>
+            <a:r>
+              <a:rPr lang="zh-CN" altLang="en-US" dirty="0" smtClean="0"/>
+              <a:t>下面我们先简单了解一下普通函数中的</a:t>
+            </a:r>
+            <a:r>
+              <a:rPr lang="en-US" altLang="zh-CN" dirty="0" smtClean="0"/>
+              <a:t>this</a:t>
+            </a:r>
+            <a:r>
+              <a:rPr lang="zh-CN" altLang="en-US" dirty="0" smtClean="0"/>
+              <a:t>指向问题。</a:t>
+            </a:r>
+            <a:endParaRPr lang="zh-CN" altLang="en-US" dirty="0"/>
           </a:p>
         </p:txBody>
       </p:sp>
@@ -1342,6 +1572,90 @@
           <a:p>
             <a:fld id="{63D66438-32C0-4A55-81A6-6429864AD78C}" type="slidenum">
               <a:rPr lang="zh-CN" altLang="en-US" smtClean="0"/>
+              <a:t>7</a:t>
+            </a:fld>
+            <a:endParaRPr lang="zh-CN" altLang="en-US"/>
+          </a:p>
+        </p:txBody>
+      </p:sp>
+    </p:spTree>
+    <p:extLst>
+      <p:ext uri="{BB962C8B-B14F-4D97-AF65-F5344CB8AC3E}">
+        <p14:creationId xmlns:p14="http://schemas.microsoft.com/office/powerpoint/2010/main" val="955713198"/>
+      </p:ext>
+    </p:extLst>
+  </p:cSld>
+  <p:clrMapOvr>
+    <a:masterClrMapping/>
+  </p:clrMapOvr>
+</p:notes>
+</file>
+
+<file path=ppt/notesSlides/notesSlide7.xml><?xml version="1.0" encoding="utf-8"?>
+<p:notes xmlns:a="http://schemas.openxmlformats.org/drawingml/2006/main" xmlns:r="http://schemas.openxmlformats.org/officeDocument/2006/relationships" xmlns:p="http://schemas.openxmlformats.org/presentationml/2006/main">
+  <p:cSld>
+    <p:spTree>
+      <p:nvGrpSpPr>
+        <p:cNvPr id="1" name=""/>
+        <p:cNvGrpSpPr/>
+        <p:nvPr/>
+      </p:nvGrpSpPr>
+      <p:grpSpPr>
+        <a:xfrm>
+          <a:off x="0" y="0"/>
+          <a:ext cx="0" cy="0"/>
+          <a:chOff x="0" y="0"/>
+          <a:chExt cx="0" cy="0"/>
+        </a:xfrm>
+      </p:grpSpPr>
+      <p:sp>
+        <p:nvSpPr>
+          <p:cNvPr id="2" name="幻灯片图像占位符 1"/>
+          <p:cNvSpPr>
+            <a:spLocks noGrp="1" noRot="1" noChangeAspect="1"/>
+          </p:cNvSpPr>
+          <p:nvPr>
+            <p:ph type="sldImg"/>
+          </p:nvPr>
+        </p:nvSpPr>
+        <p:spPr/>
+      </p:sp>
+      <p:sp>
+        <p:nvSpPr>
+          <p:cNvPr id="3" name="备注占位符 2"/>
+          <p:cNvSpPr>
+            <a:spLocks noGrp="1"/>
+          </p:cNvSpPr>
+          <p:nvPr>
+            <p:ph type="body" idx="1"/>
+          </p:nvPr>
+        </p:nvSpPr>
+        <p:spPr/>
+        <p:txBody>
+          <a:bodyPr/>
+          <a:lstStyle/>
+          <a:p>
+            <a:endParaRPr lang="en-US" altLang="zh-CN" dirty="0" smtClean="0"/>
+          </a:p>
+        </p:txBody>
+      </p:sp>
+      <p:sp>
+        <p:nvSpPr>
+          <p:cNvPr id="4" name="灯片编号占位符 3"/>
+          <p:cNvSpPr>
+            <a:spLocks noGrp="1"/>
+          </p:cNvSpPr>
+          <p:nvPr>
+            <p:ph type="sldNum" sz="quarter" idx="10"/>
+          </p:nvPr>
+        </p:nvSpPr>
+        <p:spPr/>
+        <p:txBody>
+          <a:bodyPr/>
+          <a:lstStyle/>
+          <a:p>
+            <a:fld id="{63D66438-32C0-4A55-81A6-6429864AD78C}" type="slidenum">
+              <a:rPr lang="zh-CN" altLang="en-US" smtClean="0"/>
               <a:t>8</a:t>
             </a:fld>
             <a:endParaRPr lang="zh-CN" altLang="en-US"/>
@@ -1361,9 +1675,177 @@
 </p:notes>
 </file>
 
+<file path=ppt/notesSlides/notesSlide8.xml><?xml version="1.0" encoding="utf-8"?>
+<p:notes xmlns:a="http://schemas.openxmlformats.org/drawingml/2006/main" xmlns:r="http://schemas.openxmlformats.org/officeDocument/2006/relationships" xmlns:p="http://schemas.openxmlformats.org/presentationml/2006/main">
+  <p:cSld>
+    <p:spTree>
+      <p:nvGrpSpPr>
+        <p:cNvPr id="1" name=""/>
+        <p:cNvGrpSpPr/>
+        <p:nvPr/>
+      </p:nvGrpSpPr>
+      <p:grpSpPr>
+        <a:xfrm>
+          <a:off x="0" y="0"/>
+          <a:ext cx="0" cy="0"/>
+          <a:chOff x="0" y="0"/>
+          <a:chExt cx="0" cy="0"/>
+        </a:xfrm>
+      </p:grpSpPr>
+      <p:sp>
+        <p:nvSpPr>
+          <p:cNvPr id="2" name="幻灯片图像占位符 1"/>
+          <p:cNvSpPr>
+            <a:spLocks noGrp="1" noRot="1" noChangeAspect="1"/>
+          </p:cNvSpPr>
+          <p:nvPr>
+            <p:ph type="sldImg"/>
+          </p:nvPr>
+        </p:nvSpPr>
+        <p:spPr/>
+      </p:sp>
+      <p:sp>
+        <p:nvSpPr>
+          <p:cNvPr id="3" name="备注占位符 2"/>
+          <p:cNvSpPr>
+            <a:spLocks noGrp="1"/>
+          </p:cNvSpPr>
+          <p:nvPr>
+            <p:ph type="body" idx="1"/>
+          </p:nvPr>
+        </p:nvSpPr>
+        <p:spPr/>
+        <p:txBody>
+          <a:bodyPr/>
+          <a:lstStyle/>
+          <a:p>
+            <a:endParaRPr lang="zh-CN" altLang="en-US" dirty="0"/>
+          </a:p>
+        </p:txBody>
+      </p:sp>
+      <p:sp>
+        <p:nvSpPr>
+          <p:cNvPr id="4" name="灯片编号占位符 3"/>
+          <p:cNvSpPr>
+            <a:spLocks noGrp="1"/>
+          </p:cNvSpPr>
+          <p:nvPr>
+            <p:ph type="sldNum" sz="quarter" idx="10"/>
+          </p:nvPr>
+        </p:nvSpPr>
+        <p:spPr/>
+        <p:txBody>
+          <a:bodyPr/>
+          <a:lstStyle/>
+          <a:p>
+            <a:fld id="{63D66438-32C0-4A55-81A6-6429864AD78C}" type="slidenum">
+              <a:rPr lang="zh-CN" altLang="en-US" smtClean="0"/>
+              <a:t>9</a:t>
+            </a:fld>
+            <a:endParaRPr lang="zh-CN" altLang="en-US"/>
+          </a:p>
+        </p:txBody>
+      </p:sp>
+    </p:spTree>
+    <p:extLst>
+      <p:ext uri="{BB962C8B-B14F-4D97-AF65-F5344CB8AC3E}">
+        <p14:creationId xmlns:p14="http://schemas.microsoft.com/office/powerpoint/2010/main" val="1771444222"/>
+      </p:ext>
+    </p:extLst>
+  </p:cSld>
+  <p:clrMapOvr>
+    <a:masterClrMapping/>
+  </p:clrMapOvr>
+</p:notes>
+</file>
+
+<file path=ppt/notesSlides/notesSlide9.xml><?xml version="1.0" encoding="utf-8"?>
+<p:notes xmlns:a="http://schemas.openxmlformats.org/drawingml/2006/main" xmlns:r="http://schemas.openxmlformats.org/officeDocument/2006/relationships" xmlns:p="http://schemas.openxmlformats.org/presentationml/2006/main">
+  <p:cSld>
+    <p:spTree>
+      <p:nvGrpSpPr>
+        <p:cNvPr id="1" name=""/>
+        <p:cNvGrpSpPr/>
+        <p:nvPr/>
+      </p:nvGrpSpPr>
+      <p:grpSpPr>
+        <a:xfrm>
+          <a:off x="0" y="0"/>
+          <a:ext cx="0" cy="0"/>
+          <a:chOff x="0" y="0"/>
+          <a:chExt cx="0" cy="0"/>
+        </a:xfrm>
+      </p:grpSpPr>
+      <p:sp>
+        <p:nvSpPr>
+          <p:cNvPr id="2" name="幻灯片图像占位符 1"/>
+          <p:cNvSpPr>
+            <a:spLocks noGrp="1" noRot="1" noChangeAspect="1"/>
+          </p:cNvSpPr>
+          <p:nvPr>
+            <p:ph type="sldImg"/>
+          </p:nvPr>
+        </p:nvSpPr>
+        <p:spPr/>
+      </p:sp>
+      <p:sp>
+        <p:nvSpPr>
+          <p:cNvPr id="3" name="备注占位符 2"/>
+          <p:cNvSpPr>
+            <a:spLocks noGrp="1"/>
+          </p:cNvSpPr>
+          <p:nvPr>
+            <p:ph type="body" idx="1"/>
+          </p:nvPr>
+        </p:nvSpPr>
+        <p:spPr/>
+        <p:txBody>
+          <a:bodyPr/>
+          <a:lstStyle/>
+          <a:p>
+            <a:endParaRPr lang="zh-CN" altLang="en-US" dirty="0"/>
+          </a:p>
+        </p:txBody>
+      </p:sp>
+      <p:sp>
+        <p:nvSpPr>
+          <p:cNvPr id="4" name="灯片编号占位符 3"/>
+          <p:cNvSpPr>
+            <a:spLocks noGrp="1"/>
+          </p:cNvSpPr>
+          <p:nvPr>
+            <p:ph type="sldNum" sz="quarter" idx="10"/>
+          </p:nvPr>
+        </p:nvSpPr>
+        <p:spPr/>
+        <p:txBody>
+          <a:bodyPr/>
+          <a:lstStyle/>
+          <a:p>
+            <a:fld id="{63D66438-32C0-4A55-81A6-6429864AD78C}" type="slidenum">
+              <a:rPr lang="zh-CN" altLang="en-US" smtClean="0"/>
+              <a:t>12</a:t>
+            </a:fld>
+            <a:endParaRPr lang="zh-CN" altLang="en-US"/>
+          </a:p>
+        </p:txBody>
+      </p:sp>
+    </p:spTree>
+    <p:extLst>
+      <p:ext uri="{BB962C8B-B14F-4D97-AF65-F5344CB8AC3E}">
+        <p14:creationId xmlns:p14="http://schemas.microsoft.com/office/powerpoint/2010/main" val="1705777450"/>
+      </p:ext>
+    </p:extLst>
+  </p:cSld>
+  <p:clrMapOvr>
+    <a:masterClrMapping/>
+  </p:clrMapOvr>
+</p:notes>
+</file>
+
 <file path=ppt/slideLayouts/slideLayout1.xml><?xml version="1.0" encoding="utf-8"?>
 <p:sldLayout xmlns:a="http://schemas.openxmlformats.org/drawingml/2006/main" xmlns:r="http://schemas.openxmlformats.org/officeDocument/2006/relationships" xmlns:p="http://schemas.openxmlformats.org/presentationml/2006/main" preserve="1" userDrawn="1">
-  <p:cSld name="自定义版式">
+  <p:cSld name="一级标题">
     <p:spTree>
       <p:nvGrpSpPr>
         <p:cNvPr id="1" name=""/>
@@ -1388,16 +1870,69 @@
             <p:ph type="title"/>
           </p:nvPr>
         </p:nvSpPr>
-        <p:spPr/>
+        <p:spPr>
+          <a:xfrm>
+            <a:off x="0" y="1844824"/>
+            <a:ext cx="12192000" cy="1143000"/>
+          </a:xfrm>
+        </p:spPr>
         <p:txBody>
           <a:bodyPr/>
-          <a:lstStyle/>
-          <a:p>
-            <a:r>
-              <a:rPr lang="zh-CN" altLang="en-US" smtClean="0"/>
+          <a:lstStyle>
+            <a:lvl1pPr>
+              <a:defRPr>
+                <a:latin typeface="冬青黑体简体中文 W3" panose="020B0300000000000000" pitchFamily="34" charset="-122"/>
+                <a:ea typeface="冬青黑体简体中文 W3" panose="020B0300000000000000" pitchFamily="34" charset="-122"/>
+              </a:defRPr>
+            </a:lvl1pPr>
+          </a:lstStyle>
+          <a:p>
+            <a:r>
+              <a:rPr lang="zh-CN" altLang="en-US" dirty="0" smtClean="0"/>
               <a:t>单击此处编辑母版标题样式</a:t>
             </a:r>
-            <a:endParaRPr lang="zh-CN" altLang="en-US"/>
+            <a:endParaRPr lang="zh-CN" altLang="en-US" dirty="0"/>
+          </a:p>
+        </p:txBody>
+      </p:sp>
+      <p:sp>
+        <p:nvSpPr>
+          <p:cNvPr id="4" name="文本占位符 3"/>
+          <p:cNvSpPr>
+            <a:spLocks noGrp="1"/>
+          </p:cNvSpPr>
+          <p:nvPr>
+            <p:ph type="body" sz="quarter" idx="10"/>
+          </p:nvPr>
+        </p:nvSpPr>
+        <p:spPr>
+          <a:xfrm>
+            <a:off x="300038" y="3392488"/>
+            <a:ext cx="11628437" cy="2700337"/>
+          </a:xfrm>
+        </p:spPr>
+        <p:txBody>
+          <a:bodyPr>
+            <a:normAutofit/>
+          </a:bodyPr>
+          <a:lstStyle>
+            <a:lvl1pPr marL="0" indent="0">
+              <a:buNone/>
+              <a:defRPr sz="1800">
+                <a:solidFill>
+                  <a:schemeClr val="tx1">
+                    <a:lumMod val="95000"/>
+                    <a:lumOff val="5000"/>
+                  </a:schemeClr>
+                </a:solidFill>
+                <a:latin typeface="冬青黑体简体中文 W3" panose="020B0300000000000000" pitchFamily="34" charset="-122"/>
+                <a:ea typeface="冬青黑体简体中文 W3" panose="020B0300000000000000" pitchFamily="34" charset="-122"/>
+              </a:defRPr>
+            </a:lvl1pPr>
+          </a:lstStyle>
+          <a:p>
+            <a:pPr lvl="0"/>
+            <a:endParaRPr lang="zh-CN" altLang="en-US" dirty="0"/>
           </a:p>
         </p:txBody>
       </p:sp>
@@ -1423,6 +1958,252 @@
 </file>
 
 <file path=ppt/slideLayouts/slideLayout2.xml><?xml version="1.0" encoding="utf-8"?>
+<p:sldLayout xmlns:a="http://schemas.openxmlformats.org/drawingml/2006/main" xmlns:r="http://schemas.openxmlformats.org/officeDocument/2006/relationships" xmlns:p="http://schemas.openxmlformats.org/presentationml/2006/main" preserve="1" userDrawn="1">
+  <p:cSld name="二级标题">
+    <p:spTree>
+      <p:nvGrpSpPr>
+        <p:cNvPr id="1" name=""/>
+        <p:cNvGrpSpPr/>
+        <p:nvPr/>
+      </p:nvGrpSpPr>
+      <p:grpSpPr>
+        <a:xfrm>
+          <a:off x="0" y="0"/>
+          <a:ext cx="0" cy="0"/>
+          <a:chOff x="0" y="0"/>
+          <a:chExt cx="0" cy="0"/>
+        </a:xfrm>
+      </p:grpSpPr>
+      <p:sp>
+        <p:nvSpPr>
+          <p:cNvPr id="2" name="标题 1"/>
+          <p:cNvSpPr>
+            <a:spLocks noGrp="1"/>
+          </p:cNvSpPr>
+          <p:nvPr>
+            <p:ph type="title"/>
+          </p:nvPr>
+        </p:nvSpPr>
+        <p:spPr>
+          <a:xfrm>
+            <a:off x="0" y="1196752"/>
+            <a:ext cx="12192000" cy="1122096"/>
+          </a:xfrm>
+        </p:spPr>
+        <p:txBody>
+          <a:bodyPr>
+            <a:normAutofit/>
+          </a:bodyPr>
+          <a:lstStyle>
+            <a:lvl1pPr>
+              <a:defRPr sz="3600">
+                <a:latin typeface="冬青黑体简体中文 W3" panose="020B0300000000000000" pitchFamily="34" charset="-122"/>
+                <a:ea typeface="冬青黑体简体中文 W3" panose="020B0300000000000000" pitchFamily="34" charset="-122"/>
+              </a:defRPr>
+            </a:lvl1pPr>
+          </a:lstStyle>
+          <a:p>
+            <a:r>
+              <a:rPr lang="zh-CN" altLang="en-US" dirty="0" smtClean="0"/>
+              <a:t>单击此处编辑母版标题样式</a:t>
+            </a:r>
+            <a:endParaRPr lang="zh-CN" altLang="en-US" dirty="0"/>
+          </a:p>
+        </p:txBody>
+      </p:sp>
+      <p:sp>
+        <p:nvSpPr>
+          <p:cNvPr id="10" name="文本占位符 9"/>
+          <p:cNvSpPr>
+            <a:spLocks noGrp="1"/>
+          </p:cNvSpPr>
+          <p:nvPr>
+            <p:ph type="body" sz="quarter" idx="10"/>
+          </p:nvPr>
+        </p:nvSpPr>
+        <p:spPr>
+          <a:xfrm>
+            <a:off x="119063" y="2492375"/>
+            <a:ext cx="12072937" cy="2881313"/>
+          </a:xfrm>
+        </p:spPr>
+        <p:txBody>
+          <a:bodyPr>
+            <a:normAutofit/>
+          </a:bodyPr>
+          <a:lstStyle>
+            <a:lvl1pPr marL="0" indent="0">
+              <a:buNone/>
+              <a:defRPr sz="1800">
+                <a:latin typeface="冬青黑体简体中文 W3" panose="020B0300000000000000" pitchFamily="34" charset="-122"/>
+                <a:ea typeface="冬青黑体简体中文 W3" panose="020B0300000000000000" pitchFamily="34" charset="-122"/>
+              </a:defRPr>
+            </a:lvl1pPr>
+          </a:lstStyle>
+          <a:p>
+            <a:pPr lvl="0"/>
+            <a:endParaRPr lang="zh-CN" altLang="en-US" dirty="0" smtClean="0"/>
+          </a:p>
+        </p:txBody>
+      </p:sp>
+    </p:spTree>
+    <p:extLst>
+      <p:ext uri="{BB962C8B-B14F-4D97-AF65-F5344CB8AC3E}">
+        <p14:creationId xmlns:p14="http://schemas.microsoft.com/office/powerpoint/2010/main" val="2215945724"/>
+      </p:ext>
+    </p:extLst>
+  </p:cSld>
+  <p:clrMapOvr>
+    <a:masterClrMapping/>
+  </p:clrMapOvr>
+  <mc:AlternateContent xmlns:mc="http://schemas.openxmlformats.org/markup-compatibility/2006" xmlns:p14="http://schemas.microsoft.com/office/powerpoint/2010/main">
+    <mc:Choice Requires="p14">
+      <p:transition spd="slow" p14:dur="2000"/>
+    </mc:Choice>
+    <mc:Fallback xmlns="">
+      <p:transition spd="slow"/>
+    </mc:Fallback>
+  </mc:AlternateContent>
+  <p:extLst>
+    <p:ext uri="{DCECCB84-F9BA-43D5-87BE-67443E8EF086}">
+      <p15:sldGuideLst xmlns:p15="http://schemas.microsoft.com/office/powerpoint/2012/main">
+        <p15:guide id="1" orient="horz" pos="2160" userDrawn="1">
+          <p15:clr>
+            <a:srgbClr val="FBAE40"/>
+          </p15:clr>
+        </p15:guide>
+        <p15:guide id="2" pos="3840" userDrawn="1">
+          <p15:clr>
+            <a:srgbClr val="FBAE40"/>
+          </p15:clr>
+        </p15:guide>
+      </p15:sldGuideLst>
+    </p:ext>
+  </p:extLst>
+</p:sldLayout>
+</file>
+
+<file path=ppt/slideLayouts/slideLayout3.xml><?xml version="1.0" encoding="utf-8"?>
+<p:sldLayout xmlns:a="http://schemas.openxmlformats.org/drawingml/2006/main" xmlns:r="http://schemas.openxmlformats.org/officeDocument/2006/relationships" xmlns:p="http://schemas.openxmlformats.org/presentationml/2006/main" preserve="1" userDrawn="1">
+  <p:cSld name="代码示例">
+    <p:spTree>
+      <p:nvGrpSpPr>
+        <p:cNvPr id="1" name=""/>
+        <p:cNvGrpSpPr/>
+        <p:nvPr/>
+      </p:nvGrpSpPr>
+      <p:grpSpPr>
+        <a:xfrm>
+          <a:off x="0" y="0"/>
+          <a:ext cx="0" cy="0"/>
+          <a:chOff x="0" y="0"/>
+          <a:chExt cx="0" cy="0"/>
+        </a:xfrm>
+      </p:grpSpPr>
+      <p:sp>
+        <p:nvSpPr>
+          <p:cNvPr id="2" name="标题 1"/>
+          <p:cNvSpPr>
+            <a:spLocks noGrp="1"/>
+          </p:cNvSpPr>
+          <p:nvPr>
+            <p:ph type="title" hasCustomPrompt="1"/>
+          </p:nvPr>
+        </p:nvSpPr>
+        <p:spPr>
+          <a:xfrm>
+            <a:off x="119336" y="-12876"/>
+            <a:ext cx="12192000" cy="1122096"/>
+          </a:xfrm>
+        </p:spPr>
+        <p:txBody>
+          <a:bodyPr>
+            <a:normAutofit/>
+          </a:bodyPr>
+          <a:lstStyle>
+            <a:lvl1pPr>
+              <a:defRPr sz="3600">
+                <a:latin typeface="冬青黑体简体中文 W3" panose="020B0300000000000000" pitchFamily="34" charset="-122"/>
+                <a:ea typeface="冬青黑体简体中文 W3" panose="020B0300000000000000" pitchFamily="34" charset="-122"/>
+              </a:defRPr>
+            </a:lvl1pPr>
+          </a:lstStyle>
+          <a:p>
+            <a:r>
+              <a:rPr lang="zh-CN" altLang="en-US" dirty="0" smtClean="0"/>
+              <a:t>代码示例</a:t>
+            </a:r>
+            <a:endParaRPr lang="zh-CN" altLang="en-US" dirty="0"/>
+          </a:p>
+        </p:txBody>
+      </p:sp>
+      <p:sp>
+        <p:nvSpPr>
+          <p:cNvPr id="4" name="图片占位符 3"/>
+          <p:cNvSpPr>
+            <a:spLocks noGrp="1"/>
+          </p:cNvSpPr>
+          <p:nvPr>
+            <p:ph type="pic" sz="quarter" idx="10"/>
+          </p:nvPr>
+        </p:nvSpPr>
+        <p:spPr>
+          <a:xfrm>
+            <a:off x="0" y="1988840"/>
+            <a:ext cx="12192000" cy="4869160"/>
+          </a:xfrm>
+        </p:spPr>
+        <p:txBody>
+          <a:bodyPr/>
+          <a:lstStyle>
+            <a:lvl1pPr marL="0" indent="0">
+              <a:buNone/>
+              <a:defRPr/>
+            </a:lvl1pPr>
+          </a:lstStyle>
+          <a:p>
+            <a:endParaRPr lang="zh-CN" altLang="en-US" dirty="0"/>
+          </a:p>
+        </p:txBody>
+      </p:sp>
+    </p:spTree>
+    <p:extLst>
+      <p:ext uri="{BB962C8B-B14F-4D97-AF65-F5344CB8AC3E}">
+        <p14:creationId xmlns:p14="http://schemas.microsoft.com/office/powerpoint/2010/main" val="4211669932"/>
+      </p:ext>
+    </p:extLst>
+  </p:cSld>
+  <p:clrMapOvr>
+    <a:masterClrMapping/>
+  </p:clrMapOvr>
+  <mc:AlternateContent xmlns:mc="http://schemas.openxmlformats.org/markup-compatibility/2006" xmlns:p14="http://schemas.microsoft.com/office/powerpoint/2010/main">
+    <mc:Choice Requires="p14">
+      <p:transition spd="slow" p14:dur="2000"/>
+    </mc:Choice>
+    <mc:Fallback xmlns="">
+      <p:transition spd="slow"/>
+    </mc:Fallback>
+  </mc:AlternateContent>
+  <p:extLst>
+    <p:ext uri="{DCECCB84-F9BA-43D5-87BE-67443E8EF086}">
+      <p15:sldGuideLst xmlns:p15="http://schemas.microsoft.com/office/powerpoint/2012/main">
+        <p15:guide id="4294967295" orient="horz" pos="2160">
+          <p15:clr>
+            <a:srgbClr val="FBAE40"/>
+          </p15:clr>
+        </p15:guide>
+        <p15:guide id="4294967295" pos="3840">
+          <p15:clr>
+            <a:srgbClr val="FBAE40"/>
+          </p15:clr>
+        </p15:guide>
+      </p15:sldGuideLst>
+    </p:ext>
+  </p:extLst>
+</p:sldLayout>
+</file>
+
+<file path=ppt/slideLayouts/slideLayout4.xml><?xml version="1.0" encoding="utf-8"?>
 <p:sldLayout xmlns:a="http://schemas.openxmlformats.org/drawingml/2006/main" xmlns:r="http://schemas.openxmlformats.org/officeDocument/2006/relationships" xmlns:p="http://schemas.openxmlformats.org/presentationml/2006/main" type="blank" preserve="1">
   <p:cSld name="空白">
     <p:spTree>
@@ -1547,38 +2328,38 @@
           <a:p>
             <a:pPr lvl="0"/>
             <a:r>
-              <a:rPr lang="zh-CN" altLang="en-US" smtClean="0"/>
+              <a:rPr lang="zh-CN" altLang="en-US" dirty="0" smtClean="0"/>
               <a:t>单击此处编辑母版文本样式</a:t>
             </a:r>
           </a:p>
           <a:p>
             <a:pPr lvl="1"/>
             <a:r>
-              <a:rPr lang="zh-CN" altLang="en-US" smtClean="0"/>
+              <a:rPr lang="zh-CN" altLang="en-US" dirty="0" smtClean="0"/>
               <a:t>第二级</a:t>
             </a:r>
           </a:p>
           <a:p>
             <a:pPr lvl="2"/>
             <a:r>
-              <a:rPr lang="zh-CN" altLang="en-US" smtClean="0"/>
+              <a:rPr lang="zh-CN" altLang="en-US" dirty="0" smtClean="0"/>
               <a:t>第三级</a:t>
             </a:r>
           </a:p>
           <a:p>
             <a:pPr lvl="3"/>
             <a:r>
-              <a:rPr lang="zh-CN" altLang="en-US" smtClean="0"/>
+              <a:rPr lang="zh-CN" altLang="en-US" dirty="0" smtClean="0"/>
               <a:t>第四级</a:t>
             </a:r>
           </a:p>
           <a:p>
             <a:pPr lvl="4"/>
             <a:r>
-              <a:rPr lang="zh-CN" altLang="en-US" smtClean="0"/>
+              <a:rPr lang="zh-CN" altLang="en-US" dirty="0" smtClean="0"/>
               <a:t>第五级</a:t>
             </a:r>
-            <a:endParaRPr lang="zh-CN" altLang="en-US"/>
+            <a:endParaRPr lang="zh-CN" altLang="en-US" dirty="0"/>
           </a:p>
         </p:txBody>
       </p:sp>
@@ -1617,7 +2398,7 @@
           <a:p>
             <a:fld id="{A981568D-62A3-428D-9EAF-2462161BCA07}" type="datetimeFigureOut">
               <a:rPr lang="zh-CN" altLang="en-US" smtClean="0"/>
-              <a:t>2018/9/2</a:t>
+              <a:t>2018/9/3</a:t>
             </a:fld>
             <a:endParaRPr lang="zh-CN" altLang="en-US"/>
           </a:p>
@@ -1665,7 +2446,9 @@
   <p:clrMap bg1="lt1" tx1="dk1" bg2="lt2" tx2="dk2" accent1="accent1" accent2="accent2" accent3="accent3" accent4="accent4" accent5="accent5" accent6="accent6" hlink="hlink" folHlink="folHlink"/>
   <p:sldLayoutIdLst>
     <p:sldLayoutId id="2147483694" r:id="rId1"/>
-    <p:sldLayoutId id="2147483693" r:id="rId2"/>
+    <p:sldLayoutId id="2147483695" r:id="rId2"/>
+    <p:sldLayoutId id="2147483696" r:id="rId3"/>
+    <p:sldLayoutId id="2147483693" r:id="rId4"/>
   </p:sldLayoutIdLst>
   <mc:AlternateContent xmlns:mc="http://schemas.openxmlformats.org/markup-compatibility/2006" xmlns:p14="http://schemas.microsoft.com/office/powerpoint/2010/main">
     <mc:Choice Requires="p14">
@@ -1960,8 +2743,8 @@
         </p:nvSpPr>
         <p:spPr>
           <a:xfrm>
-            <a:off x="5303912" y="3311754"/>
-            <a:ext cx="2087736" cy="1285288"/>
+            <a:off x="5303912" y="3121317"/>
+            <a:ext cx="2087736" cy="1666162"/>
           </a:xfrm>
           <a:prstGeom prst="rect">
             <a:avLst/>
@@ -1976,7 +2759,7 @@
           <a:p>
             <a:pPr marL="285750" indent="-285750">
               <a:lnSpc>
-                <a:spcPct val="150000"/>
+                <a:spcPct val="200000"/>
               </a:lnSpc>
               <a:buFont typeface="Arial" panose="020B0604020202020204" pitchFamily="34" charset="0"/>
               <a:buChar char="•"/>
@@ -2021,7 +2804,7 @@
           <a:p>
             <a:pPr marL="285750" indent="-285750">
               <a:lnSpc>
-                <a:spcPct val="150000"/>
+                <a:spcPct val="200000"/>
               </a:lnSpc>
               <a:buFont typeface="Arial" panose="020B0604020202020204" pitchFamily="34" charset="0"/>
               <a:buChar char="•"/>
@@ -2053,7 +2836,7 @@
           <a:p>
             <a:pPr marL="285750" indent="-285750">
               <a:lnSpc>
-                <a:spcPct val="150000"/>
+                <a:spcPct val="200000"/>
               </a:lnSpc>
               <a:buFont typeface="Arial" panose="020B0604020202020204" pitchFamily="34" charset="0"/>
               <a:buChar char="•"/>
@@ -2179,8 +2962,8 @@
         </p:nvSpPr>
         <p:spPr>
           <a:xfrm>
-            <a:off x="611267" y="413792"/>
-            <a:ext cx="10972641" cy="1143000"/>
+            <a:off x="0" y="512676"/>
+            <a:ext cx="12192000" cy="1122096"/>
           </a:xfrm>
         </p:spPr>
         <p:txBody>
@@ -2188,16 +2971,200 @@
           <a:lstStyle/>
           <a:p>
             <a:r>
-              <a:rPr lang="zh-CN" altLang="en-US" dirty="0" smtClean="0">
-                <a:latin typeface="冬青黑体简体中文 W3" panose="020B0300000000000000" pitchFamily="34" charset="-122"/>
-                <a:ea typeface="冬青黑体简体中文 W3" panose="020B0300000000000000" pitchFamily="34" charset="-122"/>
-              </a:rPr>
-              <a:t>自我探索</a:t>
-            </a:r>
-            <a:endParaRPr lang="zh-CN" altLang="en-US" dirty="0">
-              <a:latin typeface="冬青黑体简体中文 W3" panose="020B0300000000000000" pitchFamily="34" charset="-122"/>
-              <a:ea typeface="冬青黑体简体中文 W3" panose="020B0300000000000000" pitchFamily="34" charset="-122"/>
-            </a:endParaRPr>
+              <a:rPr lang="zh-CN" altLang="en-US" dirty="0" smtClean="0"/>
+              <a:t>思考题</a:t>
+            </a:r>
+            <a:endParaRPr lang="zh-CN" altLang="en-US" dirty="0"/>
+          </a:p>
+        </p:txBody>
+      </p:sp>
+      <p:pic>
+        <p:nvPicPr>
+          <p:cNvPr id="4" name="图片 3"/>
+          <p:cNvPicPr>
+            <a:picLocks noChangeAspect="1"/>
+          </p:cNvPicPr>
+          <p:nvPr/>
+        </p:nvPicPr>
+        <p:blipFill>
+          <a:blip r:embed="rId2"/>
+          <a:stretch>
+            <a:fillRect/>
+          </a:stretch>
+        </p:blipFill>
+        <p:spPr>
+          <a:xfrm>
+            <a:off x="2068202" y="1988491"/>
+            <a:ext cx="8096250" cy="3867150"/>
+          </a:xfrm>
+          <a:prstGeom prst="rect">
+            <a:avLst/>
+          </a:prstGeom>
+        </p:spPr>
+      </p:pic>
+    </p:spTree>
+    <p:extLst>
+      <p:ext uri="{BB962C8B-B14F-4D97-AF65-F5344CB8AC3E}">
+        <p14:creationId xmlns:p14="http://schemas.microsoft.com/office/powerpoint/2010/main" val="2012326781"/>
+      </p:ext>
+    </p:extLst>
+  </p:cSld>
+  <p:clrMapOvr>
+    <a:masterClrMapping/>
+  </p:clrMapOvr>
+  <mc:AlternateContent xmlns:mc="http://schemas.openxmlformats.org/markup-compatibility/2006" xmlns:p14="http://schemas.microsoft.com/office/powerpoint/2010/main">
+    <mc:Choice Requires="p14">
+      <p:transition spd="slow" p14:dur="2000"/>
+    </mc:Choice>
+    <mc:Fallback xmlns="">
+      <p:transition spd="slow"/>
+    </mc:Fallback>
+  </mc:AlternateContent>
+  <p:timing>
+    <p:tnLst>
+      <p:par>
+        <p:cTn id="1" dur="indefinite" restart="never" nodeType="tmRoot"/>
+      </p:par>
+    </p:tnLst>
+  </p:timing>
+</p:sld>
+</file>
+
+<file path=ppt/slides/slide11.xml><?xml version="1.0" encoding="utf-8"?>
+<p:sld xmlns:a="http://schemas.openxmlformats.org/drawingml/2006/main" xmlns:r="http://schemas.openxmlformats.org/officeDocument/2006/relationships" xmlns:p="http://schemas.openxmlformats.org/presentationml/2006/main">
+  <p:cSld>
+    <p:spTree>
+      <p:nvGrpSpPr>
+        <p:cNvPr id="1" name=""/>
+        <p:cNvGrpSpPr/>
+        <p:nvPr/>
+      </p:nvGrpSpPr>
+      <p:grpSpPr>
+        <a:xfrm>
+          <a:off x="0" y="0"/>
+          <a:ext cx="0" cy="0"/>
+          <a:chOff x="0" y="0"/>
+          <a:chExt cx="0" cy="0"/>
+        </a:xfrm>
+      </p:grpSpPr>
+      <p:sp>
+        <p:nvSpPr>
+          <p:cNvPr id="2" name="标题 1"/>
+          <p:cNvSpPr>
+            <a:spLocks noGrp="1"/>
+          </p:cNvSpPr>
+          <p:nvPr>
+            <p:ph type="title"/>
+          </p:nvPr>
+        </p:nvSpPr>
+        <p:spPr>
+          <a:xfrm>
+            <a:off x="13516" y="440668"/>
+            <a:ext cx="12192000" cy="1122096"/>
+          </a:xfrm>
+        </p:spPr>
+        <p:txBody>
+          <a:bodyPr/>
+          <a:lstStyle/>
+          <a:p>
+            <a:r>
+              <a:rPr lang="zh-CN" altLang="en-US" dirty="0" smtClean="0"/>
+              <a:t>答案</a:t>
+            </a:r>
+            <a:endParaRPr lang="zh-CN" altLang="en-US" dirty="0"/>
+          </a:p>
+        </p:txBody>
+      </p:sp>
+      <p:pic>
+        <p:nvPicPr>
+          <p:cNvPr id="4" name="图片 3"/>
+          <p:cNvPicPr>
+            <a:picLocks noChangeAspect="1"/>
+          </p:cNvPicPr>
+          <p:nvPr/>
+        </p:nvPicPr>
+        <p:blipFill>
+          <a:blip r:embed="rId2"/>
+          <a:stretch>
+            <a:fillRect/>
+          </a:stretch>
+        </p:blipFill>
+        <p:spPr>
+          <a:xfrm>
+            <a:off x="369910" y="1952836"/>
+            <a:ext cx="11835606" cy="4900424"/>
+          </a:xfrm>
+          <a:prstGeom prst="rect">
+            <a:avLst/>
+          </a:prstGeom>
+        </p:spPr>
+      </p:pic>
+    </p:spTree>
+    <p:extLst>
+      <p:ext uri="{BB962C8B-B14F-4D97-AF65-F5344CB8AC3E}">
+        <p14:creationId xmlns:p14="http://schemas.microsoft.com/office/powerpoint/2010/main" val="1002898333"/>
+      </p:ext>
+    </p:extLst>
+  </p:cSld>
+  <p:clrMapOvr>
+    <a:masterClrMapping/>
+  </p:clrMapOvr>
+  <mc:AlternateContent xmlns:mc="http://schemas.openxmlformats.org/markup-compatibility/2006" xmlns:p14="http://schemas.microsoft.com/office/powerpoint/2010/main">
+    <mc:Choice Requires="p14">
+      <p:transition spd="slow" p14:dur="2000"/>
+    </mc:Choice>
+    <mc:Fallback xmlns="">
+      <p:transition spd="slow"/>
+    </mc:Fallback>
+  </mc:AlternateContent>
+</p:sld>
+</file>
+
+<file path=ppt/slides/slide12.xml><?xml version="1.0" encoding="utf-8"?>
+<p:sld xmlns:a="http://schemas.openxmlformats.org/drawingml/2006/main" xmlns:r="http://schemas.openxmlformats.org/officeDocument/2006/relationships" xmlns:p="http://schemas.openxmlformats.org/presentationml/2006/main">
+  <p:cSld>
+    <p:spTree>
+      <p:nvGrpSpPr>
+        <p:cNvPr id="1" name=""/>
+        <p:cNvGrpSpPr/>
+        <p:nvPr/>
+      </p:nvGrpSpPr>
+      <p:grpSpPr>
+        <a:xfrm>
+          <a:off x="0" y="0"/>
+          <a:ext cx="0" cy="0"/>
+          <a:chOff x="0" y="0"/>
+          <a:chExt cx="0" cy="0"/>
+        </a:xfrm>
+      </p:grpSpPr>
+      <p:sp>
+        <p:nvSpPr>
+          <p:cNvPr id="2" name="标题 1"/>
+          <p:cNvSpPr>
+            <a:spLocks noGrp="1"/>
+          </p:cNvSpPr>
+          <p:nvPr>
+            <p:ph type="title"/>
+          </p:nvPr>
+        </p:nvSpPr>
+        <p:spPr/>
+        <p:txBody>
+          <a:bodyPr/>
+          <a:lstStyle/>
+          <a:p>
+            <a:r>
+              <a:rPr lang="zh-CN" altLang="en-US" dirty="0" smtClean="0"/>
+              <a:t>箭头函数中的</a:t>
+            </a:r>
+            <a:r>
+              <a:rPr lang="en-US" altLang="zh-CN" dirty="0" smtClean="0"/>
+              <a:t>this</a:t>
+            </a:r>
+            <a:r>
+              <a:rPr lang="zh-CN" altLang="en-US" dirty="0" smtClean="0"/>
+              <a:t>指向问题</a:t>
+            </a:r>
+            <a:endParaRPr lang="zh-CN" altLang="en-US" dirty="0"/>
           </a:p>
         </p:txBody>
       </p:sp>
@@ -2209,8 +3176,8 @@
         </p:nvSpPr>
         <p:spPr>
           <a:xfrm>
-            <a:off x="1235460" y="1556792"/>
-            <a:ext cx="10348448" cy="369332"/>
+            <a:off x="2855640" y="2924944"/>
+            <a:ext cx="6480720" cy="2031325"/>
           </a:xfrm>
           <a:prstGeom prst="rect">
             <a:avLst/>
@@ -2223,9 +3190,9 @@
           </a:bodyPr>
           <a:lstStyle/>
           <a:p>
-            <a:pPr marL="342900" indent="-342900">
-              <a:buFont typeface="+mj-lt"/>
-              <a:buAutoNum type="arabicPeriod"/>
+            <a:pPr marL="285750" indent="-285750">
+              <a:buFont typeface="Arial" panose="020B0604020202020204" pitchFamily="34" charset="0"/>
+              <a:buChar char="•"/>
             </a:pPr>
             <a:r>
               <a:rPr lang="zh-CN" altLang="en-US" dirty="0" smtClean="0">
@@ -2238,35 +3205,9 @@
                 <a:latin typeface="冬青黑体简体中文 W3" panose="020B0300000000000000" pitchFamily="34" charset="-122"/>
                 <a:ea typeface="冬青黑体简体中文 W3" panose="020B0300000000000000" pitchFamily="34" charset="-122"/>
               </a:rPr>
-              <a:t>严格模式：</a:t>
-            </a:r>
-            <a:r>
-              <a:rPr lang="en-US" altLang="zh-CN" dirty="0">
-                <a:solidFill>
-                  <a:schemeClr val="tx1">
-                    <a:lumMod val="85000"/>
-                    <a:lumOff val="15000"/>
-                  </a:schemeClr>
-                </a:solidFill>
-                <a:latin typeface="冬青黑体简体中文 W3" panose="020B0300000000000000" pitchFamily="34" charset="-122"/>
-                <a:ea typeface="冬青黑体简体中文 W3" panose="020B0300000000000000" pitchFamily="34" charset="-122"/>
-              </a:rPr>
-              <a:t>http://</a:t>
-            </a:r>
-            <a:r>
-              <a:rPr lang="en-US" altLang="zh-CN" dirty="0" smtClean="0">
-                <a:solidFill>
-                  <a:schemeClr val="tx1">
-                    <a:lumMod val="85000"/>
-                    <a:lumOff val="15000"/>
-                  </a:schemeClr>
-                </a:solidFill>
-                <a:latin typeface="冬青黑体简体中文 W3" panose="020B0300000000000000" pitchFamily="34" charset="-122"/>
-                <a:ea typeface="冬青黑体简体中文 W3" panose="020B0300000000000000" pitchFamily="34" charset="-122"/>
-              </a:rPr>
-              <a:t>www.ruanyifeng.com/blog/2013/01/javascript_strict_mode.html</a:t>
-            </a:r>
-            <a:endParaRPr lang="zh-CN" altLang="en-US" dirty="0" smtClean="0">
+              <a:t>什么是箭头函数</a:t>
+            </a:r>
+            <a:endParaRPr lang="en-US" altLang="zh-CN" dirty="0">
               <a:solidFill>
                 <a:schemeClr val="tx1">
                   <a:lumMod val="85000"/>
@@ -2275,6 +3216,1229 @@
               </a:solidFill>
               <a:latin typeface="冬青黑体简体中文 W3" panose="020B0300000000000000" pitchFamily="34" charset="-122"/>
               <a:ea typeface="冬青黑体简体中文 W3" panose="020B0300000000000000" pitchFamily="34" charset="-122"/>
+            </a:endParaRPr>
+          </a:p>
+          <a:p>
+            <a:pPr marL="285750" indent="-285750">
+              <a:buFont typeface="Arial" panose="020B0604020202020204" pitchFamily="34" charset="0"/>
+              <a:buChar char="•"/>
+            </a:pPr>
+            <a:endParaRPr lang="en-US" altLang="zh-CN" dirty="0" smtClean="0">
+              <a:solidFill>
+                <a:schemeClr val="tx1">
+                  <a:lumMod val="85000"/>
+                  <a:lumOff val="15000"/>
+                </a:schemeClr>
+              </a:solidFill>
+              <a:latin typeface="冬青黑体简体中文 W3" panose="020B0300000000000000" pitchFamily="34" charset="-122"/>
+              <a:ea typeface="冬青黑体简体中文 W3" panose="020B0300000000000000" pitchFamily="34" charset="-122"/>
+            </a:endParaRPr>
+          </a:p>
+          <a:p>
+            <a:pPr lvl="1"/>
+            <a:r>
+              <a:rPr lang="en-US" altLang="zh-CN" dirty="0" smtClean="0">
+                <a:solidFill>
+                  <a:schemeClr val="tx1">
+                    <a:lumMod val="75000"/>
+                    <a:lumOff val="25000"/>
+                  </a:schemeClr>
+                </a:solidFill>
+                <a:latin typeface="冬青黑体简体中文 W3" panose="020B0300000000000000" pitchFamily="34" charset="-122"/>
+                <a:ea typeface="冬青黑体简体中文 W3" panose="020B0300000000000000" pitchFamily="34" charset="-122"/>
+              </a:rPr>
+              <a:t>ES6</a:t>
+            </a:r>
+            <a:r>
+              <a:rPr lang="zh-CN" altLang="en-US" dirty="0" smtClean="0">
+                <a:solidFill>
+                  <a:schemeClr val="tx1">
+                    <a:lumMod val="75000"/>
+                    <a:lumOff val="25000"/>
+                  </a:schemeClr>
+                </a:solidFill>
+                <a:latin typeface="冬青黑体简体中文 W3" panose="020B0300000000000000" pitchFamily="34" charset="-122"/>
+                <a:ea typeface="冬青黑体简体中文 W3" panose="020B0300000000000000" pitchFamily="34" charset="-122"/>
+              </a:rPr>
+              <a:t>中允许使用 </a:t>
+            </a:r>
+            <a:r>
+              <a:rPr lang="zh-CN" altLang="en-US" dirty="0" smtClean="0">
+                <a:solidFill>
+                  <a:srgbClr val="C00000"/>
+                </a:solidFill>
+                <a:latin typeface="冬青黑体简体中文 W3" panose="020B0300000000000000" pitchFamily="34" charset="-122"/>
+                <a:ea typeface="冬青黑体简体中文 W3" panose="020B0300000000000000" pitchFamily="34" charset="-122"/>
+              </a:rPr>
+              <a:t>箭</a:t>
+            </a:r>
+            <a:r>
+              <a:rPr lang="zh-CN" altLang="en-US" dirty="0">
+                <a:solidFill>
+                  <a:srgbClr val="C00000"/>
+                </a:solidFill>
+                <a:latin typeface="冬青黑体简体中文 W3" panose="020B0300000000000000" pitchFamily="34" charset="-122"/>
+                <a:ea typeface="冬青黑体简体中文 W3" panose="020B0300000000000000" pitchFamily="34" charset="-122"/>
+              </a:rPr>
+              <a:t>头</a:t>
+            </a:r>
+            <a:r>
+              <a:rPr lang="zh-CN" altLang="en-US" dirty="0" smtClean="0">
+                <a:solidFill>
+                  <a:schemeClr val="tx1">
+                    <a:lumMod val="75000"/>
+                    <a:lumOff val="25000"/>
+                  </a:schemeClr>
+                </a:solidFill>
+                <a:latin typeface="冬青黑体简体中文 W3" panose="020B0300000000000000" pitchFamily="34" charset="-122"/>
+                <a:ea typeface="冬青黑体简体中文 W3" panose="020B0300000000000000" pitchFamily="34" charset="-122"/>
+              </a:rPr>
+              <a:t>（</a:t>
+            </a:r>
+            <a:r>
+              <a:rPr lang="en-US" altLang="zh-CN" dirty="0" smtClean="0">
+                <a:solidFill>
+                  <a:schemeClr val="tx1">
+                    <a:lumMod val="85000"/>
+                    <a:lumOff val="15000"/>
+                  </a:schemeClr>
+                </a:solidFill>
+                <a:latin typeface="冬青黑体简体中文 W3" panose="020B0300000000000000" pitchFamily="34" charset="-122"/>
+                <a:ea typeface="冬青黑体简体中文 W3" panose="020B0300000000000000" pitchFamily="34" charset="-122"/>
+              </a:rPr>
+              <a:t> </a:t>
+            </a:r>
+            <a:r>
+              <a:rPr lang="en-US" altLang="zh-CN" dirty="0">
+                <a:solidFill>
+                  <a:schemeClr val="tx1">
+                    <a:lumMod val="50000"/>
+                    <a:lumOff val="50000"/>
+                  </a:schemeClr>
+                </a:solidFill>
+                <a:latin typeface="冬青黑体简体中文 W3" panose="020B0300000000000000" pitchFamily="34" charset="-122"/>
+                <a:ea typeface="冬青黑体简体中文 W3" panose="020B0300000000000000" pitchFamily="34" charset="-122"/>
+              </a:rPr>
+              <a:t>=&gt;</a:t>
+            </a:r>
+            <a:r>
+              <a:rPr lang="en-US" altLang="zh-CN" dirty="0">
+                <a:solidFill>
+                  <a:schemeClr val="tx1">
+                    <a:lumMod val="85000"/>
+                    <a:lumOff val="15000"/>
+                  </a:schemeClr>
+                </a:solidFill>
+                <a:latin typeface="冬青黑体简体中文 W3" panose="020B0300000000000000" pitchFamily="34" charset="-122"/>
+                <a:ea typeface="冬青黑体简体中文 W3" panose="020B0300000000000000" pitchFamily="34" charset="-122"/>
+              </a:rPr>
+              <a:t> </a:t>
+            </a:r>
+            <a:r>
+              <a:rPr lang="zh-CN" altLang="en-US" dirty="0" smtClean="0">
+                <a:solidFill>
+                  <a:schemeClr val="tx1">
+                    <a:lumMod val="75000"/>
+                    <a:lumOff val="25000"/>
+                  </a:schemeClr>
+                </a:solidFill>
+                <a:latin typeface="冬青黑体简体中文 W3" panose="020B0300000000000000" pitchFamily="34" charset="-122"/>
+                <a:ea typeface="冬青黑体简体中文 W3" panose="020B0300000000000000" pitchFamily="34" charset="-122"/>
+              </a:rPr>
+              <a:t>）来定义函数</a:t>
+            </a:r>
+            <a:r>
+              <a:rPr lang="zh-CN" altLang="en-US" dirty="0" smtClean="0">
+                <a:solidFill>
+                  <a:schemeClr val="tx1">
+                    <a:lumMod val="75000"/>
+                    <a:lumOff val="25000"/>
+                  </a:schemeClr>
+                </a:solidFill>
+                <a:latin typeface="冬青黑体简体中文 W3" panose="020B0300000000000000" pitchFamily="34" charset="-122"/>
+                <a:ea typeface="冬青黑体简体中文 W3" panose="020B0300000000000000" pitchFamily="34" charset="-122"/>
+                <a:sym typeface="Wingdings" panose="05000000000000000000" pitchFamily="2" charset="2"/>
+              </a:rPr>
+              <a:t>：</a:t>
+            </a:r>
+            <a:r>
+              <a:rPr lang="en-US" altLang="zh-CN" dirty="0" smtClean="0">
+                <a:solidFill>
+                  <a:schemeClr val="tx1">
+                    <a:lumMod val="75000"/>
+                    <a:lumOff val="25000"/>
+                  </a:schemeClr>
+                </a:solidFill>
+                <a:latin typeface="冬青黑体简体中文 W3" panose="020B0300000000000000" pitchFamily="34" charset="-122"/>
+                <a:ea typeface="冬青黑体简体中文 W3" panose="020B0300000000000000" pitchFamily="34" charset="-122"/>
+                <a:sym typeface="Wingdings" panose="05000000000000000000" pitchFamily="2" charset="2"/>
+              </a:rPr>
+              <a:t>( ) =&gt; { </a:t>
+            </a:r>
+            <a:r>
+              <a:rPr lang="en-US" altLang="zh-CN" dirty="0" smtClean="0">
+                <a:solidFill>
+                  <a:schemeClr val="tx1">
+                    <a:lumMod val="50000"/>
+                    <a:lumOff val="50000"/>
+                  </a:schemeClr>
+                </a:solidFill>
+                <a:latin typeface="冬青黑体简体中文 W3" panose="020B0300000000000000" pitchFamily="34" charset="-122"/>
+                <a:ea typeface="冬青黑体简体中文 W3" panose="020B0300000000000000" pitchFamily="34" charset="-122"/>
+                <a:sym typeface="Wingdings" panose="05000000000000000000" pitchFamily="2" charset="2"/>
+              </a:rPr>
+              <a:t>…</a:t>
+            </a:r>
+            <a:r>
+              <a:rPr lang="en-US" altLang="zh-CN" dirty="0" smtClean="0">
+                <a:solidFill>
+                  <a:schemeClr val="tx1">
+                    <a:lumMod val="85000"/>
+                    <a:lumOff val="15000"/>
+                  </a:schemeClr>
+                </a:solidFill>
+                <a:latin typeface="冬青黑体简体中文 W3" panose="020B0300000000000000" pitchFamily="34" charset="-122"/>
+                <a:ea typeface="冬青黑体简体中文 W3" panose="020B0300000000000000" pitchFamily="34" charset="-122"/>
+                <a:sym typeface="Wingdings" panose="05000000000000000000" pitchFamily="2" charset="2"/>
+              </a:rPr>
+              <a:t> </a:t>
+            </a:r>
+            <a:r>
+              <a:rPr lang="en-US" altLang="zh-CN" dirty="0" smtClean="0">
+                <a:solidFill>
+                  <a:schemeClr val="tx1">
+                    <a:lumMod val="75000"/>
+                    <a:lumOff val="25000"/>
+                  </a:schemeClr>
+                </a:solidFill>
+                <a:latin typeface="冬青黑体简体中文 W3" panose="020B0300000000000000" pitchFamily="34" charset="-122"/>
+                <a:ea typeface="冬青黑体简体中文 W3" panose="020B0300000000000000" pitchFamily="34" charset="-122"/>
+                <a:sym typeface="Wingdings" panose="05000000000000000000" pitchFamily="2" charset="2"/>
+              </a:rPr>
+              <a:t>}</a:t>
+            </a:r>
+          </a:p>
+          <a:p>
+            <a:pPr marL="742950" lvl="1" indent="-285750">
+              <a:buFont typeface="Arial" panose="020B0604020202020204" pitchFamily="34" charset="0"/>
+              <a:buChar char="•"/>
+            </a:pPr>
+            <a:endParaRPr lang="en-US" altLang="zh-CN" dirty="0">
+              <a:solidFill>
+                <a:schemeClr val="tx1">
+                  <a:lumMod val="85000"/>
+                  <a:lumOff val="15000"/>
+                </a:schemeClr>
+              </a:solidFill>
+              <a:latin typeface="冬青黑体简体中文 W3" panose="020B0300000000000000" pitchFamily="34" charset="-122"/>
+              <a:ea typeface="冬青黑体简体中文 W3" panose="020B0300000000000000" pitchFamily="34" charset="-122"/>
+              <a:sym typeface="Wingdings" panose="05000000000000000000" pitchFamily="2" charset="2"/>
+            </a:endParaRPr>
+          </a:p>
+          <a:p>
+            <a:pPr marL="285750" indent="-285750">
+              <a:buFont typeface="Arial" panose="020B0604020202020204" pitchFamily="34" charset="0"/>
+              <a:buChar char="•"/>
+            </a:pPr>
+            <a:r>
+              <a:rPr lang="en-US" altLang="zh-CN" dirty="0" smtClean="0">
+                <a:solidFill>
+                  <a:schemeClr val="tx1">
+                    <a:lumMod val="85000"/>
+                    <a:lumOff val="15000"/>
+                  </a:schemeClr>
+                </a:solidFill>
+                <a:latin typeface="冬青黑体简体中文 W3" panose="020B0300000000000000" pitchFamily="34" charset="-122"/>
+                <a:ea typeface="冬青黑体简体中文 W3" panose="020B0300000000000000" pitchFamily="34" charset="-122"/>
+                <a:sym typeface="Wingdings" panose="05000000000000000000" pitchFamily="2" charset="2"/>
+              </a:rPr>
+              <a:t>this</a:t>
+            </a:r>
+            <a:r>
+              <a:rPr lang="zh-CN" altLang="en-US" dirty="0" smtClean="0">
+                <a:solidFill>
+                  <a:schemeClr val="tx1">
+                    <a:lumMod val="85000"/>
+                    <a:lumOff val="15000"/>
+                  </a:schemeClr>
+                </a:solidFill>
+                <a:latin typeface="冬青黑体简体中文 W3" panose="020B0300000000000000" pitchFamily="34" charset="-122"/>
+                <a:ea typeface="冬青黑体简体中文 W3" panose="020B0300000000000000" pitchFamily="34" charset="-122"/>
+                <a:sym typeface="Wingdings" panose="05000000000000000000" pitchFamily="2" charset="2"/>
+              </a:rPr>
+              <a:t>指向问题</a:t>
+            </a:r>
+            <a:endParaRPr lang="en-US" altLang="zh-CN" dirty="0">
+              <a:solidFill>
+                <a:schemeClr val="tx1">
+                  <a:lumMod val="85000"/>
+                  <a:lumOff val="15000"/>
+                </a:schemeClr>
+              </a:solidFill>
+              <a:latin typeface="冬青黑体简体中文 W3" panose="020B0300000000000000" pitchFamily="34" charset="-122"/>
+              <a:ea typeface="冬青黑体简体中文 W3" panose="020B0300000000000000" pitchFamily="34" charset="-122"/>
+              <a:sym typeface="Wingdings" panose="05000000000000000000" pitchFamily="2" charset="2"/>
+            </a:endParaRPr>
+          </a:p>
+          <a:p>
+            <a:pPr marL="285750" indent="-285750">
+              <a:buFont typeface="Arial" panose="020B0604020202020204" pitchFamily="34" charset="0"/>
+              <a:buChar char="•"/>
+            </a:pPr>
+            <a:endParaRPr lang="en-US" altLang="zh-CN" dirty="0" smtClean="0">
+              <a:solidFill>
+                <a:schemeClr val="tx1">
+                  <a:lumMod val="85000"/>
+                  <a:lumOff val="15000"/>
+                </a:schemeClr>
+              </a:solidFill>
+              <a:latin typeface="冬青黑体简体中文 W3" panose="020B0300000000000000" pitchFamily="34" charset="-122"/>
+              <a:ea typeface="冬青黑体简体中文 W3" panose="020B0300000000000000" pitchFamily="34" charset="-122"/>
+              <a:sym typeface="Wingdings" panose="05000000000000000000" pitchFamily="2" charset="2"/>
+            </a:endParaRPr>
+          </a:p>
+          <a:p>
+            <a:pPr lvl="1"/>
+            <a:r>
+              <a:rPr lang="zh-CN" altLang="en-US" dirty="0" smtClean="0">
+                <a:solidFill>
+                  <a:schemeClr val="tx1">
+                    <a:lumMod val="75000"/>
+                    <a:lumOff val="25000"/>
+                  </a:schemeClr>
+                </a:solidFill>
+                <a:latin typeface="冬青黑体简体中文 W3" panose="020B0300000000000000" pitchFamily="34" charset="-122"/>
+                <a:ea typeface="冬青黑体简体中文 W3" panose="020B0300000000000000" pitchFamily="34" charset="-122"/>
+                <a:sym typeface="Wingdings" panose="05000000000000000000" pitchFamily="2" charset="2"/>
+              </a:rPr>
+              <a:t>箭头函数自身没有</a:t>
+            </a:r>
+            <a:r>
+              <a:rPr lang="en-US" altLang="zh-CN" dirty="0" smtClean="0">
+                <a:solidFill>
+                  <a:schemeClr val="tx1">
+                    <a:lumMod val="75000"/>
+                    <a:lumOff val="25000"/>
+                  </a:schemeClr>
+                </a:solidFill>
+                <a:latin typeface="冬青黑体简体中文 W3" panose="020B0300000000000000" pitchFamily="34" charset="-122"/>
+                <a:ea typeface="冬青黑体简体中文 W3" panose="020B0300000000000000" pitchFamily="34" charset="-122"/>
+                <a:sym typeface="Wingdings" panose="05000000000000000000" pitchFamily="2" charset="2"/>
+              </a:rPr>
+              <a:t>this</a:t>
+            </a:r>
+            <a:r>
+              <a:rPr lang="zh-CN" altLang="en-US" dirty="0" smtClean="0">
+                <a:solidFill>
+                  <a:schemeClr val="tx1">
+                    <a:lumMod val="75000"/>
+                    <a:lumOff val="25000"/>
+                  </a:schemeClr>
+                </a:solidFill>
+                <a:latin typeface="冬青黑体简体中文 W3" panose="020B0300000000000000" pitchFamily="34" charset="-122"/>
+                <a:ea typeface="冬青黑体简体中文 W3" panose="020B0300000000000000" pitchFamily="34" charset="-122"/>
+                <a:sym typeface="Wingdings" panose="05000000000000000000" pitchFamily="2" charset="2"/>
+              </a:rPr>
+              <a:t>绑定，依赖于</a:t>
+            </a:r>
+            <a:r>
+              <a:rPr lang="zh-CN" altLang="en-US" dirty="0" smtClean="0">
+                <a:solidFill>
+                  <a:srgbClr val="C00000"/>
+                </a:solidFill>
+                <a:latin typeface="冬青黑体简体中文 W3" panose="020B0300000000000000" pitchFamily="34" charset="-122"/>
+                <a:ea typeface="冬青黑体简体中文 W3" panose="020B0300000000000000" pitchFamily="34" charset="-122"/>
+                <a:sym typeface="Wingdings" panose="05000000000000000000" pitchFamily="2" charset="2"/>
+              </a:rPr>
+              <a:t>父级作用域</a:t>
+            </a:r>
+            <a:r>
+              <a:rPr lang="zh-CN" altLang="en-US" dirty="0" smtClean="0">
+                <a:solidFill>
+                  <a:schemeClr val="tx1">
+                    <a:lumMod val="75000"/>
+                    <a:lumOff val="25000"/>
+                  </a:schemeClr>
+                </a:solidFill>
+                <a:latin typeface="冬青黑体简体中文 W3" panose="020B0300000000000000" pitchFamily="34" charset="-122"/>
+                <a:ea typeface="冬青黑体简体中文 W3" panose="020B0300000000000000" pitchFamily="34" charset="-122"/>
+                <a:sym typeface="Wingdings" panose="05000000000000000000" pitchFamily="2" charset="2"/>
+              </a:rPr>
+              <a:t>中的</a:t>
+            </a:r>
+            <a:r>
+              <a:rPr lang="en-US" altLang="zh-CN" dirty="0" smtClean="0">
+                <a:solidFill>
+                  <a:schemeClr val="tx1">
+                    <a:lumMod val="75000"/>
+                    <a:lumOff val="25000"/>
+                  </a:schemeClr>
+                </a:solidFill>
+                <a:latin typeface="冬青黑体简体中文 W3" panose="020B0300000000000000" pitchFamily="34" charset="-122"/>
+                <a:ea typeface="冬青黑体简体中文 W3" panose="020B0300000000000000" pitchFamily="34" charset="-122"/>
+                <a:sym typeface="Wingdings" panose="05000000000000000000" pitchFamily="2" charset="2"/>
+              </a:rPr>
+              <a:t>this</a:t>
+            </a:r>
+            <a:r>
+              <a:rPr lang="zh-CN" altLang="en-US" dirty="0" smtClean="0">
+                <a:solidFill>
+                  <a:schemeClr val="tx1">
+                    <a:lumMod val="75000"/>
+                    <a:lumOff val="25000"/>
+                  </a:schemeClr>
+                </a:solidFill>
+                <a:latin typeface="冬青黑体简体中文 W3" panose="020B0300000000000000" pitchFamily="34" charset="-122"/>
+                <a:ea typeface="冬青黑体简体中文 W3" panose="020B0300000000000000" pitchFamily="34" charset="-122"/>
+                <a:sym typeface="Wingdings" panose="05000000000000000000" pitchFamily="2" charset="2"/>
+              </a:rPr>
+              <a:t>。</a:t>
+            </a:r>
+            <a:endParaRPr lang="en-US" altLang="zh-CN" dirty="0" smtClean="0">
+              <a:solidFill>
+                <a:schemeClr val="tx1">
+                  <a:lumMod val="75000"/>
+                  <a:lumOff val="25000"/>
+                </a:schemeClr>
+              </a:solidFill>
+              <a:latin typeface="冬青黑体简体中文 W3" panose="020B0300000000000000" pitchFamily="34" charset="-122"/>
+              <a:ea typeface="冬青黑体简体中文 W3" panose="020B0300000000000000" pitchFamily="34" charset="-122"/>
+              <a:sym typeface="Wingdings" panose="05000000000000000000" pitchFamily="2" charset="2"/>
+            </a:endParaRPr>
+          </a:p>
+        </p:txBody>
+      </p:sp>
+    </p:spTree>
+    <p:extLst>
+      <p:ext uri="{BB962C8B-B14F-4D97-AF65-F5344CB8AC3E}">
+        <p14:creationId xmlns:p14="http://schemas.microsoft.com/office/powerpoint/2010/main" val="3419259026"/>
+      </p:ext>
+    </p:extLst>
+  </p:cSld>
+  <p:clrMapOvr>
+    <a:masterClrMapping/>
+  </p:clrMapOvr>
+  <mc:AlternateContent xmlns:mc="http://schemas.openxmlformats.org/markup-compatibility/2006" xmlns:p14="http://schemas.microsoft.com/office/powerpoint/2010/main">
+    <mc:Choice Requires="p14">
+      <p:transition spd="slow" p14:dur="2000"/>
+    </mc:Choice>
+    <mc:Fallback xmlns="">
+      <p:transition spd="slow"/>
+    </mc:Fallback>
+  </mc:AlternateContent>
+  <p:timing>
+    <p:tnLst>
+      <p:par>
+        <p:cTn id="1" dur="indefinite" restart="never" nodeType="tmRoot"/>
+      </p:par>
+    </p:tnLst>
+  </p:timing>
+</p:sld>
+</file>
+
+<file path=ppt/slides/slide13.xml><?xml version="1.0" encoding="utf-8"?>
+<p:sld xmlns:a="http://schemas.openxmlformats.org/drawingml/2006/main" xmlns:r="http://schemas.openxmlformats.org/officeDocument/2006/relationships" xmlns:p="http://schemas.openxmlformats.org/presentationml/2006/main">
+  <p:cSld>
+    <p:spTree>
+      <p:nvGrpSpPr>
+        <p:cNvPr id="1" name=""/>
+        <p:cNvGrpSpPr/>
+        <p:nvPr/>
+      </p:nvGrpSpPr>
+      <p:grpSpPr>
+        <a:xfrm>
+          <a:off x="0" y="0"/>
+          <a:ext cx="0" cy="0"/>
+          <a:chOff x="0" y="0"/>
+          <a:chExt cx="0" cy="0"/>
+        </a:xfrm>
+      </p:grpSpPr>
+      <p:sp>
+        <p:nvSpPr>
+          <p:cNvPr id="2" name="标题 1"/>
+          <p:cNvSpPr>
+            <a:spLocks noGrp="1"/>
+          </p:cNvSpPr>
+          <p:nvPr>
+            <p:ph type="title"/>
+          </p:nvPr>
+        </p:nvSpPr>
+        <p:spPr>
+          <a:xfrm>
+            <a:off x="155340" y="-10855"/>
+            <a:ext cx="12192000" cy="1122096"/>
+          </a:xfrm>
+        </p:spPr>
+        <p:txBody>
+          <a:bodyPr/>
+          <a:lstStyle/>
+          <a:p>
+            <a:r>
+              <a:rPr lang="zh-CN" altLang="en-US" dirty="0"/>
+              <a:t>代</a:t>
+            </a:r>
+            <a:r>
+              <a:rPr lang="zh-CN" altLang="en-US" dirty="0" smtClean="0"/>
+              <a:t>码示例</a:t>
+            </a:r>
+            <a:endParaRPr lang="zh-CN" altLang="en-US" dirty="0"/>
+          </a:p>
+        </p:txBody>
+      </p:sp>
+      <p:pic>
+        <p:nvPicPr>
+          <p:cNvPr id="5" name="图片 4"/>
+          <p:cNvPicPr>
+            <a:picLocks noChangeAspect="1"/>
+          </p:cNvPicPr>
+          <p:nvPr/>
+        </p:nvPicPr>
+        <p:blipFill>
+          <a:blip r:embed="rId2"/>
+          <a:stretch>
+            <a:fillRect/>
+          </a:stretch>
+        </p:blipFill>
+        <p:spPr>
+          <a:xfrm>
+            <a:off x="0" y="1263669"/>
+            <a:ext cx="12192000" cy="5527655"/>
+          </a:xfrm>
+          <a:prstGeom prst="rect">
+            <a:avLst/>
+          </a:prstGeom>
+        </p:spPr>
+      </p:pic>
+    </p:spTree>
+    <p:extLst>
+      <p:ext uri="{BB962C8B-B14F-4D97-AF65-F5344CB8AC3E}">
+        <p14:creationId xmlns:p14="http://schemas.microsoft.com/office/powerpoint/2010/main" val="229835491"/>
+      </p:ext>
+    </p:extLst>
+  </p:cSld>
+  <p:clrMapOvr>
+    <a:masterClrMapping/>
+  </p:clrMapOvr>
+  <mc:AlternateContent xmlns:mc="http://schemas.openxmlformats.org/markup-compatibility/2006" xmlns:p14="http://schemas.microsoft.com/office/powerpoint/2010/main">
+    <mc:Choice Requires="p14">
+      <p:transition spd="slow" p14:dur="2000"/>
+    </mc:Choice>
+    <mc:Fallback xmlns="">
+      <p:transition spd="slow"/>
+    </mc:Fallback>
+  </mc:AlternateContent>
+  <p:timing>
+    <p:tnLst>
+      <p:par>
+        <p:cTn id="1" dur="indefinite" restart="never" nodeType="tmRoot"/>
+      </p:par>
+    </p:tnLst>
+  </p:timing>
+</p:sld>
+</file>
+
+<file path=ppt/slides/slide14.xml><?xml version="1.0" encoding="utf-8"?>
+<p:sld xmlns:a="http://schemas.openxmlformats.org/drawingml/2006/main" xmlns:r="http://schemas.openxmlformats.org/officeDocument/2006/relationships" xmlns:p="http://schemas.openxmlformats.org/presentationml/2006/main">
+  <p:cSld>
+    <p:spTree>
+      <p:nvGrpSpPr>
+        <p:cNvPr id="1" name=""/>
+        <p:cNvGrpSpPr/>
+        <p:nvPr/>
+      </p:nvGrpSpPr>
+      <p:grpSpPr>
+        <a:xfrm>
+          <a:off x="0" y="0"/>
+          <a:ext cx="0" cy="0"/>
+          <a:chOff x="0" y="0"/>
+          <a:chExt cx="0" cy="0"/>
+        </a:xfrm>
+      </p:grpSpPr>
+      <p:sp>
+        <p:nvSpPr>
+          <p:cNvPr id="2" name="标题 1"/>
+          <p:cNvSpPr>
+            <a:spLocks noGrp="1"/>
+          </p:cNvSpPr>
+          <p:nvPr>
+            <p:ph type="title"/>
+          </p:nvPr>
+        </p:nvSpPr>
+        <p:spPr>
+          <a:xfrm>
+            <a:off x="0" y="459945"/>
+            <a:ext cx="12192000" cy="1122096"/>
+          </a:xfrm>
+        </p:spPr>
+        <p:txBody>
+          <a:bodyPr/>
+          <a:lstStyle/>
+          <a:p>
+            <a:r>
+              <a:rPr lang="zh-CN" altLang="en-US" dirty="0" smtClean="0"/>
+              <a:t>改变</a:t>
+            </a:r>
+            <a:r>
+              <a:rPr lang="en-US" altLang="zh-CN" dirty="0" smtClean="0"/>
+              <a:t>this</a:t>
+            </a:r>
+            <a:r>
+              <a:rPr lang="zh-CN" altLang="en-US" dirty="0" smtClean="0"/>
+              <a:t>的三个方法</a:t>
+            </a:r>
+            <a:endParaRPr lang="zh-CN" altLang="en-US" dirty="0"/>
+          </a:p>
+        </p:txBody>
+      </p:sp>
+      <p:sp>
+        <p:nvSpPr>
+          <p:cNvPr id="3" name="文本占位符 2"/>
+          <p:cNvSpPr>
+            <a:spLocks noGrp="1"/>
+          </p:cNvSpPr>
+          <p:nvPr>
+            <p:ph type="body" sz="quarter" idx="10"/>
+          </p:nvPr>
+        </p:nvSpPr>
+        <p:spPr/>
+        <p:txBody>
+          <a:bodyPr>
+            <a:normAutofit lnSpcReduction="10000"/>
+          </a:bodyPr>
+          <a:lstStyle/>
+          <a:p>
+            <a:pPr marL="342900" indent="-342900">
+              <a:buFont typeface="+mj-lt"/>
+              <a:buAutoNum type="arabicPeriod"/>
+            </a:pPr>
+            <a:r>
+              <a:rPr lang="en-US" altLang="zh-CN" dirty="0" smtClean="0">
+                <a:solidFill>
+                  <a:schemeClr val="tx1">
+                    <a:lumMod val="85000"/>
+                    <a:lumOff val="15000"/>
+                  </a:schemeClr>
+                </a:solidFill>
+              </a:rPr>
+              <a:t>call</a:t>
+            </a:r>
+            <a:r>
+              <a:rPr lang="zh-CN" altLang="en-US" dirty="0" smtClean="0">
+                <a:solidFill>
+                  <a:schemeClr val="tx1">
+                    <a:lumMod val="85000"/>
+                    <a:lumOff val="15000"/>
+                  </a:schemeClr>
+                </a:solidFill>
+              </a:rPr>
+              <a:t>、</a:t>
+            </a:r>
+            <a:r>
+              <a:rPr lang="en-US" altLang="zh-CN" dirty="0" smtClean="0">
+                <a:solidFill>
+                  <a:schemeClr val="tx1">
+                    <a:lumMod val="85000"/>
+                    <a:lumOff val="15000"/>
+                  </a:schemeClr>
+                </a:solidFill>
+              </a:rPr>
+              <a:t>apply</a:t>
+            </a:r>
+            <a:r>
+              <a:rPr lang="zh-CN" altLang="en-US" dirty="0" smtClean="0">
+                <a:solidFill>
+                  <a:schemeClr val="tx1">
+                    <a:lumMod val="85000"/>
+                    <a:lumOff val="15000"/>
+                  </a:schemeClr>
+                </a:solidFill>
+              </a:rPr>
+              <a:t>方法：</a:t>
+            </a:r>
+            <a:endParaRPr lang="en-US" altLang="zh-CN" dirty="0" smtClean="0">
+              <a:solidFill>
+                <a:schemeClr val="tx1">
+                  <a:lumMod val="85000"/>
+                  <a:lumOff val="15000"/>
+                </a:schemeClr>
+              </a:solidFill>
+            </a:endParaRPr>
+          </a:p>
+          <a:p>
+            <a:pPr marL="342900" indent="-342900">
+              <a:buFont typeface="+mj-lt"/>
+              <a:buAutoNum type="arabicPeriod"/>
+            </a:pPr>
+            <a:endParaRPr lang="en-US" altLang="zh-CN" dirty="0">
+              <a:solidFill>
+                <a:schemeClr val="tx1">
+                  <a:lumMod val="85000"/>
+                  <a:lumOff val="15000"/>
+                </a:schemeClr>
+              </a:solidFill>
+            </a:endParaRPr>
+          </a:p>
+          <a:p>
+            <a:pPr marL="1028700" lvl="1">
+              <a:buFont typeface="Arial" panose="020B0604020202020204" pitchFamily="34" charset="0"/>
+              <a:buChar char="•"/>
+            </a:pPr>
+            <a:r>
+              <a:rPr lang="zh-CN" altLang="en-US" sz="1800" dirty="0">
+                <a:solidFill>
+                  <a:schemeClr val="tx1">
+                    <a:lumMod val="65000"/>
+                    <a:lumOff val="35000"/>
+                  </a:schemeClr>
+                </a:solidFill>
+                <a:latin typeface="冬青黑体简体中文 W3" panose="020B0300000000000000" pitchFamily="34" charset="-122"/>
+                <a:ea typeface="冬青黑体简体中文 W3" panose="020B0300000000000000" pitchFamily="34" charset="-122"/>
+              </a:rPr>
+              <a:t>共同点：调用一个具有给定</a:t>
+            </a:r>
+            <a:r>
+              <a:rPr lang="en-US" altLang="zh-CN" sz="1800" dirty="0">
+                <a:solidFill>
+                  <a:schemeClr val="tx1">
+                    <a:lumMod val="65000"/>
+                    <a:lumOff val="35000"/>
+                  </a:schemeClr>
+                </a:solidFill>
+                <a:latin typeface="冬青黑体简体中文 W3" panose="020B0300000000000000" pitchFamily="34" charset="-122"/>
+                <a:ea typeface="冬青黑体简体中文 W3" panose="020B0300000000000000" pitchFamily="34" charset="-122"/>
+              </a:rPr>
+              <a:t>this</a:t>
+            </a:r>
+            <a:r>
+              <a:rPr lang="zh-CN" altLang="en-US" sz="1800" dirty="0">
+                <a:solidFill>
+                  <a:schemeClr val="tx1">
+                    <a:lumMod val="65000"/>
+                    <a:lumOff val="35000"/>
+                  </a:schemeClr>
+                </a:solidFill>
+                <a:latin typeface="冬青黑体简体中文 W3" panose="020B0300000000000000" pitchFamily="34" charset="-122"/>
+                <a:ea typeface="冬青黑体简体中文 W3" panose="020B0300000000000000" pitchFamily="34" charset="-122"/>
+              </a:rPr>
+              <a:t>值的函数 ，并为其提供参数。</a:t>
+            </a:r>
+            <a:endParaRPr lang="en-US" altLang="zh-CN" sz="1800" dirty="0">
+              <a:solidFill>
+                <a:schemeClr val="tx1">
+                  <a:lumMod val="65000"/>
+                  <a:lumOff val="35000"/>
+                </a:schemeClr>
+              </a:solidFill>
+              <a:latin typeface="冬青黑体简体中文 W3" panose="020B0300000000000000" pitchFamily="34" charset="-122"/>
+              <a:ea typeface="冬青黑体简体中文 W3" panose="020B0300000000000000" pitchFamily="34" charset="-122"/>
+            </a:endParaRPr>
+          </a:p>
+          <a:p>
+            <a:pPr marL="1028700" lvl="1">
+              <a:buFont typeface="Arial" panose="020B0604020202020204" pitchFamily="34" charset="0"/>
+              <a:buChar char="•"/>
+            </a:pPr>
+            <a:r>
+              <a:rPr lang="zh-CN" altLang="en-US" sz="1800" dirty="0">
+                <a:solidFill>
+                  <a:schemeClr val="tx1">
+                    <a:lumMod val="65000"/>
+                    <a:lumOff val="35000"/>
+                  </a:schemeClr>
+                </a:solidFill>
+                <a:latin typeface="冬青黑体简体中文 W3" panose="020B0300000000000000" pitchFamily="34" charset="-122"/>
+                <a:ea typeface="冬青黑体简体中文 W3" panose="020B0300000000000000" pitchFamily="34" charset="-122"/>
+              </a:rPr>
+              <a:t>不同点：</a:t>
+            </a:r>
+            <a:endParaRPr lang="en-US" altLang="zh-CN" sz="1800" dirty="0">
+              <a:solidFill>
+                <a:schemeClr val="tx1">
+                  <a:lumMod val="65000"/>
+                  <a:lumOff val="35000"/>
+                </a:schemeClr>
+              </a:solidFill>
+              <a:latin typeface="冬青黑体简体中文 W3" panose="020B0300000000000000" pitchFamily="34" charset="-122"/>
+              <a:ea typeface="冬青黑体简体中文 W3" panose="020B0300000000000000" pitchFamily="34" charset="-122"/>
+            </a:endParaRPr>
+          </a:p>
+          <a:p>
+            <a:pPr marL="1428750" lvl="2"/>
+            <a:r>
+              <a:rPr lang="en-US" altLang="zh-CN" sz="1800" dirty="0">
+                <a:solidFill>
+                  <a:schemeClr val="tx1">
+                    <a:lumMod val="65000"/>
+                    <a:lumOff val="35000"/>
+                  </a:schemeClr>
+                </a:solidFill>
+                <a:latin typeface="冬青黑体简体中文 W3" panose="020B0300000000000000" pitchFamily="34" charset="-122"/>
+                <a:ea typeface="冬青黑体简体中文 W3" panose="020B0300000000000000" pitchFamily="34" charset="-122"/>
+              </a:rPr>
+              <a:t>call</a:t>
+            </a:r>
+            <a:r>
+              <a:rPr lang="zh-CN" altLang="en-US" sz="1800" dirty="0">
+                <a:solidFill>
+                  <a:schemeClr val="tx1">
+                    <a:lumMod val="65000"/>
+                    <a:lumOff val="35000"/>
+                  </a:schemeClr>
+                </a:solidFill>
+                <a:latin typeface="冬青黑体简体中文 W3" panose="020B0300000000000000" pitchFamily="34" charset="-122"/>
+                <a:ea typeface="冬青黑体简体中文 W3" panose="020B0300000000000000" pitchFamily="34" charset="-122"/>
+              </a:rPr>
+              <a:t>方法：</a:t>
+            </a:r>
+            <a:r>
+              <a:rPr lang="en-US" altLang="zh-CN" sz="1800" dirty="0">
+                <a:solidFill>
+                  <a:schemeClr val="tx1">
+                    <a:lumMod val="65000"/>
+                    <a:lumOff val="35000"/>
+                  </a:schemeClr>
+                </a:solidFill>
+                <a:latin typeface="冬青黑体简体中文 W3" panose="020B0300000000000000" pitchFamily="34" charset="-122"/>
+                <a:ea typeface="冬青黑体简体中文 W3" panose="020B0300000000000000" pitchFamily="34" charset="-122"/>
+              </a:rPr>
+              <a:t>fn.call( thisArg, </a:t>
+            </a:r>
+            <a:r>
+              <a:rPr lang="en-US" altLang="zh-CN" sz="1800" dirty="0">
+                <a:solidFill>
+                  <a:srgbClr val="C00000"/>
+                </a:solidFill>
+                <a:latin typeface="冬青黑体简体中文 W3" panose="020B0300000000000000" pitchFamily="34" charset="-122"/>
+                <a:ea typeface="冬青黑体简体中文 W3" panose="020B0300000000000000" pitchFamily="34" charset="-122"/>
+              </a:rPr>
+              <a:t>arg1, arg2, arg3, ... </a:t>
+            </a:r>
+            <a:r>
+              <a:rPr lang="en-US" altLang="zh-CN" sz="1800" dirty="0">
+                <a:solidFill>
+                  <a:schemeClr val="tx1">
+                    <a:lumMod val="65000"/>
+                    <a:lumOff val="35000"/>
+                  </a:schemeClr>
+                </a:solidFill>
+                <a:latin typeface="冬青黑体简体中文 W3" panose="020B0300000000000000" pitchFamily="34" charset="-122"/>
+                <a:ea typeface="冬青黑体简体中文 W3" panose="020B0300000000000000" pitchFamily="34" charset="-122"/>
+              </a:rPr>
+              <a:t>) </a:t>
+            </a:r>
+            <a:r>
+              <a:rPr lang="zh-CN" altLang="en-US" sz="1800" dirty="0">
+                <a:solidFill>
+                  <a:schemeClr val="tx1">
+                    <a:lumMod val="65000"/>
+                    <a:lumOff val="35000"/>
+                  </a:schemeClr>
+                </a:solidFill>
+                <a:latin typeface="冬青黑体简体中文 W3" panose="020B0300000000000000" pitchFamily="34" charset="-122"/>
+                <a:ea typeface="冬青黑体简体中文 W3" panose="020B0300000000000000" pitchFamily="34" charset="-122"/>
+              </a:rPr>
+              <a:t>传递给 </a:t>
+            </a:r>
+            <a:r>
+              <a:rPr lang="en-US" altLang="zh-CN" sz="1800" dirty="0">
+                <a:solidFill>
+                  <a:srgbClr val="C00000"/>
+                </a:solidFill>
+                <a:latin typeface="冬青黑体简体中文 W3" panose="020B0300000000000000" pitchFamily="34" charset="-122"/>
+                <a:ea typeface="冬青黑体简体中文 W3" panose="020B0300000000000000" pitchFamily="34" charset="-122"/>
+              </a:rPr>
+              <a:t>fn </a:t>
+            </a:r>
+            <a:r>
+              <a:rPr lang="zh-CN" altLang="en-US" sz="1800" dirty="0">
+                <a:solidFill>
+                  <a:schemeClr val="tx1">
+                    <a:lumMod val="65000"/>
+                    <a:lumOff val="35000"/>
+                  </a:schemeClr>
+                </a:solidFill>
+                <a:latin typeface="冬青黑体简体中文 W3" panose="020B0300000000000000" pitchFamily="34" charset="-122"/>
+                <a:ea typeface="冬青黑体简体中文 W3" panose="020B0300000000000000" pitchFamily="34" charset="-122"/>
+              </a:rPr>
+              <a:t>函数的是一个</a:t>
+            </a:r>
+            <a:r>
+              <a:rPr lang="zh-CN" altLang="en-US" sz="1800" dirty="0">
+                <a:solidFill>
+                  <a:srgbClr val="C00000"/>
+                </a:solidFill>
+                <a:latin typeface="冬青黑体简体中文 W3" panose="020B0300000000000000" pitchFamily="34" charset="-122"/>
+                <a:ea typeface="冬青黑体简体中文 W3" panose="020B0300000000000000" pitchFamily="34" charset="-122"/>
+              </a:rPr>
+              <a:t>参数列表</a:t>
+            </a:r>
+            <a:r>
+              <a:rPr lang="zh-CN" altLang="en-US" sz="1800" dirty="0">
+                <a:solidFill>
+                  <a:schemeClr val="tx1">
+                    <a:lumMod val="65000"/>
+                    <a:lumOff val="35000"/>
+                  </a:schemeClr>
+                </a:solidFill>
+                <a:latin typeface="冬青黑体简体中文 W3" panose="020B0300000000000000" pitchFamily="34" charset="-122"/>
+                <a:ea typeface="冬青黑体简体中文 W3" panose="020B0300000000000000" pitchFamily="34" charset="-122"/>
+              </a:rPr>
+              <a:t>。</a:t>
+            </a:r>
+            <a:endParaRPr lang="en-US" altLang="zh-CN" sz="1800" dirty="0">
+              <a:solidFill>
+                <a:schemeClr val="tx1">
+                  <a:lumMod val="65000"/>
+                  <a:lumOff val="35000"/>
+                </a:schemeClr>
+              </a:solidFill>
+              <a:latin typeface="冬青黑体简体中文 W3" panose="020B0300000000000000" pitchFamily="34" charset="-122"/>
+              <a:ea typeface="冬青黑体简体中文 W3" panose="020B0300000000000000" pitchFamily="34" charset="-122"/>
+            </a:endParaRPr>
+          </a:p>
+          <a:p>
+            <a:pPr marL="1428750" lvl="2"/>
+            <a:r>
+              <a:rPr lang="en-US" altLang="zh-CN" sz="1800" dirty="0">
+                <a:solidFill>
+                  <a:schemeClr val="tx1">
+                    <a:lumMod val="65000"/>
+                    <a:lumOff val="35000"/>
+                  </a:schemeClr>
+                </a:solidFill>
+                <a:latin typeface="冬青黑体简体中文 W3" panose="020B0300000000000000" pitchFamily="34" charset="-122"/>
+                <a:ea typeface="冬青黑体简体中文 W3" panose="020B0300000000000000" pitchFamily="34" charset="-122"/>
+              </a:rPr>
+              <a:t>apply</a:t>
+            </a:r>
+            <a:r>
+              <a:rPr lang="zh-CN" altLang="en-US" sz="1800" dirty="0">
+                <a:solidFill>
+                  <a:schemeClr val="tx1">
+                    <a:lumMod val="65000"/>
+                    <a:lumOff val="35000"/>
+                  </a:schemeClr>
+                </a:solidFill>
+                <a:latin typeface="冬青黑体简体中文 W3" panose="020B0300000000000000" pitchFamily="34" charset="-122"/>
+                <a:ea typeface="冬青黑体简体中文 W3" panose="020B0300000000000000" pitchFamily="34" charset="-122"/>
+              </a:rPr>
+              <a:t>方法：</a:t>
+            </a:r>
+            <a:r>
+              <a:rPr lang="en-US" altLang="zh-CN" sz="1800" dirty="0">
+                <a:solidFill>
+                  <a:schemeClr val="tx1">
+                    <a:lumMod val="65000"/>
+                    <a:lumOff val="35000"/>
+                  </a:schemeClr>
+                </a:solidFill>
+                <a:latin typeface="冬青黑体简体中文 W3" panose="020B0300000000000000" pitchFamily="34" charset="-122"/>
+                <a:ea typeface="冬青黑体简体中文 W3" panose="020B0300000000000000" pitchFamily="34" charset="-122"/>
+              </a:rPr>
+              <a:t>fn.call( thisArg, </a:t>
+            </a:r>
+            <a:r>
+              <a:rPr lang="en-US" altLang="zh-CN" sz="1800" dirty="0">
+                <a:solidFill>
+                  <a:srgbClr val="C00000"/>
+                </a:solidFill>
+                <a:latin typeface="冬青黑体简体中文 W3" panose="020B0300000000000000" pitchFamily="34" charset="-122"/>
+                <a:ea typeface="冬青黑体简体中文 W3" panose="020B0300000000000000" pitchFamily="34" charset="-122"/>
+              </a:rPr>
+              <a:t>[arg1, arg2, arg3, ...] </a:t>
+            </a:r>
+            <a:r>
+              <a:rPr lang="en-US" altLang="zh-CN" sz="1800" dirty="0">
+                <a:solidFill>
+                  <a:schemeClr val="tx1">
+                    <a:lumMod val="65000"/>
+                    <a:lumOff val="35000"/>
+                  </a:schemeClr>
+                </a:solidFill>
+                <a:latin typeface="冬青黑体简体中文 W3" panose="020B0300000000000000" pitchFamily="34" charset="-122"/>
+                <a:ea typeface="冬青黑体简体中文 W3" panose="020B0300000000000000" pitchFamily="34" charset="-122"/>
+              </a:rPr>
+              <a:t>) </a:t>
+            </a:r>
+            <a:r>
+              <a:rPr lang="zh-CN" altLang="en-US" sz="1800" dirty="0">
+                <a:solidFill>
+                  <a:schemeClr val="tx1">
+                    <a:lumMod val="65000"/>
+                    <a:lumOff val="35000"/>
+                  </a:schemeClr>
+                </a:solidFill>
+                <a:latin typeface="冬青黑体简体中文 W3" panose="020B0300000000000000" pitchFamily="34" charset="-122"/>
+                <a:ea typeface="冬青黑体简体中文 W3" panose="020B0300000000000000" pitchFamily="34" charset="-122"/>
+              </a:rPr>
+              <a:t>传递给</a:t>
+            </a:r>
+            <a:r>
+              <a:rPr lang="en-US" altLang="zh-CN" sz="1800" dirty="0">
+                <a:solidFill>
+                  <a:schemeClr val="tx1">
+                    <a:lumMod val="65000"/>
+                    <a:lumOff val="35000"/>
+                  </a:schemeClr>
+                </a:solidFill>
+                <a:latin typeface="冬青黑体简体中文 W3" panose="020B0300000000000000" pitchFamily="34" charset="-122"/>
+                <a:ea typeface="冬青黑体简体中文 W3" panose="020B0300000000000000" pitchFamily="34" charset="-122"/>
+              </a:rPr>
+              <a:t> </a:t>
+            </a:r>
+            <a:r>
+              <a:rPr lang="en-US" altLang="zh-CN" sz="1800" dirty="0">
+                <a:solidFill>
+                  <a:srgbClr val="C00000"/>
+                </a:solidFill>
+                <a:latin typeface="冬青黑体简体中文 W3" panose="020B0300000000000000" pitchFamily="34" charset="-122"/>
+                <a:ea typeface="冬青黑体简体中文 W3" panose="020B0300000000000000" pitchFamily="34" charset="-122"/>
+              </a:rPr>
+              <a:t>fn</a:t>
+            </a:r>
+            <a:r>
+              <a:rPr lang="en-US" altLang="zh-CN" sz="1800" dirty="0">
+                <a:solidFill>
+                  <a:schemeClr val="tx1">
+                    <a:lumMod val="65000"/>
+                    <a:lumOff val="35000"/>
+                  </a:schemeClr>
+                </a:solidFill>
+                <a:latin typeface="冬青黑体简体中文 W3" panose="020B0300000000000000" pitchFamily="34" charset="-122"/>
+                <a:ea typeface="冬青黑体简体中文 W3" panose="020B0300000000000000" pitchFamily="34" charset="-122"/>
+              </a:rPr>
+              <a:t> </a:t>
+            </a:r>
+            <a:r>
+              <a:rPr lang="zh-CN" altLang="en-US" sz="1800" dirty="0">
+                <a:solidFill>
+                  <a:schemeClr val="tx1">
+                    <a:lumMod val="65000"/>
+                    <a:lumOff val="35000"/>
+                  </a:schemeClr>
+                </a:solidFill>
+                <a:latin typeface="冬青黑体简体中文 W3" panose="020B0300000000000000" pitchFamily="34" charset="-122"/>
+                <a:ea typeface="冬青黑体简体中文 W3" panose="020B0300000000000000" pitchFamily="34" charset="-122"/>
+              </a:rPr>
+              <a:t>函数的是一个 </a:t>
+            </a:r>
+            <a:r>
+              <a:rPr lang="zh-CN" altLang="en-US" sz="1800" dirty="0">
+                <a:solidFill>
+                  <a:srgbClr val="C00000"/>
+                </a:solidFill>
+                <a:latin typeface="冬青黑体简体中文 W3" panose="020B0300000000000000" pitchFamily="34" charset="-122"/>
+                <a:ea typeface="冬青黑体简体中文 W3" panose="020B0300000000000000" pitchFamily="34" charset="-122"/>
+              </a:rPr>
+              <a:t>数组</a:t>
+            </a:r>
+            <a:r>
+              <a:rPr lang="zh-CN" altLang="en-US" sz="1800" dirty="0">
+                <a:solidFill>
+                  <a:schemeClr val="tx1">
+                    <a:lumMod val="65000"/>
+                    <a:lumOff val="35000"/>
+                  </a:schemeClr>
+                </a:solidFill>
+                <a:latin typeface="冬青黑体简体中文 W3" panose="020B0300000000000000" pitchFamily="34" charset="-122"/>
+                <a:ea typeface="冬青黑体简体中文 W3" panose="020B0300000000000000" pitchFamily="34" charset="-122"/>
+              </a:rPr>
+              <a:t>（</a:t>
+            </a:r>
+            <a:r>
+              <a:rPr lang="zh-CN" altLang="en-US" sz="1800" dirty="0">
+                <a:solidFill>
+                  <a:schemeClr val="tx1">
+                    <a:lumMod val="50000"/>
+                    <a:lumOff val="50000"/>
+                  </a:schemeClr>
+                </a:solidFill>
+                <a:latin typeface="冬青黑体简体中文 W3" panose="020B0300000000000000" pitchFamily="34" charset="-122"/>
+                <a:ea typeface="冬青黑体简体中文 W3" panose="020B0300000000000000" pitchFamily="34" charset="-122"/>
+              </a:rPr>
+              <a:t>或类数组对象</a:t>
+            </a:r>
+            <a:r>
+              <a:rPr lang="zh-CN" altLang="en-US" sz="1800" dirty="0" smtClean="0">
+                <a:solidFill>
+                  <a:schemeClr val="tx1">
+                    <a:lumMod val="65000"/>
+                    <a:lumOff val="35000"/>
+                  </a:schemeClr>
+                </a:solidFill>
+                <a:latin typeface="冬青黑体简体中文 W3" panose="020B0300000000000000" pitchFamily="34" charset="-122"/>
+                <a:ea typeface="冬青黑体简体中文 W3" panose="020B0300000000000000" pitchFamily="34" charset="-122"/>
+              </a:rPr>
+              <a:t>）。</a:t>
+            </a:r>
+            <a:endParaRPr lang="en-US" altLang="zh-CN" sz="1800" dirty="0" smtClean="0">
+              <a:solidFill>
+                <a:schemeClr val="tx1">
+                  <a:lumMod val="65000"/>
+                  <a:lumOff val="35000"/>
+                </a:schemeClr>
+              </a:solidFill>
+              <a:latin typeface="冬青黑体简体中文 W3" panose="020B0300000000000000" pitchFamily="34" charset="-122"/>
+              <a:ea typeface="冬青黑体简体中文 W3" panose="020B0300000000000000" pitchFamily="34" charset="-122"/>
+            </a:endParaRPr>
+          </a:p>
+          <a:p>
+            <a:pPr marL="1200150" lvl="2" indent="0">
+              <a:buNone/>
+            </a:pPr>
+            <a:endParaRPr lang="en-US" altLang="zh-CN" dirty="0" smtClean="0">
+              <a:solidFill>
+                <a:schemeClr val="tx1">
+                  <a:lumMod val="85000"/>
+                  <a:lumOff val="15000"/>
+                </a:schemeClr>
+              </a:solidFill>
+            </a:endParaRPr>
+          </a:p>
+          <a:p>
+            <a:pPr marL="342900" indent="-342900">
+              <a:buFont typeface="+mj-lt"/>
+              <a:buAutoNum type="arabicPeriod"/>
+            </a:pPr>
+            <a:r>
+              <a:rPr lang="en-US" altLang="zh-CN" dirty="0" smtClean="0">
+                <a:solidFill>
+                  <a:schemeClr val="tx1">
+                    <a:lumMod val="85000"/>
+                    <a:lumOff val="15000"/>
+                  </a:schemeClr>
+                </a:solidFill>
+              </a:rPr>
+              <a:t>bind</a:t>
+            </a:r>
+            <a:r>
+              <a:rPr lang="zh-CN" altLang="en-US" dirty="0" smtClean="0">
+                <a:solidFill>
+                  <a:schemeClr val="tx1">
+                    <a:lumMod val="85000"/>
+                    <a:lumOff val="15000"/>
+                  </a:schemeClr>
+                </a:solidFill>
+              </a:rPr>
+              <a:t>方法：返回一个新函数，函数的</a:t>
+            </a:r>
+            <a:r>
+              <a:rPr lang="en-US" altLang="zh-CN" dirty="0" smtClean="0">
+                <a:solidFill>
+                  <a:schemeClr val="tx1">
+                    <a:lumMod val="85000"/>
+                    <a:lumOff val="15000"/>
+                  </a:schemeClr>
+                </a:solidFill>
+              </a:rPr>
+              <a:t>this</a:t>
+            </a:r>
+            <a:r>
+              <a:rPr lang="zh-CN" altLang="en-US" dirty="0" smtClean="0">
+                <a:solidFill>
+                  <a:schemeClr val="tx1">
+                    <a:lumMod val="85000"/>
+                    <a:lumOff val="15000"/>
+                  </a:schemeClr>
+                </a:solidFill>
+              </a:rPr>
+              <a:t>为</a:t>
+            </a:r>
+            <a:r>
+              <a:rPr lang="en-US" altLang="zh-CN" dirty="0" smtClean="0">
+                <a:solidFill>
+                  <a:schemeClr val="tx1">
+                    <a:lumMod val="85000"/>
+                    <a:lumOff val="15000"/>
+                  </a:schemeClr>
+                </a:solidFill>
+              </a:rPr>
+              <a:t>bind</a:t>
+            </a:r>
+            <a:r>
+              <a:rPr lang="zh-CN" altLang="en-US" dirty="0" smtClean="0">
+                <a:solidFill>
+                  <a:schemeClr val="tx1">
+                    <a:lumMod val="85000"/>
+                    <a:lumOff val="15000"/>
+                  </a:schemeClr>
+                </a:solidFill>
+              </a:rPr>
+              <a:t>方法的第一个参数；</a:t>
+            </a:r>
+            <a:r>
+              <a:rPr lang="en-US" altLang="zh-CN" dirty="0" smtClean="0">
+                <a:solidFill>
+                  <a:schemeClr val="tx1">
+                    <a:lumMod val="85000"/>
+                    <a:lumOff val="15000"/>
+                  </a:schemeClr>
+                </a:solidFill>
+              </a:rPr>
+              <a:t>bind</a:t>
+            </a:r>
+            <a:r>
+              <a:rPr lang="zh-CN" altLang="en-US" dirty="0" smtClean="0">
+                <a:solidFill>
+                  <a:schemeClr val="tx1">
+                    <a:lumMod val="85000"/>
+                    <a:lumOff val="15000"/>
+                  </a:schemeClr>
+                </a:solidFill>
+              </a:rPr>
+              <a:t>方法其余的参数作为新函</a:t>
+            </a:r>
+            <a:r>
+              <a:rPr lang="zh-CN" altLang="en-US" dirty="0">
+                <a:solidFill>
+                  <a:schemeClr val="tx1">
+                    <a:lumMod val="85000"/>
+                    <a:lumOff val="15000"/>
+                  </a:schemeClr>
+                </a:solidFill>
+              </a:rPr>
+              <a:t>数</a:t>
+            </a:r>
+            <a:r>
+              <a:rPr lang="zh-CN" altLang="en-US" dirty="0" smtClean="0">
+                <a:solidFill>
+                  <a:schemeClr val="tx1">
+                    <a:lumMod val="85000"/>
+                    <a:lumOff val="15000"/>
+                  </a:schemeClr>
+                </a:solidFill>
+              </a:rPr>
+              <a:t>的</a:t>
+            </a:r>
+            <a:r>
+              <a:rPr lang="zh-CN" altLang="en-US" dirty="0">
+                <a:solidFill>
+                  <a:schemeClr val="tx1">
+                    <a:lumMod val="85000"/>
+                    <a:lumOff val="15000"/>
+                  </a:schemeClr>
+                </a:solidFill>
+              </a:rPr>
+              <a:t>预</a:t>
+            </a:r>
+            <a:r>
+              <a:rPr lang="zh-CN" altLang="en-US" dirty="0" smtClean="0">
+                <a:solidFill>
+                  <a:schemeClr val="tx1">
+                    <a:lumMod val="85000"/>
+                    <a:lumOff val="15000"/>
+                  </a:schemeClr>
+                </a:solidFill>
+              </a:rPr>
+              <a:t>设的初始参数。</a:t>
+            </a:r>
+            <a:endParaRPr lang="en-US" altLang="zh-CN" dirty="0">
+              <a:solidFill>
+                <a:schemeClr val="tx1">
+                  <a:lumMod val="85000"/>
+                  <a:lumOff val="15000"/>
+                </a:schemeClr>
+              </a:solidFill>
             </a:endParaRPr>
           </a:p>
         </p:txBody>
@@ -2287,8 +4451,8 @@
         </p:nvSpPr>
         <p:spPr>
           <a:xfrm>
-            <a:off x="3145259" y="6021288"/>
-            <a:ext cx="5904656" cy="369332"/>
+            <a:off x="2321173" y="1483210"/>
+            <a:ext cx="7668715" cy="369332"/>
           </a:xfrm>
           <a:prstGeom prst="rect">
             <a:avLst/>
@@ -2301,29 +4465,91 @@
           </a:bodyPr>
           <a:lstStyle/>
           <a:p>
+            <a:pPr algn="ctr"/>
+            <a:r>
+              <a:rPr lang="en-US" altLang="zh-CN" dirty="0" smtClean="0">
+                <a:solidFill>
+                  <a:schemeClr val="tx1">
+                    <a:lumMod val="75000"/>
+                    <a:lumOff val="25000"/>
+                  </a:schemeClr>
+                </a:solidFill>
+                <a:latin typeface="冬青黑体简体中文 W3" panose="020B0300000000000000" pitchFamily="34" charset="-122"/>
+                <a:ea typeface="冬青黑体简体中文 W3" panose="020B0300000000000000" pitchFamily="34" charset="-122"/>
+              </a:rPr>
+              <a:t>call</a:t>
+            </a:r>
             <a:r>
               <a:rPr lang="zh-CN" altLang="en-US" dirty="0" smtClean="0">
                 <a:solidFill>
-                  <a:srgbClr val="FF0000"/>
-                </a:solidFill>
-                <a:latin typeface="冬青黑体简体中文 W3" panose="020B0300000000000000" pitchFamily="34" charset="-122"/>
-                <a:ea typeface="冬青黑体简体中文 W3" panose="020B0300000000000000" pitchFamily="34" charset="-122"/>
-              </a:rPr>
-              <a:t>墙裂推荐：</a:t>
-            </a:r>
-            <a:r>
-              <a:rPr lang="en-US" altLang="zh-CN" dirty="0">
-                <a:solidFill>
-                  <a:srgbClr val="FF0000"/>
-                </a:solidFill>
-                <a:latin typeface="冬青黑体简体中文 W3" panose="020B0300000000000000" pitchFamily="34" charset="-122"/>
-                <a:ea typeface="冬青黑体简体中文 W3" panose="020B0300000000000000" pitchFamily="34" charset="-122"/>
-              </a:rPr>
-              <a:t>https://github.com/mqyqingfeng/Blog</a:t>
+                  <a:schemeClr val="tx1">
+                    <a:lumMod val="75000"/>
+                    <a:lumOff val="25000"/>
+                  </a:schemeClr>
+                </a:solidFill>
+                <a:latin typeface="冬青黑体简体中文 W3" panose="020B0300000000000000" pitchFamily="34" charset="-122"/>
+                <a:ea typeface="冬青黑体简体中文 W3" panose="020B0300000000000000" pitchFamily="34" charset="-122"/>
+              </a:rPr>
+              <a:t>、</a:t>
+            </a:r>
+            <a:r>
+              <a:rPr lang="en-US" altLang="zh-CN" dirty="0" smtClean="0">
+                <a:solidFill>
+                  <a:schemeClr val="tx1">
+                    <a:lumMod val="75000"/>
+                    <a:lumOff val="25000"/>
+                  </a:schemeClr>
+                </a:solidFill>
+                <a:latin typeface="冬青黑体简体中文 W3" panose="020B0300000000000000" pitchFamily="34" charset="-122"/>
+                <a:ea typeface="冬青黑体简体中文 W3" panose="020B0300000000000000" pitchFamily="34" charset="-122"/>
+              </a:rPr>
+              <a:t>apply</a:t>
+            </a:r>
+            <a:r>
+              <a:rPr lang="zh-CN" altLang="en-US" dirty="0" smtClean="0">
+                <a:solidFill>
+                  <a:schemeClr val="tx1">
+                    <a:lumMod val="75000"/>
+                    <a:lumOff val="25000"/>
+                  </a:schemeClr>
+                </a:solidFill>
+                <a:latin typeface="冬青黑体简体中文 W3" panose="020B0300000000000000" pitchFamily="34" charset="-122"/>
+                <a:ea typeface="冬青黑体简体中文 W3" panose="020B0300000000000000" pitchFamily="34" charset="-122"/>
+              </a:rPr>
+              <a:t>、</a:t>
+            </a:r>
+            <a:r>
+              <a:rPr lang="en-US" altLang="zh-CN" dirty="0" smtClean="0">
+                <a:solidFill>
+                  <a:schemeClr val="tx1">
+                    <a:lumMod val="75000"/>
+                    <a:lumOff val="25000"/>
+                  </a:schemeClr>
+                </a:solidFill>
+                <a:latin typeface="冬青黑体简体中文 W3" panose="020B0300000000000000" pitchFamily="34" charset="-122"/>
+                <a:ea typeface="冬青黑体简体中文 W3" panose="020B0300000000000000" pitchFamily="34" charset="-122"/>
+              </a:rPr>
+              <a:t>bind</a:t>
+            </a:r>
+            <a:r>
+              <a:rPr lang="zh-CN" altLang="en-US" dirty="0" smtClean="0">
+                <a:solidFill>
+                  <a:schemeClr val="tx1">
+                    <a:lumMod val="75000"/>
+                    <a:lumOff val="25000"/>
+                  </a:schemeClr>
+                </a:solidFill>
+                <a:latin typeface="冬青黑体简体中文 W3" panose="020B0300000000000000" pitchFamily="34" charset="-122"/>
+                <a:ea typeface="冬青黑体简体中文 W3" panose="020B0300000000000000" pitchFamily="34" charset="-122"/>
+              </a:rPr>
+              <a:t>方法</a:t>
             </a:r>
             <a:endParaRPr lang="zh-CN" altLang="en-US" dirty="0" smtClean="0">
               <a:solidFill>
-                <a:srgbClr val="FF0000"/>
+                <a:schemeClr val="tx1">
+                  <a:lumMod val="75000"/>
+                  <a:lumOff val="25000"/>
+                </a:schemeClr>
               </a:solidFill>
               <a:latin typeface="冬青黑体简体中文 W3" panose="020B0300000000000000" pitchFamily="34" charset="-122"/>
               <a:ea typeface="冬青黑体简体中文 W3" panose="020B0300000000000000" pitchFamily="34" charset="-122"/>
@@ -2334,7 +4560,716 @@
     </p:spTree>
     <p:extLst>
       <p:ext uri="{BB962C8B-B14F-4D97-AF65-F5344CB8AC3E}">
-        <p14:creationId xmlns:p14="http://schemas.microsoft.com/office/powerpoint/2010/main" val="698622791"/>
+        <p14:creationId xmlns:p14="http://schemas.microsoft.com/office/powerpoint/2010/main" val="681020110"/>
+      </p:ext>
+    </p:extLst>
+  </p:cSld>
+  <p:clrMapOvr>
+    <a:masterClrMapping/>
+  </p:clrMapOvr>
+  <mc:AlternateContent xmlns:mc="http://schemas.openxmlformats.org/markup-compatibility/2006" xmlns:p14="http://schemas.microsoft.com/office/powerpoint/2010/main">
+    <mc:Choice Requires="p14">
+      <p:transition spd="slow" p14:dur="2000"/>
+    </mc:Choice>
+    <mc:Fallback xmlns="">
+      <p:transition spd="slow"/>
+    </mc:Fallback>
+  </mc:AlternateContent>
+  <p:timing>
+    <p:tnLst>
+      <p:par>
+        <p:cTn id="1" dur="indefinite" restart="never" nodeType="tmRoot"/>
+      </p:par>
+    </p:tnLst>
+  </p:timing>
+</p:sld>
+</file>
+
+<file path=ppt/slides/slide15.xml><?xml version="1.0" encoding="utf-8"?>
+<p:sld xmlns:a="http://schemas.openxmlformats.org/drawingml/2006/main" xmlns:r="http://schemas.openxmlformats.org/officeDocument/2006/relationships" xmlns:p="http://schemas.openxmlformats.org/presentationml/2006/main">
+  <p:cSld>
+    <p:spTree>
+      <p:nvGrpSpPr>
+        <p:cNvPr id="1" name=""/>
+        <p:cNvGrpSpPr/>
+        <p:nvPr/>
+      </p:nvGrpSpPr>
+      <p:grpSpPr>
+        <a:xfrm>
+          <a:off x="0" y="0"/>
+          <a:ext cx="0" cy="0"/>
+          <a:chOff x="0" y="0"/>
+          <a:chExt cx="0" cy="0"/>
+        </a:xfrm>
+      </p:grpSpPr>
+      <p:sp>
+        <p:nvSpPr>
+          <p:cNvPr id="2" name="标题 1"/>
+          <p:cNvSpPr>
+            <a:spLocks noGrp="1"/>
+          </p:cNvSpPr>
+          <p:nvPr>
+            <p:ph type="title"/>
+          </p:nvPr>
+        </p:nvSpPr>
+        <p:spPr/>
+        <p:txBody>
+          <a:bodyPr/>
+          <a:lstStyle/>
+          <a:p>
+            <a:r>
+              <a:rPr lang="zh-CN" altLang="en-US" dirty="0" smtClean="0"/>
+              <a:t>代码示例</a:t>
+            </a:r>
+            <a:endParaRPr lang="zh-CN" altLang="en-US" dirty="0"/>
+          </a:p>
+        </p:txBody>
+      </p:sp>
+      <p:pic>
+        <p:nvPicPr>
+          <p:cNvPr id="4" name="图片 3"/>
+          <p:cNvPicPr>
+            <a:picLocks noChangeAspect="1"/>
+          </p:cNvPicPr>
+          <p:nvPr/>
+        </p:nvPicPr>
+        <p:blipFill>
+          <a:blip r:embed="rId2"/>
+          <a:stretch>
+            <a:fillRect/>
+          </a:stretch>
+        </p:blipFill>
+        <p:spPr>
+          <a:xfrm>
+            <a:off x="0" y="1114282"/>
+            <a:ext cx="12192000" cy="5743718"/>
+          </a:xfrm>
+          <a:prstGeom prst="rect">
+            <a:avLst/>
+          </a:prstGeom>
+        </p:spPr>
+      </p:pic>
+    </p:spTree>
+    <p:extLst>
+      <p:ext uri="{BB962C8B-B14F-4D97-AF65-F5344CB8AC3E}">
+        <p14:creationId xmlns:p14="http://schemas.microsoft.com/office/powerpoint/2010/main" val="3977913587"/>
+      </p:ext>
+    </p:extLst>
+  </p:cSld>
+  <p:clrMapOvr>
+    <a:masterClrMapping/>
+  </p:clrMapOvr>
+  <mc:AlternateContent xmlns:mc="http://schemas.openxmlformats.org/markup-compatibility/2006" xmlns:p14="http://schemas.microsoft.com/office/powerpoint/2010/main">
+    <mc:Choice Requires="p14">
+      <p:transition spd="slow" p14:dur="2000"/>
+    </mc:Choice>
+    <mc:Fallback xmlns="">
+      <p:transition spd="slow"/>
+    </mc:Fallback>
+  </mc:AlternateContent>
+  <p:timing>
+    <p:tnLst>
+      <p:par>
+        <p:cTn id="1" dur="indefinite" restart="never" nodeType="tmRoot"/>
+      </p:par>
+    </p:tnLst>
+  </p:timing>
+</p:sld>
+</file>
+
+<file path=ppt/slides/slide16.xml><?xml version="1.0" encoding="utf-8"?>
+<p:sld xmlns:a="http://schemas.openxmlformats.org/drawingml/2006/main" xmlns:r="http://schemas.openxmlformats.org/officeDocument/2006/relationships" xmlns:p="http://schemas.openxmlformats.org/presentationml/2006/main">
+  <p:cSld>
+    <p:spTree>
+      <p:nvGrpSpPr>
+        <p:cNvPr id="1" name=""/>
+        <p:cNvGrpSpPr/>
+        <p:nvPr/>
+      </p:nvGrpSpPr>
+      <p:grpSpPr>
+        <a:xfrm>
+          <a:off x="0" y="0"/>
+          <a:ext cx="0" cy="0"/>
+          <a:chOff x="0" y="0"/>
+          <a:chExt cx="0" cy="0"/>
+        </a:xfrm>
+      </p:grpSpPr>
+      <p:sp>
+        <p:nvSpPr>
+          <p:cNvPr id="2" name="标题 1"/>
+          <p:cNvSpPr>
+            <a:spLocks noGrp="1"/>
+          </p:cNvSpPr>
+          <p:nvPr>
+            <p:ph type="title"/>
+          </p:nvPr>
+        </p:nvSpPr>
+        <p:spPr>
+          <a:xfrm>
+            <a:off x="0" y="241092"/>
+            <a:ext cx="12192000" cy="1122096"/>
+          </a:xfrm>
+        </p:spPr>
+        <p:txBody>
+          <a:bodyPr/>
+          <a:lstStyle/>
+          <a:p>
+            <a:r>
+              <a:rPr lang="zh-CN" altLang="en-US" dirty="0" smtClean="0"/>
+              <a:t>思考题</a:t>
+            </a:r>
+            <a:endParaRPr lang="zh-CN" altLang="en-US" dirty="0"/>
+          </a:p>
+        </p:txBody>
+      </p:sp>
+      <p:pic>
+        <p:nvPicPr>
+          <p:cNvPr id="5" name="图片 4"/>
+          <p:cNvPicPr>
+            <a:picLocks noChangeAspect="1"/>
+          </p:cNvPicPr>
+          <p:nvPr/>
+        </p:nvPicPr>
+        <p:blipFill>
+          <a:blip r:embed="rId3"/>
+          <a:stretch>
+            <a:fillRect/>
+          </a:stretch>
+        </p:blipFill>
+        <p:spPr>
+          <a:xfrm>
+            <a:off x="3011488" y="1988840"/>
+            <a:ext cx="6172200" cy="4429125"/>
+          </a:xfrm>
+          <a:prstGeom prst="rect">
+            <a:avLst/>
+          </a:prstGeom>
+        </p:spPr>
+      </p:pic>
+      <p:sp>
+        <p:nvSpPr>
+          <p:cNvPr id="4" name="文本框 3"/>
+          <p:cNvSpPr txBox="1"/>
+          <p:nvPr/>
+        </p:nvSpPr>
+        <p:spPr>
+          <a:xfrm>
+            <a:off x="3635251" y="1230289"/>
+            <a:ext cx="4909021" cy="400110"/>
+          </a:xfrm>
+          <a:prstGeom prst="rect">
+            <a:avLst/>
+          </a:prstGeom>
+          <a:noFill/>
+        </p:spPr>
+        <p:txBody>
+          <a:bodyPr wrap="square" rtlCol="0">
+            <a:spAutoFit/>
+          </a:bodyPr>
+          <a:lstStyle/>
+          <a:p>
+            <a:r>
+              <a:rPr lang="zh-CN" altLang="en-US" sz="2000" dirty="0" smtClean="0">
+                <a:solidFill>
+                  <a:schemeClr val="tx1">
+                    <a:lumMod val="75000"/>
+                    <a:lumOff val="25000"/>
+                  </a:schemeClr>
+                </a:solidFill>
+                <a:latin typeface="冬青黑体简体中文 W3" panose="020B0300000000000000" pitchFamily="34" charset="-122"/>
+                <a:ea typeface="冬青黑体简体中文 W3" panose="020B0300000000000000" pitchFamily="34" charset="-122"/>
+              </a:rPr>
+              <a:t>箭头函数能否使用这三个函数改变</a:t>
+            </a:r>
+            <a:r>
+              <a:rPr lang="en-US" altLang="zh-CN" sz="2000" dirty="0" smtClean="0">
+                <a:solidFill>
+                  <a:schemeClr val="tx1">
+                    <a:lumMod val="75000"/>
+                    <a:lumOff val="25000"/>
+                  </a:schemeClr>
+                </a:solidFill>
+                <a:latin typeface="冬青黑体简体中文 W3" panose="020B0300000000000000" pitchFamily="34" charset="-122"/>
+                <a:ea typeface="冬青黑体简体中文 W3" panose="020B0300000000000000" pitchFamily="34" charset="-122"/>
+              </a:rPr>
+              <a:t>this</a:t>
+            </a:r>
+            <a:r>
+              <a:rPr lang="zh-CN" altLang="en-US" sz="2000" dirty="0" smtClean="0">
+                <a:solidFill>
+                  <a:schemeClr val="tx1">
+                    <a:lumMod val="75000"/>
+                    <a:lumOff val="25000"/>
+                  </a:schemeClr>
+                </a:solidFill>
+                <a:latin typeface="冬青黑体简体中文 W3" panose="020B0300000000000000" pitchFamily="34" charset="-122"/>
+                <a:ea typeface="冬青黑体简体中文 W3" panose="020B0300000000000000" pitchFamily="34" charset="-122"/>
+              </a:rPr>
+              <a:t>？</a:t>
+            </a:r>
+            <a:endParaRPr lang="zh-CN" altLang="en-US" sz="2000" dirty="0" smtClean="0">
+              <a:solidFill>
+                <a:schemeClr val="tx1">
+                  <a:lumMod val="75000"/>
+                  <a:lumOff val="25000"/>
+                </a:schemeClr>
+              </a:solidFill>
+              <a:latin typeface="冬青黑体简体中文 W3" panose="020B0300000000000000" pitchFamily="34" charset="-122"/>
+              <a:ea typeface="冬青黑体简体中文 W3" panose="020B0300000000000000" pitchFamily="34" charset="-122"/>
+            </a:endParaRPr>
+          </a:p>
+        </p:txBody>
+      </p:sp>
+    </p:spTree>
+    <p:extLst>
+      <p:ext uri="{BB962C8B-B14F-4D97-AF65-F5344CB8AC3E}">
+        <p14:creationId xmlns:p14="http://schemas.microsoft.com/office/powerpoint/2010/main" val="2304123391"/>
+      </p:ext>
+    </p:extLst>
+  </p:cSld>
+  <p:clrMapOvr>
+    <a:masterClrMapping/>
+  </p:clrMapOvr>
+  <mc:AlternateContent xmlns:mc="http://schemas.openxmlformats.org/markup-compatibility/2006" xmlns:p14="http://schemas.microsoft.com/office/powerpoint/2010/main">
+    <mc:Choice Requires="p14">
+      <p:transition spd="slow" p14:dur="2000"/>
+    </mc:Choice>
+    <mc:Fallback xmlns="">
+      <p:transition spd="slow"/>
+    </mc:Fallback>
+  </mc:AlternateContent>
+  <p:timing>
+    <p:tnLst>
+      <p:par>
+        <p:cTn id="1" dur="indefinite" restart="never" nodeType="tmRoot"/>
+      </p:par>
+    </p:tnLst>
+  </p:timing>
+</p:sld>
+</file>
+
+<file path=ppt/slides/slide17.xml><?xml version="1.0" encoding="utf-8"?>
+<p:sld xmlns:a="http://schemas.openxmlformats.org/drawingml/2006/main" xmlns:r="http://schemas.openxmlformats.org/officeDocument/2006/relationships" xmlns:p="http://schemas.openxmlformats.org/presentationml/2006/main">
+  <p:cSld>
+    <p:spTree>
+      <p:nvGrpSpPr>
+        <p:cNvPr id="1" name=""/>
+        <p:cNvGrpSpPr/>
+        <p:nvPr/>
+      </p:nvGrpSpPr>
+      <p:grpSpPr>
+        <a:xfrm>
+          <a:off x="0" y="0"/>
+          <a:ext cx="0" cy="0"/>
+          <a:chOff x="0" y="0"/>
+          <a:chExt cx="0" cy="0"/>
+        </a:xfrm>
+      </p:grpSpPr>
+      <p:sp>
+        <p:nvSpPr>
+          <p:cNvPr id="2" name="标题 1"/>
+          <p:cNvSpPr>
+            <a:spLocks noGrp="1"/>
+          </p:cNvSpPr>
+          <p:nvPr>
+            <p:ph type="title"/>
+          </p:nvPr>
+        </p:nvSpPr>
+        <p:spPr>
+          <a:xfrm>
+            <a:off x="16296" y="-207404"/>
+            <a:ext cx="12192000" cy="1122096"/>
+          </a:xfrm>
+        </p:spPr>
+        <p:txBody>
+          <a:bodyPr/>
+          <a:lstStyle/>
+          <a:p>
+            <a:r>
+              <a:rPr lang="zh-CN" altLang="en-US" dirty="0"/>
+              <a:t>答案</a:t>
+            </a:r>
+          </a:p>
+        </p:txBody>
+      </p:sp>
+      <p:pic>
+        <p:nvPicPr>
+          <p:cNvPr id="4" name="图片 3"/>
+          <p:cNvPicPr>
+            <a:picLocks noChangeAspect="1"/>
+          </p:cNvPicPr>
+          <p:nvPr/>
+        </p:nvPicPr>
+        <p:blipFill>
+          <a:blip r:embed="rId2"/>
+          <a:stretch>
+            <a:fillRect/>
+          </a:stretch>
+        </p:blipFill>
+        <p:spPr>
+          <a:xfrm>
+            <a:off x="-2584" y="828675"/>
+            <a:ext cx="12192000" cy="6029325"/>
+          </a:xfrm>
+          <a:prstGeom prst="rect">
+            <a:avLst/>
+          </a:prstGeom>
+        </p:spPr>
+      </p:pic>
+    </p:spTree>
+    <p:extLst>
+      <p:ext uri="{BB962C8B-B14F-4D97-AF65-F5344CB8AC3E}">
+        <p14:creationId xmlns:p14="http://schemas.microsoft.com/office/powerpoint/2010/main" val="1135395800"/>
+      </p:ext>
+    </p:extLst>
+  </p:cSld>
+  <p:clrMapOvr>
+    <a:masterClrMapping/>
+  </p:clrMapOvr>
+  <mc:AlternateContent xmlns:mc="http://schemas.openxmlformats.org/markup-compatibility/2006" xmlns:p14="http://schemas.microsoft.com/office/powerpoint/2010/main">
+    <mc:Choice Requires="p14">
+      <p:transition spd="slow" p14:dur="2000"/>
+    </mc:Choice>
+    <mc:Fallback xmlns="">
+      <p:transition spd="slow"/>
+    </mc:Fallback>
+  </mc:AlternateContent>
+  <p:timing>
+    <p:tnLst>
+      <p:par>
+        <p:cTn id="1" dur="indefinite" restart="never" nodeType="tmRoot"/>
+      </p:par>
+    </p:tnLst>
+  </p:timing>
+</p:sld>
+</file>
+
+<file path=ppt/slides/slide18.xml><?xml version="1.0" encoding="utf-8"?>
+<p:sld xmlns:a="http://schemas.openxmlformats.org/drawingml/2006/main" xmlns:r="http://schemas.openxmlformats.org/officeDocument/2006/relationships" xmlns:p="http://schemas.openxmlformats.org/presentationml/2006/main">
+  <p:cSld>
+    <p:spTree>
+      <p:nvGrpSpPr>
+        <p:cNvPr id="1" name=""/>
+        <p:cNvGrpSpPr/>
+        <p:nvPr/>
+      </p:nvGrpSpPr>
+      <p:grpSpPr>
+        <a:xfrm>
+          <a:off x="0" y="0"/>
+          <a:ext cx="0" cy="0"/>
+          <a:chOff x="0" y="0"/>
+          <a:chExt cx="0" cy="0"/>
+        </a:xfrm>
+      </p:grpSpPr>
+      <p:sp>
+        <p:nvSpPr>
+          <p:cNvPr id="3" name="文本占位符 2"/>
+          <p:cNvSpPr>
+            <a:spLocks noGrp="1"/>
+          </p:cNvSpPr>
+          <p:nvPr>
+            <p:ph type="body" sz="quarter" idx="10"/>
+          </p:nvPr>
+        </p:nvSpPr>
+        <p:spPr>
+          <a:xfrm>
+            <a:off x="3577649" y="4286870"/>
+            <a:ext cx="5039877" cy="752098"/>
+          </a:xfrm>
+        </p:spPr>
+        <p:txBody>
+          <a:bodyPr>
+            <a:noAutofit/>
+          </a:bodyPr>
+          <a:lstStyle/>
+          <a:p>
+            <a:pPr algn="ctr"/>
+            <a:r>
+              <a:rPr lang="zh-CN" altLang="en-US" sz="3600" dirty="0">
+                <a:solidFill>
+                  <a:srgbClr val="FF0000"/>
+                </a:solidFill>
+              </a:rPr>
+              <a:t>方才所</a:t>
+            </a:r>
+            <a:r>
+              <a:rPr lang="zh-CN" altLang="en-US" sz="3600" dirty="0" smtClean="0">
+                <a:solidFill>
+                  <a:srgbClr val="FF0000"/>
+                </a:solidFill>
+              </a:rPr>
+              <a:t>讲并不严谨</a:t>
+            </a:r>
+            <a:endParaRPr lang="zh-CN" altLang="en-US" sz="3600" dirty="0">
+              <a:solidFill>
+                <a:srgbClr val="FF0000"/>
+              </a:solidFill>
+            </a:endParaRPr>
+          </a:p>
+        </p:txBody>
+      </p:sp>
+      <p:pic>
+        <p:nvPicPr>
+          <p:cNvPr id="6" name="图片 5"/>
+          <p:cNvPicPr>
+            <a:picLocks noChangeAspect="1"/>
+          </p:cNvPicPr>
+          <p:nvPr/>
+        </p:nvPicPr>
+        <p:blipFill>
+          <a:blip r:embed="rId3">
+            <a:extLst>
+              <a:ext uri="{28A0092B-C50C-407E-A947-70E740481C1C}">
+                <a14:useLocalDpi xmlns:a14="http://schemas.microsoft.com/office/drawing/2010/main" val="0"/>
+              </a:ext>
+            </a:extLst>
+          </a:blip>
+          <a:stretch>
+            <a:fillRect/>
+          </a:stretch>
+        </p:blipFill>
+        <p:spPr>
+          <a:xfrm>
+            <a:off x="4799856" y="1106488"/>
+            <a:ext cx="2286000" cy="2286000"/>
+          </a:xfrm>
+          <a:prstGeom prst="rect">
+            <a:avLst/>
+          </a:prstGeom>
+        </p:spPr>
+      </p:pic>
+    </p:spTree>
+    <p:extLst>
+      <p:ext uri="{BB962C8B-B14F-4D97-AF65-F5344CB8AC3E}">
+        <p14:creationId xmlns:p14="http://schemas.microsoft.com/office/powerpoint/2010/main" val="1936561420"/>
+      </p:ext>
+    </p:extLst>
+  </p:cSld>
+  <p:clrMapOvr>
+    <a:masterClrMapping/>
+  </p:clrMapOvr>
+  <mc:AlternateContent xmlns:mc="http://schemas.openxmlformats.org/markup-compatibility/2006" xmlns:p14="http://schemas.microsoft.com/office/powerpoint/2010/main">
+    <mc:Choice Requires="p14">
+      <p:transition spd="slow" p14:dur="2000"/>
+    </mc:Choice>
+    <mc:Fallback xmlns="">
+      <p:transition spd="slow"/>
+    </mc:Fallback>
+  </mc:AlternateContent>
+  <p:timing>
+    <p:tnLst>
+      <p:par>
+        <p:cTn id="1" dur="indefinite" restart="never" nodeType="tmRoot">
+          <p:childTnLst>
+            <p:seq concurrent="1" nextAc="seek">
+              <p:cTn id="2" dur="indefinite" nodeType="mainSeq">
+                <p:childTnLst>
+                  <p:par>
+                    <p:cTn id="3" fill="hold">
+                      <p:stCondLst>
+                        <p:cond delay="indefinite"/>
+                        <p:cond evt="onBegin" delay="0">
+                          <p:tn val="2"/>
+                        </p:cond>
+                      </p:stCondLst>
+                      <p:childTnLst>
+                        <p:par>
+                          <p:cTn id="4" fill="hold">
+                            <p:stCondLst>
+                              <p:cond delay="0"/>
+                            </p:stCondLst>
+                            <p:childTnLst>
+                              <p:par>
+                                <p:cTn id="5" presetID="53" presetClass="entr" presetSubtype="16" fill="hold" nodeType="withEffect">
+                                  <p:stCondLst>
+                                    <p:cond delay="500"/>
+                                  </p:stCondLst>
+                                  <p:childTnLst>
+                                    <p:set>
+                                      <p:cBhvr>
+                                        <p:cTn id="6" dur="1" fill="hold">
+                                          <p:stCondLst>
+                                            <p:cond delay="0"/>
+                                          </p:stCondLst>
+                                        </p:cTn>
+                                        <p:tgtEl>
+                                          <p:spTgt spid="3">
+                                            <p:txEl>
+                                              <p:pRg st="0" end="0"/>
+                                            </p:txEl>
+                                          </p:spTgt>
+                                        </p:tgtEl>
+                                        <p:attrNameLst>
+                                          <p:attrName>style.visibility</p:attrName>
+                                        </p:attrNameLst>
+                                      </p:cBhvr>
+                                      <p:to>
+                                        <p:strVal val="visible"/>
+                                      </p:to>
+                                    </p:set>
+                                    <p:anim calcmode="lin" valueType="num">
+                                      <p:cBhvr>
+                                        <p:cTn id="7" dur="750" fill="hold"/>
+                                        <p:tgtEl>
+                                          <p:spTgt spid="3">
+                                            <p:txEl>
+                                              <p:pRg st="0" end="0"/>
+                                            </p:txEl>
+                                          </p:spTgt>
+                                        </p:tgtEl>
+                                        <p:attrNameLst>
+                                          <p:attrName>ppt_w</p:attrName>
+                                        </p:attrNameLst>
+                                      </p:cBhvr>
+                                      <p:tavLst>
+                                        <p:tav tm="0">
+                                          <p:val>
+                                            <p:fltVal val="0"/>
+                                          </p:val>
+                                        </p:tav>
+                                        <p:tav tm="100000">
+                                          <p:val>
+                                            <p:strVal val="#ppt_w"/>
+                                          </p:val>
+                                        </p:tav>
+                                      </p:tavLst>
+                                    </p:anim>
+                                    <p:anim calcmode="lin" valueType="num">
+                                      <p:cBhvr>
+                                        <p:cTn id="8" dur="750" fill="hold"/>
+                                        <p:tgtEl>
+                                          <p:spTgt spid="3">
+                                            <p:txEl>
+                                              <p:pRg st="0" end="0"/>
+                                            </p:txEl>
+                                          </p:spTgt>
+                                        </p:tgtEl>
+                                        <p:attrNameLst>
+                                          <p:attrName>ppt_h</p:attrName>
+                                        </p:attrNameLst>
+                                      </p:cBhvr>
+                                      <p:tavLst>
+                                        <p:tav tm="0">
+                                          <p:val>
+                                            <p:fltVal val="0"/>
+                                          </p:val>
+                                        </p:tav>
+                                        <p:tav tm="100000">
+                                          <p:val>
+                                            <p:strVal val="#ppt_h"/>
+                                          </p:val>
+                                        </p:tav>
+                                      </p:tavLst>
+                                    </p:anim>
+                                    <p:animEffect transition="in" filter="fade">
+                                      <p:cBhvr>
+                                        <p:cTn id="9" dur="750"/>
+                                        <p:tgtEl>
+                                          <p:spTgt spid="3">
+                                            <p:txEl>
+                                              <p:pRg st="0" end="0"/>
+                                            </p:txEl>
+                                          </p:spTgt>
+                                        </p:tgtEl>
+                                      </p:cBhvr>
+                                    </p:animEffect>
+                                  </p:childTnLst>
+                                </p:cTn>
+                              </p:par>
+                            </p:childTnLst>
+                          </p:cTn>
+                        </p:par>
+                      </p:childTnLst>
+                    </p:cTn>
+                  </p:par>
+                </p:childTnLst>
+              </p:cTn>
+              <p:prevCondLst>
+                <p:cond evt="onPrev" delay="0">
+                  <p:tgtEl>
+                    <p:sldTgt/>
+                  </p:tgtEl>
+                </p:cond>
+              </p:prevCondLst>
+              <p:nextCondLst>
+                <p:cond evt="onNext" delay="0">
+                  <p:tgtEl>
+                    <p:sldTgt/>
+                  </p:tgtEl>
+                </p:cond>
+              </p:nextCondLst>
+            </p:seq>
+          </p:childTnLst>
+        </p:cTn>
+      </p:par>
+    </p:tnLst>
+  </p:timing>
+</p:sld>
+</file>
+
+<file path=ppt/slides/slide19.xml><?xml version="1.0" encoding="utf-8"?>
+<p:sld xmlns:a="http://schemas.openxmlformats.org/drawingml/2006/main" xmlns:r="http://schemas.openxmlformats.org/officeDocument/2006/relationships" xmlns:p="http://schemas.openxmlformats.org/presentationml/2006/main">
+  <p:cSld>
+    <p:spTree>
+      <p:nvGrpSpPr>
+        <p:cNvPr id="1" name=""/>
+        <p:cNvGrpSpPr/>
+        <p:nvPr/>
+      </p:nvGrpSpPr>
+      <p:grpSpPr>
+        <a:xfrm>
+          <a:off x="0" y="0"/>
+          <a:ext cx="0" cy="0"/>
+          <a:chOff x="0" y="0"/>
+          <a:chExt cx="0" cy="0"/>
+        </a:xfrm>
+      </p:grpSpPr>
+      <p:sp>
+        <p:nvSpPr>
+          <p:cNvPr id="2" name="标题 1"/>
+          <p:cNvSpPr>
+            <a:spLocks noGrp="1"/>
+          </p:cNvSpPr>
+          <p:nvPr>
+            <p:ph type="title"/>
+          </p:nvPr>
+        </p:nvSpPr>
+        <p:spPr/>
+        <p:txBody>
+          <a:bodyPr/>
+          <a:lstStyle/>
+          <a:p>
+            <a:r>
+              <a:rPr lang="zh-CN" altLang="en-US" dirty="0" smtClean="0"/>
+              <a:t>原型链</a:t>
+            </a:r>
+            <a:endParaRPr lang="zh-CN" altLang="en-US" dirty="0"/>
+          </a:p>
+        </p:txBody>
+      </p:sp>
+      <p:sp>
+        <p:nvSpPr>
+          <p:cNvPr id="3" name="文本占位符 2"/>
+          <p:cNvSpPr>
+            <a:spLocks noGrp="1"/>
+          </p:cNvSpPr>
+          <p:nvPr>
+            <p:ph type="body" sz="quarter" idx="10"/>
+          </p:nvPr>
+        </p:nvSpPr>
+        <p:spPr/>
+        <p:txBody>
+          <a:bodyPr/>
+          <a:lstStyle/>
+          <a:p>
+            <a:endParaRPr lang="zh-CN" altLang="en-US" dirty="0"/>
+          </a:p>
+        </p:txBody>
+      </p:sp>
+    </p:spTree>
+    <p:extLst>
+      <p:ext uri="{BB962C8B-B14F-4D97-AF65-F5344CB8AC3E}">
+        <p14:creationId xmlns:p14="http://schemas.microsoft.com/office/powerpoint/2010/main" val="1636493406"/>
       </p:ext>
     </p:extLst>
   </p:cSld>
@@ -2885,6 +5820,215 @@
 </p:sld>
 </file>
 
+<file path=ppt/slides/slide20.xml><?xml version="1.0" encoding="utf-8"?>
+<p:sld xmlns:a="http://schemas.openxmlformats.org/drawingml/2006/main" xmlns:r="http://schemas.openxmlformats.org/officeDocument/2006/relationships" xmlns:p="http://schemas.openxmlformats.org/presentationml/2006/main">
+  <p:cSld>
+    <p:spTree>
+      <p:nvGrpSpPr>
+        <p:cNvPr id="1" name=""/>
+        <p:cNvGrpSpPr/>
+        <p:nvPr/>
+      </p:nvGrpSpPr>
+      <p:grpSpPr>
+        <a:xfrm>
+          <a:off x="0" y="0"/>
+          <a:ext cx="0" cy="0"/>
+          <a:chOff x="0" y="0"/>
+          <a:chExt cx="0" cy="0"/>
+        </a:xfrm>
+      </p:grpSpPr>
+      <p:sp>
+        <p:nvSpPr>
+          <p:cNvPr id="2" name="标题 1"/>
+          <p:cNvSpPr>
+            <a:spLocks noGrp="1"/>
+          </p:cNvSpPr>
+          <p:nvPr>
+            <p:ph type="title"/>
+          </p:nvPr>
+        </p:nvSpPr>
+        <p:spPr>
+          <a:xfrm>
+            <a:off x="611267" y="413792"/>
+            <a:ext cx="10972641" cy="1143000"/>
+          </a:xfrm>
+        </p:spPr>
+        <p:txBody>
+          <a:bodyPr/>
+          <a:lstStyle/>
+          <a:p>
+            <a:r>
+              <a:rPr lang="zh-CN" altLang="en-US" dirty="0" smtClean="0">
+                <a:latin typeface="冬青黑体简体中文 W3" panose="020B0300000000000000" pitchFamily="34" charset="-122"/>
+                <a:ea typeface="冬青黑体简体中文 W3" panose="020B0300000000000000" pitchFamily="34" charset="-122"/>
+              </a:rPr>
+              <a:t>自我探索</a:t>
+            </a:r>
+            <a:endParaRPr lang="zh-CN" altLang="en-US" dirty="0">
+              <a:latin typeface="冬青黑体简体中文 W3" panose="020B0300000000000000" pitchFamily="34" charset="-122"/>
+              <a:ea typeface="冬青黑体简体中文 W3" panose="020B0300000000000000" pitchFamily="34" charset="-122"/>
+            </a:endParaRPr>
+          </a:p>
+        </p:txBody>
+      </p:sp>
+      <p:sp>
+        <p:nvSpPr>
+          <p:cNvPr id="3" name="文本框 2"/>
+          <p:cNvSpPr txBox="1"/>
+          <p:nvPr/>
+        </p:nvSpPr>
+        <p:spPr>
+          <a:xfrm>
+            <a:off x="1235460" y="1556792"/>
+            <a:ext cx="10348448" cy="369332"/>
+          </a:xfrm>
+          <a:prstGeom prst="rect">
+            <a:avLst/>
+          </a:prstGeom>
+          <a:noFill/>
+        </p:spPr>
+        <p:txBody>
+          <a:bodyPr wrap="square" rtlCol="0">
+            <a:spAutoFit/>
+          </a:bodyPr>
+          <a:lstStyle/>
+          <a:p>
+            <a:pPr marL="342900" indent="-342900">
+              <a:buFont typeface="+mj-lt"/>
+              <a:buAutoNum type="arabicPeriod"/>
+            </a:pPr>
+            <a:r>
+              <a:rPr lang="zh-CN" altLang="en-US" dirty="0" smtClean="0">
+                <a:solidFill>
+                  <a:schemeClr val="tx1">
+                    <a:lumMod val="85000"/>
+                    <a:lumOff val="15000"/>
+                  </a:schemeClr>
+                </a:solidFill>
+                <a:latin typeface="冬青黑体简体中文 W3" panose="020B0300000000000000" pitchFamily="34" charset="-122"/>
+                <a:ea typeface="冬青黑体简体中文 W3" panose="020B0300000000000000" pitchFamily="34" charset="-122"/>
+              </a:rPr>
+              <a:t>严格模式：</a:t>
+            </a:r>
+            <a:r>
+              <a:rPr lang="en-US" altLang="zh-CN" dirty="0">
+                <a:solidFill>
+                  <a:schemeClr val="tx1">
+                    <a:lumMod val="85000"/>
+                    <a:lumOff val="15000"/>
+                  </a:schemeClr>
+                </a:solidFill>
+                <a:latin typeface="冬青黑体简体中文 W3" panose="020B0300000000000000" pitchFamily="34" charset="-122"/>
+                <a:ea typeface="冬青黑体简体中文 W3" panose="020B0300000000000000" pitchFamily="34" charset="-122"/>
+              </a:rPr>
+              <a:t>http://</a:t>
+            </a:r>
+            <a:r>
+              <a:rPr lang="en-US" altLang="zh-CN" dirty="0" smtClean="0">
+                <a:solidFill>
+                  <a:schemeClr val="tx1">
+                    <a:lumMod val="85000"/>
+                    <a:lumOff val="15000"/>
+                  </a:schemeClr>
+                </a:solidFill>
+                <a:latin typeface="冬青黑体简体中文 W3" panose="020B0300000000000000" pitchFamily="34" charset="-122"/>
+                <a:ea typeface="冬青黑体简体中文 W3" panose="020B0300000000000000" pitchFamily="34" charset="-122"/>
+              </a:rPr>
+              <a:t>www.ruanyifeng.com/blog/2013/01/javascript_strict_mode.html</a:t>
+            </a:r>
+            <a:endParaRPr lang="zh-CN" altLang="en-US" dirty="0" smtClean="0">
+              <a:solidFill>
+                <a:schemeClr val="tx1">
+                  <a:lumMod val="85000"/>
+                  <a:lumOff val="15000"/>
+                </a:schemeClr>
+              </a:solidFill>
+              <a:latin typeface="冬青黑体简体中文 W3" panose="020B0300000000000000" pitchFamily="34" charset="-122"/>
+              <a:ea typeface="冬青黑体简体中文 W3" panose="020B0300000000000000" pitchFamily="34" charset="-122"/>
+            </a:endParaRPr>
+          </a:p>
+        </p:txBody>
+      </p:sp>
+      <p:sp>
+        <p:nvSpPr>
+          <p:cNvPr id="4" name="文本框 3"/>
+          <p:cNvSpPr txBox="1"/>
+          <p:nvPr/>
+        </p:nvSpPr>
+        <p:spPr>
+          <a:xfrm>
+            <a:off x="3145259" y="6021288"/>
+            <a:ext cx="5904656" cy="369332"/>
+          </a:xfrm>
+          <a:prstGeom prst="rect">
+            <a:avLst/>
+          </a:prstGeom>
+          <a:noFill/>
+        </p:spPr>
+        <p:txBody>
+          <a:bodyPr wrap="square" rtlCol="0">
+            <a:spAutoFit/>
+          </a:bodyPr>
+          <a:lstStyle/>
+          <a:p>
+            <a:r>
+              <a:rPr lang="zh-CN" altLang="en-US" dirty="0" smtClean="0">
+                <a:solidFill>
+                  <a:srgbClr val="FF0000"/>
+                </a:solidFill>
+                <a:latin typeface="冬青黑体简体中文 W3" panose="020B0300000000000000" pitchFamily="34" charset="-122"/>
+                <a:ea typeface="冬青黑体简体中文 W3" panose="020B0300000000000000" pitchFamily="34" charset="-122"/>
+              </a:rPr>
+              <a:t>墙裂推荐：</a:t>
+            </a:r>
+            <a:r>
+              <a:rPr lang="en-US" altLang="zh-CN" dirty="0">
+                <a:solidFill>
+                  <a:srgbClr val="FF0000"/>
+                </a:solidFill>
+                <a:latin typeface="冬青黑体简体中文 W3" panose="020B0300000000000000" pitchFamily="34" charset="-122"/>
+                <a:ea typeface="冬青黑体简体中文 W3" panose="020B0300000000000000" pitchFamily="34" charset="-122"/>
+              </a:rPr>
+              <a:t>https://github.com/mqyqingfeng/Blog</a:t>
+            </a:r>
+            <a:endParaRPr lang="zh-CN" altLang="en-US" dirty="0" smtClean="0">
+              <a:solidFill>
+                <a:srgbClr val="FF0000"/>
+              </a:solidFill>
+              <a:latin typeface="冬青黑体简体中文 W3" panose="020B0300000000000000" pitchFamily="34" charset="-122"/>
+              <a:ea typeface="冬青黑体简体中文 W3" panose="020B0300000000000000" pitchFamily="34" charset="-122"/>
+            </a:endParaRPr>
+          </a:p>
+        </p:txBody>
+      </p:sp>
+    </p:spTree>
+    <p:extLst>
+      <p:ext uri="{BB962C8B-B14F-4D97-AF65-F5344CB8AC3E}">
+        <p14:creationId xmlns:p14="http://schemas.microsoft.com/office/powerpoint/2010/main" val="698622791"/>
+      </p:ext>
+    </p:extLst>
+  </p:cSld>
+  <p:clrMapOvr>
+    <a:masterClrMapping/>
+  </p:clrMapOvr>
+  <mc:AlternateContent xmlns:mc="http://schemas.openxmlformats.org/markup-compatibility/2006" xmlns:p14="http://schemas.microsoft.com/office/powerpoint/2010/main">
+    <mc:Choice Requires="p14">
+      <p:transition spd="slow" p14:dur="2000"/>
+    </mc:Choice>
+    <mc:Fallback xmlns="">
+      <p:transition spd="slow"/>
+    </mc:Fallback>
+  </mc:AlternateContent>
+  <p:timing>
+    <p:tnLst>
+      <p:par>
+        <p:cTn id="1" dur="indefinite" restart="never" nodeType="tmRoot"/>
+      </p:par>
+    </p:tnLst>
+  </p:timing>
+</p:sld>
+</file>
+
 <file path=ppt/slides/slide3.xml><?xml version="1.0" encoding="utf-8"?>
 <p:sld xmlns:a="http://schemas.openxmlformats.org/drawingml/2006/main" xmlns:r="http://schemas.openxmlformats.org/officeDocument/2006/relationships" xmlns:p="http://schemas.openxmlformats.org/presentationml/2006/main">
   <p:cSld>
@@ -2919,17 +6063,19 @@
           </a:xfrm>
         </p:spPr>
         <p:txBody>
-          <a:bodyPr/>
+          <a:bodyPr>
+            <a:normAutofit/>
+          </a:bodyPr>
           <a:lstStyle/>
           <a:p>
             <a:r>
-              <a:rPr lang="zh-CN" altLang="en-US" dirty="0" smtClean="0">
+              <a:rPr lang="zh-CN" altLang="en-US" sz="3600" dirty="0" smtClean="0">
                 <a:latin typeface="冬青黑体简体中文 W3" panose="020B0300000000000000" pitchFamily="34" charset="-122"/>
                 <a:ea typeface="冬青黑体简体中文 W3" panose="020B0300000000000000" pitchFamily="34" charset="-122"/>
               </a:rPr>
               <a:t>根据执行上下文分类</a:t>
             </a:r>
-            <a:endParaRPr lang="zh-CN" altLang="en-US" dirty="0">
+            <a:endParaRPr lang="zh-CN" altLang="en-US" sz="3600" dirty="0">
               <a:latin typeface="冬青黑体简体中文 W3" panose="020B0300000000000000" pitchFamily="34" charset="-122"/>
               <a:ea typeface="冬青黑体简体中文 W3" panose="020B0300000000000000" pitchFamily="34" charset="-122"/>
             </a:endParaRPr>
@@ -2945,7 +6091,7 @@
         <p:spPr>
           <a:xfrm>
             <a:off x="5123892" y="3248980"/>
-            <a:ext cx="2124236" cy="923330"/>
+            <a:ext cx="2124236" cy="1112164"/>
           </a:xfrm>
           <a:prstGeom prst="rect">
             <a:avLst/>
@@ -2960,7 +6106,7 @@
           <a:p>
             <a:pPr marL="342900" indent="-342900">
               <a:lnSpc>
-                <a:spcPct val="150000"/>
+                <a:spcPct val="200000"/>
               </a:lnSpc>
               <a:buFont typeface="+mj-lt"/>
               <a:buAutoNum type="arabicPeriod"/>
@@ -3005,7 +6151,7 @@
           <a:p>
             <a:pPr marL="342900" indent="-342900">
               <a:lnSpc>
-                <a:spcPct val="150000"/>
+                <a:spcPct val="200000"/>
               </a:lnSpc>
               <a:buFont typeface="+mj-lt"/>
               <a:buAutoNum type="arabicPeriod"/>
@@ -3229,17 +6375,19 @@
           </a:xfrm>
         </p:spPr>
         <p:txBody>
-          <a:bodyPr/>
+          <a:bodyPr>
+            <a:normAutofit/>
+          </a:bodyPr>
           <a:lstStyle/>
           <a:p>
             <a:r>
-              <a:rPr lang="zh-CN" altLang="en-US" dirty="0" smtClean="0">
+              <a:rPr lang="zh-CN" altLang="en-US" sz="3600" dirty="0" smtClean="0">
                 <a:latin typeface="冬青黑体简体中文 W3" panose="020B0300000000000000" pitchFamily="34" charset="-122"/>
                 <a:ea typeface="冬青黑体简体中文 W3" panose="020B0300000000000000" pitchFamily="34" charset="-122"/>
               </a:rPr>
               <a:t>代码示例</a:t>
             </a:r>
-            <a:endParaRPr lang="zh-CN" altLang="en-US" dirty="0">
+            <a:endParaRPr lang="zh-CN" altLang="en-US" sz="3600" dirty="0">
               <a:latin typeface="冬青黑体简体中文 W3" panose="020B0300000000000000" pitchFamily="34" charset="-122"/>
               <a:ea typeface="冬青黑体简体中文 W3" panose="020B0300000000000000" pitchFamily="34" charset="-122"/>
             </a:endParaRPr>
@@ -3338,38 +6486,33 @@
           </a:xfrm>
         </p:spPr>
         <p:txBody>
-          <a:bodyPr/>
+          <a:bodyPr>
+            <a:normAutofit/>
+          </a:bodyPr>
           <a:lstStyle/>
           <a:p>
             <a:r>
-              <a:rPr lang="zh-CN" altLang="en-US" dirty="0" smtClean="0">
-                <a:latin typeface="冬青黑体简体中文 W3" panose="020B0300000000000000" pitchFamily="34" charset="-122"/>
-                <a:ea typeface="冬青黑体简体中文 W3" panose="020B0300000000000000" pitchFamily="34" charset="-122"/>
-              </a:rPr>
-              <a:t>全局上下文</a:t>
-            </a:r>
-            <a:r>
-              <a:rPr lang="zh-CN" altLang="en-US" dirty="0" smtClean="0">
-                <a:latin typeface="冬青黑体简体中文 W3" panose="020B0300000000000000" pitchFamily="34" charset="-122"/>
-                <a:ea typeface="冬青黑体简体中文 W3" panose="020B0300000000000000" pitchFamily="34" charset="-122"/>
-              </a:rPr>
-              <a:t>下中的</a:t>
-            </a:r>
-            <a:r>
-              <a:rPr lang="en-US" altLang="zh-CN" dirty="0" smtClean="0">
+              <a:rPr lang="zh-CN" altLang="en-US" sz="3600" dirty="0" smtClean="0">
+                <a:latin typeface="冬青黑体简体中文 W3" panose="020B0300000000000000" pitchFamily="34" charset="-122"/>
+                <a:ea typeface="冬青黑体简体中文 W3" panose="020B0300000000000000" pitchFamily="34" charset="-122"/>
+              </a:rPr>
+              <a:t>全局上下文下中的</a:t>
+            </a:r>
+            <a:r>
+              <a:rPr lang="en-US" altLang="zh-CN" sz="3600" dirty="0" smtClean="0">
                 <a:latin typeface="冬青黑体简体中文 W3" panose="020B0300000000000000" pitchFamily="34" charset="-122"/>
                 <a:ea typeface="冬青黑体简体中文 W3" panose="020B0300000000000000" pitchFamily="34" charset="-122"/>
               </a:rPr>
               <a:t>this</a:t>
             </a:r>
             <a:r>
-              <a:rPr lang="zh-CN" altLang="en-US" dirty="0" smtClean="0">
+              <a:rPr lang="zh-CN" altLang="en-US" sz="3600" dirty="0" smtClean="0">
                 <a:latin typeface="冬青黑体简体中文 W3" panose="020B0300000000000000" pitchFamily="34" charset="-122"/>
                 <a:ea typeface="冬青黑体简体中文 W3" panose="020B0300000000000000" pitchFamily="34" charset="-122"/>
               </a:rPr>
               <a:t>指向</a:t>
             </a:r>
-            <a:endParaRPr lang="zh-CN" altLang="en-US" dirty="0">
+            <a:endParaRPr lang="zh-CN" altLang="en-US" sz="3600" dirty="0">
               <a:latin typeface="冬青黑体简体中文 W3" panose="020B0300000000000000" pitchFamily="34" charset="-122"/>
               <a:ea typeface="冬青黑体简体中文 W3" panose="020B0300000000000000" pitchFamily="34" charset="-122"/>
             </a:endParaRPr>
@@ -3385,7 +6528,7 @@
         <p:spPr>
           <a:xfrm>
             <a:off x="3395700" y="3122707"/>
-            <a:ext cx="6804756" cy="1446550"/>
+            <a:ext cx="6804756" cy="2000548"/>
           </a:xfrm>
           <a:prstGeom prst="rect">
             <a:avLst/>
@@ -3468,7 +6611,56 @@
                 <a:latin typeface="冬青黑体简体中文 W3" panose="020B0300000000000000" pitchFamily="34" charset="-122"/>
                 <a:ea typeface="冬青黑体简体中文 W3" panose="020B0300000000000000" pitchFamily="34" charset="-122"/>
               </a:rPr>
-              <a:t>指向</a:t>
+              <a:t>指</a:t>
+            </a:r>
+            <a:r>
+              <a:rPr lang="zh-CN" altLang="en-US" dirty="0" smtClean="0">
+                <a:solidFill>
+                  <a:schemeClr val="tx1">
+                    <a:lumMod val="85000"/>
+                    <a:lumOff val="15000"/>
+                  </a:schemeClr>
+                </a:solidFill>
+                <a:latin typeface="冬青黑体简体中文 W3" panose="020B0300000000000000" pitchFamily="34" charset="-122"/>
+                <a:ea typeface="冬青黑体简体中文 W3" panose="020B0300000000000000" pitchFamily="34" charset="-122"/>
+              </a:rPr>
+              <a:t>向 </a:t>
+            </a:r>
+            <a:r>
+              <a:rPr lang="en-US" altLang="zh-CN" dirty="0" smtClean="0">
+                <a:solidFill>
+                  <a:schemeClr val="tx1">
+                    <a:lumMod val="85000"/>
+                    <a:lumOff val="15000"/>
+                  </a:schemeClr>
+                </a:solidFill>
+                <a:latin typeface="冬青黑体简体中文 W3" panose="020B0300000000000000" pitchFamily="34" charset="-122"/>
+                <a:ea typeface="冬青黑体简体中文 W3" panose="020B0300000000000000" pitchFamily="34" charset="-122"/>
+              </a:rPr>
+              <a:t>`</a:t>
+            </a:r>
+            <a:r>
+              <a:rPr lang="en-US" altLang="zh-CN" dirty="0" smtClean="0">
+                <a:solidFill>
+                  <a:srgbClr val="C00000"/>
+                </a:solidFill>
+                <a:latin typeface="冬青黑体简体中文 W3" panose="020B0300000000000000" pitchFamily="34" charset="-122"/>
+                <a:ea typeface="冬青黑体简体中文 W3" panose="020B0300000000000000" pitchFamily="34" charset="-122"/>
+              </a:rPr>
+              <a:t>undefined</a:t>
+            </a:r>
+            <a:r>
+              <a:rPr lang="en-US" altLang="zh-CN" dirty="0" smtClean="0">
+                <a:solidFill>
+                  <a:schemeClr val="tx1">
+                    <a:lumMod val="85000"/>
+                    <a:lumOff val="15000"/>
+                  </a:schemeClr>
+                </a:solidFill>
+                <a:latin typeface="冬青黑体简体中文 W3" panose="020B0300000000000000" pitchFamily="34" charset="-122"/>
+                <a:ea typeface="冬青黑体简体中文 W3" panose="020B0300000000000000" pitchFamily="34" charset="-122"/>
+              </a:rPr>
+              <a:t>`</a:t>
             </a:r>
             <a:r>
               <a:rPr lang="en-US" altLang="zh-CN" dirty="0" smtClean="0">
@@ -3590,6 +6782,42 @@
                 <a:latin typeface="冬青黑体简体中文 W3" panose="020B0300000000000000" pitchFamily="34" charset="-122"/>
                 <a:ea typeface="冬青黑体简体中文 W3" panose="020B0300000000000000" pitchFamily="34" charset="-122"/>
               </a:rPr>
+              <a:t>`</a:t>
+            </a:r>
+            <a:r>
+              <a:rPr lang="en-US" altLang="zh-CN" dirty="0" smtClean="0">
+                <a:solidFill>
+                  <a:srgbClr val="C00000"/>
+                </a:solidFill>
+                <a:latin typeface="冬青黑体简体中文 W3" panose="020B0300000000000000" pitchFamily="34" charset="-122"/>
+                <a:ea typeface="冬青黑体简体中文 W3" panose="020B0300000000000000" pitchFamily="34" charset="-122"/>
+              </a:rPr>
+              <a:t>window</a:t>
+            </a:r>
+            <a:r>
+              <a:rPr lang="en-US" altLang="zh-CN" dirty="0" smtClean="0">
+                <a:solidFill>
+                  <a:schemeClr val="tx1">
+                    <a:lumMod val="85000"/>
+                    <a:lumOff val="15000"/>
+                  </a:schemeClr>
+                </a:solidFill>
+                <a:latin typeface="冬青黑体简体中文 W3" panose="020B0300000000000000" pitchFamily="34" charset="-122"/>
+                <a:ea typeface="冬青黑体简体中文 W3" panose="020B0300000000000000" pitchFamily="34" charset="-122"/>
+              </a:rPr>
+              <a:t>`</a:t>
+            </a:r>
+            <a:r>
+              <a:rPr lang="en-US" altLang="zh-CN" dirty="0" smtClean="0">
+                <a:solidFill>
+                  <a:schemeClr val="tx1">
+                    <a:lumMod val="85000"/>
+                    <a:lumOff val="15000"/>
+                  </a:schemeClr>
+                </a:solidFill>
+                <a:latin typeface="冬青黑体简体中文 W3" panose="020B0300000000000000" pitchFamily="34" charset="-122"/>
+                <a:ea typeface="冬青黑体简体中文 W3" panose="020B0300000000000000" pitchFamily="34" charset="-122"/>
+              </a:rPr>
               <a:t>		 </a:t>
             </a:r>
             <a:endParaRPr lang="zh-CN" altLang="en-US" dirty="0" smtClean="0">
@@ -3602,104 +6830,6 @@
               <a:latin typeface="冬青黑体简体中文 W3" panose="020B0300000000000000" pitchFamily="34" charset="-122"/>
               <a:ea typeface="冬青黑体简体中文 W3" panose="020B0300000000000000" pitchFamily="34" charset="-122"/>
             </a:endParaRPr>
-          </a:p>
-        </p:txBody>
-      </p:sp>
-      <p:sp>
-        <p:nvSpPr>
-          <p:cNvPr id="4" name="圆角矩形 3"/>
-          <p:cNvSpPr>
-            <a:spLocks noChangeAspect="1"/>
-          </p:cNvSpPr>
-          <p:nvPr/>
-        </p:nvSpPr>
-        <p:spPr>
-          <a:xfrm>
-            <a:off x="7910861" y="3274207"/>
-            <a:ext cx="1101463" cy="370817"/>
-          </a:xfrm>
-          <a:prstGeom prst="roundRect">
-            <a:avLst/>
-          </a:prstGeom>
-          <a:ln>
-            <a:noFill/>
-          </a:ln>
-          <a:effectLst/>
-        </p:spPr>
-        <p:style>
-          <a:lnRef idx="1">
-            <a:schemeClr val="accent6"/>
-          </a:lnRef>
-          <a:fillRef idx="3">
-            <a:schemeClr val="accent6"/>
-          </a:fillRef>
-          <a:effectRef idx="2">
-            <a:schemeClr val="accent6"/>
-          </a:effectRef>
-          <a:fontRef idx="minor">
-            <a:schemeClr val="lt1"/>
-          </a:fontRef>
-        </p:style>
-        <p:txBody>
-          <a:bodyPr wrap="none" lIns="54000" tIns="28800" rIns="54000" bIns="28800" rtlCol="0" anchor="ctr">
-            <a:spAutoFit/>
-          </a:bodyPr>
-          <a:lstStyle/>
-          <a:p>
-            <a:pPr algn="ctr"/>
-            <a:r>
-              <a:rPr lang="en-US" altLang="zh-CN" dirty="0"/>
-              <a:t>undefined</a:t>
-            </a:r>
-            <a:endParaRPr lang="zh-CN" altLang="en-US" dirty="0"/>
-          </a:p>
-        </p:txBody>
-      </p:sp>
-      <p:sp>
-        <p:nvSpPr>
-          <p:cNvPr id="5" name="圆角矩形 4"/>
-          <p:cNvSpPr/>
-          <p:nvPr/>
-        </p:nvSpPr>
-        <p:spPr>
-          <a:xfrm>
-            <a:off x="8292244" y="4066295"/>
-            <a:ext cx="889903" cy="370817"/>
-          </a:xfrm>
-          <a:prstGeom prst="roundRect">
-            <a:avLst/>
-          </a:prstGeom>
-          <a:ln>
-            <a:noFill/>
-          </a:ln>
-          <a:effectLst/>
-        </p:spPr>
-        <p:style>
-          <a:lnRef idx="1">
-            <a:schemeClr val="accent6"/>
-          </a:lnRef>
-          <a:fillRef idx="3">
-            <a:schemeClr val="accent6"/>
-          </a:fillRef>
-          <a:effectRef idx="2">
-            <a:schemeClr val="accent6"/>
-          </a:effectRef>
-          <a:fontRef idx="minor">
-            <a:schemeClr val="lt1"/>
-          </a:fontRef>
-        </p:style>
-        <p:txBody>
-          <a:bodyPr wrap="none" lIns="54000" tIns="28800" rIns="54000" bIns="28800" rtlCol="0" anchor="ctr">
-            <a:spAutoFit/>
-          </a:bodyPr>
-          <a:lstStyle/>
-          <a:p>
-            <a:pPr algn="ctr"/>
-            <a:r>
-              <a:rPr lang="en-US" altLang="zh-CN" dirty="0" smtClean="0"/>
-              <a:t>window</a:t>
-            </a:r>
-            <a:endParaRPr lang="zh-CN" altLang="en-US" dirty="0"/>
           </a:p>
         </p:txBody>
       </p:sp>
@@ -3765,17 +6895,19 @@
           </a:xfrm>
         </p:spPr>
         <p:txBody>
-          <a:bodyPr/>
+          <a:bodyPr>
+            <a:normAutofit/>
+          </a:bodyPr>
           <a:lstStyle/>
           <a:p>
             <a:r>
-              <a:rPr lang="zh-CN" altLang="en-US" dirty="0" smtClean="0">
+              <a:rPr lang="zh-CN" altLang="en-US" sz="3600" dirty="0" smtClean="0">
                 <a:latin typeface="冬青黑体简体中文 W3" panose="020B0300000000000000" pitchFamily="34" charset="-122"/>
                 <a:ea typeface="冬青黑体简体中文 W3" panose="020B0300000000000000" pitchFamily="34" charset="-122"/>
               </a:rPr>
               <a:t>代码示例</a:t>
             </a:r>
-            <a:endParaRPr lang="zh-CN" altLang="en-US" dirty="0">
+            <a:endParaRPr lang="zh-CN" altLang="en-US" sz="3600" dirty="0">
               <a:latin typeface="冬青黑体简体中文 W3" panose="020B0300000000000000" pitchFamily="34" charset="-122"/>
               <a:ea typeface="冬青黑体简体中文 W3" panose="020B0300000000000000" pitchFamily="34" charset="-122"/>
             </a:endParaRPr>
@@ -3874,31 +7006,33 @@
           </a:xfrm>
         </p:spPr>
         <p:txBody>
-          <a:bodyPr/>
+          <a:bodyPr>
+            <a:normAutofit/>
+          </a:bodyPr>
           <a:lstStyle/>
           <a:p>
             <a:r>
-              <a:rPr lang="zh-CN" altLang="en-US" dirty="0" smtClean="0">
+              <a:rPr lang="zh-CN" altLang="en-US" sz="3600" dirty="0" smtClean="0">
                 <a:latin typeface="冬青黑体简体中文 W3" panose="020B0300000000000000" pitchFamily="34" charset="-122"/>
                 <a:ea typeface="冬青黑体简体中文 W3" panose="020B0300000000000000" pitchFamily="34" charset="-122"/>
               </a:rPr>
               <a:t>函数上下文中的</a:t>
             </a:r>
             <a:r>
-              <a:rPr lang="en-US" altLang="zh-CN" dirty="0" smtClean="0">
+              <a:rPr lang="en-US" altLang="zh-CN" sz="3600" dirty="0" smtClean="0">
                 <a:latin typeface="冬青黑体简体中文 W3" panose="020B0300000000000000" pitchFamily="34" charset="-122"/>
                 <a:ea typeface="冬青黑体简体中文 W3" panose="020B0300000000000000" pitchFamily="34" charset="-122"/>
               </a:rPr>
               <a:t>this</a:t>
             </a:r>
             <a:r>
-              <a:rPr lang="zh-CN" altLang="en-US" dirty="0" smtClean="0">
+              <a:rPr lang="zh-CN" altLang="en-US" sz="3600" dirty="0" smtClean="0">
                 <a:latin typeface="冬青黑体简体中文 W3" panose="020B0300000000000000" pitchFamily="34" charset="-122"/>
                 <a:ea typeface="冬青黑体简体中文 W3" panose="020B0300000000000000" pitchFamily="34" charset="-122"/>
               </a:rPr>
               <a:t>指向</a:t>
             </a:r>
-            <a:endParaRPr lang="zh-CN" altLang="en-US" dirty="0">
+            <a:endParaRPr lang="zh-CN" altLang="en-US" sz="3600" dirty="0">
               <a:latin typeface="冬青黑体简体中文 W3" panose="020B0300000000000000" pitchFamily="34" charset="-122"/>
               <a:ea typeface="冬青黑体简体中文 W3" panose="020B0300000000000000" pitchFamily="34" charset="-122"/>
             </a:endParaRPr>
@@ -3913,8 +7047,8 @@
         </p:nvSpPr>
         <p:spPr>
           <a:xfrm>
-            <a:off x="4583832" y="3284984"/>
-            <a:ext cx="3816424" cy="2220160"/>
+            <a:off x="4367808" y="3320988"/>
+            <a:ext cx="4500500" cy="1754326"/>
           </a:xfrm>
           <a:prstGeom prst="rect">
             <a:avLst/>
@@ -3990,7 +7124,20 @@
                 <a:latin typeface="冬青黑体简体中文 W3" panose="020B0300000000000000" pitchFamily="34" charset="-122"/>
                 <a:ea typeface="冬青黑体简体中文 W3" panose="020B0300000000000000" pitchFamily="34" charset="-122"/>
               </a:rPr>
-              <a:t>头函数</a:t>
+              <a:t>头函</a:t>
+            </a:r>
+            <a:r>
+              <a:rPr lang="zh-CN" altLang="en-US" dirty="0" smtClean="0">
+                <a:solidFill>
+                  <a:schemeClr val="tx1">
+                    <a:lumMod val="85000"/>
+                    <a:lumOff val="15000"/>
+                  </a:schemeClr>
+                </a:solidFill>
+                <a:latin typeface="冬青黑体简体中文 W3" panose="020B0300000000000000" pitchFamily="34" charset="-122"/>
+                <a:ea typeface="冬青黑体简体中文 W3" panose="020B0300000000000000" pitchFamily="34" charset="-122"/>
+              </a:rPr>
+              <a:t>数</a:t>
             </a:r>
             <a:endParaRPr lang="en-US" altLang="zh-CN" dirty="0" smtClean="0">
               <a:solidFill>
@@ -4012,7 +7159,7 @@
               <a:buAutoNum type="arabicPeriod"/>
             </a:pPr>
             <a:r>
-              <a:rPr lang="en-US" altLang="zh-CN" dirty="0" smtClean="0">
+              <a:rPr lang="zh-CN" altLang="en-US" dirty="0">
                 <a:solidFill>
                   <a:schemeClr val="tx1">
                     <a:lumMod val="85000"/>
@@ -4022,7 +7169,7 @@
                 <a:latin typeface="冬青黑体简体中文 W3" panose="020B0300000000000000" pitchFamily="34" charset="-122"/>
                 <a:ea typeface="冬青黑体简体中文 W3" panose="020B0300000000000000" pitchFamily="34" charset="-122"/>
               </a:rPr>
-              <a:t>this</a:t>
+              <a:t>改</a:t>
             </a:r>
             <a:r>
               <a:rPr lang="zh-CN" altLang="en-US" dirty="0" smtClean="0">
@@ -4035,7 +7182,7 @@
                 <a:latin typeface="冬青黑体简体中文 W3" panose="020B0300000000000000" pitchFamily="34" charset="-122"/>
                 <a:ea typeface="冬青黑体简体中文 W3" panose="020B0300000000000000" pitchFamily="34" charset="-122"/>
               </a:rPr>
-              <a:t>绑定之</a:t>
+              <a:t>变</a:t>
             </a:r>
             <a:r>
               <a:rPr lang="en-US" altLang="zh-CN" dirty="0" smtClean="0">
@@ -4048,7 +7195,7 @@
                 <a:latin typeface="冬青黑体简体中文 W3" panose="020B0300000000000000" pitchFamily="34" charset="-122"/>
                 <a:ea typeface="冬青黑体简体中文 W3" panose="020B0300000000000000" pitchFamily="34" charset="-122"/>
               </a:rPr>
-              <a:t>call</a:t>
+              <a:t>this</a:t>
             </a:r>
             <a:r>
               <a:rPr lang="zh-CN" altLang="en-US" dirty="0" smtClean="0">
@@ -4061,59 +7208,7 @@
                 <a:latin typeface="冬青黑体简体中文 W3" panose="020B0300000000000000" pitchFamily="34" charset="-122"/>
                 <a:ea typeface="冬青黑体简体中文 W3" panose="020B0300000000000000" pitchFamily="34" charset="-122"/>
               </a:rPr>
-              <a:t>、</a:t>
-            </a:r>
-            <a:r>
-              <a:rPr lang="en-US" altLang="zh-CN" dirty="0" smtClean="0">
-                <a:solidFill>
-                  <a:schemeClr val="tx1">
-                    <a:lumMod val="85000"/>
-                    <a:lumOff val="15000"/>
-                  </a:schemeClr>
-                </a:solidFill>
-                <a:latin typeface="冬青黑体简体中文 W3" panose="020B0300000000000000" pitchFamily="34" charset="-122"/>
-                <a:ea typeface="冬青黑体简体中文 W3" panose="020B0300000000000000" pitchFamily="34" charset="-122"/>
-              </a:rPr>
-              <a:t>apply</a:t>
-            </a:r>
-            <a:r>
-              <a:rPr lang="zh-CN" altLang="en-US" dirty="0" smtClean="0">
-                <a:solidFill>
-                  <a:schemeClr val="tx1">
-                    <a:lumMod val="85000"/>
-                    <a:lumOff val="15000"/>
-                  </a:schemeClr>
-                </a:solidFill>
-                <a:latin typeface="冬青黑体简体中文 W3" panose="020B0300000000000000" pitchFamily="34" charset="-122"/>
-                <a:ea typeface="冬青黑体简体中文 W3" panose="020B0300000000000000" pitchFamily="34" charset="-122"/>
-              </a:rPr>
-              <a:t>、</a:t>
-            </a:r>
-            <a:r>
-              <a:rPr lang="en-US" altLang="zh-CN" dirty="0" smtClean="0">
-                <a:solidFill>
-                  <a:schemeClr val="tx1">
-                    <a:lumMod val="85000"/>
-                    <a:lumOff val="15000"/>
-                  </a:schemeClr>
-                </a:solidFill>
-                <a:latin typeface="冬青黑体简体中文 W3" panose="020B0300000000000000" pitchFamily="34" charset="-122"/>
-                <a:ea typeface="冬青黑体简体中文 W3" panose="020B0300000000000000" pitchFamily="34" charset="-122"/>
-              </a:rPr>
-              <a:t>bind</a:t>
-            </a:r>
-            <a:r>
-              <a:rPr lang="zh-CN" altLang="en-US" dirty="0" smtClean="0">
-                <a:solidFill>
-                  <a:schemeClr val="tx1">
-                    <a:lumMod val="85000"/>
-                    <a:lumOff val="15000"/>
-                  </a:schemeClr>
-                </a:solidFill>
-                <a:latin typeface="冬青黑体简体中文 W3" panose="020B0300000000000000" pitchFamily="34" charset="-122"/>
-                <a:ea typeface="冬青黑体简体中文 W3" panose="020B0300000000000000" pitchFamily="34" charset="-122"/>
-              </a:rPr>
-              <a:t>方法</a:t>
+              <a:t>的三个方法</a:t>
             </a:r>
             <a:endParaRPr lang="en-US" altLang="zh-CN" dirty="0" smtClean="0">
               <a:solidFill>
@@ -4190,31 +7285,33 @@
           </a:xfrm>
         </p:spPr>
         <p:txBody>
-          <a:bodyPr/>
+          <a:bodyPr>
+            <a:normAutofit/>
+          </a:bodyPr>
           <a:lstStyle/>
           <a:p>
             <a:r>
-              <a:rPr lang="zh-CN" altLang="en-US" dirty="0" smtClean="0">
+              <a:rPr lang="zh-CN" altLang="en-US" sz="3600" dirty="0" smtClean="0">
                 <a:latin typeface="冬青黑体简体中文 W3" panose="020B0300000000000000" pitchFamily="34" charset="-122"/>
                 <a:ea typeface="冬青黑体简体中文 W3" panose="020B0300000000000000" pitchFamily="34" charset="-122"/>
               </a:rPr>
               <a:t>普通函数中的</a:t>
             </a:r>
             <a:r>
-              <a:rPr lang="en-US" altLang="zh-CN" dirty="0" smtClean="0">
+              <a:rPr lang="en-US" altLang="zh-CN" sz="3600" dirty="0" smtClean="0">
                 <a:latin typeface="冬青黑体简体中文 W3" panose="020B0300000000000000" pitchFamily="34" charset="-122"/>
                 <a:ea typeface="冬青黑体简体中文 W3" panose="020B0300000000000000" pitchFamily="34" charset="-122"/>
               </a:rPr>
               <a:t>this</a:t>
             </a:r>
             <a:r>
-              <a:rPr lang="zh-CN" altLang="en-US" dirty="0" smtClean="0">
+              <a:rPr lang="zh-CN" altLang="en-US" sz="3600" dirty="0" smtClean="0">
                 <a:latin typeface="冬青黑体简体中文 W3" panose="020B0300000000000000" pitchFamily="34" charset="-122"/>
                 <a:ea typeface="冬青黑体简体中文 W3" panose="020B0300000000000000" pitchFamily="34" charset="-122"/>
               </a:rPr>
               <a:t>指向问题</a:t>
             </a:r>
-            <a:endParaRPr lang="zh-CN" altLang="en-US" dirty="0">
+            <a:endParaRPr lang="zh-CN" altLang="en-US" sz="3600" dirty="0">
               <a:latin typeface="冬青黑体简体中文 W3" panose="020B0300000000000000" pitchFamily="34" charset="-122"/>
               <a:ea typeface="冬青黑体简体中文 W3" panose="020B0300000000000000" pitchFamily="34" charset="-122"/>
             </a:endParaRPr>
@@ -4230,7 +7327,7 @@
         <p:spPr>
           <a:xfrm>
             <a:off x="2027548" y="2744924"/>
-            <a:ext cx="8424936" cy="3970318"/>
+            <a:ext cx="9001000" cy="3970318"/>
           </a:xfrm>
           <a:prstGeom prst="rect">
             <a:avLst/>
@@ -4258,7 +7355,20 @@
                 <a:latin typeface="冬青黑体简体中文 W3" panose="020B0300000000000000" pitchFamily="34" charset="-122"/>
                 <a:ea typeface="冬青黑体简体中文 W3" panose="020B0300000000000000" pitchFamily="34" charset="-122"/>
               </a:rPr>
-              <a:t>什么是普通函数？</a:t>
+              <a:t>什么是普通函</a:t>
+            </a:r>
+            <a:r>
+              <a:rPr lang="zh-CN" altLang="en-US" dirty="0" smtClean="0">
+                <a:solidFill>
+                  <a:schemeClr val="tx1">
+                    <a:lumMod val="85000"/>
+                    <a:lumOff val="15000"/>
+                  </a:schemeClr>
+                </a:solidFill>
+                <a:latin typeface="冬青黑体简体中文 W3" panose="020B0300000000000000" pitchFamily="34" charset="-122"/>
+                <a:ea typeface="冬青黑体简体中文 W3" panose="020B0300000000000000" pitchFamily="34" charset="-122"/>
+              </a:rPr>
+              <a:t>数</a:t>
             </a:r>
             <a:endParaRPr lang="en-US" altLang="zh-CN" dirty="0" smtClean="0">
               <a:solidFill>
@@ -4437,7 +7547,7 @@
               <a:t>用 </a:t>
             </a:r>
             <a:r>
-              <a:rPr lang="en-US" altLang="zh-CN" dirty="0" smtClean="0">
+              <a:rPr lang="en-US" altLang="zh-CN" dirty="0">
                 <a:solidFill>
                   <a:schemeClr val="tx1">
                     <a:lumMod val="75000"/>
@@ -4447,10 +7557,10 @@
                 <a:latin typeface="冬青黑体简体中文 W3" panose="020B0300000000000000" pitchFamily="34" charset="-122"/>
                 <a:ea typeface="冬青黑体简体中文 W3" panose="020B0300000000000000" pitchFamily="34" charset="-122"/>
               </a:rPr>
-              <a:t>New </a:t>
-            </a:r>
-            <a:r>
-              <a:rPr lang="zh-CN" altLang="en-US" dirty="0" smtClean="0">
+              <a:t>n</a:t>
+            </a:r>
+            <a:r>
+              <a:rPr lang="en-US" altLang="zh-CN" dirty="0" smtClean="0">
                 <a:solidFill>
                   <a:schemeClr val="tx1">
                     <a:lumMod val="75000"/>
@@ -4460,10 +7570,10 @@
                 <a:latin typeface="冬青黑体简体中文 W3" panose="020B0300000000000000" pitchFamily="34" charset="-122"/>
                 <a:ea typeface="冬青黑体简体中文 W3" panose="020B0300000000000000" pitchFamily="34" charset="-122"/>
               </a:rPr>
-              <a:t>创建的函数：</a:t>
-            </a:r>
-            <a:r>
-              <a:rPr lang="en-US" altLang="zh-CN" dirty="0" smtClean="0">
+              <a:t>ew </a:t>
+            </a:r>
+            <a:r>
+              <a:rPr lang="zh-CN" altLang="en-US" dirty="0" smtClean="0">
                 <a:solidFill>
                   <a:schemeClr val="tx1">
                     <a:lumMod val="75000"/>
@@ -4473,8 +7583,44 @@
                 <a:latin typeface="冬青黑体简体中文 W3" panose="020B0300000000000000" pitchFamily="34" charset="-122"/>
                 <a:ea typeface="冬青黑体简体中文 W3" panose="020B0300000000000000" pitchFamily="34" charset="-122"/>
               </a:rPr>
-              <a:t>var a = new Function(...)</a:t>
-            </a:r>
+              <a:t>创建的函数：</a:t>
+            </a:r>
+            <a:r>
+              <a:rPr lang="en-US" altLang="zh-CN" dirty="0" smtClean="0">
+                <a:solidFill>
+                  <a:schemeClr val="tx1">
+                    <a:lumMod val="75000"/>
+                    <a:lumOff val="25000"/>
+                  </a:schemeClr>
+                </a:solidFill>
+                <a:latin typeface="冬青黑体简体中文 W3" panose="020B0300000000000000" pitchFamily="34" charset="-122"/>
+                <a:ea typeface="冬青黑体简体中文 W3" panose="020B0300000000000000" pitchFamily="34" charset="-122"/>
+              </a:rPr>
+              <a:t>var a = new Function</a:t>
+            </a:r>
+            <a:r>
+              <a:rPr lang="en-US" altLang="zh-CN" dirty="0" smtClean="0">
+                <a:solidFill>
+                  <a:schemeClr val="tx1">
+                    <a:lumMod val="75000"/>
+                    <a:lumOff val="25000"/>
+                  </a:schemeClr>
+                </a:solidFill>
+                <a:latin typeface="冬青黑体简体中文 W3" panose="020B0300000000000000" pitchFamily="34" charset="-122"/>
+                <a:ea typeface="冬青黑体简体中文 W3" panose="020B0300000000000000" pitchFamily="34" charset="-122"/>
+              </a:rPr>
+              <a:t>(...)</a:t>
+            </a:r>
+            <a:endParaRPr lang="en-US" altLang="zh-CN" dirty="0" smtClean="0">
+              <a:solidFill>
+                <a:schemeClr val="tx1">
+                  <a:lumMod val="75000"/>
+                  <a:lumOff val="25000"/>
+                </a:schemeClr>
+              </a:solidFill>
+              <a:latin typeface="冬青黑体简体中文 W3" panose="020B0300000000000000" pitchFamily="34" charset="-122"/>
+              <a:ea typeface="冬青黑体简体中文 W3" panose="020B0300000000000000" pitchFamily="34" charset="-122"/>
+            </a:endParaRPr>
           </a:p>
           <a:p>
             <a:pPr marL="800100" lvl="1" indent="-342900">
@@ -4508,10 +7654,10 @@
                 <a:latin typeface="冬青黑体简体中文 W3" panose="020B0300000000000000" pitchFamily="34" charset="-122"/>
                 <a:ea typeface="冬青黑体简体中文 W3" panose="020B0300000000000000" pitchFamily="34" charset="-122"/>
               </a:rPr>
-              <a:t>根据 </a:t>
-            </a:r>
-            <a:r>
-              <a:rPr lang="en-US" altLang="zh-CN" dirty="0" smtClean="0">
+              <a:t>根</a:t>
+            </a:r>
+            <a:r>
+              <a:rPr lang="zh-CN" altLang="en-US" dirty="0" smtClean="0">
                 <a:solidFill>
                   <a:schemeClr val="tx1">
                     <a:lumMod val="85000"/>
@@ -4521,10 +7667,10 @@
                 <a:latin typeface="冬青黑体简体中文 W3" panose="020B0300000000000000" pitchFamily="34" charset="-122"/>
                 <a:ea typeface="冬青黑体简体中文 W3" panose="020B0300000000000000" pitchFamily="34" charset="-122"/>
               </a:rPr>
-              <a:t>`function` </a:t>
-            </a:r>
-            <a:r>
-              <a:rPr lang="zh-CN" altLang="en-US" dirty="0" smtClean="0">
+              <a:t>据</a:t>
+            </a:r>
+            <a:r>
+              <a:rPr lang="zh-CN" altLang="en-US" dirty="0">
                 <a:solidFill>
                   <a:schemeClr val="tx1">
                     <a:lumMod val="85000"/>
@@ -4534,7 +7680,43 @@
                 <a:latin typeface="冬青黑体简体中文 W3" panose="020B0300000000000000" pitchFamily="34" charset="-122"/>
                 <a:ea typeface="冬青黑体简体中文 W3" panose="020B0300000000000000" pitchFamily="34" charset="-122"/>
               </a:rPr>
-              <a:t>的调用方式来判定</a:t>
+              <a:t>函数</a:t>
+            </a:r>
+            <a:r>
+              <a:rPr lang="zh-CN" altLang="en-US" dirty="0" smtClean="0">
+                <a:solidFill>
+                  <a:schemeClr val="tx1">
+                    <a:lumMod val="85000"/>
+                    <a:lumOff val="15000"/>
+                  </a:schemeClr>
+                </a:solidFill>
+                <a:latin typeface="冬青黑体简体中文 W3" panose="020B0300000000000000" pitchFamily="34" charset="-122"/>
+                <a:ea typeface="冬青黑体简体中文 W3" panose="020B0300000000000000" pitchFamily="34" charset="-122"/>
+              </a:rPr>
+              <a:t>的</a:t>
+            </a:r>
+            <a:r>
+              <a:rPr lang="zh-CN" altLang="en-US" dirty="0" smtClean="0">
+                <a:solidFill>
+                  <a:srgbClr val="C00000"/>
+                </a:solidFill>
+                <a:latin typeface="冬青黑体简体中文 W3" panose="020B0300000000000000" pitchFamily="34" charset="-122"/>
+                <a:ea typeface="冬青黑体简体中文 W3" panose="020B0300000000000000" pitchFamily="34" charset="-122"/>
+              </a:rPr>
+              <a:t>调用方式</a:t>
+            </a:r>
+            <a:r>
+              <a:rPr lang="zh-CN" altLang="en-US" dirty="0" smtClean="0">
+                <a:solidFill>
+                  <a:schemeClr val="tx1">
+                    <a:lumMod val="85000"/>
+                    <a:lumOff val="15000"/>
+                  </a:schemeClr>
+                </a:solidFill>
+                <a:latin typeface="冬青黑体简体中文 W3" panose="020B0300000000000000" pitchFamily="34" charset="-122"/>
+                <a:ea typeface="冬青黑体简体中文 W3" panose="020B0300000000000000" pitchFamily="34" charset="-122"/>
+              </a:rPr>
+              <a:t>来判定</a:t>
             </a:r>
             <a:r>
               <a:rPr lang="en-US" altLang="zh-CN" dirty="0" smtClean="0">
@@ -4625,7 +7807,17 @@
               <a:t>默认指向 </a:t>
             </a:r>
             <a:r>
-              <a:rPr lang="en-US" altLang="zh-CN" dirty="0">
+              <a:rPr lang="en-US" altLang="zh-CN" dirty="0" smtClean="0">
+                <a:solidFill>
+                  <a:srgbClr val="C00000"/>
+                </a:solidFill>
+                <a:latin typeface="冬青黑体简体中文 W3" panose="020B0300000000000000" pitchFamily="34" charset="-122"/>
+                <a:ea typeface="冬青黑体简体中文 W3" panose="020B0300000000000000" pitchFamily="34" charset="-122"/>
+              </a:rPr>
+              <a:t>window</a:t>
+            </a:r>
+            <a:r>
+              <a:rPr lang="zh-CN" altLang="en-US" dirty="0" smtClean="0">
                 <a:solidFill>
                   <a:schemeClr val="tx1">
                     <a:lumMod val="75000"/>
@@ -4635,8 +7827,18 @@
                 <a:latin typeface="冬青黑体简体中文 W3" panose="020B0300000000000000" pitchFamily="34" charset="-122"/>
                 <a:ea typeface="冬青黑体简体中文 W3" panose="020B0300000000000000" pitchFamily="34" charset="-122"/>
               </a:rPr>
-              <a:t>window</a:t>
-            </a:r>
+              <a:t>。</a:t>
+            </a:r>
+            <a:endParaRPr lang="en-US" altLang="zh-CN" dirty="0">
+              <a:solidFill>
+                <a:schemeClr val="tx1">
+                  <a:lumMod val="75000"/>
+                  <a:lumOff val="25000"/>
+                </a:schemeClr>
+              </a:solidFill>
+              <a:latin typeface="冬青黑体简体中文 W3" panose="020B0300000000000000" pitchFamily="34" charset="-122"/>
+              <a:ea typeface="冬青黑体简体中文 W3" panose="020B0300000000000000" pitchFamily="34" charset="-122"/>
+            </a:endParaRPr>
           </a:p>
           <a:p>
             <a:pPr marL="800100" lvl="1" indent="-342900">
@@ -4647,7 +7849,7 @@
               <a:buAutoNum type="arabicPeriod"/>
             </a:pPr>
             <a:r>
-              <a:rPr lang="zh-CN" altLang="en-US" dirty="0" smtClean="0">
+              <a:rPr lang="zh-CN" altLang="en-US" dirty="0">
                 <a:solidFill>
                   <a:schemeClr val="tx1">
                     <a:lumMod val="75000"/>
@@ -4657,7 +7859,43 @@
                 <a:latin typeface="冬青黑体简体中文 W3" panose="020B0300000000000000" pitchFamily="34" charset="-122"/>
                 <a:ea typeface="冬青黑体简体中文 W3" panose="020B0300000000000000" pitchFamily="34" charset="-122"/>
               </a:rPr>
-              <a:t>以属性方式调用：</a:t>
+              <a:t>作为</a:t>
+            </a:r>
+            <a:r>
+              <a:rPr lang="zh-CN" altLang="en-US" dirty="0">
+                <a:solidFill>
+                  <a:srgbClr val="C00000"/>
+                </a:solidFill>
+                <a:latin typeface="冬青黑体简体中文 W3" panose="020B0300000000000000" pitchFamily="34" charset="-122"/>
+                <a:ea typeface="冬青黑体简体中文 W3" panose="020B0300000000000000" pitchFamily="34" charset="-122"/>
+              </a:rPr>
+              <a:t>对象方法</a:t>
+            </a:r>
+            <a:r>
+              <a:rPr lang="zh-CN" altLang="en-US" dirty="0">
+                <a:solidFill>
+                  <a:schemeClr val="tx1">
+                    <a:lumMod val="75000"/>
+                    <a:lumOff val="25000"/>
+                  </a:schemeClr>
+                </a:solidFill>
+                <a:latin typeface="冬青黑体简体中文 W3" panose="020B0300000000000000" pitchFamily="34" charset="-122"/>
+                <a:ea typeface="冬青黑体简体中文 W3" panose="020B0300000000000000" pitchFamily="34" charset="-122"/>
+              </a:rPr>
+              <a:t>调</a:t>
+            </a:r>
+            <a:r>
+              <a:rPr lang="zh-CN" altLang="en-US" dirty="0" smtClean="0">
+                <a:solidFill>
+                  <a:schemeClr val="tx1">
+                    <a:lumMod val="75000"/>
+                    <a:lumOff val="25000"/>
+                  </a:schemeClr>
+                </a:solidFill>
+                <a:latin typeface="冬青黑体简体中文 W3" panose="020B0300000000000000" pitchFamily="34" charset="-122"/>
+                <a:ea typeface="冬青黑体简体中文 W3" panose="020B0300000000000000" pitchFamily="34" charset="-122"/>
+              </a:rPr>
+              <a:t>用：</a:t>
             </a:r>
             <a:r>
               <a:rPr lang="en-US" altLang="zh-CN" dirty="0">
@@ -4799,17 +8037,19 @@
           </a:xfrm>
         </p:spPr>
         <p:txBody>
-          <a:bodyPr/>
+          <a:bodyPr>
+            <a:normAutofit/>
+          </a:bodyPr>
           <a:lstStyle/>
           <a:p>
             <a:r>
-              <a:rPr lang="zh-CN" altLang="en-US" dirty="0" smtClean="0">
+              <a:rPr lang="zh-CN" altLang="en-US" sz="3600" dirty="0" smtClean="0">
                 <a:latin typeface="冬青黑体简体中文 W3" panose="020B0300000000000000" pitchFamily="34" charset="-122"/>
                 <a:ea typeface="冬青黑体简体中文 W3" panose="020B0300000000000000" pitchFamily="34" charset="-122"/>
               </a:rPr>
               <a:t>代码示例</a:t>
             </a:r>
-            <a:endParaRPr lang="zh-CN" altLang="en-US" dirty="0">
+            <a:endParaRPr lang="zh-CN" altLang="en-US" sz="3600" dirty="0">
               <a:latin typeface="冬青黑体简体中文 W3" panose="020B0300000000000000" pitchFamily="34" charset="-122"/>
               <a:ea typeface="冬青黑体简体中文 W3" panose="020B0300000000000000" pitchFamily="34" charset="-122"/>
             </a:endParaRPr>
@@ -4818,28 +8058,22 @@
       </p:sp>
       <p:pic>
         <p:nvPicPr>
-          <p:cNvPr id="4" name="图片 3"/>
+          <p:cNvPr id="3" name="图片 2"/>
           <p:cNvPicPr>
             <a:picLocks noChangeAspect="1"/>
           </p:cNvPicPr>
           <p:nvPr/>
         </p:nvPicPr>
         <p:blipFill>
-          <a:blip r:embed="rId2">
-            <a:extLst>
-              <a:ext uri="{28A0092B-C50C-407E-A947-70E740481C1C}">
-                <a14:useLocalDpi xmlns:a14="http://schemas.microsoft.com/office/drawing/2010/main" val="0"/>
-              </a:ext>
-            </a:extLst>
-          </a:blip>
+          <a:blip r:embed="rId3"/>
           <a:stretch>
             <a:fillRect/>
           </a:stretch>
         </p:blipFill>
         <p:spPr>
           <a:xfrm>
-            <a:off x="1256044" y="1232756"/>
-            <a:ext cx="9679912" cy="5625244"/>
+            <a:off x="11667" y="1117138"/>
+            <a:ext cx="12192000" cy="5740862"/>
           </a:xfrm>
           <a:prstGeom prst="rect">
             <a:avLst/>
@@ -4864,6 +8098,13 @@
       <p:transition spd="slow"/>
     </mc:Fallback>
   </mc:AlternateContent>
+  <p:timing>
+    <p:tnLst>
+      <p:par>
+        <p:cTn id="1" dur="indefinite" restart="never" nodeType="tmRoot"/>
+      </p:par>
+    </p:tnLst>
+  </p:timing>
 </p:sld>
 </file>
 
@@ -5148,6 +8389,9 @@
   <a:objectDefaults>
     <a:spDef>
       <a:spPr>
+        <a:solidFill>
+          <a:srgbClr val="C00000"/>
+        </a:solidFill>
         <a:ln>
           <a:noFill/>
         </a:ln>

--- a/ppt/JavaScript基础一.pptx
+++ b/ppt/JavaScript基础一.pptx
@@ -177,6 +177,9 @@
         </p15:guide>
       </p15:sldGuideLst>
     </p:ext>
+    <p:ext uri="{2D200454-40CA-4A62-9FC3-DE9A4176ACB9}">
+      <p15:notesGuideLst xmlns:p15="http://schemas.microsoft.com/office/powerpoint/2012/main"/>
+    </p:ext>
   </p:extLst>
 </p:presentation>
 </file>
@@ -952,14 +955,18 @@
           <a:p>
             <a:r>
               <a:rPr lang="zh-CN" altLang="en-US" dirty="0" smtClean="0"/>
-              <a:t>前面所讲的相当于经验总结，并不是按照规范解读，所以难免存在不严谨的地方。</a:t>
+              <a:t>前面所讲的都是一些应用型总结，比较表面。</a:t>
             </a:r>
             <a:endParaRPr lang="en-US" altLang="zh-CN" dirty="0" smtClean="0"/>
           </a:p>
           <a:p>
             <a:r>
               <a:rPr lang="zh-CN" altLang="en-US" dirty="0" smtClean="0"/>
-              <a:t>更细节具体的</a:t>
+              <a:t>更</a:t>
+            </a:r>
+            <a:r>
+              <a:rPr lang="zh-CN" altLang="en-US" dirty="0" smtClean="0"/>
+              <a:t>细节具体的</a:t>
             </a:r>
             <a:r>
               <a:rPr lang="en-US" altLang="zh-CN" dirty="0" smtClean="0"/>
@@ -1946,12 +1953,16 @@
   <p:clrMapOvr>
     <a:masterClrMapping/>
   </p:clrMapOvr>
-  <mc:AlternateContent xmlns:mc="http://schemas.openxmlformats.org/markup-compatibility/2006" xmlns:p14="http://schemas.microsoft.com/office/powerpoint/2010/main">
-    <mc:Choice Requires="p14">
-      <p:transition spd="slow" p14:dur="2000"/>
+  <mc:AlternateContent xmlns:mc="http://schemas.openxmlformats.org/markup-compatibility/2006">
+    <mc:Choice xmlns:p15="http://schemas.microsoft.com/office/powerpoint/2012/main" Requires="p15">
+      <p:transition xmlns:p14="http://schemas.microsoft.com/office/powerpoint/2010/main" spd="slow" p14:dur="2000" advTm="9938">
+        <p15:prstTrans prst="origami"/>
+      </p:transition>
     </mc:Choice>
-    <mc:Fallback xmlns="">
-      <p:transition spd="slow"/>
+    <mc:Fallback>
+      <p:transition spd="slow" advTm="9938">
+        <p:fade/>
+      </p:transition>
     </mc:Fallback>
   </mc:AlternateContent>
 </p:sldLayout>
@@ -2056,15 +2067,19 @@
   <p:clrMapOvr>
     <a:masterClrMapping/>
   </p:clrMapOvr>
-  <mc:AlternateContent xmlns:mc="http://schemas.openxmlformats.org/markup-compatibility/2006" xmlns:p14="http://schemas.microsoft.com/office/powerpoint/2010/main">
-    <mc:Choice Requires="p14">
-      <p:transition spd="slow" p14:dur="2000"/>
+  <mc:AlternateContent xmlns:mc="http://schemas.openxmlformats.org/markup-compatibility/2006">
+    <mc:Choice xmlns:p15="http://schemas.microsoft.com/office/powerpoint/2012/main" Requires="p15">
+      <p:transition xmlns:p14="http://schemas.microsoft.com/office/powerpoint/2010/main" spd="slow" p14:dur="2000" advTm="9938">
+        <p15:prstTrans prst="origami"/>
+      </p:transition>
     </mc:Choice>
-    <mc:Fallback xmlns="">
-      <p:transition spd="slow"/>
+    <mc:Fallback>
+      <p:transition spd="slow" advTm="9938">
+        <p:fade/>
+      </p:transition>
     </mc:Fallback>
   </mc:AlternateContent>
-  <p:extLst>
+  <p:extLst mod="1">
     <p:ext uri="{DCECCB84-F9BA-43D5-87BE-67443E8EF086}">
       <p15:sldGuideLst xmlns:p15="http://schemas.microsoft.com/office/powerpoint/2012/main">
         <p15:guide id="1" orient="horz" pos="2160" userDrawn="1">
@@ -2176,23 +2191,27 @@
   <p:clrMapOvr>
     <a:masterClrMapping/>
   </p:clrMapOvr>
-  <mc:AlternateContent xmlns:mc="http://schemas.openxmlformats.org/markup-compatibility/2006" xmlns:p14="http://schemas.microsoft.com/office/powerpoint/2010/main">
-    <mc:Choice Requires="p14">
-      <p:transition spd="slow" p14:dur="2000"/>
+  <mc:AlternateContent xmlns:mc="http://schemas.openxmlformats.org/markup-compatibility/2006">
+    <mc:Choice xmlns:p15="http://schemas.microsoft.com/office/powerpoint/2012/main" Requires="p15">
+      <p:transition xmlns:p14="http://schemas.microsoft.com/office/powerpoint/2010/main" spd="slow" p14:dur="2000" advTm="9938">
+        <p15:prstTrans prst="origami"/>
+      </p:transition>
     </mc:Choice>
-    <mc:Fallback xmlns="">
-      <p:transition spd="slow"/>
+    <mc:Fallback>
+      <p:transition spd="slow" advTm="9938">
+        <p:fade/>
+      </p:transition>
     </mc:Fallback>
   </mc:AlternateContent>
-  <p:extLst>
+  <p:extLst mod="1">
     <p:ext uri="{DCECCB84-F9BA-43D5-87BE-67443E8EF086}">
       <p15:sldGuideLst xmlns:p15="http://schemas.microsoft.com/office/powerpoint/2012/main">
-        <p15:guide id="4294967295" orient="horz" pos="2160">
+        <p15:guide id="1" orient="horz" pos="2160">
           <p15:clr>
             <a:srgbClr val="FBAE40"/>
           </p15:clr>
         </p15:guide>
-        <p15:guide id="4294967295" pos="3840">
+        <p15:guide id="2" pos="3840">
           <p15:clr>
             <a:srgbClr val="FBAE40"/>
           </p15:clr>
@@ -2225,12 +2244,12 @@
   <p:clrMapOvr>
     <a:masterClrMapping/>
   </p:clrMapOvr>
-  <mc:AlternateContent xmlns:mc="http://schemas.openxmlformats.org/markup-compatibility/2006" xmlns:p14="http://schemas.microsoft.com/office/powerpoint/2010/main">
-    <mc:Choice Requires="p14">
-      <p:transition spd="slow" p14:dur="2000"/>
+  <mc:AlternateContent xmlns:mc="http://schemas.openxmlformats.org/markup-compatibility/2006">
+    <mc:Choice xmlns:p14="http://schemas.microsoft.com/office/powerpoint/2010/main" Requires="p14">
+      <p:transition p14:dur="0" advClick="0"/>
     </mc:Choice>
-    <mc:Fallback xmlns="">
-      <p:transition spd="slow"/>
+    <mc:Fallback>
+      <p:transition advClick="0"/>
     </mc:Fallback>
   </mc:AlternateContent>
   <p:timing>
@@ -2450,12 +2469,16 @@
     <p:sldLayoutId id="2147483696" r:id="rId3"/>
     <p:sldLayoutId id="2147483693" r:id="rId4"/>
   </p:sldLayoutIdLst>
-  <mc:AlternateContent xmlns:mc="http://schemas.openxmlformats.org/markup-compatibility/2006" xmlns:p14="http://schemas.microsoft.com/office/powerpoint/2010/main">
-    <mc:Choice Requires="p14">
-      <p:transition spd="slow" p14:dur="2000"/>
+  <mc:AlternateContent xmlns:mc="http://schemas.openxmlformats.org/markup-compatibility/2006">
+    <mc:Choice xmlns:p15="http://schemas.microsoft.com/office/powerpoint/2012/main" Requires="p15">
+      <p:transition xmlns:p14="http://schemas.microsoft.com/office/powerpoint/2010/main" spd="slow" p14:dur="2000" advTm="9938">
+        <p15:prstTrans prst="origami"/>
+      </p:transition>
     </mc:Choice>
-    <mc:Fallback xmlns="">
-      <p:transition spd="slow"/>
+    <mc:Fallback>
+      <p:transition spd="slow" advTm="9938">
+        <p:fade/>
+      </p:transition>
     </mc:Fallback>
   </mc:AlternateContent>
   <p:timing>
@@ -2911,15 +2934,25 @@
   <p:clrMapOvr>
     <a:masterClrMapping/>
   </p:clrMapOvr>
-  <mc:AlternateContent xmlns:mc="http://schemas.openxmlformats.org/markup-compatibility/2006" xmlns:p15="http://schemas.microsoft.com/office/powerpoint/2012/main">
-    <mc:Choice Requires="p15">
-      <p:transition xmlns:p14="http://schemas.microsoft.com/office/powerpoint/2010/main" spd="slow" p14:dur="3250">
+  <mc:AlternateContent xmlns:mc="http://schemas.openxmlformats.org/markup-compatibility/2006">
+    <mc:Choice xmlns:p15="http://schemas.microsoft.com/office/powerpoint/2012/main" Requires="p15">
+      <p:transition xmlns:p14="http://schemas.microsoft.com/office/powerpoint/2010/main" spd="slow" p14:dur="2000" advClick="0">
         <p15:prstTrans prst="origami"/>
+        <p:sndAc>
+          <p:stSnd>
+            <p:snd r:embed="rId3" name="chimes.wav"/>
+          </p:stSnd>
+        </p:sndAc>
       </p:transition>
     </mc:Choice>
-    <mc:Fallback xmlns="">
-      <p:transition spd="slow">
+    <mc:Fallback>
+      <p:transition spd="slow" advClick="0">
         <p:fade/>
+        <p:sndAc>
+          <p:stSnd>
+            <p:snd r:embed="rId3" name="chimes.wav"/>
+          </p:stSnd>
+        </p:sndAc>
       </p:transition>
     </mc:Fallback>
   </mc:AlternateContent>
@@ -3012,12 +3045,12 @@
   <p:clrMapOvr>
     <a:masterClrMapping/>
   </p:clrMapOvr>
-  <mc:AlternateContent xmlns:mc="http://schemas.openxmlformats.org/markup-compatibility/2006" xmlns:p14="http://schemas.microsoft.com/office/powerpoint/2010/main">
-    <mc:Choice Requires="p14">
-      <p:transition spd="slow" p14:dur="2000"/>
+  <mc:AlternateContent xmlns:mc="http://schemas.openxmlformats.org/markup-compatibility/2006">
+    <mc:Choice xmlns:p14="http://schemas.microsoft.com/office/powerpoint/2010/main" Requires="p14">
+      <p:transition p14:dur="0" advTm="9938"/>
     </mc:Choice>
-    <mc:Fallback xmlns="">
-      <p:transition spd="slow"/>
+    <mc:Fallback>
+      <p:transition advTm="9938"/>
     </mc:Fallback>
   </mc:AlternateContent>
   <p:timing>
@@ -3109,14 +3142,21 @@
   <p:clrMapOvr>
     <a:masterClrMapping/>
   </p:clrMapOvr>
-  <mc:AlternateContent xmlns:mc="http://schemas.openxmlformats.org/markup-compatibility/2006" xmlns:p14="http://schemas.microsoft.com/office/powerpoint/2010/main">
-    <mc:Choice Requires="p14">
-      <p:transition spd="slow" p14:dur="2000"/>
+  <mc:AlternateContent xmlns:mc="http://schemas.openxmlformats.org/markup-compatibility/2006">
+    <mc:Choice xmlns:p14="http://schemas.microsoft.com/office/powerpoint/2010/main" Requires="p14">
+      <p:transition p14:dur="0" advTm="9938"/>
     </mc:Choice>
-    <mc:Fallback xmlns="">
-      <p:transition spd="slow"/>
+    <mc:Fallback>
+      <p:transition advTm="9938"/>
     </mc:Fallback>
   </mc:AlternateContent>
+  <p:timing>
+    <p:tnLst>
+      <p:par>
+        <p:cTn id="1" dur="indefinite" restart="never" nodeType="tmRoot"/>
+      </p:par>
+    </p:tnLst>
+  </p:timing>
 </p:sld>
 </file>
 
@@ -3618,12 +3658,12 @@
   <p:clrMapOvr>
     <a:masterClrMapping/>
   </p:clrMapOvr>
-  <mc:AlternateContent xmlns:mc="http://schemas.openxmlformats.org/markup-compatibility/2006" xmlns:p14="http://schemas.microsoft.com/office/powerpoint/2010/main">
-    <mc:Choice Requires="p14">
-      <p:transition spd="slow" p14:dur="2000"/>
+  <mc:AlternateContent xmlns:mc="http://schemas.openxmlformats.org/markup-compatibility/2006">
+    <mc:Choice xmlns:p14="http://schemas.microsoft.com/office/powerpoint/2010/main" Requires="p14">
+      <p:transition p14:dur="0" advTm="9938"/>
     </mc:Choice>
-    <mc:Fallback xmlns="">
-      <p:transition spd="slow"/>
+    <mc:Fallback>
+      <p:transition advTm="9938"/>
     </mc:Fallback>
   </mc:AlternateContent>
   <p:timing>
@@ -3719,12 +3759,12 @@
   <p:clrMapOvr>
     <a:masterClrMapping/>
   </p:clrMapOvr>
-  <mc:AlternateContent xmlns:mc="http://schemas.openxmlformats.org/markup-compatibility/2006" xmlns:p14="http://schemas.microsoft.com/office/powerpoint/2010/main">
-    <mc:Choice Requires="p14">
-      <p:transition spd="slow" p14:dur="2000"/>
+  <mc:AlternateContent xmlns:mc="http://schemas.openxmlformats.org/markup-compatibility/2006">
+    <mc:Choice xmlns:p14="http://schemas.microsoft.com/office/powerpoint/2010/main" Requires="p14">
+      <p:transition p14:dur="0" advTm="9938"/>
     </mc:Choice>
-    <mc:Fallback xmlns="">
-      <p:transition spd="slow"/>
+    <mc:Fallback>
+      <p:transition advTm="9938"/>
     </mc:Fallback>
   </mc:AlternateContent>
   <p:timing>
@@ -4544,16 +4584,6 @@
               </a:rPr>
               <a:t>方法</a:t>
             </a:r>
-            <a:endParaRPr lang="zh-CN" altLang="en-US" dirty="0" smtClean="0">
-              <a:solidFill>
-                <a:schemeClr val="tx1">
-                  <a:lumMod val="75000"/>
-                  <a:lumOff val="25000"/>
-                </a:schemeClr>
-              </a:solidFill>
-              <a:latin typeface="冬青黑体简体中文 W3" panose="020B0300000000000000" pitchFamily="34" charset="-122"/>
-              <a:ea typeface="冬青黑体简体中文 W3" panose="020B0300000000000000" pitchFamily="34" charset="-122"/>
-            </a:endParaRPr>
           </a:p>
         </p:txBody>
       </p:sp>
@@ -4567,12 +4597,12 @@
   <p:clrMapOvr>
     <a:masterClrMapping/>
   </p:clrMapOvr>
-  <mc:AlternateContent xmlns:mc="http://schemas.openxmlformats.org/markup-compatibility/2006" xmlns:p14="http://schemas.microsoft.com/office/powerpoint/2010/main">
-    <mc:Choice Requires="p14">
-      <p:transition spd="slow" p14:dur="2000"/>
+  <mc:AlternateContent xmlns:mc="http://schemas.openxmlformats.org/markup-compatibility/2006">
+    <mc:Choice xmlns:p14="http://schemas.microsoft.com/office/powerpoint/2010/main" Requires="p14">
+      <p:transition p14:dur="0" advTm="9938"/>
     </mc:Choice>
-    <mc:Fallback xmlns="">
-      <p:transition spd="slow"/>
+    <mc:Fallback>
+      <p:transition advTm="9938"/>
     </mc:Fallback>
   </mc:AlternateContent>
   <p:timing>
@@ -4659,12 +4689,12 @@
   <p:clrMapOvr>
     <a:masterClrMapping/>
   </p:clrMapOvr>
-  <mc:AlternateContent xmlns:mc="http://schemas.openxmlformats.org/markup-compatibility/2006" xmlns:p14="http://schemas.microsoft.com/office/powerpoint/2010/main">
-    <mc:Choice Requires="p14">
-      <p:transition spd="slow" p14:dur="2000"/>
+  <mc:AlternateContent xmlns:mc="http://schemas.openxmlformats.org/markup-compatibility/2006">
+    <mc:Choice xmlns:p14="http://schemas.microsoft.com/office/powerpoint/2010/main" Requires="p14">
+      <p:transition p14:dur="0" advTm="9938"/>
     </mc:Choice>
-    <mc:Fallback xmlns="">
-      <p:transition spd="slow"/>
+    <mc:Fallback>
+      <p:transition advTm="9938"/>
     </mc:Fallback>
   </mc:AlternateContent>
   <p:timing>
@@ -4807,16 +4837,6 @@
               </a:rPr>
               <a:t>？</a:t>
             </a:r>
-            <a:endParaRPr lang="zh-CN" altLang="en-US" sz="2000" dirty="0" smtClean="0">
-              <a:solidFill>
-                <a:schemeClr val="tx1">
-                  <a:lumMod val="75000"/>
-                  <a:lumOff val="25000"/>
-                </a:schemeClr>
-              </a:solidFill>
-              <a:latin typeface="冬青黑体简体中文 W3" panose="020B0300000000000000" pitchFamily="34" charset="-122"/>
-              <a:ea typeface="冬青黑体简体中文 W3" panose="020B0300000000000000" pitchFamily="34" charset="-122"/>
-            </a:endParaRPr>
           </a:p>
         </p:txBody>
       </p:sp>
@@ -4830,12 +4850,12 @@
   <p:clrMapOvr>
     <a:masterClrMapping/>
   </p:clrMapOvr>
-  <mc:AlternateContent xmlns:mc="http://schemas.openxmlformats.org/markup-compatibility/2006" xmlns:p14="http://schemas.microsoft.com/office/powerpoint/2010/main">
-    <mc:Choice Requires="p14">
-      <p:transition spd="slow" p14:dur="2000"/>
+  <mc:AlternateContent xmlns:mc="http://schemas.openxmlformats.org/markup-compatibility/2006">
+    <mc:Choice xmlns:p14="http://schemas.microsoft.com/office/powerpoint/2010/main" Requires="p14">
+      <p:transition p14:dur="0" advTm="9938"/>
     </mc:Choice>
-    <mc:Fallback xmlns="">
-      <p:transition spd="slow"/>
+    <mc:Fallback>
+      <p:transition advTm="9938"/>
     </mc:Fallback>
   </mc:AlternateContent>
   <p:timing>
@@ -4926,12 +4946,12 @@
   <p:clrMapOvr>
     <a:masterClrMapping/>
   </p:clrMapOvr>
-  <mc:AlternateContent xmlns:mc="http://schemas.openxmlformats.org/markup-compatibility/2006" xmlns:p14="http://schemas.microsoft.com/office/powerpoint/2010/main">
-    <mc:Choice Requires="p14">
-      <p:transition spd="slow" p14:dur="2000"/>
+  <mc:AlternateContent xmlns:mc="http://schemas.openxmlformats.org/markup-compatibility/2006">
+    <mc:Choice xmlns:p14="http://schemas.microsoft.com/office/powerpoint/2010/main" Requires="p14">
+      <p:transition p14:dur="0" advTm="9938"/>
     </mc:Choice>
-    <mc:Fallback xmlns="">
-      <p:transition spd="slow"/>
+    <mc:Fallback>
+      <p:transition advTm="9938"/>
     </mc:Fallback>
   </mc:AlternateContent>
   <p:timing>
@@ -4973,7 +4993,7 @@
         </p:nvSpPr>
         <p:spPr>
           <a:xfrm>
-            <a:off x="3577649" y="4286870"/>
+            <a:off x="3577649" y="4289720"/>
             <a:ext cx="5039877" cy="752098"/>
           </a:xfrm>
         </p:spPr>
@@ -4985,20 +5005,12 @@
           <a:p>
             <a:pPr algn="ctr"/>
             <a:r>
-              <a:rPr lang="zh-CN" altLang="en-US" sz="3600" dirty="0">
+              <a:rPr lang="en-US" altLang="zh-CN" sz="3600" dirty="0" smtClean="0">
                 <a:solidFill>
                   <a:srgbClr val="FF0000"/>
                 </a:solidFill>
               </a:rPr>
-              <a:t>方才所</a:t>
-            </a:r>
-            <a:r>
-              <a:rPr lang="zh-CN" altLang="en-US" sz="3600" dirty="0" smtClean="0">
-                <a:solidFill>
-                  <a:srgbClr val="FF0000"/>
-                </a:solidFill>
-              </a:rPr>
-              <a:t>讲并不严谨</a:t>
+              <a:t>Why ?</a:t>
             </a:r>
             <a:endParaRPr lang="zh-CN" altLang="en-US" sz="3600" dirty="0">
               <a:solidFill>
@@ -5048,12 +5060,12 @@
   <p:clrMapOvr>
     <a:masterClrMapping/>
   </p:clrMapOvr>
-  <mc:AlternateContent xmlns:mc="http://schemas.openxmlformats.org/markup-compatibility/2006" xmlns:p14="http://schemas.microsoft.com/office/powerpoint/2010/main">
-    <mc:Choice Requires="p14">
-      <p:transition spd="slow" p14:dur="2000"/>
+  <mc:AlternateContent xmlns:mc="http://schemas.openxmlformats.org/markup-compatibility/2006">
+    <mc:Choice xmlns:p14="http://schemas.microsoft.com/office/powerpoint/2010/main" Requires="p14">
+      <p:transition p14:dur="0" advTm="9938"/>
     </mc:Choice>
-    <mc:Fallback xmlns="">
-      <p:transition spd="slow"/>
+    <mc:Fallback>
+      <p:transition advTm="9938"/>
     </mc:Fallback>
   </mc:AlternateContent>
   <p:timing>
@@ -5276,12 +5288,12 @@
   <p:clrMapOvr>
     <a:masterClrMapping/>
   </p:clrMapOvr>
-  <mc:AlternateContent xmlns:mc="http://schemas.openxmlformats.org/markup-compatibility/2006" xmlns:p14="http://schemas.microsoft.com/office/powerpoint/2010/main">
-    <mc:Choice Requires="p14">
-      <p:transition spd="slow" p14:dur="2000"/>
+  <mc:AlternateContent xmlns:mc="http://schemas.openxmlformats.org/markup-compatibility/2006">
+    <mc:Choice xmlns:p14="http://schemas.microsoft.com/office/powerpoint/2010/main" Requires="p14">
+      <p:transition p14:dur="0" advTm="9938"/>
     </mc:Choice>
-    <mc:Fallback xmlns="">
-      <p:transition spd="slow"/>
+    <mc:Fallback>
+      <p:transition advTm="9938"/>
     </mc:Fallback>
   </mc:AlternateContent>
   <p:timing>
@@ -5660,12 +5672,12 @@
   <p:clrMapOvr>
     <a:masterClrMapping/>
   </p:clrMapOvr>
-  <mc:AlternateContent xmlns:mc="http://schemas.openxmlformats.org/markup-compatibility/2006" xmlns:p14="http://schemas.microsoft.com/office/powerpoint/2010/main">
-    <mc:Choice Requires="p14">
-      <p:transition spd="slow" p14:dur="2000"/>
+  <mc:AlternateContent xmlns:mc="http://schemas.openxmlformats.org/markup-compatibility/2006">
+    <mc:Choice xmlns:p14="http://schemas.microsoft.com/office/powerpoint/2010/main" Requires="p14">
+      <p:transition p14:dur="0" advTm="9938"/>
     </mc:Choice>
-    <mc:Fallback xmlns="">
-      <p:transition spd="slow"/>
+    <mc:Fallback>
+      <p:transition advTm="9938"/>
     </mc:Fallback>
   </mc:AlternateContent>
   <p:timing>
@@ -6011,12 +6023,12 @@
   <p:clrMapOvr>
     <a:masterClrMapping/>
   </p:clrMapOvr>
-  <mc:AlternateContent xmlns:mc="http://schemas.openxmlformats.org/markup-compatibility/2006" xmlns:p14="http://schemas.microsoft.com/office/powerpoint/2010/main">
-    <mc:Choice Requires="p14">
-      <p:transition spd="slow" p14:dur="2000"/>
+  <mc:AlternateContent xmlns:mc="http://schemas.openxmlformats.org/markup-compatibility/2006">
+    <mc:Choice xmlns:p14="http://schemas.microsoft.com/office/powerpoint/2010/main" Requires="p14">
+      <p:transition p14:dur="0" advTm="9938"/>
     </mc:Choice>
-    <mc:Fallback xmlns="">
-      <p:transition spd="slow"/>
+    <mc:Fallback>
+      <p:transition advTm="9938"/>
     </mc:Fallback>
   </mc:AlternateContent>
   <p:timing>
@@ -6195,12 +6207,12 @@
   <p:clrMapOvr>
     <a:masterClrMapping/>
   </p:clrMapOvr>
-  <mc:AlternateContent xmlns:mc="http://schemas.openxmlformats.org/markup-compatibility/2006" xmlns:p14="http://schemas.microsoft.com/office/powerpoint/2010/main">
-    <mc:Choice Requires="p14">
-      <p:transition spd="slow" p14:dur="2000"/>
+  <mc:AlternateContent xmlns:mc="http://schemas.openxmlformats.org/markup-compatibility/2006">
+    <mc:Choice xmlns:p14="http://schemas.microsoft.com/office/powerpoint/2010/main" Requires="p14">
+      <p:transition p14:dur="0" advTm="9938"/>
     </mc:Choice>
-    <mc:Fallback xmlns="">
-      <p:transition spd="slow"/>
+    <mc:Fallback>
+      <p:transition advTm="9938"/>
     </mc:Fallback>
   </mc:AlternateContent>
   <p:timing>
@@ -6434,12 +6446,12 @@
   <p:clrMapOvr>
     <a:masterClrMapping/>
   </p:clrMapOvr>
-  <mc:AlternateContent xmlns:mc="http://schemas.openxmlformats.org/markup-compatibility/2006" xmlns:p14="http://schemas.microsoft.com/office/powerpoint/2010/main">
-    <mc:Choice Requires="p14">
-      <p:transition spd="slow" p14:dur="2000"/>
+  <mc:AlternateContent xmlns:mc="http://schemas.openxmlformats.org/markup-compatibility/2006">
+    <mc:Choice xmlns:p14="http://schemas.microsoft.com/office/powerpoint/2010/main" Requires="p14">
+      <p:transition p14:dur="0" advTm="9938"/>
     </mc:Choice>
-    <mc:Fallback xmlns="">
-      <p:transition spd="slow"/>
+    <mc:Fallback>
+      <p:transition advTm="9938"/>
     </mc:Fallback>
   </mc:AlternateContent>
   <p:timing>
@@ -6611,10 +6623,10 @@
                 <a:latin typeface="冬青黑体简体中文 W3" panose="020B0300000000000000" pitchFamily="34" charset="-122"/>
                 <a:ea typeface="冬青黑体简体中文 W3" panose="020B0300000000000000" pitchFamily="34" charset="-122"/>
               </a:rPr>
-              <a:t>指</a:t>
-            </a:r>
-            <a:r>
-              <a:rPr lang="zh-CN" altLang="en-US" dirty="0" smtClean="0">
+              <a:t>指向 </a:t>
+            </a:r>
+            <a:r>
+              <a:rPr lang="en-US" altLang="zh-CN" dirty="0" smtClean="0">
                 <a:solidFill>
                   <a:schemeClr val="tx1">
                     <a:lumMod val="85000"/>
@@ -6624,7 +6636,17 @@
                 <a:latin typeface="冬青黑体简体中文 W3" panose="020B0300000000000000" pitchFamily="34" charset="-122"/>
                 <a:ea typeface="冬青黑体简体中文 W3" panose="020B0300000000000000" pitchFamily="34" charset="-122"/>
               </a:rPr>
-              <a:t>向 </a:t>
+              <a:t>`</a:t>
+            </a:r>
+            <a:r>
+              <a:rPr lang="en-US" altLang="zh-CN" dirty="0" smtClean="0">
+                <a:solidFill>
+                  <a:srgbClr val="C00000"/>
+                </a:solidFill>
+                <a:latin typeface="冬青黑体简体中文 W3" panose="020B0300000000000000" pitchFamily="34" charset="-122"/>
+                <a:ea typeface="冬青黑体简体中文 W3" panose="020B0300000000000000" pitchFamily="34" charset="-122"/>
+              </a:rPr>
+              <a:t>undefined</a:t>
             </a:r>
             <a:r>
               <a:rPr lang="en-US" altLang="zh-CN" dirty="0" smtClean="0">
@@ -6638,42 +6660,6 @@
                 <a:ea typeface="冬青黑体简体中文 W3" panose="020B0300000000000000" pitchFamily="34" charset="-122"/>
               </a:rPr>
               <a:t>`</a:t>
-            </a:r>
-            <a:r>
-              <a:rPr lang="en-US" altLang="zh-CN" dirty="0" smtClean="0">
-                <a:solidFill>
-                  <a:srgbClr val="C00000"/>
-                </a:solidFill>
-                <a:latin typeface="冬青黑体简体中文 W3" panose="020B0300000000000000" pitchFamily="34" charset="-122"/>
-                <a:ea typeface="冬青黑体简体中文 W3" panose="020B0300000000000000" pitchFamily="34" charset="-122"/>
-              </a:rPr>
-              <a:t>undefined</a:t>
-            </a:r>
-            <a:r>
-              <a:rPr lang="en-US" altLang="zh-CN" dirty="0" smtClean="0">
-                <a:solidFill>
-                  <a:schemeClr val="tx1">
-                    <a:lumMod val="85000"/>
-                    <a:lumOff val="15000"/>
-                  </a:schemeClr>
-                </a:solidFill>
-                <a:latin typeface="冬青黑体简体中文 W3" panose="020B0300000000000000" pitchFamily="34" charset="-122"/>
-                <a:ea typeface="冬青黑体简体中文 W3" panose="020B0300000000000000" pitchFamily="34" charset="-122"/>
-              </a:rPr>
-              <a:t>`</a:t>
-            </a:r>
-            <a:r>
-              <a:rPr lang="en-US" altLang="zh-CN" dirty="0" smtClean="0">
-                <a:solidFill>
-                  <a:schemeClr val="tx1">
-                    <a:lumMod val="85000"/>
-                    <a:lumOff val="15000"/>
-                  </a:schemeClr>
-                </a:solidFill>
-                <a:latin typeface="冬青黑体简体中文 W3" panose="020B0300000000000000" pitchFamily="34" charset="-122"/>
-                <a:ea typeface="冬青黑体简体中文 W3" panose="020B0300000000000000" pitchFamily="34" charset="-122"/>
-              </a:rPr>
-              <a:t/>
             </a:r>
             <a:br>
               <a:rPr lang="en-US" altLang="zh-CN" dirty="0" smtClean="0">
@@ -6805,20 +6791,7 @@
                 <a:latin typeface="冬青黑体简体中文 W3" panose="020B0300000000000000" pitchFamily="34" charset="-122"/>
                 <a:ea typeface="冬青黑体简体中文 W3" panose="020B0300000000000000" pitchFamily="34" charset="-122"/>
               </a:rPr>
-              <a:t>`</a:t>
-            </a:r>
-            <a:r>
-              <a:rPr lang="en-US" altLang="zh-CN" dirty="0" smtClean="0">
-                <a:solidFill>
-                  <a:schemeClr val="tx1">
-                    <a:lumMod val="85000"/>
-                    <a:lumOff val="15000"/>
-                  </a:schemeClr>
-                </a:solidFill>
-                <a:latin typeface="冬青黑体简体中文 W3" panose="020B0300000000000000" pitchFamily="34" charset="-122"/>
-                <a:ea typeface="冬青黑体简体中文 W3" panose="020B0300000000000000" pitchFamily="34" charset="-122"/>
-              </a:rPr>
-              <a:t>		 </a:t>
+              <a:t>`		 </a:t>
             </a:r>
             <a:endParaRPr lang="zh-CN" altLang="en-US" dirty="0" smtClean="0">
               <a:solidFill>
@@ -6843,12 +6816,12 @@
   <p:clrMapOvr>
     <a:masterClrMapping/>
   </p:clrMapOvr>
-  <mc:AlternateContent xmlns:mc="http://schemas.openxmlformats.org/markup-compatibility/2006" xmlns:p14="http://schemas.microsoft.com/office/powerpoint/2010/main">
-    <mc:Choice Requires="p14">
-      <p:transition spd="slow" p14:dur="2000"/>
+  <mc:AlternateContent xmlns:mc="http://schemas.openxmlformats.org/markup-compatibility/2006">
+    <mc:Choice xmlns:p14="http://schemas.microsoft.com/office/powerpoint/2010/main" Requires="p14">
+      <p:transition p14:dur="0" advTm="9938"/>
     </mc:Choice>
-    <mc:Fallback xmlns="">
-      <p:transition spd="slow"/>
+    <mc:Fallback>
+      <p:transition advTm="9938"/>
     </mc:Fallback>
   </mc:AlternateContent>
   <p:timing>
@@ -6954,12 +6927,12 @@
   <p:clrMapOvr>
     <a:masterClrMapping/>
   </p:clrMapOvr>
-  <mc:AlternateContent xmlns:mc="http://schemas.openxmlformats.org/markup-compatibility/2006" xmlns:p14="http://schemas.microsoft.com/office/powerpoint/2010/main">
-    <mc:Choice Requires="p14">
-      <p:transition spd="slow" p14:dur="2000"/>
+  <mc:AlternateContent xmlns:mc="http://schemas.openxmlformats.org/markup-compatibility/2006">
+    <mc:Choice xmlns:p14="http://schemas.microsoft.com/office/powerpoint/2010/main" Requires="p14">
+      <p:transition p14:dur="0" advTm="9938"/>
     </mc:Choice>
-    <mc:Fallback xmlns="">
-      <p:transition spd="slow"/>
+    <mc:Fallback>
+      <p:transition advTm="9938"/>
     </mc:Fallback>
   </mc:AlternateContent>
   <p:timing>
@@ -7124,20 +7097,7 @@
                 <a:latin typeface="冬青黑体简体中文 W3" panose="020B0300000000000000" pitchFamily="34" charset="-122"/>
                 <a:ea typeface="冬青黑体简体中文 W3" panose="020B0300000000000000" pitchFamily="34" charset="-122"/>
               </a:rPr>
-              <a:t>头函</a:t>
-            </a:r>
-            <a:r>
-              <a:rPr lang="zh-CN" altLang="en-US" dirty="0" smtClean="0">
-                <a:solidFill>
-                  <a:schemeClr val="tx1">
-                    <a:lumMod val="85000"/>
-                    <a:lumOff val="15000"/>
-                  </a:schemeClr>
-                </a:solidFill>
-                <a:latin typeface="冬青黑体简体中文 W3" panose="020B0300000000000000" pitchFamily="34" charset="-122"/>
-                <a:ea typeface="冬青黑体简体中文 W3" panose="020B0300000000000000" pitchFamily="34" charset="-122"/>
-              </a:rPr>
-              <a:t>数</a:t>
+              <a:t>头函数</a:t>
             </a:r>
             <a:endParaRPr lang="en-US" altLang="zh-CN" dirty="0" smtClean="0">
               <a:solidFill>
@@ -7233,12 +7193,12 @@
   <p:clrMapOvr>
     <a:masterClrMapping/>
   </p:clrMapOvr>
-  <mc:AlternateContent xmlns:mc="http://schemas.openxmlformats.org/markup-compatibility/2006" xmlns:p14="http://schemas.microsoft.com/office/powerpoint/2010/main">
-    <mc:Choice Requires="p14">
-      <p:transition spd="slow" p14:dur="2000"/>
+  <mc:AlternateContent xmlns:mc="http://schemas.openxmlformats.org/markup-compatibility/2006">
+    <mc:Choice xmlns:p14="http://schemas.microsoft.com/office/powerpoint/2010/main" Requires="p14">
+      <p:transition p14:dur="0" advTm="9938"/>
     </mc:Choice>
-    <mc:Fallback xmlns="">
-      <p:transition spd="slow"/>
+    <mc:Fallback>
+      <p:transition advTm="9938"/>
     </mc:Fallback>
   </mc:AlternateContent>
   <p:timing>
@@ -7355,20 +7315,7 @@
                 <a:latin typeface="冬青黑体简体中文 W3" panose="020B0300000000000000" pitchFamily="34" charset="-122"/>
                 <a:ea typeface="冬青黑体简体中文 W3" panose="020B0300000000000000" pitchFamily="34" charset="-122"/>
               </a:rPr>
-              <a:t>什么是普通函</a:t>
-            </a:r>
-            <a:r>
-              <a:rPr lang="zh-CN" altLang="en-US" dirty="0" smtClean="0">
-                <a:solidFill>
-                  <a:schemeClr val="tx1">
-                    <a:lumMod val="85000"/>
-                    <a:lumOff val="15000"/>
-                  </a:schemeClr>
-                </a:solidFill>
-                <a:latin typeface="冬青黑体简体中文 W3" panose="020B0300000000000000" pitchFamily="34" charset="-122"/>
-                <a:ea typeface="冬青黑体简体中文 W3" panose="020B0300000000000000" pitchFamily="34" charset="-122"/>
-              </a:rPr>
-              <a:t>数</a:t>
+              <a:t>什么是普通函数</a:t>
             </a:r>
             <a:endParaRPr lang="en-US" altLang="zh-CN" dirty="0" smtClean="0">
               <a:solidFill>
@@ -7596,31 +7543,8 @@
                 <a:latin typeface="冬青黑体简体中文 W3" panose="020B0300000000000000" pitchFamily="34" charset="-122"/>
                 <a:ea typeface="冬青黑体简体中文 W3" panose="020B0300000000000000" pitchFamily="34" charset="-122"/>
               </a:rPr>
-              <a:t>var a = new Function</a:t>
-            </a:r>
-            <a:r>
-              <a:rPr lang="en-US" altLang="zh-CN" dirty="0" smtClean="0">
-                <a:solidFill>
-                  <a:schemeClr val="tx1">
-                    <a:lumMod val="75000"/>
-                    <a:lumOff val="25000"/>
-                  </a:schemeClr>
-                </a:solidFill>
-                <a:latin typeface="冬青黑体简体中文 W3" panose="020B0300000000000000" pitchFamily="34" charset="-122"/>
-                <a:ea typeface="冬青黑体简体中文 W3" panose="020B0300000000000000" pitchFamily="34" charset="-122"/>
-              </a:rPr>
-              <a:t>(...)</a:t>
-            </a:r>
-            <a:endParaRPr lang="en-US" altLang="zh-CN" dirty="0" smtClean="0">
-              <a:solidFill>
-                <a:schemeClr val="tx1">
-                  <a:lumMod val="75000"/>
-                  <a:lumOff val="25000"/>
-                </a:schemeClr>
-              </a:solidFill>
-              <a:latin typeface="冬青黑体简体中文 W3" panose="020B0300000000000000" pitchFamily="34" charset="-122"/>
-              <a:ea typeface="冬青黑体简体中文 W3" panose="020B0300000000000000" pitchFamily="34" charset="-122"/>
-            </a:endParaRPr>
+              <a:t>var a = new Function(...)</a:t>
+            </a:r>
           </a:p>
           <a:p>
             <a:pPr marL="800100" lvl="1" indent="-342900">
@@ -7654,20 +7578,7 @@
                 <a:latin typeface="冬青黑体简体中文 W3" panose="020B0300000000000000" pitchFamily="34" charset="-122"/>
                 <a:ea typeface="冬青黑体简体中文 W3" panose="020B0300000000000000" pitchFamily="34" charset="-122"/>
               </a:rPr>
-              <a:t>根</a:t>
-            </a:r>
-            <a:r>
-              <a:rPr lang="zh-CN" altLang="en-US" dirty="0" smtClean="0">
-                <a:solidFill>
-                  <a:schemeClr val="tx1">
-                    <a:lumMod val="85000"/>
-                    <a:lumOff val="15000"/>
-                  </a:schemeClr>
-                </a:solidFill>
-                <a:latin typeface="冬青黑体简体中文 W3" panose="020B0300000000000000" pitchFamily="34" charset="-122"/>
-                <a:ea typeface="冬青黑体简体中文 W3" panose="020B0300000000000000" pitchFamily="34" charset="-122"/>
-              </a:rPr>
-              <a:t>据</a:t>
+              <a:t>根据</a:t>
             </a:r>
             <a:r>
               <a:rPr lang="zh-CN" altLang="en-US" dirty="0">
@@ -7985,12 +7896,12 @@
   <p:clrMapOvr>
     <a:masterClrMapping/>
   </p:clrMapOvr>
-  <mc:AlternateContent xmlns:mc="http://schemas.openxmlformats.org/markup-compatibility/2006" xmlns:p14="http://schemas.microsoft.com/office/powerpoint/2010/main">
-    <mc:Choice Requires="p14">
-      <p:transition spd="slow" p14:dur="2000"/>
+  <mc:AlternateContent xmlns:mc="http://schemas.openxmlformats.org/markup-compatibility/2006">
+    <mc:Choice xmlns:p14="http://schemas.microsoft.com/office/powerpoint/2010/main" Requires="p14">
+      <p:transition p14:dur="0" advTm="9938"/>
     </mc:Choice>
-    <mc:Fallback xmlns="">
-      <p:transition spd="slow"/>
+    <mc:Fallback>
+      <p:transition advTm="9938"/>
     </mc:Fallback>
   </mc:AlternateContent>
   <p:timing>
@@ -8090,12 +8001,12 @@
   <p:clrMapOvr>
     <a:masterClrMapping/>
   </p:clrMapOvr>
-  <mc:AlternateContent xmlns:mc="http://schemas.openxmlformats.org/markup-compatibility/2006" xmlns:p14="http://schemas.microsoft.com/office/powerpoint/2010/main">
-    <mc:Choice Requires="p14">
-      <p:transition spd="slow" p14:dur="2000"/>
+  <mc:AlternateContent xmlns:mc="http://schemas.openxmlformats.org/markup-compatibility/2006">
+    <mc:Choice xmlns:p14="http://schemas.microsoft.com/office/powerpoint/2010/main" Requires="p14">
+      <p:transition p14:dur="0" advTm="9938"/>
     </mc:Choice>
-    <mc:Fallback xmlns="">
-      <p:transition spd="slow"/>
+    <mc:Fallback>
+      <p:transition advTm="9938"/>
     </mc:Fallback>
   </mc:AlternateContent>
   <p:timing>

--- a/ppt/JavaScript基础一.pptx
+++ b/ppt/JavaScript基础一.pptx
@@ -5,10 +5,10 @@
     <p:sldMasterId id="2147483686" r:id="rId1"/>
   </p:sldMasterIdLst>
   <p:notesMasterIdLst>
-    <p:notesMasterId r:id="rId22"/>
+    <p:notesMasterId r:id="rId25"/>
   </p:notesMasterIdLst>
   <p:handoutMasterIdLst>
-    <p:handoutMasterId r:id="rId23"/>
+    <p:handoutMasterId r:id="rId26"/>
   </p:handoutMasterIdLst>
   <p:sldIdLst>
     <p:sldId id="256" r:id="rId2"/>
@@ -30,21 +30,24 @@
     <p:sldId id="274" r:id="rId18"/>
     <p:sldId id="276" r:id="rId19"/>
     <p:sldId id="277" r:id="rId20"/>
-    <p:sldId id="263" r:id="rId21"/>
+    <p:sldId id="278" r:id="rId21"/>
+    <p:sldId id="279" r:id="rId22"/>
+    <p:sldId id="280" r:id="rId23"/>
+    <p:sldId id="263" r:id="rId24"/>
   </p:sldIdLst>
   <p:sldSz cx="12192000" cy="6858000"/>
   <p:notesSz cx="6858000" cy="9144000"/>
   <p:embeddedFontLst>
     <p:embeddedFont>
       <p:font typeface="Calibri" panose="020F0502020204030204" pitchFamily="34" charset="0"/>
-      <p:regular r:id="rId24"/>
-      <p:bold r:id="rId25"/>
-      <p:italic r:id="rId26"/>
-      <p:boldItalic r:id="rId27"/>
+      <p:regular r:id="rId27"/>
+      <p:bold r:id="rId28"/>
+      <p:italic r:id="rId29"/>
+      <p:boldItalic r:id="rId30"/>
     </p:embeddedFont>
     <p:embeddedFont>
       <p:font typeface="冬青黑体简体中文 W3" panose="020B0300000000000000" pitchFamily="34" charset="-122"/>
-      <p:regular r:id="rId28"/>
+      <p:regular r:id="rId31"/>
     </p:embeddedFont>
   </p:embeddedFontLst>
   <p:defaultTextStyle>
@@ -145,7 +148,7 @@
   <p:extLst>
     <p:ext uri="{EFAFB233-063F-42B5-8137-9DF3F51BA10A}">
       <p15:sldGuideLst xmlns:p15="http://schemas.microsoft.com/office/powerpoint/2012/main">
-        <p15:guide id="1" orient="horz" pos="2160" userDrawn="1">
+        <p15:guide id="1" orient="horz" pos="2137" userDrawn="1">
           <p15:clr>
             <a:srgbClr val="A4A3A4"/>
           </p15:clr>
@@ -160,7 +163,7 @@
             <a:srgbClr val="A4A3A4"/>
           </p15:clr>
         </p15:guide>
-        <p15:guide id="4" pos="3841" userDrawn="1">
+        <p15:guide id="4" pos="3885" userDrawn="1">
           <p15:clr>
             <a:srgbClr val="A4A3A4"/>
           </p15:clr>
@@ -278,7 +281,7 @@
           <a:p>
             <a:fld id="{EF39233F-B0BB-44DE-A7B3-17CA56738593}" type="datetimeFigureOut">
               <a:rPr lang="zh-CN" altLang="en-US" smtClean="0"/>
-              <a:t>2018/9/3</a:t>
+              <a:t>2018/9/4</a:t>
             </a:fld>
             <a:endParaRPr lang="zh-CN" altLang="en-US"/>
           </a:p>
@@ -444,7 +447,7 @@
           <a:p>
             <a:fld id="{8E7218B8-0759-4EF6-915F-DEF35E047769}" type="datetimeFigureOut">
               <a:rPr lang="zh-CN" altLang="en-US" smtClean="0"/>
-              <a:t>2018/9/3</a:t>
+              <a:t>2018/9/4</a:t>
             </a:fld>
             <a:endParaRPr lang="zh-CN" altLang="en-US"/>
           </a:p>
@@ -962,11 +965,7 @@
           <a:p>
             <a:r>
               <a:rPr lang="zh-CN" altLang="en-US" dirty="0" smtClean="0"/>
-              <a:t>更</a:t>
-            </a:r>
-            <a:r>
-              <a:rPr lang="zh-CN" altLang="en-US" dirty="0" smtClean="0"/>
-              <a:t>细节具体的</a:t>
+              <a:t>更细节具体的</a:t>
             </a:r>
             <a:r>
               <a:rPr lang="en-US" altLang="zh-CN" dirty="0" smtClean="0"/>
@@ -1014,6 +1013,301 @@
     <p:extLst>
       <p:ext uri="{BB962C8B-B14F-4D97-AF65-F5344CB8AC3E}">
         <p14:creationId xmlns:p14="http://schemas.microsoft.com/office/powerpoint/2010/main" val="2793922908"/>
+      </p:ext>
+    </p:extLst>
+  </p:cSld>
+  <p:clrMapOvr>
+    <a:masterClrMapping/>
+  </p:clrMapOvr>
+</p:notes>
+</file>
+
+<file path=ppt/notesSlides/notesSlide12.xml><?xml version="1.0" encoding="utf-8"?>
+<p:notes xmlns:a="http://schemas.openxmlformats.org/drawingml/2006/main" xmlns:r="http://schemas.openxmlformats.org/officeDocument/2006/relationships" xmlns:p="http://schemas.openxmlformats.org/presentationml/2006/main">
+  <p:cSld>
+    <p:spTree>
+      <p:nvGrpSpPr>
+        <p:cNvPr id="1" name=""/>
+        <p:cNvGrpSpPr/>
+        <p:nvPr/>
+      </p:nvGrpSpPr>
+      <p:grpSpPr>
+        <a:xfrm>
+          <a:off x="0" y="0"/>
+          <a:ext cx="0" cy="0"/>
+          <a:chOff x="0" y="0"/>
+          <a:chExt cx="0" cy="0"/>
+        </a:xfrm>
+      </p:grpSpPr>
+      <p:sp>
+        <p:nvSpPr>
+          <p:cNvPr id="2" name="幻灯片图像占位符 1"/>
+          <p:cNvSpPr>
+            <a:spLocks noGrp="1" noRot="1" noChangeAspect="1"/>
+          </p:cNvSpPr>
+          <p:nvPr>
+            <p:ph type="sldImg"/>
+          </p:nvPr>
+        </p:nvSpPr>
+        <p:spPr/>
+      </p:sp>
+      <p:sp>
+        <p:nvSpPr>
+          <p:cNvPr id="3" name="备注占位符 2"/>
+          <p:cNvSpPr>
+            <a:spLocks noGrp="1"/>
+          </p:cNvSpPr>
+          <p:nvPr>
+            <p:ph type="body" idx="1"/>
+          </p:nvPr>
+        </p:nvSpPr>
+        <p:spPr/>
+        <p:txBody>
+          <a:bodyPr/>
+          <a:lstStyle/>
+          <a:p>
+            <a:r>
+              <a:rPr lang="zh-CN" altLang="en-US" dirty="0" smtClean="0"/>
+              <a:t>先扯一扯对象的继承话题，讨论一下</a:t>
+            </a:r>
+            <a:r>
+              <a:rPr lang="en-US" altLang="zh-CN" dirty="0" smtClean="0"/>
+              <a:t>Java</a:t>
+            </a:r>
+            <a:r>
+              <a:rPr lang="zh-CN" altLang="en-US" dirty="0" smtClean="0"/>
+              <a:t>里面的继承是如何实现的，再过渡到</a:t>
+            </a:r>
+            <a:r>
+              <a:rPr lang="en-US" altLang="zh-CN" dirty="0" smtClean="0"/>
+              <a:t>JavaScript</a:t>
+            </a:r>
+            <a:r>
+              <a:rPr lang="zh-CN" altLang="en-US" dirty="0" smtClean="0"/>
+              <a:t>中的继承方式。</a:t>
+            </a:r>
+            <a:endParaRPr lang="zh-CN" altLang="en-US" dirty="0"/>
+          </a:p>
+        </p:txBody>
+      </p:sp>
+      <p:sp>
+        <p:nvSpPr>
+          <p:cNvPr id="4" name="灯片编号占位符 3"/>
+          <p:cNvSpPr>
+            <a:spLocks noGrp="1"/>
+          </p:cNvSpPr>
+          <p:nvPr>
+            <p:ph type="sldNum" sz="quarter" idx="10"/>
+          </p:nvPr>
+        </p:nvSpPr>
+        <p:spPr/>
+        <p:txBody>
+          <a:bodyPr/>
+          <a:lstStyle/>
+          <a:p>
+            <a:fld id="{63D66438-32C0-4A55-81A6-6429864AD78C}" type="slidenum">
+              <a:rPr lang="zh-CN" altLang="en-US" smtClean="0"/>
+              <a:t>19</a:t>
+            </a:fld>
+            <a:endParaRPr lang="zh-CN" altLang="en-US"/>
+          </a:p>
+        </p:txBody>
+      </p:sp>
+    </p:spTree>
+    <p:extLst>
+      <p:ext uri="{BB962C8B-B14F-4D97-AF65-F5344CB8AC3E}">
+        <p14:creationId xmlns:p14="http://schemas.microsoft.com/office/powerpoint/2010/main" val="737959202"/>
+      </p:ext>
+    </p:extLst>
+  </p:cSld>
+  <p:clrMapOvr>
+    <a:masterClrMapping/>
+  </p:clrMapOvr>
+</p:notes>
+</file>
+
+<file path=ppt/notesSlides/notesSlide13.xml><?xml version="1.0" encoding="utf-8"?>
+<p:notes xmlns:a="http://schemas.openxmlformats.org/drawingml/2006/main" xmlns:r="http://schemas.openxmlformats.org/officeDocument/2006/relationships" xmlns:p="http://schemas.openxmlformats.org/presentationml/2006/main">
+  <p:cSld>
+    <p:spTree>
+      <p:nvGrpSpPr>
+        <p:cNvPr id="1" name=""/>
+        <p:cNvGrpSpPr/>
+        <p:nvPr/>
+      </p:nvGrpSpPr>
+      <p:grpSpPr>
+        <a:xfrm>
+          <a:off x="0" y="0"/>
+          <a:ext cx="0" cy="0"/>
+          <a:chOff x="0" y="0"/>
+          <a:chExt cx="0" cy="0"/>
+        </a:xfrm>
+      </p:grpSpPr>
+      <p:sp>
+        <p:nvSpPr>
+          <p:cNvPr id="2" name="幻灯片图像占位符 1"/>
+          <p:cNvSpPr>
+            <a:spLocks noGrp="1" noRot="1" noChangeAspect="1"/>
+          </p:cNvSpPr>
+          <p:nvPr>
+            <p:ph type="sldImg"/>
+          </p:nvPr>
+        </p:nvSpPr>
+        <p:spPr/>
+      </p:sp>
+      <p:sp>
+        <p:nvSpPr>
+          <p:cNvPr id="3" name="备注占位符 2"/>
+          <p:cNvSpPr>
+            <a:spLocks noGrp="1"/>
+          </p:cNvSpPr>
+          <p:nvPr>
+            <p:ph type="body" idx="1"/>
+          </p:nvPr>
+        </p:nvSpPr>
+        <p:spPr/>
+        <p:txBody>
+          <a:bodyPr/>
+          <a:lstStyle/>
+          <a:p>
+            <a:r>
+              <a:rPr lang="zh-CN" altLang="en-US" dirty="0" smtClean="0"/>
+              <a:t>首先，我们先看一下认识一下</a:t>
+            </a:r>
+            <a:r>
+              <a:rPr lang="en-US" altLang="zh-CN" dirty="0" smtClean="0"/>
+              <a:t> prototype </a:t>
+            </a:r>
+            <a:r>
+              <a:rPr lang="zh-CN" altLang="en-US" dirty="0" smtClean="0"/>
+              <a:t>对象。</a:t>
+            </a:r>
+            <a:endParaRPr lang="en-US" altLang="zh-CN" dirty="0" smtClean="0"/>
+          </a:p>
+          <a:p>
+            <a:r>
+              <a:rPr lang="zh-CN" altLang="en-US" dirty="0" smtClean="0"/>
+              <a:t>然后，我们再来看实例是如何继承原型的</a:t>
+            </a:r>
+            <a:endParaRPr lang="en-US" altLang="zh-CN" dirty="0" smtClean="0"/>
+          </a:p>
+        </p:txBody>
+      </p:sp>
+      <p:sp>
+        <p:nvSpPr>
+          <p:cNvPr id="4" name="灯片编号占位符 3"/>
+          <p:cNvSpPr>
+            <a:spLocks noGrp="1"/>
+          </p:cNvSpPr>
+          <p:nvPr>
+            <p:ph type="sldNum" sz="quarter" idx="10"/>
+          </p:nvPr>
+        </p:nvSpPr>
+        <p:spPr/>
+        <p:txBody>
+          <a:bodyPr/>
+          <a:lstStyle/>
+          <a:p>
+            <a:fld id="{63D66438-32C0-4A55-81A6-6429864AD78C}" type="slidenum">
+              <a:rPr lang="zh-CN" altLang="en-US" smtClean="0"/>
+              <a:t>20</a:t>
+            </a:fld>
+            <a:endParaRPr lang="zh-CN" altLang="en-US"/>
+          </a:p>
+        </p:txBody>
+      </p:sp>
+    </p:spTree>
+    <p:extLst>
+      <p:ext uri="{BB962C8B-B14F-4D97-AF65-F5344CB8AC3E}">
+        <p14:creationId xmlns:p14="http://schemas.microsoft.com/office/powerpoint/2010/main" val="2252324308"/>
+      </p:ext>
+    </p:extLst>
+  </p:cSld>
+  <p:clrMapOvr>
+    <a:masterClrMapping/>
+  </p:clrMapOvr>
+</p:notes>
+</file>
+
+<file path=ppt/notesSlides/notesSlide14.xml><?xml version="1.0" encoding="utf-8"?>
+<p:notes xmlns:a="http://schemas.openxmlformats.org/drawingml/2006/main" xmlns:r="http://schemas.openxmlformats.org/officeDocument/2006/relationships" xmlns:p="http://schemas.openxmlformats.org/presentationml/2006/main">
+  <p:cSld>
+    <p:spTree>
+      <p:nvGrpSpPr>
+        <p:cNvPr id="1" name=""/>
+        <p:cNvGrpSpPr/>
+        <p:nvPr/>
+      </p:nvGrpSpPr>
+      <p:grpSpPr>
+        <a:xfrm>
+          <a:off x="0" y="0"/>
+          <a:ext cx="0" cy="0"/>
+          <a:chOff x="0" y="0"/>
+          <a:chExt cx="0" cy="0"/>
+        </a:xfrm>
+      </p:grpSpPr>
+      <p:sp>
+        <p:nvSpPr>
+          <p:cNvPr id="2" name="幻灯片图像占位符 1"/>
+          <p:cNvSpPr>
+            <a:spLocks noGrp="1" noRot="1" noChangeAspect="1"/>
+          </p:cNvSpPr>
+          <p:nvPr>
+            <p:ph type="sldImg"/>
+          </p:nvPr>
+        </p:nvSpPr>
+        <p:spPr/>
+      </p:sp>
+      <p:sp>
+        <p:nvSpPr>
+          <p:cNvPr id="3" name="备注占位符 2"/>
+          <p:cNvSpPr>
+            <a:spLocks noGrp="1"/>
+          </p:cNvSpPr>
+          <p:nvPr>
+            <p:ph type="body" idx="1"/>
+          </p:nvPr>
+        </p:nvSpPr>
+        <p:spPr/>
+        <p:txBody>
+          <a:bodyPr/>
+          <a:lstStyle/>
+          <a:p>
+            <a:r>
+              <a:rPr lang="zh-CN" altLang="en-US" dirty="0" smtClean="0"/>
+              <a:t>提示听众注意此处的 “每个对象” 跟上一节中的 “每个函数” 的区别，对象不一定是函数，函数一定是对象。</a:t>
+            </a:r>
+            <a:endParaRPr lang="en-US" altLang="zh-CN" dirty="0" smtClean="0"/>
+          </a:p>
+        </p:txBody>
+      </p:sp>
+      <p:sp>
+        <p:nvSpPr>
+          <p:cNvPr id="4" name="灯片编号占位符 3"/>
+          <p:cNvSpPr>
+            <a:spLocks noGrp="1"/>
+          </p:cNvSpPr>
+          <p:nvPr>
+            <p:ph type="sldNum" sz="quarter" idx="10"/>
+          </p:nvPr>
+        </p:nvSpPr>
+        <p:spPr/>
+        <p:txBody>
+          <a:bodyPr/>
+          <a:lstStyle/>
+          <a:p>
+            <a:fld id="{63D66438-32C0-4A55-81A6-6429864AD78C}" type="slidenum">
+              <a:rPr lang="zh-CN" altLang="en-US" smtClean="0"/>
+              <a:t>22</a:t>
+            </a:fld>
+            <a:endParaRPr lang="zh-CN" altLang="en-US"/>
+          </a:p>
+        </p:txBody>
+      </p:sp>
+    </p:spTree>
+    <p:extLst>
+      <p:ext uri="{BB962C8B-B14F-4D97-AF65-F5344CB8AC3E}">
+        <p14:creationId xmlns:p14="http://schemas.microsoft.com/office/powerpoint/2010/main" val="2321892033"/>
       </p:ext>
     </p:extLst>
   </p:cSld>
@@ -1266,7 +1560,7 @@
           <a:p>
             <a:r>
               <a:rPr lang="zh-CN" altLang="en-US" dirty="0" smtClean="0"/>
-              <a:t>进入下一页，代码示例。。</a:t>
+              <a:t>执行上下文的定义：代码的执行环境快照。</a:t>
             </a:r>
             <a:endParaRPr lang="zh-CN" altLang="en-US" dirty="0"/>
           </a:p>
@@ -1954,15 +2248,11 @@
     <a:masterClrMapping/>
   </p:clrMapOvr>
   <mc:AlternateContent xmlns:mc="http://schemas.openxmlformats.org/markup-compatibility/2006">
-    <mc:Choice xmlns:p15="http://schemas.microsoft.com/office/powerpoint/2012/main" Requires="p15">
-      <p:transition xmlns:p14="http://schemas.microsoft.com/office/powerpoint/2010/main" spd="slow" p14:dur="2000" advTm="9938">
-        <p15:prstTrans prst="origami"/>
-      </p:transition>
+    <mc:Choice xmlns:p14="http://schemas.microsoft.com/office/powerpoint/2010/main" Requires="p14">
+      <p:transition p14:dur="0" advTm="9938"/>
     </mc:Choice>
     <mc:Fallback>
-      <p:transition spd="slow" advTm="9938">
-        <p:fade/>
-      </p:transition>
+      <p:transition advTm="9938"/>
     </mc:Fallback>
   </mc:AlternateContent>
 </p:sldLayout>
@@ -2068,15 +2358,11 @@
     <a:masterClrMapping/>
   </p:clrMapOvr>
   <mc:AlternateContent xmlns:mc="http://schemas.openxmlformats.org/markup-compatibility/2006">
-    <mc:Choice xmlns:p15="http://schemas.microsoft.com/office/powerpoint/2012/main" Requires="p15">
-      <p:transition xmlns:p14="http://schemas.microsoft.com/office/powerpoint/2010/main" spd="slow" p14:dur="2000" advTm="9938">
-        <p15:prstTrans prst="origami"/>
-      </p:transition>
+    <mc:Choice xmlns:p14="http://schemas.microsoft.com/office/powerpoint/2010/main" Requires="p14">
+      <p:transition p14:dur="0" advTm="9938"/>
     </mc:Choice>
     <mc:Fallback>
-      <p:transition spd="slow" advTm="9938">
-        <p:fade/>
-      </p:transition>
+      <p:transition advTm="9938"/>
     </mc:Fallback>
   </mc:AlternateContent>
   <p:extLst mod="1">
@@ -2192,15 +2478,11 @@
     <a:masterClrMapping/>
   </p:clrMapOvr>
   <mc:AlternateContent xmlns:mc="http://schemas.openxmlformats.org/markup-compatibility/2006">
-    <mc:Choice xmlns:p15="http://schemas.microsoft.com/office/powerpoint/2012/main" Requires="p15">
-      <p:transition xmlns:p14="http://schemas.microsoft.com/office/powerpoint/2010/main" spd="slow" p14:dur="2000" advTm="9938">
-        <p15:prstTrans prst="origami"/>
-      </p:transition>
+    <mc:Choice xmlns:p14="http://schemas.microsoft.com/office/powerpoint/2010/main" Requires="p14">
+      <p:transition p14:dur="0" advTm="9938"/>
     </mc:Choice>
     <mc:Fallback>
-      <p:transition spd="slow" advTm="9938">
-        <p:fade/>
-      </p:transition>
+      <p:transition advTm="9938"/>
     </mc:Fallback>
   </mc:AlternateContent>
   <p:extLst mod="1">
@@ -2246,10 +2528,10 @@
   </p:clrMapOvr>
   <mc:AlternateContent xmlns:mc="http://schemas.openxmlformats.org/markup-compatibility/2006">
     <mc:Choice xmlns:p14="http://schemas.microsoft.com/office/powerpoint/2010/main" Requires="p14">
-      <p:transition p14:dur="0" advClick="0"/>
+      <p:transition p14:dur="0" advTm="9938"/>
     </mc:Choice>
     <mc:Fallback>
-      <p:transition advClick="0"/>
+      <p:transition advTm="9938"/>
     </mc:Fallback>
   </mc:AlternateContent>
   <p:timing>
@@ -2417,7 +2699,7 @@
           <a:p>
             <a:fld id="{A981568D-62A3-428D-9EAF-2462161BCA07}" type="datetimeFigureOut">
               <a:rPr lang="zh-CN" altLang="en-US" smtClean="0"/>
-              <a:t>2018/9/3</a:t>
+              <a:t>2018/9/4</a:t>
             </a:fld>
             <a:endParaRPr lang="zh-CN" altLang="en-US"/>
           </a:p>
@@ -2470,15 +2752,11 @@
     <p:sldLayoutId id="2147483693" r:id="rId4"/>
   </p:sldLayoutIdLst>
   <mc:AlternateContent xmlns:mc="http://schemas.openxmlformats.org/markup-compatibility/2006">
-    <mc:Choice xmlns:p15="http://schemas.microsoft.com/office/powerpoint/2012/main" Requires="p15">
-      <p:transition xmlns:p14="http://schemas.microsoft.com/office/powerpoint/2010/main" spd="slow" p14:dur="2000" advTm="9938">
-        <p15:prstTrans prst="origami"/>
-      </p:transition>
+    <mc:Choice xmlns:p14="http://schemas.microsoft.com/office/powerpoint/2010/main" Requires="p14">
+      <p:transition p14:dur="0" advTm="9938"/>
     </mc:Choice>
     <mc:Fallback>
-      <p:transition spd="slow" advTm="9938">
-        <p:fade/>
-      </p:transition>
+      <p:transition advTm="9938"/>
     </mc:Fallback>
   </mc:AlternateContent>
   <p:timing>
@@ -2936,7 +3214,7 @@
   </p:clrMapOvr>
   <mc:AlternateContent xmlns:mc="http://schemas.openxmlformats.org/markup-compatibility/2006">
     <mc:Choice xmlns:p15="http://schemas.microsoft.com/office/powerpoint/2012/main" Requires="p15">
-      <p:transition xmlns:p14="http://schemas.microsoft.com/office/powerpoint/2010/main" spd="slow" p14:dur="2000" advClick="0">
+      <p:transition xmlns:p14="http://schemas.microsoft.com/office/powerpoint/2010/main" spd="slow" p14:dur="2500" advTm="9938">
         <p15:prstTrans prst="origami"/>
         <p:sndAc>
           <p:stSnd>
@@ -2946,7 +3224,7 @@
       </p:transition>
     </mc:Choice>
     <mc:Fallback>
-      <p:transition spd="slow" advClick="0">
+      <p:transition spd="slow" advTm="9938">
         <p:fade/>
         <p:sndAc>
           <p:stSnd>
@@ -3280,8 +3558,8 @@
               <a:rPr lang="en-US" altLang="zh-CN" dirty="0" smtClean="0">
                 <a:solidFill>
                   <a:schemeClr val="tx1">
-                    <a:lumMod val="75000"/>
-                    <a:lumOff val="25000"/>
+                    <a:lumMod val="65000"/>
+                    <a:lumOff val="35000"/>
                   </a:schemeClr>
                 </a:solidFill>
                 <a:latin typeface="冬青黑体简体中文 W3" panose="020B0300000000000000" pitchFamily="34" charset="-122"/>
@@ -3293,8 +3571,8 @@
               <a:rPr lang="zh-CN" altLang="en-US" dirty="0" smtClean="0">
                 <a:solidFill>
                   <a:schemeClr val="tx1">
-                    <a:lumMod val="75000"/>
-                    <a:lumOff val="25000"/>
+                    <a:lumMod val="65000"/>
+                    <a:lumOff val="35000"/>
                   </a:schemeClr>
                 </a:solidFill>
                 <a:latin typeface="冬青黑体简体中文 W3" panose="020B0300000000000000" pitchFamily="34" charset="-122"/>
@@ -3326,8 +3604,8 @@
               <a:rPr lang="zh-CN" altLang="en-US" dirty="0" smtClean="0">
                 <a:solidFill>
                   <a:schemeClr val="tx1">
-                    <a:lumMod val="75000"/>
-                    <a:lumOff val="25000"/>
+                    <a:lumMod val="65000"/>
+                    <a:lumOff val="35000"/>
                   </a:schemeClr>
                 </a:solidFill>
                 <a:latin typeface="冬青黑体简体中文 W3" panose="020B0300000000000000" pitchFamily="34" charset="-122"/>
@@ -3339,8 +3617,8 @@
               <a:rPr lang="en-US" altLang="zh-CN" dirty="0" smtClean="0">
                 <a:solidFill>
                   <a:schemeClr val="tx1">
-                    <a:lumMod val="85000"/>
-                    <a:lumOff val="15000"/>
+                    <a:lumMod val="65000"/>
+                    <a:lumOff val="35000"/>
                   </a:schemeClr>
                 </a:solidFill>
                 <a:latin typeface="冬青黑体简体中文 W3" panose="020B0300000000000000" pitchFamily="34" charset="-122"/>
@@ -3365,8 +3643,8 @@
               <a:rPr lang="en-US" altLang="zh-CN" dirty="0">
                 <a:solidFill>
                   <a:schemeClr val="tx1">
-                    <a:lumMod val="85000"/>
-                    <a:lumOff val="15000"/>
+                    <a:lumMod val="65000"/>
+                    <a:lumOff val="35000"/>
                   </a:schemeClr>
                 </a:solidFill>
                 <a:latin typeface="冬青黑体简体中文 W3" panose="020B0300000000000000" pitchFamily="34" charset="-122"/>
@@ -3378,8 +3656,8 @@
               <a:rPr lang="zh-CN" altLang="en-US" dirty="0" smtClean="0">
                 <a:solidFill>
                   <a:schemeClr val="tx1">
-                    <a:lumMod val="75000"/>
-                    <a:lumOff val="25000"/>
+                    <a:lumMod val="65000"/>
+                    <a:lumOff val="35000"/>
                   </a:schemeClr>
                 </a:solidFill>
                 <a:latin typeface="冬青黑体简体中文 W3" panose="020B0300000000000000" pitchFamily="34" charset="-122"/>
@@ -3391,8 +3669,8 @@
               <a:rPr lang="zh-CN" altLang="en-US" dirty="0" smtClean="0">
                 <a:solidFill>
                   <a:schemeClr val="tx1">
-                    <a:lumMod val="75000"/>
-                    <a:lumOff val="25000"/>
+                    <a:lumMod val="65000"/>
+                    <a:lumOff val="35000"/>
                   </a:schemeClr>
                 </a:solidFill>
                 <a:latin typeface="冬青黑体简体中文 W3" panose="020B0300000000000000" pitchFamily="34" charset="-122"/>
@@ -3405,8 +3683,8 @@
               <a:rPr lang="en-US" altLang="zh-CN" dirty="0" smtClean="0">
                 <a:solidFill>
                   <a:schemeClr val="tx1">
-                    <a:lumMod val="75000"/>
-                    <a:lumOff val="25000"/>
+                    <a:lumMod val="65000"/>
+                    <a:lumOff val="35000"/>
                   </a:schemeClr>
                 </a:solidFill>
                 <a:latin typeface="冬青黑体简体中文 W3" panose="020B0300000000000000" pitchFamily="34" charset="-122"/>
@@ -3433,29 +3711,15 @@
               <a:rPr lang="en-US" altLang="zh-CN" dirty="0" smtClean="0">
                 <a:solidFill>
                   <a:schemeClr val="tx1">
-                    <a:lumMod val="85000"/>
-                    <a:lumOff val="15000"/>
+                    <a:lumMod val="65000"/>
+                    <a:lumOff val="35000"/>
                   </a:schemeClr>
                 </a:solidFill>
                 <a:latin typeface="冬青黑体简体中文 W3" panose="020B0300000000000000" pitchFamily="34" charset="-122"/>
                 <a:ea typeface="冬青黑体简体中文 W3" panose="020B0300000000000000" pitchFamily="34" charset="-122"/>
                 <a:sym typeface="Wingdings" panose="05000000000000000000" pitchFamily="2" charset="2"/>
               </a:rPr>
-              <a:t> </a:t>
-            </a:r>
-            <a:r>
-              <a:rPr lang="en-US" altLang="zh-CN" dirty="0" smtClean="0">
-                <a:solidFill>
-                  <a:schemeClr val="tx1">
-                    <a:lumMod val="75000"/>
-                    <a:lumOff val="25000"/>
-                  </a:schemeClr>
-                </a:solidFill>
-                <a:latin typeface="冬青黑体简体中文 W3" panose="020B0300000000000000" pitchFamily="34" charset="-122"/>
-                <a:ea typeface="冬青黑体简体中文 W3" panose="020B0300000000000000" pitchFamily="34" charset="-122"/>
-                <a:sym typeface="Wingdings" panose="05000000000000000000" pitchFamily="2" charset="2"/>
-              </a:rPr>
-              <a:t>}</a:t>
+              <a:t> }</a:t>
             </a:r>
           </a:p>
           <a:p>
@@ -3543,8 +3807,8 @@
               <a:rPr lang="zh-CN" altLang="en-US" dirty="0" smtClean="0">
                 <a:solidFill>
                   <a:schemeClr val="tx1">
-                    <a:lumMod val="75000"/>
-                    <a:lumOff val="25000"/>
+                    <a:lumMod val="65000"/>
+                    <a:lumOff val="35000"/>
                   </a:schemeClr>
                 </a:solidFill>
                 <a:latin typeface="冬青黑体简体中文 W3" panose="020B0300000000000000" pitchFamily="34" charset="-122"/>
@@ -3557,8 +3821,8 @@
               <a:rPr lang="en-US" altLang="zh-CN" dirty="0" smtClean="0">
                 <a:solidFill>
                   <a:schemeClr val="tx1">
-                    <a:lumMod val="75000"/>
-                    <a:lumOff val="25000"/>
+                    <a:lumMod val="65000"/>
+                    <a:lumOff val="35000"/>
                   </a:schemeClr>
                 </a:solidFill>
                 <a:latin typeface="冬青黑体简体中文 W3" panose="020B0300000000000000" pitchFamily="34" charset="-122"/>
@@ -3571,8 +3835,8 @@
               <a:rPr lang="zh-CN" altLang="en-US" dirty="0" smtClean="0">
                 <a:solidFill>
                   <a:schemeClr val="tx1">
-                    <a:lumMod val="75000"/>
-                    <a:lumOff val="25000"/>
+                    <a:lumMod val="65000"/>
+                    <a:lumOff val="35000"/>
                   </a:schemeClr>
                 </a:solidFill>
                 <a:latin typeface="冬青黑体简体中文 W3" panose="020B0300000000000000" pitchFamily="34" charset="-122"/>
@@ -3596,8 +3860,8 @@
               <a:rPr lang="zh-CN" altLang="en-US" dirty="0" smtClean="0">
                 <a:solidFill>
                   <a:schemeClr val="tx1">
-                    <a:lumMod val="75000"/>
-                    <a:lumOff val="25000"/>
+                    <a:lumMod val="65000"/>
+                    <a:lumOff val="35000"/>
                   </a:schemeClr>
                 </a:solidFill>
                 <a:latin typeface="冬青黑体简体中文 W3" panose="020B0300000000000000" pitchFamily="34" charset="-122"/>
@@ -3610,8 +3874,8 @@
               <a:rPr lang="en-US" altLang="zh-CN" dirty="0" smtClean="0">
                 <a:solidFill>
                   <a:schemeClr val="tx1">
-                    <a:lumMod val="75000"/>
-                    <a:lumOff val="25000"/>
+                    <a:lumMod val="65000"/>
+                    <a:lumOff val="35000"/>
                   </a:schemeClr>
                 </a:solidFill>
                 <a:latin typeface="冬青黑体简体中文 W3" panose="020B0300000000000000" pitchFamily="34" charset="-122"/>
@@ -3624,8 +3888,8 @@
               <a:rPr lang="zh-CN" altLang="en-US" dirty="0" smtClean="0">
                 <a:solidFill>
                   <a:schemeClr val="tx1">
-                    <a:lumMod val="75000"/>
-                    <a:lumOff val="25000"/>
+                    <a:lumMod val="65000"/>
+                    <a:lumOff val="35000"/>
                   </a:schemeClr>
                 </a:solidFill>
                 <a:latin typeface="冬青黑体简体中文 W3" panose="020B0300000000000000" pitchFamily="34" charset="-122"/>
@@ -3637,8 +3901,8 @@
             <a:endParaRPr lang="en-US" altLang="zh-CN" dirty="0" smtClean="0">
               <a:solidFill>
                 <a:schemeClr val="tx1">
-                  <a:lumMod val="75000"/>
-                  <a:lumOff val="25000"/>
+                  <a:lumMod val="65000"/>
+                  <a:lumOff val="35000"/>
                 </a:schemeClr>
               </a:solidFill>
               <a:latin typeface="冬青黑体简体中文 W3" panose="020B0300000000000000" pitchFamily="34" charset="-122"/>
@@ -3843,7 +4107,7 @@
         <p:spPr/>
         <p:txBody>
           <a:bodyPr>
-            <a:normAutofit lnSpcReduction="10000"/>
+            <a:normAutofit/>
           </a:bodyPr>
           <a:lstStyle/>
           <a:p>
@@ -4360,10 +4624,10 @@
                   </a:schemeClr>
                 </a:solidFill>
               </a:rPr>
-              <a:t>方法：返回一个新函数，函数的</a:t>
-            </a:r>
-            <a:r>
-              <a:rPr lang="en-US" altLang="zh-CN" dirty="0" smtClean="0">
+              <a:t>方法：返回一个新函数</a:t>
+            </a:r>
+            <a:r>
+              <a:rPr lang="zh-CN" altLang="en-US" dirty="0" smtClean="0">
                 <a:solidFill>
                   <a:schemeClr val="tx1">
                     <a:lumMod val="85000"/>
@@ -4371,10 +4635,10 @@
                   </a:schemeClr>
                 </a:solidFill>
               </a:rPr>
-              <a:t>this</a:t>
-            </a:r>
-            <a:r>
-              <a:rPr lang="zh-CN" altLang="en-US" dirty="0" smtClean="0">
+              <a:t>，</a:t>
+            </a:r>
+            <a:r>
+              <a:rPr lang="en-US" altLang="zh-CN" dirty="0" smtClean="0">
                 <a:solidFill>
                   <a:schemeClr val="tx1">
                     <a:lumMod val="85000"/>
@@ -4382,10 +4646,10 @@
                   </a:schemeClr>
                 </a:solidFill>
               </a:rPr>
-              <a:t>为</a:t>
-            </a:r>
-            <a:r>
-              <a:rPr lang="en-US" altLang="zh-CN" dirty="0" smtClean="0">
+              <a:t>bind</a:t>
+            </a:r>
+            <a:r>
+              <a:rPr lang="zh-CN" altLang="en-US" dirty="0" smtClean="0">
                 <a:solidFill>
                   <a:schemeClr val="tx1">
                     <a:lumMod val="85000"/>
@@ -4393,7 +4657,7 @@
                   </a:schemeClr>
                 </a:solidFill>
               </a:rPr>
-              <a:t>bind</a:t>
+              <a:t>的</a:t>
             </a:r>
             <a:r>
               <a:rPr lang="zh-CN" altLang="en-US" dirty="0" smtClean="0">
@@ -4404,10 +4668,10 @@
                   </a:schemeClr>
                 </a:solidFill>
               </a:rPr>
-              <a:t>方法的第一个参数；</a:t>
-            </a:r>
-            <a:r>
-              <a:rPr lang="en-US" altLang="zh-CN" dirty="0" smtClean="0">
+              <a:t>第一个参</a:t>
+            </a:r>
+            <a:r>
+              <a:rPr lang="zh-CN" altLang="en-US" dirty="0" smtClean="0">
                 <a:solidFill>
                   <a:schemeClr val="tx1">
                     <a:lumMod val="85000"/>
@@ -4415,10 +4679,10 @@
                   </a:schemeClr>
                 </a:solidFill>
               </a:rPr>
-              <a:t>bind</a:t>
-            </a:r>
-            <a:r>
-              <a:rPr lang="zh-CN" altLang="en-US" dirty="0" smtClean="0">
+              <a:t>数作为新函数的</a:t>
+            </a:r>
+            <a:r>
+              <a:rPr lang="en-US" altLang="zh-CN" dirty="0" smtClean="0">
                 <a:solidFill>
                   <a:schemeClr val="tx1">
                     <a:lumMod val="85000"/>
@@ -4426,7 +4690,40 @@
                   </a:schemeClr>
                 </a:solidFill>
               </a:rPr>
-              <a:t>方法其余的参数作为新函</a:t>
+              <a:t>this</a:t>
+            </a:r>
+            <a:r>
+              <a:rPr lang="zh-CN" altLang="en-US" dirty="0" smtClean="0">
+                <a:solidFill>
+                  <a:schemeClr val="tx1">
+                    <a:lumMod val="85000"/>
+                    <a:lumOff val="15000"/>
+                  </a:schemeClr>
+                </a:solidFill>
+              </a:rPr>
+              <a:t>，</a:t>
+            </a:r>
+            <a:r>
+              <a:rPr lang="zh-CN" altLang="en-US" dirty="0" smtClean="0">
+                <a:solidFill>
+                  <a:schemeClr val="tx1">
+                    <a:lumMod val="85000"/>
+                    <a:lumOff val="15000"/>
+                  </a:schemeClr>
+                </a:solidFill>
+              </a:rPr>
+              <a:t>其</a:t>
+            </a:r>
+            <a:r>
+              <a:rPr lang="zh-CN" altLang="en-US" dirty="0" smtClean="0">
+                <a:solidFill>
+                  <a:schemeClr val="tx1">
+                    <a:lumMod val="85000"/>
+                    <a:lumOff val="15000"/>
+                  </a:schemeClr>
+                </a:solidFill>
+              </a:rPr>
+              <a:t>余的参数作为新函</a:t>
             </a:r>
             <a:r>
               <a:rPr lang="zh-CN" altLang="en-US" dirty="0">
@@ -5246,11 +5543,17 @@
             <p:ph type="title"/>
           </p:nvPr>
         </p:nvSpPr>
-        <p:spPr/>
+        <p:spPr>
+          <a:xfrm>
+            <a:off x="6816080" y="2012290"/>
+            <a:ext cx="3131839" cy="1122096"/>
+          </a:xfrm>
+        </p:spPr>
         <p:txBody>
           <a:bodyPr/>
           <a:lstStyle/>
           <a:p>
+            <a:pPr algn="l"/>
             <a:r>
               <a:rPr lang="zh-CN" altLang="en-US" dirty="0" smtClean="0"/>
               <a:t>原型链</a:t>
@@ -5269,15 +5572,81 @@
             <p:ph type="body" sz="quarter" idx="10"/>
           </p:nvPr>
         </p:nvSpPr>
-        <p:spPr/>
+        <p:spPr>
+          <a:xfrm>
+            <a:off x="6059487" y="3320988"/>
+            <a:ext cx="6099810" cy="1620701"/>
+          </a:xfrm>
+        </p:spPr>
         <p:txBody>
-          <a:bodyPr/>
+          <a:bodyPr>
+            <a:normAutofit/>
+          </a:bodyPr>
           <a:lstStyle/>
           <a:p>
-            <a:endParaRPr lang="zh-CN" altLang="en-US" dirty="0"/>
+            <a:r>
+              <a:rPr lang="en-US" altLang="zh-CN" sz="2800" dirty="0" smtClean="0">
+                <a:solidFill>
+                  <a:schemeClr val="tx1">
+                    <a:lumMod val="65000"/>
+                    <a:lumOff val="35000"/>
+                  </a:schemeClr>
+                </a:solidFill>
+              </a:rPr>
+              <a:t>JavaScript</a:t>
+            </a:r>
+            <a:r>
+              <a:rPr lang="zh-CN" altLang="en-US" sz="2800" dirty="0" smtClean="0">
+                <a:solidFill>
+                  <a:schemeClr val="tx1">
+                    <a:lumMod val="65000"/>
+                    <a:lumOff val="35000"/>
+                  </a:schemeClr>
+                </a:solidFill>
+              </a:rPr>
+              <a:t>式继承</a:t>
+            </a:r>
+            <a:endParaRPr lang="zh-CN" altLang="en-US" sz="2800" dirty="0">
+              <a:solidFill>
+                <a:schemeClr val="tx1">
+                  <a:lumMod val="65000"/>
+                  <a:lumOff val="35000"/>
+                </a:schemeClr>
+              </a:solidFill>
+            </a:endParaRPr>
           </a:p>
         </p:txBody>
       </p:sp>
+      <p:pic>
+        <p:nvPicPr>
+          <p:cNvPr id="16" name="图片 15"/>
+          <p:cNvPicPr>
+            <a:picLocks noChangeAspect="1"/>
+          </p:cNvPicPr>
+          <p:nvPr/>
+        </p:nvPicPr>
+        <p:blipFill>
+          <a:blip r:embed="rId3">
+            <a:extLst>
+              <a:ext uri="{28A0092B-C50C-407E-A947-70E740481C1C}">
+                <a14:useLocalDpi xmlns:a14="http://schemas.microsoft.com/office/drawing/2010/main" val="0"/>
+              </a:ext>
+            </a:extLst>
+          </a:blip>
+          <a:stretch>
+            <a:fillRect/>
+          </a:stretch>
+        </p:blipFill>
+        <p:spPr>
+          <a:xfrm>
+            <a:off x="2351584" y="1515136"/>
+            <a:ext cx="3238500" cy="3238500"/>
+          </a:xfrm>
+          <a:prstGeom prst="rect">
+            <a:avLst/>
+          </a:prstGeom>
+        </p:spPr>
+      </p:pic>
     </p:spTree>
     <p:extLst>
       <p:ext uri="{BB962C8B-B14F-4D97-AF65-F5344CB8AC3E}">
@@ -5299,7 +5668,94 @@
   <p:timing>
     <p:tnLst>
       <p:par>
-        <p:cTn id="1" dur="indefinite" restart="never" nodeType="tmRoot"/>
+        <p:cTn id="1" dur="indefinite" restart="never" nodeType="tmRoot">
+          <p:childTnLst>
+            <p:seq concurrent="1" nextAc="seek">
+              <p:cTn id="2" dur="indefinite" nodeType="mainSeq">
+                <p:childTnLst>
+                  <p:par>
+                    <p:cTn id="3" fill="hold">
+                      <p:stCondLst>
+                        <p:cond delay="indefinite"/>
+                        <p:cond evt="onBegin" delay="0">
+                          <p:tn val="2"/>
+                        </p:cond>
+                      </p:stCondLst>
+                      <p:childTnLst>
+                        <p:par>
+                          <p:cTn id="4" fill="hold">
+                            <p:stCondLst>
+                              <p:cond delay="0"/>
+                            </p:stCondLst>
+                            <p:childTnLst>
+                              <p:par>
+                                <p:cTn id="5" presetID="14" presetClass="entr" presetSubtype="10" fill="hold" nodeType="afterEffect">
+                                  <p:stCondLst>
+                                    <p:cond delay="0"/>
+                                  </p:stCondLst>
+                                  <p:childTnLst>
+                                    <p:set>
+                                      <p:cBhvr>
+                                        <p:cTn id="6" dur="1" fill="hold">
+                                          <p:stCondLst>
+                                            <p:cond delay="0"/>
+                                          </p:stCondLst>
+                                        </p:cTn>
+                                        <p:tgtEl>
+                                          <p:spTgt spid="3">
+                                            <p:txEl>
+                                              <p:pRg st="0" end="0"/>
+                                            </p:txEl>
+                                          </p:spTgt>
+                                        </p:tgtEl>
+                                        <p:attrNameLst>
+                                          <p:attrName>style.visibility</p:attrName>
+                                        </p:attrNameLst>
+                                      </p:cBhvr>
+                                      <p:to>
+                                        <p:strVal val="visible"/>
+                                      </p:to>
+                                    </p:set>
+                                    <p:animEffect transition="in" filter="randombar(horizontal)">
+                                      <p:cBhvr>
+                                        <p:cTn id="7" dur="500"/>
+                                        <p:tgtEl>
+                                          <p:spTgt spid="3">
+                                            <p:txEl>
+                                              <p:pRg st="0" end="0"/>
+                                            </p:txEl>
+                                          </p:spTgt>
+                                        </p:tgtEl>
+                                      </p:cBhvr>
+                                    </p:animEffect>
+                                  </p:childTnLst>
+                                </p:cTn>
+                              </p:par>
+                            </p:childTnLst>
+                          </p:cTn>
+                        </p:par>
+                      </p:childTnLst>
+                    </p:cTn>
+                  </p:par>
+                </p:childTnLst>
+              </p:cTn>
+              <p:prevCondLst>
+                <p:cond evt="onPrev" delay="0">
+                  <p:tgtEl>
+                    <p:sldTgt/>
+                  </p:tgtEl>
+                </p:cond>
+              </p:prevCondLst>
+              <p:nextCondLst>
+                <p:cond evt="onNext" delay="0">
+                  <p:tgtEl>
+                    <p:sldTgt/>
+                  </p:tgtEl>
+                </p:cond>
+              </p:nextCondLst>
+            </p:seq>
+          </p:childTnLst>
+        </p:cTn>
       </p:par>
     </p:tnLst>
   </p:timing>
@@ -5859,6 +6315,1138 @@
             <p:ph type="title"/>
           </p:nvPr>
         </p:nvSpPr>
+        <p:spPr/>
+        <p:txBody>
+          <a:bodyPr/>
+          <a:lstStyle/>
+          <a:p>
+            <a:r>
+              <a:rPr lang="zh-CN" altLang="en-US" dirty="0" smtClean="0"/>
+              <a:t>原型</a:t>
+            </a:r>
+            <a:endParaRPr lang="zh-CN" altLang="en-US" dirty="0"/>
+          </a:p>
+        </p:txBody>
+      </p:sp>
+      <p:sp>
+        <p:nvSpPr>
+          <p:cNvPr id="3" name="文本占位符 2"/>
+          <p:cNvSpPr>
+            <a:spLocks noGrp="1"/>
+          </p:cNvSpPr>
+          <p:nvPr>
+            <p:ph type="body" sz="quarter" idx="10"/>
+          </p:nvPr>
+        </p:nvSpPr>
+        <p:spPr>
+          <a:xfrm>
+            <a:off x="839416" y="3068960"/>
+            <a:ext cx="10477164" cy="2881313"/>
+          </a:xfrm>
+        </p:spPr>
+        <p:txBody>
+          <a:bodyPr>
+            <a:normAutofit/>
+          </a:bodyPr>
+          <a:lstStyle/>
+          <a:p>
+            <a:pPr marL="342900" indent="-342900">
+              <a:lnSpc>
+                <a:spcPct val="200000"/>
+              </a:lnSpc>
+              <a:buFont typeface="+mj-lt"/>
+              <a:buAutoNum type="arabicPeriod"/>
+            </a:pPr>
+            <a:r>
+              <a:rPr lang="zh-CN" altLang="en-US" dirty="0" smtClean="0">
+                <a:solidFill>
+                  <a:schemeClr val="tx1">
+                    <a:lumMod val="75000"/>
+                    <a:lumOff val="25000"/>
+                  </a:schemeClr>
+                </a:solidFill>
+              </a:rPr>
+              <a:t>定义：</a:t>
+            </a:r>
+            <a:r>
+              <a:rPr lang="zh-CN" altLang="en-US" dirty="0" smtClean="0">
+                <a:solidFill>
+                  <a:srgbClr val="00B050"/>
+                </a:solidFill>
+              </a:rPr>
+              <a:t>只有函数</a:t>
+            </a:r>
+            <a:r>
+              <a:rPr lang="zh-CN" altLang="en-US" dirty="0" smtClean="0">
+                <a:solidFill>
+                  <a:schemeClr val="tx1">
+                    <a:lumMod val="65000"/>
+                    <a:lumOff val="35000"/>
+                  </a:schemeClr>
+                </a:solidFill>
+              </a:rPr>
+              <a:t>存在 </a:t>
+            </a:r>
+            <a:r>
+              <a:rPr lang="en-US" altLang="zh-CN" dirty="0" smtClean="0">
+                <a:solidFill>
+                  <a:srgbClr val="C00000"/>
+                </a:solidFill>
+              </a:rPr>
+              <a:t>prototype </a:t>
+            </a:r>
+            <a:r>
+              <a:rPr lang="zh-CN" altLang="en-US" dirty="0" smtClean="0">
+                <a:solidFill>
+                  <a:schemeClr val="tx1">
+                    <a:lumMod val="65000"/>
+                    <a:lumOff val="35000"/>
+                  </a:schemeClr>
+                </a:solidFill>
+              </a:rPr>
+              <a:t>指针指向一个对象，这个对象就是原型。</a:t>
+            </a:r>
+            <a:endParaRPr lang="en-US" altLang="zh-CN" dirty="0" smtClean="0">
+              <a:solidFill>
+                <a:schemeClr val="tx1">
+                  <a:lumMod val="65000"/>
+                  <a:lumOff val="35000"/>
+                </a:schemeClr>
+              </a:solidFill>
+            </a:endParaRPr>
+          </a:p>
+          <a:p>
+            <a:pPr marL="342900" indent="-342900">
+              <a:lnSpc>
+                <a:spcPct val="200000"/>
+              </a:lnSpc>
+              <a:buFont typeface="+mj-lt"/>
+              <a:buAutoNum type="arabicPeriod"/>
+            </a:pPr>
+            <a:r>
+              <a:rPr lang="zh-CN" altLang="en-US" dirty="0">
+                <a:solidFill>
+                  <a:schemeClr val="tx1">
+                    <a:lumMod val="75000"/>
+                    <a:lumOff val="25000"/>
+                  </a:schemeClr>
+                </a:solidFill>
+              </a:rPr>
+              <a:t>作</a:t>
+            </a:r>
+            <a:r>
+              <a:rPr lang="zh-CN" altLang="en-US" dirty="0" smtClean="0">
+                <a:solidFill>
+                  <a:schemeClr val="tx1">
+                    <a:lumMod val="75000"/>
+                    <a:lumOff val="25000"/>
+                  </a:schemeClr>
+                </a:solidFill>
+              </a:rPr>
+              <a:t>用：</a:t>
+            </a:r>
+            <a:r>
+              <a:rPr lang="zh-CN" altLang="en-US" dirty="0" smtClean="0">
+                <a:solidFill>
+                  <a:schemeClr val="tx1">
+                    <a:lumMod val="65000"/>
+                    <a:lumOff val="35000"/>
+                  </a:schemeClr>
+                </a:solidFill>
+              </a:rPr>
+              <a:t>原型更准确的叫法应该是 </a:t>
+            </a:r>
+            <a:r>
+              <a:rPr lang="zh-CN" altLang="en-US" dirty="0" smtClean="0">
+                <a:solidFill>
+                  <a:srgbClr val="C00000"/>
+                </a:solidFill>
+              </a:rPr>
+              <a:t>实例原型</a:t>
+            </a:r>
+            <a:r>
+              <a:rPr lang="zh-CN" altLang="en-US" dirty="0" smtClean="0">
+                <a:solidFill>
+                  <a:schemeClr val="tx1">
+                    <a:lumMod val="65000"/>
+                    <a:lumOff val="35000"/>
+                  </a:schemeClr>
+                </a:solidFill>
+              </a:rPr>
+              <a:t>，</a:t>
+            </a:r>
+            <a:r>
+              <a:rPr lang="zh-CN" altLang="en-US" dirty="0">
+                <a:solidFill>
+                  <a:schemeClr val="tx1">
+                    <a:lumMod val="65000"/>
+                    <a:lumOff val="35000"/>
+                  </a:schemeClr>
+                </a:solidFill>
+              </a:rPr>
+              <a:t>也就</a:t>
+            </a:r>
+            <a:r>
+              <a:rPr lang="zh-CN" altLang="en-US" dirty="0" smtClean="0">
+                <a:solidFill>
+                  <a:schemeClr val="tx1">
+                    <a:lumMod val="65000"/>
+                    <a:lumOff val="35000"/>
+                  </a:schemeClr>
+                </a:solidFill>
+              </a:rPr>
+              <a:t>是当一个函数作为 </a:t>
+            </a:r>
+            <a:r>
+              <a:rPr lang="zh-CN" altLang="en-US" dirty="0" smtClean="0">
+                <a:solidFill>
+                  <a:srgbClr val="C00000"/>
+                </a:solidFill>
+              </a:rPr>
+              <a:t>构造函数 </a:t>
+            </a:r>
+            <a:r>
+              <a:rPr lang="zh-CN" altLang="en-US" dirty="0" smtClean="0">
+                <a:solidFill>
+                  <a:schemeClr val="tx1">
+                    <a:lumMod val="65000"/>
+                    <a:lumOff val="35000"/>
+                  </a:schemeClr>
+                </a:solidFill>
+              </a:rPr>
+              <a:t>的时候，</a:t>
+            </a:r>
+            <a:r>
+              <a:rPr lang="en-US" altLang="zh-CN" dirty="0" smtClean="0">
+                <a:solidFill>
+                  <a:srgbClr val="C00000"/>
+                </a:solidFill>
+              </a:rPr>
+              <a:t>new </a:t>
+            </a:r>
+            <a:r>
+              <a:rPr lang="zh-CN" altLang="en-US" dirty="0" smtClean="0">
+                <a:solidFill>
+                  <a:schemeClr val="tx1">
+                    <a:lumMod val="65000"/>
+                    <a:lumOff val="35000"/>
+                  </a:schemeClr>
+                </a:solidFill>
+              </a:rPr>
+              <a:t>出来的实例可以共享该 </a:t>
+            </a:r>
+            <a:r>
+              <a:rPr lang="zh-CN" altLang="en-US" dirty="0" smtClean="0">
+                <a:solidFill>
+                  <a:srgbClr val="C00000"/>
+                </a:solidFill>
+              </a:rPr>
+              <a:t>原型 </a:t>
+            </a:r>
+            <a:r>
+              <a:rPr lang="zh-CN" altLang="en-US" dirty="0" smtClean="0">
+                <a:solidFill>
+                  <a:schemeClr val="tx1">
+                    <a:lumMod val="65000"/>
+                    <a:lumOff val="35000"/>
+                  </a:schemeClr>
+                </a:solidFill>
+              </a:rPr>
+              <a:t>对象上的 </a:t>
+            </a:r>
+            <a:r>
+              <a:rPr lang="zh-CN" altLang="en-US" dirty="0" smtClean="0">
+                <a:solidFill>
+                  <a:srgbClr val="C00000"/>
+                </a:solidFill>
+              </a:rPr>
+              <a:t>属性 </a:t>
+            </a:r>
+            <a:r>
+              <a:rPr lang="zh-CN" altLang="en-US" dirty="0" smtClean="0">
+                <a:solidFill>
+                  <a:schemeClr val="tx1">
+                    <a:lumMod val="65000"/>
+                    <a:lumOff val="35000"/>
+                  </a:schemeClr>
+                </a:solidFill>
+              </a:rPr>
+              <a:t>跟 </a:t>
+            </a:r>
+            <a:r>
+              <a:rPr lang="zh-CN" altLang="en-US" dirty="0" smtClean="0">
+                <a:solidFill>
+                  <a:srgbClr val="C00000"/>
+                </a:solidFill>
+              </a:rPr>
+              <a:t>方法</a:t>
+            </a:r>
+            <a:r>
+              <a:rPr lang="zh-CN" altLang="en-US" dirty="0">
+                <a:solidFill>
+                  <a:schemeClr val="tx1">
+                    <a:lumMod val="65000"/>
+                    <a:lumOff val="35000"/>
+                  </a:schemeClr>
+                </a:solidFill>
+              </a:rPr>
+              <a:t>，</a:t>
+            </a:r>
+            <a:r>
+              <a:rPr lang="zh-CN" altLang="en-US" dirty="0" smtClean="0">
+                <a:solidFill>
+                  <a:schemeClr val="tx1">
+                    <a:lumMod val="65000"/>
+                    <a:lumOff val="35000"/>
+                  </a:schemeClr>
+                </a:solidFill>
+              </a:rPr>
+              <a:t>从而实现了</a:t>
+            </a:r>
+            <a:r>
+              <a:rPr lang="en-US" altLang="zh-CN" dirty="0" smtClean="0">
+                <a:solidFill>
+                  <a:schemeClr val="tx1">
+                    <a:lumMod val="65000"/>
+                    <a:lumOff val="35000"/>
+                  </a:schemeClr>
+                </a:solidFill>
+              </a:rPr>
+              <a:t>JavaScript</a:t>
+            </a:r>
+            <a:r>
+              <a:rPr lang="zh-CN" altLang="en-US" dirty="0" smtClean="0">
+                <a:solidFill>
+                  <a:schemeClr val="tx1">
+                    <a:lumMod val="65000"/>
+                    <a:lumOff val="35000"/>
+                  </a:schemeClr>
+                </a:solidFill>
+              </a:rPr>
+              <a:t>中的“</a:t>
+            </a:r>
+            <a:r>
+              <a:rPr lang="zh-CN" altLang="en-US" dirty="0">
+                <a:solidFill>
+                  <a:srgbClr val="C00000"/>
+                </a:solidFill>
+              </a:rPr>
+              <a:t>继承</a:t>
+            </a:r>
+            <a:r>
+              <a:rPr lang="zh-CN" altLang="en-US" dirty="0" smtClean="0">
+                <a:solidFill>
+                  <a:schemeClr val="tx1">
+                    <a:lumMod val="65000"/>
+                    <a:lumOff val="35000"/>
+                  </a:schemeClr>
+                </a:solidFill>
+              </a:rPr>
+              <a:t>”。换而言之，</a:t>
+            </a:r>
+            <a:r>
+              <a:rPr lang="en-US" altLang="zh-CN" dirty="0" smtClean="0">
+                <a:solidFill>
+                  <a:schemeClr val="tx1">
+                    <a:lumMod val="65000"/>
+                    <a:lumOff val="35000"/>
+                  </a:schemeClr>
+                </a:solidFill>
+              </a:rPr>
+              <a:t>JavaScript</a:t>
+            </a:r>
+            <a:r>
+              <a:rPr lang="zh-CN" altLang="en-US" dirty="0" smtClean="0">
+                <a:solidFill>
+                  <a:schemeClr val="tx1">
+                    <a:lumMod val="65000"/>
+                    <a:lumOff val="35000"/>
+                  </a:schemeClr>
+                </a:solidFill>
+              </a:rPr>
+              <a:t>中的继承并不是 </a:t>
+            </a:r>
+            <a:r>
+              <a:rPr lang="zh-CN" altLang="en-US" dirty="0" smtClean="0">
+                <a:solidFill>
+                  <a:srgbClr val="C00000"/>
+                </a:solidFill>
+              </a:rPr>
+              <a:t>真正的继承</a:t>
+            </a:r>
+            <a:r>
+              <a:rPr lang="zh-CN" altLang="en-US" dirty="0" smtClean="0">
+                <a:solidFill>
+                  <a:schemeClr val="tx1">
+                    <a:lumMod val="65000"/>
+                    <a:lumOff val="35000"/>
+                  </a:schemeClr>
+                </a:solidFill>
+              </a:rPr>
+              <a:t>，因为并没有进行内存上的拷贝，而是跟 </a:t>
+            </a:r>
+            <a:r>
+              <a:rPr lang="zh-CN" altLang="en-US" dirty="0" smtClean="0">
+                <a:solidFill>
+                  <a:srgbClr val="C00000"/>
+                </a:solidFill>
+              </a:rPr>
+              <a:t>代理模式</a:t>
+            </a:r>
+            <a:r>
+              <a:rPr lang="zh-CN" altLang="en-US" dirty="0" smtClean="0">
+                <a:solidFill>
+                  <a:schemeClr val="tx1">
+                    <a:lumMod val="65000"/>
+                    <a:lumOff val="35000"/>
+                  </a:schemeClr>
+                </a:solidFill>
+              </a:rPr>
+              <a:t>类似。</a:t>
+            </a:r>
+            <a:endParaRPr lang="zh-CN" altLang="en-US" dirty="0">
+              <a:solidFill>
+                <a:schemeClr val="tx1">
+                  <a:lumMod val="65000"/>
+                  <a:lumOff val="35000"/>
+                </a:schemeClr>
+              </a:solidFill>
+            </a:endParaRPr>
+          </a:p>
+        </p:txBody>
+      </p:sp>
+      <p:sp>
+        <p:nvSpPr>
+          <p:cNvPr id="4" name="文本框 3"/>
+          <p:cNvSpPr txBox="1"/>
+          <p:nvPr/>
+        </p:nvSpPr>
+        <p:spPr>
+          <a:xfrm>
+            <a:off x="0" y="2318848"/>
+            <a:ext cx="12192000" cy="523220"/>
+          </a:xfrm>
+          <a:prstGeom prst="rect">
+            <a:avLst/>
+          </a:prstGeom>
+          <a:noFill/>
+        </p:spPr>
+        <p:txBody>
+          <a:bodyPr wrap="square" rtlCol="0">
+            <a:spAutoFit/>
+          </a:bodyPr>
+          <a:lstStyle/>
+          <a:p>
+            <a:pPr algn="ctr"/>
+            <a:r>
+              <a:rPr lang="en-US" altLang="zh-CN" sz="2800" dirty="0" smtClean="0">
+                <a:solidFill>
+                  <a:schemeClr val="tx1">
+                    <a:lumMod val="85000"/>
+                    <a:lumOff val="15000"/>
+                  </a:schemeClr>
+                </a:solidFill>
+                <a:latin typeface="冬青黑体简体中文 W3" panose="020B0300000000000000" pitchFamily="34" charset="-122"/>
+                <a:ea typeface="冬青黑体简体中文 W3" panose="020B0300000000000000" pitchFamily="34" charset="-122"/>
+              </a:rPr>
+              <a:t>prototype</a:t>
+            </a:r>
+            <a:endParaRPr lang="zh-CN" altLang="en-US" sz="2800" dirty="0" smtClean="0">
+              <a:solidFill>
+                <a:schemeClr val="tx1">
+                  <a:lumMod val="85000"/>
+                  <a:lumOff val="15000"/>
+                </a:schemeClr>
+              </a:solidFill>
+              <a:latin typeface="冬青黑体简体中文 W3" panose="020B0300000000000000" pitchFamily="34" charset="-122"/>
+              <a:ea typeface="冬青黑体简体中文 W3" panose="020B0300000000000000" pitchFamily="34" charset="-122"/>
+            </a:endParaRPr>
+          </a:p>
+        </p:txBody>
+      </p:sp>
+    </p:spTree>
+    <p:extLst>
+      <p:ext uri="{BB962C8B-B14F-4D97-AF65-F5344CB8AC3E}">
+        <p14:creationId xmlns:p14="http://schemas.microsoft.com/office/powerpoint/2010/main" val="4058113484"/>
+      </p:ext>
+    </p:extLst>
+  </p:cSld>
+  <p:clrMapOvr>
+    <a:masterClrMapping/>
+  </p:clrMapOvr>
+  <mc:AlternateContent xmlns:mc="http://schemas.openxmlformats.org/markup-compatibility/2006">
+    <mc:Choice xmlns:p14="http://schemas.microsoft.com/office/powerpoint/2010/main" Requires="p14">
+      <p:transition p14:dur="0" advTm="9938"/>
+    </mc:Choice>
+    <mc:Fallback>
+      <p:transition advTm="9938"/>
+    </mc:Fallback>
+  </mc:AlternateContent>
+  <p:timing>
+    <p:tnLst>
+      <p:par>
+        <p:cTn id="1" dur="indefinite" restart="never" nodeType="tmRoot">
+          <p:childTnLst>
+            <p:seq concurrent="1" nextAc="seek">
+              <p:cTn id="2" dur="indefinite" nodeType="mainSeq">
+                <p:childTnLst>
+                  <p:par>
+                    <p:cTn id="3" fill="hold">
+                      <p:stCondLst>
+                        <p:cond delay="indefinite"/>
+                        <p:cond evt="onBegin" delay="0">
+                          <p:tn val="2"/>
+                        </p:cond>
+                      </p:stCondLst>
+                      <p:childTnLst>
+                        <p:par>
+                          <p:cTn id="4" fill="hold">
+                            <p:stCondLst>
+                              <p:cond delay="0"/>
+                            </p:stCondLst>
+                            <p:childTnLst>
+                              <p:par>
+                                <p:cTn id="5" presetID="53" presetClass="entr" presetSubtype="16" fill="hold" nodeType="afterEffect">
+                                  <p:stCondLst>
+                                    <p:cond delay="0"/>
+                                  </p:stCondLst>
+                                  <p:childTnLst>
+                                    <p:set>
+                                      <p:cBhvr>
+                                        <p:cTn id="6" dur="1" fill="hold">
+                                          <p:stCondLst>
+                                            <p:cond delay="0"/>
+                                          </p:stCondLst>
+                                        </p:cTn>
+                                        <p:tgtEl>
+                                          <p:spTgt spid="4">
+                                            <p:txEl>
+                                              <p:pRg st="0" end="0"/>
+                                            </p:txEl>
+                                          </p:spTgt>
+                                        </p:tgtEl>
+                                        <p:attrNameLst>
+                                          <p:attrName>style.visibility</p:attrName>
+                                        </p:attrNameLst>
+                                      </p:cBhvr>
+                                      <p:to>
+                                        <p:strVal val="visible"/>
+                                      </p:to>
+                                    </p:set>
+                                    <p:anim calcmode="lin" valueType="num">
+                                      <p:cBhvr>
+                                        <p:cTn id="7" dur="500" fill="hold"/>
+                                        <p:tgtEl>
+                                          <p:spTgt spid="4">
+                                            <p:txEl>
+                                              <p:pRg st="0" end="0"/>
+                                            </p:txEl>
+                                          </p:spTgt>
+                                        </p:tgtEl>
+                                        <p:attrNameLst>
+                                          <p:attrName>ppt_w</p:attrName>
+                                        </p:attrNameLst>
+                                      </p:cBhvr>
+                                      <p:tavLst>
+                                        <p:tav tm="0">
+                                          <p:val>
+                                            <p:fltVal val="0"/>
+                                          </p:val>
+                                        </p:tav>
+                                        <p:tav tm="100000">
+                                          <p:val>
+                                            <p:strVal val="#ppt_w"/>
+                                          </p:val>
+                                        </p:tav>
+                                      </p:tavLst>
+                                    </p:anim>
+                                    <p:anim calcmode="lin" valueType="num">
+                                      <p:cBhvr>
+                                        <p:cTn id="8" dur="500" fill="hold"/>
+                                        <p:tgtEl>
+                                          <p:spTgt spid="4">
+                                            <p:txEl>
+                                              <p:pRg st="0" end="0"/>
+                                            </p:txEl>
+                                          </p:spTgt>
+                                        </p:tgtEl>
+                                        <p:attrNameLst>
+                                          <p:attrName>ppt_h</p:attrName>
+                                        </p:attrNameLst>
+                                      </p:cBhvr>
+                                      <p:tavLst>
+                                        <p:tav tm="0">
+                                          <p:val>
+                                            <p:fltVal val="0"/>
+                                          </p:val>
+                                        </p:tav>
+                                        <p:tav tm="100000">
+                                          <p:val>
+                                            <p:strVal val="#ppt_h"/>
+                                          </p:val>
+                                        </p:tav>
+                                      </p:tavLst>
+                                    </p:anim>
+                                    <p:animEffect transition="in" filter="fade">
+                                      <p:cBhvr>
+                                        <p:cTn id="9" dur="500"/>
+                                        <p:tgtEl>
+                                          <p:spTgt spid="4">
+                                            <p:txEl>
+                                              <p:pRg st="0" end="0"/>
+                                            </p:txEl>
+                                          </p:spTgt>
+                                        </p:tgtEl>
+                                      </p:cBhvr>
+                                    </p:animEffect>
+                                  </p:childTnLst>
+                                </p:cTn>
+                              </p:par>
+                            </p:childTnLst>
+                          </p:cTn>
+                        </p:par>
+                      </p:childTnLst>
+                    </p:cTn>
+                  </p:par>
+                </p:childTnLst>
+              </p:cTn>
+              <p:prevCondLst>
+                <p:cond evt="onPrev" delay="0">
+                  <p:tgtEl>
+                    <p:sldTgt/>
+                  </p:tgtEl>
+                </p:cond>
+              </p:prevCondLst>
+              <p:nextCondLst>
+                <p:cond evt="onNext" delay="0">
+                  <p:tgtEl>
+                    <p:sldTgt/>
+                  </p:tgtEl>
+                </p:cond>
+              </p:nextCondLst>
+            </p:seq>
+          </p:childTnLst>
+        </p:cTn>
+      </p:par>
+    </p:tnLst>
+  </p:timing>
+</p:sld>
+</file>
+
+<file path=ppt/slides/slide21.xml><?xml version="1.0" encoding="utf-8"?>
+<p:sld xmlns:a="http://schemas.openxmlformats.org/drawingml/2006/main" xmlns:r="http://schemas.openxmlformats.org/officeDocument/2006/relationships" xmlns:p="http://schemas.openxmlformats.org/presentationml/2006/main">
+  <p:cSld>
+    <p:spTree>
+      <p:nvGrpSpPr>
+        <p:cNvPr id="1" name=""/>
+        <p:cNvGrpSpPr/>
+        <p:nvPr/>
+      </p:nvGrpSpPr>
+      <p:grpSpPr>
+        <a:xfrm>
+          <a:off x="0" y="0"/>
+          <a:ext cx="0" cy="0"/>
+          <a:chOff x="0" y="0"/>
+          <a:chExt cx="0" cy="0"/>
+        </a:xfrm>
+      </p:grpSpPr>
+      <p:sp>
+        <p:nvSpPr>
+          <p:cNvPr id="7" name="矩形 6"/>
+          <p:cNvSpPr/>
+          <p:nvPr/>
+        </p:nvSpPr>
+        <p:spPr>
+          <a:xfrm>
+            <a:off x="-804" y="4987128"/>
+            <a:ext cx="12228513" cy="2007245"/>
+          </a:xfrm>
+          <a:prstGeom prst="rect">
+            <a:avLst/>
+          </a:prstGeom>
+          <a:solidFill>
+            <a:schemeClr val="bg1"/>
+          </a:solidFill>
+          <a:ln>
+            <a:noFill/>
+          </a:ln>
+          <a:effectLst/>
+        </p:spPr>
+        <p:style>
+          <a:lnRef idx="1">
+            <a:schemeClr val="accent6"/>
+          </a:lnRef>
+          <a:fillRef idx="3">
+            <a:schemeClr val="accent6"/>
+          </a:fillRef>
+          <a:effectRef idx="2">
+            <a:schemeClr val="accent6"/>
+          </a:effectRef>
+          <a:fontRef idx="minor">
+            <a:schemeClr val="lt1"/>
+          </a:fontRef>
+        </p:style>
+        <p:txBody>
+          <a:bodyPr wrap="square" lIns="54000" tIns="28800" rIns="54000" bIns="28800" rtlCol="0" anchor="ctr">
+            <a:spAutoFit/>
+          </a:bodyPr>
+          <a:lstStyle/>
+          <a:p>
+            <a:pPr algn="ctr"/>
+            <a:endParaRPr lang="zh-CN" altLang="en-US" dirty="0"/>
+          </a:p>
+        </p:txBody>
+      </p:sp>
+      <p:sp>
+        <p:nvSpPr>
+          <p:cNvPr id="2" name="标题 1"/>
+          <p:cNvSpPr>
+            <a:spLocks noGrp="1"/>
+          </p:cNvSpPr>
+          <p:nvPr>
+            <p:ph type="title"/>
+          </p:nvPr>
+        </p:nvSpPr>
+        <p:spPr>
+          <a:xfrm>
+            <a:off x="36513" y="15446"/>
+            <a:ext cx="12192000" cy="1122096"/>
+          </a:xfrm>
+        </p:spPr>
+        <p:txBody>
+          <a:bodyPr/>
+          <a:lstStyle/>
+          <a:p>
+            <a:r>
+              <a:rPr lang="zh-CN" altLang="en-US" dirty="0" smtClean="0"/>
+              <a:t>代码示例</a:t>
+            </a:r>
+            <a:endParaRPr lang="zh-CN" altLang="en-US" dirty="0"/>
+          </a:p>
+        </p:txBody>
+      </p:sp>
+      <p:sp>
+        <p:nvSpPr>
+          <p:cNvPr id="5" name="文本占位符 4"/>
+          <p:cNvSpPr>
+            <a:spLocks noGrp="1"/>
+          </p:cNvSpPr>
+          <p:nvPr>
+            <p:ph type="body" sz="quarter" idx="10"/>
+          </p:nvPr>
+        </p:nvSpPr>
+        <p:spPr/>
+        <p:txBody>
+          <a:bodyPr/>
+          <a:lstStyle/>
+          <a:p>
+            <a:endParaRPr lang="zh-CN" altLang="en-US"/>
+          </a:p>
+        </p:txBody>
+      </p:sp>
+      <p:pic>
+        <p:nvPicPr>
+          <p:cNvPr id="6" name="图片 5"/>
+          <p:cNvPicPr>
+            <a:picLocks noChangeAspect="1"/>
+          </p:cNvPicPr>
+          <p:nvPr/>
+        </p:nvPicPr>
+        <p:blipFill>
+          <a:blip r:embed="rId2"/>
+          <a:stretch>
+            <a:fillRect/>
+          </a:stretch>
+        </p:blipFill>
+        <p:spPr>
+          <a:xfrm>
+            <a:off x="1" y="1137542"/>
+            <a:ext cx="12228512" cy="3849586"/>
+          </a:xfrm>
+          <a:prstGeom prst="rect">
+            <a:avLst/>
+          </a:prstGeom>
+        </p:spPr>
+      </p:pic>
+      <p:pic>
+        <p:nvPicPr>
+          <p:cNvPr id="1026" name="Picture 2" descr="æé å½æ°åå®ä¾ååçå+³ç³»å¾"/>
+          <p:cNvPicPr>
+            <a:picLocks noChangeAspect="1" noChangeArrowheads="1"/>
+          </p:cNvPicPr>
+          <p:nvPr/>
+        </p:nvPicPr>
+        <p:blipFill>
+          <a:blip r:embed="rId3">
+            <a:extLst>
+              <a:ext uri="{28A0092B-C50C-407E-A947-70E740481C1C}">
+                <a14:useLocalDpi xmlns:a14="http://schemas.microsoft.com/office/drawing/2010/main" val="0"/>
+              </a:ext>
+            </a:extLst>
+          </a:blip>
+          <a:srcRect/>
+          <a:stretch>
+            <a:fillRect/>
+          </a:stretch>
+        </p:blipFill>
+        <p:spPr bwMode="auto">
+          <a:xfrm>
+            <a:off x="3503712" y="5193430"/>
+            <a:ext cx="5514975" cy="1981201"/>
+          </a:xfrm>
+          <a:prstGeom prst="rect">
+            <a:avLst/>
+          </a:prstGeom>
+          <a:noFill/>
+          <a:extLst>
+            <a:ext uri="{909E8E84-426E-40DD-AFC4-6F175D3DCCD1}">
+              <a14:hiddenFill xmlns:a14="http://schemas.microsoft.com/office/drawing/2010/main">
+                <a:solidFill>
+                  <a:srgbClr val="FFFFFF"/>
+                </a:solidFill>
+              </a14:hiddenFill>
+            </a:ext>
+          </a:extLst>
+        </p:spPr>
+      </p:pic>
+    </p:spTree>
+    <p:extLst>
+      <p:ext uri="{BB962C8B-B14F-4D97-AF65-F5344CB8AC3E}">
+        <p14:creationId xmlns:p14="http://schemas.microsoft.com/office/powerpoint/2010/main" val="798140213"/>
+      </p:ext>
+    </p:extLst>
+  </p:cSld>
+  <p:clrMapOvr>
+    <a:masterClrMapping/>
+  </p:clrMapOvr>
+  <mc:AlternateContent xmlns:mc="http://schemas.openxmlformats.org/markup-compatibility/2006">
+    <mc:Choice xmlns:p14="http://schemas.microsoft.com/office/powerpoint/2010/main" Requires="p14">
+      <p:transition p14:dur="0" advTm="9938"/>
+    </mc:Choice>
+    <mc:Fallback>
+      <p:transition advTm="9938"/>
+    </mc:Fallback>
+  </mc:AlternateContent>
+  <p:timing>
+    <p:tnLst>
+      <p:par>
+        <p:cTn id="1" dur="indefinite" restart="never" nodeType="tmRoot"/>
+      </p:par>
+    </p:tnLst>
+  </p:timing>
+</p:sld>
+</file>
+
+<file path=ppt/slides/slide22.xml><?xml version="1.0" encoding="utf-8"?>
+<p:sld xmlns:a="http://schemas.openxmlformats.org/drawingml/2006/main" xmlns:r="http://schemas.openxmlformats.org/officeDocument/2006/relationships" xmlns:p="http://schemas.openxmlformats.org/presentationml/2006/main">
+  <p:cSld>
+    <p:spTree>
+      <p:nvGrpSpPr>
+        <p:cNvPr id="1" name=""/>
+        <p:cNvGrpSpPr/>
+        <p:nvPr/>
+      </p:nvGrpSpPr>
+      <p:grpSpPr>
+        <a:xfrm>
+          <a:off x="0" y="0"/>
+          <a:ext cx="0" cy="0"/>
+          <a:chOff x="0" y="0"/>
+          <a:chExt cx="0" cy="0"/>
+        </a:xfrm>
+      </p:grpSpPr>
+      <p:sp>
+        <p:nvSpPr>
+          <p:cNvPr id="2" name="标题 1"/>
+          <p:cNvSpPr>
+            <a:spLocks noGrp="1"/>
+          </p:cNvSpPr>
+          <p:nvPr>
+            <p:ph type="title"/>
+          </p:nvPr>
+        </p:nvSpPr>
+        <p:spPr/>
+        <p:txBody>
+          <a:bodyPr/>
+          <a:lstStyle/>
+          <a:p>
+            <a:r>
+              <a:rPr lang="zh-CN" altLang="en-US" dirty="0" smtClean="0"/>
+              <a:t>原型链</a:t>
+            </a:r>
+            <a:endParaRPr lang="zh-CN" altLang="en-US" dirty="0"/>
+          </a:p>
+        </p:txBody>
+      </p:sp>
+      <p:sp>
+        <p:nvSpPr>
+          <p:cNvPr id="3" name="文本占位符 2"/>
+          <p:cNvSpPr>
+            <a:spLocks noGrp="1"/>
+          </p:cNvSpPr>
+          <p:nvPr>
+            <p:ph type="body" sz="quarter" idx="10"/>
+          </p:nvPr>
+        </p:nvSpPr>
+        <p:spPr>
+          <a:xfrm>
+            <a:off x="11324" y="2250268"/>
+            <a:ext cx="12192000" cy="936625"/>
+          </a:xfrm>
+        </p:spPr>
+        <p:txBody>
+          <a:bodyPr>
+            <a:normAutofit/>
+          </a:bodyPr>
+          <a:lstStyle/>
+          <a:p>
+            <a:pPr algn="ctr"/>
+            <a:r>
+              <a:rPr lang="en-US" altLang="zh-CN" sz="2800" dirty="0" smtClean="0">
+                <a:solidFill>
+                  <a:schemeClr val="tx1">
+                    <a:lumMod val="75000"/>
+                    <a:lumOff val="25000"/>
+                  </a:schemeClr>
+                </a:solidFill>
+              </a:rPr>
+              <a:t>__proto__</a:t>
+            </a:r>
+            <a:endParaRPr lang="zh-CN" altLang="en-US" sz="2800" dirty="0">
+              <a:solidFill>
+                <a:schemeClr val="tx1">
+                  <a:lumMod val="75000"/>
+                  <a:lumOff val="25000"/>
+                </a:schemeClr>
+              </a:solidFill>
+            </a:endParaRPr>
+          </a:p>
+        </p:txBody>
+      </p:sp>
+      <p:sp>
+        <p:nvSpPr>
+          <p:cNvPr id="4" name="文本框 3"/>
+          <p:cNvSpPr txBox="1"/>
+          <p:nvPr/>
+        </p:nvSpPr>
+        <p:spPr>
+          <a:xfrm>
+            <a:off x="2027548" y="3392996"/>
+            <a:ext cx="8136904" cy="1754326"/>
+          </a:xfrm>
+          <a:prstGeom prst="rect">
+            <a:avLst/>
+          </a:prstGeom>
+          <a:noFill/>
+        </p:spPr>
+        <p:txBody>
+          <a:bodyPr wrap="square" rtlCol="0">
+            <a:spAutoFit/>
+          </a:bodyPr>
+          <a:lstStyle/>
+          <a:p>
+            <a:pPr marL="342900" indent="-342900">
+              <a:lnSpc>
+                <a:spcPct val="200000"/>
+              </a:lnSpc>
+              <a:buFont typeface="+mj-lt"/>
+              <a:buAutoNum type="arabicPeriod"/>
+            </a:pPr>
+            <a:r>
+              <a:rPr lang="zh-CN" altLang="en-US" dirty="0" smtClean="0">
+                <a:solidFill>
+                  <a:schemeClr val="tx1">
+                    <a:lumMod val="75000"/>
+                    <a:lumOff val="25000"/>
+                  </a:schemeClr>
+                </a:solidFill>
+                <a:latin typeface="冬青黑体简体中文 W3" panose="020B0300000000000000" pitchFamily="34" charset="-122"/>
+                <a:ea typeface="冬青黑体简体中文 W3" panose="020B0300000000000000" pitchFamily="34" charset="-122"/>
+              </a:rPr>
+              <a:t>定义：</a:t>
+            </a:r>
+            <a:r>
+              <a:rPr lang="zh-CN" altLang="en-US" dirty="0" smtClean="0">
+                <a:solidFill>
+                  <a:srgbClr val="00B050"/>
+                </a:solidFill>
+                <a:latin typeface="冬青黑体简体中文 W3" panose="020B0300000000000000" pitchFamily="34" charset="-122"/>
+                <a:ea typeface="冬青黑体简体中文 W3" panose="020B0300000000000000" pitchFamily="34" charset="-122"/>
+              </a:rPr>
+              <a:t>每个对象</a:t>
+            </a:r>
+            <a:r>
+              <a:rPr lang="zh-CN" altLang="en-US" dirty="0" smtClean="0">
+                <a:solidFill>
+                  <a:schemeClr val="tx1">
+                    <a:lumMod val="65000"/>
+                    <a:lumOff val="35000"/>
+                  </a:schemeClr>
+                </a:solidFill>
+                <a:latin typeface="冬青黑体简体中文 W3" panose="020B0300000000000000" pitchFamily="34" charset="-122"/>
+                <a:ea typeface="冬青黑体简体中文 W3" panose="020B0300000000000000" pitchFamily="34" charset="-122"/>
+              </a:rPr>
+              <a:t>都有一个 </a:t>
+            </a:r>
+            <a:r>
+              <a:rPr lang="en-US" altLang="zh-CN" dirty="0" smtClean="0">
+                <a:solidFill>
+                  <a:srgbClr val="C00000"/>
+                </a:solidFill>
+                <a:latin typeface="冬青黑体简体中文 W3" panose="020B0300000000000000" pitchFamily="34" charset="-122"/>
+                <a:ea typeface="冬青黑体简体中文 W3" panose="020B0300000000000000" pitchFamily="34" charset="-122"/>
+              </a:rPr>
+              <a:t>__proto__ </a:t>
+            </a:r>
+            <a:r>
+              <a:rPr lang="zh-CN" altLang="en-US" dirty="0" smtClean="0">
+                <a:solidFill>
+                  <a:schemeClr val="tx1">
+                    <a:lumMod val="65000"/>
+                    <a:lumOff val="35000"/>
+                  </a:schemeClr>
+                </a:solidFill>
+                <a:latin typeface="冬青黑体简体中文 W3" panose="020B0300000000000000" pitchFamily="34" charset="-122"/>
+                <a:ea typeface="冬青黑体简体中文 W3" panose="020B0300000000000000" pitchFamily="34" charset="-122"/>
+              </a:rPr>
+              <a:t>指针指向其构造函数的 </a:t>
+            </a:r>
+            <a:r>
+              <a:rPr lang="en-US" altLang="zh-CN" dirty="0" smtClean="0">
+                <a:solidFill>
+                  <a:srgbClr val="C00000"/>
+                </a:solidFill>
+                <a:latin typeface="冬青黑体简体中文 W3" panose="020B0300000000000000" pitchFamily="34" charset="-122"/>
+                <a:ea typeface="冬青黑体简体中文 W3" panose="020B0300000000000000" pitchFamily="34" charset="-122"/>
+              </a:rPr>
+              <a:t>prototype </a:t>
+            </a:r>
+            <a:r>
+              <a:rPr lang="zh-CN" altLang="en-US" dirty="0" smtClean="0">
+                <a:solidFill>
+                  <a:schemeClr val="tx1">
+                    <a:lumMod val="65000"/>
+                    <a:lumOff val="35000"/>
+                  </a:schemeClr>
+                </a:solidFill>
+                <a:latin typeface="冬青黑体简体中文 W3" panose="020B0300000000000000" pitchFamily="34" charset="-122"/>
+                <a:ea typeface="冬青黑体简体中文 W3" panose="020B0300000000000000" pitchFamily="34" charset="-122"/>
+              </a:rPr>
+              <a:t>对象。</a:t>
+            </a:r>
+            <a:endParaRPr lang="en-US" altLang="zh-CN" dirty="0" smtClean="0">
+              <a:solidFill>
+                <a:schemeClr val="tx1">
+                  <a:lumMod val="65000"/>
+                  <a:lumOff val="35000"/>
+                </a:schemeClr>
+              </a:solidFill>
+              <a:latin typeface="冬青黑体简体中文 W3" panose="020B0300000000000000" pitchFamily="34" charset="-122"/>
+              <a:ea typeface="冬青黑体简体中文 W3" panose="020B0300000000000000" pitchFamily="34" charset="-122"/>
+            </a:endParaRPr>
+          </a:p>
+          <a:p>
+            <a:pPr marL="342900" indent="-342900">
+              <a:lnSpc>
+                <a:spcPct val="200000"/>
+              </a:lnSpc>
+              <a:buFont typeface="+mj-lt"/>
+              <a:buAutoNum type="arabicPeriod"/>
+            </a:pPr>
+            <a:r>
+              <a:rPr lang="zh-CN" altLang="en-US" dirty="0">
+                <a:solidFill>
+                  <a:schemeClr val="tx1">
+                    <a:lumMod val="75000"/>
+                    <a:lumOff val="25000"/>
+                  </a:schemeClr>
+                </a:solidFill>
+                <a:latin typeface="冬青黑体简体中文 W3" panose="020B0300000000000000" pitchFamily="34" charset="-122"/>
+                <a:ea typeface="冬青黑体简体中文 W3" panose="020B0300000000000000" pitchFamily="34" charset="-122"/>
+              </a:rPr>
+              <a:t>继</a:t>
+            </a:r>
+            <a:r>
+              <a:rPr lang="zh-CN" altLang="en-US" dirty="0" smtClean="0">
+                <a:solidFill>
+                  <a:schemeClr val="tx1">
+                    <a:lumMod val="75000"/>
+                    <a:lumOff val="25000"/>
+                  </a:schemeClr>
+                </a:solidFill>
+                <a:latin typeface="冬青黑体简体中文 W3" panose="020B0300000000000000" pitchFamily="34" charset="-122"/>
+                <a:ea typeface="冬青黑体简体中文 W3" panose="020B0300000000000000" pitchFamily="34" charset="-122"/>
+              </a:rPr>
+              <a:t>承由此产生。</a:t>
+            </a:r>
+            <a:endParaRPr lang="zh-CN" altLang="en-US" dirty="0" smtClean="0">
+              <a:solidFill>
+                <a:schemeClr val="tx1">
+                  <a:lumMod val="75000"/>
+                  <a:lumOff val="25000"/>
+                </a:schemeClr>
+              </a:solidFill>
+              <a:latin typeface="冬青黑体简体中文 W3" panose="020B0300000000000000" pitchFamily="34" charset="-122"/>
+              <a:ea typeface="冬青黑体简体中文 W3" panose="020B0300000000000000" pitchFamily="34" charset="-122"/>
+            </a:endParaRPr>
+          </a:p>
+        </p:txBody>
+      </p:sp>
+    </p:spTree>
+    <p:extLst>
+      <p:ext uri="{BB962C8B-B14F-4D97-AF65-F5344CB8AC3E}">
+        <p14:creationId xmlns:p14="http://schemas.microsoft.com/office/powerpoint/2010/main" val="2308217878"/>
+      </p:ext>
+    </p:extLst>
+  </p:cSld>
+  <p:clrMapOvr>
+    <a:masterClrMapping/>
+  </p:clrMapOvr>
+  <mc:AlternateContent xmlns:mc="http://schemas.openxmlformats.org/markup-compatibility/2006">
+    <mc:Choice xmlns:p14="http://schemas.microsoft.com/office/powerpoint/2010/main" Requires="p14">
+      <p:transition p14:dur="0" advTm="9938"/>
+    </mc:Choice>
+    <mc:Fallback>
+      <p:transition advTm="9938"/>
+    </mc:Fallback>
+  </mc:AlternateContent>
+  <p:timing>
+    <p:tnLst>
+      <p:par>
+        <p:cTn id="1" dur="indefinite" restart="never" nodeType="tmRoot"/>
+      </p:par>
+    </p:tnLst>
+  </p:timing>
+</p:sld>
+</file>
+
+<file path=ppt/slides/slide23.xml><?xml version="1.0" encoding="utf-8"?>
+<p:sld xmlns:a="http://schemas.openxmlformats.org/drawingml/2006/main" xmlns:r="http://schemas.openxmlformats.org/officeDocument/2006/relationships" xmlns:p="http://schemas.openxmlformats.org/presentationml/2006/main">
+  <p:cSld>
+    <p:spTree>
+      <p:nvGrpSpPr>
+        <p:cNvPr id="1" name=""/>
+        <p:cNvGrpSpPr/>
+        <p:nvPr/>
+      </p:nvGrpSpPr>
+      <p:grpSpPr>
+        <a:xfrm>
+          <a:off x="0" y="0"/>
+          <a:ext cx="0" cy="0"/>
+          <a:chOff x="0" y="0"/>
+          <a:chExt cx="0" cy="0"/>
+        </a:xfrm>
+      </p:grpSpPr>
+      <p:sp>
+        <p:nvSpPr>
+          <p:cNvPr id="2" name="标题 1"/>
+          <p:cNvSpPr>
+            <a:spLocks noGrp="1"/>
+          </p:cNvSpPr>
+          <p:nvPr>
+            <p:ph type="title"/>
+          </p:nvPr>
+        </p:nvSpPr>
         <p:spPr>
           <a:xfrm>
             <a:off x="611267" y="413792"/>
@@ -6103,7 +7691,7 @@
         <p:spPr>
           <a:xfrm>
             <a:off x="5123892" y="3248980"/>
-            <a:ext cx="2124236" cy="1112164"/>
+            <a:ext cx="2124236" cy="1200329"/>
           </a:xfrm>
           <a:prstGeom prst="rect">
             <a:avLst/>
@@ -6127,8 +7715,8 @@
               <a:rPr lang="zh-CN" altLang="en-US" dirty="0">
                 <a:solidFill>
                   <a:schemeClr val="tx1">
-                    <a:lumMod val="85000"/>
-                    <a:lumOff val="15000"/>
+                    <a:lumMod val="65000"/>
+                    <a:lumOff val="35000"/>
                   </a:schemeClr>
                 </a:solidFill>
                 <a:latin typeface="冬青黑体简体中文 W3" panose="020B0300000000000000" pitchFamily="34" charset="-122"/>
@@ -6140,8 +7728,8 @@
               <a:rPr lang="zh-CN" altLang="en-US" dirty="0" smtClean="0">
                 <a:solidFill>
                   <a:schemeClr val="tx1">
-                    <a:lumMod val="85000"/>
-                    <a:lumOff val="15000"/>
+                    <a:lumMod val="65000"/>
+                    <a:lumOff val="35000"/>
                   </a:schemeClr>
                 </a:solidFill>
                 <a:latin typeface="冬青黑体简体中文 W3" panose="020B0300000000000000" pitchFamily="34" charset="-122"/>
@@ -6152,8 +7740,8 @@
             <a:endParaRPr lang="en-US" altLang="zh-CN" dirty="0" smtClean="0">
               <a:solidFill>
                 <a:schemeClr val="tx1">
-                  <a:lumMod val="85000"/>
-                  <a:lumOff val="15000"/>
+                  <a:lumMod val="65000"/>
+                  <a:lumOff val="35000"/>
                 </a:schemeClr>
               </a:solidFill>
               <a:latin typeface="冬青黑体简体中文 W3" panose="020B0300000000000000" pitchFamily="34" charset="-122"/>
@@ -6172,8 +7760,8 @@
               <a:rPr lang="zh-CN" altLang="en-US" dirty="0">
                 <a:solidFill>
                   <a:schemeClr val="tx1">
-                    <a:lumMod val="85000"/>
-                    <a:lumOff val="15000"/>
+                    <a:lumMod val="65000"/>
+                    <a:lumOff val="35000"/>
                   </a:schemeClr>
                 </a:solidFill>
                 <a:latin typeface="冬青黑体简体中文 W3" panose="020B0300000000000000" pitchFamily="34" charset="-122"/>
@@ -6185,8 +7773,8 @@
               <a:rPr lang="zh-CN" altLang="en-US" dirty="0" smtClean="0">
                 <a:solidFill>
                   <a:schemeClr val="tx1">
-                    <a:lumMod val="85000"/>
-                    <a:lumOff val="15000"/>
+                    <a:lumMod val="65000"/>
+                    <a:lumOff val="35000"/>
                   </a:schemeClr>
                 </a:solidFill>
                 <a:latin typeface="冬青黑体简体中文 W3" panose="020B0300000000000000" pitchFamily="34" charset="-122"/>
@@ -6564,6 +8152,81 @@
               <a:rPr lang="zh-CN" altLang="en-US" dirty="0" smtClean="0">
                 <a:solidFill>
                   <a:schemeClr val="tx1">
+                    <a:lumMod val="65000"/>
+                    <a:lumOff val="35000"/>
+                  </a:schemeClr>
+                </a:solidFill>
+                <a:latin typeface="冬青黑体简体中文 W3" panose="020B0300000000000000" pitchFamily="34" charset="-122"/>
+                <a:ea typeface="冬青黑体简体中文 W3" panose="020B0300000000000000" pitchFamily="34" charset="-122"/>
+              </a:rPr>
+              <a:t>严格模式下（</a:t>
+            </a:r>
+            <a:r>
+              <a:rPr lang="en-US" altLang="zh-CN" dirty="0" smtClean="0">
+                <a:solidFill>
+                  <a:schemeClr val="tx1">
+                    <a:lumMod val="65000"/>
+                    <a:lumOff val="35000"/>
+                  </a:schemeClr>
+                </a:solidFill>
+                <a:latin typeface="冬青黑体简体中文 W3" panose="020B0300000000000000" pitchFamily="34" charset="-122"/>
+                <a:ea typeface="冬青黑体简体中文 W3" panose="020B0300000000000000" pitchFamily="34" charset="-122"/>
+              </a:rPr>
+              <a:t>strict mode</a:t>
+            </a:r>
+            <a:r>
+              <a:rPr lang="zh-CN" altLang="en-US" dirty="0" smtClean="0">
+                <a:solidFill>
+                  <a:schemeClr val="tx1">
+                    <a:lumMod val="65000"/>
+                    <a:lumOff val="35000"/>
+                  </a:schemeClr>
+                </a:solidFill>
+                <a:latin typeface="冬青黑体简体中文 W3" panose="020B0300000000000000" pitchFamily="34" charset="-122"/>
+                <a:ea typeface="冬青黑体简体中文 W3" panose="020B0300000000000000" pitchFamily="34" charset="-122"/>
+              </a:rPr>
+              <a:t>）：</a:t>
+            </a:r>
+            <a:r>
+              <a:rPr lang="en-US" altLang="zh-CN" dirty="0" smtClean="0">
+                <a:solidFill>
+                  <a:schemeClr val="tx1">
+                    <a:lumMod val="65000"/>
+                    <a:lumOff val="35000"/>
+                  </a:schemeClr>
+                </a:solidFill>
+                <a:latin typeface="冬青黑体简体中文 W3" panose="020B0300000000000000" pitchFamily="34" charset="-122"/>
+                <a:ea typeface="冬青黑体简体中文 W3" panose="020B0300000000000000" pitchFamily="34" charset="-122"/>
+              </a:rPr>
+              <a:t>this</a:t>
+            </a:r>
+            <a:r>
+              <a:rPr lang="zh-CN" altLang="en-US" dirty="0" smtClean="0">
+                <a:solidFill>
+                  <a:schemeClr val="tx1">
+                    <a:lumMod val="65000"/>
+                    <a:lumOff val="35000"/>
+                  </a:schemeClr>
+                </a:solidFill>
+                <a:latin typeface="冬青黑体简体中文 W3" panose="020B0300000000000000" pitchFamily="34" charset="-122"/>
+                <a:ea typeface="冬青黑体简体中文 W3" panose="020B0300000000000000" pitchFamily="34" charset="-122"/>
+              </a:rPr>
+              <a:t>指向 </a:t>
+            </a:r>
+            <a:r>
+              <a:rPr lang="en-US" altLang="zh-CN" dirty="0">
+                <a:solidFill>
+                  <a:srgbClr val="C00000"/>
+                </a:solidFill>
+                <a:latin typeface="冬青黑体简体中文 W3" panose="020B0300000000000000" pitchFamily="34" charset="-122"/>
+                <a:ea typeface="冬青黑体简体中文 W3" panose="020B0300000000000000" pitchFamily="34" charset="-122"/>
+              </a:rPr>
+              <a:t>undefined</a:t>
+            </a:r>
+            <a:r>
+              <a:rPr lang="en-US" altLang="zh-CN" dirty="0" smtClean="0">
+                <a:solidFill>
+                  <a:schemeClr val="tx1">
                     <a:lumMod val="85000"/>
                     <a:lumOff val="15000"/>
                   </a:schemeClr>
@@ -6571,95 +8234,7 @@
                 <a:latin typeface="冬青黑体简体中文 W3" panose="020B0300000000000000" pitchFamily="34" charset="-122"/>
                 <a:ea typeface="冬青黑体简体中文 W3" panose="020B0300000000000000" pitchFamily="34" charset="-122"/>
               </a:rPr>
-              <a:t>严格模式下（</a:t>
-            </a:r>
-            <a:r>
-              <a:rPr lang="en-US" altLang="zh-CN" dirty="0" smtClean="0">
-                <a:solidFill>
-                  <a:schemeClr val="tx1">
-                    <a:lumMod val="85000"/>
-                    <a:lumOff val="15000"/>
-                  </a:schemeClr>
-                </a:solidFill>
-                <a:latin typeface="冬青黑体简体中文 W3" panose="020B0300000000000000" pitchFamily="34" charset="-122"/>
-                <a:ea typeface="冬青黑体简体中文 W3" panose="020B0300000000000000" pitchFamily="34" charset="-122"/>
-              </a:rPr>
-              <a:t>strict mode</a:t>
-            </a:r>
-            <a:r>
-              <a:rPr lang="zh-CN" altLang="en-US" dirty="0" smtClean="0">
-                <a:solidFill>
-                  <a:schemeClr val="tx1">
-                    <a:lumMod val="85000"/>
-                    <a:lumOff val="15000"/>
-                  </a:schemeClr>
-                </a:solidFill>
-                <a:latin typeface="冬青黑体简体中文 W3" panose="020B0300000000000000" pitchFamily="34" charset="-122"/>
-                <a:ea typeface="冬青黑体简体中文 W3" panose="020B0300000000000000" pitchFamily="34" charset="-122"/>
-              </a:rPr>
-              <a:t>）：</a:t>
-            </a:r>
-            <a:r>
-              <a:rPr lang="en-US" altLang="zh-CN" dirty="0" smtClean="0">
-                <a:solidFill>
-                  <a:schemeClr val="tx1">
-                    <a:lumMod val="85000"/>
-                    <a:lumOff val="15000"/>
-                  </a:schemeClr>
-                </a:solidFill>
-                <a:latin typeface="冬青黑体简体中文 W3" panose="020B0300000000000000" pitchFamily="34" charset="-122"/>
-                <a:ea typeface="冬青黑体简体中文 W3" panose="020B0300000000000000" pitchFamily="34" charset="-122"/>
-              </a:rPr>
-              <a:t>this</a:t>
-            </a:r>
-            <a:r>
-              <a:rPr lang="zh-CN" altLang="en-US" dirty="0" smtClean="0">
-                <a:solidFill>
-                  <a:schemeClr val="tx1">
-                    <a:lumMod val="85000"/>
-                    <a:lumOff val="15000"/>
-                  </a:schemeClr>
-                </a:solidFill>
-                <a:latin typeface="冬青黑体简体中文 W3" panose="020B0300000000000000" pitchFamily="34" charset="-122"/>
-                <a:ea typeface="冬青黑体简体中文 W3" panose="020B0300000000000000" pitchFamily="34" charset="-122"/>
-              </a:rPr>
-              <a:t>指向 </a:t>
-            </a:r>
-            <a:r>
-              <a:rPr lang="en-US" altLang="zh-CN" dirty="0" smtClean="0">
-                <a:solidFill>
-                  <a:schemeClr val="tx1">
-                    <a:lumMod val="85000"/>
-                    <a:lumOff val="15000"/>
-                  </a:schemeClr>
-                </a:solidFill>
-                <a:latin typeface="冬青黑体简体中文 W3" panose="020B0300000000000000" pitchFamily="34" charset="-122"/>
-                <a:ea typeface="冬青黑体简体中文 W3" panose="020B0300000000000000" pitchFamily="34" charset="-122"/>
-              </a:rPr>
-              <a:t>`</a:t>
-            </a:r>
-            <a:r>
-              <a:rPr lang="en-US" altLang="zh-CN" dirty="0" smtClean="0">
-                <a:solidFill>
-                  <a:srgbClr val="C00000"/>
-                </a:solidFill>
-                <a:latin typeface="冬青黑体简体中文 W3" panose="020B0300000000000000" pitchFamily="34" charset="-122"/>
-                <a:ea typeface="冬青黑体简体中文 W3" panose="020B0300000000000000" pitchFamily="34" charset="-122"/>
-              </a:rPr>
-              <a:t>undefined</a:t>
-            </a:r>
-            <a:r>
-              <a:rPr lang="en-US" altLang="zh-CN" dirty="0" smtClean="0">
-                <a:solidFill>
-                  <a:schemeClr val="tx1">
-                    <a:lumMod val="85000"/>
-                    <a:lumOff val="15000"/>
-                  </a:schemeClr>
-                </a:solidFill>
-                <a:latin typeface="冬青黑体简体中文 W3" panose="020B0300000000000000" pitchFamily="34" charset="-122"/>
-                <a:ea typeface="冬青黑体简体中文 W3" panose="020B0300000000000000" pitchFamily="34" charset="-122"/>
-              </a:rPr>
-              <a:t>`</a:t>
+              <a:t/>
             </a:r>
             <a:br>
               <a:rPr lang="en-US" altLang="zh-CN" dirty="0" smtClean="0">
@@ -6696,6 +8271,81 @@
               <a:rPr lang="zh-CN" altLang="en-US" dirty="0" smtClean="0">
                 <a:solidFill>
                   <a:schemeClr val="tx1">
+                    <a:lumMod val="65000"/>
+                    <a:lumOff val="35000"/>
+                  </a:schemeClr>
+                </a:solidFill>
+                <a:latin typeface="冬青黑体简体中文 W3" panose="020B0300000000000000" pitchFamily="34" charset="-122"/>
+                <a:ea typeface="冬青黑体简体中文 W3" panose="020B0300000000000000" pitchFamily="34" charset="-122"/>
+              </a:rPr>
+              <a:t>非严格模式下（</a:t>
+            </a:r>
+            <a:r>
+              <a:rPr lang="en-US" altLang="zh-CN" dirty="0" smtClean="0">
+                <a:solidFill>
+                  <a:schemeClr val="tx1">
+                    <a:lumMod val="65000"/>
+                    <a:lumOff val="35000"/>
+                  </a:schemeClr>
+                </a:solidFill>
+                <a:latin typeface="冬青黑体简体中文 W3" panose="020B0300000000000000" pitchFamily="34" charset="-122"/>
+                <a:ea typeface="冬青黑体简体中文 W3" panose="020B0300000000000000" pitchFamily="34" charset="-122"/>
+              </a:rPr>
+              <a:t>sloppy mode</a:t>
+            </a:r>
+            <a:r>
+              <a:rPr lang="zh-CN" altLang="en-US" dirty="0" smtClean="0">
+                <a:solidFill>
+                  <a:schemeClr val="tx1">
+                    <a:lumMod val="65000"/>
+                    <a:lumOff val="35000"/>
+                  </a:schemeClr>
+                </a:solidFill>
+                <a:latin typeface="冬青黑体简体中文 W3" panose="020B0300000000000000" pitchFamily="34" charset="-122"/>
+                <a:ea typeface="冬青黑体简体中文 W3" panose="020B0300000000000000" pitchFamily="34" charset="-122"/>
+              </a:rPr>
+              <a:t>）：</a:t>
+            </a:r>
+            <a:r>
+              <a:rPr lang="en-US" altLang="zh-CN" dirty="0" smtClean="0">
+                <a:solidFill>
+                  <a:schemeClr val="tx1">
+                    <a:lumMod val="65000"/>
+                    <a:lumOff val="35000"/>
+                  </a:schemeClr>
+                </a:solidFill>
+                <a:latin typeface="冬青黑体简体中文 W3" panose="020B0300000000000000" pitchFamily="34" charset="-122"/>
+                <a:ea typeface="冬青黑体简体中文 W3" panose="020B0300000000000000" pitchFamily="34" charset="-122"/>
+              </a:rPr>
+              <a:t>this</a:t>
+            </a:r>
+            <a:r>
+              <a:rPr lang="zh-CN" altLang="en-US" dirty="0" smtClean="0">
+                <a:solidFill>
+                  <a:schemeClr val="tx1">
+                    <a:lumMod val="65000"/>
+                    <a:lumOff val="35000"/>
+                  </a:schemeClr>
+                </a:solidFill>
+                <a:latin typeface="冬青黑体简体中文 W3" panose="020B0300000000000000" pitchFamily="34" charset="-122"/>
+                <a:ea typeface="冬青黑体简体中文 W3" panose="020B0300000000000000" pitchFamily="34" charset="-122"/>
+              </a:rPr>
+              <a:t>指向 </a:t>
+            </a:r>
+            <a:r>
+              <a:rPr lang="en-US" altLang="zh-CN" dirty="0">
+                <a:solidFill>
+                  <a:srgbClr val="C00000"/>
+                </a:solidFill>
+                <a:latin typeface="冬青黑体简体中文 W3" panose="020B0300000000000000" pitchFamily="34" charset="-122"/>
+                <a:ea typeface="冬青黑体简体中文 W3" panose="020B0300000000000000" pitchFamily="34" charset="-122"/>
+              </a:rPr>
+              <a:t>window </a:t>
+            </a:r>
+            <a:r>
+              <a:rPr lang="en-US" altLang="zh-CN" dirty="0" smtClean="0">
+                <a:solidFill>
+                  <a:schemeClr val="tx1">
                     <a:lumMod val="85000"/>
                     <a:lumOff val="15000"/>
                   </a:schemeClr>
@@ -6703,95 +8353,7 @@
                 <a:latin typeface="冬青黑体简体中文 W3" panose="020B0300000000000000" pitchFamily="34" charset="-122"/>
                 <a:ea typeface="冬青黑体简体中文 W3" panose="020B0300000000000000" pitchFamily="34" charset="-122"/>
               </a:rPr>
-              <a:t>非严格模式下（</a:t>
-            </a:r>
-            <a:r>
-              <a:rPr lang="en-US" altLang="zh-CN" dirty="0" smtClean="0">
-                <a:solidFill>
-                  <a:schemeClr val="tx1">
-                    <a:lumMod val="85000"/>
-                    <a:lumOff val="15000"/>
-                  </a:schemeClr>
-                </a:solidFill>
-                <a:latin typeface="冬青黑体简体中文 W3" panose="020B0300000000000000" pitchFamily="34" charset="-122"/>
-                <a:ea typeface="冬青黑体简体中文 W3" panose="020B0300000000000000" pitchFamily="34" charset="-122"/>
-              </a:rPr>
-              <a:t>sloppy mode</a:t>
-            </a:r>
-            <a:r>
-              <a:rPr lang="zh-CN" altLang="en-US" dirty="0" smtClean="0">
-                <a:solidFill>
-                  <a:schemeClr val="tx1">
-                    <a:lumMod val="85000"/>
-                    <a:lumOff val="15000"/>
-                  </a:schemeClr>
-                </a:solidFill>
-                <a:latin typeface="冬青黑体简体中文 W3" panose="020B0300000000000000" pitchFamily="34" charset="-122"/>
-                <a:ea typeface="冬青黑体简体中文 W3" panose="020B0300000000000000" pitchFamily="34" charset="-122"/>
-              </a:rPr>
-              <a:t>）：</a:t>
-            </a:r>
-            <a:r>
-              <a:rPr lang="en-US" altLang="zh-CN" dirty="0" smtClean="0">
-                <a:solidFill>
-                  <a:schemeClr val="tx1">
-                    <a:lumMod val="85000"/>
-                    <a:lumOff val="15000"/>
-                  </a:schemeClr>
-                </a:solidFill>
-                <a:latin typeface="冬青黑体简体中文 W3" panose="020B0300000000000000" pitchFamily="34" charset="-122"/>
-                <a:ea typeface="冬青黑体简体中文 W3" panose="020B0300000000000000" pitchFamily="34" charset="-122"/>
-              </a:rPr>
-              <a:t>this</a:t>
-            </a:r>
-            <a:r>
-              <a:rPr lang="zh-CN" altLang="en-US" dirty="0" smtClean="0">
-                <a:solidFill>
-                  <a:schemeClr val="tx1">
-                    <a:lumMod val="85000"/>
-                    <a:lumOff val="15000"/>
-                  </a:schemeClr>
-                </a:solidFill>
-                <a:latin typeface="冬青黑体简体中文 W3" panose="020B0300000000000000" pitchFamily="34" charset="-122"/>
-                <a:ea typeface="冬青黑体简体中文 W3" panose="020B0300000000000000" pitchFamily="34" charset="-122"/>
-              </a:rPr>
-              <a:t>指向 </a:t>
-            </a:r>
-            <a:r>
-              <a:rPr lang="en-US" altLang="zh-CN" dirty="0" smtClean="0">
-                <a:solidFill>
-                  <a:schemeClr val="tx1">
-                    <a:lumMod val="85000"/>
-                    <a:lumOff val="15000"/>
-                  </a:schemeClr>
-                </a:solidFill>
-                <a:latin typeface="冬青黑体简体中文 W3" panose="020B0300000000000000" pitchFamily="34" charset="-122"/>
-                <a:ea typeface="冬青黑体简体中文 W3" panose="020B0300000000000000" pitchFamily="34" charset="-122"/>
-              </a:rPr>
-              <a:t>`</a:t>
-            </a:r>
-            <a:r>
-              <a:rPr lang="en-US" altLang="zh-CN" dirty="0" smtClean="0">
-                <a:solidFill>
-                  <a:srgbClr val="C00000"/>
-                </a:solidFill>
-                <a:latin typeface="冬青黑体简体中文 W3" panose="020B0300000000000000" pitchFamily="34" charset="-122"/>
-                <a:ea typeface="冬青黑体简体中文 W3" panose="020B0300000000000000" pitchFamily="34" charset="-122"/>
-              </a:rPr>
-              <a:t>window</a:t>
-            </a:r>
-            <a:r>
-              <a:rPr lang="en-US" altLang="zh-CN" dirty="0" smtClean="0">
-                <a:solidFill>
-                  <a:schemeClr val="tx1">
-                    <a:lumMod val="85000"/>
-                    <a:lumOff val="15000"/>
-                  </a:schemeClr>
-                </a:solidFill>
-                <a:latin typeface="冬青黑体简体中文 W3" panose="020B0300000000000000" pitchFamily="34" charset="-122"/>
-                <a:ea typeface="冬青黑体简体中文 W3" panose="020B0300000000000000" pitchFamily="34" charset="-122"/>
-              </a:rPr>
-              <a:t>`		 </a:t>
+              <a:t>		 </a:t>
             </a:r>
             <a:endParaRPr lang="zh-CN" altLang="en-US" dirty="0" smtClean="0">
               <a:solidFill>
@@ -7045,8 +8607,8 @@
               <a:rPr lang="zh-CN" altLang="en-US" dirty="0" smtClean="0">
                 <a:solidFill>
                   <a:schemeClr val="tx1">
-                    <a:lumMod val="85000"/>
-                    <a:lumOff val="15000"/>
+                    <a:lumMod val="65000"/>
+                    <a:lumOff val="35000"/>
                   </a:schemeClr>
                 </a:solidFill>
                 <a:latin typeface="冬青黑体简体中文 W3" panose="020B0300000000000000" pitchFamily="34" charset="-122"/>
@@ -7057,8 +8619,8 @@
             <a:endParaRPr lang="en-US" altLang="zh-CN" dirty="0" smtClean="0">
               <a:solidFill>
                 <a:schemeClr val="tx1">
-                  <a:lumMod val="85000"/>
-                  <a:lumOff val="15000"/>
+                  <a:lumMod val="65000"/>
+                  <a:lumOff val="35000"/>
                 </a:schemeClr>
               </a:solidFill>
               <a:latin typeface="冬青黑体简体中文 W3" panose="020B0300000000000000" pitchFamily="34" charset="-122"/>
@@ -7077,8 +8639,8 @@
               <a:rPr lang="zh-CN" altLang="en-US" dirty="0">
                 <a:solidFill>
                   <a:schemeClr val="tx1">
-                    <a:lumMod val="85000"/>
-                    <a:lumOff val="15000"/>
+                    <a:lumMod val="65000"/>
+                    <a:lumOff val="35000"/>
                   </a:schemeClr>
                 </a:solidFill>
                 <a:latin typeface="冬青黑体简体中文 W3" panose="020B0300000000000000" pitchFamily="34" charset="-122"/>
@@ -7090,8 +8652,8 @@
               <a:rPr lang="zh-CN" altLang="en-US" dirty="0" smtClean="0">
                 <a:solidFill>
                   <a:schemeClr val="tx1">
-                    <a:lumMod val="85000"/>
-                    <a:lumOff val="15000"/>
+                    <a:lumMod val="65000"/>
+                    <a:lumOff val="35000"/>
                   </a:schemeClr>
                 </a:solidFill>
                 <a:latin typeface="冬青黑体简体中文 W3" panose="020B0300000000000000" pitchFamily="34" charset="-122"/>
@@ -7102,8 +8664,8 @@
             <a:endParaRPr lang="en-US" altLang="zh-CN" dirty="0" smtClean="0">
               <a:solidFill>
                 <a:schemeClr val="tx1">
-                  <a:lumMod val="85000"/>
-                  <a:lumOff val="15000"/>
+                  <a:lumMod val="65000"/>
+                  <a:lumOff val="35000"/>
                 </a:schemeClr>
               </a:solidFill>
               <a:latin typeface="冬青黑体简体中文 W3" panose="020B0300000000000000" pitchFamily="34" charset="-122"/>
@@ -7122,8 +8684,8 @@
               <a:rPr lang="zh-CN" altLang="en-US" dirty="0">
                 <a:solidFill>
                   <a:schemeClr val="tx1">
-                    <a:lumMod val="85000"/>
-                    <a:lumOff val="15000"/>
+                    <a:lumMod val="65000"/>
+                    <a:lumOff val="35000"/>
                   </a:schemeClr>
                 </a:solidFill>
                 <a:latin typeface="冬青黑体简体中文 W3" panose="020B0300000000000000" pitchFamily="34" charset="-122"/>
@@ -7135,8 +8697,8 @@
               <a:rPr lang="zh-CN" altLang="en-US" dirty="0" smtClean="0">
                 <a:solidFill>
                   <a:schemeClr val="tx1">
-                    <a:lumMod val="85000"/>
-                    <a:lumOff val="15000"/>
+                    <a:lumMod val="65000"/>
+                    <a:lumOff val="35000"/>
                   </a:schemeClr>
                 </a:solidFill>
                 <a:latin typeface="冬青黑体简体中文 W3" panose="020B0300000000000000" pitchFamily="34" charset="-122"/>
@@ -7148,8 +8710,8 @@
               <a:rPr lang="en-US" altLang="zh-CN" dirty="0" smtClean="0">
                 <a:solidFill>
                   <a:schemeClr val="tx1">
-                    <a:lumMod val="85000"/>
-                    <a:lumOff val="15000"/>
+                    <a:lumMod val="65000"/>
+                    <a:lumOff val="35000"/>
                   </a:schemeClr>
                 </a:solidFill>
                 <a:latin typeface="冬青黑体简体中文 W3" panose="020B0300000000000000" pitchFamily="34" charset="-122"/>
@@ -7161,8 +8723,8 @@
               <a:rPr lang="zh-CN" altLang="en-US" dirty="0" smtClean="0">
                 <a:solidFill>
                   <a:schemeClr val="tx1">
-                    <a:lumMod val="85000"/>
-                    <a:lumOff val="15000"/>
+                    <a:lumMod val="65000"/>
+                    <a:lumOff val="35000"/>
                   </a:schemeClr>
                 </a:solidFill>
                 <a:latin typeface="冬青黑体简体中文 W3" panose="020B0300000000000000" pitchFamily="34" charset="-122"/>
@@ -7173,8 +8735,8 @@
             <a:endParaRPr lang="en-US" altLang="zh-CN" dirty="0" smtClean="0">
               <a:solidFill>
                 <a:schemeClr val="tx1">
-                  <a:lumMod val="85000"/>
-                  <a:lumOff val="15000"/>
+                  <a:lumMod val="65000"/>
+                  <a:lumOff val="35000"/>
                 </a:schemeClr>
               </a:solidFill>
               <a:latin typeface="冬青黑体简体中文 W3" panose="020B0300000000000000" pitchFamily="34" charset="-122"/>
@@ -7204,7 +8766,198 @@
   <p:timing>
     <p:tnLst>
       <p:par>
-        <p:cTn id="1" dur="indefinite" restart="never" nodeType="tmRoot"/>
+        <p:cTn id="1" dur="indefinite" restart="never" nodeType="tmRoot">
+          <p:childTnLst>
+            <p:seq concurrent="1" nextAc="seek">
+              <p:cTn id="2" dur="indefinite" nodeType="mainSeq">
+                <p:childTnLst>
+                  <p:par>
+                    <p:cTn id="3" fill="hold">
+                      <p:stCondLst>
+                        <p:cond delay="indefinite"/>
+                        <p:cond evt="onBegin" delay="0">
+                          <p:tn val="2"/>
+                        </p:cond>
+                      </p:stCondLst>
+                      <p:childTnLst>
+                        <p:par>
+                          <p:cTn id="4" fill="hold">
+                            <p:stCondLst>
+                              <p:cond delay="0"/>
+                            </p:stCondLst>
+                            <p:childTnLst>
+                              <p:par>
+                                <p:cTn id="5" presetID="14" presetClass="entr" presetSubtype="10" fill="hold" nodeType="afterEffect">
+                                  <p:stCondLst>
+                                    <p:cond delay="0"/>
+                                  </p:stCondLst>
+                                  <p:childTnLst>
+                                    <p:set>
+                                      <p:cBhvr>
+                                        <p:cTn id="6" dur="1" fill="hold">
+                                          <p:stCondLst>
+                                            <p:cond delay="0"/>
+                                          </p:stCondLst>
+                                        </p:cTn>
+                                        <p:tgtEl>
+                                          <p:spTgt spid="4">
+                                            <p:txEl>
+                                              <p:pRg st="0" end="0"/>
+                                            </p:txEl>
+                                          </p:spTgt>
+                                        </p:tgtEl>
+                                        <p:attrNameLst>
+                                          <p:attrName>style.visibility</p:attrName>
+                                        </p:attrNameLst>
+                                      </p:cBhvr>
+                                      <p:to>
+                                        <p:strVal val="visible"/>
+                                      </p:to>
+                                    </p:set>
+                                    <p:animEffect transition="in" filter="randombar(horizontal)">
+                                      <p:cBhvr>
+                                        <p:cTn id="7" dur="500"/>
+                                        <p:tgtEl>
+                                          <p:spTgt spid="4">
+                                            <p:txEl>
+                                              <p:pRg st="0" end="0"/>
+                                            </p:txEl>
+                                          </p:spTgt>
+                                        </p:tgtEl>
+                                      </p:cBhvr>
+                                    </p:animEffect>
+                                  </p:childTnLst>
+                                </p:cTn>
+                              </p:par>
+                            </p:childTnLst>
+                          </p:cTn>
+                        </p:par>
+                        <p:par>
+                          <p:cTn id="8" fill="hold">
+                            <p:stCondLst>
+                              <p:cond delay="500"/>
+                            </p:stCondLst>
+                            <p:childTnLst>
+                              <p:par>
+                                <p:cTn id="9" presetID="14" presetClass="entr" presetSubtype="10" fill="hold" nodeType="afterEffect">
+                                  <p:stCondLst>
+                                    <p:cond delay="0"/>
+                                  </p:stCondLst>
+                                  <p:childTnLst>
+                                    <p:set>
+                                      <p:cBhvr>
+                                        <p:cTn id="10" dur="1" fill="hold">
+                                          <p:stCondLst>
+                                            <p:cond delay="0"/>
+                                          </p:stCondLst>
+                                        </p:cTn>
+                                        <p:tgtEl>
+                                          <p:spTgt spid="4">
+                                            <p:txEl>
+                                              <p:pRg st="1" end="1"/>
+                                            </p:txEl>
+                                          </p:spTgt>
+                                        </p:tgtEl>
+                                        <p:attrNameLst>
+                                          <p:attrName>style.visibility</p:attrName>
+                                        </p:attrNameLst>
+                                      </p:cBhvr>
+                                      <p:to>
+                                        <p:strVal val="visible"/>
+                                      </p:to>
+                                    </p:set>
+                                    <p:animEffect transition="in" filter="randombar(horizontal)">
+                                      <p:cBhvr>
+                                        <p:cTn id="11" dur="500"/>
+                                        <p:tgtEl>
+                                          <p:spTgt spid="4">
+                                            <p:txEl>
+                                              <p:pRg st="1" end="1"/>
+                                            </p:txEl>
+                                          </p:spTgt>
+                                        </p:tgtEl>
+                                      </p:cBhvr>
+                                    </p:animEffect>
+                                  </p:childTnLst>
+                                </p:cTn>
+                              </p:par>
+                            </p:childTnLst>
+                          </p:cTn>
+                        </p:par>
+                        <p:par>
+                          <p:cTn id="12" fill="hold">
+                            <p:stCondLst>
+                              <p:cond delay="1000"/>
+                            </p:stCondLst>
+                            <p:childTnLst>
+                              <p:par>
+                                <p:cTn id="13" presetID="14" presetClass="entr" presetSubtype="10" fill="hold" nodeType="afterEffect">
+                                  <p:stCondLst>
+                                    <p:cond delay="0"/>
+                                  </p:stCondLst>
+                                  <p:childTnLst>
+                                    <p:set>
+                                      <p:cBhvr>
+                                        <p:cTn id="14" dur="1" fill="hold">
+                                          <p:stCondLst>
+                                            <p:cond delay="0"/>
+                                          </p:stCondLst>
+                                        </p:cTn>
+                                        <p:tgtEl>
+                                          <p:spTgt spid="4">
+                                            <p:txEl>
+                                              <p:pRg st="2" end="2"/>
+                                            </p:txEl>
+                                          </p:spTgt>
+                                        </p:tgtEl>
+                                        <p:attrNameLst>
+                                          <p:attrName>style.visibility</p:attrName>
+                                        </p:attrNameLst>
+                                      </p:cBhvr>
+                                      <p:to>
+                                        <p:strVal val="visible"/>
+                                      </p:to>
+                                    </p:set>
+                                    <p:animEffect transition="in" filter="randombar(horizontal)">
+                                      <p:cBhvr>
+                                        <p:cTn id="15" dur="500"/>
+                                        <p:tgtEl>
+                                          <p:spTgt spid="4">
+                                            <p:txEl>
+                                              <p:pRg st="2" end="2"/>
+                                            </p:txEl>
+                                          </p:spTgt>
+                                        </p:tgtEl>
+                                      </p:cBhvr>
+                                    </p:animEffect>
+                                  </p:childTnLst>
+                                </p:cTn>
+                              </p:par>
+                            </p:childTnLst>
+                          </p:cTn>
+                        </p:par>
+                      </p:childTnLst>
+                    </p:cTn>
+                  </p:par>
+                </p:childTnLst>
+              </p:cTn>
+              <p:prevCondLst>
+                <p:cond evt="onPrev" delay="0">
+                  <p:tgtEl>
+                    <p:sldTgt/>
+                  </p:tgtEl>
+                </p:cond>
+              </p:prevCondLst>
+              <p:nextCondLst>
+                <p:cond evt="onNext" delay="0">
+                  <p:tgtEl>
+                    <p:sldTgt/>
+                  </p:tgtEl>
+                </p:cond>
+              </p:nextCondLst>
+            </p:seq>
+          </p:childTnLst>
+        </p:cTn>
       </p:par>
     </p:tnLst>
   </p:timing>
@@ -7332,8 +9085,8 @@
             <a:endParaRPr lang="en-US" altLang="zh-CN" dirty="0" smtClean="0">
               <a:solidFill>
                 <a:schemeClr val="tx1">
-                  <a:lumMod val="85000"/>
-                  <a:lumOff val="15000"/>
+                  <a:lumMod val="65000"/>
+                  <a:lumOff val="35000"/>
                 </a:schemeClr>
               </a:solidFill>
               <a:latin typeface="冬青黑体简体中文 W3" panose="020B0300000000000000" pitchFamily="34" charset="-122"/>
@@ -7352,8 +9105,8 @@
               <a:rPr lang="en-US" altLang="zh-CN" dirty="0">
                 <a:solidFill>
                   <a:schemeClr val="tx1">
-                    <a:lumMod val="75000"/>
-                    <a:lumOff val="25000"/>
+                    <a:lumMod val="65000"/>
+                    <a:lumOff val="35000"/>
                   </a:schemeClr>
                 </a:solidFill>
                 <a:latin typeface="冬青黑体简体中文 W3" panose="020B0300000000000000" pitchFamily="34" charset="-122"/>
@@ -7365,8 +9118,8 @@
               <a:rPr lang="zh-CN" altLang="en-US" dirty="0">
                 <a:solidFill>
                   <a:schemeClr val="tx1">
-                    <a:lumMod val="75000"/>
-                    <a:lumOff val="25000"/>
+                    <a:lumMod val="65000"/>
+                    <a:lumOff val="35000"/>
                   </a:schemeClr>
                 </a:solidFill>
                 <a:latin typeface="冬青黑体简体中文 W3" panose="020B0300000000000000" pitchFamily="34" charset="-122"/>
@@ -7378,8 +9131,8 @@
               <a:rPr lang="en-US" altLang="zh-CN" dirty="0">
                 <a:solidFill>
                   <a:schemeClr val="tx1">
-                    <a:lumMod val="75000"/>
-                    <a:lumOff val="25000"/>
+                    <a:lumMod val="65000"/>
+                    <a:lumOff val="35000"/>
                   </a:schemeClr>
                 </a:solidFill>
                 <a:latin typeface="冬青黑体简体中文 W3" panose="020B0300000000000000" pitchFamily="34" charset="-122"/>
@@ -7391,8 +9144,8 @@
               <a:rPr lang="en-US" altLang="zh-CN" dirty="0" smtClean="0">
                 <a:solidFill>
                   <a:schemeClr val="tx1">
-                    <a:lumMod val="75000"/>
-                    <a:lumOff val="25000"/>
+                    <a:lumMod val="65000"/>
+                    <a:lumOff val="35000"/>
                   </a:schemeClr>
                 </a:solidFill>
                 <a:latin typeface="冬青黑体简体中文 W3" panose="020B0300000000000000" pitchFamily="34" charset="-122"/>
@@ -7403,8 +9156,8 @@
             <a:endParaRPr lang="zh-CN" altLang="en-US" dirty="0">
               <a:solidFill>
                 <a:schemeClr val="tx1">
-                  <a:lumMod val="75000"/>
-                  <a:lumOff val="25000"/>
+                  <a:lumMod val="65000"/>
+                  <a:lumOff val="35000"/>
                 </a:schemeClr>
               </a:solidFill>
               <a:latin typeface="冬青黑体简体中文 W3" panose="020B0300000000000000" pitchFamily="34" charset="-122"/>
@@ -7423,8 +9176,8 @@
               <a:rPr lang="en-US" altLang="zh-CN" dirty="0" smtClean="0">
                 <a:solidFill>
                   <a:schemeClr val="tx1">
-                    <a:lumMod val="75000"/>
-                    <a:lumOff val="25000"/>
+                    <a:lumMod val="65000"/>
+                    <a:lumOff val="35000"/>
                   </a:schemeClr>
                 </a:solidFill>
                 <a:latin typeface="冬青黑体简体中文 W3" panose="020B0300000000000000" pitchFamily="34" charset="-122"/>
@@ -7436,8 +9189,8 @@
               <a:rPr lang="zh-CN" altLang="en-US" dirty="0" smtClean="0">
                 <a:solidFill>
                   <a:schemeClr val="tx1">
-                    <a:lumMod val="75000"/>
-                    <a:lumOff val="25000"/>
+                    <a:lumMod val="65000"/>
+                    <a:lumOff val="35000"/>
                   </a:schemeClr>
                 </a:solidFill>
                 <a:latin typeface="冬青黑体简体中文 W3" panose="020B0300000000000000" pitchFamily="34" charset="-122"/>
@@ -7449,8 +9202,8 @@
               <a:rPr lang="en-US" altLang="zh-CN" dirty="0" smtClean="0">
                 <a:solidFill>
                   <a:schemeClr val="tx1">
-                    <a:lumMod val="75000"/>
-                    <a:lumOff val="25000"/>
+                    <a:lumMod val="65000"/>
+                    <a:lumOff val="35000"/>
                   </a:schemeClr>
                 </a:solidFill>
                 <a:latin typeface="冬青黑体简体中文 W3" panose="020B0300000000000000" pitchFamily="34" charset="-122"/>
@@ -7471,8 +9224,8 @@
               <a:rPr lang="zh-CN" altLang="en-US" dirty="0">
                 <a:solidFill>
                   <a:schemeClr val="tx1">
-                    <a:lumMod val="75000"/>
-                    <a:lumOff val="25000"/>
+                    <a:lumMod val="65000"/>
+                    <a:lumOff val="35000"/>
                   </a:schemeClr>
                 </a:solidFill>
                 <a:latin typeface="冬青黑体简体中文 W3" panose="020B0300000000000000" pitchFamily="34" charset="-122"/>
@@ -7484,8 +9237,8 @@
               <a:rPr lang="zh-CN" altLang="en-US" dirty="0" smtClean="0">
                 <a:solidFill>
                   <a:schemeClr val="tx1">
-                    <a:lumMod val="75000"/>
-                    <a:lumOff val="25000"/>
+                    <a:lumMod val="65000"/>
+                    <a:lumOff val="35000"/>
                   </a:schemeClr>
                 </a:solidFill>
                 <a:latin typeface="冬青黑体简体中文 W3" panose="020B0300000000000000" pitchFamily="34" charset="-122"/>
@@ -7497,8 +9250,8 @@
               <a:rPr lang="en-US" altLang="zh-CN" dirty="0">
                 <a:solidFill>
                   <a:schemeClr val="tx1">
-                    <a:lumMod val="75000"/>
-                    <a:lumOff val="25000"/>
+                    <a:lumMod val="65000"/>
+                    <a:lumOff val="35000"/>
                   </a:schemeClr>
                 </a:solidFill>
                 <a:latin typeface="冬青黑体简体中文 W3" panose="020B0300000000000000" pitchFamily="34" charset="-122"/>
@@ -7510,8 +9263,8 @@
               <a:rPr lang="en-US" altLang="zh-CN" dirty="0" smtClean="0">
                 <a:solidFill>
                   <a:schemeClr val="tx1">
-                    <a:lumMod val="75000"/>
-                    <a:lumOff val="25000"/>
+                    <a:lumMod val="65000"/>
+                    <a:lumOff val="35000"/>
                   </a:schemeClr>
                 </a:solidFill>
                 <a:latin typeface="冬青黑体简体中文 W3" panose="020B0300000000000000" pitchFamily="34" charset="-122"/>
@@ -7523,8 +9276,8 @@
               <a:rPr lang="zh-CN" altLang="en-US" dirty="0" smtClean="0">
                 <a:solidFill>
                   <a:schemeClr val="tx1">
-                    <a:lumMod val="75000"/>
-                    <a:lumOff val="25000"/>
+                    <a:lumMod val="65000"/>
+                    <a:lumOff val="35000"/>
                   </a:schemeClr>
                 </a:solidFill>
                 <a:latin typeface="冬青黑体简体中文 W3" panose="020B0300000000000000" pitchFamily="34" charset="-122"/>
@@ -7536,8 +9289,8 @@
               <a:rPr lang="en-US" altLang="zh-CN" dirty="0" smtClean="0">
                 <a:solidFill>
                   <a:schemeClr val="tx1">
-                    <a:lumMod val="75000"/>
-                    <a:lumOff val="25000"/>
+                    <a:lumMod val="65000"/>
+                    <a:lumOff val="35000"/>
                   </a:schemeClr>
                 </a:solidFill>
                 <a:latin typeface="冬青黑体简体中文 W3" panose="020B0300000000000000" pitchFamily="34" charset="-122"/>
@@ -7695,8 +9448,8 @@
               <a:rPr lang="zh-CN" altLang="en-US" dirty="0" smtClean="0">
                 <a:solidFill>
                   <a:schemeClr val="tx1">
-                    <a:lumMod val="75000"/>
-                    <a:lumOff val="25000"/>
+                    <a:lumMod val="65000"/>
+                    <a:lumOff val="35000"/>
                   </a:schemeClr>
                 </a:solidFill>
                 <a:latin typeface="冬青黑体简体中文 W3" panose="020B0300000000000000" pitchFamily="34" charset="-122"/>
@@ -7708,8 +9461,8 @@
               <a:rPr lang="zh-CN" altLang="en-US" dirty="0">
                 <a:solidFill>
                   <a:schemeClr val="tx1">
-                    <a:lumMod val="75000"/>
-                    <a:lumOff val="25000"/>
+                    <a:lumMod val="65000"/>
+                    <a:lumOff val="35000"/>
                   </a:schemeClr>
                 </a:solidFill>
                 <a:latin typeface="冬青黑体简体中文 W3" panose="020B0300000000000000" pitchFamily="34" charset="-122"/>
@@ -7763,8 +9516,8 @@
               <a:rPr lang="zh-CN" altLang="en-US" dirty="0">
                 <a:solidFill>
                   <a:schemeClr val="tx1">
-                    <a:lumMod val="75000"/>
-                    <a:lumOff val="25000"/>
+                    <a:lumMod val="65000"/>
+                    <a:lumOff val="35000"/>
                   </a:schemeClr>
                 </a:solidFill>
                 <a:latin typeface="冬青黑体简体中文 W3" panose="020B0300000000000000" pitchFamily="34" charset="-122"/>
@@ -7786,8 +9539,8 @@
               <a:rPr lang="zh-CN" altLang="en-US" dirty="0">
                 <a:solidFill>
                   <a:schemeClr val="tx1">
-                    <a:lumMod val="75000"/>
-                    <a:lumOff val="25000"/>
+                    <a:lumMod val="65000"/>
+                    <a:lumOff val="35000"/>
                   </a:schemeClr>
                 </a:solidFill>
                 <a:latin typeface="冬青黑体简体中文 W3" panose="020B0300000000000000" pitchFamily="34" charset="-122"/>
@@ -7799,8 +9552,8 @@
               <a:rPr lang="zh-CN" altLang="en-US" dirty="0" smtClean="0">
                 <a:solidFill>
                   <a:schemeClr val="tx1">
-                    <a:lumMod val="75000"/>
-                    <a:lumOff val="25000"/>
+                    <a:lumMod val="65000"/>
+                    <a:lumOff val="35000"/>
                   </a:schemeClr>
                 </a:solidFill>
                 <a:latin typeface="冬青黑体简体中文 W3" panose="020B0300000000000000" pitchFamily="34" charset="-122"/>
@@ -7812,8 +9565,8 @@
               <a:rPr lang="en-US" altLang="zh-CN" dirty="0">
                 <a:solidFill>
                   <a:schemeClr val="tx1">
-                    <a:lumMod val="75000"/>
-                    <a:lumOff val="25000"/>
+                    <a:lumMod val="65000"/>
+                    <a:lumOff val="35000"/>
                   </a:schemeClr>
                 </a:solidFill>
                 <a:latin typeface="冬青黑体简体中文 W3" panose="020B0300000000000000" pitchFamily="34" charset="-122"/>
@@ -7825,8 +9578,8 @@
               <a:rPr lang="zh-CN" altLang="en-US" dirty="0">
                 <a:solidFill>
                   <a:schemeClr val="tx1">
-                    <a:lumMod val="75000"/>
-                    <a:lumOff val="25000"/>
+                    <a:lumMod val="65000"/>
+                    <a:lumOff val="35000"/>
                   </a:schemeClr>
                 </a:solidFill>
                 <a:latin typeface="冬青黑体简体中文 W3" panose="020B0300000000000000" pitchFamily="34" charset="-122"/>
@@ -7838,8 +9591,8 @@
               <a:rPr lang="en-US" altLang="zh-CN" dirty="0">
                 <a:solidFill>
                   <a:schemeClr val="tx1">
-                    <a:lumMod val="75000"/>
-                    <a:lumOff val="25000"/>
+                    <a:lumMod val="65000"/>
+                    <a:lumOff val="35000"/>
                   </a:schemeClr>
                 </a:solidFill>
                 <a:latin typeface="冬青黑体简体中文 W3" panose="020B0300000000000000" pitchFamily="34" charset="-122"/>
@@ -7851,8 +9604,8 @@
               <a:rPr lang="zh-CN" altLang="en-US" dirty="0">
                 <a:solidFill>
                   <a:schemeClr val="tx1">
-                    <a:lumMod val="75000"/>
-                    <a:lumOff val="25000"/>
+                    <a:lumMod val="65000"/>
+                    <a:lumOff val="35000"/>
                   </a:schemeClr>
                 </a:solidFill>
                 <a:latin typeface="冬青黑体简体中文 W3" panose="020B0300000000000000" pitchFamily="34" charset="-122"/>
@@ -7863,8 +9616,8 @@
             <a:endParaRPr lang="en-US" altLang="zh-CN" dirty="0">
               <a:solidFill>
                 <a:schemeClr val="tx1">
-                  <a:lumMod val="75000"/>
-                  <a:lumOff val="25000"/>
+                  <a:lumMod val="65000"/>
+                  <a:lumOff val="35000"/>
                 </a:schemeClr>
               </a:solidFill>
               <a:latin typeface="冬青黑体简体中文 W3" panose="020B0300000000000000" pitchFamily="34" charset="-122"/>

--- a/ppt/JavaScript基础一.pptx
+++ b/ppt/JavaScript基础一.pptx
@@ -5,49 +5,50 @@
     <p:sldMasterId id="2147483686" r:id="rId1"/>
   </p:sldMasterIdLst>
   <p:notesMasterIdLst>
-    <p:notesMasterId r:id="rId25"/>
+    <p:notesMasterId r:id="rId26"/>
   </p:notesMasterIdLst>
   <p:handoutMasterIdLst>
-    <p:handoutMasterId r:id="rId26"/>
+    <p:handoutMasterId r:id="rId27"/>
   </p:handoutMasterIdLst>
   <p:sldIdLst>
-    <p:sldId id="256" r:id="rId2"/>
-    <p:sldId id="257" r:id="rId3"/>
-    <p:sldId id="258" r:id="rId4"/>
-    <p:sldId id="262" r:id="rId5"/>
-    <p:sldId id="259" r:id="rId6"/>
-    <p:sldId id="260" r:id="rId7"/>
-    <p:sldId id="264" r:id="rId8"/>
-    <p:sldId id="266" r:id="rId9"/>
-    <p:sldId id="267" r:id="rId10"/>
-    <p:sldId id="270" r:id="rId11"/>
-    <p:sldId id="275" r:id="rId12"/>
-    <p:sldId id="268" r:id="rId13"/>
-    <p:sldId id="269" r:id="rId14"/>
-    <p:sldId id="271" r:id="rId15"/>
-    <p:sldId id="272" r:id="rId16"/>
-    <p:sldId id="273" r:id="rId17"/>
-    <p:sldId id="274" r:id="rId18"/>
-    <p:sldId id="276" r:id="rId19"/>
-    <p:sldId id="277" r:id="rId20"/>
-    <p:sldId id="278" r:id="rId21"/>
-    <p:sldId id="279" r:id="rId22"/>
-    <p:sldId id="280" r:id="rId23"/>
-    <p:sldId id="263" r:id="rId24"/>
+    <p:sldId id="257" r:id="rId2"/>
+    <p:sldId id="258" r:id="rId3"/>
+    <p:sldId id="262" r:id="rId4"/>
+    <p:sldId id="259" r:id="rId5"/>
+    <p:sldId id="260" r:id="rId6"/>
+    <p:sldId id="264" r:id="rId7"/>
+    <p:sldId id="266" r:id="rId8"/>
+    <p:sldId id="267" r:id="rId9"/>
+    <p:sldId id="270" r:id="rId10"/>
+    <p:sldId id="275" r:id="rId11"/>
+    <p:sldId id="268" r:id="rId12"/>
+    <p:sldId id="269" r:id="rId13"/>
+    <p:sldId id="271" r:id="rId14"/>
+    <p:sldId id="272" r:id="rId15"/>
+    <p:sldId id="273" r:id="rId16"/>
+    <p:sldId id="274" r:id="rId17"/>
+    <p:sldId id="276" r:id="rId18"/>
+    <p:sldId id="277" r:id="rId19"/>
+    <p:sldId id="278" r:id="rId20"/>
+    <p:sldId id="279" r:id="rId21"/>
+    <p:sldId id="280" r:id="rId22"/>
+    <p:sldId id="281" r:id="rId23"/>
+    <p:sldId id="283" r:id="rId24"/>
+    <p:sldId id="263" r:id="rId25"/>
   </p:sldIdLst>
   <p:sldSz cx="12192000" cy="6858000"/>
   <p:notesSz cx="6858000" cy="9144000"/>
   <p:embeddedFontLst>
     <p:embeddedFont>
       <p:font typeface="Calibri" panose="020F0502020204030204" pitchFamily="34" charset="0"/>
-      <p:regular r:id="rId27"/>
-      <p:bold r:id="rId28"/>
-      <p:italic r:id="rId29"/>
-      <p:boldItalic r:id="rId30"/>
+      <p:regular r:id="rId28"/>
+      <p:bold r:id="rId29"/>
+      <p:italic r:id="rId30"/>
+      <p:boldItalic r:id="rId31"/>
     </p:embeddedFont>
     <p:embeddedFont>
       <p:font typeface="冬青黑体简体中文 W3" panose="020B0300000000000000" pitchFamily="34" charset="-122"/>
-      <p:regular r:id="rId31"/>
+      <p:regular r:id="rId32"/>
     </p:embeddedFont>
   </p:embeddedFontLst>
   <p:defaultTextStyle>
@@ -281,7 +282,7 @@
           <a:p>
             <a:fld id="{EF39233F-B0BB-44DE-A7B3-17CA56738593}" type="datetimeFigureOut">
               <a:rPr lang="zh-CN" altLang="en-US" smtClean="0"/>
-              <a:t>2018/9/4</a:t>
+              <a:t>2018/9/5</a:t>
             </a:fld>
             <a:endParaRPr lang="zh-CN" altLang="en-US"/>
           </a:p>
@@ -447,7 +448,7 @@
           <a:p>
             <a:fld id="{8E7218B8-0759-4EF6-915F-DEF35E047769}" type="datetimeFigureOut">
               <a:rPr lang="zh-CN" altLang="en-US" smtClean="0"/>
-              <a:t>2018/9/4</a:t>
+              <a:t>2018/9/5</a:t>
             </a:fld>
             <a:endParaRPr lang="zh-CN" altLang="en-US"/>
           </a:p>
@@ -762,33 +763,120 @@
           <a:bodyPr/>
           <a:lstStyle/>
           <a:p>
+            <a:pPr marL="228600" lvl="0" indent="-228600">
+              <a:buFont typeface="+mj-lt"/>
+              <a:buAutoNum type="arabicPeriod"/>
+            </a:pPr>
             <a:r>
               <a:rPr lang="zh-CN" altLang="en-US" dirty="0" smtClean="0"/>
-              <a:t>为什么要先讲这三个知识点</a:t>
+              <a:t>解释</a:t>
+            </a:r>
+            <a:r>
+              <a:rPr lang="en-US" altLang="zh-CN" dirty="0" smtClean="0"/>
+              <a:t>this</a:t>
+            </a:r>
+            <a:r>
+              <a:rPr lang="zh-CN" altLang="en-US" dirty="0" smtClean="0"/>
+              <a:t>的含义：</a:t>
             </a:r>
             <a:endParaRPr lang="en-US" altLang="zh-CN" dirty="0" smtClean="0"/>
           </a:p>
           <a:p>
+            <a:pPr marL="457200" lvl="1" indent="0">
+              <a:buFont typeface="+mj-lt"/>
+              <a:buNone/>
+            </a:pPr>
             <a:endParaRPr lang="en-US" altLang="zh-CN" dirty="0" smtClean="0"/>
           </a:p>
           <a:p>
-            <a:r>
-              <a:rPr lang="en-US" altLang="zh-CN" baseline="0" dirty="0" smtClean="0"/>
-              <a:t>        </a:t>
-            </a:r>
-            <a:r>
-              <a:rPr lang="zh-CN" altLang="en-US" baseline="0" dirty="0" smtClean="0"/>
-              <a:t>因为最常用。并且如果需要阅读一些</a:t>
-            </a:r>
-            <a:r>
-              <a:rPr lang="en-US" altLang="zh-CN" baseline="0" dirty="0" smtClean="0"/>
-              <a:t>js</a:t>
-            </a:r>
-            <a:r>
-              <a:rPr lang="zh-CN" altLang="en-US" baseline="0" dirty="0" smtClean="0"/>
-              <a:t>库，这三个知识点是必不可少的。</a:t>
+            <a:pPr marL="685800" lvl="1" indent="-228600">
+              <a:buFont typeface="+mj-lt"/>
+              <a:buAutoNum type="arabicPeriod"/>
+            </a:pPr>
+            <a:r>
+              <a:rPr lang="zh-CN" altLang="en-US" dirty="0" smtClean="0"/>
+              <a:t>语言中定义的一个关键字。</a:t>
             </a:r>
             <a:endParaRPr lang="en-US" altLang="zh-CN" dirty="0" smtClean="0"/>
+          </a:p>
+          <a:p>
+            <a:pPr marL="685800" lvl="1" indent="-228600">
+              <a:buFont typeface="+mj-lt"/>
+              <a:buAutoNum type="arabicPeriod"/>
+            </a:pPr>
+            <a:r>
+              <a:rPr lang="zh-CN" altLang="en-US" dirty="0" smtClean="0"/>
+              <a:t>执行上下文的一个属性。</a:t>
+            </a:r>
+            <a:r>
+              <a:rPr lang="en-US" altLang="zh-CN" dirty="0" smtClean="0"/>
+              <a:t/>
+            </a:r>
+            <a:br>
+              <a:rPr lang="en-US" altLang="zh-CN" dirty="0" smtClean="0"/>
+            </a:br>
+            <a:endParaRPr lang="en-US" altLang="zh-CN" dirty="0" smtClean="0"/>
+          </a:p>
+          <a:p>
+            <a:pPr marL="228600" lvl="0" indent="-228600">
+              <a:buFont typeface="+mj-lt"/>
+              <a:buAutoNum type="arabicPeriod"/>
+            </a:pPr>
+            <a:r>
+              <a:rPr lang="zh-CN" altLang="en-US" dirty="0" smtClean="0"/>
+              <a:t>下面，我们开始介绍几种情况下的</a:t>
+            </a:r>
+            <a:r>
+              <a:rPr lang="en-US" altLang="zh-CN" dirty="0" smtClean="0"/>
+              <a:t>this</a:t>
+            </a:r>
+            <a:r>
+              <a:rPr lang="zh-CN" altLang="en-US" dirty="0" smtClean="0"/>
+              <a:t>指向查找方法，进入下一页。</a:t>
+            </a:r>
+            <a:endParaRPr lang="en-US" altLang="zh-CN" dirty="0" smtClean="0"/>
+          </a:p>
+          <a:p>
+            <a:pPr marL="228600" lvl="0" indent="-228600">
+              <a:buFont typeface="+mj-lt"/>
+              <a:buAutoNum type="arabicPeriod"/>
+            </a:pPr>
+            <a:endParaRPr lang="en-US" altLang="zh-CN" dirty="0" smtClean="0"/>
+          </a:p>
+          <a:p>
+            <a:pPr marL="457200" lvl="1" indent="0">
+              <a:buFont typeface="+mj-lt"/>
+              <a:buNone/>
+            </a:pPr>
+            <a:r>
+              <a:rPr lang="zh-CN" altLang="en-US" dirty="0" smtClean="0"/>
+              <a:t>代码参考：</a:t>
+            </a:r>
+            <a:r>
+              <a:rPr lang="en-US" altLang="zh-CN" dirty="0" smtClean="0"/>
+              <a:t>http://git.pcstele.com/pcs/zhhw-operation-client-vue/blob/dev/docs/knowledge/js%E4%B8%AD%E7%9A%84this.md</a:t>
+            </a:r>
+          </a:p>
+          <a:p>
+            <a:endParaRPr lang="en-US" altLang="zh-CN" dirty="0" smtClean="0"/>
+          </a:p>
+          <a:p>
+            <a:pPr marL="685800" lvl="1" indent="-228600">
+              <a:buAutoNum type="arabicPeriod"/>
+            </a:pPr>
+            <a:endParaRPr lang="en-US" altLang="zh-CN" baseline="0" dirty="0" smtClean="0"/>
+          </a:p>
+          <a:p>
+            <a:pPr marL="228600" lvl="0" indent="-228600">
+              <a:buAutoNum type="arabicPeriod"/>
+            </a:pPr>
+            <a:endParaRPr lang="en-US" altLang="zh-CN" baseline="0" dirty="0" smtClean="0"/>
+          </a:p>
+          <a:p>
+            <a:pPr marL="0" lvl="0" indent="0">
+              <a:buNone/>
+            </a:pPr>
+            <a:endParaRPr lang="en-US" altLang="zh-CN" baseline="0" dirty="0" smtClean="0"/>
           </a:p>
         </p:txBody>
       </p:sp>
@@ -818,7 +906,7 @@
     </p:spTree>
     <p:extLst>
       <p:ext uri="{BB962C8B-B14F-4D97-AF65-F5344CB8AC3E}">
-        <p14:creationId xmlns:p14="http://schemas.microsoft.com/office/powerpoint/2010/main" val="1854766241"/>
+        <p14:creationId xmlns:p14="http://schemas.microsoft.com/office/powerpoint/2010/main" val="4072585816"/>
       </p:ext>
     </p:extLst>
   </p:cSld>
@@ -872,6 +960,32 @@
           <a:bodyPr/>
           <a:lstStyle/>
           <a:p>
+            <a:r>
+              <a:rPr lang="zh-CN" altLang="en-US" dirty="0" smtClean="0"/>
+              <a:t>前面所讲的都是一些应用型总结，比较表面。</a:t>
+            </a:r>
+            <a:endParaRPr lang="en-US" altLang="zh-CN" dirty="0" smtClean="0"/>
+          </a:p>
+          <a:p>
+            <a:r>
+              <a:rPr lang="zh-CN" altLang="en-US" dirty="0" smtClean="0"/>
+              <a:t>更细节具体的</a:t>
+            </a:r>
+            <a:r>
+              <a:rPr lang="en-US" altLang="zh-CN" dirty="0" smtClean="0"/>
+              <a:t>this</a:t>
+            </a:r>
+            <a:r>
+              <a:rPr lang="zh-CN" altLang="en-US" dirty="0" smtClean="0"/>
+              <a:t>查找过程可以参考后面给出的资料。</a:t>
+            </a:r>
+            <a:endParaRPr lang="en-US" altLang="zh-CN" dirty="0" smtClean="0"/>
+          </a:p>
+          <a:p>
+            <a:r>
+              <a:rPr lang="en-US" altLang="zh-CN" dirty="0" smtClean="0"/>
+              <a:t>https://github.com/mqyqingfeng/Blog/issues/7</a:t>
+            </a:r>
             <a:endParaRPr lang="zh-CN" altLang="en-US" dirty="0"/>
           </a:p>
         </p:txBody>
@@ -893,7 +1007,7 @@
           <a:p>
             <a:fld id="{63D66438-32C0-4A55-81A6-6429864AD78C}" type="slidenum">
               <a:rPr lang="zh-CN" altLang="en-US" smtClean="0"/>
-              <a:t>16</a:t>
+              <a:t>17</a:t>
             </a:fld>
             <a:endParaRPr lang="zh-CN" altLang="en-US"/>
           </a:p>
@@ -902,7 +1016,7 @@
     </p:spTree>
     <p:extLst>
       <p:ext uri="{BB962C8B-B14F-4D97-AF65-F5344CB8AC3E}">
-        <p14:creationId xmlns:p14="http://schemas.microsoft.com/office/powerpoint/2010/main" val="1228780232"/>
+        <p14:creationId xmlns:p14="http://schemas.microsoft.com/office/powerpoint/2010/main" val="2793922908"/>
       </p:ext>
     </p:extLst>
   </p:cSld>
@@ -958,29 +1072,23 @@
           <a:p>
             <a:r>
               <a:rPr lang="zh-CN" altLang="en-US" dirty="0" smtClean="0"/>
-              <a:t>前面所讲的都是一些应用型总结，比较表面。</a:t>
-            </a:r>
-            <a:endParaRPr lang="en-US" altLang="zh-CN" dirty="0" smtClean="0"/>
-          </a:p>
-          <a:p>
+              <a:t>先扯一扯对象的继承话题，讨论一下</a:t>
+            </a:r>
+            <a:r>
+              <a:rPr lang="en-US" altLang="zh-CN" dirty="0" smtClean="0"/>
+              <a:t>Java</a:t>
+            </a:r>
             <a:r>
               <a:rPr lang="zh-CN" altLang="en-US" dirty="0" smtClean="0"/>
-              <a:t>更细节具体的</a:t>
+              <a:t>里面的继承是如何实现的，再过渡到</a:t>
             </a:r>
             <a:r>
               <a:rPr lang="en-US" altLang="zh-CN" dirty="0" smtClean="0"/>
-              <a:t>this</a:t>
+              <a:t>JavaScript</a:t>
             </a:r>
             <a:r>
               <a:rPr lang="zh-CN" altLang="en-US" dirty="0" smtClean="0"/>
-              <a:t>查找过程可以参考后面给出的资料。</a:t>
-            </a:r>
-            <a:endParaRPr lang="en-US" altLang="zh-CN" dirty="0" smtClean="0"/>
-          </a:p>
-          <a:p>
-            <a:r>
-              <a:rPr lang="en-US" altLang="zh-CN" dirty="0" smtClean="0"/>
-              <a:t>https://github.com/mqyqingfeng/Blog/issues/7</a:t>
+              <a:t>中的继承方式。</a:t>
             </a:r>
             <a:endParaRPr lang="zh-CN" altLang="en-US" dirty="0"/>
           </a:p>
@@ -1012,7 +1120,7 @@
     </p:spTree>
     <p:extLst>
       <p:ext uri="{BB962C8B-B14F-4D97-AF65-F5344CB8AC3E}">
-        <p14:creationId xmlns:p14="http://schemas.microsoft.com/office/powerpoint/2010/main" val="2793922908"/>
+        <p14:creationId xmlns:p14="http://schemas.microsoft.com/office/powerpoint/2010/main" val="737959202"/>
       </p:ext>
     </p:extLst>
   </p:cSld>
@@ -1068,25 +1176,24 @@
           <a:p>
             <a:r>
               <a:rPr lang="zh-CN" altLang="en-US" dirty="0" smtClean="0"/>
-              <a:t>先扯一扯对象的继承话题，讨论一下</a:t>
+              <a:t>首先，我们先看一下认识一下</a:t>
             </a:r>
             <a:r>
               <a:rPr lang="en-US" altLang="zh-CN" dirty="0" smtClean="0"/>
-              <a:t>Java</a:t>
+              <a:t> prototype </a:t>
             </a:r>
             <a:r>
               <a:rPr lang="zh-CN" altLang="en-US" dirty="0" smtClean="0"/>
-              <a:t>里面的继承是如何实现的，再过渡到</a:t>
-            </a:r>
-            <a:r>
-              <a:rPr lang="en-US" altLang="zh-CN" dirty="0" smtClean="0"/>
-              <a:t>JavaScript</a:t>
-            </a:r>
+              <a:t>对象。</a:t>
+            </a:r>
+            <a:endParaRPr lang="en-US" altLang="zh-CN" dirty="0" smtClean="0"/>
+          </a:p>
+          <a:p>
             <a:r>
               <a:rPr lang="zh-CN" altLang="en-US" dirty="0" smtClean="0"/>
-              <a:t>中的继承方式。</a:t>
-            </a:r>
-            <a:endParaRPr lang="zh-CN" altLang="en-US" dirty="0"/>
+              <a:t>然后，我们再来看实例是如何继承原型的</a:t>
+            </a:r>
+            <a:endParaRPr lang="en-US" altLang="zh-CN" dirty="0" smtClean="0"/>
           </a:p>
         </p:txBody>
       </p:sp>
@@ -1116,7 +1223,7 @@
     </p:spTree>
     <p:extLst>
       <p:ext uri="{BB962C8B-B14F-4D97-AF65-F5344CB8AC3E}">
-        <p14:creationId xmlns:p14="http://schemas.microsoft.com/office/powerpoint/2010/main" val="737959202"/>
+        <p14:creationId xmlns:p14="http://schemas.microsoft.com/office/powerpoint/2010/main" val="2252324308"/>
       </p:ext>
     </p:extLst>
   </p:cSld>
@@ -1172,22 +1279,7 @@
           <a:p>
             <a:r>
               <a:rPr lang="zh-CN" altLang="en-US" dirty="0" smtClean="0"/>
-              <a:t>首先，我们先看一下认识一下</a:t>
-            </a:r>
-            <a:r>
-              <a:rPr lang="en-US" altLang="zh-CN" dirty="0" smtClean="0"/>
-              <a:t> prototype </a:t>
-            </a:r>
-            <a:r>
-              <a:rPr lang="zh-CN" altLang="en-US" dirty="0" smtClean="0"/>
-              <a:t>对象。</a:t>
-            </a:r>
-            <a:endParaRPr lang="en-US" altLang="zh-CN" dirty="0" smtClean="0"/>
-          </a:p>
-          <a:p>
-            <a:r>
-              <a:rPr lang="zh-CN" altLang="en-US" dirty="0" smtClean="0"/>
-              <a:t>然后，我们再来看实例是如何继承原型的</a:t>
+              <a:t>提示听众注意此处的 “每个对象” 跟上一节中的 “每个函数” 的区别，对象不一定是函数，函数一定是对象。</a:t>
             </a:r>
             <a:endParaRPr lang="en-US" altLang="zh-CN" dirty="0" smtClean="0"/>
           </a:p>
@@ -1210,95 +1302,7 @@
           <a:p>
             <a:fld id="{63D66438-32C0-4A55-81A6-6429864AD78C}" type="slidenum">
               <a:rPr lang="zh-CN" altLang="en-US" smtClean="0"/>
-              <a:t>20</a:t>
-            </a:fld>
-            <a:endParaRPr lang="zh-CN" altLang="en-US"/>
-          </a:p>
-        </p:txBody>
-      </p:sp>
-    </p:spTree>
-    <p:extLst>
-      <p:ext uri="{BB962C8B-B14F-4D97-AF65-F5344CB8AC3E}">
-        <p14:creationId xmlns:p14="http://schemas.microsoft.com/office/powerpoint/2010/main" val="2252324308"/>
-      </p:ext>
-    </p:extLst>
-  </p:cSld>
-  <p:clrMapOvr>
-    <a:masterClrMapping/>
-  </p:clrMapOvr>
-</p:notes>
-</file>
-
-<file path=ppt/notesSlides/notesSlide14.xml><?xml version="1.0" encoding="utf-8"?>
-<p:notes xmlns:a="http://schemas.openxmlformats.org/drawingml/2006/main" xmlns:r="http://schemas.openxmlformats.org/officeDocument/2006/relationships" xmlns:p="http://schemas.openxmlformats.org/presentationml/2006/main">
-  <p:cSld>
-    <p:spTree>
-      <p:nvGrpSpPr>
-        <p:cNvPr id="1" name=""/>
-        <p:cNvGrpSpPr/>
-        <p:nvPr/>
-      </p:nvGrpSpPr>
-      <p:grpSpPr>
-        <a:xfrm>
-          <a:off x="0" y="0"/>
-          <a:ext cx="0" cy="0"/>
-          <a:chOff x="0" y="0"/>
-          <a:chExt cx="0" cy="0"/>
-        </a:xfrm>
-      </p:grpSpPr>
-      <p:sp>
-        <p:nvSpPr>
-          <p:cNvPr id="2" name="幻灯片图像占位符 1"/>
-          <p:cNvSpPr>
-            <a:spLocks noGrp="1" noRot="1" noChangeAspect="1"/>
-          </p:cNvSpPr>
-          <p:nvPr>
-            <p:ph type="sldImg"/>
-          </p:nvPr>
-        </p:nvSpPr>
-        <p:spPr/>
-      </p:sp>
-      <p:sp>
-        <p:nvSpPr>
-          <p:cNvPr id="3" name="备注占位符 2"/>
-          <p:cNvSpPr>
-            <a:spLocks noGrp="1"/>
-          </p:cNvSpPr>
-          <p:nvPr>
-            <p:ph type="body" idx="1"/>
-          </p:nvPr>
-        </p:nvSpPr>
-        <p:spPr/>
-        <p:txBody>
-          <a:bodyPr/>
-          <a:lstStyle/>
-          <a:p>
-            <a:r>
-              <a:rPr lang="zh-CN" altLang="en-US" dirty="0" smtClean="0"/>
-              <a:t>提示听众注意此处的 “每个对象” 跟上一节中的 “每个函数” 的区别，对象不一定是函数，函数一定是对象。</a:t>
-            </a:r>
-            <a:endParaRPr lang="en-US" altLang="zh-CN" dirty="0" smtClean="0"/>
-          </a:p>
-        </p:txBody>
-      </p:sp>
-      <p:sp>
-        <p:nvSpPr>
-          <p:cNvPr id="4" name="灯片编号占位符 3"/>
-          <p:cNvSpPr>
-            <a:spLocks noGrp="1"/>
-          </p:cNvSpPr>
-          <p:nvPr>
-            <p:ph type="sldNum" sz="quarter" idx="10"/>
-          </p:nvPr>
-        </p:nvSpPr>
-        <p:spPr/>
-        <p:txBody>
-          <a:bodyPr/>
-          <a:lstStyle/>
-          <a:p>
-            <a:fld id="{63D66438-32C0-4A55-81A6-6429864AD78C}" type="slidenum">
-              <a:rPr lang="zh-CN" altLang="en-US" smtClean="0"/>
-              <a:t>22</a:t>
+              <a:t>21</a:t>
             </a:fld>
             <a:endParaRPr lang="zh-CN" altLang="en-US"/>
           </a:p>
@@ -1361,120 +1365,11 @@
           <a:bodyPr/>
           <a:lstStyle/>
           <a:p>
-            <a:pPr marL="228600" lvl="0" indent="-228600">
-              <a:buFont typeface="+mj-lt"/>
-              <a:buAutoNum type="arabicPeriod"/>
-            </a:pPr>
             <a:r>
               <a:rPr lang="zh-CN" altLang="en-US" dirty="0" smtClean="0"/>
-              <a:t>解释</a:t>
-            </a:r>
-            <a:r>
-              <a:rPr lang="en-US" altLang="zh-CN" dirty="0" smtClean="0"/>
-              <a:t>this</a:t>
-            </a:r>
-            <a:r>
-              <a:rPr lang="zh-CN" altLang="en-US" dirty="0" smtClean="0"/>
-              <a:t>的含义：</a:t>
-            </a:r>
-            <a:endParaRPr lang="en-US" altLang="zh-CN" dirty="0" smtClean="0"/>
-          </a:p>
-          <a:p>
-            <a:pPr marL="457200" lvl="1" indent="0">
-              <a:buFont typeface="+mj-lt"/>
-              <a:buNone/>
-            </a:pPr>
-            <a:endParaRPr lang="en-US" altLang="zh-CN" dirty="0" smtClean="0"/>
-          </a:p>
-          <a:p>
-            <a:pPr marL="685800" lvl="1" indent="-228600">
-              <a:buFont typeface="+mj-lt"/>
-              <a:buAutoNum type="arabicPeriod"/>
-            </a:pPr>
-            <a:r>
-              <a:rPr lang="zh-CN" altLang="en-US" dirty="0" smtClean="0"/>
-              <a:t>语言中定义的一个关键字。</a:t>
-            </a:r>
-            <a:endParaRPr lang="en-US" altLang="zh-CN" dirty="0" smtClean="0"/>
-          </a:p>
-          <a:p>
-            <a:pPr marL="685800" lvl="1" indent="-228600">
-              <a:buFont typeface="+mj-lt"/>
-              <a:buAutoNum type="arabicPeriod"/>
-            </a:pPr>
-            <a:r>
-              <a:rPr lang="zh-CN" altLang="en-US" dirty="0" smtClean="0"/>
-              <a:t>执行上下文的一个属性。</a:t>
-            </a:r>
-            <a:r>
-              <a:rPr lang="en-US" altLang="zh-CN" dirty="0" smtClean="0"/>
-              <a:t/>
-            </a:r>
-            <a:br>
-              <a:rPr lang="en-US" altLang="zh-CN" dirty="0" smtClean="0"/>
-            </a:br>
-            <a:endParaRPr lang="en-US" altLang="zh-CN" dirty="0" smtClean="0"/>
-          </a:p>
-          <a:p>
-            <a:pPr marL="228600" lvl="0" indent="-228600">
-              <a:buFont typeface="+mj-lt"/>
-              <a:buAutoNum type="arabicPeriod"/>
-            </a:pPr>
-            <a:r>
-              <a:rPr lang="zh-CN" altLang="en-US" dirty="0" smtClean="0"/>
-              <a:t>下面，我们开始介绍几种情况下的</a:t>
-            </a:r>
-            <a:r>
-              <a:rPr lang="en-US" altLang="zh-CN" dirty="0" smtClean="0"/>
-              <a:t>this</a:t>
-            </a:r>
-            <a:r>
-              <a:rPr lang="zh-CN" altLang="en-US" dirty="0" smtClean="0"/>
-              <a:t>指向查找方法，进入下一页。</a:t>
-            </a:r>
-            <a:endParaRPr lang="en-US" altLang="zh-CN" dirty="0" smtClean="0"/>
-          </a:p>
-          <a:p>
-            <a:pPr marL="228600" lvl="0" indent="-228600">
-              <a:buFont typeface="+mj-lt"/>
-              <a:buAutoNum type="arabicPeriod"/>
-            </a:pPr>
-            <a:endParaRPr lang="en-US" altLang="zh-CN" dirty="0" smtClean="0"/>
-          </a:p>
-          <a:p>
-            <a:pPr marL="457200" lvl="1" indent="0">
-              <a:buFont typeface="+mj-lt"/>
-              <a:buNone/>
-            </a:pPr>
-            <a:r>
-              <a:rPr lang="zh-CN" altLang="en-US" dirty="0" smtClean="0"/>
-              <a:t>代码参考：</a:t>
-            </a:r>
-            <a:r>
-              <a:rPr lang="en-US" altLang="zh-CN" dirty="0" smtClean="0"/>
-              <a:t>http://git.pcstele.com/pcs/zhhw-operation-client-vue/blob/dev/docs/knowledge/js%E4%B8%AD%E7%9A%84this.md</a:t>
-            </a:r>
-          </a:p>
-          <a:p>
-            <a:endParaRPr lang="en-US" altLang="zh-CN" dirty="0" smtClean="0"/>
-          </a:p>
-          <a:p>
-            <a:pPr marL="685800" lvl="1" indent="-228600">
-              <a:buAutoNum type="arabicPeriod"/>
-            </a:pPr>
-            <a:endParaRPr lang="en-US" altLang="zh-CN" baseline="0" dirty="0" smtClean="0"/>
-          </a:p>
-          <a:p>
-            <a:pPr marL="228600" lvl="0" indent="-228600">
-              <a:buAutoNum type="arabicPeriod"/>
-            </a:pPr>
-            <a:endParaRPr lang="en-US" altLang="zh-CN" baseline="0" dirty="0" smtClean="0"/>
-          </a:p>
-          <a:p>
-            <a:pPr marL="0" lvl="0" indent="0">
-              <a:buNone/>
-            </a:pPr>
-            <a:endParaRPr lang="en-US" altLang="zh-CN" baseline="0" dirty="0" smtClean="0"/>
+              <a:t>执行上下文的定义：代码的执行环境快照。</a:t>
+            </a:r>
+            <a:endParaRPr lang="zh-CN" altLang="en-US" dirty="0"/>
           </a:p>
         </p:txBody>
       </p:sp>
@@ -1504,7 +1399,7 @@
     </p:spTree>
     <p:extLst>
       <p:ext uri="{BB962C8B-B14F-4D97-AF65-F5344CB8AC3E}">
-        <p14:creationId xmlns:p14="http://schemas.microsoft.com/office/powerpoint/2010/main" val="4072585816"/>
+        <p14:creationId xmlns:p14="http://schemas.microsoft.com/office/powerpoint/2010/main" val="548124679"/>
       </p:ext>
     </p:extLst>
   </p:cSld>
@@ -1558,10 +1453,6 @@
           <a:bodyPr/>
           <a:lstStyle/>
           <a:p>
-            <a:r>
-              <a:rPr lang="zh-CN" altLang="en-US" dirty="0" smtClean="0"/>
-              <a:t>执行上下文的定义：代码的执行环境快照。</a:t>
-            </a:r>
             <a:endParaRPr lang="zh-CN" altLang="en-US" dirty="0"/>
           </a:p>
         </p:txBody>
@@ -1592,7 +1483,7 @@
     </p:spTree>
     <p:extLst>
       <p:ext uri="{BB962C8B-B14F-4D97-AF65-F5344CB8AC3E}">
-        <p14:creationId xmlns:p14="http://schemas.microsoft.com/office/powerpoint/2010/main" val="548124679"/>
+        <p14:creationId xmlns:p14="http://schemas.microsoft.com/office/powerpoint/2010/main" val="2697178603"/>
       </p:ext>
     </p:extLst>
   </p:cSld>
@@ -1646,6 +1537,17 @@
           <a:bodyPr/>
           <a:lstStyle/>
           <a:p>
+            <a:r>
+              <a:rPr lang="zh-CN" altLang="en-US" dirty="0" smtClean="0"/>
+              <a:t>没有为什么，规定。</a:t>
+            </a:r>
+            <a:endParaRPr lang="en-US" altLang="zh-CN" dirty="0" smtClean="0"/>
+          </a:p>
+          <a:p>
+            <a:r>
+              <a:rPr lang="zh-CN" altLang="en-US" dirty="0" smtClean="0"/>
+              <a:t>进入下一页，代码示例。</a:t>
+            </a:r>
             <a:endParaRPr lang="zh-CN" altLang="en-US" dirty="0"/>
           </a:p>
         </p:txBody>
@@ -1676,7 +1578,7 @@
     </p:spTree>
     <p:extLst>
       <p:ext uri="{BB962C8B-B14F-4D97-AF65-F5344CB8AC3E}">
-        <p14:creationId xmlns:p14="http://schemas.microsoft.com/office/powerpoint/2010/main" val="2697178603"/>
+        <p14:creationId xmlns:p14="http://schemas.microsoft.com/office/powerpoint/2010/main" val="4147421230"/>
       </p:ext>
     </p:extLst>
   </p:cSld>
@@ -1732,14 +1634,30 @@
           <a:p>
             <a:r>
               <a:rPr lang="zh-CN" altLang="en-US" dirty="0" smtClean="0"/>
-              <a:t>没有为什么，规定。</a:t>
+              <a:t>台词：其实在日常开发中，最常用的肯定是在函数用使用</a:t>
+            </a:r>
+            <a:r>
+              <a:rPr lang="en-US" altLang="zh-CN" dirty="0" smtClean="0"/>
+              <a:t>this</a:t>
+            </a:r>
+            <a:r>
+              <a:rPr lang="zh-CN" altLang="en-US" dirty="0" smtClean="0"/>
+              <a:t>访问属性；</a:t>
             </a:r>
             <a:endParaRPr lang="en-US" altLang="zh-CN" dirty="0" smtClean="0"/>
           </a:p>
           <a:p>
             <a:r>
               <a:rPr lang="zh-CN" altLang="en-US" dirty="0" smtClean="0"/>
-              <a:t>进入下一页，代码示例。</a:t>
+              <a:t>下面我们先简单了解一下普通函数中的</a:t>
+            </a:r>
+            <a:r>
+              <a:rPr lang="en-US" altLang="zh-CN" dirty="0" smtClean="0"/>
+              <a:t>this</a:t>
+            </a:r>
+            <a:r>
+              <a:rPr lang="zh-CN" altLang="en-US" dirty="0" smtClean="0"/>
+              <a:t>指向问题。</a:t>
             </a:r>
             <a:endParaRPr lang="zh-CN" altLang="en-US" dirty="0"/>
           </a:p>
@@ -1762,7 +1680,7 @@
           <a:p>
             <a:fld id="{63D66438-32C0-4A55-81A6-6429864AD78C}" type="slidenum">
               <a:rPr lang="zh-CN" altLang="en-US" smtClean="0"/>
-              <a:t>5</a:t>
+              <a:t>6</a:t>
             </a:fld>
             <a:endParaRPr lang="zh-CN" altLang="en-US"/>
           </a:p>
@@ -1771,7 +1689,7 @@
     </p:spTree>
     <p:extLst>
       <p:ext uri="{BB962C8B-B14F-4D97-AF65-F5344CB8AC3E}">
-        <p14:creationId xmlns:p14="http://schemas.microsoft.com/office/powerpoint/2010/main" val="4147421230"/>
+        <p14:creationId xmlns:p14="http://schemas.microsoft.com/office/powerpoint/2010/main" val="955713198"/>
       </p:ext>
     </p:extLst>
   </p:cSld>
@@ -1825,34 +1743,7 @@
           <a:bodyPr/>
           <a:lstStyle/>
           <a:p>
-            <a:r>
-              <a:rPr lang="zh-CN" altLang="en-US" dirty="0" smtClean="0"/>
-              <a:t>台词：其实在日常开发中，最常用的肯定是在函数用使用</a:t>
-            </a:r>
-            <a:r>
-              <a:rPr lang="en-US" altLang="zh-CN" dirty="0" smtClean="0"/>
-              <a:t>this</a:t>
-            </a:r>
-            <a:r>
-              <a:rPr lang="zh-CN" altLang="en-US" dirty="0" smtClean="0"/>
-              <a:t>访问属性；</a:t>
-            </a:r>
             <a:endParaRPr lang="en-US" altLang="zh-CN" dirty="0" smtClean="0"/>
-          </a:p>
-          <a:p>
-            <a:r>
-              <a:rPr lang="zh-CN" altLang="en-US" dirty="0" smtClean="0"/>
-              <a:t>下面我们先简单了解一下普通函数中的</a:t>
-            </a:r>
-            <a:r>
-              <a:rPr lang="en-US" altLang="zh-CN" dirty="0" smtClean="0"/>
-              <a:t>this</a:t>
-            </a:r>
-            <a:r>
-              <a:rPr lang="zh-CN" altLang="en-US" dirty="0" smtClean="0"/>
-              <a:t>指向问题。</a:t>
-            </a:r>
-            <a:endParaRPr lang="zh-CN" altLang="en-US" dirty="0"/>
           </a:p>
         </p:txBody>
       </p:sp>
@@ -1882,7 +1773,7 @@
     </p:spTree>
     <p:extLst>
       <p:ext uri="{BB962C8B-B14F-4D97-AF65-F5344CB8AC3E}">
-        <p14:creationId xmlns:p14="http://schemas.microsoft.com/office/powerpoint/2010/main" val="955713198"/>
+        <p14:creationId xmlns:p14="http://schemas.microsoft.com/office/powerpoint/2010/main" val="2261879185"/>
       </p:ext>
     </p:extLst>
   </p:cSld>
@@ -1936,7 +1827,7 @@
           <a:bodyPr/>
           <a:lstStyle/>
           <a:p>
-            <a:endParaRPr lang="en-US" altLang="zh-CN" dirty="0" smtClean="0"/>
+            <a:endParaRPr lang="zh-CN" altLang="en-US" dirty="0"/>
           </a:p>
         </p:txBody>
       </p:sp>
@@ -1966,7 +1857,7 @@
     </p:spTree>
     <p:extLst>
       <p:ext uri="{BB962C8B-B14F-4D97-AF65-F5344CB8AC3E}">
-        <p14:creationId xmlns:p14="http://schemas.microsoft.com/office/powerpoint/2010/main" val="2261879185"/>
+        <p14:creationId xmlns:p14="http://schemas.microsoft.com/office/powerpoint/2010/main" val="1771444222"/>
       </p:ext>
     </p:extLst>
   </p:cSld>
@@ -2041,7 +1932,7 @@
           <a:p>
             <a:fld id="{63D66438-32C0-4A55-81A6-6429864AD78C}" type="slidenum">
               <a:rPr lang="zh-CN" altLang="en-US" smtClean="0"/>
-              <a:t>9</a:t>
+              <a:t>11</a:t>
             </a:fld>
             <a:endParaRPr lang="zh-CN" altLang="en-US"/>
           </a:p>
@@ -2050,7 +1941,7 @@
     </p:spTree>
     <p:extLst>
       <p:ext uri="{BB962C8B-B14F-4D97-AF65-F5344CB8AC3E}">
-        <p14:creationId xmlns:p14="http://schemas.microsoft.com/office/powerpoint/2010/main" val="1771444222"/>
+        <p14:creationId xmlns:p14="http://schemas.microsoft.com/office/powerpoint/2010/main" val="1705777450"/>
       </p:ext>
     </p:extLst>
   </p:cSld>
@@ -2125,7 +2016,7 @@
           <a:p>
             <a:fld id="{63D66438-32C0-4A55-81A6-6429864AD78C}" type="slidenum">
               <a:rPr lang="zh-CN" altLang="en-US" smtClean="0"/>
-              <a:t>12</a:t>
+              <a:t>15</a:t>
             </a:fld>
             <a:endParaRPr lang="zh-CN" altLang="en-US"/>
           </a:p>
@@ -2134,7 +2025,7 @@
     </p:spTree>
     <p:extLst>
       <p:ext uri="{BB962C8B-B14F-4D97-AF65-F5344CB8AC3E}">
-        <p14:creationId xmlns:p14="http://schemas.microsoft.com/office/powerpoint/2010/main" val="1705777450"/>
+        <p14:creationId xmlns:p14="http://schemas.microsoft.com/office/powerpoint/2010/main" val="1228780232"/>
       </p:ext>
     </p:extLst>
   </p:cSld>
@@ -2247,11 +2138,11 @@
   <p:clrMapOvr>
     <a:masterClrMapping/>
   </p:clrMapOvr>
-  <mc:AlternateContent xmlns:mc="http://schemas.openxmlformats.org/markup-compatibility/2006">
-    <mc:Choice xmlns:p14="http://schemas.microsoft.com/office/powerpoint/2010/main" Requires="p14">
+  <mc:AlternateContent xmlns:mc="http://schemas.openxmlformats.org/markup-compatibility/2006" xmlns:p14="http://schemas.microsoft.com/office/powerpoint/2010/main">
+    <mc:Choice Requires="p14">
       <p:transition p14:dur="0" advTm="9938"/>
     </mc:Choice>
-    <mc:Fallback>
+    <mc:Fallback xmlns="">
       <p:transition advTm="9938"/>
     </mc:Fallback>
   </mc:AlternateContent>
@@ -2357,11 +2248,11 @@
   <p:clrMapOvr>
     <a:masterClrMapping/>
   </p:clrMapOvr>
-  <mc:AlternateContent xmlns:mc="http://schemas.openxmlformats.org/markup-compatibility/2006">
-    <mc:Choice xmlns:p14="http://schemas.microsoft.com/office/powerpoint/2010/main" Requires="p14">
+  <mc:AlternateContent xmlns:mc="http://schemas.openxmlformats.org/markup-compatibility/2006" xmlns:p14="http://schemas.microsoft.com/office/powerpoint/2010/main">
+    <mc:Choice Requires="p14">
       <p:transition p14:dur="0" advTm="9938"/>
     </mc:Choice>
-    <mc:Fallback>
+    <mc:Fallback xmlns="">
       <p:transition advTm="9938"/>
     </mc:Fallback>
   </mc:AlternateContent>
@@ -2477,11 +2368,11 @@
   <p:clrMapOvr>
     <a:masterClrMapping/>
   </p:clrMapOvr>
-  <mc:AlternateContent xmlns:mc="http://schemas.openxmlformats.org/markup-compatibility/2006">
-    <mc:Choice xmlns:p14="http://schemas.microsoft.com/office/powerpoint/2010/main" Requires="p14">
+  <mc:AlternateContent xmlns:mc="http://schemas.openxmlformats.org/markup-compatibility/2006" xmlns:p14="http://schemas.microsoft.com/office/powerpoint/2010/main">
+    <mc:Choice Requires="p14">
       <p:transition p14:dur="0" advTm="9938"/>
     </mc:Choice>
-    <mc:Fallback>
+    <mc:Fallback xmlns="">
       <p:transition advTm="9938"/>
     </mc:Fallback>
   </mc:AlternateContent>
@@ -2526,11 +2417,11 @@
   <p:clrMapOvr>
     <a:masterClrMapping/>
   </p:clrMapOvr>
-  <mc:AlternateContent xmlns:mc="http://schemas.openxmlformats.org/markup-compatibility/2006">
-    <mc:Choice xmlns:p14="http://schemas.microsoft.com/office/powerpoint/2010/main" Requires="p14">
+  <mc:AlternateContent xmlns:mc="http://schemas.openxmlformats.org/markup-compatibility/2006" xmlns:p14="http://schemas.microsoft.com/office/powerpoint/2010/main">
+    <mc:Choice Requires="p14">
       <p:transition p14:dur="0" advTm="9938"/>
     </mc:Choice>
-    <mc:Fallback>
+    <mc:Fallback xmlns="">
       <p:transition advTm="9938"/>
     </mc:Fallback>
   </mc:AlternateContent>
@@ -2699,7 +2590,7 @@
           <a:p>
             <a:fld id="{A981568D-62A3-428D-9EAF-2462161BCA07}" type="datetimeFigureOut">
               <a:rPr lang="zh-CN" altLang="en-US" smtClean="0"/>
-              <a:t>2018/9/4</a:t>
+              <a:t>2018/9/5</a:t>
             </a:fld>
             <a:endParaRPr lang="zh-CN" altLang="en-US"/>
           </a:p>
@@ -2751,11 +2642,11 @@
     <p:sldLayoutId id="2147483696" r:id="rId3"/>
     <p:sldLayoutId id="2147483693" r:id="rId4"/>
   </p:sldLayoutIdLst>
-  <mc:AlternateContent xmlns:mc="http://schemas.openxmlformats.org/markup-compatibility/2006">
-    <mc:Choice xmlns:p14="http://schemas.microsoft.com/office/powerpoint/2010/main" Requires="p14">
+  <mc:AlternateContent xmlns:mc="http://schemas.openxmlformats.org/markup-compatibility/2006" xmlns:p14="http://schemas.microsoft.com/office/powerpoint/2010/main">
+    <mc:Choice Requires="p14">
       <p:transition p14:dur="0" advTm="9938"/>
     </mc:Choice>
-    <mc:Fallback>
+    <mc:Fallback xmlns="">
       <p:transition advTm="9938"/>
     </mc:Fallback>
   </mc:AlternateContent>
@@ -3038,2749 +2929,6 @@
       </p:grpSpPr>
       <p:sp>
         <p:nvSpPr>
-          <p:cNvPr id="8" name="文本框 7"/>
-          <p:cNvSpPr txBox="1"/>
-          <p:nvPr/>
-        </p:nvSpPr>
-        <p:spPr>
-          <a:xfrm>
-            <a:off x="5303912" y="3121317"/>
-            <a:ext cx="2087736" cy="1666162"/>
-          </a:xfrm>
-          <a:prstGeom prst="rect">
-            <a:avLst/>
-          </a:prstGeom>
-          <a:noFill/>
-        </p:spPr>
-        <p:txBody>
-          <a:bodyPr wrap="square" rtlCol="0" anchor="ctr">
-            <a:spAutoFit/>
-          </a:bodyPr>
-          <a:lstStyle/>
-          <a:p>
-            <a:pPr marL="285750" indent="-285750">
-              <a:lnSpc>
-                <a:spcPct val="200000"/>
-              </a:lnSpc>
-              <a:buFont typeface="Arial" panose="020B0604020202020204" pitchFamily="34" charset="0"/>
-              <a:buChar char="•"/>
-            </a:pPr>
-            <a:r>
-              <a:rPr lang="en-US" altLang="zh-CN" dirty="0">
-                <a:solidFill>
-                  <a:schemeClr val="tx1">
-                    <a:lumMod val="85000"/>
-                    <a:lumOff val="15000"/>
-                  </a:schemeClr>
-                </a:solidFill>
-                <a:latin typeface="冬青黑体简体中文 W3" panose="020B0300000000000000" pitchFamily="34" charset="-122"/>
-                <a:ea typeface="冬青黑体简体中文 W3" panose="020B0300000000000000" pitchFamily="34" charset="-122"/>
-              </a:rPr>
-              <a:t>this</a:t>
-            </a:r>
-            <a:r>
-              <a:rPr lang="zh-CN" altLang="en-US" dirty="0">
-                <a:solidFill>
-                  <a:schemeClr val="tx1">
-                    <a:lumMod val="85000"/>
-                    <a:lumOff val="15000"/>
-                  </a:schemeClr>
-                </a:solidFill>
-                <a:latin typeface="冬青黑体简体中文 W3" panose="020B0300000000000000" pitchFamily="34" charset="-122"/>
-                <a:ea typeface="冬青黑体简体中文 W3" panose="020B0300000000000000" pitchFamily="34" charset="-122"/>
-              </a:rPr>
-              <a:t>关键字</a:t>
-            </a:r>
-            <a:endParaRPr lang="en-US" altLang="zh-CN" dirty="0">
-              <a:solidFill>
-                <a:schemeClr val="tx1">
-                  <a:lumMod val="85000"/>
-                  <a:lumOff val="15000"/>
-                </a:schemeClr>
-              </a:solidFill>
-              <a:latin typeface="冬青黑体简体中文 W3" panose="020B0300000000000000" pitchFamily="34" charset="-122"/>
-              <a:ea typeface="冬青黑体简体中文 W3" panose="020B0300000000000000" pitchFamily="34" charset="-122"/>
-            </a:endParaRPr>
-          </a:p>
-          <a:p>
-            <a:pPr marL="285750" indent="-285750">
-              <a:lnSpc>
-                <a:spcPct val="200000"/>
-              </a:lnSpc>
-              <a:buFont typeface="Arial" panose="020B0604020202020204" pitchFamily="34" charset="0"/>
-              <a:buChar char="•"/>
-            </a:pPr>
-            <a:r>
-              <a:rPr lang="zh-CN" altLang="en-US" dirty="0">
-                <a:solidFill>
-                  <a:schemeClr val="tx1">
-                    <a:lumMod val="85000"/>
-                    <a:lumOff val="15000"/>
-                  </a:schemeClr>
-                </a:solidFill>
-                <a:latin typeface="冬青黑体简体中文 W3" panose="020B0300000000000000" pitchFamily="34" charset="-122"/>
-                <a:ea typeface="冬青黑体简体中文 W3" panose="020B0300000000000000" pitchFamily="34" charset="-122"/>
-              </a:rPr>
-              <a:t>原型链</a:t>
-            </a:r>
-            <a:endParaRPr lang="en-US" altLang="zh-CN" dirty="0">
-              <a:solidFill>
-                <a:schemeClr val="tx1">
-                  <a:lumMod val="85000"/>
-                  <a:lumOff val="15000"/>
-                </a:schemeClr>
-              </a:solidFill>
-              <a:latin typeface="冬青黑体简体中文 W3" panose="020B0300000000000000" pitchFamily="34" charset="-122"/>
-              <a:ea typeface="冬青黑体简体中文 W3" panose="020B0300000000000000" pitchFamily="34" charset="-122"/>
-            </a:endParaRPr>
-          </a:p>
-          <a:p>
-            <a:pPr marL="285750" indent="-285750">
-              <a:lnSpc>
-                <a:spcPct val="200000"/>
-              </a:lnSpc>
-              <a:buFont typeface="Arial" panose="020B0604020202020204" pitchFamily="34" charset="0"/>
-              <a:buChar char="•"/>
-            </a:pPr>
-            <a:r>
-              <a:rPr lang="zh-CN" altLang="en-US" dirty="0">
-                <a:solidFill>
-                  <a:schemeClr val="tx1">
-                    <a:lumMod val="85000"/>
-                    <a:lumOff val="15000"/>
-                  </a:schemeClr>
-                </a:solidFill>
-                <a:latin typeface="冬青黑体简体中文 W3" panose="020B0300000000000000" pitchFamily="34" charset="-122"/>
-                <a:ea typeface="冬青黑体简体中文 W3" panose="020B0300000000000000" pitchFamily="34" charset="-122"/>
-              </a:rPr>
-              <a:t>闭包</a:t>
-            </a:r>
-          </a:p>
-        </p:txBody>
-      </p:sp>
-      <p:sp>
-        <p:nvSpPr>
-          <p:cNvPr id="9" name="标题 8"/>
-          <p:cNvSpPr>
-            <a:spLocks noGrp="1"/>
-          </p:cNvSpPr>
-          <p:nvPr>
-            <p:ph type="title" idx="4294967295"/>
-          </p:nvPr>
-        </p:nvSpPr>
-        <p:spPr>
-          <a:xfrm>
-            <a:off x="1220788" y="1770063"/>
-            <a:ext cx="10971212" cy="1143000"/>
-          </a:xfrm>
-        </p:spPr>
-        <p:txBody>
-          <a:bodyPr/>
-          <a:lstStyle/>
-          <a:p>
-            <a:r>
-              <a:rPr lang="en-US" altLang="zh-CN" b="1" dirty="0">
-                <a:solidFill>
-                  <a:schemeClr val="tx1">
-                    <a:lumMod val="95000"/>
-                    <a:lumOff val="5000"/>
-                  </a:schemeClr>
-                </a:solidFill>
-                <a:latin typeface="冬青黑体简体中文 W3" panose="020B0300000000000000" pitchFamily="34" charset="-122"/>
-                <a:ea typeface="冬青黑体简体中文 W3" panose="020B0300000000000000" pitchFamily="34" charset="-122"/>
-              </a:rPr>
-              <a:t>JavaScript</a:t>
-            </a:r>
-            <a:r>
-              <a:rPr lang="zh-CN" altLang="en-US" b="1" dirty="0">
-                <a:solidFill>
-                  <a:schemeClr val="tx1">
-                    <a:lumMod val="95000"/>
-                    <a:lumOff val="5000"/>
-                  </a:schemeClr>
-                </a:solidFill>
-                <a:latin typeface="冬青黑体简体中文 W3" panose="020B0300000000000000" pitchFamily="34" charset="-122"/>
-                <a:ea typeface="冬青黑体简体中文 W3" panose="020B0300000000000000" pitchFamily="34" charset="-122"/>
-              </a:rPr>
-              <a:t>基础一</a:t>
-            </a:r>
-          </a:p>
-        </p:txBody>
-      </p:sp>
-    </p:spTree>
-  </p:cSld>
-  <p:clrMapOvr>
-    <a:masterClrMapping/>
-  </p:clrMapOvr>
-  <mc:AlternateContent xmlns:mc="http://schemas.openxmlformats.org/markup-compatibility/2006">
-    <mc:Choice xmlns:p15="http://schemas.microsoft.com/office/powerpoint/2012/main" Requires="p15">
-      <p:transition xmlns:p14="http://schemas.microsoft.com/office/powerpoint/2010/main" spd="slow" p14:dur="2500" advTm="9938">
-        <p15:prstTrans prst="origami"/>
-        <p:sndAc>
-          <p:stSnd>
-            <p:snd r:embed="rId3" name="chimes.wav"/>
-          </p:stSnd>
-        </p:sndAc>
-      </p:transition>
-    </mc:Choice>
-    <mc:Fallback>
-      <p:transition spd="slow" advTm="9938">
-        <p:fade/>
-        <p:sndAc>
-          <p:stSnd>
-            <p:snd r:embed="rId3" name="chimes.wav"/>
-          </p:stSnd>
-        </p:sndAc>
-      </p:transition>
-    </mc:Fallback>
-  </mc:AlternateContent>
-  <p:timing>
-    <p:tnLst>
-      <p:par>
-        <p:cTn id="1" dur="indefinite" restart="never" nodeType="tmRoot"/>
-      </p:par>
-    </p:tnLst>
-  </p:timing>
-</p:sld>
-</file>
-
-<file path=ppt/slides/slide10.xml><?xml version="1.0" encoding="utf-8"?>
-<p:sld xmlns:a="http://schemas.openxmlformats.org/drawingml/2006/main" xmlns:r="http://schemas.openxmlformats.org/officeDocument/2006/relationships" xmlns:p="http://schemas.openxmlformats.org/presentationml/2006/main">
-  <p:cSld>
-    <p:spTree>
-      <p:nvGrpSpPr>
-        <p:cNvPr id="1" name=""/>
-        <p:cNvGrpSpPr/>
-        <p:nvPr/>
-      </p:nvGrpSpPr>
-      <p:grpSpPr>
-        <a:xfrm>
-          <a:off x="0" y="0"/>
-          <a:ext cx="0" cy="0"/>
-          <a:chOff x="0" y="0"/>
-          <a:chExt cx="0" cy="0"/>
-        </a:xfrm>
-      </p:grpSpPr>
-      <p:sp>
-        <p:nvSpPr>
-          <p:cNvPr id="2" name="标题 1"/>
-          <p:cNvSpPr>
-            <a:spLocks noGrp="1"/>
-          </p:cNvSpPr>
-          <p:nvPr>
-            <p:ph type="title"/>
-          </p:nvPr>
-        </p:nvSpPr>
-        <p:spPr>
-          <a:xfrm>
-            <a:off x="0" y="512676"/>
-            <a:ext cx="12192000" cy="1122096"/>
-          </a:xfrm>
-        </p:spPr>
-        <p:txBody>
-          <a:bodyPr/>
-          <a:lstStyle/>
-          <a:p>
-            <a:r>
-              <a:rPr lang="zh-CN" altLang="en-US" dirty="0" smtClean="0"/>
-              <a:t>思考题</a:t>
-            </a:r>
-            <a:endParaRPr lang="zh-CN" altLang="en-US" dirty="0"/>
-          </a:p>
-        </p:txBody>
-      </p:sp>
-      <p:pic>
-        <p:nvPicPr>
-          <p:cNvPr id="4" name="图片 3"/>
-          <p:cNvPicPr>
-            <a:picLocks noChangeAspect="1"/>
-          </p:cNvPicPr>
-          <p:nvPr/>
-        </p:nvPicPr>
-        <p:blipFill>
-          <a:blip r:embed="rId2"/>
-          <a:stretch>
-            <a:fillRect/>
-          </a:stretch>
-        </p:blipFill>
-        <p:spPr>
-          <a:xfrm>
-            <a:off x="2068202" y="1988491"/>
-            <a:ext cx="8096250" cy="3867150"/>
-          </a:xfrm>
-          <a:prstGeom prst="rect">
-            <a:avLst/>
-          </a:prstGeom>
-        </p:spPr>
-      </p:pic>
-    </p:spTree>
-    <p:extLst>
-      <p:ext uri="{BB962C8B-B14F-4D97-AF65-F5344CB8AC3E}">
-        <p14:creationId xmlns:p14="http://schemas.microsoft.com/office/powerpoint/2010/main" val="2012326781"/>
-      </p:ext>
-    </p:extLst>
-  </p:cSld>
-  <p:clrMapOvr>
-    <a:masterClrMapping/>
-  </p:clrMapOvr>
-  <mc:AlternateContent xmlns:mc="http://schemas.openxmlformats.org/markup-compatibility/2006">
-    <mc:Choice xmlns:p14="http://schemas.microsoft.com/office/powerpoint/2010/main" Requires="p14">
-      <p:transition p14:dur="0" advTm="9938"/>
-    </mc:Choice>
-    <mc:Fallback>
-      <p:transition advTm="9938"/>
-    </mc:Fallback>
-  </mc:AlternateContent>
-  <p:timing>
-    <p:tnLst>
-      <p:par>
-        <p:cTn id="1" dur="indefinite" restart="never" nodeType="tmRoot"/>
-      </p:par>
-    </p:tnLst>
-  </p:timing>
-</p:sld>
-</file>
-
-<file path=ppt/slides/slide11.xml><?xml version="1.0" encoding="utf-8"?>
-<p:sld xmlns:a="http://schemas.openxmlformats.org/drawingml/2006/main" xmlns:r="http://schemas.openxmlformats.org/officeDocument/2006/relationships" xmlns:p="http://schemas.openxmlformats.org/presentationml/2006/main">
-  <p:cSld>
-    <p:spTree>
-      <p:nvGrpSpPr>
-        <p:cNvPr id="1" name=""/>
-        <p:cNvGrpSpPr/>
-        <p:nvPr/>
-      </p:nvGrpSpPr>
-      <p:grpSpPr>
-        <a:xfrm>
-          <a:off x="0" y="0"/>
-          <a:ext cx="0" cy="0"/>
-          <a:chOff x="0" y="0"/>
-          <a:chExt cx="0" cy="0"/>
-        </a:xfrm>
-      </p:grpSpPr>
-      <p:sp>
-        <p:nvSpPr>
-          <p:cNvPr id="2" name="标题 1"/>
-          <p:cNvSpPr>
-            <a:spLocks noGrp="1"/>
-          </p:cNvSpPr>
-          <p:nvPr>
-            <p:ph type="title"/>
-          </p:nvPr>
-        </p:nvSpPr>
-        <p:spPr>
-          <a:xfrm>
-            <a:off x="13516" y="440668"/>
-            <a:ext cx="12192000" cy="1122096"/>
-          </a:xfrm>
-        </p:spPr>
-        <p:txBody>
-          <a:bodyPr/>
-          <a:lstStyle/>
-          <a:p>
-            <a:r>
-              <a:rPr lang="zh-CN" altLang="en-US" dirty="0" smtClean="0"/>
-              <a:t>答案</a:t>
-            </a:r>
-            <a:endParaRPr lang="zh-CN" altLang="en-US" dirty="0"/>
-          </a:p>
-        </p:txBody>
-      </p:sp>
-      <p:pic>
-        <p:nvPicPr>
-          <p:cNvPr id="4" name="图片 3"/>
-          <p:cNvPicPr>
-            <a:picLocks noChangeAspect="1"/>
-          </p:cNvPicPr>
-          <p:nvPr/>
-        </p:nvPicPr>
-        <p:blipFill>
-          <a:blip r:embed="rId2"/>
-          <a:stretch>
-            <a:fillRect/>
-          </a:stretch>
-        </p:blipFill>
-        <p:spPr>
-          <a:xfrm>
-            <a:off x="369910" y="1952836"/>
-            <a:ext cx="11835606" cy="4900424"/>
-          </a:xfrm>
-          <a:prstGeom prst="rect">
-            <a:avLst/>
-          </a:prstGeom>
-        </p:spPr>
-      </p:pic>
-    </p:spTree>
-    <p:extLst>
-      <p:ext uri="{BB962C8B-B14F-4D97-AF65-F5344CB8AC3E}">
-        <p14:creationId xmlns:p14="http://schemas.microsoft.com/office/powerpoint/2010/main" val="1002898333"/>
-      </p:ext>
-    </p:extLst>
-  </p:cSld>
-  <p:clrMapOvr>
-    <a:masterClrMapping/>
-  </p:clrMapOvr>
-  <mc:AlternateContent xmlns:mc="http://schemas.openxmlformats.org/markup-compatibility/2006">
-    <mc:Choice xmlns:p14="http://schemas.microsoft.com/office/powerpoint/2010/main" Requires="p14">
-      <p:transition p14:dur="0" advTm="9938"/>
-    </mc:Choice>
-    <mc:Fallback>
-      <p:transition advTm="9938"/>
-    </mc:Fallback>
-  </mc:AlternateContent>
-  <p:timing>
-    <p:tnLst>
-      <p:par>
-        <p:cTn id="1" dur="indefinite" restart="never" nodeType="tmRoot"/>
-      </p:par>
-    </p:tnLst>
-  </p:timing>
-</p:sld>
-</file>
-
-<file path=ppt/slides/slide12.xml><?xml version="1.0" encoding="utf-8"?>
-<p:sld xmlns:a="http://schemas.openxmlformats.org/drawingml/2006/main" xmlns:r="http://schemas.openxmlformats.org/officeDocument/2006/relationships" xmlns:p="http://schemas.openxmlformats.org/presentationml/2006/main">
-  <p:cSld>
-    <p:spTree>
-      <p:nvGrpSpPr>
-        <p:cNvPr id="1" name=""/>
-        <p:cNvGrpSpPr/>
-        <p:nvPr/>
-      </p:nvGrpSpPr>
-      <p:grpSpPr>
-        <a:xfrm>
-          <a:off x="0" y="0"/>
-          <a:ext cx="0" cy="0"/>
-          <a:chOff x="0" y="0"/>
-          <a:chExt cx="0" cy="0"/>
-        </a:xfrm>
-      </p:grpSpPr>
-      <p:sp>
-        <p:nvSpPr>
-          <p:cNvPr id="2" name="标题 1"/>
-          <p:cNvSpPr>
-            <a:spLocks noGrp="1"/>
-          </p:cNvSpPr>
-          <p:nvPr>
-            <p:ph type="title"/>
-          </p:nvPr>
-        </p:nvSpPr>
-        <p:spPr/>
-        <p:txBody>
-          <a:bodyPr/>
-          <a:lstStyle/>
-          <a:p>
-            <a:r>
-              <a:rPr lang="zh-CN" altLang="en-US" dirty="0" smtClean="0"/>
-              <a:t>箭头函数中的</a:t>
-            </a:r>
-            <a:r>
-              <a:rPr lang="en-US" altLang="zh-CN" dirty="0" smtClean="0"/>
-              <a:t>this</a:t>
-            </a:r>
-            <a:r>
-              <a:rPr lang="zh-CN" altLang="en-US" dirty="0" smtClean="0"/>
-              <a:t>指向问题</a:t>
-            </a:r>
-            <a:endParaRPr lang="zh-CN" altLang="en-US" dirty="0"/>
-          </a:p>
-        </p:txBody>
-      </p:sp>
-      <p:sp>
-        <p:nvSpPr>
-          <p:cNvPr id="3" name="文本框 2"/>
-          <p:cNvSpPr txBox="1"/>
-          <p:nvPr/>
-        </p:nvSpPr>
-        <p:spPr>
-          <a:xfrm>
-            <a:off x="2855640" y="2924944"/>
-            <a:ext cx="6480720" cy="2031325"/>
-          </a:xfrm>
-          <a:prstGeom prst="rect">
-            <a:avLst/>
-          </a:prstGeom>
-          <a:noFill/>
-        </p:spPr>
-        <p:txBody>
-          <a:bodyPr wrap="square" rtlCol="0">
-            <a:spAutoFit/>
-          </a:bodyPr>
-          <a:lstStyle/>
-          <a:p>
-            <a:pPr marL="285750" indent="-285750">
-              <a:buFont typeface="Arial" panose="020B0604020202020204" pitchFamily="34" charset="0"/>
-              <a:buChar char="•"/>
-            </a:pPr>
-            <a:r>
-              <a:rPr lang="zh-CN" altLang="en-US" dirty="0" smtClean="0">
-                <a:solidFill>
-                  <a:schemeClr val="tx1">
-                    <a:lumMod val="85000"/>
-                    <a:lumOff val="15000"/>
-                  </a:schemeClr>
-                </a:solidFill>
-                <a:latin typeface="冬青黑体简体中文 W3" panose="020B0300000000000000" pitchFamily="34" charset="-122"/>
-                <a:ea typeface="冬青黑体简体中文 W3" panose="020B0300000000000000" pitchFamily="34" charset="-122"/>
-              </a:rPr>
-              <a:t>什么是箭头函数</a:t>
-            </a:r>
-            <a:endParaRPr lang="en-US" altLang="zh-CN" dirty="0">
-              <a:solidFill>
-                <a:schemeClr val="tx1">
-                  <a:lumMod val="85000"/>
-                  <a:lumOff val="15000"/>
-                </a:schemeClr>
-              </a:solidFill>
-              <a:latin typeface="冬青黑体简体中文 W3" panose="020B0300000000000000" pitchFamily="34" charset="-122"/>
-              <a:ea typeface="冬青黑体简体中文 W3" panose="020B0300000000000000" pitchFamily="34" charset="-122"/>
-            </a:endParaRPr>
-          </a:p>
-          <a:p>
-            <a:pPr marL="285750" indent="-285750">
-              <a:buFont typeface="Arial" panose="020B0604020202020204" pitchFamily="34" charset="0"/>
-              <a:buChar char="•"/>
-            </a:pPr>
-            <a:endParaRPr lang="en-US" altLang="zh-CN" dirty="0" smtClean="0">
-              <a:solidFill>
-                <a:schemeClr val="tx1">
-                  <a:lumMod val="85000"/>
-                  <a:lumOff val="15000"/>
-                </a:schemeClr>
-              </a:solidFill>
-              <a:latin typeface="冬青黑体简体中文 W3" panose="020B0300000000000000" pitchFamily="34" charset="-122"/>
-              <a:ea typeface="冬青黑体简体中文 W3" panose="020B0300000000000000" pitchFamily="34" charset="-122"/>
-            </a:endParaRPr>
-          </a:p>
-          <a:p>
-            <a:pPr lvl="1"/>
-            <a:r>
-              <a:rPr lang="en-US" altLang="zh-CN" dirty="0" smtClean="0">
-                <a:solidFill>
-                  <a:schemeClr val="tx1">
-                    <a:lumMod val="65000"/>
-                    <a:lumOff val="35000"/>
-                  </a:schemeClr>
-                </a:solidFill>
-                <a:latin typeface="冬青黑体简体中文 W3" panose="020B0300000000000000" pitchFamily="34" charset="-122"/>
-                <a:ea typeface="冬青黑体简体中文 W3" panose="020B0300000000000000" pitchFamily="34" charset="-122"/>
-              </a:rPr>
-              <a:t>ES6</a:t>
-            </a:r>
-            <a:r>
-              <a:rPr lang="zh-CN" altLang="en-US" dirty="0" smtClean="0">
-                <a:solidFill>
-                  <a:schemeClr val="tx1">
-                    <a:lumMod val="65000"/>
-                    <a:lumOff val="35000"/>
-                  </a:schemeClr>
-                </a:solidFill>
-                <a:latin typeface="冬青黑体简体中文 W3" panose="020B0300000000000000" pitchFamily="34" charset="-122"/>
-                <a:ea typeface="冬青黑体简体中文 W3" panose="020B0300000000000000" pitchFamily="34" charset="-122"/>
-              </a:rPr>
-              <a:t>中允许使用 </a:t>
-            </a:r>
-            <a:r>
-              <a:rPr lang="zh-CN" altLang="en-US" dirty="0" smtClean="0">
-                <a:solidFill>
-                  <a:srgbClr val="C00000"/>
-                </a:solidFill>
-                <a:latin typeface="冬青黑体简体中文 W3" panose="020B0300000000000000" pitchFamily="34" charset="-122"/>
-                <a:ea typeface="冬青黑体简体中文 W3" panose="020B0300000000000000" pitchFamily="34" charset="-122"/>
-              </a:rPr>
-              <a:t>箭</a:t>
-            </a:r>
-            <a:r>
-              <a:rPr lang="zh-CN" altLang="en-US" dirty="0">
-                <a:solidFill>
-                  <a:srgbClr val="C00000"/>
-                </a:solidFill>
-                <a:latin typeface="冬青黑体简体中文 W3" panose="020B0300000000000000" pitchFamily="34" charset="-122"/>
-                <a:ea typeface="冬青黑体简体中文 W3" panose="020B0300000000000000" pitchFamily="34" charset="-122"/>
-              </a:rPr>
-              <a:t>头</a:t>
-            </a:r>
-            <a:r>
-              <a:rPr lang="zh-CN" altLang="en-US" dirty="0" smtClean="0">
-                <a:solidFill>
-                  <a:schemeClr val="tx1">
-                    <a:lumMod val="65000"/>
-                    <a:lumOff val="35000"/>
-                  </a:schemeClr>
-                </a:solidFill>
-                <a:latin typeface="冬青黑体简体中文 W3" panose="020B0300000000000000" pitchFamily="34" charset="-122"/>
-                <a:ea typeface="冬青黑体简体中文 W3" panose="020B0300000000000000" pitchFamily="34" charset="-122"/>
-              </a:rPr>
-              <a:t>（</a:t>
-            </a:r>
-            <a:r>
-              <a:rPr lang="en-US" altLang="zh-CN" dirty="0" smtClean="0">
-                <a:solidFill>
-                  <a:schemeClr val="tx1">
-                    <a:lumMod val="65000"/>
-                    <a:lumOff val="35000"/>
-                  </a:schemeClr>
-                </a:solidFill>
-                <a:latin typeface="冬青黑体简体中文 W3" panose="020B0300000000000000" pitchFamily="34" charset="-122"/>
-                <a:ea typeface="冬青黑体简体中文 W3" panose="020B0300000000000000" pitchFamily="34" charset="-122"/>
-              </a:rPr>
-              <a:t> </a:t>
-            </a:r>
-            <a:r>
-              <a:rPr lang="en-US" altLang="zh-CN" dirty="0">
-                <a:solidFill>
-                  <a:schemeClr val="tx1">
-                    <a:lumMod val="50000"/>
-                    <a:lumOff val="50000"/>
-                  </a:schemeClr>
-                </a:solidFill>
-                <a:latin typeface="冬青黑体简体中文 W3" panose="020B0300000000000000" pitchFamily="34" charset="-122"/>
-                <a:ea typeface="冬青黑体简体中文 W3" panose="020B0300000000000000" pitchFamily="34" charset="-122"/>
-              </a:rPr>
-              <a:t>=&gt;</a:t>
-            </a:r>
-            <a:r>
-              <a:rPr lang="en-US" altLang="zh-CN" dirty="0">
-                <a:solidFill>
-                  <a:schemeClr val="tx1">
-                    <a:lumMod val="65000"/>
-                    <a:lumOff val="35000"/>
-                  </a:schemeClr>
-                </a:solidFill>
-                <a:latin typeface="冬青黑体简体中文 W3" panose="020B0300000000000000" pitchFamily="34" charset="-122"/>
-                <a:ea typeface="冬青黑体简体中文 W3" panose="020B0300000000000000" pitchFamily="34" charset="-122"/>
-              </a:rPr>
-              <a:t> </a:t>
-            </a:r>
-            <a:r>
-              <a:rPr lang="zh-CN" altLang="en-US" dirty="0" smtClean="0">
-                <a:solidFill>
-                  <a:schemeClr val="tx1">
-                    <a:lumMod val="65000"/>
-                    <a:lumOff val="35000"/>
-                  </a:schemeClr>
-                </a:solidFill>
-                <a:latin typeface="冬青黑体简体中文 W3" panose="020B0300000000000000" pitchFamily="34" charset="-122"/>
-                <a:ea typeface="冬青黑体简体中文 W3" panose="020B0300000000000000" pitchFamily="34" charset="-122"/>
-              </a:rPr>
-              <a:t>）来定义函数</a:t>
-            </a:r>
-            <a:r>
-              <a:rPr lang="zh-CN" altLang="en-US" dirty="0" smtClean="0">
-                <a:solidFill>
-                  <a:schemeClr val="tx1">
-                    <a:lumMod val="65000"/>
-                    <a:lumOff val="35000"/>
-                  </a:schemeClr>
-                </a:solidFill>
-                <a:latin typeface="冬青黑体简体中文 W3" panose="020B0300000000000000" pitchFamily="34" charset="-122"/>
-                <a:ea typeface="冬青黑体简体中文 W3" panose="020B0300000000000000" pitchFamily="34" charset="-122"/>
-                <a:sym typeface="Wingdings" panose="05000000000000000000" pitchFamily="2" charset="2"/>
-              </a:rPr>
-              <a:t>：</a:t>
-            </a:r>
-            <a:r>
-              <a:rPr lang="en-US" altLang="zh-CN" dirty="0" smtClean="0">
-                <a:solidFill>
-                  <a:schemeClr val="tx1">
-                    <a:lumMod val="65000"/>
-                    <a:lumOff val="35000"/>
-                  </a:schemeClr>
-                </a:solidFill>
-                <a:latin typeface="冬青黑体简体中文 W3" panose="020B0300000000000000" pitchFamily="34" charset="-122"/>
-                <a:ea typeface="冬青黑体简体中文 W3" panose="020B0300000000000000" pitchFamily="34" charset="-122"/>
-                <a:sym typeface="Wingdings" panose="05000000000000000000" pitchFamily="2" charset="2"/>
-              </a:rPr>
-              <a:t>( ) =&gt; { </a:t>
-            </a:r>
-            <a:r>
-              <a:rPr lang="en-US" altLang="zh-CN" dirty="0" smtClean="0">
-                <a:solidFill>
-                  <a:schemeClr val="tx1">
-                    <a:lumMod val="50000"/>
-                    <a:lumOff val="50000"/>
-                  </a:schemeClr>
-                </a:solidFill>
-                <a:latin typeface="冬青黑体简体中文 W3" panose="020B0300000000000000" pitchFamily="34" charset="-122"/>
-                <a:ea typeface="冬青黑体简体中文 W3" panose="020B0300000000000000" pitchFamily="34" charset="-122"/>
-                <a:sym typeface="Wingdings" panose="05000000000000000000" pitchFamily="2" charset="2"/>
-              </a:rPr>
-              <a:t>…</a:t>
-            </a:r>
-            <a:r>
-              <a:rPr lang="en-US" altLang="zh-CN" dirty="0" smtClean="0">
-                <a:solidFill>
-                  <a:schemeClr val="tx1">
-                    <a:lumMod val="65000"/>
-                    <a:lumOff val="35000"/>
-                  </a:schemeClr>
-                </a:solidFill>
-                <a:latin typeface="冬青黑体简体中文 W3" panose="020B0300000000000000" pitchFamily="34" charset="-122"/>
-                <a:ea typeface="冬青黑体简体中文 W3" panose="020B0300000000000000" pitchFamily="34" charset="-122"/>
-                <a:sym typeface="Wingdings" panose="05000000000000000000" pitchFamily="2" charset="2"/>
-              </a:rPr>
-              <a:t> }</a:t>
-            </a:r>
-          </a:p>
-          <a:p>
-            <a:pPr marL="742950" lvl="1" indent="-285750">
-              <a:buFont typeface="Arial" panose="020B0604020202020204" pitchFamily="34" charset="0"/>
-              <a:buChar char="•"/>
-            </a:pPr>
-            <a:endParaRPr lang="en-US" altLang="zh-CN" dirty="0">
-              <a:solidFill>
-                <a:schemeClr val="tx1">
-                  <a:lumMod val="85000"/>
-                  <a:lumOff val="15000"/>
-                </a:schemeClr>
-              </a:solidFill>
-              <a:latin typeface="冬青黑体简体中文 W3" panose="020B0300000000000000" pitchFamily="34" charset="-122"/>
-              <a:ea typeface="冬青黑体简体中文 W3" panose="020B0300000000000000" pitchFamily="34" charset="-122"/>
-              <a:sym typeface="Wingdings" panose="05000000000000000000" pitchFamily="2" charset="2"/>
-            </a:endParaRPr>
-          </a:p>
-          <a:p>
-            <a:pPr marL="285750" indent="-285750">
-              <a:buFont typeface="Arial" panose="020B0604020202020204" pitchFamily="34" charset="0"/>
-              <a:buChar char="•"/>
-            </a:pPr>
-            <a:r>
-              <a:rPr lang="en-US" altLang="zh-CN" dirty="0" smtClean="0">
-                <a:solidFill>
-                  <a:schemeClr val="tx1">
-                    <a:lumMod val="85000"/>
-                    <a:lumOff val="15000"/>
-                  </a:schemeClr>
-                </a:solidFill>
-                <a:latin typeface="冬青黑体简体中文 W3" panose="020B0300000000000000" pitchFamily="34" charset="-122"/>
-                <a:ea typeface="冬青黑体简体中文 W3" panose="020B0300000000000000" pitchFamily="34" charset="-122"/>
-                <a:sym typeface="Wingdings" panose="05000000000000000000" pitchFamily="2" charset="2"/>
-              </a:rPr>
-              <a:t>this</a:t>
-            </a:r>
-            <a:r>
-              <a:rPr lang="zh-CN" altLang="en-US" dirty="0" smtClean="0">
-                <a:solidFill>
-                  <a:schemeClr val="tx1">
-                    <a:lumMod val="85000"/>
-                    <a:lumOff val="15000"/>
-                  </a:schemeClr>
-                </a:solidFill>
-                <a:latin typeface="冬青黑体简体中文 W3" panose="020B0300000000000000" pitchFamily="34" charset="-122"/>
-                <a:ea typeface="冬青黑体简体中文 W3" panose="020B0300000000000000" pitchFamily="34" charset="-122"/>
-                <a:sym typeface="Wingdings" panose="05000000000000000000" pitchFamily="2" charset="2"/>
-              </a:rPr>
-              <a:t>指向问题</a:t>
-            </a:r>
-            <a:endParaRPr lang="en-US" altLang="zh-CN" dirty="0">
-              <a:solidFill>
-                <a:schemeClr val="tx1">
-                  <a:lumMod val="85000"/>
-                  <a:lumOff val="15000"/>
-                </a:schemeClr>
-              </a:solidFill>
-              <a:latin typeface="冬青黑体简体中文 W3" panose="020B0300000000000000" pitchFamily="34" charset="-122"/>
-              <a:ea typeface="冬青黑体简体中文 W3" panose="020B0300000000000000" pitchFamily="34" charset="-122"/>
-              <a:sym typeface="Wingdings" panose="05000000000000000000" pitchFamily="2" charset="2"/>
-            </a:endParaRPr>
-          </a:p>
-          <a:p>
-            <a:pPr marL="285750" indent="-285750">
-              <a:buFont typeface="Arial" panose="020B0604020202020204" pitchFamily="34" charset="0"/>
-              <a:buChar char="•"/>
-            </a:pPr>
-            <a:endParaRPr lang="en-US" altLang="zh-CN" dirty="0" smtClean="0">
-              <a:solidFill>
-                <a:schemeClr val="tx1">
-                  <a:lumMod val="85000"/>
-                  <a:lumOff val="15000"/>
-                </a:schemeClr>
-              </a:solidFill>
-              <a:latin typeface="冬青黑体简体中文 W3" panose="020B0300000000000000" pitchFamily="34" charset="-122"/>
-              <a:ea typeface="冬青黑体简体中文 W3" panose="020B0300000000000000" pitchFamily="34" charset="-122"/>
-              <a:sym typeface="Wingdings" panose="05000000000000000000" pitchFamily="2" charset="2"/>
-            </a:endParaRPr>
-          </a:p>
-          <a:p>
-            <a:pPr lvl="1"/>
-            <a:r>
-              <a:rPr lang="zh-CN" altLang="en-US" dirty="0" smtClean="0">
-                <a:solidFill>
-                  <a:schemeClr val="tx1">
-                    <a:lumMod val="65000"/>
-                    <a:lumOff val="35000"/>
-                  </a:schemeClr>
-                </a:solidFill>
-                <a:latin typeface="冬青黑体简体中文 W3" panose="020B0300000000000000" pitchFamily="34" charset="-122"/>
-                <a:ea typeface="冬青黑体简体中文 W3" panose="020B0300000000000000" pitchFamily="34" charset="-122"/>
-                <a:sym typeface="Wingdings" panose="05000000000000000000" pitchFamily="2" charset="2"/>
-              </a:rPr>
-              <a:t>箭头函数自身没有</a:t>
-            </a:r>
-            <a:r>
-              <a:rPr lang="en-US" altLang="zh-CN" dirty="0" smtClean="0">
-                <a:solidFill>
-                  <a:schemeClr val="tx1">
-                    <a:lumMod val="65000"/>
-                    <a:lumOff val="35000"/>
-                  </a:schemeClr>
-                </a:solidFill>
-                <a:latin typeface="冬青黑体简体中文 W3" panose="020B0300000000000000" pitchFamily="34" charset="-122"/>
-                <a:ea typeface="冬青黑体简体中文 W3" panose="020B0300000000000000" pitchFamily="34" charset="-122"/>
-                <a:sym typeface="Wingdings" panose="05000000000000000000" pitchFamily="2" charset="2"/>
-              </a:rPr>
-              <a:t>this</a:t>
-            </a:r>
-            <a:r>
-              <a:rPr lang="zh-CN" altLang="en-US" dirty="0" smtClean="0">
-                <a:solidFill>
-                  <a:schemeClr val="tx1">
-                    <a:lumMod val="65000"/>
-                    <a:lumOff val="35000"/>
-                  </a:schemeClr>
-                </a:solidFill>
-                <a:latin typeface="冬青黑体简体中文 W3" panose="020B0300000000000000" pitchFamily="34" charset="-122"/>
-                <a:ea typeface="冬青黑体简体中文 W3" panose="020B0300000000000000" pitchFamily="34" charset="-122"/>
-                <a:sym typeface="Wingdings" panose="05000000000000000000" pitchFamily="2" charset="2"/>
-              </a:rPr>
-              <a:t>绑定，依赖于</a:t>
-            </a:r>
-            <a:r>
-              <a:rPr lang="zh-CN" altLang="en-US" dirty="0" smtClean="0">
-                <a:solidFill>
-                  <a:srgbClr val="C00000"/>
-                </a:solidFill>
-                <a:latin typeface="冬青黑体简体中文 W3" panose="020B0300000000000000" pitchFamily="34" charset="-122"/>
-                <a:ea typeface="冬青黑体简体中文 W3" panose="020B0300000000000000" pitchFamily="34" charset="-122"/>
-                <a:sym typeface="Wingdings" panose="05000000000000000000" pitchFamily="2" charset="2"/>
-              </a:rPr>
-              <a:t>父级作用域</a:t>
-            </a:r>
-            <a:r>
-              <a:rPr lang="zh-CN" altLang="en-US" dirty="0" smtClean="0">
-                <a:solidFill>
-                  <a:schemeClr val="tx1">
-                    <a:lumMod val="65000"/>
-                    <a:lumOff val="35000"/>
-                  </a:schemeClr>
-                </a:solidFill>
-                <a:latin typeface="冬青黑体简体中文 W3" panose="020B0300000000000000" pitchFamily="34" charset="-122"/>
-                <a:ea typeface="冬青黑体简体中文 W3" panose="020B0300000000000000" pitchFamily="34" charset="-122"/>
-                <a:sym typeface="Wingdings" panose="05000000000000000000" pitchFamily="2" charset="2"/>
-              </a:rPr>
-              <a:t>中的</a:t>
-            </a:r>
-            <a:r>
-              <a:rPr lang="en-US" altLang="zh-CN" dirty="0" smtClean="0">
-                <a:solidFill>
-                  <a:schemeClr val="tx1">
-                    <a:lumMod val="65000"/>
-                    <a:lumOff val="35000"/>
-                  </a:schemeClr>
-                </a:solidFill>
-                <a:latin typeface="冬青黑体简体中文 W3" panose="020B0300000000000000" pitchFamily="34" charset="-122"/>
-                <a:ea typeface="冬青黑体简体中文 W3" panose="020B0300000000000000" pitchFamily="34" charset="-122"/>
-                <a:sym typeface="Wingdings" panose="05000000000000000000" pitchFamily="2" charset="2"/>
-              </a:rPr>
-              <a:t>this</a:t>
-            </a:r>
-            <a:r>
-              <a:rPr lang="zh-CN" altLang="en-US" dirty="0" smtClean="0">
-                <a:solidFill>
-                  <a:schemeClr val="tx1">
-                    <a:lumMod val="65000"/>
-                    <a:lumOff val="35000"/>
-                  </a:schemeClr>
-                </a:solidFill>
-                <a:latin typeface="冬青黑体简体中文 W3" panose="020B0300000000000000" pitchFamily="34" charset="-122"/>
-                <a:ea typeface="冬青黑体简体中文 W3" panose="020B0300000000000000" pitchFamily="34" charset="-122"/>
-                <a:sym typeface="Wingdings" panose="05000000000000000000" pitchFamily="2" charset="2"/>
-              </a:rPr>
-              <a:t>。</a:t>
-            </a:r>
-            <a:endParaRPr lang="en-US" altLang="zh-CN" dirty="0" smtClean="0">
-              <a:solidFill>
-                <a:schemeClr val="tx1">
-                  <a:lumMod val="65000"/>
-                  <a:lumOff val="35000"/>
-                </a:schemeClr>
-              </a:solidFill>
-              <a:latin typeface="冬青黑体简体中文 W3" panose="020B0300000000000000" pitchFamily="34" charset="-122"/>
-              <a:ea typeface="冬青黑体简体中文 W3" panose="020B0300000000000000" pitchFamily="34" charset="-122"/>
-              <a:sym typeface="Wingdings" panose="05000000000000000000" pitchFamily="2" charset="2"/>
-            </a:endParaRPr>
-          </a:p>
-        </p:txBody>
-      </p:sp>
-    </p:spTree>
-    <p:extLst>
-      <p:ext uri="{BB962C8B-B14F-4D97-AF65-F5344CB8AC3E}">
-        <p14:creationId xmlns:p14="http://schemas.microsoft.com/office/powerpoint/2010/main" val="3419259026"/>
-      </p:ext>
-    </p:extLst>
-  </p:cSld>
-  <p:clrMapOvr>
-    <a:masterClrMapping/>
-  </p:clrMapOvr>
-  <mc:AlternateContent xmlns:mc="http://schemas.openxmlformats.org/markup-compatibility/2006">
-    <mc:Choice xmlns:p14="http://schemas.microsoft.com/office/powerpoint/2010/main" Requires="p14">
-      <p:transition p14:dur="0" advTm="9938"/>
-    </mc:Choice>
-    <mc:Fallback>
-      <p:transition advTm="9938"/>
-    </mc:Fallback>
-  </mc:AlternateContent>
-  <p:timing>
-    <p:tnLst>
-      <p:par>
-        <p:cTn id="1" dur="indefinite" restart="never" nodeType="tmRoot"/>
-      </p:par>
-    </p:tnLst>
-  </p:timing>
-</p:sld>
-</file>
-
-<file path=ppt/slides/slide13.xml><?xml version="1.0" encoding="utf-8"?>
-<p:sld xmlns:a="http://schemas.openxmlformats.org/drawingml/2006/main" xmlns:r="http://schemas.openxmlformats.org/officeDocument/2006/relationships" xmlns:p="http://schemas.openxmlformats.org/presentationml/2006/main">
-  <p:cSld>
-    <p:spTree>
-      <p:nvGrpSpPr>
-        <p:cNvPr id="1" name=""/>
-        <p:cNvGrpSpPr/>
-        <p:nvPr/>
-      </p:nvGrpSpPr>
-      <p:grpSpPr>
-        <a:xfrm>
-          <a:off x="0" y="0"/>
-          <a:ext cx="0" cy="0"/>
-          <a:chOff x="0" y="0"/>
-          <a:chExt cx="0" cy="0"/>
-        </a:xfrm>
-      </p:grpSpPr>
-      <p:sp>
-        <p:nvSpPr>
-          <p:cNvPr id="2" name="标题 1"/>
-          <p:cNvSpPr>
-            <a:spLocks noGrp="1"/>
-          </p:cNvSpPr>
-          <p:nvPr>
-            <p:ph type="title"/>
-          </p:nvPr>
-        </p:nvSpPr>
-        <p:spPr>
-          <a:xfrm>
-            <a:off x="155340" y="-10855"/>
-            <a:ext cx="12192000" cy="1122096"/>
-          </a:xfrm>
-        </p:spPr>
-        <p:txBody>
-          <a:bodyPr/>
-          <a:lstStyle/>
-          <a:p>
-            <a:r>
-              <a:rPr lang="zh-CN" altLang="en-US" dirty="0"/>
-              <a:t>代</a:t>
-            </a:r>
-            <a:r>
-              <a:rPr lang="zh-CN" altLang="en-US" dirty="0" smtClean="0"/>
-              <a:t>码示例</a:t>
-            </a:r>
-            <a:endParaRPr lang="zh-CN" altLang="en-US" dirty="0"/>
-          </a:p>
-        </p:txBody>
-      </p:sp>
-      <p:pic>
-        <p:nvPicPr>
-          <p:cNvPr id="5" name="图片 4"/>
-          <p:cNvPicPr>
-            <a:picLocks noChangeAspect="1"/>
-          </p:cNvPicPr>
-          <p:nvPr/>
-        </p:nvPicPr>
-        <p:blipFill>
-          <a:blip r:embed="rId2"/>
-          <a:stretch>
-            <a:fillRect/>
-          </a:stretch>
-        </p:blipFill>
-        <p:spPr>
-          <a:xfrm>
-            <a:off x="0" y="1263669"/>
-            <a:ext cx="12192000" cy="5527655"/>
-          </a:xfrm>
-          <a:prstGeom prst="rect">
-            <a:avLst/>
-          </a:prstGeom>
-        </p:spPr>
-      </p:pic>
-    </p:spTree>
-    <p:extLst>
-      <p:ext uri="{BB962C8B-B14F-4D97-AF65-F5344CB8AC3E}">
-        <p14:creationId xmlns:p14="http://schemas.microsoft.com/office/powerpoint/2010/main" val="229835491"/>
-      </p:ext>
-    </p:extLst>
-  </p:cSld>
-  <p:clrMapOvr>
-    <a:masterClrMapping/>
-  </p:clrMapOvr>
-  <mc:AlternateContent xmlns:mc="http://schemas.openxmlformats.org/markup-compatibility/2006">
-    <mc:Choice xmlns:p14="http://schemas.microsoft.com/office/powerpoint/2010/main" Requires="p14">
-      <p:transition p14:dur="0" advTm="9938"/>
-    </mc:Choice>
-    <mc:Fallback>
-      <p:transition advTm="9938"/>
-    </mc:Fallback>
-  </mc:AlternateContent>
-  <p:timing>
-    <p:tnLst>
-      <p:par>
-        <p:cTn id="1" dur="indefinite" restart="never" nodeType="tmRoot"/>
-      </p:par>
-    </p:tnLst>
-  </p:timing>
-</p:sld>
-</file>
-
-<file path=ppt/slides/slide14.xml><?xml version="1.0" encoding="utf-8"?>
-<p:sld xmlns:a="http://schemas.openxmlformats.org/drawingml/2006/main" xmlns:r="http://schemas.openxmlformats.org/officeDocument/2006/relationships" xmlns:p="http://schemas.openxmlformats.org/presentationml/2006/main">
-  <p:cSld>
-    <p:spTree>
-      <p:nvGrpSpPr>
-        <p:cNvPr id="1" name=""/>
-        <p:cNvGrpSpPr/>
-        <p:nvPr/>
-      </p:nvGrpSpPr>
-      <p:grpSpPr>
-        <a:xfrm>
-          <a:off x="0" y="0"/>
-          <a:ext cx="0" cy="0"/>
-          <a:chOff x="0" y="0"/>
-          <a:chExt cx="0" cy="0"/>
-        </a:xfrm>
-      </p:grpSpPr>
-      <p:sp>
-        <p:nvSpPr>
-          <p:cNvPr id="2" name="标题 1"/>
-          <p:cNvSpPr>
-            <a:spLocks noGrp="1"/>
-          </p:cNvSpPr>
-          <p:nvPr>
-            <p:ph type="title"/>
-          </p:nvPr>
-        </p:nvSpPr>
-        <p:spPr>
-          <a:xfrm>
-            <a:off x="0" y="459945"/>
-            <a:ext cx="12192000" cy="1122096"/>
-          </a:xfrm>
-        </p:spPr>
-        <p:txBody>
-          <a:bodyPr/>
-          <a:lstStyle/>
-          <a:p>
-            <a:r>
-              <a:rPr lang="zh-CN" altLang="en-US" dirty="0" smtClean="0"/>
-              <a:t>改变</a:t>
-            </a:r>
-            <a:r>
-              <a:rPr lang="en-US" altLang="zh-CN" dirty="0" smtClean="0"/>
-              <a:t>this</a:t>
-            </a:r>
-            <a:r>
-              <a:rPr lang="zh-CN" altLang="en-US" dirty="0" smtClean="0"/>
-              <a:t>的三个方法</a:t>
-            </a:r>
-            <a:endParaRPr lang="zh-CN" altLang="en-US" dirty="0"/>
-          </a:p>
-        </p:txBody>
-      </p:sp>
-      <p:sp>
-        <p:nvSpPr>
-          <p:cNvPr id="3" name="文本占位符 2"/>
-          <p:cNvSpPr>
-            <a:spLocks noGrp="1"/>
-          </p:cNvSpPr>
-          <p:nvPr>
-            <p:ph type="body" sz="quarter" idx="10"/>
-          </p:nvPr>
-        </p:nvSpPr>
-        <p:spPr/>
-        <p:txBody>
-          <a:bodyPr>
-            <a:normAutofit/>
-          </a:bodyPr>
-          <a:lstStyle/>
-          <a:p>
-            <a:pPr marL="342900" indent="-342900">
-              <a:buFont typeface="+mj-lt"/>
-              <a:buAutoNum type="arabicPeriod"/>
-            </a:pPr>
-            <a:r>
-              <a:rPr lang="en-US" altLang="zh-CN" dirty="0" smtClean="0">
-                <a:solidFill>
-                  <a:schemeClr val="tx1">
-                    <a:lumMod val="85000"/>
-                    <a:lumOff val="15000"/>
-                  </a:schemeClr>
-                </a:solidFill>
-              </a:rPr>
-              <a:t>call</a:t>
-            </a:r>
-            <a:r>
-              <a:rPr lang="zh-CN" altLang="en-US" dirty="0" smtClean="0">
-                <a:solidFill>
-                  <a:schemeClr val="tx1">
-                    <a:lumMod val="85000"/>
-                    <a:lumOff val="15000"/>
-                  </a:schemeClr>
-                </a:solidFill>
-              </a:rPr>
-              <a:t>、</a:t>
-            </a:r>
-            <a:r>
-              <a:rPr lang="en-US" altLang="zh-CN" dirty="0" smtClean="0">
-                <a:solidFill>
-                  <a:schemeClr val="tx1">
-                    <a:lumMod val="85000"/>
-                    <a:lumOff val="15000"/>
-                  </a:schemeClr>
-                </a:solidFill>
-              </a:rPr>
-              <a:t>apply</a:t>
-            </a:r>
-            <a:r>
-              <a:rPr lang="zh-CN" altLang="en-US" dirty="0" smtClean="0">
-                <a:solidFill>
-                  <a:schemeClr val="tx1">
-                    <a:lumMod val="85000"/>
-                    <a:lumOff val="15000"/>
-                  </a:schemeClr>
-                </a:solidFill>
-              </a:rPr>
-              <a:t>方法：</a:t>
-            </a:r>
-            <a:endParaRPr lang="en-US" altLang="zh-CN" dirty="0" smtClean="0">
-              <a:solidFill>
-                <a:schemeClr val="tx1">
-                  <a:lumMod val="85000"/>
-                  <a:lumOff val="15000"/>
-                </a:schemeClr>
-              </a:solidFill>
-            </a:endParaRPr>
-          </a:p>
-          <a:p>
-            <a:pPr marL="342900" indent="-342900">
-              <a:buFont typeface="+mj-lt"/>
-              <a:buAutoNum type="arabicPeriod"/>
-            </a:pPr>
-            <a:endParaRPr lang="en-US" altLang="zh-CN" dirty="0">
-              <a:solidFill>
-                <a:schemeClr val="tx1">
-                  <a:lumMod val="85000"/>
-                  <a:lumOff val="15000"/>
-                </a:schemeClr>
-              </a:solidFill>
-            </a:endParaRPr>
-          </a:p>
-          <a:p>
-            <a:pPr marL="1028700" lvl="1">
-              <a:buFont typeface="Arial" panose="020B0604020202020204" pitchFamily="34" charset="0"/>
-              <a:buChar char="•"/>
-            </a:pPr>
-            <a:r>
-              <a:rPr lang="zh-CN" altLang="en-US" sz="1800" dirty="0">
-                <a:solidFill>
-                  <a:schemeClr val="tx1">
-                    <a:lumMod val="65000"/>
-                    <a:lumOff val="35000"/>
-                  </a:schemeClr>
-                </a:solidFill>
-                <a:latin typeface="冬青黑体简体中文 W3" panose="020B0300000000000000" pitchFamily="34" charset="-122"/>
-                <a:ea typeface="冬青黑体简体中文 W3" panose="020B0300000000000000" pitchFamily="34" charset="-122"/>
-              </a:rPr>
-              <a:t>共同点：调用一个具有给定</a:t>
-            </a:r>
-            <a:r>
-              <a:rPr lang="en-US" altLang="zh-CN" sz="1800" dirty="0">
-                <a:solidFill>
-                  <a:schemeClr val="tx1">
-                    <a:lumMod val="65000"/>
-                    <a:lumOff val="35000"/>
-                  </a:schemeClr>
-                </a:solidFill>
-                <a:latin typeface="冬青黑体简体中文 W3" panose="020B0300000000000000" pitchFamily="34" charset="-122"/>
-                <a:ea typeface="冬青黑体简体中文 W3" panose="020B0300000000000000" pitchFamily="34" charset="-122"/>
-              </a:rPr>
-              <a:t>this</a:t>
-            </a:r>
-            <a:r>
-              <a:rPr lang="zh-CN" altLang="en-US" sz="1800" dirty="0">
-                <a:solidFill>
-                  <a:schemeClr val="tx1">
-                    <a:lumMod val="65000"/>
-                    <a:lumOff val="35000"/>
-                  </a:schemeClr>
-                </a:solidFill>
-                <a:latin typeface="冬青黑体简体中文 W3" panose="020B0300000000000000" pitchFamily="34" charset="-122"/>
-                <a:ea typeface="冬青黑体简体中文 W3" panose="020B0300000000000000" pitchFamily="34" charset="-122"/>
-              </a:rPr>
-              <a:t>值的函数 ，并为其提供参数。</a:t>
-            </a:r>
-            <a:endParaRPr lang="en-US" altLang="zh-CN" sz="1800" dirty="0">
-              <a:solidFill>
-                <a:schemeClr val="tx1">
-                  <a:lumMod val="65000"/>
-                  <a:lumOff val="35000"/>
-                </a:schemeClr>
-              </a:solidFill>
-              <a:latin typeface="冬青黑体简体中文 W3" panose="020B0300000000000000" pitchFamily="34" charset="-122"/>
-              <a:ea typeface="冬青黑体简体中文 W3" panose="020B0300000000000000" pitchFamily="34" charset="-122"/>
-            </a:endParaRPr>
-          </a:p>
-          <a:p>
-            <a:pPr marL="1028700" lvl="1">
-              <a:buFont typeface="Arial" panose="020B0604020202020204" pitchFamily="34" charset="0"/>
-              <a:buChar char="•"/>
-            </a:pPr>
-            <a:r>
-              <a:rPr lang="zh-CN" altLang="en-US" sz="1800" dirty="0">
-                <a:solidFill>
-                  <a:schemeClr val="tx1">
-                    <a:lumMod val="65000"/>
-                    <a:lumOff val="35000"/>
-                  </a:schemeClr>
-                </a:solidFill>
-                <a:latin typeface="冬青黑体简体中文 W3" panose="020B0300000000000000" pitchFamily="34" charset="-122"/>
-                <a:ea typeface="冬青黑体简体中文 W3" panose="020B0300000000000000" pitchFamily="34" charset="-122"/>
-              </a:rPr>
-              <a:t>不同点：</a:t>
-            </a:r>
-            <a:endParaRPr lang="en-US" altLang="zh-CN" sz="1800" dirty="0">
-              <a:solidFill>
-                <a:schemeClr val="tx1">
-                  <a:lumMod val="65000"/>
-                  <a:lumOff val="35000"/>
-                </a:schemeClr>
-              </a:solidFill>
-              <a:latin typeface="冬青黑体简体中文 W3" panose="020B0300000000000000" pitchFamily="34" charset="-122"/>
-              <a:ea typeface="冬青黑体简体中文 W3" panose="020B0300000000000000" pitchFamily="34" charset="-122"/>
-            </a:endParaRPr>
-          </a:p>
-          <a:p>
-            <a:pPr marL="1428750" lvl="2"/>
-            <a:r>
-              <a:rPr lang="en-US" altLang="zh-CN" sz="1800" dirty="0">
-                <a:solidFill>
-                  <a:schemeClr val="tx1">
-                    <a:lumMod val="65000"/>
-                    <a:lumOff val="35000"/>
-                  </a:schemeClr>
-                </a:solidFill>
-                <a:latin typeface="冬青黑体简体中文 W3" panose="020B0300000000000000" pitchFamily="34" charset="-122"/>
-                <a:ea typeface="冬青黑体简体中文 W3" panose="020B0300000000000000" pitchFamily="34" charset="-122"/>
-              </a:rPr>
-              <a:t>call</a:t>
-            </a:r>
-            <a:r>
-              <a:rPr lang="zh-CN" altLang="en-US" sz="1800" dirty="0">
-                <a:solidFill>
-                  <a:schemeClr val="tx1">
-                    <a:lumMod val="65000"/>
-                    <a:lumOff val="35000"/>
-                  </a:schemeClr>
-                </a:solidFill>
-                <a:latin typeface="冬青黑体简体中文 W3" panose="020B0300000000000000" pitchFamily="34" charset="-122"/>
-                <a:ea typeface="冬青黑体简体中文 W3" panose="020B0300000000000000" pitchFamily="34" charset="-122"/>
-              </a:rPr>
-              <a:t>方法：</a:t>
-            </a:r>
-            <a:r>
-              <a:rPr lang="en-US" altLang="zh-CN" sz="1800" dirty="0">
-                <a:solidFill>
-                  <a:schemeClr val="tx1">
-                    <a:lumMod val="65000"/>
-                    <a:lumOff val="35000"/>
-                  </a:schemeClr>
-                </a:solidFill>
-                <a:latin typeface="冬青黑体简体中文 W3" panose="020B0300000000000000" pitchFamily="34" charset="-122"/>
-                <a:ea typeface="冬青黑体简体中文 W3" panose="020B0300000000000000" pitchFamily="34" charset="-122"/>
-              </a:rPr>
-              <a:t>fn.call( thisArg, </a:t>
-            </a:r>
-            <a:r>
-              <a:rPr lang="en-US" altLang="zh-CN" sz="1800" dirty="0">
-                <a:solidFill>
-                  <a:srgbClr val="C00000"/>
-                </a:solidFill>
-                <a:latin typeface="冬青黑体简体中文 W3" panose="020B0300000000000000" pitchFamily="34" charset="-122"/>
-                <a:ea typeface="冬青黑体简体中文 W3" panose="020B0300000000000000" pitchFamily="34" charset="-122"/>
-              </a:rPr>
-              <a:t>arg1, arg2, arg3, ... </a:t>
-            </a:r>
-            <a:r>
-              <a:rPr lang="en-US" altLang="zh-CN" sz="1800" dirty="0">
-                <a:solidFill>
-                  <a:schemeClr val="tx1">
-                    <a:lumMod val="65000"/>
-                    <a:lumOff val="35000"/>
-                  </a:schemeClr>
-                </a:solidFill>
-                <a:latin typeface="冬青黑体简体中文 W3" panose="020B0300000000000000" pitchFamily="34" charset="-122"/>
-                <a:ea typeface="冬青黑体简体中文 W3" panose="020B0300000000000000" pitchFamily="34" charset="-122"/>
-              </a:rPr>
-              <a:t>) </a:t>
-            </a:r>
-            <a:r>
-              <a:rPr lang="zh-CN" altLang="en-US" sz="1800" dirty="0">
-                <a:solidFill>
-                  <a:schemeClr val="tx1">
-                    <a:lumMod val="65000"/>
-                    <a:lumOff val="35000"/>
-                  </a:schemeClr>
-                </a:solidFill>
-                <a:latin typeface="冬青黑体简体中文 W3" panose="020B0300000000000000" pitchFamily="34" charset="-122"/>
-                <a:ea typeface="冬青黑体简体中文 W3" panose="020B0300000000000000" pitchFamily="34" charset="-122"/>
-              </a:rPr>
-              <a:t>传递给 </a:t>
-            </a:r>
-            <a:r>
-              <a:rPr lang="en-US" altLang="zh-CN" sz="1800" dirty="0">
-                <a:solidFill>
-                  <a:srgbClr val="C00000"/>
-                </a:solidFill>
-                <a:latin typeface="冬青黑体简体中文 W3" panose="020B0300000000000000" pitchFamily="34" charset="-122"/>
-                <a:ea typeface="冬青黑体简体中文 W3" panose="020B0300000000000000" pitchFamily="34" charset="-122"/>
-              </a:rPr>
-              <a:t>fn </a:t>
-            </a:r>
-            <a:r>
-              <a:rPr lang="zh-CN" altLang="en-US" sz="1800" dirty="0">
-                <a:solidFill>
-                  <a:schemeClr val="tx1">
-                    <a:lumMod val="65000"/>
-                    <a:lumOff val="35000"/>
-                  </a:schemeClr>
-                </a:solidFill>
-                <a:latin typeface="冬青黑体简体中文 W3" panose="020B0300000000000000" pitchFamily="34" charset="-122"/>
-                <a:ea typeface="冬青黑体简体中文 W3" panose="020B0300000000000000" pitchFamily="34" charset="-122"/>
-              </a:rPr>
-              <a:t>函数的是一个</a:t>
-            </a:r>
-            <a:r>
-              <a:rPr lang="zh-CN" altLang="en-US" sz="1800" dirty="0">
-                <a:solidFill>
-                  <a:srgbClr val="C00000"/>
-                </a:solidFill>
-                <a:latin typeface="冬青黑体简体中文 W3" panose="020B0300000000000000" pitchFamily="34" charset="-122"/>
-                <a:ea typeface="冬青黑体简体中文 W3" panose="020B0300000000000000" pitchFamily="34" charset="-122"/>
-              </a:rPr>
-              <a:t>参数列表</a:t>
-            </a:r>
-            <a:r>
-              <a:rPr lang="zh-CN" altLang="en-US" sz="1800" dirty="0">
-                <a:solidFill>
-                  <a:schemeClr val="tx1">
-                    <a:lumMod val="65000"/>
-                    <a:lumOff val="35000"/>
-                  </a:schemeClr>
-                </a:solidFill>
-                <a:latin typeface="冬青黑体简体中文 W3" panose="020B0300000000000000" pitchFamily="34" charset="-122"/>
-                <a:ea typeface="冬青黑体简体中文 W3" panose="020B0300000000000000" pitchFamily="34" charset="-122"/>
-              </a:rPr>
-              <a:t>。</a:t>
-            </a:r>
-            <a:endParaRPr lang="en-US" altLang="zh-CN" sz="1800" dirty="0">
-              <a:solidFill>
-                <a:schemeClr val="tx1">
-                  <a:lumMod val="65000"/>
-                  <a:lumOff val="35000"/>
-                </a:schemeClr>
-              </a:solidFill>
-              <a:latin typeface="冬青黑体简体中文 W3" panose="020B0300000000000000" pitchFamily="34" charset="-122"/>
-              <a:ea typeface="冬青黑体简体中文 W3" panose="020B0300000000000000" pitchFamily="34" charset="-122"/>
-            </a:endParaRPr>
-          </a:p>
-          <a:p>
-            <a:pPr marL="1428750" lvl="2"/>
-            <a:r>
-              <a:rPr lang="en-US" altLang="zh-CN" sz="1800" dirty="0">
-                <a:solidFill>
-                  <a:schemeClr val="tx1">
-                    <a:lumMod val="65000"/>
-                    <a:lumOff val="35000"/>
-                  </a:schemeClr>
-                </a:solidFill>
-                <a:latin typeface="冬青黑体简体中文 W3" panose="020B0300000000000000" pitchFamily="34" charset="-122"/>
-                <a:ea typeface="冬青黑体简体中文 W3" panose="020B0300000000000000" pitchFamily="34" charset="-122"/>
-              </a:rPr>
-              <a:t>apply</a:t>
-            </a:r>
-            <a:r>
-              <a:rPr lang="zh-CN" altLang="en-US" sz="1800" dirty="0">
-                <a:solidFill>
-                  <a:schemeClr val="tx1">
-                    <a:lumMod val="65000"/>
-                    <a:lumOff val="35000"/>
-                  </a:schemeClr>
-                </a:solidFill>
-                <a:latin typeface="冬青黑体简体中文 W3" panose="020B0300000000000000" pitchFamily="34" charset="-122"/>
-                <a:ea typeface="冬青黑体简体中文 W3" panose="020B0300000000000000" pitchFamily="34" charset="-122"/>
-              </a:rPr>
-              <a:t>方法：</a:t>
-            </a:r>
-            <a:r>
-              <a:rPr lang="en-US" altLang="zh-CN" sz="1800" dirty="0">
-                <a:solidFill>
-                  <a:schemeClr val="tx1">
-                    <a:lumMod val="65000"/>
-                    <a:lumOff val="35000"/>
-                  </a:schemeClr>
-                </a:solidFill>
-                <a:latin typeface="冬青黑体简体中文 W3" panose="020B0300000000000000" pitchFamily="34" charset="-122"/>
-                <a:ea typeface="冬青黑体简体中文 W3" panose="020B0300000000000000" pitchFamily="34" charset="-122"/>
-              </a:rPr>
-              <a:t>fn.call( thisArg, </a:t>
-            </a:r>
-            <a:r>
-              <a:rPr lang="en-US" altLang="zh-CN" sz="1800" dirty="0">
-                <a:solidFill>
-                  <a:srgbClr val="C00000"/>
-                </a:solidFill>
-                <a:latin typeface="冬青黑体简体中文 W3" panose="020B0300000000000000" pitchFamily="34" charset="-122"/>
-                <a:ea typeface="冬青黑体简体中文 W3" panose="020B0300000000000000" pitchFamily="34" charset="-122"/>
-              </a:rPr>
-              <a:t>[arg1, arg2, arg3, ...] </a:t>
-            </a:r>
-            <a:r>
-              <a:rPr lang="en-US" altLang="zh-CN" sz="1800" dirty="0">
-                <a:solidFill>
-                  <a:schemeClr val="tx1">
-                    <a:lumMod val="65000"/>
-                    <a:lumOff val="35000"/>
-                  </a:schemeClr>
-                </a:solidFill>
-                <a:latin typeface="冬青黑体简体中文 W3" panose="020B0300000000000000" pitchFamily="34" charset="-122"/>
-                <a:ea typeface="冬青黑体简体中文 W3" panose="020B0300000000000000" pitchFamily="34" charset="-122"/>
-              </a:rPr>
-              <a:t>) </a:t>
-            </a:r>
-            <a:r>
-              <a:rPr lang="zh-CN" altLang="en-US" sz="1800" dirty="0">
-                <a:solidFill>
-                  <a:schemeClr val="tx1">
-                    <a:lumMod val="65000"/>
-                    <a:lumOff val="35000"/>
-                  </a:schemeClr>
-                </a:solidFill>
-                <a:latin typeface="冬青黑体简体中文 W3" panose="020B0300000000000000" pitchFamily="34" charset="-122"/>
-                <a:ea typeface="冬青黑体简体中文 W3" panose="020B0300000000000000" pitchFamily="34" charset="-122"/>
-              </a:rPr>
-              <a:t>传递给</a:t>
-            </a:r>
-            <a:r>
-              <a:rPr lang="en-US" altLang="zh-CN" sz="1800" dirty="0">
-                <a:solidFill>
-                  <a:schemeClr val="tx1">
-                    <a:lumMod val="65000"/>
-                    <a:lumOff val="35000"/>
-                  </a:schemeClr>
-                </a:solidFill>
-                <a:latin typeface="冬青黑体简体中文 W3" panose="020B0300000000000000" pitchFamily="34" charset="-122"/>
-                <a:ea typeface="冬青黑体简体中文 W3" panose="020B0300000000000000" pitchFamily="34" charset="-122"/>
-              </a:rPr>
-              <a:t> </a:t>
-            </a:r>
-            <a:r>
-              <a:rPr lang="en-US" altLang="zh-CN" sz="1800" dirty="0">
-                <a:solidFill>
-                  <a:srgbClr val="C00000"/>
-                </a:solidFill>
-                <a:latin typeface="冬青黑体简体中文 W3" panose="020B0300000000000000" pitchFamily="34" charset="-122"/>
-                <a:ea typeface="冬青黑体简体中文 W3" panose="020B0300000000000000" pitchFamily="34" charset="-122"/>
-              </a:rPr>
-              <a:t>fn</a:t>
-            </a:r>
-            <a:r>
-              <a:rPr lang="en-US" altLang="zh-CN" sz="1800" dirty="0">
-                <a:solidFill>
-                  <a:schemeClr val="tx1">
-                    <a:lumMod val="65000"/>
-                    <a:lumOff val="35000"/>
-                  </a:schemeClr>
-                </a:solidFill>
-                <a:latin typeface="冬青黑体简体中文 W3" panose="020B0300000000000000" pitchFamily="34" charset="-122"/>
-                <a:ea typeface="冬青黑体简体中文 W3" panose="020B0300000000000000" pitchFamily="34" charset="-122"/>
-              </a:rPr>
-              <a:t> </a:t>
-            </a:r>
-            <a:r>
-              <a:rPr lang="zh-CN" altLang="en-US" sz="1800" dirty="0">
-                <a:solidFill>
-                  <a:schemeClr val="tx1">
-                    <a:lumMod val="65000"/>
-                    <a:lumOff val="35000"/>
-                  </a:schemeClr>
-                </a:solidFill>
-                <a:latin typeface="冬青黑体简体中文 W3" panose="020B0300000000000000" pitchFamily="34" charset="-122"/>
-                <a:ea typeface="冬青黑体简体中文 W3" panose="020B0300000000000000" pitchFamily="34" charset="-122"/>
-              </a:rPr>
-              <a:t>函数的是一个 </a:t>
-            </a:r>
-            <a:r>
-              <a:rPr lang="zh-CN" altLang="en-US" sz="1800" dirty="0">
-                <a:solidFill>
-                  <a:srgbClr val="C00000"/>
-                </a:solidFill>
-                <a:latin typeface="冬青黑体简体中文 W3" panose="020B0300000000000000" pitchFamily="34" charset="-122"/>
-                <a:ea typeface="冬青黑体简体中文 W3" panose="020B0300000000000000" pitchFamily="34" charset="-122"/>
-              </a:rPr>
-              <a:t>数组</a:t>
-            </a:r>
-            <a:r>
-              <a:rPr lang="zh-CN" altLang="en-US" sz="1800" dirty="0">
-                <a:solidFill>
-                  <a:schemeClr val="tx1">
-                    <a:lumMod val="65000"/>
-                    <a:lumOff val="35000"/>
-                  </a:schemeClr>
-                </a:solidFill>
-                <a:latin typeface="冬青黑体简体中文 W3" panose="020B0300000000000000" pitchFamily="34" charset="-122"/>
-                <a:ea typeface="冬青黑体简体中文 W3" panose="020B0300000000000000" pitchFamily="34" charset="-122"/>
-              </a:rPr>
-              <a:t>（</a:t>
-            </a:r>
-            <a:r>
-              <a:rPr lang="zh-CN" altLang="en-US" sz="1800" dirty="0">
-                <a:solidFill>
-                  <a:schemeClr val="tx1">
-                    <a:lumMod val="50000"/>
-                    <a:lumOff val="50000"/>
-                  </a:schemeClr>
-                </a:solidFill>
-                <a:latin typeface="冬青黑体简体中文 W3" panose="020B0300000000000000" pitchFamily="34" charset="-122"/>
-                <a:ea typeface="冬青黑体简体中文 W3" panose="020B0300000000000000" pitchFamily="34" charset="-122"/>
-              </a:rPr>
-              <a:t>或类数组对象</a:t>
-            </a:r>
-            <a:r>
-              <a:rPr lang="zh-CN" altLang="en-US" sz="1800" dirty="0" smtClean="0">
-                <a:solidFill>
-                  <a:schemeClr val="tx1">
-                    <a:lumMod val="65000"/>
-                    <a:lumOff val="35000"/>
-                  </a:schemeClr>
-                </a:solidFill>
-                <a:latin typeface="冬青黑体简体中文 W3" panose="020B0300000000000000" pitchFamily="34" charset="-122"/>
-                <a:ea typeface="冬青黑体简体中文 W3" panose="020B0300000000000000" pitchFamily="34" charset="-122"/>
-              </a:rPr>
-              <a:t>）。</a:t>
-            </a:r>
-            <a:endParaRPr lang="en-US" altLang="zh-CN" sz="1800" dirty="0" smtClean="0">
-              <a:solidFill>
-                <a:schemeClr val="tx1">
-                  <a:lumMod val="65000"/>
-                  <a:lumOff val="35000"/>
-                </a:schemeClr>
-              </a:solidFill>
-              <a:latin typeface="冬青黑体简体中文 W3" panose="020B0300000000000000" pitchFamily="34" charset="-122"/>
-              <a:ea typeface="冬青黑体简体中文 W3" panose="020B0300000000000000" pitchFamily="34" charset="-122"/>
-            </a:endParaRPr>
-          </a:p>
-          <a:p>
-            <a:pPr marL="1200150" lvl="2" indent="0">
-              <a:buNone/>
-            </a:pPr>
-            <a:endParaRPr lang="en-US" altLang="zh-CN" dirty="0" smtClean="0">
-              <a:solidFill>
-                <a:schemeClr val="tx1">
-                  <a:lumMod val="85000"/>
-                  <a:lumOff val="15000"/>
-                </a:schemeClr>
-              </a:solidFill>
-            </a:endParaRPr>
-          </a:p>
-          <a:p>
-            <a:pPr marL="342900" indent="-342900">
-              <a:buFont typeface="+mj-lt"/>
-              <a:buAutoNum type="arabicPeriod"/>
-            </a:pPr>
-            <a:r>
-              <a:rPr lang="en-US" altLang="zh-CN" dirty="0" smtClean="0">
-                <a:solidFill>
-                  <a:schemeClr val="tx1">
-                    <a:lumMod val="85000"/>
-                    <a:lumOff val="15000"/>
-                  </a:schemeClr>
-                </a:solidFill>
-              </a:rPr>
-              <a:t>bind</a:t>
-            </a:r>
-            <a:r>
-              <a:rPr lang="zh-CN" altLang="en-US" dirty="0" smtClean="0">
-                <a:solidFill>
-                  <a:schemeClr val="tx1">
-                    <a:lumMod val="85000"/>
-                    <a:lumOff val="15000"/>
-                  </a:schemeClr>
-                </a:solidFill>
-              </a:rPr>
-              <a:t>方法：返回一个新函数</a:t>
-            </a:r>
-            <a:r>
-              <a:rPr lang="zh-CN" altLang="en-US" dirty="0" smtClean="0">
-                <a:solidFill>
-                  <a:schemeClr val="tx1">
-                    <a:lumMod val="85000"/>
-                    <a:lumOff val="15000"/>
-                  </a:schemeClr>
-                </a:solidFill>
-              </a:rPr>
-              <a:t>，</a:t>
-            </a:r>
-            <a:r>
-              <a:rPr lang="en-US" altLang="zh-CN" dirty="0" smtClean="0">
-                <a:solidFill>
-                  <a:schemeClr val="tx1">
-                    <a:lumMod val="85000"/>
-                    <a:lumOff val="15000"/>
-                  </a:schemeClr>
-                </a:solidFill>
-              </a:rPr>
-              <a:t>bind</a:t>
-            </a:r>
-            <a:r>
-              <a:rPr lang="zh-CN" altLang="en-US" dirty="0" smtClean="0">
-                <a:solidFill>
-                  <a:schemeClr val="tx1">
-                    <a:lumMod val="85000"/>
-                    <a:lumOff val="15000"/>
-                  </a:schemeClr>
-                </a:solidFill>
-              </a:rPr>
-              <a:t>的</a:t>
-            </a:r>
-            <a:r>
-              <a:rPr lang="zh-CN" altLang="en-US" dirty="0" smtClean="0">
-                <a:solidFill>
-                  <a:schemeClr val="tx1">
-                    <a:lumMod val="85000"/>
-                    <a:lumOff val="15000"/>
-                  </a:schemeClr>
-                </a:solidFill>
-              </a:rPr>
-              <a:t>第一个参</a:t>
-            </a:r>
-            <a:r>
-              <a:rPr lang="zh-CN" altLang="en-US" dirty="0" smtClean="0">
-                <a:solidFill>
-                  <a:schemeClr val="tx1">
-                    <a:lumMod val="85000"/>
-                    <a:lumOff val="15000"/>
-                  </a:schemeClr>
-                </a:solidFill>
-              </a:rPr>
-              <a:t>数作为新函数的</a:t>
-            </a:r>
-            <a:r>
-              <a:rPr lang="en-US" altLang="zh-CN" dirty="0" smtClean="0">
-                <a:solidFill>
-                  <a:schemeClr val="tx1">
-                    <a:lumMod val="85000"/>
-                    <a:lumOff val="15000"/>
-                  </a:schemeClr>
-                </a:solidFill>
-              </a:rPr>
-              <a:t>this</a:t>
-            </a:r>
-            <a:r>
-              <a:rPr lang="zh-CN" altLang="en-US" dirty="0" smtClean="0">
-                <a:solidFill>
-                  <a:schemeClr val="tx1">
-                    <a:lumMod val="85000"/>
-                    <a:lumOff val="15000"/>
-                  </a:schemeClr>
-                </a:solidFill>
-              </a:rPr>
-              <a:t>，</a:t>
-            </a:r>
-            <a:r>
-              <a:rPr lang="zh-CN" altLang="en-US" dirty="0" smtClean="0">
-                <a:solidFill>
-                  <a:schemeClr val="tx1">
-                    <a:lumMod val="85000"/>
-                    <a:lumOff val="15000"/>
-                  </a:schemeClr>
-                </a:solidFill>
-              </a:rPr>
-              <a:t>其</a:t>
-            </a:r>
-            <a:r>
-              <a:rPr lang="zh-CN" altLang="en-US" dirty="0" smtClean="0">
-                <a:solidFill>
-                  <a:schemeClr val="tx1">
-                    <a:lumMod val="85000"/>
-                    <a:lumOff val="15000"/>
-                  </a:schemeClr>
-                </a:solidFill>
-              </a:rPr>
-              <a:t>余的参数作为新函</a:t>
-            </a:r>
-            <a:r>
-              <a:rPr lang="zh-CN" altLang="en-US" dirty="0">
-                <a:solidFill>
-                  <a:schemeClr val="tx1">
-                    <a:lumMod val="85000"/>
-                    <a:lumOff val="15000"/>
-                  </a:schemeClr>
-                </a:solidFill>
-              </a:rPr>
-              <a:t>数</a:t>
-            </a:r>
-            <a:r>
-              <a:rPr lang="zh-CN" altLang="en-US" dirty="0" smtClean="0">
-                <a:solidFill>
-                  <a:schemeClr val="tx1">
-                    <a:lumMod val="85000"/>
-                    <a:lumOff val="15000"/>
-                  </a:schemeClr>
-                </a:solidFill>
-              </a:rPr>
-              <a:t>的</a:t>
-            </a:r>
-            <a:r>
-              <a:rPr lang="zh-CN" altLang="en-US" dirty="0">
-                <a:solidFill>
-                  <a:schemeClr val="tx1">
-                    <a:lumMod val="85000"/>
-                    <a:lumOff val="15000"/>
-                  </a:schemeClr>
-                </a:solidFill>
-              </a:rPr>
-              <a:t>预</a:t>
-            </a:r>
-            <a:r>
-              <a:rPr lang="zh-CN" altLang="en-US" dirty="0" smtClean="0">
-                <a:solidFill>
-                  <a:schemeClr val="tx1">
-                    <a:lumMod val="85000"/>
-                    <a:lumOff val="15000"/>
-                  </a:schemeClr>
-                </a:solidFill>
-              </a:rPr>
-              <a:t>设的初始参数。</a:t>
-            </a:r>
-            <a:endParaRPr lang="en-US" altLang="zh-CN" dirty="0">
-              <a:solidFill>
-                <a:schemeClr val="tx1">
-                  <a:lumMod val="85000"/>
-                  <a:lumOff val="15000"/>
-                </a:schemeClr>
-              </a:solidFill>
-            </a:endParaRPr>
-          </a:p>
-        </p:txBody>
-      </p:sp>
-      <p:sp>
-        <p:nvSpPr>
-          <p:cNvPr id="4" name="文本框 3"/>
-          <p:cNvSpPr txBox="1"/>
-          <p:nvPr/>
-        </p:nvSpPr>
-        <p:spPr>
-          <a:xfrm>
-            <a:off x="2321173" y="1483210"/>
-            <a:ext cx="7668715" cy="369332"/>
-          </a:xfrm>
-          <a:prstGeom prst="rect">
-            <a:avLst/>
-          </a:prstGeom>
-          <a:noFill/>
-        </p:spPr>
-        <p:txBody>
-          <a:bodyPr wrap="square" rtlCol="0">
-            <a:spAutoFit/>
-          </a:bodyPr>
-          <a:lstStyle/>
-          <a:p>
-            <a:pPr algn="ctr"/>
-            <a:r>
-              <a:rPr lang="en-US" altLang="zh-CN" dirty="0" smtClean="0">
-                <a:solidFill>
-                  <a:schemeClr val="tx1">
-                    <a:lumMod val="75000"/>
-                    <a:lumOff val="25000"/>
-                  </a:schemeClr>
-                </a:solidFill>
-                <a:latin typeface="冬青黑体简体中文 W3" panose="020B0300000000000000" pitchFamily="34" charset="-122"/>
-                <a:ea typeface="冬青黑体简体中文 W3" panose="020B0300000000000000" pitchFamily="34" charset="-122"/>
-              </a:rPr>
-              <a:t>call</a:t>
-            </a:r>
-            <a:r>
-              <a:rPr lang="zh-CN" altLang="en-US" dirty="0" smtClean="0">
-                <a:solidFill>
-                  <a:schemeClr val="tx1">
-                    <a:lumMod val="75000"/>
-                    <a:lumOff val="25000"/>
-                  </a:schemeClr>
-                </a:solidFill>
-                <a:latin typeface="冬青黑体简体中文 W3" panose="020B0300000000000000" pitchFamily="34" charset="-122"/>
-                <a:ea typeface="冬青黑体简体中文 W3" panose="020B0300000000000000" pitchFamily="34" charset="-122"/>
-              </a:rPr>
-              <a:t>、</a:t>
-            </a:r>
-            <a:r>
-              <a:rPr lang="en-US" altLang="zh-CN" dirty="0" smtClean="0">
-                <a:solidFill>
-                  <a:schemeClr val="tx1">
-                    <a:lumMod val="75000"/>
-                    <a:lumOff val="25000"/>
-                  </a:schemeClr>
-                </a:solidFill>
-                <a:latin typeface="冬青黑体简体中文 W3" panose="020B0300000000000000" pitchFamily="34" charset="-122"/>
-                <a:ea typeface="冬青黑体简体中文 W3" panose="020B0300000000000000" pitchFamily="34" charset="-122"/>
-              </a:rPr>
-              <a:t>apply</a:t>
-            </a:r>
-            <a:r>
-              <a:rPr lang="zh-CN" altLang="en-US" dirty="0" smtClean="0">
-                <a:solidFill>
-                  <a:schemeClr val="tx1">
-                    <a:lumMod val="75000"/>
-                    <a:lumOff val="25000"/>
-                  </a:schemeClr>
-                </a:solidFill>
-                <a:latin typeface="冬青黑体简体中文 W3" panose="020B0300000000000000" pitchFamily="34" charset="-122"/>
-                <a:ea typeface="冬青黑体简体中文 W3" panose="020B0300000000000000" pitchFamily="34" charset="-122"/>
-              </a:rPr>
-              <a:t>、</a:t>
-            </a:r>
-            <a:r>
-              <a:rPr lang="en-US" altLang="zh-CN" dirty="0" smtClean="0">
-                <a:solidFill>
-                  <a:schemeClr val="tx1">
-                    <a:lumMod val="75000"/>
-                    <a:lumOff val="25000"/>
-                  </a:schemeClr>
-                </a:solidFill>
-                <a:latin typeface="冬青黑体简体中文 W3" panose="020B0300000000000000" pitchFamily="34" charset="-122"/>
-                <a:ea typeface="冬青黑体简体中文 W3" panose="020B0300000000000000" pitchFamily="34" charset="-122"/>
-              </a:rPr>
-              <a:t>bind</a:t>
-            </a:r>
-            <a:r>
-              <a:rPr lang="zh-CN" altLang="en-US" dirty="0" smtClean="0">
-                <a:solidFill>
-                  <a:schemeClr val="tx1">
-                    <a:lumMod val="75000"/>
-                    <a:lumOff val="25000"/>
-                  </a:schemeClr>
-                </a:solidFill>
-                <a:latin typeface="冬青黑体简体中文 W3" panose="020B0300000000000000" pitchFamily="34" charset="-122"/>
-                <a:ea typeface="冬青黑体简体中文 W3" panose="020B0300000000000000" pitchFamily="34" charset="-122"/>
-              </a:rPr>
-              <a:t>方法</a:t>
-            </a:r>
-          </a:p>
-        </p:txBody>
-      </p:sp>
-    </p:spTree>
-    <p:extLst>
-      <p:ext uri="{BB962C8B-B14F-4D97-AF65-F5344CB8AC3E}">
-        <p14:creationId xmlns:p14="http://schemas.microsoft.com/office/powerpoint/2010/main" val="681020110"/>
-      </p:ext>
-    </p:extLst>
-  </p:cSld>
-  <p:clrMapOvr>
-    <a:masterClrMapping/>
-  </p:clrMapOvr>
-  <mc:AlternateContent xmlns:mc="http://schemas.openxmlformats.org/markup-compatibility/2006">
-    <mc:Choice xmlns:p14="http://schemas.microsoft.com/office/powerpoint/2010/main" Requires="p14">
-      <p:transition p14:dur="0" advTm="9938"/>
-    </mc:Choice>
-    <mc:Fallback>
-      <p:transition advTm="9938"/>
-    </mc:Fallback>
-  </mc:AlternateContent>
-  <p:timing>
-    <p:tnLst>
-      <p:par>
-        <p:cTn id="1" dur="indefinite" restart="never" nodeType="tmRoot"/>
-      </p:par>
-    </p:tnLst>
-  </p:timing>
-</p:sld>
-</file>
-
-<file path=ppt/slides/slide15.xml><?xml version="1.0" encoding="utf-8"?>
-<p:sld xmlns:a="http://schemas.openxmlformats.org/drawingml/2006/main" xmlns:r="http://schemas.openxmlformats.org/officeDocument/2006/relationships" xmlns:p="http://schemas.openxmlformats.org/presentationml/2006/main">
-  <p:cSld>
-    <p:spTree>
-      <p:nvGrpSpPr>
-        <p:cNvPr id="1" name=""/>
-        <p:cNvGrpSpPr/>
-        <p:nvPr/>
-      </p:nvGrpSpPr>
-      <p:grpSpPr>
-        <a:xfrm>
-          <a:off x="0" y="0"/>
-          <a:ext cx="0" cy="0"/>
-          <a:chOff x="0" y="0"/>
-          <a:chExt cx="0" cy="0"/>
-        </a:xfrm>
-      </p:grpSpPr>
-      <p:sp>
-        <p:nvSpPr>
-          <p:cNvPr id="2" name="标题 1"/>
-          <p:cNvSpPr>
-            <a:spLocks noGrp="1"/>
-          </p:cNvSpPr>
-          <p:nvPr>
-            <p:ph type="title"/>
-          </p:nvPr>
-        </p:nvSpPr>
-        <p:spPr/>
-        <p:txBody>
-          <a:bodyPr/>
-          <a:lstStyle/>
-          <a:p>
-            <a:r>
-              <a:rPr lang="zh-CN" altLang="en-US" dirty="0" smtClean="0"/>
-              <a:t>代码示例</a:t>
-            </a:r>
-            <a:endParaRPr lang="zh-CN" altLang="en-US" dirty="0"/>
-          </a:p>
-        </p:txBody>
-      </p:sp>
-      <p:pic>
-        <p:nvPicPr>
-          <p:cNvPr id="4" name="图片 3"/>
-          <p:cNvPicPr>
-            <a:picLocks noChangeAspect="1"/>
-          </p:cNvPicPr>
-          <p:nvPr/>
-        </p:nvPicPr>
-        <p:blipFill>
-          <a:blip r:embed="rId2"/>
-          <a:stretch>
-            <a:fillRect/>
-          </a:stretch>
-        </p:blipFill>
-        <p:spPr>
-          <a:xfrm>
-            <a:off x="0" y="1114282"/>
-            <a:ext cx="12192000" cy="5743718"/>
-          </a:xfrm>
-          <a:prstGeom prst="rect">
-            <a:avLst/>
-          </a:prstGeom>
-        </p:spPr>
-      </p:pic>
-    </p:spTree>
-    <p:extLst>
-      <p:ext uri="{BB962C8B-B14F-4D97-AF65-F5344CB8AC3E}">
-        <p14:creationId xmlns:p14="http://schemas.microsoft.com/office/powerpoint/2010/main" val="3977913587"/>
-      </p:ext>
-    </p:extLst>
-  </p:cSld>
-  <p:clrMapOvr>
-    <a:masterClrMapping/>
-  </p:clrMapOvr>
-  <mc:AlternateContent xmlns:mc="http://schemas.openxmlformats.org/markup-compatibility/2006">
-    <mc:Choice xmlns:p14="http://schemas.microsoft.com/office/powerpoint/2010/main" Requires="p14">
-      <p:transition p14:dur="0" advTm="9938"/>
-    </mc:Choice>
-    <mc:Fallback>
-      <p:transition advTm="9938"/>
-    </mc:Fallback>
-  </mc:AlternateContent>
-  <p:timing>
-    <p:tnLst>
-      <p:par>
-        <p:cTn id="1" dur="indefinite" restart="never" nodeType="tmRoot"/>
-      </p:par>
-    </p:tnLst>
-  </p:timing>
-</p:sld>
-</file>
-
-<file path=ppt/slides/slide16.xml><?xml version="1.0" encoding="utf-8"?>
-<p:sld xmlns:a="http://schemas.openxmlformats.org/drawingml/2006/main" xmlns:r="http://schemas.openxmlformats.org/officeDocument/2006/relationships" xmlns:p="http://schemas.openxmlformats.org/presentationml/2006/main">
-  <p:cSld>
-    <p:spTree>
-      <p:nvGrpSpPr>
-        <p:cNvPr id="1" name=""/>
-        <p:cNvGrpSpPr/>
-        <p:nvPr/>
-      </p:nvGrpSpPr>
-      <p:grpSpPr>
-        <a:xfrm>
-          <a:off x="0" y="0"/>
-          <a:ext cx="0" cy="0"/>
-          <a:chOff x="0" y="0"/>
-          <a:chExt cx="0" cy="0"/>
-        </a:xfrm>
-      </p:grpSpPr>
-      <p:sp>
-        <p:nvSpPr>
-          <p:cNvPr id="2" name="标题 1"/>
-          <p:cNvSpPr>
-            <a:spLocks noGrp="1"/>
-          </p:cNvSpPr>
-          <p:nvPr>
-            <p:ph type="title"/>
-          </p:nvPr>
-        </p:nvSpPr>
-        <p:spPr>
-          <a:xfrm>
-            <a:off x="0" y="241092"/>
-            <a:ext cx="12192000" cy="1122096"/>
-          </a:xfrm>
-        </p:spPr>
-        <p:txBody>
-          <a:bodyPr/>
-          <a:lstStyle/>
-          <a:p>
-            <a:r>
-              <a:rPr lang="zh-CN" altLang="en-US" dirty="0" smtClean="0"/>
-              <a:t>思考题</a:t>
-            </a:r>
-            <a:endParaRPr lang="zh-CN" altLang="en-US" dirty="0"/>
-          </a:p>
-        </p:txBody>
-      </p:sp>
-      <p:pic>
-        <p:nvPicPr>
-          <p:cNvPr id="5" name="图片 4"/>
-          <p:cNvPicPr>
-            <a:picLocks noChangeAspect="1"/>
-          </p:cNvPicPr>
-          <p:nvPr/>
-        </p:nvPicPr>
-        <p:blipFill>
-          <a:blip r:embed="rId3"/>
-          <a:stretch>
-            <a:fillRect/>
-          </a:stretch>
-        </p:blipFill>
-        <p:spPr>
-          <a:xfrm>
-            <a:off x="3011488" y="1988840"/>
-            <a:ext cx="6172200" cy="4429125"/>
-          </a:xfrm>
-          <a:prstGeom prst="rect">
-            <a:avLst/>
-          </a:prstGeom>
-        </p:spPr>
-      </p:pic>
-      <p:sp>
-        <p:nvSpPr>
-          <p:cNvPr id="4" name="文本框 3"/>
-          <p:cNvSpPr txBox="1"/>
-          <p:nvPr/>
-        </p:nvSpPr>
-        <p:spPr>
-          <a:xfrm>
-            <a:off x="3635251" y="1230289"/>
-            <a:ext cx="4909021" cy="400110"/>
-          </a:xfrm>
-          <a:prstGeom prst="rect">
-            <a:avLst/>
-          </a:prstGeom>
-          <a:noFill/>
-        </p:spPr>
-        <p:txBody>
-          <a:bodyPr wrap="square" rtlCol="0">
-            <a:spAutoFit/>
-          </a:bodyPr>
-          <a:lstStyle/>
-          <a:p>
-            <a:r>
-              <a:rPr lang="zh-CN" altLang="en-US" sz="2000" dirty="0" smtClean="0">
-                <a:solidFill>
-                  <a:schemeClr val="tx1">
-                    <a:lumMod val="75000"/>
-                    <a:lumOff val="25000"/>
-                  </a:schemeClr>
-                </a:solidFill>
-                <a:latin typeface="冬青黑体简体中文 W3" panose="020B0300000000000000" pitchFamily="34" charset="-122"/>
-                <a:ea typeface="冬青黑体简体中文 W3" panose="020B0300000000000000" pitchFamily="34" charset="-122"/>
-              </a:rPr>
-              <a:t>箭头函数能否使用这三个函数改变</a:t>
-            </a:r>
-            <a:r>
-              <a:rPr lang="en-US" altLang="zh-CN" sz="2000" dirty="0" smtClean="0">
-                <a:solidFill>
-                  <a:schemeClr val="tx1">
-                    <a:lumMod val="75000"/>
-                    <a:lumOff val="25000"/>
-                  </a:schemeClr>
-                </a:solidFill>
-                <a:latin typeface="冬青黑体简体中文 W3" panose="020B0300000000000000" pitchFamily="34" charset="-122"/>
-                <a:ea typeface="冬青黑体简体中文 W3" panose="020B0300000000000000" pitchFamily="34" charset="-122"/>
-              </a:rPr>
-              <a:t>this</a:t>
-            </a:r>
-            <a:r>
-              <a:rPr lang="zh-CN" altLang="en-US" sz="2000" dirty="0" smtClean="0">
-                <a:solidFill>
-                  <a:schemeClr val="tx1">
-                    <a:lumMod val="75000"/>
-                    <a:lumOff val="25000"/>
-                  </a:schemeClr>
-                </a:solidFill>
-                <a:latin typeface="冬青黑体简体中文 W3" panose="020B0300000000000000" pitchFamily="34" charset="-122"/>
-                <a:ea typeface="冬青黑体简体中文 W3" panose="020B0300000000000000" pitchFamily="34" charset="-122"/>
-              </a:rPr>
-              <a:t>？</a:t>
-            </a:r>
-          </a:p>
-        </p:txBody>
-      </p:sp>
-    </p:spTree>
-    <p:extLst>
-      <p:ext uri="{BB962C8B-B14F-4D97-AF65-F5344CB8AC3E}">
-        <p14:creationId xmlns:p14="http://schemas.microsoft.com/office/powerpoint/2010/main" val="2304123391"/>
-      </p:ext>
-    </p:extLst>
-  </p:cSld>
-  <p:clrMapOvr>
-    <a:masterClrMapping/>
-  </p:clrMapOvr>
-  <mc:AlternateContent xmlns:mc="http://schemas.openxmlformats.org/markup-compatibility/2006">
-    <mc:Choice xmlns:p14="http://schemas.microsoft.com/office/powerpoint/2010/main" Requires="p14">
-      <p:transition p14:dur="0" advTm="9938"/>
-    </mc:Choice>
-    <mc:Fallback>
-      <p:transition advTm="9938"/>
-    </mc:Fallback>
-  </mc:AlternateContent>
-  <p:timing>
-    <p:tnLst>
-      <p:par>
-        <p:cTn id="1" dur="indefinite" restart="never" nodeType="tmRoot"/>
-      </p:par>
-    </p:tnLst>
-  </p:timing>
-</p:sld>
-</file>
-
-<file path=ppt/slides/slide17.xml><?xml version="1.0" encoding="utf-8"?>
-<p:sld xmlns:a="http://schemas.openxmlformats.org/drawingml/2006/main" xmlns:r="http://schemas.openxmlformats.org/officeDocument/2006/relationships" xmlns:p="http://schemas.openxmlformats.org/presentationml/2006/main">
-  <p:cSld>
-    <p:spTree>
-      <p:nvGrpSpPr>
-        <p:cNvPr id="1" name=""/>
-        <p:cNvGrpSpPr/>
-        <p:nvPr/>
-      </p:nvGrpSpPr>
-      <p:grpSpPr>
-        <a:xfrm>
-          <a:off x="0" y="0"/>
-          <a:ext cx="0" cy="0"/>
-          <a:chOff x="0" y="0"/>
-          <a:chExt cx="0" cy="0"/>
-        </a:xfrm>
-      </p:grpSpPr>
-      <p:sp>
-        <p:nvSpPr>
-          <p:cNvPr id="2" name="标题 1"/>
-          <p:cNvSpPr>
-            <a:spLocks noGrp="1"/>
-          </p:cNvSpPr>
-          <p:nvPr>
-            <p:ph type="title"/>
-          </p:nvPr>
-        </p:nvSpPr>
-        <p:spPr>
-          <a:xfrm>
-            <a:off x="16296" y="-207404"/>
-            <a:ext cx="12192000" cy="1122096"/>
-          </a:xfrm>
-        </p:spPr>
-        <p:txBody>
-          <a:bodyPr/>
-          <a:lstStyle/>
-          <a:p>
-            <a:r>
-              <a:rPr lang="zh-CN" altLang="en-US" dirty="0"/>
-              <a:t>答案</a:t>
-            </a:r>
-          </a:p>
-        </p:txBody>
-      </p:sp>
-      <p:pic>
-        <p:nvPicPr>
-          <p:cNvPr id="4" name="图片 3"/>
-          <p:cNvPicPr>
-            <a:picLocks noChangeAspect="1"/>
-          </p:cNvPicPr>
-          <p:nvPr/>
-        </p:nvPicPr>
-        <p:blipFill>
-          <a:blip r:embed="rId2"/>
-          <a:stretch>
-            <a:fillRect/>
-          </a:stretch>
-        </p:blipFill>
-        <p:spPr>
-          <a:xfrm>
-            <a:off x="-2584" y="828675"/>
-            <a:ext cx="12192000" cy="6029325"/>
-          </a:xfrm>
-          <a:prstGeom prst="rect">
-            <a:avLst/>
-          </a:prstGeom>
-        </p:spPr>
-      </p:pic>
-    </p:spTree>
-    <p:extLst>
-      <p:ext uri="{BB962C8B-B14F-4D97-AF65-F5344CB8AC3E}">
-        <p14:creationId xmlns:p14="http://schemas.microsoft.com/office/powerpoint/2010/main" val="1135395800"/>
-      </p:ext>
-    </p:extLst>
-  </p:cSld>
-  <p:clrMapOvr>
-    <a:masterClrMapping/>
-  </p:clrMapOvr>
-  <mc:AlternateContent xmlns:mc="http://schemas.openxmlformats.org/markup-compatibility/2006">
-    <mc:Choice xmlns:p14="http://schemas.microsoft.com/office/powerpoint/2010/main" Requires="p14">
-      <p:transition p14:dur="0" advTm="9938"/>
-    </mc:Choice>
-    <mc:Fallback>
-      <p:transition advTm="9938"/>
-    </mc:Fallback>
-  </mc:AlternateContent>
-  <p:timing>
-    <p:tnLst>
-      <p:par>
-        <p:cTn id="1" dur="indefinite" restart="never" nodeType="tmRoot"/>
-      </p:par>
-    </p:tnLst>
-  </p:timing>
-</p:sld>
-</file>
-
-<file path=ppt/slides/slide18.xml><?xml version="1.0" encoding="utf-8"?>
-<p:sld xmlns:a="http://schemas.openxmlformats.org/drawingml/2006/main" xmlns:r="http://schemas.openxmlformats.org/officeDocument/2006/relationships" xmlns:p="http://schemas.openxmlformats.org/presentationml/2006/main">
-  <p:cSld>
-    <p:spTree>
-      <p:nvGrpSpPr>
-        <p:cNvPr id="1" name=""/>
-        <p:cNvGrpSpPr/>
-        <p:nvPr/>
-      </p:nvGrpSpPr>
-      <p:grpSpPr>
-        <a:xfrm>
-          <a:off x="0" y="0"/>
-          <a:ext cx="0" cy="0"/>
-          <a:chOff x="0" y="0"/>
-          <a:chExt cx="0" cy="0"/>
-        </a:xfrm>
-      </p:grpSpPr>
-      <p:sp>
-        <p:nvSpPr>
-          <p:cNvPr id="3" name="文本占位符 2"/>
-          <p:cNvSpPr>
-            <a:spLocks noGrp="1"/>
-          </p:cNvSpPr>
-          <p:nvPr>
-            <p:ph type="body" sz="quarter" idx="10"/>
-          </p:nvPr>
-        </p:nvSpPr>
-        <p:spPr>
-          <a:xfrm>
-            <a:off x="3577649" y="4289720"/>
-            <a:ext cx="5039877" cy="752098"/>
-          </a:xfrm>
-        </p:spPr>
-        <p:txBody>
-          <a:bodyPr>
-            <a:noAutofit/>
-          </a:bodyPr>
-          <a:lstStyle/>
-          <a:p>
-            <a:pPr algn="ctr"/>
-            <a:r>
-              <a:rPr lang="en-US" altLang="zh-CN" sz="3600" dirty="0" smtClean="0">
-                <a:solidFill>
-                  <a:srgbClr val="FF0000"/>
-                </a:solidFill>
-              </a:rPr>
-              <a:t>Why ?</a:t>
-            </a:r>
-            <a:endParaRPr lang="zh-CN" altLang="en-US" sz="3600" dirty="0">
-              <a:solidFill>
-                <a:srgbClr val="FF0000"/>
-              </a:solidFill>
-            </a:endParaRPr>
-          </a:p>
-        </p:txBody>
-      </p:sp>
-      <p:pic>
-        <p:nvPicPr>
-          <p:cNvPr id="6" name="图片 5"/>
-          <p:cNvPicPr>
-            <a:picLocks noChangeAspect="1"/>
-          </p:cNvPicPr>
-          <p:nvPr/>
-        </p:nvPicPr>
-        <p:blipFill>
-          <a:blip r:embed="rId3">
-            <a:extLst>
-              <a:ext uri="{28A0092B-C50C-407E-A947-70E740481C1C}">
-                <a14:useLocalDpi xmlns:a14="http://schemas.microsoft.com/office/drawing/2010/main" val="0"/>
-              </a:ext>
-            </a:extLst>
-          </a:blip>
-          <a:stretch>
-            <a:fillRect/>
-          </a:stretch>
-        </p:blipFill>
-        <p:spPr>
-          <a:xfrm>
-            <a:off x="4799856" y="1106488"/>
-            <a:ext cx="2286000" cy="2286000"/>
-          </a:xfrm>
-          <a:prstGeom prst="rect">
-            <a:avLst/>
-          </a:prstGeom>
-        </p:spPr>
-      </p:pic>
-    </p:spTree>
-    <p:extLst>
-      <p:ext uri="{BB962C8B-B14F-4D97-AF65-F5344CB8AC3E}">
-        <p14:creationId xmlns:p14="http://schemas.microsoft.com/office/powerpoint/2010/main" val="1936561420"/>
-      </p:ext>
-    </p:extLst>
-  </p:cSld>
-  <p:clrMapOvr>
-    <a:masterClrMapping/>
-  </p:clrMapOvr>
-  <mc:AlternateContent xmlns:mc="http://schemas.openxmlformats.org/markup-compatibility/2006">
-    <mc:Choice xmlns:p14="http://schemas.microsoft.com/office/powerpoint/2010/main" Requires="p14">
-      <p:transition p14:dur="0" advTm="9938"/>
-    </mc:Choice>
-    <mc:Fallback>
-      <p:transition advTm="9938"/>
-    </mc:Fallback>
-  </mc:AlternateContent>
-  <p:timing>
-    <p:tnLst>
-      <p:par>
-        <p:cTn id="1" dur="indefinite" restart="never" nodeType="tmRoot">
-          <p:childTnLst>
-            <p:seq concurrent="1" nextAc="seek">
-              <p:cTn id="2" dur="indefinite" nodeType="mainSeq">
-                <p:childTnLst>
-                  <p:par>
-                    <p:cTn id="3" fill="hold">
-                      <p:stCondLst>
-                        <p:cond delay="indefinite"/>
-                        <p:cond evt="onBegin" delay="0">
-                          <p:tn val="2"/>
-                        </p:cond>
-                      </p:stCondLst>
-                      <p:childTnLst>
-                        <p:par>
-                          <p:cTn id="4" fill="hold">
-                            <p:stCondLst>
-                              <p:cond delay="0"/>
-                            </p:stCondLst>
-                            <p:childTnLst>
-                              <p:par>
-                                <p:cTn id="5" presetID="53" presetClass="entr" presetSubtype="16" fill="hold" nodeType="withEffect">
-                                  <p:stCondLst>
-                                    <p:cond delay="500"/>
-                                  </p:stCondLst>
-                                  <p:childTnLst>
-                                    <p:set>
-                                      <p:cBhvr>
-                                        <p:cTn id="6" dur="1" fill="hold">
-                                          <p:stCondLst>
-                                            <p:cond delay="0"/>
-                                          </p:stCondLst>
-                                        </p:cTn>
-                                        <p:tgtEl>
-                                          <p:spTgt spid="3">
-                                            <p:txEl>
-                                              <p:pRg st="0" end="0"/>
-                                            </p:txEl>
-                                          </p:spTgt>
-                                        </p:tgtEl>
-                                        <p:attrNameLst>
-                                          <p:attrName>style.visibility</p:attrName>
-                                        </p:attrNameLst>
-                                      </p:cBhvr>
-                                      <p:to>
-                                        <p:strVal val="visible"/>
-                                      </p:to>
-                                    </p:set>
-                                    <p:anim calcmode="lin" valueType="num">
-                                      <p:cBhvr>
-                                        <p:cTn id="7" dur="750" fill="hold"/>
-                                        <p:tgtEl>
-                                          <p:spTgt spid="3">
-                                            <p:txEl>
-                                              <p:pRg st="0" end="0"/>
-                                            </p:txEl>
-                                          </p:spTgt>
-                                        </p:tgtEl>
-                                        <p:attrNameLst>
-                                          <p:attrName>ppt_w</p:attrName>
-                                        </p:attrNameLst>
-                                      </p:cBhvr>
-                                      <p:tavLst>
-                                        <p:tav tm="0">
-                                          <p:val>
-                                            <p:fltVal val="0"/>
-                                          </p:val>
-                                        </p:tav>
-                                        <p:tav tm="100000">
-                                          <p:val>
-                                            <p:strVal val="#ppt_w"/>
-                                          </p:val>
-                                        </p:tav>
-                                      </p:tavLst>
-                                    </p:anim>
-                                    <p:anim calcmode="lin" valueType="num">
-                                      <p:cBhvr>
-                                        <p:cTn id="8" dur="750" fill="hold"/>
-                                        <p:tgtEl>
-                                          <p:spTgt spid="3">
-                                            <p:txEl>
-                                              <p:pRg st="0" end="0"/>
-                                            </p:txEl>
-                                          </p:spTgt>
-                                        </p:tgtEl>
-                                        <p:attrNameLst>
-                                          <p:attrName>ppt_h</p:attrName>
-                                        </p:attrNameLst>
-                                      </p:cBhvr>
-                                      <p:tavLst>
-                                        <p:tav tm="0">
-                                          <p:val>
-                                            <p:fltVal val="0"/>
-                                          </p:val>
-                                        </p:tav>
-                                        <p:tav tm="100000">
-                                          <p:val>
-                                            <p:strVal val="#ppt_h"/>
-                                          </p:val>
-                                        </p:tav>
-                                      </p:tavLst>
-                                    </p:anim>
-                                    <p:animEffect transition="in" filter="fade">
-                                      <p:cBhvr>
-                                        <p:cTn id="9" dur="750"/>
-                                        <p:tgtEl>
-                                          <p:spTgt spid="3">
-                                            <p:txEl>
-                                              <p:pRg st="0" end="0"/>
-                                            </p:txEl>
-                                          </p:spTgt>
-                                        </p:tgtEl>
-                                      </p:cBhvr>
-                                    </p:animEffect>
-                                  </p:childTnLst>
-                                </p:cTn>
-                              </p:par>
-                            </p:childTnLst>
-                          </p:cTn>
-                        </p:par>
-                      </p:childTnLst>
-                    </p:cTn>
-                  </p:par>
-                </p:childTnLst>
-              </p:cTn>
-              <p:prevCondLst>
-                <p:cond evt="onPrev" delay="0">
-                  <p:tgtEl>
-                    <p:sldTgt/>
-                  </p:tgtEl>
-                </p:cond>
-              </p:prevCondLst>
-              <p:nextCondLst>
-                <p:cond evt="onNext" delay="0">
-                  <p:tgtEl>
-                    <p:sldTgt/>
-                  </p:tgtEl>
-                </p:cond>
-              </p:nextCondLst>
-            </p:seq>
-          </p:childTnLst>
-        </p:cTn>
-      </p:par>
-    </p:tnLst>
-  </p:timing>
-</p:sld>
-</file>
-
-<file path=ppt/slides/slide19.xml><?xml version="1.0" encoding="utf-8"?>
-<p:sld xmlns:a="http://schemas.openxmlformats.org/drawingml/2006/main" xmlns:r="http://schemas.openxmlformats.org/officeDocument/2006/relationships" xmlns:p="http://schemas.openxmlformats.org/presentationml/2006/main">
-  <p:cSld>
-    <p:spTree>
-      <p:nvGrpSpPr>
-        <p:cNvPr id="1" name=""/>
-        <p:cNvGrpSpPr/>
-        <p:nvPr/>
-      </p:nvGrpSpPr>
-      <p:grpSpPr>
-        <a:xfrm>
-          <a:off x="0" y="0"/>
-          <a:ext cx="0" cy="0"/>
-          <a:chOff x="0" y="0"/>
-          <a:chExt cx="0" cy="0"/>
-        </a:xfrm>
-      </p:grpSpPr>
-      <p:sp>
-        <p:nvSpPr>
-          <p:cNvPr id="2" name="标题 1"/>
-          <p:cNvSpPr>
-            <a:spLocks noGrp="1"/>
-          </p:cNvSpPr>
-          <p:nvPr>
-            <p:ph type="title"/>
-          </p:nvPr>
-        </p:nvSpPr>
-        <p:spPr>
-          <a:xfrm>
-            <a:off x="6816080" y="2012290"/>
-            <a:ext cx="3131839" cy="1122096"/>
-          </a:xfrm>
-        </p:spPr>
-        <p:txBody>
-          <a:bodyPr/>
-          <a:lstStyle/>
-          <a:p>
-            <a:pPr algn="l"/>
-            <a:r>
-              <a:rPr lang="zh-CN" altLang="en-US" dirty="0" smtClean="0"/>
-              <a:t>原型链</a:t>
-            </a:r>
-            <a:endParaRPr lang="zh-CN" altLang="en-US" dirty="0"/>
-          </a:p>
-        </p:txBody>
-      </p:sp>
-      <p:sp>
-        <p:nvSpPr>
-          <p:cNvPr id="3" name="文本占位符 2"/>
-          <p:cNvSpPr>
-            <a:spLocks noGrp="1"/>
-          </p:cNvSpPr>
-          <p:nvPr>
-            <p:ph type="body" sz="quarter" idx="10"/>
-          </p:nvPr>
-        </p:nvSpPr>
-        <p:spPr>
-          <a:xfrm>
-            <a:off x="6059487" y="3320988"/>
-            <a:ext cx="6099810" cy="1620701"/>
-          </a:xfrm>
-        </p:spPr>
-        <p:txBody>
-          <a:bodyPr>
-            <a:normAutofit/>
-          </a:bodyPr>
-          <a:lstStyle/>
-          <a:p>
-            <a:r>
-              <a:rPr lang="en-US" altLang="zh-CN" sz="2800" dirty="0" smtClean="0">
-                <a:solidFill>
-                  <a:schemeClr val="tx1">
-                    <a:lumMod val="65000"/>
-                    <a:lumOff val="35000"/>
-                  </a:schemeClr>
-                </a:solidFill>
-              </a:rPr>
-              <a:t>JavaScript</a:t>
-            </a:r>
-            <a:r>
-              <a:rPr lang="zh-CN" altLang="en-US" sz="2800" dirty="0" smtClean="0">
-                <a:solidFill>
-                  <a:schemeClr val="tx1">
-                    <a:lumMod val="65000"/>
-                    <a:lumOff val="35000"/>
-                  </a:schemeClr>
-                </a:solidFill>
-              </a:rPr>
-              <a:t>式继承</a:t>
-            </a:r>
-            <a:endParaRPr lang="zh-CN" altLang="en-US" sz="2800" dirty="0">
-              <a:solidFill>
-                <a:schemeClr val="tx1">
-                  <a:lumMod val="65000"/>
-                  <a:lumOff val="35000"/>
-                </a:schemeClr>
-              </a:solidFill>
-            </a:endParaRPr>
-          </a:p>
-        </p:txBody>
-      </p:sp>
-      <p:pic>
-        <p:nvPicPr>
-          <p:cNvPr id="16" name="图片 15"/>
-          <p:cNvPicPr>
-            <a:picLocks noChangeAspect="1"/>
-          </p:cNvPicPr>
-          <p:nvPr/>
-        </p:nvPicPr>
-        <p:blipFill>
-          <a:blip r:embed="rId3">
-            <a:extLst>
-              <a:ext uri="{28A0092B-C50C-407E-A947-70E740481C1C}">
-                <a14:useLocalDpi xmlns:a14="http://schemas.microsoft.com/office/drawing/2010/main" val="0"/>
-              </a:ext>
-            </a:extLst>
-          </a:blip>
-          <a:stretch>
-            <a:fillRect/>
-          </a:stretch>
-        </p:blipFill>
-        <p:spPr>
-          <a:xfrm>
-            <a:off x="2351584" y="1515136"/>
-            <a:ext cx="3238500" cy="3238500"/>
-          </a:xfrm>
-          <a:prstGeom prst="rect">
-            <a:avLst/>
-          </a:prstGeom>
-        </p:spPr>
-      </p:pic>
-    </p:spTree>
-    <p:extLst>
-      <p:ext uri="{BB962C8B-B14F-4D97-AF65-F5344CB8AC3E}">
-        <p14:creationId xmlns:p14="http://schemas.microsoft.com/office/powerpoint/2010/main" val="1636493406"/>
-      </p:ext>
-    </p:extLst>
-  </p:cSld>
-  <p:clrMapOvr>
-    <a:masterClrMapping/>
-  </p:clrMapOvr>
-  <mc:AlternateContent xmlns:mc="http://schemas.openxmlformats.org/markup-compatibility/2006">
-    <mc:Choice xmlns:p14="http://schemas.microsoft.com/office/powerpoint/2010/main" Requires="p14">
-      <p:transition p14:dur="0" advTm="9938"/>
-    </mc:Choice>
-    <mc:Fallback>
-      <p:transition advTm="9938"/>
-    </mc:Fallback>
-  </mc:AlternateContent>
-  <p:timing>
-    <p:tnLst>
-      <p:par>
-        <p:cTn id="1" dur="indefinite" restart="never" nodeType="tmRoot">
-          <p:childTnLst>
-            <p:seq concurrent="1" nextAc="seek">
-              <p:cTn id="2" dur="indefinite" nodeType="mainSeq">
-                <p:childTnLst>
-                  <p:par>
-                    <p:cTn id="3" fill="hold">
-                      <p:stCondLst>
-                        <p:cond delay="indefinite"/>
-                        <p:cond evt="onBegin" delay="0">
-                          <p:tn val="2"/>
-                        </p:cond>
-                      </p:stCondLst>
-                      <p:childTnLst>
-                        <p:par>
-                          <p:cTn id="4" fill="hold">
-                            <p:stCondLst>
-                              <p:cond delay="0"/>
-                            </p:stCondLst>
-                            <p:childTnLst>
-                              <p:par>
-                                <p:cTn id="5" presetID="14" presetClass="entr" presetSubtype="10" fill="hold" nodeType="afterEffect">
-                                  <p:stCondLst>
-                                    <p:cond delay="0"/>
-                                  </p:stCondLst>
-                                  <p:childTnLst>
-                                    <p:set>
-                                      <p:cBhvr>
-                                        <p:cTn id="6" dur="1" fill="hold">
-                                          <p:stCondLst>
-                                            <p:cond delay="0"/>
-                                          </p:stCondLst>
-                                        </p:cTn>
-                                        <p:tgtEl>
-                                          <p:spTgt spid="3">
-                                            <p:txEl>
-                                              <p:pRg st="0" end="0"/>
-                                            </p:txEl>
-                                          </p:spTgt>
-                                        </p:tgtEl>
-                                        <p:attrNameLst>
-                                          <p:attrName>style.visibility</p:attrName>
-                                        </p:attrNameLst>
-                                      </p:cBhvr>
-                                      <p:to>
-                                        <p:strVal val="visible"/>
-                                      </p:to>
-                                    </p:set>
-                                    <p:animEffect transition="in" filter="randombar(horizontal)">
-                                      <p:cBhvr>
-                                        <p:cTn id="7" dur="500"/>
-                                        <p:tgtEl>
-                                          <p:spTgt spid="3">
-                                            <p:txEl>
-                                              <p:pRg st="0" end="0"/>
-                                            </p:txEl>
-                                          </p:spTgt>
-                                        </p:tgtEl>
-                                      </p:cBhvr>
-                                    </p:animEffect>
-                                  </p:childTnLst>
-                                </p:cTn>
-                              </p:par>
-                            </p:childTnLst>
-                          </p:cTn>
-                        </p:par>
-                      </p:childTnLst>
-                    </p:cTn>
-                  </p:par>
-                </p:childTnLst>
-              </p:cTn>
-              <p:prevCondLst>
-                <p:cond evt="onPrev" delay="0">
-                  <p:tgtEl>
-                    <p:sldTgt/>
-                  </p:tgtEl>
-                </p:cond>
-              </p:prevCondLst>
-              <p:nextCondLst>
-                <p:cond evt="onNext" delay="0">
-                  <p:tgtEl>
-                    <p:sldTgt/>
-                  </p:tgtEl>
-                </p:cond>
-              </p:nextCondLst>
-            </p:seq>
-          </p:childTnLst>
-        </p:cTn>
-      </p:par>
-    </p:tnLst>
-  </p:timing>
-</p:sld>
-</file>
-
-<file path=ppt/slides/slide2.xml><?xml version="1.0" encoding="utf-8"?>
-<p:sld xmlns:a="http://schemas.openxmlformats.org/drawingml/2006/main" xmlns:r="http://schemas.openxmlformats.org/officeDocument/2006/relationships" xmlns:p="http://schemas.openxmlformats.org/presentationml/2006/main">
-  <p:cSld>
-    <p:spTree>
-      <p:nvGrpSpPr>
-        <p:cNvPr id="1" name=""/>
-        <p:cNvGrpSpPr/>
-        <p:nvPr/>
-      </p:nvGrpSpPr>
-      <p:grpSpPr>
-        <a:xfrm>
-          <a:off x="0" y="0"/>
-          <a:ext cx="0" cy="0"/>
-          <a:chOff x="0" y="0"/>
-          <a:chExt cx="0" cy="0"/>
-        </a:xfrm>
-      </p:grpSpPr>
-      <p:sp>
-        <p:nvSpPr>
           <p:cNvPr id="2" name="标题 1"/>
           <p:cNvSpPr>
             <a:spLocks noGrp="1"/>
@@ -6128,11 +3276,11 @@
   <p:clrMapOvr>
     <a:masterClrMapping/>
   </p:clrMapOvr>
-  <mc:AlternateContent xmlns:mc="http://schemas.openxmlformats.org/markup-compatibility/2006">
-    <mc:Choice xmlns:p14="http://schemas.microsoft.com/office/powerpoint/2010/main" Requires="p14">
+  <mc:AlternateContent xmlns:mc="http://schemas.openxmlformats.org/markup-compatibility/2006" xmlns:p14="http://schemas.microsoft.com/office/powerpoint/2010/main">
+    <mc:Choice Requires="p14">
       <p:transition p14:dur="0" advTm="9938"/>
     </mc:Choice>
-    <mc:Fallback>
+    <mc:Fallback xmlns="">
       <p:transition advTm="9938"/>
     </mc:Fallback>
   </mc:AlternateContent>
@@ -6288,7 +3436,104 @@
 </p:sld>
 </file>
 
-<file path=ppt/slides/slide20.xml><?xml version="1.0" encoding="utf-8"?>
+<file path=ppt/slides/slide10.xml><?xml version="1.0" encoding="utf-8"?>
+<p:sld xmlns:a="http://schemas.openxmlformats.org/drawingml/2006/main" xmlns:r="http://schemas.openxmlformats.org/officeDocument/2006/relationships" xmlns:p="http://schemas.openxmlformats.org/presentationml/2006/main">
+  <p:cSld>
+    <p:spTree>
+      <p:nvGrpSpPr>
+        <p:cNvPr id="1" name=""/>
+        <p:cNvGrpSpPr/>
+        <p:nvPr/>
+      </p:nvGrpSpPr>
+      <p:grpSpPr>
+        <a:xfrm>
+          <a:off x="0" y="0"/>
+          <a:ext cx="0" cy="0"/>
+          <a:chOff x="0" y="0"/>
+          <a:chExt cx="0" cy="0"/>
+        </a:xfrm>
+      </p:grpSpPr>
+      <p:sp>
+        <p:nvSpPr>
+          <p:cNvPr id="2" name="标题 1"/>
+          <p:cNvSpPr>
+            <a:spLocks noGrp="1"/>
+          </p:cNvSpPr>
+          <p:nvPr>
+            <p:ph type="title"/>
+          </p:nvPr>
+        </p:nvSpPr>
+        <p:spPr>
+          <a:xfrm>
+            <a:off x="13516" y="440668"/>
+            <a:ext cx="12192000" cy="1122096"/>
+          </a:xfrm>
+        </p:spPr>
+        <p:txBody>
+          <a:bodyPr/>
+          <a:lstStyle/>
+          <a:p>
+            <a:r>
+              <a:rPr lang="zh-CN" altLang="en-US" dirty="0" smtClean="0"/>
+              <a:t>答案</a:t>
+            </a:r>
+            <a:endParaRPr lang="zh-CN" altLang="en-US" dirty="0"/>
+          </a:p>
+        </p:txBody>
+      </p:sp>
+      <p:pic>
+        <p:nvPicPr>
+          <p:cNvPr id="4" name="图片 3"/>
+          <p:cNvPicPr>
+            <a:picLocks noChangeAspect="1"/>
+          </p:cNvPicPr>
+          <p:nvPr/>
+        </p:nvPicPr>
+        <p:blipFill>
+          <a:blip r:embed="rId2"/>
+          <a:stretch>
+            <a:fillRect/>
+          </a:stretch>
+        </p:blipFill>
+        <p:spPr>
+          <a:xfrm>
+            <a:off x="369910" y="1952836"/>
+            <a:ext cx="11835606" cy="4900424"/>
+          </a:xfrm>
+          <a:prstGeom prst="rect">
+            <a:avLst/>
+          </a:prstGeom>
+        </p:spPr>
+      </p:pic>
+    </p:spTree>
+    <p:extLst>
+      <p:ext uri="{BB962C8B-B14F-4D97-AF65-F5344CB8AC3E}">
+        <p14:creationId xmlns:p14="http://schemas.microsoft.com/office/powerpoint/2010/main" val="1002898333"/>
+      </p:ext>
+    </p:extLst>
+  </p:cSld>
+  <p:clrMapOvr>
+    <a:masterClrMapping/>
+  </p:clrMapOvr>
+  <mc:AlternateContent xmlns:mc="http://schemas.openxmlformats.org/markup-compatibility/2006" xmlns:p14="http://schemas.microsoft.com/office/powerpoint/2010/main">
+    <mc:Choice Requires="p14">
+      <p:transition p14:dur="0" advTm="9938"/>
+    </mc:Choice>
+    <mc:Fallback xmlns="">
+      <p:transition advTm="9938"/>
+    </mc:Fallback>
+  </mc:AlternateContent>
+  <p:timing>
+    <p:tnLst>
+      <p:par>
+        <p:cTn id="1" dur="indefinite" restart="never" nodeType="tmRoot"/>
+      </p:par>
+    </p:tnLst>
+  </p:timing>
+</p:sld>
+</file>
+
+<file path=ppt/slides/slide11.xml><?xml version="1.0" encoding="utf-8"?>
 <p:sld xmlns:a="http://schemas.openxmlformats.org/drawingml/2006/main" xmlns:r="http://schemas.openxmlformats.org/officeDocument/2006/relationships" xmlns:p="http://schemas.openxmlformats.org/presentationml/2006/main">
   <p:cSld>
     <p:spTree>
@@ -6322,6 +3567,2275 @@
           <a:p>
             <a:r>
               <a:rPr lang="zh-CN" altLang="en-US" dirty="0" smtClean="0"/>
+              <a:t>箭头函数中的</a:t>
+            </a:r>
+            <a:r>
+              <a:rPr lang="en-US" altLang="zh-CN" dirty="0" smtClean="0"/>
+              <a:t>this</a:t>
+            </a:r>
+            <a:r>
+              <a:rPr lang="zh-CN" altLang="en-US" dirty="0" smtClean="0"/>
+              <a:t>指向问题</a:t>
+            </a:r>
+            <a:endParaRPr lang="zh-CN" altLang="en-US" dirty="0"/>
+          </a:p>
+        </p:txBody>
+      </p:sp>
+      <p:sp>
+        <p:nvSpPr>
+          <p:cNvPr id="3" name="文本框 2"/>
+          <p:cNvSpPr txBox="1"/>
+          <p:nvPr/>
+        </p:nvSpPr>
+        <p:spPr>
+          <a:xfrm>
+            <a:off x="2855640" y="2924944"/>
+            <a:ext cx="6480720" cy="2031325"/>
+          </a:xfrm>
+          <a:prstGeom prst="rect">
+            <a:avLst/>
+          </a:prstGeom>
+          <a:noFill/>
+        </p:spPr>
+        <p:txBody>
+          <a:bodyPr wrap="square" rtlCol="0">
+            <a:spAutoFit/>
+          </a:bodyPr>
+          <a:lstStyle/>
+          <a:p>
+            <a:pPr marL="285750" indent="-285750">
+              <a:buFont typeface="Arial" panose="020B0604020202020204" pitchFamily="34" charset="0"/>
+              <a:buChar char="•"/>
+            </a:pPr>
+            <a:r>
+              <a:rPr lang="zh-CN" altLang="en-US" dirty="0" smtClean="0">
+                <a:solidFill>
+                  <a:schemeClr val="tx1">
+                    <a:lumMod val="85000"/>
+                    <a:lumOff val="15000"/>
+                  </a:schemeClr>
+                </a:solidFill>
+                <a:latin typeface="冬青黑体简体中文 W3" panose="020B0300000000000000" pitchFamily="34" charset="-122"/>
+                <a:ea typeface="冬青黑体简体中文 W3" panose="020B0300000000000000" pitchFamily="34" charset="-122"/>
+              </a:rPr>
+              <a:t>什么是箭头函数</a:t>
+            </a:r>
+            <a:endParaRPr lang="en-US" altLang="zh-CN" dirty="0">
+              <a:solidFill>
+                <a:schemeClr val="tx1">
+                  <a:lumMod val="85000"/>
+                  <a:lumOff val="15000"/>
+                </a:schemeClr>
+              </a:solidFill>
+              <a:latin typeface="冬青黑体简体中文 W3" panose="020B0300000000000000" pitchFamily="34" charset="-122"/>
+              <a:ea typeface="冬青黑体简体中文 W3" panose="020B0300000000000000" pitchFamily="34" charset="-122"/>
+            </a:endParaRPr>
+          </a:p>
+          <a:p>
+            <a:pPr marL="285750" indent="-285750">
+              <a:buFont typeface="Arial" panose="020B0604020202020204" pitchFamily="34" charset="0"/>
+              <a:buChar char="•"/>
+            </a:pPr>
+            <a:endParaRPr lang="en-US" altLang="zh-CN" dirty="0" smtClean="0">
+              <a:solidFill>
+                <a:schemeClr val="tx1">
+                  <a:lumMod val="85000"/>
+                  <a:lumOff val="15000"/>
+                </a:schemeClr>
+              </a:solidFill>
+              <a:latin typeface="冬青黑体简体中文 W3" panose="020B0300000000000000" pitchFamily="34" charset="-122"/>
+              <a:ea typeface="冬青黑体简体中文 W3" panose="020B0300000000000000" pitchFamily="34" charset="-122"/>
+            </a:endParaRPr>
+          </a:p>
+          <a:p>
+            <a:pPr lvl="1"/>
+            <a:r>
+              <a:rPr lang="en-US" altLang="zh-CN" dirty="0" smtClean="0">
+                <a:solidFill>
+                  <a:schemeClr val="tx1">
+                    <a:lumMod val="65000"/>
+                    <a:lumOff val="35000"/>
+                  </a:schemeClr>
+                </a:solidFill>
+                <a:latin typeface="冬青黑体简体中文 W3" panose="020B0300000000000000" pitchFamily="34" charset="-122"/>
+                <a:ea typeface="冬青黑体简体中文 W3" panose="020B0300000000000000" pitchFamily="34" charset="-122"/>
+              </a:rPr>
+              <a:t>ES6</a:t>
+            </a:r>
+            <a:r>
+              <a:rPr lang="zh-CN" altLang="en-US" dirty="0" smtClean="0">
+                <a:solidFill>
+                  <a:schemeClr val="tx1">
+                    <a:lumMod val="65000"/>
+                    <a:lumOff val="35000"/>
+                  </a:schemeClr>
+                </a:solidFill>
+                <a:latin typeface="冬青黑体简体中文 W3" panose="020B0300000000000000" pitchFamily="34" charset="-122"/>
+                <a:ea typeface="冬青黑体简体中文 W3" panose="020B0300000000000000" pitchFamily="34" charset="-122"/>
+              </a:rPr>
+              <a:t>中允许使用 </a:t>
+            </a:r>
+            <a:r>
+              <a:rPr lang="zh-CN" altLang="en-US" dirty="0" smtClean="0">
+                <a:solidFill>
+                  <a:srgbClr val="C00000"/>
+                </a:solidFill>
+                <a:latin typeface="冬青黑体简体中文 W3" panose="020B0300000000000000" pitchFamily="34" charset="-122"/>
+                <a:ea typeface="冬青黑体简体中文 W3" panose="020B0300000000000000" pitchFamily="34" charset="-122"/>
+              </a:rPr>
+              <a:t>箭</a:t>
+            </a:r>
+            <a:r>
+              <a:rPr lang="zh-CN" altLang="en-US" dirty="0">
+                <a:solidFill>
+                  <a:srgbClr val="C00000"/>
+                </a:solidFill>
+                <a:latin typeface="冬青黑体简体中文 W3" panose="020B0300000000000000" pitchFamily="34" charset="-122"/>
+                <a:ea typeface="冬青黑体简体中文 W3" panose="020B0300000000000000" pitchFamily="34" charset="-122"/>
+              </a:rPr>
+              <a:t>头</a:t>
+            </a:r>
+            <a:r>
+              <a:rPr lang="zh-CN" altLang="en-US" dirty="0" smtClean="0">
+                <a:solidFill>
+                  <a:schemeClr val="tx1">
+                    <a:lumMod val="65000"/>
+                    <a:lumOff val="35000"/>
+                  </a:schemeClr>
+                </a:solidFill>
+                <a:latin typeface="冬青黑体简体中文 W3" panose="020B0300000000000000" pitchFamily="34" charset="-122"/>
+                <a:ea typeface="冬青黑体简体中文 W3" panose="020B0300000000000000" pitchFamily="34" charset="-122"/>
+              </a:rPr>
+              <a:t>（</a:t>
+            </a:r>
+            <a:r>
+              <a:rPr lang="en-US" altLang="zh-CN" dirty="0" smtClean="0">
+                <a:solidFill>
+                  <a:schemeClr val="tx1">
+                    <a:lumMod val="65000"/>
+                    <a:lumOff val="35000"/>
+                  </a:schemeClr>
+                </a:solidFill>
+                <a:latin typeface="冬青黑体简体中文 W3" panose="020B0300000000000000" pitchFamily="34" charset="-122"/>
+                <a:ea typeface="冬青黑体简体中文 W3" panose="020B0300000000000000" pitchFamily="34" charset="-122"/>
+              </a:rPr>
+              <a:t> </a:t>
+            </a:r>
+            <a:r>
+              <a:rPr lang="en-US" altLang="zh-CN" dirty="0">
+                <a:solidFill>
+                  <a:schemeClr val="tx1">
+                    <a:lumMod val="50000"/>
+                    <a:lumOff val="50000"/>
+                  </a:schemeClr>
+                </a:solidFill>
+                <a:latin typeface="冬青黑体简体中文 W3" panose="020B0300000000000000" pitchFamily="34" charset="-122"/>
+                <a:ea typeface="冬青黑体简体中文 W3" panose="020B0300000000000000" pitchFamily="34" charset="-122"/>
+              </a:rPr>
+              <a:t>=&gt;</a:t>
+            </a:r>
+            <a:r>
+              <a:rPr lang="en-US" altLang="zh-CN" dirty="0">
+                <a:solidFill>
+                  <a:schemeClr val="tx1">
+                    <a:lumMod val="65000"/>
+                    <a:lumOff val="35000"/>
+                  </a:schemeClr>
+                </a:solidFill>
+                <a:latin typeface="冬青黑体简体中文 W3" panose="020B0300000000000000" pitchFamily="34" charset="-122"/>
+                <a:ea typeface="冬青黑体简体中文 W3" panose="020B0300000000000000" pitchFamily="34" charset="-122"/>
+              </a:rPr>
+              <a:t> </a:t>
+            </a:r>
+            <a:r>
+              <a:rPr lang="zh-CN" altLang="en-US" dirty="0" smtClean="0">
+                <a:solidFill>
+                  <a:schemeClr val="tx1">
+                    <a:lumMod val="65000"/>
+                    <a:lumOff val="35000"/>
+                  </a:schemeClr>
+                </a:solidFill>
+                <a:latin typeface="冬青黑体简体中文 W3" panose="020B0300000000000000" pitchFamily="34" charset="-122"/>
+                <a:ea typeface="冬青黑体简体中文 W3" panose="020B0300000000000000" pitchFamily="34" charset="-122"/>
+              </a:rPr>
+              <a:t>）来定义函数</a:t>
+            </a:r>
+            <a:r>
+              <a:rPr lang="zh-CN" altLang="en-US" dirty="0" smtClean="0">
+                <a:solidFill>
+                  <a:schemeClr val="tx1">
+                    <a:lumMod val="65000"/>
+                    <a:lumOff val="35000"/>
+                  </a:schemeClr>
+                </a:solidFill>
+                <a:latin typeface="冬青黑体简体中文 W3" panose="020B0300000000000000" pitchFamily="34" charset="-122"/>
+                <a:ea typeface="冬青黑体简体中文 W3" panose="020B0300000000000000" pitchFamily="34" charset="-122"/>
+                <a:sym typeface="Wingdings" panose="05000000000000000000" pitchFamily="2" charset="2"/>
+              </a:rPr>
+              <a:t>：</a:t>
+            </a:r>
+            <a:r>
+              <a:rPr lang="en-US" altLang="zh-CN" dirty="0" smtClean="0">
+                <a:solidFill>
+                  <a:schemeClr val="tx1">
+                    <a:lumMod val="65000"/>
+                    <a:lumOff val="35000"/>
+                  </a:schemeClr>
+                </a:solidFill>
+                <a:latin typeface="冬青黑体简体中文 W3" panose="020B0300000000000000" pitchFamily="34" charset="-122"/>
+                <a:ea typeface="冬青黑体简体中文 W3" panose="020B0300000000000000" pitchFamily="34" charset="-122"/>
+                <a:sym typeface="Wingdings" panose="05000000000000000000" pitchFamily="2" charset="2"/>
+              </a:rPr>
+              <a:t>( ) =&gt; { </a:t>
+            </a:r>
+            <a:r>
+              <a:rPr lang="en-US" altLang="zh-CN" dirty="0" smtClean="0">
+                <a:solidFill>
+                  <a:schemeClr val="tx1">
+                    <a:lumMod val="50000"/>
+                    <a:lumOff val="50000"/>
+                  </a:schemeClr>
+                </a:solidFill>
+                <a:latin typeface="冬青黑体简体中文 W3" panose="020B0300000000000000" pitchFamily="34" charset="-122"/>
+                <a:ea typeface="冬青黑体简体中文 W3" panose="020B0300000000000000" pitchFamily="34" charset="-122"/>
+                <a:sym typeface="Wingdings" panose="05000000000000000000" pitchFamily="2" charset="2"/>
+              </a:rPr>
+              <a:t>…</a:t>
+            </a:r>
+            <a:r>
+              <a:rPr lang="en-US" altLang="zh-CN" dirty="0" smtClean="0">
+                <a:solidFill>
+                  <a:schemeClr val="tx1">
+                    <a:lumMod val="65000"/>
+                    <a:lumOff val="35000"/>
+                  </a:schemeClr>
+                </a:solidFill>
+                <a:latin typeface="冬青黑体简体中文 W3" panose="020B0300000000000000" pitchFamily="34" charset="-122"/>
+                <a:ea typeface="冬青黑体简体中文 W3" panose="020B0300000000000000" pitchFamily="34" charset="-122"/>
+                <a:sym typeface="Wingdings" panose="05000000000000000000" pitchFamily="2" charset="2"/>
+              </a:rPr>
+              <a:t> }</a:t>
+            </a:r>
+          </a:p>
+          <a:p>
+            <a:pPr marL="742950" lvl="1" indent="-285750">
+              <a:buFont typeface="Arial" panose="020B0604020202020204" pitchFamily="34" charset="0"/>
+              <a:buChar char="•"/>
+            </a:pPr>
+            <a:endParaRPr lang="en-US" altLang="zh-CN" dirty="0">
+              <a:solidFill>
+                <a:schemeClr val="tx1">
+                  <a:lumMod val="85000"/>
+                  <a:lumOff val="15000"/>
+                </a:schemeClr>
+              </a:solidFill>
+              <a:latin typeface="冬青黑体简体中文 W3" panose="020B0300000000000000" pitchFamily="34" charset="-122"/>
+              <a:ea typeface="冬青黑体简体中文 W3" panose="020B0300000000000000" pitchFamily="34" charset="-122"/>
+              <a:sym typeface="Wingdings" panose="05000000000000000000" pitchFamily="2" charset="2"/>
+            </a:endParaRPr>
+          </a:p>
+          <a:p>
+            <a:pPr marL="285750" indent="-285750">
+              <a:buFont typeface="Arial" panose="020B0604020202020204" pitchFamily="34" charset="0"/>
+              <a:buChar char="•"/>
+            </a:pPr>
+            <a:r>
+              <a:rPr lang="en-US" altLang="zh-CN" dirty="0" smtClean="0">
+                <a:solidFill>
+                  <a:schemeClr val="tx1">
+                    <a:lumMod val="85000"/>
+                    <a:lumOff val="15000"/>
+                  </a:schemeClr>
+                </a:solidFill>
+                <a:latin typeface="冬青黑体简体中文 W3" panose="020B0300000000000000" pitchFamily="34" charset="-122"/>
+                <a:ea typeface="冬青黑体简体中文 W3" panose="020B0300000000000000" pitchFamily="34" charset="-122"/>
+                <a:sym typeface="Wingdings" panose="05000000000000000000" pitchFamily="2" charset="2"/>
+              </a:rPr>
+              <a:t>this</a:t>
+            </a:r>
+            <a:r>
+              <a:rPr lang="zh-CN" altLang="en-US" dirty="0" smtClean="0">
+                <a:solidFill>
+                  <a:schemeClr val="tx1">
+                    <a:lumMod val="85000"/>
+                    <a:lumOff val="15000"/>
+                  </a:schemeClr>
+                </a:solidFill>
+                <a:latin typeface="冬青黑体简体中文 W3" panose="020B0300000000000000" pitchFamily="34" charset="-122"/>
+                <a:ea typeface="冬青黑体简体中文 W3" panose="020B0300000000000000" pitchFamily="34" charset="-122"/>
+                <a:sym typeface="Wingdings" panose="05000000000000000000" pitchFamily="2" charset="2"/>
+              </a:rPr>
+              <a:t>指向问题</a:t>
+            </a:r>
+            <a:endParaRPr lang="en-US" altLang="zh-CN" dirty="0">
+              <a:solidFill>
+                <a:schemeClr val="tx1">
+                  <a:lumMod val="85000"/>
+                  <a:lumOff val="15000"/>
+                </a:schemeClr>
+              </a:solidFill>
+              <a:latin typeface="冬青黑体简体中文 W3" panose="020B0300000000000000" pitchFamily="34" charset="-122"/>
+              <a:ea typeface="冬青黑体简体中文 W3" panose="020B0300000000000000" pitchFamily="34" charset="-122"/>
+              <a:sym typeface="Wingdings" panose="05000000000000000000" pitchFamily="2" charset="2"/>
+            </a:endParaRPr>
+          </a:p>
+          <a:p>
+            <a:pPr marL="285750" indent="-285750">
+              <a:buFont typeface="Arial" panose="020B0604020202020204" pitchFamily="34" charset="0"/>
+              <a:buChar char="•"/>
+            </a:pPr>
+            <a:endParaRPr lang="en-US" altLang="zh-CN" dirty="0" smtClean="0">
+              <a:solidFill>
+                <a:schemeClr val="tx1">
+                  <a:lumMod val="85000"/>
+                  <a:lumOff val="15000"/>
+                </a:schemeClr>
+              </a:solidFill>
+              <a:latin typeface="冬青黑体简体中文 W3" panose="020B0300000000000000" pitchFamily="34" charset="-122"/>
+              <a:ea typeface="冬青黑体简体中文 W3" panose="020B0300000000000000" pitchFamily="34" charset="-122"/>
+              <a:sym typeface="Wingdings" panose="05000000000000000000" pitchFamily="2" charset="2"/>
+            </a:endParaRPr>
+          </a:p>
+          <a:p>
+            <a:pPr lvl="1"/>
+            <a:r>
+              <a:rPr lang="zh-CN" altLang="en-US" dirty="0" smtClean="0">
+                <a:solidFill>
+                  <a:schemeClr val="tx1">
+                    <a:lumMod val="65000"/>
+                    <a:lumOff val="35000"/>
+                  </a:schemeClr>
+                </a:solidFill>
+                <a:latin typeface="冬青黑体简体中文 W3" panose="020B0300000000000000" pitchFamily="34" charset="-122"/>
+                <a:ea typeface="冬青黑体简体中文 W3" panose="020B0300000000000000" pitchFamily="34" charset="-122"/>
+                <a:sym typeface="Wingdings" panose="05000000000000000000" pitchFamily="2" charset="2"/>
+              </a:rPr>
+              <a:t>箭头函数自身没有</a:t>
+            </a:r>
+            <a:r>
+              <a:rPr lang="en-US" altLang="zh-CN" dirty="0" smtClean="0">
+                <a:solidFill>
+                  <a:schemeClr val="tx1">
+                    <a:lumMod val="65000"/>
+                    <a:lumOff val="35000"/>
+                  </a:schemeClr>
+                </a:solidFill>
+                <a:latin typeface="冬青黑体简体中文 W3" panose="020B0300000000000000" pitchFamily="34" charset="-122"/>
+                <a:ea typeface="冬青黑体简体中文 W3" panose="020B0300000000000000" pitchFamily="34" charset="-122"/>
+                <a:sym typeface="Wingdings" panose="05000000000000000000" pitchFamily="2" charset="2"/>
+              </a:rPr>
+              <a:t>this</a:t>
+            </a:r>
+            <a:r>
+              <a:rPr lang="zh-CN" altLang="en-US" dirty="0" smtClean="0">
+                <a:solidFill>
+                  <a:schemeClr val="tx1">
+                    <a:lumMod val="65000"/>
+                    <a:lumOff val="35000"/>
+                  </a:schemeClr>
+                </a:solidFill>
+                <a:latin typeface="冬青黑体简体中文 W3" panose="020B0300000000000000" pitchFamily="34" charset="-122"/>
+                <a:ea typeface="冬青黑体简体中文 W3" panose="020B0300000000000000" pitchFamily="34" charset="-122"/>
+                <a:sym typeface="Wingdings" panose="05000000000000000000" pitchFamily="2" charset="2"/>
+              </a:rPr>
+              <a:t>绑定，依赖于</a:t>
+            </a:r>
+            <a:r>
+              <a:rPr lang="zh-CN" altLang="en-US" dirty="0" smtClean="0">
+                <a:solidFill>
+                  <a:srgbClr val="C00000"/>
+                </a:solidFill>
+                <a:latin typeface="冬青黑体简体中文 W3" panose="020B0300000000000000" pitchFamily="34" charset="-122"/>
+                <a:ea typeface="冬青黑体简体中文 W3" panose="020B0300000000000000" pitchFamily="34" charset="-122"/>
+                <a:sym typeface="Wingdings" panose="05000000000000000000" pitchFamily="2" charset="2"/>
+              </a:rPr>
+              <a:t>父级作用域</a:t>
+            </a:r>
+            <a:r>
+              <a:rPr lang="zh-CN" altLang="en-US" dirty="0" smtClean="0">
+                <a:solidFill>
+                  <a:schemeClr val="tx1">
+                    <a:lumMod val="65000"/>
+                    <a:lumOff val="35000"/>
+                  </a:schemeClr>
+                </a:solidFill>
+                <a:latin typeface="冬青黑体简体中文 W3" panose="020B0300000000000000" pitchFamily="34" charset="-122"/>
+                <a:ea typeface="冬青黑体简体中文 W3" panose="020B0300000000000000" pitchFamily="34" charset="-122"/>
+                <a:sym typeface="Wingdings" panose="05000000000000000000" pitchFamily="2" charset="2"/>
+              </a:rPr>
+              <a:t>中的</a:t>
+            </a:r>
+            <a:r>
+              <a:rPr lang="en-US" altLang="zh-CN" dirty="0" smtClean="0">
+                <a:solidFill>
+                  <a:schemeClr val="tx1">
+                    <a:lumMod val="65000"/>
+                    <a:lumOff val="35000"/>
+                  </a:schemeClr>
+                </a:solidFill>
+                <a:latin typeface="冬青黑体简体中文 W3" panose="020B0300000000000000" pitchFamily="34" charset="-122"/>
+                <a:ea typeface="冬青黑体简体中文 W3" panose="020B0300000000000000" pitchFamily="34" charset="-122"/>
+                <a:sym typeface="Wingdings" panose="05000000000000000000" pitchFamily="2" charset="2"/>
+              </a:rPr>
+              <a:t>this</a:t>
+            </a:r>
+            <a:r>
+              <a:rPr lang="zh-CN" altLang="en-US" dirty="0" smtClean="0">
+                <a:solidFill>
+                  <a:schemeClr val="tx1">
+                    <a:lumMod val="65000"/>
+                    <a:lumOff val="35000"/>
+                  </a:schemeClr>
+                </a:solidFill>
+                <a:latin typeface="冬青黑体简体中文 W3" panose="020B0300000000000000" pitchFamily="34" charset="-122"/>
+                <a:ea typeface="冬青黑体简体中文 W3" panose="020B0300000000000000" pitchFamily="34" charset="-122"/>
+                <a:sym typeface="Wingdings" panose="05000000000000000000" pitchFamily="2" charset="2"/>
+              </a:rPr>
+              <a:t>。</a:t>
+            </a:r>
+            <a:endParaRPr lang="en-US" altLang="zh-CN" dirty="0" smtClean="0">
+              <a:solidFill>
+                <a:schemeClr val="tx1">
+                  <a:lumMod val="65000"/>
+                  <a:lumOff val="35000"/>
+                </a:schemeClr>
+              </a:solidFill>
+              <a:latin typeface="冬青黑体简体中文 W3" panose="020B0300000000000000" pitchFamily="34" charset="-122"/>
+              <a:ea typeface="冬青黑体简体中文 W3" panose="020B0300000000000000" pitchFamily="34" charset="-122"/>
+              <a:sym typeface="Wingdings" panose="05000000000000000000" pitchFamily="2" charset="2"/>
+            </a:endParaRPr>
+          </a:p>
+        </p:txBody>
+      </p:sp>
+    </p:spTree>
+    <p:extLst>
+      <p:ext uri="{BB962C8B-B14F-4D97-AF65-F5344CB8AC3E}">
+        <p14:creationId xmlns:p14="http://schemas.microsoft.com/office/powerpoint/2010/main" val="3419259026"/>
+      </p:ext>
+    </p:extLst>
+  </p:cSld>
+  <p:clrMapOvr>
+    <a:masterClrMapping/>
+  </p:clrMapOvr>
+  <mc:AlternateContent xmlns:mc="http://schemas.openxmlformats.org/markup-compatibility/2006" xmlns:p14="http://schemas.microsoft.com/office/powerpoint/2010/main">
+    <mc:Choice Requires="p14">
+      <p:transition p14:dur="0" advTm="9938"/>
+    </mc:Choice>
+    <mc:Fallback xmlns="">
+      <p:transition advTm="9938"/>
+    </mc:Fallback>
+  </mc:AlternateContent>
+  <p:timing>
+    <p:tnLst>
+      <p:par>
+        <p:cTn id="1" dur="indefinite" restart="never" nodeType="tmRoot"/>
+      </p:par>
+    </p:tnLst>
+  </p:timing>
+</p:sld>
+</file>
+
+<file path=ppt/slides/slide12.xml><?xml version="1.0" encoding="utf-8"?>
+<p:sld xmlns:a="http://schemas.openxmlformats.org/drawingml/2006/main" xmlns:r="http://schemas.openxmlformats.org/officeDocument/2006/relationships" xmlns:p="http://schemas.openxmlformats.org/presentationml/2006/main">
+  <p:cSld>
+    <p:spTree>
+      <p:nvGrpSpPr>
+        <p:cNvPr id="1" name=""/>
+        <p:cNvGrpSpPr/>
+        <p:nvPr/>
+      </p:nvGrpSpPr>
+      <p:grpSpPr>
+        <a:xfrm>
+          <a:off x="0" y="0"/>
+          <a:ext cx="0" cy="0"/>
+          <a:chOff x="0" y="0"/>
+          <a:chExt cx="0" cy="0"/>
+        </a:xfrm>
+      </p:grpSpPr>
+      <p:sp>
+        <p:nvSpPr>
+          <p:cNvPr id="2" name="标题 1"/>
+          <p:cNvSpPr>
+            <a:spLocks noGrp="1"/>
+          </p:cNvSpPr>
+          <p:nvPr>
+            <p:ph type="title"/>
+          </p:nvPr>
+        </p:nvSpPr>
+        <p:spPr>
+          <a:xfrm>
+            <a:off x="155340" y="-10855"/>
+            <a:ext cx="12192000" cy="1122096"/>
+          </a:xfrm>
+        </p:spPr>
+        <p:txBody>
+          <a:bodyPr/>
+          <a:lstStyle/>
+          <a:p>
+            <a:r>
+              <a:rPr lang="zh-CN" altLang="en-US" dirty="0"/>
+              <a:t>代</a:t>
+            </a:r>
+            <a:r>
+              <a:rPr lang="zh-CN" altLang="en-US" dirty="0" smtClean="0"/>
+              <a:t>码示例</a:t>
+            </a:r>
+            <a:endParaRPr lang="zh-CN" altLang="en-US" dirty="0"/>
+          </a:p>
+        </p:txBody>
+      </p:sp>
+      <p:pic>
+        <p:nvPicPr>
+          <p:cNvPr id="5" name="图片 4"/>
+          <p:cNvPicPr>
+            <a:picLocks noChangeAspect="1"/>
+          </p:cNvPicPr>
+          <p:nvPr/>
+        </p:nvPicPr>
+        <p:blipFill>
+          <a:blip r:embed="rId2"/>
+          <a:stretch>
+            <a:fillRect/>
+          </a:stretch>
+        </p:blipFill>
+        <p:spPr>
+          <a:xfrm>
+            <a:off x="0" y="1263669"/>
+            <a:ext cx="12192000" cy="5527655"/>
+          </a:xfrm>
+          <a:prstGeom prst="rect">
+            <a:avLst/>
+          </a:prstGeom>
+        </p:spPr>
+      </p:pic>
+    </p:spTree>
+    <p:extLst>
+      <p:ext uri="{BB962C8B-B14F-4D97-AF65-F5344CB8AC3E}">
+        <p14:creationId xmlns:p14="http://schemas.microsoft.com/office/powerpoint/2010/main" val="229835491"/>
+      </p:ext>
+    </p:extLst>
+  </p:cSld>
+  <p:clrMapOvr>
+    <a:masterClrMapping/>
+  </p:clrMapOvr>
+  <mc:AlternateContent xmlns:mc="http://schemas.openxmlformats.org/markup-compatibility/2006" xmlns:p14="http://schemas.microsoft.com/office/powerpoint/2010/main">
+    <mc:Choice Requires="p14">
+      <p:transition p14:dur="0" advTm="9938"/>
+    </mc:Choice>
+    <mc:Fallback xmlns="">
+      <p:transition advTm="9938"/>
+    </mc:Fallback>
+  </mc:AlternateContent>
+  <p:timing>
+    <p:tnLst>
+      <p:par>
+        <p:cTn id="1" dur="indefinite" restart="never" nodeType="tmRoot"/>
+      </p:par>
+    </p:tnLst>
+  </p:timing>
+</p:sld>
+</file>
+
+<file path=ppt/slides/slide13.xml><?xml version="1.0" encoding="utf-8"?>
+<p:sld xmlns:a="http://schemas.openxmlformats.org/drawingml/2006/main" xmlns:r="http://schemas.openxmlformats.org/officeDocument/2006/relationships" xmlns:p="http://schemas.openxmlformats.org/presentationml/2006/main">
+  <p:cSld>
+    <p:spTree>
+      <p:nvGrpSpPr>
+        <p:cNvPr id="1" name=""/>
+        <p:cNvGrpSpPr/>
+        <p:nvPr/>
+      </p:nvGrpSpPr>
+      <p:grpSpPr>
+        <a:xfrm>
+          <a:off x="0" y="0"/>
+          <a:ext cx="0" cy="0"/>
+          <a:chOff x="0" y="0"/>
+          <a:chExt cx="0" cy="0"/>
+        </a:xfrm>
+      </p:grpSpPr>
+      <p:sp>
+        <p:nvSpPr>
+          <p:cNvPr id="2" name="标题 1"/>
+          <p:cNvSpPr>
+            <a:spLocks noGrp="1"/>
+          </p:cNvSpPr>
+          <p:nvPr>
+            <p:ph type="title"/>
+          </p:nvPr>
+        </p:nvSpPr>
+        <p:spPr>
+          <a:xfrm>
+            <a:off x="0" y="459945"/>
+            <a:ext cx="12192000" cy="1122096"/>
+          </a:xfrm>
+        </p:spPr>
+        <p:txBody>
+          <a:bodyPr/>
+          <a:lstStyle/>
+          <a:p>
+            <a:r>
+              <a:rPr lang="zh-CN" altLang="en-US" dirty="0" smtClean="0"/>
+              <a:t>改变</a:t>
+            </a:r>
+            <a:r>
+              <a:rPr lang="en-US" altLang="zh-CN" dirty="0" smtClean="0"/>
+              <a:t>this</a:t>
+            </a:r>
+            <a:r>
+              <a:rPr lang="zh-CN" altLang="en-US" dirty="0" smtClean="0"/>
+              <a:t>的三个方法</a:t>
+            </a:r>
+            <a:endParaRPr lang="zh-CN" altLang="en-US" dirty="0"/>
+          </a:p>
+        </p:txBody>
+      </p:sp>
+      <p:sp>
+        <p:nvSpPr>
+          <p:cNvPr id="3" name="文本占位符 2"/>
+          <p:cNvSpPr>
+            <a:spLocks noGrp="1"/>
+          </p:cNvSpPr>
+          <p:nvPr>
+            <p:ph type="body" sz="quarter" idx="10"/>
+          </p:nvPr>
+        </p:nvSpPr>
+        <p:spPr/>
+        <p:txBody>
+          <a:bodyPr>
+            <a:normAutofit/>
+          </a:bodyPr>
+          <a:lstStyle/>
+          <a:p>
+            <a:pPr marL="342900" indent="-342900">
+              <a:buFont typeface="+mj-lt"/>
+              <a:buAutoNum type="arabicPeriod"/>
+            </a:pPr>
+            <a:r>
+              <a:rPr lang="en-US" altLang="zh-CN" dirty="0" smtClean="0">
+                <a:solidFill>
+                  <a:schemeClr val="tx1">
+                    <a:lumMod val="85000"/>
+                    <a:lumOff val="15000"/>
+                  </a:schemeClr>
+                </a:solidFill>
+              </a:rPr>
+              <a:t>call</a:t>
+            </a:r>
+            <a:r>
+              <a:rPr lang="zh-CN" altLang="en-US" dirty="0" smtClean="0">
+                <a:solidFill>
+                  <a:schemeClr val="tx1">
+                    <a:lumMod val="85000"/>
+                    <a:lumOff val="15000"/>
+                  </a:schemeClr>
+                </a:solidFill>
+              </a:rPr>
+              <a:t>、</a:t>
+            </a:r>
+            <a:r>
+              <a:rPr lang="en-US" altLang="zh-CN" dirty="0" smtClean="0">
+                <a:solidFill>
+                  <a:schemeClr val="tx1">
+                    <a:lumMod val="85000"/>
+                    <a:lumOff val="15000"/>
+                  </a:schemeClr>
+                </a:solidFill>
+              </a:rPr>
+              <a:t>apply</a:t>
+            </a:r>
+            <a:r>
+              <a:rPr lang="zh-CN" altLang="en-US" dirty="0" smtClean="0">
+                <a:solidFill>
+                  <a:schemeClr val="tx1">
+                    <a:lumMod val="85000"/>
+                    <a:lumOff val="15000"/>
+                  </a:schemeClr>
+                </a:solidFill>
+              </a:rPr>
+              <a:t>方法：</a:t>
+            </a:r>
+            <a:endParaRPr lang="en-US" altLang="zh-CN" dirty="0" smtClean="0">
+              <a:solidFill>
+                <a:schemeClr val="tx1">
+                  <a:lumMod val="85000"/>
+                  <a:lumOff val="15000"/>
+                </a:schemeClr>
+              </a:solidFill>
+            </a:endParaRPr>
+          </a:p>
+          <a:p>
+            <a:pPr marL="342900" indent="-342900">
+              <a:buFont typeface="+mj-lt"/>
+              <a:buAutoNum type="arabicPeriod"/>
+            </a:pPr>
+            <a:endParaRPr lang="en-US" altLang="zh-CN" dirty="0">
+              <a:solidFill>
+                <a:schemeClr val="tx1">
+                  <a:lumMod val="85000"/>
+                  <a:lumOff val="15000"/>
+                </a:schemeClr>
+              </a:solidFill>
+            </a:endParaRPr>
+          </a:p>
+          <a:p>
+            <a:pPr marL="1028700" lvl="1">
+              <a:buFont typeface="Arial" panose="020B0604020202020204" pitchFamily="34" charset="0"/>
+              <a:buChar char="•"/>
+            </a:pPr>
+            <a:r>
+              <a:rPr lang="zh-CN" altLang="en-US" sz="1800" dirty="0">
+                <a:solidFill>
+                  <a:schemeClr val="tx1">
+                    <a:lumMod val="65000"/>
+                    <a:lumOff val="35000"/>
+                  </a:schemeClr>
+                </a:solidFill>
+                <a:latin typeface="冬青黑体简体中文 W3" panose="020B0300000000000000" pitchFamily="34" charset="-122"/>
+                <a:ea typeface="冬青黑体简体中文 W3" panose="020B0300000000000000" pitchFamily="34" charset="-122"/>
+              </a:rPr>
+              <a:t>共同点：调用一个具有给定</a:t>
+            </a:r>
+            <a:r>
+              <a:rPr lang="en-US" altLang="zh-CN" sz="1800" dirty="0">
+                <a:solidFill>
+                  <a:schemeClr val="tx1">
+                    <a:lumMod val="65000"/>
+                    <a:lumOff val="35000"/>
+                  </a:schemeClr>
+                </a:solidFill>
+                <a:latin typeface="冬青黑体简体中文 W3" panose="020B0300000000000000" pitchFamily="34" charset="-122"/>
+                <a:ea typeface="冬青黑体简体中文 W3" panose="020B0300000000000000" pitchFamily="34" charset="-122"/>
+              </a:rPr>
+              <a:t>this</a:t>
+            </a:r>
+            <a:r>
+              <a:rPr lang="zh-CN" altLang="en-US" sz="1800" dirty="0">
+                <a:solidFill>
+                  <a:schemeClr val="tx1">
+                    <a:lumMod val="65000"/>
+                    <a:lumOff val="35000"/>
+                  </a:schemeClr>
+                </a:solidFill>
+                <a:latin typeface="冬青黑体简体中文 W3" panose="020B0300000000000000" pitchFamily="34" charset="-122"/>
+                <a:ea typeface="冬青黑体简体中文 W3" panose="020B0300000000000000" pitchFamily="34" charset="-122"/>
+              </a:rPr>
+              <a:t>值的函数 ，并为其提供参数。</a:t>
+            </a:r>
+            <a:endParaRPr lang="en-US" altLang="zh-CN" sz="1800" dirty="0">
+              <a:solidFill>
+                <a:schemeClr val="tx1">
+                  <a:lumMod val="65000"/>
+                  <a:lumOff val="35000"/>
+                </a:schemeClr>
+              </a:solidFill>
+              <a:latin typeface="冬青黑体简体中文 W3" panose="020B0300000000000000" pitchFamily="34" charset="-122"/>
+              <a:ea typeface="冬青黑体简体中文 W3" panose="020B0300000000000000" pitchFamily="34" charset="-122"/>
+            </a:endParaRPr>
+          </a:p>
+          <a:p>
+            <a:pPr marL="1028700" lvl="1">
+              <a:buFont typeface="Arial" panose="020B0604020202020204" pitchFamily="34" charset="0"/>
+              <a:buChar char="•"/>
+            </a:pPr>
+            <a:r>
+              <a:rPr lang="zh-CN" altLang="en-US" sz="1800" dirty="0">
+                <a:solidFill>
+                  <a:schemeClr val="tx1">
+                    <a:lumMod val="65000"/>
+                    <a:lumOff val="35000"/>
+                  </a:schemeClr>
+                </a:solidFill>
+                <a:latin typeface="冬青黑体简体中文 W3" panose="020B0300000000000000" pitchFamily="34" charset="-122"/>
+                <a:ea typeface="冬青黑体简体中文 W3" panose="020B0300000000000000" pitchFamily="34" charset="-122"/>
+              </a:rPr>
+              <a:t>不同点：</a:t>
+            </a:r>
+            <a:endParaRPr lang="en-US" altLang="zh-CN" sz="1800" dirty="0">
+              <a:solidFill>
+                <a:schemeClr val="tx1">
+                  <a:lumMod val="65000"/>
+                  <a:lumOff val="35000"/>
+                </a:schemeClr>
+              </a:solidFill>
+              <a:latin typeface="冬青黑体简体中文 W3" panose="020B0300000000000000" pitchFamily="34" charset="-122"/>
+              <a:ea typeface="冬青黑体简体中文 W3" panose="020B0300000000000000" pitchFamily="34" charset="-122"/>
+            </a:endParaRPr>
+          </a:p>
+          <a:p>
+            <a:pPr marL="1428750" lvl="2"/>
+            <a:r>
+              <a:rPr lang="en-US" altLang="zh-CN" sz="1800" dirty="0">
+                <a:solidFill>
+                  <a:schemeClr val="tx1">
+                    <a:lumMod val="65000"/>
+                    <a:lumOff val="35000"/>
+                  </a:schemeClr>
+                </a:solidFill>
+                <a:latin typeface="冬青黑体简体中文 W3" panose="020B0300000000000000" pitchFamily="34" charset="-122"/>
+                <a:ea typeface="冬青黑体简体中文 W3" panose="020B0300000000000000" pitchFamily="34" charset="-122"/>
+              </a:rPr>
+              <a:t>call</a:t>
+            </a:r>
+            <a:r>
+              <a:rPr lang="zh-CN" altLang="en-US" sz="1800" dirty="0">
+                <a:solidFill>
+                  <a:schemeClr val="tx1">
+                    <a:lumMod val="65000"/>
+                    <a:lumOff val="35000"/>
+                  </a:schemeClr>
+                </a:solidFill>
+                <a:latin typeface="冬青黑体简体中文 W3" panose="020B0300000000000000" pitchFamily="34" charset="-122"/>
+                <a:ea typeface="冬青黑体简体中文 W3" panose="020B0300000000000000" pitchFamily="34" charset="-122"/>
+              </a:rPr>
+              <a:t>方法：</a:t>
+            </a:r>
+            <a:r>
+              <a:rPr lang="en-US" altLang="zh-CN" sz="1800" dirty="0">
+                <a:solidFill>
+                  <a:schemeClr val="tx1">
+                    <a:lumMod val="65000"/>
+                    <a:lumOff val="35000"/>
+                  </a:schemeClr>
+                </a:solidFill>
+                <a:latin typeface="冬青黑体简体中文 W3" panose="020B0300000000000000" pitchFamily="34" charset="-122"/>
+                <a:ea typeface="冬青黑体简体中文 W3" panose="020B0300000000000000" pitchFamily="34" charset="-122"/>
+              </a:rPr>
+              <a:t>fn.call( thisArg, </a:t>
+            </a:r>
+            <a:r>
+              <a:rPr lang="en-US" altLang="zh-CN" sz="1800" dirty="0">
+                <a:solidFill>
+                  <a:srgbClr val="C00000"/>
+                </a:solidFill>
+                <a:latin typeface="冬青黑体简体中文 W3" panose="020B0300000000000000" pitchFamily="34" charset="-122"/>
+                <a:ea typeface="冬青黑体简体中文 W3" panose="020B0300000000000000" pitchFamily="34" charset="-122"/>
+              </a:rPr>
+              <a:t>arg1, arg2, arg3, ... </a:t>
+            </a:r>
+            <a:r>
+              <a:rPr lang="en-US" altLang="zh-CN" sz="1800" dirty="0">
+                <a:solidFill>
+                  <a:schemeClr val="tx1">
+                    <a:lumMod val="65000"/>
+                    <a:lumOff val="35000"/>
+                  </a:schemeClr>
+                </a:solidFill>
+                <a:latin typeface="冬青黑体简体中文 W3" panose="020B0300000000000000" pitchFamily="34" charset="-122"/>
+                <a:ea typeface="冬青黑体简体中文 W3" panose="020B0300000000000000" pitchFamily="34" charset="-122"/>
+              </a:rPr>
+              <a:t>) </a:t>
+            </a:r>
+            <a:r>
+              <a:rPr lang="zh-CN" altLang="en-US" sz="1800" dirty="0">
+                <a:solidFill>
+                  <a:schemeClr val="tx1">
+                    <a:lumMod val="65000"/>
+                    <a:lumOff val="35000"/>
+                  </a:schemeClr>
+                </a:solidFill>
+                <a:latin typeface="冬青黑体简体中文 W3" panose="020B0300000000000000" pitchFamily="34" charset="-122"/>
+                <a:ea typeface="冬青黑体简体中文 W3" panose="020B0300000000000000" pitchFamily="34" charset="-122"/>
+              </a:rPr>
+              <a:t>传递给 </a:t>
+            </a:r>
+            <a:r>
+              <a:rPr lang="en-US" altLang="zh-CN" sz="1800" dirty="0">
+                <a:solidFill>
+                  <a:srgbClr val="C00000"/>
+                </a:solidFill>
+                <a:latin typeface="冬青黑体简体中文 W3" panose="020B0300000000000000" pitchFamily="34" charset="-122"/>
+                <a:ea typeface="冬青黑体简体中文 W3" panose="020B0300000000000000" pitchFamily="34" charset="-122"/>
+              </a:rPr>
+              <a:t>fn </a:t>
+            </a:r>
+            <a:r>
+              <a:rPr lang="zh-CN" altLang="en-US" sz="1800" dirty="0">
+                <a:solidFill>
+                  <a:schemeClr val="tx1">
+                    <a:lumMod val="65000"/>
+                    <a:lumOff val="35000"/>
+                  </a:schemeClr>
+                </a:solidFill>
+                <a:latin typeface="冬青黑体简体中文 W3" panose="020B0300000000000000" pitchFamily="34" charset="-122"/>
+                <a:ea typeface="冬青黑体简体中文 W3" panose="020B0300000000000000" pitchFamily="34" charset="-122"/>
+              </a:rPr>
+              <a:t>函数的是一个</a:t>
+            </a:r>
+            <a:r>
+              <a:rPr lang="zh-CN" altLang="en-US" sz="1800" dirty="0">
+                <a:solidFill>
+                  <a:srgbClr val="C00000"/>
+                </a:solidFill>
+                <a:latin typeface="冬青黑体简体中文 W3" panose="020B0300000000000000" pitchFamily="34" charset="-122"/>
+                <a:ea typeface="冬青黑体简体中文 W3" panose="020B0300000000000000" pitchFamily="34" charset="-122"/>
+              </a:rPr>
+              <a:t>参数列表</a:t>
+            </a:r>
+            <a:r>
+              <a:rPr lang="zh-CN" altLang="en-US" sz="1800" dirty="0">
+                <a:solidFill>
+                  <a:schemeClr val="tx1">
+                    <a:lumMod val="65000"/>
+                    <a:lumOff val="35000"/>
+                  </a:schemeClr>
+                </a:solidFill>
+                <a:latin typeface="冬青黑体简体中文 W3" panose="020B0300000000000000" pitchFamily="34" charset="-122"/>
+                <a:ea typeface="冬青黑体简体中文 W3" panose="020B0300000000000000" pitchFamily="34" charset="-122"/>
+              </a:rPr>
+              <a:t>。</a:t>
+            </a:r>
+            <a:endParaRPr lang="en-US" altLang="zh-CN" sz="1800" dirty="0">
+              <a:solidFill>
+                <a:schemeClr val="tx1">
+                  <a:lumMod val="65000"/>
+                  <a:lumOff val="35000"/>
+                </a:schemeClr>
+              </a:solidFill>
+              <a:latin typeface="冬青黑体简体中文 W3" panose="020B0300000000000000" pitchFamily="34" charset="-122"/>
+              <a:ea typeface="冬青黑体简体中文 W3" panose="020B0300000000000000" pitchFamily="34" charset="-122"/>
+            </a:endParaRPr>
+          </a:p>
+          <a:p>
+            <a:pPr marL="1428750" lvl="2"/>
+            <a:r>
+              <a:rPr lang="en-US" altLang="zh-CN" sz="1800" dirty="0">
+                <a:solidFill>
+                  <a:schemeClr val="tx1">
+                    <a:lumMod val="65000"/>
+                    <a:lumOff val="35000"/>
+                  </a:schemeClr>
+                </a:solidFill>
+                <a:latin typeface="冬青黑体简体中文 W3" panose="020B0300000000000000" pitchFamily="34" charset="-122"/>
+                <a:ea typeface="冬青黑体简体中文 W3" panose="020B0300000000000000" pitchFamily="34" charset="-122"/>
+              </a:rPr>
+              <a:t>apply</a:t>
+            </a:r>
+            <a:r>
+              <a:rPr lang="zh-CN" altLang="en-US" sz="1800" dirty="0">
+                <a:solidFill>
+                  <a:schemeClr val="tx1">
+                    <a:lumMod val="65000"/>
+                    <a:lumOff val="35000"/>
+                  </a:schemeClr>
+                </a:solidFill>
+                <a:latin typeface="冬青黑体简体中文 W3" panose="020B0300000000000000" pitchFamily="34" charset="-122"/>
+                <a:ea typeface="冬青黑体简体中文 W3" panose="020B0300000000000000" pitchFamily="34" charset="-122"/>
+              </a:rPr>
+              <a:t>方法：</a:t>
+            </a:r>
+            <a:r>
+              <a:rPr lang="en-US" altLang="zh-CN" sz="1800" dirty="0">
+                <a:solidFill>
+                  <a:schemeClr val="tx1">
+                    <a:lumMod val="65000"/>
+                    <a:lumOff val="35000"/>
+                  </a:schemeClr>
+                </a:solidFill>
+                <a:latin typeface="冬青黑体简体中文 W3" panose="020B0300000000000000" pitchFamily="34" charset="-122"/>
+                <a:ea typeface="冬青黑体简体中文 W3" panose="020B0300000000000000" pitchFamily="34" charset="-122"/>
+              </a:rPr>
+              <a:t>fn.call( thisArg, </a:t>
+            </a:r>
+            <a:r>
+              <a:rPr lang="en-US" altLang="zh-CN" sz="1800" dirty="0">
+                <a:solidFill>
+                  <a:srgbClr val="C00000"/>
+                </a:solidFill>
+                <a:latin typeface="冬青黑体简体中文 W3" panose="020B0300000000000000" pitchFamily="34" charset="-122"/>
+                <a:ea typeface="冬青黑体简体中文 W3" panose="020B0300000000000000" pitchFamily="34" charset="-122"/>
+              </a:rPr>
+              <a:t>[arg1, arg2, arg3, ...] </a:t>
+            </a:r>
+            <a:r>
+              <a:rPr lang="en-US" altLang="zh-CN" sz="1800" dirty="0">
+                <a:solidFill>
+                  <a:schemeClr val="tx1">
+                    <a:lumMod val="65000"/>
+                    <a:lumOff val="35000"/>
+                  </a:schemeClr>
+                </a:solidFill>
+                <a:latin typeface="冬青黑体简体中文 W3" panose="020B0300000000000000" pitchFamily="34" charset="-122"/>
+                <a:ea typeface="冬青黑体简体中文 W3" panose="020B0300000000000000" pitchFamily="34" charset="-122"/>
+              </a:rPr>
+              <a:t>) </a:t>
+            </a:r>
+            <a:r>
+              <a:rPr lang="zh-CN" altLang="en-US" sz="1800" dirty="0">
+                <a:solidFill>
+                  <a:schemeClr val="tx1">
+                    <a:lumMod val="65000"/>
+                    <a:lumOff val="35000"/>
+                  </a:schemeClr>
+                </a:solidFill>
+                <a:latin typeface="冬青黑体简体中文 W3" panose="020B0300000000000000" pitchFamily="34" charset="-122"/>
+                <a:ea typeface="冬青黑体简体中文 W3" panose="020B0300000000000000" pitchFamily="34" charset="-122"/>
+              </a:rPr>
+              <a:t>传递给</a:t>
+            </a:r>
+            <a:r>
+              <a:rPr lang="en-US" altLang="zh-CN" sz="1800" dirty="0">
+                <a:solidFill>
+                  <a:schemeClr val="tx1">
+                    <a:lumMod val="65000"/>
+                    <a:lumOff val="35000"/>
+                  </a:schemeClr>
+                </a:solidFill>
+                <a:latin typeface="冬青黑体简体中文 W3" panose="020B0300000000000000" pitchFamily="34" charset="-122"/>
+                <a:ea typeface="冬青黑体简体中文 W3" panose="020B0300000000000000" pitchFamily="34" charset="-122"/>
+              </a:rPr>
+              <a:t> </a:t>
+            </a:r>
+            <a:r>
+              <a:rPr lang="en-US" altLang="zh-CN" sz="1800" dirty="0">
+                <a:solidFill>
+                  <a:srgbClr val="C00000"/>
+                </a:solidFill>
+                <a:latin typeface="冬青黑体简体中文 W3" panose="020B0300000000000000" pitchFamily="34" charset="-122"/>
+                <a:ea typeface="冬青黑体简体中文 W3" panose="020B0300000000000000" pitchFamily="34" charset="-122"/>
+              </a:rPr>
+              <a:t>fn</a:t>
+            </a:r>
+            <a:r>
+              <a:rPr lang="en-US" altLang="zh-CN" sz="1800" dirty="0">
+                <a:solidFill>
+                  <a:schemeClr val="tx1">
+                    <a:lumMod val="65000"/>
+                    <a:lumOff val="35000"/>
+                  </a:schemeClr>
+                </a:solidFill>
+                <a:latin typeface="冬青黑体简体中文 W3" panose="020B0300000000000000" pitchFamily="34" charset="-122"/>
+                <a:ea typeface="冬青黑体简体中文 W3" panose="020B0300000000000000" pitchFamily="34" charset="-122"/>
+              </a:rPr>
+              <a:t> </a:t>
+            </a:r>
+            <a:r>
+              <a:rPr lang="zh-CN" altLang="en-US" sz="1800" dirty="0">
+                <a:solidFill>
+                  <a:schemeClr val="tx1">
+                    <a:lumMod val="65000"/>
+                    <a:lumOff val="35000"/>
+                  </a:schemeClr>
+                </a:solidFill>
+                <a:latin typeface="冬青黑体简体中文 W3" panose="020B0300000000000000" pitchFamily="34" charset="-122"/>
+                <a:ea typeface="冬青黑体简体中文 W3" panose="020B0300000000000000" pitchFamily="34" charset="-122"/>
+              </a:rPr>
+              <a:t>函数的是一个 </a:t>
+            </a:r>
+            <a:r>
+              <a:rPr lang="zh-CN" altLang="en-US" sz="1800" dirty="0">
+                <a:solidFill>
+                  <a:srgbClr val="C00000"/>
+                </a:solidFill>
+                <a:latin typeface="冬青黑体简体中文 W3" panose="020B0300000000000000" pitchFamily="34" charset="-122"/>
+                <a:ea typeface="冬青黑体简体中文 W3" panose="020B0300000000000000" pitchFamily="34" charset="-122"/>
+              </a:rPr>
+              <a:t>数组</a:t>
+            </a:r>
+            <a:r>
+              <a:rPr lang="zh-CN" altLang="en-US" sz="1800" dirty="0">
+                <a:solidFill>
+                  <a:schemeClr val="tx1">
+                    <a:lumMod val="65000"/>
+                    <a:lumOff val="35000"/>
+                  </a:schemeClr>
+                </a:solidFill>
+                <a:latin typeface="冬青黑体简体中文 W3" panose="020B0300000000000000" pitchFamily="34" charset="-122"/>
+                <a:ea typeface="冬青黑体简体中文 W3" panose="020B0300000000000000" pitchFamily="34" charset="-122"/>
+              </a:rPr>
+              <a:t>（</a:t>
+            </a:r>
+            <a:r>
+              <a:rPr lang="zh-CN" altLang="en-US" sz="1800" dirty="0">
+                <a:solidFill>
+                  <a:schemeClr val="tx1">
+                    <a:lumMod val="50000"/>
+                    <a:lumOff val="50000"/>
+                  </a:schemeClr>
+                </a:solidFill>
+                <a:latin typeface="冬青黑体简体中文 W3" panose="020B0300000000000000" pitchFamily="34" charset="-122"/>
+                <a:ea typeface="冬青黑体简体中文 W3" panose="020B0300000000000000" pitchFamily="34" charset="-122"/>
+              </a:rPr>
+              <a:t>或类数组对象</a:t>
+            </a:r>
+            <a:r>
+              <a:rPr lang="zh-CN" altLang="en-US" sz="1800" dirty="0" smtClean="0">
+                <a:solidFill>
+                  <a:schemeClr val="tx1">
+                    <a:lumMod val="65000"/>
+                    <a:lumOff val="35000"/>
+                  </a:schemeClr>
+                </a:solidFill>
+                <a:latin typeface="冬青黑体简体中文 W3" panose="020B0300000000000000" pitchFamily="34" charset="-122"/>
+                <a:ea typeface="冬青黑体简体中文 W3" panose="020B0300000000000000" pitchFamily="34" charset="-122"/>
+              </a:rPr>
+              <a:t>）。</a:t>
+            </a:r>
+            <a:endParaRPr lang="en-US" altLang="zh-CN" sz="1800" dirty="0" smtClean="0">
+              <a:solidFill>
+                <a:schemeClr val="tx1">
+                  <a:lumMod val="65000"/>
+                  <a:lumOff val="35000"/>
+                </a:schemeClr>
+              </a:solidFill>
+              <a:latin typeface="冬青黑体简体中文 W3" panose="020B0300000000000000" pitchFamily="34" charset="-122"/>
+              <a:ea typeface="冬青黑体简体中文 W3" panose="020B0300000000000000" pitchFamily="34" charset="-122"/>
+            </a:endParaRPr>
+          </a:p>
+          <a:p>
+            <a:pPr marL="1200150" lvl="2" indent="0">
+              <a:buNone/>
+            </a:pPr>
+            <a:endParaRPr lang="en-US" altLang="zh-CN" dirty="0" smtClean="0">
+              <a:solidFill>
+                <a:schemeClr val="tx1">
+                  <a:lumMod val="85000"/>
+                  <a:lumOff val="15000"/>
+                </a:schemeClr>
+              </a:solidFill>
+            </a:endParaRPr>
+          </a:p>
+          <a:p>
+            <a:pPr marL="342900" indent="-342900">
+              <a:buFont typeface="+mj-lt"/>
+              <a:buAutoNum type="arabicPeriod"/>
+            </a:pPr>
+            <a:r>
+              <a:rPr lang="en-US" altLang="zh-CN" dirty="0" smtClean="0">
+                <a:solidFill>
+                  <a:schemeClr val="tx1">
+                    <a:lumMod val="85000"/>
+                    <a:lumOff val="15000"/>
+                  </a:schemeClr>
+                </a:solidFill>
+              </a:rPr>
+              <a:t>bind</a:t>
+            </a:r>
+            <a:r>
+              <a:rPr lang="zh-CN" altLang="en-US" dirty="0" smtClean="0">
+                <a:solidFill>
+                  <a:schemeClr val="tx1">
+                    <a:lumMod val="85000"/>
+                    <a:lumOff val="15000"/>
+                  </a:schemeClr>
+                </a:solidFill>
+              </a:rPr>
+              <a:t>方法：返回一个新函数，</a:t>
+            </a:r>
+            <a:r>
+              <a:rPr lang="en-US" altLang="zh-CN" dirty="0" smtClean="0">
+                <a:solidFill>
+                  <a:schemeClr val="tx1">
+                    <a:lumMod val="85000"/>
+                    <a:lumOff val="15000"/>
+                  </a:schemeClr>
+                </a:solidFill>
+              </a:rPr>
+              <a:t>bind</a:t>
+            </a:r>
+            <a:r>
+              <a:rPr lang="zh-CN" altLang="en-US" dirty="0" smtClean="0">
+                <a:solidFill>
+                  <a:schemeClr val="tx1">
+                    <a:lumMod val="85000"/>
+                    <a:lumOff val="15000"/>
+                  </a:schemeClr>
+                </a:solidFill>
+              </a:rPr>
+              <a:t>的第一个参数作为新函数的</a:t>
+            </a:r>
+            <a:r>
+              <a:rPr lang="en-US" altLang="zh-CN" dirty="0" smtClean="0">
+                <a:solidFill>
+                  <a:schemeClr val="tx1">
+                    <a:lumMod val="85000"/>
+                    <a:lumOff val="15000"/>
+                  </a:schemeClr>
+                </a:solidFill>
+              </a:rPr>
+              <a:t>this</a:t>
+            </a:r>
+            <a:r>
+              <a:rPr lang="zh-CN" altLang="en-US" dirty="0" smtClean="0">
+                <a:solidFill>
+                  <a:schemeClr val="tx1">
+                    <a:lumMod val="85000"/>
+                    <a:lumOff val="15000"/>
+                  </a:schemeClr>
+                </a:solidFill>
+              </a:rPr>
+              <a:t>，其余的参数作为新函</a:t>
+            </a:r>
+            <a:r>
+              <a:rPr lang="zh-CN" altLang="en-US" dirty="0">
+                <a:solidFill>
+                  <a:schemeClr val="tx1">
+                    <a:lumMod val="85000"/>
+                    <a:lumOff val="15000"/>
+                  </a:schemeClr>
+                </a:solidFill>
+              </a:rPr>
+              <a:t>数</a:t>
+            </a:r>
+            <a:r>
+              <a:rPr lang="zh-CN" altLang="en-US" dirty="0" smtClean="0">
+                <a:solidFill>
+                  <a:schemeClr val="tx1">
+                    <a:lumMod val="85000"/>
+                    <a:lumOff val="15000"/>
+                  </a:schemeClr>
+                </a:solidFill>
+              </a:rPr>
+              <a:t>的</a:t>
+            </a:r>
+            <a:r>
+              <a:rPr lang="zh-CN" altLang="en-US" dirty="0">
+                <a:solidFill>
+                  <a:schemeClr val="tx1">
+                    <a:lumMod val="85000"/>
+                    <a:lumOff val="15000"/>
+                  </a:schemeClr>
+                </a:solidFill>
+              </a:rPr>
+              <a:t>预</a:t>
+            </a:r>
+            <a:r>
+              <a:rPr lang="zh-CN" altLang="en-US" dirty="0" smtClean="0">
+                <a:solidFill>
+                  <a:schemeClr val="tx1">
+                    <a:lumMod val="85000"/>
+                    <a:lumOff val="15000"/>
+                  </a:schemeClr>
+                </a:solidFill>
+              </a:rPr>
+              <a:t>设的初始参数。</a:t>
+            </a:r>
+            <a:endParaRPr lang="en-US" altLang="zh-CN" dirty="0">
+              <a:solidFill>
+                <a:schemeClr val="tx1">
+                  <a:lumMod val="85000"/>
+                  <a:lumOff val="15000"/>
+                </a:schemeClr>
+              </a:solidFill>
+            </a:endParaRPr>
+          </a:p>
+        </p:txBody>
+      </p:sp>
+      <p:sp>
+        <p:nvSpPr>
+          <p:cNvPr id="4" name="文本框 3"/>
+          <p:cNvSpPr txBox="1"/>
+          <p:nvPr/>
+        </p:nvSpPr>
+        <p:spPr>
+          <a:xfrm>
+            <a:off x="2321173" y="1483210"/>
+            <a:ext cx="7668715" cy="369332"/>
+          </a:xfrm>
+          <a:prstGeom prst="rect">
+            <a:avLst/>
+          </a:prstGeom>
+          <a:noFill/>
+        </p:spPr>
+        <p:txBody>
+          <a:bodyPr wrap="square" rtlCol="0">
+            <a:spAutoFit/>
+          </a:bodyPr>
+          <a:lstStyle/>
+          <a:p>
+            <a:pPr algn="ctr"/>
+            <a:r>
+              <a:rPr lang="en-US" altLang="zh-CN" dirty="0" smtClean="0">
+                <a:solidFill>
+                  <a:schemeClr val="tx1">
+                    <a:lumMod val="75000"/>
+                    <a:lumOff val="25000"/>
+                  </a:schemeClr>
+                </a:solidFill>
+                <a:latin typeface="冬青黑体简体中文 W3" panose="020B0300000000000000" pitchFamily="34" charset="-122"/>
+                <a:ea typeface="冬青黑体简体中文 W3" panose="020B0300000000000000" pitchFamily="34" charset="-122"/>
+              </a:rPr>
+              <a:t>call</a:t>
+            </a:r>
+            <a:r>
+              <a:rPr lang="zh-CN" altLang="en-US" dirty="0" smtClean="0">
+                <a:solidFill>
+                  <a:schemeClr val="tx1">
+                    <a:lumMod val="75000"/>
+                    <a:lumOff val="25000"/>
+                  </a:schemeClr>
+                </a:solidFill>
+                <a:latin typeface="冬青黑体简体中文 W3" panose="020B0300000000000000" pitchFamily="34" charset="-122"/>
+                <a:ea typeface="冬青黑体简体中文 W3" panose="020B0300000000000000" pitchFamily="34" charset="-122"/>
+              </a:rPr>
+              <a:t>、</a:t>
+            </a:r>
+            <a:r>
+              <a:rPr lang="en-US" altLang="zh-CN" dirty="0" smtClean="0">
+                <a:solidFill>
+                  <a:schemeClr val="tx1">
+                    <a:lumMod val="75000"/>
+                    <a:lumOff val="25000"/>
+                  </a:schemeClr>
+                </a:solidFill>
+                <a:latin typeface="冬青黑体简体中文 W3" panose="020B0300000000000000" pitchFamily="34" charset="-122"/>
+                <a:ea typeface="冬青黑体简体中文 W3" panose="020B0300000000000000" pitchFamily="34" charset="-122"/>
+              </a:rPr>
+              <a:t>apply</a:t>
+            </a:r>
+            <a:r>
+              <a:rPr lang="zh-CN" altLang="en-US" dirty="0" smtClean="0">
+                <a:solidFill>
+                  <a:schemeClr val="tx1">
+                    <a:lumMod val="75000"/>
+                    <a:lumOff val="25000"/>
+                  </a:schemeClr>
+                </a:solidFill>
+                <a:latin typeface="冬青黑体简体中文 W3" panose="020B0300000000000000" pitchFamily="34" charset="-122"/>
+                <a:ea typeface="冬青黑体简体中文 W3" panose="020B0300000000000000" pitchFamily="34" charset="-122"/>
+              </a:rPr>
+              <a:t>、</a:t>
+            </a:r>
+            <a:r>
+              <a:rPr lang="en-US" altLang="zh-CN" dirty="0" smtClean="0">
+                <a:solidFill>
+                  <a:schemeClr val="tx1">
+                    <a:lumMod val="75000"/>
+                    <a:lumOff val="25000"/>
+                  </a:schemeClr>
+                </a:solidFill>
+                <a:latin typeface="冬青黑体简体中文 W3" panose="020B0300000000000000" pitchFamily="34" charset="-122"/>
+                <a:ea typeface="冬青黑体简体中文 W3" panose="020B0300000000000000" pitchFamily="34" charset="-122"/>
+              </a:rPr>
+              <a:t>bind</a:t>
+            </a:r>
+            <a:r>
+              <a:rPr lang="zh-CN" altLang="en-US" dirty="0" smtClean="0">
+                <a:solidFill>
+                  <a:schemeClr val="tx1">
+                    <a:lumMod val="75000"/>
+                    <a:lumOff val="25000"/>
+                  </a:schemeClr>
+                </a:solidFill>
+                <a:latin typeface="冬青黑体简体中文 W3" panose="020B0300000000000000" pitchFamily="34" charset="-122"/>
+                <a:ea typeface="冬青黑体简体中文 W3" panose="020B0300000000000000" pitchFamily="34" charset="-122"/>
+              </a:rPr>
+              <a:t>方法</a:t>
+            </a:r>
+          </a:p>
+        </p:txBody>
+      </p:sp>
+    </p:spTree>
+    <p:extLst>
+      <p:ext uri="{BB962C8B-B14F-4D97-AF65-F5344CB8AC3E}">
+        <p14:creationId xmlns:p14="http://schemas.microsoft.com/office/powerpoint/2010/main" val="681020110"/>
+      </p:ext>
+    </p:extLst>
+  </p:cSld>
+  <p:clrMapOvr>
+    <a:masterClrMapping/>
+  </p:clrMapOvr>
+  <mc:AlternateContent xmlns:mc="http://schemas.openxmlformats.org/markup-compatibility/2006" xmlns:p14="http://schemas.microsoft.com/office/powerpoint/2010/main">
+    <mc:Choice Requires="p14">
+      <p:transition p14:dur="0" advTm="9938"/>
+    </mc:Choice>
+    <mc:Fallback xmlns="">
+      <p:transition advTm="9938"/>
+    </mc:Fallback>
+  </mc:AlternateContent>
+  <p:timing>
+    <p:tnLst>
+      <p:par>
+        <p:cTn id="1" dur="indefinite" restart="never" nodeType="tmRoot"/>
+      </p:par>
+    </p:tnLst>
+  </p:timing>
+</p:sld>
+</file>
+
+<file path=ppt/slides/slide14.xml><?xml version="1.0" encoding="utf-8"?>
+<p:sld xmlns:a="http://schemas.openxmlformats.org/drawingml/2006/main" xmlns:r="http://schemas.openxmlformats.org/officeDocument/2006/relationships" xmlns:p="http://schemas.openxmlformats.org/presentationml/2006/main">
+  <p:cSld>
+    <p:spTree>
+      <p:nvGrpSpPr>
+        <p:cNvPr id="1" name=""/>
+        <p:cNvGrpSpPr/>
+        <p:nvPr/>
+      </p:nvGrpSpPr>
+      <p:grpSpPr>
+        <a:xfrm>
+          <a:off x="0" y="0"/>
+          <a:ext cx="0" cy="0"/>
+          <a:chOff x="0" y="0"/>
+          <a:chExt cx="0" cy="0"/>
+        </a:xfrm>
+      </p:grpSpPr>
+      <p:sp>
+        <p:nvSpPr>
+          <p:cNvPr id="2" name="标题 1"/>
+          <p:cNvSpPr>
+            <a:spLocks noGrp="1"/>
+          </p:cNvSpPr>
+          <p:nvPr>
+            <p:ph type="title"/>
+          </p:nvPr>
+        </p:nvSpPr>
+        <p:spPr/>
+        <p:txBody>
+          <a:bodyPr/>
+          <a:lstStyle/>
+          <a:p>
+            <a:r>
+              <a:rPr lang="zh-CN" altLang="en-US" dirty="0" smtClean="0"/>
+              <a:t>代码示例</a:t>
+            </a:r>
+            <a:endParaRPr lang="zh-CN" altLang="en-US" dirty="0"/>
+          </a:p>
+        </p:txBody>
+      </p:sp>
+      <p:pic>
+        <p:nvPicPr>
+          <p:cNvPr id="4" name="图片 3"/>
+          <p:cNvPicPr>
+            <a:picLocks noChangeAspect="1"/>
+          </p:cNvPicPr>
+          <p:nvPr/>
+        </p:nvPicPr>
+        <p:blipFill>
+          <a:blip r:embed="rId2"/>
+          <a:stretch>
+            <a:fillRect/>
+          </a:stretch>
+        </p:blipFill>
+        <p:spPr>
+          <a:xfrm>
+            <a:off x="0" y="1114282"/>
+            <a:ext cx="12192000" cy="5743718"/>
+          </a:xfrm>
+          <a:prstGeom prst="rect">
+            <a:avLst/>
+          </a:prstGeom>
+        </p:spPr>
+      </p:pic>
+    </p:spTree>
+    <p:extLst>
+      <p:ext uri="{BB962C8B-B14F-4D97-AF65-F5344CB8AC3E}">
+        <p14:creationId xmlns:p14="http://schemas.microsoft.com/office/powerpoint/2010/main" val="3977913587"/>
+      </p:ext>
+    </p:extLst>
+  </p:cSld>
+  <p:clrMapOvr>
+    <a:masterClrMapping/>
+  </p:clrMapOvr>
+  <mc:AlternateContent xmlns:mc="http://schemas.openxmlformats.org/markup-compatibility/2006" xmlns:p14="http://schemas.microsoft.com/office/powerpoint/2010/main">
+    <mc:Choice Requires="p14">
+      <p:transition p14:dur="0" advTm="9938"/>
+    </mc:Choice>
+    <mc:Fallback xmlns="">
+      <p:transition advTm="9938"/>
+    </mc:Fallback>
+  </mc:AlternateContent>
+  <p:timing>
+    <p:tnLst>
+      <p:par>
+        <p:cTn id="1" dur="indefinite" restart="never" nodeType="tmRoot"/>
+      </p:par>
+    </p:tnLst>
+  </p:timing>
+</p:sld>
+</file>
+
+<file path=ppt/slides/slide15.xml><?xml version="1.0" encoding="utf-8"?>
+<p:sld xmlns:a="http://schemas.openxmlformats.org/drawingml/2006/main" xmlns:r="http://schemas.openxmlformats.org/officeDocument/2006/relationships" xmlns:p="http://schemas.openxmlformats.org/presentationml/2006/main">
+  <p:cSld>
+    <p:spTree>
+      <p:nvGrpSpPr>
+        <p:cNvPr id="1" name=""/>
+        <p:cNvGrpSpPr/>
+        <p:nvPr/>
+      </p:nvGrpSpPr>
+      <p:grpSpPr>
+        <a:xfrm>
+          <a:off x="0" y="0"/>
+          <a:ext cx="0" cy="0"/>
+          <a:chOff x="0" y="0"/>
+          <a:chExt cx="0" cy="0"/>
+        </a:xfrm>
+      </p:grpSpPr>
+      <p:sp>
+        <p:nvSpPr>
+          <p:cNvPr id="2" name="标题 1"/>
+          <p:cNvSpPr>
+            <a:spLocks noGrp="1"/>
+          </p:cNvSpPr>
+          <p:nvPr>
+            <p:ph type="title"/>
+          </p:nvPr>
+        </p:nvSpPr>
+        <p:spPr>
+          <a:xfrm>
+            <a:off x="0" y="241092"/>
+            <a:ext cx="12192000" cy="1122096"/>
+          </a:xfrm>
+        </p:spPr>
+        <p:txBody>
+          <a:bodyPr/>
+          <a:lstStyle/>
+          <a:p>
+            <a:r>
+              <a:rPr lang="zh-CN" altLang="en-US" dirty="0" smtClean="0"/>
+              <a:t>思考题</a:t>
+            </a:r>
+            <a:endParaRPr lang="zh-CN" altLang="en-US" dirty="0"/>
+          </a:p>
+        </p:txBody>
+      </p:sp>
+      <p:pic>
+        <p:nvPicPr>
+          <p:cNvPr id="5" name="图片 4"/>
+          <p:cNvPicPr>
+            <a:picLocks noChangeAspect="1"/>
+          </p:cNvPicPr>
+          <p:nvPr/>
+        </p:nvPicPr>
+        <p:blipFill>
+          <a:blip r:embed="rId3"/>
+          <a:stretch>
+            <a:fillRect/>
+          </a:stretch>
+        </p:blipFill>
+        <p:spPr>
+          <a:xfrm>
+            <a:off x="3011488" y="1988840"/>
+            <a:ext cx="6172200" cy="4429125"/>
+          </a:xfrm>
+          <a:prstGeom prst="rect">
+            <a:avLst/>
+          </a:prstGeom>
+        </p:spPr>
+      </p:pic>
+      <p:sp>
+        <p:nvSpPr>
+          <p:cNvPr id="4" name="文本框 3"/>
+          <p:cNvSpPr txBox="1"/>
+          <p:nvPr/>
+        </p:nvSpPr>
+        <p:spPr>
+          <a:xfrm>
+            <a:off x="3635251" y="1230289"/>
+            <a:ext cx="4909021" cy="400110"/>
+          </a:xfrm>
+          <a:prstGeom prst="rect">
+            <a:avLst/>
+          </a:prstGeom>
+          <a:noFill/>
+        </p:spPr>
+        <p:txBody>
+          <a:bodyPr wrap="square" rtlCol="0">
+            <a:spAutoFit/>
+          </a:bodyPr>
+          <a:lstStyle/>
+          <a:p>
+            <a:r>
+              <a:rPr lang="zh-CN" altLang="en-US" sz="2000" dirty="0" smtClean="0">
+                <a:solidFill>
+                  <a:schemeClr val="tx1">
+                    <a:lumMod val="75000"/>
+                    <a:lumOff val="25000"/>
+                  </a:schemeClr>
+                </a:solidFill>
+                <a:latin typeface="冬青黑体简体中文 W3" panose="020B0300000000000000" pitchFamily="34" charset="-122"/>
+                <a:ea typeface="冬青黑体简体中文 W3" panose="020B0300000000000000" pitchFamily="34" charset="-122"/>
+              </a:rPr>
+              <a:t>箭头函数能否使用这三个函数改变</a:t>
+            </a:r>
+            <a:r>
+              <a:rPr lang="en-US" altLang="zh-CN" sz="2000" dirty="0" smtClean="0">
+                <a:solidFill>
+                  <a:schemeClr val="tx1">
+                    <a:lumMod val="75000"/>
+                    <a:lumOff val="25000"/>
+                  </a:schemeClr>
+                </a:solidFill>
+                <a:latin typeface="冬青黑体简体中文 W3" panose="020B0300000000000000" pitchFamily="34" charset="-122"/>
+                <a:ea typeface="冬青黑体简体中文 W3" panose="020B0300000000000000" pitchFamily="34" charset="-122"/>
+              </a:rPr>
+              <a:t>this</a:t>
+            </a:r>
+            <a:r>
+              <a:rPr lang="zh-CN" altLang="en-US" sz="2000" dirty="0" smtClean="0">
+                <a:solidFill>
+                  <a:schemeClr val="tx1">
+                    <a:lumMod val="75000"/>
+                    <a:lumOff val="25000"/>
+                  </a:schemeClr>
+                </a:solidFill>
+                <a:latin typeface="冬青黑体简体中文 W3" panose="020B0300000000000000" pitchFamily="34" charset="-122"/>
+                <a:ea typeface="冬青黑体简体中文 W3" panose="020B0300000000000000" pitchFamily="34" charset="-122"/>
+              </a:rPr>
+              <a:t>？</a:t>
+            </a:r>
+          </a:p>
+        </p:txBody>
+      </p:sp>
+    </p:spTree>
+    <p:extLst>
+      <p:ext uri="{BB962C8B-B14F-4D97-AF65-F5344CB8AC3E}">
+        <p14:creationId xmlns:p14="http://schemas.microsoft.com/office/powerpoint/2010/main" val="2304123391"/>
+      </p:ext>
+    </p:extLst>
+  </p:cSld>
+  <p:clrMapOvr>
+    <a:masterClrMapping/>
+  </p:clrMapOvr>
+  <mc:AlternateContent xmlns:mc="http://schemas.openxmlformats.org/markup-compatibility/2006" xmlns:p14="http://schemas.microsoft.com/office/powerpoint/2010/main">
+    <mc:Choice Requires="p14">
+      <p:transition p14:dur="0" advTm="9938"/>
+    </mc:Choice>
+    <mc:Fallback xmlns="">
+      <p:transition advTm="9938"/>
+    </mc:Fallback>
+  </mc:AlternateContent>
+  <p:timing>
+    <p:tnLst>
+      <p:par>
+        <p:cTn id="1" dur="indefinite" restart="never" nodeType="tmRoot"/>
+      </p:par>
+    </p:tnLst>
+  </p:timing>
+</p:sld>
+</file>
+
+<file path=ppt/slides/slide16.xml><?xml version="1.0" encoding="utf-8"?>
+<p:sld xmlns:a="http://schemas.openxmlformats.org/drawingml/2006/main" xmlns:r="http://schemas.openxmlformats.org/officeDocument/2006/relationships" xmlns:p="http://schemas.openxmlformats.org/presentationml/2006/main">
+  <p:cSld>
+    <p:spTree>
+      <p:nvGrpSpPr>
+        <p:cNvPr id="1" name=""/>
+        <p:cNvGrpSpPr/>
+        <p:nvPr/>
+      </p:nvGrpSpPr>
+      <p:grpSpPr>
+        <a:xfrm>
+          <a:off x="0" y="0"/>
+          <a:ext cx="0" cy="0"/>
+          <a:chOff x="0" y="0"/>
+          <a:chExt cx="0" cy="0"/>
+        </a:xfrm>
+      </p:grpSpPr>
+      <p:sp>
+        <p:nvSpPr>
+          <p:cNvPr id="2" name="标题 1"/>
+          <p:cNvSpPr>
+            <a:spLocks noGrp="1"/>
+          </p:cNvSpPr>
+          <p:nvPr>
+            <p:ph type="title"/>
+          </p:nvPr>
+        </p:nvSpPr>
+        <p:spPr>
+          <a:xfrm>
+            <a:off x="16296" y="-207404"/>
+            <a:ext cx="12192000" cy="1122096"/>
+          </a:xfrm>
+        </p:spPr>
+        <p:txBody>
+          <a:bodyPr/>
+          <a:lstStyle/>
+          <a:p>
+            <a:r>
+              <a:rPr lang="zh-CN" altLang="en-US" dirty="0"/>
+              <a:t>答案</a:t>
+            </a:r>
+          </a:p>
+        </p:txBody>
+      </p:sp>
+      <p:pic>
+        <p:nvPicPr>
+          <p:cNvPr id="4" name="图片 3"/>
+          <p:cNvPicPr>
+            <a:picLocks noChangeAspect="1"/>
+          </p:cNvPicPr>
+          <p:nvPr/>
+        </p:nvPicPr>
+        <p:blipFill>
+          <a:blip r:embed="rId2"/>
+          <a:stretch>
+            <a:fillRect/>
+          </a:stretch>
+        </p:blipFill>
+        <p:spPr>
+          <a:xfrm>
+            <a:off x="-2584" y="828675"/>
+            <a:ext cx="12192000" cy="6029325"/>
+          </a:xfrm>
+          <a:prstGeom prst="rect">
+            <a:avLst/>
+          </a:prstGeom>
+        </p:spPr>
+      </p:pic>
+    </p:spTree>
+    <p:extLst>
+      <p:ext uri="{BB962C8B-B14F-4D97-AF65-F5344CB8AC3E}">
+        <p14:creationId xmlns:p14="http://schemas.microsoft.com/office/powerpoint/2010/main" val="1135395800"/>
+      </p:ext>
+    </p:extLst>
+  </p:cSld>
+  <p:clrMapOvr>
+    <a:masterClrMapping/>
+  </p:clrMapOvr>
+  <mc:AlternateContent xmlns:mc="http://schemas.openxmlformats.org/markup-compatibility/2006" xmlns:p14="http://schemas.microsoft.com/office/powerpoint/2010/main">
+    <mc:Choice Requires="p14">
+      <p:transition p14:dur="0" advTm="9938"/>
+    </mc:Choice>
+    <mc:Fallback xmlns="">
+      <p:transition advTm="9938"/>
+    </mc:Fallback>
+  </mc:AlternateContent>
+  <p:timing>
+    <p:tnLst>
+      <p:par>
+        <p:cTn id="1" dur="indefinite" restart="never" nodeType="tmRoot"/>
+      </p:par>
+    </p:tnLst>
+  </p:timing>
+</p:sld>
+</file>
+
+<file path=ppt/slides/slide17.xml><?xml version="1.0" encoding="utf-8"?>
+<p:sld xmlns:a="http://schemas.openxmlformats.org/drawingml/2006/main" xmlns:r="http://schemas.openxmlformats.org/officeDocument/2006/relationships" xmlns:p="http://schemas.openxmlformats.org/presentationml/2006/main">
+  <p:cSld>
+    <p:spTree>
+      <p:nvGrpSpPr>
+        <p:cNvPr id="1" name=""/>
+        <p:cNvGrpSpPr/>
+        <p:nvPr/>
+      </p:nvGrpSpPr>
+      <p:grpSpPr>
+        <a:xfrm>
+          <a:off x="0" y="0"/>
+          <a:ext cx="0" cy="0"/>
+          <a:chOff x="0" y="0"/>
+          <a:chExt cx="0" cy="0"/>
+        </a:xfrm>
+      </p:grpSpPr>
+      <p:sp>
+        <p:nvSpPr>
+          <p:cNvPr id="3" name="文本占位符 2"/>
+          <p:cNvSpPr>
+            <a:spLocks noGrp="1"/>
+          </p:cNvSpPr>
+          <p:nvPr>
+            <p:ph type="body" sz="quarter" idx="10"/>
+          </p:nvPr>
+        </p:nvSpPr>
+        <p:spPr>
+          <a:xfrm>
+            <a:off x="3577649" y="4289720"/>
+            <a:ext cx="5039877" cy="752098"/>
+          </a:xfrm>
+        </p:spPr>
+        <p:txBody>
+          <a:bodyPr>
+            <a:noAutofit/>
+          </a:bodyPr>
+          <a:lstStyle/>
+          <a:p>
+            <a:pPr algn="ctr"/>
+            <a:r>
+              <a:rPr lang="en-US" altLang="zh-CN" sz="3600" dirty="0" smtClean="0">
+                <a:solidFill>
+                  <a:srgbClr val="FF0000"/>
+                </a:solidFill>
+              </a:rPr>
+              <a:t>Why ?</a:t>
+            </a:r>
+            <a:endParaRPr lang="zh-CN" altLang="en-US" sz="3600" dirty="0">
+              <a:solidFill>
+                <a:srgbClr val="FF0000"/>
+              </a:solidFill>
+            </a:endParaRPr>
+          </a:p>
+        </p:txBody>
+      </p:sp>
+      <p:pic>
+        <p:nvPicPr>
+          <p:cNvPr id="6" name="图片 5"/>
+          <p:cNvPicPr>
+            <a:picLocks noChangeAspect="1"/>
+          </p:cNvPicPr>
+          <p:nvPr/>
+        </p:nvPicPr>
+        <p:blipFill>
+          <a:blip r:embed="rId3">
+            <a:extLst>
+              <a:ext uri="{28A0092B-C50C-407E-A947-70E740481C1C}">
+                <a14:useLocalDpi xmlns:a14="http://schemas.microsoft.com/office/drawing/2010/main" val="0"/>
+              </a:ext>
+            </a:extLst>
+          </a:blip>
+          <a:stretch>
+            <a:fillRect/>
+          </a:stretch>
+        </p:blipFill>
+        <p:spPr>
+          <a:xfrm>
+            <a:off x="4799856" y="1106488"/>
+            <a:ext cx="2286000" cy="2286000"/>
+          </a:xfrm>
+          <a:prstGeom prst="rect">
+            <a:avLst/>
+          </a:prstGeom>
+        </p:spPr>
+      </p:pic>
+    </p:spTree>
+    <p:extLst>
+      <p:ext uri="{BB962C8B-B14F-4D97-AF65-F5344CB8AC3E}">
+        <p14:creationId xmlns:p14="http://schemas.microsoft.com/office/powerpoint/2010/main" val="1936561420"/>
+      </p:ext>
+    </p:extLst>
+  </p:cSld>
+  <p:clrMapOvr>
+    <a:masterClrMapping/>
+  </p:clrMapOvr>
+  <mc:AlternateContent xmlns:mc="http://schemas.openxmlformats.org/markup-compatibility/2006" xmlns:p14="http://schemas.microsoft.com/office/powerpoint/2010/main">
+    <mc:Choice Requires="p14">
+      <p:transition p14:dur="0" advTm="9938"/>
+    </mc:Choice>
+    <mc:Fallback xmlns="">
+      <p:transition advTm="9938"/>
+    </mc:Fallback>
+  </mc:AlternateContent>
+  <p:timing>
+    <p:tnLst>
+      <p:par>
+        <p:cTn id="1" dur="indefinite" restart="never" nodeType="tmRoot">
+          <p:childTnLst>
+            <p:seq concurrent="1" nextAc="seek">
+              <p:cTn id="2" dur="indefinite" nodeType="mainSeq">
+                <p:childTnLst>
+                  <p:par>
+                    <p:cTn id="3" fill="hold">
+                      <p:stCondLst>
+                        <p:cond delay="indefinite"/>
+                        <p:cond evt="onBegin" delay="0">
+                          <p:tn val="2"/>
+                        </p:cond>
+                      </p:stCondLst>
+                      <p:childTnLst>
+                        <p:par>
+                          <p:cTn id="4" fill="hold">
+                            <p:stCondLst>
+                              <p:cond delay="0"/>
+                            </p:stCondLst>
+                            <p:childTnLst>
+                              <p:par>
+                                <p:cTn id="5" presetID="53" presetClass="entr" presetSubtype="16" fill="hold" nodeType="withEffect">
+                                  <p:stCondLst>
+                                    <p:cond delay="500"/>
+                                  </p:stCondLst>
+                                  <p:childTnLst>
+                                    <p:set>
+                                      <p:cBhvr>
+                                        <p:cTn id="6" dur="1" fill="hold">
+                                          <p:stCondLst>
+                                            <p:cond delay="0"/>
+                                          </p:stCondLst>
+                                        </p:cTn>
+                                        <p:tgtEl>
+                                          <p:spTgt spid="3">
+                                            <p:txEl>
+                                              <p:pRg st="0" end="0"/>
+                                            </p:txEl>
+                                          </p:spTgt>
+                                        </p:tgtEl>
+                                        <p:attrNameLst>
+                                          <p:attrName>style.visibility</p:attrName>
+                                        </p:attrNameLst>
+                                      </p:cBhvr>
+                                      <p:to>
+                                        <p:strVal val="visible"/>
+                                      </p:to>
+                                    </p:set>
+                                    <p:anim calcmode="lin" valueType="num">
+                                      <p:cBhvr>
+                                        <p:cTn id="7" dur="750" fill="hold"/>
+                                        <p:tgtEl>
+                                          <p:spTgt spid="3">
+                                            <p:txEl>
+                                              <p:pRg st="0" end="0"/>
+                                            </p:txEl>
+                                          </p:spTgt>
+                                        </p:tgtEl>
+                                        <p:attrNameLst>
+                                          <p:attrName>ppt_w</p:attrName>
+                                        </p:attrNameLst>
+                                      </p:cBhvr>
+                                      <p:tavLst>
+                                        <p:tav tm="0">
+                                          <p:val>
+                                            <p:fltVal val="0"/>
+                                          </p:val>
+                                        </p:tav>
+                                        <p:tav tm="100000">
+                                          <p:val>
+                                            <p:strVal val="#ppt_w"/>
+                                          </p:val>
+                                        </p:tav>
+                                      </p:tavLst>
+                                    </p:anim>
+                                    <p:anim calcmode="lin" valueType="num">
+                                      <p:cBhvr>
+                                        <p:cTn id="8" dur="750" fill="hold"/>
+                                        <p:tgtEl>
+                                          <p:spTgt spid="3">
+                                            <p:txEl>
+                                              <p:pRg st="0" end="0"/>
+                                            </p:txEl>
+                                          </p:spTgt>
+                                        </p:tgtEl>
+                                        <p:attrNameLst>
+                                          <p:attrName>ppt_h</p:attrName>
+                                        </p:attrNameLst>
+                                      </p:cBhvr>
+                                      <p:tavLst>
+                                        <p:tav tm="0">
+                                          <p:val>
+                                            <p:fltVal val="0"/>
+                                          </p:val>
+                                        </p:tav>
+                                        <p:tav tm="100000">
+                                          <p:val>
+                                            <p:strVal val="#ppt_h"/>
+                                          </p:val>
+                                        </p:tav>
+                                      </p:tavLst>
+                                    </p:anim>
+                                    <p:animEffect transition="in" filter="fade">
+                                      <p:cBhvr>
+                                        <p:cTn id="9" dur="750"/>
+                                        <p:tgtEl>
+                                          <p:spTgt spid="3">
+                                            <p:txEl>
+                                              <p:pRg st="0" end="0"/>
+                                            </p:txEl>
+                                          </p:spTgt>
+                                        </p:tgtEl>
+                                      </p:cBhvr>
+                                    </p:animEffect>
+                                  </p:childTnLst>
+                                </p:cTn>
+                              </p:par>
+                            </p:childTnLst>
+                          </p:cTn>
+                        </p:par>
+                      </p:childTnLst>
+                    </p:cTn>
+                  </p:par>
+                </p:childTnLst>
+              </p:cTn>
+              <p:prevCondLst>
+                <p:cond evt="onPrev" delay="0">
+                  <p:tgtEl>
+                    <p:sldTgt/>
+                  </p:tgtEl>
+                </p:cond>
+              </p:prevCondLst>
+              <p:nextCondLst>
+                <p:cond evt="onNext" delay="0">
+                  <p:tgtEl>
+                    <p:sldTgt/>
+                  </p:tgtEl>
+                </p:cond>
+              </p:nextCondLst>
+            </p:seq>
+          </p:childTnLst>
+        </p:cTn>
+      </p:par>
+    </p:tnLst>
+  </p:timing>
+</p:sld>
+</file>
+
+<file path=ppt/slides/slide18.xml><?xml version="1.0" encoding="utf-8"?>
+<p:sld xmlns:a="http://schemas.openxmlformats.org/drawingml/2006/main" xmlns:r="http://schemas.openxmlformats.org/officeDocument/2006/relationships" xmlns:p="http://schemas.openxmlformats.org/presentationml/2006/main">
+  <p:cSld>
+    <p:spTree>
+      <p:nvGrpSpPr>
+        <p:cNvPr id="1" name=""/>
+        <p:cNvGrpSpPr/>
+        <p:nvPr/>
+      </p:nvGrpSpPr>
+      <p:grpSpPr>
+        <a:xfrm>
+          <a:off x="0" y="0"/>
+          <a:ext cx="0" cy="0"/>
+          <a:chOff x="0" y="0"/>
+          <a:chExt cx="0" cy="0"/>
+        </a:xfrm>
+      </p:grpSpPr>
+      <p:sp>
+        <p:nvSpPr>
+          <p:cNvPr id="2" name="标题 1"/>
+          <p:cNvSpPr>
+            <a:spLocks noGrp="1"/>
+          </p:cNvSpPr>
+          <p:nvPr>
+            <p:ph type="title"/>
+          </p:nvPr>
+        </p:nvSpPr>
+        <p:spPr>
+          <a:xfrm>
+            <a:off x="6816080" y="2012290"/>
+            <a:ext cx="3131839" cy="1122096"/>
+          </a:xfrm>
+        </p:spPr>
+        <p:txBody>
+          <a:bodyPr/>
+          <a:lstStyle/>
+          <a:p>
+            <a:pPr algn="l"/>
+            <a:r>
+              <a:rPr lang="zh-CN" altLang="en-US" dirty="0" smtClean="0"/>
+              <a:t>原型链</a:t>
+            </a:r>
+            <a:endParaRPr lang="zh-CN" altLang="en-US" dirty="0"/>
+          </a:p>
+        </p:txBody>
+      </p:sp>
+      <p:sp>
+        <p:nvSpPr>
+          <p:cNvPr id="3" name="文本占位符 2"/>
+          <p:cNvSpPr>
+            <a:spLocks noGrp="1"/>
+          </p:cNvSpPr>
+          <p:nvPr>
+            <p:ph type="body" sz="quarter" idx="10"/>
+          </p:nvPr>
+        </p:nvSpPr>
+        <p:spPr>
+          <a:xfrm>
+            <a:off x="6059487" y="3320988"/>
+            <a:ext cx="6099810" cy="1620701"/>
+          </a:xfrm>
+        </p:spPr>
+        <p:txBody>
+          <a:bodyPr>
+            <a:normAutofit/>
+          </a:bodyPr>
+          <a:lstStyle/>
+          <a:p>
+            <a:r>
+              <a:rPr lang="en-US" altLang="zh-CN" sz="2800" dirty="0" smtClean="0">
+                <a:solidFill>
+                  <a:schemeClr val="tx1">
+                    <a:lumMod val="65000"/>
+                    <a:lumOff val="35000"/>
+                  </a:schemeClr>
+                </a:solidFill>
+              </a:rPr>
+              <a:t>JavaScript</a:t>
+            </a:r>
+            <a:r>
+              <a:rPr lang="zh-CN" altLang="en-US" sz="2800" dirty="0" smtClean="0">
+                <a:solidFill>
+                  <a:schemeClr val="tx1">
+                    <a:lumMod val="65000"/>
+                    <a:lumOff val="35000"/>
+                  </a:schemeClr>
+                </a:solidFill>
+              </a:rPr>
+              <a:t>式继承</a:t>
+            </a:r>
+            <a:endParaRPr lang="zh-CN" altLang="en-US" sz="2800" dirty="0">
+              <a:solidFill>
+                <a:schemeClr val="tx1">
+                  <a:lumMod val="65000"/>
+                  <a:lumOff val="35000"/>
+                </a:schemeClr>
+              </a:solidFill>
+            </a:endParaRPr>
+          </a:p>
+        </p:txBody>
+      </p:sp>
+      <p:pic>
+        <p:nvPicPr>
+          <p:cNvPr id="16" name="图片 15"/>
+          <p:cNvPicPr>
+            <a:picLocks noChangeAspect="1"/>
+          </p:cNvPicPr>
+          <p:nvPr/>
+        </p:nvPicPr>
+        <p:blipFill>
+          <a:blip r:embed="rId3">
+            <a:extLst>
+              <a:ext uri="{28A0092B-C50C-407E-A947-70E740481C1C}">
+                <a14:useLocalDpi xmlns:a14="http://schemas.microsoft.com/office/drawing/2010/main" val="0"/>
+              </a:ext>
+            </a:extLst>
+          </a:blip>
+          <a:stretch>
+            <a:fillRect/>
+          </a:stretch>
+        </p:blipFill>
+        <p:spPr>
+          <a:xfrm>
+            <a:off x="2351584" y="1515136"/>
+            <a:ext cx="3238500" cy="3238500"/>
+          </a:xfrm>
+          <a:prstGeom prst="rect">
+            <a:avLst/>
+          </a:prstGeom>
+        </p:spPr>
+      </p:pic>
+    </p:spTree>
+    <p:extLst>
+      <p:ext uri="{BB962C8B-B14F-4D97-AF65-F5344CB8AC3E}">
+        <p14:creationId xmlns:p14="http://schemas.microsoft.com/office/powerpoint/2010/main" val="1636493406"/>
+      </p:ext>
+    </p:extLst>
+  </p:cSld>
+  <p:clrMapOvr>
+    <a:masterClrMapping/>
+  </p:clrMapOvr>
+  <mc:AlternateContent xmlns:mc="http://schemas.openxmlformats.org/markup-compatibility/2006" xmlns:p14="http://schemas.microsoft.com/office/powerpoint/2010/main">
+    <mc:Choice Requires="p14">
+      <p:transition p14:dur="0" advTm="9938"/>
+    </mc:Choice>
+    <mc:Fallback xmlns="">
+      <p:transition advTm="9938"/>
+    </mc:Fallback>
+  </mc:AlternateContent>
+  <p:timing>
+    <p:tnLst>
+      <p:par>
+        <p:cTn id="1" dur="indefinite" restart="never" nodeType="tmRoot">
+          <p:childTnLst>
+            <p:seq concurrent="1" nextAc="seek">
+              <p:cTn id="2" dur="indefinite" nodeType="mainSeq">
+                <p:childTnLst>
+                  <p:par>
+                    <p:cTn id="3" fill="hold">
+                      <p:stCondLst>
+                        <p:cond delay="indefinite"/>
+                        <p:cond evt="onBegin" delay="0">
+                          <p:tn val="2"/>
+                        </p:cond>
+                      </p:stCondLst>
+                      <p:childTnLst>
+                        <p:par>
+                          <p:cTn id="4" fill="hold">
+                            <p:stCondLst>
+                              <p:cond delay="0"/>
+                            </p:stCondLst>
+                            <p:childTnLst>
+                              <p:par>
+                                <p:cTn id="5" presetID="14" presetClass="entr" presetSubtype="10" fill="hold" nodeType="afterEffect">
+                                  <p:stCondLst>
+                                    <p:cond delay="0"/>
+                                  </p:stCondLst>
+                                  <p:childTnLst>
+                                    <p:set>
+                                      <p:cBhvr>
+                                        <p:cTn id="6" dur="1" fill="hold">
+                                          <p:stCondLst>
+                                            <p:cond delay="0"/>
+                                          </p:stCondLst>
+                                        </p:cTn>
+                                        <p:tgtEl>
+                                          <p:spTgt spid="3">
+                                            <p:txEl>
+                                              <p:pRg st="0" end="0"/>
+                                            </p:txEl>
+                                          </p:spTgt>
+                                        </p:tgtEl>
+                                        <p:attrNameLst>
+                                          <p:attrName>style.visibility</p:attrName>
+                                        </p:attrNameLst>
+                                      </p:cBhvr>
+                                      <p:to>
+                                        <p:strVal val="visible"/>
+                                      </p:to>
+                                    </p:set>
+                                    <p:animEffect transition="in" filter="randombar(horizontal)">
+                                      <p:cBhvr>
+                                        <p:cTn id="7" dur="500"/>
+                                        <p:tgtEl>
+                                          <p:spTgt spid="3">
+                                            <p:txEl>
+                                              <p:pRg st="0" end="0"/>
+                                            </p:txEl>
+                                          </p:spTgt>
+                                        </p:tgtEl>
+                                      </p:cBhvr>
+                                    </p:animEffect>
+                                  </p:childTnLst>
+                                </p:cTn>
+                              </p:par>
+                            </p:childTnLst>
+                          </p:cTn>
+                        </p:par>
+                      </p:childTnLst>
+                    </p:cTn>
+                  </p:par>
+                </p:childTnLst>
+              </p:cTn>
+              <p:prevCondLst>
+                <p:cond evt="onPrev" delay="0">
+                  <p:tgtEl>
+                    <p:sldTgt/>
+                  </p:tgtEl>
+                </p:cond>
+              </p:prevCondLst>
+              <p:nextCondLst>
+                <p:cond evt="onNext" delay="0">
+                  <p:tgtEl>
+                    <p:sldTgt/>
+                  </p:tgtEl>
+                </p:cond>
+              </p:nextCondLst>
+            </p:seq>
+          </p:childTnLst>
+        </p:cTn>
+      </p:par>
+    </p:tnLst>
+  </p:timing>
+</p:sld>
+</file>
+
+<file path=ppt/slides/slide19.xml><?xml version="1.0" encoding="utf-8"?>
+<p:sld xmlns:a="http://schemas.openxmlformats.org/drawingml/2006/main" xmlns:r="http://schemas.openxmlformats.org/officeDocument/2006/relationships" xmlns:p="http://schemas.openxmlformats.org/presentationml/2006/main">
+  <p:cSld>
+    <p:spTree>
+      <p:nvGrpSpPr>
+        <p:cNvPr id="1" name=""/>
+        <p:cNvGrpSpPr/>
+        <p:nvPr/>
+      </p:nvGrpSpPr>
+      <p:grpSpPr>
+        <a:xfrm>
+          <a:off x="0" y="0"/>
+          <a:ext cx="0" cy="0"/>
+          <a:chOff x="0" y="0"/>
+          <a:chExt cx="0" cy="0"/>
+        </a:xfrm>
+      </p:grpSpPr>
+      <p:sp>
+        <p:nvSpPr>
+          <p:cNvPr id="2" name="标题 1"/>
+          <p:cNvSpPr>
+            <a:spLocks noGrp="1"/>
+          </p:cNvSpPr>
+          <p:nvPr>
+            <p:ph type="title"/>
+          </p:nvPr>
+        </p:nvSpPr>
+        <p:spPr/>
+        <p:txBody>
+          <a:bodyPr/>
+          <a:lstStyle/>
+          <a:p>
+            <a:r>
+              <a:rPr lang="zh-CN" altLang="en-US" dirty="0" smtClean="0"/>
               <a:t>原型</a:t>
             </a:r>
             <a:endParaRPr lang="zh-CN" altLang="en-US" dirty="0"/>
@@ -6774,11 +6288,11 @@
   <p:clrMapOvr>
     <a:masterClrMapping/>
   </p:clrMapOvr>
-  <mc:AlternateContent xmlns:mc="http://schemas.openxmlformats.org/markup-compatibility/2006">
-    <mc:Choice xmlns:p14="http://schemas.microsoft.com/office/powerpoint/2010/main" Requires="p14">
+  <mc:AlternateContent xmlns:mc="http://schemas.openxmlformats.org/markup-compatibility/2006" xmlns:p14="http://schemas.microsoft.com/office/powerpoint/2010/main">
+    <mc:Choice Requires="p14">
       <p:transition p14:dur="0" advTm="9938"/>
     </mc:Choice>
-    <mc:Fallback>
+    <mc:Fallback xmlns="">
       <p:transition advTm="9938"/>
     </mc:Fallback>
   </mc:AlternateContent>
@@ -6933,703 +6447,7 @@
 </p:sld>
 </file>
 
-<file path=ppt/slides/slide21.xml><?xml version="1.0" encoding="utf-8"?>
-<p:sld xmlns:a="http://schemas.openxmlformats.org/drawingml/2006/main" xmlns:r="http://schemas.openxmlformats.org/officeDocument/2006/relationships" xmlns:p="http://schemas.openxmlformats.org/presentationml/2006/main">
-  <p:cSld>
-    <p:spTree>
-      <p:nvGrpSpPr>
-        <p:cNvPr id="1" name=""/>
-        <p:cNvGrpSpPr/>
-        <p:nvPr/>
-      </p:nvGrpSpPr>
-      <p:grpSpPr>
-        <a:xfrm>
-          <a:off x="0" y="0"/>
-          <a:ext cx="0" cy="0"/>
-          <a:chOff x="0" y="0"/>
-          <a:chExt cx="0" cy="0"/>
-        </a:xfrm>
-      </p:grpSpPr>
-      <p:sp>
-        <p:nvSpPr>
-          <p:cNvPr id="7" name="矩形 6"/>
-          <p:cNvSpPr/>
-          <p:nvPr/>
-        </p:nvSpPr>
-        <p:spPr>
-          <a:xfrm>
-            <a:off x="-804" y="4987128"/>
-            <a:ext cx="12228513" cy="2007245"/>
-          </a:xfrm>
-          <a:prstGeom prst="rect">
-            <a:avLst/>
-          </a:prstGeom>
-          <a:solidFill>
-            <a:schemeClr val="bg1"/>
-          </a:solidFill>
-          <a:ln>
-            <a:noFill/>
-          </a:ln>
-          <a:effectLst/>
-        </p:spPr>
-        <p:style>
-          <a:lnRef idx="1">
-            <a:schemeClr val="accent6"/>
-          </a:lnRef>
-          <a:fillRef idx="3">
-            <a:schemeClr val="accent6"/>
-          </a:fillRef>
-          <a:effectRef idx="2">
-            <a:schemeClr val="accent6"/>
-          </a:effectRef>
-          <a:fontRef idx="minor">
-            <a:schemeClr val="lt1"/>
-          </a:fontRef>
-        </p:style>
-        <p:txBody>
-          <a:bodyPr wrap="square" lIns="54000" tIns="28800" rIns="54000" bIns="28800" rtlCol="0" anchor="ctr">
-            <a:spAutoFit/>
-          </a:bodyPr>
-          <a:lstStyle/>
-          <a:p>
-            <a:pPr algn="ctr"/>
-            <a:endParaRPr lang="zh-CN" altLang="en-US" dirty="0"/>
-          </a:p>
-        </p:txBody>
-      </p:sp>
-      <p:sp>
-        <p:nvSpPr>
-          <p:cNvPr id="2" name="标题 1"/>
-          <p:cNvSpPr>
-            <a:spLocks noGrp="1"/>
-          </p:cNvSpPr>
-          <p:nvPr>
-            <p:ph type="title"/>
-          </p:nvPr>
-        </p:nvSpPr>
-        <p:spPr>
-          <a:xfrm>
-            <a:off x="36513" y="15446"/>
-            <a:ext cx="12192000" cy="1122096"/>
-          </a:xfrm>
-        </p:spPr>
-        <p:txBody>
-          <a:bodyPr/>
-          <a:lstStyle/>
-          <a:p>
-            <a:r>
-              <a:rPr lang="zh-CN" altLang="en-US" dirty="0" smtClean="0"/>
-              <a:t>代码示例</a:t>
-            </a:r>
-            <a:endParaRPr lang="zh-CN" altLang="en-US" dirty="0"/>
-          </a:p>
-        </p:txBody>
-      </p:sp>
-      <p:sp>
-        <p:nvSpPr>
-          <p:cNvPr id="5" name="文本占位符 4"/>
-          <p:cNvSpPr>
-            <a:spLocks noGrp="1"/>
-          </p:cNvSpPr>
-          <p:nvPr>
-            <p:ph type="body" sz="quarter" idx="10"/>
-          </p:nvPr>
-        </p:nvSpPr>
-        <p:spPr/>
-        <p:txBody>
-          <a:bodyPr/>
-          <a:lstStyle/>
-          <a:p>
-            <a:endParaRPr lang="zh-CN" altLang="en-US"/>
-          </a:p>
-        </p:txBody>
-      </p:sp>
-      <p:pic>
-        <p:nvPicPr>
-          <p:cNvPr id="6" name="图片 5"/>
-          <p:cNvPicPr>
-            <a:picLocks noChangeAspect="1"/>
-          </p:cNvPicPr>
-          <p:nvPr/>
-        </p:nvPicPr>
-        <p:blipFill>
-          <a:blip r:embed="rId2"/>
-          <a:stretch>
-            <a:fillRect/>
-          </a:stretch>
-        </p:blipFill>
-        <p:spPr>
-          <a:xfrm>
-            <a:off x="1" y="1137542"/>
-            <a:ext cx="12228512" cy="3849586"/>
-          </a:xfrm>
-          <a:prstGeom prst="rect">
-            <a:avLst/>
-          </a:prstGeom>
-        </p:spPr>
-      </p:pic>
-      <p:pic>
-        <p:nvPicPr>
-          <p:cNvPr id="1026" name="Picture 2" descr="æé å½æ°åå®ä¾ååçå-³ç³»å¾"/>
-          <p:cNvPicPr>
-            <a:picLocks noChangeAspect="1" noChangeArrowheads="1"/>
-          </p:cNvPicPr>
-          <p:nvPr/>
-        </p:nvPicPr>
-        <p:blipFill>
-          <a:blip r:embed="rId3">
-            <a:extLst>
-              <a:ext uri="{28A0092B-C50C-407E-A947-70E740481C1C}">
-                <a14:useLocalDpi xmlns:a14="http://schemas.microsoft.com/office/drawing/2010/main" val="0"/>
-              </a:ext>
-            </a:extLst>
-          </a:blip>
-          <a:srcRect/>
-          <a:stretch>
-            <a:fillRect/>
-          </a:stretch>
-        </p:blipFill>
-        <p:spPr bwMode="auto">
-          <a:xfrm>
-            <a:off x="3503712" y="5193430"/>
-            <a:ext cx="5514975" cy="1981201"/>
-          </a:xfrm>
-          <a:prstGeom prst="rect">
-            <a:avLst/>
-          </a:prstGeom>
-          <a:noFill/>
-          <a:extLst>
-            <a:ext uri="{909E8E84-426E-40DD-AFC4-6F175D3DCCD1}">
-              <a14:hiddenFill xmlns:a14="http://schemas.microsoft.com/office/drawing/2010/main">
-                <a:solidFill>
-                  <a:srgbClr val="FFFFFF"/>
-                </a:solidFill>
-              </a14:hiddenFill>
-            </a:ext>
-          </a:extLst>
-        </p:spPr>
-      </p:pic>
-    </p:spTree>
-    <p:extLst>
-      <p:ext uri="{BB962C8B-B14F-4D97-AF65-F5344CB8AC3E}">
-        <p14:creationId xmlns:p14="http://schemas.microsoft.com/office/powerpoint/2010/main" val="798140213"/>
-      </p:ext>
-    </p:extLst>
-  </p:cSld>
-  <p:clrMapOvr>
-    <a:masterClrMapping/>
-  </p:clrMapOvr>
-  <mc:AlternateContent xmlns:mc="http://schemas.openxmlformats.org/markup-compatibility/2006">
-    <mc:Choice xmlns:p14="http://schemas.microsoft.com/office/powerpoint/2010/main" Requires="p14">
-      <p:transition p14:dur="0" advTm="9938"/>
-    </mc:Choice>
-    <mc:Fallback>
-      <p:transition advTm="9938"/>
-    </mc:Fallback>
-  </mc:AlternateContent>
-  <p:timing>
-    <p:tnLst>
-      <p:par>
-        <p:cTn id="1" dur="indefinite" restart="never" nodeType="tmRoot"/>
-      </p:par>
-    </p:tnLst>
-  </p:timing>
-</p:sld>
-</file>
-
-<file path=ppt/slides/slide22.xml><?xml version="1.0" encoding="utf-8"?>
-<p:sld xmlns:a="http://schemas.openxmlformats.org/drawingml/2006/main" xmlns:r="http://schemas.openxmlformats.org/officeDocument/2006/relationships" xmlns:p="http://schemas.openxmlformats.org/presentationml/2006/main">
-  <p:cSld>
-    <p:spTree>
-      <p:nvGrpSpPr>
-        <p:cNvPr id="1" name=""/>
-        <p:cNvGrpSpPr/>
-        <p:nvPr/>
-      </p:nvGrpSpPr>
-      <p:grpSpPr>
-        <a:xfrm>
-          <a:off x="0" y="0"/>
-          <a:ext cx="0" cy="0"/>
-          <a:chOff x="0" y="0"/>
-          <a:chExt cx="0" cy="0"/>
-        </a:xfrm>
-      </p:grpSpPr>
-      <p:sp>
-        <p:nvSpPr>
-          <p:cNvPr id="2" name="标题 1"/>
-          <p:cNvSpPr>
-            <a:spLocks noGrp="1"/>
-          </p:cNvSpPr>
-          <p:nvPr>
-            <p:ph type="title"/>
-          </p:nvPr>
-        </p:nvSpPr>
-        <p:spPr/>
-        <p:txBody>
-          <a:bodyPr/>
-          <a:lstStyle/>
-          <a:p>
-            <a:r>
-              <a:rPr lang="zh-CN" altLang="en-US" dirty="0" smtClean="0"/>
-              <a:t>原型链</a:t>
-            </a:r>
-            <a:endParaRPr lang="zh-CN" altLang="en-US" dirty="0"/>
-          </a:p>
-        </p:txBody>
-      </p:sp>
-      <p:sp>
-        <p:nvSpPr>
-          <p:cNvPr id="3" name="文本占位符 2"/>
-          <p:cNvSpPr>
-            <a:spLocks noGrp="1"/>
-          </p:cNvSpPr>
-          <p:nvPr>
-            <p:ph type="body" sz="quarter" idx="10"/>
-          </p:nvPr>
-        </p:nvSpPr>
-        <p:spPr>
-          <a:xfrm>
-            <a:off x="11324" y="2250268"/>
-            <a:ext cx="12192000" cy="936625"/>
-          </a:xfrm>
-        </p:spPr>
-        <p:txBody>
-          <a:bodyPr>
-            <a:normAutofit/>
-          </a:bodyPr>
-          <a:lstStyle/>
-          <a:p>
-            <a:pPr algn="ctr"/>
-            <a:r>
-              <a:rPr lang="en-US" altLang="zh-CN" sz="2800" dirty="0" smtClean="0">
-                <a:solidFill>
-                  <a:schemeClr val="tx1">
-                    <a:lumMod val="75000"/>
-                    <a:lumOff val="25000"/>
-                  </a:schemeClr>
-                </a:solidFill>
-              </a:rPr>
-              <a:t>__proto__</a:t>
-            </a:r>
-            <a:endParaRPr lang="zh-CN" altLang="en-US" sz="2800" dirty="0">
-              <a:solidFill>
-                <a:schemeClr val="tx1">
-                  <a:lumMod val="75000"/>
-                  <a:lumOff val="25000"/>
-                </a:schemeClr>
-              </a:solidFill>
-            </a:endParaRPr>
-          </a:p>
-        </p:txBody>
-      </p:sp>
-      <p:sp>
-        <p:nvSpPr>
-          <p:cNvPr id="4" name="文本框 3"/>
-          <p:cNvSpPr txBox="1"/>
-          <p:nvPr/>
-        </p:nvSpPr>
-        <p:spPr>
-          <a:xfrm>
-            <a:off x="2027548" y="3392996"/>
-            <a:ext cx="8136904" cy="1754326"/>
-          </a:xfrm>
-          <a:prstGeom prst="rect">
-            <a:avLst/>
-          </a:prstGeom>
-          <a:noFill/>
-        </p:spPr>
-        <p:txBody>
-          <a:bodyPr wrap="square" rtlCol="0">
-            <a:spAutoFit/>
-          </a:bodyPr>
-          <a:lstStyle/>
-          <a:p>
-            <a:pPr marL="342900" indent="-342900">
-              <a:lnSpc>
-                <a:spcPct val="200000"/>
-              </a:lnSpc>
-              <a:buFont typeface="+mj-lt"/>
-              <a:buAutoNum type="arabicPeriod"/>
-            </a:pPr>
-            <a:r>
-              <a:rPr lang="zh-CN" altLang="en-US" dirty="0" smtClean="0">
-                <a:solidFill>
-                  <a:schemeClr val="tx1">
-                    <a:lumMod val="75000"/>
-                    <a:lumOff val="25000"/>
-                  </a:schemeClr>
-                </a:solidFill>
-                <a:latin typeface="冬青黑体简体中文 W3" panose="020B0300000000000000" pitchFamily="34" charset="-122"/>
-                <a:ea typeface="冬青黑体简体中文 W3" panose="020B0300000000000000" pitchFamily="34" charset="-122"/>
-              </a:rPr>
-              <a:t>定义：</a:t>
-            </a:r>
-            <a:r>
-              <a:rPr lang="zh-CN" altLang="en-US" dirty="0" smtClean="0">
-                <a:solidFill>
-                  <a:srgbClr val="00B050"/>
-                </a:solidFill>
-                <a:latin typeface="冬青黑体简体中文 W3" panose="020B0300000000000000" pitchFamily="34" charset="-122"/>
-                <a:ea typeface="冬青黑体简体中文 W3" panose="020B0300000000000000" pitchFamily="34" charset="-122"/>
-              </a:rPr>
-              <a:t>每个对象</a:t>
-            </a:r>
-            <a:r>
-              <a:rPr lang="zh-CN" altLang="en-US" dirty="0" smtClean="0">
-                <a:solidFill>
-                  <a:schemeClr val="tx1">
-                    <a:lumMod val="65000"/>
-                    <a:lumOff val="35000"/>
-                  </a:schemeClr>
-                </a:solidFill>
-                <a:latin typeface="冬青黑体简体中文 W3" panose="020B0300000000000000" pitchFamily="34" charset="-122"/>
-                <a:ea typeface="冬青黑体简体中文 W3" panose="020B0300000000000000" pitchFamily="34" charset="-122"/>
-              </a:rPr>
-              <a:t>都有一个 </a:t>
-            </a:r>
-            <a:r>
-              <a:rPr lang="en-US" altLang="zh-CN" dirty="0" smtClean="0">
-                <a:solidFill>
-                  <a:srgbClr val="C00000"/>
-                </a:solidFill>
-                <a:latin typeface="冬青黑体简体中文 W3" panose="020B0300000000000000" pitchFamily="34" charset="-122"/>
-                <a:ea typeface="冬青黑体简体中文 W3" panose="020B0300000000000000" pitchFamily="34" charset="-122"/>
-              </a:rPr>
-              <a:t>__proto__ </a:t>
-            </a:r>
-            <a:r>
-              <a:rPr lang="zh-CN" altLang="en-US" dirty="0" smtClean="0">
-                <a:solidFill>
-                  <a:schemeClr val="tx1">
-                    <a:lumMod val="65000"/>
-                    <a:lumOff val="35000"/>
-                  </a:schemeClr>
-                </a:solidFill>
-                <a:latin typeface="冬青黑体简体中文 W3" panose="020B0300000000000000" pitchFamily="34" charset="-122"/>
-                <a:ea typeface="冬青黑体简体中文 W3" panose="020B0300000000000000" pitchFamily="34" charset="-122"/>
-              </a:rPr>
-              <a:t>指针指向其构造函数的 </a:t>
-            </a:r>
-            <a:r>
-              <a:rPr lang="en-US" altLang="zh-CN" dirty="0" smtClean="0">
-                <a:solidFill>
-                  <a:srgbClr val="C00000"/>
-                </a:solidFill>
-                <a:latin typeface="冬青黑体简体中文 W3" panose="020B0300000000000000" pitchFamily="34" charset="-122"/>
-                <a:ea typeface="冬青黑体简体中文 W3" panose="020B0300000000000000" pitchFamily="34" charset="-122"/>
-              </a:rPr>
-              <a:t>prototype </a:t>
-            </a:r>
-            <a:r>
-              <a:rPr lang="zh-CN" altLang="en-US" dirty="0" smtClean="0">
-                <a:solidFill>
-                  <a:schemeClr val="tx1">
-                    <a:lumMod val="65000"/>
-                    <a:lumOff val="35000"/>
-                  </a:schemeClr>
-                </a:solidFill>
-                <a:latin typeface="冬青黑体简体中文 W3" panose="020B0300000000000000" pitchFamily="34" charset="-122"/>
-                <a:ea typeface="冬青黑体简体中文 W3" panose="020B0300000000000000" pitchFamily="34" charset="-122"/>
-              </a:rPr>
-              <a:t>对象。</a:t>
-            </a:r>
-            <a:endParaRPr lang="en-US" altLang="zh-CN" dirty="0" smtClean="0">
-              <a:solidFill>
-                <a:schemeClr val="tx1">
-                  <a:lumMod val="65000"/>
-                  <a:lumOff val="35000"/>
-                </a:schemeClr>
-              </a:solidFill>
-              <a:latin typeface="冬青黑体简体中文 W3" panose="020B0300000000000000" pitchFamily="34" charset="-122"/>
-              <a:ea typeface="冬青黑体简体中文 W3" panose="020B0300000000000000" pitchFamily="34" charset="-122"/>
-            </a:endParaRPr>
-          </a:p>
-          <a:p>
-            <a:pPr marL="342900" indent="-342900">
-              <a:lnSpc>
-                <a:spcPct val="200000"/>
-              </a:lnSpc>
-              <a:buFont typeface="+mj-lt"/>
-              <a:buAutoNum type="arabicPeriod"/>
-            </a:pPr>
-            <a:r>
-              <a:rPr lang="zh-CN" altLang="en-US" dirty="0">
-                <a:solidFill>
-                  <a:schemeClr val="tx1">
-                    <a:lumMod val="75000"/>
-                    <a:lumOff val="25000"/>
-                  </a:schemeClr>
-                </a:solidFill>
-                <a:latin typeface="冬青黑体简体中文 W3" panose="020B0300000000000000" pitchFamily="34" charset="-122"/>
-                <a:ea typeface="冬青黑体简体中文 W3" panose="020B0300000000000000" pitchFamily="34" charset="-122"/>
-              </a:rPr>
-              <a:t>继</a:t>
-            </a:r>
-            <a:r>
-              <a:rPr lang="zh-CN" altLang="en-US" dirty="0" smtClean="0">
-                <a:solidFill>
-                  <a:schemeClr val="tx1">
-                    <a:lumMod val="75000"/>
-                    <a:lumOff val="25000"/>
-                  </a:schemeClr>
-                </a:solidFill>
-                <a:latin typeface="冬青黑体简体中文 W3" panose="020B0300000000000000" pitchFamily="34" charset="-122"/>
-                <a:ea typeface="冬青黑体简体中文 W3" panose="020B0300000000000000" pitchFamily="34" charset="-122"/>
-              </a:rPr>
-              <a:t>承由此产生。</a:t>
-            </a:r>
-            <a:endParaRPr lang="zh-CN" altLang="en-US" dirty="0" smtClean="0">
-              <a:solidFill>
-                <a:schemeClr val="tx1">
-                  <a:lumMod val="75000"/>
-                  <a:lumOff val="25000"/>
-                </a:schemeClr>
-              </a:solidFill>
-              <a:latin typeface="冬青黑体简体中文 W3" panose="020B0300000000000000" pitchFamily="34" charset="-122"/>
-              <a:ea typeface="冬青黑体简体中文 W3" panose="020B0300000000000000" pitchFamily="34" charset="-122"/>
-            </a:endParaRPr>
-          </a:p>
-        </p:txBody>
-      </p:sp>
-    </p:spTree>
-    <p:extLst>
-      <p:ext uri="{BB962C8B-B14F-4D97-AF65-F5344CB8AC3E}">
-        <p14:creationId xmlns:p14="http://schemas.microsoft.com/office/powerpoint/2010/main" val="2308217878"/>
-      </p:ext>
-    </p:extLst>
-  </p:cSld>
-  <p:clrMapOvr>
-    <a:masterClrMapping/>
-  </p:clrMapOvr>
-  <mc:AlternateContent xmlns:mc="http://schemas.openxmlformats.org/markup-compatibility/2006">
-    <mc:Choice xmlns:p14="http://schemas.microsoft.com/office/powerpoint/2010/main" Requires="p14">
-      <p:transition p14:dur="0" advTm="9938"/>
-    </mc:Choice>
-    <mc:Fallback>
-      <p:transition advTm="9938"/>
-    </mc:Fallback>
-  </mc:AlternateContent>
-  <p:timing>
-    <p:tnLst>
-      <p:par>
-        <p:cTn id="1" dur="indefinite" restart="never" nodeType="tmRoot"/>
-      </p:par>
-    </p:tnLst>
-  </p:timing>
-</p:sld>
-</file>
-
-<file path=ppt/slides/slide23.xml><?xml version="1.0" encoding="utf-8"?>
-<p:sld xmlns:a="http://schemas.openxmlformats.org/drawingml/2006/main" xmlns:r="http://schemas.openxmlformats.org/officeDocument/2006/relationships" xmlns:p="http://schemas.openxmlformats.org/presentationml/2006/main">
-  <p:cSld>
-    <p:spTree>
-      <p:nvGrpSpPr>
-        <p:cNvPr id="1" name=""/>
-        <p:cNvGrpSpPr/>
-        <p:nvPr/>
-      </p:nvGrpSpPr>
-      <p:grpSpPr>
-        <a:xfrm>
-          <a:off x="0" y="0"/>
-          <a:ext cx="0" cy="0"/>
-          <a:chOff x="0" y="0"/>
-          <a:chExt cx="0" cy="0"/>
-        </a:xfrm>
-      </p:grpSpPr>
-      <p:sp>
-        <p:nvSpPr>
-          <p:cNvPr id="2" name="标题 1"/>
-          <p:cNvSpPr>
-            <a:spLocks noGrp="1"/>
-          </p:cNvSpPr>
-          <p:nvPr>
-            <p:ph type="title"/>
-          </p:nvPr>
-        </p:nvSpPr>
-        <p:spPr>
-          <a:xfrm>
-            <a:off x="611267" y="413792"/>
-            <a:ext cx="10972641" cy="1143000"/>
-          </a:xfrm>
-        </p:spPr>
-        <p:txBody>
-          <a:bodyPr/>
-          <a:lstStyle/>
-          <a:p>
-            <a:r>
-              <a:rPr lang="zh-CN" altLang="en-US" dirty="0" smtClean="0">
-                <a:latin typeface="冬青黑体简体中文 W3" panose="020B0300000000000000" pitchFamily="34" charset="-122"/>
-                <a:ea typeface="冬青黑体简体中文 W3" panose="020B0300000000000000" pitchFamily="34" charset="-122"/>
-              </a:rPr>
-              <a:t>自我探索</a:t>
-            </a:r>
-            <a:endParaRPr lang="zh-CN" altLang="en-US" dirty="0">
-              <a:latin typeface="冬青黑体简体中文 W3" panose="020B0300000000000000" pitchFamily="34" charset="-122"/>
-              <a:ea typeface="冬青黑体简体中文 W3" panose="020B0300000000000000" pitchFamily="34" charset="-122"/>
-            </a:endParaRPr>
-          </a:p>
-        </p:txBody>
-      </p:sp>
-      <p:sp>
-        <p:nvSpPr>
-          <p:cNvPr id="3" name="文本框 2"/>
-          <p:cNvSpPr txBox="1"/>
-          <p:nvPr/>
-        </p:nvSpPr>
-        <p:spPr>
-          <a:xfrm>
-            <a:off x="1235460" y="1556792"/>
-            <a:ext cx="10348448" cy="369332"/>
-          </a:xfrm>
-          <a:prstGeom prst="rect">
-            <a:avLst/>
-          </a:prstGeom>
-          <a:noFill/>
-        </p:spPr>
-        <p:txBody>
-          <a:bodyPr wrap="square" rtlCol="0">
-            <a:spAutoFit/>
-          </a:bodyPr>
-          <a:lstStyle/>
-          <a:p>
-            <a:pPr marL="342900" indent="-342900">
-              <a:buFont typeface="+mj-lt"/>
-              <a:buAutoNum type="arabicPeriod"/>
-            </a:pPr>
-            <a:r>
-              <a:rPr lang="zh-CN" altLang="en-US" dirty="0" smtClean="0">
-                <a:solidFill>
-                  <a:schemeClr val="tx1">
-                    <a:lumMod val="85000"/>
-                    <a:lumOff val="15000"/>
-                  </a:schemeClr>
-                </a:solidFill>
-                <a:latin typeface="冬青黑体简体中文 W3" panose="020B0300000000000000" pitchFamily="34" charset="-122"/>
-                <a:ea typeface="冬青黑体简体中文 W3" panose="020B0300000000000000" pitchFamily="34" charset="-122"/>
-              </a:rPr>
-              <a:t>严格模式：</a:t>
-            </a:r>
-            <a:r>
-              <a:rPr lang="en-US" altLang="zh-CN" dirty="0">
-                <a:solidFill>
-                  <a:schemeClr val="tx1">
-                    <a:lumMod val="85000"/>
-                    <a:lumOff val="15000"/>
-                  </a:schemeClr>
-                </a:solidFill>
-                <a:latin typeface="冬青黑体简体中文 W3" panose="020B0300000000000000" pitchFamily="34" charset="-122"/>
-                <a:ea typeface="冬青黑体简体中文 W3" panose="020B0300000000000000" pitchFamily="34" charset="-122"/>
-              </a:rPr>
-              <a:t>http://</a:t>
-            </a:r>
-            <a:r>
-              <a:rPr lang="en-US" altLang="zh-CN" dirty="0" smtClean="0">
-                <a:solidFill>
-                  <a:schemeClr val="tx1">
-                    <a:lumMod val="85000"/>
-                    <a:lumOff val="15000"/>
-                  </a:schemeClr>
-                </a:solidFill>
-                <a:latin typeface="冬青黑体简体中文 W3" panose="020B0300000000000000" pitchFamily="34" charset="-122"/>
-                <a:ea typeface="冬青黑体简体中文 W3" panose="020B0300000000000000" pitchFamily="34" charset="-122"/>
-              </a:rPr>
-              <a:t>www.ruanyifeng.com/blog/2013/01/javascript_strict_mode.html</a:t>
-            </a:r>
-            <a:endParaRPr lang="zh-CN" altLang="en-US" dirty="0" smtClean="0">
-              <a:solidFill>
-                <a:schemeClr val="tx1">
-                  <a:lumMod val="85000"/>
-                  <a:lumOff val="15000"/>
-                </a:schemeClr>
-              </a:solidFill>
-              <a:latin typeface="冬青黑体简体中文 W3" panose="020B0300000000000000" pitchFamily="34" charset="-122"/>
-              <a:ea typeface="冬青黑体简体中文 W3" panose="020B0300000000000000" pitchFamily="34" charset="-122"/>
-            </a:endParaRPr>
-          </a:p>
-        </p:txBody>
-      </p:sp>
-      <p:sp>
-        <p:nvSpPr>
-          <p:cNvPr id="4" name="文本框 3"/>
-          <p:cNvSpPr txBox="1"/>
-          <p:nvPr/>
-        </p:nvSpPr>
-        <p:spPr>
-          <a:xfrm>
-            <a:off x="3145259" y="6021288"/>
-            <a:ext cx="5904656" cy="369332"/>
-          </a:xfrm>
-          <a:prstGeom prst="rect">
-            <a:avLst/>
-          </a:prstGeom>
-          <a:noFill/>
-        </p:spPr>
-        <p:txBody>
-          <a:bodyPr wrap="square" rtlCol="0">
-            <a:spAutoFit/>
-          </a:bodyPr>
-          <a:lstStyle/>
-          <a:p>
-            <a:r>
-              <a:rPr lang="zh-CN" altLang="en-US" dirty="0" smtClean="0">
-                <a:solidFill>
-                  <a:srgbClr val="FF0000"/>
-                </a:solidFill>
-                <a:latin typeface="冬青黑体简体中文 W3" panose="020B0300000000000000" pitchFamily="34" charset="-122"/>
-                <a:ea typeface="冬青黑体简体中文 W3" panose="020B0300000000000000" pitchFamily="34" charset="-122"/>
-              </a:rPr>
-              <a:t>墙裂推荐：</a:t>
-            </a:r>
-            <a:r>
-              <a:rPr lang="en-US" altLang="zh-CN" dirty="0">
-                <a:solidFill>
-                  <a:srgbClr val="FF0000"/>
-                </a:solidFill>
-                <a:latin typeface="冬青黑体简体中文 W3" panose="020B0300000000000000" pitchFamily="34" charset="-122"/>
-                <a:ea typeface="冬青黑体简体中文 W3" panose="020B0300000000000000" pitchFamily="34" charset="-122"/>
-              </a:rPr>
-              <a:t>https://github.com/mqyqingfeng/Blog</a:t>
-            </a:r>
-            <a:endParaRPr lang="zh-CN" altLang="en-US" dirty="0" smtClean="0">
-              <a:solidFill>
-                <a:srgbClr val="FF0000"/>
-              </a:solidFill>
-              <a:latin typeface="冬青黑体简体中文 W3" panose="020B0300000000000000" pitchFamily="34" charset="-122"/>
-              <a:ea typeface="冬青黑体简体中文 W3" panose="020B0300000000000000" pitchFamily="34" charset="-122"/>
-            </a:endParaRPr>
-          </a:p>
-        </p:txBody>
-      </p:sp>
-    </p:spTree>
-    <p:extLst>
-      <p:ext uri="{BB962C8B-B14F-4D97-AF65-F5344CB8AC3E}">
-        <p14:creationId xmlns:p14="http://schemas.microsoft.com/office/powerpoint/2010/main" val="698622791"/>
-      </p:ext>
-    </p:extLst>
-  </p:cSld>
-  <p:clrMapOvr>
-    <a:masterClrMapping/>
-  </p:clrMapOvr>
-  <mc:AlternateContent xmlns:mc="http://schemas.openxmlformats.org/markup-compatibility/2006">
-    <mc:Choice xmlns:p14="http://schemas.microsoft.com/office/powerpoint/2010/main" Requires="p14">
-      <p:transition p14:dur="0" advTm="9938"/>
-    </mc:Choice>
-    <mc:Fallback>
-      <p:transition advTm="9938"/>
-    </mc:Fallback>
-  </mc:AlternateContent>
-  <p:timing>
-    <p:tnLst>
-      <p:par>
-        <p:cTn id="1" dur="indefinite" restart="never" nodeType="tmRoot"/>
-      </p:par>
-    </p:tnLst>
-  </p:timing>
-</p:sld>
-</file>
-
-<file path=ppt/slides/slide3.xml><?xml version="1.0" encoding="utf-8"?>
+<file path=ppt/slides/slide2.xml><?xml version="1.0" encoding="utf-8"?>
 <p:sld xmlns:a="http://schemas.openxmlformats.org/drawingml/2006/main" xmlns:r="http://schemas.openxmlformats.org/officeDocument/2006/relationships" xmlns:p="http://schemas.openxmlformats.org/presentationml/2006/main">
   <p:cSld>
     <p:spTree>
@@ -7795,11 +6613,11 @@
   <p:clrMapOvr>
     <a:masterClrMapping/>
   </p:clrMapOvr>
-  <mc:AlternateContent xmlns:mc="http://schemas.openxmlformats.org/markup-compatibility/2006">
-    <mc:Choice xmlns:p14="http://schemas.microsoft.com/office/powerpoint/2010/main" Requires="p14">
+  <mc:AlternateContent xmlns:mc="http://schemas.openxmlformats.org/markup-compatibility/2006" xmlns:p14="http://schemas.microsoft.com/office/powerpoint/2010/main">
+    <mc:Choice Requires="p14">
       <p:transition p14:dur="0" advTm="9938"/>
     </mc:Choice>
-    <mc:Fallback>
+    <mc:Fallback xmlns="">
       <p:transition advTm="9938"/>
     </mc:Fallback>
   </mc:AlternateContent>
@@ -7941,7 +6759,947 @@
 </p:sld>
 </file>
 
-<file path=ppt/slides/slide4.xml><?xml version="1.0" encoding="utf-8"?>
+<file path=ppt/slides/slide20.xml><?xml version="1.0" encoding="utf-8"?>
+<p:sld xmlns:a="http://schemas.openxmlformats.org/drawingml/2006/main" xmlns:r="http://schemas.openxmlformats.org/officeDocument/2006/relationships" xmlns:p="http://schemas.openxmlformats.org/presentationml/2006/main">
+  <p:cSld>
+    <p:spTree>
+      <p:nvGrpSpPr>
+        <p:cNvPr id="1" name=""/>
+        <p:cNvGrpSpPr/>
+        <p:nvPr/>
+      </p:nvGrpSpPr>
+      <p:grpSpPr>
+        <a:xfrm>
+          <a:off x="0" y="0"/>
+          <a:ext cx="0" cy="0"/>
+          <a:chOff x="0" y="0"/>
+          <a:chExt cx="0" cy="0"/>
+        </a:xfrm>
+      </p:grpSpPr>
+      <p:sp>
+        <p:nvSpPr>
+          <p:cNvPr id="7" name="矩形 6"/>
+          <p:cNvSpPr/>
+          <p:nvPr/>
+        </p:nvSpPr>
+        <p:spPr>
+          <a:xfrm>
+            <a:off x="-804" y="4987128"/>
+            <a:ext cx="12228513" cy="2007245"/>
+          </a:xfrm>
+          <a:prstGeom prst="rect">
+            <a:avLst/>
+          </a:prstGeom>
+          <a:solidFill>
+            <a:schemeClr val="bg1"/>
+          </a:solidFill>
+          <a:ln>
+            <a:noFill/>
+          </a:ln>
+          <a:effectLst/>
+        </p:spPr>
+        <p:style>
+          <a:lnRef idx="1">
+            <a:schemeClr val="accent6"/>
+          </a:lnRef>
+          <a:fillRef idx="3">
+            <a:schemeClr val="accent6"/>
+          </a:fillRef>
+          <a:effectRef idx="2">
+            <a:schemeClr val="accent6"/>
+          </a:effectRef>
+          <a:fontRef idx="minor">
+            <a:schemeClr val="lt1"/>
+          </a:fontRef>
+        </p:style>
+        <p:txBody>
+          <a:bodyPr wrap="square" lIns="54000" tIns="28800" rIns="54000" bIns="28800" rtlCol="0" anchor="ctr">
+            <a:spAutoFit/>
+          </a:bodyPr>
+          <a:lstStyle/>
+          <a:p>
+            <a:pPr algn="ctr"/>
+            <a:endParaRPr lang="zh-CN" altLang="en-US" dirty="0"/>
+          </a:p>
+        </p:txBody>
+      </p:sp>
+      <p:sp>
+        <p:nvSpPr>
+          <p:cNvPr id="2" name="标题 1"/>
+          <p:cNvSpPr>
+            <a:spLocks noGrp="1"/>
+          </p:cNvSpPr>
+          <p:nvPr>
+            <p:ph type="title"/>
+          </p:nvPr>
+        </p:nvSpPr>
+        <p:spPr>
+          <a:xfrm>
+            <a:off x="36513" y="15446"/>
+            <a:ext cx="12192000" cy="1122096"/>
+          </a:xfrm>
+        </p:spPr>
+        <p:txBody>
+          <a:bodyPr/>
+          <a:lstStyle/>
+          <a:p>
+            <a:r>
+              <a:rPr lang="zh-CN" altLang="en-US" dirty="0" smtClean="0"/>
+              <a:t>代码示例</a:t>
+            </a:r>
+            <a:endParaRPr lang="zh-CN" altLang="en-US" dirty="0"/>
+          </a:p>
+        </p:txBody>
+      </p:sp>
+      <p:sp>
+        <p:nvSpPr>
+          <p:cNvPr id="5" name="文本占位符 4"/>
+          <p:cNvSpPr>
+            <a:spLocks noGrp="1"/>
+          </p:cNvSpPr>
+          <p:nvPr>
+            <p:ph type="body" sz="quarter" idx="10"/>
+          </p:nvPr>
+        </p:nvSpPr>
+        <p:spPr/>
+        <p:txBody>
+          <a:bodyPr/>
+          <a:lstStyle/>
+          <a:p>
+            <a:endParaRPr lang="zh-CN" altLang="en-US"/>
+          </a:p>
+        </p:txBody>
+      </p:sp>
+      <p:pic>
+        <p:nvPicPr>
+          <p:cNvPr id="6" name="图片 5"/>
+          <p:cNvPicPr>
+            <a:picLocks noChangeAspect="1"/>
+          </p:cNvPicPr>
+          <p:nvPr/>
+        </p:nvPicPr>
+        <p:blipFill>
+          <a:blip r:embed="rId2"/>
+          <a:stretch>
+            <a:fillRect/>
+          </a:stretch>
+        </p:blipFill>
+        <p:spPr>
+          <a:xfrm>
+            <a:off x="1" y="1137542"/>
+            <a:ext cx="12228512" cy="3849586"/>
+          </a:xfrm>
+          <a:prstGeom prst="rect">
+            <a:avLst/>
+          </a:prstGeom>
+        </p:spPr>
+      </p:pic>
+      <p:pic>
+        <p:nvPicPr>
+          <p:cNvPr id="1026" name="Picture 2" descr="æé å½æ°åå®ä¾ååçå+³ç³»å¾"/>
+          <p:cNvPicPr>
+            <a:picLocks noChangeAspect="1" noChangeArrowheads="1"/>
+          </p:cNvPicPr>
+          <p:nvPr/>
+        </p:nvPicPr>
+        <p:blipFill>
+          <a:blip r:embed="rId3">
+            <a:extLst>
+              <a:ext uri="{28A0092B-C50C-407E-A947-70E740481C1C}">
+                <a14:useLocalDpi xmlns:a14="http://schemas.microsoft.com/office/drawing/2010/main" val="0"/>
+              </a:ext>
+            </a:extLst>
+          </a:blip>
+          <a:srcRect/>
+          <a:stretch>
+            <a:fillRect/>
+          </a:stretch>
+        </p:blipFill>
+        <p:spPr bwMode="auto">
+          <a:xfrm>
+            <a:off x="3503712" y="5193430"/>
+            <a:ext cx="5514975" cy="1981201"/>
+          </a:xfrm>
+          <a:prstGeom prst="rect">
+            <a:avLst/>
+          </a:prstGeom>
+          <a:noFill/>
+          <a:extLst>
+            <a:ext uri="{909E8E84-426E-40DD-AFC4-6F175D3DCCD1}">
+              <a14:hiddenFill xmlns:a14="http://schemas.microsoft.com/office/drawing/2010/main">
+                <a:solidFill>
+                  <a:srgbClr val="FFFFFF"/>
+                </a:solidFill>
+              </a14:hiddenFill>
+            </a:ext>
+          </a:extLst>
+        </p:spPr>
+      </p:pic>
+    </p:spTree>
+    <p:extLst>
+      <p:ext uri="{BB962C8B-B14F-4D97-AF65-F5344CB8AC3E}">
+        <p14:creationId xmlns:p14="http://schemas.microsoft.com/office/powerpoint/2010/main" val="798140213"/>
+      </p:ext>
+    </p:extLst>
+  </p:cSld>
+  <p:clrMapOvr>
+    <a:masterClrMapping/>
+  </p:clrMapOvr>
+  <mc:AlternateContent xmlns:mc="http://schemas.openxmlformats.org/markup-compatibility/2006" xmlns:p14="http://schemas.microsoft.com/office/powerpoint/2010/main">
+    <mc:Choice Requires="p14">
+      <p:transition p14:dur="0" advTm="9938"/>
+    </mc:Choice>
+    <mc:Fallback xmlns="">
+      <p:transition advTm="9938"/>
+    </mc:Fallback>
+  </mc:AlternateContent>
+  <p:timing>
+    <p:tnLst>
+      <p:par>
+        <p:cTn id="1" dur="indefinite" restart="never" nodeType="tmRoot"/>
+      </p:par>
+    </p:tnLst>
+  </p:timing>
+</p:sld>
+</file>
+
+<file path=ppt/slides/slide21.xml><?xml version="1.0" encoding="utf-8"?>
+<p:sld xmlns:a="http://schemas.openxmlformats.org/drawingml/2006/main" xmlns:r="http://schemas.openxmlformats.org/officeDocument/2006/relationships" xmlns:p="http://schemas.openxmlformats.org/presentationml/2006/main">
+  <p:cSld>
+    <p:spTree>
+      <p:nvGrpSpPr>
+        <p:cNvPr id="1" name=""/>
+        <p:cNvGrpSpPr/>
+        <p:nvPr/>
+      </p:nvGrpSpPr>
+      <p:grpSpPr>
+        <a:xfrm>
+          <a:off x="0" y="0"/>
+          <a:ext cx="0" cy="0"/>
+          <a:chOff x="0" y="0"/>
+          <a:chExt cx="0" cy="0"/>
+        </a:xfrm>
+      </p:grpSpPr>
+      <p:sp>
+        <p:nvSpPr>
+          <p:cNvPr id="2" name="标题 1"/>
+          <p:cNvSpPr>
+            <a:spLocks noGrp="1"/>
+          </p:cNvSpPr>
+          <p:nvPr>
+            <p:ph type="title"/>
+          </p:nvPr>
+        </p:nvSpPr>
+        <p:spPr/>
+        <p:txBody>
+          <a:bodyPr/>
+          <a:lstStyle/>
+          <a:p>
+            <a:r>
+              <a:rPr lang="zh-CN" altLang="en-US" dirty="0" smtClean="0"/>
+              <a:t>原型链</a:t>
+            </a:r>
+            <a:endParaRPr lang="zh-CN" altLang="en-US" dirty="0"/>
+          </a:p>
+        </p:txBody>
+      </p:sp>
+      <p:sp>
+        <p:nvSpPr>
+          <p:cNvPr id="3" name="文本占位符 2"/>
+          <p:cNvSpPr>
+            <a:spLocks noGrp="1"/>
+          </p:cNvSpPr>
+          <p:nvPr>
+            <p:ph type="body" sz="quarter" idx="10"/>
+          </p:nvPr>
+        </p:nvSpPr>
+        <p:spPr>
+          <a:xfrm>
+            <a:off x="11324" y="2250268"/>
+            <a:ext cx="12192000" cy="936625"/>
+          </a:xfrm>
+        </p:spPr>
+        <p:txBody>
+          <a:bodyPr>
+            <a:normAutofit/>
+          </a:bodyPr>
+          <a:lstStyle/>
+          <a:p>
+            <a:pPr algn="ctr"/>
+            <a:r>
+              <a:rPr lang="en-US" altLang="zh-CN" sz="2800" dirty="0" smtClean="0">
+                <a:solidFill>
+                  <a:schemeClr val="tx1">
+                    <a:lumMod val="75000"/>
+                    <a:lumOff val="25000"/>
+                  </a:schemeClr>
+                </a:solidFill>
+              </a:rPr>
+              <a:t>__proto__</a:t>
+            </a:r>
+            <a:endParaRPr lang="zh-CN" altLang="en-US" sz="2800" dirty="0">
+              <a:solidFill>
+                <a:schemeClr val="tx1">
+                  <a:lumMod val="75000"/>
+                  <a:lumOff val="25000"/>
+                </a:schemeClr>
+              </a:solidFill>
+            </a:endParaRPr>
+          </a:p>
+        </p:txBody>
+      </p:sp>
+      <p:sp>
+        <p:nvSpPr>
+          <p:cNvPr id="4" name="文本框 3"/>
+          <p:cNvSpPr txBox="1"/>
+          <p:nvPr/>
+        </p:nvSpPr>
+        <p:spPr>
+          <a:xfrm>
+            <a:off x="1883532" y="3392996"/>
+            <a:ext cx="8424936" cy="1200329"/>
+          </a:xfrm>
+          <a:prstGeom prst="rect">
+            <a:avLst/>
+          </a:prstGeom>
+          <a:noFill/>
+        </p:spPr>
+        <p:txBody>
+          <a:bodyPr wrap="square" rtlCol="0">
+            <a:spAutoFit/>
+          </a:bodyPr>
+          <a:lstStyle/>
+          <a:p>
+            <a:pPr marL="342900" indent="-342900">
+              <a:lnSpc>
+                <a:spcPct val="200000"/>
+              </a:lnSpc>
+              <a:buFont typeface="+mj-lt"/>
+              <a:buAutoNum type="arabicPeriod"/>
+            </a:pPr>
+            <a:r>
+              <a:rPr lang="zh-CN" altLang="en-US" dirty="0" smtClean="0">
+                <a:solidFill>
+                  <a:schemeClr val="tx1">
+                    <a:lumMod val="75000"/>
+                    <a:lumOff val="25000"/>
+                  </a:schemeClr>
+                </a:solidFill>
+                <a:latin typeface="冬青黑体简体中文 W3" panose="020B0300000000000000" pitchFamily="34" charset="-122"/>
+                <a:ea typeface="冬青黑体简体中文 W3" panose="020B0300000000000000" pitchFamily="34" charset="-122"/>
+              </a:rPr>
+              <a:t>定义：</a:t>
+            </a:r>
+            <a:r>
+              <a:rPr lang="zh-CN" altLang="en-US" dirty="0" smtClean="0">
+                <a:solidFill>
+                  <a:srgbClr val="00B050"/>
+                </a:solidFill>
+                <a:latin typeface="冬青黑体简体中文 W3" panose="020B0300000000000000" pitchFamily="34" charset="-122"/>
+                <a:ea typeface="冬青黑体简体中文 W3" panose="020B0300000000000000" pitchFamily="34" charset="-122"/>
+              </a:rPr>
+              <a:t>每个对象</a:t>
+            </a:r>
+            <a:r>
+              <a:rPr lang="zh-CN" altLang="en-US" dirty="0" smtClean="0">
+                <a:solidFill>
+                  <a:schemeClr val="tx1">
+                    <a:lumMod val="65000"/>
+                    <a:lumOff val="35000"/>
+                  </a:schemeClr>
+                </a:solidFill>
+                <a:latin typeface="冬青黑体简体中文 W3" panose="020B0300000000000000" pitchFamily="34" charset="-122"/>
+                <a:ea typeface="冬青黑体简体中文 W3" panose="020B0300000000000000" pitchFamily="34" charset="-122"/>
+              </a:rPr>
+              <a:t>都有一个 </a:t>
+            </a:r>
+            <a:r>
+              <a:rPr lang="en-US" altLang="zh-CN" dirty="0" smtClean="0">
+                <a:solidFill>
+                  <a:srgbClr val="C00000"/>
+                </a:solidFill>
+                <a:latin typeface="冬青黑体简体中文 W3" panose="020B0300000000000000" pitchFamily="34" charset="-122"/>
+                <a:ea typeface="冬青黑体简体中文 W3" panose="020B0300000000000000" pitchFamily="34" charset="-122"/>
+              </a:rPr>
+              <a:t>__proto__ </a:t>
+            </a:r>
+            <a:r>
+              <a:rPr lang="zh-CN" altLang="en-US" dirty="0" smtClean="0">
+                <a:solidFill>
+                  <a:schemeClr val="tx1">
+                    <a:lumMod val="65000"/>
+                    <a:lumOff val="35000"/>
+                  </a:schemeClr>
+                </a:solidFill>
+                <a:latin typeface="冬青黑体简体中文 W3" panose="020B0300000000000000" pitchFamily="34" charset="-122"/>
+                <a:ea typeface="冬青黑体简体中文 W3" panose="020B0300000000000000" pitchFamily="34" charset="-122"/>
+              </a:rPr>
+              <a:t>指针指向其构造函数的 </a:t>
+            </a:r>
+            <a:r>
+              <a:rPr lang="en-US" altLang="zh-CN" dirty="0" smtClean="0">
+                <a:solidFill>
+                  <a:srgbClr val="C00000"/>
+                </a:solidFill>
+                <a:latin typeface="冬青黑体简体中文 W3" panose="020B0300000000000000" pitchFamily="34" charset="-122"/>
+                <a:ea typeface="冬青黑体简体中文 W3" panose="020B0300000000000000" pitchFamily="34" charset="-122"/>
+              </a:rPr>
+              <a:t>prototype </a:t>
+            </a:r>
+            <a:r>
+              <a:rPr lang="zh-CN" altLang="en-US" dirty="0" smtClean="0">
+                <a:solidFill>
+                  <a:schemeClr val="tx1">
+                    <a:lumMod val="65000"/>
+                    <a:lumOff val="35000"/>
+                  </a:schemeClr>
+                </a:solidFill>
+                <a:latin typeface="冬青黑体简体中文 W3" panose="020B0300000000000000" pitchFamily="34" charset="-122"/>
+                <a:ea typeface="冬青黑体简体中文 W3" panose="020B0300000000000000" pitchFamily="34" charset="-122"/>
+              </a:rPr>
+              <a:t>对象。</a:t>
+            </a:r>
+            <a:endParaRPr lang="en-US" altLang="zh-CN" dirty="0" smtClean="0">
+              <a:solidFill>
+                <a:schemeClr val="tx1">
+                  <a:lumMod val="65000"/>
+                  <a:lumOff val="35000"/>
+                </a:schemeClr>
+              </a:solidFill>
+              <a:latin typeface="冬青黑体简体中文 W3" panose="020B0300000000000000" pitchFamily="34" charset="-122"/>
+              <a:ea typeface="冬青黑体简体中文 W3" panose="020B0300000000000000" pitchFamily="34" charset="-122"/>
+            </a:endParaRPr>
+          </a:p>
+          <a:p>
+            <a:pPr marL="342900" indent="-342900">
+              <a:lnSpc>
+                <a:spcPct val="200000"/>
+              </a:lnSpc>
+              <a:buFont typeface="+mj-lt"/>
+              <a:buAutoNum type="arabicPeriod"/>
+            </a:pPr>
+            <a:r>
+              <a:rPr lang="zh-CN" altLang="en-US" dirty="0">
+                <a:solidFill>
+                  <a:schemeClr val="tx1">
+                    <a:lumMod val="75000"/>
+                    <a:lumOff val="25000"/>
+                  </a:schemeClr>
+                </a:solidFill>
+                <a:latin typeface="冬青黑体简体中文 W3" panose="020B0300000000000000" pitchFamily="34" charset="-122"/>
+                <a:ea typeface="冬青黑体简体中文 W3" panose="020B0300000000000000" pitchFamily="34" charset="-122"/>
+              </a:rPr>
+              <a:t>继</a:t>
+            </a:r>
+            <a:r>
+              <a:rPr lang="zh-CN" altLang="en-US" dirty="0" smtClean="0">
+                <a:solidFill>
+                  <a:schemeClr val="tx1">
+                    <a:lumMod val="75000"/>
+                    <a:lumOff val="25000"/>
+                  </a:schemeClr>
+                </a:solidFill>
+                <a:latin typeface="冬青黑体简体中文 W3" panose="020B0300000000000000" pitchFamily="34" charset="-122"/>
+                <a:ea typeface="冬青黑体简体中文 W3" panose="020B0300000000000000" pitchFamily="34" charset="-122"/>
+              </a:rPr>
+              <a:t>承由此产生。</a:t>
+            </a:r>
+          </a:p>
+        </p:txBody>
+      </p:sp>
+    </p:spTree>
+    <p:extLst>
+      <p:ext uri="{BB962C8B-B14F-4D97-AF65-F5344CB8AC3E}">
+        <p14:creationId xmlns:p14="http://schemas.microsoft.com/office/powerpoint/2010/main" val="2308217878"/>
+      </p:ext>
+    </p:extLst>
+  </p:cSld>
+  <p:clrMapOvr>
+    <a:masterClrMapping/>
+  </p:clrMapOvr>
+  <mc:AlternateContent xmlns:mc="http://schemas.openxmlformats.org/markup-compatibility/2006" xmlns:p14="http://schemas.microsoft.com/office/powerpoint/2010/main">
+    <mc:Choice Requires="p14">
+      <p:transition p14:dur="0" advTm="9938"/>
+    </mc:Choice>
+    <mc:Fallback xmlns="">
+      <p:transition advTm="9938"/>
+    </mc:Fallback>
+  </mc:AlternateContent>
+  <p:timing>
+    <p:tnLst>
+      <p:par>
+        <p:cTn id="1" dur="indefinite" restart="never" nodeType="tmRoot"/>
+      </p:par>
+    </p:tnLst>
+  </p:timing>
+</p:sld>
+</file>
+
+<file path=ppt/slides/slide22.xml><?xml version="1.0" encoding="utf-8"?>
+<p:sld xmlns:a="http://schemas.openxmlformats.org/drawingml/2006/main" xmlns:r="http://schemas.openxmlformats.org/officeDocument/2006/relationships" xmlns:p="http://schemas.openxmlformats.org/presentationml/2006/main">
+  <p:cSld>
+    <p:spTree>
+      <p:nvGrpSpPr>
+        <p:cNvPr id="1" name=""/>
+        <p:cNvGrpSpPr/>
+        <p:nvPr/>
+      </p:nvGrpSpPr>
+      <p:grpSpPr>
+        <a:xfrm>
+          <a:off x="0" y="0"/>
+          <a:ext cx="0" cy="0"/>
+          <a:chOff x="0" y="0"/>
+          <a:chExt cx="0" cy="0"/>
+        </a:xfrm>
+      </p:grpSpPr>
+      <p:sp>
+        <p:nvSpPr>
+          <p:cNvPr id="6" name="矩形 5"/>
+          <p:cNvSpPr/>
+          <p:nvPr/>
+        </p:nvSpPr>
+        <p:spPr>
+          <a:xfrm>
+            <a:off x="6096000" y="1268760"/>
+            <a:ext cx="6120680" cy="5607527"/>
+          </a:xfrm>
+          <a:prstGeom prst="rect">
+            <a:avLst/>
+          </a:prstGeom>
+          <a:solidFill>
+            <a:schemeClr val="bg1"/>
+          </a:solidFill>
+          <a:ln>
+            <a:noFill/>
+          </a:ln>
+          <a:effectLst/>
+        </p:spPr>
+        <p:style>
+          <a:lnRef idx="1">
+            <a:schemeClr val="accent6"/>
+          </a:lnRef>
+          <a:fillRef idx="3">
+            <a:schemeClr val="accent6"/>
+          </a:fillRef>
+          <a:effectRef idx="2">
+            <a:schemeClr val="accent6"/>
+          </a:effectRef>
+          <a:fontRef idx="minor">
+            <a:schemeClr val="lt1"/>
+          </a:fontRef>
+        </p:style>
+        <p:txBody>
+          <a:bodyPr wrap="none" lIns="54000" tIns="28800" rIns="54000" bIns="28800" rtlCol="0" anchor="ctr">
+            <a:spAutoFit/>
+          </a:bodyPr>
+          <a:lstStyle/>
+          <a:p>
+            <a:pPr algn="ctr"/>
+            <a:endParaRPr lang="zh-CN" altLang="en-US" dirty="0"/>
+          </a:p>
+        </p:txBody>
+      </p:sp>
+      <p:sp>
+        <p:nvSpPr>
+          <p:cNvPr id="2" name="标题 1"/>
+          <p:cNvSpPr>
+            <a:spLocks noGrp="1"/>
+          </p:cNvSpPr>
+          <p:nvPr>
+            <p:ph type="title"/>
+          </p:nvPr>
+        </p:nvSpPr>
+        <p:spPr>
+          <a:xfrm>
+            <a:off x="24680" y="0"/>
+            <a:ext cx="12192000" cy="1122096"/>
+          </a:xfrm>
+        </p:spPr>
+        <p:txBody>
+          <a:bodyPr/>
+          <a:lstStyle/>
+          <a:p>
+            <a:r>
+              <a:rPr lang="zh-CN" altLang="en-US" dirty="0" smtClean="0"/>
+              <a:t>代码示例</a:t>
+            </a:r>
+            <a:endParaRPr lang="zh-CN" altLang="en-US" dirty="0"/>
+          </a:p>
+        </p:txBody>
+      </p:sp>
+      <p:pic>
+        <p:nvPicPr>
+          <p:cNvPr id="4" name="图片 3"/>
+          <p:cNvPicPr>
+            <a:picLocks noChangeAspect="1"/>
+          </p:cNvPicPr>
+          <p:nvPr/>
+        </p:nvPicPr>
+        <p:blipFill>
+          <a:blip r:embed="rId2"/>
+          <a:stretch>
+            <a:fillRect/>
+          </a:stretch>
+        </p:blipFill>
+        <p:spPr>
+          <a:xfrm>
+            <a:off x="0" y="1268760"/>
+            <a:ext cx="6096000" cy="5607527"/>
+          </a:xfrm>
+          <a:prstGeom prst="rect">
+            <a:avLst/>
+          </a:prstGeom>
+        </p:spPr>
+      </p:pic>
+      <p:pic>
+        <p:nvPicPr>
+          <p:cNvPr id="5" name="图片 4"/>
+          <p:cNvPicPr>
+            <a:picLocks noChangeAspect="1"/>
+          </p:cNvPicPr>
+          <p:nvPr/>
+        </p:nvPicPr>
+        <p:blipFill>
+          <a:blip r:embed="rId3">
+            <a:extLst>
+              <a:ext uri="{28A0092B-C50C-407E-A947-70E740481C1C}">
+                <a14:useLocalDpi xmlns:a14="http://schemas.microsoft.com/office/drawing/2010/main" val="0"/>
+              </a:ext>
+            </a:extLst>
+          </a:blip>
+          <a:stretch>
+            <a:fillRect/>
+          </a:stretch>
+        </p:blipFill>
+        <p:spPr>
+          <a:xfrm>
+            <a:off x="6413140" y="1592136"/>
+            <a:ext cx="5486400" cy="2762250"/>
+          </a:xfrm>
+          <a:prstGeom prst="rect">
+            <a:avLst/>
+          </a:prstGeom>
+        </p:spPr>
+      </p:pic>
+    </p:spTree>
+    <p:extLst>
+      <p:ext uri="{BB962C8B-B14F-4D97-AF65-F5344CB8AC3E}">
+        <p14:creationId xmlns:p14="http://schemas.microsoft.com/office/powerpoint/2010/main" val="3321257493"/>
+      </p:ext>
+    </p:extLst>
+  </p:cSld>
+  <p:clrMapOvr>
+    <a:masterClrMapping/>
+  </p:clrMapOvr>
+  <mc:AlternateContent xmlns:mc="http://schemas.openxmlformats.org/markup-compatibility/2006" xmlns:p14="http://schemas.microsoft.com/office/powerpoint/2010/main">
+    <mc:Choice Requires="p14">
+      <p:transition p14:dur="0" advTm="9938"/>
+    </mc:Choice>
+    <mc:Fallback xmlns="">
+      <p:transition advTm="9938"/>
+    </mc:Fallback>
+  </mc:AlternateContent>
+  <p:timing>
+    <p:tnLst>
+      <p:par>
+        <p:cTn id="1" dur="indefinite" restart="never" nodeType="tmRoot"/>
+      </p:par>
+    </p:tnLst>
+  </p:timing>
+</p:sld>
+</file>
+
+<file path=ppt/slides/slide23.xml><?xml version="1.0" encoding="utf-8"?>
+<p:sld xmlns:a="http://schemas.openxmlformats.org/drawingml/2006/main" xmlns:r="http://schemas.openxmlformats.org/officeDocument/2006/relationships" xmlns:p="http://schemas.openxmlformats.org/presentationml/2006/main">
+  <p:cSld>
+    <p:spTree>
+      <p:nvGrpSpPr>
+        <p:cNvPr id="1" name=""/>
+        <p:cNvGrpSpPr/>
+        <p:nvPr/>
+      </p:nvGrpSpPr>
+      <p:grpSpPr>
+        <a:xfrm>
+          <a:off x="0" y="0"/>
+          <a:ext cx="0" cy="0"/>
+          <a:chOff x="0" y="0"/>
+          <a:chExt cx="0" cy="0"/>
+        </a:xfrm>
+      </p:grpSpPr>
+      <p:sp>
+        <p:nvSpPr>
+          <p:cNvPr id="2" name="标题 1"/>
+          <p:cNvSpPr>
+            <a:spLocks noGrp="1"/>
+          </p:cNvSpPr>
+          <p:nvPr>
+            <p:ph type="title"/>
+          </p:nvPr>
+        </p:nvSpPr>
+        <p:spPr/>
+        <p:txBody>
+          <a:bodyPr/>
+          <a:lstStyle/>
+          <a:p>
+            <a:r>
+              <a:rPr lang="zh-CN" altLang="en-US" dirty="0" smtClean="0"/>
+              <a:t>继承</a:t>
+            </a:r>
+            <a:endParaRPr lang="zh-CN" altLang="en-US" dirty="0"/>
+          </a:p>
+        </p:txBody>
+      </p:sp>
+      <p:sp>
+        <p:nvSpPr>
+          <p:cNvPr id="3" name="文本占位符 2"/>
+          <p:cNvSpPr>
+            <a:spLocks noGrp="1"/>
+          </p:cNvSpPr>
+          <p:nvPr>
+            <p:ph type="body" sz="quarter" idx="10"/>
+          </p:nvPr>
+        </p:nvSpPr>
+        <p:spPr/>
+        <p:txBody>
+          <a:bodyPr/>
+          <a:lstStyle/>
+          <a:p>
+            <a:endParaRPr lang="zh-CN" altLang="en-US" dirty="0"/>
+          </a:p>
+        </p:txBody>
+      </p:sp>
+    </p:spTree>
+    <p:extLst>
+      <p:ext uri="{BB962C8B-B14F-4D97-AF65-F5344CB8AC3E}">
+        <p14:creationId xmlns:p14="http://schemas.microsoft.com/office/powerpoint/2010/main" val="1097301950"/>
+      </p:ext>
+    </p:extLst>
+  </p:cSld>
+  <p:clrMapOvr>
+    <a:masterClrMapping/>
+  </p:clrMapOvr>
+  <mc:AlternateContent xmlns:mc="http://schemas.openxmlformats.org/markup-compatibility/2006" xmlns:p14="http://schemas.microsoft.com/office/powerpoint/2010/main">
+    <mc:Choice Requires="p14">
+      <p:transition p14:dur="0" advTm="9938"/>
+    </mc:Choice>
+    <mc:Fallback xmlns="">
+      <p:transition advTm="9938"/>
+    </mc:Fallback>
+  </mc:AlternateContent>
+</p:sld>
+</file>
+
+<file path=ppt/slides/slide24.xml><?xml version="1.0" encoding="utf-8"?>
+<p:sld xmlns:a="http://schemas.openxmlformats.org/drawingml/2006/main" xmlns:r="http://schemas.openxmlformats.org/officeDocument/2006/relationships" xmlns:p="http://schemas.openxmlformats.org/presentationml/2006/main">
+  <p:cSld>
+    <p:spTree>
+      <p:nvGrpSpPr>
+        <p:cNvPr id="1" name=""/>
+        <p:cNvGrpSpPr/>
+        <p:nvPr/>
+      </p:nvGrpSpPr>
+      <p:grpSpPr>
+        <a:xfrm>
+          <a:off x="0" y="0"/>
+          <a:ext cx="0" cy="0"/>
+          <a:chOff x="0" y="0"/>
+          <a:chExt cx="0" cy="0"/>
+        </a:xfrm>
+      </p:grpSpPr>
+      <p:sp>
+        <p:nvSpPr>
+          <p:cNvPr id="2" name="标题 1"/>
+          <p:cNvSpPr>
+            <a:spLocks noGrp="1"/>
+          </p:cNvSpPr>
+          <p:nvPr>
+            <p:ph type="title"/>
+          </p:nvPr>
+        </p:nvSpPr>
+        <p:spPr>
+          <a:xfrm>
+            <a:off x="611267" y="413792"/>
+            <a:ext cx="10972641" cy="1143000"/>
+          </a:xfrm>
+        </p:spPr>
+        <p:txBody>
+          <a:bodyPr/>
+          <a:lstStyle/>
+          <a:p>
+            <a:r>
+              <a:rPr lang="zh-CN" altLang="en-US" dirty="0" smtClean="0">
+                <a:latin typeface="冬青黑体简体中文 W3" panose="020B0300000000000000" pitchFamily="34" charset="-122"/>
+                <a:ea typeface="冬青黑体简体中文 W3" panose="020B0300000000000000" pitchFamily="34" charset="-122"/>
+              </a:rPr>
+              <a:t>自我探索</a:t>
+            </a:r>
+            <a:endParaRPr lang="zh-CN" altLang="en-US" dirty="0">
+              <a:latin typeface="冬青黑体简体中文 W3" panose="020B0300000000000000" pitchFamily="34" charset="-122"/>
+              <a:ea typeface="冬青黑体简体中文 W3" panose="020B0300000000000000" pitchFamily="34" charset="-122"/>
+            </a:endParaRPr>
+          </a:p>
+        </p:txBody>
+      </p:sp>
+      <p:sp>
+        <p:nvSpPr>
+          <p:cNvPr id="3" name="文本框 2"/>
+          <p:cNvSpPr txBox="1"/>
+          <p:nvPr/>
+        </p:nvSpPr>
+        <p:spPr>
+          <a:xfrm>
+            <a:off x="1235460" y="1556792"/>
+            <a:ext cx="10348448" cy="369332"/>
+          </a:xfrm>
+          <a:prstGeom prst="rect">
+            <a:avLst/>
+          </a:prstGeom>
+          <a:noFill/>
+        </p:spPr>
+        <p:txBody>
+          <a:bodyPr wrap="square" rtlCol="0">
+            <a:spAutoFit/>
+          </a:bodyPr>
+          <a:lstStyle/>
+          <a:p>
+            <a:pPr marL="342900" indent="-342900">
+              <a:buFont typeface="+mj-lt"/>
+              <a:buAutoNum type="arabicPeriod"/>
+            </a:pPr>
+            <a:r>
+              <a:rPr lang="zh-CN" altLang="en-US" dirty="0" smtClean="0">
+                <a:solidFill>
+                  <a:schemeClr val="tx1">
+                    <a:lumMod val="85000"/>
+                    <a:lumOff val="15000"/>
+                  </a:schemeClr>
+                </a:solidFill>
+                <a:latin typeface="冬青黑体简体中文 W3" panose="020B0300000000000000" pitchFamily="34" charset="-122"/>
+                <a:ea typeface="冬青黑体简体中文 W3" panose="020B0300000000000000" pitchFamily="34" charset="-122"/>
+              </a:rPr>
+              <a:t>严格模式：</a:t>
+            </a:r>
+            <a:r>
+              <a:rPr lang="en-US" altLang="zh-CN" dirty="0">
+                <a:solidFill>
+                  <a:schemeClr val="tx1">
+                    <a:lumMod val="85000"/>
+                    <a:lumOff val="15000"/>
+                  </a:schemeClr>
+                </a:solidFill>
+                <a:latin typeface="冬青黑体简体中文 W3" panose="020B0300000000000000" pitchFamily="34" charset="-122"/>
+                <a:ea typeface="冬青黑体简体中文 W3" panose="020B0300000000000000" pitchFamily="34" charset="-122"/>
+              </a:rPr>
+              <a:t>http://</a:t>
+            </a:r>
+            <a:r>
+              <a:rPr lang="en-US" altLang="zh-CN" dirty="0" smtClean="0">
+                <a:solidFill>
+                  <a:schemeClr val="tx1">
+                    <a:lumMod val="85000"/>
+                    <a:lumOff val="15000"/>
+                  </a:schemeClr>
+                </a:solidFill>
+                <a:latin typeface="冬青黑体简体中文 W3" panose="020B0300000000000000" pitchFamily="34" charset="-122"/>
+                <a:ea typeface="冬青黑体简体中文 W3" panose="020B0300000000000000" pitchFamily="34" charset="-122"/>
+              </a:rPr>
+              <a:t>www.ruanyifeng.com/blog/2013/01/javascript_strict_mode.html</a:t>
+            </a:r>
+            <a:endParaRPr lang="zh-CN" altLang="en-US" dirty="0" smtClean="0">
+              <a:solidFill>
+                <a:schemeClr val="tx1">
+                  <a:lumMod val="85000"/>
+                  <a:lumOff val="15000"/>
+                </a:schemeClr>
+              </a:solidFill>
+              <a:latin typeface="冬青黑体简体中文 W3" panose="020B0300000000000000" pitchFamily="34" charset="-122"/>
+              <a:ea typeface="冬青黑体简体中文 W3" panose="020B0300000000000000" pitchFamily="34" charset="-122"/>
+            </a:endParaRPr>
+          </a:p>
+        </p:txBody>
+      </p:sp>
+      <p:sp>
+        <p:nvSpPr>
+          <p:cNvPr id="4" name="文本框 3"/>
+          <p:cNvSpPr txBox="1"/>
+          <p:nvPr/>
+        </p:nvSpPr>
+        <p:spPr>
+          <a:xfrm>
+            <a:off x="3145259" y="6021288"/>
+            <a:ext cx="5904656" cy="369332"/>
+          </a:xfrm>
+          <a:prstGeom prst="rect">
+            <a:avLst/>
+          </a:prstGeom>
+          <a:noFill/>
+        </p:spPr>
+        <p:txBody>
+          <a:bodyPr wrap="square" rtlCol="0">
+            <a:spAutoFit/>
+          </a:bodyPr>
+          <a:lstStyle/>
+          <a:p>
+            <a:r>
+              <a:rPr lang="zh-CN" altLang="en-US" dirty="0" smtClean="0">
+                <a:solidFill>
+                  <a:srgbClr val="FF0000"/>
+                </a:solidFill>
+                <a:latin typeface="冬青黑体简体中文 W3" panose="020B0300000000000000" pitchFamily="34" charset="-122"/>
+                <a:ea typeface="冬青黑体简体中文 W3" panose="020B0300000000000000" pitchFamily="34" charset="-122"/>
+              </a:rPr>
+              <a:t>墙裂推荐：</a:t>
+            </a:r>
+            <a:r>
+              <a:rPr lang="en-US" altLang="zh-CN" dirty="0">
+                <a:solidFill>
+                  <a:srgbClr val="FF0000"/>
+                </a:solidFill>
+                <a:latin typeface="冬青黑体简体中文 W3" panose="020B0300000000000000" pitchFamily="34" charset="-122"/>
+                <a:ea typeface="冬青黑体简体中文 W3" panose="020B0300000000000000" pitchFamily="34" charset="-122"/>
+              </a:rPr>
+              <a:t>https://github.com/mqyqingfeng/Blog</a:t>
+            </a:r>
+            <a:endParaRPr lang="zh-CN" altLang="en-US" dirty="0" smtClean="0">
+              <a:solidFill>
+                <a:srgbClr val="FF0000"/>
+              </a:solidFill>
+              <a:latin typeface="冬青黑体简体中文 W3" panose="020B0300000000000000" pitchFamily="34" charset="-122"/>
+              <a:ea typeface="冬青黑体简体中文 W3" panose="020B0300000000000000" pitchFamily="34" charset="-122"/>
+            </a:endParaRPr>
+          </a:p>
+        </p:txBody>
+      </p:sp>
+    </p:spTree>
+    <p:extLst>
+      <p:ext uri="{BB962C8B-B14F-4D97-AF65-F5344CB8AC3E}">
+        <p14:creationId xmlns:p14="http://schemas.microsoft.com/office/powerpoint/2010/main" val="698622791"/>
+      </p:ext>
+    </p:extLst>
+  </p:cSld>
+  <p:clrMapOvr>
+    <a:masterClrMapping/>
+  </p:clrMapOvr>
+  <mc:AlternateContent xmlns:mc="http://schemas.openxmlformats.org/markup-compatibility/2006" xmlns:p14="http://schemas.microsoft.com/office/powerpoint/2010/main">
+    <mc:Choice Requires="p14">
+      <p:transition p14:dur="0" advTm="9938"/>
+    </mc:Choice>
+    <mc:Fallback xmlns="">
+      <p:transition advTm="9938"/>
+    </mc:Fallback>
+  </mc:AlternateContent>
+  <p:timing>
+    <p:tnLst>
+      <p:par>
+        <p:cTn id="1" dur="indefinite" restart="never" nodeType="tmRoot"/>
+      </p:par>
+    </p:tnLst>
+  </p:timing>
+</p:sld>
+</file>
+
+<file path=ppt/slides/slide3.xml><?xml version="1.0" encoding="utf-8"?>
 <p:sld xmlns:a="http://schemas.openxmlformats.org/drawingml/2006/main" xmlns:r="http://schemas.openxmlformats.org/officeDocument/2006/relationships" xmlns:p="http://schemas.openxmlformats.org/presentationml/2006/main">
   <p:cSld>
     <p:spTree>
@@ -8034,11 +7792,355 @@
   <p:clrMapOvr>
     <a:masterClrMapping/>
   </p:clrMapOvr>
-  <mc:AlternateContent xmlns:mc="http://schemas.openxmlformats.org/markup-compatibility/2006">
-    <mc:Choice xmlns:p14="http://schemas.microsoft.com/office/powerpoint/2010/main" Requires="p14">
+  <mc:AlternateContent xmlns:mc="http://schemas.openxmlformats.org/markup-compatibility/2006" xmlns:p14="http://schemas.microsoft.com/office/powerpoint/2010/main">
+    <mc:Choice Requires="p14">
       <p:transition p14:dur="0" advTm="9938"/>
     </mc:Choice>
-    <mc:Fallback>
+    <mc:Fallback xmlns="">
+      <p:transition advTm="9938"/>
+    </mc:Fallback>
+  </mc:AlternateContent>
+  <p:timing>
+    <p:tnLst>
+      <p:par>
+        <p:cTn id="1" dur="indefinite" restart="never" nodeType="tmRoot"/>
+      </p:par>
+    </p:tnLst>
+  </p:timing>
+</p:sld>
+</file>
+
+<file path=ppt/slides/slide4.xml><?xml version="1.0" encoding="utf-8"?>
+<p:sld xmlns:a="http://schemas.openxmlformats.org/drawingml/2006/main" xmlns:r="http://schemas.openxmlformats.org/officeDocument/2006/relationships" xmlns:p="http://schemas.openxmlformats.org/presentationml/2006/main">
+  <p:cSld>
+    <p:spTree>
+      <p:nvGrpSpPr>
+        <p:cNvPr id="1" name=""/>
+        <p:cNvGrpSpPr/>
+        <p:nvPr/>
+      </p:nvGrpSpPr>
+      <p:grpSpPr>
+        <a:xfrm>
+          <a:off x="0" y="0"/>
+          <a:ext cx="0" cy="0"/>
+          <a:chOff x="0" y="0"/>
+          <a:chExt cx="0" cy="0"/>
+        </a:xfrm>
+      </p:grpSpPr>
+      <p:sp>
+        <p:nvSpPr>
+          <p:cNvPr id="2" name="标题 1"/>
+          <p:cNvSpPr>
+            <a:spLocks noGrp="1"/>
+          </p:cNvSpPr>
+          <p:nvPr>
+            <p:ph type="title"/>
+          </p:nvPr>
+        </p:nvSpPr>
+        <p:spPr>
+          <a:xfrm>
+            <a:off x="767408" y="1828325"/>
+            <a:ext cx="10972641" cy="994122"/>
+          </a:xfrm>
+        </p:spPr>
+        <p:txBody>
+          <a:bodyPr>
+            <a:normAutofit/>
+          </a:bodyPr>
+          <a:lstStyle/>
+          <a:p>
+            <a:r>
+              <a:rPr lang="zh-CN" altLang="en-US" sz="3600" dirty="0" smtClean="0">
+                <a:latin typeface="冬青黑体简体中文 W3" panose="020B0300000000000000" pitchFamily="34" charset="-122"/>
+                <a:ea typeface="冬青黑体简体中文 W3" panose="020B0300000000000000" pitchFamily="34" charset="-122"/>
+              </a:rPr>
+              <a:t>全局上下文下中的</a:t>
+            </a:r>
+            <a:r>
+              <a:rPr lang="en-US" altLang="zh-CN" sz="3600" dirty="0" smtClean="0">
+                <a:latin typeface="冬青黑体简体中文 W3" panose="020B0300000000000000" pitchFamily="34" charset="-122"/>
+                <a:ea typeface="冬青黑体简体中文 W3" panose="020B0300000000000000" pitchFamily="34" charset="-122"/>
+              </a:rPr>
+              <a:t>this</a:t>
+            </a:r>
+            <a:r>
+              <a:rPr lang="zh-CN" altLang="en-US" sz="3600" dirty="0" smtClean="0">
+                <a:latin typeface="冬青黑体简体中文 W3" panose="020B0300000000000000" pitchFamily="34" charset="-122"/>
+                <a:ea typeface="冬青黑体简体中文 W3" panose="020B0300000000000000" pitchFamily="34" charset="-122"/>
+              </a:rPr>
+              <a:t>指向</a:t>
+            </a:r>
+            <a:endParaRPr lang="zh-CN" altLang="en-US" sz="3600" dirty="0">
+              <a:latin typeface="冬青黑体简体中文 W3" panose="020B0300000000000000" pitchFamily="34" charset="-122"/>
+              <a:ea typeface="冬青黑体简体中文 W3" panose="020B0300000000000000" pitchFamily="34" charset="-122"/>
+            </a:endParaRPr>
+          </a:p>
+        </p:txBody>
+      </p:sp>
+      <p:sp>
+        <p:nvSpPr>
+          <p:cNvPr id="3" name="文本框 2"/>
+          <p:cNvSpPr txBox="1"/>
+          <p:nvPr/>
+        </p:nvSpPr>
+        <p:spPr>
+          <a:xfrm>
+            <a:off x="3395700" y="3122707"/>
+            <a:ext cx="6804756" cy="2000548"/>
+          </a:xfrm>
+          <a:prstGeom prst="rect">
+            <a:avLst/>
+          </a:prstGeom>
+          <a:noFill/>
+        </p:spPr>
+        <p:txBody>
+          <a:bodyPr wrap="square" rtlCol="0">
+            <a:spAutoFit/>
+          </a:bodyPr>
+          <a:lstStyle/>
+          <a:p>
+            <a:pPr marL="342900" indent="-342900">
+              <a:lnSpc>
+                <a:spcPct val="200000"/>
+              </a:lnSpc>
+              <a:buFont typeface="+mj-lt"/>
+              <a:buAutoNum type="arabicPeriod"/>
+            </a:pPr>
+            <a:r>
+              <a:rPr lang="zh-CN" altLang="en-US" dirty="0" smtClean="0">
+                <a:solidFill>
+                  <a:schemeClr val="tx1">
+                    <a:lumMod val="65000"/>
+                    <a:lumOff val="35000"/>
+                  </a:schemeClr>
+                </a:solidFill>
+                <a:latin typeface="冬青黑体简体中文 W3" panose="020B0300000000000000" pitchFamily="34" charset="-122"/>
+                <a:ea typeface="冬青黑体简体中文 W3" panose="020B0300000000000000" pitchFamily="34" charset="-122"/>
+              </a:rPr>
+              <a:t>严格模式下（</a:t>
+            </a:r>
+            <a:r>
+              <a:rPr lang="en-US" altLang="zh-CN" dirty="0" smtClean="0">
+                <a:solidFill>
+                  <a:schemeClr val="tx1">
+                    <a:lumMod val="65000"/>
+                    <a:lumOff val="35000"/>
+                  </a:schemeClr>
+                </a:solidFill>
+                <a:latin typeface="冬青黑体简体中文 W3" panose="020B0300000000000000" pitchFamily="34" charset="-122"/>
+                <a:ea typeface="冬青黑体简体中文 W3" panose="020B0300000000000000" pitchFamily="34" charset="-122"/>
+              </a:rPr>
+              <a:t>strict mode</a:t>
+            </a:r>
+            <a:r>
+              <a:rPr lang="zh-CN" altLang="en-US" dirty="0" smtClean="0">
+                <a:solidFill>
+                  <a:schemeClr val="tx1">
+                    <a:lumMod val="65000"/>
+                    <a:lumOff val="35000"/>
+                  </a:schemeClr>
+                </a:solidFill>
+                <a:latin typeface="冬青黑体简体中文 W3" panose="020B0300000000000000" pitchFamily="34" charset="-122"/>
+                <a:ea typeface="冬青黑体简体中文 W3" panose="020B0300000000000000" pitchFamily="34" charset="-122"/>
+              </a:rPr>
+              <a:t>）：</a:t>
+            </a:r>
+            <a:r>
+              <a:rPr lang="en-US" altLang="zh-CN" dirty="0" smtClean="0">
+                <a:solidFill>
+                  <a:schemeClr val="tx1">
+                    <a:lumMod val="65000"/>
+                    <a:lumOff val="35000"/>
+                  </a:schemeClr>
+                </a:solidFill>
+                <a:latin typeface="冬青黑体简体中文 W3" panose="020B0300000000000000" pitchFamily="34" charset="-122"/>
+                <a:ea typeface="冬青黑体简体中文 W3" panose="020B0300000000000000" pitchFamily="34" charset="-122"/>
+              </a:rPr>
+              <a:t>this</a:t>
+            </a:r>
+            <a:r>
+              <a:rPr lang="zh-CN" altLang="en-US" dirty="0" smtClean="0">
+                <a:solidFill>
+                  <a:schemeClr val="tx1">
+                    <a:lumMod val="65000"/>
+                    <a:lumOff val="35000"/>
+                  </a:schemeClr>
+                </a:solidFill>
+                <a:latin typeface="冬青黑体简体中文 W3" panose="020B0300000000000000" pitchFamily="34" charset="-122"/>
+                <a:ea typeface="冬青黑体简体中文 W3" panose="020B0300000000000000" pitchFamily="34" charset="-122"/>
+              </a:rPr>
+              <a:t>指向 </a:t>
+            </a:r>
+            <a:r>
+              <a:rPr lang="en-US" altLang="zh-CN" dirty="0">
+                <a:solidFill>
+                  <a:srgbClr val="C00000"/>
+                </a:solidFill>
+                <a:latin typeface="冬青黑体简体中文 W3" panose="020B0300000000000000" pitchFamily="34" charset="-122"/>
+                <a:ea typeface="冬青黑体简体中文 W3" panose="020B0300000000000000" pitchFamily="34" charset="-122"/>
+              </a:rPr>
+              <a:t>undefined</a:t>
+            </a:r>
+            <a:r>
+              <a:rPr lang="en-US" altLang="zh-CN" dirty="0" smtClean="0">
+                <a:solidFill>
+                  <a:schemeClr val="tx1">
+                    <a:lumMod val="85000"/>
+                    <a:lumOff val="15000"/>
+                  </a:schemeClr>
+                </a:solidFill>
+                <a:latin typeface="冬青黑体简体中文 W3" panose="020B0300000000000000" pitchFamily="34" charset="-122"/>
+                <a:ea typeface="冬青黑体简体中文 W3" panose="020B0300000000000000" pitchFamily="34" charset="-122"/>
+              </a:rPr>
+              <a:t/>
+            </a:r>
+            <a:br>
+              <a:rPr lang="en-US" altLang="zh-CN" dirty="0" smtClean="0">
+                <a:solidFill>
+                  <a:schemeClr val="tx1">
+                    <a:lumMod val="85000"/>
+                    <a:lumOff val="15000"/>
+                  </a:schemeClr>
+                </a:solidFill>
+                <a:latin typeface="冬青黑体简体中文 W3" panose="020B0300000000000000" pitchFamily="34" charset="-122"/>
+                <a:ea typeface="冬青黑体简体中文 W3" panose="020B0300000000000000" pitchFamily="34" charset="-122"/>
+              </a:rPr>
+            </a:br>
+            <a:endParaRPr lang="en-US" altLang="zh-CN" sz="800" dirty="0" smtClean="0">
+              <a:solidFill>
+                <a:schemeClr val="tx1">
+                  <a:lumMod val="85000"/>
+                  <a:lumOff val="15000"/>
+                </a:schemeClr>
+              </a:solidFill>
+              <a:latin typeface="冬青黑体简体中文 W3" panose="020B0300000000000000" pitchFamily="34" charset="-122"/>
+              <a:ea typeface="冬青黑体简体中文 W3" panose="020B0300000000000000" pitchFamily="34" charset="-122"/>
+            </a:endParaRPr>
+          </a:p>
+          <a:p>
+            <a:pPr marL="342900" indent="-342900">
+              <a:lnSpc>
+                <a:spcPct val="200000"/>
+              </a:lnSpc>
+              <a:buFont typeface="+mj-lt"/>
+              <a:buAutoNum type="arabicPeriod"/>
+            </a:pPr>
+            <a:r>
+              <a:rPr lang="zh-CN" altLang="en-US" dirty="0" smtClean="0">
+                <a:solidFill>
+                  <a:schemeClr val="tx1">
+                    <a:lumMod val="65000"/>
+                    <a:lumOff val="35000"/>
+                  </a:schemeClr>
+                </a:solidFill>
+                <a:latin typeface="冬青黑体简体中文 W3" panose="020B0300000000000000" pitchFamily="34" charset="-122"/>
+                <a:ea typeface="冬青黑体简体中文 W3" panose="020B0300000000000000" pitchFamily="34" charset="-122"/>
+              </a:rPr>
+              <a:t>非严格模式下（</a:t>
+            </a:r>
+            <a:r>
+              <a:rPr lang="en-US" altLang="zh-CN" dirty="0" smtClean="0">
+                <a:solidFill>
+                  <a:schemeClr val="tx1">
+                    <a:lumMod val="65000"/>
+                    <a:lumOff val="35000"/>
+                  </a:schemeClr>
+                </a:solidFill>
+                <a:latin typeface="冬青黑体简体中文 W3" panose="020B0300000000000000" pitchFamily="34" charset="-122"/>
+                <a:ea typeface="冬青黑体简体中文 W3" panose="020B0300000000000000" pitchFamily="34" charset="-122"/>
+              </a:rPr>
+              <a:t>sloppy mode</a:t>
+            </a:r>
+            <a:r>
+              <a:rPr lang="zh-CN" altLang="en-US" dirty="0" smtClean="0">
+                <a:solidFill>
+                  <a:schemeClr val="tx1">
+                    <a:lumMod val="65000"/>
+                    <a:lumOff val="35000"/>
+                  </a:schemeClr>
+                </a:solidFill>
+                <a:latin typeface="冬青黑体简体中文 W3" panose="020B0300000000000000" pitchFamily="34" charset="-122"/>
+                <a:ea typeface="冬青黑体简体中文 W3" panose="020B0300000000000000" pitchFamily="34" charset="-122"/>
+              </a:rPr>
+              <a:t>）：</a:t>
+            </a:r>
+            <a:r>
+              <a:rPr lang="en-US" altLang="zh-CN" dirty="0" smtClean="0">
+                <a:solidFill>
+                  <a:schemeClr val="tx1">
+                    <a:lumMod val="65000"/>
+                    <a:lumOff val="35000"/>
+                  </a:schemeClr>
+                </a:solidFill>
+                <a:latin typeface="冬青黑体简体中文 W3" panose="020B0300000000000000" pitchFamily="34" charset="-122"/>
+                <a:ea typeface="冬青黑体简体中文 W3" panose="020B0300000000000000" pitchFamily="34" charset="-122"/>
+              </a:rPr>
+              <a:t>this</a:t>
+            </a:r>
+            <a:r>
+              <a:rPr lang="zh-CN" altLang="en-US" dirty="0" smtClean="0">
+                <a:solidFill>
+                  <a:schemeClr val="tx1">
+                    <a:lumMod val="65000"/>
+                    <a:lumOff val="35000"/>
+                  </a:schemeClr>
+                </a:solidFill>
+                <a:latin typeface="冬青黑体简体中文 W3" panose="020B0300000000000000" pitchFamily="34" charset="-122"/>
+                <a:ea typeface="冬青黑体简体中文 W3" panose="020B0300000000000000" pitchFamily="34" charset="-122"/>
+              </a:rPr>
+              <a:t>指向 </a:t>
+            </a:r>
+            <a:r>
+              <a:rPr lang="en-US" altLang="zh-CN" dirty="0">
+                <a:solidFill>
+                  <a:srgbClr val="C00000"/>
+                </a:solidFill>
+                <a:latin typeface="冬青黑体简体中文 W3" panose="020B0300000000000000" pitchFamily="34" charset="-122"/>
+                <a:ea typeface="冬青黑体简体中文 W3" panose="020B0300000000000000" pitchFamily="34" charset="-122"/>
+              </a:rPr>
+              <a:t>window </a:t>
+            </a:r>
+            <a:r>
+              <a:rPr lang="en-US" altLang="zh-CN" dirty="0" smtClean="0">
+                <a:solidFill>
+                  <a:schemeClr val="tx1">
+                    <a:lumMod val="85000"/>
+                    <a:lumOff val="15000"/>
+                  </a:schemeClr>
+                </a:solidFill>
+                <a:latin typeface="冬青黑体简体中文 W3" panose="020B0300000000000000" pitchFamily="34" charset="-122"/>
+                <a:ea typeface="冬青黑体简体中文 W3" panose="020B0300000000000000" pitchFamily="34" charset="-122"/>
+              </a:rPr>
+              <a:t>		 </a:t>
+            </a:r>
+            <a:endParaRPr lang="zh-CN" altLang="en-US" dirty="0" smtClean="0">
+              <a:solidFill>
+                <a:schemeClr val="tx1">
+                  <a:lumMod val="85000"/>
+                  <a:lumOff val="15000"/>
+                </a:schemeClr>
+              </a:solidFill>
+              <a:latin typeface="冬青黑体简体中文 W3" panose="020B0300000000000000" pitchFamily="34" charset="-122"/>
+              <a:ea typeface="冬青黑体简体中文 W3" panose="020B0300000000000000" pitchFamily="34" charset="-122"/>
+            </a:endParaRPr>
+          </a:p>
+        </p:txBody>
+      </p:sp>
+    </p:spTree>
+    <p:extLst>
+      <p:ext uri="{BB962C8B-B14F-4D97-AF65-F5344CB8AC3E}">
+        <p14:creationId xmlns:p14="http://schemas.microsoft.com/office/powerpoint/2010/main" val="2514532241"/>
+      </p:ext>
+    </p:extLst>
+  </p:cSld>
+  <p:clrMapOvr>
+    <a:masterClrMapping/>
+  </p:clrMapOvr>
+  <mc:AlternateContent xmlns:mc="http://schemas.openxmlformats.org/markup-compatibility/2006" xmlns:p14="http://schemas.microsoft.com/office/powerpoint/2010/main">
+    <mc:Choice Requires="p14">
+      <p:transition p14:dur="0" advTm="9938"/>
+    </mc:Choice>
+    <mc:Fallback xmlns="">
       <p:transition advTm="9938"/>
     </mc:Fallback>
   </mc:AlternateContent>
@@ -8081,8 +8183,8 @@
         </p:nvSpPr>
         <p:spPr>
           <a:xfrm>
-            <a:off x="767408" y="1828325"/>
-            <a:ext cx="10972641" cy="994122"/>
+            <a:off x="611267" y="440668"/>
+            <a:ext cx="10972641" cy="1143000"/>
           </a:xfrm>
         </p:spPr>
         <p:txBody>
@@ -8096,21 +8198,7 @@
                 <a:latin typeface="冬青黑体简体中文 W3" panose="020B0300000000000000" pitchFamily="34" charset="-122"/>
                 <a:ea typeface="冬青黑体简体中文 W3" panose="020B0300000000000000" pitchFamily="34" charset="-122"/>
               </a:rPr>
-              <a:t>全局上下文下中的</a:t>
-            </a:r>
-            <a:r>
-              <a:rPr lang="en-US" altLang="zh-CN" sz="3600" dirty="0" smtClean="0">
-                <a:latin typeface="冬青黑体简体中文 W3" panose="020B0300000000000000" pitchFamily="34" charset="-122"/>
-                <a:ea typeface="冬青黑体简体中文 W3" panose="020B0300000000000000" pitchFamily="34" charset="-122"/>
-              </a:rPr>
-              <a:t>this</a:t>
-            </a:r>
-            <a:r>
-              <a:rPr lang="zh-CN" altLang="en-US" sz="3600" dirty="0" smtClean="0">
-                <a:latin typeface="冬青黑体简体中文 W3" panose="020B0300000000000000" pitchFamily="34" charset="-122"/>
-                <a:ea typeface="冬青黑体简体中文 W3" panose="020B0300000000000000" pitchFamily="34" charset="-122"/>
-              </a:rPr>
-              <a:t>指向</a:t>
+              <a:t>代码示例</a:t>
             </a:r>
             <a:endParaRPr lang="zh-CN" altLang="en-US" sz="3600" dirty="0">
               <a:latin typeface="冬青黑体简体中文 W3" panose="020B0300000000000000" pitchFamily="34" charset="-122"/>
@@ -8119,270 +8207,51 @@
           </a:p>
         </p:txBody>
       </p:sp>
-      <p:sp>
-        <p:nvSpPr>
-          <p:cNvPr id="3" name="文本框 2"/>
-          <p:cNvSpPr txBox="1"/>
+      <p:pic>
+        <p:nvPicPr>
+          <p:cNvPr id="3" name="图片 2"/>
+          <p:cNvPicPr>
+            <a:picLocks noChangeAspect="1"/>
+          </p:cNvPicPr>
           <p:nvPr/>
-        </p:nvSpPr>
+        </p:nvPicPr>
+        <p:blipFill>
+          <a:blip r:embed="rId2">
+            <a:extLst>
+              <a:ext uri="{28A0092B-C50C-407E-A947-70E740481C1C}">
+                <a14:useLocalDpi xmlns:a14="http://schemas.microsoft.com/office/drawing/2010/main" val="0"/>
+              </a:ext>
+            </a:extLst>
+          </a:blip>
+          <a:stretch>
+            <a:fillRect/>
+          </a:stretch>
+        </p:blipFill>
         <p:spPr>
           <a:xfrm>
-            <a:off x="3395700" y="3122707"/>
-            <a:ext cx="6804756" cy="2000548"/>
+            <a:off x="1667508" y="1916832"/>
+            <a:ext cx="9134475" cy="4400550"/>
           </a:xfrm>
           <a:prstGeom prst="rect">
             <a:avLst/>
           </a:prstGeom>
-          <a:noFill/>
         </p:spPr>
-        <p:txBody>
-          <a:bodyPr wrap="square" rtlCol="0">
-            <a:spAutoFit/>
-          </a:bodyPr>
-          <a:lstStyle/>
-          <a:p>
-            <a:pPr marL="342900" indent="-342900">
-              <a:lnSpc>
-                <a:spcPct val="200000"/>
-              </a:lnSpc>
-              <a:buFont typeface="+mj-lt"/>
-              <a:buAutoNum type="arabicPeriod"/>
-            </a:pPr>
-            <a:r>
-              <a:rPr lang="zh-CN" altLang="en-US" dirty="0" smtClean="0">
-                <a:solidFill>
-                  <a:schemeClr val="tx1">
-                    <a:lumMod val="65000"/>
-                    <a:lumOff val="35000"/>
-                  </a:schemeClr>
-                </a:solidFill>
-                <a:latin typeface="冬青黑体简体中文 W3" panose="020B0300000000000000" pitchFamily="34" charset="-122"/>
-                <a:ea typeface="冬青黑体简体中文 W3" panose="020B0300000000000000" pitchFamily="34" charset="-122"/>
-              </a:rPr>
-              <a:t>严格模式下（</a:t>
-            </a:r>
-            <a:r>
-              <a:rPr lang="en-US" altLang="zh-CN" dirty="0" smtClean="0">
-                <a:solidFill>
-                  <a:schemeClr val="tx1">
-                    <a:lumMod val="65000"/>
-                    <a:lumOff val="35000"/>
-                  </a:schemeClr>
-                </a:solidFill>
-                <a:latin typeface="冬青黑体简体中文 W3" panose="020B0300000000000000" pitchFamily="34" charset="-122"/>
-                <a:ea typeface="冬青黑体简体中文 W3" panose="020B0300000000000000" pitchFamily="34" charset="-122"/>
-              </a:rPr>
-              <a:t>strict mode</a:t>
-            </a:r>
-            <a:r>
-              <a:rPr lang="zh-CN" altLang="en-US" dirty="0" smtClean="0">
-                <a:solidFill>
-                  <a:schemeClr val="tx1">
-                    <a:lumMod val="65000"/>
-                    <a:lumOff val="35000"/>
-                  </a:schemeClr>
-                </a:solidFill>
-                <a:latin typeface="冬青黑体简体中文 W3" panose="020B0300000000000000" pitchFamily="34" charset="-122"/>
-                <a:ea typeface="冬青黑体简体中文 W3" panose="020B0300000000000000" pitchFamily="34" charset="-122"/>
-              </a:rPr>
-              <a:t>）：</a:t>
-            </a:r>
-            <a:r>
-              <a:rPr lang="en-US" altLang="zh-CN" dirty="0" smtClean="0">
-                <a:solidFill>
-                  <a:schemeClr val="tx1">
-                    <a:lumMod val="65000"/>
-                    <a:lumOff val="35000"/>
-                  </a:schemeClr>
-                </a:solidFill>
-                <a:latin typeface="冬青黑体简体中文 W3" panose="020B0300000000000000" pitchFamily="34" charset="-122"/>
-                <a:ea typeface="冬青黑体简体中文 W3" panose="020B0300000000000000" pitchFamily="34" charset="-122"/>
-              </a:rPr>
-              <a:t>this</a:t>
-            </a:r>
-            <a:r>
-              <a:rPr lang="zh-CN" altLang="en-US" dirty="0" smtClean="0">
-                <a:solidFill>
-                  <a:schemeClr val="tx1">
-                    <a:lumMod val="65000"/>
-                    <a:lumOff val="35000"/>
-                  </a:schemeClr>
-                </a:solidFill>
-                <a:latin typeface="冬青黑体简体中文 W3" panose="020B0300000000000000" pitchFamily="34" charset="-122"/>
-                <a:ea typeface="冬青黑体简体中文 W3" panose="020B0300000000000000" pitchFamily="34" charset="-122"/>
-              </a:rPr>
-              <a:t>指向 </a:t>
-            </a:r>
-            <a:r>
-              <a:rPr lang="en-US" altLang="zh-CN" dirty="0">
-                <a:solidFill>
-                  <a:srgbClr val="C00000"/>
-                </a:solidFill>
-                <a:latin typeface="冬青黑体简体中文 W3" panose="020B0300000000000000" pitchFamily="34" charset="-122"/>
-                <a:ea typeface="冬青黑体简体中文 W3" panose="020B0300000000000000" pitchFamily="34" charset="-122"/>
-              </a:rPr>
-              <a:t>undefined</a:t>
-            </a:r>
-            <a:r>
-              <a:rPr lang="en-US" altLang="zh-CN" dirty="0" smtClean="0">
-                <a:solidFill>
-                  <a:schemeClr val="tx1">
-                    <a:lumMod val="85000"/>
-                    <a:lumOff val="15000"/>
-                  </a:schemeClr>
-                </a:solidFill>
-                <a:latin typeface="冬青黑体简体中文 W3" panose="020B0300000000000000" pitchFamily="34" charset="-122"/>
-                <a:ea typeface="冬青黑体简体中文 W3" panose="020B0300000000000000" pitchFamily="34" charset="-122"/>
-              </a:rPr>
-              <a:t/>
-            </a:r>
-            <a:br>
-              <a:rPr lang="en-US" altLang="zh-CN" dirty="0" smtClean="0">
-                <a:solidFill>
-                  <a:schemeClr val="tx1">
-                    <a:lumMod val="85000"/>
-                    <a:lumOff val="15000"/>
-                  </a:schemeClr>
-                </a:solidFill>
-                <a:latin typeface="冬青黑体简体中文 W3" panose="020B0300000000000000" pitchFamily="34" charset="-122"/>
-                <a:ea typeface="冬青黑体简体中文 W3" panose="020B0300000000000000" pitchFamily="34" charset="-122"/>
-              </a:rPr>
-            </a:br>
-            <a:endParaRPr lang="en-US" altLang="zh-CN" sz="800" dirty="0" smtClean="0">
-              <a:solidFill>
-                <a:schemeClr val="tx1">
-                  <a:lumMod val="85000"/>
-                  <a:lumOff val="15000"/>
-                </a:schemeClr>
-              </a:solidFill>
-              <a:latin typeface="冬青黑体简体中文 W3" panose="020B0300000000000000" pitchFamily="34" charset="-122"/>
-              <a:ea typeface="冬青黑体简体中文 W3" panose="020B0300000000000000" pitchFamily="34" charset="-122"/>
-            </a:endParaRPr>
-          </a:p>
-          <a:p>
-            <a:pPr marL="342900" indent="-342900">
-              <a:lnSpc>
-                <a:spcPct val="200000"/>
-              </a:lnSpc>
-              <a:buFont typeface="+mj-lt"/>
-              <a:buAutoNum type="arabicPeriod"/>
-            </a:pPr>
-            <a:r>
-              <a:rPr lang="zh-CN" altLang="en-US" dirty="0" smtClean="0">
-                <a:solidFill>
-                  <a:schemeClr val="tx1">
-                    <a:lumMod val="65000"/>
-                    <a:lumOff val="35000"/>
-                  </a:schemeClr>
-                </a:solidFill>
-                <a:latin typeface="冬青黑体简体中文 W3" panose="020B0300000000000000" pitchFamily="34" charset="-122"/>
-                <a:ea typeface="冬青黑体简体中文 W3" panose="020B0300000000000000" pitchFamily="34" charset="-122"/>
-              </a:rPr>
-              <a:t>非严格模式下（</a:t>
-            </a:r>
-            <a:r>
-              <a:rPr lang="en-US" altLang="zh-CN" dirty="0" smtClean="0">
-                <a:solidFill>
-                  <a:schemeClr val="tx1">
-                    <a:lumMod val="65000"/>
-                    <a:lumOff val="35000"/>
-                  </a:schemeClr>
-                </a:solidFill>
-                <a:latin typeface="冬青黑体简体中文 W3" panose="020B0300000000000000" pitchFamily="34" charset="-122"/>
-                <a:ea typeface="冬青黑体简体中文 W3" panose="020B0300000000000000" pitchFamily="34" charset="-122"/>
-              </a:rPr>
-              <a:t>sloppy mode</a:t>
-            </a:r>
-            <a:r>
-              <a:rPr lang="zh-CN" altLang="en-US" dirty="0" smtClean="0">
-                <a:solidFill>
-                  <a:schemeClr val="tx1">
-                    <a:lumMod val="65000"/>
-                    <a:lumOff val="35000"/>
-                  </a:schemeClr>
-                </a:solidFill>
-                <a:latin typeface="冬青黑体简体中文 W3" panose="020B0300000000000000" pitchFamily="34" charset="-122"/>
-                <a:ea typeface="冬青黑体简体中文 W3" panose="020B0300000000000000" pitchFamily="34" charset="-122"/>
-              </a:rPr>
-              <a:t>）：</a:t>
-            </a:r>
-            <a:r>
-              <a:rPr lang="en-US" altLang="zh-CN" dirty="0" smtClean="0">
-                <a:solidFill>
-                  <a:schemeClr val="tx1">
-                    <a:lumMod val="65000"/>
-                    <a:lumOff val="35000"/>
-                  </a:schemeClr>
-                </a:solidFill>
-                <a:latin typeface="冬青黑体简体中文 W3" panose="020B0300000000000000" pitchFamily="34" charset="-122"/>
-                <a:ea typeface="冬青黑体简体中文 W3" panose="020B0300000000000000" pitchFamily="34" charset="-122"/>
-              </a:rPr>
-              <a:t>this</a:t>
-            </a:r>
-            <a:r>
-              <a:rPr lang="zh-CN" altLang="en-US" dirty="0" smtClean="0">
-                <a:solidFill>
-                  <a:schemeClr val="tx1">
-                    <a:lumMod val="65000"/>
-                    <a:lumOff val="35000"/>
-                  </a:schemeClr>
-                </a:solidFill>
-                <a:latin typeface="冬青黑体简体中文 W3" panose="020B0300000000000000" pitchFamily="34" charset="-122"/>
-                <a:ea typeface="冬青黑体简体中文 W3" panose="020B0300000000000000" pitchFamily="34" charset="-122"/>
-              </a:rPr>
-              <a:t>指向 </a:t>
-            </a:r>
-            <a:r>
-              <a:rPr lang="en-US" altLang="zh-CN" dirty="0">
-                <a:solidFill>
-                  <a:srgbClr val="C00000"/>
-                </a:solidFill>
-                <a:latin typeface="冬青黑体简体中文 W3" panose="020B0300000000000000" pitchFamily="34" charset="-122"/>
-                <a:ea typeface="冬青黑体简体中文 W3" panose="020B0300000000000000" pitchFamily="34" charset="-122"/>
-              </a:rPr>
-              <a:t>window </a:t>
-            </a:r>
-            <a:r>
-              <a:rPr lang="en-US" altLang="zh-CN" dirty="0" smtClean="0">
-                <a:solidFill>
-                  <a:schemeClr val="tx1">
-                    <a:lumMod val="85000"/>
-                    <a:lumOff val="15000"/>
-                  </a:schemeClr>
-                </a:solidFill>
-                <a:latin typeface="冬青黑体简体中文 W3" panose="020B0300000000000000" pitchFamily="34" charset="-122"/>
-                <a:ea typeface="冬青黑体简体中文 W3" panose="020B0300000000000000" pitchFamily="34" charset="-122"/>
-              </a:rPr>
-              <a:t>		 </a:t>
-            </a:r>
-            <a:endParaRPr lang="zh-CN" altLang="en-US" dirty="0" smtClean="0">
-              <a:solidFill>
-                <a:schemeClr val="tx1">
-                  <a:lumMod val="85000"/>
-                  <a:lumOff val="15000"/>
-                </a:schemeClr>
-              </a:solidFill>
-              <a:latin typeface="冬青黑体简体中文 W3" panose="020B0300000000000000" pitchFamily="34" charset="-122"/>
-              <a:ea typeface="冬青黑体简体中文 W3" panose="020B0300000000000000" pitchFamily="34" charset="-122"/>
-            </a:endParaRPr>
-          </a:p>
-        </p:txBody>
-      </p:sp>
+      </p:pic>
     </p:spTree>
     <p:extLst>
       <p:ext uri="{BB962C8B-B14F-4D97-AF65-F5344CB8AC3E}">
-        <p14:creationId xmlns:p14="http://schemas.microsoft.com/office/powerpoint/2010/main" val="2514532241"/>
+        <p14:creationId xmlns:p14="http://schemas.microsoft.com/office/powerpoint/2010/main" val="2988629714"/>
       </p:ext>
     </p:extLst>
   </p:cSld>
   <p:clrMapOvr>
     <a:masterClrMapping/>
   </p:clrMapOvr>
-  <mc:AlternateContent xmlns:mc="http://schemas.openxmlformats.org/markup-compatibility/2006">
-    <mc:Choice xmlns:p14="http://schemas.microsoft.com/office/powerpoint/2010/main" Requires="p14">
+  <mc:AlternateContent xmlns:mc="http://schemas.openxmlformats.org/markup-compatibility/2006" xmlns:p14="http://schemas.microsoft.com/office/powerpoint/2010/main">
+    <mc:Choice Requires="p14">
       <p:transition p14:dur="0" advTm="9938"/>
     </mc:Choice>
-    <mc:Fallback>
+    <mc:Fallback xmlns="">
       <p:transition advTm="9938"/>
     </mc:Fallback>
   </mc:AlternateContent>
@@ -8425,117 +8294,6 @@
         </p:nvSpPr>
         <p:spPr>
           <a:xfrm>
-            <a:off x="611267" y="440668"/>
-            <a:ext cx="10972641" cy="1143000"/>
-          </a:xfrm>
-        </p:spPr>
-        <p:txBody>
-          <a:bodyPr>
-            <a:normAutofit/>
-          </a:bodyPr>
-          <a:lstStyle/>
-          <a:p>
-            <a:r>
-              <a:rPr lang="zh-CN" altLang="en-US" sz="3600" dirty="0" smtClean="0">
-                <a:latin typeface="冬青黑体简体中文 W3" panose="020B0300000000000000" pitchFamily="34" charset="-122"/>
-                <a:ea typeface="冬青黑体简体中文 W3" panose="020B0300000000000000" pitchFamily="34" charset="-122"/>
-              </a:rPr>
-              <a:t>代码示例</a:t>
-            </a:r>
-            <a:endParaRPr lang="zh-CN" altLang="en-US" sz="3600" dirty="0">
-              <a:latin typeface="冬青黑体简体中文 W3" panose="020B0300000000000000" pitchFamily="34" charset="-122"/>
-              <a:ea typeface="冬青黑体简体中文 W3" panose="020B0300000000000000" pitchFamily="34" charset="-122"/>
-            </a:endParaRPr>
-          </a:p>
-        </p:txBody>
-      </p:sp>
-      <p:pic>
-        <p:nvPicPr>
-          <p:cNvPr id="3" name="图片 2"/>
-          <p:cNvPicPr>
-            <a:picLocks noChangeAspect="1"/>
-          </p:cNvPicPr>
-          <p:nvPr/>
-        </p:nvPicPr>
-        <p:blipFill>
-          <a:blip r:embed="rId2">
-            <a:extLst>
-              <a:ext uri="{28A0092B-C50C-407E-A947-70E740481C1C}">
-                <a14:useLocalDpi xmlns:a14="http://schemas.microsoft.com/office/drawing/2010/main" val="0"/>
-              </a:ext>
-            </a:extLst>
-          </a:blip>
-          <a:stretch>
-            <a:fillRect/>
-          </a:stretch>
-        </p:blipFill>
-        <p:spPr>
-          <a:xfrm>
-            <a:off x="1667508" y="1916832"/>
-            <a:ext cx="9134475" cy="4400550"/>
-          </a:xfrm>
-          <a:prstGeom prst="rect">
-            <a:avLst/>
-          </a:prstGeom>
-        </p:spPr>
-      </p:pic>
-    </p:spTree>
-    <p:extLst>
-      <p:ext uri="{BB962C8B-B14F-4D97-AF65-F5344CB8AC3E}">
-        <p14:creationId xmlns:p14="http://schemas.microsoft.com/office/powerpoint/2010/main" val="2988629714"/>
-      </p:ext>
-    </p:extLst>
-  </p:cSld>
-  <p:clrMapOvr>
-    <a:masterClrMapping/>
-  </p:clrMapOvr>
-  <mc:AlternateContent xmlns:mc="http://schemas.openxmlformats.org/markup-compatibility/2006">
-    <mc:Choice xmlns:p14="http://schemas.microsoft.com/office/powerpoint/2010/main" Requires="p14">
-      <p:transition p14:dur="0" advTm="9938"/>
-    </mc:Choice>
-    <mc:Fallback>
-      <p:transition advTm="9938"/>
-    </mc:Fallback>
-  </mc:AlternateContent>
-  <p:timing>
-    <p:tnLst>
-      <p:par>
-        <p:cTn id="1" dur="indefinite" restart="never" nodeType="tmRoot"/>
-      </p:par>
-    </p:tnLst>
-  </p:timing>
-</p:sld>
-</file>
-
-<file path=ppt/slides/slide7.xml><?xml version="1.0" encoding="utf-8"?>
-<p:sld xmlns:a="http://schemas.openxmlformats.org/drawingml/2006/main" xmlns:r="http://schemas.openxmlformats.org/officeDocument/2006/relationships" xmlns:p="http://schemas.openxmlformats.org/presentationml/2006/main">
-  <p:cSld>
-    <p:spTree>
-      <p:nvGrpSpPr>
-        <p:cNvPr id="1" name=""/>
-        <p:cNvGrpSpPr/>
-        <p:nvPr/>
-      </p:nvGrpSpPr>
-      <p:grpSpPr>
-        <a:xfrm>
-          <a:off x="0" y="0"/>
-          <a:ext cx="0" cy="0"/>
-          <a:chOff x="0" y="0"/>
-          <a:chExt cx="0" cy="0"/>
-        </a:xfrm>
-      </p:grpSpPr>
-      <p:sp>
-        <p:nvSpPr>
-          <p:cNvPr id="2" name="标题 1"/>
-          <p:cNvSpPr>
-            <a:spLocks noGrp="1"/>
-          </p:cNvSpPr>
-          <p:nvPr>
-            <p:ph type="title"/>
-          </p:nvPr>
-        </p:nvSpPr>
-        <p:spPr>
-          <a:xfrm>
             <a:off x="611267" y="1736812"/>
             <a:ext cx="10972641" cy="1143000"/>
           </a:xfrm>
@@ -8755,11 +8513,11 @@
   <p:clrMapOvr>
     <a:masterClrMapping/>
   </p:clrMapOvr>
-  <mc:AlternateContent xmlns:mc="http://schemas.openxmlformats.org/markup-compatibility/2006">
-    <mc:Choice xmlns:p14="http://schemas.microsoft.com/office/powerpoint/2010/main" Requires="p14">
+  <mc:AlternateContent xmlns:mc="http://schemas.openxmlformats.org/markup-compatibility/2006" xmlns:p14="http://schemas.microsoft.com/office/powerpoint/2010/main">
+    <mc:Choice Requires="p14">
       <p:transition p14:dur="0" advTm="9938"/>
     </mc:Choice>
-    <mc:Fallback>
+    <mc:Fallback xmlns="">
       <p:transition advTm="9938"/>
     </mc:Fallback>
   </mc:AlternateContent>
@@ -8964,7 +8722,7 @@
 </p:sld>
 </file>
 
-<file path=ppt/slides/slide8.xml><?xml version="1.0" encoding="utf-8"?>
+<file path=ppt/slides/slide7.xml><?xml version="1.0" encoding="utf-8"?>
 <p:sld xmlns:a="http://schemas.openxmlformats.org/drawingml/2006/main" xmlns:r="http://schemas.openxmlformats.org/officeDocument/2006/relationships" xmlns:p="http://schemas.openxmlformats.org/presentationml/2006/main">
   <p:cSld>
     <p:spTree>
@@ -9649,11 +9407,116 @@
   <p:clrMapOvr>
     <a:masterClrMapping/>
   </p:clrMapOvr>
-  <mc:AlternateContent xmlns:mc="http://schemas.openxmlformats.org/markup-compatibility/2006">
-    <mc:Choice xmlns:p14="http://schemas.microsoft.com/office/powerpoint/2010/main" Requires="p14">
+  <mc:AlternateContent xmlns:mc="http://schemas.openxmlformats.org/markup-compatibility/2006" xmlns:p14="http://schemas.microsoft.com/office/powerpoint/2010/main">
+    <mc:Choice Requires="p14">
       <p:transition p14:dur="0" advTm="9938"/>
     </mc:Choice>
-    <mc:Fallback>
+    <mc:Fallback xmlns="">
+      <p:transition advTm="9938"/>
+    </mc:Fallback>
+  </mc:AlternateContent>
+  <p:timing>
+    <p:tnLst>
+      <p:par>
+        <p:cTn id="1" dur="indefinite" restart="never" nodeType="tmRoot"/>
+      </p:par>
+    </p:tnLst>
+  </p:timing>
+</p:sld>
+</file>
+
+<file path=ppt/slides/slide8.xml><?xml version="1.0" encoding="utf-8"?>
+<p:sld xmlns:a="http://schemas.openxmlformats.org/drawingml/2006/main" xmlns:r="http://schemas.openxmlformats.org/officeDocument/2006/relationships" xmlns:p="http://schemas.openxmlformats.org/presentationml/2006/main">
+  <p:cSld>
+    <p:spTree>
+      <p:nvGrpSpPr>
+        <p:cNvPr id="1" name=""/>
+        <p:cNvGrpSpPr/>
+        <p:nvPr/>
+      </p:nvGrpSpPr>
+      <p:grpSpPr>
+        <a:xfrm>
+          <a:off x="0" y="0"/>
+          <a:ext cx="0" cy="0"/>
+          <a:chOff x="0" y="0"/>
+          <a:chExt cx="0" cy="0"/>
+        </a:xfrm>
+      </p:grpSpPr>
+      <p:sp>
+        <p:nvSpPr>
+          <p:cNvPr id="2" name="标题 1"/>
+          <p:cNvSpPr>
+            <a:spLocks noGrp="1"/>
+          </p:cNvSpPr>
+          <p:nvPr>
+            <p:ph type="title"/>
+          </p:nvPr>
+        </p:nvSpPr>
+        <p:spPr>
+          <a:xfrm>
+            <a:off x="695400" y="0"/>
+            <a:ext cx="10972641" cy="1143000"/>
+          </a:xfrm>
+        </p:spPr>
+        <p:txBody>
+          <a:bodyPr>
+            <a:normAutofit/>
+          </a:bodyPr>
+          <a:lstStyle/>
+          <a:p>
+            <a:r>
+              <a:rPr lang="zh-CN" altLang="en-US" sz="3600" dirty="0" smtClean="0">
+                <a:latin typeface="冬青黑体简体中文 W3" panose="020B0300000000000000" pitchFamily="34" charset="-122"/>
+                <a:ea typeface="冬青黑体简体中文 W3" panose="020B0300000000000000" pitchFamily="34" charset="-122"/>
+              </a:rPr>
+              <a:t>代码示例</a:t>
+            </a:r>
+            <a:endParaRPr lang="zh-CN" altLang="en-US" sz="3600" dirty="0">
+              <a:latin typeface="冬青黑体简体中文 W3" panose="020B0300000000000000" pitchFamily="34" charset="-122"/>
+              <a:ea typeface="冬青黑体简体中文 W3" panose="020B0300000000000000" pitchFamily="34" charset="-122"/>
+            </a:endParaRPr>
+          </a:p>
+        </p:txBody>
+      </p:sp>
+      <p:pic>
+        <p:nvPicPr>
+          <p:cNvPr id="3" name="图片 2"/>
+          <p:cNvPicPr>
+            <a:picLocks noChangeAspect="1"/>
+          </p:cNvPicPr>
+          <p:nvPr/>
+        </p:nvPicPr>
+        <p:blipFill>
+          <a:blip r:embed="rId3"/>
+          <a:stretch>
+            <a:fillRect/>
+          </a:stretch>
+        </p:blipFill>
+        <p:spPr>
+          <a:xfrm>
+            <a:off x="11667" y="1117138"/>
+            <a:ext cx="12192000" cy="5740862"/>
+          </a:xfrm>
+          <a:prstGeom prst="rect">
+            <a:avLst/>
+          </a:prstGeom>
+        </p:spPr>
+      </p:pic>
+    </p:spTree>
+    <p:extLst>
+      <p:ext uri="{BB962C8B-B14F-4D97-AF65-F5344CB8AC3E}">
+        <p14:creationId xmlns:p14="http://schemas.microsoft.com/office/powerpoint/2010/main" val="3077370124"/>
+      </p:ext>
+    </p:extLst>
+  </p:cSld>
+  <p:clrMapOvr>
+    <a:masterClrMapping/>
+  </p:clrMapOvr>
+  <mc:AlternateContent xmlns:mc="http://schemas.openxmlformats.org/markup-compatibility/2006" xmlns:p14="http://schemas.microsoft.com/office/powerpoint/2010/main">
+    <mc:Choice Requires="p14">
+      <p:transition p14:dur="0" advTm="9938"/>
+    </mc:Choice>
+    <mc:Fallback xmlns="">
       <p:transition advTm="9938"/>
     </mc:Fallback>
   </mc:AlternateContent>
@@ -9696,48 +9559,40 @@
         </p:nvSpPr>
         <p:spPr>
           <a:xfrm>
-            <a:off x="695400" y="0"/>
-            <a:ext cx="10972641" cy="1143000"/>
+            <a:off x="0" y="512676"/>
+            <a:ext cx="12192000" cy="1122096"/>
           </a:xfrm>
         </p:spPr>
         <p:txBody>
-          <a:bodyPr>
-            <a:normAutofit/>
-          </a:bodyPr>
+          <a:bodyPr/>
           <a:lstStyle/>
           <a:p>
             <a:r>
-              <a:rPr lang="zh-CN" altLang="en-US" sz="3600" dirty="0" smtClean="0">
-                <a:latin typeface="冬青黑体简体中文 W3" panose="020B0300000000000000" pitchFamily="34" charset="-122"/>
-                <a:ea typeface="冬青黑体简体中文 W3" panose="020B0300000000000000" pitchFamily="34" charset="-122"/>
-              </a:rPr>
-              <a:t>代码示例</a:t>
-            </a:r>
-            <a:endParaRPr lang="zh-CN" altLang="en-US" sz="3600" dirty="0">
-              <a:latin typeface="冬青黑体简体中文 W3" panose="020B0300000000000000" pitchFamily="34" charset="-122"/>
-              <a:ea typeface="冬青黑体简体中文 W3" panose="020B0300000000000000" pitchFamily="34" charset="-122"/>
-            </a:endParaRPr>
+              <a:rPr lang="zh-CN" altLang="en-US" dirty="0" smtClean="0"/>
+              <a:t>思考题</a:t>
+            </a:r>
+            <a:endParaRPr lang="zh-CN" altLang="en-US" dirty="0"/>
           </a:p>
         </p:txBody>
       </p:sp>
       <p:pic>
         <p:nvPicPr>
-          <p:cNvPr id="3" name="图片 2"/>
+          <p:cNvPr id="4" name="图片 3"/>
           <p:cNvPicPr>
             <a:picLocks noChangeAspect="1"/>
           </p:cNvPicPr>
           <p:nvPr/>
         </p:nvPicPr>
         <p:blipFill>
-          <a:blip r:embed="rId3"/>
+          <a:blip r:embed="rId2"/>
           <a:stretch>
             <a:fillRect/>
           </a:stretch>
         </p:blipFill>
         <p:spPr>
           <a:xfrm>
-            <a:off x="11667" y="1117138"/>
-            <a:ext cx="12192000" cy="5740862"/>
+            <a:off x="2068202" y="1988491"/>
+            <a:ext cx="8096250" cy="3867150"/>
           </a:xfrm>
           <a:prstGeom prst="rect">
             <a:avLst/>
@@ -9747,18 +9602,18 @@
     </p:spTree>
     <p:extLst>
       <p:ext uri="{BB962C8B-B14F-4D97-AF65-F5344CB8AC3E}">
-        <p14:creationId xmlns:p14="http://schemas.microsoft.com/office/powerpoint/2010/main" val="3077370124"/>
+        <p14:creationId xmlns:p14="http://schemas.microsoft.com/office/powerpoint/2010/main" val="2012326781"/>
       </p:ext>
     </p:extLst>
   </p:cSld>
   <p:clrMapOvr>
     <a:masterClrMapping/>
   </p:clrMapOvr>
-  <mc:AlternateContent xmlns:mc="http://schemas.openxmlformats.org/markup-compatibility/2006">
-    <mc:Choice xmlns:p14="http://schemas.microsoft.com/office/powerpoint/2010/main" Requires="p14">
+  <mc:AlternateContent xmlns:mc="http://schemas.openxmlformats.org/markup-compatibility/2006" xmlns:p14="http://schemas.microsoft.com/office/powerpoint/2010/main">
+    <mc:Choice Requires="p14">
       <p:transition p14:dur="0" advTm="9938"/>
     </mc:Choice>
-    <mc:Fallback>
+    <mc:Fallback xmlns="">
       <p:transition advTm="9938"/>
     </mc:Fallback>
   </mc:AlternateContent>

--- a/ppt/JavaScript基础一.pptx
+++ b/ppt/JavaScript基础一.pptx
@@ -5,50 +5,55 @@
     <p:sldMasterId id="2147483686" r:id="rId1"/>
   </p:sldMasterIdLst>
   <p:notesMasterIdLst>
-    <p:notesMasterId r:id="rId26"/>
+    <p:notesMasterId r:id="rId31"/>
   </p:notesMasterIdLst>
   <p:handoutMasterIdLst>
-    <p:handoutMasterId r:id="rId27"/>
+    <p:handoutMasterId r:id="rId32"/>
   </p:handoutMasterIdLst>
   <p:sldIdLst>
-    <p:sldId id="257" r:id="rId2"/>
-    <p:sldId id="258" r:id="rId3"/>
-    <p:sldId id="262" r:id="rId4"/>
-    <p:sldId id="259" r:id="rId5"/>
-    <p:sldId id="260" r:id="rId6"/>
-    <p:sldId id="264" r:id="rId7"/>
-    <p:sldId id="266" r:id="rId8"/>
-    <p:sldId id="267" r:id="rId9"/>
-    <p:sldId id="270" r:id="rId10"/>
-    <p:sldId id="275" r:id="rId11"/>
-    <p:sldId id="268" r:id="rId12"/>
-    <p:sldId id="269" r:id="rId13"/>
-    <p:sldId id="271" r:id="rId14"/>
-    <p:sldId id="272" r:id="rId15"/>
-    <p:sldId id="273" r:id="rId16"/>
-    <p:sldId id="274" r:id="rId17"/>
-    <p:sldId id="276" r:id="rId18"/>
-    <p:sldId id="277" r:id="rId19"/>
-    <p:sldId id="278" r:id="rId20"/>
-    <p:sldId id="279" r:id="rId21"/>
-    <p:sldId id="280" r:id="rId22"/>
-    <p:sldId id="281" r:id="rId23"/>
-    <p:sldId id="283" r:id="rId24"/>
-    <p:sldId id="263" r:id="rId25"/>
+    <p:sldId id="288" r:id="rId2"/>
+    <p:sldId id="257" r:id="rId3"/>
+    <p:sldId id="258" r:id="rId4"/>
+    <p:sldId id="262" r:id="rId5"/>
+    <p:sldId id="259" r:id="rId6"/>
+    <p:sldId id="260" r:id="rId7"/>
+    <p:sldId id="264" r:id="rId8"/>
+    <p:sldId id="266" r:id="rId9"/>
+    <p:sldId id="267" r:id="rId10"/>
+    <p:sldId id="270" r:id="rId11"/>
+    <p:sldId id="275" r:id="rId12"/>
+    <p:sldId id="268" r:id="rId13"/>
+    <p:sldId id="269" r:id="rId14"/>
+    <p:sldId id="271" r:id="rId15"/>
+    <p:sldId id="272" r:id="rId16"/>
+    <p:sldId id="273" r:id="rId17"/>
+    <p:sldId id="274" r:id="rId18"/>
+    <p:sldId id="276" r:id="rId19"/>
+    <p:sldId id="277" r:id="rId20"/>
+    <p:sldId id="278" r:id="rId21"/>
+    <p:sldId id="279" r:id="rId22"/>
+    <p:sldId id="280" r:id="rId23"/>
+    <p:sldId id="281" r:id="rId24"/>
+    <p:sldId id="283" r:id="rId25"/>
+    <p:sldId id="284" r:id="rId26"/>
+    <p:sldId id="285" r:id="rId27"/>
+    <p:sldId id="286" r:id="rId28"/>
+    <p:sldId id="287" r:id="rId29"/>
+    <p:sldId id="263" r:id="rId30"/>
   </p:sldIdLst>
   <p:sldSz cx="12192000" cy="6858000"/>
   <p:notesSz cx="6858000" cy="9144000"/>
   <p:embeddedFontLst>
     <p:embeddedFont>
       <p:font typeface="Calibri" panose="020F0502020204030204" pitchFamily="34" charset="0"/>
-      <p:regular r:id="rId28"/>
-      <p:bold r:id="rId29"/>
-      <p:italic r:id="rId30"/>
-      <p:boldItalic r:id="rId31"/>
+      <p:regular r:id="rId33"/>
+      <p:bold r:id="rId34"/>
+      <p:italic r:id="rId35"/>
+      <p:boldItalic r:id="rId36"/>
     </p:embeddedFont>
     <p:embeddedFont>
       <p:font typeface="冬青黑体简体中文 W3" panose="020B0300000000000000" pitchFamily="34" charset="-122"/>
-      <p:regular r:id="rId32"/>
+      <p:regular r:id="rId37"/>
     </p:embeddedFont>
   </p:embeddedFontLst>
   <p:defaultTextStyle>
@@ -154,7 +159,7 @@
             <a:srgbClr val="A4A3A4"/>
           </p15:clr>
         </p15:guide>
-        <p15:guide id="2" orient="horz" pos="1621" userDrawn="1">
+        <p15:guide id="2" orient="horz" pos="1616" userDrawn="1">
           <p15:clr>
             <a:srgbClr val="A4A3A4"/>
           </p15:clr>
@@ -763,120 +768,33 @@
           <a:bodyPr/>
           <a:lstStyle/>
           <a:p>
-            <a:pPr marL="228600" lvl="0" indent="-228600">
-              <a:buFont typeface="+mj-lt"/>
-              <a:buAutoNum type="arabicPeriod"/>
-            </a:pPr>
             <a:r>
               <a:rPr lang="zh-CN" altLang="en-US" dirty="0" smtClean="0"/>
-              <a:t>解释</a:t>
-            </a:r>
-            <a:r>
-              <a:rPr lang="en-US" altLang="zh-CN" dirty="0" smtClean="0"/>
-              <a:t>this</a:t>
-            </a:r>
-            <a:r>
-              <a:rPr lang="zh-CN" altLang="en-US" dirty="0" smtClean="0"/>
-              <a:t>的含义：</a:t>
+              <a:t>为什么要先讲这三个知识点</a:t>
             </a:r>
             <a:endParaRPr lang="en-US" altLang="zh-CN" dirty="0" smtClean="0"/>
           </a:p>
           <a:p>
-            <a:pPr marL="457200" lvl="1" indent="0">
-              <a:buFont typeface="+mj-lt"/>
-              <a:buNone/>
-            </a:pPr>
             <a:endParaRPr lang="en-US" altLang="zh-CN" dirty="0" smtClean="0"/>
           </a:p>
           <a:p>
-            <a:pPr marL="685800" lvl="1" indent="-228600">
-              <a:buFont typeface="+mj-lt"/>
-              <a:buAutoNum type="arabicPeriod"/>
-            </a:pPr>
-            <a:r>
-              <a:rPr lang="zh-CN" altLang="en-US" dirty="0" smtClean="0"/>
-              <a:t>语言中定义的一个关键字。</a:t>
+            <a:r>
+              <a:rPr lang="en-US" altLang="zh-CN" baseline="0" dirty="0" smtClean="0"/>
+              <a:t>        </a:t>
+            </a:r>
+            <a:r>
+              <a:rPr lang="zh-CN" altLang="en-US" baseline="0" dirty="0" smtClean="0"/>
+              <a:t>因为最常用。并且如果需要阅读一些</a:t>
+            </a:r>
+            <a:r>
+              <a:rPr lang="en-US" altLang="zh-CN" baseline="0" dirty="0" smtClean="0"/>
+              <a:t>js</a:t>
+            </a:r>
+            <a:r>
+              <a:rPr lang="zh-CN" altLang="en-US" baseline="0" dirty="0" smtClean="0"/>
+              <a:t>库，这三个知识点是必不可少的。</a:t>
             </a:r>
             <a:endParaRPr lang="en-US" altLang="zh-CN" dirty="0" smtClean="0"/>
-          </a:p>
-          <a:p>
-            <a:pPr marL="685800" lvl="1" indent="-228600">
-              <a:buFont typeface="+mj-lt"/>
-              <a:buAutoNum type="arabicPeriod"/>
-            </a:pPr>
-            <a:r>
-              <a:rPr lang="zh-CN" altLang="en-US" dirty="0" smtClean="0"/>
-              <a:t>执行上下文的一个属性。</a:t>
-            </a:r>
-            <a:r>
-              <a:rPr lang="en-US" altLang="zh-CN" dirty="0" smtClean="0"/>
-              <a:t/>
-            </a:r>
-            <a:br>
-              <a:rPr lang="en-US" altLang="zh-CN" dirty="0" smtClean="0"/>
-            </a:br>
-            <a:endParaRPr lang="en-US" altLang="zh-CN" dirty="0" smtClean="0"/>
-          </a:p>
-          <a:p>
-            <a:pPr marL="228600" lvl="0" indent="-228600">
-              <a:buFont typeface="+mj-lt"/>
-              <a:buAutoNum type="arabicPeriod"/>
-            </a:pPr>
-            <a:r>
-              <a:rPr lang="zh-CN" altLang="en-US" dirty="0" smtClean="0"/>
-              <a:t>下面，我们开始介绍几种情况下的</a:t>
-            </a:r>
-            <a:r>
-              <a:rPr lang="en-US" altLang="zh-CN" dirty="0" smtClean="0"/>
-              <a:t>this</a:t>
-            </a:r>
-            <a:r>
-              <a:rPr lang="zh-CN" altLang="en-US" dirty="0" smtClean="0"/>
-              <a:t>指向查找方法，进入下一页。</a:t>
-            </a:r>
-            <a:endParaRPr lang="en-US" altLang="zh-CN" dirty="0" smtClean="0"/>
-          </a:p>
-          <a:p>
-            <a:pPr marL="228600" lvl="0" indent="-228600">
-              <a:buFont typeface="+mj-lt"/>
-              <a:buAutoNum type="arabicPeriod"/>
-            </a:pPr>
-            <a:endParaRPr lang="en-US" altLang="zh-CN" dirty="0" smtClean="0"/>
-          </a:p>
-          <a:p>
-            <a:pPr marL="457200" lvl="1" indent="0">
-              <a:buFont typeface="+mj-lt"/>
-              <a:buNone/>
-            </a:pPr>
-            <a:r>
-              <a:rPr lang="zh-CN" altLang="en-US" dirty="0" smtClean="0"/>
-              <a:t>代码参考：</a:t>
-            </a:r>
-            <a:r>
-              <a:rPr lang="en-US" altLang="zh-CN" dirty="0" smtClean="0"/>
-              <a:t>http://git.pcstele.com/pcs/zhhw-operation-client-vue/blob/dev/docs/knowledge/js%E4%B8%AD%E7%9A%84this.md</a:t>
-            </a:r>
-          </a:p>
-          <a:p>
-            <a:endParaRPr lang="en-US" altLang="zh-CN" dirty="0" smtClean="0"/>
-          </a:p>
-          <a:p>
-            <a:pPr marL="685800" lvl="1" indent="-228600">
-              <a:buAutoNum type="arabicPeriod"/>
-            </a:pPr>
-            <a:endParaRPr lang="en-US" altLang="zh-CN" baseline="0" dirty="0" smtClean="0"/>
-          </a:p>
-          <a:p>
-            <a:pPr marL="228600" lvl="0" indent="-228600">
-              <a:buAutoNum type="arabicPeriod"/>
-            </a:pPr>
-            <a:endParaRPr lang="en-US" altLang="zh-CN" baseline="0" dirty="0" smtClean="0"/>
-          </a:p>
-          <a:p>
-            <a:pPr marL="0" lvl="0" indent="0">
-              <a:buNone/>
-            </a:pPr>
-            <a:endParaRPr lang="en-US" altLang="zh-CN" baseline="0" dirty="0" smtClean="0"/>
           </a:p>
         </p:txBody>
       </p:sp>
@@ -906,7 +824,7 @@
     </p:spTree>
     <p:extLst>
       <p:ext uri="{BB962C8B-B14F-4D97-AF65-F5344CB8AC3E}">
-        <p14:creationId xmlns:p14="http://schemas.microsoft.com/office/powerpoint/2010/main" val="4072585816"/>
+        <p14:creationId xmlns:p14="http://schemas.microsoft.com/office/powerpoint/2010/main" val="3752938168"/>
       </p:ext>
     </p:extLst>
   </p:cSld>
@@ -960,32 +878,6 @@
           <a:bodyPr/>
           <a:lstStyle/>
           <a:p>
-            <a:r>
-              <a:rPr lang="zh-CN" altLang="en-US" dirty="0" smtClean="0"/>
-              <a:t>前面所讲的都是一些应用型总结，比较表面。</a:t>
-            </a:r>
-            <a:endParaRPr lang="en-US" altLang="zh-CN" dirty="0" smtClean="0"/>
-          </a:p>
-          <a:p>
-            <a:r>
-              <a:rPr lang="zh-CN" altLang="en-US" dirty="0" smtClean="0"/>
-              <a:t>更细节具体的</a:t>
-            </a:r>
-            <a:r>
-              <a:rPr lang="en-US" altLang="zh-CN" dirty="0" smtClean="0"/>
-              <a:t>this</a:t>
-            </a:r>
-            <a:r>
-              <a:rPr lang="zh-CN" altLang="en-US" dirty="0" smtClean="0"/>
-              <a:t>查找过程可以参考后面给出的资料。</a:t>
-            </a:r>
-            <a:endParaRPr lang="en-US" altLang="zh-CN" dirty="0" smtClean="0"/>
-          </a:p>
-          <a:p>
-            <a:r>
-              <a:rPr lang="en-US" altLang="zh-CN" dirty="0" smtClean="0"/>
-              <a:t>https://github.com/mqyqingfeng/Blog/issues/7</a:t>
-            </a:r>
             <a:endParaRPr lang="zh-CN" altLang="en-US" dirty="0"/>
           </a:p>
         </p:txBody>
@@ -1007,7 +899,7 @@
           <a:p>
             <a:fld id="{63D66438-32C0-4A55-81A6-6429864AD78C}" type="slidenum">
               <a:rPr lang="zh-CN" altLang="en-US" smtClean="0"/>
-              <a:t>17</a:t>
+              <a:t>16</a:t>
             </a:fld>
             <a:endParaRPr lang="zh-CN" altLang="en-US"/>
           </a:p>
@@ -1016,7 +908,7 @@
     </p:spTree>
     <p:extLst>
       <p:ext uri="{BB962C8B-B14F-4D97-AF65-F5344CB8AC3E}">
-        <p14:creationId xmlns:p14="http://schemas.microsoft.com/office/powerpoint/2010/main" val="2793922908"/>
+        <p14:creationId xmlns:p14="http://schemas.microsoft.com/office/powerpoint/2010/main" val="1228780232"/>
       </p:ext>
     </p:extLst>
   </p:cSld>
@@ -1072,23 +964,29 @@
           <a:p>
             <a:r>
               <a:rPr lang="zh-CN" altLang="en-US" dirty="0" smtClean="0"/>
-              <a:t>先扯一扯对象的继承话题，讨论一下</a:t>
+              <a:t>前面所讲的都是一些应用型总结，比较表面。</a:t>
+            </a:r>
+            <a:endParaRPr lang="en-US" altLang="zh-CN" dirty="0" smtClean="0"/>
+          </a:p>
+          <a:p>
+            <a:r>
+              <a:rPr lang="zh-CN" altLang="en-US" dirty="0" smtClean="0"/>
+              <a:t>更细节具体的</a:t>
             </a:r>
             <a:r>
               <a:rPr lang="en-US" altLang="zh-CN" dirty="0" smtClean="0"/>
-              <a:t>Java</a:t>
+              <a:t>this</a:t>
             </a:r>
             <a:r>
               <a:rPr lang="zh-CN" altLang="en-US" dirty="0" smtClean="0"/>
-              <a:t>里面的继承是如何实现的，再过渡到</a:t>
-            </a:r>
+              <a:t>查找过程可以参考后面给出的资料。</a:t>
+            </a:r>
+            <a:endParaRPr lang="en-US" altLang="zh-CN" dirty="0" smtClean="0"/>
+          </a:p>
+          <a:p>
             <a:r>
               <a:rPr lang="en-US" altLang="zh-CN" dirty="0" smtClean="0"/>
-              <a:t>JavaScript</a:t>
-            </a:r>
-            <a:r>
-              <a:rPr lang="zh-CN" altLang="en-US" dirty="0" smtClean="0"/>
-              <a:t>中的继承方式。</a:t>
+              <a:t>https://github.com/mqyqingfeng/Blog/issues/7</a:t>
             </a:r>
             <a:endParaRPr lang="zh-CN" altLang="en-US" dirty="0"/>
           </a:p>
@@ -1120,7 +1018,7 @@
     </p:spTree>
     <p:extLst>
       <p:ext uri="{BB962C8B-B14F-4D97-AF65-F5344CB8AC3E}">
-        <p14:creationId xmlns:p14="http://schemas.microsoft.com/office/powerpoint/2010/main" val="737959202"/>
+        <p14:creationId xmlns:p14="http://schemas.microsoft.com/office/powerpoint/2010/main" val="2793922908"/>
       </p:ext>
     </p:extLst>
   </p:cSld>
@@ -1176,24 +1074,25 @@
           <a:p>
             <a:r>
               <a:rPr lang="zh-CN" altLang="en-US" dirty="0" smtClean="0"/>
-              <a:t>首先，我们先看一下认识一下</a:t>
+              <a:t>先扯一扯对象的继承话题，讨论一下</a:t>
             </a:r>
             <a:r>
               <a:rPr lang="en-US" altLang="zh-CN" dirty="0" smtClean="0"/>
-              <a:t> prototype </a:t>
+              <a:t>Java</a:t>
             </a:r>
             <a:r>
               <a:rPr lang="zh-CN" altLang="en-US" dirty="0" smtClean="0"/>
-              <a:t>对象。</a:t>
-            </a:r>
-            <a:endParaRPr lang="en-US" altLang="zh-CN" dirty="0" smtClean="0"/>
-          </a:p>
-          <a:p>
+              <a:t>里面的继承是如何实现的，再过渡到</a:t>
+            </a:r>
+            <a:r>
+              <a:rPr lang="en-US" altLang="zh-CN" dirty="0" smtClean="0"/>
+              <a:t>JavaScript</a:t>
+            </a:r>
             <a:r>
               <a:rPr lang="zh-CN" altLang="en-US" dirty="0" smtClean="0"/>
-              <a:t>然后，我们再来看实例是如何继承原型的</a:t>
-            </a:r>
-            <a:endParaRPr lang="en-US" altLang="zh-CN" dirty="0" smtClean="0"/>
+              <a:t>中的继承方式。</a:t>
+            </a:r>
+            <a:endParaRPr lang="zh-CN" altLang="en-US" dirty="0"/>
           </a:p>
         </p:txBody>
       </p:sp>
@@ -1223,7 +1122,7 @@
     </p:spTree>
     <p:extLst>
       <p:ext uri="{BB962C8B-B14F-4D97-AF65-F5344CB8AC3E}">
-        <p14:creationId xmlns:p14="http://schemas.microsoft.com/office/powerpoint/2010/main" val="2252324308"/>
+        <p14:creationId xmlns:p14="http://schemas.microsoft.com/office/powerpoint/2010/main" val="737959202"/>
       </p:ext>
     </p:extLst>
   </p:cSld>
@@ -1279,7 +1178,22 @@
           <a:p>
             <a:r>
               <a:rPr lang="zh-CN" altLang="en-US" dirty="0" smtClean="0"/>
-              <a:t>提示听众注意此处的 “每个对象” 跟上一节中的 “每个函数” 的区别，对象不一定是函数，函数一定是对象。</a:t>
+              <a:t>首先，我们先看一下认识一下</a:t>
+            </a:r>
+            <a:r>
+              <a:rPr lang="en-US" altLang="zh-CN" dirty="0" smtClean="0"/>
+              <a:t> prototype </a:t>
+            </a:r>
+            <a:r>
+              <a:rPr lang="zh-CN" altLang="en-US" dirty="0" smtClean="0"/>
+              <a:t>对象。</a:t>
+            </a:r>
+            <a:endParaRPr lang="en-US" altLang="zh-CN" dirty="0" smtClean="0"/>
+          </a:p>
+          <a:p>
+            <a:r>
+              <a:rPr lang="zh-CN" altLang="en-US" dirty="0" smtClean="0"/>
+              <a:t>然后，我们再来看实例是如何继承原型的</a:t>
             </a:r>
             <a:endParaRPr lang="en-US" altLang="zh-CN" dirty="0" smtClean="0"/>
           </a:p>
@@ -1302,7 +1216,95 @@
           <a:p>
             <a:fld id="{63D66438-32C0-4A55-81A6-6429864AD78C}" type="slidenum">
               <a:rPr lang="zh-CN" altLang="en-US" smtClean="0"/>
-              <a:t>21</a:t>
+              <a:t>20</a:t>
+            </a:fld>
+            <a:endParaRPr lang="zh-CN" altLang="en-US"/>
+          </a:p>
+        </p:txBody>
+      </p:sp>
+    </p:spTree>
+    <p:extLst>
+      <p:ext uri="{BB962C8B-B14F-4D97-AF65-F5344CB8AC3E}">
+        <p14:creationId xmlns:p14="http://schemas.microsoft.com/office/powerpoint/2010/main" val="2252324308"/>
+      </p:ext>
+    </p:extLst>
+  </p:cSld>
+  <p:clrMapOvr>
+    <a:masterClrMapping/>
+  </p:clrMapOvr>
+</p:notes>
+</file>
+
+<file path=ppt/notesSlides/notesSlide14.xml><?xml version="1.0" encoding="utf-8"?>
+<p:notes xmlns:a="http://schemas.openxmlformats.org/drawingml/2006/main" xmlns:r="http://schemas.openxmlformats.org/officeDocument/2006/relationships" xmlns:p="http://schemas.openxmlformats.org/presentationml/2006/main">
+  <p:cSld>
+    <p:spTree>
+      <p:nvGrpSpPr>
+        <p:cNvPr id="1" name=""/>
+        <p:cNvGrpSpPr/>
+        <p:nvPr/>
+      </p:nvGrpSpPr>
+      <p:grpSpPr>
+        <a:xfrm>
+          <a:off x="0" y="0"/>
+          <a:ext cx="0" cy="0"/>
+          <a:chOff x="0" y="0"/>
+          <a:chExt cx="0" cy="0"/>
+        </a:xfrm>
+      </p:grpSpPr>
+      <p:sp>
+        <p:nvSpPr>
+          <p:cNvPr id="2" name="幻灯片图像占位符 1"/>
+          <p:cNvSpPr>
+            <a:spLocks noGrp="1" noRot="1" noChangeAspect="1"/>
+          </p:cNvSpPr>
+          <p:nvPr>
+            <p:ph type="sldImg"/>
+          </p:nvPr>
+        </p:nvSpPr>
+        <p:spPr/>
+      </p:sp>
+      <p:sp>
+        <p:nvSpPr>
+          <p:cNvPr id="3" name="备注占位符 2"/>
+          <p:cNvSpPr>
+            <a:spLocks noGrp="1"/>
+          </p:cNvSpPr>
+          <p:nvPr>
+            <p:ph type="body" idx="1"/>
+          </p:nvPr>
+        </p:nvSpPr>
+        <p:spPr/>
+        <p:txBody>
+          <a:bodyPr/>
+          <a:lstStyle/>
+          <a:p>
+            <a:r>
+              <a:rPr lang="zh-CN" altLang="en-US" dirty="0" smtClean="0"/>
+              <a:t>提示听众注意此处的 “每个对象” 跟上一节中的 “每个函数” 的区别，对象不一定是函数，函数一定是对象。</a:t>
+            </a:r>
+            <a:endParaRPr lang="en-US" altLang="zh-CN" dirty="0" smtClean="0"/>
+          </a:p>
+        </p:txBody>
+      </p:sp>
+      <p:sp>
+        <p:nvSpPr>
+          <p:cNvPr id="4" name="灯片编号占位符 3"/>
+          <p:cNvSpPr>
+            <a:spLocks noGrp="1"/>
+          </p:cNvSpPr>
+          <p:nvPr>
+            <p:ph type="sldNum" sz="quarter" idx="10"/>
+          </p:nvPr>
+        </p:nvSpPr>
+        <p:spPr/>
+        <p:txBody>
+          <a:bodyPr/>
+          <a:lstStyle/>
+          <a:p>
+            <a:fld id="{63D66438-32C0-4A55-81A6-6429864AD78C}" type="slidenum">
+              <a:rPr lang="zh-CN" altLang="en-US" smtClean="0"/>
+              <a:t>22</a:t>
             </a:fld>
             <a:endParaRPr lang="zh-CN" altLang="en-US"/>
           </a:p>
@@ -1312,6 +1314,373 @@
     <p:extLst>
       <p:ext uri="{BB962C8B-B14F-4D97-AF65-F5344CB8AC3E}">
         <p14:creationId xmlns:p14="http://schemas.microsoft.com/office/powerpoint/2010/main" val="2321892033"/>
+      </p:ext>
+    </p:extLst>
+  </p:cSld>
+  <p:clrMapOvr>
+    <a:masterClrMapping/>
+  </p:clrMapOvr>
+</p:notes>
+</file>
+
+<file path=ppt/notesSlides/notesSlide15.xml><?xml version="1.0" encoding="utf-8"?>
+<p:notes xmlns:a="http://schemas.openxmlformats.org/drawingml/2006/main" xmlns:r="http://schemas.openxmlformats.org/officeDocument/2006/relationships" xmlns:p="http://schemas.openxmlformats.org/presentationml/2006/main">
+  <p:cSld>
+    <p:spTree>
+      <p:nvGrpSpPr>
+        <p:cNvPr id="1" name=""/>
+        <p:cNvGrpSpPr/>
+        <p:nvPr/>
+      </p:nvGrpSpPr>
+      <p:grpSpPr>
+        <a:xfrm>
+          <a:off x="0" y="0"/>
+          <a:ext cx="0" cy="0"/>
+          <a:chOff x="0" y="0"/>
+          <a:chExt cx="0" cy="0"/>
+        </a:xfrm>
+      </p:grpSpPr>
+      <p:sp>
+        <p:nvSpPr>
+          <p:cNvPr id="2" name="幻灯片图像占位符 1"/>
+          <p:cNvSpPr>
+            <a:spLocks noGrp="1" noRot="1" noChangeAspect="1"/>
+          </p:cNvSpPr>
+          <p:nvPr>
+            <p:ph type="sldImg"/>
+          </p:nvPr>
+        </p:nvSpPr>
+        <p:spPr/>
+      </p:sp>
+      <p:sp>
+        <p:nvSpPr>
+          <p:cNvPr id="3" name="备注占位符 2"/>
+          <p:cNvSpPr>
+            <a:spLocks noGrp="1"/>
+          </p:cNvSpPr>
+          <p:nvPr>
+            <p:ph type="body" idx="1"/>
+          </p:nvPr>
+        </p:nvSpPr>
+        <p:spPr/>
+        <p:txBody>
+          <a:bodyPr/>
+          <a:lstStyle/>
+          <a:p>
+            <a:r>
+              <a:rPr lang="zh-CN" altLang="en-US" dirty="0" smtClean="0"/>
+              <a:t>因为这一章节主要是介绍原型</a:t>
+            </a:r>
+            <a:r>
+              <a:rPr lang="en-US" altLang="zh-CN" dirty="0" smtClean="0"/>
+              <a:t>&amp;</a:t>
+            </a:r>
+            <a:r>
+              <a:rPr lang="zh-CN" altLang="en-US" dirty="0" smtClean="0"/>
+              <a:t>原型链，这里简单列举一下</a:t>
+            </a:r>
+            <a:r>
+              <a:rPr lang="en-US" altLang="zh-CN" dirty="0" err="1" smtClean="0"/>
+              <a:t>js</a:t>
+            </a:r>
+            <a:r>
+              <a:rPr lang="zh-CN" altLang="en-US" dirty="0" smtClean="0"/>
+              <a:t>中的继承方式。</a:t>
+            </a:r>
+            <a:endParaRPr lang="en-US" altLang="zh-CN" dirty="0" smtClean="0"/>
+          </a:p>
+          <a:p>
+            <a:r>
+              <a:rPr lang="zh-CN" altLang="en-US" dirty="0" smtClean="0"/>
+              <a:t>通过 原型继承 来介绍 原型链 的工作原理。</a:t>
+            </a:r>
+            <a:endParaRPr lang="zh-CN" altLang="en-US" dirty="0"/>
+          </a:p>
+        </p:txBody>
+      </p:sp>
+      <p:sp>
+        <p:nvSpPr>
+          <p:cNvPr id="4" name="灯片编号占位符 3"/>
+          <p:cNvSpPr>
+            <a:spLocks noGrp="1"/>
+          </p:cNvSpPr>
+          <p:nvPr>
+            <p:ph type="sldNum" sz="quarter" idx="10"/>
+          </p:nvPr>
+        </p:nvSpPr>
+        <p:spPr/>
+        <p:txBody>
+          <a:bodyPr/>
+          <a:lstStyle/>
+          <a:p>
+            <a:fld id="{63D66438-32C0-4A55-81A6-6429864AD78C}" type="slidenum">
+              <a:rPr lang="zh-CN" altLang="en-US" smtClean="0"/>
+              <a:t>24</a:t>
+            </a:fld>
+            <a:endParaRPr lang="zh-CN" altLang="en-US"/>
+          </a:p>
+        </p:txBody>
+      </p:sp>
+    </p:spTree>
+    <p:extLst>
+      <p:ext uri="{BB962C8B-B14F-4D97-AF65-F5344CB8AC3E}">
+        <p14:creationId xmlns:p14="http://schemas.microsoft.com/office/powerpoint/2010/main" val="3186496235"/>
+      </p:ext>
+    </p:extLst>
+  </p:cSld>
+  <p:clrMapOvr>
+    <a:masterClrMapping/>
+  </p:clrMapOvr>
+</p:notes>
+</file>
+
+<file path=ppt/notesSlides/notesSlide16.xml><?xml version="1.0" encoding="utf-8"?>
+<p:notes xmlns:a="http://schemas.openxmlformats.org/drawingml/2006/main" xmlns:r="http://schemas.openxmlformats.org/officeDocument/2006/relationships" xmlns:p="http://schemas.openxmlformats.org/presentationml/2006/main">
+  <p:cSld>
+    <p:spTree>
+      <p:nvGrpSpPr>
+        <p:cNvPr id="1" name=""/>
+        <p:cNvGrpSpPr/>
+        <p:nvPr/>
+      </p:nvGrpSpPr>
+      <p:grpSpPr>
+        <a:xfrm>
+          <a:off x="0" y="0"/>
+          <a:ext cx="0" cy="0"/>
+          <a:chOff x="0" y="0"/>
+          <a:chExt cx="0" cy="0"/>
+        </a:xfrm>
+      </p:grpSpPr>
+      <p:sp>
+        <p:nvSpPr>
+          <p:cNvPr id="2" name="幻灯片图像占位符 1"/>
+          <p:cNvSpPr>
+            <a:spLocks noGrp="1" noRot="1" noChangeAspect="1"/>
+          </p:cNvSpPr>
+          <p:nvPr>
+            <p:ph type="sldImg"/>
+          </p:nvPr>
+        </p:nvSpPr>
+        <p:spPr/>
+      </p:sp>
+      <p:sp>
+        <p:nvSpPr>
+          <p:cNvPr id="3" name="备注占位符 2"/>
+          <p:cNvSpPr>
+            <a:spLocks noGrp="1"/>
+          </p:cNvSpPr>
+          <p:nvPr>
+            <p:ph type="body" idx="1"/>
+          </p:nvPr>
+        </p:nvSpPr>
+        <p:spPr/>
+        <p:txBody>
+          <a:bodyPr/>
+          <a:lstStyle/>
+          <a:p>
+            <a:r>
+              <a:rPr lang="zh-CN" altLang="en-US" dirty="0" smtClean="0"/>
+              <a:t>先回顾 原型 与 原型链的知识，跟听众互动如何才能让子类继承父类的原型。</a:t>
+            </a:r>
+            <a:endParaRPr lang="zh-CN" altLang="en-US" dirty="0"/>
+          </a:p>
+        </p:txBody>
+      </p:sp>
+      <p:sp>
+        <p:nvSpPr>
+          <p:cNvPr id="4" name="灯片编号占位符 3"/>
+          <p:cNvSpPr>
+            <a:spLocks noGrp="1"/>
+          </p:cNvSpPr>
+          <p:nvPr>
+            <p:ph type="sldNum" sz="quarter" idx="10"/>
+          </p:nvPr>
+        </p:nvSpPr>
+        <p:spPr/>
+        <p:txBody>
+          <a:bodyPr/>
+          <a:lstStyle/>
+          <a:p>
+            <a:fld id="{63D66438-32C0-4A55-81A6-6429864AD78C}" type="slidenum">
+              <a:rPr lang="zh-CN" altLang="en-US" smtClean="0"/>
+              <a:t>26</a:t>
+            </a:fld>
+            <a:endParaRPr lang="zh-CN" altLang="en-US"/>
+          </a:p>
+        </p:txBody>
+      </p:sp>
+    </p:spTree>
+    <p:extLst>
+      <p:ext uri="{BB962C8B-B14F-4D97-AF65-F5344CB8AC3E}">
+        <p14:creationId xmlns:p14="http://schemas.microsoft.com/office/powerpoint/2010/main" val="810539265"/>
+      </p:ext>
+    </p:extLst>
+  </p:cSld>
+  <p:clrMapOvr>
+    <a:masterClrMapping/>
+  </p:clrMapOvr>
+</p:notes>
+</file>
+
+<file path=ppt/notesSlides/notesSlide17.xml><?xml version="1.0" encoding="utf-8"?>
+<p:notes xmlns:a="http://schemas.openxmlformats.org/drawingml/2006/main" xmlns:r="http://schemas.openxmlformats.org/officeDocument/2006/relationships" xmlns:p="http://schemas.openxmlformats.org/presentationml/2006/main">
+  <p:cSld>
+    <p:spTree>
+      <p:nvGrpSpPr>
+        <p:cNvPr id="1" name=""/>
+        <p:cNvGrpSpPr/>
+        <p:nvPr/>
+      </p:nvGrpSpPr>
+      <p:grpSpPr>
+        <a:xfrm>
+          <a:off x="0" y="0"/>
+          <a:ext cx="0" cy="0"/>
+          <a:chOff x="0" y="0"/>
+          <a:chExt cx="0" cy="0"/>
+        </a:xfrm>
+      </p:grpSpPr>
+      <p:sp>
+        <p:nvSpPr>
+          <p:cNvPr id="2" name="幻灯片图像占位符 1"/>
+          <p:cNvSpPr>
+            <a:spLocks noGrp="1" noRot="1" noChangeAspect="1"/>
+          </p:cNvSpPr>
+          <p:nvPr>
+            <p:ph type="sldImg"/>
+          </p:nvPr>
+        </p:nvSpPr>
+        <p:spPr/>
+      </p:sp>
+      <p:sp>
+        <p:nvSpPr>
+          <p:cNvPr id="3" name="备注占位符 2"/>
+          <p:cNvSpPr>
+            <a:spLocks noGrp="1"/>
+          </p:cNvSpPr>
+          <p:nvPr>
+            <p:ph type="body" idx="1"/>
+          </p:nvPr>
+        </p:nvSpPr>
+        <p:spPr/>
+        <p:txBody>
+          <a:bodyPr/>
+          <a:lstStyle/>
+          <a:p>
+            <a:endParaRPr lang="zh-CN" altLang="en-US" dirty="0"/>
+          </a:p>
+        </p:txBody>
+      </p:sp>
+      <p:sp>
+        <p:nvSpPr>
+          <p:cNvPr id="4" name="灯片编号占位符 3"/>
+          <p:cNvSpPr>
+            <a:spLocks noGrp="1"/>
+          </p:cNvSpPr>
+          <p:nvPr>
+            <p:ph type="sldNum" sz="quarter" idx="10"/>
+          </p:nvPr>
+        </p:nvSpPr>
+        <p:spPr/>
+        <p:txBody>
+          <a:bodyPr/>
+          <a:lstStyle/>
+          <a:p>
+            <a:fld id="{63D66438-32C0-4A55-81A6-6429864AD78C}" type="slidenum">
+              <a:rPr lang="zh-CN" altLang="en-US" smtClean="0"/>
+              <a:t>27</a:t>
+            </a:fld>
+            <a:endParaRPr lang="zh-CN" altLang="en-US"/>
+          </a:p>
+        </p:txBody>
+      </p:sp>
+    </p:spTree>
+    <p:extLst>
+      <p:ext uri="{BB962C8B-B14F-4D97-AF65-F5344CB8AC3E}">
+        <p14:creationId xmlns:p14="http://schemas.microsoft.com/office/powerpoint/2010/main" val="2543010296"/>
+      </p:ext>
+    </p:extLst>
+  </p:cSld>
+  <p:clrMapOvr>
+    <a:masterClrMapping/>
+  </p:clrMapOvr>
+</p:notes>
+</file>
+
+<file path=ppt/notesSlides/notesSlide18.xml><?xml version="1.0" encoding="utf-8"?>
+<p:notes xmlns:a="http://schemas.openxmlformats.org/drawingml/2006/main" xmlns:r="http://schemas.openxmlformats.org/officeDocument/2006/relationships" xmlns:p="http://schemas.openxmlformats.org/presentationml/2006/main">
+  <p:cSld>
+    <p:spTree>
+      <p:nvGrpSpPr>
+        <p:cNvPr id="1" name=""/>
+        <p:cNvGrpSpPr/>
+        <p:nvPr/>
+      </p:nvGrpSpPr>
+      <p:grpSpPr>
+        <a:xfrm>
+          <a:off x="0" y="0"/>
+          <a:ext cx="0" cy="0"/>
+          <a:chOff x="0" y="0"/>
+          <a:chExt cx="0" cy="0"/>
+        </a:xfrm>
+      </p:grpSpPr>
+      <p:sp>
+        <p:nvSpPr>
+          <p:cNvPr id="2" name="幻灯片图像占位符 1"/>
+          <p:cNvSpPr>
+            <a:spLocks noGrp="1" noRot="1" noChangeAspect="1"/>
+          </p:cNvSpPr>
+          <p:nvPr>
+            <p:ph type="sldImg"/>
+          </p:nvPr>
+        </p:nvSpPr>
+        <p:spPr/>
+      </p:sp>
+      <p:sp>
+        <p:nvSpPr>
+          <p:cNvPr id="3" name="备注占位符 2"/>
+          <p:cNvSpPr>
+            <a:spLocks noGrp="1"/>
+          </p:cNvSpPr>
+          <p:nvPr>
+            <p:ph type="body" idx="1"/>
+          </p:nvPr>
+        </p:nvSpPr>
+        <p:spPr/>
+        <p:txBody>
+          <a:bodyPr/>
+          <a:lstStyle/>
+          <a:p>
+            <a:endParaRPr lang="zh-CN" altLang="en-US" dirty="0"/>
+          </a:p>
+        </p:txBody>
+      </p:sp>
+      <p:sp>
+        <p:nvSpPr>
+          <p:cNvPr id="4" name="灯片编号占位符 3"/>
+          <p:cNvSpPr>
+            <a:spLocks noGrp="1"/>
+          </p:cNvSpPr>
+          <p:nvPr>
+            <p:ph type="sldNum" sz="quarter" idx="10"/>
+          </p:nvPr>
+        </p:nvSpPr>
+        <p:spPr/>
+        <p:txBody>
+          <a:bodyPr/>
+          <a:lstStyle/>
+          <a:p>
+            <a:fld id="{63D66438-32C0-4A55-81A6-6429864AD78C}" type="slidenum">
+              <a:rPr lang="zh-CN" altLang="en-US" smtClean="0"/>
+              <a:t>28</a:t>
+            </a:fld>
+            <a:endParaRPr lang="zh-CN" altLang="en-US"/>
+          </a:p>
+        </p:txBody>
+      </p:sp>
+    </p:spTree>
+    <p:extLst>
+      <p:ext uri="{BB962C8B-B14F-4D97-AF65-F5344CB8AC3E}">
+        <p14:creationId xmlns:p14="http://schemas.microsoft.com/office/powerpoint/2010/main" val="1286536810"/>
       </p:ext>
     </p:extLst>
   </p:cSld>
@@ -1365,11 +1734,120 @@
           <a:bodyPr/>
           <a:lstStyle/>
           <a:p>
+            <a:pPr marL="228600" lvl="0" indent="-228600">
+              <a:buFont typeface="+mj-lt"/>
+              <a:buAutoNum type="arabicPeriod"/>
+            </a:pPr>
             <a:r>
               <a:rPr lang="zh-CN" altLang="en-US" dirty="0" smtClean="0"/>
-              <a:t>执行上下文的定义：代码的执行环境快照。</a:t>
-            </a:r>
-            <a:endParaRPr lang="zh-CN" altLang="en-US" dirty="0"/>
+              <a:t>解释</a:t>
+            </a:r>
+            <a:r>
+              <a:rPr lang="en-US" altLang="zh-CN" dirty="0" smtClean="0"/>
+              <a:t>this</a:t>
+            </a:r>
+            <a:r>
+              <a:rPr lang="zh-CN" altLang="en-US" dirty="0" smtClean="0"/>
+              <a:t>的含义：</a:t>
+            </a:r>
+            <a:endParaRPr lang="en-US" altLang="zh-CN" dirty="0" smtClean="0"/>
+          </a:p>
+          <a:p>
+            <a:pPr marL="457200" lvl="1" indent="0">
+              <a:buFont typeface="+mj-lt"/>
+              <a:buNone/>
+            </a:pPr>
+            <a:endParaRPr lang="en-US" altLang="zh-CN" dirty="0" smtClean="0"/>
+          </a:p>
+          <a:p>
+            <a:pPr marL="685800" lvl="1" indent="-228600">
+              <a:buFont typeface="+mj-lt"/>
+              <a:buAutoNum type="arabicPeriod"/>
+            </a:pPr>
+            <a:r>
+              <a:rPr lang="zh-CN" altLang="en-US" dirty="0" smtClean="0"/>
+              <a:t>语言中定义的一个关键字。</a:t>
+            </a:r>
+            <a:endParaRPr lang="en-US" altLang="zh-CN" dirty="0" smtClean="0"/>
+          </a:p>
+          <a:p>
+            <a:pPr marL="685800" lvl="1" indent="-228600">
+              <a:buFont typeface="+mj-lt"/>
+              <a:buAutoNum type="arabicPeriod"/>
+            </a:pPr>
+            <a:r>
+              <a:rPr lang="zh-CN" altLang="en-US" dirty="0" smtClean="0"/>
+              <a:t>执行上下文的一个属性。</a:t>
+            </a:r>
+            <a:r>
+              <a:rPr lang="en-US" altLang="zh-CN" dirty="0" smtClean="0"/>
+              <a:t/>
+            </a:r>
+            <a:br>
+              <a:rPr lang="en-US" altLang="zh-CN" dirty="0" smtClean="0"/>
+            </a:br>
+            <a:endParaRPr lang="en-US" altLang="zh-CN" dirty="0" smtClean="0"/>
+          </a:p>
+          <a:p>
+            <a:pPr marL="228600" lvl="0" indent="-228600">
+              <a:buFont typeface="+mj-lt"/>
+              <a:buAutoNum type="arabicPeriod"/>
+            </a:pPr>
+            <a:r>
+              <a:rPr lang="zh-CN" altLang="en-US" dirty="0" smtClean="0"/>
+              <a:t>下面，我们开始介绍几种情况下的</a:t>
+            </a:r>
+            <a:r>
+              <a:rPr lang="en-US" altLang="zh-CN" dirty="0" smtClean="0"/>
+              <a:t>this</a:t>
+            </a:r>
+            <a:r>
+              <a:rPr lang="zh-CN" altLang="en-US" dirty="0" smtClean="0"/>
+              <a:t>指向查找方法，进入下一页。</a:t>
+            </a:r>
+            <a:endParaRPr lang="en-US" altLang="zh-CN" dirty="0" smtClean="0"/>
+          </a:p>
+          <a:p>
+            <a:pPr marL="228600" lvl="0" indent="-228600">
+              <a:buFont typeface="+mj-lt"/>
+              <a:buAutoNum type="arabicPeriod"/>
+            </a:pPr>
+            <a:endParaRPr lang="en-US" altLang="zh-CN" dirty="0" smtClean="0"/>
+          </a:p>
+          <a:p>
+            <a:pPr marL="457200" lvl="1" indent="0">
+              <a:buFont typeface="+mj-lt"/>
+              <a:buNone/>
+            </a:pPr>
+            <a:r>
+              <a:rPr lang="zh-CN" altLang="en-US" dirty="0" smtClean="0"/>
+              <a:t>代码参考：</a:t>
+            </a:r>
+            <a:r>
+              <a:rPr lang="en-US" altLang="zh-CN" dirty="0" smtClean="0"/>
+              <a:t>http://git.pcstele.com/pcs/zhhw-operation-client-vue/blob/dev/docs/knowledge/js%E4%B8%AD%E7%9A%84this.md</a:t>
+            </a:r>
+          </a:p>
+          <a:p>
+            <a:endParaRPr lang="en-US" altLang="zh-CN" dirty="0" smtClean="0"/>
+          </a:p>
+          <a:p>
+            <a:pPr marL="685800" lvl="1" indent="-228600">
+              <a:buAutoNum type="arabicPeriod"/>
+            </a:pPr>
+            <a:endParaRPr lang="en-US" altLang="zh-CN" baseline="0" dirty="0" smtClean="0"/>
+          </a:p>
+          <a:p>
+            <a:pPr marL="228600" lvl="0" indent="-228600">
+              <a:buAutoNum type="arabicPeriod"/>
+            </a:pPr>
+            <a:endParaRPr lang="en-US" altLang="zh-CN" baseline="0" dirty="0" smtClean="0"/>
+          </a:p>
+          <a:p>
+            <a:pPr marL="0" lvl="0" indent="0">
+              <a:buNone/>
+            </a:pPr>
+            <a:endParaRPr lang="en-US" altLang="zh-CN" baseline="0" dirty="0" smtClean="0"/>
           </a:p>
         </p:txBody>
       </p:sp>
@@ -1399,7 +1877,7 @@
     </p:spTree>
     <p:extLst>
       <p:ext uri="{BB962C8B-B14F-4D97-AF65-F5344CB8AC3E}">
-        <p14:creationId xmlns:p14="http://schemas.microsoft.com/office/powerpoint/2010/main" val="548124679"/>
+        <p14:creationId xmlns:p14="http://schemas.microsoft.com/office/powerpoint/2010/main" val="4072585816"/>
       </p:ext>
     </p:extLst>
   </p:cSld>
@@ -1453,6 +1931,10 @@
           <a:bodyPr/>
           <a:lstStyle/>
           <a:p>
+            <a:r>
+              <a:rPr lang="zh-CN" altLang="en-US" dirty="0" smtClean="0"/>
+              <a:t>执行上下文的定义：代码的执行环境快照。</a:t>
+            </a:r>
             <a:endParaRPr lang="zh-CN" altLang="en-US" dirty="0"/>
           </a:p>
         </p:txBody>
@@ -1483,7 +1965,7 @@
     </p:spTree>
     <p:extLst>
       <p:ext uri="{BB962C8B-B14F-4D97-AF65-F5344CB8AC3E}">
-        <p14:creationId xmlns:p14="http://schemas.microsoft.com/office/powerpoint/2010/main" val="2697178603"/>
+        <p14:creationId xmlns:p14="http://schemas.microsoft.com/office/powerpoint/2010/main" val="548124679"/>
       </p:ext>
     </p:extLst>
   </p:cSld>
@@ -1537,17 +2019,6 @@
           <a:bodyPr/>
           <a:lstStyle/>
           <a:p>
-            <a:r>
-              <a:rPr lang="zh-CN" altLang="en-US" dirty="0" smtClean="0"/>
-              <a:t>没有为什么，规定。</a:t>
-            </a:r>
-            <a:endParaRPr lang="en-US" altLang="zh-CN" dirty="0" smtClean="0"/>
-          </a:p>
-          <a:p>
-            <a:r>
-              <a:rPr lang="zh-CN" altLang="en-US" dirty="0" smtClean="0"/>
-              <a:t>进入下一页，代码示例。</a:t>
-            </a:r>
             <a:endParaRPr lang="zh-CN" altLang="en-US" dirty="0"/>
           </a:p>
         </p:txBody>
@@ -1578,7 +2049,7 @@
     </p:spTree>
     <p:extLst>
       <p:ext uri="{BB962C8B-B14F-4D97-AF65-F5344CB8AC3E}">
-        <p14:creationId xmlns:p14="http://schemas.microsoft.com/office/powerpoint/2010/main" val="4147421230"/>
+        <p14:creationId xmlns:p14="http://schemas.microsoft.com/office/powerpoint/2010/main" val="2697178603"/>
       </p:ext>
     </p:extLst>
   </p:cSld>
@@ -1634,30 +2105,14 @@
           <a:p>
             <a:r>
               <a:rPr lang="zh-CN" altLang="en-US" dirty="0" smtClean="0"/>
-              <a:t>台词：其实在日常开发中，最常用的肯定是在函数用使用</a:t>
-            </a:r>
-            <a:r>
-              <a:rPr lang="en-US" altLang="zh-CN" dirty="0" smtClean="0"/>
-              <a:t>this</a:t>
-            </a:r>
+              <a:t>没有为什么，规定。</a:t>
+            </a:r>
+            <a:endParaRPr lang="en-US" altLang="zh-CN" dirty="0" smtClean="0"/>
+          </a:p>
+          <a:p>
             <a:r>
               <a:rPr lang="zh-CN" altLang="en-US" dirty="0" smtClean="0"/>
-              <a:t>访问属性；</a:t>
-            </a:r>
-            <a:endParaRPr lang="en-US" altLang="zh-CN" dirty="0" smtClean="0"/>
-          </a:p>
-          <a:p>
-            <a:r>
-              <a:rPr lang="zh-CN" altLang="en-US" dirty="0" smtClean="0"/>
-              <a:t>下面我们先简单了解一下普通函数中的</a:t>
-            </a:r>
-            <a:r>
-              <a:rPr lang="en-US" altLang="zh-CN" dirty="0" smtClean="0"/>
-              <a:t>this</a:t>
-            </a:r>
-            <a:r>
-              <a:rPr lang="zh-CN" altLang="en-US" dirty="0" smtClean="0"/>
-              <a:t>指向问题。</a:t>
+              <a:t>进入下一页，代码示例。</a:t>
             </a:r>
             <a:endParaRPr lang="zh-CN" altLang="en-US" dirty="0"/>
           </a:p>
@@ -1680,7 +2135,7 @@
           <a:p>
             <a:fld id="{63D66438-32C0-4A55-81A6-6429864AD78C}" type="slidenum">
               <a:rPr lang="zh-CN" altLang="en-US" smtClean="0"/>
-              <a:t>6</a:t>
+              <a:t>5</a:t>
             </a:fld>
             <a:endParaRPr lang="zh-CN" altLang="en-US"/>
           </a:p>
@@ -1689,7 +2144,7 @@
     </p:spTree>
     <p:extLst>
       <p:ext uri="{BB962C8B-B14F-4D97-AF65-F5344CB8AC3E}">
-        <p14:creationId xmlns:p14="http://schemas.microsoft.com/office/powerpoint/2010/main" val="955713198"/>
+        <p14:creationId xmlns:p14="http://schemas.microsoft.com/office/powerpoint/2010/main" val="4147421230"/>
       </p:ext>
     </p:extLst>
   </p:cSld>
@@ -1743,7 +2198,34 @@
           <a:bodyPr/>
           <a:lstStyle/>
           <a:p>
+            <a:r>
+              <a:rPr lang="zh-CN" altLang="en-US" dirty="0" smtClean="0"/>
+              <a:t>台词：其实在日常开发中，最常用的肯定是在函数用使用</a:t>
+            </a:r>
+            <a:r>
+              <a:rPr lang="en-US" altLang="zh-CN" dirty="0" smtClean="0"/>
+              <a:t>this</a:t>
+            </a:r>
+            <a:r>
+              <a:rPr lang="zh-CN" altLang="en-US" dirty="0" smtClean="0"/>
+              <a:t>访问属性；</a:t>
+            </a:r>
             <a:endParaRPr lang="en-US" altLang="zh-CN" dirty="0" smtClean="0"/>
+          </a:p>
+          <a:p>
+            <a:r>
+              <a:rPr lang="zh-CN" altLang="en-US" dirty="0" smtClean="0"/>
+              <a:t>下面我们先简单了解一下普通函数中的</a:t>
+            </a:r>
+            <a:r>
+              <a:rPr lang="en-US" altLang="zh-CN" dirty="0" smtClean="0"/>
+              <a:t>this</a:t>
+            </a:r>
+            <a:r>
+              <a:rPr lang="zh-CN" altLang="en-US" dirty="0" smtClean="0"/>
+              <a:t>指向问题。</a:t>
+            </a:r>
+            <a:endParaRPr lang="zh-CN" altLang="en-US" dirty="0"/>
           </a:p>
         </p:txBody>
       </p:sp>
@@ -1773,7 +2255,7 @@
     </p:spTree>
     <p:extLst>
       <p:ext uri="{BB962C8B-B14F-4D97-AF65-F5344CB8AC3E}">
-        <p14:creationId xmlns:p14="http://schemas.microsoft.com/office/powerpoint/2010/main" val="2261879185"/>
+        <p14:creationId xmlns:p14="http://schemas.microsoft.com/office/powerpoint/2010/main" val="955713198"/>
       </p:ext>
     </p:extLst>
   </p:cSld>
@@ -1827,7 +2309,7 @@
           <a:bodyPr/>
           <a:lstStyle/>
           <a:p>
-            <a:endParaRPr lang="zh-CN" altLang="en-US" dirty="0"/>
+            <a:endParaRPr lang="en-US" altLang="zh-CN" dirty="0" smtClean="0"/>
           </a:p>
         </p:txBody>
       </p:sp>
@@ -1857,7 +2339,7 @@
     </p:spTree>
     <p:extLst>
       <p:ext uri="{BB962C8B-B14F-4D97-AF65-F5344CB8AC3E}">
-        <p14:creationId xmlns:p14="http://schemas.microsoft.com/office/powerpoint/2010/main" val="1771444222"/>
+        <p14:creationId xmlns:p14="http://schemas.microsoft.com/office/powerpoint/2010/main" val="2261879185"/>
       </p:ext>
     </p:extLst>
   </p:cSld>
@@ -1932,7 +2414,7 @@
           <a:p>
             <a:fld id="{63D66438-32C0-4A55-81A6-6429864AD78C}" type="slidenum">
               <a:rPr lang="zh-CN" altLang="en-US" smtClean="0"/>
-              <a:t>11</a:t>
+              <a:t>9</a:t>
             </a:fld>
             <a:endParaRPr lang="zh-CN" altLang="en-US"/>
           </a:p>
@@ -1941,7 +2423,7 @@
     </p:spTree>
     <p:extLst>
       <p:ext uri="{BB962C8B-B14F-4D97-AF65-F5344CB8AC3E}">
-        <p14:creationId xmlns:p14="http://schemas.microsoft.com/office/powerpoint/2010/main" val="1705777450"/>
+        <p14:creationId xmlns:p14="http://schemas.microsoft.com/office/powerpoint/2010/main" val="1771444222"/>
       </p:ext>
     </p:extLst>
   </p:cSld>
@@ -2016,7 +2498,7 @@
           <a:p>
             <a:fld id="{63D66438-32C0-4A55-81A6-6429864AD78C}" type="slidenum">
               <a:rPr lang="zh-CN" altLang="en-US" smtClean="0"/>
-              <a:t>15</a:t>
+              <a:t>12</a:t>
             </a:fld>
             <a:endParaRPr lang="zh-CN" altLang="en-US"/>
           </a:p>
@@ -2025,7 +2507,7 @@
     </p:spTree>
     <p:extLst>
       <p:ext uri="{BB962C8B-B14F-4D97-AF65-F5344CB8AC3E}">
-        <p14:creationId xmlns:p14="http://schemas.microsoft.com/office/powerpoint/2010/main" val="1228780232"/>
+        <p14:creationId xmlns:p14="http://schemas.microsoft.com/office/powerpoint/2010/main" val="1705777450"/>
       </p:ext>
     </p:extLst>
   </p:cSld>
@@ -2929,6 +3411,226 @@
       </p:grpSpPr>
       <p:sp>
         <p:nvSpPr>
+          <p:cNvPr id="8" name="文本框 7"/>
+          <p:cNvSpPr txBox="1"/>
+          <p:nvPr/>
+        </p:nvSpPr>
+        <p:spPr>
+          <a:xfrm>
+            <a:off x="5303912" y="3121317"/>
+            <a:ext cx="2087736" cy="1666162"/>
+          </a:xfrm>
+          <a:prstGeom prst="rect">
+            <a:avLst/>
+          </a:prstGeom>
+          <a:noFill/>
+        </p:spPr>
+        <p:txBody>
+          <a:bodyPr wrap="square" rtlCol="0" anchor="ctr">
+            <a:spAutoFit/>
+          </a:bodyPr>
+          <a:lstStyle/>
+          <a:p>
+            <a:pPr marL="285750" indent="-285750">
+              <a:lnSpc>
+                <a:spcPct val="200000"/>
+              </a:lnSpc>
+              <a:buFont typeface="Arial" panose="020B0604020202020204" pitchFamily="34" charset="0"/>
+              <a:buChar char="•"/>
+            </a:pPr>
+            <a:r>
+              <a:rPr lang="en-US" altLang="zh-CN" dirty="0">
+                <a:solidFill>
+                  <a:schemeClr val="tx1">
+                    <a:lumMod val="85000"/>
+                    <a:lumOff val="15000"/>
+                  </a:schemeClr>
+                </a:solidFill>
+                <a:latin typeface="冬青黑体简体中文 W3" panose="020B0300000000000000" pitchFamily="34" charset="-122"/>
+                <a:ea typeface="冬青黑体简体中文 W3" panose="020B0300000000000000" pitchFamily="34" charset="-122"/>
+              </a:rPr>
+              <a:t>this</a:t>
+            </a:r>
+            <a:r>
+              <a:rPr lang="zh-CN" altLang="en-US" dirty="0">
+                <a:solidFill>
+                  <a:schemeClr val="tx1">
+                    <a:lumMod val="85000"/>
+                    <a:lumOff val="15000"/>
+                  </a:schemeClr>
+                </a:solidFill>
+                <a:latin typeface="冬青黑体简体中文 W3" panose="020B0300000000000000" pitchFamily="34" charset="-122"/>
+                <a:ea typeface="冬青黑体简体中文 W3" panose="020B0300000000000000" pitchFamily="34" charset="-122"/>
+              </a:rPr>
+              <a:t>关键字</a:t>
+            </a:r>
+            <a:endParaRPr lang="en-US" altLang="zh-CN" dirty="0">
+              <a:solidFill>
+                <a:schemeClr val="tx1">
+                  <a:lumMod val="85000"/>
+                  <a:lumOff val="15000"/>
+                </a:schemeClr>
+              </a:solidFill>
+              <a:latin typeface="冬青黑体简体中文 W3" panose="020B0300000000000000" pitchFamily="34" charset="-122"/>
+              <a:ea typeface="冬青黑体简体中文 W3" panose="020B0300000000000000" pitchFamily="34" charset="-122"/>
+            </a:endParaRPr>
+          </a:p>
+          <a:p>
+            <a:pPr marL="285750" indent="-285750">
+              <a:lnSpc>
+                <a:spcPct val="200000"/>
+              </a:lnSpc>
+              <a:buFont typeface="Arial" panose="020B0604020202020204" pitchFamily="34" charset="0"/>
+              <a:buChar char="•"/>
+            </a:pPr>
+            <a:r>
+              <a:rPr lang="zh-CN" altLang="en-US" dirty="0">
+                <a:solidFill>
+                  <a:schemeClr val="tx1">
+                    <a:lumMod val="85000"/>
+                    <a:lumOff val="15000"/>
+                  </a:schemeClr>
+                </a:solidFill>
+                <a:latin typeface="冬青黑体简体中文 W3" panose="020B0300000000000000" pitchFamily="34" charset="-122"/>
+                <a:ea typeface="冬青黑体简体中文 W3" panose="020B0300000000000000" pitchFamily="34" charset="-122"/>
+              </a:rPr>
+              <a:t>原型链</a:t>
+            </a:r>
+            <a:endParaRPr lang="en-US" altLang="zh-CN" dirty="0">
+              <a:solidFill>
+                <a:schemeClr val="tx1">
+                  <a:lumMod val="85000"/>
+                  <a:lumOff val="15000"/>
+                </a:schemeClr>
+              </a:solidFill>
+              <a:latin typeface="冬青黑体简体中文 W3" panose="020B0300000000000000" pitchFamily="34" charset="-122"/>
+              <a:ea typeface="冬青黑体简体中文 W3" panose="020B0300000000000000" pitchFamily="34" charset="-122"/>
+            </a:endParaRPr>
+          </a:p>
+          <a:p>
+            <a:pPr marL="285750" indent="-285750">
+              <a:lnSpc>
+                <a:spcPct val="200000"/>
+              </a:lnSpc>
+              <a:buFont typeface="Arial" panose="020B0604020202020204" pitchFamily="34" charset="0"/>
+              <a:buChar char="•"/>
+            </a:pPr>
+            <a:r>
+              <a:rPr lang="zh-CN" altLang="en-US" dirty="0">
+                <a:solidFill>
+                  <a:schemeClr val="tx1">
+                    <a:lumMod val="85000"/>
+                    <a:lumOff val="15000"/>
+                  </a:schemeClr>
+                </a:solidFill>
+                <a:latin typeface="冬青黑体简体中文 W3" panose="020B0300000000000000" pitchFamily="34" charset="-122"/>
+                <a:ea typeface="冬青黑体简体中文 W3" panose="020B0300000000000000" pitchFamily="34" charset="-122"/>
+              </a:rPr>
+              <a:t>闭包</a:t>
+            </a:r>
+          </a:p>
+        </p:txBody>
+      </p:sp>
+      <p:sp>
+        <p:nvSpPr>
+          <p:cNvPr id="9" name="标题 8"/>
+          <p:cNvSpPr>
+            <a:spLocks noGrp="1"/>
+          </p:cNvSpPr>
+          <p:nvPr>
+            <p:ph type="title" idx="4294967295"/>
+          </p:nvPr>
+        </p:nvSpPr>
+        <p:spPr>
+          <a:xfrm>
+            <a:off x="1220788" y="1770063"/>
+            <a:ext cx="10971212" cy="1143000"/>
+          </a:xfrm>
+        </p:spPr>
+        <p:txBody>
+          <a:bodyPr/>
+          <a:lstStyle/>
+          <a:p>
+            <a:r>
+              <a:rPr lang="en-US" altLang="zh-CN" b="1" dirty="0">
+                <a:solidFill>
+                  <a:schemeClr val="tx1">
+                    <a:lumMod val="95000"/>
+                    <a:lumOff val="5000"/>
+                  </a:schemeClr>
+                </a:solidFill>
+                <a:latin typeface="冬青黑体简体中文 W3" panose="020B0300000000000000" pitchFamily="34" charset="-122"/>
+                <a:ea typeface="冬青黑体简体中文 W3" panose="020B0300000000000000" pitchFamily="34" charset="-122"/>
+              </a:rPr>
+              <a:t>JavaScript</a:t>
+            </a:r>
+            <a:r>
+              <a:rPr lang="zh-CN" altLang="en-US" b="1" dirty="0">
+                <a:solidFill>
+                  <a:schemeClr val="tx1">
+                    <a:lumMod val="95000"/>
+                    <a:lumOff val="5000"/>
+                  </a:schemeClr>
+                </a:solidFill>
+                <a:latin typeface="冬青黑体简体中文 W3" panose="020B0300000000000000" pitchFamily="34" charset="-122"/>
+                <a:ea typeface="冬青黑体简体中文 W3" panose="020B0300000000000000" pitchFamily="34" charset="-122"/>
+              </a:rPr>
+              <a:t>基础一</a:t>
+            </a:r>
+          </a:p>
+        </p:txBody>
+      </p:sp>
+    </p:spTree>
+    <p:extLst>
+      <p:ext uri="{BB962C8B-B14F-4D97-AF65-F5344CB8AC3E}">
+        <p14:creationId xmlns:p14="http://schemas.microsoft.com/office/powerpoint/2010/main" val="2494440381"/>
+      </p:ext>
+    </p:extLst>
+  </p:cSld>
+  <p:clrMapOvr>
+    <a:masterClrMapping/>
+  </p:clrMapOvr>
+  <mc:AlternateContent xmlns:mc="http://schemas.openxmlformats.org/markup-compatibility/2006" xmlns:p15="http://schemas.microsoft.com/office/powerpoint/2012/main">
+    <mc:Choice Requires="p15">
+      <p:transition xmlns:p14="http://schemas.microsoft.com/office/powerpoint/2010/main" spd="slow" p14:dur="3250">
+        <p15:prstTrans prst="origami"/>
+      </p:transition>
+    </mc:Choice>
+    <mc:Fallback xmlns="">
+      <p:transition spd="slow">
+        <p:fade/>
+      </p:transition>
+    </mc:Fallback>
+  </mc:AlternateContent>
+  <p:timing>
+    <p:tnLst>
+      <p:par>
+        <p:cTn id="1" dur="indefinite" restart="never" nodeType="tmRoot"/>
+      </p:par>
+    </p:tnLst>
+  </p:timing>
+</p:sld>
+</file>
+
+<file path=ppt/slides/slide10.xml><?xml version="1.0" encoding="utf-8"?>
+<p:sld xmlns:a="http://schemas.openxmlformats.org/drawingml/2006/main" xmlns:r="http://schemas.openxmlformats.org/officeDocument/2006/relationships" xmlns:p="http://schemas.openxmlformats.org/presentationml/2006/main">
+  <p:cSld>
+    <p:spTree>
+      <p:nvGrpSpPr>
+        <p:cNvPr id="1" name=""/>
+        <p:cNvGrpSpPr/>
+        <p:nvPr/>
+      </p:nvGrpSpPr>
+      <p:grpSpPr>
+        <a:xfrm>
+          <a:off x="0" y="0"/>
+          <a:ext cx="0" cy="0"/>
+          <a:chOff x="0" y="0"/>
+          <a:chExt cx="0" cy="0"/>
+        </a:xfrm>
+      </p:grpSpPr>
+      <p:sp>
+        <p:nvSpPr>
           <p:cNvPr id="2" name="标题 1"/>
           <p:cNvSpPr>
             <a:spLocks noGrp="1"/>
@@ -2939,8 +3641,8 @@
         </p:nvSpPr>
         <p:spPr>
           <a:xfrm>
-            <a:off x="6079806" y="2001838"/>
-            <a:ext cx="3108469" cy="1143000"/>
+            <a:off x="0" y="512676"/>
+            <a:ext cx="12192000" cy="1122096"/>
           </a:xfrm>
         </p:spPr>
         <p:txBody>
@@ -2948,328 +3650,41 @@
           <a:lstStyle/>
           <a:p>
             <a:r>
-              <a:rPr lang="en-US" altLang="zh-CN" dirty="0" smtClean="0">
-                <a:latin typeface="冬青黑体简体中文 W3" panose="020B0300000000000000" pitchFamily="34" charset="-122"/>
-                <a:ea typeface="冬青黑体简体中文 W3" panose="020B0300000000000000" pitchFamily="34" charset="-122"/>
-              </a:rPr>
-              <a:t>this</a:t>
-            </a:r>
-            <a:r>
-              <a:rPr lang="zh-CN" altLang="en-US" dirty="0" smtClean="0">
-                <a:latin typeface="冬青黑体简体中文 W3" panose="020B0300000000000000" pitchFamily="34" charset="-122"/>
-                <a:ea typeface="冬青黑体简体中文 W3" panose="020B0300000000000000" pitchFamily="34" charset="-122"/>
-              </a:rPr>
-              <a:t>关键字</a:t>
-            </a:r>
-            <a:endParaRPr lang="zh-CN" altLang="en-US" dirty="0">
-              <a:latin typeface="冬青黑体简体中文 W3" panose="020B0300000000000000" pitchFamily="34" charset="-122"/>
-              <a:ea typeface="冬青黑体简体中文 W3" panose="020B0300000000000000" pitchFamily="34" charset="-122"/>
-            </a:endParaRPr>
+              <a:rPr lang="zh-CN" altLang="en-US" dirty="0" smtClean="0"/>
+              <a:t>思考题</a:t>
+            </a:r>
+            <a:endParaRPr lang="zh-CN" altLang="en-US" dirty="0"/>
           </a:p>
         </p:txBody>
       </p:sp>
       <p:pic>
         <p:nvPicPr>
-          <p:cNvPr id="3" name="图片 2"/>
+          <p:cNvPr id="4" name="图片 3"/>
           <p:cNvPicPr>
             <a:picLocks noChangeAspect="1"/>
           </p:cNvPicPr>
           <p:nvPr/>
         </p:nvPicPr>
         <p:blipFill>
-          <a:blip r:embed="rId3">
-            <a:extLst>
-              <a:ext uri="{28A0092B-C50C-407E-A947-70E740481C1C}">
-                <a14:useLocalDpi xmlns:a14="http://schemas.microsoft.com/office/drawing/2010/main" val="0"/>
-              </a:ext>
-            </a:extLst>
-          </a:blip>
+          <a:blip r:embed="rId2"/>
           <a:stretch>
             <a:fillRect/>
           </a:stretch>
         </p:blipFill>
         <p:spPr>
           <a:xfrm>
-            <a:off x="2531604" y="2019300"/>
-            <a:ext cx="2857500" cy="2819400"/>
+            <a:off x="2068202" y="1988491"/>
+            <a:ext cx="8096250" cy="3867150"/>
           </a:xfrm>
           <a:prstGeom prst="rect">
             <a:avLst/>
           </a:prstGeom>
         </p:spPr>
       </p:pic>
-      <p:sp>
-        <p:nvSpPr>
-          <p:cNvPr id="4" name="文本框 3"/>
-          <p:cNvSpPr txBox="1"/>
-          <p:nvPr/>
-        </p:nvSpPr>
-        <p:spPr>
-          <a:xfrm>
-            <a:off x="6168008" y="3938478"/>
-            <a:ext cx="4752528" cy="369332"/>
-          </a:xfrm>
-          <a:prstGeom prst="rect">
-            <a:avLst/>
-          </a:prstGeom>
-          <a:noFill/>
-        </p:spPr>
-        <p:txBody>
-          <a:bodyPr wrap="square" rtlCol="0">
-            <a:spAutoFit/>
-          </a:bodyPr>
-          <a:lstStyle/>
-          <a:p>
-            <a:r>
-              <a:rPr lang="zh-CN" altLang="en-US" dirty="0" smtClean="0">
-                <a:solidFill>
-                  <a:schemeClr val="tx1">
-                    <a:lumMod val="65000"/>
-                    <a:lumOff val="35000"/>
-                  </a:schemeClr>
-                </a:solidFill>
-                <a:latin typeface="冬青黑体简体中文 W3" panose="020B0300000000000000" pitchFamily="34" charset="-122"/>
-                <a:ea typeface="冬青黑体简体中文 W3" panose="020B0300000000000000" pitchFamily="34" charset="-122"/>
-              </a:rPr>
-              <a:t>论讨对象的重</a:t>
-            </a:r>
-            <a:r>
-              <a:rPr lang="zh-CN" altLang="en-US" dirty="0" smtClean="0">
-                <a:solidFill>
-                  <a:srgbClr val="F4F4F6"/>
-                </a:solidFill>
-                <a:latin typeface="冬青黑体简体中文 W3" panose="020B0300000000000000" pitchFamily="34" charset="-122"/>
-                <a:ea typeface="冬青黑体简体中文 W3" panose="020B0300000000000000" pitchFamily="34" charset="-122"/>
-              </a:rPr>
-              <a:t>（ 困</a:t>
-            </a:r>
-            <a:r>
-              <a:rPr lang="zh-CN" altLang="en-US" dirty="0" smtClean="0">
-                <a:solidFill>
-                  <a:schemeClr val="tx1">
-                    <a:lumMod val="65000"/>
-                    <a:lumOff val="35000"/>
-                  </a:schemeClr>
-                </a:solidFill>
-                <a:latin typeface="冬青黑体简体中文 W3" panose="020B0300000000000000" pitchFamily="34" charset="-122"/>
-                <a:ea typeface="冬青黑体简体中文 W3" panose="020B0300000000000000" pitchFamily="34" charset="-122"/>
-              </a:rPr>
-              <a:t>要</a:t>
-            </a:r>
-            <a:r>
-              <a:rPr lang="zh-CN" altLang="en-US" dirty="0" smtClean="0">
-                <a:solidFill>
-                  <a:srgbClr val="F4F4F6"/>
-                </a:solidFill>
-                <a:latin typeface="冬青黑体简体中文 W3" panose="020B0300000000000000" pitchFamily="34" charset="-122"/>
-                <a:ea typeface="冬青黑体简体中文 W3" panose="020B0300000000000000" pitchFamily="34" charset="-122"/>
-              </a:rPr>
-              <a:t>（ 难</a:t>
-            </a:r>
-            <a:r>
-              <a:rPr lang="zh-CN" altLang="en-US" dirty="0" smtClean="0">
-                <a:solidFill>
-                  <a:schemeClr val="tx1">
-                    <a:lumMod val="65000"/>
-                    <a:lumOff val="35000"/>
-                  </a:schemeClr>
-                </a:solidFill>
-                <a:latin typeface="冬青黑体简体中文 W3" panose="020B0300000000000000" pitchFamily="34" charset="-122"/>
-                <a:ea typeface="冬青黑体简体中文 W3" panose="020B0300000000000000" pitchFamily="34" charset="-122"/>
-              </a:rPr>
-              <a:t>性</a:t>
-            </a:r>
-            <a:r>
-              <a:rPr lang="zh-CN" altLang="en-US" dirty="0" smtClean="0">
-                <a:solidFill>
-                  <a:srgbClr val="F4F4F6"/>
-                </a:solidFill>
-                <a:latin typeface="冬青黑体简体中文 W3" panose="020B0300000000000000" pitchFamily="34" charset="-122"/>
-                <a:ea typeface="冬青黑体简体中文 W3" panose="020B0300000000000000" pitchFamily="34" charset="-122"/>
-              </a:rPr>
-              <a:t>（度）</a:t>
-            </a:r>
-          </a:p>
-        </p:txBody>
-      </p:sp>
-      <p:sp>
-        <p:nvSpPr>
-          <p:cNvPr id="9" name="矩形 8"/>
-          <p:cNvSpPr/>
-          <p:nvPr/>
-        </p:nvSpPr>
-        <p:spPr>
-          <a:xfrm>
-            <a:off x="5875615" y="3933056"/>
-            <a:ext cx="4108817" cy="369332"/>
-          </a:xfrm>
-          <a:prstGeom prst="rect">
-            <a:avLst/>
-          </a:prstGeom>
-        </p:spPr>
-        <p:txBody>
-          <a:bodyPr wrap="none">
-            <a:spAutoFit/>
-          </a:bodyPr>
-          <a:lstStyle/>
-          <a:p>
-            <a:r>
-              <a:rPr lang="en-US" altLang="zh-CN" dirty="0">
-                <a:solidFill>
-                  <a:schemeClr val="tx1">
-                    <a:lumMod val="85000"/>
-                    <a:lumOff val="15000"/>
-                  </a:schemeClr>
-                </a:solidFill>
-                <a:latin typeface="冬青黑体简体中文 W3" panose="020B0300000000000000" pitchFamily="34" charset="-122"/>
-                <a:ea typeface="冬青黑体简体中文 W3" panose="020B0300000000000000" pitchFamily="34" charset="-122"/>
-              </a:rPr>
-              <a:t>	 </a:t>
-            </a:r>
-            <a:r>
-              <a:rPr lang="en-US" altLang="zh-CN" dirty="0" smtClean="0">
-                <a:solidFill>
-                  <a:schemeClr val="tx1">
-                    <a:lumMod val="85000"/>
-                    <a:lumOff val="15000"/>
-                  </a:schemeClr>
-                </a:solidFill>
-                <a:latin typeface="冬青黑体简体中文 W3" panose="020B0300000000000000" pitchFamily="34" charset="-122"/>
-                <a:ea typeface="冬青黑体简体中文 W3" panose="020B0300000000000000" pitchFamily="34" charset="-122"/>
-              </a:rPr>
-              <a:t>        </a:t>
-            </a:r>
-            <a:r>
-              <a:rPr lang="zh-CN" altLang="en-US" dirty="0" smtClean="0">
-                <a:solidFill>
-                  <a:schemeClr val="tx1">
-                    <a:lumMod val="85000"/>
-                    <a:lumOff val="15000"/>
-                  </a:schemeClr>
-                </a:solidFill>
-                <a:latin typeface="冬青黑体简体中文 W3" panose="020B0300000000000000" pitchFamily="34" charset="-122"/>
-                <a:ea typeface="冬青黑体简体中文 W3" panose="020B0300000000000000" pitchFamily="34" charset="-122"/>
-              </a:rPr>
-              <a:t>（</a:t>
-            </a:r>
-            <a:r>
-              <a:rPr lang="zh-CN" altLang="en-US" dirty="0">
-                <a:solidFill>
-                  <a:schemeClr val="tx1">
-                    <a:lumMod val="85000"/>
-                    <a:lumOff val="15000"/>
-                  </a:schemeClr>
-                </a:solidFill>
-                <a:latin typeface="冬青黑体简体中文 W3" panose="020B0300000000000000" pitchFamily="34" charset="-122"/>
-                <a:ea typeface="冬青黑体简体中文 W3" panose="020B0300000000000000" pitchFamily="34" charset="-122"/>
-              </a:rPr>
-              <a:t>困</a:t>
-            </a:r>
-            <a:r>
-              <a:rPr lang="zh-CN" altLang="en-US" dirty="0" smtClean="0">
-                <a:solidFill>
-                  <a:schemeClr val="tx1">
-                    <a:lumMod val="85000"/>
-                    <a:lumOff val="15000"/>
-                  </a:schemeClr>
-                </a:solidFill>
-                <a:latin typeface="冬青黑体简体中文 W3" panose="020B0300000000000000" pitchFamily="34" charset="-122"/>
-                <a:ea typeface="冬青黑体简体中文 W3" panose="020B0300000000000000" pitchFamily="34" charset="-122"/>
-              </a:rPr>
-              <a:t>）</a:t>
-            </a:r>
-            <a:r>
-              <a:rPr lang="zh-CN" altLang="en-US" dirty="0" smtClean="0">
-                <a:solidFill>
-                  <a:srgbClr val="F4F4F6"/>
-                </a:solidFill>
-                <a:latin typeface="冬青黑体简体中文 W3" panose="020B0300000000000000" pitchFamily="34" charset="-122"/>
-                <a:ea typeface="冬青黑体简体中文 W3" panose="020B0300000000000000" pitchFamily="34" charset="-122"/>
-              </a:rPr>
-              <a:t> </a:t>
-            </a:r>
-            <a:r>
-              <a:rPr lang="zh-CN" altLang="en-US" dirty="0" smtClean="0">
-                <a:solidFill>
-                  <a:schemeClr val="tx1">
-                    <a:lumMod val="85000"/>
-                    <a:lumOff val="15000"/>
-                  </a:schemeClr>
-                </a:solidFill>
-                <a:latin typeface="冬青黑体简体中文 W3" panose="020B0300000000000000" pitchFamily="34" charset="-122"/>
-                <a:ea typeface="冬青黑体简体中文 W3" panose="020B0300000000000000" pitchFamily="34" charset="-122"/>
-              </a:rPr>
-              <a:t>（</a:t>
-            </a:r>
-            <a:r>
-              <a:rPr lang="zh-CN" altLang="en-US" dirty="0">
-                <a:solidFill>
-                  <a:schemeClr val="tx1">
-                    <a:lumMod val="85000"/>
-                    <a:lumOff val="15000"/>
-                  </a:schemeClr>
-                </a:solidFill>
-                <a:latin typeface="冬青黑体简体中文 W3" panose="020B0300000000000000" pitchFamily="34" charset="-122"/>
-                <a:ea typeface="冬青黑体简体中文 W3" panose="020B0300000000000000" pitchFamily="34" charset="-122"/>
-              </a:rPr>
-              <a:t>难</a:t>
-            </a:r>
-            <a:r>
-              <a:rPr lang="zh-CN" altLang="en-US" dirty="0" smtClean="0">
-                <a:solidFill>
-                  <a:schemeClr val="tx1">
-                    <a:lumMod val="85000"/>
-                    <a:lumOff val="15000"/>
-                  </a:schemeClr>
-                </a:solidFill>
-                <a:latin typeface="冬青黑体简体中文 W3" panose="020B0300000000000000" pitchFamily="34" charset="-122"/>
-                <a:ea typeface="冬青黑体简体中文 W3" panose="020B0300000000000000" pitchFamily="34" charset="-122"/>
-              </a:rPr>
-              <a:t>）</a:t>
-            </a:r>
-            <a:r>
-              <a:rPr lang="zh-CN" altLang="en-US" dirty="0">
-                <a:solidFill>
-                  <a:srgbClr val="F4F4F6"/>
-                </a:solidFill>
-                <a:latin typeface="冬青黑体简体中文 W3" panose="020B0300000000000000" pitchFamily="34" charset="-122"/>
-                <a:ea typeface="冬青黑体简体中文 W3" panose="020B0300000000000000" pitchFamily="34" charset="-122"/>
-              </a:rPr>
-              <a:t> </a:t>
-            </a:r>
-            <a:r>
-              <a:rPr lang="zh-CN" altLang="en-US" dirty="0" smtClean="0">
-                <a:solidFill>
-                  <a:schemeClr val="tx1">
-                    <a:lumMod val="85000"/>
-                    <a:lumOff val="15000"/>
-                  </a:schemeClr>
-                </a:solidFill>
-                <a:latin typeface="冬青黑体简体中文 W3" panose="020B0300000000000000" pitchFamily="34" charset="-122"/>
-                <a:ea typeface="冬青黑体简体中文 W3" panose="020B0300000000000000" pitchFamily="34" charset="-122"/>
-              </a:rPr>
-              <a:t>（度</a:t>
-            </a:r>
-            <a:r>
-              <a:rPr lang="zh-CN" altLang="en-US" dirty="0">
-                <a:solidFill>
-                  <a:schemeClr val="tx1">
-                    <a:lumMod val="85000"/>
-                    <a:lumOff val="15000"/>
-                  </a:schemeClr>
-                </a:solidFill>
-                <a:latin typeface="冬青黑体简体中文 W3" panose="020B0300000000000000" pitchFamily="34" charset="-122"/>
-                <a:ea typeface="冬青黑体简体中文 W3" panose="020B0300000000000000" pitchFamily="34" charset="-122"/>
-              </a:rPr>
-              <a:t>）</a:t>
-            </a:r>
-          </a:p>
-        </p:txBody>
-      </p:sp>
     </p:spTree>
     <p:extLst>
       <p:ext uri="{BB962C8B-B14F-4D97-AF65-F5344CB8AC3E}">
-        <p14:creationId xmlns:p14="http://schemas.microsoft.com/office/powerpoint/2010/main" val="4109624536"/>
+        <p14:creationId xmlns:p14="http://schemas.microsoft.com/office/powerpoint/2010/main" val="2012326781"/>
       </p:ext>
     </p:extLst>
   </p:cSld>
@@ -3287,156 +3702,14 @@
   <p:timing>
     <p:tnLst>
       <p:par>
-        <p:cTn id="1" dur="indefinite" restart="never" nodeType="tmRoot">
-          <p:childTnLst>
-            <p:seq concurrent="1" nextAc="seek">
-              <p:cTn id="2" dur="indefinite" nodeType="mainSeq">
-                <p:childTnLst>
-                  <p:par>
-                    <p:cTn id="3" fill="hold">
-                      <p:stCondLst>
-                        <p:cond delay="indefinite"/>
-                        <p:cond evt="onBegin" delay="0">
-                          <p:tn val="2"/>
-                        </p:cond>
-                      </p:stCondLst>
-                      <p:childTnLst>
-                        <p:par>
-                          <p:cTn id="4" fill="hold">
-                            <p:stCondLst>
-                              <p:cond delay="0"/>
-                            </p:stCondLst>
-                            <p:childTnLst>
-                              <p:par>
-                                <p:cTn id="5" presetID="16" presetClass="entr" presetSubtype="21" fill="hold" nodeType="afterEffect">
-                                  <p:stCondLst>
-                                    <p:cond delay="0"/>
-                                  </p:stCondLst>
-                                  <p:childTnLst>
-                                    <p:set>
-                                      <p:cBhvr>
-                                        <p:cTn id="6" dur="1" fill="hold">
-                                          <p:stCondLst>
-                                            <p:cond delay="0"/>
-                                          </p:stCondLst>
-                                        </p:cTn>
-                                        <p:tgtEl>
-                                          <p:spTgt spid="4">
-                                            <p:txEl>
-                                              <p:pRg st="0" end="0"/>
-                                            </p:txEl>
-                                          </p:spTgt>
-                                        </p:tgtEl>
-                                        <p:attrNameLst>
-                                          <p:attrName>style.visibility</p:attrName>
-                                        </p:attrNameLst>
-                                      </p:cBhvr>
-                                      <p:to>
-                                        <p:strVal val="visible"/>
-                                      </p:to>
-                                    </p:set>
-                                    <p:animEffect transition="in" filter="barn(inVertical)">
-                                      <p:cBhvr>
-                                        <p:cTn id="7" dur="500"/>
-                                        <p:tgtEl>
-                                          <p:spTgt spid="4">
-                                            <p:txEl>
-                                              <p:pRg st="0" end="0"/>
-                                            </p:txEl>
-                                          </p:spTgt>
-                                        </p:tgtEl>
-                                      </p:cBhvr>
-                                    </p:animEffect>
-                                  </p:childTnLst>
-                                </p:cTn>
-                              </p:par>
-                            </p:childTnLst>
-                          </p:cTn>
-                        </p:par>
-                        <p:par>
-                          <p:cTn id="8" fill="hold">
-                            <p:stCondLst>
-                              <p:cond delay="500"/>
-                            </p:stCondLst>
-                            <p:childTnLst>
-                              <p:par>
-                                <p:cTn id="9" presetID="14" presetClass="entr" presetSubtype="10" fill="hold" grpId="2" nodeType="afterEffect">
-                                  <p:stCondLst>
-                                    <p:cond delay="0"/>
-                                  </p:stCondLst>
-                                  <p:childTnLst>
-                                    <p:set>
-                                      <p:cBhvr>
-                                        <p:cTn id="10" dur="1" fill="hold">
-                                          <p:stCondLst>
-                                            <p:cond delay="0"/>
-                                          </p:stCondLst>
-                                        </p:cTn>
-                                        <p:tgtEl>
-                                          <p:spTgt spid="9">
-                                            <p:txEl>
-                                              <p:pRg st="0" end="0"/>
-                                            </p:txEl>
-                                          </p:spTgt>
-                                        </p:tgtEl>
-                                        <p:attrNameLst>
-                                          <p:attrName>style.visibility</p:attrName>
-                                        </p:attrNameLst>
-                                      </p:cBhvr>
-                                      <p:to>
-                                        <p:strVal val="visible"/>
-                                      </p:to>
-                                    </p:set>
-                                    <p:animEffect transition="in" filter="randombar(horizontal)">
-                                      <p:cBhvr>
-                                        <p:cTn id="11" dur="500"/>
-                                        <p:tgtEl>
-                                          <p:spTgt spid="9">
-                                            <p:txEl>
-                                              <p:pRg st="0" end="0"/>
-                                            </p:txEl>
-                                          </p:spTgt>
-                                        </p:tgtEl>
-                                      </p:cBhvr>
-                                    </p:animEffect>
-                                  </p:childTnLst>
-                                </p:cTn>
-                              </p:par>
-                            </p:childTnLst>
-                          </p:cTn>
-                        </p:par>
-                      </p:childTnLst>
-                    </p:cTn>
-                  </p:par>
-                </p:childTnLst>
-              </p:cTn>
-              <p:prevCondLst>
-                <p:cond evt="onPrev" delay="0">
-                  <p:tgtEl>
-                    <p:sldTgt/>
-                  </p:tgtEl>
-                </p:cond>
-              </p:prevCondLst>
-              <p:nextCondLst>
-                <p:cond evt="onNext" delay="0">
-                  <p:tgtEl>
-                    <p:sldTgt/>
-                  </p:tgtEl>
-                </p:cond>
-              </p:nextCondLst>
-            </p:seq>
-          </p:childTnLst>
-        </p:cTn>
+        <p:cTn id="1" dur="indefinite" restart="never" nodeType="tmRoot"/>
       </p:par>
     </p:tnLst>
-    <p:bldLst>
-      <p:bldP spid="9" grpId="2" build="allAtOnce"/>
-    </p:bldLst>
   </p:timing>
 </p:sld>
 </file>
 
-<file path=ppt/slides/slide10.xml><?xml version="1.0" encoding="utf-8"?>
+<file path=ppt/slides/slide11.xml><?xml version="1.0" encoding="utf-8"?>
 <p:sld xmlns:a="http://schemas.openxmlformats.org/drawingml/2006/main" xmlns:r="http://schemas.openxmlformats.org/officeDocument/2006/relationships" xmlns:p="http://schemas.openxmlformats.org/presentationml/2006/main">
   <p:cSld>
     <p:spTree>
@@ -3533,7 +3806,7 @@
 </p:sld>
 </file>
 
-<file path=ppt/slides/slide11.xml><?xml version="1.0" encoding="utf-8"?>
+<file path=ppt/slides/slide12.xml><?xml version="1.0" encoding="utf-8"?>
 <p:sld xmlns:a="http://schemas.openxmlformats.org/drawingml/2006/main" xmlns:r="http://schemas.openxmlformats.org/officeDocument/2006/relationships" xmlns:p="http://schemas.openxmlformats.org/presentationml/2006/main">
   <p:cSld>
     <p:spTree>
@@ -4035,7 +4308,7 @@
 </p:sld>
 </file>
 
-<file path=ppt/slides/slide12.xml><?xml version="1.0" encoding="utf-8"?>
+<file path=ppt/slides/slide13.xml><?xml version="1.0" encoding="utf-8"?>
 <p:sld xmlns:a="http://schemas.openxmlformats.org/drawingml/2006/main" xmlns:r="http://schemas.openxmlformats.org/officeDocument/2006/relationships" xmlns:p="http://schemas.openxmlformats.org/presentationml/2006/main">
   <p:cSld>
     <p:spTree>
@@ -4136,7 +4409,7 @@
 </p:sld>
 </file>
 
-<file path=ppt/slides/slide13.xml><?xml version="1.0" encoding="utf-8"?>
+<file path=ppt/slides/slide14.xml><?xml version="1.0" encoding="utf-8"?>
 <p:sld xmlns:a="http://schemas.openxmlformats.org/drawingml/2006/main" xmlns:r="http://schemas.openxmlformats.org/officeDocument/2006/relationships" xmlns:p="http://schemas.openxmlformats.org/presentationml/2006/main">
   <p:cSld>
     <p:spTree>
@@ -4952,7 +5225,7 @@
 </p:sld>
 </file>
 
-<file path=ppt/slides/slide14.xml><?xml version="1.0" encoding="utf-8"?>
+<file path=ppt/slides/slide15.xml><?xml version="1.0" encoding="utf-8"?>
 <p:sld xmlns:a="http://schemas.openxmlformats.org/drawingml/2006/main" xmlns:r="http://schemas.openxmlformats.org/officeDocument/2006/relationships" xmlns:p="http://schemas.openxmlformats.org/presentationml/2006/main">
   <p:cSld>
     <p:spTree>
@@ -5044,7 +5317,7 @@
 </p:sld>
 </file>
 
-<file path=ppt/slides/slide15.xml><?xml version="1.0" encoding="utf-8"?>
+<file path=ppt/slides/slide16.xml><?xml version="1.0" encoding="utf-8"?>
 <p:sld xmlns:a="http://schemas.openxmlformats.org/drawingml/2006/main" xmlns:r="http://schemas.openxmlformats.org/officeDocument/2006/relationships" xmlns:p="http://schemas.openxmlformats.org/presentationml/2006/main">
   <p:cSld>
     <p:spTree>
@@ -5138,6 +5411,16 @@
             <a:r>
               <a:rPr lang="zh-CN" altLang="en-US" sz="2000" dirty="0" smtClean="0">
                 <a:solidFill>
+                  <a:srgbClr val="C00000"/>
+                </a:solidFill>
+                <a:latin typeface="冬青黑体简体中文 W3" panose="020B0300000000000000" pitchFamily="34" charset="-122"/>
+                <a:ea typeface="冬青黑体简体中文 W3" panose="020B0300000000000000" pitchFamily="34" charset="-122"/>
+              </a:rPr>
+              <a:t>箭头函数</a:t>
+            </a:r>
+            <a:r>
+              <a:rPr lang="zh-CN" altLang="en-US" sz="2000" dirty="0" smtClean="0">
+                <a:solidFill>
                   <a:schemeClr val="tx1">
                     <a:lumMod val="75000"/>
                     <a:lumOff val="25000"/>
@@ -5146,7 +5429,7 @@
                 <a:latin typeface="冬青黑体简体中文 W3" panose="020B0300000000000000" pitchFamily="34" charset="-122"/>
                 <a:ea typeface="冬青黑体简体中文 W3" panose="020B0300000000000000" pitchFamily="34" charset="-122"/>
               </a:rPr>
-              <a:t>箭头函数能否使用这三个函数改变</a:t>
+              <a:t>能否使用这三个函数改变</a:t>
             </a:r>
             <a:r>
               <a:rPr lang="en-US" altLang="zh-CN" sz="2000" dirty="0" smtClean="0">
@@ -5205,7 +5488,7 @@
 </p:sld>
 </file>
 
-<file path=ppt/slides/slide16.xml><?xml version="1.0" encoding="utf-8"?>
+<file path=ppt/slides/slide17.xml><?xml version="1.0" encoding="utf-8"?>
 <p:sld xmlns:a="http://schemas.openxmlformats.org/drawingml/2006/main" xmlns:r="http://schemas.openxmlformats.org/officeDocument/2006/relationships" xmlns:p="http://schemas.openxmlformats.org/presentationml/2006/main">
   <p:cSld>
     <p:spTree>
@@ -5301,7 +5584,7 @@
 </p:sld>
 </file>
 
-<file path=ppt/slides/slide17.xml><?xml version="1.0" encoding="utf-8"?>
+<file path=ppt/slides/slide18.xml><?xml version="1.0" encoding="utf-8"?>
 <p:sld xmlns:a="http://schemas.openxmlformats.org/drawingml/2006/main" xmlns:r="http://schemas.openxmlformats.org/officeDocument/2006/relationships" xmlns:p="http://schemas.openxmlformats.org/presentationml/2006/main">
   <p:cSld>
     <p:spTree>
@@ -5556,7 +5839,7 @@
 </p:sld>
 </file>
 
-<file path=ppt/slides/slide18.xml><?xml version="1.0" encoding="utf-8"?>
+<file path=ppt/slides/slide19.xml><?xml version="1.0" encoding="utf-8"?>
 <p:sld xmlns:a="http://schemas.openxmlformats.org/drawingml/2006/main" xmlns:r="http://schemas.openxmlformats.org/officeDocument/2006/relationships" xmlns:p="http://schemas.openxmlformats.org/presentationml/2006/main">
   <p:cSld>
     <p:spTree>
@@ -5802,7 +6085,7 @@
 </p:sld>
 </file>
 
-<file path=ppt/slides/slide19.xml><?xml version="1.0" encoding="utf-8"?>
+<file path=ppt/slides/slide2.xml><?xml version="1.0" encoding="utf-8"?>
 <p:sld xmlns:a="http://schemas.openxmlformats.org/drawingml/2006/main" xmlns:r="http://schemas.openxmlformats.org/officeDocument/2006/relationships" xmlns:p="http://schemas.openxmlformats.org/presentationml/2006/main">
   <p:cSld>
     <p:spTree>
@@ -5829,406 +6112,67 @@
             <p:ph type="title"/>
           </p:nvPr>
         </p:nvSpPr>
-        <p:spPr/>
+        <p:spPr>
+          <a:xfrm>
+            <a:off x="6079806" y="2001838"/>
+            <a:ext cx="3108469" cy="1143000"/>
+          </a:xfrm>
+        </p:spPr>
         <p:txBody>
           <a:bodyPr/>
           <a:lstStyle/>
           <a:p>
             <a:r>
-              <a:rPr lang="zh-CN" altLang="en-US" dirty="0" smtClean="0"/>
-              <a:t>原型</a:t>
-            </a:r>
-            <a:endParaRPr lang="zh-CN" altLang="en-US" dirty="0"/>
+              <a:rPr lang="en-US" altLang="zh-CN" dirty="0" smtClean="0">
+                <a:latin typeface="冬青黑体简体中文 W3" panose="020B0300000000000000" pitchFamily="34" charset="-122"/>
+                <a:ea typeface="冬青黑体简体中文 W3" panose="020B0300000000000000" pitchFamily="34" charset="-122"/>
+              </a:rPr>
+              <a:t>this</a:t>
+            </a:r>
+            <a:r>
+              <a:rPr lang="zh-CN" altLang="en-US" dirty="0" smtClean="0">
+                <a:latin typeface="冬青黑体简体中文 W3" panose="020B0300000000000000" pitchFamily="34" charset="-122"/>
+                <a:ea typeface="冬青黑体简体中文 W3" panose="020B0300000000000000" pitchFamily="34" charset="-122"/>
+              </a:rPr>
+              <a:t>关键字</a:t>
+            </a:r>
+            <a:endParaRPr lang="zh-CN" altLang="en-US" dirty="0">
+              <a:latin typeface="冬青黑体简体中文 W3" panose="020B0300000000000000" pitchFamily="34" charset="-122"/>
+              <a:ea typeface="冬青黑体简体中文 W3" panose="020B0300000000000000" pitchFamily="34" charset="-122"/>
+            </a:endParaRPr>
           </a:p>
         </p:txBody>
       </p:sp>
-      <p:sp>
-        <p:nvSpPr>
-          <p:cNvPr id="3" name="文本占位符 2"/>
-          <p:cNvSpPr>
-            <a:spLocks noGrp="1"/>
-          </p:cNvSpPr>
-          <p:nvPr>
-            <p:ph type="body" sz="quarter" idx="10"/>
-          </p:nvPr>
-        </p:nvSpPr>
+      <p:pic>
+        <p:nvPicPr>
+          <p:cNvPr id="3" name="图片 2"/>
+          <p:cNvPicPr>
+            <a:picLocks noChangeAspect="1"/>
+          </p:cNvPicPr>
+          <p:nvPr/>
+        </p:nvPicPr>
+        <p:blipFill>
+          <a:blip r:embed="rId3">
+            <a:extLst>
+              <a:ext uri="{28A0092B-C50C-407E-A947-70E740481C1C}">
+                <a14:useLocalDpi xmlns:a14="http://schemas.microsoft.com/office/drawing/2010/main" val="0"/>
+              </a:ext>
+            </a:extLst>
+          </a:blip>
+          <a:stretch>
+            <a:fillRect/>
+          </a:stretch>
+        </p:blipFill>
         <p:spPr>
           <a:xfrm>
-            <a:off x="839416" y="3068960"/>
-            <a:ext cx="10477164" cy="2881313"/>
+            <a:off x="2531604" y="2019300"/>
+            <a:ext cx="2857500" cy="2819400"/>
           </a:xfrm>
+          <a:prstGeom prst="rect">
+            <a:avLst/>
+          </a:prstGeom>
         </p:spPr>
-        <p:txBody>
-          <a:bodyPr>
-            <a:normAutofit/>
-          </a:bodyPr>
-          <a:lstStyle/>
-          <a:p>
-            <a:pPr marL="342900" indent="-342900">
-              <a:lnSpc>
-                <a:spcPct val="200000"/>
-              </a:lnSpc>
-              <a:buFont typeface="+mj-lt"/>
-              <a:buAutoNum type="arabicPeriod"/>
-            </a:pPr>
-            <a:r>
-              <a:rPr lang="zh-CN" altLang="en-US" dirty="0" smtClean="0">
-                <a:solidFill>
-                  <a:schemeClr val="tx1">
-                    <a:lumMod val="75000"/>
-                    <a:lumOff val="25000"/>
-                  </a:schemeClr>
-                </a:solidFill>
-              </a:rPr>
-              <a:t>定义：</a:t>
-            </a:r>
-            <a:r>
-              <a:rPr lang="zh-CN" altLang="en-US" dirty="0" smtClean="0">
-                <a:solidFill>
-                  <a:srgbClr val="00B050"/>
-                </a:solidFill>
-              </a:rPr>
-              <a:t>只有函数</a:t>
-            </a:r>
-            <a:r>
-              <a:rPr lang="zh-CN" altLang="en-US" dirty="0" smtClean="0">
-                <a:solidFill>
-                  <a:schemeClr val="tx1">
-                    <a:lumMod val="65000"/>
-                    <a:lumOff val="35000"/>
-                  </a:schemeClr>
-                </a:solidFill>
-              </a:rPr>
-              <a:t>存在 </a:t>
-            </a:r>
-            <a:r>
-              <a:rPr lang="en-US" altLang="zh-CN" dirty="0" smtClean="0">
-                <a:solidFill>
-                  <a:srgbClr val="C00000"/>
-                </a:solidFill>
-              </a:rPr>
-              <a:t>prototype </a:t>
-            </a:r>
-            <a:r>
-              <a:rPr lang="zh-CN" altLang="en-US" dirty="0" smtClean="0">
-                <a:solidFill>
-                  <a:schemeClr val="tx1">
-                    <a:lumMod val="65000"/>
-                    <a:lumOff val="35000"/>
-                  </a:schemeClr>
-                </a:solidFill>
-              </a:rPr>
-              <a:t>指针指向一个对象，这个对象就是原型。</a:t>
-            </a:r>
-            <a:endParaRPr lang="en-US" altLang="zh-CN" dirty="0" smtClean="0">
-              <a:solidFill>
-                <a:schemeClr val="tx1">
-                  <a:lumMod val="65000"/>
-                  <a:lumOff val="35000"/>
-                </a:schemeClr>
-              </a:solidFill>
-            </a:endParaRPr>
-          </a:p>
-          <a:p>
-            <a:pPr marL="342900" indent="-342900">
-              <a:lnSpc>
-                <a:spcPct val="200000"/>
-              </a:lnSpc>
-              <a:buFont typeface="+mj-lt"/>
-              <a:buAutoNum type="arabicPeriod"/>
-            </a:pPr>
-            <a:r>
-              <a:rPr lang="zh-CN" altLang="en-US" dirty="0">
-                <a:solidFill>
-                  <a:schemeClr val="tx1">
-                    <a:lumMod val="75000"/>
-                    <a:lumOff val="25000"/>
-                  </a:schemeClr>
-                </a:solidFill>
-              </a:rPr>
-              <a:t>作</a:t>
-            </a:r>
-            <a:r>
-              <a:rPr lang="zh-CN" altLang="en-US" dirty="0" smtClean="0">
-                <a:solidFill>
-                  <a:schemeClr val="tx1">
-                    <a:lumMod val="75000"/>
-                    <a:lumOff val="25000"/>
-                  </a:schemeClr>
-                </a:solidFill>
-              </a:rPr>
-              <a:t>用：</a:t>
-            </a:r>
-            <a:r>
-              <a:rPr lang="zh-CN" altLang="en-US" dirty="0" smtClean="0">
-                <a:solidFill>
-                  <a:schemeClr val="tx1">
-                    <a:lumMod val="65000"/>
-                    <a:lumOff val="35000"/>
-                  </a:schemeClr>
-                </a:solidFill>
-              </a:rPr>
-              <a:t>原型更准确的叫法应该是 </a:t>
-            </a:r>
-            <a:r>
-              <a:rPr lang="zh-CN" altLang="en-US" dirty="0" smtClean="0">
-                <a:solidFill>
-                  <a:srgbClr val="C00000"/>
-                </a:solidFill>
-              </a:rPr>
-              <a:t>实例原型</a:t>
-            </a:r>
-            <a:r>
-              <a:rPr lang="zh-CN" altLang="en-US" dirty="0" smtClean="0">
-                <a:solidFill>
-                  <a:schemeClr val="tx1">
-                    <a:lumMod val="65000"/>
-                    <a:lumOff val="35000"/>
-                  </a:schemeClr>
-                </a:solidFill>
-              </a:rPr>
-              <a:t>，</a:t>
-            </a:r>
-            <a:r>
-              <a:rPr lang="zh-CN" altLang="en-US" dirty="0">
-                <a:solidFill>
-                  <a:schemeClr val="tx1">
-                    <a:lumMod val="65000"/>
-                    <a:lumOff val="35000"/>
-                  </a:schemeClr>
-                </a:solidFill>
-              </a:rPr>
-              <a:t>也就</a:t>
-            </a:r>
-            <a:r>
-              <a:rPr lang="zh-CN" altLang="en-US" dirty="0" smtClean="0">
-                <a:solidFill>
-                  <a:schemeClr val="tx1">
-                    <a:lumMod val="65000"/>
-                    <a:lumOff val="35000"/>
-                  </a:schemeClr>
-                </a:solidFill>
-              </a:rPr>
-              <a:t>是当一个函数作为 </a:t>
-            </a:r>
-            <a:r>
-              <a:rPr lang="zh-CN" altLang="en-US" dirty="0" smtClean="0">
-                <a:solidFill>
-                  <a:srgbClr val="C00000"/>
-                </a:solidFill>
-              </a:rPr>
-              <a:t>构造函数 </a:t>
-            </a:r>
-            <a:r>
-              <a:rPr lang="zh-CN" altLang="en-US" dirty="0" smtClean="0">
-                <a:solidFill>
-                  <a:schemeClr val="tx1">
-                    <a:lumMod val="65000"/>
-                    <a:lumOff val="35000"/>
-                  </a:schemeClr>
-                </a:solidFill>
-              </a:rPr>
-              <a:t>的时候，</a:t>
-            </a:r>
-            <a:r>
-              <a:rPr lang="en-US" altLang="zh-CN" dirty="0" smtClean="0">
-                <a:solidFill>
-                  <a:srgbClr val="C00000"/>
-                </a:solidFill>
-              </a:rPr>
-              <a:t>new </a:t>
-            </a:r>
-            <a:r>
-              <a:rPr lang="zh-CN" altLang="en-US" dirty="0" smtClean="0">
-                <a:solidFill>
-                  <a:schemeClr val="tx1">
-                    <a:lumMod val="65000"/>
-                    <a:lumOff val="35000"/>
-                  </a:schemeClr>
-                </a:solidFill>
-              </a:rPr>
-              <a:t>出来的实例可以共享该 </a:t>
-            </a:r>
-            <a:r>
-              <a:rPr lang="zh-CN" altLang="en-US" dirty="0" smtClean="0">
-                <a:solidFill>
-                  <a:srgbClr val="C00000"/>
-                </a:solidFill>
-              </a:rPr>
-              <a:t>原型 </a:t>
-            </a:r>
-            <a:r>
-              <a:rPr lang="zh-CN" altLang="en-US" dirty="0" smtClean="0">
-                <a:solidFill>
-                  <a:schemeClr val="tx1">
-                    <a:lumMod val="65000"/>
-                    <a:lumOff val="35000"/>
-                  </a:schemeClr>
-                </a:solidFill>
-              </a:rPr>
-              <a:t>对象上的 </a:t>
-            </a:r>
-            <a:r>
-              <a:rPr lang="zh-CN" altLang="en-US" dirty="0" smtClean="0">
-                <a:solidFill>
-                  <a:srgbClr val="C00000"/>
-                </a:solidFill>
-              </a:rPr>
-              <a:t>属性 </a:t>
-            </a:r>
-            <a:r>
-              <a:rPr lang="zh-CN" altLang="en-US" dirty="0" smtClean="0">
-                <a:solidFill>
-                  <a:schemeClr val="tx1">
-                    <a:lumMod val="65000"/>
-                    <a:lumOff val="35000"/>
-                  </a:schemeClr>
-                </a:solidFill>
-              </a:rPr>
-              <a:t>跟 </a:t>
-            </a:r>
-            <a:r>
-              <a:rPr lang="zh-CN" altLang="en-US" dirty="0" smtClean="0">
-                <a:solidFill>
-                  <a:srgbClr val="C00000"/>
-                </a:solidFill>
-              </a:rPr>
-              <a:t>方法</a:t>
-            </a:r>
-            <a:r>
-              <a:rPr lang="zh-CN" altLang="en-US" dirty="0">
-                <a:solidFill>
-                  <a:schemeClr val="tx1">
-                    <a:lumMod val="65000"/>
-                    <a:lumOff val="35000"/>
-                  </a:schemeClr>
-                </a:solidFill>
-              </a:rPr>
-              <a:t>，</a:t>
-            </a:r>
-            <a:r>
-              <a:rPr lang="zh-CN" altLang="en-US" dirty="0" smtClean="0">
-                <a:solidFill>
-                  <a:schemeClr val="tx1">
-                    <a:lumMod val="65000"/>
-                    <a:lumOff val="35000"/>
-                  </a:schemeClr>
-                </a:solidFill>
-              </a:rPr>
-              <a:t>从而实现了</a:t>
-            </a:r>
-            <a:r>
-              <a:rPr lang="en-US" altLang="zh-CN" dirty="0" smtClean="0">
-                <a:solidFill>
-                  <a:schemeClr val="tx1">
-                    <a:lumMod val="65000"/>
-                    <a:lumOff val="35000"/>
-                  </a:schemeClr>
-                </a:solidFill>
-              </a:rPr>
-              <a:t>JavaScript</a:t>
-            </a:r>
-            <a:r>
-              <a:rPr lang="zh-CN" altLang="en-US" dirty="0" smtClean="0">
-                <a:solidFill>
-                  <a:schemeClr val="tx1">
-                    <a:lumMod val="65000"/>
-                    <a:lumOff val="35000"/>
-                  </a:schemeClr>
-                </a:solidFill>
-              </a:rPr>
-              <a:t>中的“</a:t>
-            </a:r>
-            <a:r>
-              <a:rPr lang="zh-CN" altLang="en-US" dirty="0">
-                <a:solidFill>
-                  <a:srgbClr val="C00000"/>
-                </a:solidFill>
-              </a:rPr>
-              <a:t>继承</a:t>
-            </a:r>
-            <a:r>
-              <a:rPr lang="zh-CN" altLang="en-US" dirty="0" smtClean="0">
-                <a:solidFill>
-                  <a:schemeClr val="tx1">
-                    <a:lumMod val="65000"/>
-                    <a:lumOff val="35000"/>
-                  </a:schemeClr>
-                </a:solidFill>
-              </a:rPr>
-              <a:t>”。换而言之，</a:t>
-            </a:r>
-            <a:r>
-              <a:rPr lang="en-US" altLang="zh-CN" dirty="0" smtClean="0">
-                <a:solidFill>
-                  <a:schemeClr val="tx1">
-                    <a:lumMod val="65000"/>
-                    <a:lumOff val="35000"/>
-                  </a:schemeClr>
-                </a:solidFill>
-              </a:rPr>
-              <a:t>JavaScript</a:t>
-            </a:r>
-            <a:r>
-              <a:rPr lang="zh-CN" altLang="en-US" dirty="0" smtClean="0">
-                <a:solidFill>
-                  <a:schemeClr val="tx1">
-                    <a:lumMod val="65000"/>
-                    <a:lumOff val="35000"/>
-                  </a:schemeClr>
-                </a:solidFill>
-              </a:rPr>
-              <a:t>中的继承并不是 </a:t>
-            </a:r>
-            <a:r>
-              <a:rPr lang="zh-CN" altLang="en-US" dirty="0" smtClean="0">
-                <a:solidFill>
-                  <a:srgbClr val="C00000"/>
-                </a:solidFill>
-              </a:rPr>
-              <a:t>真正的继承</a:t>
-            </a:r>
-            <a:r>
-              <a:rPr lang="zh-CN" altLang="en-US" dirty="0" smtClean="0">
-                <a:solidFill>
-                  <a:schemeClr val="tx1">
-                    <a:lumMod val="65000"/>
-                    <a:lumOff val="35000"/>
-                  </a:schemeClr>
-                </a:solidFill>
-              </a:rPr>
-              <a:t>，因为并没有进行内存上的拷贝，而是跟 </a:t>
-            </a:r>
-            <a:r>
-              <a:rPr lang="zh-CN" altLang="en-US" dirty="0" smtClean="0">
-                <a:solidFill>
-                  <a:srgbClr val="C00000"/>
-                </a:solidFill>
-              </a:rPr>
-              <a:t>代理模式</a:t>
-            </a:r>
-            <a:r>
-              <a:rPr lang="zh-CN" altLang="en-US" dirty="0" smtClean="0">
-                <a:solidFill>
-                  <a:schemeClr val="tx1">
-                    <a:lumMod val="65000"/>
-                    <a:lumOff val="35000"/>
-                  </a:schemeClr>
-                </a:solidFill>
-              </a:rPr>
-              <a:t>类似。</a:t>
-            </a:r>
-            <a:endParaRPr lang="zh-CN" altLang="en-US" dirty="0">
-              <a:solidFill>
-                <a:schemeClr val="tx1">
-                  <a:lumMod val="65000"/>
-                  <a:lumOff val="35000"/>
-                </a:schemeClr>
-              </a:solidFill>
-            </a:endParaRPr>
-          </a:p>
-        </p:txBody>
-      </p:sp>
+      </p:pic>
       <p:sp>
         <p:nvSpPr>
           <p:cNvPr id="4" name="文本框 3"/>
@@ -6237,8 +6181,8 @@
         </p:nvSpPr>
         <p:spPr>
           <a:xfrm>
-            <a:off x="0" y="2318848"/>
-            <a:ext cx="12192000" cy="523220"/>
+            <a:off x="6168008" y="3938478"/>
+            <a:ext cx="4752528" cy="369332"/>
           </a:xfrm>
           <a:prstGeom prst="rect">
             <a:avLst/>
@@ -6251,9 +6195,101 @@
           </a:bodyPr>
           <a:lstStyle/>
           <a:p>
-            <a:pPr algn="ctr"/>
-            <a:r>
-              <a:rPr lang="en-US" altLang="zh-CN" sz="2800" dirty="0" smtClean="0">
+            <a:r>
+              <a:rPr lang="zh-CN" altLang="en-US" dirty="0" smtClean="0">
+                <a:solidFill>
+                  <a:schemeClr val="tx1">
+                    <a:lumMod val="65000"/>
+                    <a:lumOff val="35000"/>
+                  </a:schemeClr>
+                </a:solidFill>
+                <a:latin typeface="冬青黑体简体中文 W3" panose="020B0300000000000000" pitchFamily="34" charset="-122"/>
+                <a:ea typeface="冬青黑体简体中文 W3" panose="020B0300000000000000" pitchFamily="34" charset="-122"/>
+              </a:rPr>
+              <a:t>论讨对象的重</a:t>
+            </a:r>
+            <a:r>
+              <a:rPr lang="zh-CN" altLang="en-US" dirty="0" smtClean="0">
+                <a:solidFill>
+                  <a:srgbClr val="F4F4F6"/>
+                </a:solidFill>
+                <a:latin typeface="冬青黑体简体中文 W3" panose="020B0300000000000000" pitchFamily="34" charset="-122"/>
+                <a:ea typeface="冬青黑体简体中文 W3" panose="020B0300000000000000" pitchFamily="34" charset="-122"/>
+              </a:rPr>
+              <a:t>（ 困</a:t>
+            </a:r>
+            <a:r>
+              <a:rPr lang="zh-CN" altLang="en-US" dirty="0" smtClean="0">
+                <a:solidFill>
+                  <a:schemeClr val="tx1">
+                    <a:lumMod val="65000"/>
+                    <a:lumOff val="35000"/>
+                  </a:schemeClr>
+                </a:solidFill>
+                <a:latin typeface="冬青黑体简体中文 W3" panose="020B0300000000000000" pitchFamily="34" charset="-122"/>
+                <a:ea typeface="冬青黑体简体中文 W3" panose="020B0300000000000000" pitchFamily="34" charset="-122"/>
+              </a:rPr>
+              <a:t>要</a:t>
+            </a:r>
+            <a:r>
+              <a:rPr lang="zh-CN" altLang="en-US" dirty="0" smtClean="0">
+                <a:solidFill>
+                  <a:srgbClr val="F4F4F6"/>
+                </a:solidFill>
+                <a:latin typeface="冬青黑体简体中文 W3" panose="020B0300000000000000" pitchFamily="34" charset="-122"/>
+                <a:ea typeface="冬青黑体简体中文 W3" panose="020B0300000000000000" pitchFamily="34" charset="-122"/>
+              </a:rPr>
+              <a:t>（ 难</a:t>
+            </a:r>
+            <a:r>
+              <a:rPr lang="zh-CN" altLang="en-US" dirty="0" smtClean="0">
+                <a:solidFill>
+                  <a:schemeClr val="tx1">
+                    <a:lumMod val="65000"/>
+                    <a:lumOff val="35000"/>
+                  </a:schemeClr>
+                </a:solidFill>
+                <a:latin typeface="冬青黑体简体中文 W3" panose="020B0300000000000000" pitchFamily="34" charset="-122"/>
+                <a:ea typeface="冬青黑体简体中文 W3" panose="020B0300000000000000" pitchFamily="34" charset="-122"/>
+              </a:rPr>
+              <a:t>性</a:t>
+            </a:r>
+            <a:r>
+              <a:rPr lang="zh-CN" altLang="en-US" dirty="0" smtClean="0">
+                <a:solidFill>
+                  <a:srgbClr val="F4F4F6"/>
+                </a:solidFill>
+                <a:latin typeface="冬青黑体简体中文 W3" panose="020B0300000000000000" pitchFamily="34" charset="-122"/>
+                <a:ea typeface="冬青黑体简体中文 W3" panose="020B0300000000000000" pitchFamily="34" charset="-122"/>
+              </a:rPr>
+              <a:t>（度）</a:t>
+            </a:r>
+          </a:p>
+        </p:txBody>
+      </p:sp>
+      <p:sp>
+        <p:nvSpPr>
+          <p:cNvPr id="9" name="矩形 8"/>
+          <p:cNvSpPr/>
+          <p:nvPr/>
+        </p:nvSpPr>
+        <p:spPr>
+          <a:xfrm>
+            <a:off x="5875615" y="3933056"/>
+            <a:ext cx="4108817" cy="369332"/>
+          </a:xfrm>
+          <a:prstGeom prst="rect">
+            <a:avLst/>
+          </a:prstGeom>
+        </p:spPr>
+        <p:txBody>
+          <a:bodyPr wrap="none">
+            <a:spAutoFit/>
+          </a:bodyPr>
+          <a:lstStyle/>
+          <a:p>
+            <a:r>
+              <a:rPr lang="en-US" altLang="zh-CN" dirty="0">
                 <a:solidFill>
                   <a:schemeClr val="tx1">
                     <a:lumMod val="85000"/>
@@ -6263,25 +6299,152 @@
                 <a:latin typeface="冬青黑体简体中文 W3" panose="020B0300000000000000" pitchFamily="34" charset="-122"/>
                 <a:ea typeface="冬青黑体简体中文 W3" panose="020B0300000000000000" pitchFamily="34" charset="-122"/>
               </a:rPr>
-              <a:t>prototype</a:t>
-            </a:r>
-            <a:endParaRPr lang="zh-CN" altLang="en-US" sz="2800" dirty="0" smtClean="0">
-              <a:solidFill>
-                <a:schemeClr val="tx1">
-                  <a:lumMod val="85000"/>
-                  <a:lumOff val="15000"/>
-                </a:schemeClr>
-              </a:solidFill>
-              <a:latin typeface="冬青黑体简体中文 W3" panose="020B0300000000000000" pitchFamily="34" charset="-122"/>
-              <a:ea typeface="冬青黑体简体中文 W3" panose="020B0300000000000000" pitchFamily="34" charset="-122"/>
-            </a:endParaRPr>
+              <a:t>	 </a:t>
+            </a:r>
+            <a:r>
+              <a:rPr lang="en-US" altLang="zh-CN" dirty="0" smtClean="0">
+                <a:solidFill>
+                  <a:schemeClr val="tx1">
+                    <a:lumMod val="85000"/>
+                    <a:lumOff val="15000"/>
+                  </a:schemeClr>
+                </a:solidFill>
+                <a:latin typeface="冬青黑体简体中文 W3" panose="020B0300000000000000" pitchFamily="34" charset="-122"/>
+                <a:ea typeface="冬青黑体简体中文 W3" panose="020B0300000000000000" pitchFamily="34" charset="-122"/>
+              </a:rPr>
+              <a:t>        </a:t>
+            </a:r>
+            <a:r>
+              <a:rPr lang="zh-CN" altLang="en-US" dirty="0" smtClean="0">
+                <a:solidFill>
+                  <a:schemeClr val="tx1">
+                    <a:lumMod val="85000"/>
+                    <a:lumOff val="15000"/>
+                  </a:schemeClr>
+                </a:solidFill>
+                <a:latin typeface="冬青黑体简体中文 W3" panose="020B0300000000000000" pitchFamily="34" charset="-122"/>
+                <a:ea typeface="冬青黑体简体中文 W3" panose="020B0300000000000000" pitchFamily="34" charset="-122"/>
+              </a:rPr>
+              <a:t>（</a:t>
+            </a:r>
+            <a:r>
+              <a:rPr lang="zh-CN" altLang="en-US" dirty="0">
+                <a:solidFill>
+                  <a:schemeClr val="tx1">
+                    <a:lumMod val="85000"/>
+                    <a:lumOff val="15000"/>
+                  </a:schemeClr>
+                </a:solidFill>
+                <a:latin typeface="冬青黑体简体中文 W3" panose="020B0300000000000000" pitchFamily="34" charset="-122"/>
+                <a:ea typeface="冬青黑体简体中文 W3" panose="020B0300000000000000" pitchFamily="34" charset="-122"/>
+              </a:rPr>
+              <a:t>困</a:t>
+            </a:r>
+            <a:r>
+              <a:rPr lang="zh-CN" altLang="en-US" dirty="0" smtClean="0">
+                <a:solidFill>
+                  <a:schemeClr val="tx1">
+                    <a:lumMod val="85000"/>
+                    <a:lumOff val="15000"/>
+                  </a:schemeClr>
+                </a:solidFill>
+                <a:latin typeface="冬青黑体简体中文 W3" panose="020B0300000000000000" pitchFamily="34" charset="-122"/>
+                <a:ea typeface="冬青黑体简体中文 W3" panose="020B0300000000000000" pitchFamily="34" charset="-122"/>
+              </a:rPr>
+              <a:t>）</a:t>
+            </a:r>
+            <a:r>
+              <a:rPr lang="zh-CN" altLang="en-US" dirty="0" smtClean="0">
+                <a:solidFill>
+                  <a:srgbClr val="F4F4F6"/>
+                </a:solidFill>
+                <a:latin typeface="冬青黑体简体中文 W3" panose="020B0300000000000000" pitchFamily="34" charset="-122"/>
+                <a:ea typeface="冬青黑体简体中文 W3" panose="020B0300000000000000" pitchFamily="34" charset="-122"/>
+              </a:rPr>
+              <a:t> </a:t>
+            </a:r>
+            <a:r>
+              <a:rPr lang="zh-CN" altLang="en-US" dirty="0" smtClean="0">
+                <a:solidFill>
+                  <a:schemeClr val="tx1">
+                    <a:lumMod val="85000"/>
+                    <a:lumOff val="15000"/>
+                  </a:schemeClr>
+                </a:solidFill>
+                <a:latin typeface="冬青黑体简体中文 W3" panose="020B0300000000000000" pitchFamily="34" charset="-122"/>
+                <a:ea typeface="冬青黑体简体中文 W3" panose="020B0300000000000000" pitchFamily="34" charset="-122"/>
+              </a:rPr>
+              <a:t>（</a:t>
+            </a:r>
+            <a:r>
+              <a:rPr lang="zh-CN" altLang="en-US" dirty="0">
+                <a:solidFill>
+                  <a:schemeClr val="tx1">
+                    <a:lumMod val="85000"/>
+                    <a:lumOff val="15000"/>
+                  </a:schemeClr>
+                </a:solidFill>
+                <a:latin typeface="冬青黑体简体中文 W3" panose="020B0300000000000000" pitchFamily="34" charset="-122"/>
+                <a:ea typeface="冬青黑体简体中文 W3" panose="020B0300000000000000" pitchFamily="34" charset="-122"/>
+              </a:rPr>
+              <a:t>难</a:t>
+            </a:r>
+            <a:r>
+              <a:rPr lang="zh-CN" altLang="en-US" dirty="0" smtClean="0">
+                <a:solidFill>
+                  <a:schemeClr val="tx1">
+                    <a:lumMod val="85000"/>
+                    <a:lumOff val="15000"/>
+                  </a:schemeClr>
+                </a:solidFill>
+                <a:latin typeface="冬青黑体简体中文 W3" panose="020B0300000000000000" pitchFamily="34" charset="-122"/>
+                <a:ea typeface="冬青黑体简体中文 W3" panose="020B0300000000000000" pitchFamily="34" charset="-122"/>
+              </a:rPr>
+              <a:t>）</a:t>
+            </a:r>
+            <a:r>
+              <a:rPr lang="zh-CN" altLang="en-US" dirty="0">
+                <a:solidFill>
+                  <a:srgbClr val="F4F4F6"/>
+                </a:solidFill>
+                <a:latin typeface="冬青黑体简体中文 W3" panose="020B0300000000000000" pitchFamily="34" charset="-122"/>
+                <a:ea typeface="冬青黑体简体中文 W3" panose="020B0300000000000000" pitchFamily="34" charset="-122"/>
+              </a:rPr>
+              <a:t> </a:t>
+            </a:r>
+            <a:r>
+              <a:rPr lang="zh-CN" altLang="en-US" dirty="0" smtClean="0">
+                <a:solidFill>
+                  <a:schemeClr val="tx1">
+                    <a:lumMod val="85000"/>
+                    <a:lumOff val="15000"/>
+                  </a:schemeClr>
+                </a:solidFill>
+                <a:latin typeface="冬青黑体简体中文 W3" panose="020B0300000000000000" pitchFamily="34" charset="-122"/>
+                <a:ea typeface="冬青黑体简体中文 W3" panose="020B0300000000000000" pitchFamily="34" charset="-122"/>
+              </a:rPr>
+              <a:t>（度</a:t>
+            </a:r>
+            <a:r>
+              <a:rPr lang="zh-CN" altLang="en-US" dirty="0">
+                <a:solidFill>
+                  <a:schemeClr val="tx1">
+                    <a:lumMod val="85000"/>
+                    <a:lumOff val="15000"/>
+                  </a:schemeClr>
+                </a:solidFill>
+                <a:latin typeface="冬青黑体简体中文 W3" panose="020B0300000000000000" pitchFamily="34" charset="-122"/>
+                <a:ea typeface="冬青黑体简体中文 W3" panose="020B0300000000000000" pitchFamily="34" charset="-122"/>
+              </a:rPr>
+              <a:t>）</a:t>
+            </a:r>
           </a:p>
         </p:txBody>
       </p:sp>
     </p:spTree>
     <p:extLst>
       <p:ext uri="{BB962C8B-B14F-4D97-AF65-F5344CB8AC3E}">
-        <p14:creationId xmlns:p14="http://schemas.microsoft.com/office/powerpoint/2010/main" val="4058113484"/>
+        <p14:creationId xmlns:p14="http://schemas.microsoft.com/office/powerpoint/2010/main" val="4109624536"/>
       </p:ext>
     </p:extLst>
   </p:cSld>
@@ -6320,7 +6483,7 @@
                             </p:stCondLst>
                             <p:childTnLst>
                               <p:par>
-                                <p:cTn id="5" presetID="53" presetClass="entr" presetSubtype="16" fill="hold" nodeType="afterEffect">
+                                <p:cTn id="5" presetID="16" presetClass="entr" presetSubtype="21" fill="hold" nodeType="afterEffect">
                                   <p:stCondLst>
                                     <p:cond delay="0"/>
                                   </p:stCondLst>
@@ -6347,9 +6510,9 @@
                                         <p:strVal val="visible"/>
                                       </p:to>
                                     </p:set>
-                                    <p:anim calcmode="lin" valueType="num">
+                                    <p:animEffect transition="in" filter="barn(inVertical)">
                                       <p:cBhvr>
-                                        <p:cTn id="7" dur="500" fill="hold"/>
+                                        <p:cTn id="7" dur="500"/>
                                         <p:tgtEl>
                                           <p:spTgt spid="4">
                                             <p:txEl>
@@ -6357,55 +6520,53 @@
                                             </p:txEl>
                                           </p:spTgt>
                                         </p:tgtEl>
-                                        <p:attrNameLst>
-                                          <p:attrName>ppt_w</p:attrName>
-                                        </p:attrNameLst>
                                       </p:cBhvr>
-                                      <p:tavLst>
-                                        <p:tav tm="0">
-                                          <p:val>
-                                            <p:fltVal val="0"/>
-                                          </p:val>
-                                        </p:tav>
-                                        <p:tav tm="100000">
-                                          <p:val>
-                                            <p:strVal val="#ppt_w"/>
-                                          </p:val>
-                                        </p:tav>
-                                      </p:tavLst>
-                                    </p:anim>
-                                    <p:anim calcmode="lin" valueType="num">
+                                    </p:animEffect>
+                                  </p:childTnLst>
+                                </p:cTn>
+                              </p:par>
+                            </p:childTnLst>
+                          </p:cTn>
+                        </p:par>
+                        <p:par>
+                          <p:cTn id="8" fill="hold">
+                            <p:stCondLst>
+                              <p:cond delay="500"/>
+                            </p:stCondLst>
+                            <p:childTnLst>
+                              <p:par>
+                                <p:cTn id="9" presetID="14" presetClass="entr" presetSubtype="10" fill="hold" grpId="2" nodeType="afterEffect">
+                                  <p:stCondLst>
+                                    <p:cond delay="0"/>
+                                  </p:stCondLst>
+                                  <p:childTnLst>
+                                    <p:set>
                                       <p:cBhvr>
-                                        <p:cTn id="8" dur="500" fill="hold"/>
+                                        <p:cTn id="10" dur="1" fill="hold">
+                                          <p:stCondLst>
+                                            <p:cond delay="0"/>
+                                          </p:stCondLst>
+                                        </p:cTn>
                                         <p:tgtEl>
-                                          <p:spTgt spid="4">
+                                          <p:spTgt spid="9">
                                             <p:txEl>
                                               <p:pRg st="0" end="0"/>
                                             </p:txEl>
                                           </p:spTgt>
                                         </p:tgtEl>
                                         <p:attrNameLst>
-                                          <p:attrName>ppt_h</p:attrName>
+                                          <p:attrName>style.visibility</p:attrName>
                                         </p:attrNameLst>
                                       </p:cBhvr>
-                                      <p:tavLst>
-                                        <p:tav tm="0">
-                                          <p:val>
-                                            <p:fltVal val="0"/>
-                                          </p:val>
-                                        </p:tav>
-                                        <p:tav tm="100000">
-                                          <p:val>
-                                            <p:strVal val="#ppt_h"/>
-                                          </p:val>
-                                        </p:tav>
-                                      </p:tavLst>
-                                    </p:anim>
-                                    <p:animEffect transition="in" filter="fade">
+                                      <p:to>
+                                        <p:strVal val="visible"/>
+                                      </p:to>
+                                    </p:set>
+                                    <p:animEffect transition="in" filter="randombar(horizontal)">
                                       <p:cBhvr>
-                                        <p:cTn id="9" dur="500"/>
+                                        <p:cTn id="11" dur="500"/>
                                         <p:tgtEl>
-                                          <p:spTgt spid="4">
+                                          <p:spTgt spid="9">
                                             <p:txEl>
                                               <p:pRg st="0" end="0"/>
                                             </p:txEl>
@@ -6443,11 +6604,14 @@
         </p:cTn>
       </p:par>
     </p:tnLst>
+    <p:bldLst>
+      <p:bldP spid="9" grpId="2" build="allAtOnce"/>
+    </p:bldLst>
   </p:timing>
 </p:sld>
 </file>
 
-<file path=ppt/slides/slide2.xml><?xml version="1.0" encoding="utf-8"?>
+<file path=ppt/slides/slide20.xml><?xml version="1.0" encoding="utf-8"?>
 <p:sld xmlns:a="http://schemas.openxmlformats.org/drawingml/2006/main" xmlns:r="http://schemas.openxmlformats.org/officeDocument/2006/relationships" xmlns:p="http://schemas.openxmlformats.org/presentationml/2006/main">
   <p:cSld>
     <p:spTree>
@@ -6474,10 +6638,33 @@
             <p:ph type="title"/>
           </p:nvPr>
         </p:nvSpPr>
+        <p:spPr/>
+        <p:txBody>
+          <a:bodyPr/>
+          <a:lstStyle/>
+          <a:p>
+            <a:r>
+              <a:rPr lang="zh-CN" altLang="en-US" dirty="0" smtClean="0"/>
+              <a:t>原型</a:t>
+            </a:r>
+            <a:endParaRPr lang="zh-CN" altLang="en-US" dirty="0"/>
+          </a:p>
+        </p:txBody>
+      </p:sp>
+      <p:sp>
+        <p:nvSpPr>
+          <p:cNvPr id="3" name="文本占位符 2"/>
+          <p:cNvSpPr>
+            <a:spLocks noGrp="1"/>
+          </p:cNvSpPr>
+          <p:nvPr>
+            <p:ph type="body" sz="quarter" idx="10"/>
+          </p:nvPr>
+        </p:nvSpPr>
         <p:spPr>
           <a:xfrm>
-            <a:off x="611267" y="1772816"/>
-            <a:ext cx="10972641" cy="1143000"/>
+            <a:off x="839416" y="3068960"/>
+            <a:ext cx="10477164" cy="2881313"/>
           </a:xfrm>
         </p:spPr>
         <p:txBody>
@@ -6486,30 +6673,381 @@
           </a:bodyPr>
           <a:lstStyle/>
           <a:p>
-            <a:r>
-              <a:rPr lang="zh-CN" altLang="en-US" sz="3600" dirty="0" smtClean="0">
-                <a:latin typeface="冬青黑体简体中文 W3" panose="020B0300000000000000" pitchFamily="34" charset="-122"/>
-                <a:ea typeface="冬青黑体简体中文 W3" panose="020B0300000000000000" pitchFamily="34" charset="-122"/>
-              </a:rPr>
-              <a:t>根据执行上下文分类</a:t>
-            </a:r>
-            <a:endParaRPr lang="zh-CN" altLang="en-US" sz="3600" dirty="0">
-              <a:latin typeface="冬青黑体简体中文 W3" panose="020B0300000000000000" pitchFamily="34" charset="-122"/>
-              <a:ea typeface="冬青黑体简体中文 W3" panose="020B0300000000000000" pitchFamily="34" charset="-122"/>
+            <a:pPr marL="342900" indent="-342900">
+              <a:lnSpc>
+                <a:spcPct val="200000"/>
+              </a:lnSpc>
+              <a:buFont typeface="+mj-lt"/>
+              <a:buAutoNum type="arabicPeriod"/>
+            </a:pPr>
+            <a:r>
+              <a:rPr lang="zh-CN" altLang="en-US" dirty="0" smtClean="0">
+                <a:solidFill>
+                  <a:schemeClr val="tx1">
+                    <a:lumMod val="75000"/>
+                    <a:lumOff val="25000"/>
+                  </a:schemeClr>
+                </a:solidFill>
+              </a:rPr>
+              <a:t>定义：</a:t>
+            </a:r>
+            <a:r>
+              <a:rPr lang="zh-CN" altLang="en-US" dirty="0" smtClean="0">
+                <a:solidFill>
+                  <a:srgbClr val="00B050"/>
+                </a:solidFill>
+              </a:rPr>
+              <a:t>只有函数</a:t>
+            </a:r>
+            <a:r>
+              <a:rPr lang="zh-CN" altLang="en-US" dirty="0" smtClean="0">
+                <a:solidFill>
+                  <a:schemeClr val="tx1">
+                    <a:lumMod val="65000"/>
+                    <a:lumOff val="35000"/>
+                  </a:schemeClr>
+                </a:solidFill>
+              </a:rPr>
+              <a:t>存在 </a:t>
+            </a:r>
+            <a:r>
+              <a:rPr lang="en-US" altLang="zh-CN" dirty="0" smtClean="0">
+                <a:solidFill>
+                  <a:srgbClr val="C00000"/>
+                </a:solidFill>
+              </a:rPr>
+              <a:t>prototype </a:t>
+            </a:r>
+            <a:r>
+              <a:rPr lang="zh-CN" altLang="en-US" dirty="0" smtClean="0">
+                <a:solidFill>
+                  <a:schemeClr val="tx1">
+                    <a:lumMod val="65000"/>
+                    <a:lumOff val="35000"/>
+                  </a:schemeClr>
+                </a:solidFill>
+              </a:rPr>
+              <a:t>指针指向一个对象，这个对象就是原型。</a:t>
+            </a:r>
+            <a:endParaRPr lang="en-US" altLang="zh-CN" dirty="0" smtClean="0">
+              <a:solidFill>
+                <a:schemeClr val="tx1">
+                  <a:lumMod val="65000"/>
+                  <a:lumOff val="35000"/>
+                </a:schemeClr>
+              </a:solidFill>
             </a:endParaRPr>
           </a:p>
+          <a:p>
+            <a:pPr marL="342900" indent="-342900">
+              <a:lnSpc>
+                <a:spcPct val="200000"/>
+              </a:lnSpc>
+              <a:buFont typeface="+mj-lt"/>
+              <a:buAutoNum type="arabicPeriod"/>
+            </a:pPr>
+            <a:r>
+              <a:rPr lang="zh-CN" altLang="en-US" dirty="0">
+                <a:solidFill>
+                  <a:schemeClr val="tx1">
+                    <a:lumMod val="75000"/>
+                    <a:lumOff val="25000"/>
+                  </a:schemeClr>
+                </a:solidFill>
+              </a:rPr>
+              <a:t>作</a:t>
+            </a:r>
+            <a:r>
+              <a:rPr lang="zh-CN" altLang="en-US" dirty="0" smtClean="0">
+                <a:solidFill>
+                  <a:schemeClr val="tx1">
+                    <a:lumMod val="75000"/>
+                    <a:lumOff val="25000"/>
+                  </a:schemeClr>
+                </a:solidFill>
+              </a:rPr>
+              <a:t>用：</a:t>
+            </a:r>
+            <a:r>
+              <a:rPr lang="zh-CN" altLang="en-US" dirty="0" smtClean="0">
+                <a:solidFill>
+                  <a:schemeClr val="tx1">
+                    <a:lumMod val="65000"/>
+                    <a:lumOff val="35000"/>
+                  </a:schemeClr>
+                </a:solidFill>
+              </a:rPr>
+              <a:t>原型更准确的叫法应该是 </a:t>
+            </a:r>
+            <a:r>
+              <a:rPr lang="zh-CN" altLang="en-US" dirty="0" smtClean="0">
+                <a:solidFill>
+                  <a:srgbClr val="C00000"/>
+                </a:solidFill>
+              </a:rPr>
+              <a:t>实例原型</a:t>
+            </a:r>
+            <a:r>
+              <a:rPr lang="zh-CN" altLang="en-US" dirty="0" smtClean="0">
+                <a:solidFill>
+                  <a:schemeClr val="tx1">
+                    <a:lumMod val="65000"/>
+                    <a:lumOff val="35000"/>
+                  </a:schemeClr>
+                </a:solidFill>
+              </a:rPr>
+              <a:t>，</a:t>
+            </a:r>
+            <a:r>
+              <a:rPr lang="zh-CN" altLang="en-US" dirty="0">
+                <a:solidFill>
+                  <a:schemeClr val="tx1">
+                    <a:lumMod val="65000"/>
+                    <a:lumOff val="35000"/>
+                  </a:schemeClr>
+                </a:solidFill>
+              </a:rPr>
+              <a:t>也就</a:t>
+            </a:r>
+            <a:r>
+              <a:rPr lang="zh-CN" altLang="en-US" dirty="0" smtClean="0">
+                <a:solidFill>
+                  <a:schemeClr val="tx1">
+                    <a:lumMod val="65000"/>
+                    <a:lumOff val="35000"/>
+                  </a:schemeClr>
+                </a:solidFill>
+              </a:rPr>
+              <a:t>是当一个函数作为 </a:t>
+            </a:r>
+            <a:r>
+              <a:rPr lang="zh-CN" altLang="en-US" dirty="0" smtClean="0">
+                <a:solidFill>
+                  <a:srgbClr val="C00000"/>
+                </a:solidFill>
+              </a:rPr>
+              <a:t>构造函数 </a:t>
+            </a:r>
+            <a:r>
+              <a:rPr lang="zh-CN" altLang="en-US" dirty="0" smtClean="0">
+                <a:solidFill>
+                  <a:schemeClr val="tx1">
+                    <a:lumMod val="65000"/>
+                    <a:lumOff val="35000"/>
+                  </a:schemeClr>
+                </a:solidFill>
+              </a:rPr>
+              <a:t>的时候，</a:t>
+            </a:r>
+            <a:r>
+              <a:rPr lang="en-US" altLang="zh-CN" dirty="0" smtClean="0">
+                <a:solidFill>
+                  <a:srgbClr val="C00000"/>
+                </a:solidFill>
+              </a:rPr>
+              <a:t>new </a:t>
+            </a:r>
+            <a:r>
+              <a:rPr lang="zh-CN" altLang="en-US" dirty="0" smtClean="0">
+                <a:solidFill>
+                  <a:schemeClr val="tx1">
+                    <a:lumMod val="65000"/>
+                    <a:lumOff val="35000"/>
+                  </a:schemeClr>
+                </a:solidFill>
+              </a:rPr>
+              <a:t>出来的实例可以共享该 </a:t>
+            </a:r>
+            <a:r>
+              <a:rPr lang="zh-CN" altLang="en-US" dirty="0" smtClean="0">
+                <a:solidFill>
+                  <a:srgbClr val="C00000"/>
+                </a:solidFill>
+              </a:rPr>
+              <a:t>原型 </a:t>
+            </a:r>
+            <a:r>
+              <a:rPr lang="zh-CN" altLang="en-US" dirty="0" smtClean="0">
+                <a:solidFill>
+                  <a:schemeClr val="tx1">
+                    <a:lumMod val="65000"/>
+                    <a:lumOff val="35000"/>
+                  </a:schemeClr>
+                </a:solidFill>
+              </a:rPr>
+              <a:t>对象上的 </a:t>
+            </a:r>
+            <a:r>
+              <a:rPr lang="zh-CN" altLang="en-US" dirty="0" smtClean="0">
+                <a:solidFill>
+                  <a:srgbClr val="C00000"/>
+                </a:solidFill>
+              </a:rPr>
+              <a:t>属性 </a:t>
+            </a:r>
+            <a:r>
+              <a:rPr lang="zh-CN" altLang="en-US" dirty="0" smtClean="0">
+                <a:solidFill>
+                  <a:schemeClr val="tx1">
+                    <a:lumMod val="65000"/>
+                    <a:lumOff val="35000"/>
+                  </a:schemeClr>
+                </a:solidFill>
+              </a:rPr>
+              <a:t>跟 </a:t>
+            </a:r>
+            <a:r>
+              <a:rPr lang="zh-CN" altLang="en-US" dirty="0" smtClean="0">
+                <a:solidFill>
+                  <a:srgbClr val="C00000"/>
+                </a:solidFill>
+              </a:rPr>
+              <a:t>方法</a:t>
+            </a:r>
+            <a:r>
+              <a:rPr lang="zh-CN" altLang="en-US" dirty="0">
+                <a:solidFill>
+                  <a:schemeClr val="tx1">
+                    <a:lumMod val="65000"/>
+                    <a:lumOff val="35000"/>
+                  </a:schemeClr>
+                </a:solidFill>
+              </a:rPr>
+              <a:t>，</a:t>
+            </a:r>
+            <a:r>
+              <a:rPr lang="zh-CN" altLang="en-US" dirty="0" smtClean="0">
+                <a:solidFill>
+                  <a:schemeClr val="tx1">
+                    <a:lumMod val="65000"/>
+                    <a:lumOff val="35000"/>
+                  </a:schemeClr>
+                </a:solidFill>
+              </a:rPr>
+              <a:t>从而实现了</a:t>
+            </a:r>
+            <a:r>
+              <a:rPr lang="en-US" altLang="zh-CN" dirty="0" smtClean="0">
+                <a:solidFill>
+                  <a:schemeClr val="tx1">
+                    <a:lumMod val="65000"/>
+                    <a:lumOff val="35000"/>
+                  </a:schemeClr>
+                </a:solidFill>
+              </a:rPr>
+              <a:t>JavaScript</a:t>
+            </a:r>
+            <a:r>
+              <a:rPr lang="zh-CN" altLang="en-US" dirty="0" smtClean="0">
+                <a:solidFill>
+                  <a:schemeClr val="tx1">
+                    <a:lumMod val="65000"/>
+                    <a:lumOff val="35000"/>
+                  </a:schemeClr>
+                </a:solidFill>
+              </a:rPr>
+              <a:t>中的“</a:t>
+            </a:r>
+            <a:r>
+              <a:rPr lang="zh-CN" altLang="en-US" dirty="0">
+                <a:solidFill>
+                  <a:srgbClr val="C00000"/>
+                </a:solidFill>
+              </a:rPr>
+              <a:t>继承</a:t>
+            </a:r>
+            <a:r>
+              <a:rPr lang="zh-CN" altLang="en-US" dirty="0" smtClean="0">
+                <a:solidFill>
+                  <a:schemeClr val="tx1">
+                    <a:lumMod val="65000"/>
+                    <a:lumOff val="35000"/>
+                  </a:schemeClr>
+                </a:solidFill>
+              </a:rPr>
+              <a:t>”。换而言之，</a:t>
+            </a:r>
+            <a:r>
+              <a:rPr lang="en-US" altLang="zh-CN" dirty="0" smtClean="0">
+                <a:solidFill>
+                  <a:schemeClr val="tx1">
+                    <a:lumMod val="65000"/>
+                    <a:lumOff val="35000"/>
+                  </a:schemeClr>
+                </a:solidFill>
+              </a:rPr>
+              <a:t>JavaScript</a:t>
+            </a:r>
+            <a:r>
+              <a:rPr lang="zh-CN" altLang="en-US" dirty="0" smtClean="0">
+                <a:solidFill>
+                  <a:schemeClr val="tx1">
+                    <a:lumMod val="65000"/>
+                    <a:lumOff val="35000"/>
+                  </a:schemeClr>
+                </a:solidFill>
+              </a:rPr>
+              <a:t>中的继承并不是 </a:t>
+            </a:r>
+            <a:r>
+              <a:rPr lang="zh-CN" altLang="en-US" dirty="0" smtClean="0">
+                <a:solidFill>
+                  <a:srgbClr val="C00000"/>
+                </a:solidFill>
+              </a:rPr>
+              <a:t>真正的继承</a:t>
+            </a:r>
+            <a:r>
+              <a:rPr lang="zh-CN" altLang="en-US" dirty="0" smtClean="0">
+                <a:solidFill>
+                  <a:schemeClr val="tx1">
+                    <a:lumMod val="65000"/>
+                    <a:lumOff val="35000"/>
+                  </a:schemeClr>
+                </a:solidFill>
+              </a:rPr>
+              <a:t>，因为并没有进行内存上的拷贝，而是跟 </a:t>
+            </a:r>
+            <a:r>
+              <a:rPr lang="zh-CN" altLang="en-US" dirty="0" smtClean="0">
+                <a:solidFill>
+                  <a:srgbClr val="C00000"/>
+                </a:solidFill>
+              </a:rPr>
+              <a:t>代理模式</a:t>
+            </a:r>
+            <a:r>
+              <a:rPr lang="zh-CN" altLang="en-US" dirty="0" smtClean="0">
+                <a:solidFill>
+                  <a:schemeClr val="tx1">
+                    <a:lumMod val="65000"/>
+                    <a:lumOff val="35000"/>
+                  </a:schemeClr>
+                </a:solidFill>
+              </a:rPr>
+              <a:t>类似。</a:t>
+            </a:r>
+            <a:endParaRPr lang="zh-CN" altLang="en-US" dirty="0">
+              <a:solidFill>
+                <a:schemeClr val="tx1">
+                  <a:lumMod val="65000"/>
+                  <a:lumOff val="35000"/>
+                </a:schemeClr>
+              </a:solidFill>
+            </a:endParaRPr>
+          </a:p>
         </p:txBody>
       </p:sp>
       <p:sp>
         <p:nvSpPr>
-          <p:cNvPr id="3" name="文本框 2"/>
+          <p:cNvPr id="4" name="文本框 3"/>
           <p:cNvSpPr txBox="1"/>
           <p:nvPr/>
         </p:nvSpPr>
         <p:spPr>
           <a:xfrm>
-            <a:off x="5123892" y="3248980"/>
-            <a:ext cx="2124236" cy="1200329"/>
+            <a:off x="0" y="2318848"/>
+            <a:ext cx="12192000" cy="523220"/>
           </a:xfrm>
           <a:prstGeom prst="rect">
             <a:avLst/>
@@ -6522,91 +7060,37 @@
           </a:bodyPr>
           <a:lstStyle/>
           <a:p>
-            <a:pPr marL="342900" indent="-342900">
-              <a:lnSpc>
-                <a:spcPct val="200000"/>
-              </a:lnSpc>
-              <a:buFont typeface="+mj-lt"/>
-              <a:buAutoNum type="arabicPeriod"/>
-            </a:pPr>
-            <a:r>
-              <a:rPr lang="zh-CN" altLang="en-US" dirty="0">
-                <a:solidFill>
-                  <a:schemeClr val="tx1">
-                    <a:lumMod val="65000"/>
-                    <a:lumOff val="35000"/>
-                  </a:schemeClr>
-                </a:solidFill>
-                <a:latin typeface="冬青黑体简体中文 W3" panose="020B0300000000000000" pitchFamily="34" charset="-122"/>
-                <a:ea typeface="冬青黑体简体中文 W3" panose="020B0300000000000000" pitchFamily="34" charset="-122"/>
-              </a:rPr>
-              <a:t>全</a:t>
-            </a:r>
-            <a:r>
-              <a:rPr lang="zh-CN" altLang="en-US" dirty="0" smtClean="0">
-                <a:solidFill>
-                  <a:schemeClr val="tx1">
-                    <a:lumMod val="65000"/>
-                    <a:lumOff val="35000"/>
-                  </a:schemeClr>
-                </a:solidFill>
-                <a:latin typeface="冬青黑体简体中文 W3" panose="020B0300000000000000" pitchFamily="34" charset="-122"/>
-                <a:ea typeface="冬青黑体简体中文 W3" panose="020B0300000000000000" pitchFamily="34" charset="-122"/>
-              </a:rPr>
-              <a:t>局上下文</a:t>
-            </a:r>
-            <a:endParaRPr lang="en-US" altLang="zh-CN" dirty="0" smtClean="0">
+            <a:pPr algn="ctr"/>
+            <a:r>
+              <a:rPr lang="en-US" altLang="zh-CN" sz="2800" dirty="0" smtClean="0">
+                <a:solidFill>
+                  <a:schemeClr val="tx1">
+                    <a:lumMod val="85000"/>
+                    <a:lumOff val="15000"/>
+                  </a:schemeClr>
+                </a:solidFill>
+                <a:latin typeface="冬青黑体简体中文 W3" panose="020B0300000000000000" pitchFamily="34" charset="-122"/>
+                <a:ea typeface="冬青黑体简体中文 W3" panose="020B0300000000000000" pitchFamily="34" charset="-122"/>
+              </a:rPr>
+              <a:t>prototype</a:t>
+            </a:r>
+            <a:endParaRPr lang="zh-CN" altLang="en-US" sz="2800" dirty="0" smtClean="0">
               <a:solidFill>
                 <a:schemeClr val="tx1">
-                  <a:lumMod val="65000"/>
-                  <a:lumOff val="35000"/>
+                  <a:lumMod val="85000"/>
+                  <a:lumOff val="15000"/>
                 </a:schemeClr>
               </a:solidFill>
               <a:latin typeface="冬青黑体简体中文 W3" panose="020B0300000000000000" pitchFamily="34" charset="-122"/>
               <a:ea typeface="冬青黑体简体中文 W3" panose="020B0300000000000000" pitchFamily="34" charset="-122"/>
             </a:endParaRPr>
           </a:p>
-          <a:p>
-            <a:pPr marL="342900" indent="-342900">
-              <a:lnSpc>
-                <a:spcPct val="200000"/>
-              </a:lnSpc>
-              <a:buFont typeface="+mj-lt"/>
-              <a:buAutoNum type="arabicPeriod"/>
-            </a:pPr>
-            <a:r>
-              <a:rPr lang="zh-CN" altLang="en-US" dirty="0">
-                <a:solidFill>
-                  <a:schemeClr val="tx1">
-                    <a:lumMod val="65000"/>
-                    <a:lumOff val="35000"/>
-                  </a:schemeClr>
-                </a:solidFill>
-                <a:latin typeface="冬青黑体简体中文 W3" panose="020B0300000000000000" pitchFamily="34" charset="-122"/>
-                <a:ea typeface="冬青黑体简体中文 W3" panose="020B0300000000000000" pitchFamily="34" charset="-122"/>
-              </a:rPr>
-              <a:t>函</a:t>
-            </a:r>
-            <a:r>
-              <a:rPr lang="zh-CN" altLang="en-US" dirty="0" smtClean="0">
-                <a:solidFill>
-                  <a:schemeClr val="tx1">
-                    <a:lumMod val="65000"/>
-                    <a:lumOff val="35000"/>
-                  </a:schemeClr>
-                </a:solidFill>
-                <a:latin typeface="冬青黑体简体中文 W3" panose="020B0300000000000000" pitchFamily="34" charset="-122"/>
-                <a:ea typeface="冬青黑体简体中文 W3" panose="020B0300000000000000" pitchFamily="34" charset="-122"/>
-              </a:rPr>
-              <a:t>数上下文</a:t>
-            </a:r>
-          </a:p>
         </p:txBody>
       </p:sp>
     </p:spTree>
     <p:extLst>
       <p:ext uri="{BB962C8B-B14F-4D97-AF65-F5344CB8AC3E}">
-        <p14:creationId xmlns:p14="http://schemas.microsoft.com/office/powerpoint/2010/main" val="2433375525"/>
+        <p14:creationId xmlns:p14="http://schemas.microsoft.com/office/powerpoint/2010/main" val="4058113484"/>
       </p:ext>
     </p:extLst>
   </p:cSld>
@@ -6624,142 +7108,14 @@
   <p:timing>
     <p:tnLst>
       <p:par>
-        <p:cTn id="1" dur="indefinite" restart="never" nodeType="tmRoot">
-          <p:childTnLst>
-            <p:seq concurrent="1" nextAc="seek">
-              <p:cTn id="2" dur="indefinite" nodeType="mainSeq">
-                <p:childTnLst>
-                  <p:par>
-                    <p:cTn id="3" fill="hold">
-                      <p:stCondLst>
-                        <p:cond delay="indefinite"/>
-                        <p:cond evt="onBegin" delay="0">
-                          <p:tn val="2"/>
-                        </p:cond>
-                      </p:stCondLst>
-                      <p:childTnLst>
-                        <p:par>
-                          <p:cTn id="4" fill="hold">
-                            <p:stCondLst>
-                              <p:cond delay="0"/>
-                            </p:stCondLst>
-                            <p:childTnLst>
-                              <p:par>
-                                <p:cTn id="5" presetID="42" presetClass="entr" presetSubtype="0" fill="hold" grpId="0" nodeType="withEffect">
-                                  <p:stCondLst>
-                                    <p:cond delay="0"/>
-                                  </p:stCondLst>
-                                  <p:childTnLst>
-                                    <p:set>
-                                      <p:cBhvr>
-                                        <p:cTn id="6" dur="1" fill="hold">
-                                          <p:stCondLst>
-                                            <p:cond delay="0"/>
-                                          </p:stCondLst>
-                                        </p:cTn>
-                                        <p:tgtEl>
-                                          <p:spTgt spid="3"/>
-                                        </p:tgtEl>
-                                        <p:attrNameLst>
-                                          <p:attrName>style.visibility</p:attrName>
-                                        </p:attrNameLst>
-                                      </p:cBhvr>
-                                      <p:to>
-                                        <p:strVal val="visible"/>
-                                      </p:to>
-                                    </p:set>
-                                    <p:animEffect transition="in" filter="fade">
-                                      <p:cBhvr>
-                                        <p:cTn id="7" dur="1000"/>
-                                        <p:tgtEl>
-                                          <p:spTgt spid="3"/>
-                                        </p:tgtEl>
-                                      </p:cBhvr>
-                                    </p:animEffect>
-                                    <p:anim calcmode="lin" valueType="num">
-                                      <p:cBhvr>
-                                        <p:cTn id="8" dur="1000" fill="hold"/>
-                                        <p:tgtEl>
-                                          <p:spTgt spid="3"/>
-                                        </p:tgtEl>
-                                        <p:attrNameLst>
-                                          <p:attrName>ppt_x</p:attrName>
-                                        </p:attrNameLst>
-                                      </p:cBhvr>
-                                      <p:tavLst>
-                                        <p:tav tm="0">
-                                          <p:val>
-                                            <p:strVal val="#ppt_x"/>
-                                          </p:val>
-                                        </p:tav>
-                                        <p:tav tm="100000">
-                                          <p:val>
-                                            <p:strVal val="#ppt_x"/>
-                                          </p:val>
-                                        </p:tav>
-                                      </p:tavLst>
-                                    </p:anim>
-                                    <p:anim calcmode="lin" valueType="num">
-                                      <p:cBhvr>
-                                        <p:cTn id="9" dur="1000" fill="hold"/>
-                                        <p:tgtEl>
-                                          <p:spTgt spid="3"/>
-                                        </p:tgtEl>
-                                        <p:attrNameLst>
-                                          <p:attrName>ppt_y</p:attrName>
-                                        </p:attrNameLst>
-                                      </p:cBhvr>
-                                      <p:tavLst>
-                                        <p:tav tm="0">
-                                          <p:val>
-                                            <p:strVal val="#ppt_y+.1"/>
-                                          </p:val>
-                                        </p:tav>
-                                        <p:tav tm="100000">
-                                          <p:val>
-                                            <p:strVal val="#ppt_y"/>
-                                          </p:val>
-                                        </p:tav>
-                                      </p:tavLst>
-                                    </p:anim>
-                                  </p:childTnLst>
-                                </p:cTn>
-                              </p:par>
-                            </p:childTnLst>
-                          </p:cTn>
-                        </p:par>
-                      </p:childTnLst>
-                    </p:cTn>
-                  </p:par>
-                </p:childTnLst>
-              </p:cTn>
-              <p:prevCondLst>
-                <p:cond evt="onPrev" delay="0">
-                  <p:tgtEl>
-                    <p:sldTgt/>
-                  </p:tgtEl>
-                </p:cond>
-              </p:prevCondLst>
-              <p:nextCondLst>
-                <p:cond evt="onNext" delay="0">
-                  <p:tgtEl>
-                    <p:sldTgt/>
-                  </p:tgtEl>
-                </p:cond>
-              </p:nextCondLst>
-            </p:seq>
-          </p:childTnLst>
-        </p:cTn>
+        <p:cTn id="1" dur="indefinite" restart="never" nodeType="tmRoot"/>
       </p:par>
     </p:tnLst>
-    <p:bldLst>
-      <p:bldP spid="3" grpId="0"/>
-    </p:bldLst>
   </p:timing>
 </p:sld>
 </file>
 
-<file path=ppt/slides/slide20.xml><?xml version="1.0" encoding="utf-8"?>
+<file path=ppt/slides/slide21.xml><?xml version="1.0" encoding="utf-8"?>
 <p:sld xmlns:a="http://schemas.openxmlformats.org/drawingml/2006/main" xmlns:r="http://schemas.openxmlformats.org/officeDocument/2006/relationships" xmlns:p="http://schemas.openxmlformats.org/presentationml/2006/main">
   <p:cSld>
     <p:spTree>
@@ -6964,7 +7320,7 @@
 </p:sld>
 </file>
 
-<file path=ppt/slides/slide21.xml><?xml version="1.0" encoding="utf-8"?>
+<file path=ppt/slides/slide22.xml><?xml version="1.0" encoding="utf-8"?>
 <p:sld xmlns:a="http://schemas.openxmlformats.org/drawingml/2006/main" xmlns:r="http://schemas.openxmlformats.org/officeDocument/2006/relationships" xmlns:p="http://schemas.openxmlformats.org/presentationml/2006/main">
   <p:cSld>
     <p:spTree>
@@ -7236,7 +7592,7 @@
 </p:sld>
 </file>
 
-<file path=ppt/slides/slide22.xml><?xml version="1.0" encoding="utf-8"?>
+<file path=ppt/slides/slide23.xml><?xml version="1.0" encoding="utf-8"?>
 <p:sld xmlns:a="http://schemas.openxmlformats.org/drawingml/2006/main" xmlns:r="http://schemas.openxmlformats.org/officeDocument/2006/relationships" xmlns:p="http://schemas.openxmlformats.org/presentationml/2006/main">
   <p:cSld>
     <p:spTree>
@@ -7410,7 +7766,7 @@
 </p:sld>
 </file>
 
-<file path=ppt/slides/slide23.xml><?xml version="1.0" encoding="utf-8"?>
+<file path=ppt/slides/slide24.xml><?xml version="1.0" encoding="utf-8"?>
 <p:sld xmlns:a="http://schemas.openxmlformats.org/drawingml/2006/main" xmlns:r="http://schemas.openxmlformats.org/officeDocument/2006/relationships" xmlns:p="http://schemas.openxmlformats.org/presentationml/2006/main">
   <p:cSld>
     <p:spTree>
@@ -7460,12 +7816,267 @@
             <p:ph type="body" sz="quarter" idx="10"/>
           </p:nvPr>
         </p:nvSpPr>
-        <p:spPr/>
+        <p:spPr>
+          <a:xfrm>
+            <a:off x="3827462" y="2348880"/>
+            <a:ext cx="4537075" cy="3528913"/>
+          </a:xfrm>
+        </p:spPr>
         <p:txBody>
-          <a:bodyPr/>
+          <a:bodyPr>
+            <a:normAutofit fontScale="92500"/>
+          </a:bodyPr>
           <a:lstStyle/>
           <a:p>
-            <a:endParaRPr lang="zh-CN" altLang="en-US" dirty="0"/>
+            <a:pPr marL="342900" indent="-342900">
+              <a:lnSpc>
+                <a:spcPct val="200000"/>
+              </a:lnSpc>
+              <a:buFont typeface="+mj-lt"/>
+              <a:buAutoNum type="arabicPeriod"/>
+            </a:pPr>
+            <a:r>
+              <a:rPr lang="zh-CN" altLang="en-US" dirty="0" smtClean="0">
+                <a:solidFill>
+                  <a:schemeClr val="tx1">
+                    <a:lumMod val="85000"/>
+                    <a:lumOff val="15000"/>
+                  </a:schemeClr>
+                </a:solidFill>
+              </a:rPr>
+              <a:t>原型继承</a:t>
+            </a:r>
+            <a:endParaRPr lang="en-US" altLang="zh-CN" dirty="0" smtClean="0">
+              <a:solidFill>
+                <a:schemeClr val="tx1">
+                  <a:lumMod val="85000"/>
+                  <a:lumOff val="15000"/>
+                </a:schemeClr>
+              </a:solidFill>
+            </a:endParaRPr>
+          </a:p>
+          <a:p>
+            <a:pPr marL="342900" indent="-342900">
+              <a:lnSpc>
+                <a:spcPct val="200000"/>
+              </a:lnSpc>
+              <a:buFont typeface="+mj-lt"/>
+              <a:buAutoNum type="arabicPeriod"/>
+            </a:pPr>
+            <a:r>
+              <a:rPr lang="zh-CN" altLang="en-US" dirty="0">
+                <a:solidFill>
+                  <a:schemeClr val="tx1">
+                    <a:lumMod val="65000"/>
+                    <a:lumOff val="35000"/>
+                  </a:schemeClr>
+                </a:solidFill>
+              </a:rPr>
+              <a:t>构</a:t>
+            </a:r>
+            <a:r>
+              <a:rPr lang="zh-CN" altLang="en-US" dirty="0" smtClean="0">
+                <a:solidFill>
+                  <a:schemeClr val="tx1">
+                    <a:lumMod val="65000"/>
+                    <a:lumOff val="35000"/>
+                  </a:schemeClr>
+                </a:solidFill>
+              </a:rPr>
+              <a:t>造函数继承（经典继承）</a:t>
+            </a:r>
+            <a:endParaRPr lang="en-US" altLang="zh-CN" dirty="0" smtClean="0">
+              <a:solidFill>
+                <a:schemeClr val="tx1">
+                  <a:lumMod val="65000"/>
+                  <a:lumOff val="35000"/>
+                </a:schemeClr>
+              </a:solidFill>
+            </a:endParaRPr>
+          </a:p>
+          <a:p>
+            <a:pPr marL="342900" indent="-342900">
+              <a:lnSpc>
+                <a:spcPct val="200000"/>
+              </a:lnSpc>
+              <a:buFont typeface="+mj-lt"/>
+              <a:buAutoNum type="arabicPeriod"/>
+            </a:pPr>
+            <a:r>
+              <a:rPr lang="zh-CN" altLang="en-US" dirty="0" smtClean="0">
+                <a:solidFill>
+                  <a:schemeClr val="tx1">
+                    <a:lumMod val="65000"/>
+                    <a:lumOff val="35000"/>
+                  </a:schemeClr>
+                </a:solidFill>
+              </a:rPr>
+              <a:t>组合继承（</a:t>
+            </a:r>
+            <a:r>
+              <a:rPr lang="en-US" altLang="zh-CN" dirty="0" smtClean="0">
+                <a:solidFill>
+                  <a:schemeClr val="tx1">
+                    <a:lumMod val="65000"/>
+                    <a:lumOff val="35000"/>
+                  </a:schemeClr>
+                </a:solidFill>
+              </a:rPr>
+              <a:t>1+2</a:t>
+            </a:r>
+            <a:r>
+              <a:rPr lang="zh-CN" altLang="en-US" dirty="0" smtClean="0">
+                <a:solidFill>
+                  <a:schemeClr val="tx1">
+                    <a:lumMod val="65000"/>
+                    <a:lumOff val="35000"/>
+                  </a:schemeClr>
+                </a:solidFill>
+              </a:rPr>
+              <a:t>），最常用的继承方式</a:t>
+            </a:r>
+            <a:endParaRPr lang="en-US" altLang="zh-CN" dirty="0" smtClean="0">
+              <a:solidFill>
+                <a:schemeClr val="tx1">
+                  <a:lumMod val="65000"/>
+                  <a:lumOff val="35000"/>
+                </a:schemeClr>
+              </a:solidFill>
+            </a:endParaRPr>
+          </a:p>
+          <a:p>
+            <a:pPr marL="342900" indent="-342900">
+              <a:lnSpc>
+                <a:spcPct val="200000"/>
+              </a:lnSpc>
+              <a:buFont typeface="+mj-lt"/>
+              <a:buAutoNum type="arabicPeriod"/>
+            </a:pPr>
+            <a:r>
+              <a:rPr lang="zh-CN" altLang="en-US" dirty="0" smtClean="0">
+                <a:solidFill>
+                  <a:schemeClr val="tx1">
+                    <a:lumMod val="65000"/>
+                    <a:lumOff val="35000"/>
+                  </a:schemeClr>
+                </a:solidFill>
+              </a:rPr>
+              <a:t>原型式继承</a:t>
+            </a:r>
+            <a:endParaRPr lang="en-US" altLang="zh-CN" dirty="0" smtClean="0">
+              <a:solidFill>
+                <a:schemeClr val="tx1">
+                  <a:lumMod val="65000"/>
+                  <a:lumOff val="35000"/>
+                </a:schemeClr>
+              </a:solidFill>
+            </a:endParaRPr>
+          </a:p>
+          <a:p>
+            <a:pPr marL="342900" indent="-342900">
+              <a:lnSpc>
+                <a:spcPct val="200000"/>
+              </a:lnSpc>
+              <a:buFont typeface="+mj-lt"/>
+              <a:buAutoNum type="arabicPeriod"/>
+            </a:pPr>
+            <a:r>
+              <a:rPr lang="zh-CN" altLang="en-US" dirty="0" smtClean="0">
+                <a:solidFill>
+                  <a:schemeClr val="tx1">
+                    <a:lumMod val="65000"/>
+                    <a:lumOff val="35000"/>
+                  </a:schemeClr>
+                </a:solidFill>
+              </a:rPr>
+              <a:t>寄生式继承</a:t>
+            </a:r>
+            <a:endParaRPr lang="en-US" altLang="zh-CN" dirty="0" smtClean="0">
+              <a:solidFill>
+                <a:schemeClr val="tx1">
+                  <a:lumMod val="65000"/>
+                  <a:lumOff val="35000"/>
+                </a:schemeClr>
+              </a:solidFill>
+            </a:endParaRPr>
+          </a:p>
+          <a:p>
+            <a:pPr marL="342900" indent="-342900">
+              <a:lnSpc>
+                <a:spcPct val="200000"/>
+              </a:lnSpc>
+              <a:buFont typeface="+mj-lt"/>
+              <a:buAutoNum type="arabicPeriod"/>
+            </a:pPr>
+            <a:r>
+              <a:rPr lang="zh-CN" altLang="en-US" dirty="0">
+                <a:solidFill>
+                  <a:schemeClr val="tx1">
+                    <a:lumMod val="65000"/>
+                    <a:lumOff val="35000"/>
+                  </a:schemeClr>
+                </a:solidFill>
+              </a:rPr>
+              <a:t>寄</a:t>
+            </a:r>
+            <a:r>
+              <a:rPr lang="zh-CN" altLang="en-US" dirty="0" smtClean="0">
+                <a:solidFill>
+                  <a:schemeClr val="tx1">
+                    <a:lumMod val="65000"/>
+                    <a:lumOff val="35000"/>
+                  </a:schemeClr>
+                </a:solidFill>
+              </a:rPr>
+              <a:t>生组合式继承（</a:t>
+            </a:r>
+            <a:r>
+              <a:rPr lang="en-US" altLang="zh-CN" dirty="0" smtClean="0">
+                <a:solidFill>
+                  <a:schemeClr val="tx1">
+                    <a:lumMod val="65000"/>
+                    <a:lumOff val="35000"/>
+                  </a:schemeClr>
+                </a:solidFill>
+              </a:rPr>
+              <a:t>3+5</a:t>
+            </a:r>
+            <a:r>
+              <a:rPr lang="zh-CN" altLang="en-US" dirty="0" smtClean="0">
+                <a:solidFill>
+                  <a:schemeClr val="tx1">
+                    <a:lumMod val="65000"/>
+                    <a:lumOff val="35000"/>
+                  </a:schemeClr>
+                </a:solidFill>
+              </a:rPr>
+              <a:t>），优化组合继承</a:t>
+            </a:r>
+            <a:endParaRPr lang="en-US" altLang="zh-CN" dirty="0" smtClean="0">
+              <a:solidFill>
+                <a:schemeClr val="tx1">
+                  <a:lumMod val="65000"/>
+                  <a:lumOff val="35000"/>
+                </a:schemeClr>
+              </a:solidFill>
+            </a:endParaRPr>
+          </a:p>
+          <a:p>
+            <a:pPr marL="342900" indent="-342900">
+              <a:lnSpc>
+                <a:spcPct val="200000"/>
+              </a:lnSpc>
+              <a:buFont typeface="+mj-lt"/>
+              <a:buAutoNum type="arabicPeriod"/>
+            </a:pPr>
+            <a:endParaRPr lang="zh-CN" altLang="en-US" dirty="0">
+              <a:solidFill>
+                <a:schemeClr val="tx1">
+                  <a:lumMod val="65000"/>
+                  <a:lumOff val="35000"/>
+                </a:schemeClr>
+              </a:solidFill>
+            </a:endParaRPr>
           </a:p>
         </p:txBody>
       </p:sp>
@@ -7487,10 +8098,2213 @@
       <p:transition advTm="9938"/>
     </mc:Fallback>
   </mc:AlternateContent>
+  <p:timing>
+    <p:tnLst>
+      <p:par>
+        <p:cTn id="1" dur="indefinite" restart="never" nodeType="tmRoot">
+          <p:childTnLst>
+            <p:seq concurrent="1" nextAc="seek">
+              <p:cTn id="2" dur="indefinite" nodeType="mainSeq">
+                <p:childTnLst>
+                  <p:par>
+                    <p:cTn id="3" fill="hold">
+                      <p:stCondLst>
+                        <p:cond delay="indefinite"/>
+                        <p:cond evt="onBegin" delay="0">
+                          <p:tn val="2"/>
+                        </p:cond>
+                      </p:stCondLst>
+                      <p:childTnLst>
+                        <p:par>
+                          <p:cTn id="4" fill="hold">
+                            <p:stCondLst>
+                              <p:cond delay="0"/>
+                            </p:stCondLst>
+                            <p:childTnLst>
+                              <p:par>
+                                <p:cTn id="5" presetID="14" presetClass="entr" presetSubtype="10" fill="hold" nodeType="withEffect">
+                                  <p:stCondLst>
+                                    <p:cond delay="0"/>
+                                  </p:stCondLst>
+                                  <p:childTnLst>
+                                    <p:set>
+                                      <p:cBhvr>
+                                        <p:cTn id="6" dur="1" fill="hold">
+                                          <p:stCondLst>
+                                            <p:cond delay="0"/>
+                                          </p:stCondLst>
+                                        </p:cTn>
+                                        <p:tgtEl>
+                                          <p:spTgt spid="3">
+                                            <p:txEl>
+                                              <p:pRg st="0" end="0"/>
+                                            </p:txEl>
+                                          </p:spTgt>
+                                        </p:tgtEl>
+                                        <p:attrNameLst>
+                                          <p:attrName>style.visibility</p:attrName>
+                                        </p:attrNameLst>
+                                      </p:cBhvr>
+                                      <p:to>
+                                        <p:strVal val="visible"/>
+                                      </p:to>
+                                    </p:set>
+                                    <p:animEffect transition="in" filter="randombar(horizontal)">
+                                      <p:cBhvr>
+                                        <p:cTn id="7" dur="500"/>
+                                        <p:tgtEl>
+                                          <p:spTgt spid="3">
+                                            <p:txEl>
+                                              <p:pRg st="0" end="0"/>
+                                            </p:txEl>
+                                          </p:spTgt>
+                                        </p:tgtEl>
+                                      </p:cBhvr>
+                                    </p:animEffect>
+                                  </p:childTnLst>
+                                </p:cTn>
+                              </p:par>
+                              <p:par>
+                                <p:cTn id="8" presetID="14" presetClass="entr" presetSubtype="10" fill="hold" nodeType="withEffect">
+                                  <p:stCondLst>
+                                    <p:cond delay="0"/>
+                                  </p:stCondLst>
+                                  <p:childTnLst>
+                                    <p:set>
+                                      <p:cBhvr>
+                                        <p:cTn id="9" dur="1" fill="hold">
+                                          <p:stCondLst>
+                                            <p:cond delay="0"/>
+                                          </p:stCondLst>
+                                        </p:cTn>
+                                        <p:tgtEl>
+                                          <p:spTgt spid="3">
+                                            <p:txEl>
+                                              <p:pRg st="1" end="1"/>
+                                            </p:txEl>
+                                          </p:spTgt>
+                                        </p:tgtEl>
+                                        <p:attrNameLst>
+                                          <p:attrName>style.visibility</p:attrName>
+                                        </p:attrNameLst>
+                                      </p:cBhvr>
+                                      <p:to>
+                                        <p:strVal val="visible"/>
+                                      </p:to>
+                                    </p:set>
+                                    <p:animEffect transition="in" filter="randombar(horizontal)">
+                                      <p:cBhvr>
+                                        <p:cTn id="10" dur="500"/>
+                                        <p:tgtEl>
+                                          <p:spTgt spid="3">
+                                            <p:txEl>
+                                              <p:pRg st="1" end="1"/>
+                                            </p:txEl>
+                                          </p:spTgt>
+                                        </p:tgtEl>
+                                      </p:cBhvr>
+                                    </p:animEffect>
+                                  </p:childTnLst>
+                                </p:cTn>
+                              </p:par>
+                              <p:par>
+                                <p:cTn id="11" presetID="14" presetClass="entr" presetSubtype="10" fill="hold" nodeType="withEffect">
+                                  <p:stCondLst>
+                                    <p:cond delay="0"/>
+                                  </p:stCondLst>
+                                  <p:childTnLst>
+                                    <p:set>
+                                      <p:cBhvr>
+                                        <p:cTn id="12" dur="1" fill="hold">
+                                          <p:stCondLst>
+                                            <p:cond delay="0"/>
+                                          </p:stCondLst>
+                                        </p:cTn>
+                                        <p:tgtEl>
+                                          <p:spTgt spid="3">
+                                            <p:txEl>
+                                              <p:pRg st="2" end="2"/>
+                                            </p:txEl>
+                                          </p:spTgt>
+                                        </p:tgtEl>
+                                        <p:attrNameLst>
+                                          <p:attrName>style.visibility</p:attrName>
+                                        </p:attrNameLst>
+                                      </p:cBhvr>
+                                      <p:to>
+                                        <p:strVal val="visible"/>
+                                      </p:to>
+                                    </p:set>
+                                    <p:animEffect transition="in" filter="randombar(horizontal)">
+                                      <p:cBhvr>
+                                        <p:cTn id="13" dur="500"/>
+                                        <p:tgtEl>
+                                          <p:spTgt spid="3">
+                                            <p:txEl>
+                                              <p:pRg st="2" end="2"/>
+                                            </p:txEl>
+                                          </p:spTgt>
+                                        </p:tgtEl>
+                                      </p:cBhvr>
+                                    </p:animEffect>
+                                  </p:childTnLst>
+                                </p:cTn>
+                              </p:par>
+                              <p:par>
+                                <p:cTn id="14" presetID="14" presetClass="entr" presetSubtype="10" fill="hold" nodeType="withEffect">
+                                  <p:stCondLst>
+                                    <p:cond delay="0"/>
+                                  </p:stCondLst>
+                                  <p:childTnLst>
+                                    <p:set>
+                                      <p:cBhvr>
+                                        <p:cTn id="15" dur="1" fill="hold">
+                                          <p:stCondLst>
+                                            <p:cond delay="0"/>
+                                          </p:stCondLst>
+                                        </p:cTn>
+                                        <p:tgtEl>
+                                          <p:spTgt spid="3">
+                                            <p:txEl>
+                                              <p:pRg st="3" end="3"/>
+                                            </p:txEl>
+                                          </p:spTgt>
+                                        </p:tgtEl>
+                                        <p:attrNameLst>
+                                          <p:attrName>style.visibility</p:attrName>
+                                        </p:attrNameLst>
+                                      </p:cBhvr>
+                                      <p:to>
+                                        <p:strVal val="visible"/>
+                                      </p:to>
+                                    </p:set>
+                                    <p:animEffect transition="in" filter="randombar(horizontal)">
+                                      <p:cBhvr>
+                                        <p:cTn id="16" dur="500"/>
+                                        <p:tgtEl>
+                                          <p:spTgt spid="3">
+                                            <p:txEl>
+                                              <p:pRg st="3" end="3"/>
+                                            </p:txEl>
+                                          </p:spTgt>
+                                        </p:tgtEl>
+                                      </p:cBhvr>
+                                    </p:animEffect>
+                                  </p:childTnLst>
+                                </p:cTn>
+                              </p:par>
+                              <p:par>
+                                <p:cTn id="17" presetID="14" presetClass="entr" presetSubtype="10" fill="hold" nodeType="withEffect">
+                                  <p:stCondLst>
+                                    <p:cond delay="0"/>
+                                  </p:stCondLst>
+                                  <p:childTnLst>
+                                    <p:set>
+                                      <p:cBhvr>
+                                        <p:cTn id="18" dur="1" fill="hold">
+                                          <p:stCondLst>
+                                            <p:cond delay="0"/>
+                                          </p:stCondLst>
+                                        </p:cTn>
+                                        <p:tgtEl>
+                                          <p:spTgt spid="3">
+                                            <p:txEl>
+                                              <p:pRg st="4" end="4"/>
+                                            </p:txEl>
+                                          </p:spTgt>
+                                        </p:tgtEl>
+                                        <p:attrNameLst>
+                                          <p:attrName>style.visibility</p:attrName>
+                                        </p:attrNameLst>
+                                      </p:cBhvr>
+                                      <p:to>
+                                        <p:strVal val="visible"/>
+                                      </p:to>
+                                    </p:set>
+                                    <p:animEffect transition="in" filter="randombar(horizontal)">
+                                      <p:cBhvr>
+                                        <p:cTn id="19" dur="500"/>
+                                        <p:tgtEl>
+                                          <p:spTgt spid="3">
+                                            <p:txEl>
+                                              <p:pRg st="4" end="4"/>
+                                            </p:txEl>
+                                          </p:spTgt>
+                                        </p:tgtEl>
+                                      </p:cBhvr>
+                                    </p:animEffect>
+                                  </p:childTnLst>
+                                </p:cTn>
+                              </p:par>
+                              <p:par>
+                                <p:cTn id="20" presetID="14" presetClass="entr" presetSubtype="10" fill="hold" nodeType="withEffect">
+                                  <p:stCondLst>
+                                    <p:cond delay="0"/>
+                                  </p:stCondLst>
+                                  <p:childTnLst>
+                                    <p:set>
+                                      <p:cBhvr>
+                                        <p:cTn id="21" dur="1" fill="hold">
+                                          <p:stCondLst>
+                                            <p:cond delay="0"/>
+                                          </p:stCondLst>
+                                        </p:cTn>
+                                        <p:tgtEl>
+                                          <p:spTgt spid="3">
+                                            <p:txEl>
+                                              <p:pRg st="5" end="5"/>
+                                            </p:txEl>
+                                          </p:spTgt>
+                                        </p:tgtEl>
+                                        <p:attrNameLst>
+                                          <p:attrName>style.visibility</p:attrName>
+                                        </p:attrNameLst>
+                                      </p:cBhvr>
+                                      <p:to>
+                                        <p:strVal val="visible"/>
+                                      </p:to>
+                                    </p:set>
+                                    <p:animEffect transition="in" filter="randombar(horizontal)">
+                                      <p:cBhvr>
+                                        <p:cTn id="22" dur="500"/>
+                                        <p:tgtEl>
+                                          <p:spTgt spid="3">
+                                            <p:txEl>
+                                              <p:pRg st="5" end="5"/>
+                                            </p:txEl>
+                                          </p:spTgt>
+                                        </p:tgtEl>
+                                      </p:cBhvr>
+                                    </p:animEffect>
+                                  </p:childTnLst>
+                                </p:cTn>
+                              </p:par>
+                            </p:childTnLst>
+                          </p:cTn>
+                        </p:par>
+                      </p:childTnLst>
+                    </p:cTn>
+                  </p:par>
+                </p:childTnLst>
+              </p:cTn>
+              <p:prevCondLst>
+                <p:cond evt="onPrev" delay="0">
+                  <p:tgtEl>
+                    <p:sldTgt/>
+                  </p:tgtEl>
+                </p:cond>
+              </p:prevCondLst>
+              <p:nextCondLst>
+                <p:cond evt="onNext" delay="0">
+                  <p:tgtEl>
+                    <p:sldTgt/>
+                  </p:tgtEl>
+                </p:cond>
+              </p:nextCondLst>
+            </p:seq>
+          </p:childTnLst>
+        </p:cTn>
+      </p:par>
+    </p:tnLst>
+  </p:timing>
 </p:sld>
 </file>
 
-<file path=ppt/slides/slide24.xml><?xml version="1.0" encoding="utf-8"?>
+<file path=ppt/slides/slide25.xml><?xml version="1.0" encoding="utf-8"?>
+<p:sld xmlns:a="http://schemas.openxmlformats.org/drawingml/2006/main" xmlns:r="http://schemas.openxmlformats.org/officeDocument/2006/relationships" xmlns:p="http://schemas.openxmlformats.org/presentationml/2006/main">
+  <p:cSld>
+    <p:spTree>
+      <p:nvGrpSpPr>
+        <p:cNvPr id="1" name=""/>
+        <p:cNvGrpSpPr/>
+        <p:nvPr/>
+      </p:nvGrpSpPr>
+      <p:grpSpPr>
+        <a:xfrm>
+          <a:off x="0" y="0"/>
+          <a:ext cx="0" cy="0"/>
+          <a:chOff x="0" y="0"/>
+          <a:chExt cx="0" cy="0"/>
+        </a:xfrm>
+      </p:grpSpPr>
+      <p:sp>
+        <p:nvSpPr>
+          <p:cNvPr id="2" name="标题 1"/>
+          <p:cNvSpPr>
+            <a:spLocks noGrp="1"/>
+          </p:cNvSpPr>
+          <p:nvPr>
+            <p:ph type="title"/>
+          </p:nvPr>
+        </p:nvSpPr>
+        <p:spPr>
+          <a:xfrm>
+            <a:off x="71438" y="1839717"/>
+            <a:ext cx="12192000" cy="1122096"/>
+          </a:xfrm>
+        </p:spPr>
+        <p:txBody>
+          <a:bodyPr/>
+          <a:lstStyle/>
+          <a:p>
+            <a:r>
+              <a:rPr lang="zh-CN" altLang="en-US" dirty="0" smtClean="0"/>
+              <a:t>原型继承</a:t>
+            </a:r>
+            <a:endParaRPr lang="zh-CN" altLang="en-US" dirty="0"/>
+          </a:p>
+        </p:txBody>
+      </p:sp>
+      <p:sp>
+        <p:nvSpPr>
+          <p:cNvPr id="3" name="文本占位符 2"/>
+          <p:cNvSpPr>
+            <a:spLocks noGrp="1"/>
+          </p:cNvSpPr>
+          <p:nvPr>
+            <p:ph type="body" sz="quarter" idx="10"/>
+          </p:nvPr>
+        </p:nvSpPr>
+        <p:spPr>
+          <a:xfrm>
+            <a:off x="0" y="3212976"/>
+            <a:ext cx="12192000" cy="990117"/>
+          </a:xfrm>
+        </p:spPr>
+        <p:txBody>
+          <a:bodyPr/>
+          <a:lstStyle/>
+          <a:p>
+            <a:pPr algn="ctr"/>
+            <a:r>
+              <a:rPr lang="zh-CN" altLang="en-US" dirty="0" smtClean="0">
+                <a:solidFill>
+                  <a:srgbClr val="C00000"/>
+                </a:solidFill>
+              </a:rPr>
+              <a:t>子类</a:t>
+            </a:r>
+            <a:r>
+              <a:rPr lang="zh-CN" altLang="en-US" dirty="0" smtClean="0">
+                <a:solidFill>
+                  <a:schemeClr val="tx1">
+                    <a:lumMod val="65000"/>
+                    <a:lumOff val="35000"/>
+                  </a:schemeClr>
+                </a:solidFill>
+              </a:rPr>
+              <a:t>通过</a:t>
+            </a:r>
+            <a:r>
+              <a:rPr lang="zh-CN" altLang="en-US" dirty="0" smtClean="0">
+                <a:solidFill>
+                  <a:srgbClr val="C00000"/>
+                </a:solidFill>
+              </a:rPr>
+              <a:t>原型</a:t>
+            </a:r>
+            <a:r>
+              <a:rPr lang="zh-CN" altLang="en-US" dirty="0" smtClean="0">
+                <a:solidFill>
+                  <a:schemeClr val="tx1">
+                    <a:lumMod val="65000"/>
+                    <a:lumOff val="35000"/>
+                  </a:schemeClr>
+                </a:solidFill>
+              </a:rPr>
+              <a:t>继承</a:t>
+            </a:r>
+            <a:r>
+              <a:rPr lang="zh-CN" altLang="en-US" dirty="0" smtClean="0">
+                <a:solidFill>
+                  <a:srgbClr val="C00000"/>
+                </a:solidFill>
+              </a:rPr>
+              <a:t>父类</a:t>
+            </a:r>
+            <a:r>
+              <a:rPr lang="en-US" altLang="zh-CN" dirty="0" smtClean="0">
+                <a:solidFill>
+                  <a:schemeClr val="tx1">
+                    <a:lumMod val="65000"/>
+                    <a:lumOff val="35000"/>
+                  </a:schemeClr>
+                </a:solidFill>
+              </a:rPr>
+              <a:t>&amp;</a:t>
+            </a:r>
+            <a:r>
+              <a:rPr lang="zh-CN" altLang="en-US" dirty="0" smtClean="0">
+                <a:solidFill>
+                  <a:srgbClr val="C00000"/>
+                </a:solidFill>
+              </a:rPr>
+              <a:t>父类的原型</a:t>
+            </a:r>
+            <a:r>
+              <a:rPr lang="zh-CN" altLang="en-US" dirty="0" smtClean="0">
+                <a:solidFill>
+                  <a:schemeClr val="tx1">
+                    <a:lumMod val="65000"/>
+                    <a:lumOff val="35000"/>
+                  </a:schemeClr>
+                </a:solidFill>
+              </a:rPr>
+              <a:t>上的属性</a:t>
+            </a:r>
+            <a:r>
+              <a:rPr lang="zh-CN" altLang="en-US" dirty="0">
+                <a:solidFill>
+                  <a:schemeClr val="tx1">
+                    <a:lumMod val="65000"/>
+                    <a:lumOff val="35000"/>
+                  </a:schemeClr>
+                </a:solidFill>
+              </a:rPr>
+              <a:t>。</a:t>
+            </a:r>
+          </a:p>
+        </p:txBody>
+      </p:sp>
+    </p:spTree>
+    <p:extLst>
+      <p:ext uri="{BB962C8B-B14F-4D97-AF65-F5344CB8AC3E}">
+        <p14:creationId xmlns:p14="http://schemas.microsoft.com/office/powerpoint/2010/main" val="1297057332"/>
+      </p:ext>
+    </p:extLst>
+  </p:cSld>
+  <p:clrMapOvr>
+    <a:masterClrMapping/>
+  </p:clrMapOvr>
+  <mc:AlternateContent xmlns:mc="http://schemas.openxmlformats.org/markup-compatibility/2006" xmlns:p14="http://schemas.microsoft.com/office/powerpoint/2010/main">
+    <mc:Choice Requires="p14">
+      <p:transition p14:dur="0" advTm="9938"/>
+    </mc:Choice>
+    <mc:Fallback xmlns="">
+      <p:transition advTm="9938"/>
+    </mc:Fallback>
+  </mc:AlternateContent>
+  <p:timing>
+    <p:tnLst>
+      <p:par>
+        <p:cTn id="1" dur="indefinite" restart="never" nodeType="tmRoot"/>
+      </p:par>
+    </p:tnLst>
+  </p:timing>
+</p:sld>
+</file>
+
+<file path=ppt/slides/slide26.xml><?xml version="1.0" encoding="utf-8"?>
+<p:sld xmlns:a="http://schemas.openxmlformats.org/drawingml/2006/main" xmlns:r="http://schemas.openxmlformats.org/officeDocument/2006/relationships" xmlns:p="http://schemas.openxmlformats.org/presentationml/2006/main">
+  <p:cSld>
+    <p:spTree>
+      <p:nvGrpSpPr>
+        <p:cNvPr id="1" name=""/>
+        <p:cNvGrpSpPr/>
+        <p:nvPr/>
+      </p:nvGrpSpPr>
+      <p:grpSpPr>
+        <a:xfrm>
+          <a:off x="0" y="0"/>
+          <a:ext cx="0" cy="0"/>
+          <a:chOff x="0" y="0"/>
+          <a:chExt cx="0" cy="0"/>
+        </a:xfrm>
+      </p:grpSpPr>
+      <p:sp>
+        <p:nvSpPr>
+          <p:cNvPr id="8" name="椭圆 7"/>
+          <p:cNvSpPr>
+            <a:spLocks noChangeAspect="1"/>
+          </p:cNvSpPr>
+          <p:nvPr/>
+        </p:nvSpPr>
+        <p:spPr>
+          <a:xfrm>
+            <a:off x="1061738" y="207104"/>
+            <a:ext cx="3055139" cy="1475242"/>
+          </a:xfrm>
+          <a:prstGeom prst="ellipse">
+            <a:avLst/>
+          </a:prstGeom>
+          <a:solidFill>
+            <a:srgbClr val="C00000"/>
+          </a:solidFill>
+          <a:ln>
+            <a:noFill/>
+          </a:ln>
+          <a:effectLst/>
+        </p:spPr>
+        <p:style>
+          <a:lnRef idx="1">
+            <a:schemeClr val="accent6"/>
+          </a:lnRef>
+          <a:fillRef idx="3">
+            <a:schemeClr val="accent6"/>
+          </a:fillRef>
+          <a:effectRef idx="2">
+            <a:schemeClr val="accent6"/>
+          </a:effectRef>
+          <a:fontRef idx="minor">
+            <a:schemeClr val="lt1"/>
+          </a:fontRef>
+        </p:style>
+        <p:txBody>
+          <a:bodyPr wrap="none" lIns="36000" tIns="108000" rIns="36000" bIns="108000" rtlCol="0" anchor="ctr" anchorCtr="1">
+            <a:spAutoFit/>
+          </a:bodyPr>
+          <a:lstStyle/>
+          <a:p>
+            <a:pPr algn="ctr"/>
+            <a:r>
+              <a:rPr lang="zh-CN" altLang="en-US" dirty="0" smtClean="0">
+                <a:solidFill>
+                  <a:schemeClr val="bg1"/>
+                </a:solidFill>
+                <a:latin typeface="冬青黑体简体中文 W3" panose="020B0300000000000000" pitchFamily="34" charset="-122"/>
+                <a:ea typeface="冬青黑体简体中文 W3" panose="020B0300000000000000" pitchFamily="34" charset="-122"/>
+              </a:rPr>
+              <a:t>父类</a:t>
+            </a:r>
+            <a:r>
+              <a:rPr lang="en-US" altLang="zh-CN" dirty="0" smtClean="0">
+                <a:solidFill>
+                  <a:schemeClr val="bg1"/>
+                </a:solidFill>
+                <a:latin typeface="冬青黑体简体中文 W3" panose="020B0300000000000000" pitchFamily="34" charset="-122"/>
+                <a:ea typeface="冬青黑体简体中文 W3" panose="020B0300000000000000" pitchFamily="34" charset="-122"/>
+              </a:rPr>
+              <a:t/>
+            </a:r>
+            <a:br>
+              <a:rPr lang="en-US" altLang="zh-CN" dirty="0" smtClean="0">
+                <a:solidFill>
+                  <a:schemeClr val="bg1"/>
+                </a:solidFill>
+                <a:latin typeface="冬青黑体简体中文 W3" panose="020B0300000000000000" pitchFamily="34" charset="-122"/>
+                <a:ea typeface="冬青黑体简体中文 W3" panose="020B0300000000000000" pitchFamily="34" charset="-122"/>
+              </a:rPr>
+            </a:br>
+            <a:endParaRPr lang="en-US" altLang="zh-CN" dirty="0" smtClean="0">
+              <a:solidFill>
+                <a:schemeClr val="bg1"/>
+              </a:solidFill>
+              <a:latin typeface="冬青黑体简体中文 W3" panose="020B0300000000000000" pitchFamily="34" charset="-122"/>
+              <a:ea typeface="冬青黑体简体中文 W3" panose="020B0300000000000000" pitchFamily="34" charset="-122"/>
+            </a:endParaRPr>
+          </a:p>
+          <a:p>
+            <a:pPr algn="ctr"/>
+            <a:r>
+              <a:rPr lang="en-US" altLang="zh-CN" dirty="0" smtClean="0">
+                <a:solidFill>
+                  <a:schemeClr val="bg1"/>
+                </a:solidFill>
+                <a:latin typeface="冬青黑体简体中文 W3" panose="020B0300000000000000" pitchFamily="34" charset="-122"/>
+                <a:ea typeface="冬青黑体简体中文 W3" panose="020B0300000000000000" pitchFamily="34" charset="-122"/>
+              </a:rPr>
+              <a:t>function Parent(){}</a:t>
+            </a:r>
+            <a:endParaRPr lang="en-US" altLang="zh-CN" dirty="0">
+              <a:solidFill>
+                <a:schemeClr val="bg1"/>
+              </a:solidFill>
+              <a:latin typeface="冬青黑体简体中文 W3" panose="020B0300000000000000" pitchFamily="34" charset="-122"/>
+              <a:ea typeface="冬青黑体简体中文 W3" panose="020B0300000000000000" pitchFamily="34" charset="-122"/>
+            </a:endParaRPr>
+          </a:p>
+        </p:txBody>
+      </p:sp>
+      <p:sp>
+        <p:nvSpPr>
+          <p:cNvPr id="11" name="椭圆 10"/>
+          <p:cNvSpPr/>
+          <p:nvPr/>
+        </p:nvSpPr>
+        <p:spPr>
+          <a:xfrm>
+            <a:off x="8011448" y="315439"/>
+            <a:ext cx="3007075" cy="1475242"/>
+          </a:xfrm>
+          <a:prstGeom prst="ellipse">
+            <a:avLst/>
+          </a:prstGeom>
+          <a:solidFill>
+            <a:srgbClr val="C00000"/>
+          </a:solidFill>
+          <a:ln>
+            <a:noFill/>
+          </a:ln>
+          <a:effectLst/>
+        </p:spPr>
+        <p:style>
+          <a:lnRef idx="1">
+            <a:schemeClr val="accent6"/>
+          </a:lnRef>
+          <a:fillRef idx="3">
+            <a:schemeClr val="accent6"/>
+          </a:fillRef>
+          <a:effectRef idx="2">
+            <a:schemeClr val="accent6"/>
+          </a:effectRef>
+          <a:fontRef idx="minor">
+            <a:schemeClr val="lt1"/>
+          </a:fontRef>
+        </p:style>
+        <p:txBody>
+          <a:bodyPr rot="0" spcFirstLastPara="0" vertOverflow="overflow" horzOverflow="overflow" vert="horz" wrap="none" lIns="36000" tIns="108000" rIns="36000" bIns="108000" numCol="1" spcCol="0" rtlCol="0" fromWordArt="0" anchor="ctr" anchorCtr="1" forceAA="0" compatLnSpc="1">
+            <a:prstTxWarp prst="textNoShape">
+              <a:avLst/>
+            </a:prstTxWarp>
+            <a:spAutoFit/>
+          </a:bodyPr>
+          <a:lstStyle/>
+          <a:p>
+            <a:pPr algn="ctr"/>
+            <a:r>
+              <a:rPr lang="zh-CN" altLang="en-US" dirty="0"/>
+              <a:t>父类原型</a:t>
+            </a:r>
+            <a:endParaRPr lang="en-US" altLang="zh-CN" dirty="0"/>
+          </a:p>
+          <a:p>
+            <a:pPr algn="ctr"/>
+            <a:endParaRPr lang="en-US" altLang="zh-CN" dirty="0"/>
+          </a:p>
+          <a:p>
+            <a:pPr algn="ctr"/>
+            <a:r>
+              <a:rPr lang="en-US" altLang="zh-CN" dirty="0" smtClean="0"/>
+              <a:t>      </a:t>
+            </a:r>
+            <a:r>
+              <a:rPr lang="en-US" altLang="zh-CN" dirty="0" err="1" smtClean="0"/>
+              <a:t>Parent.prototype</a:t>
+            </a:r>
+            <a:r>
+              <a:rPr lang="en-US" altLang="zh-CN" dirty="0" smtClean="0"/>
+              <a:t>  </a:t>
+            </a:r>
+          </a:p>
+        </p:txBody>
+      </p:sp>
+      <p:sp>
+        <p:nvSpPr>
+          <p:cNvPr id="13" name="右箭头 12"/>
+          <p:cNvSpPr/>
+          <p:nvPr/>
+        </p:nvSpPr>
+        <p:spPr>
+          <a:xfrm>
+            <a:off x="4457967" y="944724"/>
+            <a:ext cx="3276066" cy="279599"/>
+          </a:xfrm>
+          <a:prstGeom prst="rightArrow">
+            <a:avLst/>
+          </a:prstGeom>
+          <a:solidFill>
+            <a:srgbClr val="C00000"/>
+          </a:solidFill>
+          <a:ln>
+            <a:noFill/>
+          </a:ln>
+          <a:effectLst/>
+        </p:spPr>
+        <p:style>
+          <a:lnRef idx="1">
+            <a:schemeClr val="accent6"/>
+          </a:lnRef>
+          <a:fillRef idx="3">
+            <a:schemeClr val="accent6"/>
+          </a:fillRef>
+          <a:effectRef idx="2">
+            <a:schemeClr val="accent6"/>
+          </a:effectRef>
+          <a:fontRef idx="minor">
+            <a:schemeClr val="lt1"/>
+          </a:fontRef>
+        </p:style>
+        <p:txBody>
+          <a:bodyPr rot="0" spcFirstLastPara="0" vertOverflow="overflow" horzOverflow="overflow" vert="horz" wrap="none" lIns="180000" tIns="108000" rIns="180000" bIns="108000" numCol="1" spcCol="0" rtlCol="0" fromWordArt="0" anchor="ctr" anchorCtr="1" forceAA="0" compatLnSpc="1">
+            <a:prstTxWarp prst="textNoShape">
+              <a:avLst/>
+            </a:prstTxWarp>
+            <a:spAutoFit/>
+          </a:bodyPr>
+          <a:lstStyle/>
+          <a:p>
+            <a:pPr algn="ctr"/>
+            <a:endParaRPr lang="zh-CN" altLang="en-US" dirty="0" smtClean="0">
+              <a:solidFill>
+                <a:schemeClr val="bg1"/>
+              </a:solidFill>
+              <a:latin typeface="冬青黑体简体中文 W3" panose="020B0300000000000000" pitchFamily="34" charset="-122"/>
+              <a:ea typeface="冬青黑体简体中文 W3" panose="020B0300000000000000" pitchFamily="34" charset="-122"/>
+            </a:endParaRPr>
+          </a:p>
+        </p:txBody>
+      </p:sp>
+      <p:sp>
+        <p:nvSpPr>
+          <p:cNvPr id="14" name="文本框 13"/>
+          <p:cNvSpPr txBox="1"/>
+          <p:nvPr/>
+        </p:nvSpPr>
+        <p:spPr>
+          <a:xfrm>
+            <a:off x="5221678" y="543549"/>
+            <a:ext cx="1998792" cy="369332"/>
+          </a:xfrm>
+          <a:prstGeom prst="rect">
+            <a:avLst/>
+          </a:prstGeom>
+          <a:noFill/>
+        </p:spPr>
+        <p:txBody>
+          <a:bodyPr wrap="square" rtlCol="0">
+            <a:spAutoFit/>
+          </a:bodyPr>
+          <a:lstStyle/>
+          <a:p>
+            <a:r>
+              <a:rPr lang="en-US" altLang="zh-CN" dirty="0" smtClean="0">
+                <a:solidFill>
+                  <a:schemeClr val="tx1">
+                    <a:lumMod val="75000"/>
+                    <a:lumOff val="25000"/>
+                  </a:schemeClr>
+                </a:solidFill>
+                <a:latin typeface="冬青黑体简体中文 W3" panose="020B0300000000000000" pitchFamily="34" charset="-122"/>
+                <a:ea typeface="冬青黑体简体中文 W3" panose="020B0300000000000000" pitchFamily="34" charset="-122"/>
+              </a:rPr>
+              <a:t>prototype </a:t>
+            </a:r>
+            <a:r>
+              <a:rPr lang="zh-CN" altLang="en-US" dirty="0" smtClean="0">
+                <a:solidFill>
+                  <a:schemeClr val="tx1">
+                    <a:lumMod val="75000"/>
+                    <a:lumOff val="25000"/>
+                  </a:schemeClr>
+                </a:solidFill>
+                <a:latin typeface="冬青黑体简体中文 W3" panose="020B0300000000000000" pitchFamily="34" charset="-122"/>
+                <a:ea typeface="冬青黑体简体中文 W3" panose="020B0300000000000000" pitchFamily="34" charset="-122"/>
+              </a:rPr>
+              <a:t>指针</a:t>
+            </a:r>
+            <a:endParaRPr lang="zh-CN" altLang="en-US" dirty="0" smtClean="0">
+              <a:solidFill>
+                <a:schemeClr val="tx1">
+                  <a:lumMod val="75000"/>
+                  <a:lumOff val="25000"/>
+                </a:schemeClr>
+              </a:solidFill>
+              <a:latin typeface="冬青黑体简体中文 W3" panose="020B0300000000000000" pitchFamily="34" charset="-122"/>
+              <a:ea typeface="冬青黑体简体中文 W3" panose="020B0300000000000000" pitchFamily="34" charset="-122"/>
+            </a:endParaRPr>
+          </a:p>
+        </p:txBody>
+      </p:sp>
+      <p:sp>
+        <p:nvSpPr>
+          <p:cNvPr id="15" name="椭圆 14"/>
+          <p:cNvSpPr/>
+          <p:nvPr/>
+        </p:nvSpPr>
+        <p:spPr>
+          <a:xfrm>
+            <a:off x="1273739" y="4124466"/>
+            <a:ext cx="2615584" cy="1475242"/>
+          </a:xfrm>
+          <a:prstGeom prst="ellipse">
+            <a:avLst/>
+          </a:prstGeom>
+          <a:solidFill>
+            <a:srgbClr val="C00000"/>
+          </a:solidFill>
+          <a:ln>
+            <a:noFill/>
+          </a:ln>
+          <a:effectLst/>
+        </p:spPr>
+        <p:style>
+          <a:lnRef idx="1">
+            <a:schemeClr val="accent6"/>
+          </a:lnRef>
+          <a:fillRef idx="3">
+            <a:schemeClr val="accent6"/>
+          </a:fillRef>
+          <a:effectRef idx="2">
+            <a:schemeClr val="accent6"/>
+          </a:effectRef>
+          <a:fontRef idx="minor">
+            <a:schemeClr val="lt1"/>
+          </a:fontRef>
+        </p:style>
+        <p:txBody>
+          <a:bodyPr rot="0" spcFirstLastPara="0" vertOverflow="overflow" horzOverflow="overflow" vert="horz" wrap="none" lIns="36000" tIns="108000" rIns="36000" bIns="108000" numCol="1" spcCol="0" rtlCol="0" fromWordArt="0" anchor="ctr" anchorCtr="1" forceAA="0" compatLnSpc="1">
+            <a:prstTxWarp prst="textNoShape">
+              <a:avLst/>
+            </a:prstTxWarp>
+            <a:spAutoFit/>
+          </a:bodyPr>
+          <a:lstStyle/>
+          <a:p>
+            <a:pPr algn="ctr"/>
+            <a:r>
+              <a:rPr lang="zh-CN" altLang="en-US" dirty="0">
+                <a:solidFill>
+                  <a:schemeClr val="bg1"/>
+                </a:solidFill>
+                <a:latin typeface="冬青黑体简体中文 W3" panose="020B0300000000000000" pitchFamily="34" charset="-122"/>
+                <a:ea typeface="冬青黑体简体中文 W3" panose="020B0300000000000000" pitchFamily="34" charset="-122"/>
+              </a:rPr>
+              <a:t>子</a:t>
+            </a:r>
+            <a:r>
+              <a:rPr lang="zh-CN" altLang="en-US" dirty="0" smtClean="0">
+                <a:solidFill>
+                  <a:schemeClr val="bg1"/>
+                </a:solidFill>
+                <a:latin typeface="冬青黑体简体中文 W3" panose="020B0300000000000000" pitchFamily="34" charset="-122"/>
+                <a:ea typeface="冬青黑体简体中文 W3" panose="020B0300000000000000" pitchFamily="34" charset="-122"/>
+              </a:rPr>
+              <a:t>类</a:t>
+            </a:r>
+            <a:endParaRPr lang="en-US" altLang="zh-CN" dirty="0" smtClean="0">
+              <a:solidFill>
+                <a:schemeClr val="bg1"/>
+              </a:solidFill>
+              <a:latin typeface="冬青黑体简体中文 W3" panose="020B0300000000000000" pitchFamily="34" charset="-122"/>
+              <a:ea typeface="冬青黑体简体中文 W3" panose="020B0300000000000000" pitchFamily="34" charset="-122"/>
+            </a:endParaRPr>
+          </a:p>
+          <a:p>
+            <a:pPr algn="ctr"/>
+            <a:endParaRPr lang="en-US" altLang="zh-CN" dirty="0" smtClean="0">
+              <a:solidFill>
+                <a:schemeClr val="bg1"/>
+              </a:solidFill>
+              <a:latin typeface="冬青黑体简体中文 W3" panose="020B0300000000000000" pitchFamily="34" charset="-122"/>
+              <a:ea typeface="冬青黑体简体中文 W3" panose="020B0300000000000000" pitchFamily="34" charset="-122"/>
+            </a:endParaRPr>
+          </a:p>
+          <a:p>
+            <a:pPr algn="ctr"/>
+            <a:r>
+              <a:rPr lang="en-US" altLang="zh-CN" dirty="0" smtClean="0">
+                <a:solidFill>
+                  <a:schemeClr val="bg1"/>
+                </a:solidFill>
+                <a:latin typeface="冬青黑体简体中文 W3" panose="020B0300000000000000" pitchFamily="34" charset="-122"/>
+                <a:ea typeface="冬青黑体简体中文 W3" panose="020B0300000000000000" pitchFamily="34" charset="-122"/>
+              </a:rPr>
+              <a:t>function Son(){}</a:t>
+            </a:r>
+          </a:p>
+        </p:txBody>
+      </p:sp>
+      <p:sp>
+        <p:nvSpPr>
+          <p:cNvPr id="16" name="椭圆 15"/>
+          <p:cNvSpPr/>
+          <p:nvPr/>
+        </p:nvSpPr>
+        <p:spPr>
+          <a:xfrm>
+            <a:off x="8511059" y="4179736"/>
+            <a:ext cx="2390173" cy="1475242"/>
+          </a:xfrm>
+          <a:prstGeom prst="ellipse">
+            <a:avLst/>
+          </a:prstGeom>
+          <a:solidFill>
+            <a:srgbClr val="C00000"/>
+          </a:solidFill>
+          <a:ln>
+            <a:noFill/>
+          </a:ln>
+          <a:effectLst/>
+        </p:spPr>
+        <p:style>
+          <a:lnRef idx="1">
+            <a:schemeClr val="accent6"/>
+          </a:lnRef>
+          <a:fillRef idx="3">
+            <a:schemeClr val="accent6"/>
+          </a:fillRef>
+          <a:effectRef idx="2">
+            <a:schemeClr val="accent6"/>
+          </a:effectRef>
+          <a:fontRef idx="minor">
+            <a:schemeClr val="lt1"/>
+          </a:fontRef>
+        </p:style>
+        <p:txBody>
+          <a:bodyPr rot="0" spcFirstLastPara="0" vertOverflow="overflow" horzOverflow="overflow" vert="horz" wrap="none" lIns="36000" tIns="108000" rIns="36000" bIns="108000" numCol="1" spcCol="0" rtlCol="0" fromWordArt="0" anchor="ctr" anchorCtr="1" forceAA="0" compatLnSpc="1">
+            <a:prstTxWarp prst="textNoShape">
+              <a:avLst/>
+            </a:prstTxWarp>
+            <a:spAutoFit/>
+          </a:bodyPr>
+          <a:lstStyle/>
+          <a:p>
+            <a:pPr algn="ctr"/>
+            <a:r>
+              <a:rPr lang="zh-CN" altLang="en-US" dirty="0">
+                <a:solidFill>
+                  <a:schemeClr val="bg1"/>
+                </a:solidFill>
+                <a:latin typeface="冬青黑体简体中文 W3" panose="020B0300000000000000" pitchFamily="34" charset="-122"/>
+                <a:ea typeface="冬青黑体简体中文 W3" panose="020B0300000000000000" pitchFamily="34" charset="-122"/>
+              </a:rPr>
+              <a:t>子</a:t>
+            </a:r>
+            <a:r>
+              <a:rPr lang="zh-CN" altLang="en-US" dirty="0" smtClean="0">
+                <a:solidFill>
+                  <a:schemeClr val="bg1"/>
+                </a:solidFill>
+                <a:latin typeface="冬青黑体简体中文 W3" panose="020B0300000000000000" pitchFamily="34" charset="-122"/>
+                <a:ea typeface="冬青黑体简体中文 W3" panose="020B0300000000000000" pitchFamily="34" charset="-122"/>
+              </a:rPr>
+              <a:t>类原型</a:t>
+            </a:r>
+            <a:endParaRPr lang="en-US" altLang="zh-CN" dirty="0" smtClean="0">
+              <a:solidFill>
+                <a:schemeClr val="bg1"/>
+              </a:solidFill>
+              <a:latin typeface="冬青黑体简体中文 W3" panose="020B0300000000000000" pitchFamily="34" charset="-122"/>
+              <a:ea typeface="冬青黑体简体中文 W3" panose="020B0300000000000000" pitchFamily="34" charset="-122"/>
+            </a:endParaRPr>
+          </a:p>
+          <a:p>
+            <a:pPr algn="ctr"/>
+            <a:endParaRPr lang="en-US" altLang="zh-CN" dirty="0">
+              <a:solidFill>
+                <a:schemeClr val="bg1"/>
+              </a:solidFill>
+              <a:latin typeface="冬青黑体简体中文 W3" panose="020B0300000000000000" pitchFamily="34" charset="-122"/>
+              <a:ea typeface="冬青黑体简体中文 W3" panose="020B0300000000000000" pitchFamily="34" charset="-122"/>
+            </a:endParaRPr>
+          </a:p>
+          <a:p>
+            <a:pPr algn="ctr"/>
+            <a:r>
+              <a:rPr lang="en-US" altLang="zh-CN" dirty="0" err="1" smtClean="0">
+                <a:solidFill>
+                  <a:schemeClr val="bg1"/>
+                </a:solidFill>
+                <a:latin typeface="冬青黑体简体中文 W3" panose="020B0300000000000000" pitchFamily="34" charset="-122"/>
+                <a:ea typeface="冬青黑体简体中文 W3" panose="020B0300000000000000" pitchFamily="34" charset="-122"/>
+              </a:rPr>
+              <a:t>Son.prototype</a:t>
+            </a:r>
+            <a:endParaRPr lang="zh-CN" altLang="en-US" dirty="0" smtClean="0">
+              <a:solidFill>
+                <a:schemeClr val="bg1"/>
+              </a:solidFill>
+              <a:latin typeface="冬青黑体简体中文 W3" panose="020B0300000000000000" pitchFamily="34" charset="-122"/>
+              <a:ea typeface="冬青黑体简体中文 W3" panose="020B0300000000000000" pitchFamily="34" charset="-122"/>
+            </a:endParaRPr>
+          </a:p>
+        </p:txBody>
+      </p:sp>
+      <p:sp>
+        <p:nvSpPr>
+          <p:cNvPr id="19" name="右箭头 18"/>
+          <p:cNvSpPr/>
+          <p:nvPr/>
+        </p:nvSpPr>
+        <p:spPr>
+          <a:xfrm>
+            <a:off x="4457967" y="4786287"/>
+            <a:ext cx="3276066" cy="279599"/>
+          </a:xfrm>
+          <a:prstGeom prst="rightArrow">
+            <a:avLst/>
+          </a:prstGeom>
+          <a:solidFill>
+            <a:srgbClr val="C00000"/>
+          </a:solidFill>
+          <a:ln>
+            <a:noFill/>
+          </a:ln>
+          <a:effectLst/>
+        </p:spPr>
+        <p:style>
+          <a:lnRef idx="1">
+            <a:schemeClr val="accent6"/>
+          </a:lnRef>
+          <a:fillRef idx="3">
+            <a:schemeClr val="accent6"/>
+          </a:fillRef>
+          <a:effectRef idx="2">
+            <a:schemeClr val="accent6"/>
+          </a:effectRef>
+          <a:fontRef idx="minor">
+            <a:schemeClr val="lt1"/>
+          </a:fontRef>
+        </p:style>
+        <p:txBody>
+          <a:bodyPr rot="0" spcFirstLastPara="0" vertOverflow="overflow" horzOverflow="overflow" vert="horz" wrap="none" lIns="180000" tIns="108000" rIns="180000" bIns="108000" numCol="1" spcCol="0" rtlCol="0" fromWordArt="0" anchor="ctr" anchorCtr="1" forceAA="0" compatLnSpc="1">
+            <a:prstTxWarp prst="textNoShape">
+              <a:avLst/>
+            </a:prstTxWarp>
+            <a:spAutoFit/>
+          </a:bodyPr>
+          <a:lstStyle/>
+          <a:p>
+            <a:pPr algn="ctr"/>
+            <a:endParaRPr lang="zh-CN" altLang="en-US" dirty="0" smtClean="0">
+              <a:solidFill>
+                <a:schemeClr val="bg1"/>
+              </a:solidFill>
+              <a:latin typeface="冬青黑体简体中文 W3" panose="020B0300000000000000" pitchFamily="34" charset="-122"/>
+              <a:ea typeface="冬青黑体简体中文 W3" panose="020B0300000000000000" pitchFamily="34" charset="-122"/>
+            </a:endParaRPr>
+          </a:p>
+        </p:txBody>
+      </p:sp>
+      <p:sp>
+        <p:nvSpPr>
+          <p:cNvPr id="21" name="文本框 20"/>
+          <p:cNvSpPr txBox="1"/>
+          <p:nvPr/>
+        </p:nvSpPr>
+        <p:spPr>
+          <a:xfrm>
+            <a:off x="5149530" y="4268524"/>
+            <a:ext cx="2054748" cy="369332"/>
+          </a:xfrm>
+          <a:prstGeom prst="rect">
+            <a:avLst/>
+          </a:prstGeom>
+          <a:noFill/>
+        </p:spPr>
+        <p:txBody>
+          <a:bodyPr wrap="square" rtlCol="0">
+            <a:spAutoFit/>
+          </a:bodyPr>
+          <a:lstStyle/>
+          <a:p>
+            <a:r>
+              <a:rPr lang="en-US" altLang="zh-CN" dirty="0" smtClean="0">
+                <a:solidFill>
+                  <a:schemeClr val="tx1">
+                    <a:lumMod val="75000"/>
+                    <a:lumOff val="25000"/>
+                  </a:schemeClr>
+                </a:solidFill>
+                <a:latin typeface="冬青黑体简体中文 W3" panose="020B0300000000000000" pitchFamily="34" charset="-122"/>
+                <a:ea typeface="冬青黑体简体中文 W3" panose="020B0300000000000000" pitchFamily="34" charset="-122"/>
+              </a:rPr>
+              <a:t>prototype </a:t>
+            </a:r>
+            <a:r>
+              <a:rPr lang="zh-CN" altLang="en-US" dirty="0" smtClean="0">
+                <a:solidFill>
+                  <a:schemeClr val="tx1">
+                    <a:lumMod val="75000"/>
+                    <a:lumOff val="25000"/>
+                  </a:schemeClr>
+                </a:solidFill>
+                <a:latin typeface="冬青黑体简体中文 W3" panose="020B0300000000000000" pitchFamily="34" charset="-122"/>
+                <a:ea typeface="冬青黑体简体中文 W3" panose="020B0300000000000000" pitchFamily="34" charset="-122"/>
+              </a:rPr>
+              <a:t>指针</a:t>
+            </a:r>
+            <a:endParaRPr lang="zh-CN" altLang="en-US" dirty="0" smtClean="0">
+              <a:solidFill>
+                <a:schemeClr val="tx1">
+                  <a:lumMod val="75000"/>
+                  <a:lumOff val="25000"/>
+                </a:schemeClr>
+              </a:solidFill>
+              <a:latin typeface="冬青黑体简体中文 W3" panose="020B0300000000000000" pitchFamily="34" charset="-122"/>
+              <a:ea typeface="冬青黑体简体中文 W3" panose="020B0300000000000000" pitchFamily="34" charset="-122"/>
+            </a:endParaRPr>
+          </a:p>
+        </p:txBody>
+      </p:sp>
+      <p:sp>
+        <p:nvSpPr>
+          <p:cNvPr id="23" name="椭圆 22"/>
+          <p:cNvSpPr/>
+          <p:nvPr/>
+        </p:nvSpPr>
+        <p:spPr>
+          <a:xfrm>
+            <a:off x="4850398" y="2251243"/>
+            <a:ext cx="2551157" cy="1475242"/>
+          </a:xfrm>
+          <a:prstGeom prst="ellipse">
+            <a:avLst/>
+          </a:prstGeom>
+          <a:solidFill>
+            <a:srgbClr val="7030A0"/>
+          </a:solidFill>
+          <a:ln>
+            <a:noFill/>
+          </a:ln>
+          <a:effectLst/>
+        </p:spPr>
+        <p:style>
+          <a:lnRef idx="1">
+            <a:schemeClr val="accent6"/>
+          </a:lnRef>
+          <a:fillRef idx="3">
+            <a:schemeClr val="accent6"/>
+          </a:fillRef>
+          <a:effectRef idx="2">
+            <a:schemeClr val="accent6"/>
+          </a:effectRef>
+          <a:fontRef idx="minor">
+            <a:schemeClr val="lt1"/>
+          </a:fontRef>
+        </p:style>
+        <p:txBody>
+          <a:bodyPr rot="0" spcFirstLastPara="0" vertOverflow="overflow" horzOverflow="overflow" vert="horz" wrap="none" lIns="180000" tIns="108000" rIns="180000" bIns="108000" numCol="1" spcCol="0" rtlCol="0" fromWordArt="0" anchor="ctr" anchorCtr="1" forceAA="0" compatLnSpc="1">
+            <a:prstTxWarp prst="textNoShape">
+              <a:avLst/>
+            </a:prstTxWarp>
+            <a:spAutoFit/>
+          </a:bodyPr>
+          <a:lstStyle/>
+          <a:p>
+            <a:pPr algn="ctr"/>
+            <a:r>
+              <a:rPr lang="zh-CN" altLang="en-US" dirty="0">
+                <a:solidFill>
+                  <a:schemeClr val="bg1"/>
+                </a:solidFill>
+                <a:latin typeface="冬青黑体简体中文 W3" panose="020B0300000000000000" pitchFamily="34" charset="-122"/>
+                <a:ea typeface="冬青黑体简体中文 W3" panose="020B0300000000000000" pitchFamily="34" charset="-122"/>
+              </a:rPr>
+              <a:t>父</a:t>
+            </a:r>
+            <a:r>
+              <a:rPr lang="zh-CN" altLang="en-US" dirty="0" smtClean="0">
+                <a:solidFill>
+                  <a:schemeClr val="bg1"/>
+                </a:solidFill>
+                <a:latin typeface="冬青黑体简体中文 W3" panose="020B0300000000000000" pitchFamily="34" charset="-122"/>
+                <a:ea typeface="冬青黑体简体中文 W3" panose="020B0300000000000000" pitchFamily="34" charset="-122"/>
+              </a:rPr>
+              <a:t>类实例</a:t>
+            </a:r>
+            <a:endParaRPr lang="en-US" altLang="zh-CN" dirty="0" smtClean="0">
+              <a:solidFill>
+                <a:schemeClr val="bg1"/>
+              </a:solidFill>
+              <a:latin typeface="冬青黑体简体中文 W3" panose="020B0300000000000000" pitchFamily="34" charset="-122"/>
+              <a:ea typeface="冬青黑体简体中文 W3" panose="020B0300000000000000" pitchFamily="34" charset="-122"/>
+            </a:endParaRPr>
+          </a:p>
+          <a:p>
+            <a:pPr algn="ctr"/>
+            <a:endParaRPr lang="en-US" altLang="zh-CN" dirty="0">
+              <a:solidFill>
+                <a:schemeClr val="bg1"/>
+              </a:solidFill>
+              <a:latin typeface="冬青黑体简体中文 W3" panose="020B0300000000000000" pitchFamily="34" charset="-122"/>
+              <a:ea typeface="冬青黑体简体中文 W3" panose="020B0300000000000000" pitchFamily="34" charset="-122"/>
+            </a:endParaRPr>
+          </a:p>
+          <a:p>
+            <a:pPr algn="ctr"/>
+            <a:r>
+              <a:rPr lang="en-US" altLang="zh-CN" dirty="0" smtClean="0">
+                <a:solidFill>
+                  <a:schemeClr val="bg1"/>
+                </a:solidFill>
+                <a:latin typeface="冬青黑体简体中文 W3" panose="020B0300000000000000" pitchFamily="34" charset="-122"/>
+                <a:ea typeface="冬青黑体简体中文 W3" panose="020B0300000000000000" pitchFamily="34" charset="-122"/>
+              </a:rPr>
+              <a:t>new Parent()</a:t>
+            </a:r>
+            <a:endParaRPr lang="zh-CN" altLang="en-US" dirty="0" smtClean="0">
+              <a:solidFill>
+                <a:schemeClr val="bg1"/>
+              </a:solidFill>
+              <a:latin typeface="冬青黑体简体中文 W3" panose="020B0300000000000000" pitchFamily="34" charset="-122"/>
+              <a:ea typeface="冬青黑体简体中文 W3" panose="020B0300000000000000" pitchFamily="34" charset="-122"/>
+            </a:endParaRPr>
+          </a:p>
+        </p:txBody>
+      </p:sp>
+      <p:sp>
+        <p:nvSpPr>
+          <p:cNvPr id="24" name="椭圆 23"/>
+          <p:cNvSpPr/>
+          <p:nvPr/>
+        </p:nvSpPr>
+        <p:spPr>
+          <a:xfrm>
+            <a:off x="5040199" y="5237529"/>
+            <a:ext cx="2111601" cy="1475242"/>
+          </a:xfrm>
+          <a:prstGeom prst="ellipse">
+            <a:avLst/>
+          </a:prstGeom>
+          <a:solidFill>
+            <a:srgbClr val="7030A0"/>
+          </a:solidFill>
+          <a:ln>
+            <a:noFill/>
+          </a:ln>
+          <a:effectLst/>
+        </p:spPr>
+        <p:style>
+          <a:lnRef idx="1">
+            <a:schemeClr val="accent6"/>
+          </a:lnRef>
+          <a:fillRef idx="3">
+            <a:schemeClr val="accent6"/>
+          </a:fillRef>
+          <a:effectRef idx="2">
+            <a:schemeClr val="accent6"/>
+          </a:effectRef>
+          <a:fontRef idx="minor">
+            <a:schemeClr val="lt1"/>
+          </a:fontRef>
+        </p:style>
+        <p:txBody>
+          <a:bodyPr rot="0" spcFirstLastPara="0" vertOverflow="overflow" horzOverflow="overflow" vert="horz" wrap="none" lIns="180000" tIns="108000" rIns="180000" bIns="108000" numCol="1" spcCol="0" rtlCol="0" fromWordArt="0" anchor="ctr" anchorCtr="1" forceAA="0" compatLnSpc="1">
+            <a:prstTxWarp prst="textNoShape">
+              <a:avLst/>
+            </a:prstTxWarp>
+            <a:spAutoFit/>
+          </a:bodyPr>
+          <a:lstStyle/>
+          <a:p>
+            <a:pPr algn="ctr"/>
+            <a:r>
+              <a:rPr lang="zh-CN" altLang="en-US" dirty="0">
+                <a:solidFill>
+                  <a:schemeClr val="bg1"/>
+                </a:solidFill>
+                <a:latin typeface="冬青黑体简体中文 W3" panose="020B0300000000000000" pitchFamily="34" charset="-122"/>
+                <a:ea typeface="冬青黑体简体中文 W3" panose="020B0300000000000000" pitchFamily="34" charset="-122"/>
+              </a:rPr>
+              <a:t>子类</a:t>
+            </a:r>
+            <a:r>
+              <a:rPr lang="zh-CN" altLang="en-US" dirty="0" smtClean="0">
+                <a:solidFill>
+                  <a:schemeClr val="bg1"/>
+                </a:solidFill>
+                <a:latin typeface="冬青黑体简体中文 W3" panose="020B0300000000000000" pitchFamily="34" charset="-122"/>
+                <a:ea typeface="冬青黑体简体中文 W3" panose="020B0300000000000000" pitchFamily="34" charset="-122"/>
+              </a:rPr>
+              <a:t>实例</a:t>
+            </a:r>
+            <a:endParaRPr lang="en-US" altLang="zh-CN" dirty="0" smtClean="0">
+              <a:solidFill>
+                <a:schemeClr val="bg1"/>
+              </a:solidFill>
+              <a:latin typeface="冬青黑体简体中文 W3" panose="020B0300000000000000" pitchFamily="34" charset="-122"/>
+              <a:ea typeface="冬青黑体简体中文 W3" panose="020B0300000000000000" pitchFamily="34" charset="-122"/>
+            </a:endParaRPr>
+          </a:p>
+          <a:p>
+            <a:pPr algn="ctr"/>
+            <a:endParaRPr lang="en-US" altLang="zh-CN" dirty="0">
+              <a:solidFill>
+                <a:schemeClr val="bg1"/>
+              </a:solidFill>
+              <a:latin typeface="冬青黑体简体中文 W3" panose="020B0300000000000000" pitchFamily="34" charset="-122"/>
+              <a:ea typeface="冬青黑体简体中文 W3" panose="020B0300000000000000" pitchFamily="34" charset="-122"/>
+            </a:endParaRPr>
+          </a:p>
+          <a:p>
+            <a:pPr algn="ctr"/>
+            <a:r>
+              <a:rPr lang="en-US" altLang="zh-CN" dirty="0" smtClean="0">
+                <a:solidFill>
+                  <a:schemeClr val="bg1"/>
+                </a:solidFill>
+                <a:latin typeface="冬青黑体简体中文 W3" panose="020B0300000000000000" pitchFamily="34" charset="-122"/>
+                <a:ea typeface="冬青黑体简体中文 W3" panose="020B0300000000000000" pitchFamily="34" charset="-122"/>
+              </a:rPr>
+              <a:t>new Son()</a:t>
+            </a:r>
+            <a:endParaRPr lang="zh-CN" altLang="en-US" dirty="0" smtClean="0">
+              <a:solidFill>
+                <a:schemeClr val="bg1"/>
+              </a:solidFill>
+              <a:latin typeface="冬青黑体简体中文 W3" panose="020B0300000000000000" pitchFamily="34" charset="-122"/>
+              <a:ea typeface="冬青黑体简体中文 W3" panose="020B0300000000000000" pitchFamily="34" charset="-122"/>
+            </a:endParaRPr>
+          </a:p>
+        </p:txBody>
+      </p:sp>
+      <p:sp>
+        <p:nvSpPr>
+          <p:cNvPr id="36" name="直角上箭头 35"/>
+          <p:cNvSpPr/>
+          <p:nvPr/>
+        </p:nvSpPr>
+        <p:spPr>
+          <a:xfrm>
+            <a:off x="7220470" y="5769260"/>
+            <a:ext cx="2583942" cy="432048"/>
+          </a:xfrm>
+          <a:prstGeom prst="bentUpArrow">
+            <a:avLst/>
+          </a:prstGeom>
+          <a:solidFill>
+            <a:srgbClr val="C00000"/>
+          </a:solidFill>
+          <a:ln>
+            <a:noFill/>
+          </a:ln>
+          <a:effectLst/>
+        </p:spPr>
+        <p:style>
+          <a:lnRef idx="1">
+            <a:schemeClr val="accent6"/>
+          </a:lnRef>
+          <a:fillRef idx="3">
+            <a:schemeClr val="accent6"/>
+          </a:fillRef>
+          <a:effectRef idx="2">
+            <a:schemeClr val="accent6"/>
+          </a:effectRef>
+          <a:fontRef idx="minor">
+            <a:schemeClr val="lt1"/>
+          </a:fontRef>
+        </p:style>
+        <p:txBody>
+          <a:bodyPr rot="0" spcFirstLastPara="0" vertOverflow="overflow" horzOverflow="overflow" vert="horz" wrap="square" lIns="180000" tIns="108000" rIns="180000" bIns="108000" numCol="1" spcCol="0" rtlCol="0" fromWordArt="0" anchor="ctr" anchorCtr="1" forceAA="0" compatLnSpc="1">
+            <a:prstTxWarp prst="textNoShape">
+              <a:avLst/>
+            </a:prstTxWarp>
+            <a:spAutoFit/>
+          </a:bodyPr>
+          <a:lstStyle/>
+          <a:p>
+            <a:pPr algn="ctr"/>
+            <a:endParaRPr lang="zh-CN" altLang="en-US" dirty="0" smtClean="0">
+              <a:solidFill>
+                <a:schemeClr val="bg1"/>
+              </a:solidFill>
+              <a:latin typeface="冬青黑体简体中文 W3" panose="020B0300000000000000" pitchFamily="34" charset="-122"/>
+              <a:ea typeface="冬青黑体简体中文 W3" panose="020B0300000000000000" pitchFamily="34" charset="-122"/>
+            </a:endParaRPr>
+          </a:p>
+        </p:txBody>
+      </p:sp>
+      <p:sp>
+        <p:nvSpPr>
+          <p:cNvPr id="37" name="文本框 36"/>
+          <p:cNvSpPr txBox="1"/>
+          <p:nvPr/>
+        </p:nvSpPr>
+        <p:spPr>
+          <a:xfrm>
+            <a:off x="7592957" y="5710248"/>
+            <a:ext cx="1836204" cy="369332"/>
+          </a:xfrm>
+          <a:prstGeom prst="rect">
+            <a:avLst/>
+          </a:prstGeom>
+          <a:noFill/>
+        </p:spPr>
+        <p:txBody>
+          <a:bodyPr wrap="square" rtlCol="0">
+            <a:spAutoFit/>
+          </a:bodyPr>
+          <a:lstStyle/>
+          <a:p>
+            <a:r>
+              <a:rPr lang="en-US" altLang="zh-CN" dirty="0" smtClean="0">
+                <a:solidFill>
+                  <a:schemeClr val="tx1">
+                    <a:lumMod val="75000"/>
+                    <a:lumOff val="25000"/>
+                  </a:schemeClr>
+                </a:solidFill>
+                <a:latin typeface="冬青黑体简体中文 W3" panose="020B0300000000000000" pitchFamily="34" charset="-122"/>
+                <a:ea typeface="冬青黑体简体中文 W3" panose="020B0300000000000000" pitchFamily="34" charset="-122"/>
+              </a:rPr>
+              <a:t>__proto__ </a:t>
+            </a:r>
+            <a:r>
+              <a:rPr lang="zh-CN" altLang="en-US" dirty="0" smtClean="0">
+                <a:solidFill>
+                  <a:schemeClr val="tx1">
+                    <a:lumMod val="75000"/>
+                    <a:lumOff val="25000"/>
+                  </a:schemeClr>
+                </a:solidFill>
+                <a:latin typeface="冬青黑体简体中文 W3" panose="020B0300000000000000" pitchFamily="34" charset="-122"/>
+                <a:ea typeface="冬青黑体简体中文 W3" panose="020B0300000000000000" pitchFamily="34" charset="-122"/>
+              </a:rPr>
+              <a:t>指针</a:t>
+            </a:r>
+            <a:endParaRPr lang="zh-CN" altLang="en-US" dirty="0" smtClean="0">
+              <a:solidFill>
+                <a:schemeClr val="tx1">
+                  <a:lumMod val="75000"/>
+                  <a:lumOff val="25000"/>
+                </a:schemeClr>
+              </a:solidFill>
+              <a:latin typeface="冬青黑体简体中文 W3" panose="020B0300000000000000" pitchFamily="34" charset="-122"/>
+              <a:ea typeface="冬青黑体简体中文 W3" panose="020B0300000000000000" pitchFamily="34" charset="-122"/>
+            </a:endParaRPr>
+          </a:p>
+        </p:txBody>
+      </p:sp>
+      <p:sp>
+        <p:nvSpPr>
+          <p:cNvPr id="41" name="文本框 40"/>
+          <p:cNvSpPr txBox="1"/>
+          <p:nvPr/>
+        </p:nvSpPr>
+        <p:spPr>
+          <a:xfrm>
+            <a:off x="7675360" y="2119475"/>
+            <a:ext cx="1978825" cy="369332"/>
+          </a:xfrm>
+          <a:prstGeom prst="rect">
+            <a:avLst/>
+          </a:prstGeom>
+          <a:noFill/>
+        </p:spPr>
+        <p:txBody>
+          <a:bodyPr wrap="square" rtlCol="0">
+            <a:spAutoFit/>
+          </a:bodyPr>
+          <a:lstStyle/>
+          <a:p>
+            <a:r>
+              <a:rPr lang="en-US" altLang="zh-CN" dirty="0" smtClean="0">
+                <a:solidFill>
+                  <a:schemeClr val="tx1">
+                    <a:lumMod val="75000"/>
+                    <a:lumOff val="25000"/>
+                  </a:schemeClr>
+                </a:solidFill>
+                <a:latin typeface="冬青黑体简体中文 W3" panose="020B0300000000000000" pitchFamily="34" charset="-122"/>
+                <a:ea typeface="冬青黑体简体中文 W3" panose="020B0300000000000000" pitchFamily="34" charset="-122"/>
+              </a:rPr>
+              <a:t>__proto__ </a:t>
+            </a:r>
+            <a:r>
+              <a:rPr lang="zh-CN" altLang="en-US" dirty="0" smtClean="0">
+                <a:solidFill>
+                  <a:schemeClr val="tx1">
+                    <a:lumMod val="75000"/>
+                    <a:lumOff val="25000"/>
+                  </a:schemeClr>
+                </a:solidFill>
+                <a:latin typeface="冬青黑体简体中文 W3" panose="020B0300000000000000" pitchFamily="34" charset="-122"/>
+                <a:ea typeface="冬青黑体简体中文 W3" panose="020B0300000000000000" pitchFamily="34" charset="-122"/>
+              </a:rPr>
+              <a:t>指针</a:t>
+            </a:r>
+            <a:endParaRPr lang="zh-CN" altLang="en-US" dirty="0" smtClean="0">
+              <a:solidFill>
+                <a:schemeClr val="tx1">
+                  <a:lumMod val="75000"/>
+                  <a:lumOff val="25000"/>
+                </a:schemeClr>
+              </a:solidFill>
+              <a:latin typeface="冬青黑体简体中文 W3" panose="020B0300000000000000" pitchFamily="34" charset="-122"/>
+              <a:ea typeface="冬青黑体简体中文 W3" panose="020B0300000000000000" pitchFamily="34" charset="-122"/>
+            </a:endParaRPr>
+          </a:p>
+        </p:txBody>
+      </p:sp>
+      <p:sp>
+        <p:nvSpPr>
+          <p:cNvPr id="42" name="文本框 41"/>
+          <p:cNvSpPr txBox="1"/>
+          <p:nvPr/>
+        </p:nvSpPr>
+        <p:spPr>
+          <a:xfrm>
+            <a:off x="8329190" y="3496783"/>
+            <a:ext cx="695888" cy="523220"/>
+          </a:xfrm>
+          <a:prstGeom prst="rect">
+            <a:avLst/>
+          </a:prstGeom>
+          <a:noFill/>
+        </p:spPr>
+        <p:txBody>
+          <a:bodyPr wrap="square" rtlCol="0">
+            <a:spAutoFit/>
+          </a:bodyPr>
+          <a:lstStyle/>
+          <a:p>
+            <a:r>
+              <a:rPr lang="zh-CN" altLang="en-US" sz="2800" b="1" dirty="0" smtClean="0">
+                <a:solidFill>
+                  <a:srgbClr val="00B0F0"/>
+                </a:solidFill>
+                <a:latin typeface="冬青黑体简体中文 W3" panose="020B0300000000000000" pitchFamily="34" charset="-122"/>
+                <a:ea typeface="冬青黑体简体中文 W3" panose="020B0300000000000000" pitchFamily="34" charset="-122"/>
+              </a:rPr>
+              <a:t>？</a:t>
+            </a:r>
+            <a:endParaRPr lang="zh-CN" altLang="en-US" sz="2800" b="1" dirty="0" smtClean="0">
+              <a:solidFill>
+                <a:srgbClr val="00B0F0"/>
+              </a:solidFill>
+              <a:latin typeface="冬青黑体简体中文 W3" panose="020B0300000000000000" pitchFamily="34" charset="-122"/>
+              <a:ea typeface="冬青黑体简体中文 W3" panose="020B0300000000000000" pitchFamily="34" charset="-122"/>
+            </a:endParaRPr>
+          </a:p>
+        </p:txBody>
+      </p:sp>
+      <p:sp>
+        <p:nvSpPr>
+          <p:cNvPr id="43" name="直角上箭头 42"/>
+          <p:cNvSpPr/>
+          <p:nvPr/>
+        </p:nvSpPr>
+        <p:spPr>
+          <a:xfrm>
+            <a:off x="7535933" y="1881038"/>
+            <a:ext cx="2391475" cy="932054"/>
+          </a:xfrm>
+          <a:prstGeom prst="bentUpArrow">
+            <a:avLst/>
+          </a:prstGeom>
+          <a:solidFill>
+            <a:srgbClr val="C00000"/>
+          </a:solidFill>
+          <a:ln>
+            <a:noFill/>
+          </a:ln>
+          <a:effectLst/>
+        </p:spPr>
+        <p:style>
+          <a:lnRef idx="1">
+            <a:schemeClr val="accent6"/>
+          </a:lnRef>
+          <a:fillRef idx="3">
+            <a:schemeClr val="accent6"/>
+          </a:fillRef>
+          <a:effectRef idx="2">
+            <a:schemeClr val="accent6"/>
+          </a:effectRef>
+          <a:fontRef idx="minor">
+            <a:schemeClr val="lt1"/>
+          </a:fontRef>
+        </p:style>
+        <p:txBody>
+          <a:bodyPr rot="0" spcFirstLastPara="0" vertOverflow="overflow" horzOverflow="overflow" vert="horz" wrap="square" lIns="180000" tIns="108000" rIns="180000" bIns="108000" numCol="1" spcCol="0" rtlCol="0" fromWordArt="0" anchor="ctr" anchorCtr="1" forceAA="0" compatLnSpc="1">
+            <a:prstTxWarp prst="textNoShape">
+              <a:avLst/>
+            </a:prstTxWarp>
+            <a:noAutofit/>
+          </a:bodyPr>
+          <a:lstStyle/>
+          <a:p>
+            <a:pPr algn="ctr"/>
+            <a:endParaRPr lang="zh-CN" altLang="en-US" dirty="0" smtClean="0">
+              <a:solidFill>
+                <a:schemeClr val="bg1"/>
+              </a:solidFill>
+              <a:latin typeface="冬青黑体简体中文 W3" panose="020B0300000000000000" pitchFamily="34" charset="-122"/>
+              <a:ea typeface="冬青黑体简体中文 W3" panose="020B0300000000000000" pitchFamily="34" charset="-122"/>
+            </a:endParaRPr>
+          </a:p>
+        </p:txBody>
+      </p:sp>
+      <p:sp>
+        <p:nvSpPr>
+          <p:cNvPr id="45" name="直角上箭头 44"/>
+          <p:cNvSpPr/>
+          <p:nvPr/>
+        </p:nvSpPr>
+        <p:spPr>
+          <a:xfrm rot="-5400000">
+            <a:off x="8201621" y="2373049"/>
+            <a:ext cx="951026" cy="2342881"/>
+          </a:xfrm>
+          <a:prstGeom prst="bentUpArrow">
+            <a:avLst/>
+          </a:prstGeom>
+          <a:solidFill>
+            <a:srgbClr val="C00000"/>
+          </a:solidFill>
+          <a:ln>
+            <a:noFill/>
+          </a:ln>
+          <a:effectLst/>
+        </p:spPr>
+        <p:style>
+          <a:lnRef idx="1">
+            <a:schemeClr val="accent6"/>
+          </a:lnRef>
+          <a:fillRef idx="3">
+            <a:schemeClr val="accent6"/>
+          </a:fillRef>
+          <a:effectRef idx="2">
+            <a:schemeClr val="accent6"/>
+          </a:effectRef>
+          <a:fontRef idx="minor">
+            <a:schemeClr val="lt1"/>
+          </a:fontRef>
+        </p:style>
+        <p:txBody>
+          <a:bodyPr rot="0" spcFirstLastPara="0" vertOverflow="overflow" horzOverflow="overflow" vert="horz" wrap="none" lIns="180000" tIns="108000" rIns="180000" bIns="108000" numCol="1" spcCol="0" rtlCol="0" fromWordArt="0" anchor="ctr" anchorCtr="1" forceAA="0" compatLnSpc="1">
+            <a:prstTxWarp prst="textNoShape">
+              <a:avLst/>
+            </a:prstTxWarp>
+            <a:noAutofit/>
+          </a:bodyPr>
+          <a:lstStyle/>
+          <a:p>
+            <a:pPr algn="ctr"/>
+            <a:endParaRPr lang="zh-CN" altLang="en-US" dirty="0" smtClean="0">
+              <a:solidFill>
+                <a:schemeClr val="bg1"/>
+              </a:solidFill>
+              <a:latin typeface="冬青黑体简体中文 W3" panose="020B0300000000000000" pitchFamily="34" charset="-122"/>
+              <a:ea typeface="冬青黑体简体中文 W3" panose="020B0300000000000000" pitchFamily="34" charset="-122"/>
+            </a:endParaRPr>
+          </a:p>
+        </p:txBody>
+      </p:sp>
+      <p:pic>
+        <p:nvPicPr>
+          <p:cNvPr id="51" name="图片 50"/>
+          <p:cNvPicPr>
+            <a:picLocks noChangeAspect="1"/>
+          </p:cNvPicPr>
+          <p:nvPr/>
+        </p:nvPicPr>
+        <p:blipFill>
+          <a:blip r:embed="rId3" cstate="print">
+            <a:extLst>
+              <a:ext uri="{28A0092B-C50C-407E-A947-70E740481C1C}">
+                <a14:useLocalDpi xmlns:a14="http://schemas.microsoft.com/office/drawing/2010/main" val="0"/>
+              </a:ext>
+            </a:extLst>
+          </a:blip>
+          <a:stretch>
+            <a:fillRect/>
+          </a:stretch>
+        </p:blipFill>
+        <p:spPr>
+          <a:xfrm>
+            <a:off x="9965033" y="3172512"/>
+            <a:ext cx="847491" cy="847491"/>
+          </a:xfrm>
+          <a:prstGeom prst="rect">
+            <a:avLst/>
+          </a:prstGeom>
+        </p:spPr>
+      </p:pic>
+    </p:spTree>
+    <p:extLst>
+      <p:ext uri="{BB962C8B-B14F-4D97-AF65-F5344CB8AC3E}">
+        <p14:creationId xmlns:p14="http://schemas.microsoft.com/office/powerpoint/2010/main" val="2850418370"/>
+      </p:ext>
+    </p:extLst>
+  </p:cSld>
+  <p:clrMapOvr>
+    <a:masterClrMapping/>
+  </p:clrMapOvr>
+  <mc:AlternateContent xmlns:mc="http://schemas.openxmlformats.org/markup-compatibility/2006" xmlns:p14="http://schemas.microsoft.com/office/powerpoint/2010/main">
+    <mc:Choice Requires="p14">
+      <p:transition p14:dur="0" advTm="9938"/>
+    </mc:Choice>
+    <mc:Fallback xmlns="">
+      <p:transition advTm="9938"/>
+    </mc:Fallback>
+  </mc:AlternateContent>
+  <p:timing>
+    <p:tnLst>
+      <p:par>
+        <p:cTn id="1" dur="indefinite" restart="never" nodeType="tmRoot">
+          <p:childTnLst>
+            <p:seq concurrent="1" nextAc="seek">
+              <p:cTn id="2" dur="indefinite" nodeType="mainSeq">
+                <p:childTnLst>
+                  <p:par>
+                    <p:cTn id="3" fill="hold">
+                      <p:stCondLst>
+                        <p:cond delay="indefinite"/>
+                      </p:stCondLst>
+                      <p:childTnLst>
+                        <p:par>
+                          <p:cTn id="4" fill="hold">
+                            <p:stCondLst>
+                              <p:cond delay="0"/>
+                            </p:stCondLst>
+                            <p:childTnLst>
+                              <p:par>
+                                <p:cTn id="5" presetID="31" presetClass="entr" presetSubtype="0" fill="hold" nodeType="clickEffect">
+                                  <p:stCondLst>
+                                    <p:cond delay="0"/>
+                                  </p:stCondLst>
+                                  <p:childTnLst>
+                                    <p:set>
+                                      <p:cBhvr>
+                                        <p:cTn id="6" dur="1" fill="hold">
+                                          <p:stCondLst>
+                                            <p:cond delay="0"/>
+                                          </p:stCondLst>
+                                        </p:cTn>
+                                        <p:tgtEl>
+                                          <p:spTgt spid="51"/>
+                                        </p:tgtEl>
+                                        <p:attrNameLst>
+                                          <p:attrName>style.visibility</p:attrName>
+                                        </p:attrNameLst>
+                                      </p:cBhvr>
+                                      <p:to>
+                                        <p:strVal val="visible"/>
+                                      </p:to>
+                                    </p:set>
+                                    <p:anim calcmode="lin" valueType="num">
+                                      <p:cBhvr>
+                                        <p:cTn id="7" dur="1000" fill="hold"/>
+                                        <p:tgtEl>
+                                          <p:spTgt spid="51"/>
+                                        </p:tgtEl>
+                                        <p:attrNameLst>
+                                          <p:attrName>ppt_w</p:attrName>
+                                        </p:attrNameLst>
+                                      </p:cBhvr>
+                                      <p:tavLst>
+                                        <p:tav tm="0">
+                                          <p:val>
+                                            <p:fltVal val="0"/>
+                                          </p:val>
+                                        </p:tav>
+                                        <p:tav tm="100000">
+                                          <p:val>
+                                            <p:strVal val="#ppt_w"/>
+                                          </p:val>
+                                        </p:tav>
+                                      </p:tavLst>
+                                    </p:anim>
+                                    <p:anim calcmode="lin" valueType="num">
+                                      <p:cBhvr>
+                                        <p:cTn id="8" dur="1000" fill="hold"/>
+                                        <p:tgtEl>
+                                          <p:spTgt spid="51"/>
+                                        </p:tgtEl>
+                                        <p:attrNameLst>
+                                          <p:attrName>ppt_h</p:attrName>
+                                        </p:attrNameLst>
+                                      </p:cBhvr>
+                                      <p:tavLst>
+                                        <p:tav tm="0">
+                                          <p:val>
+                                            <p:fltVal val="0"/>
+                                          </p:val>
+                                        </p:tav>
+                                        <p:tav tm="100000">
+                                          <p:val>
+                                            <p:strVal val="#ppt_h"/>
+                                          </p:val>
+                                        </p:tav>
+                                      </p:tavLst>
+                                    </p:anim>
+                                    <p:anim calcmode="lin" valueType="num">
+                                      <p:cBhvr>
+                                        <p:cTn id="9" dur="1000" fill="hold"/>
+                                        <p:tgtEl>
+                                          <p:spTgt spid="51"/>
+                                        </p:tgtEl>
+                                        <p:attrNameLst>
+                                          <p:attrName>style.rotation</p:attrName>
+                                        </p:attrNameLst>
+                                      </p:cBhvr>
+                                      <p:tavLst>
+                                        <p:tav tm="0">
+                                          <p:val>
+                                            <p:fltVal val="90"/>
+                                          </p:val>
+                                        </p:tav>
+                                        <p:tav tm="100000">
+                                          <p:val>
+                                            <p:fltVal val="0"/>
+                                          </p:val>
+                                        </p:tav>
+                                      </p:tavLst>
+                                    </p:anim>
+                                    <p:animEffect transition="in" filter="fade">
+                                      <p:cBhvr>
+                                        <p:cTn id="10" dur="1000"/>
+                                        <p:tgtEl>
+                                          <p:spTgt spid="51"/>
+                                        </p:tgtEl>
+                                      </p:cBhvr>
+                                    </p:animEffect>
+                                  </p:childTnLst>
+                                </p:cTn>
+                              </p:par>
+                            </p:childTnLst>
+                          </p:cTn>
+                        </p:par>
+                      </p:childTnLst>
+                    </p:cTn>
+                  </p:par>
+                </p:childTnLst>
+              </p:cTn>
+              <p:prevCondLst>
+                <p:cond evt="onPrev" delay="0">
+                  <p:tgtEl>
+                    <p:sldTgt/>
+                  </p:tgtEl>
+                </p:cond>
+              </p:prevCondLst>
+              <p:nextCondLst>
+                <p:cond evt="onNext" delay="0">
+                  <p:tgtEl>
+                    <p:sldTgt/>
+                  </p:tgtEl>
+                </p:cond>
+              </p:nextCondLst>
+            </p:seq>
+          </p:childTnLst>
+        </p:cTn>
+      </p:par>
+    </p:tnLst>
+  </p:timing>
+</p:sld>
+</file>
+
+<file path=ppt/slides/slide27.xml><?xml version="1.0" encoding="utf-8"?>
+<p:sld xmlns:a="http://schemas.openxmlformats.org/drawingml/2006/main" xmlns:r="http://schemas.openxmlformats.org/officeDocument/2006/relationships" xmlns:p="http://schemas.openxmlformats.org/presentationml/2006/main">
+  <p:cSld>
+    <p:spTree>
+      <p:nvGrpSpPr>
+        <p:cNvPr id="1" name=""/>
+        <p:cNvGrpSpPr/>
+        <p:nvPr/>
+      </p:nvGrpSpPr>
+      <p:grpSpPr>
+        <a:xfrm>
+          <a:off x="0" y="0"/>
+          <a:ext cx="0" cy="0"/>
+          <a:chOff x="0" y="0"/>
+          <a:chExt cx="0" cy="0"/>
+        </a:xfrm>
+      </p:grpSpPr>
+      <p:sp>
+        <p:nvSpPr>
+          <p:cNvPr id="2" name="标题 1"/>
+          <p:cNvSpPr>
+            <a:spLocks noGrp="1"/>
+          </p:cNvSpPr>
+          <p:nvPr>
+            <p:ph type="title"/>
+          </p:nvPr>
+        </p:nvSpPr>
+        <p:spPr>
+          <a:xfrm>
+            <a:off x="-11324" y="2648"/>
+            <a:ext cx="12192000" cy="1122096"/>
+          </a:xfrm>
+        </p:spPr>
+        <p:txBody>
+          <a:bodyPr/>
+          <a:lstStyle/>
+          <a:p>
+            <a:r>
+              <a:rPr lang="zh-CN" altLang="en-US" dirty="0" smtClean="0"/>
+              <a:t>代码示例</a:t>
+            </a:r>
+            <a:endParaRPr lang="zh-CN" altLang="en-US" dirty="0"/>
+          </a:p>
+        </p:txBody>
+      </p:sp>
+      <p:pic>
+        <p:nvPicPr>
+          <p:cNvPr id="4" name="图片 3"/>
+          <p:cNvPicPr>
+            <a:picLocks noChangeAspect="1"/>
+          </p:cNvPicPr>
+          <p:nvPr/>
+        </p:nvPicPr>
+        <p:blipFill>
+          <a:blip r:embed="rId3"/>
+          <a:stretch>
+            <a:fillRect/>
+          </a:stretch>
+        </p:blipFill>
+        <p:spPr>
+          <a:xfrm>
+            <a:off x="11324" y="1185626"/>
+            <a:ext cx="12199022" cy="5672374"/>
+          </a:xfrm>
+          <a:prstGeom prst="rect">
+            <a:avLst/>
+          </a:prstGeom>
+        </p:spPr>
+      </p:pic>
+    </p:spTree>
+    <p:extLst>
+      <p:ext uri="{BB962C8B-B14F-4D97-AF65-F5344CB8AC3E}">
+        <p14:creationId xmlns:p14="http://schemas.microsoft.com/office/powerpoint/2010/main" val="236404810"/>
+      </p:ext>
+    </p:extLst>
+  </p:cSld>
+  <p:clrMapOvr>
+    <a:masterClrMapping/>
+  </p:clrMapOvr>
+  <mc:AlternateContent xmlns:mc="http://schemas.openxmlformats.org/markup-compatibility/2006" xmlns:p14="http://schemas.microsoft.com/office/powerpoint/2010/main">
+    <mc:Choice Requires="p14">
+      <p:transition p14:dur="0" advTm="9938"/>
+    </mc:Choice>
+    <mc:Fallback xmlns="">
+      <p:transition advTm="9938"/>
+    </mc:Fallback>
+  </mc:AlternateContent>
+  <p:timing>
+    <p:tnLst>
+      <p:par>
+        <p:cTn id="1" dur="indefinite" restart="never" nodeType="tmRoot"/>
+      </p:par>
+    </p:tnLst>
+  </p:timing>
+</p:sld>
+</file>
+
+<file path=ppt/slides/slide28.xml><?xml version="1.0" encoding="utf-8"?>
+<p:sld xmlns:a="http://schemas.openxmlformats.org/drawingml/2006/main" xmlns:r="http://schemas.openxmlformats.org/officeDocument/2006/relationships" xmlns:p="http://schemas.openxmlformats.org/presentationml/2006/main">
+  <p:cSld>
+    <p:spTree>
+      <p:nvGrpSpPr>
+        <p:cNvPr id="1" name=""/>
+        <p:cNvGrpSpPr/>
+        <p:nvPr/>
+      </p:nvGrpSpPr>
+      <p:grpSpPr>
+        <a:xfrm>
+          <a:off x="0" y="0"/>
+          <a:ext cx="0" cy="0"/>
+          <a:chOff x="0" y="0"/>
+          <a:chExt cx="0" cy="0"/>
+        </a:xfrm>
+      </p:grpSpPr>
+      <p:sp>
+        <p:nvSpPr>
+          <p:cNvPr id="2" name="标题 1"/>
+          <p:cNvSpPr>
+            <a:spLocks noGrp="1"/>
+          </p:cNvSpPr>
+          <p:nvPr>
+            <p:ph type="title"/>
+          </p:nvPr>
+        </p:nvSpPr>
+        <p:spPr>
+          <a:xfrm>
+            <a:off x="6492044" y="2680083"/>
+            <a:ext cx="2088802" cy="766067"/>
+          </a:xfrm>
+        </p:spPr>
+        <p:txBody>
+          <a:bodyPr/>
+          <a:lstStyle/>
+          <a:p>
+            <a:pPr algn="l"/>
+            <a:r>
+              <a:rPr lang="zh-CN" altLang="en-US" dirty="0" smtClean="0"/>
+              <a:t>闭包</a:t>
+            </a:r>
+            <a:endParaRPr lang="zh-CN" altLang="en-US" dirty="0"/>
+          </a:p>
+        </p:txBody>
+      </p:sp>
+      <p:sp>
+        <p:nvSpPr>
+          <p:cNvPr id="3" name="文本占位符 2"/>
+          <p:cNvSpPr>
+            <a:spLocks noGrp="1"/>
+          </p:cNvSpPr>
+          <p:nvPr>
+            <p:ph type="body" sz="quarter" idx="10"/>
+          </p:nvPr>
+        </p:nvSpPr>
+        <p:spPr>
+          <a:xfrm>
+            <a:off x="6312024" y="3608003"/>
+            <a:ext cx="1620180" cy="684597"/>
+          </a:xfrm>
+        </p:spPr>
+        <p:txBody>
+          <a:bodyPr/>
+          <a:lstStyle/>
+          <a:p>
+            <a:r>
+              <a:rPr lang="zh-CN" altLang="en-US" dirty="0" smtClean="0">
+                <a:solidFill>
+                  <a:schemeClr val="tx1">
+                    <a:lumMod val="85000"/>
+                    <a:lumOff val="15000"/>
+                  </a:schemeClr>
+                </a:solidFill>
+              </a:rPr>
+              <a:t>解锁新姿势</a:t>
+            </a:r>
+            <a:endParaRPr lang="zh-CN" altLang="en-US" dirty="0">
+              <a:solidFill>
+                <a:schemeClr val="tx1">
+                  <a:lumMod val="85000"/>
+                  <a:lumOff val="15000"/>
+                </a:schemeClr>
+              </a:solidFill>
+            </a:endParaRPr>
+          </a:p>
+        </p:txBody>
+      </p:sp>
+      <p:pic>
+        <p:nvPicPr>
+          <p:cNvPr id="6" name="图片 5"/>
+          <p:cNvPicPr>
+            <a:picLocks noChangeAspect="1"/>
+          </p:cNvPicPr>
+          <p:nvPr/>
+        </p:nvPicPr>
+        <p:blipFill>
+          <a:blip r:embed="rId3">
+            <a:extLst>
+              <a:ext uri="{28A0092B-C50C-407E-A947-70E740481C1C}">
+                <a14:useLocalDpi xmlns:a14="http://schemas.microsoft.com/office/drawing/2010/main" val="0"/>
+              </a:ext>
+            </a:extLst>
+          </a:blip>
+          <a:stretch>
+            <a:fillRect/>
+          </a:stretch>
+        </p:blipFill>
+        <p:spPr>
+          <a:xfrm>
+            <a:off x="3863752" y="2325860"/>
+            <a:ext cx="2016522" cy="2240580"/>
+          </a:xfrm>
+          <a:prstGeom prst="rect">
+            <a:avLst/>
+          </a:prstGeom>
+        </p:spPr>
+      </p:pic>
+    </p:spTree>
+    <p:extLst>
+      <p:ext uri="{BB962C8B-B14F-4D97-AF65-F5344CB8AC3E}">
+        <p14:creationId xmlns:p14="http://schemas.microsoft.com/office/powerpoint/2010/main" val="2982981093"/>
+      </p:ext>
+    </p:extLst>
+  </p:cSld>
+  <p:clrMapOvr>
+    <a:masterClrMapping/>
+  </p:clrMapOvr>
+  <mc:AlternateContent xmlns:mc="http://schemas.openxmlformats.org/markup-compatibility/2006" xmlns:p14="http://schemas.microsoft.com/office/powerpoint/2010/main">
+    <mc:Choice Requires="p14">
+      <p:transition p14:dur="0" advTm="9938"/>
+    </mc:Choice>
+    <mc:Fallback xmlns="">
+      <p:transition advTm="9938"/>
+    </mc:Fallback>
+  </mc:AlternateContent>
+  <p:timing>
+    <p:tnLst>
+      <p:par>
+        <p:cTn id="1" dur="indefinite" restart="never" nodeType="tmRoot">
+          <p:childTnLst>
+            <p:seq concurrent="1" nextAc="seek">
+              <p:cTn id="2" dur="indefinite" nodeType="mainSeq">
+                <p:childTnLst>
+                  <p:par>
+                    <p:cTn id="3" fill="hold">
+                      <p:stCondLst>
+                        <p:cond delay="indefinite"/>
+                        <p:cond evt="onBegin" delay="0">
+                          <p:tn val="2"/>
+                        </p:cond>
+                      </p:stCondLst>
+                      <p:childTnLst>
+                        <p:par>
+                          <p:cTn id="4" fill="hold">
+                            <p:stCondLst>
+                              <p:cond delay="0"/>
+                            </p:stCondLst>
+                            <p:childTnLst>
+                              <p:par>
+                                <p:cTn id="5" presetID="14" presetClass="entr" presetSubtype="10" fill="hold" nodeType="withEffect">
+                                  <p:stCondLst>
+                                    <p:cond delay="0"/>
+                                  </p:stCondLst>
+                                  <p:childTnLst>
+                                    <p:set>
+                                      <p:cBhvr>
+                                        <p:cTn id="6" dur="1" fill="hold">
+                                          <p:stCondLst>
+                                            <p:cond delay="0"/>
+                                          </p:stCondLst>
+                                        </p:cTn>
+                                        <p:tgtEl>
+                                          <p:spTgt spid="3">
+                                            <p:txEl>
+                                              <p:pRg st="0" end="0"/>
+                                            </p:txEl>
+                                          </p:spTgt>
+                                        </p:tgtEl>
+                                        <p:attrNameLst>
+                                          <p:attrName>style.visibility</p:attrName>
+                                        </p:attrNameLst>
+                                      </p:cBhvr>
+                                      <p:to>
+                                        <p:strVal val="visible"/>
+                                      </p:to>
+                                    </p:set>
+                                    <p:animEffect transition="in" filter="randombar(horizontal)">
+                                      <p:cBhvr>
+                                        <p:cTn id="7" dur="500"/>
+                                        <p:tgtEl>
+                                          <p:spTgt spid="3">
+                                            <p:txEl>
+                                              <p:pRg st="0" end="0"/>
+                                            </p:txEl>
+                                          </p:spTgt>
+                                        </p:tgtEl>
+                                      </p:cBhvr>
+                                    </p:animEffect>
+                                  </p:childTnLst>
+                                </p:cTn>
+                              </p:par>
+                            </p:childTnLst>
+                          </p:cTn>
+                        </p:par>
+                      </p:childTnLst>
+                    </p:cTn>
+                  </p:par>
+                </p:childTnLst>
+              </p:cTn>
+              <p:prevCondLst>
+                <p:cond evt="onPrev" delay="0">
+                  <p:tgtEl>
+                    <p:sldTgt/>
+                  </p:tgtEl>
+                </p:cond>
+              </p:prevCondLst>
+              <p:nextCondLst>
+                <p:cond evt="onNext" delay="0">
+                  <p:tgtEl>
+                    <p:sldTgt/>
+                  </p:tgtEl>
+                </p:cond>
+              </p:nextCondLst>
+            </p:seq>
+          </p:childTnLst>
+        </p:cTn>
+      </p:par>
+    </p:tnLst>
+  </p:timing>
+</p:sld>
+</file>
+
+<file path=ppt/slides/slide29.xml><?xml version="1.0" encoding="utf-8"?>
 <p:sld xmlns:a="http://schemas.openxmlformats.org/drawingml/2006/main" xmlns:r="http://schemas.openxmlformats.org/officeDocument/2006/relationships" xmlns:p="http://schemas.openxmlformats.org/presentationml/2006/main">
   <p:cSld>
     <p:spTree>
@@ -7700,6 +10514,320 @@
 </file>
 
 <file path=ppt/slides/slide3.xml><?xml version="1.0" encoding="utf-8"?>
+<p:sld xmlns:a="http://schemas.openxmlformats.org/drawingml/2006/main" xmlns:r="http://schemas.openxmlformats.org/officeDocument/2006/relationships" xmlns:p="http://schemas.openxmlformats.org/presentationml/2006/main">
+  <p:cSld>
+    <p:spTree>
+      <p:nvGrpSpPr>
+        <p:cNvPr id="1" name=""/>
+        <p:cNvGrpSpPr/>
+        <p:nvPr/>
+      </p:nvGrpSpPr>
+      <p:grpSpPr>
+        <a:xfrm>
+          <a:off x="0" y="0"/>
+          <a:ext cx="0" cy="0"/>
+          <a:chOff x="0" y="0"/>
+          <a:chExt cx="0" cy="0"/>
+        </a:xfrm>
+      </p:grpSpPr>
+      <p:sp>
+        <p:nvSpPr>
+          <p:cNvPr id="2" name="标题 1"/>
+          <p:cNvSpPr>
+            <a:spLocks noGrp="1"/>
+          </p:cNvSpPr>
+          <p:nvPr>
+            <p:ph type="title"/>
+          </p:nvPr>
+        </p:nvSpPr>
+        <p:spPr>
+          <a:xfrm>
+            <a:off x="611267" y="1772816"/>
+            <a:ext cx="10972641" cy="1143000"/>
+          </a:xfrm>
+        </p:spPr>
+        <p:txBody>
+          <a:bodyPr>
+            <a:normAutofit/>
+          </a:bodyPr>
+          <a:lstStyle/>
+          <a:p>
+            <a:r>
+              <a:rPr lang="zh-CN" altLang="en-US" sz="3600" dirty="0" smtClean="0">
+                <a:latin typeface="冬青黑体简体中文 W3" panose="020B0300000000000000" pitchFamily="34" charset="-122"/>
+                <a:ea typeface="冬青黑体简体中文 W3" panose="020B0300000000000000" pitchFamily="34" charset="-122"/>
+              </a:rPr>
+              <a:t>根据执行上下文分类</a:t>
+            </a:r>
+            <a:endParaRPr lang="zh-CN" altLang="en-US" sz="3600" dirty="0">
+              <a:latin typeface="冬青黑体简体中文 W3" panose="020B0300000000000000" pitchFamily="34" charset="-122"/>
+              <a:ea typeface="冬青黑体简体中文 W3" panose="020B0300000000000000" pitchFamily="34" charset="-122"/>
+            </a:endParaRPr>
+          </a:p>
+        </p:txBody>
+      </p:sp>
+      <p:sp>
+        <p:nvSpPr>
+          <p:cNvPr id="3" name="文本框 2"/>
+          <p:cNvSpPr txBox="1"/>
+          <p:nvPr/>
+        </p:nvSpPr>
+        <p:spPr>
+          <a:xfrm>
+            <a:off x="5123892" y="3248980"/>
+            <a:ext cx="2124236" cy="1200329"/>
+          </a:xfrm>
+          <a:prstGeom prst="rect">
+            <a:avLst/>
+          </a:prstGeom>
+          <a:noFill/>
+        </p:spPr>
+        <p:txBody>
+          <a:bodyPr wrap="square" rtlCol="0">
+            <a:spAutoFit/>
+          </a:bodyPr>
+          <a:lstStyle/>
+          <a:p>
+            <a:pPr marL="342900" indent="-342900">
+              <a:lnSpc>
+                <a:spcPct val="200000"/>
+              </a:lnSpc>
+              <a:buFont typeface="+mj-lt"/>
+              <a:buAutoNum type="arabicPeriod"/>
+            </a:pPr>
+            <a:r>
+              <a:rPr lang="zh-CN" altLang="en-US" dirty="0">
+                <a:solidFill>
+                  <a:schemeClr val="tx1">
+                    <a:lumMod val="65000"/>
+                    <a:lumOff val="35000"/>
+                  </a:schemeClr>
+                </a:solidFill>
+                <a:latin typeface="冬青黑体简体中文 W3" panose="020B0300000000000000" pitchFamily="34" charset="-122"/>
+                <a:ea typeface="冬青黑体简体中文 W3" panose="020B0300000000000000" pitchFamily="34" charset="-122"/>
+              </a:rPr>
+              <a:t>全</a:t>
+            </a:r>
+            <a:r>
+              <a:rPr lang="zh-CN" altLang="en-US" dirty="0" smtClean="0">
+                <a:solidFill>
+                  <a:schemeClr val="tx1">
+                    <a:lumMod val="65000"/>
+                    <a:lumOff val="35000"/>
+                  </a:schemeClr>
+                </a:solidFill>
+                <a:latin typeface="冬青黑体简体中文 W3" panose="020B0300000000000000" pitchFamily="34" charset="-122"/>
+                <a:ea typeface="冬青黑体简体中文 W3" panose="020B0300000000000000" pitchFamily="34" charset="-122"/>
+              </a:rPr>
+              <a:t>局上下文</a:t>
+            </a:r>
+            <a:endParaRPr lang="en-US" altLang="zh-CN" dirty="0" smtClean="0">
+              <a:solidFill>
+                <a:schemeClr val="tx1">
+                  <a:lumMod val="65000"/>
+                  <a:lumOff val="35000"/>
+                </a:schemeClr>
+              </a:solidFill>
+              <a:latin typeface="冬青黑体简体中文 W3" panose="020B0300000000000000" pitchFamily="34" charset="-122"/>
+              <a:ea typeface="冬青黑体简体中文 W3" panose="020B0300000000000000" pitchFamily="34" charset="-122"/>
+            </a:endParaRPr>
+          </a:p>
+          <a:p>
+            <a:pPr marL="342900" indent="-342900">
+              <a:lnSpc>
+                <a:spcPct val="200000"/>
+              </a:lnSpc>
+              <a:buFont typeface="+mj-lt"/>
+              <a:buAutoNum type="arabicPeriod"/>
+            </a:pPr>
+            <a:r>
+              <a:rPr lang="zh-CN" altLang="en-US" dirty="0">
+                <a:solidFill>
+                  <a:schemeClr val="tx1">
+                    <a:lumMod val="65000"/>
+                    <a:lumOff val="35000"/>
+                  </a:schemeClr>
+                </a:solidFill>
+                <a:latin typeface="冬青黑体简体中文 W3" panose="020B0300000000000000" pitchFamily="34" charset="-122"/>
+                <a:ea typeface="冬青黑体简体中文 W3" panose="020B0300000000000000" pitchFamily="34" charset="-122"/>
+              </a:rPr>
+              <a:t>函</a:t>
+            </a:r>
+            <a:r>
+              <a:rPr lang="zh-CN" altLang="en-US" dirty="0" smtClean="0">
+                <a:solidFill>
+                  <a:schemeClr val="tx1">
+                    <a:lumMod val="65000"/>
+                    <a:lumOff val="35000"/>
+                  </a:schemeClr>
+                </a:solidFill>
+                <a:latin typeface="冬青黑体简体中文 W3" panose="020B0300000000000000" pitchFamily="34" charset="-122"/>
+                <a:ea typeface="冬青黑体简体中文 W3" panose="020B0300000000000000" pitchFamily="34" charset="-122"/>
+              </a:rPr>
+              <a:t>数上下文</a:t>
+            </a:r>
+          </a:p>
+        </p:txBody>
+      </p:sp>
+    </p:spTree>
+    <p:extLst>
+      <p:ext uri="{BB962C8B-B14F-4D97-AF65-F5344CB8AC3E}">
+        <p14:creationId xmlns:p14="http://schemas.microsoft.com/office/powerpoint/2010/main" val="2433375525"/>
+      </p:ext>
+    </p:extLst>
+  </p:cSld>
+  <p:clrMapOvr>
+    <a:masterClrMapping/>
+  </p:clrMapOvr>
+  <mc:AlternateContent xmlns:mc="http://schemas.openxmlformats.org/markup-compatibility/2006" xmlns:p14="http://schemas.microsoft.com/office/powerpoint/2010/main">
+    <mc:Choice Requires="p14">
+      <p:transition p14:dur="0" advTm="9938"/>
+    </mc:Choice>
+    <mc:Fallback xmlns="">
+      <p:transition advTm="9938"/>
+    </mc:Fallback>
+  </mc:AlternateContent>
+  <p:timing>
+    <p:tnLst>
+      <p:par>
+        <p:cTn id="1" dur="indefinite" restart="never" nodeType="tmRoot">
+          <p:childTnLst>
+            <p:seq concurrent="1" nextAc="seek">
+              <p:cTn id="2" dur="indefinite" nodeType="mainSeq">
+                <p:childTnLst>
+                  <p:par>
+                    <p:cTn id="3" fill="hold">
+                      <p:stCondLst>
+                        <p:cond delay="indefinite"/>
+                        <p:cond evt="onBegin" delay="0">
+                          <p:tn val="2"/>
+                        </p:cond>
+                      </p:stCondLst>
+                      <p:childTnLst>
+                        <p:par>
+                          <p:cTn id="4" fill="hold">
+                            <p:stCondLst>
+                              <p:cond delay="0"/>
+                            </p:stCondLst>
+                            <p:childTnLst>
+                              <p:par>
+                                <p:cTn id="5" presetID="14" presetClass="entr" presetSubtype="10" fill="hold" nodeType="withEffect">
+                                  <p:stCondLst>
+                                    <p:cond delay="0"/>
+                                  </p:stCondLst>
+                                  <p:childTnLst>
+                                    <p:set>
+                                      <p:cBhvr>
+                                        <p:cTn id="6" dur="1" fill="hold">
+                                          <p:stCondLst>
+                                            <p:cond delay="0"/>
+                                          </p:stCondLst>
+                                        </p:cTn>
+                                        <p:tgtEl>
+                                          <p:spTgt spid="3">
+                                            <p:txEl>
+                                              <p:pRg st="0" end="0"/>
+                                            </p:txEl>
+                                          </p:spTgt>
+                                        </p:tgtEl>
+                                        <p:attrNameLst>
+                                          <p:attrName>style.visibility</p:attrName>
+                                        </p:attrNameLst>
+                                      </p:cBhvr>
+                                      <p:to>
+                                        <p:strVal val="visible"/>
+                                      </p:to>
+                                    </p:set>
+                                    <p:animEffect transition="in" filter="randombar(horizontal)">
+                                      <p:cBhvr>
+                                        <p:cTn id="7" dur="500"/>
+                                        <p:tgtEl>
+                                          <p:spTgt spid="3">
+                                            <p:txEl>
+                                              <p:pRg st="0" end="0"/>
+                                            </p:txEl>
+                                          </p:spTgt>
+                                        </p:tgtEl>
+                                      </p:cBhvr>
+                                    </p:animEffect>
+                                  </p:childTnLst>
+                                </p:cTn>
+                              </p:par>
+                              <p:par>
+                                <p:cTn id="8" presetID="14" presetClass="entr" presetSubtype="10" fill="hold" nodeType="withEffect">
+                                  <p:stCondLst>
+                                    <p:cond delay="0"/>
+                                  </p:stCondLst>
+                                  <p:childTnLst>
+                                    <p:set>
+                                      <p:cBhvr>
+                                        <p:cTn id="9" dur="1" fill="hold">
+                                          <p:stCondLst>
+                                            <p:cond delay="0"/>
+                                          </p:stCondLst>
+                                        </p:cTn>
+                                        <p:tgtEl>
+                                          <p:spTgt spid="3">
+                                            <p:txEl>
+                                              <p:pRg st="1" end="1"/>
+                                            </p:txEl>
+                                          </p:spTgt>
+                                        </p:tgtEl>
+                                        <p:attrNameLst>
+                                          <p:attrName>style.visibility</p:attrName>
+                                        </p:attrNameLst>
+                                      </p:cBhvr>
+                                      <p:to>
+                                        <p:strVal val="visible"/>
+                                      </p:to>
+                                    </p:set>
+                                    <p:animEffect transition="in" filter="randombar(horizontal)">
+                                      <p:cBhvr>
+                                        <p:cTn id="10" dur="500"/>
+                                        <p:tgtEl>
+                                          <p:spTgt spid="3">
+                                            <p:txEl>
+                                              <p:pRg st="1" end="1"/>
+                                            </p:txEl>
+                                          </p:spTgt>
+                                        </p:tgtEl>
+                                      </p:cBhvr>
+                                    </p:animEffect>
+                                  </p:childTnLst>
+                                </p:cTn>
+                              </p:par>
+                            </p:childTnLst>
+                          </p:cTn>
+                        </p:par>
+                      </p:childTnLst>
+                    </p:cTn>
+                  </p:par>
+                </p:childTnLst>
+              </p:cTn>
+              <p:prevCondLst>
+                <p:cond evt="onPrev" delay="0">
+                  <p:tgtEl>
+                    <p:sldTgt/>
+                  </p:tgtEl>
+                </p:cond>
+              </p:prevCondLst>
+              <p:nextCondLst>
+                <p:cond evt="onNext" delay="0">
+                  <p:tgtEl>
+                    <p:sldTgt/>
+                  </p:tgtEl>
+                </p:cond>
+              </p:nextCondLst>
+            </p:seq>
+          </p:childTnLst>
+        </p:cTn>
+      </p:par>
+    </p:tnLst>
+  </p:timing>
+</p:sld>
+</file>
+
+<file path=ppt/slides/slide4.xml><?xml version="1.0" encoding="utf-8"?>
 <p:sld xmlns:a="http://schemas.openxmlformats.org/drawingml/2006/main" xmlns:r="http://schemas.openxmlformats.org/officeDocument/2006/relationships" xmlns:p="http://schemas.openxmlformats.org/presentationml/2006/main">
   <p:cSld>
     <p:spTree>
@@ -7810,7 +10938,7 @@
 </p:sld>
 </file>
 
-<file path=ppt/slides/slide4.xml><?xml version="1.0" encoding="utf-8"?>
+<file path=ppt/slides/slide5.xml><?xml version="1.0" encoding="utf-8"?>
 <p:sld xmlns:a="http://schemas.openxmlformats.org/drawingml/2006/main" xmlns:r="http://schemas.openxmlformats.org/officeDocument/2006/relationships" xmlns:p="http://schemas.openxmlformats.org/presentationml/2006/main">
   <p:cSld>
     <p:spTree>
@@ -8154,7 +11282,7 @@
 </p:sld>
 </file>
 
-<file path=ppt/slides/slide5.xml><?xml version="1.0" encoding="utf-8"?>
+<file path=ppt/slides/slide6.xml><?xml version="1.0" encoding="utf-8"?>
 <p:sld xmlns:a="http://schemas.openxmlformats.org/drawingml/2006/main" xmlns:r="http://schemas.openxmlformats.org/officeDocument/2006/relationships" xmlns:p="http://schemas.openxmlformats.org/presentationml/2006/main">
   <p:cSld>
     <p:spTree>
@@ -8265,7 +11393,7 @@
 </p:sld>
 </file>
 
-<file path=ppt/slides/slide6.xml><?xml version="1.0" encoding="utf-8"?>
+<file path=ppt/slides/slide7.xml><?xml version="1.0" encoding="utf-8"?>
 <p:sld xmlns:a="http://schemas.openxmlformats.org/drawingml/2006/main" xmlns:r="http://schemas.openxmlformats.org/officeDocument/2006/relationships" xmlns:p="http://schemas.openxmlformats.org/presentationml/2006/main">
   <p:cSld>
     <p:spTree>
@@ -8545,7 +11673,7 @@
                             </p:stCondLst>
                             <p:childTnLst>
                               <p:par>
-                                <p:cTn id="5" presetID="14" presetClass="entr" presetSubtype="10" fill="hold" nodeType="afterEffect">
+                                <p:cTn id="5" presetID="14" presetClass="entr" presetSubtype="10" fill="hold" nodeType="withEffect">
                                   <p:stCondLst>
                                     <p:cond delay="0"/>
                                   </p:stCondLst>
@@ -8587,24 +11715,15 @@
                                   </p:childTnLst>
                                 </p:cTn>
                               </p:par>
-                            </p:childTnLst>
-                          </p:cTn>
-                        </p:par>
-                        <p:par>
-                          <p:cTn id="8" fill="hold">
-                            <p:stCondLst>
-                              <p:cond delay="500"/>
-                            </p:stCondLst>
-                            <p:childTnLst>
                               <p:par>
-                                <p:cTn id="9" presetID="14" presetClass="entr" presetSubtype="10" fill="hold" nodeType="afterEffect">
+                                <p:cTn id="8" presetID="14" presetClass="entr" presetSubtype="10" fill="hold" nodeType="withEffect">
                                   <p:stCondLst>
                                     <p:cond delay="0"/>
                                   </p:stCondLst>
                                   <p:childTnLst>
                                     <p:set>
                                       <p:cBhvr>
-                                        <p:cTn id="10" dur="1" fill="hold">
+                                        <p:cTn id="9" dur="1" fill="hold">
                                           <p:stCondLst>
                                             <p:cond delay="0"/>
                                           </p:stCondLst>
@@ -8626,7 +11745,7 @@
                                     </p:set>
                                     <p:animEffect transition="in" filter="randombar(horizontal)">
                                       <p:cBhvr>
-                                        <p:cTn id="11" dur="500"/>
+                                        <p:cTn id="10" dur="500"/>
                                         <p:tgtEl>
                                           <p:spTgt spid="4">
                                             <p:txEl>
@@ -8639,24 +11758,15 @@
                                   </p:childTnLst>
                                 </p:cTn>
                               </p:par>
-                            </p:childTnLst>
-                          </p:cTn>
-                        </p:par>
-                        <p:par>
-                          <p:cTn id="12" fill="hold">
-                            <p:stCondLst>
-                              <p:cond delay="1000"/>
-                            </p:stCondLst>
-                            <p:childTnLst>
                               <p:par>
-                                <p:cTn id="13" presetID="14" presetClass="entr" presetSubtype="10" fill="hold" nodeType="afterEffect">
+                                <p:cTn id="11" presetID="14" presetClass="entr" presetSubtype="10" fill="hold" nodeType="withEffect">
                                   <p:stCondLst>
                                     <p:cond delay="0"/>
                                   </p:stCondLst>
                                   <p:childTnLst>
                                     <p:set>
                                       <p:cBhvr>
-                                        <p:cTn id="14" dur="1" fill="hold">
+                                        <p:cTn id="12" dur="1" fill="hold">
                                           <p:stCondLst>
                                             <p:cond delay="0"/>
                                           </p:stCondLst>
@@ -8678,7 +11788,7 @@
                                     </p:set>
                                     <p:animEffect transition="in" filter="randombar(horizontal)">
                                       <p:cBhvr>
-                                        <p:cTn id="15" dur="500"/>
+                                        <p:cTn id="13" dur="500"/>
                                         <p:tgtEl>
                                           <p:spTgt spid="4">
                                             <p:txEl>
@@ -8722,709 +11832,6 @@
 </p:sld>
 </file>
 
-<file path=ppt/slides/slide7.xml><?xml version="1.0" encoding="utf-8"?>
-<p:sld xmlns:a="http://schemas.openxmlformats.org/drawingml/2006/main" xmlns:r="http://schemas.openxmlformats.org/officeDocument/2006/relationships" xmlns:p="http://schemas.openxmlformats.org/presentationml/2006/main">
-  <p:cSld>
-    <p:spTree>
-      <p:nvGrpSpPr>
-        <p:cNvPr id="1" name=""/>
-        <p:cNvGrpSpPr/>
-        <p:nvPr/>
-      </p:nvGrpSpPr>
-      <p:grpSpPr>
-        <a:xfrm>
-          <a:off x="0" y="0"/>
-          <a:ext cx="0" cy="0"/>
-          <a:chOff x="0" y="0"/>
-          <a:chExt cx="0" cy="0"/>
-        </a:xfrm>
-      </p:grpSpPr>
-      <p:sp>
-        <p:nvSpPr>
-          <p:cNvPr id="2" name="标题 1"/>
-          <p:cNvSpPr>
-            <a:spLocks noGrp="1"/>
-          </p:cNvSpPr>
-          <p:nvPr>
-            <p:ph type="title"/>
-          </p:nvPr>
-        </p:nvSpPr>
-        <p:spPr>
-          <a:xfrm>
-            <a:off x="611267" y="1124744"/>
-            <a:ext cx="10972641" cy="1143000"/>
-          </a:xfrm>
-        </p:spPr>
-        <p:txBody>
-          <a:bodyPr>
-            <a:normAutofit/>
-          </a:bodyPr>
-          <a:lstStyle/>
-          <a:p>
-            <a:r>
-              <a:rPr lang="zh-CN" altLang="en-US" sz="3600" dirty="0" smtClean="0">
-                <a:latin typeface="冬青黑体简体中文 W3" panose="020B0300000000000000" pitchFamily="34" charset="-122"/>
-                <a:ea typeface="冬青黑体简体中文 W3" panose="020B0300000000000000" pitchFamily="34" charset="-122"/>
-              </a:rPr>
-              <a:t>普通函数中的</a:t>
-            </a:r>
-            <a:r>
-              <a:rPr lang="en-US" altLang="zh-CN" sz="3600" dirty="0" smtClean="0">
-                <a:latin typeface="冬青黑体简体中文 W3" panose="020B0300000000000000" pitchFamily="34" charset="-122"/>
-                <a:ea typeface="冬青黑体简体中文 W3" panose="020B0300000000000000" pitchFamily="34" charset="-122"/>
-              </a:rPr>
-              <a:t>this</a:t>
-            </a:r>
-            <a:r>
-              <a:rPr lang="zh-CN" altLang="en-US" sz="3600" dirty="0" smtClean="0">
-                <a:latin typeface="冬青黑体简体中文 W3" panose="020B0300000000000000" pitchFamily="34" charset="-122"/>
-                <a:ea typeface="冬青黑体简体中文 W3" panose="020B0300000000000000" pitchFamily="34" charset="-122"/>
-              </a:rPr>
-              <a:t>指向问题</a:t>
-            </a:r>
-            <a:endParaRPr lang="zh-CN" altLang="en-US" sz="3600" dirty="0">
-              <a:latin typeface="冬青黑体简体中文 W3" panose="020B0300000000000000" pitchFamily="34" charset="-122"/>
-              <a:ea typeface="冬青黑体简体中文 W3" panose="020B0300000000000000" pitchFamily="34" charset="-122"/>
-            </a:endParaRPr>
-          </a:p>
-        </p:txBody>
-      </p:sp>
-      <p:sp>
-        <p:nvSpPr>
-          <p:cNvPr id="3" name="文本框 2"/>
-          <p:cNvSpPr txBox="1"/>
-          <p:nvPr/>
-        </p:nvSpPr>
-        <p:spPr>
-          <a:xfrm>
-            <a:off x="2027548" y="2744924"/>
-            <a:ext cx="9001000" cy="3970318"/>
-          </a:xfrm>
-          <a:prstGeom prst="rect">
-            <a:avLst/>
-          </a:prstGeom>
-          <a:noFill/>
-        </p:spPr>
-        <p:txBody>
-          <a:bodyPr wrap="square" rtlCol="0">
-            <a:spAutoFit/>
-          </a:bodyPr>
-          <a:lstStyle/>
-          <a:p>
-            <a:pPr marL="285750" indent="-285750">
-              <a:buFont typeface="Arial" panose="020B0604020202020204" pitchFamily="34" charset="0"/>
-              <a:buChar char="•"/>
-            </a:pPr>
-            <a:r>
-              <a:rPr lang="zh-CN" altLang="en-US" dirty="0" smtClean="0">
-                <a:solidFill>
-                  <a:schemeClr val="tx1">
-                    <a:lumMod val="85000"/>
-                    <a:lumOff val="15000"/>
-                  </a:schemeClr>
-                </a:solidFill>
-                <a:latin typeface="冬青黑体简体中文 W3" panose="020B0300000000000000" pitchFamily="34" charset="-122"/>
-                <a:ea typeface="冬青黑体简体中文 W3" panose="020B0300000000000000" pitchFamily="34" charset="-122"/>
-              </a:rPr>
-              <a:t>什么是普通函数</a:t>
-            </a:r>
-            <a:endParaRPr lang="en-US" altLang="zh-CN" dirty="0" smtClean="0">
-              <a:solidFill>
-                <a:schemeClr val="tx1">
-                  <a:lumMod val="85000"/>
-                  <a:lumOff val="15000"/>
-                </a:schemeClr>
-              </a:solidFill>
-              <a:latin typeface="冬青黑体简体中文 W3" panose="020B0300000000000000" pitchFamily="34" charset="-122"/>
-              <a:ea typeface="冬青黑体简体中文 W3" panose="020B0300000000000000" pitchFamily="34" charset="-122"/>
-            </a:endParaRPr>
-          </a:p>
-          <a:p>
-            <a:endParaRPr lang="en-US" altLang="zh-CN" dirty="0" smtClean="0">
-              <a:solidFill>
-                <a:schemeClr val="tx1">
-                  <a:lumMod val="65000"/>
-                  <a:lumOff val="35000"/>
-                </a:schemeClr>
-              </a:solidFill>
-              <a:latin typeface="冬青黑体简体中文 W3" panose="020B0300000000000000" pitchFamily="34" charset="-122"/>
-              <a:ea typeface="冬青黑体简体中文 W3" panose="020B0300000000000000" pitchFamily="34" charset="-122"/>
-            </a:endParaRPr>
-          </a:p>
-          <a:p>
-            <a:pPr marL="800100" lvl="1" indent="-342900">
-              <a:lnSpc>
-                <a:spcPct val="150000"/>
-              </a:lnSpc>
-              <a:buFont typeface="+mj-lt"/>
-              <a:buAutoNum type="arabicPeriod"/>
-            </a:pPr>
-            <a:r>
-              <a:rPr lang="en-US" altLang="zh-CN" dirty="0">
-                <a:solidFill>
-                  <a:schemeClr val="tx1">
-                    <a:lumMod val="65000"/>
-                    <a:lumOff val="35000"/>
-                  </a:schemeClr>
-                </a:solidFill>
-                <a:latin typeface="冬青黑体简体中文 W3" panose="020B0300000000000000" pitchFamily="34" charset="-122"/>
-                <a:ea typeface="冬青黑体简体中文 W3" panose="020B0300000000000000" pitchFamily="34" charset="-122"/>
-              </a:rPr>
-              <a:t>function</a:t>
-            </a:r>
-            <a:r>
-              <a:rPr lang="zh-CN" altLang="en-US" dirty="0">
-                <a:solidFill>
-                  <a:schemeClr val="tx1">
-                    <a:lumMod val="65000"/>
-                    <a:lumOff val="35000"/>
-                  </a:schemeClr>
-                </a:solidFill>
-                <a:latin typeface="冬青黑体简体中文 W3" panose="020B0300000000000000" pitchFamily="34" charset="-122"/>
-                <a:ea typeface="冬青黑体简体中文 W3" panose="020B0300000000000000" pitchFamily="34" charset="-122"/>
-              </a:rPr>
-              <a:t>关键字声明的函数：</a:t>
-            </a:r>
-            <a:r>
-              <a:rPr lang="en-US" altLang="zh-CN" dirty="0">
-                <a:solidFill>
-                  <a:schemeClr val="tx1">
-                    <a:lumMod val="65000"/>
-                    <a:lumOff val="35000"/>
-                  </a:schemeClr>
-                </a:solidFill>
-                <a:latin typeface="冬青黑体简体中文 W3" panose="020B0300000000000000" pitchFamily="34" charset="-122"/>
-                <a:ea typeface="冬青黑体简体中文 W3" panose="020B0300000000000000" pitchFamily="34" charset="-122"/>
-              </a:rPr>
-              <a:t>function a</a:t>
-            </a:r>
-            <a:r>
-              <a:rPr lang="en-US" altLang="zh-CN" dirty="0" smtClean="0">
-                <a:solidFill>
-                  <a:schemeClr val="tx1">
-                    <a:lumMod val="65000"/>
-                    <a:lumOff val="35000"/>
-                  </a:schemeClr>
-                </a:solidFill>
-                <a:latin typeface="冬青黑体简体中文 W3" panose="020B0300000000000000" pitchFamily="34" charset="-122"/>
-                <a:ea typeface="冬青黑体简体中文 W3" panose="020B0300000000000000" pitchFamily="34" charset="-122"/>
-              </a:rPr>
-              <a:t>(){ ... }</a:t>
-            </a:r>
-            <a:endParaRPr lang="zh-CN" altLang="en-US" dirty="0">
-              <a:solidFill>
-                <a:schemeClr val="tx1">
-                  <a:lumMod val="65000"/>
-                  <a:lumOff val="35000"/>
-                </a:schemeClr>
-              </a:solidFill>
-              <a:latin typeface="冬青黑体简体中文 W3" panose="020B0300000000000000" pitchFamily="34" charset="-122"/>
-              <a:ea typeface="冬青黑体简体中文 W3" panose="020B0300000000000000" pitchFamily="34" charset="-122"/>
-            </a:endParaRPr>
-          </a:p>
-          <a:p>
-            <a:pPr marL="800100" lvl="1" indent="-342900">
-              <a:lnSpc>
-                <a:spcPct val="150000"/>
-              </a:lnSpc>
-              <a:buFont typeface="+mj-lt"/>
-              <a:buAutoNum type="arabicPeriod"/>
-            </a:pPr>
-            <a:r>
-              <a:rPr lang="en-US" altLang="zh-CN" dirty="0" smtClean="0">
-                <a:solidFill>
-                  <a:schemeClr val="tx1">
-                    <a:lumMod val="65000"/>
-                    <a:lumOff val="35000"/>
-                  </a:schemeClr>
-                </a:solidFill>
-                <a:latin typeface="冬青黑体简体中文 W3" panose="020B0300000000000000" pitchFamily="34" charset="-122"/>
-                <a:ea typeface="冬青黑体简体中文 W3" panose="020B0300000000000000" pitchFamily="34" charset="-122"/>
-              </a:rPr>
-              <a:t>function</a:t>
-            </a:r>
-            <a:r>
-              <a:rPr lang="zh-CN" altLang="en-US" dirty="0" smtClean="0">
-                <a:solidFill>
-                  <a:schemeClr val="tx1">
-                    <a:lumMod val="65000"/>
-                    <a:lumOff val="35000"/>
-                  </a:schemeClr>
-                </a:solidFill>
-                <a:latin typeface="冬青黑体简体中文 W3" panose="020B0300000000000000" pitchFamily="34" charset="-122"/>
-                <a:ea typeface="冬青黑体简体中文 W3" panose="020B0300000000000000" pitchFamily="34" charset="-122"/>
-              </a:rPr>
-              <a:t>表达式：</a:t>
-            </a:r>
-            <a:r>
-              <a:rPr lang="en-US" altLang="zh-CN" dirty="0" smtClean="0">
-                <a:solidFill>
-                  <a:schemeClr val="tx1">
-                    <a:lumMod val="65000"/>
-                    <a:lumOff val="35000"/>
-                  </a:schemeClr>
-                </a:solidFill>
-                <a:latin typeface="冬青黑体简体中文 W3" panose="020B0300000000000000" pitchFamily="34" charset="-122"/>
-                <a:ea typeface="冬青黑体简体中文 W3" panose="020B0300000000000000" pitchFamily="34" charset="-122"/>
-              </a:rPr>
-              <a:t>var a = function(){ ... }</a:t>
-            </a:r>
-          </a:p>
-          <a:p>
-            <a:pPr marL="800100" lvl="1" indent="-342900">
-              <a:lnSpc>
-                <a:spcPct val="150000"/>
-              </a:lnSpc>
-              <a:buFont typeface="+mj-lt"/>
-              <a:buAutoNum type="arabicPeriod"/>
-            </a:pPr>
-            <a:r>
-              <a:rPr lang="zh-CN" altLang="en-US" dirty="0">
-                <a:solidFill>
-                  <a:schemeClr val="tx1">
-                    <a:lumMod val="65000"/>
-                    <a:lumOff val="35000"/>
-                  </a:schemeClr>
-                </a:solidFill>
-                <a:latin typeface="冬青黑体简体中文 W3" panose="020B0300000000000000" pitchFamily="34" charset="-122"/>
-                <a:ea typeface="冬青黑体简体中文 W3" panose="020B0300000000000000" pitchFamily="34" charset="-122"/>
-              </a:rPr>
-              <a:t>使</a:t>
-            </a:r>
-            <a:r>
-              <a:rPr lang="zh-CN" altLang="en-US" dirty="0" smtClean="0">
-                <a:solidFill>
-                  <a:schemeClr val="tx1">
-                    <a:lumMod val="65000"/>
-                    <a:lumOff val="35000"/>
-                  </a:schemeClr>
-                </a:solidFill>
-                <a:latin typeface="冬青黑体简体中文 W3" panose="020B0300000000000000" pitchFamily="34" charset="-122"/>
-                <a:ea typeface="冬青黑体简体中文 W3" panose="020B0300000000000000" pitchFamily="34" charset="-122"/>
-              </a:rPr>
-              <a:t>用 </a:t>
-            </a:r>
-            <a:r>
-              <a:rPr lang="en-US" altLang="zh-CN" dirty="0">
-                <a:solidFill>
-                  <a:schemeClr val="tx1">
-                    <a:lumMod val="65000"/>
-                    <a:lumOff val="35000"/>
-                  </a:schemeClr>
-                </a:solidFill>
-                <a:latin typeface="冬青黑体简体中文 W3" panose="020B0300000000000000" pitchFamily="34" charset="-122"/>
-                <a:ea typeface="冬青黑体简体中文 W3" panose="020B0300000000000000" pitchFamily="34" charset="-122"/>
-              </a:rPr>
-              <a:t>n</a:t>
-            </a:r>
-            <a:r>
-              <a:rPr lang="en-US" altLang="zh-CN" dirty="0" smtClean="0">
-                <a:solidFill>
-                  <a:schemeClr val="tx1">
-                    <a:lumMod val="65000"/>
-                    <a:lumOff val="35000"/>
-                  </a:schemeClr>
-                </a:solidFill>
-                <a:latin typeface="冬青黑体简体中文 W3" panose="020B0300000000000000" pitchFamily="34" charset="-122"/>
-                <a:ea typeface="冬青黑体简体中文 W3" panose="020B0300000000000000" pitchFamily="34" charset="-122"/>
-              </a:rPr>
-              <a:t>ew </a:t>
-            </a:r>
-            <a:r>
-              <a:rPr lang="zh-CN" altLang="en-US" dirty="0" smtClean="0">
-                <a:solidFill>
-                  <a:schemeClr val="tx1">
-                    <a:lumMod val="65000"/>
-                    <a:lumOff val="35000"/>
-                  </a:schemeClr>
-                </a:solidFill>
-                <a:latin typeface="冬青黑体简体中文 W3" panose="020B0300000000000000" pitchFamily="34" charset="-122"/>
-                <a:ea typeface="冬青黑体简体中文 W3" panose="020B0300000000000000" pitchFamily="34" charset="-122"/>
-              </a:rPr>
-              <a:t>创建的函数：</a:t>
-            </a:r>
-            <a:r>
-              <a:rPr lang="en-US" altLang="zh-CN" dirty="0" smtClean="0">
-                <a:solidFill>
-                  <a:schemeClr val="tx1">
-                    <a:lumMod val="65000"/>
-                    <a:lumOff val="35000"/>
-                  </a:schemeClr>
-                </a:solidFill>
-                <a:latin typeface="冬青黑体简体中文 W3" panose="020B0300000000000000" pitchFamily="34" charset="-122"/>
-                <a:ea typeface="冬青黑体简体中文 W3" panose="020B0300000000000000" pitchFamily="34" charset="-122"/>
-              </a:rPr>
-              <a:t>var a = new Function(...)</a:t>
-            </a:r>
-          </a:p>
-          <a:p>
-            <a:pPr marL="800100" lvl="1" indent="-342900">
-              <a:buFont typeface="+mj-lt"/>
-              <a:buAutoNum type="arabicPeriod"/>
-            </a:pPr>
-            <a:endParaRPr lang="en-US" altLang="zh-CN" dirty="0">
-              <a:solidFill>
-                <a:schemeClr val="tx1">
-                  <a:lumMod val="85000"/>
-                  <a:lumOff val="15000"/>
-                </a:schemeClr>
-              </a:solidFill>
-              <a:latin typeface="冬青黑体简体中文 W3" panose="020B0300000000000000" pitchFamily="34" charset="-122"/>
-              <a:ea typeface="冬青黑体简体中文 W3" panose="020B0300000000000000" pitchFamily="34" charset="-122"/>
-            </a:endParaRPr>
-          </a:p>
-          <a:p>
-            <a:pPr marL="342900" indent="-342900">
-              <a:buFont typeface="Arial" panose="020B0604020202020204" pitchFamily="34" charset="0"/>
-              <a:buChar char="•"/>
-            </a:pPr>
-            <a:r>
-              <a:rPr lang="zh-CN" altLang="en-US" dirty="0" smtClean="0">
-                <a:solidFill>
-                  <a:schemeClr val="tx1">
-                    <a:lumMod val="85000"/>
-                    <a:lumOff val="15000"/>
-                  </a:schemeClr>
-                </a:solidFill>
-                <a:latin typeface="冬青黑体简体中文 W3" panose="020B0300000000000000" pitchFamily="34" charset="-122"/>
-                <a:ea typeface="冬青黑体简体中文 W3" panose="020B0300000000000000" pitchFamily="34" charset="-122"/>
-              </a:rPr>
-              <a:t>根据</a:t>
-            </a:r>
-            <a:r>
-              <a:rPr lang="zh-CN" altLang="en-US" dirty="0">
-                <a:solidFill>
-                  <a:schemeClr val="tx1">
-                    <a:lumMod val="85000"/>
-                    <a:lumOff val="15000"/>
-                  </a:schemeClr>
-                </a:solidFill>
-                <a:latin typeface="冬青黑体简体中文 W3" panose="020B0300000000000000" pitchFamily="34" charset="-122"/>
-                <a:ea typeface="冬青黑体简体中文 W3" panose="020B0300000000000000" pitchFamily="34" charset="-122"/>
-              </a:rPr>
-              <a:t>函数</a:t>
-            </a:r>
-            <a:r>
-              <a:rPr lang="zh-CN" altLang="en-US" dirty="0" smtClean="0">
-                <a:solidFill>
-                  <a:schemeClr val="tx1">
-                    <a:lumMod val="85000"/>
-                    <a:lumOff val="15000"/>
-                  </a:schemeClr>
-                </a:solidFill>
-                <a:latin typeface="冬青黑体简体中文 W3" panose="020B0300000000000000" pitchFamily="34" charset="-122"/>
-                <a:ea typeface="冬青黑体简体中文 W3" panose="020B0300000000000000" pitchFamily="34" charset="-122"/>
-              </a:rPr>
-              <a:t>的</a:t>
-            </a:r>
-            <a:r>
-              <a:rPr lang="zh-CN" altLang="en-US" dirty="0" smtClean="0">
-                <a:solidFill>
-                  <a:srgbClr val="C00000"/>
-                </a:solidFill>
-                <a:latin typeface="冬青黑体简体中文 W3" panose="020B0300000000000000" pitchFamily="34" charset="-122"/>
-                <a:ea typeface="冬青黑体简体中文 W3" panose="020B0300000000000000" pitchFamily="34" charset="-122"/>
-              </a:rPr>
-              <a:t>调用方式</a:t>
-            </a:r>
-            <a:r>
-              <a:rPr lang="zh-CN" altLang="en-US" dirty="0" smtClean="0">
-                <a:solidFill>
-                  <a:schemeClr val="tx1">
-                    <a:lumMod val="85000"/>
-                    <a:lumOff val="15000"/>
-                  </a:schemeClr>
-                </a:solidFill>
-                <a:latin typeface="冬青黑体简体中文 W3" panose="020B0300000000000000" pitchFamily="34" charset="-122"/>
-                <a:ea typeface="冬青黑体简体中文 W3" panose="020B0300000000000000" pitchFamily="34" charset="-122"/>
-              </a:rPr>
-              <a:t>来判定</a:t>
-            </a:r>
-            <a:r>
-              <a:rPr lang="en-US" altLang="zh-CN" dirty="0" smtClean="0">
-                <a:solidFill>
-                  <a:schemeClr val="tx1">
-                    <a:lumMod val="85000"/>
-                    <a:lumOff val="15000"/>
-                  </a:schemeClr>
-                </a:solidFill>
-                <a:latin typeface="冬青黑体简体中文 W3" panose="020B0300000000000000" pitchFamily="34" charset="-122"/>
-                <a:ea typeface="冬青黑体简体中文 W3" panose="020B0300000000000000" pitchFamily="34" charset="-122"/>
-              </a:rPr>
-              <a:t>this</a:t>
-            </a:r>
-            <a:r>
-              <a:rPr lang="zh-CN" altLang="en-US" dirty="0" smtClean="0">
-                <a:solidFill>
-                  <a:schemeClr val="tx1">
-                    <a:lumMod val="85000"/>
-                    <a:lumOff val="15000"/>
-                  </a:schemeClr>
-                </a:solidFill>
-                <a:latin typeface="冬青黑体简体中文 W3" panose="020B0300000000000000" pitchFamily="34" charset="-122"/>
-                <a:ea typeface="冬青黑体简体中文 W3" panose="020B0300000000000000" pitchFamily="34" charset="-122"/>
-              </a:rPr>
-              <a:t>指向</a:t>
-            </a:r>
-            <a:endParaRPr lang="en-US" altLang="zh-CN" dirty="0" smtClean="0">
-              <a:solidFill>
-                <a:schemeClr val="tx1">
-                  <a:lumMod val="85000"/>
-                  <a:lumOff val="15000"/>
-                </a:schemeClr>
-              </a:solidFill>
-              <a:latin typeface="冬青黑体简体中文 W3" panose="020B0300000000000000" pitchFamily="34" charset="-122"/>
-              <a:ea typeface="冬青黑体简体中文 W3" panose="020B0300000000000000" pitchFamily="34" charset="-122"/>
-            </a:endParaRPr>
-          </a:p>
-          <a:p>
-            <a:pPr>
-              <a:lnSpc>
-                <a:spcPct val="150000"/>
-              </a:lnSpc>
-            </a:pPr>
-            <a:endParaRPr lang="en-US" altLang="zh-CN" dirty="0">
-              <a:solidFill>
-                <a:schemeClr val="tx1">
-                  <a:lumMod val="85000"/>
-                  <a:lumOff val="15000"/>
-                </a:schemeClr>
-              </a:solidFill>
-              <a:latin typeface="冬青黑体简体中文 W3" panose="020B0300000000000000" pitchFamily="34" charset="-122"/>
-              <a:ea typeface="冬青黑体简体中文 W3" panose="020B0300000000000000" pitchFamily="34" charset="-122"/>
-            </a:endParaRPr>
-          </a:p>
-          <a:p>
-            <a:pPr marL="800100" lvl="1" indent="-342900">
-              <a:lnSpc>
-                <a:spcPct val="150000"/>
-              </a:lnSpc>
-              <a:buFont typeface="+mj-lt"/>
-              <a:buAutoNum type="arabicPeriod"/>
-            </a:pPr>
-            <a:r>
-              <a:rPr lang="zh-CN" altLang="en-US" dirty="0" smtClean="0">
-                <a:solidFill>
-                  <a:schemeClr val="tx1">
-                    <a:lumMod val="65000"/>
-                    <a:lumOff val="35000"/>
-                  </a:schemeClr>
-                </a:solidFill>
-                <a:latin typeface="冬青黑体简体中文 W3" panose="020B0300000000000000" pitchFamily="34" charset="-122"/>
-                <a:ea typeface="冬青黑体简体中文 W3" panose="020B0300000000000000" pitchFamily="34" charset="-122"/>
-              </a:rPr>
-              <a:t>直接调用：</a:t>
-            </a:r>
-            <a:r>
-              <a:rPr lang="zh-CN" altLang="en-US" dirty="0">
-                <a:solidFill>
-                  <a:schemeClr val="tx1">
-                    <a:lumMod val="65000"/>
-                    <a:lumOff val="35000"/>
-                  </a:schemeClr>
-                </a:solidFill>
-                <a:latin typeface="冬青黑体简体中文 W3" panose="020B0300000000000000" pitchFamily="34" charset="-122"/>
-                <a:ea typeface="冬青黑体简体中文 W3" panose="020B0300000000000000" pitchFamily="34" charset="-122"/>
-              </a:rPr>
-              <a:t>默认指向 </a:t>
-            </a:r>
-            <a:r>
-              <a:rPr lang="en-US" altLang="zh-CN" dirty="0" smtClean="0">
-                <a:solidFill>
-                  <a:srgbClr val="C00000"/>
-                </a:solidFill>
-                <a:latin typeface="冬青黑体简体中文 W3" panose="020B0300000000000000" pitchFamily="34" charset="-122"/>
-                <a:ea typeface="冬青黑体简体中文 W3" panose="020B0300000000000000" pitchFamily="34" charset="-122"/>
-              </a:rPr>
-              <a:t>window</a:t>
-            </a:r>
-            <a:r>
-              <a:rPr lang="zh-CN" altLang="en-US" dirty="0" smtClean="0">
-                <a:solidFill>
-                  <a:schemeClr val="tx1">
-                    <a:lumMod val="75000"/>
-                    <a:lumOff val="25000"/>
-                  </a:schemeClr>
-                </a:solidFill>
-                <a:latin typeface="冬青黑体简体中文 W3" panose="020B0300000000000000" pitchFamily="34" charset="-122"/>
-                <a:ea typeface="冬青黑体简体中文 W3" panose="020B0300000000000000" pitchFamily="34" charset="-122"/>
-              </a:rPr>
-              <a:t>。</a:t>
-            </a:r>
-            <a:endParaRPr lang="en-US" altLang="zh-CN" dirty="0">
-              <a:solidFill>
-                <a:schemeClr val="tx1">
-                  <a:lumMod val="75000"/>
-                  <a:lumOff val="25000"/>
-                </a:schemeClr>
-              </a:solidFill>
-              <a:latin typeface="冬青黑体简体中文 W3" panose="020B0300000000000000" pitchFamily="34" charset="-122"/>
-              <a:ea typeface="冬青黑体简体中文 W3" panose="020B0300000000000000" pitchFamily="34" charset="-122"/>
-            </a:endParaRPr>
-          </a:p>
-          <a:p>
-            <a:pPr marL="800100" lvl="1" indent="-342900">
-              <a:lnSpc>
-                <a:spcPct val="150000"/>
-              </a:lnSpc>
-              <a:buFont typeface="+mj-lt"/>
-              <a:buAutoNum type="arabicPeriod"/>
-            </a:pPr>
-            <a:r>
-              <a:rPr lang="zh-CN" altLang="en-US" dirty="0">
-                <a:solidFill>
-                  <a:schemeClr val="tx1">
-                    <a:lumMod val="65000"/>
-                    <a:lumOff val="35000"/>
-                  </a:schemeClr>
-                </a:solidFill>
-                <a:latin typeface="冬青黑体简体中文 W3" panose="020B0300000000000000" pitchFamily="34" charset="-122"/>
-                <a:ea typeface="冬青黑体简体中文 W3" panose="020B0300000000000000" pitchFamily="34" charset="-122"/>
-              </a:rPr>
-              <a:t>作为</a:t>
-            </a:r>
-            <a:r>
-              <a:rPr lang="zh-CN" altLang="en-US" dirty="0">
-                <a:solidFill>
-                  <a:srgbClr val="C00000"/>
-                </a:solidFill>
-                <a:latin typeface="冬青黑体简体中文 W3" panose="020B0300000000000000" pitchFamily="34" charset="-122"/>
-                <a:ea typeface="冬青黑体简体中文 W3" panose="020B0300000000000000" pitchFamily="34" charset="-122"/>
-              </a:rPr>
-              <a:t>对象方法</a:t>
-            </a:r>
-            <a:r>
-              <a:rPr lang="zh-CN" altLang="en-US" dirty="0">
-                <a:solidFill>
-                  <a:schemeClr val="tx1">
-                    <a:lumMod val="65000"/>
-                    <a:lumOff val="35000"/>
-                  </a:schemeClr>
-                </a:solidFill>
-                <a:latin typeface="冬青黑体简体中文 W3" panose="020B0300000000000000" pitchFamily="34" charset="-122"/>
-                <a:ea typeface="冬青黑体简体中文 W3" panose="020B0300000000000000" pitchFamily="34" charset="-122"/>
-              </a:rPr>
-              <a:t>调</a:t>
-            </a:r>
-            <a:r>
-              <a:rPr lang="zh-CN" altLang="en-US" dirty="0" smtClean="0">
-                <a:solidFill>
-                  <a:schemeClr val="tx1">
-                    <a:lumMod val="65000"/>
-                    <a:lumOff val="35000"/>
-                  </a:schemeClr>
-                </a:solidFill>
-                <a:latin typeface="冬青黑体简体中文 W3" panose="020B0300000000000000" pitchFamily="34" charset="-122"/>
-                <a:ea typeface="冬青黑体简体中文 W3" panose="020B0300000000000000" pitchFamily="34" charset="-122"/>
-              </a:rPr>
-              <a:t>用：</a:t>
-            </a:r>
-            <a:r>
-              <a:rPr lang="en-US" altLang="zh-CN" dirty="0">
-                <a:solidFill>
-                  <a:schemeClr val="tx1">
-                    <a:lumMod val="65000"/>
-                    <a:lumOff val="35000"/>
-                  </a:schemeClr>
-                </a:solidFill>
-                <a:latin typeface="冬青黑体简体中文 W3" panose="020B0300000000000000" pitchFamily="34" charset="-122"/>
-                <a:ea typeface="冬青黑体简体中文 W3" panose="020B0300000000000000" pitchFamily="34" charset="-122"/>
-              </a:rPr>
-              <a:t>this</a:t>
-            </a:r>
-            <a:r>
-              <a:rPr lang="zh-CN" altLang="en-US" dirty="0">
-                <a:solidFill>
-                  <a:schemeClr val="tx1">
-                    <a:lumMod val="65000"/>
-                    <a:lumOff val="35000"/>
-                  </a:schemeClr>
-                </a:solidFill>
-                <a:latin typeface="冬青黑体简体中文 W3" panose="020B0300000000000000" pitchFamily="34" charset="-122"/>
-                <a:ea typeface="冬青黑体简体中文 W3" panose="020B0300000000000000" pitchFamily="34" charset="-122"/>
-              </a:rPr>
-              <a:t>指向函数调用者，即谁调用该函数，</a:t>
-            </a:r>
-            <a:r>
-              <a:rPr lang="en-US" altLang="zh-CN" dirty="0">
-                <a:solidFill>
-                  <a:schemeClr val="tx1">
-                    <a:lumMod val="65000"/>
-                    <a:lumOff val="35000"/>
-                  </a:schemeClr>
-                </a:solidFill>
-                <a:latin typeface="冬青黑体简体中文 W3" panose="020B0300000000000000" pitchFamily="34" charset="-122"/>
-                <a:ea typeface="冬青黑体简体中文 W3" panose="020B0300000000000000" pitchFamily="34" charset="-122"/>
-              </a:rPr>
-              <a:t>this</a:t>
-            </a:r>
-            <a:r>
-              <a:rPr lang="zh-CN" altLang="en-US" dirty="0">
-                <a:solidFill>
-                  <a:schemeClr val="tx1">
-                    <a:lumMod val="65000"/>
-                    <a:lumOff val="35000"/>
-                  </a:schemeClr>
-                </a:solidFill>
-                <a:latin typeface="冬青黑体简体中文 W3" panose="020B0300000000000000" pitchFamily="34" charset="-122"/>
-                <a:ea typeface="冬青黑体简体中文 W3" panose="020B0300000000000000" pitchFamily="34" charset="-122"/>
-              </a:rPr>
-              <a:t>就指向谁。</a:t>
-            </a:r>
-            <a:endParaRPr lang="en-US" altLang="zh-CN" dirty="0">
-              <a:solidFill>
-                <a:schemeClr val="tx1">
-                  <a:lumMod val="65000"/>
-                  <a:lumOff val="35000"/>
-                </a:schemeClr>
-              </a:solidFill>
-              <a:latin typeface="冬青黑体简体中文 W3" panose="020B0300000000000000" pitchFamily="34" charset="-122"/>
-              <a:ea typeface="冬青黑体简体中文 W3" panose="020B0300000000000000" pitchFamily="34" charset="-122"/>
-            </a:endParaRPr>
-          </a:p>
-          <a:p>
-            <a:pPr lvl="1"/>
-            <a:endParaRPr lang="en-US" altLang="zh-CN" dirty="0" smtClean="0">
-              <a:solidFill>
-                <a:schemeClr val="tx1">
-                  <a:lumMod val="85000"/>
-                  <a:lumOff val="15000"/>
-                </a:schemeClr>
-              </a:solidFill>
-              <a:latin typeface="冬青黑体简体中文 W3" panose="020B0300000000000000" pitchFamily="34" charset="-122"/>
-              <a:ea typeface="冬青黑体简体中文 W3" panose="020B0300000000000000" pitchFamily="34" charset="-122"/>
-            </a:endParaRPr>
-          </a:p>
-        </p:txBody>
-      </p:sp>
-    </p:spTree>
-    <p:extLst>
-      <p:ext uri="{BB962C8B-B14F-4D97-AF65-F5344CB8AC3E}">
-        <p14:creationId xmlns:p14="http://schemas.microsoft.com/office/powerpoint/2010/main" val="1484242679"/>
-      </p:ext>
-    </p:extLst>
-  </p:cSld>
-  <p:clrMapOvr>
-    <a:masterClrMapping/>
-  </p:clrMapOvr>
-  <mc:AlternateContent xmlns:mc="http://schemas.openxmlformats.org/markup-compatibility/2006" xmlns:p14="http://schemas.microsoft.com/office/powerpoint/2010/main">
-    <mc:Choice Requires="p14">
-      <p:transition p14:dur="0" advTm="9938"/>
-    </mc:Choice>
-    <mc:Fallback xmlns="">
-      <p:transition advTm="9938"/>
-    </mc:Fallback>
-  </mc:AlternateContent>
-  <p:timing>
-    <p:tnLst>
-      <p:par>
-        <p:cTn id="1" dur="indefinite" restart="never" nodeType="tmRoot"/>
-      </p:par>
-    </p:tnLst>
-  </p:timing>
-</p:sld>
-</file>
-
 <file path=ppt/slides/slide8.xml><?xml version="1.0" encoding="utf-8"?>
 <p:sld xmlns:a="http://schemas.openxmlformats.org/drawingml/2006/main" xmlns:r="http://schemas.openxmlformats.org/officeDocument/2006/relationships" xmlns:p="http://schemas.openxmlformats.org/presentationml/2006/main">
   <p:cSld>
@@ -9454,7 +11861,7 @@
         </p:nvSpPr>
         <p:spPr>
           <a:xfrm>
-            <a:off x="695400" y="0"/>
+            <a:off x="611267" y="1124744"/>
             <a:ext cx="10972641" cy="1143000"/>
           </a:xfrm>
         </p:spPr>
@@ -9469,7 +11876,21 @@
                 <a:latin typeface="冬青黑体简体中文 W3" panose="020B0300000000000000" pitchFamily="34" charset="-122"/>
                 <a:ea typeface="冬青黑体简体中文 W3" panose="020B0300000000000000" pitchFamily="34" charset="-122"/>
               </a:rPr>
-              <a:t>代码示例</a:t>
+              <a:t>普通函数中的</a:t>
+            </a:r>
+            <a:r>
+              <a:rPr lang="en-US" altLang="zh-CN" sz="3600" dirty="0" smtClean="0">
+                <a:latin typeface="冬青黑体简体中文 W3" panose="020B0300000000000000" pitchFamily="34" charset="-122"/>
+                <a:ea typeface="冬青黑体简体中文 W3" panose="020B0300000000000000" pitchFamily="34" charset="-122"/>
+              </a:rPr>
+              <a:t>this</a:t>
+            </a:r>
+            <a:r>
+              <a:rPr lang="zh-CN" altLang="en-US" sz="3600" dirty="0" smtClean="0">
+                <a:latin typeface="冬青黑体简体中文 W3" panose="020B0300000000000000" pitchFamily="34" charset="-122"/>
+                <a:ea typeface="冬青黑体简体中文 W3" panose="020B0300000000000000" pitchFamily="34" charset="-122"/>
+              </a:rPr>
+              <a:t>指向问题</a:t>
             </a:r>
             <a:endParaRPr lang="zh-CN" altLang="en-US" sz="3600" dirty="0">
               <a:latin typeface="冬青黑体简体中文 W3" panose="020B0300000000000000" pitchFamily="34" charset="-122"/>
@@ -9478,34 +11899,618 @@
           </a:p>
         </p:txBody>
       </p:sp>
-      <p:pic>
-        <p:nvPicPr>
-          <p:cNvPr id="3" name="图片 2"/>
-          <p:cNvPicPr>
-            <a:picLocks noChangeAspect="1"/>
-          </p:cNvPicPr>
+      <p:sp>
+        <p:nvSpPr>
+          <p:cNvPr id="3" name="文本框 2"/>
+          <p:cNvSpPr txBox="1"/>
           <p:nvPr/>
-        </p:nvPicPr>
-        <p:blipFill>
-          <a:blip r:embed="rId3"/>
-          <a:stretch>
-            <a:fillRect/>
-          </a:stretch>
-        </p:blipFill>
+        </p:nvSpPr>
         <p:spPr>
           <a:xfrm>
-            <a:off x="11667" y="1117138"/>
-            <a:ext cx="12192000" cy="5740862"/>
+            <a:off x="2027548" y="2744924"/>
+            <a:ext cx="9001000" cy="3970318"/>
           </a:xfrm>
           <a:prstGeom prst="rect">
             <a:avLst/>
           </a:prstGeom>
+          <a:noFill/>
         </p:spPr>
-      </p:pic>
+        <p:txBody>
+          <a:bodyPr wrap="square" rtlCol="0">
+            <a:spAutoFit/>
+          </a:bodyPr>
+          <a:lstStyle/>
+          <a:p>
+            <a:pPr marL="285750" indent="-285750">
+              <a:buFont typeface="Arial" panose="020B0604020202020204" pitchFamily="34" charset="0"/>
+              <a:buChar char="•"/>
+            </a:pPr>
+            <a:r>
+              <a:rPr lang="zh-CN" altLang="en-US" dirty="0" smtClean="0">
+                <a:solidFill>
+                  <a:schemeClr val="tx1">
+                    <a:lumMod val="85000"/>
+                    <a:lumOff val="15000"/>
+                  </a:schemeClr>
+                </a:solidFill>
+                <a:latin typeface="冬青黑体简体中文 W3" panose="020B0300000000000000" pitchFamily="34" charset="-122"/>
+                <a:ea typeface="冬青黑体简体中文 W3" panose="020B0300000000000000" pitchFamily="34" charset="-122"/>
+              </a:rPr>
+              <a:t>什么是普通函数</a:t>
+            </a:r>
+            <a:endParaRPr lang="en-US" altLang="zh-CN" dirty="0" smtClean="0">
+              <a:solidFill>
+                <a:schemeClr val="tx1">
+                  <a:lumMod val="85000"/>
+                  <a:lumOff val="15000"/>
+                </a:schemeClr>
+              </a:solidFill>
+              <a:latin typeface="冬青黑体简体中文 W3" panose="020B0300000000000000" pitchFamily="34" charset="-122"/>
+              <a:ea typeface="冬青黑体简体中文 W3" panose="020B0300000000000000" pitchFamily="34" charset="-122"/>
+            </a:endParaRPr>
+          </a:p>
+          <a:p>
+            <a:endParaRPr lang="en-US" altLang="zh-CN" dirty="0" smtClean="0">
+              <a:solidFill>
+                <a:schemeClr val="tx1">
+                  <a:lumMod val="65000"/>
+                  <a:lumOff val="35000"/>
+                </a:schemeClr>
+              </a:solidFill>
+              <a:latin typeface="冬青黑体简体中文 W3" panose="020B0300000000000000" pitchFamily="34" charset="-122"/>
+              <a:ea typeface="冬青黑体简体中文 W3" panose="020B0300000000000000" pitchFamily="34" charset="-122"/>
+            </a:endParaRPr>
+          </a:p>
+          <a:p>
+            <a:pPr marL="800100" lvl="1" indent="-342900">
+              <a:lnSpc>
+                <a:spcPct val="150000"/>
+              </a:lnSpc>
+              <a:buFont typeface="+mj-lt"/>
+              <a:buAutoNum type="arabicPeriod"/>
+            </a:pPr>
+            <a:r>
+              <a:rPr lang="en-US" altLang="zh-CN" dirty="0">
+                <a:solidFill>
+                  <a:schemeClr val="tx1">
+                    <a:lumMod val="65000"/>
+                    <a:lumOff val="35000"/>
+                  </a:schemeClr>
+                </a:solidFill>
+                <a:latin typeface="冬青黑体简体中文 W3" panose="020B0300000000000000" pitchFamily="34" charset="-122"/>
+                <a:ea typeface="冬青黑体简体中文 W3" panose="020B0300000000000000" pitchFamily="34" charset="-122"/>
+              </a:rPr>
+              <a:t>function</a:t>
+            </a:r>
+            <a:r>
+              <a:rPr lang="zh-CN" altLang="en-US" dirty="0">
+                <a:solidFill>
+                  <a:schemeClr val="tx1">
+                    <a:lumMod val="65000"/>
+                    <a:lumOff val="35000"/>
+                  </a:schemeClr>
+                </a:solidFill>
+                <a:latin typeface="冬青黑体简体中文 W3" panose="020B0300000000000000" pitchFamily="34" charset="-122"/>
+                <a:ea typeface="冬青黑体简体中文 W3" panose="020B0300000000000000" pitchFamily="34" charset="-122"/>
+              </a:rPr>
+              <a:t>关键字声明的函数：</a:t>
+            </a:r>
+            <a:r>
+              <a:rPr lang="en-US" altLang="zh-CN" dirty="0">
+                <a:solidFill>
+                  <a:schemeClr val="tx1">
+                    <a:lumMod val="65000"/>
+                    <a:lumOff val="35000"/>
+                  </a:schemeClr>
+                </a:solidFill>
+                <a:latin typeface="冬青黑体简体中文 W3" panose="020B0300000000000000" pitchFamily="34" charset="-122"/>
+                <a:ea typeface="冬青黑体简体中文 W3" panose="020B0300000000000000" pitchFamily="34" charset="-122"/>
+              </a:rPr>
+              <a:t>function a</a:t>
+            </a:r>
+            <a:r>
+              <a:rPr lang="en-US" altLang="zh-CN" dirty="0" smtClean="0">
+                <a:solidFill>
+                  <a:schemeClr val="tx1">
+                    <a:lumMod val="65000"/>
+                    <a:lumOff val="35000"/>
+                  </a:schemeClr>
+                </a:solidFill>
+                <a:latin typeface="冬青黑体简体中文 W3" panose="020B0300000000000000" pitchFamily="34" charset="-122"/>
+                <a:ea typeface="冬青黑体简体中文 W3" panose="020B0300000000000000" pitchFamily="34" charset="-122"/>
+              </a:rPr>
+              <a:t>(){ ... }</a:t>
+            </a:r>
+            <a:endParaRPr lang="zh-CN" altLang="en-US" dirty="0">
+              <a:solidFill>
+                <a:schemeClr val="tx1">
+                  <a:lumMod val="65000"/>
+                  <a:lumOff val="35000"/>
+                </a:schemeClr>
+              </a:solidFill>
+              <a:latin typeface="冬青黑体简体中文 W3" panose="020B0300000000000000" pitchFamily="34" charset="-122"/>
+              <a:ea typeface="冬青黑体简体中文 W3" panose="020B0300000000000000" pitchFamily="34" charset="-122"/>
+            </a:endParaRPr>
+          </a:p>
+          <a:p>
+            <a:pPr marL="800100" lvl="1" indent="-342900">
+              <a:lnSpc>
+                <a:spcPct val="150000"/>
+              </a:lnSpc>
+              <a:buFont typeface="+mj-lt"/>
+              <a:buAutoNum type="arabicPeriod"/>
+            </a:pPr>
+            <a:r>
+              <a:rPr lang="en-US" altLang="zh-CN" dirty="0" smtClean="0">
+                <a:solidFill>
+                  <a:schemeClr val="tx1">
+                    <a:lumMod val="65000"/>
+                    <a:lumOff val="35000"/>
+                  </a:schemeClr>
+                </a:solidFill>
+                <a:latin typeface="冬青黑体简体中文 W3" panose="020B0300000000000000" pitchFamily="34" charset="-122"/>
+                <a:ea typeface="冬青黑体简体中文 W3" panose="020B0300000000000000" pitchFamily="34" charset="-122"/>
+              </a:rPr>
+              <a:t>function</a:t>
+            </a:r>
+            <a:r>
+              <a:rPr lang="zh-CN" altLang="en-US" dirty="0" smtClean="0">
+                <a:solidFill>
+                  <a:schemeClr val="tx1">
+                    <a:lumMod val="65000"/>
+                    <a:lumOff val="35000"/>
+                  </a:schemeClr>
+                </a:solidFill>
+                <a:latin typeface="冬青黑体简体中文 W3" panose="020B0300000000000000" pitchFamily="34" charset="-122"/>
+                <a:ea typeface="冬青黑体简体中文 W3" panose="020B0300000000000000" pitchFamily="34" charset="-122"/>
+              </a:rPr>
+              <a:t>表达式：</a:t>
+            </a:r>
+            <a:r>
+              <a:rPr lang="en-US" altLang="zh-CN" dirty="0" smtClean="0">
+                <a:solidFill>
+                  <a:schemeClr val="tx1">
+                    <a:lumMod val="65000"/>
+                    <a:lumOff val="35000"/>
+                  </a:schemeClr>
+                </a:solidFill>
+                <a:latin typeface="冬青黑体简体中文 W3" panose="020B0300000000000000" pitchFamily="34" charset="-122"/>
+                <a:ea typeface="冬青黑体简体中文 W3" panose="020B0300000000000000" pitchFamily="34" charset="-122"/>
+              </a:rPr>
+              <a:t>var a = function(){ ... }</a:t>
+            </a:r>
+          </a:p>
+          <a:p>
+            <a:pPr marL="800100" lvl="1" indent="-342900">
+              <a:lnSpc>
+                <a:spcPct val="150000"/>
+              </a:lnSpc>
+              <a:buFont typeface="+mj-lt"/>
+              <a:buAutoNum type="arabicPeriod"/>
+            </a:pPr>
+            <a:r>
+              <a:rPr lang="zh-CN" altLang="en-US" dirty="0">
+                <a:solidFill>
+                  <a:schemeClr val="tx1">
+                    <a:lumMod val="65000"/>
+                    <a:lumOff val="35000"/>
+                  </a:schemeClr>
+                </a:solidFill>
+                <a:latin typeface="冬青黑体简体中文 W3" panose="020B0300000000000000" pitchFamily="34" charset="-122"/>
+                <a:ea typeface="冬青黑体简体中文 W3" panose="020B0300000000000000" pitchFamily="34" charset="-122"/>
+              </a:rPr>
+              <a:t>使</a:t>
+            </a:r>
+            <a:r>
+              <a:rPr lang="zh-CN" altLang="en-US" dirty="0" smtClean="0">
+                <a:solidFill>
+                  <a:schemeClr val="tx1">
+                    <a:lumMod val="65000"/>
+                    <a:lumOff val="35000"/>
+                  </a:schemeClr>
+                </a:solidFill>
+                <a:latin typeface="冬青黑体简体中文 W3" panose="020B0300000000000000" pitchFamily="34" charset="-122"/>
+                <a:ea typeface="冬青黑体简体中文 W3" panose="020B0300000000000000" pitchFamily="34" charset="-122"/>
+              </a:rPr>
+              <a:t>用 </a:t>
+            </a:r>
+            <a:r>
+              <a:rPr lang="en-US" altLang="zh-CN" dirty="0">
+                <a:solidFill>
+                  <a:schemeClr val="tx1">
+                    <a:lumMod val="65000"/>
+                    <a:lumOff val="35000"/>
+                  </a:schemeClr>
+                </a:solidFill>
+                <a:latin typeface="冬青黑体简体中文 W3" panose="020B0300000000000000" pitchFamily="34" charset="-122"/>
+                <a:ea typeface="冬青黑体简体中文 W3" panose="020B0300000000000000" pitchFamily="34" charset="-122"/>
+              </a:rPr>
+              <a:t>n</a:t>
+            </a:r>
+            <a:r>
+              <a:rPr lang="en-US" altLang="zh-CN" dirty="0" smtClean="0">
+                <a:solidFill>
+                  <a:schemeClr val="tx1">
+                    <a:lumMod val="65000"/>
+                    <a:lumOff val="35000"/>
+                  </a:schemeClr>
+                </a:solidFill>
+                <a:latin typeface="冬青黑体简体中文 W3" panose="020B0300000000000000" pitchFamily="34" charset="-122"/>
+                <a:ea typeface="冬青黑体简体中文 W3" panose="020B0300000000000000" pitchFamily="34" charset="-122"/>
+              </a:rPr>
+              <a:t>ew </a:t>
+            </a:r>
+            <a:r>
+              <a:rPr lang="zh-CN" altLang="en-US" dirty="0" smtClean="0">
+                <a:solidFill>
+                  <a:schemeClr val="tx1">
+                    <a:lumMod val="65000"/>
+                    <a:lumOff val="35000"/>
+                  </a:schemeClr>
+                </a:solidFill>
+                <a:latin typeface="冬青黑体简体中文 W3" panose="020B0300000000000000" pitchFamily="34" charset="-122"/>
+                <a:ea typeface="冬青黑体简体中文 W3" panose="020B0300000000000000" pitchFamily="34" charset="-122"/>
+              </a:rPr>
+              <a:t>创建的函数：</a:t>
+            </a:r>
+            <a:r>
+              <a:rPr lang="en-US" altLang="zh-CN" dirty="0" smtClean="0">
+                <a:solidFill>
+                  <a:schemeClr val="tx1">
+                    <a:lumMod val="65000"/>
+                    <a:lumOff val="35000"/>
+                  </a:schemeClr>
+                </a:solidFill>
+                <a:latin typeface="冬青黑体简体中文 W3" panose="020B0300000000000000" pitchFamily="34" charset="-122"/>
+                <a:ea typeface="冬青黑体简体中文 W3" panose="020B0300000000000000" pitchFamily="34" charset="-122"/>
+              </a:rPr>
+              <a:t>var a = new Function(...)</a:t>
+            </a:r>
+          </a:p>
+          <a:p>
+            <a:pPr marL="800100" lvl="1" indent="-342900">
+              <a:buFont typeface="+mj-lt"/>
+              <a:buAutoNum type="arabicPeriod"/>
+            </a:pPr>
+            <a:endParaRPr lang="en-US" altLang="zh-CN" dirty="0">
+              <a:solidFill>
+                <a:schemeClr val="tx1">
+                  <a:lumMod val="85000"/>
+                  <a:lumOff val="15000"/>
+                </a:schemeClr>
+              </a:solidFill>
+              <a:latin typeface="冬青黑体简体中文 W3" panose="020B0300000000000000" pitchFamily="34" charset="-122"/>
+              <a:ea typeface="冬青黑体简体中文 W3" panose="020B0300000000000000" pitchFamily="34" charset="-122"/>
+            </a:endParaRPr>
+          </a:p>
+          <a:p>
+            <a:pPr marL="342900" indent="-342900">
+              <a:buFont typeface="Arial" panose="020B0604020202020204" pitchFamily="34" charset="0"/>
+              <a:buChar char="•"/>
+            </a:pPr>
+            <a:r>
+              <a:rPr lang="zh-CN" altLang="en-US" dirty="0" smtClean="0">
+                <a:solidFill>
+                  <a:schemeClr val="tx1">
+                    <a:lumMod val="85000"/>
+                    <a:lumOff val="15000"/>
+                  </a:schemeClr>
+                </a:solidFill>
+                <a:latin typeface="冬青黑体简体中文 W3" panose="020B0300000000000000" pitchFamily="34" charset="-122"/>
+                <a:ea typeface="冬青黑体简体中文 W3" panose="020B0300000000000000" pitchFamily="34" charset="-122"/>
+              </a:rPr>
+              <a:t>根据</a:t>
+            </a:r>
+            <a:r>
+              <a:rPr lang="zh-CN" altLang="en-US" dirty="0">
+                <a:solidFill>
+                  <a:schemeClr val="tx1">
+                    <a:lumMod val="85000"/>
+                    <a:lumOff val="15000"/>
+                  </a:schemeClr>
+                </a:solidFill>
+                <a:latin typeface="冬青黑体简体中文 W3" panose="020B0300000000000000" pitchFamily="34" charset="-122"/>
+                <a:ea typeface="冬青黑体简体中文 W3" panose="020B0300000000000000" pitchFamily="34" charset="-122"/>
+              </a:rPr>
+              <a:t>函数</a:t>
+            </a:r>
+            <a:r>
+              <a:rPr lang="zh-CN" altLang="en-US" dirty="0" smtClean="0">
+                <a:solidFill>
+                  <a:schemeClr val="tx1">
+                    <a:lumMod val="85000"/>
+                    <a:lumOff val="15000"/>
+                  </a:schemeClr>
+                </a:solidFill>
+                <a:latin typeface="冬青黑体简体中文 W3" panose="020B0300000000000000" pitchFamily="34" charset="-122"/>
+                <a:ea typeface="冬青黑体简体中文 W3" panose="020B0300000000000000" pitchFamily="34" charset="-122"/>
+              </a:rPr>
+              <a:t>的</a:t>
+            </a:r>
+            <a:r>
+              <a:rPr lang="zh-CN" altLang="en-US" dirty="0" smtClean="0">
+                <a:solidFill>
+                  <a:srgbClr val="C00000"/>
+                </a:solidFill>
+                <a:latin typeface="冬青黑体简体中文 W3" panose="020B0300000000000000" pitchFamily="34" charset="-122"/>
+                <a:ea typeface="冬青黑体简体中文 W3" panose="020B0300000000000000" pitchFamily="34" charset="-122"/>
+              </a:rPr>
+              <a:t>调用方式</a:t>
+            </a:r>
+            <a:r>
+              <a:rPr lang="zh-CN" altLang="en-US" dirty="0" smtClean="0">
+                <a:solidFill>
+                  <a:schemeClr val="tx1">
+                    <a:lumMod val="85000"/>
+                    <a:lumOff val="15000"/>
+                  </a:schemeClr>
+                </a:solidFill>
+                <a:latin typeface="冬青黑体简体中文 W3" panose="020B0300000000000000" pitchFamily="34" charset="-122"/>
+                <a:ea typeface="冬青黑体简体中文 W3" panose="020B0300000000000000" pitchFamily="34" charset="-122"/>
+              </a:rPr>
+              <a:t>来判定</a:t>
+            </a:r>
+            <a:r>
+              <a:rPr lang="en-US" altLang="zh-CN" dirty="0" smtClean="0">
+                <a:solidFill>
+                  <a:schemeClr val="tx1">
+                    <a:lumMod val="85000"/>
+                    <a:lumOff val="15000"/>
+                  </a:schemeClr>
+                </a:solidFill>
+                <a:latin typeface="冬青黑体简体中文 W3" panose="020B0300000000000000" pitchFamily="34" charset="-122"/>
+                <a:ea typeface="冬青黑体简体中文 W3" panose="020B0300000000000000" pitchFamily="34" charset="-122"/>
+              </a:rPr>
+              <a:t>this</a:t>
+            </a:r>
+            <a:r>
+              <a:rPr lang="zh-CN" altLang="en-US" dirty="0" smtClean="0">
+                <a:solidFill>
+                  <a:schemeClr val="tx1">
+                    <a:lumMod val="85000"/>
+                    <a:lumOff val="15000"/>
+                  </a:schemeClr>
+                </a:solidFill>
+                <a:latin typeface="冬青黑体简体中文 W3" panose="020B0300000000000000" pitchFamily="34" charset="-122"/>
+                <a:ea typeface="冬青黑体简体中文 W3" panose="020B0300000000000000" pitchFamily="34" charset="-122"/>
+              </a:rPr>
+              <a:t>指向</a:t>
+            </a:r>
+            <a:endParaRPr lang="en-US" altLang="zh-CN" dirty="0" smtClean="0">
+              <a:solidFill>
+                <a:schemeClr val="tx1">
+                  <a:lumMod val="85000"/>
+                  <a:lumOff val="15000"/>
+                </a:schemeClr>
+              </a:solidFill>
+              <a:latin typeface="冬青黑体简体中文 W3" panose="020B0300000000000000" pitchFamily="34" charset="-122"/>
+              <a:ea typeface="冬青黑体简体中文 W3" panose="020B0300000000000000" pitchFamily="34" charset="-122"/>
+            </a:endParaRPr>
+          </a:p>
+          <a:p>
+            <a:pPr>
+              <a:lnSpc>
+                <a:spcPct val="150000"/>
+              </a:lnSpc>
+            </a:pPr>
+            <a:endParaRPr lang="en-US" altLang="zh-CN" dirty="0">
+              <a:solidFill>
+                <a:schemeClr val="tx1">
+                  <a:lumMod val="85000"/>
+                  <a:lumOff val="15000"/>
+                </a:schemeClr>
+              </a:solidFill>
+              <a:latin typeface="冬青黑体简体中文 W3" panose="020B0300000000000000" pitchFamily="34" charset="-122"/>
+              <a:ea typeface="冬青黑体简体中文 W3" panose="020B0300000000000000" pitchFamily="34" charset="-122"/>
+            </a:endParaRPr>
+          </a:p>
+          <a:p>
+            <a:pPr marL="800100" lvl="1" indent="-342900">
+              <a:lnSpc>
+                <a:spcPct val="150000"/>
+              </a:lnSpc>
+              <a:buFont typeface="+mj-lt"/>
+              <a:buAutoNum type="arabicPeriod"/>
+            </a:pPr>
+            <a:r>
+              <a:rPr lang="zh-CN" altLang="en-US" dirty="0" smtClean="0">
+                <a:solidFill>
+                  <a:schemeClr val="tx1">
+                    <a:lumMod val="65000"/>
+                    <a:lumOff val="35000"/>
+                  </a:schemeClr>
+                </a:solidFill>
+                <a:latin typeface="冬青黑体简体中文 W3" panose="020B0300000000000000" pitchFamily="34" charset="-122"/>
+                <a:ea typeface="冬青黑体简体中文 W3" panose="020B0300000000000000" pitchFamily="34" charset="-122"/>
+              </a:rPr>
+              <a:t>直接调用：</a:t>
+            </a:r>
+            <a:r>
+              <a:rPr lang="zh-CN" altLang="en-US" dirty="0">
+                <a:solidFill>
+                  <a:schemeClr val="tx1">
+                    <a:lumMod val="65000"/>
+                    <a:lumOff val="35000"/>
+                  </a:schemeClr>
+                </a:solidFill>
+                <a:latin typeface="冬青黑体简体中文 W3" panose="020B0300000000000000" pitchFamily="34" charset="-122"/>
+                <a:ea typeface="冬青黑体简体中文 W3" panose="020B0300000000000000" pitchFamily="34" charset="-122"/>
+              </a:rPr>
+              <a:t>默认指向 </a:t>
+            </a:r>
+            <a:r>
+              <a:rPr lang="en-US" altLang="zh-CN" dirty="0" smtClean="0">
+                <a:solidFill>
+                  <a:srgbClr val="C00000"/>
+                </a:solidFill>
+                <a:latin typeface="冬青黑体简体中文 W3" panose="020B0300000000000000" pitchFamily="34" charset="-122"/>
+                <a:ea typeface="冬青黑体简体中文 W3" panose="020B0300000000000000" pitchFamily="34" charset="-122"/>
+              </a:rPr>
+              <a:t>window</a:t>
+            </a:r>
+            <a:r>
+              <a:rPr lang="zh-CN" altLang="en-US" dirty="0" smtClean="0">
+                <a:solidFill>
+                  <a:schemeClr val="tx1">
+                    <a:lumMod val="75000"/>
+                    <a:lumOff val="25000"/>
+                  </a:schemeClr>
+                </a:solidFill>
+                <a:latin typeface="冬青黑体简体中文 W3" panose="020B0300000000000000" pitchFamily="34" charset="-122"/>
+                <a:ea typeface="冬青黑体简体中文 W3" panose="020B0300000000000000" pitchFamily="34" charset="-122"/>
+              </a:rPr>
+              <a:t>。</a:t>
+            </a:r>
+            <a:endParaRPr lang="en-US" altLang="zh-CN" dirty="0">
+              <a:solidFill>
+                <a:schemeClr val="tx1">
+                  <a:lumMod val="75000"/>
+                  <a:lumOff val="25000"/>
+                </a:schemeClr>
+              </a:solidFill>
+              <a:latin typeface="冬青黑体简体中文 W3" panose="020B0300000000000000" pitchFamily="34" charset="-122"/>
+              <a:ea typeface="冬青黑体简体中文 W3" panose="020B0300000000000000" pitchFamily="34" charset="-122"/>
+            </a:endParaRPr>
+          </a:p>
+          <a:p>
+            <a:pPr marL="800100" lvl="1" indent="-342900">
+              <a:lnSpc>
+                <a:spcPct val="150000"/>
+              </a:lnSpc>
+              <a:buFont typeface="+mj-lt"/>
+              <a:buAutoNum type="arabicPeriod"/>
+            </a:pPr>
+            <a:r>
+              <a:rPr lang="zh-CN" altLang="en-US" dirty="0">
+                <a:solidFill>
+                  <a:schemeClr val="tx1">
+                    <a:lumMod val="65000"/>
+                    <a:lumOff val="35000"/>
+                  </a:schemeClr>
+                </a:solidFill>
+                <a:latin typeface="冬青黑体简体中文 W3" panose="020B0300000000000000" pitchFamily="34" charset="-122"/>
+                <a:ea typeface="冬青黑体简体中文 W3" panose="020B0300000000000000" pitchFamily="34" charset="-122"/>
+              </a:rPr>
+              <a:t>作为</a:t>
+            </a:r>
+            <a:r>
+              <a:rPr lang="zh-CN" altLang="en-US" dirty="0">
+                <a:solidFill>
+                  <a:srgbClr val="C00000"/>
+                </a:solidFill>
+                <a:latin typeface="冬青黑体简体中文 W3" panose="020B0300000000000000" pitchFamily="34" charset="-122"/>
+                <a:ea typeface="冬青黑体简体中文 W3" panose="020B0300000000000000" pitchFamily="34" charset="-122"/>
+              </a:rPr>
+              <a:t>对象方法</a:t>
+            </a:r>
+            <a:r>
+              <a:rPr lang="zh-CN" altLang="en-US" dirty="0">
+                <a:solidFill>
+                  <a:schemeClr val="tx1">
+                    <a:lumMod val="65000"/>
+                    <a:lumOff val="35000"/>
+                  </a:schemeClr>
+                </a:solidFill>
+                <a:latin typeface="冬青黑体简体中文 W3" panose="020B0300000000000000" pitchFamily="34" charset="-122"/>
+                <a:ea typeface="冬青黑体简体中文 W3" panose="020B0300000000000000" pitchFamily="34" charset="-122"/>
+              </a:rPr>
+              <a:t>调</a:t>
+            </a:r>
+            <a:r>
+              <a:rPr lang="zh-CN" altLang="en-US" dirty="0" smtClean="0">
+                <a:solidFill>
+                  <a:schemeClr val="tx1">
+                    <a:lumMod val="65000"/>
+                    <a:lumOff val="35000"/>
+                  </a:schemeClr>
+                </a:solidFill>
+                <a:latin typeface="冬青黑体简体中文 W3" panose="020B0300000000000000" pitchFamily="34" charset="-122"/>
+                <a:ea typeface="冬青黑体简体中文 W3" panose="020B0300000000000000" pitchFamily="34" charset="-122"/>
+              </a:rPr>
+              <a:t>用：</a:t>
+            </a:r>
+            <a:r>
+              <a:rPr lang="en-US" altLang="zh-CN" dirty="0">
+                <a:solidFill>
+                  <a:schemeClr val="tx1">
+                    <a:lumMod val="65000"/>
+                    <a:lumOff val="35000"/>
+                  </a:schemeClr>
+                </a:solidFill>
+                <a:latin typeface="冬青黑体简体中文 W3" panose="020B0300000000000000" pitchFamily="34" charset="-122"/>
+                <a:ea typeface="冬青黑体简体中文 W3" panose="020B0300000000000000" pitchFamily="34" charset="-122"/>
+              </a:rPr>
+              <a:t>this</a:t>
+            </a:r>
+            <a:r>
+              <a:rPr lang="zh-CN" altLang="en-US" dirty="0">
+                <a:solidFill>
+                  <a:schemeClr val="tx1">
+                    <a:lumMod val="65000"/>
+                    <a:lumOff val="35000"/>
+                  </a:schemeClr>
+                </a:solidFill>
+                <a:latin typeface="冬青黑体简体中文 W3" panose="020B0300000000000000" pitchFamily="34" charset="-122"/>
+                <a:ea typeface="冬青黑体简体中文 W3" panose="020B0300000000000000" pitchFamily="34" charset="-122"/>
+              </a:rPr>
+              <a:t>指向函数调用者，即谁调用该函数，</a:t>
+            </a:r>
+            <a:r>
+              <a:rPr lang="en-US" altLang="zh-CN" dirty="0">
+                <a:solidFill>
+                  <a:schemeClr val="tx1">
+                    <a:lumMod val="65000"/>
+                    <a:lumOff val="35000"/>
+                  </a:schemeClr>
+                </a:solidFill>
+                <a:latin typeface="冬青黑体简体中文 W3" panose="020B0300000000000000" pitchFamily="34" charset="-122"/>
+                <a:ea typeface="冬青黑体简体中文 W3" panose="020B0300000000000000" pitchFamily="34" charset="-122"/>
+              </a:rPr>
+              <a:t>this</a:t>
+            </a:r>
+            <a:r>
+              <a:rPr lang="zh-CN" altLang="en-US" dirty="0">
+                <a:solidFill>
+                  <a:schemeClr val="tx1">
+                    <a:lumMod val="65000"/>
+                    <a:lumOff val="35000"/>
+                  </a:schemeClr>
+                </a:solidFill>
+                <a:latin typeface="冬青黑体简体中文 W3" panose="020B0300000000000000" pitchFamily="34" charset="-122"/>
+                <a:ea typeface="冬青黑体简体中文 W3" panose="020B0300000000000000" pitchFamily="34" charset="-122"/>
+              </a:rPr>
+              <a:t>就指向谁。</a:t>
+            </a:r>
+            <a:endParaRPr lang="en-US" altLang="zh-CN" dirty="0">
+              <a:solidFill>
+                <a:schemeClr val="tx1">
+                  <a:lumMod val="65000"/>
+                  <a:lumOff val="35000"/>
+                </a:schemeClr>
+              </a:solidFill>
+              <a:latin typeface="冬青黑体简体中文 W3" panose="020B0300000000000000" pitchFamily="34" charset="-122"/>
+              <a:ea typeface="冬青黑体简体中文 W3" panose="020B0300000000000000" pitchFamily="34" charset="-122"/>
+            </a:endParaRPr>
+          </a:p>
+          <a:p>
+            <a:pPr lvl="1"/>
+            <a:endParaRPr lang="en-US" altLang="zh-CN" dirty="0" smtClean="0">
+              <a:solidFill>
+                <a:schemeClr val="tx1">
+                  <a:lumMod val="85000"/>
+                  <a:lumOff val="15000"/>
+                </a:schemeClr>
+              </a:solidFill>
+              <a:latin typeface="冬青黑体简体中文 W3" panose="020B0300000000000000" pitchFamily="34" charset="-122"/>
+              <a:ea typeface="冬青黑体简体中文 W3" panose="020B0300000000000000" pitchFamily="34" charset="-122"/>
+            </a:endParaRPr>
+          </a:p>
+        </p:txBody>
+      </p:sp>
     </p:spTree>
     <p:extLst>
       <p:ext uri="{BB962C8B-B14F-4D97-AF65-F5344CB8AC3E}">
-        <p14:creationId xmlns:p14="http://schemas.microsoft.com/office/powerpoint/2010/main" val="3077370124"/>
+        <p14:creationId xmlns:p14="http://schemas.microsoft.com/office/powerpoint/2010/main" val="1484242679"/>
       </p:ext>
     </p:extLst>
   </p:cSld>
@@ -9559,40 +12564,48 @@
         </p:nvSpPr>
         <p:spPr>
           <a:xfrm>
-            <a:off x="0" y="512676"/>
-            <a:ext cx="12192000" cy="1122096"/>
+            <a:off x="695400" y="0"/>
+            <a:ext cx="10972641" cy="1143000"/>
           </a:xfrm>
         </p:spPr>
         <p:txBody>
-          <a:bodyPr/>
+          <a:bodyPr>
+            <a:normAutofit/>
+          </a:bodyPr>
           <a:lstStyle/>
           <a:p>
             <a:r>
-              <a:rPr lang="zh-CN" altLang="en-US" dirty="0" smtClean="0"/>
-              <a:t>思考题</a:t>
-            </a:r>
-            <a:endParaRPr lang="zh-CN" altLang="en-US" dirty="0"/>
+              <a:rPr lang="zh-CN" altLang="en-US" sz="3600" dirty="0" smtClean="0">
+                <a:latin typeface="冬青黑体简体中文 W3" panose="020B0300000000000000" pitchFamily="34" charset="-122"/>
+                <a:ea typeface="冬青黑体简体中文 W3" panose="020B0300000000000000" pitchFamily="34" charset="-122"/>
+              </a:rPr>
+              <a:t>代码示例</a:t>
+            </a:r>
+            <a:endParaRPr lang="zh-CN" altLang="en-US" sz="3600" dirty="0">
+              <a:latin typeface="冬青黑体简体中文 W3" panose="020B0300000000000000" pitchFamily="34" charset="-122"/>
+              <a:ea typeface="冬青黑体简体中文 W3" panose="020B0300000000000000" pitchFamily="34" charset="-122"/>
+            </a:endParaRPr>
           </a:p>
         </p:txBody>
       </p:sp>
       <p:pic>
         <p:nvPicPr>
-          <p:cNvPr id="4" name="图片 3"/>
+          <p:cNvPr id="3" name="图片 2"/>
           <p:cNvPicPr>
             <a:picLocks noChangeAspect="1"/>
           </p:cNvPicPr>
           <p:nvPr/>
         </p:nvPicPr>
         <p:blipFill>
-          <a:blip r:embed="rId2"/>
+          <a:blip r:embed="rId3"/>
           <a:stretch>
             <a:fillRect/>
           </a:stretch>
         </p:blipFill>
         <p:spPr>
           <a:xfrm>
-            <a:off x="2068202" y="1988491"/>
-            <a:ext cx="8096250" cy="3867150"/>
+            <a:off x="11667" y="1117138"/>
+            <a:ext cx="12192000" cy="5740862"/>
           </a:xfrm>
           <a:prstGeom prst="rect">
             <a:avLst/>
@@ -9602,7 +12615,7 @@
     </p:spTree>
     <p:extLst>
       <p:ext uri="{BB962C8B-B14F-4D97-AF65-F5344CB8AC3E}">
-        <p14:creationId xmlns:p14="http://schemas.microsoft.com/office/powerpoint/2010/main" val="2012326781"/>
+        <p14:creationId xmlns:p14="http://schemas.microsoft.com/office/powerpoint/2010/main" val="3077370124"/>
       </p:ext>
     </p:extLst>
   </p:cSld>
@@ -9916,12 +12929,21 @@
         </a:ln>
         <a:effectLst/>
       </a:spPr>
-      <a:bodyPr wrap="none" lIns="54000" tIns="28800" rIns="54000" bIns="28800" rtlCol="0" anchor="ctr">
+      <a:bodyPr rot="0" spcFirstLastPara="0" vertOverflow="overflow" horzOverflow="overflow" vert="horz" wrap="none" lIns="180000" tIns="108000" rIns="180000" bIns="108000" numCol="1" spcCol="0" rtlCol="0" fromWordArt="0" anchor="ctr" anchorCtr="1" forceAA="0" compatLnSpc="1">
+        <a:prstTxWarp prst="textNoShape">
+          <a:avLst/>
+        </a:prstTxWarp>
         <a:spAutoFit/>
       </a:bodyPr>
       <a:lstStyle>
         <a:defPPr algn="ctr">
-          <a:defRPr dirty="0"/>
+          <a:defRPr dirty="0" smtClean="0">
+            <a:solidFill>
+              <a:schemeClr val="bg1"/>
+            </a:solidFill>
+            <a:latin typeface="冬青黑体简体中文 W3" panose="020B0300000000000000" pitchFamily="34" charset="-122"/>
+            <a:ea typeface="冬青黑体简体中文 W3" panose="020B0300000000000000" pitchFamily="34" charset="-122"/>
+          </a:defRPr>
         </a:defPPr>
       </a:lstStyle>
       <a:style>

--- a/ppt/JavaScript基础一.pptx
+++ b/ppt/JavaScript基础一.pptx
@@ -5,13 +5,13 @@
     <p:sldMasterId id="2147483686" r:id="rId1"/>
   </p:sldMasterIdLst>
   <p:notesMasterIdLst>
-    <p:notesMasterId r:id="rId25"/>
+    <p:notesMasterId r:id="rId31"/>
   </p:notesMasterIdLst>
   <p:handoutMasterIdLst>
-    <p:handoutMasterId r:id="rId26"/>
+    <p:handoutMasterId r:id="rId32"/>
   </p:handoutMasterIdLst>
   <p:sldIdLst>
-    <p:sldId id="256" r:id="rId2"/>
+    <p:sldId id="288" r:id="rId2"/>
     <p:sldId id="257" r:id="rId3"/>
     <p:sldId id="258" r:id="rId4"/>
     <p:sldId id="262" r:id="rId5"/>
@@ -33,21 +33,27 @@
     <p:sldId id="278" r:id="rId21"/>
     <p:sldId id="279" r:id="rId22"/>
     <p:sldId id="280" r:id="rId23"/>
-    <p:sldId id="263" r:id="rId24"/>
+    <p:sldId id="281" r:id="rId24"/>
+    <p:sldId id="283" r:id="rId25"/>
+    <p:sldId id="284" r:id="rId26"/>
+    <p:sldId id="285" r:id="rId27"/>
+    <p:sldId id="286" r:id="rId28"/>
+    <p:sldId id="287" r:id="rId29"/>
+    <p:sldId id="263" r:id="rId30"/>
   </p:sldIdLst>
   <p:sldSz cx="12192000" cy="6858000"/>
   <p:notesSz cx="6858000" cy="9144000"/>
   <p:embeddedFontLst>
     <p:embeddedFont>
       <p:font typeface="Calibri" panose="020F0502020204030204" pitchFamily="34" charset="0"/>
-      <p:regular r:id="rId27"/>
-      <p:bold r:id="rId28"/>
-      <p:italic r:id="rId29"/>
-      <p:boldItalic r:id="rId30"/>
+      <p:regular r:id="rId33"/>
+      <p:bold r:id="rId34"/>
+      <p:italic r:id="rId35"/>
+      <p:boldItalic r:id="rId36"/>
     </p:embeddedFont>
     <p:embeddedFont>
       <p:font typeface="冬青黑体简体中文 W3" panose="020B0300000000000000" pitchFamily="34" charset="-122"/>
-      <p:regular r:id="rId31"/>
+      <p:regular r:id="rId37"/>
     </p:embeddedFont>
   </p:embeddedFontLst>
   <p:defaultTextStyle>
@@ -153,7 +159,7 @@
             <a:srgbClr val="A4A3A4"/>
           </p15:clr>
         </p15:guide>
-        <p15:guide id="2" orient="horz" pos="1621" userDrawn="1">
+        <p15:guide id="2" orient="horz" pos="1616" userDrawn="1">
           <p15:clr>
             <a:srgbClr val="A4A3A4"/>
           </p15:clr>
@@ -281,7 +287,7 @@
           <a:p>
             <a:fld id="{EF39233F-B0BB-44DE-A7B3-17CA56738593}" type="datetimeFigureOut">
               <a:rPr lang="zh-CN" altLang="en-US" smtClean="0"/>
-              <a:t>2018/9/4</a:t>
+              <a:t>2018/9/5</a:t>
             </a:fld>
             <a:endParaRPr lang="zh-CN" altLang="en-US"/>
           </a:p>
@@ -447,7 +453,7 @@
           <a:p>
             <a:fld id="{8E7218B8-0759-4EF6-915F-DEF35E047769}" type="datetimeFigureOut">
               <a:rPr lang="zh-CN" altLang="en-US" smtClean="0"/>
-              <a:t>2018/9/4</a:t>
+              <a:t>2018/9/5</a:t>
             </a:fld>
             <a:endParaRPr lang="zh-CN" altLang="en-US"/>
           </a:p>
@@ -818,7 +824,7 @@
     </p:spTree>
     <p:extLst>
       <p:ext uri="{BB962C8B-B14F-4D97-AF65-F5344CB8AC3E}">
-        <p14:creationId xmlns:p14="http://schemas.microsoft.com/office/powerpoint/2010/main" val="1854766241"/>
+        <p14:creationId xmlns:p14="http://schemas.microsoft.com/office/powerpoint/2010/main" val="3752938168"/>
       </p:ext>
     </p:extLst>
   </p:cSld>
@@ -1317,6 +1323,373 @@
 </p:notes>
 </file>
 
+<file path=ppt/notesSlides/notesSlide15.xml><?xml version="1.0" encoding="utf-8"?>
+<p:notes xmlns:a="http://schemas.openxmlformats.org/drawingml/2006/main" xmlns:r="http://schemas.openxmlformats.org/officeDocument/2006/relationships" xmlns:p="http://schemas.openxmlformats.org/presentationml/2006/main">
+  <p:cSld>
+    <p:spTree>
+      <p:nvGrpSpPr>
+        <p:cNvPr id="1" name=""/>
+        <p:cNvGrpSpPr/>
+        <p:nvPr/>
+      </p:nvGrpSpPr>
+      <p:grpSpPr>
+        <a:xfrm>
+          <a:off x="0" y="0"/>
+          <a:ext cx="0" cy="0"/>
+          <a:chOff x="0" y="0"/>
+          <a:chExt cx="0" cy="0"/>
+        </a:xfrm>
+      </p:grpSpPr>
+      <p:sp>
+        <p:nvSpPr>
+          <p:cNvPr id="2" name="幻灯片图像占位符 1"/>
+          <p:cNvSpPr>
+            <a:spLocks noGrp="1" noRot="1" noChangeAspect="1"/>
+          </p:cNvSpPr>
+          <p:nvPr>
+            <p:ph type="sldImg"/>
+          </p:nvPr>
+        </p:nvSpPr>
+        <p:spPr/>
+      </p:sp>
+      <p:sp>
+        <p:nvSpPr>
+          <p:cNvPr id="3" name="备注占位符 2"/>
+          <p:cNvSpPr>
+            <a:spLocks noGrp="1"/>
+          </p:cNvSpPr>
+          <p:nvPr>
+            <p:ph type="body" idx="1"/>
+          </p:nvPr>
+        </p:nvSpPr>
+        <p:spPr/>
+        <p:txBody>
+          <a:bodyPr/>
+          <a:lstStyle/>
+          <a:p>
+            <a:r>
+              <a:rPr lang="zh-CN" altLang="en-US" dirty="0" smtClean="0"/>
+              <a:t>因为这一章节主要是介绍原型</a:t>
+            </a:r>
+            <a:r>
+              <a:rPr lang="en-US" altLang="zh-CN" dirty="0" smtClean="0"/>
+              <a:t>&amp;</a:t>
+            </a:r>
+            <a:r>
+              <a:rPr lang="zh-CN" altLang="en-US" dirty="0" smtClean="0"/>
+              <a:t>原型链，这里简单列举一下</a:t>
+            </a:r>
+            <a:r>
+              <a:rPr lang="en-US" altLang="zh-CN" dirty="0" err="1" smtClean="0"/>
+              <a:t>js</a:t>
+            </a:r>
+            <a:r>
+              <a:rPr lang="zh-CN" altLang="en-US" dirty="0" smtClean="0"/>
+              <a:t>中的继承方式。</a:t>
+            </a:r>
+            <a:endParaRPr lang="en-US" altLang="zh-CN" dirty="0" smtClean="0"/>
+          </a:p>
+          <a:p>
+            <a:r>
+              <a:rPr lang="zh-CN" altLang="en-US" dirty="0" smtClean="0"/>
+              <a:t>通过 原型继承 来介绍 原型链 的工作原理。</a:t>
+            </a:r>
+            <a:endParaRPr lang="zh-CN" altLang="en-US" dirty="0"/>
+          </a:p>
+        </p:txBody>
+      </p:sp>
+      <p:sp>
+        <p:nvSpPr>
+          <p:cNvPr id="4" name="灯片编号占位符 3"/>
+          <p:cNvSpPr>
+            <a:spLocks noGrp="1"/>
+          </p:cNvSpPr>
+          <p:nvPr>
+            <p:ph type="sldNum" sz="quarter" idx="10"/>
+          </p:nvPr>
+        </p:nvSpPr>
+        <p:spPr/>
+        <p:txBody>
+          <a:bodyPr/>
+          <a:lstStyle/>
+          <a:p>
+            <a:fld id="{63D66438-32C0-4A55-81A6-6429864AD78C}" type="slidenum">
+              <a:rPr lang="zh-CN" altLang="en-US" smtClean="0"/>
+              <a:t>24</a:t>
+            </a:fld>
+            <a:endParaRPr lang="zh-CN" altLang="en-US"/>
+          </a:p>
+        </p:txBody>
+      </p:sp>
+    </p:spTree>
+    <p:extLst>
+      <p:ext uri="{BB962C8B-B14F-4D97-AF65-F5344CB8AC3E}">
+        <p14:creationId xmlns:p14="http://schemas.microsoft.com/office/powerpoint/2010/main" val="3186496235"/>
+      </p:ext>
+    </p:extLst>
+  </p:cSld>
+  <p:clrMapOvr>
+    <a:masterClrMapping/>
+  </p:clrMapOvr>
+</p:notes>
+</file>
+
+<file path=ppt/notesSlides/notesSlide16.xml><?xml version="1.0" encoding="utf-8"?>
+<p:notes xmlns:a="http://schemas.openxmlformats.org/drawingml/2006/main" xmlns:r="http://schemas.openxmlformats.org/officeDocument/2006/relationships" xmlns:p="http://schemas.openxmlformats.org/presentationml/2006/main">
+  <p:cSld>
+    <p:spTree>
+      <p:nvGrpSpPr>
+        <p:cNvPr id="1" name=""/>
+        <p:cNvGrpSpPr/>
+        <p:nvPr/>
+      </p:nvGrpSpPr>
+      <p:grpSpPr>
+        <a:xfrm>
+          <a:off x="0" y="0"/>
+          <a:ext cx="0" cy="0"/>
+          <a:chOff x="0" y="0"/>
+          <a:chExt cx="0" cy="0"/>
+        </a:xfrm>
+      </p:grpSpPr>
+      <p:sp>
+        <p:nvSpPr>
+          <p:cNvPr id="2" name="幻灯片图像占位符 1"/>
+          <p:cNvSpPr>
+            <a:spLocks noGrp="1" noRot="1" noChangeAspect="1"/>
+          </p:cNvSpPr>
+          <p:nvPr>
+            <p:ph type="sldImg"/>
+          </p:nvPr>
+        </p:nvSpPr>
+        <p:spPr/>
+      </p:sp>
+      <p:sp>
+        <p:nvSpPr>
+          <p:cNvPr id="3" name="备注占位符 2"/>
+          <p:cNvSpPr>
+            <a:spLocks noGrp="1"/>
+          </p:cNvSpPr>
+          <p:nvPr>
+            <p:ph type="body" idx="1"/>
+          </p:nvPr>
+        </p:nvSpPr>
+        <p:spPr/>
+        <p:txBody>
+          <a:bodyPr/>
+          <a:lstStyle/>
+          <a:p>
+            <a:r>
+              <a:rPr lang="zh-CN" altLang="en-US" dirty="0" smtClean="0"/>
+              <a:t>先回顾 原型 与 原型链的知识，跟听众互动如何才能让子类继承父类的原型。</a:t>
+            </a:r>
+            <a:endParaRPr lang="zh-CN" altLang="en-US" dirty="0"/>
+          </a:p>
+        </p:txBody>
+      </p:sp>
+      <p:sp>
+        <p:nvSpPr>
+          <p:cNvPr id="4" name="灯片编号占位符 3"/>
+          <p:cNvSpPr>
+            <a:spLocks noGrp="1"/>
+          </p:cNvSpPr>
+          <p:nvPr>
+            <p:ph type="sldNum" sz="quarter" idx="10"/>
+          </p:nvPr>
+        </p:nvSpPr>
+        <p:spPr/>
+        <p:txBody>
+          <a:bodyPr/>
+          <a:lstStyle/>
+          <a:p>
+            <a:fld id="{63D66438-32C0-4A55-81A6-6429864AD78C}" type="slidenum">
+              <a:rPr lang="zh-CN" altLang="en-US" smtClean="0"/>
+              <a:t>26</a:t>
+            </a:fld>
+            <a:endParaRPr lang="zh-CN" altLang="en-US"/>
+          </a:p>
+        </p:txBody>
+      </p:sp>
+    </p:spTree>
+    <p:extLst>
+      <p:ext uri="{BB962C8B-B14F-4D97-AF65-F5344CB8AC3E}">
+        <p14:creationId xmlns:p14="http://schemas.microsoft.com/office/powerpoint/2010/main" val="810539265"/>
+      </p:ext>
+    </p:extLst>
+  </p:cSld>
+  <p:clrMapOvr>
+    <a:masterClrMapping/>
+  </p:clrMapOvr>
+</p:notes>
+</file>
+
+<file path=ppt/notesSlides/notesSlide17.xml><?xml version="1.0" encoding="utf-8"?>
+<p:notes xmlns:a="http://schemas.openxmlformats.org/drawingml/2006/main" xmlns:r="http://schemas.openxmlformats.org/officeDocument/2006/relationships" xmlns:p="http://schemas.openxmlformats.org/presentationml/2006/main">
+  <p:cSld>
+    <p:spTree>
+      <p:nvGrpSpPr>
+        <p:cNvPr id="1" name=""/>
+        <p:cNvGrpSpPr/>
+        <p:nvPr/>
+      </p:nvGrpSpPr>
+      <p:grpSpPr>
+        <a:xfrm>
+          <a:off x="0" y="0"/>
+          <a:ext cx="0" cy="0"/>
+          <a:chOff x="0" y="0"/>
+          <a:chExt cx="0" cy="0"/>
+        </a:xfrm>
+      </p:grpSpPr>
+      <p:sp>
+        <p:nvSpPr>
+          <p:cNvPr id="2" name="幻灯片图像占位符 1"/>
+          <p:cNvSpPr>
+            <a:spLocks noGrp="1" noRot="1" noChangeAspect="1"/>
+          </p:cNvSpPr>
+          <p:nvPr>
+            <p:ph type="sldImg"/>
+          </p:nvPr>
+        </p:nvSpPr>
+        <p:spPr/>
+      </p:sp>
+      <p:sp>
+        <p:nvSpPr>
+          <p:cNvPr id="3" name="备注占位符 2"/>
+          <p:cNvSpPr>
+            <a:spLocks noGrp="1"/>
+          </p:cNvSpPr>
+          <p:nvPr>
+            <p:ph type="body" idx="1"/>
+          </p:nvPr>
+        </p:nvSpPr>
+        <p:spPr/>
+        <p:txBody>
+          <a:bodyPr/>
+          <a:lstStyle/>
+          <a:p>
+            <a:endParaRPr lang="zh-CN" altLang="en-US" dirty="0"/>
+          </a:p>
+        </p:txBody>
+      </p:sp>
+      <p:sp>
+        <p:nvSpPr>
+          <p:cNvPr id="4" name="灯片编号占位符 3"/>
+          <p:cNvSpPr>
+            <a:spLocks noGrp="1"/>
+          </p:cNvSpPr>
+          <p:nvPr>
+            <p:ph type="sldNum" sz="quarter" idx="10"/>
+          </p:nvPr>
+        </p:nvSpPr>
+        <p:spPr/>
+        <p:txBody>
+          <a:bodyPr/>
+          <a:lstStyle/>
+          <a:p>
+            <a:fld id="{63D66438-32C0-4A55-81A6-6429864AD78C}" type="slidenum">
+              <a:rPr lang="zh-CN" altLang="en-US" smtClean="0"/>
+              <a:t>27</a:t>
+            </a:fld>
+            <a:endParaRPr lang="zh-CN" altLang="en-US"/>
+          </a:p>
+        </p:txBody>
+      </p:sp>
+    </p:spTree>
+    <p:extLst>
+      <p:ext uri="{BB962C8B-B14F-4D97-AF65-F5344CB8AC3E}">
+        <p14:creationId xmlns:p14="http://schemas.microsoft.com/office/powerpoint/2010/main" val="2543010296"/>
+      </p:ext>
+    </p:extLst>
+  </p:cSld>
+  <p:clrMapOvr>
+    <a:masterClrMapping/>
+  </p:clrMapOvr>
+</p:notes>
+</file>
+
+<file path=ppt/notesSlides/notesSlide18.xml><?xml version="1.0" encoding="utf-8"?>
+<p:notes xmlns:a="http://schemas.openxmlformats.org/drawingml/2006/main" xmlns:r="http://schemas.openxmlformats.org/officeDocument/2006/relationships" xmlns:p="http://schemas.openxmlformats.org/presentationml/2006/main">
+  <p:cSld>
+    <p:spTree>
+      <p:nvGrpSpPr>
+        <p:cNvPr id="1" name=""/>
+        <p:cNvGrpSpPr/>
+        <p:nvPr/>
+      </p:nvGrpSpPr>
+      <p:grpSpPr>
+        <a:xfrm>
+          <a:off x="0" y="0"/>
+          <a:ext cx="0" cy="0"/>
+          <a:chOff x="0" y="0"/>
+          <a:chExt cx="0" cy="0"/>
+        </a:xfrm>
+      </p:grpSpPr>
+      <p:sp>
+        <p:nvSpPr>
+          <p:cNvPr id="2" name="幻灯片图像占位符 1"/>
+          <p:cNvSpPr>
+            <a:spLocks noGrp="1" noRot="1" noChangeAspect="1"/>
+          </p:cNvSpPr>
+          <p:nvPr>
+            <p:ph type="sldImg"/>
+          </p:nvPr>
+        </p:nvSpPr>
+        <p:spPr/>
+      </p:sp>
+      <p:sp>
+        <p:nvSpPr>
+          <p:cNvPr id="3" name="备注占位符 2"/>
+          <p:cNvSpPr>
+            <a:spLocks noGrp="1"/>
+          </p:cNvSpPr>
+          <p:nvPr>
+            <p:ph type="body" idx="1"/>
+          </p:nvPr>
+        </p:nvSpPr>
+        <p:spPr/>
+        <p:txBody>
+          <a:bodyPr/>
+          <a:lstStyle/>
+          <a:p>
+            <a:endParaRPr lang="zh-CN" altLang="en-US" dirty="0"/>
+          </a:p>
+        </p:txBody>
+      </p:sp>
+      <p:sp>
+        <p:nvSpPr>
+          <p:cNvPr id="4" name="灯片编号占位符 3"/>
+          <p:cNvSpPr>
+            <a:spLocks noGrp="1"/>
+          </p:cNvSpPr>
+          <p:nvPr>
+            <p:ph type="sldNum" sz="quarter" idx="10"/>
+          </p:nvPr>
+        </p:nvSpPr>
+        <p:spPr/>
+        <p:txBody>
+          <a:bodyPr/>
+          <a:lstStyle/>
+          <a:p>
+            <a:fld id="{63D66438-32C0-4A55-81A6-6429864AD78C}" type="slidenum">
+              <a:rPr lang="zh-CN" altLang="en-US" smtClean="0"/>
+              <a:t>28</a:t>
+            </a:fld>
+            <a:endParaRPr lang="zh-CN" altLang="en-US"/>
+          </a:p>
+        </p:txBody>
+      </p:sp>
+    </p:spTree>
+    <p:extLst>
+      <p:ext uri="{BB962C8B-B14F-4D97-AF65-F5344CB8AC3E}">
+        <p14:creationId xmlns:p14="http://schemas.microsoft.com/office/powerpoint/2010/main" val="1286536810"/>
+      </p:ext>
+    </p:extLst>
+  </p:cSld>
+  <p:clrMapOvr>
+    <a:masterClrMapping/>
+  </p:clrMapOvr>
+</p:notes>
+</file>
+
 <file path=ppt/notesSlides/notesSlide2.xml><?xml version="1.0" encoding="utf-8"?>
 <p:notes xmlns:a="http://schemas.openxmlformats.org/drawingml/2006/main" xmlns:r="http://schemas.openxmlformats.org/officeDocument/2006/relationships" xmlns:p="http://schemas.openxmlformats.org/presentationml/2006/main">
   <p:cSld>
@@ -2247,11 +2620,11 @@
   <p:clrMapOvr>
     <a:masterClrMapping/>
   </p:clrMapOvr>
-  <mc:AlternateContent xmlns:mc="http://schemas.openxmlformats.org/markup-compatibility/2006">
-    <mc:Choice xmlns:p14="http://schemas.microsoft.com/office/powerpoint/2010/main" Requires="p14">
+  <mc:AlternateContent xmlns:mc="http://schemas.openxmlformats.org/markup-compatibility/2006" xmlns:p14="http://schemas.microsoft.com/office/powerpoint/2010/main">
+    <mc:Choice Requires="p14">
       <p:transition p14:dur="0" advTm="9938"/>
     </mc:Choice>
-    <mc:Fallback>
+    <mc:Fallback xmlns="">
       <p:transition advTm="9938"/>
     </mc:Fallback>
   </mc:AlternateContent>
@@ -2357,11 +2730,11 @@
   <p:clrMapOvr>
     <a:masterClrMapping/>
   </p:clrMapOvr>
-  <mc:AlternateContent xmlns:mc="http://schemas.openxmlformats.org/markup-compatibility/2006">
-    <mc:Choice xmlns:p14="http://schemas.microsoft.com/office/powerpoint/2010/main" Requires="p14">
+  <mc:AlternateContent xmlns:mc="http://schemas.openxmlformats.org/markup-compatibility/2006" xmlns:p14="http://schemas.microsoft.com/office/powerpoint/2010/main">
+    <mc:Choice Requires="p14">
       <p:transition p14:dur="0" advTm="9938"/>
     </mc:Choice>
-    <mc:Fallback>
+    <mc:Fallback xmlns="">
       <p:transition advTm="9938"/>
     </mc:Fallback>
   </mc:AlternateContent>
@@ -2477,11 +2850,11 @@
   <p:clrMapOvr>
     <a:masterClrMapping/>
   </p:clrMapOvr>
-  <mc:AlternateContent xmlns:mc="http://schemas.openxmlformats.org/markup-compatibility/2006">
-    <mc:Choice xmlns:p14="http://schemas.microsoft.com/office/powerpoint/2010/main" Requires="p14">
+  <mc:AlternateContent xmlns:mc="http://schemas.openxmlformats.org/markup-compatibility/2006" xmlns:p14="http://schemas.microsoft.com/office/powerpoint/2010/main">
+    <mc:Choice Requires="p14">
       <p:transition p14:dur="0" advTm="9938"/>
     </mc:Choice>
-    <mc:Fallback>
+    <mc:Fallback xmlns="">
       <p:transition advTm="9938"/>
     </mc:Fallback>
   </mc:AlternateContent>
@@ -2526,11 +2899,11 @@
   <p:clrMapOvr>
     <a:masterClrMapping/>
   </p:clrMapOvr>
-  <mc:AlternateContent xmlns:mc="http://schemas.openxmlformats.org/markup-compatibility/2006">
-    <mc:Choice xmlns:p14="http://schemas.microsoft.com/office/powerpoint/2010/main" Requires="p14">
+  <mc:AlternateContent xmlns:mc="http://schemas.openxmlformats.org/markup-compatibility/2006" xmlns:p14="http://schemas.microsoft.com/office/powerpoint/2010/main">
+    <mc:Choice Requires="p14">
       <p:transition p14:dur="0" advTm="9938"/>
     </mc:Choice>
-    <mc:Fallback>
+    <mc:Fallback xmlns="">
       <p:transition advTm="9938"/>
     </mc:Fallback>
   </mc:AlternateContent>
@@ -2699,7 +3072,7 @@
           <a:p>
             <a:fld id="{A981568D-62A3-428D-9EAF-2462161BCA07}" type="datetimeFigureOut">
               <a:rPr lang="zh-CN" altLang="en-US" smtClean="0"/>
-              <a:t>2018/9/4</a:t>
+              <a:t>2018/9/5</a:t>
             </a:fld>
             <a:endParaRPr lang="zh-CN" altLang="en-US"/>
           </a:p>
@@ -2751,11 +3124,11 @@
     <p:sldLayoutId id="2147483696" r:id="rId3"/>
     <p:sldLayoutId id="2147483693" r:id="rId4"/>
   </p:sldLayoutIdLst>
-  <mc:AlternateContent xmlns:mc="http://schemas.openxmlformats.org/markup-compatibility/2006">
-    <mc:Choice xmlns:p14="http://schemas.microsoft.com/office/powerpoint/2010/main" Requires="p14">
+  <mc:AlternateContent xmlns:mc="http://schemas.openxmlformats.org/markup-compatibility/2006" xmlns:p14="http://schemas.microsoft.com/office/powerpoint/2010/main">
+    <mc:Choice Requires="p14">
       <p:transition p14:dur="0" advTm="9938"/>
     </mc:Choice>
-    <mc:Fallback>
+    <mc:Fallback xmlns="">
       <p:transition advTm="9938"/>
     </mc:Fallback>
   </mc:AlternateContent>
@@ -3208,29 +3581,24 @@
         </p:txBody>
       </p:sp>
     </p:spTree>
+    <p:extLst>
+      <p:ext uri="{BB962C8B-B14F-4D97-AF65-F5344CB8AC3E}">
+        <p14:creationId xmlns:p14="http://schemas.microsoft.com/office/powerpoint/2010/main" val="2494440381"/>
+      </p:ext>
+    </p:extLst>
   </p:cSld>
   <p:clrMapOvr>
     <a:masterClrMapping/>
   </p:clrMapOvr>
-  <mc:AlternateContent xmlns:mc="http://schemas.openxmlformats.org/markup-compatibility/2006">
-    <mc:Choice xmlns:p15="http://schemas.microsoft.com/office/powerpoint/2012/main" Requires="p15">
-      <p:transition xmlns:p14="http://schemas.microsoft.com/office/powerpoint/2010/main" spd="slow" p14:dur="2500" advTm="9938">
+  <mc:AlternateContent xmlns:mc="http://schemas.openxmlformats.org/markup-compatibility/2006" xmlns:p15="http://schemas.microsoft.com/office/powerpoint/2012/main">
+    <mc:Choice Requires="p15">
+      <p:transition xmlns:p14="http://schemas.microsoft.com/office/powerpoint/2010/main" spd="slow" p14:dur="3250">
         <p15:prstTrans prst="origami"/>
-        <p:sndAc>
-          <p:stSnd>
-            <p:snd r:embed="rId3" name="chimes.wav"/>
-          </p:stSnd>
-        </p:sndAc>
       </p:transition>
     </mc:Choice>
-    <mc:Fallback>
-      <p:transition spd="slow" advTm="9938">
+    <mc:Fallback xmlns="">
+      <p:transition spd="slow">
         <p:fade/>
-        <p:sndAc>
-          <p:stSnd>
-            <p:snd r:embed="rId3" name="chimes.wav"/>
-          </p:stSnd>
-        </p:sndAc>
       </p:transition>
     </mc:Fallback>
   </mc:AlternateContent>
@@ -3323,11 +3691,11 @@
   <p:clrMapOvr>
     <a:masterClrMapping/>
   </p:clrMapOvr>
-  <mc:AlternateContent xmlns:mc="http://schemas.openxmlformats.org/markup-compatibility/2006">
-    <mc:Choice xmlns:p14="http://schemas.microsoft.com/office/powerpoint/2010/main" Requires="p14">
+  <mc:AlternateContent xmlns:mc="http://schemas.openxmlformats.org/markup-compatibility/2006" xmlns:p14="http://schemas.microsoft.com/office/powerpoint/2010/main">
+    <mc:Choice Requires="p14">
       <p:transition p14:dur="0" advTm="9938"/>
     </mc:Choice>
-    <mc:Fallback>
+    <mc:Fallback xmlns="">
       <p:transition advTm="9938"/>
     </mc:Fallback>
   </mc:AlternateContent>
@@ -3420,11 +3788,11 @@
   <p:clrMapOvr>
     <a:masterClrMapping/>
   </p:clrMapOvr>
-  <mc:AlternateContent xmlns:mc="http://schemas.openxmlformats.org/markup-compatibility/2006">
-    <mc:Choice xmlns:p14="http://schemas.microsoft.com/office/powerpoint/2010/main" Requires="p14">
+  <mc:AlternateContent xmlns:mc="http://schemas.openxmlformats.org/markup-compatibility/2006" xmlns:p14="http://schemas.microsoft.com/office/powerpoint/2010/main">
+    <mc:Choice Requires="p14">
       <p:transition p14:dur="0" advTm="9938"/>
     </mc:Choice>
-    <mc:Fallback>
+    <mc:Fallback xmlns="">
       <p:transition advTm="9938"/>
     </mc:Fallback>
   </mc:AlternateContent>
@@ -3922,11 +4290,11 @@
   <p:clrMapOvr>
     <a:masterClrMapping/>
   </p:clrMapOvr>
-  <mc:AlternateContent xmlns:mc="http://schemas.openxmlformats.org/markup-compatibility/2006">
-    <mc:Choice xmlns:p14="http://schemas.microsoft.com/office/powerpoint/2010/main" Requires="p14">
+  <mc:AlternateContent xmlns:mc="http://schemas.openxmlformats.org/markup-compatibility/2006" xmlns:p14="http://schemas.microsoft.com/office/powerpoint/2010/main">
+    <mc:Choice Requires="p14">
       <p:transition p14:dur="0" advTm="9938"/>
     </mc:Choice>
-    <mc:Fallback>
+    <mc:Fallback xmlns="">
       <p:transition advTm="9938"/>
     </mc:Fallback>
   </mc:AlternateContent>
@@ -4023,11 +4391,11 @@
   <p:clrMapOvr>
     <a:masterClrMapping/>
   </p:clrMapOvr>
-  <mc:AlternateContent xmlns:mc="http://schemas.openxmlformats.org/markup-compatibility/2006">
-    <mc:Choice xmlns:p14="http://schemas.microsoft.com/office/powerpoint/2010/main" Requires="p14">
+  <mc:AlternateContent xmlns:mc="http://schemas.openxmlformats.org/markup-compatibility/2006" xmlns:p14="http://schemas.microsoft.com/office/powerpoint/2010/main">
+    <mc:Choice Requires="p14">
       <p:transition p14:dur="0" advTm="9938"/>
     </mc:Choice>
-    <mc:Fallback>
+    <mc:Fallback xmlns="">
       <p:transition advTm="9938"/>
     </mc:Fallback>
   </mc:AlternateContent>
@@ -4624,10 +4992,10 @@
                   </a:schemeClr>
                 </a:solidFill>
               </a:rPr>
-              <a:t>方法：返回一个新函数</a:t>
-            </a:r>
-            <a:r>
-              <a:rPr lang="zh-CN" altLang="en-US" dirty="0" smtClean="0">
+              <a:t>方法：返回一个新函数，</a:t>
+            </a:r>
+            <a:r>
+              <a:rPr lang="en-US" altLang="zh-CN" dirty="0" smtClean="0">
                 <a:solidFill>
                   <a:schemeClr val="tx1">
                     <a:lumMod val="85000"/>
@@ -4635,10 +5003,10 @@
                   </a:schemeClr>
                 </a:solidFill>
               </a:rPr>
-              <a:t>，</a:t>
-            </a:r>
-            <a:r>
-              <a:rPr lang="en-US" altLang="zh-CN" dirty="0" smtClean="0">
+              <a:t>bind</a:t>
+            </a:r>
+            <a:r>
+              <a:rPr lang="zh-CN" altLang="en-US" dirty="0" smtClean="0">
                 <a:solidFill>
                   <a:schemeClr val="tx1">
                     <a:lumMod val="85000"/>
@@ -4646,10 +5014,10 @@
                   </a:schemeClr>
                 </a:solidFill>
               </a:rPr>
-              <a:t>bind</a:t>
-            </a:r>
-            <a:r>
-              <a:rPr lang="zh-CN" altLang="en-US" dirty="0" smtClean="0">
+              <a:t>的第一个参数作为新函数的</a:t>
+            </a:r>
+            <a:r>
+              <a:rPr lang="en-US" altLang="zh-CN" dirty="0" smtClean="0">
                 <a:solidFill>
                   <a:schemeClr val="tx1">
                     <a:lumMod val="85000"/>
@@ -4657,7 +5025,7 @@
                   </a:schemeClr>
                 </a:solidFill>
               </a:rPr>
-              <a:t>的</a:t>
+              <a:t>this</a:t>
             </a:r>
             <a:r>
               <a:rPr lang="zh-CN" altLang="en-US" dirty="0" smtClean="0">
@@ -4668,62 +5036,7 @@
                   </a:schemeClr>
                 </a:solidFill>
               </a:rPr>
-              <a:t>第一个参</a:t>
-            </a:r>
-            <a:r>
-              <a:rPr lang="zh-CN" altLang="en-US" dirty="0" smtClean="0">
-                <a:solidFill>
-                  <a:schemeClr val="tx1">
-                    <a:lumMod val="85000"/>
-                    <a:lumOff val="15000"/>
-                  </a:schemeClr>
-                </a:solidFill>
-              </a:rPr>
-              <a:t>数作为新函数的</a:t>
-            </a:r>
-            <a:r>
-              <a:rPr lang="en-US" altLang="zh-CN" dirty="0" smtClean="0">
-                <a:solidFill>
-                  <a:schemeClr val="tx1">
-                    <a:lumMod val="85000"/>
-                    <a:lumOff val="15000"/>
-                  </a:schemeClr>
-                </a:solidFill>
-              </a:rPr>
-              <a:t>this</a:t>
-            </a:r>
-            <a:r>
-              <a:rPr lang="zh-CN" altLang="en-US" dirty="0" smtClean="0">
-                <a:solidFill>
-                  <a:schemeClr val="tx1">
-                    <a:lumMod val="85000"/>
-                    <a:lumOff val="15000"/>
-                  </a:schemeClr>
-                </a:solidFill>
-              </a:rPr>
-              <a:t>，</a:t>
-            </a:r>
-            <a:r>
-              <a:rPr lang="zh-CN" altLang="en-US" dirty="0" smtClean="0">
-                <a:solidFill>
-                  <a:schemeClr val="tx1">
-                    <a:lumMod val="85000"/>
-                    <a:lumOff val="15000"/>
-                  </a:schemeClr>
-                </a:solidFill>
-              </a:rPr>
-              <a:t>其</a:t>
-            </a:r>
-            <a:r>
-              <a:rPr lang="zh-CN" altLang="en-US" dirty="0" smtClean="0">
-                <a:solidFill>
-                  <a:schemeClr val="tx1">
-                    <a:lumMod val="85000"/>
-                    <a:lumOff val="15000"/>
-                  </a:schemeClr>
-                </a:solidFill>
-              </a:rPr>
-              <a:t>余的参数作为新函</a:t>
+              <a:t>，其余的参数作为新函</a:t>
             </a:r>
             <a:r>
               <a:rPr lang="zh-CN" altLang="en-US" dirty="0">
@@ -4894,11 +5207,11 @@
   <p:clrMapOvr>
     <a:masterClrMapping/>
   </p:clrMapOvr>
-  <mc:AlternateContent xmlns:mc="http://schemas.openxmlformats.org/markup-compatibility/2006">
-    <mc:Choice xmlns:p14="http://schemas.microsoft.com/office/powerpoint/2010/main" Requires="p14">
+  <mc:AlternateContent xmlns:mc="http://schemas.openxmlformats.org/markup-compatibility/2006" xmlns:p14="http://schemas.microsoft.com/office/powerpoint/2010/main">
+    <mc:Choice Requires="p14">
       <p:transition p14:dur="0" advTm="9938"/>
     </mc:Choice>
-    <mc:Fallback>
+    <mc:Fallback xmlns="">
       <p:transition advTm="9938"/>
     </mc:Fallback>
   </mc:AlternateContent>
@@ -4986,11 +5299,11 @@
   <p:clrMapOvr>
     <a:masterClrMapping/>
   </p:clrMapOvr>
-  <mc:AlternateContent xmlns:mc="http://schemas.openxmlformats.org/markup-compatibility/2006">
-    <mc:Choice xmlns:p14="http://schemas.microsoft.com/office/powerpoint/2010/main" Requires="p14">
+  <mc:AlternateContent xmlns:mc="http://schemas.openxmlformats.org/markup-compatibility/2006" xmlns:p14="http://schemas.microsoft.com/office/powerpoint/2010/main">
+    <mc:Choice Requires="p14">
       <p:transition p14:dur="0" advTm="9938"/>
     </mc:Choice>
-    <mc:Fallback>
+    <mc:Fallback xmlns="">
       <p:transition advTm="9938"/>
     </mc:Fallback>
   </mc:AlternateContent>
@@ -5098,6 +5411,16 @@
             <a:r>
               <a:rPr lang="zh-CN" altLang="en-US" sz="2000" dirty="0" smtClean="0">
                 <a:solidFill>
+                  <a:srgbClr val="C00000"/>
+                </a:solidFill>
+                <a:latin typeface="冬青黑体简体中文 W3" panose="020B0300000000000000" pitchFamily="34" charset="-122"/>
+                <a:ea typeface="冬青黑体简体中文 W3" panose="020B0300000000000000" pitchFamily="34" charset="-122"/>
+              </a:rPr>
+              <a:t>箭头函数</a:t>
+            </a:r>
+            <a:r>
+              <a:rPr lang="zh-CN" altLang="en-US" sz="2000" dirty="0" smtClean="0">
+                <a:solidFill>
                   <a:schemeClr val="tx1">
                     <a:lumMod val="75000"/>
                     <a:lumOff val="25000"/>
@@ -5106,7 +5429,7 @@
                 <a:latin typeface="冬青黑体简体中文 W3" panose="020B0300000000000000" pitchFamily="34" charset="-122"/>
                 <a:ea typeface="冬青黑体简体中文 W3" panose="020B0300000000000000" pitchFamily="34" charset="-122"/>
               </a:rPr>
-              <a:t>箭头函数能否使用这三个函数改变</a:t>
+              <a:t>能否使用这三个函数改变</a:t>
             </a:r>
             <a:r>
               <a:rPr lang="en-US" altLang="zh-CN" sz="2000" dirty="0" smtClean="0">
@@ -5147,11 +5470,11 @@
   <p:clrMapOvr>
     <a:masterClrMapping/>
   </p:clrMapOvr>
-  <mc:AlternateContent xmlns:mc="http://schemas.openxmlformats.org/markup-compatibility/2006">
-    <mc:Choice xmlns:p14="http://schemas.microsoft.com/office/powerpoint/2010/main" Requires="p14">
+  <mc:AlternateContent xmlns:mc="http://schemas.openxmlformats.org/markup-compatibility/2006" xmlns:p14="http://schemas.microsoft.com/office/powerpoint/2010/main">
+    <mc:Choice Requires="p14">
       <p:transition p14:dur="0" advTm="9938"/>
     </mc:Choice>
-    <mc:Fallback>
+    <mc:Fallback xmlns="">
       <p:transition advTm="9938"/>
     </mc:Fallback>
   </mc:AlternateContent>
@@ -5243,11 +5566,11 @@
   <p:clrMapOvr>
     <a:masterClrMapping/>
   </p:clrMapOvr>
-  <mc:AlternateContent xmlns:mc="http://schemas.openxmlformats.org/markup-compatibility/2006">
-    <mc:Choice xmlns:p14="http://schemas.microsoft.com/office/powerpoint/2010/main" Requires="p14">
+  <mc:AlternateContent xmlns:mc="http://schemas.openxmlformats.org/markup-compatibility/2006" xmlns:p14="http://schemas.microsoft.com/office/powerpoint/2010/main">
+    <mc:Choice Requires="p14">
       <p:transition p14:dur="0" advTm="9938"/>
     </mc:Choice>
-    <mc:Fallback>
+    <mc:Fallback xmlns="">
       <p:transition advTm="9938"/>
     </mc:Fallback>
   </mc:AlternateContent>
@@ -5357,11 +5680,11 @@
   <p:clrMapOvr>
     <a:masterClrMapping/>
   </p:clrMapOvr>
-  <mc:AlternateContent xmlns:mc="http://schemas.openxmlformats.org/markup-compatibility/2006">
-    <mc:Choice xmlns:p14="http://schemas.microsoft.com/office/powerpoint/2010/main" Requires="p14">
+  <mc:AlternateContent xmlns:mc="http://schemas.openxmlformats.org/markup-compatibility/2006" xmlns:p14="http://schemas.microsoft.com/office/powerpoint/2010/main">
+    <mc:Choice Requires="p14">
       <p:transition p14:dur="0" advTm="9938"/>
     </mc:Choice>
-    <mc:Fallback>
+    <mc:Fallback xmlns="">
       <p:transition advTm="9938"/>
     </mc:Fallback>
   </mc:AlternateContent>
@@ -5657,11 +5980,11 @@
   <p:clrMapOvr>
     <a:masterClrMapping/>
   </p:clrMapOvr>
-  <mc:AlternateContent xmlns:mc="http://schemas.openxmlformats.org/markup-compatibility/2006">
-    <mc:Choice xmlns:p14="http://schemas.microsoft.com/office/powerpoint/2010/main" Requires="p14">
+  <mc:AlternateContent xmlns:mc="http://schemas.openxmlformats.org/markup-compatibility/2006" xmlns:p14="http://schemas.microsoft.com/office/powerpoint/2010/main">
+    <mc:Choice Requires="p14">
       <p:transition p14:dur="0" advTm="9938"/>
     </mc:Choice>
-    <mc:Fallback>
+    <mc:Fallback xmlns="">
       <p:transition advTm="9938"/>
     </mc:Fallback>
   </mc:AlternateContent>
@@ -6128,11 +6451,11 @@
   <p:clrMapOvr>
     <a:masterClrMapping/>
   </p:clrMapOvr>
-  <mc:AlternateContent xmlns:mc="http://schemas.openxmlformats.org/markup-compatibility/2006">
-    <mc:Choice xmlns:p14="http://schemas.microsoft.com/office/powerpoint/2010/main" Requires="p14">
+  <mc:AlternateContent xmlns:mc="http://schemas.openxmlformats.org/markup-compatibility/2006" xmlns:p14="http://schemas.microsoft.com/office/powerpoint/2010/main">
+    <mc:Choice Requires="p14">
       <p:transition p14:dur="0" advTm="9938"/>
     </mc:Choice>
-    <mc:Fallback>
+    <mc:Fallback xmlns="">
       <p:transition advTm="9938"/>
     </mc:Fallback>
   </mc:AlternateContent>
@@ -6774,159 +7097,18 @@
   <p:clrMapOvr>
     <a:masterClrMapping/>
   </p:clrMapOvr>
-  <mc:AlternateContent xmlns:mc="http://schemas.openxmlformats.org/markup-compatibility/2006">
-    <mc:Choice xmlns:p14="http://schemas.microsoft.com/office/powerpoint/2010/main" Requires="p14">
+  <mc:AlternateContent xmlns:mc="http://schemas.openxmlformats.org/markup-compatibility/2006" xmlns:p14="http://schemas.microsoft.com/office/powerpoint/2010/main">
+    <mc:Choice Requires="p14">
       <p:transition p14:dur="0" advTm="9938"/>
     </mc:Choice>
-    <mc:Fallback>
+    <mc:Fallback xmlns="">
       <p:transition advTm="9938"/>
     </mc:Fallback>
   </mc:AlternateContent>
   <p:timing>
     <p:tnLst>
       <p:par>
-        <p:cTn id="1" dur="indefinite" restart="never" nodeType="tmRoot">
-          <p:childTnLst>
-            <p:seq concurrent="1" nextAc="seek">
-              <p:cTn id="2" dur="indefinite" nodeType="mainSeq">
-                <p:childTnLst>
-                  <p:par>
-                    <p:cTn id="3" fill="hold">
-                      <p:stCondLst>
-                        <p:cond delay="indefinite"/>
-                        <p:cond evt="onBegin" delay="0">
-                          <p:tn val="2"/>
-                        </p:cond>
-                      </p:stCondLst>
-                      <p:childTnLst>
-                        <p:par>
-                          <p:cTn id="4" fill="hold">
-                            <p:stCondLst>
-                              <p:cond delay="0"/>
-                            </p:stCondLst>
-                            <p:childTnLst>
-                              <p:par>
-                                <p:cTn id="5" presetID="53" presetClass="entr" presetSubtype="16" fill="hold" nodeType="afterEffect">
-                                  <p:stCondLst>
-                                    <p:cond delay="0"/>
-                                  </p:stCondLst>
-                                  <p:childTnLst>
-                                    <p:set>
-                                      <p:cBhvr>
-                                        <p:cTn id="6" dur="1" fill="hold">
-                                          <p:stCondLst>
-                                            <p:cond delay="0"/>
-                                          </p:stCondLst>
-                                        </p:cTn>
-                                        <p:tgtEl>
-                                          <p:spTgt spid="4">
-                                            <p:txEl>
-                                              <p:pRg st="0" end="0"/>
-                                            </p:txEl>
-                                          </p:spTgt>
-                                        </p:tgtEl>
-                                        <p:attrNameLst>
-                                          <p:attrName>style.visibility</p:attrName>
-                                        </p:attrNameLst>
-                                      </p:cBhvr>
-                                      <p:to>
-                                        <p:strVal val="visible"/>
-                                      </p:to>
-                                    </p:set>
-                                    <p:anim calcmode="lin" valueType="num">
-                                      <p:cBhvr>
-                                        <p:cTn id="7" dur="500" fill="hold"/>
-                                        <p:tgtEl>
-                                          <p:spTgt spid="4">
-                                            <p:txEl>
-                                              <p:pRg st="0" end="0"/>
-                                            </p:txEl>
-                                          </p:spTgt>
-                                        </p:tgtEl>
-                                        <p:attrNameLst>
-                                          <p:attrName>ppt_w</p:attrName>
-                                        </p:attrNameLst>
-                                      </p:cBhvr>
-                                      <p:tavLst>
-                                        <p:tav tm="0">
-                                          <p:val>
-                                            <p:fltVal val="0"/>
-                                          </p:val>
-                                        </p:tav>
-                                        <p:tav tm="100000">
-                                          <p:val>
-                                            <p:strVal val="#ppt_w"/>
-                                          </p:val>
-                                        </p:tav>
-                                      </p:tavLst>
-                                    </p:anim>
-                                    <p:anim calcmode="lin" valueType="num">
-                                      <p:cBhvr>
-                                        <p:cTn id="8" dur="500" fill="hold"/>
-                                        <p:tgtEl>
-                                          <p:spTgt spid="4">
-                                            <p:txEl>
-                                              <p:pRg st="0" end="0"/>
-                                            </p:txEl>
-                                          </p:spTgt>
-                                        </p:tgtEl>
-                                        <p:attrNameLst>
-                                          <p:attrName>ppt_h</p:attrName>
-                                        </p:attrNameLst>
-                                      </p:cBhvr>
-                                      <p:tavLst>
-                                        <p:tav tm="0">
-                                          <p:val>
-                                            <p:fltVal val="0"/>
-                                          </p:val>
-                                        </p:tav>
-                                        <p:tav tm="100000">
-                                          <p:val>
-                                            <p:strVal val="#ppt_h"/>
-                                          </p:val>
-                                        </p:tav>
-                                      </p:tavLst>
-                                    </p:anim>
-                                    <p:animEffect transition="in" filter="fade">
-                                      <p:cBhvr>
-                                        <p:cTn id="9" dur="500"/>
-                                        <p:tgtEl>
-                                          <p:spTgt spid="4">
-                                            <p:txEl>
-                                              <p:pRg st="0" end="0"/>
-                                            </p:txEl>
-                                          </p:spTgt>
-                                        </p:tgtEl>
-                                      </p:cBhvr>
-                                    </p:animEffect>
-                                  </p:childTnLst>
-                                </p:cTn>
-                              </p:par>
-                            </p:childTnLst>
-                          </p:cTn>
-                        </p:par>
-                      </p:childTnLst>
-                    </p:cTn>
-                  </p:par>
-                </p:childTnLst>
-              </p:cTn>
-              <p:prevCondLst>
-                <p:cond evt="onPrev" delay="0">
-                  <p:tgtEl>
-                    <p:sldTgt/>
-                  </p:tgtEl>
-                </p:cond>
-              </p:prevCondLst>
-              <p:nextCondLst>
-                <p:cond evt="onNext" delay="0">
-                  <p:tgtEl>
-                    <p:sldTgt/>
-                  </p:tgtEl>
-                </p:cond>
-              </p:nextCondLst>
-            </p:seq>
-          </p:childTnLst>
-        </p:cTn>
+        <p:cTn id="1" dur="indefinite" restart="never" nodeType="tmRoot"/>
       </p:par>
     </p:tnLst>
   </p:timing>
@@ -7120,11 +7302,11 @@
   <p:clrMapOvr>
     <a:masterClrMapping/>
   </p:clrMapOvr>
-  <mc:AlternateContent xmlns:mc="http://schemas.openxmlformats.org/markup-compatibility/2006">
-    <mc:Choice xmlns:p14="http://schemas.microsoft.com/office/powerpoint/2010/main" Requires="p14">
+  <mc:AlternateContent xmlns:mc="http://schemas.openxmlformats.org/markup-compatibility/2006" xmlns:p14="http://schemas.microsoft.com/office/powerpoint/2010/main">
+    <mc:Choice Requires="p14">
       <p:transition p14:dur="0" advTm="9938"/>
     </mc:Choice>
-    <mc:Fallback>
+    <mc:Fallback xmlns="">
       <p:transition advTm="9938"/>
     </mc:Fallback>
   </mc:AlternateContent>
@@ -7231,8 +7413,8 @@
         </p:nvSpPr>
         <p:spPr>
           <a:xfrm>
-            <a:off x="2027548" y="3392996"/>
-            <a:ext cx="8136904" cy="1754326"/>
+            <a:off x="1883532" y="3392996"/>
+            <a:ext cx="8424936" cy="1200329"/>
           </a:xfrm>
           <a:prstGeom prst="rect">
             <a:avLst/>
@@ -7379,16 +7561,6 @@
               </a:rPr>
               <a:t>承由此产生。</a:t>
             </a:r>
-            <a:endParaRPr lang="zh-CN" altLang="en-US" dirty="0" smtClean="0">
-              <a:solidFill>
-                <a:schemeClr val="tx1">
-                  <a:lumMod val="75000"/>
-                  <a:lumOff val="25000"/>
-                </a:schemeClr>
-              </a:solidFill>
-              <a:latin typeface="冬青黑体简体中文 W3" panose="020B0300000000000000" pitchFamily="34" charset="-122"/>
-              <a:ea typeface="冬青黑体简体中文 W3" panose="020B0300000000000000" pitchFamily="34" charset="-122"/>
-            </a:endParaRPr>
           </a:p>
         </p:txBody>
       </p:sp>
@@ -7402,11 +7574,11 @@
   <p:clrMapOvr>
     <a:masterClrMapping/>
   </p:clrMapOvr>
-  <mc:AlternateContent xmlns:mc="http://schemas.openxmlformats.org/markup-compatibility/2006">
-    <mc:Choice xmlns:p14="http://schemas.microsoft.com/office/powerpoint/2010/main" Requires="p14">
+  <mc:AlternateContent xmlns:mc="http://schemas.openxmlformats.org/markup-compatibility/2006" xmlns:p14="http://schemas.microsoft.com/office/powerpoint/2010/main">
+    <mc:Choice Requires="p14">
       <p:transition p14:dur="0" advTm="9938"/>
     </mc:Choice>
-    <mc:Fallback>
+    <mc:Fallback xmlns="">
       <p:transition advTm="9938"/>
     </mc:Fallback>
   </mc:AlternateContent>
@@ -7439,6 +7611,2718 @@
       </p:grpSpPr>
       <p:sp>
         <p:nvSpPr>
+          <p:cNvPr id="6" name="矩形 5"/>
+          <p:cNvSpPr/>
+          <p:nvPr/>
+        </p:nvSpPr>
+        <p:spPr>
+          <a:xfrm>
+            <a:off x="6096000" y="1268760"/>
+            <a:ext cx="6120680" cy="5607527"/>
+          </a:xfrm>
+          <a:prstGeom prst="rect">
+            <a:avLst/>
+          </a:prstGeom>
+          <a:solidFill>
+            <a:schemeClr val="bg1"/>
+          </a:solidFill>
+          <a:ln>
+            <a:noFill/>
+          </a:ln>
+          <a:effectLst/>
+        </p:spPr>
+        <p:style>
+          <a:lnRef idx="1">
+            <a:schemeClr val="accent6"/>
+          </a:lnRef>
+          <a:fillRef idx="3">
+            <a:schemeClr val="accent6"/>
+          </a:fillRef>
+          <a:effectRef idx="2">
+            <a:schemeClr val="accent6"/>
+          </a:effectRef>
+          <a:fontRef idx="minor">
+            <a:schemeClr val="lt1"/>
+          </a:fontRef>
+        </p:style>
+        <p:txBody>
+          <a:bodyPr wrap="none" lIns="54000" tIns="28800" rIns="54000" bIns="28800" rtlCol="0" anchor="ctr">
+            <a:spAutoFit/>
+          </a:bodyPr>
+          <a:lstStyle/>
+          <a:p>
+            <a:pPr algn="ctr"/>
+            <a:endParaRPr lang="zh-CN" altLang="en-US" dirty="0"/>
+          </a:p>
+        </p:txBody>
+      </p:sp>
+      <p:sp>
+        <p:nvSpPr>
+          <p:cNvPr id="2" name="标题 1"/>
+          <p:cNvSpPr>
+            <a:spLocks noGrp="1"/>
+          </p:cNvSpPr>
+          <p:nvPr>
+            <p:ph type="title"/>
+          </p:nvPr>
+        </p:nvSpPr>
+        <p:spPr>
+          <a:xfrm>
+            <a:off x="24680" y="0"/>
+            <a:ext cx="12192000" cy="1122096"/>
+          </a:xfrm>
+        </p:spPr>
+        <p:txBody>
+          <a:bodyPr/>
+          <a:lstStyle/>
+          <a:p>
+            <a:r>
+              <a:rPr lang="zh-CN" altLang="en-US" dirty="0" smtClean="0"/>
+              <a:t>代码示例</a:t>
+            </a:r>
+            <a:endParaRPr lang="zh-CN" altLang="en-US" dirty="0"/>
+          </a:p>
+        </p:txBody>
+      </p:sp>
+      <p:pic>
+        <p:nvPicPr>
+          <p:cNvPr id="4" name="图片 3"/>
+          <p:cNvPicPr>
+            <a:picLocks noChangeAspect="1"/>
+          </p:cNvPicPr>
+          <p:nvPr/>
+        </p:nvPicPr>
+        <p:blipFill>
+          <a:blip r:embed="rId2"/>
+          <a:stretch>
+            <a:fillRect/>
+          </a:stretch>
+        </p:blipFill>
+        <p:spPr>
+          <a:xfrm>
+            <a:off x="0" y="1268760"/>
+            <a:ext cx="6096000" cy="5607527"/>
+          </a:xfrm>
+          <a:prstGeom prst="rect">
+            <a:avLst/>
+          </a:prstGeom>
+        </p:spPr>
+      </p:pic>
+      <p:pic>
+        <p:nvPicPr>
+          <p:cNvPr id="5" name="图片 4"/>
+          <p:cNvPicPr>
+            <a:picLocks noChangeAspect="1"/>
+          </p:cNvPicPr>
+          <p:nvPr/>
+        </p:nvPicPr>
+        <p:blipFill>
+          <a:blip r:embed="rId3">
+            <a:extLst>
+              <a:ext uri="{28A0092B-C50C-407E-A947-70E740481C1C}">
+                <a14:useLocalDpi xmlns:a14="http://schemas.microsoft.com/office/drawing/2010/main" val="0"/>
+              </a:ext>
+            </a:extLst>
+          </a:blip>
+          <a:stretch>
+            <a:fillRect/>
+          </a:stretch>
+        </p:blipFill>
+        <p:spPr>
+          <a:xfrm>
+            <a:off x="6413140" y="1592136"/>
+            <a:ext cx="5486400" cy="2762250"/>
+          </a:xfrm>
+          <a:prstGeom prst="rect">
+            <a:avLst/>
+          </a:prstGeom>
+        </p:spPr>
+      </p:pic>
+    </p:spTree>
+    <p:extLst>
+      <p:ext uri="{BB962C8B-B14F-4D97-AF65-F5344CB8AC3E}">
+        <p14:creationId xmlns:p14="http://schemas.microsoft.com/office/powerpoint/2010/main" val="3321257493"/>
+      </p:ext>
+    </p:extLst>
+  </p:cSld>
+  <p:clrMapOvr>
+    <a:masterClrMapping/>
+  </p:clrMapOvr>
+  <mc:AlternateContent xmlns:mc="http://schemas.openxmlformats.org/markup-compatibility/2006" xmlns:p14="http://schemas.microsoft.com/office/powerpoint/2010/main">
+    <mc:Choice Requires="p14">
+      <p:transition p14:dur="0" advTm="9938"/>
+    </mc:Choice>
+    <mc:Fallback xmlns="">
+      <p:transition advTm="9938"/>
+    </mc:Fallback>
+  </mc:AlternateContent>
+  <p:timing>
+    <p:tnLst>
+      <p:par>
+        <p:cTn id="1" dur="indefinite" restart="never" nodeType="tmRoot"/>
+      </p:par>
+    </p:tnLst>
+  </p:timing>
+</p:sld>
+</file>
+
+<file path=ppt/slides/slide24.xml><?xml version="1.0" encoding="utf-8"?>
+<p:sld xmlns:a="http://schemas.openxmlformats.org/drawingml/2006/main" xmlns:r="http://schemas.openxmlformats.org/officeDocument/2006/relationships" xmlns:p="http://schemas.openxmlformats.org/presentationml/2006/main">
+  <p:cSld>
+    <p:spTree>
+      <p:nvGrpSpPr>
+        <p:cNvPr id="1" name=""/>
+        <p:cNvGrpSpPr/>
+        <p:nvPr/>
+      </p:nvGrpSpPr>
+      <p:grpSpPr>
+        <a:xfrm>
+          <a:off x="0" y="0"/>
+          <a:ext cx="0" cy="0"/>
+          <a:chOff x="0" y="0"/>
+          <a:chExt cx="0" cy="0"/>
+        </a:xfrm>
+      </p:grpSpPr>
+      <p:sp>
+        <p:nvSpPr>
+          <p:cNvPr id="2" name="标题 1"/>
+          <p:cNvSpPr>
+            <a:spLocks noGrp="1"/>
+          </p:cNvSpPr>
+          <p:nvPr>
+            <p:ph type="title"/>
+          </p:nvPr>
+        </p:nvSpPr>
+        <p:spPr/>
+        <p:txBody>
+          <a:bodyPr/>
+          <a:lstStyle/>
+          <a:p>
+            <a:r>
+              <a:rPr lang="zh-CN" altLang="en-US" dirty="0" smtClean="0"/>
+              <a:t>继承</a:t>
+            </a:r>
+            <a:endParaRPr lang="zh-CN" altLang="en-US" dirty="0"/>
+          </a:p>
+        </p:txBody>
+      </p:sp>
+      <p:sp>
+        <p:nvSpPr>
+          <p:cNvPr id="3" name="文本占位符 2"/>
+          <p:cNvSpPr>
+            <a:spLocks noGrp="1"/>
+          </p:cNvSpPr>
+          <p:nvPr>
+            <p:ph type="body" sz="quarter" idx="10"/>
+          </p:nvPr>
+        </p:nvSpPr>
+        <p:spPr>
+          <a:xfrm>
+            <a:off x="3827462" y="2348880"/>
+            <a:ext cx="4537075" cy="3528913"/>
+          </a:xfrm>
+        </p:spPr>
+        <p:txBody>
+          <a:bodyPr>
+            <a:normAutofit fontScale="92500"/>
+          </a:bodyPr>
+          <a:lstStyle/>
+          <a:p>
+            <a:pPr marL="342900" indent="-342900">
+              <a:lnSpc>
+                <a:spcPct val="200000"/>
+              </a:lnSpc>
+              <a:buFont typeface="+mj-lt"/>
+              <a:buAutoNum type="arabicPeriod"/>
+            </a:pPr>
+            <a:r>
+              <a:rPr lang="zh-CN" altLang="en-US" dirty="0" smtClean="0">
+                <a:solidFill>
+                  <a:schemeClr val="tx1">
+                    <a:lumMod val="85000"/>
+                    <a:lumOff val="15000"/>
+                  </a:schemeClr>
+                </a:solidFill>
+              </a:rPr>
+              <a:t>原型继承</a:t>
+            </a:r>
+            <a:endParaRPr lang="en-US" altLang="zh-CN" dirty="0" smtClean="0">
+              <a:solidFill>
+                <a:schemeClr val="tx1">
+                  <a:lumMod val="85000"/>
+                  <a:lumOff val="15000"/>
+                </a:schemeClr>
+              </a:solidFill>
+            </a:endParaRPr>
+          </a:p>
+          <a:p>
+            <a:pPr marL="342900" indent="-342900">
+              <a:lnSpc>
+                <a:spcPct val="200000"/>
+              </a:lnSpc>
+              <a:buFont typeface="+mj-lt"/>
+              <a:buAutoNum type="arabicPeriod"/>
+            </a:pPr>
+            <a:r>
+              <a:rPr lang="zh-CN" altLang="en-US" dirty="0">
+                <a:solidFill>
+                  <a:schemeClr val="tx1">
+                    <a:lumMod val="65000"/>
+                    <a:lumOff val="35000"/>
+                  </a:schemeClr>
+                </a:solidFill>
+              </a:rPr>
+              <a:t>构</a:t>
+            </a:r>
+            <a:r>
+              <a:rPr lang="zh-CN" altLang="en-US" dirty="0" smtClean="0">
+                <a:solidFill>
+                  <a:schemeClr val="tx1">
+                    <a:lumMod val="65000"/>
+                    <a:lumOff val="35000"/>
+                  </a:schemeClr>
+                </a:solidFill>
+              </a:rPr>
+              <a:t>造函数继承（经典继承）</a:t>
+            </a:r>
+            <a:endParaRPr lang="en-US" altLang="zh-CN" dirty="0" smtClean="0">
+              <a:solidFill>
+                <a:schemeClr val="tx1">
+                  <a:lumMod val="65000"/>
+                  <a:lumOff val="35000"/>
+                </a:schemeClr>
+              </a:solidFill>
+            </a:endParaRPr>
+          </a:p>
+          <a:p>
+            <a:pPr marL="342900" indent="-342900">
+              <a:lnSpc>
+                <a:spcPct val="200000"/>
+              </a:lnSpc>
+              <a:buFont typeface="+mj-lt"/>
+              <a:buAutoNum type="arabicPeriod"/>
+            </a:pPr>
+            <a:r>
+              <a:rPr lang="zh-CN" altLang="en-US" dirty="0" smtClean="0">
+                <a:solidFill>
+                  <a:schemeClr val="tx1">
+                    <a:lumMod val="65000"/>
+                    <a:lumOff val="35000"/>
+                  </a:schemeClr>
+                </a:solidFill>
+              </a:rPr>
+              <a:t>组合继承（</a:t>
+            </a:r>
+            <a:r>
+              <a:rPr lang="en-US" altLang="zh-CN" dirty="0" smtClean="0">
+                <a:solidFill>
+                  <a:schemeClr val="tx1">
+                    <a:lumMod val="65000"/>
+                    <a:lumOff val="35000"/>
+                  </a:schemeClr>
+                </a:solidFill>
+              </a:rPr>
+              <a:t>1+2</a:t>
+            </a:r>
+            <a:r>
+              <a:rPr lang="zh-CN" altLang="en-US" dirty="0" smtClean="0">
+                <a:solidFill>
+                  <a:schemeClr val="tx1">
+                    <a:lumMod val="65000"/>
+                    <a:lumOff val="35000"/>
+                  </a:schemeClr>
+                </a:solidFill>
+              </a:rPr>
+              <a:t>），最常用的继承方式</a:t>
+            </a:r>
+            <a:endParaRPr lang="en-US" altLang="zh-CN" dirty="0" smtClean="0">
+              <a:solidFill>
+                <a:schemeClr val="tx1">
+                  <a:lumMod val="65000"/>
+                  <a:lumOff val="35000"/>
+                </a:schemeClr>
+              </a:solidFill>
+            </a:endParaRPr>
+          </a:p>
+          <a:p>
+            <a:pPr marL="342900" indent="-342900">
+              <a:lnSpc>
+                <a:spcPct val="200000"/>
+              </a:lnSpc>
+              <a:buFont typeface="+mj-lt"/>
+              <a:buAutoNum type="arabicPeriod"/>
+            </a:pPr>
+            <a:r>
+              <a:rPr lang="zh-CN" altLang="en-US" dirty="0" smtClean="0">
+                <a:solidFill>
+                  <a:schemeClr val="tx1">
+                    <a:lumMod val="65000"/>
+                    <a:lumOff val="35000"/>
+                  </a:schemeClr>
+                </a:solidFill>
+              </a:rPr>
+              <a:t>原型式继承</a:t>
+            </a:r>
+            <a:endParaRPr lang="en-US" altLang="zh-CN" dirty="0" smtClean="0">
+              <a:solidFill>
+                <a:schemeClr val="tx1">
+                  <a:lumMod val="65000"/>
+                  <a:lumOff val="35000"/>
+                </a:schemeClr>
+              </a:solidFill>
+            </a:endParaRPr>
+          </a:p>
+          <a:p>
+            <a:pPr marL="342900" indent="-342900">
+              <a:lnSpc>
+                <a:spcPct val="200000"/>
+              </a:lnSpc>
+              <a:buFont typeface="+mj-lt"/>
+              <a:buAutoNum type="arabicPeriod"/>
+            </a:pPr>
+            <a:r>
+              <a:rPr lang="zh-CN" altLang="en-US" dirty="0" smtClean="0">
+                <a:solidFill>
+                  <a:schemeClr val="tx1">
+                    <a:lumMod val="65000"/>
+                    <a:lumOff val="35000"/>
+                  </a:schemeClr>
+                </a:solidFill>
+              </a:rPr>
+              <a:t>寄生式继承</a:t>
+            </a:r>
+            <a:endParaRPr lang="en-US" altLang="zh-CN" dirty="0" smtClean="0">
+              <a:solidFill>
+                <a:schemeClr val="tx1">
+                  <a:lumMod val="65000"/>
+                  <a:lumOff val="35000"/>
+                </a:schemeClr>
+              </a:solidFill>
+            </a:endParaRPr>
+          </a:p>
+          <a:p>
+            <a:pPr marL="342900" indent="-342900">
+              <a:lnSpc>
+                <a:spcPct val="200000"/>
+              </a:lnSpc>
+              <a:buFont typeface="+mj-lt"/>
+              <a:buAutoNum type="arabicPeriod"/>
+            </a:pPr>
+            <a:r>
+              <a:rPr lang="zh-CN" altLang="en-US" dirty="0">
+                <a:solidFill>
+                  <a:schemeClr val="tx1">
+                    <a:lumMod val="65000"/>
+                    <a:lumOff val="35000"/>
+                  </a:schemeClr>
+                </a:solidFill>
+              </a:rPr>
+              <a:t>寄</a:t>
+            </a:r>
+            <a:r>
+              <a:rPr lang="zh-CN" altLang="en-US" dirty="0" smtClean="0">
+                <a:solidFill>
+                  <a:schemeClr val="tx1">
+                    <a:lumMod val="65000"/>
+                    <a:lumOff val="35000"/>
+                  </a:schemeClr>
+                </a:solidFill>
+              </a:rPr>
+              <a:t>生组合式继承（</a:t>
+            </a:r>
+            <a:r>
+              <a:rPr lang="en-US" altLang="zh-CN" dirty="0" smtClean="0">
+                <a:solidFill>
+                  <a:schemeClr val="tx1">
+                    <a:lumMod val="65000"/>
+                    <a:lumOff val="35000"/>
+                  </a:schemeClr>
+                </a:solidFill>
+              </a:rPr>
+              <a:t>3+5</a:t>
+            </a:r>
+            <a:r>
+              <a:rPr lang="zh-CN" altLang="en-US" dirty="0" smtClean="0">
+                <a:solidFill>
+                  <a:schemeClr val="tx1">
+                    <a:lumMod val="65000"/>
+                    <a:lumOff val="35000"/>
+                  </a:schemeClr>
+                </a:solidFill>
+              </a:rPr>
+              <a:t>），优化组合继承</a:t>
+            </a:r>
+            <a:endParaRPr lang="en-US" altLang="zh-CN" dirty="0" smtClean="0">
+              <a:solidFill>
+                <a:schemeClr val="tx1">
+                  <a:lumMod val="65000"/>
+                  <a:lumOff val="35000"/>
+                </a:schemeClr>
+              </a:solidFill>
+            </a:endParaRPr>
+          </a:p>
+          <a:p>
+            <a:pPr marL="342900" indent="-342900">
+              <a:lnSpc>
+                <a:spcPct val="200000"/>
+              </a:lnSpc>
+              <a:buFont typeface="+mj-lt"/>
+              <a:buAutoNum type="arabicPeriod"/>
+            </a:pPr>
+            <a:endParaRPr lang="zh-CN" altLang="en-US" dirty="0">
+              <a:solidFill>
+                <a:schemeClr val="tx1">
+                  <a:lumMod val="65000"/>
+                  <a:lumOff val="35000"/>
+                </a:schemeClr>
+              </a:solidFill>
+            </a:endParaRPr>
+          </a:p>
+        </p:txBody>
+      </p:sp>
+    </p:spTree>
+    <p:extLst>
+      <p:ext uri="{BB962C8B-B14F-4D97-AF65-F5344CB8AC3E}">
+        <p14:creationId xmlns:p14="http://schemas.microsoft.com/office/powerpoint/2010/main" val="1097301950"/>
+      </p:ext>
+    </p:extLst>
+  </p:cSld>
+  <p:clrMapOvr>
+    <a:masterClrMapping/>
+  </p:clrMapOvr>
+  <mc:AlternateContent xmlns:mc="http://schemas.openxmlformats.org/markup-compatibility/2006" xmlns:p14="http://schemas.microsoft.com/office/powerpoint/2010/main">
+    <mc:Choice Requires="p14">
+      <p:transition p14:dur="0" advTm="9938"/>
+    </mc:Choice>
+    <mc:Fallback xmlns="">
+      <p:transition advTm="9938"/>
+    </mc:Fallback>
+  </mc:AlternateContent>
+  <p:timing>
+    <p:tnLst>
+      <p:par>
+        <p:cTn id="1" dur="indefinite" restart="never" nodeType="tmRoot">
+          <p:childTnLst>
+            <p:seq concurrent="1" nextAc="seek">
+              <p:cTn id="2" dur="indefinite" nodeType="mainSeq">
+                <p:childTnLst>
+                  <p:par>
+                    <p:cTn id="3" fill="hold">
+                      <p:stCondLst>
+                        <p:cond delay="indefinite"/>
+                        <p:cond evt="onBegin" delay="0">
+                          <p:tn val="2"/>
+                        </p:cond>
+                      </p:stCondLst>
+                      <p:childTnLst>
+                        <p:par>
+                          <p:cTn id="4" fill="hold">
+                            <p:stCondLst>
+                              <p:cond delay="0"/>
+                            </p:stCondLst>
+                            <p:childTnLst>
+                              <p:par>
+                                <p:cTn id="5" presetID="14" presetClass="entr" presetSubtype="10" fill="hold" nodeType="withEffect">
+                                  <p:stCondLst>
+                                    <p:cond delay="0"/>
+                                  </p:stCondLst>
+                                  <p:childTnLst>
+                                    <p:set>
+                                      <p:cBhvr>
+                                        <p:cTn id="6" dur="1" fill="hold">
+                                          <p:stCondLst>
+                                            <p:cond delay="0"/>
+                                          </p:stCondLst>
+                                        </p:cTn>
+                                        <p:tgtEl>
+                                          <p:spTgt spid="3">
+                                            <p:txEl>
+                                              <p:pRg st="0" end="0"/>
+                                            </p:txEl>
+                                          </p:spTgt>
+                                        </p:tgtEl>
+                                        <p:attrNameLst>
+                                          <p:attrName>style.visibility</p:attrName>
+                                        </p:attrNameLst>
+                                      </p:cBhvr>
+                                      <p:to>
+                                        <p:strVal val="visible"/>
+                                      </p:to>
+                                    </p:set>
+                                    <p:animEffect transition="in" filter="randombar(horizontal)">
+                                      <p:cBhvr>
+                                        <p:cTn id="7" dur="500"/>
+                                        <p:tgtEl>
+                                          <p:spTgt spid="3">
+                                            <p:txEl>
+                                              <p:pRg st="0" end="0"/>
+                                            </p:txEl>
+                                          </p:spTgt>
+                                        </p:tgtEl>
+                                      </p:cBhvr>
+                                    </p:animEffect>
+                                  </p:childTnLst>
+                                </p:cTn>
+                              </p:par>
+                              <p:par>
+                                <p:cTn id="8" presetID="14" presetClass="entr" presetSubtype="10" fill="hold" nodeType="withEffect">
+                                  <p:stCondLst>
+                                    <p:cond delay="0"/>
+                                  </p:stCondLst>
+                                  <p:childTnLst>
+                                    <p:set>
+                                      <p:cBhvr>
+                                        <p:cTn id="9" dur="1" fill="hold">
+                                          <p:stCondLst>
+                                            <p:cond delay="0"/>
+                                          </p:stCondLst>
+                                        </p:cTn>
+                                        <p:tgtEl>
+                                          <p:spTgt spid="3">
+                                            <p:txEl>
+                                              <p:pRg st="1" end="1"/>
+                                            </p:txEl>
+                                          </p:spTgt>
+                                        </p:tgtEl>
+                                        <p:attrNameLst>
+                                          <p:attrName>style.visibility</p:attrName>
+                                        </p:attrNameLst>
+                                      </p:cBhvr>
+                                      <p:to>
+                                        <p:strVal val="visible"/>
+                                      </p:to>
+                                    </p:set>
+                                    <p:animEffect transition="in" filter="randombar(horizontal)">
+                                      <p:cBhvr>
+                                        <p:cTn id="10" dur="500"/>
+                                        <p:tgtEl>
+                                          <p:spTgt spid="3">
+                                            <p:txEl>
+                                              <p:pRg st="1" end="1"/>
+                                            </p:txEl>
+                                          </p:spTgt>
+                                        </p:tgtEl>
+                                      </p:cBhvr>
+                                    </p:animEffect>
+                                  </p:childTnLst>
+                                </p:cTn>
+                              </p:par>
+                              <p:par>
+                                <p:cTn id="11" presetID="14" presetClass="entr" presetSubtype="10" fill="hold" nodeType="withEffect">
+                                  <p:stCondLst>
+                                    <p:cond delay="0"/>
+                                  </p:stCondLst>
+                                  <p:childTnLst>
+                                    <p:set>
+                                      <p:cBhvr>
+                                        <p:cTn id="12" dur="1" fill="hold">
+                                          <p:stCondLst>
+                                            <p:cond delay="0"/>
+                                          </p:stCondLst>
+                                        </p:cTn>
+                                        <p:tgtEl>
+                                          <p:spTgt spid="3">
+                                            <p:txEl>
+                                              <p:pRg st="2" end="2"/>
+                                            </p:txEl>
+                                          </p:spTgt>
+                                        </p:tgtEl>
+                                        <p:attrNameLst>
+                                          <p:attrName>style.visibility</p:attrName>
+                                        </p:attrNameLst>
+                                      </p:cBhvr>
+                                      <p:to>
+                                        <p:strVal val="visible"/>
+                                      </p:to>
+                                    </p:set>
+                                    <p:animEffect transition="in" filter="randombar(horizontal)">
+                                      <p:cBhvr>
+                                        <p:cTn id="13" dur="500"/>
+                                        <p:tgtEl>
+                                          <p:spTgt spid="3">
+                                            <p:txEl>
+                                              <p:pRg st="2" end="2"/>
+                                            </p:txEl>
+                                          </p:spTgt>
+                                        </p:tgtEl>
+                                      </p:cBhvr>
+                                    </p:animEffect>
+                                  </p:childTnLst>
+                                </p:cTn>
+                              </p:par>
+                              <p:par>
+                                <p:cTn id="14" presetID="14" presetClass="entr" presetSubtype="10" fill="hold" nodeType="withEffect">
+                                  <p:stCondLst>
+                                    <p:cond delay="0"/>
+                                  </p:stCondLst>
+                                  <p:childTnLst>
+                                    <p:set>
+                                      <p:cBhvr>
+                                        <p:cTn id="15" dur="1" fill="hold">
+                                          <p:stCondLst>
+                                            <p:cond delay="0"/>
+                                          </p:stCondLst>
+                                        </p:cTn>
+                                        <p:tgtEl>
+                                          <p:spTgt spid="3">
+                                            <p:txEl>
+                                              <p:pRg st="3" end="3"/>
+                                            </p:txEl>
+                                          </p:spTgt>
+                                        </p:tgtEl>
+                                        <p:attrNameLst>
+                                          <p:attrName>style.visibility</p:attrName>
+                                        </p:attrNameLst>
+                                      </p:cBhvr>
+                                      <p:to>
+                                        <p:strVal val="visible"/>
+                                      </p:to>
+                                    </p:set>
+                                    <p:animEffect transition="in" filter="randombar(horizontal)">
+                                      <p:cBhvr>
+                                        <p:cTn id="16" dur="500"/>
+                                        <p:tgtEl>
+                                          <p:spTgt spid="3">
+                                            <p:txEl>
+                                              <p:pRg st="3" end="3"/>
+                                            </p:txEl>
+                                          </p:spTgt>
+                                        </p:tgtEl>
+                                      </p:cBhvr>
+                                    </p:animEffect>
+                                  </p:childTnLst>
+                                </p:cTn>
+                              </p:par>
+                              <p:par>
+                                <p:cTn id="17" presetID="14" presetClass="entr" presetSubtype="10" fill="hold" nodeType="withEffect">
+                                  <p:stCondLst>
+                                    <p:cond delay="0"/>
+                                  </p:stCondLst>
+                                  <p:childTnLst>
+                                    <p:set>
+                                      <p:cBhvr>
+                                        <p:cTn id="18" dur="1" fill="hold">
+                                          <p:stCondLst>
+                                            <p:cond delay="0"/>
+                                          </p:stCondLst>
+                                        </p:cTn>
+                                        <p:tgtEl>
+                                          <p:spTgt spid="3">
+                                            <p:txEl>
+                                              <p:pRg st="4" end="4"/>
+                                            </p:txEl>
+                                          </p:spTgt>
+                                        </p:tgtEl>
+                                        <p:attrNameLst>
+                                          <p:attrName>style.visibility</p:attrName>
+                                        </p:attrNameLst>
+                                      </p:cBhvr>
+                                      <p:to>
+                                        <p:strVal val="visible"/>
+                                      </p:to>
+                                    </p:set>
+                                    <p:animEffect transition="in" filter="randombar(horizontal)">
+                                      <p:cBhvr>
+                                        <p:cTn id="19" dur="500"/>
+                                        <p:tgtEl>
+                                          <p:spTgt spid="3">
+                                            <p:txEl>
+                                              <p:pRg st="4" end="4"/>
+                                            </p:txEl>
+                                          </p:spTgt>
+                                        </p:tgtEl>
+                                      </p:cBhvr>
+                                    </p:animEffect>
+                                  </p:childTnLst>
+                                </p:cTn>
+                              </p:par>
+                              <p:par>
+                                <p:cTn id="20" presetID="14" presetClass="entr" presetSubtype="10" fill="hold" nodeType="withEffect">
+                                  <p:stCondLst>
+                                    <p:cond delay="0"/>
+                                  </p:stCondLst>
+                                  <p:childTnLst>
+                                    <p:set>
+                                      <p:cBhvr>
+                                        <p:cTn id="21" dur="1" fill="hold">
+                                          <p:stCondLst>
+                                            <p:cond delay="0"/>
+                                          </p:stCondLst>
+                                        </p:cTn>
+                                        <p:tgtEl>
+                                          <p:spTgt spid="3">
+                                            <p:txEl>
+                                              <p:pRg st="5" end="5"/>
+                                            </p:txEl>
+                                          </p:spTgt>
+                                        </p:tgtEl>
+                                        <p:attrNameLst>
+                                          <p:attrName>style.visibility</p:attrName>
+                                        </p:attrNameLst>
+                                      </p:cBhvr>
+                                      <p:to>
+                                        <p:strVal val="visible"/>
+                                      </p:to>
+                                    </p:set>
+                                    <p:animEffect transition="in" filter="randombar(horizontal)">
+                                      <p:cBhvr>
+                                        <p:cTn id="22" dur="500"/>
+                                        <p:tgtEl>
+                                          <p:spTgt spid="3">
+                                            <p:txEl>
+                                              <p:pRg st="5" end="5"/>
+                                            </p:txEl>
+                                          </p:spTgt>
+                                        </p:tgtEl>
+                                      </p:cBhvr>
+                                    </p:animEffect>
+                                  </p:childTnLst>
+                                </p:cTn>
+                              </p:par>
+                            </p:childTnLst>
+                          </p:cTn>
+                        </p:par>
+                      </p:childTnLst>
+                    </p:cTn>
+                  </p:par>
+                </p:childTnLst>
+              </p:cTn>
+              <p:prevCondLst>
+                <p:cond evt="onPrev" delay="0">
+                  <p:tgtEl>
+                    <p:sldTgt/>
+                  </p:tgtEl>
+                </p:cond>
+              </p:prevCondLst>
+              <p:nextCondLst>
+                <p:cond evt="onNext" delay="0">
+                  <p:tgtEl>
+                    <p:sldTgt/>
+                  </p:tgtEl>
+                </p:cond>
+              </p:nextCondLst>
+            </p:seq>
+          </p:childTnLst>
+        </p:cTn>
+      </p:par>
+    </p:tnLst>
+  </p:timing>
+</p:sld>
+</file>
+
+<file path=ppt/slides/slide25.xml><?xml version="1.0" encoding="utf-8"?>
+<p:sld xmlns:a="http://schemas.openxmlformats.org/drawingml/2006/main" xmlns:r="http://schemas.openxmlformats.org/officeDocument/2006/relationships" xmlns:p="http://schemas.openxmlformats.org/presentationml/2006/main">
+  <p:cSld>
+    <p:spTree>
+      <p:nvGrpSpPr>
+        <p:cNvPr id="1" name=""/>
+        <p:cNvGrpSpPr/>
+        <p:nvPr/>
+      </p:nvGrpSpPr>
+      <p:grpSpPr>
+        <a:xfrm>
+          <a:off x="0" y="0"/>
+          <a:ext cx="0" cy="0"/>
+          <a:chOff x="0" y="0"/>
+          <a:chExt cx="0" cy="0"/>
+        </a:xfrm>
+      </p:grpSpPr>
+      <p:sp>
+        <p:nvSpPr>
+          <p:cNvPr id="2" name="标题 1"/>
+          <p:cNvSpPr>
+            <a:spLocks noGrp="1"/>
+          </p:cNvSpPr>
+          <p:nvPr>
+            <p:ph type="title"/>
+          </p:nvPr>
+        </p:nvSpPr>
+        <p:spPr>
+          <a:xfrm>
+            <a:off x="71438" y="1839717"/>
+            <a:ext cx="12192000" cy="1122096"/>
+          </a:xfrm>
+        </p:spPr>
+        <p:txBody>
+          <a:bodyPr/>
+          <a:lstStyle/>
+          <a:p>
+            <a:r>
+              <a:rPr lang="zh-CN" altLang="en-US" dirty="0" smtClean="0"/>
+              <a:t>原型继承</a:t>
+            </a:r>
+            <a:endParaRPr lang="zh-CN" altLang="en-US" dirty="0"/>
+          </a:p>
+        </p:txBody>
+      </p:sp>
+      <p:sp>
+        <p:nvSpPr>
+          <p:cNvPr id="3" name="文本占位符 2"/>
+          <p:cNvSpPr>
+            <a:spLocks noGrp="1"/>
+          </p:cNvSpPr>
+          <p:nvPr>
+            <p:ph type="body" sz="quarter" idx="10"/>
+          </p:nvPr>
+        </p:nvSpPr>
+        <p:spPr>
+          <a:xfrm>
+            <a:off x="0" y="3212976"/>
+            <a:ext cx="12192000" cy="990117"/>
+          </a:xfrm>
+        </p:spPr>
+        <p:txBody>
+          <a:bodyPr/>
+          <a:lstStyle/>
+          <a:p>
+            <a:pPr algn="ctr"/>
+            <a:r>
+              <a:rPr lang="zh-CN" altLang="en-US" dirty="0" smtClean="0">
+                <a:solidFill>
+                  <a:srgbClr val="C00000"/>
+                </a:solidFill>
+              </a:rPr>
+              <a:t>子类</a:t>
+            </a:r>
+            <a:r>
+              <a:rPr lang="zh-CN" altLang="en-US" dirty="0" smtClean="0">
+                <a:solidFill>
+                  <a:schemeClr val="tx1">
+                    <a:lumMod val="65000"/>
+                    <a:lumOff val="35000"/>
+                  </a:schemeClr>
+                </a:solidFill>
+              </a:rPr>
+              <a:t>通过</a:t>
+            </a:r>
+            <a:r>
+              <a:rPr lang="zh-CN" altLang="en-US" dirty="0" smtClean="0">
+                <a:solidFill>
+                  <a:srgbClr val="C00000"/>
+                </a:solidFill>
+              </a:rPr>
+              <a:t>原型</a:t>
+            </a:r>
+            <a:r>
+              <a:rPr lang="zh-CN" altLang="en-US" dirty="0" smtClean="0">
+                <a:solidFill>
+                  <a:schemeClr val="tx1">
+                    <a:lumMod val="65000"/>
+                    <a:lumOff val="35000"/>
+                  </a:schemeClr>
+                </a:solidFill>
+              </a:rPr>
+              <a:t>继承</a:t>
+            </a:r>
+            <a:r>
+              <a:rPr lang="zh-CN" altLang="en-US" dirty="0" smtClean="0">
+                <a:solidFill>
+                  <a:srgbClr val="C00000"/>
+                </a:solidFill>
+              </a:rPr>
+              <a:t>父类</a:t>
+            </a:r>
+            <a:r>
+              <a:rPr lang="en-US" altLang="zh-CN" dirty="0" smtClean="0">
+                <a:solidFill>
+                  <a:schemeClr val="tx1">
+                    <a:lumMod val="65000"/>
+                    <a:lumOff val="35000"/>
+                  </a:schemeClr>
+                </a:solidFill>
+              </a:rPr>
+              <a:t>&amp;</a:t>
+            </a:r>
+            <a:r>
+              <a:rPr lang="zh-CN" altLang="en-US" dirty="0" smtClean="0">
+                <a:solidFill>
+                  <a:srgbClr val="C00000"/>
+                </a:solidFill>
+              </a:rPr>
+              <a:t>父类的原型</a:t>
+            </a:r>
+            <a:r>
+              <a:rPr lang="zh-CN" altLang="en-US" dirty="0" smtClean="0">
+                <a:solidFill>
+                  <a:schemeClr val="tx1">
+                    <a:lumMod val="65000"/>
+                    <a:lumOff val="35000"/>
+                  </a:schemeClr>
+                </a:solidFill>
+              </a:rPr>
+              <a:t>上的属性</a:t>
+            </a:r>
+            <a:r>
+              <a:rPr lang="zh-CN" altLang="en-US" dirty="0">
+                <a:solidFill>
+                  <a:schemeClr val="tx1">
+                    <a:lumMod val="65000"/>
+                    <a:lumOff val="35000"/>
+                  </a:schemeClr>
+                </a:solidFill>
+              </a:rPr>
+              <a:t>。</a:t>
+            </a:r>
+          </a:p>
+        </p:txBody>
+      </p:sp>
+    </p:spTree>
+    <p:extLst>
+      <p:ext uri="{BB962C8B-B14F-4D97-AF65-F5344CB8AC3E}">
+        <p14:creationId xmlns:p14="http://schemas.microsoft.com/office/powerpoint/2010/main" val="1297057332"/>
+      </p:ext>
+    </p:extLst>
+  </p:cSld>
+  <p:clrMapOvr>
+    <a:masterClrMapping/>
+  </p:clrMapOvr>
+  <mc:AlternateContent xmlns:mc="http://schemas.openxmlformats.org/markup-compatibility/2006" xmlns:p14="http://schemas.microsoft.com/office/powerpoint/2010/main">
+    <mc:Choice Requires="p14">
+      <p:transition p14:dur="0" advTm="9938"/>
+    </mc:Choice>
+    <mc:Fallback xmlns="">
+      <p:transition advTm="9938"/>
+    </mc:Fallback>
+  </mc:AlternateContent>
+  <p:timing>
+    <p:tnLst>
+      <p:par>
+        <p:cTn id="1" dur="indefinite" restart="never" nodeType="tmRoot"/>
+      </p:par>
+    </p:tnLst>
+  </p:timing>
+</p:sld>
+</file>
+
+<file path=ppt/slides/slide26.xml><?xml version="1.0" encoding="utf-8"?>
+<p:sld xmlns:a="http://schemas.openxmlformats.org/drawingml/2006/main" xmlns:r="http://schemas.openxmlformats.org/officeDocument/2006/relationships" xmlns:p="http://schemas.openxmlformats.org/presentationml/2006/main">
+  <p:cSld>
+    <p:spTree>
+      <p:nvGrpSpPr>
+        <p:cNvPr id="1" name=""/>
+        <p:cNvGrpSpPr/>
+        <p:nvPr/>
+      </p:nvGrpSpPr>
+      <p:grpSpPr>
+        <a:xfrm>
+          <a:off x="0" y="0"/>
+          <a:ext cx="0" cy="0"/>
+          <a:chOff x="0" y="0"/>
+          <a:chExt cx="0" cy="0"/>
+        </a:xfrm>
+      </p:grpSpPr>
+      <p:sp>
+        <p:nvSpPr>
+          <p:cNvPr id="8" name="椭圆 7"/>
+          <p:cNvSpPr>
+            <a:spLocks noChangeAspect="1"/>
+          </p:cNvSpPr>
+          <p:nvPr/>
+        </p:nvSpPr>
+        <p:spPr>
+          <a:xfrm>
+            <a:off x="1061738" y="207104"/>
+            <a:ext cx="3055139" cy="1475242"/>
+          </a:xfrm>
+          <a:prstGeom prst="ellipse">
+            <a:avLst/>
+          </a:prstGeom>
+          <a:solidFill>
+            <a:srgbClr val="C00000"/>
+          </a:solidFill>
+          <a:ln>
+            <a:noFill/>
+          </a:ln>
+          <a:effectLst/>
+        </p:spPr>
+        <p:style>
+          <a:lnRef idx="1">
+            <a:schemeClr val="accent6"/>
+          </a:lnRef>
+          <a:fillRef idx="3">
+            <a:schemeClr val="accent6"/>
+          </a:fillRef>
+          <a:effectRef idx="2">
+            <a:schemeClr val="accent6"/>
+          </a:effectRef>
+          <a:fontRef idx="minor">
+            <a:schemeClr val="lt1"/>
+          </a:fontRef>
+        </p:style>
+        <p:txBody>
+          <a:bodyPr wrap="none" lIns="36000" tIns="108000" rIns="36000" bIns="108000" rtlCol="0" anchor="ctr" anchorCtr="1">
+            <a:spAutoFit/>
+          </a:bodyPr>
+          <a:lstStyle/>
+          <a:p>
+            <a:pPr algn="ctr"/>
+            <a:r>
+              <a:rPr lang="zh-CN" altLang="en-US" dirty="0" smtClean="0">
+                <a:solidFill>
+                  <a:schemeClr val="bg1"/>
+                </a:solidFill>
+                <a:latin typeface="冬青黑体简体中文 W3" panose="020B0300000000000000" pitchFamily="34" charset="-122"/>
+                <a:ea typeface="冬青黑体简体中文 W3" panose="020B0300000000000000" pitchFamily="34" charset="-122"/>
+              </a:rPr>
+              <a:t>父类</a:t>
+            </a:r>
+            <a:r>
+              <a:rPr lang="en-US" altLang="zh-CN" dirty="0" smtClean="0">
+                <a:solidFill>
+                  <a:schemeClr val="bg1"/>
+                </a:solidFill>
+                <a:latin typeface="冬青黑体简体中文 W3" panose="020B0300000000000000" pitchFamily="34" charset="-122"/>
+                <a:ea typeface="冬青黑体简体中文 W3" panose="020B0300000000000000" pitchFamily="34" charset="-122"/>
+              </a:rPr>
+              <a:t/>
+            </a:r>
+            <a:br>
+              <a:rPr lang="en-US" altLang="zh-CN" dirty="0" smtClean="0">
+                <a:solidFill>
+                  <a:schemeClr val="bg1"/>
+                </a:solidFill>
+                <a:latin typeface="冬青黑体简体中文 W3" panose="020B0300000000000000" pitchFamily="34" charset="-122"/>
+                <a:ea typeface="冬青黑体简体中文 W3" panose="020B0300000000000000" pitchFamily="34" charset="-122"/>
+              </a:rPr>
+            </a:br>
+            <a:endParaRPr lang="en-US" altLang="zh-CN" dirty="0" smtClean="0">
+              <a:solidFill>
+                <a:schemeClr val="bg1"/>
+              </a:solidFill>
+              <a:latin typeface="冬青黑体简体中文 W3" panose="020B0300000000000000" pitchFamily="34" charset="-122"/>
+              <a:ea typeface="冬青黑体简体中文 W3" panose="020B0300000000000000" pitchFamily="34" charset="-122"/>
+            </a:endParaRPr>
+          </a:p>
+          <a:p>
+            <a:pPr algn="ctr"/>
+            <a:r>
+              <a:rPr lang="en-US" altLang="zh-CN" dirty="0" smtClean="0">
+                <a:solidFill>
+                  <a:schemeClr val="bg1"/>
+                </a:solidFill>
+                <a:latin typeface="冬青黑体简体中文 W3" panose="020B0300000000000000" pitchFamily="34" charset="-122"/>
+                <a:ea typeface="冬青黑体简体中文 W3" panose="020B0300000000000000" pitchFamily="34" charset="-122"/>
+              </a:rPr>
+              <a:t>function Parent(){}</a:t>
+            </a:r>
+            <a:endParaRPr lang="en-US" altLang="zh-CN" dirty="0">
+              <a:solidFill>
+                <a:schemeClr val="bg1"/>
+              </a:solidFill>
+              <a:latin typeface="冬青黑体简体中文 W3" panose="020B0300000000000000" pitchFamily="34" charset="-122"/>
+              <a:ea typeface="冬青黑体简体中文 W3" panose="020B0300000000000000" pitchFamily="34" charset="-122"/>
+            </a:endParaRPr>
+          </a:p>
+        </p:txBody>
+      </p:sp>
+      <p:sp>
+        <p:nvSpPr>
+          <p:cNvPr id="11" name="椭圆 10"/>
+          <p:cNvSpPr/>
+          <p:nvPr/>
+        </p:nvSpPr>
+        <p:spPr>
+          <a:xfrm>
+            <a:off x="8011448" y="315439"/>
+            <a:ext cx="3007075" cy="1475242"/>
+          </a:xfrm>
+          <a:prstGeom prst="ellipse">
+            <a:avLst/>
+          </a:prstGeom>
+          <a:solidFill>
+            <a:srgbClr val="C00000"/>
+          </a:solidFill>
+          <a:ln>
+            <a:noFill/>
+          </a:ln>
+          <a:effectLst/>
+        </p:spPr>
+        <p:style>
+          <a:lnRef idx="1">
+            <a:schemeClr val="accent6"/>
+          </a:lnRef>
+          <a:fillRef idx="3">
+            <a:schemeClr val="accent6"/>
+          </a:fillRef>
+          <a:effectRef idx="2">
+            <a:schemeClr val="accent6"/>
+          </a:effectRef>
+          <a:fontRef idx="minor">
+            <a:schemeClr val="lt1"/>
+          </a:fontRef>
+        </p:style>
+        <p:txBody>
+          <a:bodyPr rot="0" spcFirstLastPara="0" vertOverflow="overflow" horzOverflow="overflow" vert="horz" wrap="none" lIns="36000" tIns="108000" rIns="36000" bIns="108000" numCol="1" spcCol="0" rtlCol="0" fromWordArt="0" anchor="ctr" anchorCtr="1" forceAA="0" compatLnSpc="1">
+            <a:prstTxWarp prst="textNoShape">
+              <a:avLst/>
+            </a:prstTxWarp>
+            <a:spAutoFit/>
+          </a:bodyPr>
+          <a:lstStyle/>
+          <a:p>
+            <a:pPr algn="ctr"/>
+            <a:r>
+              <a:rPr lang="zh-CN" altLang="en-US" dirty="0"/>
+              <a:t>父类原型</a:t>
+            </a:r>
+            <a:endParaRPr lang="en-US" altLang="zh-CN" dirty="0"/>
+          </a:p>
+          <a:p>
+            <a:pPr algn="ctr"/>
+            <a:endParaRPr lang="en-US" altLang="zh-CN" dirty="0"/>
+          </a:p>
+          <a:p>
+            <a:pPr algn="ctr"/>
+            <a:r>
+              <a:rPr lang="en-US" altLang="zh-CN" dirty="0" smtClean="0"/>
+              <a:t>      </a:t>
+            </a:r>
+            <a:r>
+              <a:rPr lang="en-US" altLang="zh-CN" dirty="0" err="1" smtClean="0"/>
+              <a:t>Parent.prototype</a:t>
+            </a:r>
+            <a:r>
+              <a:rPr lang="en-US" altLang="zh-CN" dirty="0" smtClean="0"/>
+              <a:t>  </a:t>
+            </a:r>
+          </a:p>
+        </p:txBody>
+      </p:sp>
+      <p:sp>
+        <p:nvSpPr>
+          <p:cNvPr id="13" name="右箭头 12"/>
+          <p:cNvSpPr/>
+          <p:nvPr/>
+        </p:nvSpPr>
+        <p:spPr>
+          <a:xfrm>
+            <a:off x="4457967" y="944724"/>
+            <a:ext cx="3276066" cy="279599"/>
+          </a:xfrm>
+          <a:prstGeom prst="rightArrow">
+            <a:avLst/>
+          </a:prstGeom>
+          <a:solidFill>
+            <a:srgbClr val="C00000"/>
+          </a:solidFill>
+          <a:ln>
+            <a:noFill/>
+          </a:ln>
+          <a:effectLst/>
+        </p:spPr>
+        <p:style>
+          <a:lnRef idx="1">
+            <a:schemeClr val="accent6"/>
+          </a:lnRef>
+          <a:fillRef idx="3">
+            <a:schemeClr val="accent6"/>
+          </a:fillRef>
+          <a:effectRef idx="2">
+            <a:schemeClr val="accent6"/>
+          </a:effectRef>
+          <a:fontRef idx="minor">
+            <a:schemeClr val="lt1"/>
+          </a:fontRef>
+        </p:style>
+        <p:txBody>
+          <a:bodyPr rot="0" spcFirstLastPara="0" vertOverflow="overflow" horzOverflow="overflow" vert="horz" wrap="none" lIns="180000" tIns="108000" rIns="180000" bIns="108000" numCol="1" spcCol="0" rtlCol="0" fromWordArt="0" anchor="ctr" anchorCtr="1" forceAA="0" compatLnSpc="1">
+            <a:prstTxWarp prst="textNoShape">
+              <a:avLst/>
+            </a:prstTxWarp>
+            <a:spAutoFit/>
+          </a:bodyPr>
+          <a:lstStyle/>
+          <a:p>
+            <a:pPr algn="ctr"/>
+            <a:endParaRPr lang="zh-CN" altLang="en-US" dirty="0" smtClean="0">
+              <a:solidFill>
+                <a:schemeClr val="bg1"/>
+              </a:solidFill>
+              <a:latin typeface="冬青黑体简体中文 W3" panose="020B0300000000000000" pitchFamily="34" charset="-122"/>
+              <a:ea typeface="冬青黑体简体中文 W3" panose="020B0300000000000000" pitchFamily="34" charset="-122"/>
+            </a:endParaRPr>
+          </a:p>
+        </p:txBody>
+      </p:sp>
+      <p:sp>
+        <p:nvSpPr>
+          <p:cNvPr id="14" name="文本框 13"/>
+          <p:cNvSpPr txBox="1"/>
+          <p:nvPr/>
+        </p:nvSpPr>
+        <p:spPr>
+          <a:xfrm>
+            <a:off x="5221678" y="543549"/>
+            <a:ext cx="1998792" cy="369332"/>
+          </a:xfrm>
+          <a:prstGeom prst="rect">
+            <a:avLst/>
+          </a:prstGeom>
+          <a:noFill/>
+        </p:spPr>
+        <p:txBody>
+          <a:bodyPr wrap="square" rtlCol="0">
+            <a:spAutoFit/>
+          </a:bodyPr>
+          <a:lstStyle/>
+          <a:p>
+            <a:r>
+              <a:rPr lang="en-US" altLang="zh-CN" dirty="0" smtClean="0">
+                <a:solidFill>
+                  <a:schemeClr val="tx1">
+                    <a:lumMod val="75000"/>
+                    <a:lumOff val="25000"/>
+                  </a:schemeClr>
+                </a:solidFill>
+                <a:latin typeface="冬青黑体简体中文 W3" panose="020B0300000000000000" pitchFamily="34" charset="-122"/>
+                <a:ea typeface="冬青黑体简体中文 W3" panose="020B0300000000000000" pitchFamily="34" charset="-122"/>
+              </a:rPr>
+              <a:t>prototype </a:t>
+            </a:r>
+            <a:r>
+              <a:rPr lang="zh-CN" altLang="en-US" dirty="0" smtClean="0">
+                <a:solidFill>
+                  <a:schemeClr val="tx1">
+                    <a:lumMod val="75000"/>
+                    <a:lumOff val="25000"/>
+                  </a:schemeClr>
+                </a:solidFill>
+                <a:latin typeface="冬青黑体简体中文 W3" panose="020B0300000000000000" pitchFamily="34" charset="-122"/>
+                <a:ea typeface="冬青黑体简体中文 W3" panose="020B0300000000000000" pitchFamily="34" charset="-122"/>
+              </a:rPr>
+              <a:t>指针</a:t>
+            </a:r>
+            <a:endParaRPr lang="zh-CN" altLang="en-US" dirty="0" smtClean="0">
+              <a:solidFill>
+                <a:schemeClr val="tx1">
+                  <a:lumMod val="75000"/>
+                  <a:lumOff val="25000"/>
+                </a:schemeClr>
+              </a:solidFill>
+              <a:latin typeface="冬青黑体简体中文 W3" panose="020B0300000000000000" pitchFamily="34" charset="-122"/>
+              <a:ea typeface="冬青黑体简体中文 W3" panose="020B0300000000000000" pitchFamily="34" charset="-122"/>
+            </a:endParaRPr>
+          </a:p>
+        </p:txBody>
+      </p:sp>
+      <p:sp>
+        <p:nvSpPr>
+          <p:cNvPr id="15" name="椭圆 14"/>
+          <p:cNvSpPr/>
+          <p:nvPr/>
+        </p:nvSpPr>
+        <p:spPr>
+          <a:xfrm>
+            <a:off x="1273739" y="4124466"/>
+            <a:ext cx="2615584" cy="1475242"/>
+          </a:xfrm>
+          <a:prstGeom prst="ellipse">
+            <a:avLst/>
+          </a:prstGeom>
+          <a:solidFill>
+            <a:srgbClr val="C00000"/>
+          </a:solidFill>
+          <a:ln>
+            <a:noFill/>
+          </a:ln>
+          <a:effectLst/>
+        </p:spPr>
+        <p:style>
+          <a:lnRef idx="1">
+            <a:schemeClr val="accent6"/>
+          </a:lnRef>
+          <a:fillRef idx="3">
+            <a:schemeClr val="accent6"/>
+          </a:fillRef>
+          <a:effectRef idx="2">
+            <a:schemeClr val="accent6"/>
+          </a:effectRef>
+          <a:fontRef idx="minor">
+            <a:schemeClr val="lt1"/>
+          </a:fontRef>
+        </p:style>
+        <p:txBody>
+          <a:bodyPr rot="0" spcFirstLastPara="0" vertOverflow="overflow" horzOverflow="overflow" vert="horz" wrap="none" lIns="36000" tIns="108000" rIns="36000" bIns="108000" numCol="1" spcCol="0" rtlCol="0" fromWordArt="0" anchor="ctr" anchorCtr="1" forceAA="0" compatLnSpc="1">
+            <a:prstTxWarp prst="textNoShape">
+              <a:avLst/>
+            </a:prstTxWarp>
+            <a:spAutoFit/>
+          </a:bodyPr>
+          <a:lstStyle/>
+          <a:p>
+            <a:pPr algn="ctr"/>
+            <a:r>
+              <a:rPr lang="zh-CN" altLang="en-US" dirty="0">
+                <a:solidFill>
+                  <a:schemeClr val="bg1"/>
+                </a:solidFill>
+                <a:latin typeface="冬青黑体简体中文 W3" panose="020B0300000000000000" pitchFamily="34" charset="-122"/>
+                <a:ea typeface="冬青黑体简体中文 W3" panose="020B0300000000000000" pitchFamily="34" charset="-122"/>
+              </a:rPr>
+              <a:t>子</a:t>
+            </a:r>
+            <a:r>
+              <a:rPr lang="zh-CN" altLang="en-US" dirty="0" smtClean="0">
+                <a:solidFill>
+                  <a:schemeClr val="bg1"/>
+                </a:solidFill>
+                <a:latin typeface="冬青黑体简体中文 W3" panose="020B0300000000000000" pitchFamily="34" charset="-122"/>
+                <a:ea typeface="冬青黑体简体中文 W3" panose="020B0300000000000000" pitchFamily="34" charset="-122"/>
+              </a:rPr>
+              <a:t>类</a:t>
+            </a:r>
+            <a:endParaRPr lang="en-US" altLang="zh-CN" dirty="0" smtClean="0">
+              <a:solidFill>
+                <a:schemeClr val="bg1"/>
+              </a:solidFill>
+              <a:latin typeface="冬青黑体简体中文 W3" panose="020B0300000000000000" pitchFamily="34" charset="-122"/>
+              <a:ea typeface="冬青黑体简体中文 W3" panose="020B0300000000000000" pitchFamily="34" charset="-122"/>
+            </a:endParaRPr>
+          </a:p>
+          <a:p>
+            <a:pPr algn="ctr"/>
+            <a:endParaRPr lang="en-US" altLang="zh-CN" dirty="0" smtClean="0">
+              <a:solidFill>
+                <a:schemeClr val="bg1"/>
+              </a:solidFill>
+              <a:latin typeface="冬青黑体简体中文 W3" panose="020B0300000000000000" pitchFamily="34" charset="-122"/>
+              <a:ea typeface="冬青黑体简体中文 W3" panose="020B0300000000000000" pitchFamily="34" charset="-122"/>
+            </a:endParaRPr>
+          </a:p>
+          <a:p>
+            <a:pPr algn="ctr"/>
+            <a:r>
+              <a:rPr lang="en-US" altLang="zh-CN" dirty="0" smtClean="0">
+                <a:solidFill>
+                  <a:schemeClr val="bg1"/>
+                </a:solidFill>
+                <a:latin typeface="冬青黑体简体中文 W3" panose="020B0300000000000000" pitchFamily="34" charset="-122"/>
+                <a:ea typeface="冬青黑体简体中文 W3" panose="020B0300000000000000" pitchFamily="34" charset="-122"/>
+              </a:rPr>
+              <a:t>function Son(){}</a:t>
+            </a:r>
+          </a:p>
+        </p:txBody>
+      </p:sp>
+      <p:sp>
+        <p:nvSpPr>
+          <p:cNvPr id="16" name="椭圆 15"/>
+          <p:cNvSpPr/>
+          <p:nvPr/>
+        </p:nvSpPr>
+        <p:spPr>
+          <a:xfrm>
+            <a:off x="8511059" y="4179736"/>
+            <a:ext cx="2390173" cy="1475242"/>
+          </a:xfrm>
+          <a:prstGeom prst="ellipse">
+            <a:avLst/>
+          </a:prstGeom>
+          <a:solidFill>
+            <a:srgbClr val="C00000"/>
+          </a:solidFill>
+          <a:ln>
+            <a:noFill/>
+          </a:ln>
+          <a:effectLst/>
+        </p:spPr>
+        <p:style>
+          <a:lnRef idx="1">
+            <a:schemeClr val="accent6"/>
+          </a:lnRef>
+          <a:fillRef idx="3">
+            <a:schemeClr val="accent6"/>
+          </a:fillRef>
+          <a:effectRef idx="2">
+            <a:schemeClr val="accent6"/>
+          </a:effectRef>
+          <a:fontRef idx="minor">
+            <a:schemeClr val="lt1"/>
+          </a:fontRef>
+        </p:style>
+        <p:txBody>
+          <a:bodyPr rot="0" spcFirstLastPara="0" vertOverflow="overflow" horzOverflow="overflow" vert="horz" wrap="none" lIns="36000" tIns="108000" rIns="36000" bIns="108000" numCol="1" spcCol="0" rtlCol="0" fromWordArt="0" anchor="ctr" anchorCtr="1" forceAA="0" compatLnSpc="1">
+            <a:prstTxWarp prst="textNoShape">
+              <a:avLst/>
+            </a:prstTxWarp>
+            <a:spAutoFit/>
+          </a:bodyPr>
+          <a:lstStyle/>
+          <a:p>
+            <a:pPr algn="ctr"/>
+            <a:r>
+              <a:rPr lang="zh-CN" altLang="en-US" dirty="0">
+                <a:solidFill>
+                  <a:schemeClr val="bg1"/>
+                </a:solidFill>
+                <a:latin typeface="冬青黑体简体中文 W3" panose="020B0300000000000000" pitchFamily="34" charset="-122"/>
+                <a:ea typeface="冬青黑体简体中文 W3" panose="020B0300000000000000" pitchFamily="34" charset="-122"/>
+              </a:rPr>
+              <a:t>子</a:t>
+            </a:r>
+            <a:r>
+              <a:rPr lang="zh-CN" altLang="en-US" dirty="0" smtClean="0">
+                <a:solidFill>
+                  <a:schemeClr val="bg1"/>
+                </a:solidFill>
+                <a:latin typeface="冬青黑体简体中文 W3" panose="020B0300000000000000" pitchFamily="34" charset="-122"/>
+                <a:ea typeface="冬青黑体简体中文 W3" panose="020B0300000000000000" pitchFamily="34" charset="-122"/>
+              </a:rPr>
+              <a:t>类原型</a:t>
+            </a:r>
+            <a:endParaRPr lang="en-US" altLang="zh-CN" dirty="0" smtClean="0">
+              <a:solidFill>
+                <a:schemeClr val="bg1"/>
+              </a:solidFill>
+              <a:latin typeface="冬青黑体简体中文 W3" panose="020B0300000000000000" pitchFamily="34" charset="-122"/>
+              <a:ea typeface="冬青黑体简体中文 W3" panose="020B0300000000000000" pitchFamily="34" charset="-122"/>
+            </a:endParaRPr>
+          </a:p>
+          <a:p>
+            <a:pPr algn="ctr"/>
+            <a:endParaRPr lang="en-US" altLang="zh-CN" dirty="0">
+              <a:solidFill>
+                <a:schemeClr val="bg1"/>
+              </a:solidFill>
+              <a:latin typeface="冬青黑体简体中文 W3" panose="020B0300000000000000" pitchFamily="34" charset="-122"/>
+              <a:ea typeface="冬青黑体简体中文 W3" panose="020B0300000000000000" pitchFamily="34" charset="-122"/>
+            </a:endParaRPr>
+          </a:p>
+          <a:p>
+            <a:pPr algn="ctr"/>
+            <a:r>
+              <a:rPr lang="en-US" altLang="zh-CN" dirty="0" err="1" smtClean="0">
+                <a:solidFill>
+                  <a:schemeClr val="bg1"/>
+                </a:solidFill>
+                <a:latin typeface="冬青黑体简体中文 W3" panose="020B0300000000000000" pitchFamily="34" charset="-122"/>
+                <a:ea typeface="冬青黑体简体中文 W3" panose="020B0300000000000000" pitchFamily="34" charset="-122"/>
+              </a:rPr>
+              <a:t>Son.prototype</a:t>
+            </a:r>
+            <a:endParaRPr lang="zh-CN" altLang="en-US" dirty="0" smtClean="0">
+              <a:solidFill>
+                <a:schemeClr val="bg1"/>
+              </a:solidFill>
+              <a:latin typeface="冬青黑体简体中文 W3" panose="020B0300000000000000" pitchFamily="34" charset="-122"/>
+              <a:ea typeface="冬青黑体简体中文 W3" panose="020B0300000000000000" pitchFamily="34" charset="-122"/>
+            </a:endParaRPr>
+          </a:p>
+        </p:txBody>
+      </p:sp>
+      <p:sp>
+        <p:nvSpPr>
+          <p:cNvPr id="19" name="右箭头 18"/>
+          <p:cNvSpPr/>
+          <p:nvPr/>
+        </p:nvSpPr>
+        <p:spPr>
+          <a:xfrm>
+            <a:off x="4457967" y="4786287"/>
+            <a:ext cx="3276066" cy="279599"/>
+          </a:xfrm>
+          <a:prstGeom prst="rightArrow">
+            <a:avLst/>
+          </a:prstGeom>
+          <a:solidFill>
+            <a:srgbClr val="C00000"/>
+          </a:solidFill>
+          <a:ln>
+            <a:noFill/>
+          </a:ln>
+          <a:effectLst/>
+        </p:spPr>
+        <p:style>
+          <a:lnRef idx="1">
+            <a:schemeClr val="accent6"/>
+          </a:lnRef>
+          <a:fillRef idx="3">
+            <a:schemeClr val="accent6"/>
+          </a:fillRef>
+          <a:effectRef idx="2">
+            <a:schemeClr val="accent6"/>
+          </a:effectRef>
+          <a:fontRef idx="minor">
+            <a:schemeClr val="lt1"/>
+          </a:fontRef>
+        </p:style>
+        <p:txBody>
+          <a:bodyPr rot="0" spcFirstLastPara="0" vertOverflow="overflow" horzOverflow="overflow" vert="horz" wrap="none" lIns="180000" tIns="108000" rIns="180000" bIns="108000" numCol="1" spcCol="0" rtlCol="0" fromWordArt="0" anchor="ctr" anchorCtr="1" forceAA="0" compatLnSpc="1">
+            <a:prstTxWarp prst="textNoShape">
+              <a:avLst/>
+            </a:prstTxWarp>
+            <a:spAutoFit/>
+          </a:bodyPr>
+          <a:lstStyle/>
+          <a:p>
+            <a:pPr algn="ctr"/>
+            <a:endParaRPr lang="zh-CN" altLang="en-US" dirty="0" smtClean="0">
+              <a:solidFill>
+                <a:schemeClr val="bg1"/>
+              </a:solidFill>
+              <a:latin typeface="冬青黑体简体中文 W3" panose="020B0300000000000000" pitchFamily="34" charset="-122"/>
+              <a:ea typeface="冬青黑体简体中文 W3" panose="020B0300000000000000" pitchFamily="34" charset="-122"/>
+            </a:endParaRPr>
+          </a:p>
+        </p:txBody>
+      </p:sp>
+      <p:sp>
+        <p:nvSpPr>
+          <p:cNvPr id="21" name="文本框 20"/>
+          <p:cNvSpPr txBox="1"/>
+          <p:nvPr/>
+        </p:nvSpPr>
+        <p:spPr>
+          <a:xfrm>
+            <a:off x="5149530" y="4268524"/>
+            <a:ext cx="2054748" cy="369332"/>
+          </a:xfrm>
+          <a:prstGeom prst="rect">
+            <a:avLst/>
+          </a:prstGeom>
+          <a:noFill/>
+        </p:spPr>
+        <p:txBody>
+          <a:bodyPr wrap="square" rtlCol="0">
+            <a:spAutoFit/>
+          </a:bodyPr>
+          <a:lstStyle/>
+          <a:p>
+            <a:r>
+              <a:rPr lang="en-US" altLang="zh-CN" dirty="0" smtClean="0">
+                <a:solidFill>
+                  <a:schemeClr val="tx1">
+                    <a:lumMod val="75000"/>
+                    <a:lumOff val="25000"/>
+                  </a:schemeClr>
+                </a:solidFill>
+                <a:latin typeface="冬青黑体简体中文 W3" panose="020B0300000000000000" pitchFamily="34" charset="-122"/>
+                <a:ea typeface="冬青黑体简体中文 W3" panose="020B0300000000000000" pitchFamily="34" charset="-122"/>
+              </a:rPr>
+              <a:t>prototype </a:t>
+            </a:r>
+            <a:r>
+              <a:rPr lang="zh-CN" altLang="en-US" dirty="0" smtClean="0">
+                <a:solidFill>
+                  <a:schemeClr val="tx1">
+                    <a:lumMod val="75000"/>
+                    <a:lumOff val="25000"/>
+                  </a:schemeClr>
+                </a:solidFill>
+                <a:latin typeface="冬青黑体简体中文 W3" panose="020B0300000000000000" pitchFamily="34" charset="-122"/>
+                <a:ea typeface="冬青黑体简体中文 W3" panose="020B0300000000000000" pitchFamily="34" charset="-122"/>
+              </a:rPr>
+              <a:t>指针</a:t>
+            </a:r>
+            <a:endParaRPr lang="zh-CN" altLang="en-US" dirty="0" smtClean="0">
+              <a:solidFill>
+                <a:schemeClr val="tx1">
+                  <a:lumMod val="75000"/>
+                  <a:lumOff val="25000"/>
+                </a:schemeClr>
+              </a:solidFill>
+              <a:latin typeface="冬青黑体简体中文 W3" panose="020B0300000000000000" pitchFamily="34" charset="-122"/>
+              <a:ea typeface="冬青黑体简体中文 W3" panose="020B0300000000000000" pitchFamily="34" charset="-122"/>
+            </a:endParaRPr>
+          </a:p>
+        </p:txBody>
+      </p:sp>
+      <p:sp>
+        <p:nvSpPr>
+          <p:cNvPr id="23" name="椭圆 22"/>
+          <p:cNvSpPr/>
+          <p:nvPr/>
+        </p:nvSpPr>
+        <p:spPr>
+          <a:xfrm>
+            <a:off x="4850398" y="2251243"/>
+            <a:ext cx="2551157" cy="1475242"/>
+          </a:xfrm>
+          <a:prstGeom prst="ellipse">
+            <a:avLst/>
+          </a:prstGeom>
+          <a:solidFill>
+            <a:srgbClr val="7030A0"/>
+          </a:solidFill>
+          <a:ln>
+            <a:noFill/>
+          </a:ln>
+          <a:effectLst/>
+        </p:spPr>
+        <p:style>
+          <a:lnRef idx="1">
+            <a:schemeClr val="accent6"/>
+          </a:lnRef>
+          <a:fillRef idx="3">
+            <a:schemeClr val="accent6"/>
+          </a:fillRef>
+          <a:effectRef idx="2">
+            <a:schemeClr val="accent6"/>
+          </a:effectRef>
+          <a:fontRef idx="minor">
+            <a:schemeClr val="lt1"/>
+          </a:fontRef>
+        </p:style>
+        <p:txBody>
+          <a:bodyPr rot="0" spcFirstLastPara="0" vertOverflow="overflow" horzOverflow="overflow" vert="horz" wrap="none" lIns="180000" tIns="108000" rIns="180000" bIns="108000" numCol="1" spcCol="0" rtlCol="0" fromWordArt="0" anchor="ctr" anchorCtr="1" forceAA="0" compatLnSpc="1">
+            <a:prstTxWarp prst="textNoShape">
+              <a:avLst/>
+            </a:prstTxWarp>
+            <a:spAutoFit/>
+          </a:bodyPr>
+          <a:lstStyle/>
+          <a:p>
+            <a:pPr algn="ctr"/>
+            <a:r>
+              <a:rPr lang="zh-CN" altLang="en-US" dirty="0">
+                <a:solidFill>
+                  <a:schemeClr val="bg1"/>
+                </a:solidFill>
+                <a:latin typeface="冬青黑体简体中文 W3" panose="020B0300000000000000" pitchFamily="34" charset="-122"/>
+                <a:ea typeface="冬青黑体简体中文 W3" panose="020B0300000000000000" pitchFamily="34" charset="-122"/>
+              </a:rPr>
+              <a:t>父</a:t>
+            </a:r>
+            <a:r>
+              <a:rPr lang="zh-CN" altLang="en-US" dirty="0" smtClean="0">
+                <a:solidFill>
+                  <a:schemeClr val="bg1"/>
+                </a:solidFill>
+                <a:latin typeface="冬青黑体简体中文 W3" panose="020B0300000000000000" pitchFamily="34" charset="-122"/>
+                <a:ea typeface="冬青黑体简体中文 W3" panose="020B0300000000000000" pitchFamily="34" charset="-122"/>
+              </a:rPr>
+              <a:t>类实例</a:t>
+            </a:r>
+            <a:endParaRPr lang="en-US" altLang="zh-CN" dirty="0" smtClean="0">
+              <a:solidFill>
+                <a:schemeClr val="bg1"/>
+              </a:solidFill>
+              <a:latin typeface="冬青黑体简体中文 W3" panose="020B0300000000000000" pitchFamily="34" charset="-122"/>
+              <a:ea typeface="冬青黑体简体中文 W3" panose="020B0300000000000000" pitchFamily="34" charset="-122"/>
+            </a:endParaRPr>
+          </a:p>
+          <a:p>
+            <a:pPr algn="ctr"/>
+            <a:endParaRPr lang="en-US" altLang="zh-CN" dirty="0">
+              <a:solidFill>
+                <a:schemeClr val="bg1"/>
+              </a:solidFill>
+              <a:latin typeface="冬青黑体简体中文 W3" panose="020B0300000000000000" pitchFamily="34" charset="-122"/>
+              <a:ea typeface="冬青黑体简体中文 W3" panose="020B0300000000000000" pitchFamily="34" charset="-122"/>
+            </a:endParaRPr>
+          </a:p>
+          <a:p>
+            <a:pPr algn="ctr"/>
+            <a:r>
+              <a:rPr lang="en-US" altLang="zh-CN" dirty="0" smtClean="0">
+                <a:solidFill>
+                  <a:schemeClr val="bg1"/>
+                </a:solidFill>
+                <a:latin typeface="冬青黑体简体中文 W3" panose="020B0300000000000000" pitchFamily="34" charset="-122"/>
+                <a:ea typeface="冬青黑体简体中文 W3" panose="020B0300000000000000" pitchFamily="34" charset="-122"/>
+              </a:rPr>
+              <a:t>new Parent()</a:t>
+            </a:r>
+            <a:endParaRPr lang="zh-CN" altLang="en-US" dirty="0" smtClean="0">
+              <a:solidFill>
+                <a:schemeClr val="bg1"/>
+              </a:solidFill>
+              <a:latin typeface="冬青黑体简体中文 W3" panose="020B0300000000000000" pitchFamily="34" charset="-122"/>
+              <a:ea typeface="冬青黑体简体中文 W3" panose="020B0300000000000000" pitchFamily="34" charset="-122"/>
+            </a:endParaRPr>
+          </a:p>
+        </p:txBody>
+      </p:sp>
+      <p:sp>
+        <p:nvSpPr>
+          <p:cNvPr id="24" name="椭圆 23"/>
+          <p:cNvSpPr/>
+          <p:nvPr/>
+        </p:nvSpPr>
+        <p:spPr>
+          <a:xfrm>
+            <a:off x="5040199" y="5237529"/>
+            <a:ext cx="2111601" cy="1475242"/>
+          </a:xfrm>
+          <a:prstGeom prst="ellipse">
+            <a:avLst/>
+          </a:prstGeom>
+          <a:solidFill>
+            <a:srgbClr val="7030A0"/>
+          </a:solidFill>
+          <a:ln>
+            <a:noFill/>
+          </a:ln>
+          <a:effectLst/>
+        </p:spPr>
+        <p:style>
+          <a:lnRef idx="1">
+            <a:schemeClr val="accent6"/>
+          </a:lnRef>
+          <a:fillRef idx="3">
+            <a:schemeClr val="accent6"/>
+          </a:fillRef>
+          <a:effectRef idx="2">
+            <a:schemeClr val="accent6"/>
+          </a:effectRef>
+          <a:fontRef idx="minor">
+            <a:schemeClr val="lt1"/>
+          </a:fontRef>
+        </p:style>
+        <p:txBody>
+          <a:bodyPr rot="0" spcFirstLastPara="0" vertOverflow="overflow" horzOverflow="overflow" vert="horz" wrap="none" lIns="180000" tIns="108000" rIns="180000" bIns="108000" numCol="1" spcCol="0" rtlCol="0" fromWordArt="0" anchor="ctr" anchorCtr="1" forceAA="0" compatLnSpc="1">
+            <a:prstTxWarp prst="textNoShape">
+              <a:avLst/>
+            </a:prstTxWarp>
+            <a:spAutoFit/>
+          </a:bodyPr>
+          <a:lstStyle/>
+          <a:p>
+            <a:pPr algn="ctr"/>
+            <a:r>
+              <a:rPr lang="zh-CN" altLang="en-US" dirty="0">
+                <a:solidFill>
+                  <a:schemeClr val="bg1"/>
+                </a:solidFill>
+                <a:latin typeface="冬青黑体简体中文 W3" panose="020B0300000000000000" pitchFamily="34" charset="-122"/>
+                <a:ea typeface="冬青黑体简体中文 W3" panose="020B0300000000000000" pitchFamily="34" charset="-122"/>
+              </a:rPr>
+              <a:t>子类</a:t>
+            </a:r>
+            <a:r>
+              <a:rPr lang="zh-CN" altLang="en-US" dirty="0" smtClean="0">
+                <a:solidFill>
+                  <a:schemeClr val="bg1"/>
+                </a:solidFill>
+                <a:latin typeface="冬青黑体简体中文 W3" panose="020B0300000000000000" pitchFamily="34" charset="-122"/>
+                <a:ea typeface="冬青黑体简体中文 W3" panose="020B0300000000000000" pitchFamily="34" charset="-122"/>
+              </a:rPr>
+              <a:t>实例</a:t>
+            </a:r>
+            <a:endParaRPr lang="en-US" altLang="zh-CN" dirty="0" smtClean="0">
+              <a:solidFill>
+                <a:schemeClr val="bg1"/>
+              </a:solidFill>
+              <a:latin typeface="冬青黑体简体中文 W3" panose="020B0300000000000000" pitchFamily="34" charset="-122"/>
+              <a:ea typeface="冬青黑体简体中文 W3" panose="020B0300000000000000" pitchFamily="34" charset="-122"/>
+            </a:endParaRPr>
+          </a:p>
+          <a:p>
+            <a:pPr algn="ctr"/>
+            <a:endParaRPr lang="en-US" altLang="zh-CN" dirty="0">
+              <a:solidFill>
+                <a:schemeClr val="bg1"/>
+              </a:solidFill>
+              <a:latin typeface="冬青黑体简体中文 W3" panose="020B0300000000000000" pitchFamily="34" charset="-122"/>
+              <a:ea typeface="冬青黑体简体中文 W3" panose="020B0300000000000000" pitchFamily="34" charset="-122"/>
+            </a:endParaRPr>
+          </a:p>
+          <a:p>
+            <a:pPr algn="ctr"/>
+            <a:r>
+              <a:rPr lang="en-US" altLang="zh-CN" dirty="0" smtClean="0">
+                <a:solidFill>
+                  <a:schemeClr val="bg1"/>
+                </a:solidFill>
+                <a:latin typeface="冬青黑体简体中文 W3" panose="020B0300000000000000" pitchFamily="34" charset="-122"/>
+                <a:ea typeface="冬青黑体简体中文 W3" panose="020B0300000000000000" pitchFamily="34" charset="-122"/>
+              </a:rPr>
+              <a:t>new Son()</a:t>
+            </a:r>
+            <a:endParaRPr lang="zh-CN" altLang="en-US" dirty="0" smtClean="0">
+              <a:solidFill>
+                <a:schemeClr val="bg1"/>
+              </a:solidFill>
+              <a:latin typeface="冬青黑体简体中文 W3" panose="020B0300000000000000" pitchFamily="34" charset="-122"/>
+              <a:ea typeface="冬青黑体简体中文 W3" panose="020B0300000000000000" pitchFamily="34" charset="-122"/>
+            </a:endParaRPr>
+          </a:p>
+        </p:txBody>
+      </p:sp>
+      <p:sp>
+        <p:nvSpPr>
+          <p:cNvPr id="36" name="直角上箭头 35"/>
+          <p:cNvSpPr/>
+          <p:nvPr/>
+        </p:nvSpPr>
+        <p:spPr>
+          <a:xfrm>
+            <a:off x="7220470" y="5769260"/>
+            <a:ext cx="2583942" cy="432048"/>
+          </a:xfrm>
+          <a:prstGeom prst="bentUpArrow">
+            <a:avLst/>
+          </a:prstGeom>
+          <a:solidFill>
+            <a:srgbClr val="C00000"/>
+          </a:solidFill>
+          <a:ln>
+            <a:noFill/>
+          </a:ln>
+          <a:effectLst/>
+        </p:spPr>
+        <p:style>
+          <a:lnRef idx="1">
+            <a:schemeClr val="accent6"/>
+          </a:lnRef>
+          <a:fillRef idx="3">
+            <a:schemeClr val="accent6"/>
+          </a:fillRef>
+          <a:effectRef idx="2">
+            <a:schemeClr val="accent6"/>
+          </a:effectRef>
+          <a:fontRef idx="minor">
+            <a:schemeClr val="lt1"/>
+          </a:fontRef>
+        </p:style>
+        <p:txBody>
+          <a:bodyPr rot="0" spcFirstLastPara="0" vertOverflow="overflow" horzOverflow="overflow" vert="horz" wrap="square" lIns="180000" tIns="108000" rIns="180000" bIns="108000" numCol="1" spcCol="0" rtlCol="0" fromWordArt="0" anchor="ctr" anchorCtr="1" forceAA="0" compatLnSpc="1">
+            <a:prstTxWarp prst="textNoShape">
+              <a:avLst/>
+            </a:prstTxWarp>
+            <a:spAutoFit/>
+          </a:bodyPr>
+          <a:lstStyle/>
+          <a:p>
+            <a:pPr algn="ctr"/>
+            <a:endParaRPr lang="zh-CN" altLang="en-US" dirty="0" smtClean="0">
+              <a:solidFill>
+                <a:schemeClr val="bg1"/>
+              </a:solidFill>
+              <a:latin typeface="冬青黑体简体中文 W3" panose="020B0300000000000000" pitchFamily="34" charset="-122"/>
+              <a:ea typeface="冬青黑体简体中文 W3" panose="020B0300000000000000" pitchFamily="34" charset="-122"/>
+            </a:endParaRPr>
+          </a:p>
+        </p:txBody>
+      </p:sp>
+      <p:sp>
+        <p:nvSpPr>
+          <p:cNvPr id="37" name="文本框 36"/>
+          <p:cNvSpPr txBox="1"/>
+          <p:nvPr/>
+        </p:nvSpPr>
+        <p:spPr>
+          <a:xfrm>
+            <a:off x="7592957" y="5710248"/>
+            <a:ext cx="1836204" cy="369332"/>
+          </a:xfrm>
+          <a:prstGeom prst="rect">
+            <a:avLst/>
+          </a:prstGeom>
+          <a:noFill/>
+        </p:spPr>
+        <p:txBody>
+          <a:bodyPr wrap="square" rtlCol="0">
+            <a:spAutoFit/>
+          </a:bodyPr>
+          <a:lstStyle/>
+          <a:p>
+            <a:r>
+              <a:rPr lang="en-US" altLang="zh-CN" dirty="0" smtClean="0">
+                <a:solidFill>
+                  <a:schemeClr val="tx1">
+                    <a:lumMod val="75000"/>
+                    <a:lumOff val="25000"/>
+                  </a:schemeClr>
+                </a:solidFill>
+                <a:latin typeface="冬青黑体简体中文 W3" panose="020B0300000000000000" pitchFamily="34" charset="-122"/>
+                <a:ea typeface="冬青黑体简体中文 W3" panose="020B0300000000000000" pitchFamily="34" charset="-122"/>
+              </a:rPr>
+              <a:t>__proto__ </a:t>
+            </a:r>
+            <a:r>
+              <a:rPr lang="zh-CN" altLang="en-US" dirty="0" smtClean="0">
+                <a:solidFill>
+                  <a:schemeClr val="tx1">
+                    <a:lumMod val="75000"/>
+                    <a:lumOff val="25000"/>
+                  </a:schemeClr>
+                </a:solidFill>
+                <a:latin typeface="冬青黑体简体中文 W3" panose="020B0300000000000000" pitchFamily="34" charset="-122"/>
+                <a:ea typeface="冬青黑体简体中文 W3" panose="020B0300000000000000" pitchFamily="34" charset="-122"/>
+              </a:rPr>
+              <a:t>指针</a:t>
+            </a:r>
+            <a:endParaRPr lang="zh-CN" altLang="en-US" dirty="0" smtClean="0">
+              <a:solidFill>
+                <a:schemeClr val="tx1">
+                  <a:lumMod val="75000"/>
+                  <a:lumOff val="25000"/>
+                </a:schemeClr>
+              </a:solidFill>
+              <a:latin typeface="冬青黑体简体中文 W3" panose="020B0300000000000000" pitchFamily="34" charset="-122"/>
+              <a:ea typeface="冬青黑体简体中文 W3" panose="020B0300000000000000" pitchFamily="34" charset="-122"/>
+            </a:endParaRPr>
+          </a:p>
+        </p:txBody>
+      </p:sp>
+      <p:sp>
+        <p:nvSpPr>
+          <p:cNvPr id="41" name="文本框 40"/>
+          <p:cNvSpPr txBox="1"/>
+          <p:nvPr/>
+        </p:nvSpPr>
+        <p:spPr>
+          <a:xfrm>
+            <a:off x="7675360" y="2119475"/>
+            <a:ext cx="1978825" cy="369332"/>
+          </a:xfrm>
+          <a:prstGeom prst="rect">
+            <a:avLst/>
+          </a:prstGeom>
+          <a:noFill/>
+        </p:spPr>
+        <p:txBody>
+          <a:bodyPr wrap="square" rtlCol="0">
+            <a:spAutoFit/>
+          </a:bodyPr>
+          <a:lstStyle/>
+          <a:p>
+            <a:r>
+              <a:rPr lang="en-US" altLang="zh-CN" dirty="0" smtClean="0">
+                <a:solidFill>
+                  <a:schemeClr val="tx1">
+                    <a:lumMod val="75000"/>
+                    <a:lumOff val="25000"/>
+                  </a:schemeClr>
+                </a:solidFill>
+                <a:latin typeface="冬青黑体简体中文 W3" panose="020B0300000000000000" pitchFamily="34" charset="-122"/>
+                <a:ea typeface="冬青黑体简体中文 W3" panose="020B0300000000000000" pitchFamily="34" charset="-122"/>
+              </a:rPr>
+              <a:t>__proto__ </a:t>
+            </a:r>
+            <a:r>
+              <a:rPr lang="zh-CN" altLang="en-US" dirty="0" smtClean="0">
+                <a:solidFill>
+                  <a:schemeClr val="tx1">
+                    <a:lumMod val="75000"/>
+                    <a:lumOff val="25000"/>
+                  </a:schemeClr>
+                </a:solidFill>
+                <a:latin typeface="冬青黑体简体中文 W3" panose="020B0300000000000000" pitchFamily="34" charset="-122"/>
+                <a:ea typeface="冬青黑体简体中文 W3" panose="020B0300000000000000" pitchFamily="34" charset="-122"/>
+              </a:rPr>
+              <a:t>指针</a:t>
+            </a:r>
+            <a:endParaRPr lang="zh-CN" altLang="en-US" dirty="0" smtClean="0">
+              <a:solidFill>
+                <a:schemeClr val="tx1">
+                  <a:lumMod val="75000"/>
+                  <a:lumOff val="25000"/>
+                </a:schemeClr>
+              </a:solidFill>
+              <a:latin typeface="冬青黑体简体中文 W3" panose="020B0300000000000000" pitchFamily="34" charset="-122"/>
+              <a:ea typeface="冬青黑体简体中文 W3" panose="020B0300000000000000" pitchFamily="34" charset="-122"/>
+            </a:endParaRPr>
+          </a:p>
+        </p:txBody>
+      </p:sp>
+      <p:sp>
+        <p:nvSpPr>
+          <p:cNvPr id="42" name="文本框 41"/>
+          <p:cNvSpPr txBox="1"/>
+          <p:nvPr/>
+        </p:nvSpPr>
+        <p:spPr>
+          <a:xfrm>
+            <a:off x="8329190" y="3496783"/>
+            <a:ext cx="695888" cy="523220"/>
+          </a:xfrm>
+          <a:prstGeom prst="rect">
+            <a:avLst/>
+          </a:prstGeom>
+          <a:noFill/>
+        </p:spPr>
+        <p:txBody>
+          <a:bodyPr wrap="square" rtlCol="0">
+            <a:spAutoFit/>
+          </a:bodyPr>
+          <a:lstStyle/>
+          <a:p>
+            <a:r>
+              <a:rPr lang="zh-CN" altLang="en-US" sz="2800" b="1" dirty="0" smtClean="0">
+                <a:solidFill>
+                  <a:srgbClr val="00B0F0"/>
+                </a:solidFill>
+                <a:latin typeface="冬青黑体简体中文 W3" panose="020B0300000000000000" pitchFamily="34" charset="-122"/>
+                <a:ea typeface="冬青黑体简体中文 W3" panose="020B0300000000000000" pitchFamily="34" charset="-122"/>
+              </a:rPr>
+              <a:t>？</a:t>
+            </a:r>
+            <a:endParaRPr lang="zh-CN" altLang="en-US" sz="2800" b="1" dirty="0" smtClean="0">
+              <a:solidFill>
+                <a:srgbClr val="00B0F0"/>
+              </a:solidFill>
+              <a:latin typeface="冬青黑体简体中文 W3" panose="020B0300000000000000" pitchFamily="34" charset="-122"/>
+              <a:ea typeface="冬青黑体简体中文 W3" panose="020B0300000000000000" pitchFamily="34" charset="-122"/>
+            </a:endParaRPr>
+          </a:p>
+        </p:txBody>
+      </p:sp>
+      <p:sp>
+        <p:nvSpPr>
+          <p:cNvPr id="43" name="直角上箭头 42"/>
+          <p:cNvSpPr/>
+          <p:nvPr/>
+        </p:nvSpPr>
+        <p:spPr>
+          <a:xfrm>
+            <a:off x="7535933" y="1881038"/>
+            <a:ext cx="2391475" cy="932054"/>
+          </a:xfrm>
+          <a:prstGeom prst="bentUpArrow">
+            <a:avLst/>
+          </a:prstGeom>
+          <a:solidFill>
+            <a:srgbClr val="C00000"/>
+          </a:solidFill>
+          <a:ln>
+            <a:noFill/>
+          </a:ln>
+          <a:effectLst/>
+        </p:spPr>
+        <p:style>
+          <a:lnRef idx="1">
+            <a:schemeClr val="accent6"/>
+          </a:lnRef>
+          <a:fillRef idx="3">
+            <a:schemeClr val="accent6"/>
+          </a:fillRef>
+          <a:effectRef idx="2">
+            <a:schemeClr val="accent6"/>
+          </a:effectRef>
+          <a:fontRef idx="minor">
+            <a:schemeClr val="lt1"/>
+          </a:fontRef>
+        </p:style>
+        <p:txBody>
+          <a:bodyPr rot="0" spcFirstLastPara="0" vertOverflow="overflow" horzOverflow="overflow" vert="horz" wrap="square" lIns="180000" tIns="108000" rIns="180000" bIns="108000" numCol="1" spcCol="0" rtlCol="0" fromWordArt="0" anchor="ctr" anchorCtr="1" forceAA="0" compatLnSpc="1">
+            <a:prstTxWarp prst="textNoShape">
+              <a:avLst/>
+            </a:prstTxWarp>
+            <a:noAutofit/>
+          </a:bodyPr>
+          <a:lstStyle/>
+          <a:p>
+            <a:pPr algn="ctr"/>
+            <a:endParaRPr lang="zh-CN" altLang="en-US" dirty="0" smtClean="0">
+              <a:solidFill>
+                <a:schemeClr val="bg1"/>
+              </a:solidFill>
+              <a:latin typeface="冬青黑体简体中文 W3" panose="020B0300000000000000" pitchFamily="34" charset="-122"/>
+              <a:ea typeface="冬青黑体简体中文 W3" panose="020B0300000000000000" pitchFamily="34" charset="-122"/>
+            </a:endParaRPr>
+          </a:p>
+        </p:txBody>
+      </p:sp>
+      <p:sp>
+        <p:nvSpPr>
+          <p:cNvPr id="45" name="直角上箭头 44"/>
+          <p:cNvSpPr/>
+          <p:nvPr/>
+        </p:nvSpPr>
+        <p:spPr>
+          <a:xfrm rot="-5400000">
+            <a:off x="8201621" y="2373049"/>
+            <a:ext cx="951026" cy="2342881"/>
+          </a:xfrm>
+          <a:prstGeom prst="bentUpArrow">
+            <a:avLst/>
+          </a:prstGeom>
+          <a:solidFill>
+            <a:srgbClr val="C00000"/>
+          </a:solidFill>
+          <a:ln>
+            <a:noFill/>
+          </a:ln>
+          <a:effectLst/>
+        </p:spPr>
+        <p:style>
+          <a:lnRef idx="1">
+            <a:schemeClr val="accent6"/>
+          </a:lnRef>
+          <a:fillRef idx="3">
+            <a:schemeClr val="accent6"/>
+          </a:fillRef>
+          <a:effectRef idx="2">
+            <a:schemeClr val="accent6"/>
+          </a:effectRef>
+          <a:fontRef idx="minor">
+            <a:schemeClr val="lt1"/>
+          </a:fontRef>
+        </p:style>
+        <p:txBody>
+          <a:bodyPr rot="0" spcFirstLastPara="0" vertOverflow="overflow" horzOverflow="overflow" vert="horz" wrap="none" lIns="180000" tIns="108000" rIns="180000" bIns="108000" numCol="1" spcCol="0" rtlCol="0" fromWordArt="0" anchor="ctr" anchorCtr="1" forceAA="0" compatLnSpc="1">
+            <a:prstTxWarp prst="textNoShape">
+              <a:avLst/>
+            </a:prstTxWarp>
+            <a:noAutofit/>
+          </a:bodyPr>
+          <a:lstStyle/>
+          <a:p>
+            <a:pPr algn="ctr"/>
+            <a:endParaRPr lang="zh-CN" altLang="en-US" dirty="0" smtClean="0">
+              <a:solidFill>
+                <a:schemeClr val="bg1"/>
+              </a:solidFill>
+              <a:latin typeface="冬青黑体简体中文 W3" panose="020B0300000000000000" pitchFamily="34" charset="-122"/>
+              <a:ea typeface="冬青黑体简体中文 W3" panose="020B0300000000000000" pitchFamily="34" charset="-122"/>
+            </a:endParaRPr>
+          </a:p>
+        </p:txBody>
+      </p:sp>
+      <p:pic>
+        <p:nvPicPr>
+          <p:cNvPr id="51" name="图片 50"/>
+          <p:cNvPicPr>
+            <a:picLocks noChangeAspect="1"/>
+          </p:cNvPicPr>
+          <p:nvPr/>
+        </p:nvPicPr>
+        <p:blipFill>
+          <a:blip r:embed="rId3" cstate="print">
+            <a:extLst>
+              <a:ext uri="{28A0092B-C50C-407E-A947-70E740481C1C}">
+                <a14:useLocalDpi xmlns:a14="http://schemas.microsoft.com/office/drawing/2010/main" val="0"/>
+              </a:ext>
+            </a:extLst>
+          </a:blip>
+          <a:stretch>
+            <a:fillRect/>
+          </a:stretch>
+        </p:blipFill>
+        <p:spPr>
+          <a:xfrm>
+            <a:off x="9965033" y="3172512"/>
+            <a:ext cx="847491" cy="847491"/>
+          </a:xfrm>
+          <a:prstGeom prst="rect">
+            <a:avLst/>
+          </a:prstGeom>
+        </p:spPr>
+      </p:pic>
+    </p:spTree>
+    <p:extLst>
+      <p:ext uri="{BB962C8B-B14F-4D97-AF65-F5344CB8AC3E}">
+        <p14:creationId xmlns:p14="http://schemas.microsoft.com/office/powerpoint/2010/main" val="2850418370"/>
+      </p:ext>
+    </p:extLst>
+  </p:cSld>
+  <p:clrMapOvr>
+    <a:masterClrMapping/>
+  </p:clrMapOvr>
+  <mc:AlternateContent xmlns:mc="http://schemas.openxmlformats.org/markup-compatibility/2006" xmlns:p14="http://schemas.microsoft.com/office/powerpoint/2010/main">
+    <mc:Choice Requires="p14">
+      <p:transition p14:dur="0" advTm="9938"/>
+    </mc:Choice>
+    <mc:Fallback xmlns="">
+      <p:transition advTm="9938"/>
+    </mc:Fallback>
+  </mc:AlternateContent>
+  <p:timing>
+    <p:tnLst>
+      <p:par>
+        <p:cTn id="1" dur="indefinite" restart="never" nodeType="tmRoot">
+          <p:childTnLst>
+            <p:seq concurrent="1" nextAc="seek">
+              <p:cTn id="2" dur="indefinite" nodeType="mainSeq">
+                <p:childTnLst>
+                  <p:par>
+                    <p:cTn id="3" fill="hold">
+                      <p:stCondLst>
+                        <p:cond delay="indefinite"/>
+                      </p:stCondLst>
+                      <p:childTnLst>
+                        <p:par>
+                          <p:cTn id="4" fill="hold">
+                            <p:stCondLst>
+                              <p:cond delay="0"/>
+                            </p:stCondLst>
+                            <p:childTnLst>
+                              <p:par>
+                                <p:cTn id="5" presetID="31" presetClass="entr" presetSubtype="0" fill="hold" nodeType="clickEffect">
+                                  <p:stCondLst>
+                                    <p:cond delay="0"/>
+                                  </p:stCondLst>
+                                  <p:childTnLst>
+                                    <p:set>
+                                      <p:cBhvr>
+                                        <p:cTn id="6" dur="1" fill="hold">
+                                          <p:stCondLst>
+                                            <p:cond delay="0"/>
+                                          </p:stCondLst>
+                                        </p:cTn>
+                                        <p:tgtEl>
+                                          <p:spTgt spid="51"/>
+                                        </p:tgtEl>
+                                        <p:attrNameLst>
+                                          <p:attrName>style.visibility</p:attrName>
+                                        </p:attrNameLst>
+                                      </p:cBhvr>
+                                      <p:to>
+                                        <p:strVal val="visible"/>
+                                      </p:to>
+                                    </p:set>
+                                    <p:anim calcmode="lin" valueType="num">
+                                      <p:cBhvr>
+                                        <p:cTn id="7" dur="1000" fill="hold"/>
+                                        <p:tgtEl>
+                                          <p:spTgt spid="51"/>
+                                        </p:tgtEl>
+                                        <p:attrNameLst>
+                                          <p:attrName>ppt_w</p:attrName>
+                                        </p:attrNameLst>
+                                      </p:cBhvr>
+                                      <p:tavLst>
+                                        <p:tav tm="0">
+                                          <p:val>
+                                            <p:fltVal val="0"/>
+                                          </p:val>
+                                        </p:tav>
+                                        <p:tav tm="100000">
+                                          <p:val>
+                                            <p:strVal val="#ppt_w"/>
+                                          </p:val>
+                                        </p:tav>
+                                      </p:tavLst>
+                                    </p:anim>
+                                    <p:anim calcmode="lin" valueType="num">
+                                      <p:cBhvr>
+                                        <p:cTn id="8" dur="1000" fill="hold"/>
+                                        <p:tgtEl>
+                                          <p:spTgt spid="51"/>
+                                        </p:tgtEl>
+                                        <p:attrNameLst>
+                                          <p:attrName>ppt_h</p:attrName>
+                                        </p:attrNameLst>
+                                      </p:cBhvr>
+                                      <p:tavLst>
+                                        <p:tav tm="0">
+                                          <p:val>
+                                            <p:fltVal val="0"/>
+                                          </p:val>
+                                        </p:tav>
+                                        <p:tav tm="100000">
+                                          <p:val>
+                                            <p:strVal val="#ppt_h"/>
+                                          </p:val>
+                                        </p:tav>
+                                      </p:tavLst>
+                                    </p:anim>
+                                    <p:anim calcmode="lin" valueType="num">
+                                      <p:cBhvr>
+                                        <p:cTn id="9" dur="1000" fill="hold"/>
+                                        <p:tgtEl>
+                                          <p:spTgt spid="51"/>
+                                        </p:tgtEl>
+                                        <p:attrNameLst>
+                                          <p:attrName>style.rotation</p:attrName>
+                                        </p:attrNameLst>
+                                      </p:cBhvr>
+                                      <p:tavLst>
+                                        <p:tav tm="0">
+                                          <p:val>
+                                            <p:fltVal val="90"/>
+                                          </p:val>
+                                        </p:tav>
+                                        <p:tav tm="100000">
+                                          <p:val>
+                                            <p:fltVal val="0"/>
+                                          </p:val>
+                                        </p:tav>
+                                      </p:tavLst>
+                                    </p:anim>
+                                    <p:animEffect transition="in" filter="fade">
+                                      <p:cBhvr>
+                                        <p:cTn id="10" dur="1000"/>
+                                        <p:tgtEl>
+                                          <p:spTgt spid="51"/>
+                                        </p:tgtEl>
+                                      </p:cBhvr>
+                                    </p:animEffect>
+                                  </p:childTnLst>
+                                </p:cTn>
+                              </p:par>
+                            </p:childTnLst>
+                          </p:cTn>
+                        </p:par>
+                      </p:childTnLst>
+                    </p:cTn>
+                  </p:par>
+                </p:childTnLst>
+              </p:cTn>
+              <p:prevCondLst>
+                <p:cond evt="onPrev" delay="0">
+                  <p:tgtEl>
+                    <p:sldTgt/>
+                  </p:tgtEl>
+                </p:cond>
+              </p:prevCondLst>
+              <p:nextCondLst>
+                <p:cond evt="onNext" delay="0">
+                  <p:tgtEl>
+                    <p:sldTgt/>
+                  </p:tgtEl>
+                </p:cond>
+              </p:nextCondLst>
+            </p:seq>
+          </p:childTnLst>
+        </p:cTn>
+      </p:par>
+    </p:tnLst>
+  </p:timing>
+</p:sld>
+</file>
+
+<file path=ppt/slides/slide27.xml><?xml version="1.0" encoding="utf-8"?>
+<p:sld xmlns:a="http://schemas.openxmlformats.org/drawingml/2006/main" xmlns:r="http://schemas.openxmlformats.org/officeDocument/2006/relationships" xmlns:p="http://schemas.openxmlformats.org/presentationml/2006/main">
+  <p:cSld>
+    <p:spTree>
+      <p:nvGrpSpPr>
+        <p:cNvPr id="1" name=""/>
+        <p:cNvGrpSpPr/>
+        <p:nvPr/>
+      </p:nvGrpSpPr>
+      <p:grpSpPr>
+        <a:xfrm>
+          <a:off x="0" y="0"/>
+          <a:ext cx="0" cy="0"/>
+          <a:chOff x="0" y="0"/>
+          <a:chExt cx="0" cy="0"/>
+        </a:xfrm>
+      </p:grpSpPr>
+      <p:sp>
+        <p:nvSpPr>
+          <p:cNvPr id="2" name="标题 1"/>
+          <p:cNvSpPr>
+            <a:spLocks noGrp="1"/>
+          </p:cNvSpPr>
+          <p:nvPr>
+            <p:ph type="title"/>
+          </p:nvPr>
+        </p:nvSpPr>
+        <p:spPr>
+          <a:xfrm>
+            <a:off x="-11324" y="2648"/>
+            <a:ext cx="12192000" cy="1122096"/>
+          </a:xfrm>
+        </p:spPr>
+        <p:txBody>
+          <a:bodyPr/>
+          <a:lstStyle/>
+          <a:p>
+            <a:r>
+              <a:rPr lang="zh-CN" altLang="en-US" dirty="0" smtClean="0"/>
+              <a:t>代码示例</a:t>
+            </a:r>
+            <a:endParaRPr lang="zh-CN" altLang="en-US" dirty="0"/>
+          </a:p>
+        </p:txBody>
+      </p:sp>
+      <p:pic>
+        <p:nvPicPr>
+          <p:cNvPr id="4" name="图片 3"/>
+          <p:cNvPicPr>
+            <a:picLocks noChangeAspect="1"/>
+          </p:cNvPicPr>
+          <p:nvPr/>
+        </p:nvPicPr>
+        <p:blipFill>
+          <a:blip r:embed="rId3"/>
+          <a:stretch>
+            <a:fillRect/>
+          </a:stretch>
+        </p:blipFill>
+        <p:spPr>
+          <a:xfrm>
+            <a:off x="11324" y="1185626"/>
+            <a:ext cx="12199022" cy="5672374"/>
+          </a:xfrm>
+          <a:prstGeom prst="rect">
+            <a:avLst/>
+          </a:prstGeom>
+        </p:spPr>
+      </p:pic>
+    </p:spTree>
+    <p:extLst>
+      <p:ext uri="{BB962C8B-B14F-4D97-AF65-F5344CB8AC3E}">
+        <p14:creationId xmlns:p14="http://schemas.microsoft.com/office/powerpoint/2010/main" val="236404810"/>
+      </p:ext>
+    </p:extLst>
+  </p:cSld>
+  <p:clrMapOvr>
+    <a:masterClrMapping/>
+  </p:clrMapOvr>
+  <mc:AlternateContent xmlns:mc="http://schemas.openxmlformats.org/markup-compatibility/2006" xmlns:p14="http://schemas.microsoft.com/office/powerpoint/2010/main">
+    <mc:Choice Requires="p14">
+      <p:transition p14:dur="0" advTm="9938"/>
+    </mc:Choice>
+    <mc:Fallback xmlns="">
+      <p:transition advTm="9938"/>
+    </mc:Fallback>
+  </mc:AlternateContent>
+  <p:timing>
+    <p:tnLst>
+      <p:par>
+        <p:cTn id="1" dur="indefinite" restart="never" nodeType="tmRoot"/>
+      </p:par>
+    </p:tnLst>
+  </p:timing>
+</p:sld>
+</file>
+
+<file path=ppt/slides/slide28.xml><?xml version="1.0" encoding="utf-8"?>
+<p:sld xmlns:a="http://schemas.openxmlformats.org/drawingml/2006/main" xmlns:r="http://schemas.openxmlformats.org/officeDocument/2006/relationships" xmlns:p="http://schemas.openxmlformats.org/presentationml/2006/main">
+  <p:cSld>
+    <p:spTree>
+      <p:nvGrpSpPr>
+        <p:cNvPr id="1" name=""/>
+        <p:cNvGrpSpPr/>
+        <p:nvPr/>
+      </p:nvGrpSpPr>
+      <p:grpSpPr>
+        <a:xfrm>
+          <a:off x="0" y="0"/>
+          <a:ext cx="0" cy="0"/>
+          <a:chOff x="0" y="0"/>
+          <a:chExt cx="0" cy="0"/>
+        </a:xfrm>
+      </p:grpSpPr>
+      <p:sp>
+        <p:nvSpPr>
+          <p:cNvPr id="2" name="标题 1"/>
+          <p:cNvSpPr>
+            <a:spLocks noGrp="1"/>
+          </p:cNvSpPr>
+          <p:nvPr>
+            <p:ph type="title"/>
+          </p:nvPr>
+        </p:nvSpPr>
+        <p:spPr>
+          <a:xfrm>
+            <a:off x="6492044" y="2680083"/>
+            <a:ext cx="2088802" cy="766067"/>
+          </a:xfrm>
+        </p:spPr>
+        <p:txBody>
+          <a:bodyPr/>
+          <a:lstStyle/>
+          <a:p>
+            <a:pPr algn="l"/>
+            <a:r>
+              <a:rPr lang="zh-CN" altLang="en-US" dirty="0" smtClean="0"/>
+              <a:t>闭包</a:t>
+            </a:r>
+            <a:endParaRPr lang="zh-CN" altLang="en-US" dirty="0"/>
+          </a:p>
+        </p:txBody>
+      </p:sp>
+      <p:sp>
+        <p:nvSpPr>
+          <p:cNvPr id="3" name="文本占位符 2"/>
+          <p:cNvSpPr>
+            <a:spLocks noGrp="1"/>
+          </p:cNvSpPr>
+          <p:nvPr>
+            <p:ph type="body" sz="quarter" idx="10"/>
+          </p:nvPr>
+        </p:nvSpPr>
+        <p:spPr>
+          <a:xfrm>
+            <a:off x="6312024" y="3608003"/>
+            <a:ext cx="1620180" cy="684597"/>
+          </a:xfrm>
+        </p:spPr>
+        <p:txBody>
+          <a:bodyPr/>
+          <a:lstStyle/>
+          <a:p>
+            <a:r>
+              <a:rPr lang="zh-CN" altLang="en-US" dirty="0" smtClean="0">
+                <a:solidFill>
+                  <a:schemeClr val="tx1">
+                    <a:lumMod val="85000"/>
+                    <a:lumOff val="15000"/>
+                  </a:schemeClr>
+                </a:solidFill>
+              </a:rPr>
+              <a:t>解锁新姿势</a:t>
+            </a:r>
+            <a:endParaRPr lang="zh-CN" altLang="en-US" dirty="0">
+              <a:solidFill>
+                <a:schemeClr val="tx1">
+                  <a:lumMod val="85000"/>
+                  <a:lumOff val="15000"/>
+                </a:schemeClr>
+              </a:solidFill>
+            </a:endParaRPr>
+          </a:p>
+        </p:txBody>
+      </p:sp>
+      <p:pic>
+        <p:nvPicPr>
+          <p:cNvPr id="6" name="图片 5"/>
+          <p:cNvPicPr>
+            <a:picLocks noChangeAspect="1"/>
+          </p:cNvPicPr>
+          <p:nvPr/>
+        </p:nvPicPr>
+        <p:blipFill>
+          <a:blip r:embed="rId3">
+            <a:extLst>
+              <a:ext uri="{28A0092B-C50C-407E-A947-70E740481C1C}">
+                <a14:useLocalDpi xmlns:a14="http://schemas.microsoft.com/office/drawing/2010/main" val="0"/>
+              </a:ext>
+            </a:extLst>
+          </a:blip>
+          <a:stretch>
+            <a:fillRect/>
+          </a:stretch>
+        </p:blipFill>
+        <p:spPr>
+          <a:xfrm>
+            <a:off x="3863752" y="2325860"/>
+            <a:ext cx="2016522" cy="2240580"/>
+          </a:xfrm>
+          <a:prstGeom prst="rect">
+            <a:avLst/>
+          </a:prstGeom>
+        </p:spPr>
+      </p:pic>
+    </p:spTree>
+    <p:extLst>
+      <p:ext uri="{BB962C8B-B14F-4D97-AF65-F5344CB8AC3E}">
+        <p14:creationId xmlns:p14="http://schemas.microsoft.com/office/powerpoint/2010/main" val="2982981093"/>
+      </p:ext>
+    </p:extLst>
+  </p:cSld>
+  <p:clrMapOvr>
+    <a:masterClrMapping/>
+  </p:clrMapOvr>
+  <mc:AlternateContent xmlns:mc="http://schemas.openxmlformats.org/markup-compatibility/2006" xmlns:p14="http://schemas.microsoft.com/office/powerpoint/2010/main">
+    <mc:Choice Requires="p14">
+      <p:transition p14:dur="0" advTm="9938"/>
+    </mc:Choice>
+    <mc:Fallback xmlns="">
+      <p:transition advTm="9938"/>
+    </mc:Fallback>
+  </mc:AlternateContent>
+  <p:timing>
+    <p:tnLst>
+      <p:par>
+        <p:cTn id="1" dur="indefinite" restart="never" nodeType="tmRoot">
+          <p:childTnLst>
+            <p:seq concurrent="1" nextAc="seek">
+              <p:cTn id="2" dur="indefinite" nodeType="mainSeq">
+                <p:childTnLst>
+                  <p:par>
+                    <p:cTn id="3" fill="hold">
+                      <p:stCondLst>
+                        <p:cond delay="indefinite"/>
+                        <p:cond evt="onBegin" delay="0">
+                          <p:tn val="2"/>
+                        </p:cond>
+                      </p:stCondLst>
+                      <p:childTnLst>
+                        <p:par>
+                          <p:cTn id="4" fill="hold">
+                            <p:stCondLst>
+                              <p:cond delay="0"/>
+                            </p:stCondLst>
+                            <p:childTnLst>
+                              <p:par>
+                                <p:cTn id="5" presetID="14" presetClass="entr" presetSubtype="10" fill="hold" nodeType="withEffect">
+                                  <p:stCondLst>
+                                    <p:cond delay="0"/>
+                                  </p:stCondLst>
+                                  <p:childTnLst>
+                                    <p:set>
+                                      <p:cBhvr>
+                                        <p:cTn id="6" dur="1" fill="hold">
+                                          <p:stCondLst>
+                                            <p:cond delay="0"/>
+                                          </p:stCondLst>
+                                        </p:cTn>
+                                        <p:tgtEl>
+                                          <p:spTgt spid="3">
+                                            <p:txEl>
+                                              <p:pRg st="0" end="0"/>
+                                            </p:txEl>
+                                          </p:spTgt>
+                                        </p:tgtEl>
+                                        <p:attrNameLst>
+                                          <p:attrName>style.visibility</p:attrName>
+                                        </p:attrNameLst>
+                                      </p:cBhvr>
+                                      <p:to>
+                                        <p:strVal val="visible"/>
+                                      </p:to>
+                                    </p:set>
+                                    <p:animEffect transition="in" filter="randombar(horizontal)">
+                                      <p:cBhvr>
+                                        <p:cTn id="7" dur="500"/>
+                                        <p:tgtEl>
+                                          <p:spTgt spid="3">
+                                            <p:txEl>
+                                              <p:pRg st="0" end="0"/>
+                                            </p:txEl>
+                                          </p:spTgt>
+                                        </p:tgtEl>
+                                      </p:cBhvr>
+                                    </p:animEffect>
+                                  </p:childTnLst>
+                                </p:cTn>
+                              </p:par>
+                            </p:childTnLst>
+                          </p:cTn>
+                        </p:par>
+                      </p:childTnLst>
+                    </p:cTn>
+                  </p:par>
+                </p:childTnLst>
+              </p:cTn>
+              <p:prevCondLst>
+                <p:cond evt="onPrev" delay="0">
+                  <p:tgtEl>
+                    <p:sldTgt/>
+                  </p:tgtEl>
+                </p:cond>
+              </p:prevCondLst>
+              <p:nextCondLst>
+                <p:cond evt="onNext" delay="0">
+                  <p:tgtEl>
+                    <p:sldTgt/>
+                  </p:tgtEl>
+                </p:cond>
+              </p:nextCondLst>
+            </p:seq>
+          </p:childTnLst>
+        </p:cTn>
+      </p:par>
+    </p:tnLst>
+  </p:timing>
+</p:sld>
+</file>
+
+<file path=ppt/slides/slide29.xml><?xml version="1.0" encoding="utf-8"?>
+<p:sld xmlns:a="http://schemas.openxmlformats.org/drawingml/2006/main" xmlns:r="http://schemas.openxmlformats.org/officeDocument/2006/relationships" xmlns:p="http://schemas.openxmlformats.org/presentationml/2006/main">
+  <p:cSld>
+    <p:spTree>
+      <p:nvGrpSpPr>
+        <p:cNvPr id="1" name=""/>
+        <p:cNvGrpSpPr/>
+        <p:nvPr/>
+      </p:nvGrpSpPr>
+      <p:grpSpPr>
+        <a:xfrm>
+          <a:off x="0" y="0"/>
+          <a:ext cx="0" cy="0"/>
+          <a:chOff x="0" y="0"/>
+          <a:chExt cx="0" cy="0"/>
+        </a:xfrm>
+      </p:grpSpPr>
+      <p:sp>
+        <p:nvSpPr>
           <p:cNvPr id="2" name="标题 1"/>
           <p:cNvSpPr>
             <a:spLocks noGrp="1"/>
@@ -7611,11 +10495,11 @@
   <p:clrMapOvr>
     <a:masterClrMapping/>
   </p:clrMapOvr>
-  <mc:AlternateContent xmlns:mc="http://schemas.openxmlformats.org/markup-compatibility/2006">
-    <mc:Choice xmlns:p14="http://schemas.microsoft.com/office/powerpoint/2010/main" Requires="p14">
+  <mc:AlternateContent xmlns:mc="http://schemas.openxmlformats.org/markup-compatibility/2006" xmlns:p14="http://schemas.microsoft.com/office/powerpoint/2010/main">
+    <mc:Choice Requires="p14">
       <p:transition p14:dur="0" advTm="9938"/>
     </mc:Choice>
-    <mc:Fallback>
+    <mc:Fallback xmlns="">
       <p:transition advTm="9938"/>
     </mc:Fallback>
   </mc:AlternateContent>
@@ -7795,11 +10679,11 @@
   <p:clrMapOvr>
     <a:masterClrMapping/>
   </p:clrMapOvr>
-  <mc:AlternateContent xmlns:mc="http://schemas.openxmlformats.org/markup-compatibility/2006">
-    <mc:Choice xmlns:p14="http://schemas.microsoft.com/office/powerpoint/2010/main" Requires="p14">
+  <mc:AlternateContent xmlns:mc="http://schemas.openxmlformats.org/markup-compatibility/2006" xmlns:p14="http://schemas.microsoft.com/office/powerpoint/2010/main">
+    <mc:Choice Requires="p14">
       <p:transition p14:dur="0" advTm="9938"/>
     </mc:Choice>
-    <mc:Fallback>
+    <mc:Fallback xmlns="">
       <p:transition advTm="9938"/>
     </mc:Fallback>
   </mc:AlternateContent>
@@ -7827,7 +10711,7 @@
                             </p:stCondLst>
                             <p:childTnLst>
                               <p:par>
-                                <p:cTn id="5" presetID="42" presetClass="entr" presetSubtype="0" fill="hold" grpId="0" nodeType="withEffect">
+                                <p:cTn id="5" presetID="14" presetClass="entr" presetSubtype="10" fill="hold" nodeType="withEffect">
                                   <p:stCondLst>
                                     <p:cond delay="0"/>
                                   </p:stCondLst>
@@ -7840,7 +10724,11 @@
                                           </p:stCondLst>
                                         </p:cTn>
                                         <p:tgtEl>
-                                          <p:spTgt spid="3"/>
+                                          <p:spTgt spid="3">
+                                            <p:txEl>
+                                              <p:pRg st="0" end="0"/>
+                                            </p:txEl>
+                                          </p:spTgt>
                                         </p:tgtEl>
                                         <p:attrNameLst>
                                           <p:attrName>style.visibility</p:attrName>
@@ -7850,60 +10738,61 @@
                                         <p:strVal val="visible"/>
                                       </p:to>
                                     </p:set>
-                                    <p:animEffect transition="in" filter="fade">
+                                    <p:animEffect transition="in" filter="randombar(horizontal)">
                                       <p:cBhvr>
-                                        <p:cTn id="7" dur="1000"/>
+                                        <p:cTn id="7" dur="500"/>
                                         <p:tgtEl>
-                                          <p:spTgt spid="3"/>
+                                          <p:spTgt spid="3">
+                                            <p:txEl>
+                                              <p:pRg st="0" end="0"/>
+                                            </p:txEl>
+                                          </p:spTgt>
                                         </p:tgtEl>
                                       </p:cBhvr>
                                     </p:animEffect>
-                                    <p:anim calcmode="lin" valueType="num">
+                                  </p:childTnLst>
+                                </p:cTn>
+                              </p:par>
+                              <p:par>
+                                <p:cTn id="8" presetID="14" presetClass="entr" presetSubtype="10" fill="hold" nodeType="withEffect">
+                                  <p:stCondLst>
+                                    <p:cond delay="0"/>
+                                  </p:stCondLst>
+                                  <p:childTnLst>
+                                    <p:set>
                                       <p:cBhvr>
-                                        <p:cTn id="8" dur="1000" fill="hold"/>
+                                        <p:cTn id="9" dur="1" fill="hold">
+                                          <p:stCondLst>
+                                            <p:cond delay="0"/>
+                                          </p:stCondLst>
+                                        </p:cTn>
                                         <p:tgtEl>
-                                          <p:spTgt spid="3"/>
+                                          <p:spTgt spid="3">
+                                            <p:txEl>
+                                              <p:pRg st="1" end="1"/>
+                                            </p:txEl>
+                                          </p:spTgt>
                                         </p:tgtEl>
                                         <p:attrNameLst>
-                                          <p:attrName>ppt_x</p:attrName>
+                                          <p:attrName>style.visibility</p:attrName>
                                         </p:attrNameLst>
                                       </p:cBhvr>
-                                      <p:tavLst>
-                                        <p:tav tm="0">
-                                          <p:val>
-                                            <p:strVal val="#ppt_x"/>
-                                          </p:val>
-                                        </p:tav>
-                                        <p:tav tm="100000">
-                                          <p:val>
-                                            <p:strVal val="#ppt_x"/>
-                                          </p:val>
-                                        </p:tav>
-                                      </p:tavLst>
-                                    </p:anim>
-                                    <p:anim calcmode="lin" valueType="num">
+                                      <p:to>
+                                        <p:strVal val="visible"/>
+                                      </p:to>
+                                    </p:set>
+                                    <p:animEffect transition="in" filter="randombar(horizontal)">
                                       <p:cBhvr>
-                                        <p:cTn id="9" dur="1000" fill="hold"/>
+                                        <p:cTn id="10" dur="500"/>
                                         <p:tgtEl>
-                                          <p:spTgt spid="3"/>
+                                          <p:spTgt spid="3">
+                                            <p:txEl>
+                                              <p:pRg st="1" end="1"/>
+                                            </p:txEl>
+                                          </p:spTgt>
                                         </p:tgtEl>
-                                        <p:attrNameLst>
-                                          <p:attrName>ppt_y</p:attrName>
-                                        </p:attrNameLst>
                                       </p:cBhvr>
-                                      <p:tavLst>
-                                        <p:tav tm="0">
-                                          <p:val>
-                                            <p:strVal val="#ppt_y+.1"/>
-                                          </p:val>
-                                        </p:tav>
-                                        <p:tav tm="100000">
-                                          <p:val>
-                                            <p:strVal val="#ppt_y"/>
-                                          </p:val>
-                                        </p:tav>
-                                      </p:tavLst>
-                                    </p:anim>
+                                    </p:animEffect>
                                   </p:childTnLst>
                                 </p:cTn>
                               </p:par>
@@ -7934,9 +10823,6 @@
         </p:cTn>
       </p:par>
     </p:tnLst>
-    <p:bldLst>
-      <p:bldP spid="3" grpId="0"/>
-    </p:bldLst>
   </p:timing>
 </p:sld>
 </file>
@@ -8034,11 +10920,11 @@
   <p:clrMapOvr>
     <a:masterClrMapping/>
   </p:clrMapOvr>
-  <mc:AlternateContent xmlns:mc="http://schemas.openxmlformats.org/markup-compatibility/2006">
-    <mc:Choice xmlns:p14="http://schemas.microsoft.com/office/powerpoint/2010/main" Requires="p14">
+  <mc:AlternateContent xmlns:mc="http://schemas.openxmlformats.org/markup-compatibility/2006" xmlns:p14="http://schemas.microsoft.com/office/powerpoint/2010/main">
+    <mc:Choice Requires="p14">
       <p:transition p14:dur="0" advTm="9938"/>
     </mc:Choice>
-    <mc:Fallback>
+    <mc:Fallback xmlns="">
       <p:transition advTm="9938"/>
     </mc:Fallback>
   </mc:AlternateContent>
@@ -8378,11 +11264,11 @@
   <p:clrMapOvr>
     <a:masterClrMapping/>
   </p:clrMapOvr>
-  <mc:AlternateContent xmlns:mc="http://schemas.openxmlformats.org/markup-compatibility/2006">
-    <mc:Choice xmlns:p14="http://schemas.microsoft.com/office/powerpoint/2010/main" Requires="p14">
+  <mc:AlternateContent xmlns:mc="http://schemas.openxmlformats.org/markup-compatibility/2006" xmlns:p14="http://schemas.microsoft.com/office/powerpoint/2010/main">
+    <mc:Choice Requires="p14">
       <p:transition p14:dur="0" advTm="9938"/>
     </mc:Choice>
-    <mc:Fallback>
+    <mc:Fallback xmlns="">
       <p:transition advTm="9938"/>
     </mc:Fallback>
   </mc:AlternateContent>
@@ -8489,11 +11375,11 @@
   <p:clrMapOvr>
     <a:masterClrMapping/>
   </p:clrMapOvr>
-  <mc:AlternateContent xmlns:mc="http://schemas.openxmlformats.org/markup-compatibility/2006">
-    <mc:Choice xmlns:p14="http://schemas.microsoft.com/office/powerpoint/2010/main" Requires="p14">
+  <mc:AlternateContent xmlns:mc="http://schemas.openxmlformats.org/markup-compatibility/2006" xmlns:p14="http://schemas.microsoft.com/office/powerpoint/2010/main">
+    <mc:Choice Requires="p14">
       <p:transition p14:dur="0" advTm="9938"/>
     </mc:Choice>
-    <mc:Fallback>
+    <mc:Fallback xmlns="">
       <p:transition advTm="9938"/>
     </mc:Fallback>
   </mc:AlternateContent>
@@ -8755,11 +11641,11 @@
   <p:clrMapOvr>
     <a:masterClrMapping/>
   </p:clrMapOvr>
-  <mc:AlternateContent xmlns:mc="http://schemas.openxmlformats.org/markup-compatibility/2006">
-    <mc:Choice xmlns:p14="http://schemas.microsoft.com/office/powerpoint/2010/main" Requires="p14">
+  <mc:AlternateContent xmlns:mc="http://schemas.openxmlformats.org/markup-compatibility/2006" xmlns:p14="http://schemas.microsoft.com/office/powerpoint/2010/main">
+    <mc:Choice Requires="p14">
       <p:transition p14:dur="0" advTm="9938"/>
     </mc:Choice>
-    <mc:Fallback>
+    <mc:Fallback xmlns="">
       <p:transition advTm="9938"/>
     </mc:Fallback>
   </mc:AlternateContent>
@@ -8787,7 +11673,7 @@
                             </p:stCondLst>
                             <p:childTnLst>
                               <p:par>
-                                <p:cTn id="5" presetID="14" presetClass="entr" presetSubtype="10" fill="hold" nodeType="afterEffect">
+                                <p:cTn id="5" presetID="14" presetClass="entr" presetSubtype="10" fill="hold" nodeType="withEffect">
                                   <p:stCondLst>
                                     <p:cond delay="0"/>
                                   </p:stCondLst>
@@ -8829,24 +11715,15 @@
                                   </p:childTnLst>
                                 </p:cTn>
                               </p:par>
-                            </p:childTnLst>
-                          </p:cTn>
-                        </p:par>
-                        <p:par>
-                          <p:cTn id="8" fill="hold">
-                            <p:stCondLst>
-                              <p:cond delay="500"/>
-                            </p:stCondLst>
-                            <p:childTnLst>
                               <p:par>
-                                <p:cTn id="9" presetID="14" presetClass="entr" presetSubtype="10" fill="hold" nodeType="afterEffect">
+                                <p:cTn id="8" presetID="14" presetClass="entr" presetSubtype="10" fill="hold" nodeType="withEffect">
                                   <p:stCondLst>
                                     <p:cond delay="0"/>
                                   </p:stCondLst>
                                   <p:childTnLst>
                                     <p:set>
                                       <p:cBhvr>
-                                        <p:cTn id="10" dur="1" fill="hold">
+                                        <p:cTn id="9" dur="1" fill="hold">
                                           <p:stCondLst>
                                             <p:cond delay="0"/>
                                           </p:stCondLst>
@@ -8868,7 +11745,7 @@
                                     </p:set>
                                     <p:animEffect transition="in" filter="randombar(horizontal)">
                                       <p:cBhvr>
-                                        <p:cTn id="11" dur="500"/>
+                                        <p:cTn id="10" dur="500"/>
                                         <p:tgtEl>
                                           <p:spTgt spid="4">
                                             <p:txEl>
@@ -8881,24 +11758,15 @@
                                   </p:childTnLst>
                                 </p:cTn>
                               </p:par>
-                            </p:childTnLst>
-                          </p:cTn>
-                        </p:par>
-                        <p:par>
-                          <p:cTn id="12" fill="hold">
-                            <p:stCondLst>
-                              <p:cond delay="1000"/>
-                            </p:stCondLst>
-                            <p:childTnLst>
                               <p:par>
-                                <p:cTn id="13" presetID="14" presetClass="entr" presetSubtype="10" fill="hold" nodeType="afterEffect">
+                                <p:cTn id="11" presetID="14" presetClass="entr" presetSubtype="10" fill="hold" nodeType="withEffect">
                                   <p:stCondLst>
                                     <p:cond delay="0"/>
                                   </p:stCondLst>
                                   <p:childTnLst>
                                     <p:set>
                                       <p:cBhvr>
-                                        <p:cTn id="14" dur="1" fill="hold">
+                                        <p:cTn id="12" dur="1" fill="hold">
                                           <p:stCondLst>
                                             <p:cond delay="0"/>
                                           </p:stCondLst>
@@ -8920,7 +11788,7 @@
                                     </p:set>
                                     <p:animEffect transition="in" filter="randombar(horizontal)">
                                       <p:cBhvr>
-                                        <p:cTn id="15" dur="500"/>
+                                        <p:cTn id="13" dur="500"/>
                                         <p:tgtEl>
                                           <p:spTgt spid="4">
                                             <p:txEl>
@@ -9649,11 +12517,11 @@
   <p:clrMapOvr>
     <a:masterClrMapping/>
   </p:clrMapOvr>
-  <mc:AlternateContent xmlns:mc="http://schemas.openxmlformats.org/markup-compatibility/2006">
-    <mc:Choice xmlns:p14="http://schemas.microsoft.com/office/powerpoint/2010/main" Requires="p14">
+  <mc:AlternateContent xmlns:mc="http://schemas.openxmlformats.org/markup-compatibility/2006" xmlns:p14="http://schemas.microsoft.com/office/powerpoint/2010/main">
+    <mc:Choice Requires="p14">
       <p:transition p14:dur="0" advTm="9938"/>
     </mc:Choice>
-    <mc:Fallback>
+    <mc:Fallback xmlns="">
       <p:transition advTm="9938"/>
     </mc:Fallback>
   </mc:AlternateContent>
@@ -9754,11 +12622,11 @@
   <p:clrMapOvr>
     <a:masterClrMapping/>
   </p:clrMapOvr>
-  <mc:AlternateContent xmlns:mc="http://schemas.openxmlformats.org/markup-compatibility/2006">
-    <mc:Choice xmlns:p14="http://schemas.microsoft.com/office/powerpoint/2010/main" Requires="p14">
+  <mc:AlternateContent xmlns:mc="http://schemas.openxmlformats.org/markup-compatibility/2006" xmlns:p14="http://schemas.microsoft.com/office/powerpoint/2010/main">
+    <mc:Choice Requires="p14">
       <p:transition p14:dur="0" advTm="9938"/>
     </mc:Choice>
-    <mc:Fallback>
+    <mc:Fallback xmlns="">
       <p:transition advTm="9938"/>
     </mc:Fallback>
   </mc:AlternateContent>
@@ -10061,12 +12929,21 @@
         </a:ln>
         <a:effectLst/>
       </a:spPr>
-      <a:bodyPr wrap="none" lIns="54000" tIns="28800" rIns="54000" bIns="28800" rtlCol="0" anchor="ctr">
+      <a:bodyPr rot="0" spcFirstLastPara="0" vertOverflow="overflow" horzOverflow="overflow" vert="horz" wrap="none" lIns="180000" tIns="108000" rIns="180000" bIns="108000" numCol="1" spcCol="0" rtlCol="0" fromWordArt="0" anchor="ctr" anchorCtr="1" forceAA="0" compatLnSpc="1">
+        <a:prstTxWarp prst="textNoShape">
+          <a:avLst/>
+        </a:prstTxWarp>
         <a:spAutoFit/>
       </a:bodyPr>
       <a:lstStyle>
         <a:defPPr algn="ctr">
-          <a:defRPr dirty="0"/>
+          <a:defRPr dirty="0" smtClean="0">
+            <a:solidFill>
+              <a:schemeClr val="bg1"/>
+            </a:solidFill>
+            <a:latin typeface="冬青黑体简体中文 W3" panose="020B0300000000000000" pitchFamily="34" charset="-122"/>
+            <a:ea typeface="冬青黑体简体中文 W3" panose="020B0300000000000000" pitchFamily="34" charset="-122"/>
+          </a:defRPr>
         </a:defPPr>
       </a:lstStyle>
       <a:style>

--- a/ppt/JavaScript基础一.pptx
+++ b/ppt/JavaScript基础一.pptx
@@ -52,15 +52,15 @@
   <p:notesSz cx="6858000" cy="9144000"/>
   <p:embeddedFontLst>
     <p:embeddedFont>
-      <p:font typeface="冬青黑体简体中文 W3" panose="020B0300000000000000" pitchFamily="34" charset="-122"/>
+      <p:font typeface="Calibri" panose="020F0502020204030204" pitchFamily="34" charset="0"/>
       <p:regular r:id="rId40"/>
+      <p:bold r:id="rId41"/>
+      <p:italic r:id="rId42"/>
+      <p:boldItalic r:id="rId43"/>
     </p:embeddedFont>
     <p:embeddedFont>
-      <p:font typeface="Calibri" panose="020F0502020204030204" pitchFamily="34" charset="0"/>
-      <p:regular r:id="rId41"/>
-      <p:bold r:id="rId42"/>
-      <p:italic r:id="rId43"/>
-      <p:boldItalic r:id="rId44"/>
+      <p:font typeface="冬青黑体简体中文 W3" panose="020B0300000000000000" pitchFamily="34" charset="-122"/>
+      <p:regular r:id="rId44"/>
     </p:embeddedFont>
   </p:embeddedFontLst>
   <p:defaultTextStyle>
@@ -176,7 +176,7 @@
             <a:srgbClr val="A4A3A4"/>
           </p15:clr>
         </p15:guide>
-        <p15:guide id="4" pos="3885" userDrawn="1">
+        <p15:guide id="4" pos="3908" userDrawn="1">
           <p15:clr>
             <a:srgbClr val="A4A3A4"/>
           </p15:clr>
@@ -289,7 +289,7 @@
           <a:p>
             <a:fld id="{EF39233F-B0BB-44DE-A7B3-17CA56738593}" type="datetimeFigureOut">
               <a:rPr lang="zh-CN" altLang="en-US" smtClean="0"/>
-              <a:t>2018/9/6</a:t>
+              <a:t>2018/9/7</a:t>
             </a:fld>
             <a:endParaRPr lang="zh-CN" altLang="en-US"/>
           </a:p>
@@ -455,7 +455,7 @@
           <a:p>
             <a:fld id="{8E7218B8-0759-4EF6-915F-DEF35E047769}" type="datetimeFigureOut">
               <a:rPr lang="zh-CN" altLang="en-US" smtClean="0"/>
-              <a:t>2018/9/6</a:t>
+              <a:t>2018/9/7</a:t>
             </a:fld>
             <a:endParaRPr lang="zh-CN" altLang="en-US"/>
           </a:p>
@@ -2069,6 +2069,149 @@
 </p:notes>
 </file>
 
+<file path=ppt/notesSlides/notesSlide21.xml><?xml version="1.0" encoding="utf-8"?>
+<p:notes xmlns:a="http://schemas.openxmlformats.org/drawingml/2006/main" xmlns:r="http://schemas.openxmlformats.org/officeDocument/2006/relationships" xmlns:p="http://schemas.openxmlformats.org/presentationml/2006/main">
+  <p:cSld>
+    <p:spTree>
+      <p:nvGrpSpPr>
+        <p:cNvPr id="1" name=""/>
+        <p:cNvGrpSpPr/>
+        <p:nvPr/>
+      </p:nvGrpSpPr>
+      <p:grpSpPr>
+        <a:xfrm>
+          <a:off x="0" y="0"/>
+          <a:ext cx="0" cy="0"/>
+          <a:chOff x="0" y="0"/>
+          <a:chExt cx="0" cy="0"/>
+        </a:xfrm>
+      </p:grpSpPr>
+      <p:sp>
+        <p:nvSpPr>
+          <p:cNvPr id="2" name="幻灯片图像占位符 1"/>
+          <p:cNvSpPr>
+            <a:spLocks noGrp="1" noRot="1" noChangeAspect="1"/>
+          </p:cNvSpPr>
+          <p:nvPr>
+            <p:ph type="sldImg"/>
+          </p:nvPr>
+        </p:nvSpPr>
+        <p:spPr/>
+      </p:sp>
+      <p:sp>
+        <p:nvSpPr>
+          <p:cNvPr id="3" name="备注占位符 2"/>
+          <p:cNvSpPr>
+            <a:spLocks noGrp="1"/>
+          </p:cNvSpPr>
+          <p:nvPr>
+            <p:ph type="body" idx="1"/>
+          </p:nvPr>
+        </p:nvSpPr>
+        <p:spPr/>
+        <p:txBody>
+          <a:bodyPr/>
+          <a:lstStyle/>
+          <a:p>
+            <a:r>
+              <a:rPr lang="zh-CN" altLang="en-US" dirty="0" smtClean="0"/>
+              <a:t>在前面，我们举了 </a:t>
+            </a:r>
+            <a:r>
+              <a:rPr lang="en-US" altLang="zh-CN" dirty="0" smtClean="0"/>
+              <a:t>for</a:t>
+            </a:r>
+            <a:r>
+              <a:rPr lang="zh-CN" altLang="en-US" dirty="0" smtClean="0"/>
+              <a:t>循环 </a:t>
+            </a:r>
+            <a:r>
+              <a:rPr lang="en-US" altLang="zh-CN" dirty="0" smtClean="0"/>
+              <a:t>+ </a:t>
+            </a:r>
+            <a:r>
+              <a:rPr lang="en-US" altLang="zh-CN" dirty="0" err="1" smtClean="0"/>
+              <a:t>setTimeout</a:t>
+            </a:r>
+            <a:r>
+              <a:rPr lang="en-US" altLang="zh-CN" dirty="0" smtClean="0"/>
+              <a:t> </a:t>
+            </a:r>
+            <a:r>
+              <a:rPr lang="zh-CN" altLang="en-US" dirty="0" smtClean="0"/>
+              <a:t>的示例，那么为什么使用自执行函数包裹 </a:t>
+            </a:r>
+            <a:r>
+              <a:rPr lang="en-US" altLang="zh-CN" dirty="0" err="1" smtClean="0"/>
+              <a:t>setTimeout</a:t>
+            </a:r>
+            <a:r>
+              <a:rPr lang="en-US" altLang="zh-CN" dirty="0" smtClean="0"/>
+              <a:t> </a:t>
+            </a:r>
+            <a:r>
+              <a:rPr lang="zh-CN" altLang="en-US" dirty="0" smtClean="0"/>
+              <a:t>就可以正确打印出 </a:t>
+            </a:r>
+            <a:r>
+              <a:rPr lang="en-US" altLang="zh-CN" dirty="0" err="1" smtClean="0"/>
+              <a:t>i</a:t>
+            </a:r>
+            <a:r>
+              <a:rPr lang="en-US" altLang="zh-CN" dirty="0" smtClean="0"/>
+              <a:t> </a:t>
+            </a:r>
+            <a:r>
+              <a:rPr lang="zh-CN" altLang="en-US" dirty="0" smtClean="0"/>
+              <a:t>的值呢？</a:t>
+            </a:r>
+            <a:endParaRPr lang="en-US" altLang="zh-CN" dirty="0" smtClean="0"/>
+          </a:p>
+          <a:p>
+            <a:r>
+              <a:rPr lang="zh-CN" altLang="en-US" dirty="0" smtClean="0"/>
+              <a:t>画出示例的执行过程图，讲解 闭包 的作用原理。</a:t>
+            </a:r>
+            <a:endParaRPr lang="zh-CN" altLang="en-US" dirty="0"/>
+          </a:p>
+        </p:txBody>
+      </p:sp>
+      <p:sp>
+        <p:nvSpPr>
+          <p:cNvPr id="4" name="灯片编号占位符 3"/>
+          <p:cNvSpPr>
+            <a:spLocks noGrp="1"/>
+          </p:cNvSpPr>
+          <p:nvPr>
+            <p:ph type="sldNum" sz="quarter" idx="10"/>
+          </p:nvPr>
+        </p:nvSpPr>
+        <p:spPr/>
+        <p:txBody>
+          <a:bodyPr/>
+          <a:lstStyle/>
+          <a:p>
+            <a:fld id="{63D66438-32C0-4A55-81A6-6429864AD78C}" type="slidenum">
+              <a:rPr lang="zh-CN" altLang="en-US" smtClean="0"/>
+              <a:t>35</a:t>
+            </a:fld>
+            <a:endParaRPr lang="zh-CN" altLang="en-US"/>
+          </a:p>
+        </p:txBody>
+      </p:sp>
+    </p:spTree>
+    <p:extLst>
+      <p:ext uri="{BB962C8B-B14F-4D97-AF65-F5344CB8AC3E}">
+        <p14:creationId xmlns:p14="http://schemas.microsoft.com/office/powerpoint/2010/main" val="513857078"/>
+      </p:ext>
+    </p:extLst>
+  </p:cSld>
+  <p:clrMapOvr>
+    <a:masterClrMapping/>
+  </p:clrMapOvr>
+</p:notes>
+</file>
+
 <file path=ppt/notesSlides/notesSlide3.xml><?xml version="1.0" encoding="utf-8"?>
 <p:notes xmlns:a="http://schemas.openxmlformats.org/drawingml/2006/main" xmlns:r="http://schemas.openxmlformats.org/officeDocument/2006/relationships" xmlns:p="http://schemas.openxmlformats.org/presentationml/2006/main">
   <p:cSld>
@@ -3254,7 +3397,7 @@
           <a:p>
             <a:fld id="{A981568D-62A3-428D-9EAF-2462161BCA07}" type="datetimeFigureOut">
               <a:rPr lang="zh-CN" altLang="en-US" smtClean="0"/>
-              <a:t>2018/9/6</a:t>
+              <a:t>2018/9/7</a:t>
             </a:fld>
             <a:endParaRPr lang="zh-CN" altLang="en-US"/>
           </a:p>
@@ -10959,13 +11102,6 @@
               </a:rPr>
               <a:t>最常用</a:t>
             </a:r>
-            <a:endParaRPr lang="zh-CN" altLang="en-US" dirty="0" smtClean="0">
-              <a:solidFill>
-                <a:srgbClr val="00B0F0"/>
-              </a:solidFill>
-              <a:latin typeface="冬青黑体简体中文 W3" panose="020B0300000000000000" pitchFamily="34" charset="-122"/>
-              <a:ea typeface="冬青黑体简体中文 W3" panose="020B0300000000000000" pitchFamily="34" charset="-122"/>
-            </a:endParaRPr>
           </a:p>
         </p:txBody>
       </p:sp>
@@ -11773,16 +11909,6 @@
               </a:rPr>
               <a:t>的变量。</a:t>
             </a:r>
-            <a:endParaRPr lang="zh-CN" altLang="en-US" dirty="0" smtClean="0">
-              <a:solidFill>
-                <a:schemeClr val="tx1">
-                  <a:lumMod val="65000"/>
-                  <a:lumOff val="35000"/>
-                </a:schemeClr>
-              </a:solidFill>
-              <a:latin typeface="冬青黑体简体中文 W3" panose="020B0300000000000000" pitchFamily="34" charset="-122"/>
-              <a:ea typeface="冬青黑体简体中文 W3" panose="020B0300000000000000" pitchFamily="34" charset="-122"/>
-            </a:endParaRPr>
           </a:p>
         </p:txBody>
       </p:sp>
@@ -11853,7 +11979,7 @@
           <a:p>
             <a:r>
               <a:rPr lang="zh-CN" altLang="en-US" dirty="0" smtClean="0"/>
-              <a:t>一切函数皆闭包</a:t>
+              <a:t>函数皆闭包</a:t>
             </a:r>
             <a:endParaRPr lang="zh-CN" altLang="en-US" dirty="0"/>
           </a:p>
@@ -12293,13 +12419,6 @@
               </a:rPr>
               <a:t>自由变量。</a:t>
             </a:r>
-            <a:endParaRPr lang="zh-CN" altLang="en-US" dirty="0" smtClean="0">
-              <a:solidFill>
-                <a:srgbClr val="C00000"/>
-              </a:solidFill>
-              <a:latin typeface="冬青黑体简体中文 W3" panose="020B0300000000000000" pitchFamily="34" charset="-122"/>
-              <a:ea typeface="冬青黑体简体中文 W3" panose="020B0300000000000000" pitchFamily="34" charset="-122"/>
-            </a:endParaRPr>
           </a:p>
         </p:txBody>
       </p:sp>
@@ -12542,14 +12661,23 @@
             <p:ph type="title"/>
           </p:nvPr>
         </p:nvSpPr>
-        <p:spPr/>
+        <p:spPr>
+          <a:xfrm>
+            <a:off x="0" y="0"/>
+            <a:ext cx="5259785" cy="1122096"/>
+          </a:xfrm>
+        </p:spPr>
         <p:txBody>
           <a:bodyPr/>
           <a:lstStyle/>
           <a:p>
             <a:r>
+              <a:rPr lang="zh-CN" altLang="en-US" dirty="0"/>
+              <a:t>案</a:t>
+            </a:r>
+            <a:r>
               <a:rPr lang="zh-CN" altLang="en-US" dirty="0" smtClean="0"/>
-              <a:t>应用</a:t>
+              <a:t>例解析一</a:t>
             </a:r>
             <a:endParaRPr lang="zh-CN" altLang="en-US" dirty="0"/>
           </a:p>
@@ -12565,12 +12693,314 @@
             <p:ph type="body" sz="quarter" idx="10"/>
           </p:nvPr>
         </p:nvSpPr>
-        <p:spPr/>
+        <p:spPr>
+          <a:xfrm>
+            <a:off x="-13484" y="1371308"/>
+            <a:ext cx="5273269" cy="504056"/>
+          </a:xfrm>
+        </p:spPr>
         <p:txBody>
           <a:bodyPr/>
           <a:lstStyle/>
           <a:p>
-            <a:endParaRPr lang="zh-CN" altLang="en-US"/>
+            <a:pPr algn="ctr"/>
+            <a:r>
+              <a:rPr lang="en-US" altLang="zh-CN" dirty="0" smtClean="0">
+                <a:solidFill>
+                  <a:schemeClr val="tx1">
+                    <a:lumMod val="85000"/>
+                    <a:lumOff val="15000"/>
+                  </a:schemeClr>
+                </a:solidFill>
+              </a:rPr>
+              <a:t>for </a:t>
+            </a:r>
+            <a:r>
+              <a:rPr lang="zh-CN" altLang="en-US" dirty="0" smtClean="0">
+                <a:solidFill>
+                  <a:schemeClr val="tx1">
+                    <a:lumMod val="85000"/>
+                    <a:lumOff val="15000"/>
+                  </a:schemeClr>
+                </a:solidFill>
+              </a:rPr>
+              <a:t>循环与 </a:t>
+            </a:r>
+            <a:r>
+              <a:rPr lang="en-US" altLang="zh-CN" dirty="0" err="1" smtClean="0">
+                <a:solidFill>
+                  <a:schemeClr val="tx1">
+                    <a:lumMod val="85000"/>
+                    <a:lumOff val="15000"/>
+                  </a:schemeClr>
+                </a:solidFill>
+              </a:rPr>
+              <a:t>setTimeout</a:t>
+            </a:r>
+            <a:endParaRPr lang="zh-CN" altLang="en-US" dirty="0">
+              <a:solidFill>
+                <a:schemeClr val="tx1">
+                  <a:lumMod val="85000"/>
+                  <a:lumOff val="15000"/>
+                </a:schemeClr>
+              </a:solidFill>
+            </a:endParaRPr>
+          </a:p>
+        </p:txBody>
+      </p:sp>
+      <p:sp>
+        <p:nvSpPr>
+          <p:cNvPr id="6" name="文本框 5"/>
+          <p:cNvSpPr txBox="1"/>
+          <p:nvPr/>
+        </p:nvSpPr>
+        <p:spPr>
+          <a:xfrm>
+            <a:off x="5609782" y="224644"/>
+            <a:ext cx="6338378" cy="646331"/>
+          </a:xfrm>
+          <a:prstGeom prst="rect">
+            <a:avLst/>
+          </a:prstGeom>
+          <a:noFill/>
+        </p:spPr>
+        <p:txBody>
+          <a:bodyPr wrap="square" rtlCol="0">
+            <a:spAutoFit/>
+          </a:bodyPr>
+          <a:lstStyle/>
+          <a:p>
+            <a:pPr algn="ctr"/>
+            <a:r>
+              <a:rPr lang="zh-CN" altLang="en-US" sz="3600" dirty="0">
+                <a:solidFill>
+                  <a:schemeClr val="tx1">
+                    <a:lumMod val="85000"/>
+                    <a:lumOff val="15000"/>
+                  </a:schemeClr>
+                </a:solidFill>
+                <a:latin typeface="冬青黑体简体中文 W3" panose="020B0300000000000000" pitchFamily="34" charset="-122"/>
+                <a:ea typeface="冬青黑体简体中文 W3" panose="020B0300000000000000" pitchFamily="34" charset="-122"/>
+              </a:rPr>
+              <a:t>执</a:t>
+            </a:r>
+            <a:r>
+              <a:rPr lang="zh-CN" altLang="en-US" sz="3600" dirty="0" smtClean="0">
+                <a:solidFill>
+                  <a:schemeClr val="tx1">
+                    <a:lumMod val="85000"/>
+                    <a:lumOff val="15000"/>
+                  </a:schemeClr>
+                </a:solidFill>
+                <a:latin typeface="冬青黑体简体中文 W3" panose="020B0300000000000000" pitchFamily="34" charset="-122"/>
+                <a:ea typeface="冬青黑体简体中文 W3" panose="020B0300000000000000" pitchFamily="34" charset="-122"/>
+              </a:rPr>
+              <a:t>行过程</a:t>
+            </a:r>
+          </a:p>
+        </p:txBody>
+      </p:sp>
+      <p:pic>
+        <p:nvPicPr>
+          <p:cNvPr id="7" name="图片 6"/>
+          <p:cNvPicPr>
+            <a:picLocks noChangeAspect="1"/>
+          </p:cNvPicPr>
+          <p:nvPr/>
+        </p:nvPicPr>
+        <p:blipFill>
+          <a:blip r:embed="rId3"/>
+          <a:stretch>
+            <a:fillRect/>
+          </a:stretch>
+        </p:blipFill>
+        <p:spPr>
+          <a:xfrm>
+            <a:off x="335360" y="2273300"/>
+            <a:ext cx="4924425" cy="2019300"/>
+          </a:xfrm>
+          <a:prstGeom prst="rect">
+            <a:avLst/>
+          </a:prstGeom>
+        </p:spPr>
+      </p:pic>
+      <p:sp>
+        <p:nvSpPr>
+          <p:cNvPr id="8" name="矩形 7"/>
+          <p:cNvSpPr/>
+          <p:nvPr/>
+        </p:nvSpPr>
+        <p:spPr>
+          <a:xfrm>
+            <a:off x="5411924" y="0"/>
+            <a:ext cx="45719" cy="6858000"/>
+          </a:xfrm>
+          <a:prstGeom prst="rect">
+            <a:avLst/>
+          </a:prstGeom>
+          <a:solidFill>
+            <a:srgbClr val="00B0F0"/>
+          </a:solidFill>
+          <a:ln>
+            <a:noFill/>
+          </a:ln>
+          <a:effectLst/>
+        </p:spPr>
+        <p:style>
+          <a:lnRef idx="1">
+            <a:schemeClr val="accent6"/>
+          </a:lnRef>
+          <a:fillRef idx="3">
+            <a:schemeClr val="accent6"/>
+          </a:fillRef>
+          <a:effectRef idx="2">
+            <a:schemeClr val="accent6"/>
+          </a:effectRef>
+          <a:fontRef idx="minor">
+            <a:schemeClr val="lt1"/>
+          </a:fontRef>
+        </p:style>
+        <p:txBody>
+          <a:bodyPr rot="0" spcFirstLastPara="0" vertOverflow="overflow" horzOverflow="overflow" vert="horz" wrap="square" lIns="180000" tIns="108000" rIns="180000" bIns="108000" numCol="1" spcCol="0" rtlCol="0" fromWordArt="0" anchor="ctr" anchorCtr="1" forceAA="0" compatLnSpc="1">
+            <a:prstTxWarp prst="textNoShape">
+              <a:avLst/>
+            </a:prstTxWarp>
+            <a:spAutoFit/>
+          </a:bodyPr>
+          <a:lstStyle/>
+          <a:p>
+            <a:pPr algn="ctr"/>
+            <a:endParaRPr lang="zh-CN" altLang="en-US" dirty="0" smtClean="0">
+              <a:solidFill>
+                <a:schemeClr val="bg1"/>
+              </a:solidFill>
+              <a:latin typeface="冬青黑体简体中文 W3" panose="020B0300000000000000" pitchFamily="34" charset="-122"/>
+              <a:ea typeface="冬青黑体简体中文 W3" panose="020B0300000000000000" pitchFamily="34" charset="-122"/>
+            </a:endParaRPr>
+          </a:p>
+        </p:txBody>
+      </p:sp>
+      <p:sp>
+        <p:nvSpPr>
+          <p:cNvPr id="9" name="文本框 8"/>
+          <p:cNvSpPr txBox="1"/>
+          <p:nvPr/>
+        </p:nvSpPr>
+        <p:spPr>
+          <a:xfrm>
+            <a:off x="6312024" y="1016732"/>
+            <a:ext cx="5879976" cy="369332"/>
+          </a:xfrm>
+          <a:prstGeom prst="rect">
+            <a:avLst/>
+          </a:prstGeom>
+          <a:noFill/>
+        </p:spPr>
+        <p:txBody>
+          <a:bodyPr wrap="square" rtlCol="0">
+            <a:spAutoFit/>
+          </a:bodyPr>
+          <a:lstStyle/>
+          <a:p>
+            <a:pPr marL="342900" indent="-342900">
+              <a:buFont typeface="+mj-lt"/>
+              <a:buAutoNum type="arabicPeriod"/>
+            </a:pPr>
+            <a:r>
+              <a:rPr lang="zh-CN" altLang="en-US" dirty="0" smtClean="0">
+                <a:solidFill>
+                  <a:schemeClr val="tx1">
+                    <a:lumMod val="75000"/>
+                    <a:lumOff val="25000"/>
+                  </a:schemeClr>
+                </a:solidFill>
+                <a:latin typeface="冬青黑体简体中文 W3" panose="020B0300000000000000" pitchFamily="34" charset="-122"/>
+                <a:ea typeface="冬青黑体简体中文 W3" panose="020B0300000000000000" pitchFamily="34" charset="-122"/>
+              </a:rPr>
+              <a:t>初始</a:t>
+            </a:r>
+            <a:r>
+              <a:rPr lang="zh-CN" altLang="en-US" dirty="0" smtClean="0">
+                <a:solidFill>
+                  <a:schemeClr val="tx1">
+                    <a:lumMod val="75000"/>
+                    <a:lumOff val="25000"/>
+                  </a:schemeClr>
+                </a:solidFill>
+                <a:latin typeface="冬青黑体简体中文 W3" panose="020B0300000000000000" pitchFamily="34" charset="-122"/>
+                <a:ea typeface="冬青黑体简体中文 W3" panose="020B0300000000000000" pitchFamily="34" charset="-122"/>
+              </a:rPr>
+              <a:t>化全局上</a:t>
+            </a:r>
+            <a:r>
+              <a:rPr lang="zh-CN" altLang="en-US" dirty="0" smtClean="0">
+                <a:solidFill>
+                  <a:schemeClr val="tx1">
+                    <a:lumMod val="75000"/>
+                    <a:lumOff val="25000"/>
+                  </a:schemeClr>
+                </a:solidFill>
+                <a:latin typeface="冬青黑体简体中文 W3" panose="020B0300000000000000" pitchFamily="34" charset="-122"/>
+                <a:ea typeface="冬青黑体简体中文 W3" panose="020B0300000000000000" pitchFamily="34" charset="-122"/>
+              </a:rPr>
+              <a:t>下文</a:t>
+            </a:r>
+          </a:p>
+        </p:txBody>
+      </p:sp>
+      <p:sp>
+        <p:nvSpPr>
+          <p:cNvPr id="4" name="矩形 3"/>
+          <p:cNvSpPr/>
+          <p:nvPr/>
+        </p:nvSpPr>
+        <p:spPr>
+          <a:xfrm>
+            <a:off x="6203950" y="2565400"/>
+            <a:ext cx="2088294" cy="3743920"/>
+          </a:xfrm>
+          <a:prstGeom prst="rect">
+            <a:avLst/>
+          </a:prstGeom>
+          <a:noFill/>
+          <a:ln w="25400">
+            <a:solidFill>
+              <a:srgbClr val="FF0000"/>
+            </a:solidFill>
+          </a:ln>
+          <a:effectLst/>
+        </p:spPr>
+        <p:style>
+          <a:lnRef idx="1">
+            <a:schemeClr val="accent6"/>
+          </a:lnRef>
+          <a:fillRef idx="3">
+            <a:schemeClr val="accent6"/>
+          </a:fillRef>
+          <a:effectRef idx="2">
+            <a:schemeClr val="accent6"/>
+          </a:effectRef>
+          <a:fontRef idx="minor">
+            <a:schemeClr val="lt1"/>
+          </a:fontRef>
+        </p:style>
+        <p:txBody>
+          <a:bodyPr rot="0" spcFirstLastPara="0" vertOverflow="overflow" horzOverflow="overflow" vert="horz" wrap="none" lIns="180000" tIns="108000" rIns="180000" bIns="108000" numCol="1" spcCol="0" rtlCol="0" fromWordArt="0" anchor="ctr" anchorCtr="1" forceAA="0" compatLnSpc="1">
+            <a:prstTxWarp prst="textNoShape">
+              <a:avLst/>
+            </a:prstTxWarp>
+            <a:spAutoFit/>
+          </a:bodyPr>
+          <a:lstStyle/>
+          <a:p>
+            <a:pPr algn="ctr"/>
+            <a:endParaRPr lang="zh-CN" altLang="en-US" dirty="0" smtClean="0">
+              <a:solidFill>
+                <a:schemeClr val="bg1"/>
+              </a:solidFill>
+              <a:latin typeface="冬青黑体简体中文 W3" panose="020B0300000000000000" pitchFamily="34" charset="-122"/>
+              <a:ea typeface="冬青黑体简体中文 W3" panose="020B0300000000000000" pitchFamily="34" charset="-122"/>
+            </a:endParaRPr>
           </a:p>
         </p:txBody>
       </p:sp>

--- a/ppt/JavaScript基础一.pptx
+++ b/ppt/JavaScript基础一.pptx
@@ -5,10 +5,10 @@
     <p:sldMasterId id="2147483686" r:id="rId1"/>
   </p:sldMasterIdLst>
   <p:notesMasterIdLst>
-    <p:notesMasterId r:id="rId38"/>
+    <p:notesMasterId r:id="rId41"/>
   </p:notesMasterIdLst>
   <p:handoutMasterIdLst>
-    <p:handoutMasterId r:id="rId39"/>
+    <p:handoutMasterId r:id="rId42"/>
   </p:handoutMasterIdLst>
   <p:sldIdLst>
     <p:sldId id="288" r:id="rId2"/>
@@ -46,21 +46,24 @@
     <p:sldId id="294" r:id="rId34"/>
     <p:sldId id="295" r:id="rId35"/>
     <p:sldId id="296" r:id="rId36"/>
-    <p:sldId id="263" r:id="rId37"/>
+    <p:sldId id="298" r:id="rId37"/>
+    <p:sldId id="299" r:id="rId38"/>
+    <p:sldId id="297" r:id="rId39"/>
+    <p:sldId id="263" r:id="rId40"/>
   </p:sldIdLst>
   <p:sldSz cx="12192000" cy="6858000"/>
   <p:notesSz cx="6858000" cy="9144000"/>
   <p:embeddedFontLst>
     <p:embeddedFont>
-      <p:font typeface="Calibri" panose="020F0502020204030204" pitchFamily="34" charset="0"/>
-      <p:regular r:id="rId40"/>
-      <p:bold r:id="rId41"/>
-      <p:italic r:id="rId42"/>
-      <p:boldItalic r:id="rId43"/>
+      <p:font typeface="冬青黑体简体中文 W3" panose="020B0300000000000000" pitchFamily="34" charset="-122"/>
+      <p:regular r:id="rId43"/>
     </p:embeddedFont>
     <p:embeddedFont>
-      <p:font typeface="冬青黑体简体中文 W3" panose="020B0300000000000000" pitchFamily="34" charset="-122"/>
+      <p:font typeface="Calibri" panose="020F0502020204030204" pitchFamily="34" charset="0"/>
       <p:regular r:id="rId44"/>
+      <p:bold r:id="rId45"/>
+      <p:italic r:id="rId46"/>
+      <p:boldItalic r:id="rId47"/>
     </p:embeddedFont>
   </p:embeddedFontLst>
   <p:defaultTextStyle>
@@ -161,7 +164,7 @@
   <p:extLst>
     <p:ext uri="{EFAFB233-063F-42B5-8137-9DF3F51BA10A}">
       <p15:sldGuideLst xmlns:p15="http://schemas.microsoft.com/office/powerpoint/2012/main">
-        <p15:guide id="1" orient="horz" pos="2137" userDrawn="1">
+        <p15:guide id="1" orient="horz" pos="2115" userDrawn="1">
           <p15:clr>
             <a:srgbClr val="A4A3A4"/>
           </p15:clr>
@@ -289,7 +292,7 @@
           <a:p>
             <a:fld id="{EF39233F-B0BB-44DE-A7B3-17CA56738593}" type="datetimeFigureOut">
               <a:rPr lang="zh-CN" altLang="en-US" smtClean="0"/>
-              <a:t>2018/9/7</a:t>
+              <a:t>2018/9/9</a:t>
             </a:fld>
             <a:endParaRPr lang="zh-CN" altLang="en-US"/>
           </a:p>
@@ -455,7 +458,7 @@
           <a:p>
             <a:fld id="{8E7218B8-0759-4EF6-915F-DEF35E047769}" type="datetimeFigureOut">
               <a:rPr lang="zh-CN" altLang="en-US" smtClean="0"/>
-              <a:t>2018/9/7</a:t>
+              <a:t>2018/9/9</a:t>
             </a:fld>
             <a:endParaRPr lang="zh-CN" altLang="en-US"/>
           </a:p>
@@ -1736,6 +1739,14 @@
           <a:bodyPr/>
           <a:lstStyle/>
           <a:p>
+            <a:r>
+              <a:rPr lang="en-US" altLang="zh-CN" dirty="0" err="1" smtClean="0"/>
+              <a:t>javascript</a:t>
+            </a:r>
+            <a:r>
+              <a:rPr lang="zh-CN" altLang="en-US" dirty="0" smtClean="0"/>
+              <a:t>中没有独立的模块规范，所有的变量定义都会挂载到全局对象上，导致全局变量污染，产生变量冲突。</a:t>
+            </a:r>
             <a:endParaRPr lang="zh-CN" altLang="en-US" dirty="0"/>
           </a:p>
         </p:txBody>
@@ -2019,15 +2030,7 @@
           <a:p>
             <a:r>
               <a:rPr lang="zh-CN" altLang="en-US" dirty="0" smtClean="0"/>
-              <a:t>可以稍微提一下 词法 在</a:t>
-            </a:r>
-            <a:r>
-              <a:rPr lang="en-US" altLang="zh-CN" dirty="0" smtClean="0"/>
-              <a:t>js</a:t>
-            </a:r>
-            <a:r>
-              <a:rPr lang="zh-CN" altLang="en-US" dirty="0" smtClean="0"/>
-              <a:t>中的重要性，比如说：词法分析，上下文的创建，词法作用域等等。</a:t>
+              <a:t>可以稍微提一下词法相关的知识，比如说：词法分析，上下文的创建，词法作用域等等。</a:t>
             </a:r>
             <a:endParaRPr lang="zh-CN" altLang="en-US" dirty="0"/>
           </a:p>
@@ -2203,6 +2206,414 @@
     <p:extLst>
       <p:ext uri="{BB962C8B-B14F-4D97-AF65-F5344CB8AC3E}">
         <p14:creationId xmlns:p14="http://schemas.microsoft.com/office/powerpoint/2010/main" val="513857078"/>
+      </p:ext>
+    </p:extLst>
+  </p:cSld>
+  <p:clrMapOvr>
+    <a:masterClrMapping/>
+  </p:clrMapOvr>
+</p:notes>
+</file>
+
+<file path=ppt/notesSlides/notesSlide22.xml><?xml version="1.0" encoding="utf-8"?>
+<p:notes xmlns:a="http://schemas.openxmlformats.org/drawingml/2006/main" xmlns:r="http://schemas.openxmlformats.org/officeDocument/2006/relationships" xmlns:p="http://schemas.openxmlformats.org/presentationml/2006/main">
+  <p:cSld>
+    <p:spTree>
+      <p:nvGrpSpPr>
+        <p:cNvPr id="1" name=""/>
+        <p:cNvGrpSpPr/>
+        <p:nvPr/>
+      </p:nvGrpSpPr>
+      <p:grpSpPr>
+        <a:xfrm>
+          <a:off x="0" y="0"/>
+          <a:ext cx="0" cy="0"/>
+          <a:chOff x="0" y="0"/>
+          <a:chExt cx="0" cy="0"/>
+        </a:xfrm>
+      </p:grpSpPr>
+      <p:sp>
+        <p:nvSpPr>
+          <p:cNvPr id="2" name="幻灯片图像占位符 1"/>
+          <p:cNvSpPr>
+            <a:spLocks noGrp="1" noRot="1" noChangeAspect="1"/>
+          </p:cNvSpPr>
+          <p:nvPr>
+            <p:ph type="sldImg"/>
+          </p:nvPr>
+        </p:nvSpPr>
+        <p:spPr/>
+      </p:sp>
+      <p:sp>
+        <p:nvSpPr>
+          <p:cNvPr id="3" name="备注占位符 2"/>
+          <p:cNvSpPr>
+            <a:spLocks noGrp="1"/>
+          </p:cNvSpPr>
+          <p:nvPr>
+            <p:ph type="body" idx="1"/>
+          </p:nvPr>
+        </p:nvSpPr>
+        <p:spPr/>
+        <p:txBody>
+          <a:bodyPr/>
+          <a:lstStyle/>
+          <a:p>
+            <a:r>
+              <a:rPr lang="zh-CN" altLang="en-US" dirty="0" smtClean="0"/>
+              <a:t>可执行代码分为三种：全局代码、函数代码、</a:t>
+            </a:r>
+            <a:r>
+              <a:rPr lang="en-US" altLang="zh-CN" dirty="0" err="1" smtClean="0"/>
+              <a:t>eval</a:t>
+            </a:r>
+            <a:r>
+              <a:rPr lang="zh-CN" altLang="en-US" dirty="0" smtClean="0"/>
+              <a:t>代码。</a:t>
+            </a:r>
+            <a:endParaRPr lang="en-US" altLang="zh-CN" dirty="0" smtClean="0"/>
+          </a:p>
+          <a:p>
+            <a:r>
+              <a:rPr lang="en-US" altLang="zh-CN" dirty="0" smtClean="0"/>
+              <a:t>LHS</a:t>
+            </a:r>
+            <a:r>
+              <a:rPr lang="zh-CN" altLang="en-US" dirty="0" smtClean="0"/>
+              <a:t>（</a:t>
+            </a:r>
+            <a:r>
+              <a:rPr lang="en-US" altLang="zh-CN" dirty="0" smtClean="0"/>
+              <a:t>Left-Hand-Side</a:t>
+            </a:r>
+            <a:r>
+              <a:rPr lang="zh-CN" altLang="en-US" dirty="0" smtClean="0"/>
+              <a:t>）：左查询，在作用域查找变量并放到赋值语句的左边进行赋值操作。</a:t>
+            </a:r>
+            <a:endParaRPr lang="en-US" altLang="zh-CN" dirty="0" smtClean="0"/>
+          </a:p>
+          <a:p>
+            <a:pPr marL="0" marR="0" lvl="0" indent="0" algn="l" defTabSz="914400" rtl="0" eaLnBrk="1" fontAlgn="auto" latinLnBrk="0" hangingPunct="1">
+              <a:lnSpc>
+                <a:spcPct val="100000"/>
+              </a:lnSpc>
+              <a:spcBef>
+                <a:spcPts val="0"/>
+              </a:spcBef>
+              <a:spcAft>
+                <a:spcPts val="0"/>
+              </a:spcAft>
+              <a:buClrTx/>
+              <a:buSzTx/>
+              <a:buFontTx/>
+              <a:buNone/>
+              <a:tabLst/>
+              <a:defRPr/>
+            </a:pPr>
+            <a:r>
+              <a:rPr lang="en-US" altLang="zh-CN" dirty="0" smtClean="0"/>
+              <a:t>RHS(Right-Hand-Side)</a:t>
+            </a:r>
+            <a:r>
+              <a:rPr lang="zh-CN" altLang="en-US" dirty="0" smtClean="0"/>
+              <a:t>：右查询，在作用域查找变量并放到赋值语句的右边进行赋值操作。</a:t>
+            </a:r>
+            <a:endParaRPr lang="en-US" altLang="zh-CN" dirty="0" smtClean="0"/>
+          </a:p>
+          <a:p>
+            <a:endParaRPr lang="en-US" altLang="zh-CN" dirty="0" smtClean="0"/>
+          </a:p>
+          <a:p>
+            <a:r>
+              <a:rPr lang="zh-CN" altLang="en-US" dirty="0" smtClean="0"/>
+              <a:t>当变量未定义时，这两种查询的行为是不一样的：</a:t>
+            </a:r>
+            <a:endParaRPr lang="en-US" altLang="zh-CN" dirty="0" smtClean="0"/>
+          </a:p>
+          <a:p>
+            <a:r>
+              <a:rPr lang="en-US" altLang="zh-CN" dirty="0" smtClean="0"/>
+              <a:t>LHS</a:t>
+            </a:r>
+            <a:r>
+              <a:rPr lang="zh-CN" altLang="en-US" dirty="0" smtClean="0"/>
+              <a:t>：在全局作用域中定义该变量，并赋值。</a:t>
+            </a:r>
+            <a:endParaRPr lang="en-US" altLang="zh-CN" dirty="0" smtClean="0"/>
+          </a:p>
+          <a:p>
+            <a:r>
+              <a:rPr lang="en-US" altLang="zh-CN" dirty="0" smtClean="0"/>
+              <a:t>RHS</a:t>
+            </a:r>
+            <a:r>
+              <a:rPr lang="zh-CN" altLang="en-US" dirty="0" smtClean="0"/>
+              <a:t>：抛出 </a:t>
+            </a:r>
+            <a:r>
+              <a:rPr lang="en-US" altLang="zh-CN" dirty="0" err="1" smtClean="0"/>
+              <a:t>ReferenceError</a:t>
+            </a:r>
+            <a:r>
+              <a:rPr lang="zh-CN" altLang="en-US" dirty="0" smtClean="0"/>
+              <a:t>错误。</a:t>
+            </a:r>
+            <a:endParaRPr lang="en-US" altLang="zh-CN" dirty="0" smtClean="0"/>
+          </a:p>
+        </p:txBody>
+      </p:sp>
+      <p:sp>
+        <p:nvSpPr>
+          <p:cNvPr id="4" name="灯片编号占位符 3"/>
+          <p:cNvSpPr>
+            <a:spLocks noGrp="1"/>
+          </p:cNvSpPr>
+          <p:nvPr>
+            <p:ph type="sldNum" sz="quarter" idx="10"/>
+          </p:nvPr>
+        </p:nvSpPr>
+        <p:spPr/>
+        <p:txBody>
+          <a:bodyPr/>
+          <a:lstStyle/>
+          <a:p>
+            <a:fld id="{63D66438-32C0-4A55-81A6-6429864AD78C}" type="slidenum">
+              <a:rPr lang="zh-CN" altLang="en-US" smtClean="0"/>
+              <a:t>36</a:t>
+            </a:fld>
+            <a:endParaRPr lang="zh-CN" altLang="en-US"/>
+          </a:p>
+        </p:txBody>
+      </p:sp>
+    </p:spTree>
+    <p:extLst>
+      <p:ext uri="{BB962C8B-B14F-4D97-AF65-F5344CB8AC3E}">
+        <p14:creationId xmlns:p14="http://schemas.microsoft.com/office/powerpoint/2010/main" val="293866796"/>
+      </p:ext>
+    </p:extLst>
+  </p:cSld>
+  <p:clrMapOvr>
+    <a:masterClrMapping/>
+  </p:clrMapOvr>
+</p:notes>
+</file>
+
+<file path=ppt/notesSlides/notesSlide23.xml><?xml version="1.0" encoding="utf-8"?>
+<p:notes xmlns:a="http://schemas.openxmlformats.org/drawingml/2006/main" xmlns:r="http://schemas.openxmlformats.org/officeDocument/2006/relationships" xmlns:p="http://schemas.openxmlformats.org/presentationml/2006/main">
+  <p:cSld>
+    <p:spTree>
+      <p:nvGrpSpPr>
+        <p:cNvPr id="1" name=""/>
+        <p:cNvGrpSpPr/>
+        <p:nvPr/>
+      </p:nvGrpSpPr>
+      <p:grpSpPr>
+        <a:xfrm>
+          <a:off x="0" y="0"/>
+          <a:ext cx="0" cy="0"/>
+          <a:chOff x="0" y="0"/>
+          <a:chExt cx="0" cy="0"/>
+        </a:xfrm>
+      </p:grpSpPr>
+      <p:sp>
+        <p:nvSpPr>
+          <p:cNvPr id="2" name="幻灯片图像占位符 1"/>
+          <p:cNvSpPr>
+            <a:spLocks noGrp="1" noRot="1" noChangeAspect="1"/>
+          </p:cNvSpPr>
+          <p:nvPr>
+            <p:ph type="sldImg"/>
+          </p:nvPr>
+        </p:nvSpPr>
+        <p:spPr/>
+      </p:sp>
+      <p:sp>
+        <p:nvSpPr>
+          <p:cNvPr id="3" name="备注占位符 2"/>
+          <p:cNvSpPr>
+            <a:spLocks noGrp="1"/>
+          </p:cNvSpPr>
+          <p:nvPr>
+            <p:ph type="body" idx="1"/>
+          </p:nvPr>
+        </p:nvSpPr>
+        <p:spPr/>
+        <p:txBody>
+          <a:bodyPr/>
+          <a:lstStyle/>
+          <a:p>
+            <a:endParaRPr lang="zh-CN" altLang="en-US" dirty="0"/>
+          </a:p>
+        </p:txBody>
+      </p:sp>
+      <p:sp>
+        <p:nvSpPr>
+          <p:cNvPr id="4" name="灯片编号占位符 3"/>
+          <p:cNvSpPr>
+            <a:spLocks noGrp="1"/>
+          </p:cNvSpPr>
+          <p:nvPr>
+            <p:ph type="sldNum" sz="quarter" idx="10"/>
+          </p:nvPr>
+        </p:nvSpPr>
+        <p:spPr/>
+        <p:txBody>
+          <a:bodyPr/>
+          <a:lstStyle/>
+          <a:p>
+            <a:fld id="{63D66438-32C0-4A55-81A6-6429864AD78C}" type="slidenum">
+              <a:rPr lang="zh-CN" altLang="en-US" smtClean="0"/>
+              <a:t>37</a:t>
+            </a:fld>
+            <a:endParaRPr lang="zh-CN" altLang="en-US"/>
+          </a:p>
+        </p:txBody>
+      </p:sp>
+    </p:spTree>
+    <p:extLst>
+      <p:ext uri="{BB962C8B-B14F-4D97-AF65-F5344CB8AC3E}">
+        <p14:creationId xmlns:p14="http://schemas.microsoft.com/office/powerpoint/2010/main" val="97307050"/>
+      </p:ext>
+    </p:extLst>
+  </p:cSld>
+  <p:clrMapOvr>
+    <a:masterClrMapping/>
+  </p:clrMapOvr>
+</p:notes>
+</file>
+
+<file path=ppt/notesSlides/notesSlide24.xml><?xml version="1.0" encoding="utf-8"?>
+<p:notes xmlns:a="http://schemas.openxmlformats.org/drawingml/2006/main" xmlns:r="http://schemas.openxmlformats.org/officeDocument/2006/relationships" xmlns:p="http://schemas.openxmlformats.org/presentationml/2006/main">
+  <p:cSld>
+    <p:spTree>
+      <p:nvGrpSpPr>
+        <p:cNvPr id="1" name=""/>
+        <p:cNvGrpSpPr/>
+        <p:nvPr/>
+      </p:nvGrpSpPr>
+      <p:grpSpPr>
+        <a:xfrm>
+          <a:off x="0" y="0"/>
+          <a:ext cx="0" cy="0"/>
+          <a:chOff x="0" y="0"/>
+          <a:chExt cx="0" cy="0"/>
+        </a:xfrm>
+      </p:grpSpPr>
+      <p:sp>
+        <p:nvSpPr>
+          <p:cNvPr id="2" name="幻灯片图像占位符 1"/>
+          <p:cNvSpPr>
+            <a:spLocks noGrp="1" noRot="1" noChangeAspect="1"/>
+          </p:cNvSpPr>
+          <p:nvPr>
+            <p:ph type="sldImg"/>
+          </p:nvPr>
+        </p:nvSpPr>
+        <p:spPr/>
+      </p:sp>
+      <p:sp>
+        <p:nvSpPr>
+          <p:cNvPr id="3" name="备注占位符 2"/>
+          <p:cNvSpPr>
+            <a:spLocks noGrp="1"/>
+          </p:cNvSpPr>
+          <p:nvPr>
+            <p:ph type="body" idx="1"/>
+          </p:nvPr>
+        </p:nvSpPr>
+        <p:spPr/>
+        <p:txBody>
+          <a:bodyPr/>
+          <a:lstStyle/>
+          <a:p>
+            <a:r>
+              <a:rPr lang="zh-CN" altLang="en-US" dirty="0" smtClean="0"/>
+              <a:t>本来想把很多讲解</a:t>
+            </a:r>
+            <a:r>
+              <a:rPr lang="en-US" altLang="zh-CN" dirty="0" smtClean="0"/>
+              <a:t>JavaScript</a:t>
+            </a:r>
+            <a:r>
+              <a:rPr lang="zh-CN" altLang="en-US" dirty="0" smtClean="0"/>
+              <a:t>中的实现细节、原理讲解的文章放出来；</a:t>
+            </a:r>
+            <a:endParaRPr lang="en-US" altLang="zh-CN" dirty="0" smtClean="0"/>
+          </a:p>
+          <a:p>
+            <a:r>
+              <a:rPr lang="zh-CN" altLang="en-US" dirty="0" smtClean="0"/>
+              <a:t>但是听众都是刚学，没什么基础的</a:t>
+            </a:r>
+            <a:r>
+              <a:rPr lang="en-US" altLang="zh-CN" dirty="0" smtClean="0"/>
+              <a:t>Java</a:t>
+            </a:r>
+            <a:r>
+              <a:rPr lang="zh-CN" altLang="en-US" dirty="0" smtClean="0"/>
+              <a:t>开发人员，所以觉得还是一开始不要给他们推荐太多复杂难懂的；</a:t>
+            </a:r>
+            <a:endParaRPr lang="en-US" altLang="zh-CN" dirty="0" smtClean="0"/>
+          </a:p>
+          <a:p>
+            <a:r>
+              <a:rPr lang="zh-CN" altLang="en-US" dirty="0" smtClean="0"/>
+              <a:t>一是没必要，而是有可能让对方学的烦躁。</a:t>
+            </a:r>
+            <a:endParaRPr lang="en-US" altLang="zh-CN" dirty="0" smtClean="0"/>
+          </a:p>
+          <a:p>
+            <a:r>
+              <a:rPr lang="zh-CN" altLang="en-US" dirty="0" smtClean="0"/>
+              <a:t>就好比刚学</a:t>
+            </a:r>
+            <a:r>
+              <a:rPr lang="en-US" altLang="zh-CN" dirty="0" smtClean="0"/>
+              <a:t>Java</a:t>
+            </a:r>
+            <a:r>
+              <a:rPr lang="zh-CN" altLang="en-US" dirty="0" smtClean="0"/>
+              <a:t>，完全没必要去知道如何优化</a:t>
+            </a:r>
+            <a:r>
+              <a:rPr lang="en-US" altLang="zh-CN" dirty="0" smtClean="0"/>
+              <a:t>JVM</a:t>
+            </a:r>
+            <a:r>
+              <a:rPr lang="zh-CN" altLang="en-US" dirty="0" smtClean="0"/>
+              <a:t>参数。</a:t>
+            </a:r>
+            <a:endParaRPr lang="zh-CN" altLang="en-US" dirty="0"/>
+          </a:p>
+        </p:txBody>
+      </p:sp>
+      <p:sp>
+        <p:nvSpPr>
+          <p:cNvPr id="4" name="灯片编号占位符 3"/>
+          <p:cNvSpPr>
+            <a:spLocks noGrp="1"/>
+          </p:cNvSpPr>
+          <p:nvPr>
+            <p:ph type="sldNum" sz="quarter" idx="10"/>
+          </p:nvPr>
+        </p:nvSpPr>
+        <p:spPr/>
+        <p:txBody>
+          <a:bodyPr/>
+          <a:lstStyle/>
+          <a:p>
+            <a:fld id="{63D66438-32C0-4A55-81A6-6429864AD78C}" type="slidenum">
+              <a:rPr lang="zh-CN" altLang="en-US" smtClean="0"/>
+              <a:t>39</a:t>
+            </a:fld>
+            <a:endParaRPr lang="zh-CN" altLang="en-US"/>
+          </a:p>
+        </p:txBody>
+      </p:sp>
+    </p:spTree>
+    <p:extLst>
+      <p:ext uri="{BB962C8B-B14F-4D97-AF65-F5344CB8AC3E}">
+        <p14:creationId xmlns:p14="http://schemas.microsoft.com/office/powerpoint/2010/main" val="681498006"/>
       </p:ext>
     </p:extLst>
   </p:cSld>
@@ -3397,7 +3808,7 @@
           <a:p>
             <a:fld id="{A981568D-62A3-428D-9EAF-2462161BCA07}" type="datetimeFigureOut">
               <a:rPr lang="zh-CN" altLang="en-US" smtClean="0"/>
-              <a:t>2018/9/7</a:t>
+              <a:t>2018/9/9</a:t>
             </a:fld>
             <a:endParaRPr lang="zh-CN" altLang="en-US"/>
           </a:p>
@@ -3915,14 +4326,14 @@
   <p:clrMapOvr>
     <a:masterClrMapping/>
   </p:clrMapOvr>
-  <mc:AlternateContent xmlns:mc="http://schemas.openxmlformats.org/markup-compatibility/2006" xmlns:p15="http://schemas.microsoft.com/office/powerpoint/2012/main">
-    <mc:Choice Requires="p15">
-      <p:transition xmlns:p14="http://schemas.microsoft.com/office/powerpoint/2010/main" spd="slow" p14:dur="3250">
+  <mc:AlternateContent xmlns:mc="http://schemas.openxmlformats.org/markup-compatibility/2006">
+    <mc:Choice xmlns:p15="http://schemas.microsoft.com/office/powerpoint/2012/main" Requires="p15">
+      <p:transition xmlns:p14="http://schemas.microsoft.com/office/powerpoint/2010/main" spd="slow" p14:dur="3250" advClick="0">
         <p15:prstTrans prst="origami"/>
       </p:transition>
     </mc:Choice>
-    <mc:Fallback xmlns="">
-      <p:transition spd="slow">
+    <mc:Fallback>
+      <p:transition spd="slow" advClick="0">
         <p:fade/>
       </p:transition>
     </mc:Fallback>
@@ -4016,12 +4427,12 @@
   <p:clrMapOvr>
     <a:masterClrMapping/>
   </p:clrMapOvr>
-  <mc:AlternateContent xmlns:mc="http://schemas.openxmlformats.org/markup-compatibility/2006" xmlns:p14="http://schemas.microsoft.com/office/powerpoint/2010/main">
-    <mc:Choice Requires="p14">
-      <p:transition p14:dur="0" advTm="9938"/>
+  <mc:AlternateContent xmlns:mc="http://schemas.openxmlformats.org/markup-compatibility/2006">
+    <mc:Choice xmlns:p14="http://schemas.microsoft.com/office/powerpoint/2010/main" Requires="p14">
+      <p:transition p14:dur="0" advClick="0" advTm="9938"/>
     </mc:Choice>
-    <mc:Fallback xmlns="">
-      <p:transition advTm="9938"/>
+    <mc:Fallback>
+      <p:transition advClick="0" advTm="9938"/>
     </mc:Fallback>
   </mc:AlternateContent>
   <p:timing>
@@ -4113,12 +4524,12 @@
   <p:clrMapOvr>
     <a:masterClrMapping/>
   </p:clrMapOvr>
-  <mc:AlternateContent xmlns:mc="http://schemas.openxmlformats.org/markup-compatibility/2006" xmlns:p14="http://schemas.microsoft.com/office/powerpoint/2010/main">
-    <mc:Choice Requires="p14">
-      <p:transition p14:dur="0" advTm="9938"/>
+  <mc:AlternateContent xmlns:mc="http://schemas.openxmlformats.org/markup-compatibility/2006">
+    <mc:Choice xmlns:p14="http://schemas.microsoft.com/office/powerpoint/2010/main" Requires="p14">
+      <p:transition p14:dur="0" advClick="0" advTm="9938"/>
     </mc:Choice>
-    <mc:Fallback xmlns="">
-      <p:transition advTm="9938"/>
+    <mc:Fallback>
+      <p:transition advClick="0" advTm="9938"/>
     </mc:Fallback>
   </mc:AlternateContent>
   <p:timing>
@@ -4615,12 +5026,12 @@
   <p:clrMapOvr>
     <a:masterClrMapping/>
   </p:clrMapOvr>
-  <mc:AlternateContent xmlns:mc="http://schemas.openxmlformats.org/markup-compatibility/2006" xmlns:p14="http://schemas.microsoft.com/office/powerpoint/2010/main">
-    <mc:Choice Requires="p14">
-      <p:transition p14:dur="0" advTm="9938"/>
+  <mc:AlternateContent xmlns:mc="http://schemas.openxmlformats.org/markup-compatibility/2006">
+    <mc:Choice xmlns:p14="http://schemas.microsoft.com/office/powerpoint/2010/main" Requires="p14">
+      <p:transition p14:dur="0" advClick="0" advTm="9938"/>
     </mc:Choice>
-    <mc:Fallback xmlns="">
-      <p:transition advTm="9938"/>
+    <mc:Fallback>
+      <p:transition advClick="0" advTm="9938"/>
     </mc:Fallback>
   </mc:AlternateContent>
   <p:timing>
@@ -4716,12 +5127,12 @@
   <p:clrMapOvr>
     <a:masterClrMapping/>
   </p:clrMapOvr>
-  <mc:AlternateContent xmlns:mc="http://schemas.openxmlformats.org/markup-compatibility/2006" xmlns:p14="http://schemas.microsoft.com/office/powerpoint/2010/main">
-    <mc:Choice Requires="p14">
-      <p:transition p14:dur="0" advTm="9938"/>
+  <mc:AlternateContent xmlns:mc="http://schemas.openxmlformats.org/markup-compatibility/2006">
+    <mc:Choice xmlns:p14="http://schemas.microsoft.com/office/powerpoint/2010/main" Requires="p14">
+      <p:transition p14:dur="0" advClick="0" advTm="9938"/>
     </mc:Choice>
-    <mc:Fallback xmlns="">
-      <p:transition advTm="9938"/>
+    <mc:Fallback>
+      <p:transition advClick="0" advTm="9938"/>
     </mc:Fallback>
   </mc:AlternateContent>
   <p:timing>
@@ -5532,12 +5943,12 @@
   <p:clrMapOvr>
     <a:masterClrMapping/>
   </p:clrMapOvr>
-  <mc:AlternateContent xmlns:mc="http://schemas.openxmlformats.org/markup-compatibility/2006" xmlns:p14="http://schemas.microsoft.com/office/powerpoint/2010/main">
-    <mc:Choice Requires="p14">
-      <p:transition p14:dur="0" advTm="9938"/>
+  <mc:AlternateContent xmlns:mc="http://schemas.openxmlformats.org/markup-compatibility/2006">
+    <mc:Choice xmlns:p14="http://schemas.microsoft.com/office/powerpoint/2010/main" Requires="p14">
+      <p:transition p14:dur="0" advClick="0" advTm="9938"/>
     </mc:Choice>
-    <mc:Fallback xmlns="">
-      <p:transition advTm="9938"/>
+    <mc:Fallback>
+      <p:transition advClick="0" advTm="9938"/>
     </mc:Fallback>
   </mc:AlternateContent>
   <p:timing>
@@ -5624,12 +6035,12 @@
   <p:clrMapOvr>
     <a:masterClrMapping/>
   </p:clrMapOvr>
-  <mc:AlternateContent xmlns:mc="http://schemas.openxmlformats.org/markup-compatibility/2006" xmlns:p14="http://schemas.microsoft.com/office/powerpoint/2010/main">
-    <mc:Choice Requires="p14">
-      <p:transition p14:dur="0" advTm="9938"/>
+  <mc:AlternateContent xmlns:mc="http://schemas.openxmlformats.org/markup-compatibility/2006">
+    <mc:Choice xmlns:p14="http://schemas.microsoft.com/office/powerpoint/2010/main" Requires="p14">
+      <p:transition p14:dur="0" advClick="0" advTm="9938"/>
     </mc:Choice>
-    <mc:Fallback xmlns="">
-      <p:transition advTm="9938"/>
+    <mc:Fallback>
+      <p:transition advClick="0" advTm="9938"/>
     </mc:Fallback>
   </mc:AlternateContent>
   <p:timing>
@@ -5795,12 +6206,12 @@
   <p:clrMapOvr>
     <a:masterClrMapping/>
   </p:clrMapOvr>
-  <mc:AlternateContent xmlns:mc="http://schemas.openxmlformats.org/markup-compatibility/2006" xmlns:p14="http://schemas.microsoft.com/office/powerpoint/2010/main">
-    <mc:Choice Requires="p14">
-      <p:transition p14:dur="0" advTm="9938"/>
+  <mc:AlternateContent xmlns:mc="http://schemas.openxmlformats.org/markup-compatibility/2006">
+    <mc:Choice xmlns:p14="http://schemas.microsoft.com/office/powerpoint/2010/main" Requires="p14">
+      <p:transition p14:dur="0" advClick="0" advTm="9938"/>
     </mc:Choice>
-    <mc:Fallback xmlns="">
-      <p:transition advTm="9938"/>
+    <mc:Fallback>
+      <p:transition advClick="0" advTm="9938"/>
     </mc:Fallback>
   </mc:AlternateContent>
   <p:timing>
@@ -5891,12 +6302,12 @@
   <p:clrMapOvr>
     <a:masterClrMapping/>
   </p:clrMapOvr>
-  <mc:AlternateContent xmlns:mc="http://schemas.openxmlformats.org/markup-compatibility/2006" xmlns:p14="http://schemas.microsoft.com/office/powerpoint/2010/main">
-    <mc:Choice Requires="p14">
-      <p:transition p14:dur="0" advTm="9938"/>
+  <mc:AlternateContent xmlns:mc="http://schemas.openxmlformats.org/markup-compatibility/2006">
+    <mc:Choice xmlns:p14="http://schemas.microsoft.com/office/powerpoint/2010/main" Requires="p14">
+      <p:transition p14:dur="0" advClick="0" advTm="9938"/>
     </mc:Choice>
-    <mc:Fallback xmlns="">
-      <p:transition advTm="9938"/>
+    <mc:Fallback>
+      <p:transition advClick="0" advTm="9938"/>
     </mc:Fallback>
   </mc:AlternateContent>
   <p:timing>
@@ -6005,12 +6416,12 @@
   <p:clrMapOvr>
     <a:masterClrMapping/>
   </p:clrMapOvr>
-  <mc:AlternateContent xmlns:mc="http://schemas.openxmlformats.org/markup-compatibility/2006" xmlns:p14="http://schemas.microsoft.com/office/powerpoint/2010/main">
-    <mc:Choice Requires="p14">
-      <p:transition p14:dur="0" advTm="9938"/>
+  <mc:AlternateContent xmlns:mc="http://schemas.openxmlformats.org/markup-compatibility/2006">
+    <mc:Choice xmlns:p14="http://schemas.microsoft.com/office/powerpoint/2010/main" Requires="p14">
+      <p:transition p14:dur="0" advClick="0" advTm="9938"/>
     </mc:Choice>
-    <mc:Fallback xmlns="">
-      <p:transition advTm="9938"/>
+    <mc:Fallback>
+      <p:transition advClick="0" advTm="9938"/>
     </mc:Fallback>
   </mc:AlternateContent>
   <p:timing>
@@ -6305,12 +6716,12 @@
   <p:clrMapOvr>
     <a:masterClrMapping/>
   </p:clrMapOvr>
-  <mc:AlternateContent xmlns:mc="http://schemas.openxmlformats.org/markup-compatibility/2006" xmlns:p14="http://schemas.microsoft.com/office/powerpoint/2010/main">
-    <mc:Choice Requires="p14">
-      <p:transition p14:dur="0" advTm="9938"/>
+  <mc:AlternateContent xmlns:mc="http://schemas.openxmlformats.org/markup-compatibility/2006">
+    <mc:Choice xmlns:p14="http://schemas.microsoft.com/office/powerpoint/2010/main" Requires="p14">
+      <p:transition p14:dur="0" advClick="0" advTm="9938"/>
     </mc:Choice>
-    <mc:Fallback xmlns="">
-      <p:transition advTm="9938"/>
+    <mc:Fallback>
+      <p:transition advClick="0" advTm="9938"/>
     </mc:Fallback>
   </mc:AlternateContent>
   <p:timing>
@@ -6776,12 +7187,12 @@
   <p:clrMapOvr>
     <a:masterClrMapping/>
   </p:clrMapOvr>
-  <mc:AlternateContent xmlns:mc="http://schemas.openxmlformats.org/markup-compatibility/2006" xmlns:p14="http://schemas.microsoft.com/office/powerpoint/2010/main">
-    <mc:Choice Requires="p14">
-      <p:transition p14:dur="0" advTm="9938"/>
+  <mc:AlternateContent xmlns:mc="http://schemas.openxmlformats.org/markup-compatibility/2006">
+    <mc:Choice xmlns:p14="http://schemas.microsoft.com/office/powerpoint/2010/main" Requires="p14">
+      <p:transition p14:dur="0" advClick="0" advTm="9938"/>
     </mc:Choice>
-    <mc:Fallback xmlns="">
-      <p:transition advTm="9938"/>
+    <mc:Fallback>
+      <p:transition advClick="0" advTm="9938"/>
     </mc:Fallback>
   </mc:AlternateContent>
   <p:timing>
@@ -7422,12 +7833,12 @@
   <p:clrMapOvr>
     <a:masterClrMapping/>
   </p:clrMapOvr>
-  <mc:AlternateContent xmlns:mc="http://schemas.openxmlformats.org/markup-compatibility/2006" xmlns:p14="http://schemas.microsoft.com/office/powerpoint/2010/main">
-    <mc:Choice Requires="p14">
-      <p:transition p14:dur="0" advTm="9938"/>
+  <mc:AlternateContent xmlns:mc="http://schemas.openxmlformats.org/markup-compatibility/2006">
+    <mc:Choice xmlns:p14="http://schemas.microsoft.com/office/powerpoint/2010/main" Requires="p14">
+      <p:transition p14:dur="0" advClick="0" advTm="9938"/>
     </mc:Choice>
-    <mc:Fallback xmlns="">
-      <p:transition advTm="9938"/>
+    <mc:Fallback>
+      <p:transition advClick="0" advTm="9938"/>
     </mc:Fallback>
   </mc:AlternateContent>
   <p:timing>
@@ -7627,12 +8038,12 @@
   <p:clrMapOvr>
     <a:masterClrMapping/>
   </p:clrMapOvr>
-  <mc:AlternateContent xmlns:mc="http://schemas.openxmlformats.org/markup-compatibility/2006" xmlns:p14="http://schemas.microsoft.com/office/powerpoint/2010/main">
-    <mc:Choice Requires="p14">
-      <p:transition p14:dur="0" advTm="9938"/>
+  <mc:AlternateContent xmlns:mc="http://schemas.openxmlformats.org/markup-compatibility/2006">
+    <mc:Choice xmlns:p14="http://schemas.microsoft.com/office/powerpoint/2010/main" Requires="p14">
+      <p:transition p14:dur="0" advClick="0" advTm="9938"/>
     </mc:Choice>
-    <mc:Fallback xmlns="">
-      <p:transition advTm="9938"/>
+    <mc:Fallback>
+      <p:transition advClick="0" advTm="9938"/>
     </mc:Fallback>
   </mc:AlternateContent>
   <p:timing>
@@ -7899,12 +8310,12 @@
   <p:clrMapOvr>
     <a:masterClrMapping/>
   </p:clrMapOvr>
-  <mc:AlternateContent xmlns:mc="http://schemas.openxmlformats.org/markup-compatibility/2006" xmlns:p14="http://schemas.microsoft.com/office/powerpoint/2010/main">
-    <mc:Choice Requires="p14">
-      <p:transition p14:dur="0" advTm="9938"/>
+  <mc:AlternateContent xmlns:mc="http://schemas.openxmlformats.org/markup-compatibility/2006">
+    <mc:Choice xmlns:p14="http://schemas.microsoft.com/office/powerpoint/2010/main" Requires="p14">
+      <p:transition p14:dur="0" advClick="0" advTm="9938"/>
     </mc:Choice>
-    <mc:Fallback xmlns="">
-      <p:transition advTm="9938"/>
+    <mc:Fallback>
+      <p:transition advClick="0" advTm="9938"/>
     </mc:Fallback>
   </mc:AlternateContent>
   <p:timing>
@@ -8073,12 +8484,12 @@
   <p:clrMapOvr>
     <a:masterClrMapping/>
   </p:clrMapOvr>
-  <mc:AlternateContent xmlns:mc="http://schemas.openxmlformats.org/markup-compatibility/2006" xmlns:p14="http://schemas.microsoft.com/office/powerpoint/2010/main">
-    <mc:Choice Requires="p14">
-      <p:transition p14:dur="0" advTm="9938"/>
+  <mc:AlternateContent xmlns:mc="http://schemas.openxmlformats.org/markup-compatibility/2006">
+    <mc:Choice xmlns:p14="http://schemas.microsoft.com/office/powerpoint/2010/main" Requires="p14">
+      <p:transition p14:dur="0" advClick="0" advTm="9938"/>
     </mc:Choice>
-    <mc:Fallback xmlns="">
-      <p:transition advTm="9938"/>
+    <mc:Fallback>
+      <p:transition advClick="0" advTm="9938"/>
     </mc:Fallback>
   </mc:AlternateContent>
   <p:timing>
@@ -8415,12 +8826,12 @@
   <p:clrMapOvr>
     <a:masterClrMapping/>
   </p:clrMapOvr>
-  <mc:AlternateContent xmlns:mc="http://schemas.openxmlformats.org/markup-compatibility/2006" xmlns:p14="http://schemas.microsoft.com/office/powerpoint/2010/main">
-    <mc:Choice Requires="p14">
-      <p:transition p14:dur="0" advTm="9938"/>
+  <mc:AlternateContent xmlns:mc="http://schemas.openxmlformats.org/markup-compatibility/2006">
+    <mc:Choice xmlns:p14="http://schemas.microsoft.com/office/powerpoint/2010/main" Requires="p14">
+      <p:transition p14:dur="0" advClick="0" advTm="9938"/>
     </mc:Choice>
-    <mc:Fallback xmlns="">
-      <p:transition advTm="9938"/>
+    <mc:Fallback>
+      <p:transition advClick="0" advTm="9938"/>
     </mc:Fallback>
   </mc:AlternateContent>
   <p:timing>
@@ -8901,12 +9312,12 @@
   <p:clrMapOvr>
     <a:masterClrMapping/>
   </p:clrMapOvr>
-  <mc:AlternateContent xmlns:mc="http://schemas.openxmlformats.org/markup-compatibility/2006" xmlns:p14="http://schemas.microsoft.com/office/powerpoint/2010/main">
-    <mc:Choice Requires="p14">
-      <p:transition p14:dur="0" advTm="9938"/>
+  <mc:AlternateContent xmlns:mc="http://schemas.openxmlformats.org/markup-compatibility/2006">
+    <mc:Choice xmlns:p14="http://schemas.microsoft.com/office/powerpoint/2010/main" Requires="p14">
+      <p:transition p14:dur="0" advClick="0" advTm="9938"/>
     </mc:Choice>
-    <mc:Fallback xmlns="">
-      <p:transition advTm="9938"/>
+    <mc:Fallback>
+      <p:transition advClick="0" advTm="9938"/>
     </mc:Fallback>
   </mc:AlternateContent>
   <p:timing>
@@ -10089,12 +10500,12 @@
   <p:clrMapOvr>
     <a:masterClrMapping/>
   </p:clrMapOvr>
-  <mc:AlternateContent xmlns:mc="http://schemas.openxmlformats.org/markup-compatibility/2006" xmlns:p14="http://schemas.microsoft.com/office/powerpoint/2010/main">
-    <mc:Choice Requires="p14">
-      <p:transition p14:dur="0" advTm="9938"/>
+  <mc:AlternateContent xmlns:mc="http://schemas.openxmlformats.org/markup-compatibility/2006">
+    <mc:Choice xmlns:p14="http://schemas.microsoft.com/office/powerpoint/2010/main" Requires="p14">
+      <p:transition p14:dur="0" advClick="0" advTm="9938"/>
     </mc:Choice>
-    <mc:Fallback xmlns="">
-      <p:transition advTm="9938"/>
+    <mc:Fallback>
+      <p:transition advClick="0" advTm="9938"/>
     </mc:Fallback>
   </mc:AlternateContent>
   <p:timing>
@@ -10331,12 +10742,12 @@
   <p:clrMapOvr>
     <a:masterClrMapping/>
   </p:clrMapOvr>
-  <mc:AlternateContent xmlns:mc="http://schemas.openxmlformats.org/markup-compatibility/2006" xmlns:p14="http://schemas.microsoft.com/office/powerpoint/2010/main">
-    <mc:Choice Requires="p14">
-      <p:transition p14:dur="0" advTm="9938"/>
+  <mc:AlternateContent xmlns:mc="http://schemas.openxmlformats.org/markup-compatibility/2006">
+    <mc:Choice xmlns:p14="http://schemas.microsoft.com/office/powerpoint/2010/main" Requires="p14">
+      <p:transition p14:dur="0" advClick="0" advTm="9938"/>
     </mc:Choice>
-    <mc:Fallback xmlns="">
-      <p:transition advTm="9938"/>
+    <mc:Fallback>
+      <p:transition advClick="0" advTm="9938"/>
     </mc:Fallback>
   </mc:AlternateContent>
   <p:timing>
@@ -10378,8 +10789,8 @@
         </p:nvSpPr>
         <p:spPr>
           <a:xfrm>
-            <a:off x="6492044" y="2680083"/>
-            <a:ext cx="2088802" cy="766067"/>
+            <a:off x="7211981" y="2668653"/>
+            <a:ext cx="1152413" cy="766067"/>
           </a:xfrm>
         </p:spPr>
         <p:txBody>
@@ -10408,7 +10819,7 @@
         <p:spPr>
           <a:xfrm>
             <a:off x="6312024" y="3608003"/>
-            <a:ext cx="1620180" cy="684597"/>
+            <a:ext cx="2952328" cy="684597"/>
           </a:xfrm>
         </p:spPr>
         <p:txBody>
@@ -10416,7 +10827,7 @@
           <a:lstStyle/>
           <a:p>
             <a:r>
-              <a:rPr lang="zh-CN" altLang="en-US" dirty="0" smtClean="0">
+              <a:rPr lang="en-US" altLang="zh-CN" dirty="0" smtClean="0">
                 <a:solidFill>
                   <a:schemeClr val="tx1">
                     <a:lumMod val="85000"/>
@@ -10424,7 +10835,18 @@
                   </a:schemeClr>
                 </a:solidFill>
               </a:rPr>
-              <a:t>解锁新姿势</a:t>
+              <a:t>JavaScript</a:t>
+            </a:r>
+            <a:r>
+              <a:rPr lang="zh-CN" altLang="en-US" dirty="0" smtClean="0">
+                <a:solidFill>
+                  <a:schemeClr val="tx1">
+                    <a:lumMod val="85000"/>
+                    <a:lumOff val="15000"/>
+                  </a:schemeClr>
+                </a:solidFill>
+              </a:rPr>
+              <a:t>中的权限控制</a:t>
             </a:r>
             <a:endParaRPr lang="zh-CN" altLang="en-US" dirty="0">
               <a:solidFill>
@@ -10439,7 +10861,7 @@
       </p:sp>
       <p:pic>
         <p:nvPicPr>
-          <p:cNvPr id="6" name="图片 5"/>
+          <p:cNvPr id="5" name="图片 4"/>
           <p:cNvPicPr>
             <a:picLocks noChangeAspect="1"/>
           </p:cNvPicPr>
@@ -10459,8 +10881,8 @@
         </p:blipFill>
         <p:spPr>
           <a:xfrm>
-            <a:off x="3863752" y="2325860"/>
-            <a:ext cx="2016522" cy="2240580"/>
+            <a:off x="2855640" y="2084003"/>
+            <a:ext cx="3048000" cy="3048000"/>
           </a:xfrm>
           <a:prstGeom prst="rect">
             <a:avLst/>
@@ -10477,12 +10899,12 @@
   <p:clrMapOvr>
     <a:masterClrMapping/>
   </p:clrMapOvr>
-  <mc:AlternateContent xmlns:mc="http://schemas.openxmlformats.org/markup-compatibility/2006" xmlns:p14="http://schemas.microsoft.com/office/powerpoint/2010/main">
-    <mc:Choice Requires="p14">
-      <p:transition p14:dur="0" advTm="9938"/>
+  <mc:AlternateContent xmlns:mc="http://schemas.openxmlformats.org/markup-compatibility/2006">
+    <mc:Choice xmlns:p14="http://schemas.microsoft.com/office/powerpoint/2010/main" Requires="p14">
+      <p:transition p14:dur="0" advClick="0" advTm="9938"/>
     </mc:Choice>
-    <mc:Fallback xmlns="">
-      <p:transition advTm="9938"/>
+    <mc:Fallback>
+      <p:transition advClick="0" advTm="9938"/>
     </mc:Fallback>
   </mc:AlternateContent>
   <p:timing>
@@ -11068,6 +11490,45 @@
               <a:ea typeface="冬青黑体简体中文 W3" panose="020B0300000000000000" pitchFamily="34" charset="-122"/>
             </a:endParaRPr>
           </a:p>
+          <a:p>
+            <a:pPr marL="457200" indent="-457200">
+              <a:lnSpc>
+                <a:spcPct val="160000"/>
+              </a:lnSpc>
+              <a:buFont typeface="+mj-lt"/>
+              <a:buAutoNum type="arabicPeriod"/>
+            </a:pPr>
+            <a:r>
+              <a:rPr lang="zh-CN" altLang="en-US" sz="3800" dirty="0">
+                <a:solidFill>
+                  <a:schemeClr val="tx1">
+                    <a:lumMod val="65000"/>
+                    <a:lumOff val="35000"/>
+                  </a:schemeClr>
+                </a:solidFill>
+              </a:rPr>
+              <a:t>作</a:t>
+            </a:r>
+            <a:r>
+              <a:rPr lang="zh-CN" altLang="en-US" sz="3800" dirty="0" smtClean="0">
+                <a:solidFill>
+                  <a:schemeClr val="tx1">
+                    <a:lumMod val="65000"/>
+                    <a:lumOff val="35000"/>
+                  </a:schemeClr>
+                </a:solidFill>
+              </a:rPr>
+              <a:t>用：隔离变量，防止全局变量污染。</a:t>
+            </a:r>
+            <a:endParaRPr lang="en-US" altLang="zh-CN" sz="3800" dirty="0">
+              <a:solidFill>
+                <a:schemeClr val="tx1">
+                  <a:lumMod val="65000"/>
+                  <a:lumOff val="35000"/>
+                </a:schemeClr>
+              </a:solidFill>
+            </a:endParaRPr>
+          </a:p>
         </p:txBody>
       </p:sp>
       <p:sp>
@@ -11158,12 +11619,12 @@
   <p:clrMapOvr>
     <a:masterClrMapping/>
   </p:clrMapOvr>
-  <mc:AlternateContent xmlns:mc="http://schemas.openxmlformats.org/markup-compatibility/2006" xmlns:p14="http://schemas.microsoft.com/office/powerpoint/2010/main">
-    <mc:Choice Requires="p14">
-      <p:transition p14:dur="0" advTm="9938"/>
+  <mc:AlternateContent xmlns:mc="http://schemas.openxmlformats.org/markup-compatibility/2006">
+    <mc:Choice xmlns:p14="http://schemas.microsoft.com/office/powerpoint/2010/main" Requires="p14">
+      <p:transition p14:dur="0" advClick="0" advTm="9938"/>
     </mc:Choice>
-    <mc:Fallback xmlns="">
-      <p:transition advTm="9938"/>
+    <mc:Fallback>
+      <p:transition advClick="0" advTm="9938"/>
     </mc:Fallback>
   </mc:AlternateContent>
   <p:timing>
@@ -11342,12 +11803,12 @@
   <p:clrMapOvr>
     <a:masterClrMapping/>
   </p:clrMapOvr>
-  <mc:AlternateContent xmlns:mc="http://schemas.openxmlformats.org/markup-compatibility/2006" xmlns:p14="http://schemas.microsoft.com/office/powerpoint/2010/main">
-    <mc:Choice Requires="p14">
-      <p:transition p14:dur="0" advTm="9938"/>
+  <mc:AlternateContent xmlns:mc="http://schemas.openxmlformats.org/markup-compatibility/2006">
+    <mc:Choice xmlns:p14="http://schemas.microsoft.com/office/powerpoint/2010/main" Requires="p14">
+      <p:transition p14:dur="0" advClick="0" advTm="9938"/>
     </mc:Choice>
-    <mc:Fallback xmlns="">
-      <p:transition advTm="9938"/>
+    <mc:Fallback>
+      <p:transition advClick="0" advTm="9938"/>
     </mc:Fallback>
   </mc:AlternateContent>
   <p:timing>
@@ -11622,12 +12083,12 @@
   <p:clrMapOvr>
     <a:masterClrMapping/>
   </p:clrMapOvr>
-  <mc:AlternateContent xmlns:mc="http://schemas.openxmlformats.org/markup-compatibility/2006" xmlns:p14="http://schemas.microsoft.com/office/powerpoint/2010/main">
-    <mc:Choice Requires="p14">
-      <p:transition p14:dur="0" advTm="9938"/>
+  <mc:AlternateContent xmlns:mc="http://schemas.openxmlformats.org/markup-compatibility/2006">
+    <mc:Choice xmlns:p14="http://schemas.microsoft.com/office/powerpoint/2010/main" Requires="p14">
+      <p:transition p14:dur="0" advClick="0" advTm="9938"/>
     </mc:Choice>
-    <mc:Fallback xmlns="">
-      <p:transition advTm="9938"/>
+    <mc:Fallback>
+      <p:transition advClick="0" advTm="9938"/>
     </mc:Fallback>
   </mc:AlternateContent>
   <p:timing>
@@ -11922,12 +12383,12 @@
   <p:clrMapOvr>
     <a:masterClrMapping/>
   </p:clrMapOvr>
-  <mc:AlternateContent xmlns:mc="http://schemas.openxmlformats.org/markup-compatibility/2006" xmlns:p14="http://schemas.microsoft.com/office/powerpoint/2010/main">
-    <mc:Choice Requires="p14">
-      <p:transition p14:dur="0" advTm="9938"/>
+  <mc:AlternateContent xmlns:mc="http://schemas.openxmlformats.org/markup-compatibility/2006">
+    <mc:Choice xmlns:p14="http://schemas.microsoft.com/office/powerpoint/2010/main" Requires="p14">
+      <p:transition p14:dur="0" advClick="0" advTm="9938"/>
     </mc:Choice>
-    <mc:Fallback xmlns="">
-      <p:transition advTm="9938"/>
+    <mc:Fallback>
+      <p:transition advClick="0" advTm="9938"/>
     </mc:Fallback>
   </mc:AlternateContent>
   <p:timing>
@@ -12062,12 +12523,12 @@
   <p:clrMapOvr>
     <a:masterClrMapping/>
   </p:clrMapOvr>
-  <mc:AlternateContent xmlns:mc="http://schemas.openxmlformats.org/markup-compatibility/2006" xmlns:p14="http://schemas.microsoft.com/office/powerpoint/2010/main">
-    <mc:Choice Requires="p14">
-      <p:transition p14:dur="0" advTm="9938"/>
+  <mc:AlternateContent xmlns:mc="http://schemas.openxmlformats.org/markup-compatibility/2006">
+    <mc:Choice xmlns:p14="http://schemas.microsoft.com/office/powerpoint/2010/main" Requires="p14">
+      <p:transition p14:dur="0" advClick="0" advTm="9938"/>
     </mc:Choice>
-    <mc:Fallback xmlns="">
-      <p:transition advTm="9938"/>
+    <mc:Fallback>
+      <p:transition advClick="0" advTm="9938"/>
     </mc:Fallback>
   </mc:AlternateContent>
   <p:timing>
@@ -12432,12 +12893,12 @@
   <p:clrMapOvr>
     <a:masterClrMapping/>
   </p:clrMapOvr>
-  <mc:AlternateContent xmlns:mc="http://schemas.openxmlformats.org/markup-compatibility/2006" xmlns:p14="http://schemas.microsoft.com/office/powerpoint/2010/main">
-    <mc:Choice Requires="p14">
-      <p:transition p14:dur="0" advTm="9938"/>
+  <mc:AlternateContent xmlns:mc="http://schemas.openxmlformats.org/markup-compatibility/2006">
+    <mc:Choice xmlns:p14="http://schemas.microsoft.com/office/powerpoint/2010/main" Requires="p14">
+      <p:transition p14:dur="0" advClick="0" advTm="9938"/>
     </mc:Choice>
-    <mc:Fallback xmlns="">
-      <p:transition advTm="9938"/>
+    <mc:Fallback>
+      <p:transition advClick="0" advTm="9938"/>
     </mc:Fallback>
   </mc:AlternateContent>
   <p:timing>
@@ -12616,12 +13077,12 @@
   <p:clrMapOvr>
     <a:masterClrMapping/>
   </p:clrMapOvr>
-  <mc:AlternateContent xmlns:mc="http://schemas.openxmlformats.org/markup-compatibility/2006" xmlns:p14="http://schemas.microsoft.com/office/powerpoint/2010/main">
-    <mc:Choice Requires="p14">
-      <p:transition p14:dur="0" advTm="9938"/>
+  <mc:AlternateContent xmlns:mc="http://schemas.openxmlformats.org/markup-compatibility/2006">
+    <mc:Choice xmlns:p14="http://schemas.microsoft.com/office/powerpoint/2010/main" Requires="p14">
+      <p:transition p14:dur="0" advClick="0" advTm="9938"/>
     </mc:Choice>
-    <mc:Fallback xmlns="">
-      <p:transition advTm="9938"/>
+    <mc:Fallback>
+      <p:transition advClick="0" advTm="9938"/>
     </mc:Fallback>
   </mc:AlternateContent>
   <p:timing>
@@ -12663,7 +13124,7 @@
         </p:nvSpPr>
         <p:spPr>
           <a:xfrm>
-            <a:off x="0" y="0"/>
+            <a:off x="3466107" y="692696"/>
             <a:ext cx="5259785" cy="1122096"/>
           </a:xfrm>
         </p:spPr>
@@ -12677,132 +13138,19 @@
             </a:r>
             <a:r>
               <a:rPr lang="zh-CN" altLang="en-US" dirty="0" smtClean="0"/>
-              <a:t>例解析一</a:t>
+              <a:t>例解</a:t>
+            </a:r>
+            <a:r>
+              <a:rPr lang="zh-CN" altLang="en-US" dirty="0" smtClean="0"/>
+              <a:t>析</a:t>
             </a:r>
             <a:endParaRPr lang="zh-CN" altLang="en-US" dirty="0"/>
-          </a:p>
-        </p:txBody>
-      </p:sp>
-      <p:sp>
-        <p:nvSpPr>
-          <p:cNvPr id="3" name="文本占位符 2"/>
-          <p:cNvSpPr>
-            <a:spLocks noGrp="1"/>
-          </p:cNvSpPr>
-          <p:nvPr>
-            <p:ph type="body" sz="quarter" idx="10"/>
-          </p:nvPr>
-        </p:nvSpPr>
-        <p:spPr>
-          <a:xfrm>
-            <a:off x="-13484" y="1371308"/>
-            <a:ext cx="5273269" cy="504056"/>
-          </a:xfrm>
-        </p:spPr>
-        <p:txBody>
-          <a:bodyPr/>
-          <a:lstStyle/>
-          <a:p>
-            <a:pPr algn="ctr"/>
-            <a:r>
-              <a:rPr lang="en-US" altLang="zh-CN" dirty="0" smtClean="0">
-                <a:solidFill>
-                  <a:schemeClr val="tx1">
-                    <a:lumMod val="85000"/>
-                    <a:lumOff val="15000"/>
-                  </a:schemeClr>
-                </a:solidFill>
-              </a:rPr>
-              <a:t>for </a:t>
-            </a:r>
-            <a:r>
-              <a:rPr lang="zh-CN" altLang="en-US" dirty="0" smtClean="0">
-                <a:solidFill>
-                  <a:schemeClr val="tx1">
-                    <a:lumMod val="85000"/>
-                    <a:lumOff val="15000"/>
-                  </a:schemeClr>
-                </a:solidFill>
-              </a:rPr>
-              <a:t>循环与 </a:t>
-            </a:r>
-            <a:r>
-              <a:rPr lang="en-US" altLang="zh-CN" dirty="0" err="1" smtClean="0">
-                <a:solidFill>
-                  <a:schemeClr val="tx1">
-                    <a:lumMod val="85000"/>
-                    <a:lumOff val="15000"/>
-                  </a:schemeClr>
-                </a:solidFill>
-              </a:rPr>
-              <a:t>setTimeout</a:t>
-            </a:r>
-            <a:endParaRPr lang="zh-CN" altLang="en-US" dirty="0">
-              <a:solidFill>
-                <a:schemeClr val="tx1">
-                  <a:lumMod val="85000"/>
-                  <a:lumOff val="15000"/>
-                </a:schemeClr>
-              </a:solidFill>
-            </a:endParaRPr>
-          </a:p>
-        </p:txBody>
-      </p:sp>
-      <p:sp>
-        <p:nvSpPr>
-          <p:cNvPr id="6" name="文本框 5"/>
-          <p:cNvSpPr txBox="1"/>
-          <p:nvPr/>
-        </p:nvSpPr>
-        <p:spPr>
-          <a:xfrm>
-            <a:off x="5609782" y="224644"/>
-            <a:ext cx="6338378" cy="646331"/>
-          </a:xfrm>
-          <a:prstGeom prst="rect">
-            <a:avLst/>
-          </a:prstGeom>
-          <a:noFill/>
-        </p:spPr>
-        <p:txBody>
-          <a:bodyPr wrap="square" rtlCol="0">
-            <a:spAutoFit/>
-          </a:bodyPr>
-          <a:lstStyle/>
-          <a:p>
-            <a:pPr algn="ctr"/>
-            <a:r>
-              <a:rPr lang="zh-CN" altLang="en-US" sz="3600" dirty="0">
-                <a:solidFill>
-                  <a:schemeClr val="tx1">
-                    <a:lumMod val="85000"/>
-                    <a:lumOff val="15000"/>
-                  </a:schemeClr>
-                </a:solidFill>
-                <a:latin typeface="冬青黑体简体中文 W3" panose="020B0300000000000000" pitchFamily="34" charset="-122"/>
-                <a:ea typeface="冬青黑体简体中文 W3" panose="020B0300000000000000" pitchFamily="34" charset="-122"/>
-              </a:rPr>
-              <a:t>执</a:t>
-            </a:r>
-            <a:r>
-              <a:rPr lang="zh-CN" altLang="en-US" sz="3600" dirty="0" smtClean="0">
-                <a:solidFill>
-                  <a:schemeClr val="tx1">
-                    <a:lumMod val="85000"/>
-                    <a:lumOff val="15000"/>
-                  </a:schemeClr>
-                </a:solidFill>
-                <a:latin typeface="冬青黑体简体中文 W3" panose="020B0300000000000000" pitchFamily="34" charset="-122"/>
-                <a:ea typeface="冬青黑体简体中文 W3" panose="020B0300000000000000" pitchFamily="34" charset="-122"/>
-              </a:rPr>
-              <a:t>行过程</a:t>
-            </a:r>
           </a:p>
         </p:txBody>
       </p:sp>
       <p:pic>
         <p:nvPicPr>
-          <p:cNvPr id="7" name="图片 6"/>
+          <p:cNvPr id="4" name="图片 3"/>
           <p:cNvPicPr>
             <a:picLocks noChangeAspect="1"/>
           </p:cNvPicPr>
@@ -12816,194 +13164,14 @@
         </p:blipFill>
         <p:spPr>
           <a:xfrm>
-            <a:off x="335360" y="2273300"/>
-            <a:ext cx="4924425" cy="2019300"/>
+            <a:off x="1127448" y="2204864"/>
+            <a:ext cx="10360868" cy="3430287"/>
           </a:xfrm>
           <a:prstGeom prst="rect">
             <a:avLst/>
           </a:prstGeom>
         </p:spPr>
       </p:pic>
-      <p:sp>
-        <p:nvSpPr>
-          <p:cNvPr id="8" name="矩形 7"/>
-          <p:cNvSpPr/>
-          <p:nvPr/>
-        </p:nvSpPr>
-        <p:spPr>
-          <a:xfrm>
-            <a:off x="5411924" y="0"/>
-            <a:ext cx="45719" cy="6858000"/>
-          </a:xfrm>
-          <a:prstGeom prst="rect">
-            <a:avLst/>
-          </a:prstGeom>
-          <a:solidFill>
-            <a:srgbClr val="00B0F0"/>
-          </a:solidFill>
-          <a:ln>
-            <a:noFill/>
-          </a:ln>
-          <a:effectLst/>
-        </p:spPr>
-        <p:style>
-          <a:lnRef idx="1">
-            <a:schemeClr val="accent6"/>
-          </a:lnRef>
-          <a:fillRef idx="3">
-            <a:schemeClr val="accent6"/>
-          </a:fillRef>
-          <a:effectRef idx="2">
-            <a:schemeClr val="accent6"/>
-          </a:effectRef>
-          <a:fontRef idx="minor">
-            <a:schemeClr val="lt1"/>
-          </a:fontRef>
-        </p:style>
-        <p:txBody>
-          <a:bodyPr rot="0" spcFirstLastPara="0" vertOverflow="overflow" horzOverflow="overflow" vert="horz" wrap="square" lIns="180000" tIns="108000" rIns="180000" bIns="108000" numCol="1" spcCol="0" rtlCol="0" fromWordArt="0" anchor="ctr" anchorCtr="1" forceAA="0" compatLnSpc="1">
-            <a:prstTxWarp prst="textNoShape">
-              <a:avLst/>
-            </a:prstTxWarp>
-            <a:spAutoFit/>
-          </a:bodyPr>
-          <a:lstStyle/>
-          <a:p>
-            <a:pPr algn="ctr"/>
-            <a:endParaRPr lang="zh-CN" altLang="en-US" dirty="0" smtClean="0">
-              <a:solidFill>
-                <a:schemeClr val="bg1"/>
-              </a:solidFill>
-              <a:latin typeface="冬青黑体简体中文 W3" panose="020B0300000000000000" pitchFamily="34" charset="-122"/>
-              <a:ea typeface="冬青黑体简体中文 W3" panose="020B0300000000000000" pitchFamily="34" charset="-122"/>
-            </a:endParaRPr>
-          </a:p>
-        </p:txBody>
-      </p:sp>
-      <p:sp>
-        <p:nvSpPr>
-          <p:cNvPr id="9" name="文本框 8"/>
-          <p:cNvSpPr txBox="1"/>
-          <p:nvPr/>
-        </p:nvSpPr>
-        <p:spPr>
-          <a:xfrm>
-            <a:off x="6312024" y="1016732"/>
-            <a:ext cx="5879976" cy="369332"/>
-          </a:xfrm>
-          <a:prstGeom prst="rect">
-            <a:avLst/>
-          </a:prstGeom>
-          <a:noFill/>
-        </p:spPr>
-        <p:txBody>
-          <a:bodyPr wrap="square" rtlCol="0">
-            <a:spAutoFit/>
-          </a:bodyPr>
-          <a:lstStyle/>
-          <a:p>
-            <a:pPr marL="342900" indent="-342900">
-              <a:buFont typeface="+mj-lt"/>
-              <a:buAutoNum type="arabicPeriod"/>
-            </a:pPr>
-            <a:r>
-              <a:rPr lang="zh-CN" altLang="en-US" dirty="0" smtClean="0">
-                <a:solidFill>
-                  <a:schemeClr val="tx1">
-                    <a:lumMod val="75000"/>
-                    <a:lumOff val="25000"/>
-                  </a:schemeClr>
-                </a:solidFill>
-                <a:latin typeface="冬青黑体简体中文 W3" panose="020B0300000000000000" pitchFamily="34" charset="-122"/>
-                <a:ea typeface="冬青黑体简体中文 W3" panose="020B0300000000000000" pitchFamily="34" charset="-122"/>
-              </a:rPr>
-              <a:t>初始</a:t>
-            </a:r>
-            <a:r>
-              <a:rPr lang="zh-CN" altLang="en-US" dirty="0" smtClean="0">
-                <a:solidFill>
-                  <a:schemeClr val="tx1">
-                    <a:lumMod val="75000"/>
-                    <a:lumOff val="25000"/>
-                  </a:schemeClr>
-                </a:solidFill>
-                <a:latin typeface="冬青黑体简体中文 W3" panose="020B0300000000000000" pitchFamily="34" charset="-122"/>
-                <a:ea typeface="冬青黑体简体中文 W3" panose="020B0300000000000000" pitchFamily="34" charset="-122"/>
-              </a:rPr>
-              <a:t>化全局上</a:t>
-            </a:r>
-            <a:r>
-              <a:rPr lang="zh-CN" altLang="en-US" dirty="0" smtClean="0">
-                <a:solidFill>
-                  <a:schemeClr val="tx1">
-                    <a:lumMod val="75000"/>
-                    <a:lumOff val="25000"/>
-                  </a:schemeClr>
-                </a:solidFill>
-                <a:latin typeface="冬青黑体简体中文 W3" panose="020B0300000000000000" pitchFamily="34" charset="-122"/>
-                <a:ea typeface="冬青黑体简体中文 W3" panose="020B0300000000000000" pitchFamily="34" charset="-122"/>
-              </a:rPr>
-              <a:t>下文</a:t>
-            </a:r>
-          </a:p>
-        </p:txBody>
-      </p:sp>
-      <p:sp>
-        <p:nvSpPr>
-          <p:cNvPr id="4" name="矩形 3"/>
-          <p:cNvSpPr/>
-          <p:nvPr/>
-        </p:nvSpPr>
-        <p:spPr>
-          <a:xfrm>
-            <a:off x="6203950" y="2565400"/>
-            <a:ext cx="2088294" cy="3743920"/>
-          </a:xfrm>
-          <a:prstGeom prst="rect">
-            <a:avLst/>
-          </a:prstGeom>
-          <a:noFill/>
-          <a:ln w="25400">
-            <a:solidFill>
-              <a:srgbClr val="FF0000"/>
-            </a:solidFill>
-          </a:ln>
-          <a:effectLst/>
-        </p:spPr>
-        <p:style>
-          <a:lnRef idx="1">
-            <a:schemeClr val="accent6"/>
-          </a:lnRef>
-          <a:fillRef idx="3">
-            <a:schemeClr val="accent6"/>
-          </a:fillRef>
-          <a:effectRef idx="2">
-            <a:schemeClr val="accent6"/>
-          </a:effectRef>
-          <a:fontRef idx="minor">
-            <a:schemeClr val="lt1"/>
-          </a:fontRef>
-        </p:style>
-        <p:txBody>
-          <a:bodyPr rot="0" spcFirstLastPara="0" vertOverflow="overflow" horzOverflow="overflow" vert="horz" wrap="none" lIns="180000" tIns="108000" rIns="180000" bIns="108000" numCol="1" spcCol="0" rtlCol="0" fromWordArt="0" anchor="ctr" anchorCtr="1" forceAA="0" compatLnSpc="1">
-            <a:prstTxWarp prst="textNoShape">
-              <a:avLst/>
-            </a:prstTxWarp>
-            <a:spAutoFit/>
-          </a:bodyPr>
-          <a:lstStyle/>
-          <a:p>
-            <a:pPr algn="ctr"/>
-            <a:endParaRPr lang="zh-CN" altLang="en-US" dirty="0" smtClean="0">
-              <a:solidFill>
-                <a:schemeClr val="bg1"/>
-              </a:solidFill>
-              <a:latin typeface="冬青黑体简体中文 W3" panose="020B0300000000000000" pitchFamily="34" charset="-122"/>
-              <a:ea typeface="冬青黑体简体中文 W3" panose="020B0300000000000000" pitchFamily="34" charset="-122"/>
-            </a:endParaRPr>
-          </a:p>
-        </p:txBody>
-      </p:sp>
     </p:spTree>
     <p:extLst>
       <p:ext uri="{BB962C8B-B14F-4D97-AF65-F5344CB8AC3E}">
@@ -13014,12 +13182,12 @@
   <p:clrMapOvr>
     <a:masterClrMapping/>
   </p:clrMapOvr>
-  <mc:AlternateContent xmlns:mc="http://schemas.openxmlformats.org/markup-compatibility/2006" xmlns:p14="http://schemas.microsoft.com/office/powerpoint/2010/main">
-    <mc:Choice Requires="p14">
-      <p:transition p14:dur="0" advTm="9938"/>
+  <mc:AlternateContent xmlns:mc="http://schemas.openxmlformats.org/markup-compatibility/2006">
+    <mc:Choice xmlns:p14="http://schemas.microsoft.com/office/powerpoint/2010/main" Requires="p14">
+      <p:transition p14:dur="0" advClick="0" advTm="9938"/>
     </mc:Choice>
-    <mc:Fallback xmlns="">
-      <p:transition advTm="9938"/>
+    <mc:Fallback>
+      <p:transition advClick="0" advTm="9938"/>
     </mc:Fallback>
   </mc:AlternateContent>
   <p:timing>
@@ -13061,6 +13229,3563 @@
         </p:nvSpPr>
         <p:spPr>
           <a:xfrm>
+            <a:off x="0" y="0"/>
+            <a:ext cx="12192000" cy="1122096"/>
+          </a:xfrm>
+        </p:spPr>
+        <p:txBody>
+          <a:bodyPr/>
+          <a:lstStyle/>
+          <a:p>
+            <a:r>
+              <a:rPr lang="zh-CN" altLang="en-US" dirty="0" smtClean="0"/>
+              <a:t>执行过程讲解</a:t>
+            </a:r>
+            <a:endParaRPr lang="zh-CN" altLang="en-US" dirty="0"/>
+          </a:p>
+        </p:txBody>
+      </p:sp>
+      <p:sp>
+        <p:nvSpPr>
+          <p:cNvPr id="4" name="文本框 3"/>
+          <p:cNvSpPr txBox="1"/>
+          <p:nvPr/>
+        </p:nvSpPr>
+        <p:spPr>
+          <a:xfrm>
+            <a:off x="11324" y="1268760"/>
+            <a:ext cx="6096000" cy="5632311"/>
+          </a:xfrm>
+          <a:prstGeom prst="rect">
+            <a:avLst/>
+          </a:prstGeom>
+          <a:noFill/>
+        </p:spPr>
+        <p:txBody>
+          <a:bodyPr wrap="square" rtlCol="0">
+            <a:spAutoFit/>
+          </a:bodyPr>
+          <a:lstStyle/>
+          <a:p>
+            <a:pPr marL="342900" indent="-342900">
+              <a:buFont typeface="+mj-lt"/>
+              <a:buAutoNum type="arabicPeriod"/>
+            </a:pPr>
+            <a:r>
+              <a:rPr lang="en-US" altLang="zh-CN" dirty="0" err="1" smtClean="0">
+                <a:solidFill>
+                  <a:schemeClr val="tx1">
+                    <a:lumMod val="75000"/>
+                    <a:lumOff val="25000"/>
+                  </a:schemeClr>
+                </a:solidFill>
+                <a:latin typeface="冬青黑体简体中文 W3" panose="020B0300000000000000" pitchFamily="34" charset="-122"/>
+                <a:ea typeface="冬青黑体简体中文 W3" panose="020B0300000000000000" pitchFamily="34" charset="-122"/>
+              </a:rPr>
+              <a:t>js</a:t>
+            </a:r>
+            <a:r>
+              <a:rPr lang="zh-CN" altLang="en-US" dirty="0" smtClean="0">
+                <a:solidFill>
+                  <a:schemeClr val="tx1">
+                    <a:lumMod val="75000"/>
+                    <a:lumOff val="25000"/>
+                  </a:schemeClr>
+                </a:solidFill>
+                <a:latin typeface="冬青黑体简体中文 W3" panose="020B0300000000000000" pitchFamily="34" charset="-122"/>
+                <a:ea typeface="冬青黑体简体中文 W3" panose="020B0300000000000000" pitchFamily="34" charset="-122"/>
+              </a:rPr>
+              <a:t>文件被加载进引擎时，首先会创建一个</a:t>
+            </a:r>
+            <a:r>
+              <a:rPr lang="zh-CN" altLang="en-US" dirty="0" smtClean="0">
+                <a:solidFill>
+                  <a:srgbClr val="C00000"/>
+                </a:solidFill>
+                <a:latin typeface="冬青黑体简体中文 W3" panose="020B0300000000000000" pitchFamily="34" charset="-122"/>
+                <a:ea typeface="冬青黑体简体中文 W3" panose="020B0300000000000000" pitchFamily="34" charset="-122"/>
+              </a:rPr>
+              <a:t>全局作用域</a:t>
+            </a:r>
+            <a:r>
+              <a:rPr lang="zh-CN" altLang="en-US" dirty="0" smtClean="0">
+                <a:solidFill>
+                  <a:schemeClr val="tx1">
+                    <a:lumMod val="75000"/>
+                    <a:lumOff val="25000"/>
+                  </a:schemeClr>
+                </a:solidFill>
+                <a:latin typeface="冬青黑体简体中文 W3" panose="020B0300000000000000" pitchFamily="34" charset="-122"/>
+                <a:ea typeface="冬青黑体简体中文 W3" panose="020B0300000000000000" pitchFamily="34" charset="-122"/>
+              </a:rPr>
+              <a:t>：</a:t>
+            </a:r>
+            <a:endParaRPr lang="en-US" altLang="zh-CN" dirty="0" smtClean="0">
+              <a:solidFill>
+                <a:schemeClr val="tx1">
+                  <a:lumMod val="75000"/>
+                  <a:lumOff val="25000"/>
+                </a:schemeClr>
+              </a:solidFill>
+              <a:latin typeface="冬青黑体简体中文 W3" panose="020B0300000000000000" pitchFamily="34" charset="-122"/>
+              <a:ea typeface="冬青黑体简体中文 W3" panose="020B0300000000000000" pitchFamily="34" charset="-122"/>
+            </a:endParaRPr>
+          </a:p>
+          <a:p>
+            <a:pPr marL="342900" indent="-342900">
+              <a:buFont typeface="+mj-lt"/>
+              <a:buAutoNum type="arabicPeriod"/>
+            </a:pPr>
+            <a:endParaRPr lang="en-US" altLang="zh-CN" dirty="0">
+              <a:solidFill>
+                <a:schemeClr val="tx1">
+                  <a:lumMod val="75000"/>
+                  <a:lumOff val="25000"/>
+                </a:schemeClr>
+              </a:solidFill>
+              <a:latin typeface="冬青黑体简体中文 W3" panose="020B0300000000000000" pitchFamily="34" charset="-122"/>
+              <a:ea typeface="冬青黑体简体中文 W3" panose="020B0300000000000000" pitchFamily="34" charset="-122"/>
+            </a:endParaRPr>
+          </a:p>
+          <a:p>
+            <a:pPr marL="342900" indent="-342900">
+              <a:buFont typeface="+mj-lt"/>
+              <a:buAutoNum type="arabicPeriod"/>
+            </a:pPr>
+            <a:endParaRPr lang="en-US" altLang="zh-CN" dirty="0" smtClean="0">
+              <a:solidFill>
+                <a:schemeClr val="tx1">
+                  <a:lumMod val="75000"/>
+                  <a:lumOff val="25000"/>
+                </a:schemeClr>
+              </a:solidFill>
+              <a:latin typeface="冬青黑体简体中文 W3" panose="020B0300000000000000" pitchFamily="34" charset="-122"/>
+              <a:ea typeface="冬青黑体简体中文 W3" panose="020B0300000000000000" pitchFamily="34" charset="-122"/>
+            </a:endParaRPr>
+          </a:p>
+          <a:p>
+            <a:pPr marL="342900" indent="-342900">
+              <a:buFont typeface="+mj-lt"/>
+              <a:buAutoNum type="arabicPeriod"/>
+            </a:pPr>
+            <a:endParaRPr lang="en-US" altLang="zh-CN" dirty="0">
+              <a:solidFill>
+                <a:schemeClr val="tx1">
+                  <a:lumMod val="75000"/>
+                  <a:lumOff val="25000"/>
+                </a:schemeClr>
+              </a:solidFill>
+              <a:latin typeface="冬青黑体简体中文 W3" panose="020B0300000000000000" pitchFamily="34" charset="-122"/>
+              <a:ea typeface="冬青黑体简体中文 W3" panose="020B0300000000000000" pitchFamily="34" charset="-122"/>
+            </a:endParaRPr>
+          </a:p>
+          <a:p>
+            <a:pPr marL="342900" indent="-342900">
+              <a:buFont typeface="+mj-lt"/>
+              <a:buAutoNum type="arabicPeriod"/>
+            </a:pPr>
+            <a:endParaRPr lang="en-US" altLang="zh-CN" dirty="0" smtClean="0">
+              <a:solidFill>
+                <a:schemeClr val="tx1">
+                  <a:lumMod val="75000"/>
+                  <a:lumOff val="25000"/>
+                </a:schemeClr>
+              </a:solidFill>
+              <a:latin typeface="冬青黑体简体中文 W3" panose="020B0300000000000000" pitchFamily="34" charset="-122"/>
+              <a:ea typeface="冬青黑体简体中文 W3" panose="020B0300000000000000" pitchFamily="34" charset="-122"/>
+            </a:endParaRPr>
+          </a:p>
+          <a:p>
+            <a:pPr marL="342900" indent="-342900">
+              <a:buFont typeface="+mj-lt"/>
+              <a:buAutoNum type="arabicPeriod"/>
+            </a:pPr>
+            <a:endParaRPr lang="en-US" altLang="zh-CN" dirty="0">
+              <a:solidFill>
+                <a:schemeClr val="tx1">
+                  <a:lumMod val="75000"/>
+                  <a:lumOff val="25000"/>
+                </a:schemeClr>
+              </a:solidFill>
+              <a:latin typeface="冬青黑体简体中文 W3" panose="020B0300000000000000" pitchFamily="34" charset="-122"/>
+              <a:ea typeface="冬青黑体简体中文 W3" panose="020B0300000000000000" pitchFamily="34" charset="-122"/>
+            </a:endParaRPr>
+          </a:p>
+          <a:p>
+            <a:pPr marL="342900" indent="-342900">
+              <a:buFont typeface="+mj-lt"/>
+              <a:buAutoNum type="arabicPeriod"/>
+            </a:pPr>
+            <a:r>
+              <a:rPr lang="zh-CN" altLang="en-US" dirty="0">
+                <a:solidFill>
+                  <a:schemeClr val="tx1">
+                    <a:lumMod val="75000"/>
+                    <a:lumOff val="25000"/>
+                  </a:schemeClr>
+                </a:solidFill>
+                <a:latin typeface="冬青黑体简体中文 W3" panose="020B0300000000000000" pitchFamily="34" charset="-122"/>
+                <a:ea typeface="冬青黑体简体中文 W3" panose="020B0300000000000000" pitchFamily="34" charset="-122"/>
+              </a:rPr>
+              <a:t>扫</a:t>
+            </a:r>
+            <a:r>
+              <a:rPr lang="zh-CN" altLang="en-US" dirty="0" smtClean="0">
+                <a:solidFill>
+                  <a:schemeClr val="tx1">
+                    <a:lumMod val="75000"/>
+                    <a:lumOff val="25000"/>
+                  </a:schemeClr>
+                </a:solidFill>
+                <a:latin typeface="冬青黑体简体中文 W3" panose="020B0300000000000000" pitchFamily="34" charset="-122"/>
+                <a:ea typeface="冬青黑体简体中文 W3" panose="020B0300000000000000" pitchFamily="34" charset="-122"/>
+              </a:rPr>
+              <a:t>描 </a:t>
+            </a:r>
+            <a:r>
+              <a:rPr lang="zh-CN" altLang="en-US" dirty="0" smtClean="0">
+                <a:solidFill>
+                  <a:srgbClr val="C00000"/>
+                </a:solidFill>
+                <a:latin typeface="冬青黑体简体中文 W3" panose="020B0300000000000000" pitchFamily="34" charset="-122"/>
+                <a:ea typeface="冬青黑体简体中文 W3" panose="020B0300000000000000" pitchFamily="34" charset="-122"/>
+              </a:rPr>
+              <a:t>全局代码 </a:t>
+            </a:r>
+            <a:r>
+              <a:rPr lang="zh-CN" altLang="en-US" dirty="0" smtClean="0">
+                <a:solidFill>
+                  <a:schemeClr val="tx1">
+                    <a:lumMod val="75000"/>
+                    <a:lumOff val="25000"/>
+                  </a:schemeClr>
+                </a:solidFill>
+                <a:latin typeface="冬青黑体简体中文 W3" panose="020B0300000000000000" pitchFamily="34" charset="-122"/>
+                <a:ea typeface="冬青黑体简体中文 W3" panose="020B0300000000000000" pitchFamily="34" charset="-122"/>
+              </a:rPr>
+              <a:t>中的函数声明与变量声明，将属性添加到 </a:t>
+            </a:r>
+            <a:r>
+              <a:rPr lang="zh-CN" altLang="en-US" dirty="0" smtClean="0">
+                <a:solidFill>
+                  <a:srgbClr val="C00000"/>
+                </a:solidFill>
+                <a:latin typeface="冬青黑体简体中文 W3" panose="020B0300000000000000" pitchFamily="34" charset="-122"/>
+                <a:ea typeface="冬青黑体简体中文 W3" panose="020B0300000000000000" pitchFamily="34" charset="-122"/>
+              </a:rPr>
+              <a:t>活动对象 </a:t>
+            </a:r>
+            <a:r>
+              <a:rPr lang="zh-CN" altLang="en-US" dirty="0" smtClean="0">
+                <a:solidFill>
+                  <a:schemeClr val="tx1">
+                    <a:lumMod val="75000"/>
+                    <a:lumOff val="25000"/>
+                  </a:schemeClr>
+                </a:solidFill>
+                <a:latin typeface="冬青黑体简体中文 W3" panose="020B0300000000000000" pitchFamily="34" charset="-122"/>
+                <a:ea typeface="冬青黑体简体中文 W3" panose="020B0300000000000000" pitchFamily="34" charset="-122"/>
+              </a:rPr>
+              <a:t>中：</a:t>
+            </a:r>
+            <a:endParaRPr lang="en-US" altLang="zh-CN" dirty="0" smtClean="0">
+              <a:solidFill>
+                <a:schemeClr val="tx1">
+                  <a:lumMod val="75000"/>
+                  <a:lumOff val="25000"/>
+                </a:schemeClr>
+              </a:solidFill>
+              <a:latin typeface="冬青黑体简体中文 W3" panose="020B0300000000000000" pitchFamily="34" charset="-122"/>
+              <a:ea typeface="冬青黑体简体中文 W3" panose="020B0300000000000000" pitchFamily="34" charset="-122"/>
+            </a:endParaRPr>
+          </a:p>
+          <a:p>
+            <a:pPr marL="342900" indent="-342900">
+              <a:buFont typeface="+mj-lt"/>
+              <a:buAutoNum type="arabicPeriod"/>
+            </a:pPr>
+            <a:endParaRPr lang="en-US" altLang="zh-CN" dirty="0">
+              <a:solidFill>
+                <a:schemeClr val="tx1">
+                  <a:lumMod val="75000"/>
+                  <a:lumOff val="25000"/>
+                </a:schemeClr>
+              </a:solidFill>
+              <a:latin typeface="冬青黑体简体中文 W3" panose="020B0300000000000000" pitchFamily="34" charset="-122"/>
+              <a:ea typeface="冬青黑体简体中文 W3" panose="020B0300000000000000" pitchFamily="34" charset="-122"/>
+            </a:endParaRPr>
+          </a:p>
+          <a:p>
+            <a:pPr marL="342900" indent="-342900">
+              <a:buFont typeface="+mj-lt"/>
+              <a:buAutoNum type="arabicPeriod"/>
+            </a:pPr>
+            <a:endParaRPr lang="en-US" altLang="zh-CN" dirty="0">
+              <a:solidFill>
+                <a:schemeClr val="tx1">
+                  <a:lumMod val="75000"/>
+                  <a:lumOff val="25000"/>
+                </a:schemeClr>
+              </a:solidFill>
+              <a:latin typeface="冬青黑体简体中文 W3" panose="020B0300000000000000" pitchFamily="34" charset="-122"/>
+              <a:ea typeface="冬青黑体简体中文 W3" panose="020B0300000000000000" pitchFamily="34" charset="-122"/>
+            </a:endParaRPr>
+          </a:p>
+          <a:p>
+            <a:pPr marL="342900" indent="-342900">
+              <a:buFont typeface="+mj-lt"/>
+              <a:buAutoNum type="arabicPeriod"/>
+            </a:pPr>
+            <a:r>
+              <a:rPr lang="zh-CN" altLang="en-US" dirty="0" smtClean="0">
+                <a:solidFill>
+                  <a:schemeClr val="tx1">
+                    <a:lumMod val="75000"/>
+                    <a:lumOff val="25000"/>
+                  </a:schemeClr>
+                </a:solidFill>
+                <a:latin typeface="冬青黑体简体中文 W3" panose="020B0300000000000000" pitchFamily="34" charset="-122"/>
+                <a:ea typeface="冬青黑体简体中文 W3" panose="020B0300000000000000" pitchFamily="34" charset="-122"/>
+              </a:rPr>
+              <a:t>执行全局代码：</a:t>
+            </a:r>
+            <a:endParaRPr lang="en-US" altLang="zh-CN" dirty="0">
+              <a:solidFill>
+                <a:schemeClr val="tx1">
+                  <a:lumMod val="75000"/>
+                  <a:lumOff val="25000"/>
+                </a:schemeClr>
+              </a:solidFill>
+              <a:latin typeface="冬青黑体简体中文 W3" panose="020B0300000000000000" pitchFamily="34" charset="-122"/>
+              <a:ea typeface="冬青黑体简体中文 W3" panose="020B0300000000000000" pitchFamily="34" charset="-122"/>
+            </a:endParaRPr>
+          </a:p>
+          <a:p>
+            <a:pPr marL="800100" lvl="1" indent="-342900">
+              <a:lnSpc>
+                <a:spcPct val="150000"/>
+              </a:lnSpc>
+              <a:buFont typeface="+mj-lt"/>
+              <a:buAutoNum type="alphaUcPeriod"/>
+            </a:pPr>
+            <a:r>
+              <a:rPr lang="en-US" altLang="zh-CN" dirty="0" err="1" smtClean="0">
+                <a:solidFill>
+                  <a:schemeClr val="tx1">
+                    <a:lumMod val="65000"/>
+                    <a:lumOff val="35000"/>
+                  </a:schemeClr>
+                </a:solidFill>
+                <a:latin typeface="冬青黑体简体中文 W3" panose="020B0300000000000000" pitchFamily="34" charset="-122"/>
+                <a:ea typeface="冬青黑体简体中文 W3" panose="020B0300000000000000" pitchFamily="34" charset="-122"/>
+              </a:rPr>
+              <a:t>i</a:t>
+            </a:r>
+            <a:r>
+              <a:rPr lang="en-US" altLang="zh-CN" dirty="0" smtClean="0">
+                <a:solidFill>
+                  <a:schemeClr val="tx1">
+                    <a:lumMod val="65000"/>
+                    <a:lumOff val="35000"/>
+                  </a:schemeClr>
+                </a:solidFill>
+                <a:latin typeface="冬青黑体简体中文 W3" panose="020B0300000000000000" pitchFamily="34" charset="-122"/>
+                <a:ea typeface="冬青黑体简体中文 W3" panose="020B0300000000000000" pitchFamily="34" charset="-122"/>
+              </a:rPr>
+              <a:t> = 0</a:t>
+            </a:r>
+            <a:r>
+              <a:rPr lang="zh-CN" altLang="en-US" dirty="0" smtClean="0">
+                <a:solidFill>
+                  <a:schemeClr val="tx1">
+                    <a:lumMod val="65000"/>
+                    <a:lumOff val="35000"/>
+                  </a:schemeClr>
+                </a:solidFill>
+                <a:latin typeface="冬青黑体简体中文 W3" panose="020B0300000000000000" pitchFamily="34" charset="-122"/>
+                <a:ea typeface="冬青黑体简体中文 W3" panose="020B0300000000000000" pitchFamily="34" charset="-122"/>
+              </a:rPr>
+              <a:t>：对变量 </a:t>
+            </a:r>
+            <a:r>
+              <a:rPr lang="en-US" altLang="zh-CN" dirty="0" err="1" smtClean="0">
+                <a:solidFill>
+                  <a:schemeClr val="tx1">
+                    <a:lumMod val="65000"/>
+                    <a:lumOff val="35000"/>
+                  </a:schemeClr>
+                </a:solidFill>
+                <a:latin typeface="冬青黑体简体中文 W3" panose="020B0300000000000000" pitchFamily="34" charset="-122"/>
+                <a:ea typeface="冬青黑体简体中文 W3" panose="020B0300000000000000" pitchFamily="34" charset="-122"/>
+              </a:rPr>
+              <a:t>i</a:t>
+            </a:r>
+            <a:r>
+              <a:rPr lang="en-US" altLang="zh-CN" dirty="0" smtClean="0">
+                <a:solidFill>
+                  <a:schemeClr val="tx1">
+                    <a:lumMod val="65000"/>
+                    <a:lumOff val="35000"/>
+                  </a:schemeClr>
+                </a:solidFill>
+                <a:latin typeface="冬青黑体简体中文 W3" panose="020B0300000000000000" pitchFamily="34" charset="-122"/>
+                <a:ea typeface="冬青黑体简体中文 W3" panose="020B0300000000000000" pitchFamily="34" charset="-122"/>
+              </a:rPr>
+              <a:t> </a:t>
+            </a:r>
+            <a:r>
+              <a:rPr lang="zh-CN" altLang="en-US" dirty="0" smtClean="0">
+                <a:solidFill>
+                  <a:schemeClr val="tx1">
+                    <a:lumMod val="65000"/>
+                    <a:lumOff val="35000"/>
+                  </a:schemeClr>
+                </a:solidFill>
+                <a:latin typeface="冬青黑体简体中文 W3" panose="020B0300000000000000" pitchFamily="34" charset="-122"/>
+                <a:ea typeface="冬青黑体简体中文 W3" panose="020B0300000000000000" pitchFamily="34" charset="-122"/>
+              </a:rPr>
+              <a:t>赋值。</a:t>
+            </a:r>
+            <a:endParaRPr lang="en-US" altLang="zh-CN" dirty="0" smtClean="0">
+              <a:solidFill>
+                <a:schemeClr val="tx1">
+                  <a:lumMod val="65000"/>
+                  <a:lumOff val="35000"/>
+                </a:schemeClr>
+              </a:solidFill>
+              <a:latin typeface="冬青黑体简体中文 W3" panose="020B0300000000000000" pitchFamily="34" charset="-122"/>
+              <a:ea typeface="冬青黑体简体中文 W3" panose="020B0300000000000000" pitchFamily="34" charset="-122"/>
+            </a:endParaRPr>
+          </a:p>
+          <a:p>
+            <a:pPr marL="800100" lvl="1" indent="-342900">
+              <a:lnSpc>
+                <a:spcPct val="150000"/>
+              </a:lnSpc>
+              <a:buFont typeface="+mj-lt"/>
+              <a:buAutoNum type="alphaUcPeriod"/>
+            </a:pPr>
+            <a:r>
+              <a:rPr lang="en-US" altLang="zh-CN" dirty="0" err="1" smtClean="0">
+                <a:solidFill>
+                  <a:schemeClr val="tx1">
+                    <a:lumMod val="65000"/>
+                    <a:lumOff val="35000"/>
+                  </a:schemeClr>
+                </a:solidFill>
+                <a:latin typeface="冬青黑体简体中文 W3" panose="020B0300000000000000" pitchFamily="34" charset="-122"/>
+                <a:ea typeface="冬青黑体简体中文 W3" panose="020B0300000000000000" pitchFamily="34" charset="-122"/>
+              </a:rPr>
+              <a:t>i</a:t>
+            </a:r>
+            <a:r>
+              <a:rPr lang="en-US" altLang="zh-CN" dirty="0" smtClean="0">
+                <a:solidFill>
+                  <a:schemeClr val="tx1">
+                    <a:lumMod val="65000"/>
+                    <a:lumOff val="35000"/>
+                  </a:schemeClr>
+                </a:solidFill>
+                <a:latin typeface="冬青黑体简体中文 W3" panose="020B0300000000000000" pitchFamily="34" charset="-122"/>
+                <a:ea typeface="冬青黑体简体中文 W3" panose="020B0300000000000000" pitchFamily="34" charset="-122"/>
+              </a:rPr>
+              <a:t> &lt; 10</a:t>
+            </a:r>
+            <a:r>
+              <a:rPr lang="zh-CN" altLang="en-US" dirty="0" smtClean="0">
+                <a:solidFill>
+                  <a:schemeClr val="tx1">
+                    <a:lumMod val="65000"/>
+                    <a:lumOff val="35000"/>
+                  </a:schemeClr>
+                </a:solidFill>
+                <a:latin typeface="冬青黑体简体中文 W3" panose="020B0300000000000000" pitchFamily="34" charset="-122"/>
+                <a:ea typeface="冬青黑体简体中文 W3" panose="020B0300000000000000" pitchFamily="34" charset="-122"/>
+              </a:rPr>
+              <a:t>：判断成功 ，执行循环体内代码。</a:t>
+            </a:r>
+            <a:endParaRPr lang="en-US" altLang="zh-CN" dirty="0">
+              <a:solidFill>
+                <a:schemeClr val="tx1">
+                  <a:lumMod val="65000"/>
+                  <a:lumOff val="35000"/>
+                </a:schemeClr>
+              </a:solidFill>
+              <a:latin typeface="冬青黑体简体中文 W3" panose="020B0300000000000000" pitchFamily="34" charset="-122"/>
+              <a:ea typeface="冬青黑体简体中文 W3" panose="020B0300000000000000" pitchFamily="34" charset="-122"/>
+            </a:endParaRPr>
+          </a:p>
+          <a:p>
+            <a:pPr marL="800100" lvl="1" indent="-342900">
+              <a:lnSpc>
+                <a:spcPct val="150000"/>
+              </a:lnSpc>
+              <a:buFont typeface="+mj-lt"/>
+              <a:buAutoNum type="alphaUcPeriod"/>
+            </a:pPr>
+            <a:r>
+              <a:rPr lang="zh-CN" altLang="en-US" dirty="0">
+                <a:solidFill>
+                  <a:schemeClr val="tx1">
+                    <a:lumMod val="65000"/>
+                    <a:lumOff val="35000"/>
+                  </a:schemeClr>
+                </a:solidFill>
+                <a:latin typeface="冬青黑体简体中文 W3" panose="020B0300000000000000" pitchFamily="34" charset="-122"/>
+                <a:ea typeface="冬青黑体简体中文 W3" panose="020B0300000000000000" pitchFamily="34" charset="-122"/>
+              </a:rPr>
+              <a:t>执</a:t>
+            </a:r>
+            <a:r>
+              <a:rPr lang="zh-CN" altLang="en-US" dirty="0" smtClean="0">
+                <a:solidFill>
+                  <a:schemeClr val="tx1">
+                    <a:lumMod val="65000"/>
+                    <a:lumOff val="35000"/>
+                  </a:schemeClr>
+                </a:solidFill>
+                <a:latin typeface="冬青黑体简体中文 W3" panose="020B0300000000000000" pitchFamily="34" charset="-122"/>
+                <a:ea typeface="冬青黑体简体中文 W3" panose="020B0300000000000000" pitchFamily="34" charset="-122"/>
+              </a:rPr>
+              <a:t>行 自执行函数</a:t>
+            </a:r>
+            <a:endParaRPr lang="en-US" altLang="zh-CN" dirty="0" smtClean="0">
+              <a:solidFill>
+                <a:schemeClr val="tx1">
+                  <a:lumMod val="65000"/>
+                  <a:lumOff val="35000"/>
+                </a:schemeClr>
+              </a:solidFill>
+              <a:latin typeface="冬青黑体简体中文 W3" panose="020B0300000000000000" pitchFamily="34" charset="-122"/>
+              <a:ea typeface="冬青黑体简体中文 W3" panose="020B0300000000000000" pitchFamily="34" charset="-122"/>
+            </a:endParaRPr>
+          </a:p>
+          <a:p>
+            <a:pPr marL="800100" lvl="1" indent="-342900">
+              <a:lnSpc>
+                <a:spcPct val="150000"/>
+              </a:lnSpc>
+              <a:buFont typeface="+mj-lt"/>
+              <a:buAutoNum type="alphaUcPeriod"/>
+            </a:pPr>
+            <a:endParaRPr lang="en-US" altLang="zh-CN" dirty="0" smtClean="0">
+              <a:solidFill>
+                <a:schemeClr val="tx1">
+                  <a:lumMod val="65000"/>
+                  <a:lumOff val="35000"/>
+                </a:schemeClr>
+              </a:solidFill>
+              <a:latin typeface="冬青黑体简体中文 W3" panose="020B0300000000000000" pitchFamily="34" charset="-122"/>
+              <a:ea typeface="冬青黑体简体中文 W3" panose="020B0300000000000000" pitchFamily="34" charset="-122"/>
+            </a:endParaRPr>
+          </a:p>
+          <a:p>
+            <a:pPr marL="1257300" lvl="2" indent="-342900">
+              <a:lnSpc>
+                <a:spcPct val="150000"/>
+              </a:lnSpc>
+              <a:buFont typeface="+mj-lt"/>
+              <a:buAutoNum type="alphaLcPeriod"/>
+            </a:pPr>
+            <a:r>
+              <a:rPr lang="zh-CN" altLang="en-US" dirty="0" smtClean="0">
+                <a:solidFill>
+                  <a:schemeClr val="tx1">
+                    <a:lumMod val="65000"/>
+                    <a:lumOff val="35000"/>
+                  </a:schemeClr>
+                </a:solidFill>
+                <a:latin typeface="冬青黑体简体中文 W3" panose="020B0300000000000000" pitchFamily="34" charset="-122"/>
+                <a:ea typeface="冬青黑体简体中文 W3" panose="020B0300000000000000" pitchFamily="34" charset="-122"/>
+              </a:rPr>
+              <a:t>创建</a:t>
+            </a:r>
+            <a:r>
+              <a:rPr lang="zh-CN" altLang="en-US" dirty="0">
+                <a:solidFill>
+                  <a:schemeClr val="tx1">
+                    <a:lumMod val="65000"/>
+                    <a:lumOff val="35000"/>
+                  </a:schemeClr>
+                </a:solidFill>
+                <a:latin typeface="冬青黑体简体中文 W3" panose="020B0300000000000000" pitchFamily="34" charset="-122"/>
+                <a:ea typeface="冬青黑体简体中文 W3" panose="020B0300000000000000" pitchFamily="34" charset="-122"/>
+              </a:rPr>
+              <a:t>函数</a:t>
+            </a:r>
+            <a:r>
+              <a:rPr lang="zh-CN" altLang="en-US" dirty="0" smtClean="0">
+                <a:solidFill>
+                  <a:schemeClr val="tx1">
+                    <a:lumMod val="65000"/>
+                    <a:lumOff val="35000"/>
+                  </a:schemeClr>
+                </a:solidFill>
+                <a:latin typeface="冬青黑体简体中文 W3" panose="020B0300000000000000" pitchFamily="34" charset="-122"/>
+                <a:ea typeface="冬青黑体简体中文 W3" panose="020B0300000000000000" pitchFamily="34" charset="-122"/>
+              </a:rPr>
+              <a:t>执行上下文：</a:t>
+            </a:r>
+            <a:endParaRPr lang="en-US" altLang="zh-CN" dirty="0" smtClean="0">
+              <a:solidFill>
+                <a:schemeClr val="tx1">
+                  <a:lumMod val="65000"/>
+                  <a:lumOff val="35000"/>
+                </a:schemeClr>
+              </a:solidFill>
+              <a:latin typeface="冬青黑体简体中文 W3" panose="020B0300000000000000" pitchFamily="34" charset="-122"/>
+              <a:ea typeface="冬青黑体简体中文 W3" panose="020B0300000000000000" pitchFamily="34" charset="-122"/>
+            </a:endParaRPr>
+          </a:p>
+          <a:p>
+            <a:pPr marL="1257300" lvl="2" indent="-342900">
+              <a:lnSpc>
+                <a:spcPct val="150000"/>
+              </a:lnSpc>
+              <a:buFont typeface="+mj-lt"/>
+              <a:buAutoNum type="alphaLcPeriod"/>
+            </a:pPr>
+            <a:r>
+              <a:rPr lang="zh-CN" altLang="en-US" dirty="0">
+                <a:solidFill>
+                  <a:schemeClr val="tx1">
+                    <a:lumMod val="65000"/>
+                    <a:lumOff val="35000"/>
+                  </a:schemeClr>
+                </a:solidFill>
+                <a:latin typeface="冬青黑体简体中文 W3" panose="020B0300000000000000" pitchFamily="34" charset="-122"/>
+                <a:ea typeface="冬青黑体简体中文 W3" panose="020B0300000000000000" pitchFamily="34" charset="-122"/>
+              </a:rPr>
+              <a:t>扫</a:t>
+            </a:r>
+            <a:r>
+              <a:rPr lang="zh-CN" altLang="en-US" dirty="0" smtClean="0">
+                <a:solidFill>
+                  <a:schemeClr val="tx1">
+                    <a:lumMod val="65000"/>
+                    <a:lumOff val="35000"/>
+                  </a:schemeClr>
+                </a:solidFill>
+                <a:latin typeface="冬青黑体简体中文 W3" panose="020B0300000000000000" pitchFamily="34" charset="-122"/>
+                <a:ea typeface="冬青黑体简体中文 W3" panose="020B0300000000000000" pitchFamily="34" charset="-122"/>
+              </a:rPr>
+              <a:t>描函数声明与变量声明，添加属性到 </a:t>
+            </a:r>
+            <a:r>
+              <a:rPr lang="en-US" altLang="zh-CN" dirty="0" smtClean="0">
+                <a:solidFill>
+                  <a:schemeClr val="tx1">
+                    <a:lumMod val="65000"/>
+                    <a:lumOff val="35000"/>
+                  </a:schemeClr>
+                </a:solidFill>
+                <a:latin typeface="冬青黑体简体中文 W3" panose="020B0300000000000000" pitchFamily="34" charset="-122"/>
+                <a:ea typeface="冬青黑体简体中文 W3" panose="020B0300000000000000" pitchFamily="34" charset="-122"/>
+              </a:rPr>
+              <a:t>VO:</a:t>
+            </a:r>
+          </a:p>
+        </p:txBody>
+      </p:sp>
+      <p:cxnSp>
+        <p:nvCxnSpPr>
+          <p:cNvPr id="6" name="直接连接符 5"/>
+          <p:cNvCxnSpPr>
+            <a:stCxn id="2" idx="2"/>
+          </p:cNvCxnSpPr>
+          <p:nvPr/>
+        </p:nvCxnSpPr>
+        <p:spPr>
+          <a:xfrm>
+            <a:off x="6096000" y="1122096"/>
+            <a:ext cx="0" cy="5735904"/>
+          </a:xfrm>
+          <a:prstGeom prst="line">
+            <a:avLst/>
+          </a:prstGeom>
+          <a:ln w="25400"/>
+        </p:spPr>
+        <p:style>
+          <a:lnRef idx="1">
+            <a:schemeClr val="accent1"/>
+          </a:lnRef>
+          <a:fillRef idx="0">
+            <a:schemeClr val="accent1"/>
+          </a:fillRef>
+          <a:effectRef idx="0">
+            <a:schemeClr val="accent1"/>
+          </a:effectRef>
+          <a:fontRef idx="minor">
+            <a:schemeClr val="tx1"/>
+          </a:fontRef>
+        </p:style>
+      </p:cxnSp>
+      <p:sp>
+        <p:nvSpPr>
+          <p:cNvPr id="7" name="圆角矩形 6"/>
+          <p:cNvSpPr/>
+          <p:nvPr/>
+        </p:nvSpPr>
+        <p:spPr>
+          <a:xfrm>
+            <a:off x="6600056" y="1016732"/>
+            <a:ext cx="5177801" cy="1160713"/>
+          </a:xfrm>
+          <a:prstGeom prst="roundRect">
+            <a:avLst/>
+          </a:prstGeom>
+          <a:solidFill>
+            <a:srgbClr val="C00000"/>
+          </a:solidFill>
+          <a:ln>
+            <a:noFill/>
+          </a:ln>
+          <a:effectLst/>
+        </p:spPr>
+        <p:style>
+          <a:lnRef idx="1">
+            <a:schemeClr val="accent6"/>
+          </a:lnRef>
+          <a:fillRef idx="3">
+            <a:schemeClr val="accent6"/>
+          </a:fillRef>
+          <a:effectRef idx="2">
+            <a:schemeClr val="accent6"/>
+          </a:effectRef>
+          <a:fontRef idx="minor">
+            <a:schemeClr val="lt1"/>
+          </a:fontRef>
+        </p:style>
+        <p:txBody>
+          <a:bodyPr rot="0" spcFirstLastPara="0" vertOverflow="overflow" horzOverflow="overflow" vert="horz" wrap="none" lIns="180000" tIns="108000" rIns="180000" bIns="108000" numCol="1" spcCol="0" rtlCol="0" fromWordArt="0" anchor="ctr" anchorCtr="1" forceAA="0" compatLnSpc="1">
+            <a:prstTxWarp prst="textNoShape">
+              <a:avLst/>
+            </a:prstTxWarp>
+            <a:spAutoFit/>
+          </a:bodyPr>
+          <a:lstStyle/>
+          <a:p>
+            <a:r>
+              <a:rPr lang="zh-CN" altLang="en-US" dirty="0" smtClean="0">
+                <a:solidFill>
+                  <a:schemeClr val="bg1"/>
+                </a:solidFill>
+                <a:latin typeface="冬青黑体简体中文 W3" panose="020B0300000000000000" pitchFamily="34" charset="-122"/>
+                <a:ea typeface="冬青黑体简体中文 W3" panose="020B0300000000000000" pitchFamily="34" charset="-122"/>
+              </a:rPr>
+              <a:t>活动对象（</a:t>
+            </a:r>
+            <a:r>
+              <a:rPr lang="en-US" altLang="zh-CN" dirty="0" err="1" smtClean="0">
+                <a:solidFill>
+                  <a:schemeClr val="bg1"/>
+                </a:solidFill>
+                <a:latin typeface="冬青黑体简体中文 W3" panose="020B0300000000000000" pitchFamily="34" charset="-122"/>
+                <a:ea typeface="冬青黑体简体中文 W3" panose="020B0300000000000000" pitchFamily="34" charset="-122"/>
+              </a:rPr>
+              <a:t>VariableObject</a:t>
+            </a:r>
+            <a:r>
+              <a:rPr lang="zh-CN" altLang="en-US" dirty="0" smtClean="0">
+                <a:solidFill>
+                  <a:schemeClr val="bg1"/>
+                </a:solidFill>
+                <a:latin typeface="冬青黑体简体中文 W3" panose="020B0300000000000000" pitchFamily="34" charset="-122"/>
+                <a:ea typeface="冬青黑体简体中文 W3" panose="020B0300000000000000" pitchFamily="34" charset="-122"/>
+              </a:rPr>
+              <a:t>，</a:t>
+            </a:r>
+            <a:r>
+              <a:rPr lang="en-US" altLang="zh-CN" dirty="0" smtClean="0">
+                <a:solidFill>
+                  <a:schemeClr val="bg1"/>
+                </a:solidFill>
+                <a:latin typeface="冬青黑体简体中文 W3" panose="020B0300000000000000" pitchFamily="34" charset="-122"/>
+                <a:ea typeface="冬青黑体简体中文 W3" panose="020B0300000000000000" pitchFamily="34" charset="-122"/>
+              </a:rPr>
+              <a:t>VO</a:t>
+            </a:r>
+            <a:r>
+              <a:rPr lang="zh-CN" altLang="en-US" dirty="0" smtClean="0">
+                <a:solidFill>
+                  <a:schemeClr val="bg1"/>
+                </a:solidFill>
+                <a:latin typeface="冬青黑体简体中文 W3" panose="020B0300000000000000" pitchFamily="34" charset="-122"/>
+                <a:ea typeface="冬青黑体简体中文 W3" panose="020B0300000000000000" pitchFamily="34" charset="-122"/>
+              </a:rPr>
+              <a:t>）：</a:t>
+            </a:r>
+            <a:r>
+              <a:rPr lang="en-US" altLang="zh-CN" dirty="0" smtClean="0">
+                <a:solidFill>
+                  <a:schemeClr val="bg1"/>
+                </a:solidFill>
+                <a:latin typeface="冬青黑体简体中文 W3" panose="020B0300000000000000" pitchFamily="34" charset="-122"/>
+                <a:ea typeface="冬青黑体简体中文 W3" panose="020B0300000000000000" pitchFamily="34" charset="-122"/>
+              </a:rPr>
+              <a:t>window</a:t>
+            </a:r>
+          </a:p>
+          <a:p>
+            <a:r>
+              <a:rPr lang="en-US" altLang="zh-CN" dirty="0">
+                <a:solidFill>
+                  <a:schemeClr val="bg1"/>
+                </a:solidFill>
+                <a:latin typeface="冬青黑体简体中文 W3" panose="020B0300000000000000" pitchFamily="34" charset="-122"/>
+                <a:ea typeface="冬青黑体简体中文 W3" panose="020B0300000000000000" pitchFamily="34" charset="-122"/>
+              </a:rPr>
+              <a:t>[[Scope</a:t>
+            </a:r>
+            <a:r>
+              <a:rPr lang="en-US" altLang="zh-CN" dirty="0" smtClean="0">
+                <a:solidFill>
+                  <a:schemeClr val="bg1"/>
+                </a:solidFill>
+                <a:latin typeface="冬青黑体简体中文 W3" panose="020B0300000000000000" pitchFamily="34" charset="-122"/>
+                <a:ea typeface="冬青黑体简体中文 W3" panose="020B0300000000000000" pitchFamily="34" charset="-122"/>
+              </a:rPr>
+              <a:t>]]</a:t>
+            </a:r>
+            <a:r>
+              <a:rPr lang="zh-CN" altLang="en-US" dirty="0" smtClean="0">
+                <a:solidFill>
+                  <a:schemeClr val="bg1"/>
+                </a:solidFill>
+                <a:latin typeface="冬青黑体简体中文 W3" panose="020B0300000000000000" pitchFamily="34" charset="-122"/>
+                <a:ea typeface="冬青黑体简体中文 W3" panose="020B0300000000000000" pitchFamily="34" charset="-122"/>
+              </a:rPr>
+              <a:t>属性：</a:t>
+            </a:r>
+            <a:r>
+              <a:rPr lang="en-US" altLang="zh-CN" dirty="0" smtClean="0">
+                <a:solidFill>
+                  <a:schemeClr val="bg1"/>
+                </a:solidFill>
+                <a:latin typeface="冬青黑体简体中文 W3" panose="020B0300000000000000" pitchFamily="34" charset="-122"/>
+                <a:ea typeface="冬青黑体简体中文 W3" panose="020B0300000000000000" pitchFamily="34" charset="-122"/>
+              </a:rPr>
+              <a:t>null</a:t>
+            </a:r>
+          </a:p>
+          <a:p>
+            <a:r>
+              <a:rPr lang="en-US" altLang="zh-CN" dirty="0" smtClean="0">
+                <a:solidFill>
+                  <a:schemeClr val="bg1"/>
+                </a:solidFill>
+                <a:latin typeface="冬青黑体简体中文 W3" panose="020B0300000000000000" pitchFamily="34" charset="-122"/>
+                <a:ea typeface="冬青黑体简体中文 W3" panose="020B0300000000000000" pitchFamily="34" charset="-122"/>
+              </a:rPr>
+              <a:t>this</a:t>
+            </a:r>
+            <a:r>
+              <a:rPr lang="zh-CN" altLang="en-US" dirty="0" smtClean="0">
+                <a:solidFill>
+                  <a:schemeClr val="bg1"/>
+                </a:solidFill>
+                <a:latin typeface="冬青黑体简体中文 W3" panose="020B0300000000000000" pitchFamily="34" charset="-122"/>
+                <a:ea typeface="冬青黑体简体中文 W3" panose="020B0300000000000000" pitchFamily="34" charset="-122"/>
+              </a:rPr>
+              <a:t>：</a:t>
+            </a:r>
+            <a:r>
+              <a:rPr lang="en-US" altLang="zh-CN" dirty="0" smtClean="0">
+                <a:solidFill>
+                  <a:schemeClr val="bg1"/>
+                </a:solidFill>
+                <a:latin typeface="冬青黑体简体中文 W3" panose="020B0300000000000000" pitchFamily="34" charset="-122"/>
+                <a:ea typeface="冬青黑体简体中文 W3" panose="020B0300000000000000" pitchFamily="34" charset="-122"/>
+              </a:rPr>
+              <a:t>window</a:t>
+            </a:r>
+            <a:endParaRPr lang="zh-CN" altLang="en-US" dirty="0" smtClean="0">
+              <a:solidFill>
+                <a:schemeClr val="bg1"/>
+              </a:solidFill>
+              <a:latin typeface="冬青黑体简体中文 W3" panose="020B0300000000000000" pitchFamily="34" charset="-122"/>
+              <a:ea typeface="冬青黑体简体中文 W3" panose="020B0300000000000000" pitchFamily="34" charset="-122"/>
+            </a:endParaRPr>
+          </a:p>
+        </p:txBody>
+      </p:sp>
+      <p:sp>
+        <p:nvSpPr>
+          <p:cNvPr id="10" name="文本框 9"/>
+          <p:cNvSpPr txBox="1"/>
+          <p:nvPr/>
+        </p:nvSpPr>
+        <p:spPr>
+          <a:xfrm>
+            <a:off x="8544272" y="647400"/>
+            <a:ext cx="1800200" cy="369332"/>
+          </a:xfrm>
+          <a:prstGeom prst="rect">
+            <a:avLst/>
+          </a:prstGeom>
+          <a:noFill/>
+        </p:spPr>
+        <p:txBody>
+          <a:bodyPr wrap="square" rtlCol="0">
+            <a:spAutoFit/>
+          </a:bodyPr>
+          <a:lstStyle/>
+          <a:p>
+            <a:r>
+              <a:rPr lang="en-US" altLang="zh-CN" dirty="0" err="1" smtClean="0">
+                <a:solidFill>
+                  <a:srgbClr val="00B0F0"/>
+                </a:solidFill>
+                <a:latin typeface="冬青黑体简体中文 W3" panose="020B0300000000000000" pitchFamily="34" charset="-122"/>
+                <a:ea typeface="冬青黑体简体中文 W3" panose="020B0300000000000000" pitchFamily="34" charset="-122"/>
+              </a:rPr>
+              <a:t>GlobalContext</a:t>
+            </a:r>
+            <a:endParaRPr lang="zh-CN" altLang="en-US" dirty="0" smtClean="0">
+              <a:solidFill>
+                <a:srgbClr val="00B0F0"/>
+              </a:solidFill>
+              <a:latin typeface="冬青黑体简体中文 W3" panose="020B0300000000000000" pitchFamily="34" charset="-122"/>
+              <a:ea typeface="冬青黑体简体中文 W3" panose="020B0300000000000000" pitchFamily="34" charset="-122"/>
+            </a:endParaRPr>
+          </a:p>
+        </p:txBody>
+      </p:sp>
+      <p:sp>
+        <p:nvSpPr>
+          <p:cNvPr id="11" name="圆角矩形 10"/>
+          <p:cNvSpPr/>
+          <p:nvPr/>
+        </p:nvSpPr>
+        <p:spPr>
+          <a:xfrm>
+            <a:off x="6600056" y="2809784"/>
+            <a:ext cx="3977918" cy="547779"/>
+          </a:xfrm>
+          <a:prstGeom prst="roundRect">
+            <a:avLst/>
+          </a:prstGeom>
+          <a:solidFill>
+            <a:srgbClr val="C00000"/>
+          </a:solidFill>
+          <a:ln>
+            <a:noFill/>
+          </a:ln>
+          <a:effectLst/>
+        </p:spPr>
+        <p:style>
+          <a:lnRef idx="1">
+            <a:schemeClr val="accent6"/>
+          </a:lnRef>
+          <a:fillRef idx="3">
+            <a:schemeClr val="accent6"/>
+          </a:fillRef>
+          <a:effectRef idx="2">
+            <a:schemeClr val="accent6"/>
+          </a:effectRef>
+          <a:fontRef idx="minor">
+            <a:schemeClr val="lt1"/>
+          </a:fontRef>
+        </p:style>
+        <p:txBody>
+          <a:bodyPr rot="0" spcFirstLastPara="0" vertOverflow="overflow" horzOverflow="overflow" vert="horz" wrap="none" lIns="180000" tIns="108000" rIns="180000" bIns="108000" numCol="1" spcCol="0" rtlCol="0" fromWordArt="0" anchor="ctr" anchorCtr="1" forceAA="0" compatLnSpc="1">
+            <a:prstTxWarp prst="textNoShape">
+              <a:avLst/>
+            </a:prstTxWarp>
+            <a:spAutoFit/>
+          </a:bodyPr>
+          <a:lstStyle/>
+          <a:p>
+            <a:pPr algn="ctr"/>
+            <a:r>
+              <a:rPr lang="en-US" altLang="zh-CN" dirty="0" err="1" smtClean="0">
+                <a:solidFill>
+                  <a:schemeClr val="bg1"/>
+                </a:solidFill>
+                <a:latin typeface="冬青黑体简体中文 W3" panose="020B0300000000000000" pitchFamily="34" charset="-122"/>
+                <a:ea typeface="冬青黑体简体中文 W3" panose="020B0300000000000000" pitchFamily="34" charset="-122"/>
+              </a:rPr>
+              <a:t>GlobalContext.VO.i</a:t>
+            </a:r>
+            <a:r>
+              <a:rPr lang="en-US" altLang="zh-CN" dirty="0" smtClean="0">
+                <a:solidFill>
+                  <a:schemeClr val="bg1"/>
+                </a:solidFill>
+                <a:latin typeface="冬青黑体简体中文 W3" panose="020B0300000000000000" pitchFamily="34" charset="-122"/>
+                <a:ea typeface="冬青黑体简体中文 W3" panose="020B0300000000000000" pitchFamily="34" charset="-122"/>
+              </a:rPr>
+              <a:t> = undefined</a:t>
+            </a:r>
+            <a:endParaRPr lang="zh-CN" altLang="en-US" dirty="0" smtClean="0">
+              <a:solidFill>
+                <a:schemeClr val="bg1"/>
+              </a:solidFill>
+              <a:latin typeface="冬青黑体简体中文 W3" panose="020B0300000000000000" pitchFamily="34" charset="-122"/>
+              <a:ea typeface="冬青黑体简体中文 W3" panose="020B0300000000000000" pitchFamily="34" charset="-122"/>
+            </a:endParaRPr>
+          </a:p>
+        </p:txBody>
+      </p:sp>
+      <p:sp>
+        <p:nvSpPr>
+          <p:cNvPr id="13" name="圆角矩形 12"/>
+          <p:cNvSpPr/>
+          <p:nvPr/>
+        </p:nvSpPr>
+        <p:spPr>
+          <a:xfrm>
+            <a:off x="6600056" y="4138622"/>
+            <a:ext cx="2971208" cy="547779"/>
+          </a:xfrm>
+          <a:prstGeom prst="roundRect">
+            <a:avLst/>
+          </a:prstGeom>
+          <a:solidFill>
+            <a:srgbClr val="C00000"/>
+          </a:solidFill>
+          <a:ln>
+            <a:noFill/>
+          </a:ln>
+          <a:effectLst/>
+        </p:spPr>
+        <p:style>
+          <a:lnRef idx="1">
+            <a:schemeClr val="accent6"/>
+          </a:lnRef>
+          <a:fillRef idx="3">
+            <a:schemeClr val="accent6"/>
+          </a:fillRef>
+          <a:effectRef idx="2">
+            <a:schemeClr val="accent6"/>
+          </a:effectRef>
+          <a:fontRef idx="minor">
+            <a:schemeClr val="lt1"/>
+          </a:fontRef>
+        </p:style>
+        <p:txBody>
+          <a:bodyPr rot="0" spcFirstLastPara="0" vertOverflow="overflow" horzOverflow="overflow" vert="horz" wrap="none" lIns="180000" tIns="108000" rIns="180000" bIns="108000" numCol="1" spcCol="0" rtlCol="0" fromWordArt="0" anchor="ctr" anchorCtr="1" forceAA="0" compatLnSpc="1">
+            <a:prstTxWarp prst="textNoShape">
+              <a:avLst/>
+            </a:prstTxWarp>
+            <a:spAutoFit/>
+          </a:bodyPr>
+          <a:lstStyle/>
+          <a:p>
+            <a:pPr algn="ctr"/>
+            <a:r>
+              <a:rPr lang="en-US" altLang="zh-CN" dirty="0" err="1" smtClean="0">
+                <a:solidFill>
+                  <a:schemeClr val="bg1"/>
+                </a:solidFill>
+                <a:latin typeface="冬青黑体简体中文 W3" panose="020B0300000000000000" pitchFamily="34" charset="-122"/>
+                <a:ea typeface="冬青黑体简体中文 W3" panose="020B0300000000000000" pitchFamily="34" charset="-122"/>
+              </a:rPr>
+              <a:t>GlobalContext.VO.i</a:t>
+            </a:r>
+            <a:r>
+              <a:rPr lang="en-US" altLang="zh-CN" dirty="0" smtClean="0">
+                <a:solidFill>
+                  <a:schemeClr val="bg1"/>
+                </a:solidFill>
+                <a:latin typeface="冬青黑体简体中文 W3" panose="020B0300000000000000" pitchFamily="34" charset="-122"/>
+                <a:ea typeface="冬青黑体简体中文 W3" panose="020B0300000000000000" pitchFamily="34" charset="-122"/>
+              </a:rPr>
+              <a:t> = 0</a:t>
+            </a:r>
+            <a:endParaRPr lang="zh-CN" altLang="en-US" dirty="0" smtClean="0">
+              <a:solidFill>
+                <a:schemeClr val="bg1"/>
+              </a:solidFill>
+              <a:latin typeface="冬青黑体简体中文 W3" panose="020B0300000000000000" pitchFamily="34" charset="-122"/>
+              <a:ea typeface="冬青黑体简体中文 W3" panose="020B0300000000000000" pitchFamily="34" charset="-122"/>
+            </a:endParaRPr>
+          </a:p>
+        </p:txBody>
+      </p:sp>
+      <p:sp>
+        <p:nvSpPr>
+          <p:cNvPr id="16" name="圆角矩形 15"/>
+          <p:cNvSpPr/>
+          <p:nvPr/>
+        </p:nvSpPr>
+        <p:spPr>
+          <a:xfrm>
+            <a:off x="6708068" y="5068339"/>
+            <a:ext cx="3648344" cy="1160713"/>
+          </a:xfrm>
+          <a:prstGeom prst="roundRect">
+            <a:avLst/>
+          </a:prstGeom>
+          <a:solidFill>
+            <a:srgbClr val="C00000"/>
+          </a:solidFill>
+          <a:ln>
+            <a:noFill/>
+          </a:ln>
+          <a:effectLst/>
+        </p:spPr>
+        <p:style>
+          <a:lnRef idx="1">
+            <a:schemeClr val="accent6"/>
+          </a:lnRef>
+          <a:fillRef idx="3">
+            <a:schemeClr val="accent6"/>
+          </a:fillRef>
+          <a:effectRef idx="2">
+            <a:schemeClr val="accent6"/>
+          </a:effectRef>
+          <a:fontRef idx="minor">
+            <a:schemeClr val="lt1"/>
+          </a:fontRef>
+        </p:style>
+        <p:txBody>
+          <a:bodyPr rot="0" spcFirstLastPara="0" vertOverflow="overflow" horzOverflow="overflow" vert="horz" wrap="none" lIns="180000" tIns="108000" rIns="180000" bIns="108000" numCol="1" spcCol="0" rtlCol="0" fromWordArt="0" anchor="ctr" anchorCtr="1" forceAA="0" compatLnSpc="1">
+            <a:prstTxWarp prst="textNoShape">
+              <a:avLst/>
+            </a:prstTxWarp>
+            <a:spAutoFit/>
+          </a:bodyPr>
+          <a:lstStyle/>
+          <a:p>
+            <a:r>
+              <a:rPr lang="en-US" altLang="zh-CN" dirty="0" smtClean="0">
+                <a:solidFill>
+                  <a:schemeClr val="bg1"/>
+                </a:solidFill>
+                <a:latin typeface="冬青黑体简体中文 W3" panose="020B0300000000000000" pitchFamily="34" charset="-122"/>
+                <a:ea typeface="冬青黑体简体中文 W3" panose="020B0300000000000000" pitchFamily="34" charset="-122"/>
+              </a:rPr>
+              <a:t>VO: {}</a:t>
+            </a:r>
+          </a:p>
+          <a:p>
+            <a:r>
+              <a:rPr lang="en-US" altLang="zh-CN" dirty="0" smtClean="0">
+                <a:solidFill>
+                  <a:schemeClr val="bg1"/>
+                </a:solidFill>
+                <a:latin typeface="冬青黑体简体中文 W3" panose="020B0300000000000000" pitchFamily="34" charset="-122"/>
+                <a:ea typeface="冬青黑体简体中文 W3" panose="020B0300000000000000" pitchFamily="34" charset="-122"/>
+              </a:rPr>
+              <a:t>[[Scope]]: </a:t>
+            </a:r>
+            <a:r>
+              <a:rPr lang="en-US" altLang="zh-CN" dirty="0" err="1" smtClean="0">
+                <a:solidFill>
+                  <a:schemeClr val="bg1"/>
+                </a:solidFill>
+                <a:latin typeface="冬青黑体简体中文 W3" panose="020B0300000000000000" pitchFamily="34" charset="-122"/>
+                <a:ea typeface="冬青黑体简体中文 W3" panose="020B0300000000000000" pitchFamily="34" charset="-122"/>
+              </a:rPr>
+              <a:t>GlobalContext.VO</a:t>
+            </a:r>
+            <a:endParaRPr lang="en-US" altLang="zh-CN" dirty="0" smtClean="0">
+              <a:solidFill>
+                <a:schemeClr val="bg1"/>
+              </a:solidFill>
+              <a:latin typeface="冬青黑体简体中文 W3" panose="020B0300000000000000" pitchFamily="34" charset="-122"/>
+              <a:ea typeface="冬青黑体简体中文 W3" panose="020B0300000000000000" pitchFamily="34" charset="-122"/>
+            </a:endParaRPr>
+          </a:p>
+          <a:p>
+            <a:r>
+              <a:rPr lang="en-US" altLang="zh-CN" dirty="0" smtClean="0">
+                <a:solidFill>
+                  <a:schemeClr val="bg1"/>
+                </a:solidFill>
+                <a:latin typeface="冬青黑体简体中文 W3" panose="020B0300000000000000" pitchFamily="34" charset="-122"/>
+                <a:ea typeface="冬青黑体简体中文 W3" panose="020B0300000000000000" pitchFamily="34" charset="-122"/>
+              </a:rPr>
+              <a:t>this</a:t>
+            </a:r>
+            <a:endParaRPr lang="zh-CN" altLang="en-US" dirty="0" smtClean="0">
+              <a:solidFill>
+                <a:schemeClr val="bg1"/>
+              </a:solidFill>
+              <a:latin typeface="冬青黑体简体中文 W3" panose="020B0300000000000000" pitchFamily="34" charset="-122"/>
+              <a:ea typeface="冬青黑体简体中文 W3" panose="020B0300000000000000" pitchFamily="34" charset="-122"/>
+            </a:endParaRPr>
+          </a:p>
+        </p:txBody>
+      </p:sp>
+      <p:sp>
+        <p:nvSpPr>
+          <p:cNvPr id="17" name="圆角矩形 16"/>
+          <p:cNvSpPr/>
+          <p:nvPr/>
+        </p:nvSpPr>
+        <p:spPr>
+          <a:xfrm>
+            <a:off x="6708068" y="6284374"/>
+            <a:ext cx="4770986" cy="547779"/>
+          </a:xfrm>
+          <a:prstGeom prst="roundRect">
+            <a:avLst/>
+          </a:prstGeom>
+          <a:solidFill>
+            <a:srgbClr val="C00000"/>
+          </a:solidFill>
+          <a:ln>
+            <a:noFill/>
+          </a:ln>
+          <a:effectLst/>
+        </p:spPr>
+        <p:style>
+          <a:lnRef idx="1">
+            <a:schemeClr val="accent6"/>
+          </a:lnRef>
+          <a:fillRef idx="3">
+            <a:schemeClr val="accent6"/>
+          </a:fillRef>
+          <a:effectRef idx="2">
+            <a:schemeClr val="accent6"/>
+          </a:effectRef>
+          <a:fontRef idx="minor">
+            <a:schemeClr val="lt1"/>
+          </a:fontRef>
+        </p:style>
+        <p:txBody>
+          <a:bodyPr rot="0" spcFirstLastPara="0" vertOverflow="overflow" horzOverflow="overflow" vert="horz" wrap="none" lIns="180000" tIns="108000" rIns="180000" bIns="108000" numCol="1" spcCol="0" rtlCol="0" fromWordArt="0" anchor="ctr" anchorCtr="1" forceAA="0" compatLnSpc="1">
+            <a:prstTxWarp prst="textNoShape">
+              <a:avLst/>
+            </a:prstTxWarp>
+            <a:spAutoFit/>
+          </a:bodyPr>
+          <a:lstStyle/>
+          <a:p>
+            <a:pPr algn="ctr"/>
+            <a:r>
+              <a:rPr lang="en-US" altLang="zh-CN" dirty="0" err="1" smtClean="0">
+                <a:solidFill>
+                  <a:schemeClr val="bg1"/>
+                </a:solidFill>
+                <a:latin typeface="冬青黑体简体中文 W3" panose="020B0300000000000000" pitchFamily="34" charset="-122"/>
+                <a:ea typeface="冬青黑体简体中文 W3" panose="020B0300000000000000" pitchFamily="34" charset="-122"/>
+              </a:rPr>
+              <a:t>AnonymousContext.VO.i</a:t>
+            </a:r>
+            <a:r>
+              <a:rPr lang="en-US" altLang="zh-CN" dirty="0" smtClean="0">
+                <a:solidFill>
+                  <a:schemeClr val="bg1"/>
+                </a:solidFill>
+                <a:latin typeface="冬青黑体简体中文 W3" panose="020B0300000000000000" pitchFamily="34" charset="-122"/>
+                <a:ea typeface="冬青黑体简体中文 W3" panose="020B0300000000000000" pitchFamily="34" charset="-122"/>
+              </a:rPr>
+              <a:t> = undefined</a:t>
+            </a:r>
+            <a:endParaRPr lang="zh-CN" altLang="en-US" dirty="0" smtClean="0">
+              <a:solidFill>
+                <a:schemeClr val="bg1"/>
+              </a:solidFill>
+              <a:latin typeface="冬青黑体简体中文 W3" panose="020B0300000000000000" pitchFamily="34" charset="-122"/>
+              <a:ea typeface="冬青黑体简体中文 W3" panose="020B0300000000000000" pitchFamily="34" charset="-122"/>
+            </a:endParaRPr>
+          </a:p>
+        </p:txBody>
+      </p:sp>
+      <p:sp>
+        <p:nvSpPr>
+          <p:cNvPr id="18" name="文本框 17"/>
+          <p:cNvSpPr txBox="1"/>
+          <p:nvPr/>
+        </p:nvSpPr>
+        <p:spPr>
+          <a:xfrm>
+            <a:off x="7472299" y="4725144"/>
+            <a:ext cx="2476129" cy="369332"/>
+          </a:xfrm>
+          <a:prstGeom prst="rect">
+            <a:avLst/>
+          </a:prstGeom>
+          <a:noFill/>
+        </p:spPr>
+        <p:txBody>
+          <a:bodyPr wrap="square" rtlCol="0">
+            <a:spAutoFit/>
+          </a:bodyPr>
+          <a:lstStyle/>
+          <a:p>
+            <a:r>
+              <a:rPr lang="en-US" altLang="zh-CN" dirty="0" err="1" smtClean="0">
+                <a:solidFill>
+                  <a:srgbClr val="00B0F0"/>
+                </a:solidFill>
+                <a:latin typeface="冬青黑体简体中文 W3" panose="020B0300000000000000" pitchFamily="34" charset="-122"/>
+                <a:ea typeface="冬青黑体简体中文 W3" panose="020B0300000000000000" pitchFamily="34" charset="-122"/>
+              </a:rPr>
+              <a:t>AnonymousContext</a:t>
+            </a:r>
+            <a:endParaRPr lang="zh-CN" altLang="en-US" dirty="0" smtClean="0">
+              <a:solidFill>
+                <a:srgbClr val="00B0F0"/>
+              </a:solidFill>
+              <a:latin typeface="冬青黑体简体中文 W3" panose="020B0300000000000000" pitchFamily="34" charset="-122"/>
+              <a:ea typeface="冬青黑体简体中文 W3" panose="020B0300000000000000" pitchFamily="34" charset="-122"/>
+            </a:endParaRPr>
+          </a:p>
+        </p:txBody>
+      </p:sp>
+    </p:spTree>
+    <p:extLst>
+      <p:ext uri="{BB962C8B-B14F-4D97-AF65-F5344CB8AC3E}">
+        <p14:creationId xmlns:p14="http://schemas.microsoft.com/office/powerpoint/2010/main" val="1326486664"/>
+      </p:ext>
+    </p:extLst>
+  </p:cSld>
+  <p:clrMapOvr>
+    <a:masterClrMapping/>
+  </p:clrMapOvr>
+  <mc:AlternateContent xmlns:mc="http://schemas.openxmlformats.org/markup-compatibility/2006">
+    <mc:Choice xmlns:p14="http://schemas.microsoft.com/office/powerpoint/2010/main" Requires="p14">
+      <p:transition p14:dur="0" advClick="0" advTm="9938"/>
+    </mc:Choice>
+    <mc:Fallback>
+      <p:transition advClick="0" advTm="9938"/>
+    </mc:Fallback>
+  </mc:AlternateContent>
+  <p:timing>
+    <p:tnLst>
+      <p:par>
+        <p:cTn id="1" dur="indefinite" restart="never" nodeType="tmRoot"/>
+      </p:par>
+    </p:tnLst>
+  </p:timing>
+</p:sld>
+</file>
+
+<file path=ppt/slides/slide37.xml><?xml version="1.0" encoding="utf-8"?>
+<p:sld xmlns:a="http://schemas.openxmlformats.org/drawingml/2006/main" xmlns:r="http://schemas.openxmlformats.org/officeDocument/2006/relationships" xmlns:p="http://schemas.openxmlformats.org/presentationml/2006/main">
+  <p:cSld>
+    <p:spTree>
+      <p:nvGrpSpPr>
+        <p:cNvPr id="1" name=""/>
+        <p:cNvGrpSpPr/>
+        <p:nvPr/>
+      </p:nvGrpSpPr>
+      <p:grpSpPr>
+        <a:xfrm>
+          <a:off x="0" y="0"/>
+          <a:ext cx="0" cy="0"/>
+          <a:chOff x="0" y="0"/>
+          <a:chExt cx="0" cy="0"/>
+        </a:xfrm>
+      </p:grpSpPr>
+      <p:cxnSp>
+        <p:nvCxnSpPr>
+          <p:cNvPr id="4" name="直接连接符 3"/>
+          <p:cNvCxnSpPr/>
+          <p:nvPr/>
+        </p:nvCxnSpPr>
+        <p:spPr>
+          <a:xfrm>
+            <a:off x="6096000" y="0"/>
+            <a:ext cx="0" cy="6858000"/>
+          </a:xfrm>
+          <a:prstGeom prst="line">
+            <a:avLst/>
+          </a:prstGeom>
+          <a:ln w="25400"/>
+        </p:spPr>
+        <p:style>
+          <a:lnRef idx="1">
+            <a:schemeClr val="accent1"/>
+          </a:lnRef>
+          <a:fillRef idx="0">
+            <a:schemeClr val="accent1"/>
+          </a:fillRef>
+          <a:effectRef idx="0">
+            <a:schemeClr val="accent1"/>
+          </a:effectRef>
+          <a:fontRef idx="minor">
+            <a:schemeClr val="tx1"/>
+          </a:fontRef>
+        </p:style>
+      </p:cxnSp>
+      <p:sp>
+        <p:nvSpPr>
+          <p:cNvPr id="5" name="文本框 4"/>
+          <p:cNvSpPr txBox="1"/>
+          <p:nvPr/>
+        </p:nvSpPr>
+        <p:spPr>
+          <a:xfrm>
+            <a:off x="93514" y="148777"/>
+            <a:ext cx="6096000" cy="3000821"/>
+          </a:xfrm>
+          <a:prstGeom prst="rect">
+            <a:avLst/>
+          </a:prstGeom>
+          <a:noFill/>
+        </p:spPr>
+        <p:txBody>
+          <a:bodyPr wrap="square" rtlCol="0">
+            <a:spAutoFit/>
+          </a:bodyPr>
+          <a:lstStyle/>
+          <a:p>
+            <a:pPr lvl="1"/>
+            <a:r>
+              <a:rPr lang="en-US" altLang="zh-CN" dirty="0" smtClean="0">
+                <a:solidFill>
+                  <a:schemeClr val="tx1">
+                    <a:lumMod val="65000"/>
+                    <a:lumOff val="35000"/>
+                  </a:schemeClr>
+                </a:solidFill>
+                <a:latin typeface="冬青黑体简体中文 W3" panose="020B0300000000000000" pitchFamily="34" charset="-122"/>
+                <a:ea typeface="冬青黑体简体中文 W3" panose="020B0300000000000000" pitchFamily="34" charset="-122"/>
+              </a:rPr>
+              <a:t>c. </a:t>
+            </a:r>
+            <a:r>
+              <a:rPr lang="zh-CN" altLang="en-US" dirty="0" smtClean="0">
+                <a:solidFill>
+                  <a:schemeClr val="tx1">
+                    <a:lumMod val="65000"/>
+                    <a:lumOff val="35000"/>
+                  </a:schemeClr>
+                </a:solidFill>
+                <a:latin typeface="冬青黑体简体中文 W3" panose="020B0300000000000000" pitchFamily="34" charset="-122"/>
+                <a:ea typeface="冬青黑体简体中文 W3" panose="020B0300000000000000" pitchFamily="34" charset="-122"/>
+              </a:rPr>
+              <a:t>执行 </a:t>
+            </a:r>
+            <a:r>
+              <a:rPr lang="zh-CN" altLang="en-US" dirty="0" smtClean="0">
+                <a:solidFill>
+                  <a:srgbClr val="C00000"/>
+                </a:solidFill>
+                <a:latin typeface="冬青黑体简体中文 W3" panose="020B0300000000000000" pitchFamily="34" charset="-122"/>
+                <a:ea typeface="冬青黑体简体中文 W3" panose="020B0300000000000000" pitchFamily="34" charset="-122"/>
+              </a:rPr>
+              <a:t>函数代码：</a:t>
+            </a:r>
+            <a:endParaRPr lang="en-US" altLang="zh-CN" dirty="0" smtClean="0">
+              <a:solidFill>
+                <a:srgbClr val="C00000"/>
+              </a:solidFill>
+              <a:latin typeface="冬青黑体简体中文 W3" panose="020B0300000000000000" pitchFamily="34" charset="-122"/>
+              <a:ea typeface="冬青黑体简体中文 W3" panose="020B0300000000000000" pitchFamily="34" charset="-122"/>
+            </a:endParaRPr>
+          </a:p>
+          <a:p>
+            <a:pPr marL="1257300" lvl="2" indent="-342900">
+              <a:lnSpc>
+                <a:spcPct val="150000"/>
+              </a:lnSpc>
+              <a:buFont typeface="+mj-lt"/>
+              <a:buAutoNum type="alphaLcParenR"/>
+            </a:pPr>
+            <a:r>
+              <a:rPr lang="zh-CN" altLang="en-US" dirty="0">
+                <a:solidFill>
+                  <a:schemeClr val="tx1">
+                    <a:lumMod val="65000"/>
+                    <a:lumOff val="35000"/>
+                  </a:schemeClr>
+                </a:solidFill>
+                <a:latin typeface="冬青黑体简体中文 W3" panose="020B0300000000000000" pitchFamily="34" charset="-122"/>
+                <a:ea typeface="冬青黑体简体中文 W3" panose="020B0300000000000000" pitchFamily="34" charset="-122"/>
+              </a:rPr>
+              <a:t>查找 </a:t>
+            </a:r>
+            <a:r>
+              <a:rPr lang="en-US" altLang="zh-CN" dirty="0" err="1">
+                <a:solidFill>
+                  <a:schemeClr val="tx1">
+                    <a:lumMod val="65000"/>
+                    <a:lumOff val="35000"/>
+                  </a:schemeClr>
+                </a:solidFill>
+                <a:latin typeface="冬青黑体简体中文 W3" panose="020B0300000000000000" pitchFamily="34" charset="-122"/>
+                <a:ea typeface="冬青黑体简体中文 W3" panose="020B0300000000000000" pitchFamily="34" charset="-122"/>
+              </a:rPr>
+              <a:t>setTimeout</a:t>
+            </a:r>
+            <a:r>
+              <a:rPr lang="en-US" altLang="zh-CN" dirty="0">
+                <a:solidFill>
+                  <a:schemeClr val="tx1">
+                    <a:lumMod val="65000"/>
+                    <a:lumOff val="35000"/>
+                  </a:schemeClr>
+                </a:solidFill>
+                <a:latin typeface="冬青黑体简体中文 W3" panose="020B0300000000000000" pitchFamily="34" charset="-122"/>
+                <a:ea typeface="冬青黑体简体中文 W3" panose="020B0300000000000000" pitchFamily="34" charset="-122"/>
+              </a:rPr>
+              <a:t> </a:t>
+            </a:r>
+            <a:r>
+              <a:rPr lang="zh-CN" altLang="en-US" dirty="0">
+                <a:solidFill>
+                  <a:schemeClr val="tx1">
+                    <a:lumMod val="65000"/>
+                    <a:lumOff val="35000"/>
+                  </a:schemeClr>
+                </a:solidFill>
+                <a:latin typeface="冬青黑体简体中文 W3" panose="020B0300000000000000" pitchFamily="34" charset="-122"/>
+                <a:ea typeface="冬青黑体简体中文 W3" panose="020B0300000000000000" pitchFamily="34" charset="-122"/>
+              </a:rPr>
+              <a:t>并调用</a:t>
+            </a:r>
+            <a:endParaRPr lang="en-US" altLang="zh-CN" dirty="0">
+              <a:solidFill>
+                <a:schemeClr val="tx1">
+                  <a:lumMod val="65000"/>
+                  <a:lumOff val="35000"/>
+                </a:schemeClr>
+              </a:solidFill>
+              <a:latin typeface="冬青黑体简体中文 W3" panose="020B0300000000000000" pitchFamily="34" charset="-122"/>
+              <a:ea typeface="冬青黑体简体中文 W3" panose="020B0300000000000000" pitchFamily="34" charset="-122"/>
+            </a:endParaRPr>
+          </a:p>
+          <a:p>
+            <a:pPr marL="1257300" lvl="2" indent="-342900">
+              <a:lnSpc>
+                <a:spcPct val="150000"/>
+              </a:lnSpc>
+              <a:buFont typeface="+mj-lt"/>
+              <a:buAutoNum type="alphaLcParenR"/>
+            </a:pPr>
+            <a:r>
+              <a:rPr lang="en-US" altLang="zh-CN" dirty="0" err="1">
+                <a:solidFill>
+                  <a:schemeClr val="tx1">
+                    <a:lumMod val="65000"/>
+                    <a:lumOff val="35000"/>
+                  </a:schemeClr>
+                </a:solidFill>
+                <a:latin typeface="冬青黑体简体中文 W3" panose="020B0300000000000000" pitchFamily="34" charset="-122"/>
+                <a:ea typeface="冬青黑体简体中文 W3" panose="020B0300000000000000" pitchFamily="34" charset="-122"/>
+              </a:rPr>
+              <a:t>setTimeout</a:t>
+            </a:r>
+            <a:r>
+              <a:rPr lang="zh-CN" altLang="en-US" dirty="0">
+                <a:solidFill>
+                  <a:schemeClr val="tx1">
+                    <a:lumMod val="65000"/>
+                    <a:lumOff val="35000"/>
+                  </a:schemeClr>
+                </a:solidFill>
+                <a:latin typeface="冬青黑体简体中文 W3" panose="020B0300000000000000" pitchFamily="34" charset="-122"/>
+                <a:ea typeface="冬青黑体简体中文 W3" panose="020B0300000000000000" pitchFamily="34" charset="-122"/>
+              </a:rPr>
+              <a:t>函数把 回调函数 加入到定时器中</a:t>
+            </a:r>
+            <a:endParaRPr lang="en-US" altLang="zh-CN" dirty="0">
+              <a:solidFill>
+                <a:schemeClr val="tx1">
+                  <a:lumMod val="65000"/>
+                  <a:lumOff val="35000"/>
+                </a:schemeClr>
+              </a:solidFill>
+              <a:latin typeface="冬青黑体简体中文 W3" panose="020B0300000000000000" pitchFamily="34" charset="-122"/>
+              <a:ea typeface="冬青黑体简体中文 W3" panose="020B0300000000000000" pitchFamily="34" charset="-122"/>
+            </a:endParaRPr>
+          </a:p>
+          <a:p>
+            <a:pPr marL="1257300" lvl="2" indent="-342900">
+              <a:lnSpc>
+                <a:spcPct val="150000"/>
+              </a:lnSpc>
+              <a:buFont typeface="+mj-lt"/>
+              <a:buAutoNum type="alphaLcParenR"/>
+            </a:pPr>
+            <a:r>
+              <a:rPr lang="zh-CN" altLang="en-US" dirty="0">
+                <a:solidFill>
+                  <a:schemeClr val="tx1">
+                    <a:lumMod val="65000"/>
+                    <a:lumOff val="35000"/>
+                  </a:schemeClr>
+                </a:solidFill>
+                <a:latin typeface="冬青黑体简体中文 W3" panose="020B0300000000000000" pitchFamily="34" charset="-122"/>
+                <a:ea typeface="冬青黑体简体中文 W3" panose="020B0300000000000000" pitchFamily="34" charset="-122"/>
+              </a:rPr>
+              <a:t>函</a:t>
+            </a:r>
+            <a:r>
+              <a:rPr lang="zh-CN" altLang="en-US" dirty="0" smtClean="0">
+                <a:solidFill>
+                  <a:schemeClr val="tx1">
+                    <a:lumMod val="65000"/>
+                    <a:lumOff val="35000"/>
+                  </a:schemeClr>
+                </a:solidFill>
+                <a:latin typeface="冬青黑体简体中文 W3" panose="020B0300000000000000" pitchFamily="34" charset="-122"/>
+                <a:ea typeface="冬青黑体简体中文 W3" panose="020B0300000000000000" pitchFamily="34" charset="-122"/>
+              </a:rPr>
+              <a:t>数执行完毕。</a:t>
+            </a:r>
+            <a:endParaRPr lang="en-US" altLang="zh-CN" dirty="0" smtClean="0">
+              <a:solidFill>
+                <a:schemeClr val="tx1">
+                  <a:lumMod val="65000"/>
+                  <a:lumOff val="35000"/>
+                </a:schemeClr>
+              </a:solidFill>
+              <a:latin typeface="冬青黑体简体中文 W3" panose="020B0300000000000000" pitchFamily="34" charset="-122"/>
+              <a:ea typeface="冬青黑体简体中文 W3" panose="020B0300000000000000" pitchFamily="34" charset="-122"/>
+            </a:endParaRPr>
+          </a:p>
+          <a:p>
+            <a:pPr>
+              <a:lnSpc>
+                <a:spcPct val="150000"/>
+              </a:lnSpc>
+            </a:pPr>
+            <a:r>
+              <a:rPr lang="en-US" altLang="zh-CN" dirty="0" smtClean="0">
+                <a:solidFill>
+                  <a:schemeClr val="tx1">
+                    <a:lumMod val="65000"/>
+                    <a:lumOff val="35000"/>
+                  </a:schemeClr>
+                </a:solidFill>
+                <a:latin typeface="冬青黑体简体中文 W3" panose="020B0300000000000000" pitchFamily="34" charset="-122"/>
+                <a:ea typeface="冬青黑体简体中文 W3" panose="020B0300000000000000" pitchFamily="34" charset="-122"/>
+              </a:rPr>
+              <a:t>D. </a:t>
+            </a:r>
+            <a:r>
+              <a:rPr lang="en-US" altLang="zh-CN" dirty="0" err="1" smtClean="0">
+                <a:solidFill>
+                  <a:schemeClr val="tx1">
+                    <a:lumMod val="65000"/>
+                    <a:lumOff val="35000"/>
+                  </a:schemeClr>
+                </a:solidFill>
+                <a:latin typeface="冬青黑体简体中文 W3" panose="020B0300000000000000" pitchFamily="34" charset="-122"/>
+                <a:ea typeface="冬青黑体简体中文 W3" panose="020B0300000000000000" pitchFamily="34" charset="-122"/>
+              </a:rPr>
+              <a:t>i</a:t>
+            </a:r>
+            <a:r>
+              <a:rPr lang="en-US" altLang="zh-CN" dirty="0">
+                <a:solidFill>
+                  <a:schemeClr val="tx1">
+                    <a:lumMod val="65000"/>
+                    <a:lumOff val="35000"/>
+                  </a:schemeClr>
+                </a:solidFill>
+                <a:latin typeface="冬青黑体简体中文 W3" panose="020B0300000000000000" pitchFamily="34" charset="-122"/>
+                <a:ea typeface="冬青黑体简体中文 W3" panose="020B0300000000000000" pitchFamily="34" charset="-122"/>
+              </a:rPr>
+              <a:t>++ : </a:t>
+            </a:r>
+            <a:r>
+              <a:rPr lang="zh-CN" altLang="en-US" dirty="0">
+                <a:solidFill>
+                  <a:schemeClr val="tx1">
+                    <a:lumMod val="65000"/>
+                    <a:lumOff val="35000"/>
+                  </a:schemeClr>
+                </a:solidFill>
+                <a:latin typeface="冬青黑体简体中文 W3" panose="020B0300000000000000" pitchFamily="34" charset="-122"/>
+                <a:ea typeface="冬青黑体简体中文 W3" panose="020B0300000000000000" pitchFamily="34" charset="-122"/>
+              </a:rPr>
+              <a:t>对变量 </a:t>
+            </a:r>
+            <a:r>
+              <a:rPr lang="en-US" altLang="zh-CN" dirty="0" err="1">
+                <a:solidFill>
+                  <a:schemeClr val="tx1">
+                    <a:lumMod val="65000"/>
+                    <a:lumOff val="35000"/>
+                  </a:schemeClr>
+                </a:solidFill>
+                <a:latin typeface="冬青黑体简体中文 W3" panose="020B0300000000000000" pitchFamily="34" charset="-122"/>
+                <a:ea typeface="冬青黑体简体中文 W3" panose="020B0300000000000000" pitchFamily="34" charset="-122"/>
+              </a:rPr>
+              <a:t>i</a:t>
+            </a:r>
+            <a:r>
+              <a:rPr lang="en-US" altLang="zh-CN" dirty="0">
+                <a:solidFill>
+                  <a:schemeClr val="tx1">
+                    <a:lumMod val="65000"/>
+                    <a:lumOff val="35000"/>
+                  </a:schemeClr>
+                </a:solidFill>
+                <a:latin typeface="冬青黑体简体中文 W3" panose="020B0300000000000000" pitchFamily="34" charset="-122"/>
+                <a:ea typeface="冬青黑体简体中文 W3" panose="020B0300000000000000" pitchFamily="34" charset="-122"/>
+              </a:rPr>
+              <a:t> </a:t>
+            </a:r>
+            <a:r>
+              <a:rPr lang="zh-CN" altLang="en-US" dirty="0">
+                <a:solidFill>
+                  <a:schemeClr val="tx1">
+                    <a:lumMod val="65000"/>
+                    <a:lumOff val="35000"/>
+                  </a:schemeClr>
+                </a:solidFill>
+                <a:latin typeface="冬青黑体简体中文 W3" panose="020B0300000000000000" pitchFamily="34" charset="-122"/>
+                <a:ea typeface="冬青黑体简体中文 W3" panose="020B0300000000000000" pitchFamily="34" charset="-122"/>
+              </a:rPr>
+              <a:t>赋值。</a:t>
+            </a:r>
+            <a:endParaRPr lang="en-US" altLang="zh-CN" dirty="0">
+              <a:solidFill>
+                <a:schemeClr val="tx1">
+                  <a:lumMod val="65000"/>
+                  <a:lumOff val="35000"/>
+                </a:schemeClr>
+              </a:solidFill>
+              <a:latin typeface="冬青黑体简体中文 W3" panose="020B0300000000000000" pitchFamily="34" charset="-122"/>
+              <a:ea typeface="冬青黑体简体中文 W3" panose="020B0300000000000000" pitchFamily="34" charset="-122"/>
+            </a:endParaRPr>
+          </a:p>
+          <a:p>
+            <a:pPr>
+              <a:lnSpc>
+                <a:spcPct val="150000"/>
+              </a:lnSpc>
+            </a:pPr>
+            <a:r>
+              <a:rPr lang="en-US" altLang="zh-CN" dirty="0" smtClean="0">
+                <a:solidFill>
+                  <a:schemeClr val="tx1">
+                    <a:lumMod val="65000"/>
+                    <a:lumOff val="35000"/>
+                  </a:schemeClr>
+                </a:solidFill>
+                <a:latin typeface="冬青黑体简体中文 W3" panose="020B0300000000000000" pitchFamily="34" charset="-122"/>
+                <a:ea typeface="冬青黑体简体中文 W3" panose="020B0300000000000000" pitchFamily="34" charset="-122"/>
+              </a:rPr>
+              <a:t>F. </a:t>
+            </a:r>
+            <a:r>
+              <a:rPr lang="zh-CN" altLang="en-US" dirty="0" smtClean="0">
+                <a:solidFill>
+                  <a:schemeClr val="tx1">
+                    <a:lumMod val="65000"/>
+                    <a:lumOff val="35000"/>
+                  </a:schemeClr>
+                </a:solidFill>
+                <a:latin typeface="冬青黑体简体中文 W3" panose="020B0300000000000000" pitchFamily="34" charset="-122"/>
+                <a:ea typeface="冬青黑体简体中文 W3" panose="020B0300000000000000" pitchFamily="34" charset="-122"/>
+              </a:rPr>
+              <a:t>重</a:t>
+            </a:r>
+            <a:r>
+              <a:rPr lang="zh-CN" altLang="en-US" dirty="0">
+                <a:solidFill>
+                  <a:schemeClr val="tx1">
+                    <a:lumMod val="65000"/>
+                    <a:lumOff val="35000"/>
+                  </a:schemeClr>
+                </a:solidFill>
+                <a:latin typeface="冬青黑体简体中文 W3" panose="020B0300000000000000" pitchFamily="34" charset="-122"/>
+                <a:ea typeface="冬青黑体简体中文 W3" panose="020B0300000000000000" pitchFamily="34" charset="-122"/>
+              </a:rPr>
+              <a:t>复 </a:t>
+            </a:r>
+            <a:r>
+              <a:rPr lang="en-US" altLang="zh-CN" dirty="0" smtClean="0">
+                <a:solidFill>
+                  <a:srgbClr val="00B0F0"/>
+                </a:solidFill>
+                <a:latin typeface="冬青黑体简体中文 W3" panose="020B0300000000000000" pitchFamily="34" charset="-122"/>
+                <a:ea typeface="冬青黑体简体中文 W3" panose="020B0300000000000000" pitchFamily="34" charset="-122"/>
+              </a:rPr>
+              <a:t>B-D</a:t>
+            </a:r>
+            <a:r>
+              <a:rPr lang="zh-CN" altLang="en-US" dirty="0" smtClean="0">
+                <a:solidFill>
+                  <a:schemeClr val="tx1">
+                    <a:lumMod val="65000"/>
+                    <a:lumOff val="35000"/>
+                  </a:schemeClr>
+                </a:solidFill>
+                <a:latin typeface="冬青黑体简体中文 W3" panose="020B0300000000000000" pitchFamily="34" charset="-122"/>
+                <a:ea typeface="冬青黑体简体中文 W3" panose="020B0300000000000000" pitchFamily="34" charset="-122"/>
+              </a:rPr>
+              <a:t>，</a:t>
+            </a:r>
+            <a:r>
+              <a:rPr lang="zh-CN" altLang="en-US" dirty="0">
+                <a:solidFill>
+                  <a:schemeClr val="tx1">
+                    <a:lumMod val="65000"/>
+                    <a:lumOff val="35000"/>
+                  </a:schemeClr>
+                </a:solidFill>
+                <a:latin typeface="冬青黑体简体中文 W3" panose="020B0300000000000000" pitchFamily="34" charset="-122"/>
+                <a:ea typeface="冬青黑体简体中文 W3" panose="020B0300000000000000" pitchFamily="34" charset="-122"/>
+              </a:rPr>
+              <a:t>直到 </a:t>
+            </a:r>
+            <a:r>
+              <a:rPr lang="en-US" altLang="zh-CN" dirty="0" smtClean="0">
+                <a:solidFill>
+                  <a:srgbClr val="00B0F0"/>
+                </a:solidFill>
+                <a:latin typeface="冬青黑体简体中文 W3" panose="020B0300000000000000" pitchFamily="34" charset="-122"/>
+                <a:ea typeface="冬青黑体简体中文 W3" panose="020B0300000000000000" pitchFamily="34" charset="-122"/>
+              </a:rPr>
+              <a:t>B</a:t>
+            </a:r>
+            <a:r>
+              <a:rPr lang="en-US" altLang="zh-CN" dirty="0" smtClean="0">
+                <a:solidFill>
+                  <a:schemeClr val="tx1">
+                    <a:lumMod val="65000"/>
+                    <a:lumOff val="35000"/>
+                  </a:schemeClr>
+                </a:solidFill>
+                <a:latin typeface="冬青黑体简体中文 W3" panose="020B0300000000000000" pitchFamily="34" charset="-122"/>
+                <a:ea typeface="冬青黑体简体中文 W3" panose="020B0300000000000000" pitchFamily="34" charset="-122"/>
+              </a:rPr>
+              <a:t> </a:t>
+            </a:r>
+            <a:r>
+              <a:rPr lang="zh-CN" altLang="en-US" dirty="0">
+                <a:solidFill>
+                  <a:schemeClr val="tx1">
+                    <a:lumMod val="65000"/>
+                    <a:lumOff val="35000"/>
+                  </a:schemeClr>
+                </a:solidFill>
+                <a:latin typeface="冬青黑体简体中文 W3" panose="020B0300000000000000" pitchFamily="34" charset="-122"/>
+                <a:ea typeface="冬青黑体简体中文 W3" panose="020B0300000000000000" pitchFamily="34" charset="-122"/>
+              </a:rPr>
+              <a:t>失败跳出循环，代码执行结束</a:t>
+            </a:r>
+            <a:endParaRPr lang="en-US" altLang="zh-CN" dirty="0">
+              <a:solidFill>
+                <a:schemeClr val="tx1">
+                  <a:lumMod val="65000"/>
+                  <a:lumOff val="35000"/>
+                </a:schemeClr>
+              </a:solidFill>
+              <a:latin typeface="冬青黑体简体中文 W3" panose="020B0300000000000000" pitchFamily="34" charset="-122"/>
+              <a:ea typeface="冬青黑体简体中文 W3" panose="020B0300000000000000" pitchFamily="34" charset="-122"/>
+            </a:endParaRPr>
+          </a:p>
+          <a:p>
+            <a:pPr marL="342900" indent="-342900">
+              <a:buFont typeface="+mj-lt"/>
+              <a:buAutoNum type="alphaLcPeriod"/>
+            </a:pPr>
+            <a:endParaRPr lang="en-US" altLang="zh-CN" dirty="0" smtClean="0">
+              <a:solidFill>
+                <a:srgbClr val="C00000"/>
+              </a:solidFill>
+              <a:latin typeface="冬青黑体简体中文 W3" panose="020B0300000000000000" pitchFamily="34" charset="-122"/>
+              <a:ea typeface="冬青黑体简体中文 W3" panose="020B0300000000000000" pitchFamily="34" charset="-122"/>
+            </a:endParaRPr>
+          </a:p>
+          <a:p>
+            <a:pPr marL="800100" lvl="1" indent="-342900">
+              <a:buFont typeface="+mj-lt"/>
+              <a:buAutoNum type="alphaUcPeriod"/>
+            </a:pPr>
+            <a:endParaRPr lang="zh-CN" altLang="en-US" dirty="0" smtClean="0">
+              <a:solidFill>
+                <a:schemeClr val="tx1">
+                  <a:lumMod val="65000"/>
+                  <a:lumOff val="35000"/>
+                </a:schemeClr>
+              </a:solidFill>
+              <a:latin typeface="冬青黑体简体中文 W3" panose="020B0300000000000000" pitchFamily="34" charset="-122"/>
+              <a:ea typeface="冬青黑体简体中文 W3" panose="020B0300000000000000" pitchFamily="34" charset="-122"/>
+            </a:endParaRPr>
+          </a:p>
+        </p:txBody>
+      </p:sp>
+      <p:sp>
+        <p:nvSpPr>
+          <p:cNvPr id="6" name="圆角矩形 5"/>
+          <p:cNvSpPr/>
+          <p:nvPr/>
+        </p:nvSpPr>
+        <p:spPr>
+          <a:xfrm>
+            <a:off x="6448461" y="260648"/>
+            <a:ext cx="2643454" cy="547779"/>
+          </a:xfrm>
+          <a:prstGeom prst="roundRect">
+            <a:avLst/>
+          </a:prstGeom>
+          <a:solidFill>
+            <a:srgbClr val="C00000"/>
+          </a:solidFill>
+          <a:ln>
+            <a:noFill/>
+          </a:ln>
+          <a:effectLst/>
+        </p:spPr>
+        <p:style>
+          <a:lnRef idx="1">
+            <a:schemeClr val="accent6"/>
+          </a:lnRef>
+          <a:fillRef idx="3">
+            <a:schemeClr val="accent6"/>
+          </a:fillRef>
+          <a:effectRef idx="2">
+            <a:schemeClr val="accent6"/>
+          </a:effectRef>
+          <a:fontRef idx="minor">
+            <a:schemeClr val="lt1"/>
+          </a:fontRef>
+        </p:style>
+        <p:txBody>
+          <a:bodyPr rot="0" spcFirstLastPara="0" vertOverflow="overflow" horzOverflow="overflow" vert="horz" wrap="none" lIns="180000" tIns="108000" rIns="180000" bIns="108000" numCol="1" spcCol="0" rtlCol="0" fromWordArt="0" anchor="ctr" anchorCtr="1" forceAA="0" compatLnSpc="1">
+            <a:prstTxWarp prst="textNoShape">
+              <a:avLst/>
+            </a:prstTxWarp>
+            <a:spAutoFit/>
+          </a:bodyPr>
+          <a:lstStyle/>
+          <a:p>
+            <a:pPr algn="ctr"/>
+            <a:r>
+              <a:rPr lang="en-US" altLang="zh-CN" dirty="0" err="1" smtClean="0">
+                <a:solidFill>
+                  <a:schemeClr val="bg1"/>
+                </a:solidFill>
+                <a:latin typeface="冬青黑体简体中文 W3" panose="020B0300000000000000" pitchFamily="34" charset="-122"/>
+                <a:ea typeface="冬青黑体简体中文 W3" panose="020B0300000000000000" pitchFamily="34" charset="-122"/>
+              </a:rPr>
+              <a:t>Anonymous.VO.i</a:t>
+            </a:r>
+            <a:r>
+              <a:rPr lang="en-US" altLang="zh-CN" dirty="0" smtClean="0">
+                <a:solidFill>
+                  <a:schemeClr val="bg1"/>
+                </a:solidFill>
+                <a:latin typeface="冬青黑体简体中文 W3" panose="020B0300000000000000" pitchFamily="34" charset="-122"/>
+                <a:ea typeface="冬青黑体简体中文 W3" panose="020B0300000000000000" pitchFamily="34" charset="-122"/>
+              </a:rPr>
+              <a:t> = </a:t>
+            </a:r>
+            <a:r>
+              <a:rPr lang="en-US" altLang="zh-CN" dirty="0" err="1" smtClean="0">
+                <a:solidFill>
+                  <a:schemeClr val="bg1"/>
+                </a:solidFill>
+                <a:latin typeface="冬青黑体简体中文 W3" panose="020B0300000000000000" pitchFamily="34" charset="-122"/>
+                <a:ea typeface="冬青黑体简体中文 W3" panose="020B0300000000000000" pitchFamily="34" charset="-122"/>
+              </a:rPr>
+              <a:t>i</a:t>
+            </a:r>
+            <a:endParaRPr lang="zh-CN" altLang="en-US" dirty="0" smtClean="0">
+              <a:solidFill>
+                <a:schemeClr val="bg1"/>
+              </a:solidFill>
+              <a:latin typeface="冬青黑体简体中文 W3" panose="020B0300000000000000" pitchFamily="34" charset="-122"/>
+              <a:ea typeface="冬青黑体简体中文 W3" panose="020B0300000000000000" pitchFamily="34" charset="-122"/>
+            </a:endParaRPr>
+          </a:p>
+        </p:txBody>
+      </p:sp>
+      <p:sp>
+        <p:nvSpPr>
+          <p:cNvPr id="7" name="圆角矩形 6"/>
+          <p:cNvSpPr/>
+          <p:nvPr/>
+        </p:nvSpPr>
+        <p:spPr>
+          <a:xfrm>
+            <a:off x="6448461" y="908720"/>
+            <a:ext cx="3424509" cy="854246"/>
+          </a:xfrm>
+          <a:prstGeom prst="roundRect">
+            <a:avLst/>
+          </a:prstGeom>
+          <a:solidFill>
+            <a:srgbClr val="C00000"/>
+          </a:solidFill>
+          <a:ln>
+            <a:noFill/>
+          </a:ln>
+          <a:effectLst/>
+        </p:spPr>
+        <p:style>
+          <a:lnRef idx="1">
+            <a:schemeClr val="accent6"/>
+          </a:lnRef>
+          <a:fillRef idx="3">
+            <a:schemeClr val="accent6"/>
+          </a:fillRef>
+          <a:effectRef idx="2">
+            <a:schemeClr val="accent6"/>
+          </a:effectRef>
+          <a:fontRef idx="minor">
+            <a:schemeClr val="lt1"/>
+          </a:fontRef>
+        </p:style>
+        <p:txBody>
+          <a:bodyPr rot="0" spcFirstLastPara="0" vertOverflow="overflow" horzOverflow="overflow" vert="horz" wrap="none" lIns="180000" tIns="108000" rIns="180000" bIns="108000" numCol="1" spcCol="0" rtlCol="0" fromWordArt="0" anchor="ctr" anchorCtr="1" forceAA="0" compatLnSpc="1">
+            <a:prstTxWarp prst="textNoShape">
+              <a:avLst/>
+            </a:prstTxWarp>
+            <a:spAutoFit/>
+          </a:bodyPr>
+          <a:lstStyle/>
+          <a:p>
+            <a:pPr algn="ctr"/>
+            <a:r>
+              <a:rPr lang="en-US" altLang="zh-CN" dirty="0" smtClean="0">
+                <a:solidFill>
+                  <a:schemeClr val="bg1"/>
+                </a:solidFill>
+                <a:latin typeface="冬青黑体简体中文 W3" panose="020B0300000000000000" pitchFamily="34" charset="-122"/>
+                <a:ea typeface="冬青黑体简体中文 W3" panose="020B0300000000000000" pitchFamily="34" charset="-122"/>
+              </a:rPr>
+              <a:t>function() { console.log(</a:t>
+            </a:r>
+            <a:r>
+              <a:rPr lang="en-US" altLang="zh-CN" dirty="0" err="1" smtClean="0">
+                <a:solidFill>
+                  <a:schemeClr val="bg1"/>
+                </a:solidFill>
+                <a:latin typeface="冬青黑体简体中文 W3" panose="020B0300000000000000" pitchFamily="34" charset="-122"/>
+                <a:ea typeface="冬青黑体简体中文 W3" panose="020B0300000000000000" pitchFamily="34" charset="-122"/>
+              </a:rPr>
+              <a:t>i</a:t>
+            </a:r>
+            <a:r>
+              <a:rPr lang="en-US" altLang="zh-CN" dirty="0" smtClean="0">
+                <a:solidFill>
+                  <a:schemeClr val="bg1"/>
+                </a:solidFill>
+                <a:latin typeface="冬青黑体简体中文 W3" panose="020B0300000000000000" pitchFamily="34" charset="-122"/>
+                <a:ea typeface="冬青黑体简体中文 W3" panose="020B0300000000000000" pitchFamily="34" charset="-122"/>
+              </a:rPr>
+              <a:t>) }</a:t>
+            </a:r>
+          </a:p>
+          <a:p>
+            <a:pPr algn="ctr"/>
+            <a:r>
+              <a:rPr lang="en-US" altLang="zh-CN" dirty="0" smtClean="0">
+                <a:solidFill>
+                  <a:schemeClr val="bg1"/>
+                </a:solidFill>
+                <a:latin typeface="冬青黑体简体中文 W3" panose="020B0300000000000000" pitchFamily="34" charset="-122"/>
+                <a:ea typeface="冬青黑体简体中文 W3" panose="020B0300000000000000" pitchFamily="34" charset="-122"/>
+              </a:rPr>
+              <a:t>...</a:t>
+            </a:r>
+          </a:p>
+        </p:txBody>
+      </p:sp>
+      <p:sp>
+        <p:nvSpPr>
+          <p:cNvPr id="8" name="右箭头 7"/>
+          <p:cNvSpPr/>
+          <p:nvPr/>
+        </p:nvSpPr>
+        <p:spPr>
+          <a:xfrm>
+            <a:off x="9984432" y="1232756"/>
+            <a:ext cx="540060" cy="139091"/>
+          </a:xfrm>
+          <a:prstGeom prst="rightArrow">
+            <a:avLst/>
+          </a:prstGeom>
+          <a:solidFill>
+            <a:srgbClr val="C00000"/>
+          </a:solidFill>
+          <a:ln>
+            <a:noFill/>
+          </a:ln>
+          <a:effectLst/>
+        </p:spPr>
+        <p:style>
+          <a:lnRef idx="1">
+            <a:schemeClr val="accent6"/>
+          </a:lnRef>
+          <a:fillRef idx="3">
+            <a:schemeClr val="accent6"/>
+          </a:fillRef>
+          <a:effectRef idx="2">
+            <a:schemeClr val="accent6"/>
+          </a:effectRef>
+          <a:fontRef idx="minor">
+            <a:schemeClr val="lt1"/>
+          </a:fontRef>
+        </p:style>
+        <p:txBody>
+          <a:bodyPr rot="0" spcFirstLastPara="0" vertOverflow="overflow" horzOverflow="overflow" vert="horz" wrap="square" lIns="180000" tIns="108000" rIns="180000" bIns="108000" numCol="1" spcCol="0" rtlCol="0" fromWordArt="0" anchor="ctr" anchorCtr="1" forceAA="0" compatLnSpc="1">
+            <a:prstTxWarp prst="textNoShape">
+              <a:avLst/>
+            </a:prstTxWarp>
+            <a:spAutoFit/>
+          </a:bodyPr>
+          <a:lstStyle/>
+          <a:p>
+            <a:pPr algn="ctr"/>
+            <a:endParaRPr lang="zh-CN" altLang="en-US" dirty="0" smtClean="0">
+              <a:solidFill>
+                <a:schemeClr val="bg1"/>
+              </a:solidFill>
+              <a:latin typeface="冬青黑体简体中文 W3" panose="020B0300000000000000" pitchFamily="34" charset="-122"/>
+              <a:ea typeface="冬青黑体简体中文 W3" panose="020B0300000000000000" pitchFamily="34" charset="-122"/>
+            </a:endParaRPr>
+          </a:p>
+        </p:txBody>
+      </p:sp>
+      <p:sp>
+        <p:nvSpPr>
+          <p:cNvPr id="9" name="文本框 8"/>
+          <p:cNvSpPr txBox="1"/>
+          <p:nvPr/>
+        </p:nvSpPr>
+        <p:spPr>
+          <a:xfrm>
+            <a:off x="10560496" y="1135637"/>
+            <a:ext cx="797013" cy="369332"/>
+          </a:xfrm>
+          <a:prstGeom prst="rect">
+            <a:avLst/>
+          </a:prstGeom>
+          <a:noFill/>
+        </p:spPr>
+        <p:txBody>
+          <a:bodyPr wrap="none" rtlCol="0">
+            <a:spAutoFit/>
+          </a:bodyPr>
+          <a:lstStyle/>
+          <a:p>
+            <a:r>
+              <a:rPr lang="en-US" altLang="zh-CN" dirty="0" smtClean="0">
+                <a:solidFill>
+                  <a:srgbClr val="00B0F0"/>
+                </a:solidFill>
+                <a:latin typeface="冬青黑体简体中文 W3" panose="020B0300000000000000" pitchFamily="34" charset="-122"/>
+                <a:ea typeface="冬青黑体简体中文 W3" panose="020B0300000000000000" pitchFamily="34" charset="-122"/>
+              </a:rPr>
+              <a:t>10 </a:t>
+            </a:r>
+            <a:r>
+              <a:rPr lang="zh-CN" altLang="en-US" dirty="0" smtClean="0">
+                <a:solidFill>
+                  <a:srgbClr val="00B0F0"/>
+                </a:solidFill>
+                <a:latin typeface="冬青黑体简体中文 W3" panose="020B0300000000000000" pitchFamily="34" charset="-122"/>
+                <a:ea typeface="冬青黑体简体中文 W3" panose="020B0300000000000000" pitchFamily="34" charset="-122"/>
+              </a:rPr>
+              <a:t>个</a:t>
+            </a:r>
+          </a:p>
+        </p:txBody>
+      </p:sp>
+      <p:sp>
+        <p:nvSpPr>
+          <p:cNvPr id="10" name="文本框 9"/>
+          <p:cNvSpPr txBox="1"/>
+          <p:nvPr/>
+        </p:nvSpPr>
+        <p:spPr>
+          <a:xfrm>
+            <a:off x="-1" y="2924944"/>
+            <a:ext cx="6002487" cy="646331"/>
+          </a:xfrm>
+          <a:prstGeom prst="rect">
+            <a:avLst/>
+          </a:prstGeom>
+          <a:noFill/>
+        </p:spPr>
+        <p:txBody>
+          <a:bodyPr wrap="square" rtlCol="0">
+            <a:spAutoFit/>
+          </a:bodyPr>
+          <a:lstStyle/>
+          <a:p>
+            <a:r>
+              <a:rPr lang="zh-CN" altLang="en-US" dirty="0">
+                <a:solidFill>
+                  <a:schemeClr val="tx1">
+                    <a:lumMod val="85000"/>
+                    <a:lumOff val="15000"/>
+                  </a:schemeClr>
+                </a:solidFill>
+                <a:latin typeface="冬青黑体简体中文 W3" panose="020B0300000000000000" pitchFamily="34" charset="-122"/>
+                <a:ea typeface="冬青黑体简体中文 W3" panose="020B0300000000000000" pitchFamily="34" charset="-122"/>
+              </a:rPr>
+              <a:t>定时任</a:t>
+            </a:r>
+            <a:r>
+              <a:rPr lang="zh-CN" altLang="en-US" dirty="0" smtClean="0">
+                <a:solidFill>
+                  <a:schemeClr val="tx1">
+                    <a:lumMod val="85000"/>
+                    <a:lumOff val="15000"/>
+                  </a:schemeClr>
+                </a:solidFill>
+                <a:latin typeface="冬青黑体简体中文 W3" panose="020B0300000000000000" pitchFamily="34" charset="-122"/>
+                <a:ea typeface="冬青黑体简体中文 W3" panose="020B0300000000000000" pitchFamily="34" charset="-122"/>
+              </a:rPr>
+              <a:t>务完成，定时器把回调函数推送到事件队列中进行调用：</a:t>
+            </a:r>
+          </a:p>
+        </p:txBody>
+      </p:sp>
+      <p:sp>
+        <p:nvSpPr>
+          <p:cNvPr id="18" name="圆角矩形 17"/>
+          <p:cNvSpPr/>
+          <p:nvPr/>
+        </p:nvSpPr>
+        <p:spPr>
+          <a:xfrm>
+            <a:off x="6600056" y="3149598"/>
+            <a:ext cx="432048" cy="421677"/>
+          </a:xfrm>
+          <a:prstGeom prst="roundRect">
+            <a:avLst/>
+          </a:prstGeom>
+          <a:solidFill>
+            <a:srgbClr val="C00000"/>
+          </a:solidFill>
+          <a:ln>
+            <a:noFill/>
+          </a:ln>
+          <a:effectLst/>
+        </p:spPr>
+        <p:style>
+          <a:lnRef idx="1">
+            <a:schemeClr val="accent6"/>
+          </a:lnRef>
+          <a:fillRef idx="3">
+            <a:schemeClr val="accent6"/>
+          </a:fillRef>
+          <a:effectRef idx="2">
+            <a:schemeClr val="accent6"/>
+          </a:effectRef>
+          <a:fontRef idx="minor">
+            <a:schemeClr val="lt1"/>
+          </a:fontRef>
+        </p:style>
+        <p:txBody>
+          <a:bodyPr rot="0" spcFirstLastPara="0" vertOverflow="overflow" horzOverflow="overflow" vert="horz" wrap="none" lIns="180000" tIns="108000" rIns="180000" bIns="108000" numCol="1" spcCol="0" rtlCol="0" fromWordArt="0" anchor="ctr" anchorCtr="1" forceAA="0" compatLnSpc="1">
+            <a:prstTxWarp prst="textNoShape">
+              <a:avLst/>
+            </a:prstTxWarp>
+            <a:spAutoFit/>
+          </a:bodyPr>
+          <a:lstStyle/>
+          <a:p>
+            <a:pPr algn="ctr"/>
+            <a:endParaRPr lang="zh-CN" altLang="en-US" dirty="0" smtClean="0">
+              <a:solidFill>
+                <a:schemeClr val="bg1"/>
+              </a:solidFill>
+              <a:latin typeface="冬青黑体简体中文 W3" panose="020B0300000000000000" pitchFamily="34" charset="-122"/>
+              <a:ea typeface="冬青黑体简体中文 W3" panose="020B0300000000000000" pitchFamily="34" charset="-122"/>
+            </a:endParaRPr>
+          </a:p>
+        </p:txBody>
+      </p:sp>
+      <p:sp>
+        <p:nvSpPr>
+          <p:cNvPr id="19" name="圆角矩形 18"/>
+          <p:cNvSpPr/>
+          <p:nvPr/>
+        </p:nvSpPr>
+        <p:spPr>
+          <a:xfrm>
+            <a:off x="6564052" y="3149598"/>
+            <a:ext cx="432048" cy="421677"/>
+          </a:xfrm>
+          <a:prstGeom prst="roundRect">
+            <a:avLst/>
+          </a:prstGeom>
+          <a:solidFill>
+            <a:srgbClr val="C00000"/>
+          </a:solidFill>
+          <a:ln>
+            <a:noFill/>
+          </a:ln>
+          <a:effectLst/>
+        </p:spPr>
+        <p:style>
+          <a:lnRef idx="1">
+            <a:schemeClr val="accent6"/>
+          </a:lnRef>
+          <a:fillRef idx="3">
+            <a:schemeClr val="accent6"/>
+          </a:fillRef>
+          <a:effectRef idx="2">
+            <a:schemeClr val="accent6"/>
+          </a:effectRef>
+          <a:fontRef idx="minor">
+            <a:schemeClr val="lt1"/>
+          </a:fontRef>
+        </p:style>
+        <p:txBody>
+          <a:bodyPr rot="0" spcFirstLastPara="0" vertOverflow="overflow" horzOverflow="overflow" vert="horz" wrap="none" lIns="180000" tIns="108000" rIns="180000" bIns="108000" numCol="1" spcCol="0" rtlCol="0" fromWordArt="0" anchor="ctr" anchorCtr="1" forceAA="0" compatLnSpc="1">
+            <a:prstTxWarp prst="textNoShape">
+              <a:avLst/>
+            </a:prstTxWarp>
+            <a:spAutoFit/>
+          </a:bodyPr>
+          <a:lstStyle/>
+          <a:p>
+            <a:pPr algn="ctr"/>
+            <a:endParaRPr lang="zh-CN" altLang="en-US" dirty="0" smtClean="0">
+              <a:solidFill>
+                <a:schemeClr val="bg1"/>
+              </a:solidFill>
+              <a:latin typeface="冬青黑体简体中文 W3" panose="020B0300000000000000" pitchFamily="34" charset="-122"/>
+              <a:ea typeface="冬青黑体简体中文 W3" panose="020B0300000000000000" pitchFamily="34" charset="-122"/>
+            </a:endParaRPr>
+          </a:p>
+        </p:txBody>
+      </p:sp>
+      <p:sp>
+        <p:nvSpPr>
+          <p:cNvPr id="20" name="圆角矩形 19"/>
+          <p:cNvSpPr/>
+          <p:nvPr/>
+        </p:nvSpPr>
+        <p:spPr>
+          <a:xfrm>
+            <a:off x="7284132" y="3156126"/>
+            <a:ext cx="432048" cy="421677"/>
+          </a:xfrm>
+          <a:prstGeom prst="roundRect">
+            <a:avLst/>
+          </a:prstGeom>
+          <a:solidFill>
+            <a:srgbClr val="C00000"/>
+          </a:solidFill>
+          <a:ln>
+            <a:noFill/>
+          </a:ln>
+          <a:effectLst/>
+        </p:spPr>
+        <p:style>
+          <a:lnRef idx="1">
+            <a:schemeClr val="accent6"/>
+          </a:lnRef>
+          <a:fillRef idx="3">
+            <a:schemeClr val="accent6"/>
+          </a:fillRef>
+          <a:effectRef idx="2">
+            <a:schemeClr val="accent6"/>
+          </a:effectRef>
+          <a:fontRef idx="minor">
+            <a:schemeClr val="lt1"/>
+          </a:fontRef>
+        </p:style>
+        <p:txBody>
+          <a:bodyPr rot="0" spcFirstLastPara="0" vertOverflow="overflow" horzOverflow="overflow" vert="horz" wrap="none" lIns="180000" tIns="108000" rIns="180000" bIns="108000" numCol="1" spcCol="0" rtlCol="0" fromWordArt="0" anchor="ctr" anchorCtr="1" forceAA="0" compatLnSpc="1">
+            <a:prstTxWarp prst="textNoShape">
+              <a:avLst/>
+            </a:prstTxWarp>
+            <a:spAutoFit/>
+          </a:bodyPr>
+          <a:lstStyle/>
+          <a:p>
+            <a:pPr algn="ctr"/>
+            <a:endParaRPr lang="zh-CN" altLang="en-US" dirty="0" smtClean="0">
+              <a:solidFill>
+                <a:schemeClr val="bg1"/>
+              </a:solidFill>
+              <a:latin typeface="冬青黑体简体中文 W3" panose="020B0300000000000000" pitchFamily="34" charset="-122"/>
+              <a:ea typeface="冬青黑体简体中文 W3" panose="020B0300000000000000" pitchFamily="34" charset="-122"/>
+            </a:endParaRPr>
+          </a:p>
+        </p:txBody>
+      </p:sp>
+      <p:sp>
+        <p:nvSpPr>
+          <p:cNvPr id="22" name="圆角矩形 21"/>
+          <p:cNvSpPr/>
+          <p:nvPr/>
+        </p:nvSpPr>
+        <p:spPr>
+          <a:xfrm>
+            <a:off x="8004212" y="3149596"/>
+            <a:ext cx="432048" cy="421677"/>
+          </a:xfrm>
+          <a:prstGeom prst="roundRect">
+            <a:avLst/>
+          </a:prstGeom>
+          <a:solidFill>
+            <a:srgbClr val="C00000"/>
+          </a:solidFill>
+          <a:ln>
+            <a:noFill/>
+          </a:ln>
+          <a:effectLst/>
+        </p:spPr>
+        <p:style>
+          <a:lnRef idx="1">
+            <a:schemeClr val="accent6"/>
+          </a:lnRef>
+          <a:fillRef idx="3">
+            <a:schemeClr val="accent6"/>
+          </a:fillRef>
+          <a:effectRef idx="2">
+            <a:schemeClr val="accent6"/>
+          </a:effectRef>
+          <a:fontRef idx="minor">
+            <a:schemeClr val="lt1"/>
+          </a:fontRef>
+        </p:style>
+        <p:txBody>
+          <a:bodyPr rot="0" spcFirstLastPara="0" vertOverflow="overflow" horzOverflow="overflow" vert="horz" wrap="none" lIns="180000" tIns="108000" rIns="180000" bIns="108000" numCol="1" spcCol="0" rtlCol="0" fromWordArt="0" anchor="ctr" anchorCtr="1" forceAA="0" compatLnSpc="1">
+            <a:prstTxWarp prst="textNoShape">
+              <a:avLst/>
+            </a:prstTxWarp>
+            <a:spAutoFit/>
+          </a:bodyPr>
+          <a:lstStyle/>
+          <a:p>
+            <a:pPr algn="ctr"/>
+            <a:endParaRPr lang="zh-CN" altLang="en-US" dirty="0" smtClean="0">
+              <a:solidFill>
+                <a:schemeClr val="bg1"/>
+              </a:solidFill>
+              <a:latin typeface="冬青黑体简体中文 W3" panose="020B0300000000000000" pitchFamily="34" charset="-122"/>
+              <a:ea typeface="冬青黑体简体中文 W3" panose="020B0300000000000000" pitchFamily="34" charset="-122"/>
+            </a:endParaRPr>
+          </a:p>
+        </p:txBody>
+      </p:sp>
+      <p:sp>
+        <p:nvSpPr>
+          <p:cNvPr id="23" name="圆角矩形 22"/>
+          <p:cNvSpPr/>
+          <p:nvPr/>
+        </p:nvSpPr>
+        <p:spPr>
+          <a:xfrm>
+            <a:off x="11278722" y="3156125"/>
+            <a:ext cx="432048" cy="421677"/>
+          </a:xfrm>
+          <a:prstGeom prst="roundRect">
+            <a:avLst/>
+          </a:prstGeom>
+          <a:solidFill>
+            <a:srgbClr val="C00000"/>
+          </a:solidFill>
+          <a:ln>
+            <a:noFill/>
+          </a:ln>
+          <a:effectLst/>
+        </p:spPr>
+        <p:style>
+          <a:lnRef idx="1">
+            <a:schemeClr val="accent6"/>
+          </a:lnRef>
+          <a:fillRef idx="3">
+            <a:schemeClr val="accent6"/>
+          </a:fillRef>
+          <a:effectRef idx="2">
+            <a:schemeClr val="accent6"/>
+          </a:effectRef>
+          <a:fontRef idx="minor">
+            <a:schemeClr val="lt1"/>
+          </a:fontRef>
+        </p:style>
+        <p:txBody>
+          <a:bodyPr rot="0" spcFirstLastPara="0" vertOverflow="overflow" horzOverflow="overflow" vert="horz" wrap="none" lIns="180000" tIns="108000" rIns="180000" bIns="108000" numCol="1" spcCol="0" rtlCol="0" fromWordArt="0" anchor="ctr" anchorCtr="1" forceAA="0" compatLnSpc="1">
+            <a:prstTxWarp prst="textNoShape">
+              <a:avLst/>
+            </a:prstTxWarp>
+            <a:spAutoFit/>
+          </a:bodyPr>
+          <a:lstStyle/>
+          <a:p>
+            <a:pPr algn="ctr"/>
+            <a:endParaRPr lang="zh-CN" altLang="en-US" dirty="0" smtClean="0">
+              <a:solidFill>
+                <a:schemeClr val="bg1"/>
+              </a:solidFill>
+              <a:latin typeface="冬青黑体简体中文 W3" panose="020B0300000000000000" pitchFamily="34" charset="-122"/>
+              <a:ea typeface="冬青黑体简体中文 W3" panose="020B0300000000000000" pitchFamily="34" charset="-122"/>
+            </a:endParaRPr>
+          </a:p>
+        </p:txBody>
+      </p:sp>
+      <p:sp>
+        <p:nvSpPr>
+          <p:cNvPr id="24" name="圆角矩形 23"/>
+          <p:cNvSpPr/>
+          <p:nvPr/>
+        </p:nvSpPr>
+        <p:spPr>
+          <a:xfrm>
+            <a:off x="10056440" y="3156125"/>
+            <a:ext cx="432048" cy="421677"/>
+          </a:xfrm>
+          <a:prstGeom prst="roundRect">
+            <a:avLst/>
+          </a:prstGeom>
+          <a:solidFill>
+            <a:srgbClr val="C00000"/>
+          </a:solidFill>
+          <a:ln>
+            <a:noFill/>
+          </a:ln>
+          <a:effectLst/>
+        </p:spPr>
+        <p:style>
+          <a:lnRef idx="1">
+            <a:schemeClr val="accent6"/>
+          </a:lnRef>
+          <a:fillRef idx="3">
+            <a:schemeClr val="accent6"/>
+          </a:fillRef>
+          <a:effectRef idx="2">
+            <a:schemeClr val="accent6"/>
+          </a:effectRef>
+          <a:fontRef idx="minor">
+            <a:schemeClr val="lt1"/>
+          </a:fontRef>
+        </p:style>
+        <p:txBody>
+          <a:bodyPr rot="0" spcFirstLastPara="0" vertOverflow="overflow" horzOverflow="overflow" vert="horz" wrap="none" lIns="180000" tIns="108000" rIns="180000" bIns="108000" numCol="1" spcCol="0" rtlCol="0" fromWordArt="0" anchor="ctr" anchorCtr="1" forceAA="0" compatLnSpc="1">
+            <a:prstTxWarp prst="textNoShape">
+              <a:avLst/>
+            </a:prstTxWarp>
+            <a:spAutoFit/>
+          </a:bodyPr>
+          <a:lstStyle/>
+          <a:p>
+            <a:pPr algn="ctr"/>
+            <a:endParaRPr lang="zh-CN" altLang="en-US" dirty="0" smtClean="0">
+              <a:solidFill>
+                <a:schemeClr val="bg1"/>
+              </a:solidFill>
+              <a:latin typeface="冬青黑体简体中文 W3" panose="020B0300000000000000" pitchFamily="34" charset="-122"/>
+              <a:ea typeface="冬青黑体简体中文 W3" panose="020B0300000000000000" pitchFamily="34" charset="-122"/>
+            </a:endParaRPr>
+          </a:p>
+        </p:txBody>
+      </p:sp>
+      <p:sp>
+        <p:nvSpPr>
+          <p:cNvPr id="25" name="圆角矩形 24"/>
+          <p:cNvSpPr/>
+          <p:nvPr/>
+        </p:nvSpPr>
+        <p:spPr>
+          <a:xfrm>
+            <a:off x="9372364" y="3149596"/>
+            <a:ext cx="432048" cy="421677"/>
+          </a:xfrm>
+          <a:prstGeom prst="roundRect">
+            <a:avLst/>
+          </a:prstGeom>
+          <a:solidFill>
+            <a:srgbClr val="C00000"/>
+          </a:solidFill>
+          <a:ln>
+            <a:noFill/>
+          </a:ln>
+          <a:effectLst/>
+        </p:spPr>
+        <p:style>
+          <a:lnRef idx="1">
+            <a:schemeClr val="accent6"/>
+          </a:lnRef>
+          <a:fillRef idx="3">
+            <a:schemeClr val="accent6"/>
+          </a:fillRef>
+          <a:effectRef idx="2">
+            <a:schemeClr val="accent6"/>
+          </a:effectRef>
+          <a:fontRef idx="minor">
+            <a:schemeClr val="lt1"/>
+          </a:fontRef>
+        </p:style>
+        <p:txBody>
+          <a:bodyPr rot="0" spcFirstLastPara="0" vertOverflow="overflow" horzOverflow="overflow" vert="horz" wrap="none" lIns="180000" tIns="108000" rIns="180000" bIns="108000" numCol="1" spcCol="0" rtlCol="0" fromWordArt="0" anchor="ctr" anchorCtr="1" forceAA="0" compatLnSpc="1">
+            <a:prstTxWarp prst="textNoShape">
+              <a:avLst/>
+            </a:prstTxWarp>
+            <a:spAutoFit/>
+          </a:bodyPr>
+          <a:lstStyle/>
+          <a:p>
+            <a:pPr algn="ctr"/>
+            <a:endParaRPr lang="zh-CN" altLang="en-US" dirty="0" smtClean="0">
+              <a:solidFill>
+                <a:schemeClr val="bg1"/>
+              </a:solidFill>
+              <a:latin typeface="冬青黑体简体中文 W3" panose="020B0300000000000000" pitchFamily="34" charset="-122"/>
+              <a:ea typeface="冬青黑体简体中文 W3" panose="020B0300000000000000" pitchFamily="34" charset="-122"/>
+            </a:endParaRPr>
+          </a:p>
+        </p:txBody>
+      </p:sp>
+      <p:sp>
+        <p:nvSpPr>
+          <p:cNvPr id="26" name="圆角矩形 25"/>
+          <p:cNvSpPr/>
+          <p:nvPr/>
+        </p:nvSpPr>
+        <p:spPr>
+          <a:xfrm>
+            <a:off x="8716586" y="3156125"/>
+            <a:ext cx="432048" cy="421677"/>
+          </a:xfrm>
+          <a:prstGeom prst="roundRect">
+            <a:avLst/>
+          </a:prstGeom>
+          <a:solidFill>
+            <a:srgbClr val="C00000"/>
+          </a:solidFill>
+          <a:ln>
+            <a:noFill/>
+          </a:ln>
+          <a:effectLst/>
+        </p:spPr>
+        <p:style>
+          <a:lnRef idx="1">
+            <a:schemeClr val="accent6"/>
+          </a:lnRef>
+          <a:fillRef idx="3">
+            <a:schemeClr val="accent6"/>
+          </a:fillRef>
+          <a:effectRef idx="2">
+            <a:schemeClr val="accent6"/>
+          </a:effectRef>
+          <a:fontRef idx="minor">
+            <a:schemeClr val="lt1"/>
+          </a:fontRef>
+        </p:style>
+        <p:txBody>
+          <a:bodyPr rot="0" spcFirstLastPara="0" vertOverflow="overflow" horzOverflow="overflow" vert="horz" wrap="none" lIns="180000" tIns="108000" rIns="180000" bIns="108000" numCol="1" spcCol="0" rtlCol="0" fromWordArt="0" anchor="ctr" anchorCtr="1" forceAA="0" compatLnSpc="1">
+            <a:prstTxWarp prst="textNoShape">
+              <a:avLst/>
+            </a:prstTxWarp>
+            <a:spAutoFit/>
+          </a:bodyPr>
+          <a:lstStyle/>
+          <a:p>
+            <a:pPr algn="ctr"/>
+            <a:endParaRPr lang="zh-CN" altLang="en-US" dirty="0" smtClean="0">
+              <a:solidFill>
+                <a:schemeClr val="bg1"/>
+              </a:solidFill>
+              <a:latin typeface="冬青黑体简体中文 W3" panose="020B0300000000000000" pitchFamily="34" charset="-122"/>
+              <a:ea typeface="冬青黑体简体中文 W3" panose="020B0300000000000000" pitchFamily="34" charset="-122"/>
+            </a:endParaRPr>
+          </a:p>
+        </p:txBody>
+      </p:sp>
+      <p:sp>
+        <p:nvSpPr>
+          <p:cNvPr id="27" name="圆角矩形 26"/>
+          <p:cNvSpPr/>
+          <p:nvPr/>
+        </p:nvSpPr>
+        <p:spPr>
+          <a:xfrm>
+            <a:off x="6312024" y="2924944"/>
+            <a:ext cx="5760640" cy="900100"/>
+          </a:xfrm>
+          <a:prstGeom prst="roundRect">
+            <a:avLst/>
+          </a:prstGeom>
+          <a:noFill/>
+          <a:ln w="12700">
+            <a:solidFill>
+              <a:schemeClr val="accent1">
+                <a:shade val="95000"/>
+                <a:satMod val="105000"/>
+              </a:schemeClr>
+            </a:solidFill>
+          </a:ln>
+          <a:effectLst/>
+        </p:spPr>
+        <p:style>
+          <a:lnRef idx="1">
+            <a:schemeClr val="accent6"/>
+          </a:lnRef>
+          <a:fillRef idx="3">
+            <a:schemeClr val="accent6"/>
+          </a:fillRef>
+          <a:effectRef idx="2">
+            <a:schemeClr val="accent6"/>
+          </a:effectRef>
+          <a:fontRef idx="minor">
+            <a:schemeClr val="lt1"/>
+          </a:fontRef>
+        </p:style>
+        <p:txBody>
+          <a:bodyPr rot="0" spcFirstLastPara="0" vertOverflow="overflow" horzOverflow="overflow" vert="horz" wrap="none" lIns="180000" tIns="108000" rIns="180000" bIns="108000" numCol="1" spcCol="0" rtlCol="0" fromWordArt="0" anchor="ctr" anchorCtr="1" forceAA="0" compatLnSpc="1">
+            <a:prstTxWarp prst="textNoShape">
+              <a:avLst/>
+            </a:prstTxWarp>
+            <a:spAutoFit/>
+          </a:bodyPr>
+          <a:lstStyle/>
+          <a:p>
+            <a:pPr algn="ctr"/>
+            <a:endParaRPr lang="zh-CN" altLang="en-US" dirty="0" smtClean="0">
+              <a:solidFill>
+                <a:schemeClr val="bg1"/>
+              </a:solidFill>
+              <a:latin typeface="冬青黑体简体中文 W3" panose="020B0300000000000000" pitchFamily="34" charset="-122"/>
+              <a:ea typeface="冬青黑体简体中文 W3" panose="020B0300000000000000" pitchFamily="34" charset="-122"/>
+            </a:endParaRPr>
+          </a:p>
+        </p:txBody>
+      </p:sp>
+      <p:sp>
+        <p:nvSpPr>
+          <p:cNvPr id="28" name="文本框 27"/>
+          <p:cNvSpPr txBox="1"/>
+          <p:nvPr/>
+        </p:nvSpPr>
+        <p:spPr>
+          <a:xfrm>
+            <a:off x="10610998" y="2908883"/>
+            <a:ext cx="718226" cy="646331"/>
+          </a:xfrm>
+          <a:prstGeom prst="rect">
+            <a:avLst/>
+          </a:prstGeom>
+          <a:noFill/>
+        </p:spPr>
+        <p:txBody>
+          <a:bodyPr wrap="square" rtlCol="0">
+            <a:spAutoFit/>
+          </a:bodyPr>
+          <a:lstStyle/>
+          <a:p>
+            <a:r>
+              <a:rPr lang="en-US" altLang="zh-CN" sz="3600" dirty="0" smtClean="0">
+                <a:solidFill>
+                  <a:srgbClr val="C00000"/>
+                </a:solidFill>
+                <a:latin typeface="冬青黑体简体中文 W3" panose="020B0300000000000000" pitchFamily="34" charset="-122"/>
+                <a:ea typeface="冬青黑体简体中文 W3" panose="020B0300000000000000" pitchFamily="34" charset="-122"/>
+              </a:rPr>
+              <a:t>...</a:t>
+            </a:r>
+            <a:endParaRPr lang="zh-CN" altLang="en-US" sz="3600" dirty="0" smtClean="0">
+              <a:solidFill>
+                <a:srgbClr val="C00000"/>
+              </a:solidFill>
+              <a:latin typeface="冬青黑体简体中文 W3" panose="020B0300000000000000" pitchFamily="34" charset="-122"/>
+              <a:ea typeface="冬青黑体简体中文 W3" panose="020B0300000000000000" pitchFamily="34" charset="-122"/>
+            </a:endParaRPr>
+          </a:p>
+        </p:txBody>
+      </p:sp>
+      <p:sp>
+        <p:nvSpPr>
+          <p:cNvPr id="32" name="下箭头 31"/>
+          <p:cNvSpPr/>
+          <p:nvPr/>
+        </p:nvSpPr>
+        <p:spPr>
+          <a:xfrm>
+            <a:off x="8148228" y="1906486"/>
+            <a:ext cx="234024" cy="802434"/>
+          </a:xfrm>
+          <a:prstGeom prst="downArrow">
+            <a:avLst/>
+          </a:prstGeom>
+          <a:solidFill>
+            <a:srgbClr val="C00000"/>
+          </a:solidFill>
+          <a:ln>
+            <a:noFill/>
+          </a:ln>
+          <a:effectLst/>
+        </p:spPr>
+        <p:style>
+          <a:lnRef idx="1">
+            <a:schemeClr val="accent6"/>
+          </a:lnRef>
+          <a:fillRef idx="3">
+            <a:schemeClr val="accent6"/>
+          </a:fillRef>
+          <a:effectRef idx="2">
+            <a:schemeClr val="accent6"/>
+          </a:effectRef>
+          <a:fontRef idx="minor">
+            <a:schemeClr val="lt1"/>
+          </a:fontRef>
+        </p:style>
+        <p:txBody>
+          <a:bodyPr rot="0" spcFirstLastPara="0" vertOverflow="overflow" horzOverflow="overflow" vert="horz" wrap="none" lIns="180000" tIns="108000" rIns="180000" bIns="108000" numCol="1" spcCol="0" rtlCol="0" fromWordArt="0" anchor="ctr" anchorCtr="1" forceAA="0" compatLnSpc="1">
+            <a:prstTxWarp prst="textNoShape">
+              <a:avLst/>
+            </a:prstTxWarp>
+            <a:spAutoFit/>
+          </a:bodyPr>
+          <a:lstStyle/>
+          <a:p>
+            <a:pPr algn="ctr"/>
+            <a:endParaRPr lang="zh-CN" altLang="en-US" dirty="0" smtClean="0">
+              <a:solidFill>
+                <a:schemeClr val="bg1"/>
+              </a:solidFill>
+              <a:latin typeface="冬青黑体简体中文 W3" panose="020B0300000000000000" pitchFamily="34" charset="-122"/>
+              <a:ea typeface="冬青黑体简体中文 W3" panose="020B0300000000000000" pitchFamily="34" charset="-122"/>
+            </a:endParaRPr>
+          </a:p>
+        </p:txBody>
+      </p:sp>
+      <p:sp>
+        <p:nvSpPr>
+          <p:cNvPr id="33" name="下箭头 32"/>
+          <p:cNvSpPr/>
+          <p:nvPr/>
+        </p:nvSpPr>
+        <p:spPr>
+          <a:xfrm>
+            <a:off x="6744072" y="3645024"/>
+            <a:ext cx="108013" cy="432048"/>
+          </a:xfrm>
+          <a:prstGeom prst="downArrow">
+            <a:avLst/>
+          </a:prstGeom>
+          <a:solidFill>
+            <a:srgbClr val="C00000"/>
+          </a:solidFill>
+          <a:ln>
+            <a:noFill/>
+          </a:ln>
+          <a:effectLst/>
+        </p:spPr>
+        <p:style>
+          <a:lnRef idx="1">
+            <a:schemeClr val="accent6"/>
+          </a:lnRef>
+          <a:fillRef idx="3">
+            <a:schemeClr val="accent6"/>
+          </a:fillRef>
+          <a:effectRef idx="2">
+            <a:schemeClr val="accent6"/>
+          </a:effectRef>
+          <a:fontRef idx="minor">
+            <a:schemeClr val="lt1"/>
+          </a:fontRef>
+        </p:style>
+        <p:txBody>
+          <a:bodyPr rot="0" spcFirstLastPara="0" vertOverflow="overflow" horzOverflow="overflow" vert="horz" wrap="square" lIns="180000" tIns="108000" rIns="180000" bIns="108000" numCol="1" spcCol="0" rtlCol="0" fromWordArt="0" anchor="ctr" anchorCtr="1" forceAA="0" compatLnSpc="1">
+            <a:prstTxWarp prst="textNoShape">
+              <a:avLst/>
+            </a:prstTxWarp>
+            <a:spAutoFit/>
+          </a:bodyPr>
+          <a:lstStyle/>
+          <a:p>
+            <a:pPr algn="ctr"/>
+            <a:endParaRPr lang="zh-CN" altLang="en-US" dirty="0" smtClean="0">
+              <a:solidFill>
+                <a:schemeClr val="bg1"/>
+              </a:solidFill>
+              <a:latin typeface="冬青黑体简体中文 W3" panose="020B0300000000000000" pitchFamily="34" charset="-122"/>
+              <a:ea typeface="冬青黑体简体中文 W3" panose="020B0300000000000000" pitchFamily="34" charset="-122"/>
+            </a:endParaRPr>
+          </a:p>
+        </p:txBody>
+      </p:sp>
+      <p:sp>
+        <p:nvSpPr>
+          <p:cNvPr id="34" name="文本框 33"/>
+          <p:cNvSpPr txBox="1"/>
+          <p:nvPr/>
+        </p:nvSpPr>
+        <p:spPr>
+          <a:xfrm>
+            <a:off x="93514" y="4149080"/>
+            <a:ext cx="5246402" cy="2862322"/>
+          </a:xfrm>
+          <a:prstGeom prst="rect">
+            <a:avLst/>
+          </a:prstGeom>
+          <a:noFill/>
+        </p:spPr>
+        <p:txBody>
+          <a:bodyPr wrap="square" rtlCol="0">
+            <a:spAutoFit/>
+          </a:bodyPr>
+          <a:lstStyle/>
+          <a:p>
+            <a:endParaRPr lang="en-US" altLang="zh-CN" dirty="0" smtClean="0">
+              <a:solidFill>
+                <a:schemeClr val="tx1">
+                  <a:lumMod val="75000"/>
+                  <a:lumOff val="25000"/>
+                </a:schemeClr>
+              </a:solidFill>
+              <a:latin typeface="冬青黑体简体中文 W3" panose="020B0300000000000000" pitchFamily="34" charset="-122"/>
+              <a:ea typeface="冬青黑体简体中文 W3" panose="020B0300000000000000" pitchFamily="34" charset="-122"/>
+            </a:endParaRPr>
+          </a:p>
+          <a:p>
+            <a:r>
+              <a:rPr lang="zh-CN" altLang="en-US" dirty="0" smtClean="0">
+                <a:solidFill>
+                  <a:schemeClr val="tx1">
+                    <a:lumMod val="75000"/>
+                    <a:lumOff val="25000"/>
+                  </a:schemeClr>
+                </a:solidFill>
+                <a:latin typeface="冬青黑体简体中文 W3" panose="020B0300000000000000" pitchFamily="34" charset="-122"/>
+                <a:ea typeface="冬青黑体简体中文 W3" panose="020B0300000000000000" pitchFamily="34" charset="-122"/>
+              </a:rPr>
+              <a:t>执行 函数代码：</a:t>
+            </a:r>
+            <a:endParaRPr lang="en-US" altLang="zh-CN" dirty="0" smtClean="0">
+              <a:solidFill>
+                <a:schemeClr val="tx1">
+                  <a:lumMod val="75000"/>
+                  <a:lumOff val="25000"/>
+                </a:schemeClr>
+              </a:solidFill>
+              <a:latin typeface="冬青黑体简体中文 W3" panose="020B0300000000000000" pitchFamily="34" charset="-122"/>
+              <a:ea typeface="冬青黑体简体中文 W3" panose="020B0300000000000000" pitchFamily="34" charset="-122"/>
+            </a:endParaRPr>
+          </a:p>
+          <a:p>
+            <a:endParaRPr lang="en-US" altLang="zh-CN" dirty="0">
+              <a:solidFill>
+                <a:schemeClr val="tx1">
+                  <a:lumMod val="75000"/>
+                  <a:lumOff val="25000"/>
+                </a:schemeClr>
+              </a:solidFill>
+              <a:latin typeface="冬青黑体简体中文 W3" panose="020B0300000000000000" pitchFamily="34" charset="-122"/>
+              <a:ea typeface="冬青黑体简体中文 W3" panose="020B0300000000000000" pitchFamily="34" charset="-122"/>
+            </a:endParaRPr>
+          </a:p>
+          <a:p>
+            <a:pPr>
+              <a:lnSpc>
+                <a:spcPct val="150000"/>
+              </a:lnSpc>
+            </a:pPr>
+            <a:endParaRPr lang="en-US" altLang="zh-CN" dirty="0" smtClean="0">
+              <a:solidFill>
+                <a:schemeClr val="tx1">
+                  <a:lumMod val="75000"/>
+                  <a:lumOff val="25000"/>
+                </a:schemeClr>
+              </a:solidFill>
+              <a:latin typeface="冬青黑体简体中文 W3" panose="020B0300000000000000" pitchFamily="34" charset="-122"/>
+              <a:ea typeface="冬青黑体简体中文 W3" panose="020B0300000000000000" pitchFamily="34" charset="-122"/>
+            </a:endParaRPr>
+          </a:p>
+          <a:p>
+            <a:pPr marL="800100" lvl="1" indent="-342900">
+              <a:lnSpc>
+                <a:spcPct val="150000"/>
+              </a:lnSpc>
+              <a:buFont typeface="Arial" panose="020B0604020202020204" pitchFamily="34" charset="0"/>
+              <a:buChar char="•"/>
+            </a:pPr>
+            <a:r>
+              <a:rPr lang="zh-CN" altLang="en-US" dirty="0">
+                <a:solidFill>
+                  <a:schemeClr val="tx1">
+                    <a:lumMod val="65000"/>
+                    <a:lumOff val="35000"/>
+                  </a:schemeClr>
+                </a:solidFill>
+                <a:latin typeface="冬青黑体简体中文 W3" panose="020B0300000000000000" pitchFamily="34" charset="-122"/>
+                <a:ea typeface="冬青黑体简体中文 W3" panose="020B0300000000000000" pitchFamily="34" charset="-122"/>
+              </a:rPr>
+              <a:t>创</a:t>
+            </a:r>
+            <a:r>
+              <a:rPr lang="zh-CN" altLang="en-US" dirty="0" smtClean="0">
+                <a:solidFill>
+                  <a:schemeClr val="tx1">
+                    <a:lumMod val="65000"/>
+                    <a:lumOff val="35000"/>
+                  </a:schemeClr>
+                </a:solidFill>
+                <a:latin typeface="冬青黑体简体中文 W3" panose="020B0300000000000000" pitchFamily="34" charset="-122"/>
+                <a:ea typeface="冬青黑体简体中文 W3" panose="020B0300000000000000" pitchFamily="34" charset="-122"/>
+              </a:rPr>
+              <a:t>建 执行上下文</a:t>
+            </a:r>
+            <a:endParaRPr lang="en-US" altLang="zh-CN" dirty="0" smtClean="0">
+              <a:solidFill>
+                <a:schemeClr val="tx1">
+                  <a:lumMod val="65000"/>
+                  <a:lumOff val="35000"/>
+                </a:schemeClr>
+              </a:solidFill>
+              <a:latin typeface="冬青黑体简体中文 W3" panose="020B0300000000000000" pitchFamily="34" charset="-122"/>
+              <a:ea typeface="冬青黑体简体中文 W3" panose="020B0300000000000000" pitchFamily="34" charset="-122"/>
+            </a:endParaRPr>
+          </a:p>
+          <a:p>
+            <a:pPr marL="800100" lvl="1" indent="-342900">
+              <a:lnSpc>
+                <a:spcPct val="150000"/>
+              </a:lnSpc>
+              <a:buFont typeface="Arial" panose="020B0604020202020204" pitchFamily="34" charset="0"/>
+              <a:buChar char="•"/>
+            </a:pPr>
+            <a:r>
+              <a:rPr lang="zh-CN" altLang="en-US" dirty="0">
+                <a:solidFill>
+                  <a:schemeClr val="tx1">
+                    <a:lumMod val="65000"/>
+                    <a:lumOff val="35000"/>
+                  </a:schemeClr>
+                </a:solidFill>
+                <a:latin typeface="冬青黑体简体中文 W3" panose="020B0300000000000000" pitchFamily="34" charset="-122"/>
+                <a:ea typeface="冬青黑体简体中文 W3" panose="020B0300000000000000" pitchFamily="34" charset="-122"/>
+              </a:rPr>
+              <a:t>查</a:t>
+            </a:r>
+            <a:r>
+              <a:rPr lang="zh-CN" altLang="en-US" dirty="0" smtClean="0">
+                <a:solidFill>
+                  <a:schemeClr val="tx1">
+                    <a:lumMod val="65000"/>
+                    <a:lumOff val="35000"/>
+                  </a:schemeClr>
+                </a:solidFill>
+                <a:latin typeface="冬青黑体简体中文 W3" panose="020B0300000000000000" pitchFamily="34" charset="-122"/>
+                <a:ea typeface="冬青黑体简体中文 W3" panose="020B0300000000000000" pitchFamily="34" charset="-122"/>
+              </a:rPr>
+              <a:t>找变量 </a:t>
+            </a:r>
+            <a:r>
+              <a:rPr lang="en-US" altLang="zh-CN" dirty="0" err="1" smtClean="0">
+                <a:solidFill>
+                  <a:schemeClr val="tx1">
+                    <a:lumMod val="65000"/>
+                    <a:lumOff val="35000"/>
+                  </a:schemeClr>
+                </a:solidFill>
+                <a:latin typeface="冬青黑体简体中文 W3" panose="020B0300000000000000" pitchFamily="34" charset="-122"/>
+                <a:ea typeface="冬青黑体简体中文 W3" panose="020B0300000000000000" pitchFamily="34" charset="-122"/>
+              </a:rPr>
+              <a:t>i</a:t>
+            </a:r>
+            <a:r>
+              <a:rPr lang="en-US" altLang="zh-CN" dirty="0" smtClean="0">
+                <a:solidFill>
+                  <a:schemeClr val="tx1">
+                    <a:lumMod val="65000"/>
+                    <a:lumOff val="35000"/>
+                  </a:schemeClr>
+                </a:solidFill>
+                <a:latin typeface="冬青黑体简体中文 W3" panose="020B0300000000000000" pitchFamily="34" charset="-122"/>
+                <a:ea typeface="冬青黑体简体中文 W3" panose="020B0300000000000000" pitchFamily="34" charset="-122"/>
+              </a:rPr>
+              <a:t> </a:t>
+            </a:r>
+          </a:p>
+          <a:p>
+            <a:pPr marL="800100" lvl="1" indent="-342900">
+              <a:lnSpc>
+                <a:spcPct val="150000"/>
+              </a:lnSpc>
+              <a:buFont typeface="Arial" panose="020B0604020202020204" pitchFamily="34" charset="0"/>
+              <a:buChar char="•"/>
+            </a:pPr>
+            <a:r>
+              <a:rPr lang="zh-CN" altLang="en-US" dirty="0">
+                <a:solidFill>
+                  <a:schemeClr val="tx1">
+                    <a:lumMod val="65000"/>
+                    <a:lumOff val="35000"/>
+                  </a:schemeClr>
+                </a:solidFill>
+                <a:latin typeface="冬青黑体简体中文 W3" panose="020B0300000000000000" pitchFamily="34" charset="-122"/>
+                <a:ea typeface="冬青黑体简体中文 W3" panose="020B0300000000000000" pitchFamily="34" charset="-122"/>
+              </a:rPr>
+              <a:t>调</a:t>
+            </a:r>
+            <a:r>
+              <a:rPr lang="zh-CN" altLang="en-US" dirty="0" smtClean="0">
+                <a:solidFill>
+                  <a:schemeClr val="tx1">
+                    <a:lumMod val="65000"/>
+                    <a:lumOff val="35000"/>
+                  </a:schemeClr>
+                </a:solidFill>
+                <a:latin typeface="冬青黑体简体中文 W3" panose="020B0300000000000000" pitchFamily="34" charset="-122"/>
+                <a:ea typeface="冬青黑体简体中文 W3" panose="020B0300000000000000" pitchFamily="34" charset="-122"/>
+              </a:rPr>
+              <a:t>用 </a:t>
+            </a:r>
+            <a:r>
+              <a:rPr lang="en-US" altLang="zh-CN" dirty="0" smtClean="0">
+                <a:solidFill>
+                  <a:schemeClr val="tx1">
+                    <a:lumMod val="65000"/>
+                    <a:lumOff val="35000"/>
+                  </a:schemeClr>
+                </a:solidFill>
+                <a:latin typeface="冬青黑体简体中文 W3" panose="020B0300000000000000" pitchFamily="34" charset="-122"/>
+                <a:ea typeface="冬青黑体简体中文 W3" panose="020B0300000000000000" pitchFamily="34" charset="-122"/>
+              </a:rPr>
+              <a:t>console.log </a:t>
+            </a:r>
+            <a:r>
+              <a:rPr lang="zh-CN" altLang="en-US" dirty="0" smtClean="0">
+                <a:solidFill>
+                  <a:schemeClr val="tx1">
+                    <a:lumMod val="65000"/>
+                    <a:lumOff val="35000"/>
+                  </a:schemeClr>
+                </a:solidFill>
+                <a:latin typeface="冬青黑体简体中文 W3" panose="020B0300000000000000" pitchFamily="34" charset="-122"/>
+                <a:ea typeface="冬青黑体简体中文 W3" panose="020B0300000000000000" pitchFamily="34" charset="-122"/>
+              </a:rPr>
+              <a:t>方法</a:t>
+            </a:r>
+            <a:endParaRPr lang="en-US" altLang="zh-CN" dirty="0" smtClean="0">
+              <a:solidFill>
+                <a:schemeClr val="tx1">
+                  <a:lumMod val="65000"/>
+                  <a:lumOff val="35000"/>
+                </a:schemeClr>
+              </a:solidFill>
+              <a:latin typeface="冬青黑体简体中文 W3" panose="020B0300000000000000" pitchFamily="34" charset="-122"/>
+              <a:ea typeface="冬青黑体简体中文 W3" panose="020B0300000000000000" pitchFamily="34" charset="-122"/>
+            </a:endParaRPr>
+          </a:p>
+          <a:p>
+            <a:pPr marL="342900" indent="-342900">
+              <a:buFont typeface="+mj-lt"/>
+              <a:buAutoNum type="arabicPeriod"/>
+            </a:pPr>
+            <a:endParaRPr lang="zh-CN" altLang="en-US" dirty="0" smtClean="0">
+              <a:solidFill>
+                <a:schemeClr val="tx1">
+                  <a:lumMod val="65000"/>
+                  <a:lumOff val="35000"/>
+                </a:schemeClr>
+              </a:solidFill>
+              <a:latin typeface="冬青黑体简体中文 W3" panose="020B0300000000000000" pitchFamily="34" charset="-122"/>
+              <a:ea typeface="冬青黑体简体中文 W3" panose="020B0300000000000000" pitchFamily="34" charset="-122"/>
+            </a:endParaRPr>
+          </a:p>
+        </p:txBody>
+      </p:sp>
+      <p:sp>
+        <p:nvSpPr>
+          <p:cNvPr id="35" name="圆角矩形 34"/>
+          <p:cNvSpPr/>
+          <p:nvPr/>
+        </p:nvSpPr>
+        <p:spPr>
+          <a:xfrm>
+            <a:off x="6312024" y="4145064"/>
+            <a:ext cx="3392019" cy="547779"/>
+          </a:xfrm>
+          <a:prstGeom prst="roundRect">
+            <a:avLst/>
+          </a:prstGeom>
+          <a:solidFill>
+            <a:srgbClr val="C00000"/>
+          </a:solidFill>
+          <a:ln>
+            <a:noFill/>
+          </a:ln>
+          <a:effectLst/>
+        </p:spPr>
+        <p:style>
+          <a:lnRef idx="1">
+            <a:schemeClr val="accent6"/>
+          </a:lnRef>
+          <a:fillRef idx="3">
+            <a:schemeClr val="accent6"/>
+          </a:fillRef>
+          <a:effectRef idx="2">
+            <a:schemeClr val="accent6"/>
+          </a:effectRef>
+          <a:fontRef idx="minor">
+            <a:schemeClr val="lt1"/>
+          </a:fontRef>
+        </p:style>
+        <p:txBody>
+          <a:bodyPr rot="0" spcFirstLastPara="0" vertOverflow="overflow" horzOverflow="overflow" vert="horz" wrap="none" lIns="180000" tIns="108000" rIns="180000" bIns="108000" numCol="1" spcCol="0" rtlCol="0" fromWordArt="0" anchor="ctr" anchorCtr="1" forceAA="0" compatLnSpc="1">
+            <a:prstTxWarp prst="textNoShape">
+              <a:avLst/>
+            </a:prstTxWarp>
+            <a:spAutoFit/>
+          </a:bodyPr>
+          <a:lstStyle/>
+          <a:p>
+            <a:pPr algn="ctr"/>
+            <a:r>
+              <a:rPr lang="en-US" altLang="zh-CN" dirty="0" smtClean="0">
+                <a:solidFill>
+                  <a:schemeClr val="bg1"/>
+                </a:solidFill>
+                <a:latin typeface="冬青黑体简体中文 W3" panose="020B0300000000000000" pitchFamily="34" charset="-122"/>
+                <a:ea typeface="冬青黑体简体中文 W3" panose="020B0300000000000000" pitchFamily="34" charset="-122"/>
+              </a:rPr>
+              <a:t>function() { console.log(</a:t>
+            </a:r>
+            <a:r>
+              <a:rPr lang="en-US" altLang="zh-CN" dirty="0" err="1" smtClean="0">
+                <a:solidFill>
+                  <a:schemeClr val="bg1"/>
+                </a:solidFill>
+                <a:latin typeface="冬青黑体简体中文 W3" panose="020B0300000000000000" pitchFamily="34" charset="-122"/>
+                <a:ea typeface="冬青黑体简体中文 W3" panose="020B0300000000000000" pitchFamily="34" charset="-122"/>
+              </a:rPr>
+              <a:t>i</a:t>
+            </a:r>
+            <a:r>
+              <a:rPr lang="en-US" altLang="zh-CN" dirty="0" smtClean="0">
+                <a:solidFill>
+                  <a:schemeClr val="bg1"/>
+                </a:solidFill>
+                <a:latin typeface="冬青黑体简体中文 W3" panose="020B0300000000000000" pitchFamily="34" charset="-122"/>
+                <a:ea typeface="冬青黑体简体中文 W3" panose="020B0300000000000000" pitchFamily="34" charset="-122"/>
+              </a:rPr>
+              <a:t>) }</a:t>
+            </a:r>
+            <a:endParaRPr lang="zh-CN" altLang="en-US" dirty="0" smtClean="0">
+              <a:solidFill>
+                <a:schemeClr val="bg1"/>
+              </a:solidFill>
+              <a:latin typeface="冬青黑体简体中文 W3" panose="020B0300000000000000" pitchFamily="34" charset="-122"/>
+              <a:ea typeface="冬青黑体简体中文 W3" panose="020B0300000000000000" pitchFamily="34" charset="-122"/>
+            </a:endParaRPr>
+          </a:p>
+        </p:txBody>
+      </p:sp>
+      <p:sp>
+        <p:nvSpPr>
+          <p:cNvPr id="36" name="圆角矩形 35"/>
+          <p:cNvSpPr/>
+          <p:nvPr/>
+        </p:nvSpPr>
+        <p:spPr>
+          <a:xfrm>
+            <a:off x="6239502" y="5458934"/>
+            <a:ext cx="4357528" cy="1160713"/>
+          </a:xfrm>
+          <a:prstGeom prst="roundRect">
+            <a:avLst/>
+          </a:prstGeom>
+          <a:solidFill>
+            <a:srgbClr val="C00000"/>
+          </a:solidFill>
+          <a:ln>
+            <a:noFill/>
+          </a:ln>
+          <a:effectLst/>
+        </p:spPr>
+        <p:style>
+          <a:lnRef idx="1">
+            <a:schemeClr val="accent6"/>
+          </a:lnRef>
+          <a:fillRef idx="3">
+            <a:schemeClr val="accent6"/>
+          </a:fillRef>
+          <a:effectRef idx="2">
+            <a:schemeClr val="accent6"/>
+          </a:effectRef>
+          <a:fontRef idx="minor">
+            <a:schemeClr val="lt1"/>
+          </a:fontRef>
+        </p:style>
+        <p:txBody>
+          <a:bodyPr rot="0" spcFirstLastPara="0" vertOverflow="overflow" horzOverflow="overflow" vert="horz" wrap="none" lIns="180000" tIns="108000" rIns="180000" bIns="108000" numCol="1" spcCol="0" rtlCol="0" fromWordArt="0" anchor="ctr" anchorCtr="1" forceAA="0" compatLnSpc="1">
+            <a:prstTxWarp prst="textNoShape">
+              <a:avLst/>
+            </a:prstTxWarp>
+            <a:spAutoFit/>
+          </a:bodyPr>
+          <a:lstStyle/>
+          <a:p>
+            <a:r>
+              <a:rPr lang="en-US" altLang="zh-CN" dirty="0" smtClean="0">
+                <a:solidFill>
+                  <a:schemeClr val="bg1"/>
+                </a:solidFill>
+                <a:latin typeface="冬青黑体简体中文 W3" panose="020B0300000000000000" pitchFamily="34" charset="-122"/>
+                <a:ea typeface="冬青黑体简体中文 W3" panose="020B0300000000000000" pitchFamily="34" charset="-122"/>
+              </a:rPr>
+              <a:t>VO:{}</a:t>
+            </a:r>
+          </a:p>
+          <a:p>
+            <a:r>
+              <a:rPr lang="en-US" altLang="zh-CN" dirty="0" smtClean="0">
+                <a:solidFill>
+                  <a:schemeClr val="bg1"/>
+                </a:solidFill>
+                <a:latin typeface="冬青黑体简体中文 W3" panose="020B0300000000000000" pitchFamily="34" charset="-122"/>
+                <a:ea typeface="冬青黑体简体中文 W3" panose="020B0300000000000000" pitchFamily="34" charset="-122"/>
+              </a:rPr>
+              <a:t>[[Scope]]: </a:t>
+            </a:r>
+            <a:r>
+              <a:rPr lang="en-US" altLang="zh-CN" dirty="0" err="1" smtClean="0">
+                <a:solidFill>
+                  <a:schemeClr val="bg1"/>
+                </a:solidFill>
+                <a:latin typeface="冬青黑体简体中文 W3" panose="020B0300000000000000" pitchFamily="34" charset="-122"/>
+                <a:ea typeface="冬青黑体简体中文 W3" panose="020B0300000000000000" pitchFamily="34" charset="-122"/>
+              </a:rPr>
+              <a:t>AnonymousContext.VO</a:t>
+            </a:r>
+            <a:endParaRPr lang="en-US" altLang="zh-CN" dirty="0" smtClean="0">
+              <a:solidFill>
+                <a:schemeClr val="bg1"/>
+              </a:solidFill>
+              <a:latin typeface="冬青黑体简体中文 W3" panose="020B0300000000000000" pitchFamily="34" charset="-122"/>
+              <a:ea typeface="冬青黑体简体中文 W3" panose="020B0300000000000000" pitchFamily="34" charset="-122"/>
+            </a:endParaRPr>
+          </a:p>
+          <a:p>
+            <a:r>
+              <a:rPr lang="en-US" altLang="zh-CN" dirty="0" smtClean="0">
+                <a:solidFill>
+                  <a:schemeClr val="bg1"/>
+                </a:solidFill>
+                <a:latin typeface="冬青黑体简体中文 W3" panose="020B0300000000000000" pitchFamily="34" charset="-122"/>
+                <a:ea typeface="冬青黑体简体中文 W3" panose="020B0300000000000000" pitchFamily="34" charset="-122"/>
+              </a:rPr>
+              <a:t>this</a:t>
+            </a:r>
+            <a:endParaRPr lang="zh-CN" altLang="en-US" dirty="0" smtClean="0">
+              <a:solidFill>
+                <a:schemeClr val="bg1"/>
+              </a:solidFill>
+              <a:latin typeface="冬青黑体简体中文 W3" panose="020B0300000000000000" pitchFamily="34" charset="-122"/>
+              <a:ea typeface="冬青黑体简体中文 W3" panose="020B0300000000000000" pitchFamily="34" charset="-122"/>
+            </a:endParaRPr>
+          </a:p>
+        </p:txBody>
+      </p:sp>
+    </p:spTree>
+    <p:extLst>
+      <p:ext uri="{BB962C8B-B14F-4D97-AF65-F5344CB8AC3E}">
+        <p14:creationId xmlns:p14="http://schemas.microsoft.com/office/powerpoint/2010/main" val="2885116049"/>
+      </p:ext>
+    </p:extLst>
+  </p:cSld>
+  <p:clrMapOvr>
+    <a:masterClrMapping/>
+  </p:clrMapOvr>
+  <mc:AlternateContent xmlns:mc="http://schemas.openxmlformats.org/markup-compatibility/2006">
+    <mc:Choice xmlns:p14="http://schemas.microsoft.com/office/powerpoint/2010/main" Requires="p14">
+      <p:transition p14:dur="0" advClick="0" advTm="9938"/>
+    </mc:Choice>
+    <mc:Fallback>
+      <p:transition advClick="0" advTm="9938"/>
+    </mc:Fallback>
+  </mc:AlternateContent>
+  <p:timing>
+    <p:tnLst>
+      <p:par>
+        <p:cTn id="1" dur="indefinite" restart="never" nodeType="tmRoot"/>
+      </p:par>
+    </p:tnLst>
+  </p:timing>
+</p:sld>
+</file>
+
+<file path=ppt/slides/slide38.xml><?xml version="1.0" encoding="utf-8"?>
+<p:sld xmlns:a="http://schemas.openxmlformats.org/drawingml/2006/main" xmlns:r="http://schemas.openxmlformats.org/officeDocument/2006/relationships" xmlns:p="http://schemas.openxmlformats.org/presentationml/2006/main">
+  <p:cSld>
+    <p:spTree>
+      <p:nvGrpSpPr>
+        <p:cNvPr id="1" name=""/>
+        <p:cNvGrpSpPr/>
+        <p:nvPr/>
+      </p:nvGrpSpPr>
+      <p:grpSpPr>
+        <a:xfrm>
+          <a:off x="0" y="0"/>
+          <a:ext cx="0" cy="0"/>
+          <a:chOff x="0" y="0"/>
+          <a:chExt cx="0" cy="0"/>
+        </a:xfrm>
+      </p:grpSpPr>
+      <p:sp>
+        <p:nvSpPr>
+          <p:cNvPr id="2" name="标题 1"/>
+          <p:cNvSpPr>
+            <a:spLocks noGrp="1"/>
+          </p:cNvSpPr>
+          <p:nvPr>
+            <p:ph type="title"/>
+          </p:nvPr>
+        </p:nvSpPr>
+        <p:spPr>
+          <a:xfrm>
+            <a:off x="120808" y="18874"/>
+            <a:ext cx="12192000" cy="1122096"/>
+          </a:xfrm>
+        </p:spPr>
+        <p:txBody>
+          <a:bodyPr/>
+          <a:lstStyle/>
+          <a:p>
+            <a:r>
+              <a:rPr lang="zh-CN" altLang="en-US" dirty="0"/>
+              <a:t>闭</a:t>
+            </a:r>
+            <a:r>
+              <a:rPr lang="zh-CN" altLang="en-US" dirty="0" smtClean="0"/>
+              <a:t>包的应用</a:t>
+            </a:r>
+            <a:endParaRPr lang="zh-CN" altLang="en-US" dirty="0"/>
+          </a:p>
+        </p:txBody>
+      </p:sp>
+      <p:sp>
+        <p:nvSpPr>
+          <p:cNvPr id="3" name="文本占位符 2"/>
+          <p:cNvSpPr>
+            <a:spLocks noGrp="1"/>
+          </p:cNvSpPr>
+          <p:nvPr>
+            <p:ph type="body" sz="quarter" idx="10"/>
+          </p:nvPr>
+        </p:nvSpPr>
+        <p:spPr>
+          <a:xfrm>
+            <a:off x="239871" y="1140970"/>
+            <a:ext cx="12072937" cy="512770"/>
+          </a:xfrm>
+        </p:spPr>
+        <p:txBody>
+          <a:bodyPr/>
+          <a:lstStyle/>
+          <a:p>
+            <a:pPr algn="ctr"/>
+            <a:r>
+              <a:rPr lang="zh-CN" altLang="en-US" dirty="0" smtClean="0">
+                <a:solidFill>
+                  <a:schemeClr val="tx1">
+                    <a:lumMod val="75000"/>
+                    <a:lumOff val="25000"/>
+                  </a:schemeClr>
+                </a:solidFill>
+              </a:rPr>
+              <a:t>实现</a:t>
+            </a:r>
+            <a:r>
+              <a:rPr lang="en-US" altLang="zh-CN" dirty="0" smtClean="0">
+                <a:solidFill>
+                  <a:schemeClr val="tx1">
+                    <a:lumMod val="75000"/>
+                    <a:lumOff val="25000"/>
+                  </a:schemeClr>
+                </a:solidFill>
+              </a:rPr>
+              <a:t>JavaScript</a:t>
+            </a:r>
+            <a:r>
+              <a:rPr lang="zh-CN" altLang="en-US" dirty="0" smtClean="0">
+                <a:solidFill>
+                  <a:schemeClr val="tx1">
+                    <a:lumMod val="75000"/>
+                    <a:lumOff val="25000"/>
+                  </a:schemeClr>
+                </a:solidFill>
+              </a:rPr>
+              <a:t>中的私有属性</a:t>
+            </a:r>
+            <a:endParaRPr lang="en-US" altLang="zh-CN" dirty="0" smtClean="0">
+              <a:solidFill>
+                <a:schemeClr val="tx1">
+                  <a:lumMod val="75000"/>
+                  <a:lumOff val="25000"/>
+                </a:schemeClr>
+              </a:solidFill>
+            </a:endParaRPr>
+          </a:p>
+        </p:txBody>
+      </p:sp>
+      <p:pic>
+        <p:nvPicPr>
+          <p:cNvPr id="4" name="图片 3"/>
+          <p:cNvPicPr>
+            <a:picLocks noChangeAspect="1"/>
+          </p:cNvPicPr>
+          <p:nvPr/>
+        </p:nvPicPr>
+        <p:blipFill>
+          <a:blip r:embed="rId2"/>
+          <a:stretch>
+            <a:fillRect/>
+          </a:stretch>
+        </p:blipFill>
+        <p:spPr>
+          <a:xfrm>
+            <a:off x="0" y="1889542"/>
+            <a:ext cx="12192000" cy="4990608"/>
+          </a:xfrm>
+          <a:prstGeom prst="rect">
+            <a:avLst/>
+          </a:prstGeom>
+        </p:spPr>
+      </p:pic>
+    </p:spTree>
+    <p:extLst>
+      <p:ext uri="{BB962C8B-B14F-4D97-AF65-F5344CB8AC3E}">
+        <p14:creationId xmlns:p14="http://schemas.microsoft.com/office/powerpoint/2010/main" val="2242810487"/>
+      </p:ext>
+    </p:extLst>
+  </p:cSld>
+  <p:clrMapOvr>
+    <a:masterClrMapping/>
+  </p:clrMapOvr>
+  <mc:AlternateContent xmlns:mc="http://schemas.openxmlformats.org/markup-compatibility/2006">
+    <mc:Choice xmlns:p14="http://schemas.microsoft.com/office/powerpoint/2010/main" Requires="p14">
+      <p:transition p14:dur="0" advClick="0" advTm="9938"/>
+    </mc:Choice>
+    <mc:Fallback>
+      <p:transition advClick="0" advTm="9938"/>
+    </mc:Fallback>
+  </mc:AlternateContent>
+  <p:timing>
+    <p:tnLst>
+      <p:par>
+        <p:cTn id="1" dur="indefinite" restart="never" nodeType="tmRoot"/>
+      </p:par>
+    </p:tnLst>
+  </p:timing>
+</p:sld>
+</file>
+
+<file path=ppt/slides/slide39.xml><?xml version="1.0" encoding="utf-8"?>
+<p:sld xmlns:a="http://schemas.openxmlformats.org/drawingml/2006/main" xmlns:r="http://schemas.openxmlformats.org/officeDocument/2006/relationships" xmlns:p="http://schemas.openxmlformats.org/presentationml/2006/main">
+  <p:cSld>
+    <p:spTree>
+      <p:nvGrpSpPr>
+        <p:cNvPr id="1" name=""/>
+        <p:cNvGrpSpPr/>
+        <p:nvPr/>
+      </p:nvGrpSpPr>
+      <p:grpSpPr>
+        <a:xfrm>
+          <a:off x="0" y="0"/>
+          <a:ext cx="0" cy="0"/>
+          <a:chOff x="0" y="0"/>
+          <a:chExt cx="0" cy="0"/>
+        </a:xfrm>
+      </p:grpSpPr>
+      <p:sp>
+        <p:nvSpPr>
+          <p:cNvPr id="2" name="标题 1"/>
+          <p:cNvSpPr>
+            <a:spLocks noGrp="1"/>
+          </p:cNvSpPr>
+          <p:nvPr>
+            <p:ph type="title"/>
+          </p:nvPr>
+        </p:nvSpPr>
+        <p:spPr>
+          <a:xfrm>
             <a:off x="611267" y="413792"/>
             <a:ext cx="10972641" cy="1143000"/>
           </a:xfrm>
@@ -13093,7 +16818,7 @@
         </p:nvSpPr>
         <p:spPr>
           <a:xfrm>
-            <a:off x="1235460" y="1556792"/>
+            <a:off x="1220406" y="2012975"/>
             <a:ext cx="10348448" cy="369332"/>
           </a:xfrm>
           <a:prstGeom prst="rect">
@@ -13171,7 +16896,7 @@
         </p:nvSpPr>
         <p:spPr>
           <a:xfrm>
-            <a:off x="3145259" y="6021288"/>
+            <a:off x="3145259" y="3207822"/>
             <a:ext cx="5904656" cy="369332"/>
           </a:xfrm>
           <a:prstGeom prst="rect">
@@ -13225,12 +16950,12 @@
   <p:clrMapOvr>
     <a:masterClrMapping/>
   </p:clrMapOvr>
-  <mc:AlternateContent xmlns:mc="http://schemas.openxmlformats.org/markup-compatibility/2006" xmlns:p14="http://schemas.microsoft.com/office/powerpoint/2010/main">
-    <mc:Choice Requires="p14">
-      <p:transition p14:dur="0" advTm="9938"/>
+  <mc:AlternateContent xmlns:mc="http://schemas.openxmlformats.org/markup-compatibility/2006">
+    <mc:Choice xmlns:p14="http://schemas.microsoft.com/office/powerpoint/2010/main" Requires="p14">
+      <p:transition p14:dur="0" advClick="0" advTm="9938"/>
     </mc:Choice>
-    <mc:Fallback xmlns="">
-      <p:transition advTm="9938"/>
+    <mc:Fallback>
+      <p:transition advClick="0" advTm="9938"/>
     </mc:Fallback>
   </mc:AlternateContent>
   <p:timing>
@@ -13336,12 +17061,12 @@
   <p:clrMapOvr>
     <a:masterClrMapping/>
   </p:clrMapOvr>
-  <mc:AlternateContent xmlns:mc="http://schemas.openxmlformats.org/markup-compatibility/2006" xmlns:p14="http://schemas.microsoft.com/office/powerpoint/2010/main">
-    <mc:Choice Requires="p14">
-      <p:transition p14:dur="0" advTm="9938"/>
+  <mc:AlternateContent xmlns:mc="http://schemas.openxmlformats.org/markup-compatibility/2006">
+    <mc:Choice xmlns:p14="http://schemas.microsoft.com/office/powerpoint/2010/main" Requires="p14">
+      <p:transition p14:dur="0" advClick="0" advTm="9938"/>
     </mc:Choice>
-    <mc:Fallback xmlns="">
-      <p:transition advTm="9938"/>
+    <mc:Fallback>
+      <p:transition advClick="0" advTm="9938"/>
     </mc:Fallback>
   </mc:AlternateContent>
   <p:timing>
@@ -13680,12 +17405,12 @@
   <p:clrMapOvr>
     <a:masterClrMapping/>
   </p:clrMapOvr>
-  <mc:AlternateContent xmlns:mc="http://schemas.openxmlformats.org/markup-compatibility/2006" xmlns:p14="http://schemas.microsoft.com/office/powerpoint/2010/main">
-    <mc:Choice Requires="p14">
-      <p:transition p14:dur="0" advTm="9938"/>
+  <mc:AlternateContent xmlns:mc="http://schemas.openxmlformats.org/markup-compatibility/2006">
+    <mc:Choice xmlns:p14="http://schemas.microsoft.com/office/powerpoint/2010/main" Requires="p14">
+      <p:transition p14:dur="0" advClick="0" advTm="9938"/>
     </mc:Choice>
-    <mc:Fallback xmlns="">
-      <p:transition advTm="9938"/>
+    <mc:Fallback>
+      <p:transition advClick="0" advTm="9938"/>
     </mc:Fallback>
   </mc:AlternateContent>
   <p:timing>
@@ -13791,12 +17516,12 @@
   <p:clrMapOvr>
     <a:masterClrMapping/>
   </p:clrMapOvr>
-  <mc:AlternateContent xmlns:mc="http://schemas.openxmlformats.org/markup-compatibility/2006" xmlns:p14="http://schemas.microsoft.com/office/powerpoint/2010/main">
-    <mc:Choice Requires="p14">
-      <p:transition p14:dur="0" advTm="9938"/>
+  <mc:AlternateContent xmlns:mc="http://schemas.openxmlformats.org/markup-compatibility/2006">
+    <mc:Choice xmlns:p14="http://schemas.microsoft.com/office/powerpoint/2010/main" Requires="p14">
+      <p:transition p14:dur="0" advClick="0" advTm="9938"/>
     </mc:Choice>
-    <mc:Fallback xmlns="">
-      <p:transition advTm="9938"/>
+    <mc:Fallback>
+      <p:transition advClick="0" advTm="9938"/>
     </mc:Fallback>
   </mc:AlternateContent>
   <p:timing>
@@ -14057,12 +17782,12 @@
   <p:clrMapOvr>
     <a:masterClrMapping/>
   </p:clrMapOvr>
-  <mc:AlternateContent xmlns:mc="http://schemas.openxmlformats.org/markup-compatibility/2006" xmlns:p14="http://schemas.microsoft.com/office/powerpoint/2010/main">
-    <mc:Choice Requires="p14">
-      <p:transition p14:dur="0" advTm="9938"/>
+  <mc:AlternateContent xmlns:mc="http://schemas.openxmlformats.org/markup-compatibility/2006">
+    <mc:Choice xmlns:p14="http://schemas.microsoft.com/office/powerpoint/2010/main" Requires="p14">
+      <p:transition p14:dur="0" advClick="0" advTm="9938"/>
     </mc:Choice>
-    <mc:Fallback xmlns="">
-      <p:transition advTm="9938"/>
+    <mc:Fallback>
+      <p:transition advClick="0" advTm="9938"/>
     </mc:Fallback>
   </mc:AlternateContent>
   <p:timing>
@@ -14933,12 +18658,12 @@
   <p:clrMapOvr>
     <a:masterClrMapping/>
   </p:clrMapOvr>
-  <mc:AlternateContent xmlns:mc="http://schemas.openxmlformats.org/markup-compatibility/2006" xmlns:p14="http://schemas.microsoft.com/office/powerpoint/2010/main">
-    <mc:Choice Requires="p14">
-      <p:transition p14:dur="0" advTm="9938"/>
+  <mc:AlternateContent xmlns:mc="http://schemas.openxmlformats.org/markup-compatibility/2006">
+    <mc:Choice xmlns:p14="http://schemas.microsoft.com/office/powerpoint/2010/main" Requires="p14">
+      <p:transition p14:dur="0" advClick="0" advTm="9938"/>
     </mc:Choice>
-    <mc:Fallback xmlns="">
-      <p:transition advTm="9938"/>
+    <mc:Fallback>
+      <p:transition advClick="0" advTm="9938"/>
     </mc:Fallback>
   </mc:AlternateContent>
   <p:timing>
@@ -15038,12 +18763,12 @@
   <p:clrMapOvr>
     <a:masterClrMapping/>
   </p:clrMapOvr>
-  <mc:AlternateContent xmlns:mc="http://schemas.openxmlformats.org/markup-compatibility/2006" xmlns:p14="http://schemas.microsoft.com/office/powerpoint/2010/main">
-    <mc:Choice Requires="p14">
-      <p:transition p14:dur="0" advTm="9938"/>
+  <mc:AlternateContent xmlns:mc="http://schemas.openxmlformats.org/markup-compatibility/2006">
+    <mc:Choice xmlns:p14="http://schemas.microsoft.com/office/powerpoint/2010/main" Requires="p14">
+      <p:transition p14:dur="0" advClick="0" advTm="9938"/>
     </mc:Choice>
-    <mc:Fallback xmlns="">
-      <p:transition advTm="9938"/>
+    <mc:Fallback>
+      <p:transition advClick="0" advTm="9938"/>
     </mc:Fallback>
   </mc:AlternateContent>
   <p:timing>

--- a/ppt/JavaScript基础一.pptx
+++ b/ppt/JavaScript基础一.pptx
@@ -292,7 +292,7 @@
           <a:p>
             <a:fld id="{EF39233F-B0BB-44DE-A7B3-17CA56738593}" type="datetimeFigureOut">
               <a:rPr lang="zh-CN" altLang="en-US" smtClean="0"/>
-              <a:t>2018/9/9</a:t>
+              <a:t>2018/9/11</a:t>
             </a:fld>
             <a:endParaRPr lang="zh-CN" altLang="en-US"/>
           </a:p>
@@ -458,7 +458,7 @@
           <a:p>
             <a:fld id="{8E7218B8-0759-4EF6-915F-DEF35E047769}" type="datetimeFigureOut">
               <a:rPr lang="zh-CN" altLang="en-US" smtClean="0"/>
-              <a:t>2018/9/9</a:t>
+              <a:t>2018/9/11</a:t>
             </a:fld>
             <a:endParaRPr lang="zh-CN" altLang="en-US"/>
           </a:p>
@@ -3808,7 +3808,7 @@
           <a:p>
             <a:fld id="{A981568D-62A3-428D-9EAF-2462161BCA07}" type="datetimeFigureOut">
               <a:rPr lang="zh-CN" altLang="en-US" smtClean="0"/>
-              <a:t>2018/9/9</a:t>
+              <a:t>2018/9/11</a:t>
             </a:fld>
             <a:endParaRPr lang="zh-CN" altLang="en-US"/>
           </a:p>
@@ -4326,13 +4326,13 @@
   <p:clrMapOvr>
     <a:masterClrMapping/>
   </p:clrMapOvr>
-  <mc:AlternateContent xmlns:mc="http://schemas.openxmlformats.org/markup-compatibility/2006">
-    <mc:Choice xmlns:p15="http://schemas.microsoft.com/office/powerpoint/2012/main" Requires="p15">
+  <mc:AlternateContent xmlns:mc="http://schemas.openxmlformats.org/markup-compatibility/2006" xmlns:p15="http://schemas.microsoft.com/office/powerpoint/2012/main">
+    <mc:Choice Requires="p15">
       <p:transition xmlns:p14="http://schemas.microsoft.com/office/powerpoint/2010/main" spd="slow" p14:dur="3250" advClick="0">
         <p15:prstTrans prst="origami"/>
       </p:transition>
     </mc:Choice>
-    <mc:Fallback>
+    <mc:Fallback xmlns="">
       <p:transition spd="slow" advClick="0">
         <p:fade/>
       </p:transition>
@@ -4427,11 +4427,11 @@
   <p:clrMapOvr>
     <a:masterClrMapping/>
   </p:clrMapOvr>
-  <mc:AlternateContent xmlns:mc="http://schemas.openxmlformats.org/markup-compatibility/2006">
-    <mc:Choice xmlns:p14="http://schemas.microsoft.com/office/powerpoint/2010/main" Requires="p14">
+  <mc:AlternateContent xmlns:mc="http://schemas.openxmlformats.org/markup-compatibility/2006" xmlns:p14="http://schemas.microsoft.com/office/powerpoint/2010/main">
+    <mc:Choice Requires="p14">
       <p:transition p14:dur="0" advClick="0" advTm="9938"/>
     </mc:Choice>
-    <mc:Fallback>
+    <mc:Fallback xmlns="">
       <p:transition advClick="0" advTm="9938"/>
     </mc:Fallback>
   </mc:AlternateContent>
@@ -4524,11 +4524,11 @@
   <p:clrMapOvr>
     <a:masterClrMapping/>
   </p:clrMapOvr>
-  <mc:AlternateContent xmlns:mc="http://schemas.openxmlformats.org/markup-compatibility/2006">
-    <mc:Choice xmlns:p14="http://schemas.microsoft.com/office/powerpoint/2010/main" Requires="p14">
+  <mc:AlternateContent xmlns:mc="http://schemas.openxmlformats.org/markup-compatibility/2006" xmlns:p14="http://schemas.microsoft.com/office/powerpoint/2010/main">
+    <mc:Choice Requires="p14">
       <p:transition p14:dur="0" advClick="0" advTm="9938"/>
     </mc:Choice>
-    <mc:Fallback>
+    <mc:Fallback xmlns="">
       <p:transition advClick="0" advTm="9938"/>
     </mc:Fallback>
   </mc:AlternateContent>
@@ -5026,11 +5026,11 @@
   <p:clrMapOvr>
     <a:masterClrMapping/>
   </p:clrMapOvr>
-  <mc:AlternateContent xmlns:mc="http://schemas.openxmlformats.org/markup-compatibility/2006">
-    <mc:Choice xmlns:p14="http://schemas.microsoft.com/office/powerpoint/2010/main" Requires="p14">
+  <mc:AlternateContent xmlns:mc="http://schemas.openxmlformats.org/markup-compatibility/2006" xmlns:p14="http://schemas.microsoft.com/office/powerpoint/2010/main">
+    <mc:Choice Requires="p14">
       <p:transition p14:dur="0" advClick="0" advTm="9938"/>
     </mc:Choice>
-    <mc:Fallback>
+    <mc:Fallback xmlns="">
       <p:transition advClick="0" advTm="9938"/>
     </mc:Fallback>
   </mc:AlternateContent>
@@ -5127,11 +5127,11 @@
   <p:clrMapOvr>
     <a:masterClrMapping/>
   </p:clrMapOvr>
-  <mc:AlternateContent xmlns:mc="http://schemas.openxmlformats.org/markup-compatibility/2006">
-    <mc:Choice xmlns:p14="http://schemas.microsoft.com/office/powerpoint/2010/main" Requires="p14">
+  <mc:AlternateContent xmlns:mc="http://schemas.openxmlformats.org/markup-compatibility/2006" xmlns:p14="http://schemas.microsoft.com/office/powerpoint/2010/main">
+    <mc:Choice Requires="p14">
       <p:transition p14:dur="0" advClick="0" advTm="9938"/>
     </mc:Choice>
-    <mc:Fallback>
+    <mc:Fallback xmlns="">
       <p:transition advClick="0" advTm="9938"/>
     </mc:Fallback>
   </mc:AlternateContent>
@@ -5943,11 +5943,11 @@
   <p:clrMapOvr>
     <a:masterClrMapping/>
   </p:clrMapOvr>
-  <mc:AlternateContent xmlns:mc="http://schemas.openxmlformats.org/markup-compatibility/2006">
-    <mc:Choice xmlns:p14="http://schemas.microsoft.com/office/powerpoint/2010/main" Requires="p14">
+  <mc:AlternateContent xmlns:mc="http://schemas.openxmlformats.org/markup-compatibility/2006" xmlns:p14="http://schemas.microsoft.com/office/powerpoint/2010/main">
+    <mc:Choice Requires="p14">
       <p:transition p14:dur="0" advClick="0" advTm="9938"/>
     </mc:Choice>
-    <mc:Fallback>
+    <mc:Fallback xmlns="">
       <p:transition advClick="0" advTm="9938"/>
     </mc:Fallback>
   </mc:AlternateContent>
@@ -6035,11 +6035,11 @@
   <p:clrMapOvr>
     <a:masterClrMapping/>
   </p:clrMapOvr>
-  <mc:AlternateContent xmlns:mc="http://schemas.openxmlformats.org/markup-compatibility/2006">
-    <mc:Choice xmlns:p14="http://schemas.microsoft.com/office/powerpoint/2010/main" Requires="p14">
+  <mc:AlternateContent xmlns:mc="http://schemas.openxmlformats.org/markup-compatibility/2006" xmlns:p14="http://schemas.microsoft.com/office/powerpoint/2010/main">
+    <mc:Choice Requires="p14">
       <p:transition p14:dur="0" advClick="0" advTm="9938"/>
     </mc:Choice>
-    <mc:Fallback>
+    <mc:Fallback xmlns="">
       <p:transition advClick="0" advTm="9938"/>
     </mc:Fallback>
   </mc:AlternateContent>
@@ -6206,11 +6206,11 @@
   <p:clrMapOvr>
     <a:masterClrMapping/>
   </p:clrMapOvr>
-  <mc:AlternateContent xmlns:mc="http://schemas.openxmlformats.org/markup-compatibility/2006">
-    <mc:Choice xmlns:p14="http://schemas.microsoft.com/office/powerpoint/2010/main" Requires="p14">
+  <mc:AlternateContent xmlns:mc="http://schemas.openxmlformats.org/markup-compatibility/2006" xmlns:p14="http://schemas.microsoft.com/office/powerpoint/2010/main">
+    <mc:Choice Requires="p14">
       <p:transition p14:dur="0" advClick="0" advTm="9938"/>
     </mc:Choice>
-    <mc:Fallback>
+    <mc:Fallback xmlns="">
       <p:transition advClick="0" advTm="9938"/>
     </mc:Fallback>
   </mc:AlternateContent>
@@ -6302,11 +6302,11 @@
   <p:clrMapOvr>
     <a:masterClrMapping/>
   </p:clrMapOvr>
-  <mc:AlternateContent xmlns:mc="http://schemas.openxmlformats.org/markup-compatibility/2006">
-    <mc:Choice xmlns:p14="http://schemas.microsoft.com/office/powerpoint/2010/main" Requires="p14">
+  <mc:AlternateContent xmlns:mc="http://schemas.openxmlformats.org/markup-compatibility/2006" xmlns:p14="http://schemas.microsoft.com/office/powerpoint/2010/main">
+    <mc:Choice Requires="p14">
       <p:transition p14:dur="0" advClick="0" advTm="9938"/>
     </mc:Choice>
-    <mc:Fallback>
+    <mc:Fallback xmlns="">
       <p:transition advClick="0" advTm="9938"/>
     </mc:Fallback>
   </mc:AlternateContent>
@@ -6416,11 +6416,11 @@
   <p:clrMapOvr>
     <a:masterClrMapping/>
   </p:clrMapOvr>
-  <mc:AlternateContent xmlns:mc="http://schemas.openxmlformats.org/markup-compatibility/2006">
-    <mc:Choice xmlns:p14="http://schemas.microsoft.com/office/powerpoint/2010/main" Requires="p14">
+  <mc:AlternateContent xmlns:mc="http://schemas.openxmlformats.org/markup-compatibility/2006" xmlns:p14="http://schemas.microsoft.com/office/powerpoint/2010/main">
+    <mc:Choice Requires="p14">
       <p:transition p14:dur="0" advClick="0" advTm="9938"/>
     </mc:Choice>
-    <mc:Fallback>
+    <mc:Fallback xmlns="">
       <p:transition advClick="0" advTm="9938"/>
     </mc:Fallback>
   </mc:AlternateContent>
@@ -6716,11 +6716,11 @@
   <p:clrMapOvr>
     <a:masterClrMapping/>
   </p:clrMapOvr>
-  <mc:AlternateContent xmlns:mc="http://schemas.openxmlformats.org/markup-compatibility/2006">
-    <mc:Choice xmlns:p14="http://schemas.microsoft.com/office/powerpoint/2010/main" Requires="p14">
+  <mc:AlternateContent xmlns:mc="http://schemas.openxmlformats.org/markup-compatibility/2006" xmlns:p14="http://schemas.microsoft.com/office/powerpoint/2010/main">
+    <mc:Choice Requires="p14">
       <p:transition p14:dur="0" advClick="0" advTm="9938"/>
     </mc:Choice>
-    <mc:Fallback>
+    <mc:Fallback xmlns="">
       <p:transition advClick="0" advTm="9938"/>
     </mc:Fallback>
   </mc:AlternateContent>
@@ -7187,11 +7187,11 @@
   <p:clrMapOvr>
     <a:masterClrMapping/>
   </p:clrMapOvr>
-  <mc:AlternateContent xmlns:mc="http://schemas.openxmlformats.org/markup-compatibility/2006">
-    <mc:Choice xmlns:p14="http://schemas.microsoft.com/office/powerpoint/2010/main" Requires="p14">
+  <mc:AlternateContent xmlns:mc="http://schemas.openxmlformats.org/markup-compatibility/2006" xmlns:p14="http://schemas.microsoft.com/office/powerpoint/2010/main">
+    <mc:Choice Requires="p14">
       <p:transition p14:dur="0" advClick="0" advTm="9938"/>
     </mc:Choice>
-    <mc:Fallback>
+    <mc:Fallback xmlns="">
       <p:transition advClick="0" advTm="9938"/>
     </mc:Fallback>
   </mc:AlternateContent>
@@ -7701,67 +7701,7 @@
                   </a:schemeClr>
                 </a:solidFill>
               </a:rPr>
-              <a:t>”。换而言之，</a:t>
-            </a:r>
-            <a:r>
-              <a:rPr lang="en-US" altLang="zh-CN" dirty="0" smtClean="0">
-                <a:solidFill>
-                  <a:schemeClr val="tx1">
-                    <a:lumMod val="65000"/>
-                    <a:lumOff val="35000"/>
-                  </a:schemeClr>
-                </a:solidFill>
-              </a:rPr>
-              <a:t>JavaScript</a:t>
-            </a:r>
-            <a:r>
-              <a:rPr lang="zh-CN" altLang="en-US" dirty="0" smtClean="0">
-                <a:solidFill>
-                  <a:schemeClr val="tx1">
-                    <a:lumMod val="65000"/>
-                    <a:lumOff val="35000"/>
-                  </a:schemeClr>
-                </a:solidFill>
-              </a:rPr>
-              <a:t>中的继承并不是 </a:t>
-            </a:r>
-            <a:r>
-              <a:rPr lang="zh-CN" altLang="en-US" dirty="0" smtClean="0">
-                <a:solidFill>
-                  <a:srgbClr val="C00000"/>
-                </a:solidFill>
-              </a:rPr>
-              <a:t>真正的继承</a:t>
-            </a:r>
-            <a:r>
-              <a:rPr lang="zh-CN" altLang="en-US" dirty="0" smtClean="0">
-                <a:solidFill>
-                  <a:schemeClr val="tx1">
-                    <a:lumMod val="65000"/>
-                    <a:lumOff val="35000"/>
-                  </a:schemeClr>
-                </a:solidFill>
-              </a:rPr>
-              <a:t>，因为并没有进行内存上的拷贝，而是跟 </a:t>
-            </a:r>
-            <a:r>
-              <a:rPr lang="zh-CN" altLang="en-US" dirty="0" smtClean="0">
-                <a:solidFill>
-                  <a:srgbClr val="C00000"/>
-                </a:solidFill>
-              </a:rPr>
-              <a:t>代理模式</a:t>
-            </a:r>
-            <a:r>
-              <a:rPr lang="zh-CN" altLang="en-US" dirty="0" smtClean="0">
-                <a:solidFill>
-                  <a:schemeClr val="tx1">
-                    <a:lumMod val="65000"/>
-                    <a:lumOff val="35000"/>
-                  </a:schemeClr>
-                </a:solidFill>
-              </a:rPr>
-              <a:t>类似。</a:t>
+              <a:t>”。</a:t>
             </a:r>
             <a:endParaRPr lang="zh-CN" altLang="en-US" dirty="0">
               <a:solidFill>
@@ -7833,11 +7773,11 @@
   <p:clrMapOvr>
     <a:masterClrMapping/>
   </p:clrMapOvr>
-  <mc:AlternateContent xmlns:mc="http://schemas.openxmlformats.org/markup-compatibility/2006">
-    <mc:Choice xmlns:p14="http://schemas.microsoft.com/office/powerpoint/2010/main" Requires="p14">
+  <mc:AlternateContent xmlns:mc="http://schemas.openxmlformats.org/markup-compatibility/2006" xmlns:p14="http://schemas.microsoft.com/office/powerpoint/2010/main">
+    <mc:Choice Requires="p14">
       <p:transition p14:dur="0" advClick="0" advTm="9938"/>
     </mc:Choice>
-    <mc:Fallback>
+    <mc:Fallback xmlns="">
       <p:transition advClick="0" advTm="9938"/>
     </mc:Fallback>
   </mc:AlternateContent>
@@ -8038,11 +7978,11 @@
   <p:clrMapOvr>
     <a:masterClrMapping/>
   </p:clrMapOvr>
-  <mc:AlternateContent xmlns:mc="http://schemas.openxmlformats.org/markup-compatibility/2006">
-    <mc:Choice xmlns:p14="http://schemas.microsoft.com/office/powerpoint/2010/main" Requires="p14">
+  <mc:AlternateContent xmlns:mc="http://schemas.openxmlformats.org/markup-compatibility/2006" xmlns:p14="http://schemas.microsoft.com/office/powerpoint/2010/main">
+    <mc:Choice Requires="p14">
       <p:transition p14:dur="0" advClick="0" advTm="9938"/>
     </mc:Choice>
-    <mc:Fallback>
+    <mc:Fallback xmlns="">
       <p:transition advClick="0" advTm="9938"/>
     </mc:Fallback>
   </mc:AlternateContent>
@@ -8150,7 +8090,7 @@
         <p:spPr>
           <a:xfrm>
             <a:off x="1883532" y="3392996"/>
-            <a:ext cx="8424936" cy="1200329"/>
+            <a:ext cx="8424936" cy="558166"/>
           </a:xfrm>
           <a:prstGeom prst="rect">
             <a:avLst/>
@@ -8250,7 +8190,20 @@
                 <a:latin typeface="冬青黑体简体中文 W3" panose="020B0300000000000000" pitchFamily="34" charset="-122"/>
                 <a:ea typeface="冬青黑体简体中文 W3" panose="020B0300000000000000" pitchFamily="34" charset="-122"/>
               </a:rPr>
-              <a:t>对象。</a:t>
+              <a:t>对象</a:t>
+            </a:r>
+            <a:r>
+              <a:rPr lang="zh-CN" altLang="en-US" dirty="0" smtClean="0">
+                <a:solidFill>
+                  <a:schemeClr val="tx1">
+                    <a:lumMod val="65000"/>
+                    <a:lumOff val="35000"/>
+                  </a:schemeClr>
+                </a:solidFill>
+                <a:latin typeface="冬青黑体简体中文 W3" panose="020B0300000000000000" pitchFamily="34" charset="-122"/>
+                <a:ea typeface="冬青黑体简体中文 W3" panose="020B0300000000000000" pitchFamily="34" charset="-122"/>
+              </a:rPr>
+              <a:t>。</a:t>
             </a:r>
             <a:endParaRPr lang="en-US" altLang="zh-CN" dirty="0" smtClean="0">
               <a:solidFill>
@@ -8263,41 +8216,6 @@
               <a:ea typeface="冬青黑体简体中文 W3" panose="020B0300000000000000" pitchFamily="34" charset="-122"/>
             </a:endParaRPr>
           </a:p>
-          <a:p>
-            <a:pPr marL="342900" indent="-342900">
-              <a:lnSpc>
-                <a:spcPct val="200000"/>
-              </a:lnSpc>
-              <a:buFont typeface="+mj-lt"/>
-              <a:buAutoNum type="arabicPeriod"/>
-            </a:pPr>
-            <a:r>
-              <a:rPr lang="zh-CN" altLang="en-US" dirty="0">
-                <a:solidFill>
-                  <a:schemeClr val="tx1">
-                    <a:lumMod val="75000"/>
-                    <a:lumOff val="25000"/>
-                  </a:schemeClr>
-                </a:solidFill>
-                <a:latin typeface="冬青黑体简体中文 W3" panose="020B0300000000000000" pitchFamily="34" charset="-122"/>
-                <a:ea typeface="冬青黑体简体中文 W3" panose="020B0300000000000000" pitchFamily="34" charset="-122"/>
-              </a:rPr>
-              <a:t>继</a:t>
-            </a:r>
-            <a:r>
-              <a:rPr lang="zh-CN" altLang="en-US" dirty="0" smtClean="0">
-                <a:solidFill>
-                  <a:schemeClr val="tx1">
-                    <a:lumMod val="75000"/>
-                    <a:lumOff val="25000"/>
-                  </a:schemeClr>
-                </a:solidFill>
-                <a:latin typeface="冬青黑体简体中文 W3" panose="020B0300000000000000" pitchFamily="34" charset="-122"/>
-                <a:ea typeface="冬青黑体简体中文 W3" panose="020B0300000000000000" pitchFamily="34" charset="-122"/>
-              </a:rPr>
-              <a:t>承由此产生。</a:t>
-            </a:r>
-          </a:p>
         </p:txBody>
       </p:sp>
     </p:spTree>
@@ -8310,11 +8228,11 @@
   <p:clrMapOvr>
     <a:masterClrMapping/>
   </p:clrMapOvr>
-  <mc:AlternateContent xmlns:mc="http://schemas.openxmlformats.org/markup-compatibility/2006">
-    <mc:Choice xmlns:p14="http://schemas.microsoft.com/office/powerpoint/2010/main" Requires="p14">
+  <mc:AlternateContent xmlns:mc="http://schemas.openxmlformats.org/markup-compatibility/2006" xmlns:p14="http://schemas.microsoft.com/office/powerpoint/2010/main">
+    <mc:Choice Requires="p14">
       <p:transition p14:dur="0" advClick="0" advTm="9938"/>
     </mc:Choice>
-    <mc:Fallback>
+    <mc:Fallback xmlns="">
       <p:transition advClick="0" advTm="9938"/>
     </mc:Fallback>
   </mc:AlternateContent>
@@ -8484,11 +8402,11 @@
   <p:clrMapOvr>
     <a:masterClrMapping/>
   </p:clrMapOvr>
-  <mc:AlternateContent xmlns:mc="http://schemas.openxmlformats.org/markup-compatibility/2006">
-    <mc:Choice xmlns:p14="http://schemas.microsoft.com/office/powerpoint/2010/main" Requires="p14">
+  <mc:AlternateContent xmlns:mc="http://schemas.openxmlformats.org/markup-compatibility/2006" xmlns:p14="http://schemas.microsoft.com/office/powerpoint/2010/main">
+    <mc:Choice Requires="p14">
       <p:transition p14:dur="0" advClick="0" advTm="9938"/>
     </mc:Choice>
-    <mc:Fallback>
+    <mc:Fallback xmlns="">
       <p:transition advClick="0" advTm="9938"/>
     </mc:Fallback>
   </mc:AlternateContent>
@@ -8826,11 +8744,11 @@
   <p:clrMapOvr>
     <a:masterClrMapping/>
   </p:clrMapOvr>
-  <mc:AlternateContent xmlns:mc="http://schemas.openxmlformats.org/markup-compatibility/2006">
-    <mc:Choice xmlns:p14="http://schemas.microsoft.com/office/powerpoint/2010/main" Requires="p14">
+  <mc:AlternateContent xmlns:mc="http://schemas.openxmlformats.org/markup-compatibility/2006" xmlns:p14="http://schemas.microsoft.com/office/powerpoint/2010/main">
+    <mc:Choice Requires="p14">
       <p:transition p14:dur="0" advClick="0" advTm="9938"/>
     </mc:Choice>
-    <mc:Fallback>
+    <mc:Fallback xmlns="">
       <p:transition advClick="0" advTm="9938"/>
     </mc:Fallback>
   </mc:AlternateContent>
@@ -9312,11 +9230,11 @@
   <p:clrMapOvr>
     <a:masterClrMapping/>
   </p:clrMapOvr>
-  <mc:AlternateContent xmlns:mc="http://schemas.openxmlformats.org/markup-compatibility/2006">
-    <mc:Choice xmlns:p14="http://schemas.microsoft.com/office/powerpoint/2010/main" Requires="p14">
+  <mc:AlternateContent xmlns:mc="http://schemas.openxmlformats.org/markup-compatibility/2006" xmlns:p14="http://schemas.microsoft.com/office/powerpoint/2010/main">
+    <mc:Choice Requires="p14">
       <p:transition p14:dur="0" advClick="0" advTm="9938"/>
     </mc:Choice>
-    <mc:Fallback>
+    <mc:Fallback xmlns="">
       <p:transition advClick="0" advTm="9938"/>
     </mc:Fallback>
   </mc:AlternateContent>
@@ -10500,11 +10418,11 @@
   <p:clrMapOvr>
     <a:masterClrMapping/>
   </p:clrMapOvr>
-  <mc:AlternateContent xmlns:mc="http://schemas.openxmlformats.org/markup-compatibility/2006">
-    <mc:Choice xmlns:p14="http://schemas.microsoft.com/office/powerpoint/2010/main" Requires="p14">
+  <mc:AlternateContent xmlns:mc="http://schemas.openxmlformats.org/markup-compatibility/2006" xmlns:p14="http://schemas.microsoft.com/office/powerpoint/2010/main">
+    <mc:Choice Requires="p14">
       <p:transition p14:dur="0" advClick="0" advTm="9938"/>
     </mc:Choice>
-    <mc:Fallback>
+    <mc:Fallback xmlns="">
       <p:transition advClick="0" advTm="9938"/>
     </mc:Fallback>
   </mc:AlternateContent>
@@ -10742,11 +10660,11 @@
   <p:clrMapOvr>
     <a:masterClrMapping/>
   </p:clrMapOvr>
-  <mc:AlternateContent xmlns:mc="http://schemas.openxmlformats.org/markup-compatibility/2006">
-    <mc:Choice xmlns:p14="http://schemas.microsoft.com/office/powerpoint/2010/main" Requires="p14">
+  <mc:AlternateContent xmlns:mc="http://schemas.openxmlformats.org/markup-compatibility/2006" xmlns:p14="http://schemas.microsoft.com/office/powerpoint/2010/main">
+    <mc:Choice Requires="p14">
       <p:transition p14:dur="0" advClick="0" advTm="9938"/>
     </mc:Choice>
-    <mc:Fallback>
+    <mc:Fallback xmlns="">
       <p:transition advClick="0" advTm="9938"/>
     </mc:Fallback>
   </mc:AlternateContent>
@@ -10899,11 +10817,11 @@
   <p:clrMapOvr>
     <a:masterClrMapping/>
   </p:clrMapOvr>
-  <mc:AlternateContent xmlns:mc="http://schemas.openxmlformats.org/markup-compatibility/2006">
-    <mc:Choice xmlns:p14="http://schemas.microsoft.com/office/powerpoint/2010/main" Requires="p14">
+  <mc:AlternateContent xmlns:mc="http://schemas.openxmlformats.org/markup-compatibility/2006" xmlns:p14="http://schemas.microsoft.com/office/powerpoint/2010/main">
+    <mc:Choice Requires="p14">
       <p:transition p14:dur="0" advClick="0" advTm="9938"/>
     </mc:Choice>
-    <mc:Fallback>
+    <mc:Fallback xmlns="">
       <p:transition advClick="0" advTm="9938"/>
     </mc:Fallback>
   </mc:AlternateContent>
@@ -11619,11 +11537,11 @@
   <p:clrMapOvr>
     <a:masterClrMapping/>
   </p:clrMapOvr>
-  <mc:AlternateContent xmlns:mc="http://schemas.openxmlformats.org/markup-compatibility/2006">
-    <mc:Choice xmlns:p14="http://schemas.microsoft.com/office/powerpoint/2010/main" Requires="p14">
+  <mc:AlternateContent xmlns:mc="http://schemas.openxmlformats.org/markup-compatibility/2006" xmlns:p14="http://schemas.microsoft.com/office/powerpoint/2010/main">
+    <mc:Choice Requires="p14">
       <p:transition p14:dur="0" advClick="0" advTm="9938"/>
     </mc:Choice>
-    <mc:Fallback>
+    <mc:Fallback xmlns="">
       <p:transition advClick="0" advTm="9938"/>
     </mc:Fallback>
   </mc:AlternateContent>
@@ -11803,11 +11721,11 @@
   <p:clrMapOvr>
     <a:masterClrMapping/>
   </p:clrMapOvr>
-  <mc:AlternateContent xmlns:mc="http://schemas.openxmlformats.org/markup-compatibility/2006">
-    <mc:Choice xmlns:p14="http://schemas.microsoft.com/office/powerpoint/2010/main" Requires="p14">
+  <mc:AlternateContent xmlns:mc="http://schemas.openxmlformats.org/markup-compatibility/2006" xmlns:p14="http://schemas.microsoft.com/office/powerpoint/2010/main">
+    <mc:Choice Requires="p14">
       <p:transition p14:dur="0" advClick="0" advTm="9938"/>
     </mc:Choice>
-    <mc:Fallback>
+    <mc:Fallback xmlns="">
       <p:transition advClick="0" advTm="9938"/>
     </mc:Fallback>
   </mc:AlternateContent>
@@ -12083,11 +12001,11 @@
   <p:clrMapOvr>
     <a:masterClrMapping/>
   </p:clrMapOvr>
-  <mc:AlternateContent xmlns:mc="http://schemas.openxmlformats.org/markup-compatibility/2006">
-    <mc:Choice xmlns:p14="http://schemas.microsoft.com/office/powerpoint/2010/main" Requires="p14">
+  <mc:AlternateContent xmlns:mc="http://schemas.openxmlformats.org/markup-compatibility/2006" xmlns:p14="http://schemas.microsoft.com/office/powerpoint/2010/main">
+    <mc:Choice Requires="p14">
       <p:transition p14:dur="0" advClick="0" advTm="9938"/>
     </mc:Choice>
-    <mc:Fallback>
+    <mc:Fallback xmlns="">
       <p:transition advClick="0" advTm="9938"/>
     </mc:Fallback>
   </mc:AlternateContent>
@@ -12383,11 +12301,11 @@
   <p:clrMapOvr>
     <a:masterClrMapping/>
   </p:clrMapOvr>
-  <mc:AlternateContent xmlns:mc="http://schemas.openxmlformats.org/markup-compatibility/2006">
-    <mc:Choice xmlns:p14="http://schemas.microsoft.com/office/powerpoint/2010/main" Requires="p14">
+  <mc:AlternateContent xmlns:mc="http://schemas.openxmlformats.org/markup-compatibility/2006" xmlns:p14="http://schemas.microsoft.com/office/powerpoint/2010/main">
+    <mc:Choice Requires="p14">
       <p:transition p14:dur="0" advClick="0" advTm="9938"/>
     </mc:Choice>
-    <mc:Fallback>
+    <mc:Fallback xmlns="">
       <p:transition advClick="0" advTm="9938"/>
     </mc:Fallback>
   </mc:AlternateContent>
@@ -12523,11 +12441,11 @@
   <p:clrMapOvr>
     <a:masterClrMapping/>
   </p:clrMapOvr>
-  <mc:AlternateContent xmlns:mc="http://schemas.openxmlformats.org/markup-compatibility/2006">
-    <mc:Choice xmlns:p14="http://schemas.microsoft.com/office/powerpoint/2010/main" Requires="p14">
+  <mc:AlternateContent xmlns:mc="http://schemas.openxmlformats.org/markup-compatibility/2006" xmlns:p14="http://schemas.microsoft.com/office/powerpoint/2010/main">
+    <mc:Choice Requires="p14">
       <p:transition p14:dur="0" advClick="0" advTm="9938"/>
     </mc:Choice>
-    <mc:Fallback>
+    <mc:Fallback xmlns="">
       <p:transition advClick="0" advTm="9938"/>
     </mc:Fallback>
   </mc:AlternateContent>
@@ -12893,11 +12811,11 @@
   <p:clrMapOvr>
     <a:masterClrMapping/>
   </p:clrMapOvr>
-  <mc:AlternateContent xmlns:mc="http://schemas.openxmlformats.org/markup-compatibility/2006">
-    <mc:Choice xmlns:p14="http://schemas.microsoft.com/office/powerpoint/2010/main" Requires="p14">
+  <mc:AlternateContent xmlns:mc="http://schemas.openxmlformats.org/markup-compatibility/2006" xmlns:p14="http://schemas.microsoft.com/office/powerpoint/2010/main">
+    <mc:Choice Requires="p14">
       <p:transition p14:dur="0" advClick="0" advTm="9938"/>
     </mc:Choice>
-    <mc:Fallback>
+    <mc:Fallback xmlns="">
       <p:transition advClick="0" advTm="9938"/>
     </mc:Fallback>
   </mc:AlternateContent>
@@ -13077,11 +12995,11 @@
   <p:clrMapOvr>
     <a:masterClrMapping/>
   </p:clrMapOvr>
-  <mc:AlternateContent xmlns:mc="http://schemas.openxmlformats.org/markup-compatibility/2006">
-    <mc:Choice xmlns:p14="http://schemas.microsoft.com/office/powerpoint/2010/main" Requires="p14">
+  <mc:AlternateContent xmlns:mc="http://schemas.openxmlformats.org/markup-compatibility/2006" xmlns:p14="http://schemas.microsoft.com/office/powerpoint/2010/main">
+    <mc:Choice Requires="p14">
       <p:transition p14:dur="0" advClick="0" advTm="9938"/>
     </mc:Choice>
-    <mc:Fallback>
+    <mc:Fallback xmlns="">
       <p:transition advClick="0" advTm="9938"/>
     </mc:Fallback>
   </mc:AlternateContent>
@@ -13138,11 +13056,7 @@
             </a:r>
             <a:r>
               <a:rPr lang="zh-CN" altLang="en-US" dirty="0" smtClean="0"/>
-              <a:t>例解</a:t>
-            </a:r>
-            <a:r>
-              <a:rPr lang="zh-CN" altLang="en-US" dirty="0" smtClean="0"/>
-              <a:t>析</a:t>
+              <a:t>例解析</a:t>
             </a:r>
             <a:endParaRPr lang="zh-CN" altLang="en-US" dirty="0"/>
           </a:p>
@@ -13182,11 +13096,11 @@
   <p:clrMapOvr>
     <a:masterClrMapping/>
   </p:clrMapOvr>
-  <mc:AlternateContent xmlns:mc="http://schemas.openxmlformats.org/markup-compatibility/2006">
-    <mc:Choice xmlns:p14="http://schemas.microsoft.com/office/powerpoint/2010/main" Requires="p14">
+  <mc:AlternateContent xmlns:mc="http://schemas.openxmlformats.org/markup-compatibility/2006" xmlns:p14="http://schemas.microsoft.com/office/powerpoint/2010/main">
+    <mc:Choice Requires="p14">
       <p:transition p14:dur="0" advClick="0" advTm="9938"/>
     </mc:Choice>
-    <mc:Fallback>
+    <mc:Fallback xmlns="">
       <p:transition advClick="0" advTm="9938"/>
     </mc:Fallback>
   </mc:AlternateContent>
@@ -14537,11 +14451,11 @@
   <p:clrMapOvr>
     <a:masterClrMapping/>
   </p:clrMapOvr>
-  <mc:AlternateContent xmlns:mc="http://schemas.openxmlformats.org/markup-compatibility/2006">
-    <mc:Choice xmlns:p14="http://schemas.microsoft.com/office/powerpoint/2010/main" Requires="p14">
+  <mc:AlternateContent xmlns:mc="http://schemas.openxmlformats.org/markup-compatibility/2006" xmlns:p14="http://schemas.microsoft.com/office/powerpoint/2010/main">
+    <mc:Choice Requires="p14">
       <p:transition p14:dur="0" advClick="0" advTm="9938"/>
     </mc:Choice>
-    <mc:Fallback>
+    <mc:Fallback xmlns="">
       <p:transition advClick="0" advTm="9938"/>
     </mc:Fallback>
   </mc:AlternateContent>
@@ -16573,11 +16487,11 @@
   <p:clrMapOvr>
     <a:masterClrMapping/>
   </p:clrMapOvr>
-  <mc:AlternateContent xmlns:mc="http://schemas.openxmlformats.org/markup-compatibility/2006">
-    <mc:Choice xmlns:p14="http://schemas.microsoft.com/office/powerpoint/2010/main" Requires="p14">
+  <mc:AlternateContent xmlns:mc="http://schemas.openxmlformats.org/markup-compatibility/2006" xmlns:p14="http://schemas.microsoft.com/office/powerpoint/2010/main">
+    <mc:Choice Requires="p14">
       <p:transition p14:dur="0" advClick="0" advTm="9938"/>
     </mc:Choice>
-    <mc:Fallback>
+    <mc:Fallback xmlns="">
       <p:transition advClick="0" advTm="9938"/>
     </mc:Fallback>
   </mc:AlternateContent>
@@ -16739,11 +16653,11 @@
   <p:clrMapOvr>
     <a:masterClrMapping/>
   </p:clrMapOvr>
-  <mc:AlternateContent xmlns:mc="http://schemas.openxmlformats.org/markup-compatibility/2006">
-    <mc:Choice xmlns:p14="http://schemas.microsoft.com/office/powerpoint/2010/main" Requires="p14">
+  <mc:AlternateContent xmlns:mc="http://schemas.openxmlformats.org/markup-compatibility/2006" xmlns:p14="http://schemas.microsoft.com/office/powerpoint/2010/main">
+    <mc:Choice Requires="p14">
       <p:transition p14:dur="0" advClick="0" advTm="9938"/>
     </mc:Choice>
-    <mc:Fallback>
+    <mc:Fallback xmlns="">
       <p:transition advClick="0" advTm="9938"/>
     </mc:Fallback>
   </mc:AlternateContent>
@@ -16950,11 +16864,11 @@
   <p:clrMapOvr>
     <a:masterClrMapping/>
   </p:clrMapOvr>
-  <mc:AlternateContent xmlns:mc="http://schemas.openxmlformats.org/markup-compatibility/2006">
-    <mc:Choice xmlns:p14="http://schemas.microsoft.com/office/powerpoint/2010/main" Requires="p14">
+  <mc:AlternateContent xmlns:mc="http://schemas.openxmlformats.org/markup-compatibility/2006" xmlns:p14="http://schemas.microsoft.com/office/powerpoint/2010/main">
+    <mc:Choice Requires="p14">
       <p:transition p14:dur="0" advClick="0" advTm="9938"/>
     </mc:Choice>
-    <mc:Fallback>
+    <mc:Fallback xmlns="">
       <p:transition advClick="0" advTm="9938"/>
     </mc:Fallback>
   </mc:AlternateContent>
@@ -17061,11 +16975,11 @@
   <p:clrMapOvr>
     <a:masterClrMapping/>
   </p:clrMapOvr>
-  <mc:AlternateContent xmlns:mc="http://schemas.openxmlformats.org/markup-compatibility/2006">
-    <mc:Choice xmlns:p14="http://schemas.microsoft.com/office/powerpoint/2010/main" Requires="p14">
+  <mc:AlternateContent xmlns:mc="http://schemas.openxmlformats.org/markup-compatibility/2006" xmlns:p14="http://schemas.microsoft.com/office/powerpoint/2010/main">
+    <mc:Choice Requires="p14">
       <p:transition p14:dur="0" advClick="0" advTm="9938"/>
     </mc:Choice>
-    <mc:Fallback>
+    <mc:Fallback xmlns="">
       <p:transition advClick="0" advTm="9938"/>
     </mc:Fallback>
   </mc:AlternateContent>
@@ -17405,11 +17319,11 @@
   <p:clrMapOvr>
     <a:masterClrMapping/>
   </p:clrMapOvr>
-  <mc:AlternateContent xmlns:mc="http://schemas.openxmlformats.org/markup-compatibility/2006">
-    <mc:Choice xmlns:p14="http://schemas.microsoft.com/office/powerpoint/2010/main" Requires="p14">
+  <mc:AlternateContent xmlns:mc="http://schemas.openxmlformats.org/markup-compatibility/2006" xmlns:p14="http://schemas.microsoft.com/office/powerpoint/2010/main">
+    <mc:Choice Requires="p14">
       <p:transition p14:dur="0" advClick="0" advTm="9938"/>
     </mc:Choice>
-    <mc:Fallback>
+    <mc:Fallback xmlns="">
       <p:transition advClick="0" advTm="9938"/>
     </mc:Fallback>
   </mc:AlternateContent>
@@ -17516,11 +17430,11 @@
   <p:clrMapOvr>
     <a:masterClrMapping/>
   </p:clrMapOvr>
-  <mc:AlternateContent xmlns:mc="http://schemas.openxmlformats.org/markup-compatibility/2006">
-    <mc:Choice xmlns:p14="http://schemas.microsoft.com/office/powerpoint/2010/main" Requires="p14">
+  <mc:AlternateContent xmlns:mc="http://schemas.openxmlformats.org/markup-compatibility/2006" xmlns:p14="http://schemas.microsoft.com/office/powerpoint/2010/main">
+    <mc:Choice Requires="p14">
       <p:transition p14:dur="0" advClick="0" advTm="9938"/>
     </mc:Choice>
-    <mc:Fallback>
+    <mc:Fallback xmlns="">
       <p:transition advClick="0" advTm="9938"/>
     </mc:Fallback>
   </mc:AlternateContent>
@@ -17782,11 +17696,11 @@
   <p:clrMapOvr>
     <a:masterClrMapping/>
   </p:clrMapOvr>
-  <mc:AlternateContent xmlns:mc="http://schemas.openxmlformats.org/markup-compatibility/2006">
-    <mc:Choice xmlns:p14="http://schemas.microsoft.com/office/powerpoint/2010/main" Requires="p14">
+  <mc:AlternateContent xmlns:mc="http://schemas.openxmlformats.org/markup-compatibility/2006" xmlns:p14="http://schemas.microsoft.com/office/powerpoint/2010/main">
+    <mc:Choice Requires="p14">
       <p:transition p14:dur="0" advClick="0" advTm="9938"/>
     </mc:Choice>
-    <mc:Fallback>
+    <mc:Fallback xmlns="">
       <p:transition advClick="0" advTm="9938"/>
     </mc:Fallback>
   </mc:AlternateContent>
@@ -18658,11 +18572,11 @@
   <p:clrMapOvr>
     <a:masterClrMapping/>
   </p:clrMapOvr>
-  <mc:AlternateContent xmlns:mc="http://schemas.openxmlformats.org/markup-compatibility/2006">
-    <mc:Choice xmlns:p14="http://schemas.microsoft.com/office/powerpoint/2010/main" Requires="p14">
+  <mc:AlternateContent xmlns:mc="http://schemas.openxmlformats.org/markup-compatibility/2006" xmlns:p14="http://schemas.microsoft.com/office/powerpoint/2010/main">
+    <mc:Choice Requires="p14">
       <p:transition p14:dur="0" advClick="0" advTm="9938"/>
     </mc:Choice>
-    <mc:Fallback>
+    <mc:Fallback xmlns="">
       <p:transition advClick="0" advTm="9938"/>
     </mc:Fallback>
   </mc:AlternateContent>
@@ -18763,11 +18677,11 @@
   <p:clrMapOvr>
     <a:masterClrMapping/>
   </p:clrMapOvr>
-  <mc:AlternateContent xmlns:mc="http://schemas.openxmlformats.org/markup-compatibility/2006">
-    <mc:Choice xmlns:p14="http://schemas.microsoft.com/office/powerpoint/2010/main" Requires="p14">
+  <mc:AlternateContent xmlns:mc="http://schemas.openxmlformats.org/markup-compatibility/2006" xmlns:p14="http://schemas.microsoft.com/office/powerpoint/2010/main">
+    <mc:Choice Requires="p14">
       <p:transition p14:dur="0" advClick="0" advTm="9938"/>
     </mc:Choice>
-    <mc:Fallback>
+    <mc:Fallback xmlns="">
       <p:transition advClick="0" advTm="9938"/>
     </mc:Fallback>
   </mc:AlternateContent>
